--- a/Gantt_chart_Msc_Bioinf.pptx
+++ b/Gantt_chart_Msc_Bioinf.pptx
@@ -5735,6 +5735,67 @@
           </a:p>
         </p:txBody>
       </p:sp>
+      <p:sp>
+        <p:nvSpPr>
+          <p:cNvPr id="14" name="TextBox 13">
+            <a:extLst>
+              <a:ext uri="{FF2B5EF4-FFF2-40B4-BE49-F238E27FC236}">
+                <a16:creationId xmlns:a16="http://schemas.microsoft.com/office/drawing/2014/main" id="{CDF9542C-C24A-401E-8EFE-D80C0A7F0607}"/>
+              </a:ext>
+            </a:extLst>
+          </p:cNvPr>
+          <p:cNvSpPr txBox="1"/>
+          <p:nvPr/>
+        </p:nvSpPr>
+        <p:spPr>
+          <a:xfrm>
+            <a:off x="4190544" y="1549400"/>
+            <a:ext cx="4735142" cy="400110"/>
+          </a:xfrm>
+          <a:prstGeom prst="rect">
+            <a:avLst/>
+          </a:prstGeom>
+          <a:noFill/>
+        </p:spPr>
+        <p:txBody>
+          <a:bodyPr wrap="none" rtlCol="0">
+            <a:spAutoFit/>
+          </a:bodyPr>
+          <a:lstStyle/>
+          <a:p>
+            <a:pPr algn="ctr"/>
+            <a:r>
+              <a:rPr lang="de-DE" sz="2000" b="1" dirty="0" err="1"/>
+              <a:t>MSc</a:t>
+            </a:r>
+            <a:r>
+              <a:rPr lang="de-DE" sz="2000" b="1" dirty="0"/>
+              <a:t> Research Project - Plan </a:t>
+            </a:r>
+            <a:r>
+              <a:rPr lang="de-DE" sz="2000" b="1" dirty="0" err="1"/>
+              <a:t>for</a:t>
+            </a:r>
+            <a:r>
+              <a:rPr lang="de-DE" sz="2000" b="1" dirty="0"/>
+              <a:t> </a:t>
+            </a:r>
+            <a:r>
+              <a:rPr lang="de-DE" sz="2000" b="1" dirty="0" err="1"/>
+              <a:t>first</a:t>
+            </a:r>
+            <a:r>
+              <a:rPr lang="de-DE" sz="2000" b="1" dirty="0"/>
+              <a:t> </a:t>
+            </a:r>
+            <a:r>
+              <a:rPr lang="de-DE" sz="2000" b="1" dirty="0" err="1"/>
+              <a:t>month</a:t>
+            </a:r>
+            <a:endParaRPr lang="en-US" sz="2000" b="1" dirty="0"/>
+          </a:p>
+        </p:txBody>
+      </p:sp>
     </p:spTree>
     <p:custDataLst>
       <p:tags r:id="rId1"/>
@@ -6446,21 +6507,6 @@
 </file>
 
 <file path=customXml/item1.xml><?xml version="1.0" encoding="utf-8"?>
-<?mso-contentType ?>
-<FormTemplates xmlns="http://schemas.microsoft.com/sharepoint/v3/contenttype/forms">
-  <Display>DocumentLibraryForm</Display>
-  <Edit>DocumentLibraryForm</Edit>
-  <New>DocumentLibraryForm</New>
-</FormTemplates>
-</file>
-
-<file path=customXml/item2.xml><?xml version="1.0" encoding="utf-8"?>
-<p:properties xmlns:p="http://schemas.microsoft.com/office/2006/metadata/properties" xmlns:xsi="http://www.w3.org/2001/XMLSchema-instance" xmlns:pc="http://schemas.microsoft.com/office/infopath/2007/PartnerControls">
-  <documentManagement/>
-</p:properties>
-</file>
-
-<file path=customXml/item3.xml><?xml version="1.0" encoding="utf-8"?>
 <ct:contentTypeSchema xmlns:ct="http://schemas.microsoft.com/office/2006/metadata/contentType" xmlns:ma="http://schemas.microsoft.com/office/2006/metadata/properties/metaAttributes" ct:_="" ma:_="" ma:contentTypeName="Document" ma:contentTypeID="0x0101009F5D4579C79BA848862C07EA745A59DA" ma:contentTypeVersion="12" ma:contentTypeDescription="Create a new document." ma:contentTypeScope="" ma:versionID="561b97d3cd4e430cff1b017a8df43b50">
   <xsd:schema xmlns:xsd="http://www.w3.org/2001/XMLSchema" xmlns:xs="http://www.w3.org/2001/XMLSchema" xmlns:p="http://schemas.microsoft.com/office/2006/metadata/properties" xmlns:ns3="7a019f6c-b0e0-4e4c-a8bf-0404b70041b7" xmlns:ns4="3a44955a-9611-4e11-b394-5c7f996d2a5e" targetNamespace="http://schemas.microsoft.com/office/2006/metadata/properties" ma:root="true" ma:fieldsID="f385fe62994dfd7c4b5d8e86d7939601" ns3:_="" ns4:_="">
     <xsd:import namespace="7a019f6c-b0e0-4e4c-a8bf-0404b70041b7"/>
@@ -6677,32 +6723,22 @@
 </ct:contentTypeSchema>
 </file>
 
+<file path=customXml/item2.xml><?xml version="1.0" encoding="utf-8"?>
+<p:properties xmlns:p="http://schemas.microsoft.com/office/2006/metadata/properties" xmlns:xsi="http://www.w3.org/2001/XMLSchema-instance" xmlns:pc="http://schemas.microsoft.com/office/infopath/2007/PartnerControls">
+  <documentManagement/>
+</p:properties>
+</file>
+
+<file path=customXml/item3.xml><?xml version="1.0" encoding="utf-8"?>
+<?mso-contentType ?>
+<FormTemplates xmlns="http://schemas.microsoft.com/sharepoint/v3/contenttype/forms">
+  <Display>DocumentLibraryForm</Display>
+  <Edit>DocumentLibraryForm</Edit>
+  <New>DocumentLibraryForm</New>
+</FormTemplates>
+</file>
+
 <file path=customXml/itemProps1.xml><?xml version="1.0" encoding="utf-8"?>
-<ds:datastoreItem xmlns:ds="http://schemas.openxmlformats.org/officeDocument/2006/customXml" ds:itemID="{B9505F6C-6655-4394-A390-5D0FFB49AEA6}">
-  <ds:schemaRefs>
-    <ds:schemaRef ds:uri="http://schemas.microsoft.com/sharepoint/v3/contenttype/forms"/>
-  </ds:schemaRefs>
-</ds:datastoreItem>
-</file>
-
-<file path=customXml/itemProps2.xml><?xml version="1.0" encoding="utf-8"?>
-<ds:datastoreItem xmlns:ds="http://schemas.openxmlformats.org/officeDocument/2006/customXml" ds:itemID="{A75EC8C0-5113-4EFD-AE80-6BEE7563151B}">
-  <ds:schemaRefs>
-    <ds:schemaRef ds:uri="7a019f6c-b0e0-4e4c-a8bf-0404b70041b7"/>
-    <ds:schemaRef ds:uri="3a44955a-9611-4e11-b394-5c7f996d2a5e"/>
-    <ds:schemaRef ds:uri="http://schemas.microsoft.com/office/2006/metadata/properties"/>
-    <ds:schemaRef ds:uri="http://www.w3.org/XML/1998/namespace"/>
-    <ds:schemaRef ds:uri="http://schemas.microsoft.com/office/infopath/2007/PartnerControls"/>
-    <ds:schemaRef ds:uri="http://purl.org/dc/terms/"/>
-    <ds:schemaRef ds:uri="http://schemas.openxmlformats.org/package/2006/metadata/core-properties"/>
-    <ds:schemaRef ds:uri="http://schemas.microsoft.com/office/2006/documentManagement/types"/>
-    <ds:schemaRef ds:uri="http://purl.org/dc/dcmitype/"/>
-    <ds:schemaRef ds:uri="http://purl.org/dc/elements/1.1/"/>
-  </ds:schemaRefs>
-</ds:datastoreItem>
-</file>
-
-<file path=customXml/itemProps3.xml><?xml version="1.0" encoding="utf-8"?>
 <ds:datastoreItem xmlns:ds="http://schemas.openxmlformats.org/officeDocument/2006/customXml" ds:itemID="{155CF974-FFF5-49BF-A517-7EABF81AD041}">
   <ds:schemaRefs>
     <ds:schemaRef ds:uri="http://schemas.microsoft.com/office/2006/metadata/contentType"/>
@@ -6719,4 +6755,29 @@
     <ds:schemaRef ds:uri="http://schemas.microsoft.com/internal/obd"/>
   </ds:schemaRefs>
 </ds:datastoreItem>
+</file>
+
+<file path=customXml/itemProps2.xml><?xml version="1.0" encoding="utf-8"?>
+<ds:datastoreItem xmlns:ds="http://schemas.openxmlformats.org/officeDocument/2006/customXml" ds:itemID="{A75EC8C0-5113-4EFD-AE80-6BEE7563151B}">
+  <ds:schemaRefs>
+    <ds:schemaRef ds:uri="7a019f6c-b0e0-4e4c-a8bf-0404b70041b7"/>
+    <ds:schemaRef ds:uri="3a44955a-9611-4e11-b394-5c7f996d2a5e"/>
+    <ds:schemaRef ds:uri="http://schemas.microsoft.com/office/2006/metadata/properties"/>
+    <ds:schemaRef ds:uri="http://www.w3.org/XML/1998/namespace"/>
+    <ds:schemaRef ds:uri="http://schemas.microsoft.com/office/infopath/2007/PartnerControls"/>
+    <ds:schemaRef ds:uri="http://purl.org/dc/terms/"/>
+    <ds:schemaRef ds:uri="http://schemas.openxmlformats.org/package/2006/metadata/core-properties"/>
+    <ds:schemaRef ds:uri="http://schemas.microsoft.com/office/2006/documentManagement/types"/>
+    <ds:schemaRef ds:uri="http://purl.org/dc/dcmitype/"/>
+    <ds:schemaRef ds:uri="http://purl.org/dc/elements/1.1/"/>
+  </ds:schemaRefs>
+</ds:datastoreItem>
+</file>
+
+<file path=customXml/itemProps3.xml><?xml version="1.0" encoding="utf-8"?>
+<ds:datastoreItem xmlns:ds="http://schemas.openxmlformats.org/officeDocument/2006/customXml" ds:itemID="{B9505F6C-6655-4394-A390-5D0FFB49AEA6}">
+  <ds:schemaRefs>
+    <ds:schemaRef ds:uri="http://schemas.microsoft.com/sharepoint/v3/contenttype/forms"/>
+  </ds:schemaRefs>
+</ds:datastoreItem>
 </file>
--- a/Gantt_chart_Msc_Bioinf.pptx
+++ b/Gantt_chart_Msc_Bioinf.pptx
@@ -6,6 +6,7 @@
   </p:sldMasterIdLst>
   <p:sldIdLst>
     <p:sldId id="271" r:id="rId5"/>
+    <p:sldId id="272" r:id="rId6"/>
   </p:sldIdLst>
   <p:sldSz cx="12192000" cy="6858000"/>
   <p:notesSz cx="6858000" cy="9144000"/>
@@ -252,7 +253,7 @@
           <a:p>
             <a:fld id="{FE109C0C-FC66-4590-BD55-29E450DD3C9E}" type="datetimeFigureOut">
               <a:rPr lang="en-US" smtClean="0"/>
-              <a:t>3/17/2022</a:t>
+              <a:t>4/11/2022</a:t>
             </a:fld>
             <a:endParaRPr lang="en-US" dirty="0"/>
           </a:p>
@@ -420,7 +421,7 @@
           <a:p>
             <a:fld id="{FE109C0C-FC66-4590-BD55-29E450DD3C9E}" type="datetimeFigureOut">
               <a:rPr lang="en-US" smtClean="0"/>
-              <a:t>3/17/2022</a:t>
+              <a:t>4/11/2022</a:t>
             </a:fld>
             <a:endParaRPr lang="en-US" dirty="0"/>
           </a:p>
@@ -598,7 +599,7 @@
           <a:p>
             <a:fld id="{FE109C0C-FC66-4590-BD55-29E450DD3C9E}" type="datetimeFigureOut">
               <a:rPr lang="en-US" smtClean="0"/>
-              <a:t>3/17/2022</a:t>
+              <a:t>4/11/2022</a:t>
             </a:fld>
             <a:endParaRPr lang="en-US" dirty="0"/>
           </a:p>
@@ -766,7 +767,7 @@
           <a:p>
             <a:fld id="{FE109C0C-FC66-4590-BD55-29E450DD3C9E}" type="datetimeFigureOut">
               <a:rPr lang="en-US" smtClean="0"/>
-              <a:t>3/17/2022</a:t>
+              <a:t>4/11/2022</a:t>
             </a:fld>
             <a:endParaRPr lang="en-US" dirty="0"/>
           </a:p>
@@ -1011,7 +1012,7 @@
           <a:p>
             <a:fld id="{FE109C0C-FC66-4590-BD55-29E450DD3C9E}" type="datetimeFigureOut">
               <a:rPr lang="en-US" smtClean="0"/>
-              <a:t>3/17/2022</a:t>
+              <a:t>4/11/2022</a:t>
             </a:fld>
             <a:endParaRPr lang="en-US" dirty="0"/>
           </a:p>
@@ -1240,7 +1241,7 @@
           <a:p>
             <a:fld id="{FE109C0C-FC66-4590-BD55-29E450DD3C9E}" type="datetimeFigureOut">
               <a:rPr lang="en-US" smtClean="0"/>
-              <a:t>3/17/2022</a:t>
+              <a:t>4/11/2022</a:t>
             </a:fld>
             <a:endParaRPr lang="en-US" dirty="0"/>
           </a:p>
@@ -1604,7 +1605,7 @@
           <a:p>
             <a:fld id="{FE109C0C-FC66-4590-BD55-29E450DD3C9E}" type="datetimeFigureOut">
               <a:rPr lang="en-US" smtClean="0"/>
-              <a:t>3/17/2022</a:t>
+              <a:t>4/11/2022</a:t>
             </a:fld>
             <a:endParaRPr lang="en-US" dirty="0"/>
           </a:p>
@@ -1721,7 +1722,7 @@
           <a:p>
             <a:fld id="{FE109C0C-FC66-4590-BD55-29E450DD3C9E}" type="datetimeFigureOut">
               <a:rPr lang="en-US" smtClean="0"/>
-              <a:t>3/17/2022</a:t>
+              <a:t>4/11/2022</a:t>
             </a:fld>
             <a:endParaRPr lang="en-US" dirty="0"/>
           </a:p>
@@ -1816,7 +1817,7 @@
           <a:p>
             <a:fld id="{FE109C0C-FC66-4590-BD55-29E450DD3C9E}" type="datetimeFigureOut">
               <a:rPr lang="en-US" smtClean="0"/>
-              <a:t>3/17/2022</a:t>
+              <a:t>4/11/2022</a:t>
             </a:fld>
             <a:endParaRPr lang="en-US" dirty="0"/>
           </a:p>
@@ -2091,7 +2092,7 @@
           <a:p>
             <a:fld id="{FE109C0C-FC66-4590-BD55-29E450DD3C9E}" type="datetimeFigureOut">
               <a:rPr lang="en-US" smtClean="0"/>
-              <a:t>3/17/2022</a:t>
+              <a:t>4/11/2022</a:t>
             </a:fld>
             <a:endParaRPr lang="en-US" dirty="0"/>
           </a:p>
@@ -2343,7 +2344,7 @@
           <a:p>
             <a:fld id="{FE109C0C-FC66-4590-BD55-29E450DD3C9E}" type="datetimeFigureOut">
               <a:rPr lang="en-US" smtClean="0"/>
-              <a:t>3/17/2022</a:t>
+              <a:t>4/11/2022</a:t>
             </a:fld>
             <a:endParaRPr lang="en-US" dirty="0"/>
           </a:p>
@@ -2554,7 +2555,7 @@
           <a:p>
             <a:fld id="{FE109C0C-FC66-4590-BD55-29E450DD3C9E}" type="datetimeFigureOut">
               <a:rPr lang="en-US" smtClean="0"/>
-              <a:t>3/17/2022</a:t>
+              <a:t>4/11/2022</a:t>
             </a:fld>
             <a:endParaRPr lang="en-US" dirty="0"/>
           </a:p>
@@ -3160,7 +3161,7 @@
         <p:spPr>
           <a:xfrm>
             <a:off x="1155700" y="5346700"/>
-            <a:ext cx="1295400" cy="50800"/>
+            <a:ext cx="6908800" cy="50800"/>
           </a:xfrm>
           <a:prstGeom prst="roundRect">
             <a:avLst/>
@@ -3240,7 +3241,7 @@
         </p:nvSpPr>
         <p:spPr>
           <a:xfrm>
-            <a:off x="2406656" y="5397500"/>
+            <a:off x="8026763" y="5397500"/>
             <a:ext cx="76200" cy="84667"/>
           </a:xfrm>
           <a:prstGeom prst="triangle">
@@ -3312,7 +3313,7 @@
         </p:nvSpPr>
         <p:spPr>
           <a:xfrm>
-            <a:off x="2262813" y="5482167"/>
+            <a:off x="7882920" y="5482167"/>
             <a:ext cx="368300" cy="186055"/>
           </a:xfrm>
           <a:prstGeom prst="rect">
@@ -3358,7 +3359,7 @@
         <p:spPr>
           <a:xfrm>
             <a:off x="1219200" y="5177472"/>
-            <a:ext cx="469900" cy="186055"/>
+            <a:ext cx="255776" cy="186055"/>
           </a:xfrm>
           <a:prstGeom prst="rect">
             <a:avLst/>
@@ -3372,13 +3373,13 @@
           <a:lstStyle/>
           <a:p>
             <a:r>
-              <a:rPr lang="en-US" sz="1200" spc="-14">
+              <a:rPr lang="en-US" sz="1200" spc="-18">
                 <a:solidFill>
                   <a:schemeClr val="lt1"/>
                 </a:solidFill>
                 <a:latin typeface="Calibri" panose="020F0502020204030204" pitchFamily="34" charset="0"/>
               </a:rPr>
-              <a:t>Week 1</a:t>
+              <a:t>Mar</a:t>
             </a:r>
           </a:p>
         </p:txBody>
@@ -3401,8 +3402,8 @@
         </p:nvSpPr>
         <p:spPr>
           <a:xfrm>
-            <a:off x="3760810" y="5177472"/>
-            <a:ext cx="75470" cy="186055"/>
+            <a:off x="6385750" y="5177472"/>
+            <a:ext cx="219740" cy="186055"/>
           </a:xfrm>
           <a:prstGeom prst="rect">
             <a:avLst/>
@@ -3416,23 +3417,23 @@
           <a:lstStyle/>
           <a:p>
             <a:r>
-              <a:rPr lang="en-US" sz="1200" spc="-40">
+              <a:rPr lang="en-US" sz="1200" spc="-18">
                 <a:solidFill>
                   <a:schemeClr val="lt1"/>
                 </a:solidFill>
                 <a:latin typeface="Calibri" panose="020F0502020204030204" pitchFamily="34" charset="0"/>
               </a:rPr>
-              <a:t>2</a:t>
-            </a:r>
-          </a:p>
-        </p:txBody>
-      </p:sp>
-      <p:sp>
-        <p:nvSpPr>
-          <p:cNvPr id="10" name="OTLSHAPE_TB_00000000000000000000000000000000_TimescaleInterval3">
-            <a:extLst>
-              <a:ext uri="{FF2B5EF4-FFF2-40B4-BE49-F238E27FC236}">
-                <a16:creationId xmlns:a16="http://schemas.microsoft.com/office/drawing/2014/main" id="{9DEA18D0-3504-4F73-B1A9-AD82EFF13CF2}"/>
+              <a:t>Apr</a:t>
+            </a:r>
+          </a:p>
+        </p:txBody>
+      </p:sp>
+      <p:sp>
+        <p:nvSpPr>
+          <p:cNvPr id="12" name="OTLSHAPE_TB_00000000000000000000000000000000_ScaleMarking1">
+            <a:extLst>
+              <a:ext uri="{FF2B5EF4-FFF2-40B4-BE49-F238E27FC236}">
+                <a16:creationId xmlns:a16="http://schemas.microsoft.com/office/drawing/2014/main" id="{485A0629-C63C-40B2-9CD9-3FFFEBAA1DCB}"/>
               </a:ext>
             </a:extLst>
           </p:cNvPr>
@@ -3440,50 +3441,6 @@
           <p:nvPr>
             <p:custDataLst>
               <p:tags r:id="rId10"/>
-            </p:custDataLst>
-          </p:nvPr>
-        </p:nvSpPr>
-        <p:spPr>
-          <a:xfrm>
-            <a:off x="6302420" y="5177472"/>
-            <a:ext cx="75470" cy="186055"/>
-          </a:xfrm>
-          <a:prstGeom prst="rect">
-            <a:avLst/>
-          </a:prstGeom>
-          <a:noFill/>
-        </p:spPr>
-        <p:txBody>
-          <a:bodyPr vert="horz" wrap="none" lIns="0" tIns="0" rIns="0" bIns="0" rtlCol="0" anchor="ctr" anchorCtr="0">
-            <a:noAutofit/>
-          </a:bodyPr>
-          <a:lstStyle/>
-          <a:p>
-            <a:r>
-              <a:rPr lang="en-US" sz="1200" spc="-40">
-                <a:solidFill>
-                  <a:schemeClr val="lt1"/>
-                </a:solidFill>
-                <a:latin typeface="Calibri" panose="020F0502020204030204" pitchFamily="34" charset="0"/>
-              </a:rPr>
-              <a:t>3</a:t>
-            </a:r>
-          </a:p>
-        </p:txBody>
-      </p:sp>
-      <p:sp>
-        <p:nvSpPr>
-          <p:cNvPr id="12" name="OTLSHAPE_TB_00000000000000000000000000000000_ScaleMarking1">
-            <a:extLst>
-              <a:ext uri="{FF2B5EF4-FFF2-40B4-BE49-F238E27FC236}">
-                <a16:creationId xmlns:a16="http://schemas.microsoft.com/office/drawing/2014/main" id="{485A0629-C63C-40B2-9CD9-3FFFEBAA1DCB}"/>
-              </a:ext>
-            </a:extLst>
-          </p:cNvPr>
-          <p:cNvSpPr txBox="1"/>
-          <p:nvPr>
-            <p:custDataLst>
-              <p:tags r:id="rId11"/>
             </p:custDataLst>
           </p:nvPr>
         </p:nvSpPr>
@@ -3515,50 +3472,6 @@
           </a:p>
         </p:txBody>
       </p:sp>
-      <p:sp>
-        <p:nvSpPr>
-          <p:cNvPr id="13" name="OTLSHAPE_TB_00000000000000000000000000000000_TimescaleInterval4">
-            <a:extLst>
-              <a:ext uri="{FF2B5EF4-FFF2-40B4-BE49-F238E27FC236}">
-                <a16:creationId xmlns:a16="http://schemas.microsoft.com/office/drawing/2014/main" id="{B7D71BC6-5596-4A8B-81EA-347C23C7825A}"/>
-              </a:ext>
-            </a:extLst>
-          </p:cNvPr>
-          <p:cNvSpPr txBox="1"/>
-          <p:nvPr>
-            <p:custDataLst>
-              <p:tags r:id="rId12"/>
-            </p:custDataLst>
-          </p:nvPr>
-        </p:nvSpPr>
-        <p:spPr>
-          <a:xfrm>
-            <a:off x="8844029" y="5177472"/>
-            <a:ext cx="75470" cy="186055"/>
-          </a:xfrm>
-          <a:prstGeom prst="rect">
-            <a:avLst/>
-          </a:prstGeom>
-          <a:noFill/>
-        </p:spPr>
-        <p:txBody>
-          <a:bodyPr vert="horz" wrap="none" lIns="0" tIns="0" rIns="0" bIns="0" rtlCol="0" anchor="ctr" anchorCtr="0">
-            <a:noAutofit/>
-          </a:bodyPr>
-          <a:lstStyle/>
-          <a:p>
-            <a:r>
-              <a:rPr lang="en-US" sz="1200" spc="-40">
-                <a:solidFill>
-                  <a:schemeClr val="lt1"/>
-                </a:solidFill>
-                <a:latin typeface="Calibri" panose="020F0502020204030204" pitchFamily="34" charset="0"/>
-              </a:rPr>
-              <a:t>4</a:t>
-            </a:r>
-          </a:p>
-        </p:txBody>
-      </p:sp>
       <p:cxnSp>
         <p:nvCxnSpPr>
           <p:cNvPr id="119" name="OTLSHAPE_TB_00000000000000000000000000000000_Separator1">
@@ -3571,13 +3484,13 @@
           <p:cNvCxnSpPr/>
           <p:nvPr>
             <p:custDataLst>
-              <p:tags r:id="rId13"/>
+              <p:tags r:id="rId11"/>
             </p:custDataLst>
           </p:nvPr>
         </p:nvCxnSpPr>
         <p:spPr>
           <a:xfrm>
-            <a:off x="3697305" y="5232400"/>
+            <a:off x="6322248" y="5232400"/>
             <a:ext cx="0" cy="76200"/>
           </a:xfrm>
           <a:prstGeom prst="line">
@@ -3610,108 +3523,6 @@
           </a:fontRef>
         </p:style>
       </p:cxnSp>
-      <p:cxnSp>
-        <p:nvCxnSpPr>
-          <p:cNvPr id="120" name="OTLSHAPE_TB_00000000000000000000000000000000_Separator2">
-            <a:extLst>
-              <a:ext uri="{FF2B5EF4-FFF2-40B4-BE49-F238E27FC236}">
-                <a16:creationId xmlns:a16="http://schemas.microsoft.com/office/drawing/2014/main" id="{D52D8C29-F614-4B3C-B59B-B26275DF3BB2}"/>
-              </a:ext>
-            </a:extLst>
-          </p:cNvPr>
-          <p:cNvCxnSpPr/>
-          <p:nvPr>
-            <p:custDataLst>
-              <p:tags r:id="rId14"/>
-            </p:custDataLst>
-          </p:nvPr>
-        </p:nvCxnSpPr>
-        <p:spPr>
-          <a:xfrm>
-            <a:off x="6238915" y="5232400"/>
-            <a:ext cx="0" cy="76200"/>
-          </a:xfrm>
-          <a:prstGeom prst="line">
-            <a:avLst/>
-          </a:prstGeom>
-          <a:ln w="9525" cap="flat" cmpd="sng" algn="ctr">
-            <a:solidFill>
-              <a:schemeClr val="lt1">
-                <a:alpha val="29804"/>
-              </a:schemeClr>
-            </a:solidFill>
-            <a:prstDash val="solid"/>
-            <a:miter lim="800000"/>
-            <a:headEnd type="none" w="med" len="med"/>
-            <a:tailEnd type="none" w="med" len="med"/>
-          </a:ln>
-        </p:spPr>
-        <p:style>
-          <a:lnRef idx="1">
-            <a:schemeClr val="accent1"/>
-          </a:lnRef>
-          <a:fillRef idx="0">
-            <a:schemeClr val="accent1"/>
-          </a:fillRef>
-          <a:effectRef idx="0">
-            <a:schemeClr val="accent1"/>
-          </a:effectRef>
-          <a:fontRef idx="minor">
-            <a:schemeClr val="tx1"/>
-          </a:fontRef>
-        </p:style>
-      </p:cxnSp>
-      <p:cxnSp>
-        <p:nvCxnSpPr>
-          <p:cNvPr id="11" name="OTLSHAPE_TB_00000000000000000000000000000000_Separator3">
-            <a:extLst>
-              <a:ext uri="{FF2B5EF4-FFF2-40B4-BE49-F238E27FC236}">
-                <a16:creationId xmlns:a16="http://schemas.microsoft.com/office/drawing/2014/main" id="{79C420EB-8A9C-43F4-B508-54302BE049BC}"/>
-              </a:ext>
-            </a:extLst>
-          </p:cNvPr>
-          <p:cNvCxnSpPr/>
-          <p:nvPr>
-            <p:custDataLst>
-              <p:tags r:id="rId15"/>
-            </p:custDataLst>
-          </p:nvPr>
-        </p:nvCxnSpPr>
-        <p:spPr>
-          <a:xfrm>
-            <a:off x="8780525" y="5232400"/>
-            <a:ext cx="0" cy="76200"/>
-          </a:xfrm>
-          <a:prstGeom prst="line">
-            <a:avLst/>
-          </a:prstGeom>
-          <a:ln w="9525" cap="flat" cmpd="sng" algn="ctr">
-            <a:solidFill>
-              <a:schemeClr val="lt1">
-                <a:alpha val="29804"/>
-              </a:schemeClr>
-            </a:solidFill>
-            <a:prstDash val="solid"/>
-            <a:miter lim="800000"/>
-            <a:headEnd type="none" w="med" len="med"/>
-            <a:tailEnd type="none" w="med" len="med"/>
-          </a:ln>
-        </p:spPr>
-        <p:style>
-          <a:lnRef idx="1">
-            <a:schemeClr val="accent1"/>
-          </a:lnRef>
-          <a:fillRef idx="0">
-            <a:schemeClr val="accent1"/>
-          </a:fillRef>
-          <a:effectRef idx="0">
-            <a:schemeClr val="accent1"/>
-          </a:effectRef>
-          <a:fontRef idx="minor">
-            <a:schemeClr val="tx1"/>
-          </a:fontRef>
-        </p:style>
-      </p:cxnSp>
       <p:sp>
         <p:nvSpPr>
           <p:cNvPr id="153" name="OTLSHAPE_T_ebce1c56c7624ff68daa044839602265_Shape">
@@ -3724,14 +3535,14 @@
           <p:cNvSpPr/>
           <p:nvPr>
             <p:custDataLst>
-              <p:tags r:id="rId16"/>
-            </p:custDataLst>
-          </p:nvPr>
-        </p:nvSpPr>
-        <p:spPr>
-          <a:xfrm>
-            <a:off x="1155700" y="3534050"/>
-            <a:ext cx="1816100" cy="155025"/>
+              <p:tags r:id="rId12"/>
+            </p:custDataLst>
+          </p:nvPr>
+        </p:nvSpPr>
+        <p:spPr>
+          <a:xfrm>
+            <a:off x="3322318" y="3169560"/>
+            <a:ext cx="838200" cy="155025"/>
           </a:xfrm>
           <a:prstGeom prst="roundRect">
             <a:avLst>
@@ -3794,14 +3605,14 @@
           <p:cNvSpPr/>
           <p:nvPr>
             <p:custDataLst>
-              <p:tags r:id="rId17"/>
-            </p:custDataLst>
-          </p:nvPr>
-        </p:nvSpPr>
-        <p:spPr>
-          <a:xfrm>
-            <a:off x="2608048" y="3768090"/>
-            <a:ext cx="2908300" cy="203200"/>
+              <p:tags r:id="rId13"/>
+            </p:custDataLst>
+          </p:nvPr>
+        </p:nvSpPr>
+        <p:spPr>
+          <a:xfrm>
+            <a:off x="3988969" y="3403600"/>
+            <a:ext cx="1333500" cy="203200"/>
           </a:xfrm>
           <a:prstGeom prst="roundRect">
             <a:avLst>
@@ -3864,14 +3675,14 @@
           <p:cNvSpPr/>
           <p:nvPr>
             <p:custDataLst>
-              <p:tags r:id="rId18"/>
-            </p:custDataLst>
-          </p:nvPr>
-        </p:nvSpPr>
-        <p:spPr>
-          <a:xfrm>
-            <a:off x="6238920" y="4034790"/>
-            <a:ext cx="1816100" cy="203200"/>
+              <p:tags r:id="rId14"/>
+            </p:custDataLst>
+          </p:nvPr>
+        </p:nvSpPr>
+        <p:spPr>
+          <a:xfrm>
+            <a:off x="5655598" y="3670300"/>
+            <a:ext cx="838200" cy="203200"/>
           </a:xfrm>
           <a:prstGeom prst="roundRect">
             <a:avLst>
@@ -3934,14 +3745,14 @@
           <p:cNvSpPr/>
           <p:nvPr>
             <p:custDataLst>
-              <p:tags r:id="rId19"/>
-            </p:custDataLst>
-          </p:nvPr>
-        </p:nvSpPr>
-        <p:spPr>
-          <a:xfrm>
-            <a:off x="6238920" y="4301490"/>
-            <a:ext cx="736600" cy="203200"/>
+              <p:tags r:id="rId15"/>
+            </p:custDataLst>
+          </p:nvPr>
+        </p:nvSpPr>
+        <p:spPr>
+          <a:xfrm>
+            <a:off x="6822239" y="3937000"/>
+            <a:ext cx="1511300" cy="203200"/>
           </a:xfrm>
           <a:prstGeom prst="roundRect">
             <a:avLst/>
@@ -4002,14 +3813,14 @@
           <p:cNvSpPr/>
           <p:nvPr>
             <p:custDataLst>
-              <p:tags r:id="rId20"/>
-            </p:custDataLst>
-          </p:nvPr>
-        </p:nvSpPr>
-        <p:spPr>
-          <a:xfrm>
-            <a:off x="6965093" y="4652645"/>
-            <a:ext cx="3276600" cy="203200"/>
+              <p:tags r:id="rId16"/>
+            </p:custDataLst>
+          </p:nvPr>
+        </p:nvSpPr>
+        <p:spPr>
+          <a:xfrm>
+            <a:off x="7988879" y="4203700"/>
+            <a:ext cx="673100" cy="203200"/>
           </a:xfrm>
           <a:prstGeom prst="roundRect">
             <a:avLst/>
@@ -4060,6 +3871,142 @@
       </p:sp>
       <p:sp>
         <p:nvSpPr>
+          <p:cNvPr id="15" name="OTLSHAPE_T_c21f8c801dd4474996421ebdfaa8e17b_Shape">
+            <a:extLst>
+              <a:ext uri="{FF2B5EF4-FFF2-40B4-BE49-F238E27FC236}">
+                <a16:creationId xmlns:a16="http://schemas.microsoft.com/office/drawing/2014/main" id="{096BB59D-BF1A-46E4-AEB7-1683D2C371D1}"/>
+              </a:ext>
+            </a:extLst>
+          </p:cNvPr>
+          <p:cNvSpPr/>
+          <p:nvPr>
+            <p:custDataLst>
+              <p:tags r:id="rId17"/>
+            </p:custDataLst>
+          </p:nvPr>
+        </p:nvSpPr>
+        <p:spPr>
+          <a:xfrm>
+            <a:off x="8322204" y="4470400"/>
+            <a:ext cx="1168400" cy="203200"/>
+          </a:xfrm>
+          <a:prstGeom prst="roundRect">
+            <a:avLst/>
+          </a:prstGeom>
+          <a:solidFill>
+            <a:srgbClr val="8BDAE9"/>
+          </a:solidFill>
+          <a:ln w="12700" cap="flat" cmpd="sng" algn="ctr">
+            <a:noFill/>
+            <a:prstDash val="solid"/>
+            <a:miter lim="800000"/>
+          </a:ln>
+          <a:effectLst/>
+          <a:scene3d>
+            <a:camera prst="orthographicFront"/>
+            <a:lightRig rig="balanced" dir="t">
+              <a:rot lat="0" lon="0" rev="8700000"/>
+            </a:lightRig>
+          </a:scene3d>
+          <a:sp3d>
+            <a:bevelT w="165100" h="12700"/>
+          </a:sp3d>
+        </p:spPr>
+        <p:style>
+          <a:lnRef idx="2">
+            <a:schemeClr val="accent1">
+              <a:shade val="50000"/>
+            </a:schemeClr>
+          </a:lnRef>
+          <a:fillRef idx="1">
+            <a:schemeClr val="accent1"/>
+          </a:fillRef>
+          <a:effectRef idx="0">
+            <a:schemeClr val="accent1"/>
+          </a:effectRef>
+          <a:fontRef idx="minor">
+            <a:schemeClr val="lt1"/>
+          </a:fontRef>
+        </p:style>
+        <p:txBody>
+          <a:bodyPr rtlCol="0" anchor="ctr"/>
+          <a:lstStyle/>
+          <a:p>
+            <a:pPr algn="ctr"/>
+            <a:endParaRPr lang="en-US"/>
+          </a:p>
+        </p:txBody>
+      </p:sp>
+      <p:sp>
+        <p:nvSpPr>
+          <p:cNvPr id="29" name="OTLSHAPE_T_a9e75211bf4d415fa4154823df1e958d_Shape">
+            <a:extLst>
+              <a:ext uri="{FF2B5EF4-FFF2-40B4-BE49-F238E27FC236}">
+                <a16:creationId xmlns:a16="http://schemas.microsoft.com/office/drawing/2014/main" id="{F85920D7-B306-4352-B80D-61BD6B7BBCFC}"/>
+              </a:ext>
+            </a:extLst>
+          </p:cNvPr>
+          <p:cNvSpPr/>
+          <p:nvPr>
+            <p:custDataLst>
+              <p:tags r:id="rId18"/>
+            </p:custDataLst>
+          </p:nvPr>
+        </p:nvSpPr>
+        <p:spPr>
+          <a:xfrm>
+            <a:off x="9322182" y="4737100"/>
+            <a:ext cx="1511300" cy="203200"/>
+          </a:xfrm>
+          <a:prstGeom prst="roundRect">
+            <a:avLst/>
+          </a:prstGeom>
+          <a:solidFill>
+            <a:srgbClr val="C09EE2"/>
+          </a:solidFill>
+          <a:ln w="12700" cap="flat" cmpd="sng" algn="ctr">
+            <a:noFill/>
+            <a:prstDash val="solid"/>
+            <a:miter lim="800000"/>
+          </a:ln>
+          <a:effectLst/>
+          <a:scene3d>
+            <a:camera prst="orthographicFront"/>
+            <a:lightRig rig="balanced" dir="t">
+              <a:rot lat="0" lon="0" rev="8700000"/>
+            </a:lightRig>
+          </a:scene3d>
+          <a:sp3d>
+            <a:bevelT w="165100" h="12700"/>
+          </a:sp3d>
+        </p:spPr>
+        <p:style>
+          <a:lnRef idx="2">
+            <a:schemeClr val="accent1">
+              <a:shade val="50000"/>
+            </a:schemeClr>
+          </a:lnRef>
+          <a:fillRef idx="1">
+            <a:schemeClr val="accent1"/>
+          </a:fillRef>
+          <a:effectRef idx="0">
+            <a:schemeClr val="accent1"/>
+          </a:effectRef>
+          <a:fontRef idx="minor">
+            <a:schemeClr val="lt1"/>
+          </a:fontRef>
+        </p:style>
+        <p:txBody>
+          <a:bodyPr rtlCol="0" anchor="ctr"/>
+          <a:lstStyle/>
+          <a:p>
+            <a:pPr algn="ctr"/>
+            <a:endParaRPr lang="en-US"/>
+          </a:p>
+        </p:txBody>
+      </p:sp>
+      <p:sp>
+        <p:nvSpPr>
           <p:cNvPr id="154" name="OTLSHAPE_T_ebce1c56c7624ff68daa044839602265_ShapePercentage" hidden="1">
             <a:extLst>
               <a:ext uri="{FF2B5EF4-FFF2-40B4-BE49-F238E27FC236}">
@@ -4070,13 +4017,13 @@
           <p:cNvSpPr/>
           <p:nvPr>
             <p:custDataLst>
-              <p:tags r:id="rId21"/>
-            </p:custDataLst>
-          </p:nvPr>
-        </p:nvSpPr>
-        <p:spPr>
-          <a:xfrm>
-            <a:off x="1155700" y="3534050"/>
+              <p:tags r:id="rId19"/>
+            </p:custDataLst>
+          </p:nvPr>
+        </p:nvSpPr>
+        <p:spPr>
+          <a:xfrm>
+            <a:off x="3322318" y="3169560"/>
             <a:ext cx="0" cy="0"/>
           </a:xfrm>
           <a:prstGeom prst="roundRect">
@@ -4146,13 +4093,13 @@
           <p:cNvSpPr/>
           <p:nvPr>
             <p:custDataLst>
-              <p:tags r:id="rId22"/>
-            </p:custDataLst>
-          </p:nvPr>
-        </p:nvSpPr>
-        <p:spPr>
-          <a:xfrm>
-            <a:off x="2608048" y="3768090"/>
+              <p:tags r:id="rId20"/>
+            </p:custDataLst>
+          </p:nvPr>
+        </p:nvSpPr>
+        <p:spPr>
+          <a:xfrm>
+            <a:off x="3988969" y="3403600"/>
             <a:ext cx="0" cy="0"/>
           </a:xfrm>
           <a:prstGeom prst="roundRect">
@@ -4222,13 +4169,13 @@
           <p:cNvSpPr/>
           <p:nvPr>
             <p:custDataLst>
-              <p:tags r:id="rId23"/>
-            </p:custDataLst>
-          </p:nvPr>
-        </p:nvSpPr>
-        <p:spPr>
-          <a:xfrm>
-            <a:off x="6238920" y="4034790"/>
+              <p:tags r:id="rId21"/>
+            </p:custDataLst>
+          </p:nvPr>
+        </p:nvSpPr>
+        <p:spPr>
+          <a:xfrm>
+            <a:off x="5655598" y="3670300"/>
             <a:ext cx="0" cy="0"/>
           </a:xfrm>
           <a:prstGeom prst="roundRect">
@@ -4298,13 +4245,13 @@
           <p:cNvSpPr/>
           <p:nvPr>
             <p:custDataLst>
-              <p:tags r:id="rId24"/>
-            </p:custDataLst>
-          </p:nvPr>
-        </p:nvSpPr>
-        <p:spPr>
-          <a:xfrm>
-            <a:off x="6238920" y="4301490"/>
+              <p:tags r:id="rId22"/>
+            </p:custDataLst>
+          </p:nvPr>
+        </p:nvSpPr>
+        <p:spPr>
+          <a:xfrm>
+            <a:off x="6822239" y="3937000"/>
             <a:ext cx="0" cy="0"/>
           </a:xfrm>
           <a:prstGeom prst="roundRect">
@@ -4372,13 +4319,13 @@
           <p:cNvSpPr/>
           <p:nvPr>
             <p:custDataLst>
-              <p:tags r:id="rId25"/>
-            </p:custDataLst>
-          </p:nvPr>
-        </p:nvSpPr>
-        <p:spPr>
-          <a:xfrm>
-            <a:off x="6965093" y="4652645"/>
+              <p:tags r:id="rId23"/>
+            </p:custDataLst>
+          </p:nvPr>
+        </p:nvSpPr>
+        <p:spPr>
+          <a:xfrm>
+            <a:off x="7988879" y="4203700"/>
             <a:ext cx="0" cy="0"/>
           </a:xfrm>
           <a:prstGeom prst="roundRect">
@@ -4436,6 +4383,154 @@
       </p:sp>
       <p:sp>
         <p:nvSpPr>
+          <p:cNvPr id="16" name="OTLSHAPE_T_c21f8c801dd4474996421ebdfaa8e17b_ShapePercentage" hidden="1">
+            <a:extLst>
+              <a:ext uri="{FF2B5EF4-FFF2-40B4-BE49-F238E27FC236}">
+                <a16:creationId xmlns:a16="http://schemas.microsoft.com/office/drawing/2014/main" id="{DC43F500-80B7-4E1F-9CFC-B10A0D61702E}"/>
+              </a:ext>
+            </a:extLst>
+          </p:cNvPr>
+          <p:cNvSpPr/>
+          <p:nvPr>
+            <p:custDataLst>
+              <p:tags r:id="rId24"/>
+            </p:custDataLst>
+          </p:nvPr>
+        </p:nvSpPr>
+        <p:spPr>
+          <a:xfrm>
+            <a:off x="8322204" y="4470400"/>
+            <a:ext cx="0" cy="0"/>
+          </a:xfrm>
+          <a:prstGeom prst="roundRect">
+            <a:avLst/>
+          </a:prstGeom>
+          <a:solidFill>
+            <a:schemeClr val="dk1">
+              <a:alpha val="34902"/>
+            </a:schemeClr>
+          </a:solidFill>
+          <a:ln w="12700" cap="flat" cmpd="sng" algn="ctr">
+            <a:noFill/>
+            <a:prstDash val="solid"/>
+            <a:miter lim="800000"/>
+          </a:ln>
+          <a:effectLst/>
+          <a:extLst>
+            <a:ext uri="{91240B29-F687-4F45-9708-019B960494DF}">
+              <a14:hiddenLine xmlns:a14="http://schemas.microsoft.com/office/drawing/2010/main" w="12700" cap="flat" cmpd="sng" algn="ctr">
+                <a:solidFill>
+                  <a:schemeClr val="accent1">
+                    <a:shade val="50000"/>
+                  </a:schemeClr>
+                </a:solidFill>
+                <a:prstDash val="solid"/>
+                <a:miter lim="800000"/>
+              </a14:hiddenLine>
+            </a:ext>
+          </a:extLst>
+        </p:spPr>
+        <p:style>
+          <a:lnRef idx="2">
+            <a:schemeClr val="accent1">
+              <a:shade val="50000"/>
+            </a:schemeClr>
+          </a:lnRef>
+          <a:fillRef idx="1">
+            <a:schemeClr val="accent1"/>
+          </a:fillRef>
+          <a:effectRef idx="0">
+            <a:schemeClr val="accent1"/>
+          </a:effectRef>
+          <a:fontRef idx="minor">
+            <a:schemeClr val="lt1"/>
+          </a:fontRef>
+        </p:style>
+        <p:txBody>
+          <a:bodyPr rtlCol="0" anchor="ctr"/>
+          <a:lstStyle/>
+          <a:p>
+            <a:pPr algn="ctr"/>
+            <a:endParaRPr lang="en-US"/>
+          </a:p>
+        </p:txBody>
+      </p:sp>
+      <p:sp>
+        <p:nvSpPr>
+          <p:cNvPr id="30" name="OTLSHAPE_T_a9e75211bf4d415fa4154823df1e958d_ShapePercentage" hidden="1">
+            <a:extLst>
+              <a:ext uri="{FF2B5EF4-FFF2-40B4-BE49-F238E27FC236}">
+                <a16:creationId xmlns:a16="http://schemas.microsoft.com/office/drawing/2014/main" id="{1F9A695D-B1C7-4996-86F7-A760E31688AB}"/>
+              </a:ext>
+            </a:extLst>
+          </p:cNvPr>
+          <p:cNvSpPr/>
+          <p:nvPr>
+            <p:custDataLst>
+              <p:tags r:id="rId25"/>
+            </p:custDataLst>
+          </p:nvPr>
+        </p:nvSpPr>
+        <p:spPr>
+          <a:xfrm>
+            <a:off x="9322182" y="4737100"/>
+            <a:ext cx="0" cy="0"/>
+          </a:xfrm>
+          <a:prstGeom prst="roundRect">
+            <a:avLst/>
+          </a:prstGeom>
+          <a:solidFill>
+            <a:schemeClr val="dk1">
+              <a:alpha val="34902"/>
+            </a:schemeClr>
+          </a:solidFill>
+          <a:ln w="12700" cap="flat" cmpd="sng" algn="ctr">
+            <a:noFill/>
+            <a:prstDash val="solid"/>
+            <a:miter lim="800000"/>
+          </a:ln>
+          <a:effectLst/>
+          <a:extLst>
+            <a:ext uri="{91240B29-F687-4F45-9708-019B960494DF}">
+              <a14:hiddenLine xmlns:a14="http://schemas.microsoft.com/office/drawing/2010/main" w="12700" cap="flat" cmpd="sng" algn="ctr">
+                <a:solidFill>
+                  <a:schemeClr val="accent1">
+                    <a:shade val="50000"/>
+                  </a:schemeClr>
+                </a:solidFill>
+                <a:prstDash val="solid"/>
+                <a:miter lim="800000"/>
+              </a14:hiddenLine>
+            </a:ext>
+          </a:extLst>
+        </p:spPr>
+        <p:style>
+          <a:lnRef idx="2">
+            <a:schemeClr val="accent1">
+              <a:shade val="50000"/>
+            </a:schemeClr>
+          </a:lnRef>
+          <a:fillRef idx="1">
+            <a:schemeClr val="accent1"/>
+          </a:fillRef>
+          <a:effectRef idx="0">
+            <a:schemeClr val="accent1"/>
+          </a:effectRef>
+          <a:fontRef idx="minor">
+            <a:schemeClr val="lt1"/>
+          </a:fontRef>
+        </p:style>
+        <p:txBody>
+          <a:bodyPr rtlCol="0" anchor="ctr"/>
+          <a:lstStyle/>
+          <a:p>
+            <a:pPr algn="ctr"/>
+            <a:endParaRPr lang="en-US"/>
+          </a:p>
+        </p:txBody>
+      </p:sp>
+      <p:sp>
+        <p:nvSpPr>
           <p:cNvPr id="23" name="OTLSHAPE_T_ebce1c56c7624ff68daa044839602265_Duration">
             <a:extLst>
               <a:ext uri="{FF2B5EF4-FFF2-40B4-BE49-F238E27FC236}">
@@ -4452,7 +4547,694 @@
         </p:nvSpPr>
         <p:spPr>
           <a:xfrm>
-            <a:off x="1901176" y="3534050"/>
+            <a:off x="3576801" y="3169560"/>
+            <a:ext cx="330200" cy="155025"/>
+          </a:xfrm>
+          <a:prstGeom prst="rect">
+            <a:avLst/>
+          </a:prstGeom>
+          <a:noFill/>
+        </p:spPr>
+        <p:txBody>
+          <a:bodyPr vert="horz" wrap="square" lIns="0" tIns="0" rIns="0" bIns="0" rtlCol="0" anchor="ctr" anchorCtr="0">
+            <a:spAutoFit/>
+          </a:bodyPr>
+          <a:lstStyle/>
+          <a:p>
+            <a:pPr algn="ctr"/>
+            <a:r>
+              <a:rPr lang="en-US" sz="1000" spc="-8" dirty="0">
+                <a:solidFill>
+                  <a:schemeClr val="dk1"/>
+                </a:solidFill>
+                <a:latin typeface="Calibri" panose="020F0502020204030204" pitchFamily="34" charset="0"/>
+              </a:rPr>
+              <a:t>5 days</a:t>
+            </a:r>
+          </a:p>
+        </p:txBody>
+      </p:sp>
+      <p:sp>
+        <p:nvSpPr>
+          <p:cNvPr id="24" name="OTLSHAPE_T_ebce1c56c7624ff68daa044839602265_TextPercentage" hidden="1">
+            <a:extLst>
+              <a:ext uri="{FF2B5EF4-FFF2-40B4-BE49-F238E27FC236}">
+                <a16:creationId xmlns:a16="http://schemas.microsoft.com/office/drawing/2014/main" id="{016B52B8-4E1A-41D8-AB9F-08379400DA94}"/>
+              </a:ext>
+            </a:extLst>
+          </p:cNvPr>
+          <p:cNvSpPr txBox="1"/>
+          <p:nvPr>
+            <p:custDataLst>
+              <p:tags r:id="rId27"/>
+            </p:custDataLst>
+          </p:nvPr>
+        </p:nvSpPr>
+        <p:spPr>
+          <a:xfrm>
+            <a:off x="12700" y="-2689"/>
+            <a:ext cx="0" cy="153888"/>
+          </a:xfrm>
+          <a:prstGeom prst="rect">
+            <a:avLst/>
+          </a:prstGeom>
+          <a:noFill/>
+        </p:spPr>
+        <p:txBody>
+          <a:bodyPr vert="horz" wrap="square" lIns="0" tIns="0" rIns="0" bIns="0" rtlCol="0" anchor="ctr" anchorCtr="0">
+            <a:spAutoFit/>
+          </a:bodyPr>
+          <a:lstStyle/>
+          <a:p>
+            <a:endParaRPr lang="en-US" sz="1000">
+              <a:solidFill>
+                <a:srgbClr val="C0504D"/>
+              </a:solidFill>
+              <a:latin typeface="Calibri" panose="020F0502020204030204" pitchFamily="34" charset="0"/>
+            </a:endParaRPr>
+          </a:p>
+        </p:txBody>
+      </p:sp>
+      <p:sp>
+        <p:nvSpPr>
+          <p:cNvPr id="25" name="OTLSHAPE_T_ebce1c56c7624ff68daa044839602265_StartDate" hidden="1">
+            <a:extLst>
+              <a:ext uri="{FF2B5EF4-FFF2-40B4-BE49-F238E27FC236}">
+                <a16:creationId xmlns:a16="http://schemas.microsoft.com/office/drawing/2014/main" id="{AE68681D-0F1D-4984-AFCF-403F079F6997}"/>
+              </a:ext>
+            </a:extLst>
+          </p:cNvPr>
+          <p:cNvSpPr txBox="1"/>
+          <p:nvPr>
+            <p:custDataLst>
+              <p:tags r:id="rId28"/>
+            </p:custDataLst>
+          </p:nvPr>
+        </p:nvSpPr>
+        <p:spPr>
+          <a:xfrm>
+            <a:off x="12700" y="-2689"/>
+            <a:ext cx="0" cy="153888"/>
+          </a:xfrm>
+          <a:prstGeom prst="rect">
+            <a:avLst/>
+          </a:prstGeom>
+          <a:noFill/>
+        </p:spPr>
+        <p:txBody>
+          <a:bodyPr vert="horz" wrap="square" lIns="0" tIns="0" rIns="0" bIns="0" rtlCol="0" anchor="ctr" anchorCtr="0">
+            <a:spAutoFit/>
+          </a:bodyPr>
+          <a:lstStyle/>
+          <a:p>
+            <a:endParaRPr lang="en-US" sz="1000">
+              <a:solidFill>
+                <a:schemeClr val="dk2"/>
+              </a:solidFill>
+              <a:latin typeface="Calibri" panose="020F0502020204030204" pitchFamily="34" charset="0"/>
+            </a:endParaRPr>
+          </a:p>
+        </p:txBody>
+      </p:sp>
+      <p:sp>
+        <p:nvSpPr>
+          <p:cNvPr id="26" name="OTLSHAPE_T_ebce1c56c7624ff68daa044839602265_EndDate" hidden="1">
+            <a:extLst>
+              <a:ext uri="{FF2B5EF4-FFF2-40B4-BE49-F238E27FC236}">
+                <a16:creationId xmlns:a16="http://schemas.microsoft.com/office/drawing/2014/main" id="{89358240-58A7-4FBB-BB08-0CF2535213B1}"/>
+              </a:ext>
+            </a:extLst>
+          </p:cNvPr>
+          <p:cNvSpPr txBox="1"/>
+          <p:nvPr>
+            <p:custDataLst>
+              <p:tags r:id="rId29"/>
+            </p:custDataLst>
+          </p:nvPr>
+        </p:nvSpPr>
+        <p:spPr>
+          <a:xfrm>
+            <a:off x="12700" y="-2689"/>
+            <a:ext cx="0" cy="153888"/>
+          </a:xfrm>
+          <a:prstGeom prst="rect">
+            <a:avLst/>
+          </a:prstGeom>
+          <a:noFill/>
+        </p:spPr>
+        <p:txBody>
+          <a:bodyPr vert="horz" wrap="square" lIns="0" tIns="0" rIns="0" bIns="0" rtlCol="0" anchor="ctr" anchorCtr="0">
+            <a:spAutoFit/>
+          </a:bodyPr>
+          <a:lstStyle/>
+          <a:p>
+            <a:endParaRPr lang="en-US" sz="1000">
+              <a:solidFill>
+                <a:schemeClr val="dk2"/>
+              </a:solidFill>
+              <a:latin typeface="Calibri" panose="020F0502020204030204" pitchFamily="34" charset="0"/>
+            </a:endParaRPr>
+          </a:p>
+        </p:txBody>
+      </p:sp>
+      <p:sp>
+        <p:nvSpPr>
+          <p:cNvPr id="27" name="OTLSHAPE_T_ebce1c56c7624ff68daa044839602265_JoinedDate">
+            <a:extLst>
+              <a:ext uri="{FF2B5EF4-FFF2-40B4-BE49-F238E27FC236}">
+                <a16:creationId xmlns:a16="http://schemas.microsoft.com/office/drawing/2014/main" id="{4394A752-089C-4B59-A471-8DEB923F79F4}"/>
+              </a:ext>
+            </a:extLst>
+          </p:cNvPr>
+          <p:cNvSpPr txBox="1"/>
+          <p:nvPr>
+            <p:custDataLst>
+              <p:tags r:id="rId30"/>
+            </p:custDataLst>
+          </p:nvPr>
+        </p:nvSpPr>
+        <p:spPr>
+          <a:xfrm>
+            <a:off x="4206317" y="3169560"/>
+            <a:ext cx="850900" cy="155025"/>
+          </a:xfrm>
+          <a:prstGeom prst="rect">
+            <a:avLst/>
+          </a:prstGeom>
+          <a:noFill/>
+        </p:spPr>
+        <p:txBody>
+          <a:bodyPr vert="horz" wrap="square" lIns="0" tIns="0" rIns="0" bIns="0" rtlCol="0" anchor="ctr" anchorCtr="0">
+            <a:spAutoFit/>
+          </a:bodyPr>
+          <a:lstStyle/>
+          <a:p>
+            <a:r>
+              <a:rPr lang="en-US" sz="1000" spc="-2">
+                <a:solidFill>
+                  <a:schemeClr val="dk2"/>
+                </a:solidFill>
+                <a:latin typeface="Calibri" panose="020F0502020204030204" pitchFamily="34" charset="0"/>
+              </a:rPr>
+              <a:t>Mar 14 - Mar 18</a:t>
+            </a:r>
+          </a:p>
+        </p:txBody>
+      </p:sp>
+      <p:sp>
+        <p:nvSpPr>
+          <p:cNvPr id="28" name="OTLSHAPE_T_ebce1c56c7624ff68daa044839602265_Title">
+            <a:extLst>
+              <a:ext uri="{FF2B5EF4-FFF2-40B4-BE49-F238E27FC236}">
+                <a16:creationId xmlns:a16="http://schemas.microsoft.com/office/drawing/2014/main" id="{DCA3CF58-686C-4926-A622-D283E8A96374}"/>
+              </a:ext>
+            </a:extLst>
+          </p:cNvPr>
+          <p:cNvSpPr txBox="1"/>
+          <p:nvPr>
+            <p:custDataLst>
+              <p:tags r:id="rId31"/>
+            </p:custDataLst>
+          </p:nvPr>
+        </p:nvSpPr>
+        <p:spPr>
+          <a:xfrm>
+            <a:off x="703874" y="3154045"/>
+            <a:ext cx="2578100" cy="186055"/>
+          </a:xfrm>
+          <a:prstGeom prst="rect">
+            <a:avLst/>
+          </a:prstGeom>
+          <a:noFill/>
+        </p:spPr>
+        <p:txBody>
+          <a:bodyPr vert="horz" wrap="square" lIns="0" tIns="0" rIns="0" bIns="0" rtlCol="0" anchor="ctr" anchorCtr="0">
+            <a:spAutoFit/>
+          </a:bodyPr>
+          <a:lstStyle/>
+          <a:p>
+            <a:pPr algn="r"/>
+            <a:r>
+              <a:rPr lang="en-US" sz="1200" b="1" spc="-2">
+                <a:solidFill>
+                  <a:schemeClr val="dk1"/>
+                </a:solidFill>
+                <a:latin typeface="Calibri" panose="020F0502020204030204" pitchFamily="34" charset="0"/>
+              </a:rPr>
+              <a:t>Literature research &amp; lit. review skeleton</a:t>
+            </a:r>
+            <a:endParaRPr lang="en-US" sz="1200" b="1" spc="-2" dirty="0">
+              <a:solidFill>
+                <a:schemeClr val="dk1"/>
+              </a:solidFill>
+              <a:latin typeface="Calibri" panose="020F0502020204030204" pitchFamily="34" charset="0"/>
+            </a:endParaRPr>
+          </a:p>
+        </p:txBody>
+      </p:sp>
+      <p:sp>
+        <p:nvSpPr>
+          <p:cNvPr id="92" name="OTLSHAPE_T_9897534a0ea244ebbeaf414dbad95792_TextPercentage" hidden="1">
+            <a:extLst>
+              <a:ext uri="{FF2B5EF4-FFF2-40B4-BE49-F238E27FC236}">
+                <a16:creationId xmlns:a16="http://schemas.microsoft.com/office/drawing/2014/main" id="{C69BCF93-CCA3-4C36-AE53-75FCEB06BF45}"/>
+              </a:ext>
+            </a:extLst>
+          </p:cNvPr>
+          <p:cNvSpPr txBox="1"/>
+          <p:nvPr>
+            <p:custDataLst>
+              <p:tags r:id="rId32"/>
+            </p:custDataLst>
+          </p:nvPr>
+        </p:nvSpPr>
+        <p:spPr>
+          <a:xfrm>
+            <a:off x="12700" y="74255"/>
+            <a:ext cx="0" cy="0"/>
+          </a:xfrm>
+          <a:prstGeom prst="rect">
+            <a:avLst/>
+          </a:prstGeom>
+          <a:noFill/>
+        </p:spPr>
+        <p:txBody>
+          <a:bodyPr vert="horz" wrap="square" lIns="0" tIns="0" rIns="0" bIns="0" rtlCol="0" anchor="ctr" anchorCtr="0">
+            <a:spAutoFit/>
+          </a:bodyPr>
+          <a:lstStyle/>
+          <a:p>
+            <a:endParaRPr lang="en-US" sz="1000">
+              <a:solidFill>
+                <a:srgbClr val="C0504D"/>
+              </a:solidFill>
+              <a:latin typeface="Calibri" panose="020F0502020204030204" pitchFamily="34" charset="0"/>
+            </a:endParaRPr>
+          </a:p>
+        </p:txBody>
+      </p:sp>
+      <p:sp>
+        <p:nvSpPr>
+          <p:cNvPr id="93" name="OTLSHAPE_T_9897534a0ea244ebbeaf414dbad95792_StartDate" hidden="1">
+            <a:extLst>
+              <a:ext uri="{FF2B5EF4-FFF2-40B4-BE49-F238E27FC236}">
+                <a16:creationId xmlns:a16="http://schemas.microsoft.com/office/drawing/2014/main" id="{1940219B-EB2A-4278-9671-7E6E689ABB75}"/>
+              </a:ext>
+            </a:extLst>
+          </p:cNvPr>
+          <p:cNvSpPr txBox="1"/>
+          <p:nvPr>
+            <p:custDataLst>
+              <p:tags r:id="rId33"/>
+            </p:custDataLst>
+          </p:nvPr>
+        </p:nvSpPr>
+        <p:spPr>
+          <a:xfrm>
+            <a:off x="12700" y="-2689"/>
+            <a:ext cx="0" cy="153888"/>
+          </a:xfrm>
+          <a:prstGeom prst="rect">
+            <a:avLst/>
+          </a:prstGeom>
+          <a:noFill/>
+        </p:spPr>
+        <p:txBody>
+          <a:bodyPr vert="horz" wrap="square" lIns="0" tIns="0" rIns="0" bIns="0" rtlCol="0" anchor="ctr" anchorCtr="0">
+            <a:spAutoFit/>
+          </a:bodyPr>
+          <a:lstStyle/>
+          <a:p>
+            <a:endParaRPr lang="en-US" sz="1000">
+              <a:solidFill>
+                <a:schemeClr val="dk2"/>
+              </a:solidFill>
+              <a:latin typeface="Calibri" panose="020F0502020204030204" pitchFamily="34" charset="0"/>
+            </a:endParaRPr>
+          </a:p>
+        </p:txBody>
+      </p:sp>
+      <p:sp>
+        <p:nvSpPr>
+          <p:cNvPr id="94" name="OTLSHAPE_T_9897534a0ea244ebbeaf414dbad95792_EndDate" hidden="1">
+            <a:extLst>
+              <a:ext uri="{FF2B5EF4-FFF2-40B4-BE49-F238E27FC236}">
+                <a16:creationId xmlns:a16="http://schemas.microsoft.com/office/drawing/2014/main" id="{9FBB39A1-F98B-4085-AF4B-F39769018944}"/>
+              </a:ext>
+            </a:extLst>
+          </p:cNvPr>
+          <p:cNvSpPr txBox="1"/>
+          <p:nvPr>
+            <p:custDataLst>
+              <p:tags r:id="rId34"/>
+            </p:custDataLst>
+          </p:nvPr>
+        </p:nvSpPr>
+        <p:spPr>
+          <a:xfrm>
+            <a:off x="12700" y="-2689"/>
+            <a:ext cx="0" cy="153888"/>
+          </a:xfrm>
+          <a:prstGeom prst="rect">
+            <a:avLst/>
+          </a:prstGeom>
+          <a:noFill/>
+        </p:spPr>
+        <p:txBody>
+          <a:bodyPr vert="horz" wrap="square" lIns="0" tIns="0" rIns="0" bIns="0" rtlCol="0" anchor="ctr" anchorCtr="0">
+            <a:spAutoFit/>
+          </a:bodyPr>
+          <a:lstStyle/>
+          <a:p>
+            <a:endParaRPr lang="en-US" sz="1000">
+              <a:solidFill>
+                <a:schemeClr val="dk2"/>
+              </a:solidFill>
+              <a:latin typeface="Calibri" panose="020F0502020204030204" pitchFamily="34" charset="0"/>
+            </a:endParaRPr>
+          </a:p>
+        </p:txBody>
+      </p:sp>
+      <p:sp>
+        <p:nvSpPr>
+          <p:cNvPr id="95" name="OTLSHAPE_T_9897534a0ea244ebbeaf414dbad95792_JoinedDate">
+            <a:extLst>
+              <a:ext uri="{FF2B5EF4-FFF2-40B4-BE49-F238E27FC236}">
+                <a16:creationId xmlns:a16="http://schemas.microsoft.com/office/drawing/2014/main" id="{6C604C9D-CC47-4C99-83E3-81AAE02F8298}"/>
+              </a:ext>
+            </a:extLst>
+          </p:cNvPr>
+          <p:cNvSpPr txBox="1"/>
+          <p:nvPr>
+            <p:custDataLst>
+              <p:tags r:id="rId35"/>
+            </p:custDataLst>
+          </p:nvPr>
+        </p:nvSpPr>
+        <p:spPr>
+          <a:xfrm>
+            <a:off x="5372957" y="3427688"/>
+            <a:ext cx="850900" cy="155025"/>
+          </a:xfrm>
+          <a:prstGeom prst="rect">
+            <a:avLst/>
+          </a:prstGeom>
+          <a:noFill/>
+        </p:spPr>
+        <p:txBody>
+          <a:bodyPr vert="horz" wrap="square" lIns="0" tIns="0" rIns="0" bIns="0" rtlCol="0" anchor="ctr" anchorCtr="0">
+            <a:spAutoFit/>
+          </a:bodyPr>
+          <a:lstStyle/>
+          <a:p>
+            <a:r>
+              <a:rPr lang="en-US" sz="1000" spc="-2">
+                <a:solidFill>
+                  <a:schemeClr val="dk2"/>
+                </a:solidFill>
+                <a:latin typeface="Calibri" panose="020F0502020204030204" pitchFamily="34" charset="0"/>
+              </a:rPr>
+              <a:t>Mar 18 - Mar 25</a:t>
+            </a:r>
+          </a:p>
+        </p:txBody>
+      </p:sp>
+      <p:sp>
+        <p:nvSpPr>
+          <p:cNvPr id="96" name="OTLSHAPE_T_9897534a0ea244ebbeaf414dbad95792_Duration">
+            <a:extLst>
+              <a:ext uri="{FF2B5EF4-FFF2-40B4-BE49-F238E27FC236}">
+                <a16:creationId xmlns:a16="http://schemas.microsoft.com/office/drawing/2014/main" id="{37A1E4EE-FE48-4CE0-8DB8-1FF7B20AFF96}"/>
+              </a:ext>
+            </a:extLst>
+          </p:cNvPr>
+          <p:cNvSpPr txBox="1"/>
+          <p:nvPr>
+            <p:custDataLst>
+              <p:tags r:id="rId36"/>
+            </p:custDataLst>
+          </p:nvPr>
+        </p:nvSpPr>
+        <p:spPr>
+          <a:xfrm>
+            <a:off x="4493447" y="3427688"/>
+            <a:ext cx="330200" cy="155025"/>
+          </a:xfrm>
+          <a:prstGeom prst="rect">
+            <a:avLst/>
+          </a:prstGeom>
+          <a:noFill/>
+        </p:spPr>
+        <p:txBody>
+          <a:bodyPr vert="horz" wrap="square" lIns="0" tIns="0" rIns="0" bIns="0" rtlCol="0" anchor="ctr" anchorCtr="0">
+            <a:spAutoFit/>
+          </a:bodyPr>
+          <a:lstStyle/>
+          <a:p>
+            <a:pPr algn="ctr"/>
+            <a:r>
+              <a:rPr lang="en-US" sz="1000" spc="-8">
+                <a:solidFill>
+                  <a:schemeClr val="dk1"/>
+                </a:solidFill>
+                <a:latin typeface="Calibri" panose="020F0502020204030204" pitchFamily="34" charset="0"/>
+              </a:rPr>
+              <a:t>6 days</a:t>
+            </a:r>
+          </a:p>
+        </p:txBody>
+      </p:sp>
+      <p:sp>
+        <p:nvSpPr>
+          <p:cNvPr id="97" name="OTLSHAPE_T_9897534a0ea244ebbeaf414dbad95792_Title">
+            <a:extLst>
+              <a:ext uri="{FF2B5EF4-FFF2-40B4-BE49-F238E27FC236}">
+                <a16:creationId xmlns:a16="http://schemas.microsoft.com/office/drawing/2014/main" id="{989B001E-0EE0-4021-B28F-7CF371705C4D}"/>
+              </a:ext>
+            </a:extLst>
+          </p:cNvPr>
+          <p:cNvSpPr txBox="1"/>
+          <p:nvPr>
+            <p:custDataLst>
+              <p:tags r:id="rId37"/>
+            </p:custDataLst>
+          </p:nvPr>
+        </p:nvSpPr>
+        <p:spPr>
+          <a:xfrm>
+            <a:off x="2519833" y="3412172"/>
+            <a:ext cx="1422400" cy="186055"/>
+          </a:xfrm>
+          <a:prstGeom prst="rect">
+            <a:avLst/>
+          </a:prstGeom>
+          <a:noFill/>
+        </p:spPr>
+        <p:txBody>
+          <a:bodyPr vert="horz" wrap="square" lIns="0" tIns="0" rIns="0" bIns="0" rtlCol="0" anchor="ctr" anchorCtr="0">
+            <a:spAutoFit/>
+          </a:bodyPr>
+          <a:lstStyle/>
+          <a:p>
+            <a:pPr algn="r"/>
+            <a:r>
+              <a:rPr lang="en-US" sz="1200" b="1" spc="-4">
+                <a:solidFill>
+                  <a:schemeClr val="dk1"/>
+                </a:solidFill>
+                <a:latin typeface="Calibri" panose="020F0502020204030204" pitchFamily="34" charset="0"/>
+              </a:rPr>
+              <a:t>Literature review draft</a:t>
+            </a:r>
+          </a:p>
+        </p:txBody>
+      </p:sp>
+      <p:sp>
+        <p:nvSpPr>
+          <p:cNvPr id="100" name="OTLSHAPE_T_d1007b34047c49478aadbda64c310a6e_TextPercentage" hidden="1">
+            <a:extLst>
+              <a:ext uri="{FF2B5EF4-FFF2-40B4-BE49-F238E27FC236}">
+                <a16:creationId xmlns:a16="http://schemas.microsoft.com/office/drawing/2014/main" id="{9AC51188-53A2-4B7E-B2D8-C259EEFAEEE5}"/>
+              </a:ext>
+            </a:extLst>
+          </p:cNvPr>
+          <p:cNvSpPr txBox="1"/>
+          <p:nvPr>
+            <p:custDataLst>
+              <p:tags r:id="rId38"/>
+            </p:custDataLst>
+          </p:nvPr>
+        </p:nvSpPr>
+        <p:spPr>
+          <a:xfrm>
+            <a:off x="12700" y="74255"/>
+            <a:ext cx="0" cy="0"/>
+          </a:xfrm>
+          <a:prstGeom prst="rect">
+            <a:avLst/>
+          </a:prstGeom>
+          <a:noFill/>
+        </p:spPr>
+        <p:txBody>
+          <a:bodyPr vert="horz" wrap="square" lIns="0" tIns="0" rIns="0" bIns="0" rtlCol="0" anchor="ctr" anchorCtr="0">
+            <a:spAutoFit/>
+          </a:bodyPr>
+          <a:lstStyle/>
+          <a:p>
+            <a:endParaRPr lang="en-US" sz="1000">
+              <a:solidFill>
+                <a:srgbClr val="C0504D"/>
+              </a:solidFill>
+              <a:latin typeface="Calibri" panose="020F0502020204030204" pitchFamily="34" charset="0"/>
+            </a:endParaRPr>
+          </a:p>
+        </p:txBody>
+      </p:sp>
+      <p:sp>
+        <p:nvSpPr>
+          <p:cNvPr id="101" name="OTLSHAPE_T_d1007b34047c49478aadbda64c310a6e_StartDate" hidden="1">
+            <a:extLst>
+              <a:ext uri="{FF2B5EF4-FFF2-40B4-BE49-F238E27FC236}">
+                <a16:creationId xmlns:a16="http://schemas.microsoft.com/office/drawing/2014/main" id="{C3A66295-9DCC-465C-8026-82243067BEA0}"/>
+              </a:ext>
+            </a:extLst>
+          </p:cNvPr>
+          <p:cNvSpPr txBox="1"/>
+          <p:nvPr>
+            <p:custDataLst>
+              <p:tags r:id="rId39"/>
+            </p:custDataLst>
+          </p:nvPr>
+        </p:nvSpPr>
+        <p:spPr>
+          <a:xfrm>
+            <a:off x="12700" y="-2689"/>
+            <a:ext cx="0" cy="153888"/>
+          </a:xfrm>
+          <a:prstGeom prst="rect">
+            <a:avLst/>
+          </a:prstGeom>
+          <a:noFill/>
+        </p:spPr>
+        <p:txBody>
+          <a:bodyPr vert="horz" wrap="square" lIns="0" tIns="0" rIns="0" bIns="0" rtlCol="0" anchor="ctr" anchorCtr="0">
+            <a:spAutoFit/>
+          </a:bodyPr>
+          <a:lstStyle/>
+          <a:p>
+            <a:endParaRPr lang="en-US" sz="1000">
+              <a:solidFill>
+                <a:schemeClr val="dk2"/>
+              </a:solidFill>
+              <a:latin typeface="Calibri" panose="020F0502020204030204" pitchFamily="34" charset="0"/>
+            </a:endParaRPr>
+          </a:p>
+        </p:txBody>
+      </p:sp>
+      <p:sp>
+        <p:nvSpPr>
+          <p:cNvPr id="102" name="OTLSHAPE_T_d1007b34047c49478aadbda64c310a6e_EndDate" hidden="1">
+            <a:extLst>
+              <a:ext uri="{FF2B5EF4-FFF2-40B4-BE49-F238E27FC236}">
+                <a16:creationId xmlns:a16="http://schemas.microsoft.com/office/drawing/2014/main" id="{9B33C46F-918E-4418-B0CC-47B5B5BDC912}"/>
+              </a:ext>
+            </a:extLst>
+          </p:cNvPr>
+          <p:cNvSpPr txBox="1"/>
+          <p:nvPr>
+            <p:custDataLst>
+              <p:tags r:id="rId40"/>
+            </p:custDataLst>
+          </p:nvPr>
+        </p:nvSpPr>
+        <p:spPr>
+          <a:xfrm>
+            <a:off x="12700" y="-2689"/>
+            <a:ext cx="0" cy="153888"/>
+          </a:xfrm>
+          <a:prstGeom prst="rect">
+            <a:avLst/>
+          </a:prstGeom>
+          <a:noFill/>
+        </p:spPr>
+        <p:txBody>
+          <a:bodyPr vert="horz" wrap="square" lIns="0" tIns="0" rIns="0" bIns="0" rtlCol="0" anchor="ctr" anchorCtr="0">
+            <a:spAutoFit/>
+          </a:bodyPr>
+          <a:lstStyle/>
+          <a:p>
+            <a:endParaRPr lang="en-US" sz="1000">
+              <a:solidFill>
+                <a:schemeClr val="dk2"/>
+              </a:solidFill>
+              <a:latin typeface="Calibri" panose="020F0502020204030204" pitchFamily="34" charset="0"/>
+            </a:endParaRPr>
+          </a:p>
+        </p:txBody>
+      </p:sp>
+      <p:sp>
+        <p:nvSpPr>
+          <p:cNvPr id="103" name="OTLSHAPE_T_d1007b34047c49478aadbda64c310a6e_JoinedDate">
+            <a:extLst>
+              <a:ext uri="{FF2B5EF4-FFF2-40B4-BE49-F238E27FC236}">
+                <a16:creationId xmlns:a16="http://schemas.microsoft.com/office/drawing/2014/main" id="{A54EDC64-3583-44CE-B335-351389E5C993}"/>
+              </a:ext>
+            </a:extLst>
+          </p:cNvPr>
+          <p:cNvSpPr txBox="1"/>
+          <p:nvPr>
+            <p:custDataLst>
+              <p:tags r:id="rId41"/>
+            </p:custDataLst>
+          </p:nvPr>
+        </p:nvSpPr>
+        <p:spPr>
+          <a:xfrm>
+            <a:off x="6539597" y="3694388"/>
+            <a:ext cx="749300" cy="155025"/>
+          </a:xfrm>
+          <a:prstGeom prst="rect">
+            <a:avLst/>
+          </a:prstGeom>
+          <a:noFill/>
+        </p:spPr>
+        <p:txBody>
+          <a:bodyPr vert="horz" wrap="square" lIns="0" tIns="0" rIns="0" bIns="0" rtlCol="0" anchor="ctr" anchorCtr="0">
+            <a:spAutoFit/>
+          </a:bodyPr>
+          <a:lstStyle/>
+          <a:p>
+            <a:r>
+              <a:rPr lang="en-US" sz="1000" spc="-2">
+                <a:solidFill>
+                  <a:schemeClr val="dk2"/>
+                </a:solidFill>
+                <a:latin typeface="Calibri" panose="020F0502020204030204" pitchFamily="34" charset="0"/>
+              </a:rPr>
+              <a:t>Mar 28 - Apr 1</a:t>
+            </a:r>
+          </a:p>
+        </p:txBody>
+      </p:sp>
+      <p:sp>
+        <p:nvSpPr>
+          <p:cNvPr id="104" name="OTLSHAPE_T_d1007b34047c49478aadbda64c310a6e_Duration">
+            <a:extLst>
+              <a:ext uri="{FF2B5EF4-FFF2-40B4-BE49-F238E27FC236}">
+                <a16:creationId xmlns:a16="http://schemas.microsoft.com/office/drawing/2014/main" id="{A0D5E852-2946-434E-B49A-0A10DA2B9AB7}"/>
+              </a:ext>
+            </a:extLst>
+          </p:cNvPr>
+          <p:cNvSpPr txBox="1"/>
+          <p:nvPr>
+            <p:custDataLst>
+              <p:tags r:id="rId42"/>
+            </p:custDataLst>
+          </p:nvPr>
+        </p:nvSpPr>
+        <p:spPr>
+          <a:xfrm>
+            <a:off x="5910082" y="3694388"/>
             <a:ext cx="330200" cy="155025"/>
           </a:xfrm>
           <a:prstGeom prst="rect">
@@ -4481,24 +5263,24 @@
       </p:sp>
       <p:sp>
         <p:nvSpPr>
-          <p:cNvPr id="24" name="OTLSHAPE_T_ebce1c56c7624ff68daa044839602265_TextPercentage" hidden="1">
-            <a:extLst>
-              <a:ext uri="{FF2B5EF4-FFF2-40B4-BE49-F238E27FC236}">
-                <a16:creationId xmlns:a16="http://schemas.microsoft.com/office/drawing/2014/main" id="{016B52B8-4E1A-41D8-AB9F-08379400DA94}"/>
+          <p:cNvPr id="105" name="OTLSHAPE_T_d1007b34047c49478aadbda64c310a6e_Title">
+            <a:extLst>
+              <a:ext uri="{FF2B5EF4-FFF2-40B4-BE49-F238E27FC236}">
+                <a16:creationId xmlns:a16="http://schemas.microsoft.com/office/drawing/2014/main" id="{95529A61-A4E8-46EE-B990-C130B16531F9}"/>
               </a:ext>
             </a:extLst>
           </p:cNvPr>
           <p:cNvSpPr txBox="1"/>
           <p:nvPr>
             <p:custDataLst>
-              <p:tags r:id="rId27"/>
-            </p:custDataLst>
-          </p:nvPr>
-        </p:nvSpPr>
-        <p:spPr>
-          <a:xfrm>
-            <a:off x="12700" y="74255"/>
-            <a:ext cx="0" cy="0"/>
+              <p:tags r:id="rId43"/>
+            </p:custDataLst>
+          </p:nvPr>
+        </p:nvSpPr>
+        <p:spPr>
+          <a:xfrm>
+            <a:off x="4215630" y="3678872"/>
+            <a:ext cx="1397000" cy="186055"/>
           </a:xfrm>
           <a:prstGeom prst="rect">
             <a:avLst/>
@@ -4511,9 +5293,54 @@
           </a:bodyPr>
           <a:lstStyle/>
           <a:p>
+            <a:pPr algn="r"/>
+            <a:r>
+              <a:rPr lang="en-US" sz="1200" b="1" spc="-4">
+                <a:solidFill>
+                  <a:schemeClr val="dk1"/>
+                </a:solidFill>
+                <a:latin typeface="Calibri" panose="020F0502020204030204" pitchFamily="34" charset="0"/>
+              </a:rPr>
+              <a:t>Final literature review</a:t>
+            </a:r>
+          </a:p>
+        </p:txBody>
+      </p:sp>
+      <p:sp>
+        <p:nvSpPr>
+          <p:cNvPr id="116" name="OTLSHAPE_T_93ee150c9d7b4ee0b81d772d821bf80b_TextPercentage" hidden="1">
+            <a:extLst>
+              <a:ext uri="{FF2B5EF4-FFF2-40B4-BE49-F238E27FC236}">
+                <a16:creationId xmlns:a16="http://schemas.microsoft.com/office/drawing/2014/main" id="{DE9809FD-9C8C-47B3-B5C8-5D1C4CBC162E}"/>
+              </a:ext>
+            </a:extLst>
+          </p:cNvPr>
+          <p:cNvSpPr txBox="1"/>
+          <p:nvPr>
+            <p:custDataLst>
+              <p:tags r:id="rId44"/>
+            </p:custDataLst>
+          </p:nvPr>
+        </p:nvSpPr>
+        <p:spPr>
+          <a:xfrm>
+            <a:off x="12700" y="74255"/>
+            <a:ext cx="0" cy="0"/>
+          </a:xfrm>
+          <a:prstGeom prst="rect">
+            <a:avLst/>
+          </a:prstGeom>
+          <a:noFill/>
+        </p:spPr>
+        <p:txBody>
+          <a:bodyPr vert="horz" wrap="square" lIns="0" tIns="0" rIns="0" bIns="0" rtlCol="0" anchor="ctr" anchorCtr="0">
+            <a:spAutoFit/>
+          </a:bodyPr>
+          <a:lstStyle/>
+          <a:p>
             <a:endParaRPr lang="en-US" sz="1000">
               <a:solidFill>
-                <a:schemeClr val="accent2"/>
+                <a:srgbClr val="C0504D"/>
               </a:solidFill>
               <a:latin typeface="Calibri" panose="020F0502020204030204" pitchFamily="34" charset="0"/>
             </a:endParaRPr>
@@ -4522,24 +5349,24 @@
       </p:sp>
       <p:sp>
         <p:nvSpPr>
-          <p:cNvPr id="25" name="OTLSHAPE_T_ebce1c56c7624ff68daa044839602265_StartDate" hidden="1">
-            <a:extLst>
-              <a:ext uri="{FF2B5EF4-FFF2-40B4-BE49-F238E27FC236}">
-                <a16:creationId xmlns:a16="http://schemas.microsoft.com/office/drawing/2014/main" id="{AE68681D-0F1D-4984-AFCF-403F079F6997}"/>
+          <p:cNvPr id="117" name="OTLSHAPE_T_93ee150c9d7b4ee0b81d772d821bf80b_StartDate" hidden="1">
+            <a:extLst>
+              <a:ext uri="{FF2B5EF4-FFF2-40B4-BE49-F238E27FC236}">
+                <a16:creationId xmlns:a16="http://schemas.microsoft.com/office/drawing/2014/main" id="{723376C9-293D-4F8A-BD0C-46AC13FA4FD8}"/>
               </a:ext>
             </a:extLst>
           </p:cNvPr>
           <p:cNvSpPr txBox="1"/>
           <p:nvPr>
             <p:custDataLst>
-              <p:tags r:id="rId28"/>
-            </p:custDataLst>
-          </p:nvPr>
-        </p:nvSpPr>
-        <p:spPr>
-          <a:xfrm>
-            <a:off x="12700" y="74255"/>
-            <a:ext cx="0" cy="0"/>
+              <p:tags r:id="rId45"/>
+            </p:custDataLst>
+          </p:nvPr>
+        </p:nvSpPr>
+        <p:spPr>
+          <a:xfrm>
+            <a:off x="12700" y="-2689"/>
+            <a:ext cx="0" cy="153888"/>
           </a:xfrm>
           <a:prstGeom prst="rect">
             <a:avLst/>
@@ -4552,7 +5379,6 @@
           </a:bodyPr>
           <a:lstStyle/>
           <a:p>
-            <a:pPr algn="r"/>
             <a:endParaRPr lang="en-US" sz="1000">
               <a:solidFill>
                 <a:schemeClr val="dk2"/>
@@ -4564,24 +5390,24 @@
       </p:sp>
       <p:sp>
         <p:nvSpPr>
-          <p:cNvPr id="26" name="OTLSHAPE_T_ebce1c56c7624ff68daa044839602265_EndDate" hidden="1">
-            <a:extLst>
-              <a:ext uri="{FF2B5EF4-FFF2-40B4-BE49-F238E27FC236}">
-                <a16:creationId xmlns:a16="http://schemas.microsoft.com/office/drawing/2014/main" id="{89358240-58A7-4FBB-BB08-0CF2535213B1}"/>
+          <p:cNvPr id="118" name="OTLSHAPE_T_93ee150c9d7b4ee0b81d772d821bf80b_EndDate" hidden="1">
+            <a:extLst>
+              <a:ext uri="{FF2B5EF4-FFF2-40B4-BE49-F238E27FC236}">
+                <a16:creationId xmlns:a16="http://schemas.microsoft.com/office/drawing/2014/main" id="{68E1C49B-B5B4-4A51-B130-FA54E35151A4}"/>
               </a:ext>
             </a:extLst>
           </p:cNvPr>
           <p:cNvSpPr txBox="1"/>
           <p:nvPr>
             <p:custDataLst>
-              <p:tags r:id="rId29"/>
-            </p:custDataLst>
-          </p:nvPr>
-        </p:nvSpPr>
-        <p:spPr>
-          <a:xfrm>
-            <a:off x="12700" y="74255"/>
-            <a:ext cx="0" cy="0"/>
+              <p:tags r:id="rId46"/>
+            </p:custDataLst>
+          </p:nvPr>
+        </p:nvSpPr>
+        <p:spPr>
+          <a:xfrm>
+            <a:off x="12700" y="-2689"/>
+            <a:ext cx="0" cy="153888"/>
           </a:xfrm>
           <a:prstGeom prst="rect">
             <a:avLst/>
@@ -4594,7 +5420,6 @@
           </a:bodyPr>
           <a:lstStyle/>
           <a:p>
-            <a:pPr algn="r"/>
             <a:endParaRPr lang="en-US" sz="1000">
               <a:solidFill>
                 <a:schemeClr val="dk2"/>
@@ -4606,24 +5431,24 @@
       </p:sp>
       <p:sp>
         <p:nvSpPr>
-          <p:cNvPr id="27" name="OTLSHAPE_T_ebce1c56c7624ff68daa044839602265_JoinedDate">
-            <a:extLst>
-              <a:ext uri="{FF2B5EF4-FFF2-40B4-BE49-F238E27FC236}">
-                <a16:creationId xmlns:a16="http://schemas.microsoft.com/office/drawing/2014/main" id="{4394A752-089C-4B59-A471-8DEB923F79F4}"/>
+          <p:cNvPr id="121" name="OTLSHAPE_T_93ee150c9d7b4ee0b81d772d821bf80b_JoinedDate">
+            <a:extLst>
+              <a:ext uri="{FF2B5EF4-FFF2-40B4-BE49-F238E27FC236}">
+                <a16:creationId xmlns:a16="http://schemas.microsoft.com/office/drawing/2014/main" id="{66342D9B-21D6-4DB6-9FDE-358C814D4649}"/>
               </a:ext>
             </a:extLst>
           </p:cNvPr>
           <p:cNvSpPr txBox="1"/>
           <p:nvPr>
             <p:custDataLst>
-              <p:tags r:id="rId30"/>
-            </p:custDataLst>
-          </p:nvPr>
-        </p:nvSpPr>
-        <p:spPr>
-          <a:xfrm>
-            <a:off x="266277" y="3534050"/>
-            <a:ext cx="850900" cy="155025"/>
+              <p:tags r:id="rId47"/>
+            </p:custDataLst>
+          </p:nvPr>
+        </p:nvSpPr>
+        <p:spPr>
+          <a:xfrm>
+            <a:off x="8372889" y="3961088"/>
+            <a:ext cx="723900" cy="155025"/>
           </a:xfrm>
           <a:prstGeom prst="rect">
             <a:avLst/>
@@ -4636,7 +5461,6 @@
           </a:bodyPr>
           <a:lstStyle/>
           <a:p>
-            <a:pPr algn="r"/>
             <a:r>
               <a:rPr lang="en-US" sz="1000" spc="-2">
                 <a:solidFill>
@@ -4644,31 +5468,31 @@
                 </a:solidFill>
                 <a:latin typeface="Calibri" panose="020F0502020204030204" pitchFamily="34" charset="0"/>
               </a:rPr>
-              <a:t>Mar 14 - Mar 18</a:t>
-            </a:r>
-          </a:p>
-        </p:txBody>
-      </p:sp>
-      <p:sp>
-        <p:nvSpPr>
-          <p:cNvPr id="28" name="OTLSHAPE_T_ebce1c56c7624ff68daa044839602265_Title">
-            <a:extLst>
-              <a:ext uri="{FF2B5EF4-FFF2-40B4-BE49-F238E27FC236}">
-                <a16:creationId xmlns:a16="http://schemas.microsoft.com/office/drawing/2014/main" id="{DCA3CF58-686C-4926-A622-D283E8A96374}"/>
+              <a:t>Apr 4 - Apr 12</a:t>
+            </a:r>
+          </a:p>
+        </p:txBody>
+      </p:sp>
+      <p:sp>
+        <p:nvSpPr>
+          <p:cNvPr id="122" name="OTLSHAPE_T_93ee150c9d7b4ee0b81d772d821bf80b_Duration">
+            <a:extLst>
+              <a:ext uri="{FF2B5EF4-FFF2-40B4-BE49-F238E27FC236}">
+                <a16:creationId xmlns:a16="http://schemas.microsoft.com/office/drawing/2014/main" id="{EC2A865C-CE7D-4F24-9B6D-4C8098F314F1}"/>
               </a:ext>
             </a:extLst>
           </p:cNvPr>
           <p:cNvSpPr txBox="1"/>
           <p:nvPr>
             <p:custDataLst>
-              <p:tags r:id="rId31"/>
-            </p:custDataLst>
-          </p:nvPr>
-        </p:nvSpPr>
-        <p:spPr>
-          <a:xfrm>
-            <a:off x="3021683" y="3518535"/>
-            <a:ext cx="2578100" cy="186055"/>
+              <p:tags r:id="rId48"/>
+            </p:custDataLst>
+          </p:nvPr>
+        </p:nvSpPr>
+        <p:spPr>
+          <a:xfrm>
+            <a:off x="7410048" y="3961088"/>
+            <a:ext cx="330200" cy="155025"/>
           </a:xfrm>
           <a:prstGeom prst="rect">
             <a:avLst/>
@@ -4681,37 +5505,77 @@
           </a:bodyPr>
           <a:lstStyle/>
           <a:p>
-            <a:r>
-              <a:rPr lang="en-US" sz="1200" b="1" spc="-2">
+            <a:pPr algn="ctr"/>
+            <a:r>
+              <a:rPr lang="en-US" sz="1000" spc="-8">
                 <a:solidFill>
                   <a:schemeClr val="dk1"/>
                 </a:solidFill>
                 <a:latin typeface="Calibri" panose="020F0502020204030204" pitchFamily="34" charset="0"/>
               </a:rPr>
-              <a:t>Literature research &amp; lit. review skeleton</a:t>
-            </a:r>
-            <a:endParaRPr lang="en-US" sz="1200" b="1" spc="-2" dirty="0">
-              <a:solidFill>
-                <a:schemeClr val="dk1"/>
-              </a:solidFill>
-              <a:latin typeface="Calibri" panose="020F0502020204030204" pitchFamily="34" charset="0"/>
-            </a:endParaRPr>
-          </a:p>
-        </p:txBody>
-      </p:sp>
-      <p:sp>
-        <p:nvSpPr>
-          <p:cNvPr id="92" name="OTLSHAPE_T_9897534a0ea244ebbeaf414dbad95792_TextPercentage" hidden="1">
-            <a:extLst>
-              <a:ext uri="{FF2B5EF4-FFF2-40B4-BE49-F238E27FC236}">
-                <a16:creationId xmlns:a16="http://schemas.microsoft.com/office/drawing/2014/main" id="{C69BCF93-CCA3-4C36-AE53-75FCEB06BF45}"/>
+              <a:t>7 days</a:t>
+            </a:r>
+          </a:p>
+        </p:txBody>
+      </p:sp>
+      <p:sp>
+        <p:nvSpPr>
+          <p:cNvPr id="123" name="OTLSHAPE_T_93ee150c9d7b4ee0b81d772d821bf80b_Title">
+            <a:extLst>
+              <a:ext uri="{FF2B5EF4-FFF2-40B4-BE49-F238E27FC236}">
+                <a16:creationId xmlns:a16="http://schemas.microsoft.com/office/drawing/2014/main" id="{08CE5D99-898A-430B-B69F-283721785AF4}"/>
               </a:ext>
             </a:extLst>
           </p:cNvPr>
           <p:cNvSpPr txBox="1"/>
           <p:nvPr>
             <p:custDataLst>
-              <p:tags r:id="rId32"/>
+              <p:tags r:id="rId49"/>
+            </p:custDataLst>
+          </p:nvPr>
+        </p:nvSpPr>
+        <p:spPr>
+          <a:xfrm>
+            <a:off x="5024934" y="3945572"/>
+            <a:ext cx="1752600" cy="186055"/>
+          </a:xfrm>
+          <a:prstGeom prst="rect">
+            <a:avLst/>
+          </a:prstGeom>
+          <a:noFill/>
+        </p:spPr>
+        <p:txBody>
+          <a:bodyPr vert="horz" wrap="square" lIns="0" tIns="0" rIns="0" bIns="0" rtlCol="0" anchor="ctr" anchorCtr="0">
+            <a:spAutoFit/>
+          </a:bodyPr>
+          <a:lstStyle/>
+          <a:p>
+            <a:pPr algn="r"/>
+            <a:r>
+              <a:rPr lang="en-US" sz="1200" b="1" spc="-4">
+                <a:solidFill>
+                  <a:schemeClr val="dk1"/>
+                </a:solidFill>
+                <a:latin typeface="Calibri" panose="020F0502020204030204" pitchFamily="34" charset="0"/>
+              </a:rPr>
+              <a:t>Find example RRBS data set</a:t>
+            </a:r>
+          </a:p>
+        </p:txBody>
+      </p:sp>
+      <p:sp>
+        <p:nvSpPr>
+          <p:cNvPr id="126" name="OTLSHAPE_T_555632f4d8784e8cb8b4fc9dadccab8e_TextPercentage" hidden="1">
+            <a:extLst>
+              <a:ext uri="{FF2B5EF4-FFF2-40B4-BE49-F238E27FC236}">
+                <a16:creationId xmlns:a16="http://schemas.microsoft.com/office/drawing/2014/main" id="{88E607DE-06F6-40F2-976C-F6A71BFF9A8F}"/>
+              </a:ext>
+            </a:extLst>
+          </p:cNvPr>
+          <p:cNvSpPr txBox="1"/>
+          <p:nvPr>
+            <p:custDataLst>
+              <p:tags r:id="rId50"/>
             </p:custDataLst>
           </p:nvPr>
         </p:nvSpPr>
@@ -4742,23 +5606,23 @@
       </p:sp>
       <p:sp>
         <p:nvSpPr>
-          <p:cNvPr id="93" name="OTLSHAPE_T_9897534a0ea244ebbeaf414dbad95792_StartDate" hidden="1">
-            <a:extLst>
-              <a:ext uri="{FF2B5EF4-FFF2-40B4-BE49-F238E27FC236}">
-                <a16:creationId xmlns:a16="http://schemas.microsoft.com/office/drawing/2014/main" id="{1940219B-EB2A-4278-9671-7E6E689ABB75}"/>
+          <p:cNvPr id="127" name="OTLSHAPE_T_555632f4d8784e8cb8b4fc9dadccab8e_StartDate" hidden="1">
+            <a:extLst>
+              <a:ext uri="{FF2B5EF4-FFF2-40B4-BE49-F238E27FC236}">
+                <a16:creationId xmlns:a16="http://schemas.microsoft.com/office/drawing/2014/main" id="{B5C4E716-58FC-4E34-95B9-14FD8ECA13A2}"/>
               </a:ext>
             </a:extLst>
           </p:cNvPr>
           <p:cNvSpPr txBox="1"/>
           <p:nvPr>
             <p:custDataLst>
-              <p:tags r:id="rId33"/>
-            </p:custDataLst>
-          </p:nvPr>
-        </p:nvSpPr>
-        <p:spPr>
-          <a:xfrm>
-            <a:off x="12700" y="74255"/>
+              <p:tags r:id="rId51"/>
+            </p:custDataLst>
+          </p:nvPr>
+        </p:nvSpPr>
+        <p:spPr>
+          <a:xfrm>
+            <a:off x="12700" y="-2689"/>
             <a:ext cx="0" cy="0"/>
           </a:xfrm>
           <a:prstGeom prst="rect">
@@ -4772,7 +5636,6 @@
           </a:bodyPr>
           <a:lstStyle/>
           <a:p>
-            <a:pPr algn="r"/>
             <a:endParaRPr lang="en-US" sz="1000">
               <a:solidFill>
                 <a:schemeClr val="dk2"/>
@@ -4784,23 +5647,23 @@
       </p:sp>
       <p:sp>
         <p:nvSpPr>
-          <p:cNvPr id="94" name="OTLSHAPE_T_9897534a0ea244ebbeaf414dbad95792_EndDate" hidden="1">
-            <a:extLst>
-              <a:ext uri="{FF2B5EF4-FFF2-40B4-BE49-F238E27FC236}">
-                <a16:creationId xmlns:a16="http://schemas.microsoft.com/office/drawing/2014/main" id="{9FBB39A1-F98B-4085-AF4B-F39769018944}"/>
+          <p:cNvPr id="128" name="OTLSHAPE_T_555632f4d8784e8cb8b4fc9dadccab8e_EndDate" hidden="1">
+            <a:extLst>
+              <a:ext uri="{FF2B5EF4-FFF2-40B4-BE49-F238E27FC236}">
+                <a16:creationId xmlns:a16="http://schemas.microsoft.com/office/drawing/2014/main" id="{2B48059A-EFDD-4407-813F-8C0755AE623D}"/>
               </a:ext>
             </a:extLst>
           </p:cNvPr>
           <p:cNvSpPr txBox="1"/>
           <p:nvPr>
             <p:custDataLst>
-              <p:tags r:id="rId34"/>
-            </p:custDataLst>
-          </p:nvPr>
-        </p:nvSpPr>
-        <p:spPr>
-          <a:xfrm>
-            <a:off x="12700" y="74255"/>
+              <p:tags r:id="rId52"/>
+            </p:custDataLst>
+          </p:nvPr>
+        </p:nvSpPr>
+        <p:spPr>
+          <a:xfrm>
+            <a:off x="12700" y="-2689"/>
             <a:ext cx="0" cy="0"/>
           </a:xfrm>
           <a:prstGeom prst="rect">
@@ -4814,7 +5677,6 @@
           </a:bodyPr>
           <a:lstStyle/>
           <a:p>
-            <a:pPr algn="r"/>
             <a:endParaRPr lang="en-US" sz="1000">
               <a:solidFill>
                 <a:schemeClr val="dk2"/>
@@ -4826,24 +5688,24 @@
       </p:sp>
       <p:sp>
         <p:nvSpPr>
-          <p:cNvPr id="95" name="OTLSHAPE_T_9897534a0ea244ebbeaf414dbad95792_JoinedDate">
-            <a:extLst>
-              <a:ext uri="{FF2B5EF4-FFF2-40B4-BE49-F238E27FC236}">
-                <a16:creationId xmlns:a16="http://schemas.microsoft.com/office/drawing/2014/main" id="{6C604C9D-CC47-4C99-83E3-81AAE02F8298}"/>
+          <p:cNvPr id="129" name="OTLSHAPE_T_555632f4d8784e8cb8b4fc9dadccab8e_JoinedDate">
+            <a:extLst>
+              <a:ext uri="{FF2B5EF4-FFF2-40B4-BE49-F238E27FC236}">
+                <a16:creationId xmlns:a16="http://schemas.microsoft.com/office/drawing/2014/main" id="{D1E08990-7D5F-4454-967F-F5735FD6C9F2}"/>
               </a:ext>
             </a:extLst>
           </p:cNvPr>
           <p:cNvSpPr txBox="1"/>
           <p:nvPr>
             <p:custDataLst>
-              <p:tags r:id="rId35"/>
-            </p:custDataLst>
-          </p:nvPr>
-        </p:nvSpPr>
-        <p:spPr>
-          <a:xfrm>
-            <a:off x="1718625" y="3792178"/>
-            <a:ext cx="850900" cy="155025"/>
+              <p:tags r:id="rId53"/>
+            </p:custDataLst>
+          </p:nvPr>
+        </p:nvSpPr>
+        <p:spPr>
+          <a:xfrm>
+            <a:off x="8706214" y="4227788"/>
+            <a:ext cx="787400" cy="155025"/>
           </a:xfrm>
           <a:prstGeom prst="rect">
             <a:avLst/>
@@ -4856,7 +5718,6 @@
           </a:bodyPr>
           <a:lstStyle/>
           <a:p>
-            <a:pPr algn="r"/>
             <a:r>
               <a:rPr lang="en-US" sz="1000" spc="-2">
                 <a:solidFill>
@@ -4864,31 +5725,31 @@
                 </a:solidFill>
                 <a:latin typeface="Calibri" panose="020F0502020204030204" pitchFamily="34" charset="0"/>
               </a:rPr>
-              <a:t>Mar 18 - Mar 25</a:t>
-            </a:r>
-          </a:p>
-        </p:txBody>
-      </p:sp>
-      <p:sp>
-        <p:nvSpPr>
-          <p:cNvPr id="96" name="OTLSHAPE_T_9897534a0ea244ebbeaf414dbad95792_Duration">
-            <a:extLst>
-              <a:ext uri="{FF2B5EF4-FFF2-40B4-BE49-F238E27FC236}">
-                <a16:creationId xmlns:a16="http://schemas.microsoft.com/office/drawing/2014/main" id="{37A1E4EE-FE48-4CE0-8DB8-1FF7B20AFF96}"/>
+              <a:t>Apr 11 - Apr 14</a:t>
+            </a:r>
+          </a:p>
+        </p:txBody>
+      </p:sp>
+      <p:sp>
+        <p:nvSpPr>
+          <p:cNvPr id="130" name="OTLSHAPE_T_555632f4d8784e8cb8b4fc9dadccab8e_Title">
+            <a:extLst>
+              <a:ext uri="{FF2B5EF4-FFF2-40B4-BE49-F238E27FC236}">
+                <a16:creationId xmlns:a16="http://schemas.microsoft.com/office/drawing/2014/main" id="{6EE04C35-134D-4F17-8C5D-DA6E5E2E8DB7}"/>
               </a:ext>
             </a:extLst>
           </p:cNvPr>
           <p:cNvSpPr txBox="1"/>
           <p:nvPr>
             <p:custDataLst>
-              <p:tags r:id="rId36"/>
-            </p:custDataLst>
-          </p:nvPr>
-        </p:nvSpPr>
-        <p:spPr>
-          <a:xfrm>
-            <a:off x="3898155" y="3792178"/>
-            <a:ext cx="330200" cy="155025"/>
+              <p:tags r:id="rId54"/>
+            </p:custDataLst>
+          </p:nvPr>
+        </p:nvSpPr>
+        <p:spPr>
+          <a:xfrm>
+            <a:off x="4955780" y="4212272"/>
+            <a:ext cx="2984500" cy="186055"/>
           </a:xfrm>
           <a:prstGeom prst="rect">
             <a:avLst/>
@@ -4901,51 +5762,7 @@
           </a:bodyPr>
           <a:lstStyle/>
           <a:p>
-            <a:pPr algn="ctr"/>
-            <a:r>
-              <a:rPr lang="en-US" sz="1000" spc="-8">
-                <a:solidFill>
-                  <a:schemeClr val="dk1"/>
-                </a:solidFill>
-                <a:latin typeface="Calibri" panose="020F0502020204030204" pitchFamily="34" charset="0"/>
-              </a:rPr>
-              <a:t>6 days</a:t>
-            </a:r>
-          </a:p>
-        </p:txBody>
-      </p:sp>
-      <p:sp>
-        <p:nvSpPr>
-          <p:cNvPr id="97" name="OTLSHAPE_T_9897534a0ea244ebbeaf414dbad95792_Title">
-            <a:extLst>
-              <a:ext uri="{FF2B5EF4-FFF2-40B4-BE49-F238E27FC236}">
-                <a16:creationId xmlns:a16="http://schemas.microsoft.com/office/drawing/2014/main" id="{989B001E-0EE0-4021-B28F-7CF371705C4D}"/>
-              </a:ext>
-            </a:extLst>
-          </p:cNvPr>
-          <p:cNvSpPr txBox="1"/>
-          <p:nvPr>
-            <p:custDataLst>
-              <p:tags r:id="rId37"/>
-            </p:custDataLst>
-          </p:nvPr>
-        </p:nvSpPr>
-        <p:spPr>
-          <a:xfrm>
-            <a:off x="5563293" y="3776663"/>
-            <a:ext cx="1422400" cy="186055"/>
-          </a:xfrm>
-          <a:prstGeom prst="rect">
-            <a:avLst/>
-          </a:prstGeom>
-          <a:noFill/>
-        </p:spPr>
-        <p:txBody>
-          <a:bodyPr vert="horz" wrap="square" lIns="0" tIns="0" rIns="0" bIns="0" rtlCol="0" anchor="ctr" anchorCtr="0">
-            <a:spAutoFit/>
-          </a:bodyPr>
-          <a:lstStyle/>
-          <a:p>
+            <a:pPr algn="r"/>
             <a:r>
               <a:rPr lang="en-US" sz="1200" b="1" spc="-4">
                 <a:solidFill>
@@ -4953,24 +5770,69 @@
                 </a:solidFill>
                 <a:latin typeface="Calibri" panose="020F0502020204030204" pitchFamily="34" charset="0"/>
               </a:rPr>
-              <a:t>Literature review draft</a:t>
-            </a:r>
-          </a:p>
-        </p:txBody>
-      </p:sp>
-      <p:sp>
-        <p:nvSpPr>
-          <p:cNvPr id="100" name="OTLSHAPE_T_d1007b34047c49478aadbda64c310a6e_TextPercentage" hidden="1">
-            <a:extLst>
-              <a:ext uri="{FF2B5EF4-FFF2-40B4-BE49-F238E27FC236}">
-                <a16:creationId xmlns:a16="http://schemas.microsoft.com/office/drawing/2014/main" id="{9AC51188-53A2-4B7E-B2D8-C259EEFAEEE5}"/>
+              <a:t>Implement different classifiers and test on data</a:t>
+            </a:r>
+          </a:p>
+        </p:txBody>
+      </p:sp>
+      <p:sp>
+        <p:nvSpPr>
+          <p:cNvPr id="131" name="OTLSHAPE_T_555632f4d8784e8cb8b4fc9dadccab8e_Duration">
+            <a:extLst>
+              <a:ext uri="{FF2B5EF4-FFF2-40B4-BE49-F238E27FC236}">
+                <a16:creationId xmlns:a16="http://schemas.microsoft.com/office/drawing/2014/main" id="{A3DFFF55-24D6-4A8D-A92F-6D46F8DC91D3}"/>
               </a:ext>
             </a:extLst>
           </p:cNvPr>
           <p:cNvSpPr txBox="1"/>
           <p:nvPr>
             <p:custDataLst>
-              <p:tags r:id="rId38"/>
+              <p:tags r:id="rId55"/>
+            </p:custDataLst>
+          </p:nvPr>
+        </p:nvSpPr>
+        <p:spPr>
+          <a:xfrm>
+            <a:off x="8160031" y="4227788"/>
+            <a:ext cx="330200" cy="155025"/>
+          </a:xfrm>
+          <a:prstGeom prst="rect">
+            <a:avLst/>
+          </a:prstGeom>
+          <a:noFill/>
+        </p:spPr>
+        <p:txBody>
+          <a:bodyPr vert="horz" wrap="square" lIns="0" tIns="0" rIns="0" bIns="0" rtlCol="0" anchor="ctr" anchorCtr="0">
+            <a:spAutoFit/>
+          </a:bodyPr>
+          <a:lstStyle/>
+          <a:p>
+            <a:pPr algn="ctr"/>
+            <a:r>
+              <a:rPr lang="en-US" sz="1000" spc="-8" dirty="0">
+                <a:solidFill>
+                  <a:schemeClr val="dk1"/>
+                </a:solidFill>
+                <a:latin typeface="Calibri" panose="020F0502020204030204" pitchFamily="34" charset="0"/>
+              </a:rPr>
+              <a:t>4 days</a:t>
+            </a:r>
+          </a:p>
+        </p:txBody>
+      </p:sp>
+      <p:sp>
+        <p:nvSpPr>
+          <p:cNvPr id="17" name="OTLSHAPE_T_c21f8c801dd4474996421ebdfaa8e17b_TextPercentage" hidden="1">
+            <a:extLst>
+              <a:ext uri="{FF2B5EF4-FFF2-40B4-BE49-F238E27FC236}">
+                <a16:creationId xmlns:a16="http://schemas.microsoft.com/office/drawing/2014/main" id="{816A26C9-D31A-40BD-9678-9EAE13B8C685}"/>
+              </a:ext>
+            </a:extLst>
+          </p:cNvPr>
+          <p:cNvSpPr txBox="1"/>
+          <p:nvPr>
+            <p:custDataLst>
+              <p:tags r:id="rId56"/>
             </p:custDataLst>
           </p:nvPr>
         </p:nvSpPr>
@@ -5001,23 +5863,23 @@
       </p:sp>
       <p:sp>
         <p:nvSpPr>
-          <p:cNvPr id="101" name="OTLSHAPE_T_d1007b34047c49478aadbda64c310a6e_StartDate" hidden="1">
-            <a:extLst>
-              <a:ext uri="{FF2B5EF4-FFF2-40B4-BE49-F238E27FC236}">
-                <a16:creationId xmlns:a16="http://schemas.microsoft.com/office/drawing/2014/main" id="{C3A66295-9DCC-465C-8026-82243067BEA0}"/>
+          <p:cNvPr id="18" name="OTLSHAPE_T_c21f8c801dd4474996421ebdfaa8e17b_StartDate" hidden="1">
+            <a:extLst>
+              <a:ext uri="{FF2B5EF4-FFF2-40B4-BE49-F238E27FC236}">
+                <a16:creationId xmlns:a16="http://schemas.microsoft.com/office/drawing/2014/main" id="{70AEA5EB-3D31-4023-A153-68B34F101D6C}"/>
               </a:ext>
             </a:extLst>
           </p:cNvPr>
           <p:cNvSpPr txBox="1"/>
           <p:nvPr>
             <p:custDataLst>
-              <p:tags r:id="rId39"/>
-            </p:custDataLst>
-          </p:nvPr>
-        </p:nvSpPr>
-        <p:spPr>
-          <a:xfrm>
-            <a:off x="12700" y="74255"/>
+              <p:tags r:id="rId57"/>
+            </p:custDataLst>
+          </p:nvPr>
+        </p:nvSpPr>
+        <p:spPr>
+          <a:xfrm>
+            <a:off x="12700" y="-2689"/>
             <a:ext cx="0" cy="0"/>
           </a:xfrm>
           <a:prstGeom prst="rect">
@@ -5031,7 +5893,6 @@
           </a:bodyPr>
           <a:lstStyle/>
           <a:p>
-            <a:pPr algn="r"/>
             <a:endParaRPr lang="en-US" sz="1000">
               <a:solidFill>
                 <a:schemeClr val="dk2"/>
@@ -5043,23 +5904,23 @@
       </p:sp>
       <p:sp>
         <p:nvSpPr>
-          <p:cNvPr id="102" name="OTLSHAPE_T_d1007b34047c49478aadbda64c310a6e_EndDate" hidden="1">
-            <a:extLst>
-              <a:ext uri="{FF2B5EF4-FFF2-40B4-BE49-F238E27FC236}">
-                <a16:creationId xmlns:a16="http://schemas.microsoft.com/office/drawing/2014/main" id="{9B33C46F-918E-4418-B0CC-47B5B5BDC912}"/>
+          <p:cNvPr id="19" name="OTLSHAPE_T_c21f8c801dd4474996421ebdfaa8e17b_EndDate" hidden="1">
+            <a:extLst>
+              <a:ext uri="{FF2B5EF4-FFF2-40B4-BE49-F238E27FC236}">
+                <a16:creationId xmlns:a16="http://schemas.microsoft.com/office/drawing/2014/main" id="{8E5ECA50-F612-4AF8-97A5-C40ACB20C73E}"/>
               </a:ext>
             </a:extLst>
           </p:cNvPr>
           <p:cNvSpPr txBox="1"/>
           <p:nvPr>
             <p:custDataLst>
-              <p:tags r:id="rId40"/>
-            </p:custDataLst>
-          </p:nvPr>
-        </p:nvSpPr>
-        <p:spPr>
-          <a:xfrm>
-            <a:off x="12700" y="74255"/>
+              <p:tags r:id="rId58"/>
+            </p:custDataLst>
+          </p:nvPr>
+        </p:nvSpPr>
+        <p:spPr>
+          <a:xfrm>
+            <a:off x="12700" y="-2689"/>
             <a:ext cx="0" cy="0"/>
           </a:xfrm>
           <a:prstGeom prst="rect">
@@ -5073,7 +5934,6 @@
           </a:bodyPr>
           <a:lstStyle/>
           <a:p>
-            <a:pPr algn="r"/>
             <a:endParaRPr lang="en-US" sz="1000">
               <a:solidFill>
                 <a:schemeClr val="dk2"/>
@@ -5085,24 +5945,24 @@
       </p:sp>
       <p:sp>
         <p:nvSpPr>
-          <p:cNvPr id="103" name="OTLSHAPE_T_d1007b34047c49478aadbda64c310a6e_JoinedDate">
-            <a:extLst>
-              <a:ext uri="{FF2B5EF4-FFF2-40B4-BE49-F238E27FC236}">
-                <a16:creationId xmlns:a16="http://schemas.microsoft.com/office/drawing/2014/main" id="{A54EDC64-3583-44CE-B335-351389E5C993}"/>
+          <p:cNvPr id="20" name="OTLSHAPE_T_c21f8c801dd4474996421ebdfaa8e17b_JoinedDate">
+            <a:extLst>
+              <a:ext uri="{FF2B5EF4-FFF2-40B4-BE49-F238E27FC236}">
+                <a16:creationId xmlns:a16="http://schemas.microsoft.com/office/drawing/2014/main" id="{A12093EA-8E59-4F20-BF97-EF2611F2F5A1}"/>
               </a:ext>
             </a:extLst>
           </p:cNvPr>
           <p:cNvSpPr txBox="1"/>
           <p:nvPr>
             <p:custDataLst>
-              <p:tags r:id="rId41"/>
-            </p:custDataLst>
-          </p:nvPr>
-        </p:nvSpPr>
-        <p:spPr>
-          <a:xfrm>
-            <a:off x="5443095" y="4058878"/>
-            <a:ext cx="749300" cy="155025"/>
+              <p:tags r:id="rId59"/>
+            </p:custDataLst>
+          </p:nvPr>
+        </p:nvSpPr>
+        <p:spPr>
+          <a:xfrm>
+            <a:off x="9539529" y="4494488"/>
+            <a:ext cx="787400" cy="155025"/>
           </a:xfrm>
           <a:prstGeom prst="rect">
             <a:avLst/>
@@ -5115,7 +5975,6 @@
           </a:bodyPr>
           <a:lstStyle/>
           <a:p>
-            <a:pPr algn="r"/>
             <a:r>
               <a:rPr lang="en-US" sz="1000" spc="-2">
                 <a:solidFill>
@@ -5123,30 +5982,30 @@
                 </a:solidFill>
                 <a:latin typeface="Calibri" panose="020F0502020204030204" pitchFamily="34" charset="0"/>
               </a:rPr>
-              <a:t>Mar 28 - Apr 1</a:t>
-            </a:r>
-          </a:p>
-        </p:txBody>
-      </p:sp>
-      <p:sp>
-        <p:nvSpPr>
-          <p:cNvPr id="104" name="OTLSHAPE_T_d1007b34047c49478aadbda64c310a6e_Duration">
-            <a:extLst>
-              <a:ext uri="{FF2B5EF4-FFF2-40B4-BE49-F238E27FC236}">
-                <a16:creationId xmlns:a16="http://schemas.microsoft.com/office/drawing/2014/main" id="{A0D5E852-2946-434E-B49A-0A10DA2B9AB7}"/>
+              <a:t>Apr 13 - Apr 19</a:t>
+            </a:r>
+          </a:p>
+        </p:txBody>
+      </p:sp>
+      <p:sp>
+        <p:nvSpPr>
+          <p:cNvPr id="21" name="OTLSHAPE_T_c21f8c801dd4474996421ebdfaa8e17b_Duration">
+            <a:extLst>
+              <a:ext uri="{FF2B5EF4-FFF2-40B4-BE49-F238E27FC236}">
+                <a16:creationId xmlns:a16="http://schemas.microsoft.com/office/drawing/2014/main" id="{0B77F2AC-C30F-4E0A-9981-0701532E4C0C}"/>
               </a:ext>
             </a:extLst>
           </p:cNvPr>
           <p:cNvSpPr txBox="1"/>
           <p:nvPr>
             <p:custDataLst>
-              <p:tags r:id="rId42"/>
-            </p:custDataLst>
-          </p:nvPr>
-        </p:nvSpPr>
-        <p:spPr>
-          <a:xfrm>
-            <a:off x="6984395" y="4058878"/>
+              <p:tags r:id="rId60"/>
+            </p:custDataLst>
+          </p:nvPr>
+        </p:nvSpPr>
+        <p:spPr>
+          <a:xfrm>
+            <a:off x="8743352" y="4494488"/>
             <a:ext cx="330200" cy="155025"/>
           </a:xfrm>
           <a:prstGeom prst="rect">
@@ -5175,24 +6034,24 @@
       </p:sp>
       <p:sp>
         <p:nvSpPr>
-          <p:cNvPr id="105" name="OTLSHAPE_T_d1007b34047c49478aadbda64c310a6e_Title">
-            <a:extLst>
-              <a:ext uri="{FF2B5EF4-FFF2-40B4-BE49-F238E27FC236}">
-                <a16:creationId xmlns:a16="http://schemas.microsoft.com/office/drawing/2014/main" id="{95529A61-A4E8-46EE-B990-C130B16531F9}"/>
+          <p:cNvPr id="22" name="OTLSHAPE_T_c21f8c801dd4474996421ebdfaa8e17b_Title">
+            <a:extLst>
+              <a:ext uri="{FF2B5EF4-FFF2-40B4-BE49-F238E27FC236}">
+                <a16:creationId xmlns:a16="http://schemas.microsoft.com/office/drawing/2014/main" id="{F69CFD17-E62E-4D61-BA09-2254DAE3AB02}"/>
               </a:ext>
             </a:extLst>
           </p:cNvPr>
           <p:cNvSpPr txBox="1"/>
           <p:nvPr>
             <p:custDataLst>
-              <p:tags r:id="rId43"/>
-            </p:custDataLst>
-          </p:nvPr>
-        </p:nvSpPr>
-        <p:spPr>
-          <a:xfrm>
-            <a:off x="8104903" y="4043363"/>
-            <a:ext cx="1397000" cy="186055"/>
+              <p:tags r:id="rId61"/>
+            </p:custDataLst>
+          </p:nvPr>
+        </p:nvSpPr>
+        <p:spPr>
+          <a:xfrm>
+            <a:off x="5518129" y="4478972"/>
+            <a:ext cx="2755900" cy="186055"/>
           </a:xfrm>
           <a:prstGeom prst="rect">
             <a:avLst/>
@@ -5205,6 +6064,7 @@
           </a:bodyPr>
           <a:lstStyle/>
           <a:p>
+            <a:pPr algn="r"/>
             <a:r>
               <a:rPr lang="en-US" sz="1200" b="1" spc="-4">
                 <a:solidFill>
@@ -5212,24 +6072,24 @@
                 </a:solidFill>
                 <a:latin typeface="Calibri" panose="020F0502020204030204" pitchFamily="34" charset="0"/>
               </a:rPr>
-              <a:t>Final literature review</a:t>
-            </a:r>
-          </a:p>
-        </p:txBody>
-      </p:sp>
-      <p:sp>
-        <p:nvSpPr>
-          <p:cNvPr id="116" name="OTLSHAPE_T_93ee150c9d7b4ee0b81d772d821bf80b_TextPercentage" hidden="1">
-            <a:extLst>
-              <a:ext uri="{FF2B5EF4-FFF2-40B4-BE49-F238E27FC236}">
-                <a16:creationId xmlns:a16="http://schemas.microsoft.com/office/drawing/2014/main" id="{DE9809FD-9C8C-47B3-B5C8-5D1C4CBC162E}"/>
+              <a:t>Tranform lit. review to intro for dissertation</a:t>
+            </a:r>
+          </a:p>
+        </p:txBody>
+      </p:sp>
+      <p:sp>
+        <p:nvSpPr>
+          <p:cNvPr id="31" name="OTLSHAPE_T_a9e75211bf4d415fa4154823df1e958d_TextPercentage" hidden="1">
+            <a:extLst>
+              <a:ext uri="{FF2B5EF4-FFF2-40B4-BE49-F238E27FC236}">
+                <a16:creationId xmlns:a16="http://schemas.microsoft.com/office/drawing/2014/main" id="{60B057B6-09F4-441F-A82D-B379CDC3CD8A}"/>
               </a:ext>
             </a:extLst>
           </p:cNvPr>
           <p:cNvSpPr txBox="1"/>
           <p:nvPr>
             <p:custDataLst>
-              <p:tags r:id="rId44"/>
+              <p:tags r:id="rId62"/>
             </p:custDataLst>
           </p:nvPr>
         </p:nvSpPr>
@@ -5260,23 +6120,23 @@
       </p:sp>
       <p:sp>
         <p:nvSpPr>
-          <p:cNvPr id="117" name="OTLSHAPE_T_93ee150c9d7b4ee0b81d772d821bf80b_StartDate" hidden="1">
-            <a:extLst>
-              <a:ext uri="{FF2B5EF4-FFF2-40B4-BE49-F238E27FC236}">
-                <a16:creationId xmlns:a16="http://schemas.microsoft.com/office/drawing/2014/main" id="{723376C9-293D-4F8A-BD0C-46AC13FA4FD8}"/>
+          <p:cNvPr id="32" name="OTLSHAPE_T_a9e75211bf4d415fa4154823df1e958d_StartDate" hidden="1">
+            <a:extLst>
+              <a:ext uri="{FF2B5EF4-FFF2-40B4-BE49-F238E27FC236}">
+                <a16:creationId xmlns:a16="http://schemas.microsoft.com/office/drawing/2014/main" id="{0E299876-A7C4-4288-B81A-29206F53E70B}"/>
               </a:ext>
             </a:extLst>
           </p:cNvPr>
           <p:cNvSpPr txBox="1"/>
           <p:nvPr>
             <p:custDataLst>
-              <p:tags r:id="rId45"/>
-            </p:custDataLst>
-          </p:nvPr>
-        </p:nvSpPr>
-        <p:spPr>
-          <a:xfrm>
-            <a:off x="12700" y="74255"/>
+              <p:tags r:id="rId63"/>
+            </p:custDataLst>
+          </p:nvPr>
+        </p:nvSpPr>
+        <p:spPr>
+          <a:xfrm>
+            <a:off x="12700" y="-2689"/>
             <a:ext cx="0" cy="0"/>
           </a:xfrm>
           <a:prstGeom prst="rect">
@@ -5290,7 +6150,6 @@
           </a:bodyPr>
           <a:lstStyle/>
           <a:p>
-            <a:pPr algn="r"/>
             <a:endParaRPr lang="en-US" sz="1000">
               <a:solidFill>
                 <a:schemeClr val="dk2"/>
@@ -5302,23 +6161,23 @@
       </p:sp>
       <p:sp>
         <p:nvSpPr>
-          <p:cNvPr id="118" name="OTLSHAPE_T_93ee150c9d7b4ee0b81d772d821bf80b_EndDate" hidden="1">
-            <a:extLst>
-              <a:ext uri="{FF2B5EF4-FFF2-40B4-BE49-F238E27FC236}">
-                <a16:creationId xmlns:a16="http://schemas.microsoft.com/office/drawing/2014/main" id="{68E1C49B-B5B4-4A51-B130-FA54E35151A4}"/>
+          <p:cNvPr id="33" name="OTLSHAPE_T_a9e75211bf4d415fa4154823df1e958d_EndDate" hidden="1">
+            <a:extLst>
+              <a:ext uri="{FF2B5EF4-FFF2-40B4-BE49-F238E27FC236}">
+                <a16:creationId xmlns:a16="http://schemas.microsoft.com/office/drawing/2014/main" id="{49E5FF87-2350-4FBC-A0B4-39D7219AE1A0}"/>
               </a:ext>
             </a:extLst>
           </p:cNvPr>
           <p:cNvSpPr txBox="1"/>
           <p:nvPr>
             <p:custDataLst>
-              <p:tags r:id="rId46"/>
-            </p:custDataLst>
-          </p:nvPr>
-        </p:nvSpPr>
-        <p:spPr>
-          <a:xfrm>
-            <a:off x="12700" y="74255"/>
+              <p:tags r:id="rId64"/>
+            </p:custDataLst>
+          </p:nvPr>
+        </p:nvSpPr>
+        <p:spPr>
+          <a:xfrm>
+            <a:off x="12700" y="-2689"/>
             <a:ext cx="0" cy="0"/>
           </a:xfrm>
           <a:prstGeom prst="rect">
@@ -5332,7 +6191,6 @@
           </a:bodyPr>
           <a:lstStyle/>
           <a:p>
-            <a:pPr algn="r"/>
             <a:endParaRPr lang="en-US" sz="1000">
               <a:solidFill>
                 <a:schemeClr val="dk2"/>
@@ -5344,24 +6202,24 @@
       </p:sp>
       <p:sp>
         <p:nvSpPr>
-          <p:cNvPr id="121" name="OTLSHAPE_T_93ee150c9d7b4ee0b81d772d821bf80b_JoinedDate">
-            <a:extLst>
-              <a:ext uri="{FF2B5EF4-FFF2-40B4-BE49-F238E27FC236}">
-                <a16:creationId xmlns:a16="http://schemas.microsoft.com/office/drawing/2014/main" id="{66342D9B-21D6-4DB6-9FDE-358C814D4649}"/>
+          <p:cNvPr id="34" name="OTLSHAPE_T_a9e75211bf4d415fa4154823df1e958d_JoinedDate">
+            <a:extLst>
+              <a:ext uri="{FF2B5EF4-FFF2-40B4-BE49-F238E27FC236}">
+                <a16:creationId xmlns:a16="http://schemas.microsoft.com/office/drawing/2014/main" id="{41EE0088-DAF8-49B1-93E7-7E843F1515BE}"/>
               </a:ext>
             </a:extLst>
           </p:cNvPr>
           <p:cNvSpPr txBox="1"/>
           <p:nvPr>
             <p:custDataLst>
-              <p:tags r:id="rId47"/>
-            </p:custDataLst>
-          </p:nvPr>
-        </p:nvSpPr>
-        <p:spPr>
-          <a:xfrm>
-            <a:off x="5349496" y="4325578"/>
-            <a:ext cx="850900" cy="155025"/>
+              <p:tags r:id="rId65"/>
+            </p:custDataLst>
+          </p:nvPr>
+        </p:nvSpPr>
+        <p:spPr>
+          <a:xfrm>
+            <a:off x="10872832" y="4761188"/>
+            <a:ext cx="787400" cy="155025"/>
           </a:xfrm>
           <a:prstGeom prst="rect">
             <a:avLst/>
@@ -5374,7 +6232,6 @@
           </a:bodyPr>
           <a:lstStyle/>
           <a:p>
-            <a:pPr algn="r"/>
             <a:r>
               <a:rPr lang="en-US" sz="1000" spc="-2">
                 <a:solidFill>
@@ -5382,31 +6239,31 @@
                 </a:solidFill>
                 <a:latin typeface="Calibri" panose="020F0502020204030204" pitchFamily="34" charset="0"/>
               </a:rPr>
-              <a:t>Mar 28 - Mar 29</a:t>
-            </a:r>
-          </a:p>
-        </p:txBody>
-      </p:sp>
-      <p:sp>
-        <p:nvSpPr>
-          <p:cNvPr id="122" name="OTLSHAPE_T_93ee150c9d7b4ee0b81d772d821bf80b_Duration">
-            <a:extLst>
-              <a:ext uri="{FF2B5EF4-FFF2-40B4-BE49-F238E27FC236}">
-                <a16:creationId xmlns:a16="http://schemas.microsoft.com/office/drawing/2014/main" id="{EC2A865C-CE7D-4F24-9B6D-4C8098F314F1}"/>
+              <a:t>Apr 19 - Apr 27</a:t>
+            </a:r>
+          </a:p>
+        </p:txBody>
+      </p:sp>
+      <p:sp>
+        <p:nvSpPr>
+          <p:cNvPr id="35" name="OTLSHAPE_T_a9e75211bf4d415fa4154823df1e958d_Title">
+            <a:extLst>
+              <a:ext uri="{FF2B5EF4-FFF2-40B4-BE49-F238E27FC236}">
+                <a16:creationId xmlns:a16="http://schemas.microsoft.com/office/drawing/2014/main" id="{B7976EB8-4717-475B-B10C-8C2F2E86D0C6}"/>
               </a:ext>
             </a:extLst>
           </p:cNvPr>
           <p:cNvSpPr txBox="1"/>
           <p:nvPr>
             <p:custDataLst>
-              <p:tags r:id="rId48"/>
-            </p:custDataLst>
-          </p:nvPr>
-        </p:nvSpPr>
-        <p:spPr>
-          <a:xfrm>
-            <a:off x="6439765" y="4325578"/>
-            <a:ext cx="330200" cy="155025"/>
+              <p:tags r:id="rId66"/>
+            </p:custDataLst>
+          </p:nvPr>
+        </p:nvSpPr>
+        <p:spPr>
+          <a:xfrm>
+            <a:off x="7640151" y="4745672"/>
+            <a:ext cx="1638300" cy="186055"/>
           </a:xfrm>
           <a:prstGeom prst="rect">
             <a:avLst/>
@@ -5419,296 +6276,47 @@
           </a:bodyPr>
           <a:lstStyle/>
           <a:p>
-            <a:pPr algn="ctr"/>
-            <a:r>
-              <a:rPr lang="en-US" sz="1000" spc="-8">
+            <a:pPr algn="r"/>
+            <a:r>
+              <a:rPr lang="en-US" sz="1200" b="1" spc="-6" dirty="0" err="1">
                 <a:solidFill>
                   <a:schemeClr val="dk1"/>
                 </a:solidFill>
                 <a:latin typeface="Calibri" panose="020F0502020204030204" pitchFamily="34" charset="0"/>
               </a:rPr>
-              <a:t>2 days</a:t>
-            </a:r>
-          </a:p>
-        </p:txBody>
-      </p:sp>
-      <p:sp>
-        <p:nvSpPr>
-          <p:cNvPr id="123" name="OTLSHAPE_T_93ee150c9d7b4ee0b81d772d821bf80b_Title">
-            <a:extLst>
-              <a:ext uri="{FF2B5EF4-FFF2-40B4-BE49-F238E27FC236}">
-                <a16:creationId xmlns:a16="http://schemas.microsoft.com/office/drawing/2014/main" id="{08CE5D99-898A-430B-B69F-283721785AF4}"/>
-              </a:ext>
-            </a:extLst>
-          </p:cNvPr>
-          <p:cNvSpPr txBox="1"/>
-          <p:nvPr>
-            <p:custDataLst>
-              <p:tags r:id="rId49"/>
-            </p:custDataLst>
-          </p:nvPr>
-        </p:nvSpPr>
-        <p:spPr>
-          <a:xfrm>
-            <a:off x="7015642" y="4310063"/>
-            <a:ext cx="1752600" cy="186055"/>
-          </a:xfrm>
-          <a:prstGeom prst="rect">
-            <a:avLst/>
-          </a:prstGeom>
-          <a:noFill/>
-        </p:spPr>
-        <p:txBody>
-          <a:bodyPr vert="horz" wrap="square" lIns="0" tIns="0" rIns="0" bIns="0" rtlCol="0" anchor="ctr" anchorCtr="0">
-            <a:spAutoFit/>
-          </a:bodyPr>
-          <a:lstStyle/>
-          <a:p>
-            <a:r>
-              <a:rPr lang="en-US" sz="1200" b="1" spc="-4">
+              <a:t>Optimisation</a:t>
+            </a:r>
+            <a:r>
+              <a:rPr lang="en-US" sz="1200" b="1" spc="-6" dirty="0">
                 <a:solidFill>
                   <a:schemeClr val="dk1"/>
                 </a:solidFill>
                 <a:latin typeface="Calibri" panose="020F0502020204030204" pitchFamily="34" charset="0"/>
               </a:rPr>
-              <a:t>Find example RRBS data set</a:t>
-            </a:r>
-          </a:p>
-        </p:txBody>
-      </p:sp>
-      <p:sp>
-        <p:nvSpPr>
-          <p:cNvPr id="126" name="OTLSHAPE_T_555632f4d8784e8cb8b4fc9dadccab8e_TextPercentage" hidden="1">
-            <a:extLst>
-              <a:ext uri="{FF2B5EF4-FFF2-40B4-BE49-F238E27FC236}">
-                <a16:creationId xmlns:a16="http://schemas.microsoft.com/office/drawing/2014/main" id="{88E607DE-06F6-40F2-976C-F6A71BFF9A8F}"/>
+              <a:t> of classifiers</a:t>
+            </a:r>
+          </a:p>
+        </p:txBody>
+      </p:sp>
+      <p:sp>
+        <p:nvSpPr>
+          <p:cNvPr id="36" name="OTLSHAPE_T_a9e75211bf4d415fa4154823df1e958d_Duration">
+            <a:extLst>
+              <a:ext uri="{FF2B5EF4-FFF2-40B4-BE49-F238E27FC236}">
+                <a16:creationId xmlns:a16="http://schemas.microsoft.com/office/drawing/2014/main" id="{6A9A4C4F-7B58-49BE-B86A-664D5CC89075}"/>
               </a:ext>
             </a:extLst>
           </p:cNvPr>
           <p:cNvSpPr txBox="1"/>
           <p:nvPr>
             <p:custDataLst>
-              <p:tags r:id="rId50"/>
-            </p:custDataLst>
-          </p:nvPr>
-        </p:nvSpPr>
-        <p:spPr>
-          <a:xfrm>
-            <a:off x="12700" y="74255"/>
-            <a:ext cx="0" cy="0"/>
-          </a:xfrm>
-          <a:prstGeom prst="rect">
-            <a:avLst/>
-          </a:prstGeom>
-          <a:noFill/>
-        </p:spPr>
-        <p:txBody>
-          <a:bodyPr vert="horz" wrap="square" lIns="0" tIns="0" rIns="0" bIns="0" rtlCol="0" anchor="ctr" anchorCtr="0">
-            <a:spAutoFit/>
-          </a:bodyPr>
-          <a:lstStyle/>
-          <a:p>
-            <a:endParaRPr lang="en-US" sz="1000">
-              <a:solidFill>
-                <a:srgbClr val="C0504D"/>
-              </a:solidFill>
-              <a:latin typeface="Calibri" panose="020F0502020204030204" pitchFamily="34" charset="0"/>
-            </a:endParaRPr>
-          </a:p>
-        </p:txBody>
-      </p:sp>
-      <p:sp>
-        <p:nvSpPr>
-          <p:cNvPr id="127" name="OTLSHAPE_T_555632f4d8784e8cb8b4fc9dadccab8e_StartDate" hidden="1">
-            <a:extLst>
-              <a:ext uri="{FF2B5EF4-FFF2-40B4-BE49-F238E27FC236}">
-                <a16:creationId xmlns:a16="http://schemas.microsoft.com/office/drawing/2014/main" id="{B5C4E716-58FC-4E34-95B9-14FD8ECA13A2}"/>
-              </a:ext>
-            </a:extLst>
-          </p:cNvPr>
-          <p:cNvSpPr txBox="1"/>
-          <p:nvPr>
-            <p:custDataLst>
-              <p:tags r:id="rId51"/>
-            </p:custDataLst>
-          </p:nvPr>
-        </p:nvSpPr>
-        <p:spPr>
-          <a:xfrm>
-            <a:off x="12700" y="74255"/>
-            <a:ext cx="0" cy="0"/>
-          </a:xfrm>
-          <a:prstGeom prst="rect">
-            <a:avLst/>
-          </a:prstGeom>
-          <a:noFill/>
-        </p:spPr>
-        <p:txBody>
-          <a:bodyPr vert="horz" wrap="square" lIns="0" tIns="0" rIns="0" bIns="0" rtlCol="0" anchor="ctr" anchorCtr="0">
-            <a:spAutoFit/>
-          </a:bodyPr>
-          <a:lstStyle/>
-          <a:p>
-            <a:pPr algn="r"/>
-            <a:endParaRPr lang="en-US" sz="1000">
-              <a:solidFill>
-                <a:schemeClr val="dk2"/>
-              </a:solidFill>
-              <a:latin typeface="Calibri" panose="020F0502020204030204" pitchFamily="34" charset="0"/>
-            </a:endParaRPr>
-          </a:p>
-        </p:txBody>
-      </p:sp>
-      <p:sp>
-        <p:nvSpPr>
-          <p:cNvPr id="128" name="OTLSHAPE_T_555632f4d8784e8cb8b4fc9dadccab8e_EndDate" hidden="1">
-            <a:extLst>
-              <a:ext uri="{FF2B5EF4-FFF2-40B4-BE49-F238E27FC236}">
-                <a16:creationId xmlns:a16="http://schemas.microsoft.com/office/drawing/2014/main" id="{2B48059A-EFDD-4407-813F-8C0755AE623D}"/>
-              </a:ext>
-            </a:extLst>
-          </p:cNvPr>
-          <p:cNvSpPr txBox="1"/>
-          <p:nvPr>
-            <p:custDataLst>
-              <p:tags r:id="rId52"/>
-            </p:custDataLst>
-          </p:nvPr>
-        </p:nvSpPr>
-        <p:spPr>
-          <a:xfrm>
-            <a:off x="12700" y="74255"/>
-            <a:ext cx="0" cy="0"/>
-          </a:xfrm>
-          <a:prstGeom prst="rect">
-            <a:avLst/>
-          </a:prstGeom>
-          <a:noFill/>
-        </p:spPr>
-        <p:txBody>
-          <a:bodyPr vert="horz" wrap="square" lIns="0" tIns="0" rIns="0" bIns="0" rtlCol="0" anchor="ctr" anchorCtr="0">
-            <a:spAutoFit/>
-          </a:bodyPr>
-          <a:lstStyle/>
-          <a:p>
-            <a:pPr algn="r"/>
-            <a:endParaRPr lang="en-US" sz="1000">
-              <a:solidFill>
-                <a:schemeClr val="dk2"/>
-              </a:solidFill>
-              <a:latin typeface="Calibri" panose="020F0502020204030204" pitchFamily="34" charset="0"/>
-            </a:endParaRPr>
-          </a:p>
-        </p:txBody>
-      </p:sp>
-      <p:sp>
-        <p:nvSpPr>
-          <p:cNvPr id="129" name="OTLSHAPE_T_555632f4d8784e8cb8b4fc9dadccab8e_JoinedDate">
-            <a:extLst>
-              <a:ext uri="{FF2B5EF4-FFF2-40B4-BE49-F238E27FC236}">
-                <a16:creationId xmlns:a16="http://schemas.microsoft.com/office/drawing/2014/main" id="{D1E08990-7D5F-4454-967F-F5735FD6C9F2}"/>
-              </a:ext>
-            </a:extLst>
-          </p:cNvPr>
-          <p:cNvSpPr txBox="1"/>
-          <p:nvPr>
-            <p:custDataLst>
-              <p:tags r:id="rId53"/>
-            </p:custDataLst>
-          </p:nvPr>
-        </p:nvSpPr>
-        <p:spPr>
-          <a:xfrm>
-            <a:off x="6169269" y="4676733"/>
-            <a:ext cx="749300" cy="155025"/>
-          </a:xfrm>
-          <a:prstGeom prst="rect">
-            <a:avLst/>
-          </a:prstGeom>
-          <a:noFill/>
-        </p:spPr>
-        <p:txBody>
-          <a:bodyPr vert="horz" wrap="square" lIns="0" tIns="0" rIns="0" bIns="0" rtlCol="0" anchor="ctr" anchorCtr="0">
-            <a:spAutoFit/>
-          </a:bodyPr>
-          <a:lstStyle/>
-          <a:p>
-            <a:pPr algn="r"/>
-            <a:r>
-              <a:rPr lang="en-US" sz="1000" spc="-2">
-                <a:solidFill>
-                  <a:schemeClr val="dk2"/>
-                </a:solidFill>
-                <a:latin typeface="Calibri" panose="020F0502020204030204" pitchFamily="34" charset="0"/>
-              </a:rPr>
-              <a:t>Mar 30 - Apr 7</a:t>
-            </a:r>
-          </a:p>
-        </p:txBody>
-      </p:sp>
-      <p:sp>
-        <p:nvSpPr>
-          <p:cNvPr id="130" name="OTLSHAPE_T_555632f4d8784e8cb8b4fc9dadccab8e_Title">
-            <a:extLst>
-              <a:ext uri="{FF2B5EF4-FFF2-40B4-BE49-F238E27FC236}">
-                <a16:creationId xmlns:a16="http://schemas.microsoft.com/office/drawing/2014/main" id="{6EE04C35-134D-4F17-8C5D-DA6E5E2E8DB7}"/>
-              </a:ext>
-            </a:extLst>
-          </p:cNvPr>
-          <p:cNvSpPr txBox="1"/>
-          <p:nvPr>
-            <p:custDataLst>
-              <p:tags r:id="rId54"/>
-            </p:custDataLst>
-          </p:nvPr>
-        </p:nvSpPr>
-        <p:spPr>
-          <a:xfrm>
-            <a:off x="10283426" y="4568190"/>
-            <a:ext cx="1676400" cy="372110"/>
-          </a:xfrm>
-          <a:prstGeom prst="rect">
-            <a:avLst/>
-          </a:prstGeom>
-          <a:noFill/>
-        </p:spPr>
-        <p:txBody>
-          <a:bodyPr vert="horz" wrap="square" lIns="0" tIns="0" rIns="0" bIns="0" rtlCol="0" anchor="ctr" anchorCtr="0">
-            <a:spAutoFit/>
-          </a:bodyPr>
-          <a:lstStyle/>
-          <a:p>
-            <a:r>
-              <a:rPr lang="en-US" sz="1200" b="1" spc="-4">
-                <a:solidFill>
-                  <a:schemeClr val="dk1"/>
-                </a:solidFill>
-                <a:latin typeface="Calibri" panose="020F0502020204030204" pitchFamily="34" charset="0"/>
-              </a:rPr>
-              <a:t>Implement different classifiers and test on data</a:t>
-            </a:r>
-          </a:p>
-        </p:txBody>
-      </p:sp>
-      <p:sp>
-        <p:nvSpPr>
-          <p:cNvPr id="131" name="OTLSHAPE_T_555632f4d8784e8cb8b4fc9dadccab8e_Duration">
-            <a:extLst>
-              <a:ext uri="{FF2B5EF4-FFF2-40B4-BE49-F238E27FC236}">
-                <a16:creationId xmlns:a16="http://schemas.microsoft.com/office/drawing/2014/main" id="{A3DFFF55-24D6-4A8D-A92F-6D46F8DC91D3}"/>
-              </a:ext>
-            </a:extLst>
-          </p:cNvPr>
-          <p:cNvSpPr txBox="1"/>
-          <p:nvPr>
-            <p:custDataLst>
-              <p:tags r:id="rId55"/>
-            </p:custDataLst>
-          </p:nvPr>
-        </p:nvSpPr>
-        <p:spPr>
-          <a:xfrm>
-            <a:off x="8436744" y="4676733"/>
+              <p:tags r:id="rId67"/>
+            </p:custDataLst>
+          </p:nvPr>
+        </p:nvSpPr>
+        <p:spPr>
+          <a:xfrm>
+            <a:off x="9909991" y="4761188"/>
             <a:ext cx="330200" cy="155025"/>
           </a:xfrm>
           <a:prstGeom prst="rect">
@@ -5749,8 +6357,8 @@
         </p:nvSpPr>
         <p:spPr>
           <a:xfrm>
-            <a:off x="4190544" y="1549400"/>
-            <a:ext cx="4735142" cy="400110"/>
+            <a:off x="4136910" y="1549400"/>
+            <a:ext cx="4842416" cy="400110"/>
           </a:xfrm>
           <a:prstGeom prst="rect">
             <a:avLst/>
@@ -5778,19 +6386,7 @@
             </a:r>
             <a:r>
               <a:rPr lang="de-DE" sz="2000" b="1" dirty="0"/>
-              <a:t> </a:t>
-            </a:r>
-            <a:r>
-              <a:rPr lang="de-DE" sz="2000" b="1" dirty="0" err="1"/>
-              <a:t>first</a:t>
-            </a:r>
-            <a:r>
-              <a:rPr lang="de-DE" sz="2000" b="1" dirty="0"/>
-              <a:t> </a:t>
-            </a:r>
-            <a:r>
-              <a:rPr lang="de-DE" sz="2000" b="1" dirty="0" err="1"/>
-              <a:t>month</a:t>
+              <a:t> March/April</a:t>
             </a:r>
             <a:endParaRPr lang="en-US" sz="2000" b="1" dirty="0"/>
           </a:p>
@@ -5812,9 +6408,1971 @@
 </p:sld>
 </file>
 
+<file path=ppt/slides/slide2.xml><?xml version="1.0" encoding="utf-8"?>
+<p:sld xmlns:a="http://schemas.openxmlformats.org/drawingml/2006/main" xmlns:r="http://schemas.openxmlformats.org/officeDocument/2006/relationships" xmlns:p="http://schemas.openxmlformats.org/presentationml/2006/main">
+  <p:cSld>
+    <p:spTree>
+      <p:nvGrpSpPr>
+        <p:cNvPr id="1" name=""/>
+        <p:cNvGrpSpPr/>
+        <p:nvPr/>
+      </p:nvGrpSpPr>
+      <p:grpSpPr>
+        <a:xfrm>
+          <a:off x="0" y="0"/>
+          <a:ext cx="0" cy="0"/>
+          <a:chOff x="0" y="0"/>
+          <a:chExt cx="0" cy="0"/>
+        </a:xfrm>
+      </p:grpSpPr>
+      <p:sp>
+        <p:nvSpPr>
+          <p:cNvPr id="2" name="OTLSHAPE_TB_00000000000000000000000000000000_LeftEndCaps" hidden="1">
+            <a:extLst>
+              <a:ext uri="{FF2B5EF4-FFF2-40B4-BE49-F238E27FC236}">
+                <a16:creationId xmlns:a16="http://schemas.microsoft.com/office/drawing/2014/main" id="{A49AAFD0-1E3F-4116-9C3E-E851FC4D0A6A}"/>
+              </a:ext>
+            </a:extLst>
+          </p:cNvPr>
+          <p:cNvSpPr txBox="1"/>
+          <p:nvPr>
+            <p:custDataLst>
+              <p:tags r:id="rId2"/>
+            </p:custDataLst>
+          </p:nvPr>
+        </p:nvSpPr>
+        <p:spPr>
+          <a:xfrm>
+            <a:off x="-221339" y="12700"/>
+            <a:ext cx="469900" cy="276999"/>
+          </a:xfrm>
+          <a:prstGeom prst="rect">
+            <a:avLst/>
+          </a:prstGeom>
+          <a:noFill/>
+        </p:spPr>
+        <p:txBody>
+          <a:bodyPr vert="horz" wrap="none" lIns="0" tIns="0" rIns="0" bIns="0" rtlCol="0" anchor="ctr" anchorCtr="0">
+            <a:spAutoFit/>
+          </a:bodyPr>
+          <a:lstStyle/>
+          <a:p>
+            <a:pPr algn="ctr"/>
+            <a:r>
+              <a:rPr lang="en-US" b="1">
+                <a:solidFill>
+                  <a:schemeClr val="accent2"/>
+                </a:solidFill>
+                <a:latin typeface="Calibri" panose="020F0502020204030204" pitchFamily="34" charset="0"/>
+              </a:rPr>
+              <a:t>2022</a:t>
+            </a:r>
+          </a:p>
+        </p:txBody>
+      </p:sp>
+      <p:sp>
+        <p:nvSpPr>
+          <p:cNvPr id="3" name="OTLSHAPE_TB_00000000000000000000000000000000_RightEndCaps">
+            <a:extLst>
+              <a:ext uri="{FF2B5EF4-FFF2-40B4-BE49-F238E27FC236}">
+                <a16:creationId xmlns:a16="http://schemas.microsoft.com/office/drawing/2014/main" id="{3FDFF840-6E2A-46AD-9B1B-071BC94B5DF1}"/>
+              </a:ext>
+            </a:extLst>
+          </p:cNvPr>
+          <p:cNvSpPr txBox="1"/>
+          <p:nvPr>
+            <p:custDataLst>
+              <p:tags r:id="rId3"/>
+            </p:custDataLst>
+          </p:nvPr>
+        </p:nvSpPr>
+        <p:spPr>
+          <a:xfrm>
+            <a:off x="11474534" y="5130969"/>
+            <a:ext cx="449610" cy="279061"/>
+          </a:xfrm>
+          <a:prstGeom prst="rect">
+            <a:avLst/>
+          </a:prstGeom>
+          <a:noFill/>
+        </p:spPr>
+        <p:txBody>
+          <a:bodyPr vert="horz" wrap="none" lIns="0" tIns="0" rIns="0" bIns="0" rtlCol="0" anchor="ctr" anchorCtr="0">
+            <a:spAutoFit/>
+          </a:bodyPr>
+          <a:lstStyle/>
+          <a:p>
+            <a:pPr algn="ctr"/>
+            <a:r>
+              <a:rPr lang="en-US" b="1" spc="-44">
+                <a:solidFill>
+                  <a:schemeClr val="accent2"/>
+                </a:solidFill>
+                <a:latin typeface="Calibri" panose="020F0502020204030204" pitchFamily="34" charset="0"/>
+              </a:rPr>
+              <a:t>2022</a:t>
+            </a:r>
+          </a:p>
+        </p:txBody>
+      </p:sp>
+      <p:sp>
+        <p:nvSpPr>
+          <p:cNvPr id="4" name="OTLSHAPE_TB_00000000000000000000000000000000_ScaleContainer">
+            <a:extLst>
+              <a:ext uri="{FF2B5EF4-FFF2-40B4-BE49-F238E27FC236}">
+                <a16:creationId xmlns:a16="http://schemas.microsoft.com/office/drawing/2014/main" id="{DD9576C2-9FAE-4001-931D-2C46DC42B8C2}"/>
+              </a:ext>
+            </a:extLst>
+          </p:cNvPr>
+          <p:cNvSpPr/>
+          <p:nvPr>
+            <p:custDataLst>
+              <p:tags r:id="rId4"/>
+            </p:custDataLst>
+          </p:nvPr>
+        </p:nvSpPr>
+        <p:spPr>
+          <a:xfrm>
+            <a:off x="1155700" y="5143500"/>
+            <a:ext cx="10172700" cy="254000"/>
+          </a:xfrm>
+          <a:prstGeom prst="roundRect">
+            <a:avLst/>
+          </a:prstGeom>
+          <a:gradFill flip="none" rotWithShape="1">
+            <a:gsLst>
+              <a:gs pos="0">
+                <a:srgbClr val="44546A"/>
+              </a:gs>
+              <a:gs pos="100000">
+                <a:srgbClr val="52667F"/>
+              </a:gs>
+            </a:gsLst>
+            <a:lin ang="5400000" scaled="1"/>
+            <a:tileRect/>
+          </a:gradFill>
+          <a:ln w="12700" cap="flat" cmpd="sng" algn="ctr">
+            <a:noFill/>
+            <a:prstDash val="solid"/>
+            <a:miter lim="800000"/>
+          </a:ln>
+          <a:effectLst>
+            <a:reflection blurRad="6350" stA="50000" endA="300" endPos="55500" dist="50800" dir="5400000" sy="-100000" algn="bl" rotWithShape="0"/>
+          </a:effectLst>
+          <a:scene3d>
+            <a:camera prst="orthographicFront"/>
+            <a:lightRig rig="threePt" dir="t">
+              <a:rot lat="0" lon="0" rev="8700000"/>
+            </a:lightRig>
+          </a:scene3d>
+          <a:sp3d>
+            <a:bevelT w="165100" h="19050"/>
+          </a:sp3d>
+          <a:extLst>
+            <a:ext uri="{91240B29-F687-4F45-9708-019B960494DF}">
+              <a14:hiddenLine xmlns:a14="http://schemas.microsoft.com/office/drawing/2010/main" w="12700" cap="flat" cmpd="sng" algn="ctr">
+                <a:solidFill>
+                  <a:schemeClr val="accent1">
+                    <a:shade val="50000"/>
+                  </a:schemeClr>
+                </a:solidFill>
+                <a:prstDash val="solid"/>
+                <a:miter lim="800000"/>
+              </a14:hiddenLine>
+            </a:ext>
+          </a:extLst>
+        </p:spPr>
+        <p:style>
+          <a:lnRef idx="2">
+            <a:schemeClr val="accent1">
+              <a:shade val="50000"/>
+            </a:schemeClr>
+          </a:lnRef>
+          <a:fillRef idx="1">
+            <a:schemeClr val="accent1"/>
+          </a:fillRef>
+          <a:effectRef idx="0">
+            <a:schemeClr val="accent1"/>
+          </a:effectRef>
+          <a:fontRef idx="minor">
+            <a:schemeClr val="lt1"/>
+          </a:fontRef>
+        </p:style>
+        <p:txBody>
+          <a:bodyPr rtlCol="0" anchor="ctr"/>
+          <a:lstStyle/>
+          <a:p>
+            <a:pPr algn="ctr"/>
+            <a:endParaRPr lang="en-US"/>
+          </a:p>
+        </p:txBody>
+      </p:sp>
+      <p:sp>
+        <p:nvSpPr>
+          <p:cNvPr id="5" name="OTLSHAPE_TB_00000000000000000000000000000000_ElapsedTime" hidden="1">
+            <a:extLst>
+              <a:ext uri="{FF2B5EF4-FFF2-40B4-BE49-F238E27FC236}">
+                <a16:creationId xmlns:a16="http://schemas.microsoft.com/office/drawing/2014/main" id="{5986A0EF-B1A9-461C-9E9F-10002E939140}"/>
+              </a:ext>
+            </a:extLst>
+          </p:cNvPr>
+          <p:cNvSpPr/>
+          <p:nvPr>
+            <p:custDataLst>
+              <p:tags r:id="rId5"/>
+            </p:custDataLst>
+          </p:nvPr>
+        </p:nvSpPr>
+        <p:spPr>
+          <a:xfrm>
+            <a:off x="1155700" y="5143500"/>
+            <a:ext cx="0" cy="0"/>
+          </a:xfrm>
+          <a:prstGeom prst="roundRect">
+            <a:avLst/>
+          </a:prstGeom>
+          <a:solidFill>
+            <a:srgbClr val="FF0000">
+              <a:alpha val="74902"/>
+            </a:srgbClr>
+          </a:solidFill>
+          <a:ln w="12700" cap="flat" cmpd="sng" algn="ctr">
+            <a:noFill/>
+            <a:prstDash val="solid"/>
+            <a:miter lim="800000"/>
+          </a:ln>
+          <a:effectLst/>
+          <a:scene3d>
+            <a:camera prst="orthographicFront"/>
+            <a:lightRig rig="threePt" dir="t"/>
+          </a:scene3d>
+          <a:sp3d>
+            <a:bevelT w="12700" h="139700"/>
+          </a:sp3d>
+          <a:extLst>
+            <a:ext uri="{91240B29-F687-4F45-9708-019B960494DF}">
+              <a14:hiddenLine xmlns:a14="http://schemas.microsoft.com/office/drawing/2010/main" w="12700" cap="flat" cmpd="sng" algn="ctr">
+                <a:solidFill>
+                  <a:schemeClr val="accent1">
+                    <a:shade val="50000"/>
+                  </a:schemeClr>
+                </a:solidFill>
+                <a:prstDash val="solid"/>
+                <a:miter lim="800000"/>
+              </a14:hiddenLine>
+            </a:ext>
+          </a:extLst>
+        </p:spPr>
+        <p:style>
+          <a:lnRef idx="2">
+            <a:schemeClr val="accent1">
+              <a:shade val="50000"/>
+            </a:schemeClr>
+          </a:lnRef>
+          <a:fillRef idx="1">
+            <a:schemeClr val="accent1"/>
+          </a:fillRef>
+          <a:effectRef idx="0">
+            <a:schemeClr val="accent1"/>
+          </a:effectRef>
+          <a:fontRef idx="minor">
+            <a:schemeClr val="lt1"/>
+          </a:fontRef>
+        </p:style>
+        <p:txBody>
+          <a:bodyPr rtlCol="0" anchor="ctr"/>
+          <a:lstStyle/>
+          <a:p>
+            <a:pPr algn="ctr"/>
+            <a:endParaRPr lang="en-US"/>
+          </a:p>
+        </p:txBody>
+      </p:sp>
+      <p:sp>
+        <p:nvSpPr>
+          <p:cNvPr id="6" name="OTLSHAPE_TB_00000000000000000000000000000000_TodayMarkerShape" hidden="1">
+            <a:extLst>
+              <a:ext uri="{FF2B5EF4-FFF2-40B4-BE49-F238E27FC236}">
+                <a16:creationId xmlns:a16="http://schemas.microsoft.com/office/drawing/2014/main" id="{ECB5192A-050F-47B7-890C-F6D375902A2C}"/>
+              </a:ext>
+            </a:extLst>
+          </p:cNvPr>
+          <p:cNvSpPr/>
+          <p:nvPr>
+            <p:custDataLst>
+              <p:tags r:id="rId6"/>
+            </p:custDataLst>
+          </p:nvPr>
+        </p:nvSpPr>
+        <p:spPr>
+          <a:xfrm>
+            <a:off x="1119414" y="5397500"/>
+            <a:ext cx="76200" cy="84667"/>
+          </a:xfrm>
+          <a:prstGeom prst="triangle">
+            <a:avLst/>
+          </a:prstGeom>
+          <a:solidFill>
+            <a:srgbClr val="FF0000"/>
+          </a:solidFill>
+          <a:ln w="12700" cap="flat" cmpd="sng" algn="ctr">
+            <a:noFill/>
+            <a:prstDash val="solid"/>
+            <a:miter lim="800000"/>
+          </a:ln>
+          <a:effectLst/>
+          <a:extLst>
+            <a:ext uri="{91240B29-F687-4F45-9708-019B960494DF}">
+              <a14:hiddenLine xmlns:a14="http://schemas.microsoft.com/office/drawing/2010/main" w="12700" cap="flat" cmpd="sng" algn="ctr">
+                <a:solidFill>
+                  <a:schemeClr val="accent1">
+                    <a:shade val="50000"/>
+                  </a:schemeClr>
+                </a:solidFill>
+                <a:prstDash val="solid"/>
+                <a:miter lim="800000"/>
+              </a14:hiddenLine>
+            </a:ext>
+          </a:extLst>
+        </p:spPr>
+        <p:style>
+          <a:lnRef idx="2">
+            <a:schemeClr val="accent1">
+              <a:shade val="50000"/>
+            </a:schemeClr>
+          </a:lnRef>
+          <a:fillRef idx="1">
+            <a:schemeClr val="accent1"/>
+          </a:fillRef>
+          <a:effectRef idx="0">
+            <a:schemeClr val="accent1"/>
+          </a:effectRef>
+          <a:fontRef idx="minor">
+            <a:schemeClr val="lt1"/>
+          </a:fontRef>
+        </p:style>
+        <p:txBody>
+          <a:bodyPr rtlCol="0" anchor="ctr"/>
+          <a:lstStyle/>
+          <a:p>
+            <a:pPr algn="ctr"/>
+            <a:endParaRPr lang="en-US"/>
+          </a:p>
+        </p:txBody>
+      </p:sp>
+      <p:sp>
+        <p:nvSpPr>
+          <p:cNvPr id="7" name="OTLSHAPE_TB_00000000000000000000000000000000_TodayMarkerText" hidden="1">
+            <a:extLst>
+              <a:ext uri="{FF2B5EF4-FFF2-40B4-BE49-F238E27FC236}">
+                <a16:creationId xmlns:a16="http://schemas.microsoft.com/office/drawing/2014/main" id="{7C8EE3A8-1272-4218-8EEC-AF25C8C2431D}"/>
+              </a:ext>
+            </a:extLst>
+          </p:cNvPr>
+          <p:cNvSpPr txBox="1"/>
+          <p:nvPr>
+            <p:custDataLst>
+              <p:tags r:id="rId7"/>
+            </p:custDataLst>
+          </p:nvPr>
+        </p:nvSpPr>
+        <p:spPr>
+          <a:xfrm>
+            <a:off x="1136551" y="5482167"/>
+            <a:ext cx="0" cy="0"/>
+          </a:xfrm>
+          <a:prstGeom prst="rect">
+            <a:avLst/>
+          </a:prstGeom>
+          <a:noFill/>
+        </p:spPr>
+        <p:txBody>
+          <a:bodyPr vert="horz" wrap="none" lIns="0" tIns="0" rIns="0" bIns="0" rtlCol="0" anchor="ctr" anchorCtr="0">
+            <a:spAutoFit/>
+          </a:bodyPr>
+          <a:lstStyle/>
+          <a:p>
+            <a:pPr algn="ctr"/>
+            <a:r>
+              <a:rPr lang="en-US" sz="1200" spc="-12">
+                <a:solidFill>
+                  <a:schemeClr val="dk1"/>
+                </a:solidFill>
+                <a:latin typeface="Calibri" panose="020F0502020204030204" pitchFamily="34" charset="0"/>
+              </a:rPr>
+              <a:t>Today</a:t>
+            </a:r>
+          </a:p>
+        </p:txBody>
+      </p:sp>
+      <p:sp>
+        <p:nvSpPr>
+          <p:cNvPr id="8" name="OTLSHAPE_TB_00000000000000000000000000000000_TimescaleInterval1">
+            <a:extLst>
+              <a:ext uri="{FF2B5EF4-FFF2-40B4-BE49-F238E27FC236}">
+                <a16:creationId xmlns:a16="http://schemas.microsoft.com/office/drawing/2014/main" id="{8F1212E9-FA8C-41E0-B597-248D2592EF51}"/>
+              </a:ext>
+            </a:extLst>
+          </p:cNvPr>
+          <p:cNvSpPr txBox="1"/>
+          <p:nvPr>
+            <p:custDataLst>
+              <p:tags r:id="rId8"/>
+            </p:custDataLst>
+          </p:nvPr>
+        </p:nvSpPr>
+        <p:spPr>
+          <a:xfrm>
+            <a:off x="1219200" y="5177472"/>
+            <a:ext cx="469900" cy="186055"/>
+          </a:xfrm>
+          <a:prstGeom prst="rect">
+            <a:avLst/>
+          </a:prstGeom>
+          <a:noFill/>
+        </p:spPr>
+        <p:txBody>
+          <a:bodyPr vert="horz" wrap="none" lIns="0" tIns="0" rIns="0" bIns="0" rtlCol="0" anchor="ctr" anchorCtr="0">
+            <a:noAutofit/>
+          </a:bodyPr>
+          <a:lstStyle/>
+          <a:p>
+            <a:r>
+              <a:rPr lang="en-US" sz="1200" spc="-14">
+                <a:solidFill>
+                  <a:schemeClr val="lt1"/>
+                </a:solidFill>
+                <a:latin typeface="Calibri" panose="020F0502020204030204" pitchFamily="34" charset="0"/>
+              </a:rPr>
+              <a:t>Week 1</a:t>
+            </a:r>
+          </a:p>
+        </p:txBody>
+      </p:sp>
+      <p:sp>
+        <p:nvSpPr>
+          <p:cNvPr id="9" name="OTLSHAPE_TB_00000000000000000000000000000000_TimescaleInterval2">
+            <a:extLst>
+              <a:ext uri="{FF2B5EF4-FFF2-40B4-BE49-F238E27FC236}">
+                <a16:creationId xmlns:a16="http://schemas.microsoft.com/office/drawing/2014/main" id="{88998D99-0A9C-4BBE-A07A-B8FF0C9DFD37}"/>
+              </a:ext>
+            </a:extLst>
+          </p:cNvPr>
+          <p:cNvSpPr txBox="1"/>
+          <p:nvPr>
+            <p:custDataLst>
+              <p:tags r:id="rId9"/>
+            </p:custDataLst>
+          </p:nvPr>
+        </p:nvSpPr>
+        <p:spPr>
+          <a:xfrm>
+            <a:off x="4608013" y="5177472"/>
+            <a:ext cx="75470" cy="186055"/>
+          </a:xfrm>
+          <a:prstGeom prst="rect">
+            <a:avLst/>
+          </a:prstGeom>
+          <a:noFill/>
+        </p:spPr>
+        <p:txBody>
+          <a:bodyPr vert="horz" wrap="none" lIns="0" tIns="0" rIns="0" bIns="0" rtlCol="0" anchor="ctr" anchorCtr="0">
+            <a:noAutofit/>
+          </a:bodyPr>
+          <a:lstStyle/>
+          <a:p>
+            <a:r>
+              <a:rPr lang="en-US" sz="1200" spc="-40">
+                <a:solidFill>
+                  <a:schemeClr val="lt1"/>
+                </a:solidFill>
+                <a:latin typeface="Calibri" panose="020F0502020204030204" pitchFamily="34" charset="0"/>
+              </a:rPr>
+              <a:t>2</a:t>
+            </a:r>
+          </a:p>
+        </p:txBody>
+      </p:sp>
+      <p:sp>
+        <p:nvSpPr>
+          <p:cNvPr id="12" name="OTLSHAPE_TB_00000000000000000000000000000000_ScaleMarking1">
+            <a:extLst>
+              <a:ext uri="{FF2B5EF4-FFF2-40B4-BE49-F238E27FC236}">
+                <a16:creationId xmlns:a16="http://schemas.microsoft.com/office/drawing/2014/main" id="{485A0629-C63C-40B2-9CD9-3FFFEBAA1DCB}"/>
+              </a:ext>
+            </a:extLst>
+          </p:cNvPr>
+          <p:cNvSpPr txBox="1"/>
+          <p:nvPr>
+            <p:custDataLst>
+              <p:tags r:id="rId10"/>
+            </p:custDataLst>
+          </p:nvPr>
+        </p:nvSpPr>
+        <p:spPr>
+          <a:xfrm>
+            <a:off x="1219200" y="4957445"/>
+            <a:ext cx="314189" cy="186055"/>
+          </a:xfrm>
+          <a:prstGeom prst="rect">
+            <a:avLst/>
+          </a:prstGeom>
+          <a:noFill/>
+        </p:spPr>
+        <p:txBody>
+          <a:bodyPr vert="horz" wrap="none" lIns="0" tIns="0" rIns="0" bIns="0" rtlCol="0" anchor="ctr" anchorCtr="0">
+            <a:noAutofit/>
+          </a:bodyPr>
+          <a:lstStyle/>
+          <a:p>
+            <a:r>
+              <a:rPr lang="en-US" sz="1200" spc="-20" dirty="0">
+                <a:solidFill>
+                  <a:schemeClr val="dk2"/>
+                </a:solidFill>
+                <a:latin typeface="Calibri" panose="020F0502020204030204" pitchFamily="34" charset="0"/>
+              </a:rPr>
+              <a:t>2022</a:t>
+            </a:r>
+          </a:p>
+        </p:txBody>
+      </p:sp>
+      <p:sp>
+        <p:nvSpPr>
+          <p:cNvPr id="11" name="OTLSHAPE_TB_00000000000000000000000000000000_TimescaleInterval3">
+            <a:extLst>
+              <a:ext uri="{FF2B5EF4-FFF2-40B4-BE49-F238E27FC236}">
+                <a16:creationId xmlns:a16="http://schemas.microsoft.com/office/drawing/2014/main" id="{D7AF9FC3-BFDD-421F-B4CE-1AFD06A1BEAB}"/>
+              </a:ext>
+            </a:extLst>
+          </p:cNvPr>
+          <p:cNvSpPr txBox="1"/>
+          <p:nvPr>
+            <p:custDataLst>
+              <p:tags r:id="rId11"/>
+            </p:custDataLst>
+          </p:nvPr>
+        </p:nvSpPr>
+        <p:spPr>
+          <a:xfrm>
+            <a:off x="7996827" y="5177472"/>
+            <a:ext cx="75470" cy="186055"/>
+          </a:xfrm>
+          <a:prstGeom prst="rect">
+            <a:avLst/>
+          </a:prstGeom>
+          <a:noFill/>
+        </p:spPr>
+        <p:txBody>
+          <a:bodyPr vert="horz" wrap="none" lIns="0" tIns="0" rIns="0" bIns="0" rtlCol="0" anchor="ctr" anchorCtr="0">
+            <a:noAutofit/>
+          </a:bodyPr>
+          <a:lstStyle/>
+          <a:p>
+            <a:r>
+              <a:rPr lang="en-US" sz="1200" spc="-40">
+                <a:solidFill>
+                  <a:schemeClr val="lt1"/>
+                </a:solidFill>
+                <a:latin typeface="Calibri" panose="020F0502020204030204" pitchFamily="34" charset="0"/>
+              </a:rPr>
+              <a:t>3</a:t>
+            </a:r>
+          </a:p>
+        </p:txBody>
+      </p:sp>
+      <p:cxnSp>
+        <p:nvCxnSpPr>
+          <p:cNvPr id="119" name="OTLSHAPE_TB_00000000000000000000000000000000_Separator1">
+            <a:extLst>
+              <a:ext uri="{FF2B5EF4-FFF2-40B4-BE49-F238E27FC236}">
+                <a16:creationId xmlns:a16="http://schemas.microsoft.com/office/drawing/2014/main" id="{5EC2CD1B-B2D8-4691-8C31-697CE661444F}"/>
+              </a:ext>
+            </a:extLst>
+          </p:cNvPr>
+          <p:cNvCxnSpPr/>
+          <p:nvPr>
+            <p:custDataLst>
+              <p:tags r:id="rId12"/>
+            </p:custDataLst>
+          </p:nvPr>
+        </p:nvCxnSpPr>
+        <p:spPr>
+          <a:xfrm>
+            <a:off x="4544508" y="5232400"/>
+            <a:ext cx="0" cy="76200"/>
+          </a:xfrm>
+          <a:prstGeom prst="line">
+            <a:avLst/>
+          </a:prstGeom>
+          <a:ln w="9525" cap="flat" cmpd="sng" algn="ctr">
+            <a:solidFill>
+              <a:schemeClr val="lt1">
+                <a:alpha val="29804"/>
+              </a:schemeClr>
+            </a:solidFill>
+            <a:prstDash val="solid"/>
+            <a:miter lim="800000"/>
+            <a:headEnd type="none" w="med" len="med"/>
+            <a:tailEnd type="none" w="med" len="med"/>
+          </a:ln>
+        </p:spPr>
+        <p:style>
+          <a:lnRef idx="1">
+            <a:schemeClr val="accent1"/>
+          </a:lnRef>
+          <a:fillRef idx="0">
+            <a:schemeClr val="accent1"/>
+          </a:fillRef>
+          <a:effectRef idx="0">
+            <a:schemeClr val="accent1"/>
+          </a:effectRef>
+          <a:fontRef idx="minor">
+            <a:schemeClr val="tx1"/>
+          </a:fontRef>
+        </p:style>
+      </p:cxnSp>
+      <p:cxnSp>
+        <p:nvCxnSpPr>
+          <p:cNvPr id="10" name="OTLSHAPE_TB_00000000000000000000000000000000_Separator2">
+            <a:extLst>
+              <a:ext uri="{FF2B5EF4-FFF2-40B4-BE49-F238E27FC236}">
+                <a16:creationId xmlns:a16="http://schemas.microsoft.com/office/drawing/2014/main" id="{2B8CA011-6EF0-4FE0-AE5E-06FD6D52DABC}"/>
+              </a:ext>
+            </a:extLst>
+          </p:cNvPr>
+          <p:cNvCxnSpPr/>
+          <p:nvPr>
+            <p:custDataLst>
+              <p:tags r:id="rId13"/>
+            </p:custDataLst>
+          </p:nvPr>
+        </p:nvCxnSpPr>
+        <p:spPr>
+          <a:xfrm>
+            <a:off x="7933321" y="5232400"/>
+            <a:ext cx="0" cy="76200"/>
+          </a:xfrm>
+          <a:prstGeom prst="line">
+            <a:avLst/>
+          </a:prstGeom>
+          <a:ln w="9525" cap="flat" cmpd="sng" algn="ctr">
+            <a:solidFill>
+              <a:schemeClr val="lt1">
+                <a:alpha val="29804"/>
+              </a:schemeClr>
+            </a:solidFill>
+            <a:prstDash val="solid"/>
+            <a:miter lim="800000"/>
+            <a:headEnd type="none" w="med" len="med"/>
+            <a:tailEnd type="none" w="med" len="med"/>
+          </a:ln>
+        </p:spPr>
+        <p:style>
+          <a:lnRef idx="1">
+            <a:schemeClr val="accent1"/>
+          </a:lnRef>
+          <a:fillRef idx="0">
+            <a:schemeClr val="accent1"/>
+          </a:fillRef>
+          <a:effectRef idx="0">
+            <a:schemeClr val="accent1"/>
+          </a:effectRef>
+          <a:fontRef idx="minor">
+            <a:schemeClr val="tx1"/>
+          </a:fontRef>
+        </p:style>
+      </p:cxnSp>
+      <p:sp>
+        <p:nvSpPr>
+          <p:cNvPr id="15" name="OTLSHAPE_T_c21f8c801dd4474996421ebdfaa8e17b_Shape">
+            <a:extLst>
+              <a:ext uri="{FF2B5EF4-FFF2-40B4-BE49-F238E27FC236}">
+                <a16:creationId xmlns:a16="http://schemas.microsoft.com/office/drawing/2014/main" id="{096BB59D-BF1A-46E4-AEB7-1683D2C371D1}"/>
+              </a:ext>
+            </a:extLst>
+          </p:cNvPr>
+          <p:cNvSpPr/>
+          <p:nvPr>
+            <p:custDataLst>
+              <p:tags r:id="rId14"/>
+            </p:custDataLst>
+          </p:nvPr>
+        </p:nvSpPr>
+        <p:spPr>
+          <a:xfrm>
+            <a:off x="1639816" y="4096851"/>
+            <a:ext cx="1943100" cy="203200"/>
+          </a:xfrm>
+          <a:prstGeom prst="roundRect">
+            <a:avLst/>
+          </a:prstGeom>
+          <a:solidFill>
+            <a:srgbClr val="8BDAE9"/>
+          </a:solidFill>
+          <a:ln w="12700" cap="flat" cmpd="sng" algn="ctr">
+            <a:noFill/>
+            <a:prstDash val="solid"/>
+            <a:miter lim="800000"/>
+          </a:ln>
+          <a:effectLst/>
+          <a:scene3d>
+            <a:camera prst="orthographicFront"/>
+            <a:lightRig rig="balanced" dir="t">
+              <a:rot lat="0" lon="0" rev="8700000"/>
+            </a:lightRig>
+          </a:scene3d>
+          <a:sp3d>
+            <a:bevelT w="165100" h="12700"/>
+          </a:sp3d>
+        </p:spPr>
+        <p:style>
+          <a:lnRef idx="2">
+            <a:schemeClr val="accent1">
+              <a:shade val="50000"/>
+            </a:schemeClr>
+          </a:lnRef>
+          <a:fillRef idx="1">
+            <a:schemeClr val="accent1"/>
+          </a:fillRef>
+          <a:effectRef idx="0">
+            <a:schemeClr val="accent1"/>
+          </a:effectRef>
+          <a:fontRef idx="minor">
+            <a:schemeClr val="lt1"/>
+          </a:fontRef>
+        </p:style>
+        <p:txBody>
+          <a:bodyPr rtlCol="0" anchor="ctr"/>
+          <a:lstStyle/>
+          <a:p>
+            <a:pPr algn="ctr"/>
+            <a:endParaRPr lang="en-US"/>
+          </a:p>
+        </p:txBody>
+      </p:sp>
+      <p:sp>
+        <p:nvSpPr>
+          <p:cNvPr id="30" name="OTLSHAPE_T_3c02be2aaf3d46e9b1128774cf3ca849_Shape">
+            <a:extLst>
+              <a:ext uri="{FF2B5EF4-FFF2-40B4-BE49-F238E27FC236}">
+                <a16:creationId xmlns:a16="http://schemas.microsoft.com/office/drawing/2014/main" id="{B68062A6-D40F-4D7E-8ECE-7D2733E8B7B0}"/>
+              </a:ext>
+            </a:extLst>
+          </p:cNvPr>
+          <p:cNvSpPr/>
+          <p:nvPr>
+            <p:custDataLst>
+              <p:tags r:id="rId15"/>
+            </p:custDataLst>
+          </p:nvPr>
+        </p:nvSpPr>
+        <p:spPr>
+          <a:xfrm>
+            <a:off x="1639816" y="4416975"/>
+            <a:ext cx="4368800" cy="203200"/>
+          </a:xfrm>
+          <a:prstGeom prst="roundRect">
+            <a:avLst/>
+          </a:prstGeom>
+          <a:solidFill>
+            <a:srgbClr val="8BDAE9"/>
+          </a:solidFill>
+          <a:ln w="12700" cap="flat" cmpd="sng" algn="ctr">
+            <a:noFill/>
+            <a:prstDash val="solid"/>
+            <a:miter lim="800000"/>
+          </a:ln>
+          <a:effectLst/>
+          <a:scene3d>
+            <a:camera prst="orthographicFront"/>
+            <a:lightRig rig="balanced" dir="t">
+              <a:rot lat="0" lon="0" rev="8700000"/>
+            </a:lightRig>
+          </a:scene3d>
+          <a:sp3d>
+            <a:bevelT w="165100" h="12700"/>
+          </a:sp3d>
+          <a:extLst>
+            <a:ext uri="{91240B29-F687-4F45-9708-019B960494DF}">
+              <a14:hiddenLine xmlns:a14="http://schemas.microsoft.com/office/drawing/2010/main" w="12700" cap="flat" cmpd="sng" algn="ctr">
+                <a:solidFill>
+                  <a:schemeClr val="accent1">
+                    <a:shade val="50000"/>
+                  </a:schemeClr>
+                </a:solidFill>
+                <a:prstDash val="solid"/>
+                <a:miter lim="800000"/>
+              </a14:hiddenLine>
+            </a:ext>
+          </a:extLst>
+        </p:spPr>
+        <p:style>
+          <a:lnRef idx="2">
+            <a:schemeClr val="accent1">
+              <a:shade val="50000"/>
+            </a:schemeClr>
+          </a:lnRef>
+          <a:fillRef idx="1">
+            <a:schemeClr val="accent1"/>
+          </a:fillRef>
+          <a:effectRef idx="0">
+            <a:schemeClr val="accent1"/>
+          </a:effectRef>
+          <a:fontRef idx="minor">
+            <a:schemeClr val="lt1"/>
+          </a:fontRef>
+        </p:style>
+        <p:txBody>
+          <a:bodyPr rtlCol="0" anchor="ctr"/>
+          <a:lstStyle/>
+          <a:p>
+            <a:pPr algn="ctr"/>
+            <a:endParaRPr lang="en-US"/>
+          </a:p>
+        </p:txBody>
+      </p:sp>
+      <p:sp>
+        <p:nvSpPr>
+          <p:cNvPr id="38" name="OTLSHAPE_T_86498eb5de2c4896a78f548abc6616be_Shape">
+            <a:extLst>
+              <a:ext uri="{FF2B5EF4-FFF2-40B4-BE49-F238E27FC236}">
+                <a16:creationId xmlns:a16="http://schemas.microsoft.com/office/drawing/2014/main" id="{E6340408-5802-401C-8D0E-914F12E9061B}"/>
+              </a:ext>
+            </a:extLst>
+          </p:cNvPr>
+          <p:cNvSpPr/>
+          <p:nvPr>
+            <p:custDataLst>
+              <p:tags r:id="rId16"/>
+            </p:custDataLst>
+          </p:nvPr>
+        </p:nvSpPr>
+        <p:spPr>
+          <a:xfrm>
+            <a:off x="1639816" y="4737100"/>
+            <a:ext cx="7747000" cy="203200"/>
+          </a:xfrm>
+          <a:prstGeom prst="roundRect">
+            <a:avLst/>
+          </a:prstGeom>
+          <a:solidFill>
+            <a:srgbClr val="C09EE2"/>
+          </a:solidFill>
+          <a:ln w="12700" cap="flat" cmpd="sng" algn="ctr">
+            <a:noFill/>
+            <a:prstDash val="solid"/>
+            <a:miter lim="800000"/>
+          </a:ln>
+          <a:effectLst/>
+          <a:scene3d>
+            <a:camera prst="orthographicFront"/>
+            <a:lightRig rig="balanced" dir="t">
+              <a:rot lat="0" lon="0" rev="8700000"/>
+            </a:lightRig>
+          </a:scene3d>
+          <a:sp3d>
+            <a:bevelT w="165100" h="12700"/>
+          </a:sp3d>
+        </p:spPr>
+        <p:style>
+          <a:lnRef idx="2">
+            <a:schemeClr val="accent1">
+              <a:shade val="50000"/>
+            </a:schemeClr>
+          </a:lnRef>
+          <a:fillRef idx="1">
+            <a:schemeClr val="accent1"/>
+          </a:fillRef>
+          <a:effectRef idx="0">
+            <a:schemeClr val="accent1"/>
+          </a:effectRef>
+          <a:fontRef idx="minor">
+            <a:schemeClr val="lt1"/>
+          </a:fontRef>
+        </p:style>
+        <p:txBody>
+          <a:bodyPr rtlCol="0" anchor="ctr"/>
+          <a:lstStyle/>
+          <a:p>
+            <a:pPr algn="ctr"/>
+            <a:endParaRPr lang="en-US"/>
+          </a:p>
+        </p:txBody>
+      </p:sp>
+      <p:sp>
+        <p:nvSpPr>
+          <p:cNvPr id="16" name="OTLSHAPE_T_c21f8c801dd4474996421ebdfaa8e17b_ShapePercentage" hidden="1">
+            <a:extLst>
+              <a:ext uri="{FF2B5EF4-FFF2-40B4-BE49-F238E27FC236}">
+                <a16:creationId xmlns:a16="http://schemas.microsoft.com/office/drawing/2014/main" id="{DC43F500-80B7-4E1F-9CFC-B10A0D61702E}"/>
+              </a:ext>
+            </a:extLst>
+          </p:cNvPr>
+          <p:cNvSpPr/>
+          <p:nvPr>
+            <p:custDataLst>
+              <p:tags r:id="rId17"/>
+            </p:custDataLst>
+          </p:nvPr>
+        </p:nvSpPr>
+        <p:spPr>
+          <a:xfrm>
+            <a:off x="1639816" y="4096851"/>
+            <a:ext cx="0" cy="0"/>
+          </a:xfrm>
+          <a:prstGeom prst="roundRect">
+            <a:avLst/>
+          </a:prstGeom>
+          <a:solidFill>
+            <a:schemeClr val="dk1">
+              <a:alpha val="34902"/>
+            </a:schemeClr>
+          </a:solidFill>
+          <a:ln w="12700" cap="flat" cmpd="sng" algn="ctr">
+            <a:noFill/>
+            <a:prstDash val="solid"/>
+            <a:miter lim="800000"/>
+          </a:ln>
+          <a:effectLst/>
+          <a:extLst>
+            <a:ext uri="{91240B29-F687-4F45-9708-019B960494DF}">
+              <a14:hiddenLine xmlns:a14="http://schemas.microsoft.com/office/drawing/2010/main" w="12700" cap="flat" cmpd="sng" algn="ctr">
+                <a:solidFill>
+                  <a:schemeClr val="accent1">
+                    <a:shade val="50000"/>
+                  </a:schemeClr>
+                </a:solidFill>
+                <a:prstDash val="solid"/>
+                <a:miter lim="800000"/>
+              </a14:hiddenLine>
+            </a:ext>
+          </a:extLst>
+        </p:spPr>
+        <p:style>
+          <a:lnRef idx="2">
+            <a:schemeClr val="accent1">
+              <a:shade val="50000"/>
+            </a:schemeClr>
+          </a:lnRef>
+          <a:fillRef idx="1">
+            <a:schemeClr val="accent1"/>
+          </a:fillRef>
+          <a:effectRef idx="0">
+            <a:schemeClr val="accent1"/>
+          </a:effectRef>
+          <a:fontRef idx="minor">
+            <a:schemeClr val="lt1"/>
+          </a:fontRef>
+        </p:style>
+        <p:txBody>
+          <a:bodyPr rtlCol="0" anchor="ctr"/>
+          <a:lstStyle/>
+          <a:p>
+            <a:pPr algn="ctr"/>
+            <a:endParaRPr lang="en-US"/>
+          </a:p>
+        </p:txBody>
+      </p:sp>
+      <p:sp>
+        <p:nvSpPr>
+          <p:cNvPr id="31" name="OTLSHAPE_T_3c02be2aaf3d46e9b1128774cf3ca849_ShapePercentage" hidden="1">
+            <a:extLst>
+              <a:ext uri="{FF2B5EF4-FFF2-40B4-BE49-F238E27FC236}">
+                <a16:creationId xmlns:a16="http://schemas.microsoft.com/office/drawing/2014/main" id="{5EA1896C-DC5D-4D0F-B6BB-6715C29576C7}"/>
+              </a:ext>
+            </a:extLst>
+          </p:cNvPr>
+          <p:cNvSpPr/>
+          <p:nvPr>
+            <p:custDataLst>
+              <p:tags r:id="rId18"/>
+            </p:custDataLst>
+          </p:nvPr>
+        </p:nvSpPr>
+        <p:spPr>
+          <a:xfrm>
+            <a:off x="1639816" y="4416975"/>
+            <a:ext cx="0" cy="0"/>
+          </a:xfrm>
+          <a:prstGeom prst="roundRect">
+            <a:avLst/>
+          </a:prstGeom>
+          <a:solidFill>
+            <a:schemeClr val="dk1">
+              <a:alpha val="34902"/>
+            </a:schemeClr>
+          </a:solidFill>
+          <a:ln w="12700" cap="flat" cmpd="sng" algn="ctr">
+            <a:noFill/>
+            <a:prstDash val="solid"/>
+            <a:miter lim="800000"/>
+          </a:ln>
+          <a:effectLst/>
+          <a:extLst>
+            <a:ext uri="{91240B29-F687-4F45-9708-019B960494DF}">
+              <a14:hiddenLine xmlns:a14="http://schemas.microsoft.com/office/drawing/2010/main" w="12700" cap="flat" cmpd="sng" algn="ctr">
+                <a:solidFill>
+                  <a:schemeClr val="accent1">
+                    <a:shade val="50000"/>
+                  </a:schemeClr>
+                </a:solidFill>
+                <a:prstDash val="solid"/>
+                <a:miter lim="800000"/>
+              </a14:hiddenLine>
+            </a:ext>
+          </a:extLst>
+        </p:spPr>
+        <p:style>
+          <a:lnRef idx="2">
+            <a:schemeClr val="accent1">
+              <a:shade val="50000"/>
+            </a:schemeClr>
+          </a:lnRef>
+          <a:fillRef idx="1">
+            <a:schemeClr val="accent1"/>
+          </a:fillRef>
+          <a:effectRef idx="0">
+            <a:schemeClr val="accent1"/>
+          </a:effectRef>
+          <a:fontRef idx="minor">
+            <a:schemeClr val="lt1"/>
+          </a:fontRef>
+        </p:style>
+        <p:txBody>
+          <a:bodyPr rtlCol="0" anchor="ctr"/>
+          <a:lstStyle/>
+          <a:p>
+            <a:pPr algn="ctr"/>
+            <a:endParaRPr lang="en-US"/>
+          </a:p>
+        </p:txBody>
+      </p:sp>
+      <p:sp>
+        <p:nvSpPr>
+          <p:cNvPr id="39" name="OTLSHAPE_T_86498eb5de2c4896a78f548abc6616be_ShapePercentage" hidden="1">
+            <a:extLst>
+              <a:ext uri="{FF2B5EF4-FFF2-40B4-BE49-F238E27FC236}">
+                <a16:creationId xmlns:a16="http://schemas.microsoft.com/office/drawing/2014/main" id="{5C345FB0-2676-4FE4-A3A5-73EB122F0E94}"/>
+              </a:ext>
+            </a:extLst>
+          </p:cNvPr>
+          <p:cNvSpPr/>
+          <p:nvPr>
+            <p:custDataLst>
+              <p:tags r:id="rId19"/>
+            </p:custDataLst>
+          </p:nvPr>
+        </p:nvSpPr>
+        <p:spPr>
+          <a:xfrm>
+            <a:off x="1639816" y="4737100"/>
+            <a:ext cx="0" cy="0"/>
+          </a:xfrm>
+          <a:prstGeom prst="roundRect">
+            <a:avLst/>
+          </a:prstGeom>
+          <a:solidFill>
+            <a:schemeClr val="dk1">
+              <a:alpha val="34902"/>
+            </a:schemeClr>
+          </a:solidFill>
+          <a:ln w="12700" cap="flat" cmpd="sng" algn="ctr">
+            <a:noFill/>
+            <a:prstDash val="solid"/>
+            <a:miter lim="800000"/>
+          </a:ln>
+          <a:effectLst/>
+          <a:extLst>
+            <a:ext uri="{91240B29-F687-4F45-9708-019B960494DF}">
+              <a14:hiddenLine xmlns:a14="http://schemas.microsoft.com/office/drawing/2010/main" w="12700" cap="flat" cmpd="sng" algn="ctr">
+                <a:solidFill>
+                  <a:schemeClr val="accent1">
+                    <a:shade val="50000"/>
+                  </a:schemeClr>
+                </a:solidFill>
+                <a:prstDash val="solid"/>
+                <a:miter lim="800000"/>
+              </a14:hiddenLine>
+            </a:ext>
+          </a:extLst>
+        </p:spPr>
+        <p:style>
+          <a:lnRef idx="2">
+            <a:schemeClr val="accent1">
+              <a:shade val="50000"/>
+            </a:schemeClr>
+          </a:lnRef>
+          <a:fillRef idx="1">
+            <a:schemeClr val="accent1"/>
+          </a:fillRef>
+          <a:effectRef idx="0">
+            <a:schemeClr val="accent1"/>
+          </a:effectRef>
+          <a:fontRef idx="minor">
+            <a:schemeClr val="lt1"/>
+          </a:fontRef>
+        </p:style>
+        <p:txBody>
+          <a:bodyPr rtlCol="0" anchor="ctr"/>
+          <a:lstStyle/>
+          <a:p>
+            <a:pPr algn="ctr"/>
+            <a:endParaRPr lang="en-US"/>
+          </a:p>
+        </p:txBody>
+      </p:sp>
+      <p:sp>
+        <p:nvSpPr>
+          <p:cNvPr id="17" name="OTLSHAPE_T_c21f8c801dd4474996421ebdfaa8e17b_TextPercentage" hidden="1">
+            <a:extLst>
+              <a:ext uri="{FF2B5EF4-FFF2-40B4-BE49-F238E27FC236}">
+                <a16:creationId xmlns:a16="http://schemas.microsoft.com/office/drawing/2014/main" id="{816A26C9-D31A-40BD-9678-9EAE13B8C685}"/>
+              </a:ext>
+            </a:extLst>
+          </p:cNvPr>
+          <p:cNvSpPr txBox="1"/>
+          <p:nvPr>
+            <p:custDataLst>
+              <p:tags r:id="rId20"/>
+            </p:custDataLst>
+          </p:nvPr>
+        </p:nvSpPr>
+        <p:spPr>
+          <a:xfrm>
+            <a:off x="12700" y="74255"/>
+            <a:ext cx="0" cy="0"/>
+          </a:xfrm>
+          <a:prstGeom prst="rect">
+            <a:avLst/>
+          </a:prstGeom>
+          <a:noFill/>
+        </p:spPr>
+        <p:txBody>
+          <a:bodyPr vert="horz" wrap="square" lIns="0" tIns="0" rIns="0" bIns="0" rtlCol="0" anchor="ctr" anchorCtr="0">
+            <a:spAutoFit/>
+          </a:bodyPr>
+          <a:lstStyle/>
+          <a:p>
+            <a:endParaRPr lang="en-US" sz="1000">
+              <a:solidFill>
+                <a:srgbClr val="C0504D"/>
+              </a:solidFill>
+              <a:latin typeface="Calibri" panose="020F0502020204030204" pitchFamily="34" charset="0"/>
+            </a:endParaRPr>
+          </a:p>
+        </p:txBody>
+      </p:sp>
+      <p:sp>
+        <p:nvSpPr>
+          <p:cNvPr id="18" name="OTLSHAPE_T_c21f8c801dd4474996421ebdfaa8e17b_StartDate" hidden="1">
+            <a:extLst>
+              <a:ext uri="{FF2B5EF4-FFF2-40B4-BE49-F238E27FC236}">
+                <a16:creationId xmlns:a16="http://schemas.microsoft.com/office/drawing/2014/main" id="{70AEA5EB-3D31-4023-A153-68B34F101D6C}"/>
+              </a:ext>
+            </a:extLst>
+          </p:cNvPr>
+          <p:cNvSpPr txBox="1"/>
+          <p:nvPr>
+            <p:custDataLst>
+              <p:tags r:id="rId21"/>
+            </p:custDataLst>
+          </p:nvPr>
+        </p:nvSpPr>
+        <p:spPr>
+          <a:xfrm>
+            <a:off x="12700" y="74255"/>
+            <a:ext cx="0" cy="0"/>
+          </a:xfrm>
+          <a:prstGeom prst="rect">
+            <a:avLst/>
+          </a:prstGeom>
+          <a:noFill/>
+        </p:spPr>
+        <p:txBody>
+          <a:bodyPr vert="horz" wrap="square" lIns="0" tIns="0" rIns="0" bIns="0" rtlCol="0" anchor="ctr" anchorCtr="0">
+            <a:spAutoFit/>
+          </a:bodyPr>
+          <a:lstStyle/>
+          <a:p>
+            <a:pPr algn="r"/>
+            <a:endParaRPr lang="en-US" sz="1000">
+              <a:solidFill>
+                <a:schemeClr val="dk2"/>
+              </a:solidFill>
+              <a:latin typeface="Calibri" panose="020F0502020204030204" pitchFamily="34" charset="0"/>
+            </a:endParaRPr>
+          </a:p>
+        </p:txBody>
+      </p:sp>
+      <p:sp>
+        <p:nvSpPr>
+          <p:cNvPr id="19" name="OTLSHAPE_T_c21f8c801dd4474996421ebdfaa8e17b_EndDate" hidden="1">
+            <a:extLst>
+              <a:ext uri="{FF2B5EF4-FFF2-40B4-BE49-F238E27FC236}">
+                <a16:creationId xmlns:a16="http://schemas.microsoft.com/office/drawing/2014/main" id="{8E5ECA50-F612-4AF8-97A5-C40ACB20C73E}"/>
+              </a:ext>
+            </a:extLst>
+          </p:cNvPr>
+          <p:cNvSpPr txBox="1"/>
+          <p:nvPr>
+            <p:custDataLst>
+              <p:tags r:id="rId22"/>
+            </p:custDataLst>
+          </p:nvPr>
+        </p:nvSpPr>
+        <p:spPr>
+          <a:xfrm>
+            <a:off x="12700" y="74255"/>
+            <a:ext cx="0" cy="0"/>
+          </a:xfrm>
+          <a:prstGeom prst="rect">
+            <a:avLst/>
+          </a:prstGeom>
+          <a:noFill/>
+        </p:spPr>
+        <p:txBody>
+          <a:bodyPr vert="horz" wrap="square" lIns="0" tIns="0" rIns="0" bIns="0" rtlCol="0" anchor="ctr" anchorCtr="0">
+            <a:spAutoFit/>
+          </a:bodyPr>
+          <a:lstStyle/>
+          <a:p>
+            <a:pPr algn="r"/>
+            <a:endParaRPr lang="en-US" sz="1000">
+              <a:solidFill>
+                <a:schemeClr val="dk2"/>
+              </a:solidFill>
+              <a:latin typeface="Calibri" panose="020F0502020204030204" pitchFamily="34" charset="0"/>
+            </a:endParaRPr>
+          </a:p>
+        </p:txBody>
+      </p:sp>
+      <p:sp>
+        <p:nvSpPr>
+          <p:cNvPr id="20" name="OTLSHAPE_T_c21f8c801dd4474996421ebdfaa8e17b_JoinedDate">
+            <a:extLst>
+              <a:ext uri="{FF2B5EF4-FFF2-40B4-BE49-F238E27FC236}">
+                <a16:creationId xmlns:a16="http://schemas.microsoft.com/office/drawing/2014/main" id="{A12093EA-8E59-4F20-BF97-EF2611F2F5A1}"/>
+              </a:ext>
+            </a:extLst>
+          </p:cNvPr>
+          <p:cNvSpPr txBox="1"/>
+          <p:nvPr>
+            <p:custDataLst>
+              <p:tags r:id="rId23"/>
+            </p:custDataLst>
+          </p:nvPr>
+        </p:nvSpPr>
+        <p:spPr>
+          <a:xfrm>
+            <a:off x="857496" y="4120938"/>
+            <a:ext cx="736600" cy="155025"/>
+          </a:xfrm>
+          <a:prstGeom prst="rect">
+            <a:avLst/>
+          </a:prstGeom>
+          <a:noFill/>
+        </p:spPr>
+        <p:txBody>
+          <a:bodyPr vert="horz" wrap="square" lIns="0" tIns="0" rIns="0" bIns="0" rtlCol="0" anchor="ctr" anchorCtr="0">
+            <a:spAutoFit/>
+          </a:bodyPr>
+          <a:lstStyle/>
+          <a:p>
+            <a:pPr algn="r"/>
+            <a:r>
+              <a:rPr lang="en-US" sz="1000" spc="-4">
+                <a:solidFill>
+                  <a:schemeClr val="dk2"/>
+                </a:solidFill>
+                <a:latin typeface="Calibri" panose="020F0502020204030204" pitchFamily="34" charset="0"/>
+              </a:rPr>
+              <a:t>May 3 - May 6</a:t>
+            </a:r>
+          </a:p>
+        </p:txBody>
+      </p:sp>
+      <p:sp>
+        <p:nvSpPr>
+          <p:cNvPr id="21" name="OTLSHAPE_T_c21f8c801dd4474996421ebdfaa8e17b_Duration">
+            <a:extLst>
+              <a:ext uri="{FF2B5EF4-FFF2-40B4-BE49-F238E27FC236}">
+                <a16:creationId xmlns:a16="http://schemas.microsoft.com/office/drawing/2014/main" id="{0B77F2AC-C30F-4E0A-9981-0701532E4C0C}"/>
+              </a:ext>
+            </a:extLst>
+          </p:cNvPr>
+          <p:cNvSpPr txBox="1"/>
+          <p:nvPr>
+            <p:custDataLst>
+              <p:tags r:id="rId24"/>
+            </p:custDataLst>
+          </p:nvPr>
+        </p:nvSpPr>
+        <p:spPr>
+          <a:xfrm>
+            <a:off x="2445765" y="4120938"/>
+            <a:ext cx="330200" cy="155025"/>
+          </a:xfrm>
+          <a:prstGeom prst="rect">
+            <a:avLst/>
+          </a:prstGeom>
+          <a:noFill/>
+        </p:spPr>
+        <p:txBody>
+          <a:bodyPr vert="horz" wrap="square" lIns="0" tIns="0" rIns="0" bIns="0" rtlCol="0" anchor="ctr" anchorCtr="0">
+            <a:spAutoFit/>
+          </a:bodyPr>
+          <a:lstStyle/>
+          <a:p>
+            <a:pPr algn="ctr"/>
+            <a:r>
+              <a:rPr lang="en-US" sz="1000" spc="-8">
+                <a:solidFill>
+                  <a:schemeClr val="dk1"/>
+                </a:solidFill>
+                <a:latin typeface="Calibri" panose="020F0502020204030204" pitchFamily="34" charset="0"/>
+              </a:rPr>
+              <a:t>4 days</a:t>
+            </a:r>
+          </a:p>
+        </p:txBody>
+      </p:sp>
+      <p:sp>
+        <p:nvSpPr>
+          <p:cNvPr id="22" name="OTLSHAPE_T_c21f8c801dd4474996421ebdfaa8e17b_Title">
+            <a:extLst>
+              <a:ext uri="{FF2B5EF4-FFF2-40B4-BE49-F238E27FC236}">
+                <a16:creationId xmlns:a16="http://schemas.microsoft.com/office/drawing/2014/main" id="{F69CFD17-E62E-4D61-BA09-2254DAE3AB02}"/>
+              </a:ext>
+            </a:extLst>
+          </p:cNvPr>
+          <p:cNvSpPr txBox="1"/>
+          <p:nvPr>
+            <p:custDataLst>
+              <p:tags r:id="rId25"/>
+            </p:custDataLst>
+          </p:nvPr>
+        </p:nvSpPr>
+        <p:spPr>
+          <a:xfrm>
+            <a:off x="3626745" y="4105423"/>
+            <a:ext cx="1206500" cy="186055"/>
+          </a:xfrm>
+          <a:prstGeom prst="rect">
+            <a:avLst/>
+          </a:prstGeom>
+          <a:noFill/>
+        </p:spPr>
+        <p:txBody>
+          <a:bodyPr vert="horz" wrap="square" lIns="0" tIns="0" rIns="0" bIns="0" rtlCol="0" anchor="ctr" anchorCtr="0">
+            <a:spAutoFit/>
+          </a:bodyPr>
+          <a:lstStyle/>
+          <a:p>
+            <a:r>
+              <a:rPr lang="en-US" sz="1200" b="1" spc="-6">
+                <a:solidFill>
+                  <a:schemeClr val="dk1"/>
+                </a:solidFill>
+                <a:latin typeface="Calibri" panose="020F0502020204030204" pitchFamily="34" charset="0"/>
+              </a:rPr>
+              <a:t>Polish intro section</a:t>
+            </a:r>
+          </a:p>
+        </p:txBody>
+      </p:sp>
+      <p:sp>
+        <p:nvSpPr>
+          <p:cNvPr id="32" name="OTLSHAPE_T_3c02be2aaf3d46e9b1128774cf3ca849_TextPercentage" hidden="1">
+            <a:extLst>
+              <a:ext uri="{FF2B5EF4-FFF2-40B4-BE49-F238E27FC236}">
+                <a16:creationId xmlns:a16="http://schemas.microsoft.com/office/drawing/2014/main" id="{F38E1C3A-3266-4E3B-82F5-B5D0FEC91BC2}"/>
+              </a:ext>
+            </a:extLst>
+          </p:cNvPr>
+          <p:cNvSpPr txBox="1"/>
+          <p:nvPr>
+            <p:custDataLst>
+              <p:tags r:id="rId26"/>
+            </p:custDataLst>
+          </p:nvPr>
+        </p:nvSpPr>
+        <p:spPr>
+          <a:xfrm>
+            <a:off x="12700" y="74255"/>
+            <a:ext cx="0" cy="0"/>
+          </a:xfrm>
+          <a:prstGeom prst="rect">
+            <a:avLst/>
+          </a:prstGeom>
+          <a:noFill/>
+        </p:spPr>
+        <p:txBody>
+          <a:bodyPr vert="horz" wrap="square" lIns="0" tIns="0" rIns="0" bIns="0" rtlCol="0" anchor="ctr" anchorCtr="0">
+            <a:spAutoFit/>
+          </a:bodyPr>
+          <a:lstStyle/>
+          <a:p>
+            <a:endParaRPr lang="en-US" sz="1000" dirty="0">
+              <a:solidFill>
+                <a:srgbClr val="C0504D"/>
+              </a:solidFill>
+              <a:latin typeface="Calibri" panose="020F0502020204030204" pitchFamily="34" charset="0"/>
+            </a:endParaRPr>
+          </a:p>
+        </p:txBody>
+      </p:sp>
+      <p:sp>
+        <p:nvSpPr>
+          <p:cNvPr id="33" name="OTLSHAPE_T_3c02be2aaf3d46e9b1128774cf3ca849_StartDate" hidden="1">
+            <a:extLst>
+              <a:ext uri="{FF2B5EF4-FFF2-40B4-BE49-F238E27FC236}">
+                <a16:creationId xmlns:a16="http://schemas.microsoft.com/office/drawing/2014/main" id="{430F4C8B-237D-4B56-B956-12594DC47B9C}"/>
+              </a:ext>
+            </a:extLst>
+          </p:cNvPr>
+          <p:cNvSpPr txBox="1"/>
+          <p:nvPr>
+            <p:custDataLst>
+              <p:tags r:id="rId27"/>
+            </p:custDataLst>
+          </p:nvPr>
+        </p:nvSpPr>
+        <p:spPr>
+          <a:xfrm>
+            <a:off x="12700" y="74255"/>
+            <a:ext cx="0" cy="0"/>
+          </a:xfrm>
+          <a:prstGeom prst="rect">
+            <a:avLst/>
+          </a:prstGeom>
+          <a:noFill/>
+        </p:spPr>
+        <p:txBody>
+          <a:bodyPr vert="horz" wrap="square" lIns="0" tIns="0" rIns="0" bIns="0" rtlCol="0" anchor="ctr" anchorCtr="0">
+            <a:spAutoFit/>
+          </a:bodyPr>
+          <a:lstStyle/>
+          <a:p>
+            <a:pPr algn="r"/>
+            <a:endParaRPr lang="en-US" sz="1000" dirty="0">
+              <a:solidFill>
+                <a:schemeClr val="dk2"/>
+              </a:solidFill>
+              <a:latin typeface="Calibri" panose="020F0502020204030204" pitchFamily="34" charset="0"/>
+            </a:endParaRPr>
+          </a:p>
+        </p:txBody>
+      </p:sp>
+      <p:sp>
+        <p:nvSpPr>
+          <p:cNvPr id="34" name="OTLSHAPE_T_3c02be2aaf3d46e9b1128774cf3ca849_EndDate" hidden="1">
+            <a:extLst>
+              <a:ext uri="{FF2B5EF4-FFF2-40B4-BE49-F238E27FC236}">
+                <a16:creationId xmlns:a16="http://schemas.microsoft.com/office/drawing/2014/main" id="{3CF842AD-336B-4ED7-8B46-93A5CE56307E}"/>
+              </a:ext>
+            </a:extLst>
+          </p:cNvPr>
+          <p:cNvSpPr txBox="1"/>
+          <p:nvPr>
+            <p:custDataLst>
+              <p:tags r:id="rId28"/>
+            </p:custDataLst>
+          </p:nvPr>
+        </p:nvSpPr>
+        <p:spPr>
+          <a:xfrm>
+            <a:off x="12700" y="74255"/>
+            <a:ext cx="0" cy="0"/>
+          </a:xfrm>
+          <a:prstGeom prst="rect">
+            <a:avLst/>
+          </a:prstGeom>
+          <a:noFill/>
+        </p:spPr>
+        <p:txBody>
+          <a:bodyPr vert="horz" wrap="square" lIns="0" tIns="0" rIns="0" bIns="0" rtlCol="0" anchor="ctr" anchorCtr="0">
+            <a:spAutoFit/>
+          </a:bodyPr>
+          <a:lstStyle/>
+          <a:p>
+            <a:pPr algn="r"/>
+            <a:endParaRPr lang="en-US" sz="1000" dirty="0">
+              <a:solidFill>
+                <a:schemeClr val="dk2"/>
+              </a:solidFill>
+              <a:latin typeface="Calibri" panose="020F0502020204030204" pitchFamily="34" charset="0"/>
+            </a:endParaRPr>
+          </a:p>
+        </p:txBody>
+      </p:sp>
+      <p:sp>
+        <p:nvSpPr>
+          <p:cNvPr id="35" name="OTLSHAPE_T_3c02be2aaf3d46e9b1128774cf3ca849_JoinedDate">
+            <a:extLst>
+              <a:ext uri="{FF2B5EF4-FFF2-40B4-BE49-F238E27FC236}">
+                <a16:creationId xmlns:a16="http://schemas.microsoft.com/office/drawing/2014/main" id="{4742820D-B2D5-48B6-8E25-97CF386616A6}"/>
+              </a:ext>
+            </a:extLst>
+          </p:cNvPr>
+          <p:cNvSpPr txBox="1"/>
+          <p:nvPr>
+            <p:custDataLst>
+              <p:tags r:id="rId29"/>
+            </p:custDataLst>
+          </p:nvPr>
+        </p:nvSpPr>
+        <p:spPr>
+          <a:xfrm>
+            <a:off x="921885" y="4363551"/>
+            <a:ext cx="673100" cy="310049"/>
+          </a:xfrm>
+          <a:prstGeom prst="rect">
+            <a:avLst/>
+          </a:prstGeom>
+          <a:noFill/>
+        </p:spPr>
+        <p:txBody>
+          <a:bodyPr vert="horz" wrap="square" lIns="0" tIns="0" rIns="0" bIns="0" rtlCol="0" anchor="ctr" anchorCtr="0">
+            <a:noAutofit/>
+          </a:bodyPr>
+          <a:lstStyle/>
+          <a:p>
+            <a:pPr algn="r"/>
+            <a:r>
+              <a:rPr lang="en-US" sz="1000">
+                <a:solidFill>
+                  <a:schemeClr val="dk2"/>
+                </a:solidFill>
+                <a:latin typeface="Calibri" panose="020F0502020204030204" pitchFamily="34" charset="0"/>
+              </a:rPr>
+              <a:t>May 3 - May 11</a:t>
+            </a:r>
+            <a:endParaRPr lang="en-US" sz="1000" dirty="0">
+              <a:solidFill>
+                <a:schemeClr val="dk2"/>
+              </a:solidFill>
+              <a:latin typeface="Calibri" panose="020F0502020204030204" pitchFamily="34" charset="0"/>
+            </a:endParaRPr>
+          </a:p>
+        </p:txBody>
+      </p:sp>
+      <p:sp>
+        <p:nvSpPr>
+          <p:cNvPr id="36" name="OTLSHAPE_T_3c02be2aaf3d46e9b1128774cf3ca849_Title">
+            <a:extLst>
+              <a:ext uri="{FF2B5EF4-FFF2-40B4-BE49-F238E27FC236}">
+                <a16:creationId xmlns:a16="http://schemas.microsoft.com/office/drawing/2014/main" id="{F927ACDD-040E-44B4-8D58-104411667BA5}"/>
+              </a:ext>
+            </a:extLst>
+          </p:cNvPr>
+          <p:cNvSpPr txBox="1"/>
+          <p:nvPr>
+            <p:custDataLst>
+              <p:tags r:id="rId30"/>
+            </p:custDataLst>
+          </p:nvPr>
+        </p:nvSpPr>
+        <p:spPr>
+          <a:xfrm>
+            <a:off x="6047326" y="4425548"/>
+            <a:ext cx="1447800" cy="186055"/>
+          </a:xfrm>
+          <a:prstGeom prst="rect">
+            <a:avLst/>
+          </a:prstGeom>
+          <a:noFill/>
+        </p:spPr>
+        <p:txBody>
+          <a:bodyPr vert="horz" wrap="square" lIns="0" tIns="0" rIns="0" bIns="0" rtlCol="0" anchor="ctr" anchorCtr="0">
+            <a:noAutofit/>
+          </a:bodyPr>
+          <a:lstStyle/>
+          <a:p>
+            <a:r>
+              <a:rPr lang="en-US" sz="1200" b="1" spc="-6" dirty="0">
+                <a:solidFill>
+                  <a:schemeClr val="dk1"/>
+                </a:solidFill>
+                <a:latin typeface="Calibri" panose="020F0502020204030204" pitchFamily="34" charset="0"/>
+              </a:rPr>
+              <a:t>Write methods section</a:t>
+            </a:r>
+          </a:p>
+        </p:txBody>
+      </p:sp>
+      <p:sp>
+        <p:nvSpPr>
+          <p:cNvPr id="37" name="OTLSHAPE_T_3c02be2aaf3d46e9b1128774cf3ca849_Duration">
+            <a:extLst>
+              <a:ext uri="{FF2B5EF4-FFF2-40B4-BE49-F238E27FC236}">
+                <a16:creationId xmlns:a16="http://schemas.microsoft.com/office/drawing/2014/main" id="{E9BAFD4C-9E08-4CD1-A8F6-ED49BD8F0A68}"/>
+              </a:ext>
+            </a:extLst>
+          </p:cNvPr>
+          <p:cNvSpPr txBox="1"/>
+          <p:nvPr>
+            <p:custDataLst>
+              <p:tags r:id="rId31"/>
+            </p:custDataLst>
+          </p:nvPr>
+        </p:nvSpPr>
+        <p:spPr>
+          <a:xfrm>
+            <a:off x="3656056" y="4441063"/>
+            <a:ext cx="330200" cy="155025"/>
+          </a:xfrm>
+          <a:prstGeom prst="rect">
+            <a:avLst/>
+          </a:prstGeom>
+          <a:noFill/>
+        </p:spPr>
+        <p:txBody>
+          <a:bodyPr vert="horz" wrap="square" lIns="0" tIns="0" rIns="0" bIns="0" rtlCol="0" anchor="ctr" anchorCtr="0">
+            <a:spAutoFit/>
+          </a:bodyPr>
+          <a:lstStyle/>
+          <a:p>
+            <a:pPr algn="ctr"/>
+            <a:r>
+              <a:rPr lang="en-US" sz="1000" spc="-8" dirty="0">
+                <a:solidFill>
+                  <a:schemeClr val="dk1"/>
+                </a:solidFill>
+                <a:latin typeface="Calibri" panose="020F0502020204030204" pitchFamily="34" charset="0"/>
+              </a:rPr>
+              <a:t>7 days</a:t>
+            </a:r>
+          </a:p>
+        </p:txBody>
+      </p:sp>
+      <p:sp>
+        <p:nvSpPr>
+          <p:cNvPr id="40" name="OTLSHAPE_T_86498eb5de2c4896a78f548abc6616be_TextPercentage" hidden="1">
+            <a:extLst>
+              <a:ext uri="{FF2B5EF4-FFF2-40B4-BE49-F238E27FC236}">
+                <a16:creationId xmlns:a16="http://schemas.microsoft.com/office/drawing/2014/main" id="{54C5B50B-AE0C-48EA-9D95-7D4E4B10581C}"/>
+              </a:ext>
+            </a:extLst>
+          </p:cNvPr>
+          <p:cNvSpPr txBox="1"/>
+          <p:nvPr>
+            <p:custDataLst>
+              <p:tags r:id="rId32"/>
+            </p:custDataLst>
+          </p:nvPr>
+        </p:nvSpPr>
+        <p:spPr>
+          <a:xfrm>
+            <a:off x="12700" y="74255"/>
+            <a:ext cx="0" cy="0"/>
+          </a:xfrm>
+          <a:prstGeom prst="rect">
+            <a:avLst/>
+          </a:prstGeom>
+          <a:noFill/>
+        </p:spPr>
+        <p:txBody>
+          <a:bodyPr vert="horz" wrap="square" lIns="0" tIns="0" rIns="0" bIns="0" rtlCol="0" anchor="ctr" anchorCtr="0">
+            <a:spAutoFit/>
+          </a:bodyPr>
+          <a:lstStyle/>
+          <a:p>
+            <a:endParaRPr lang="en-US" sz="1000">
+              <a:solidFill>
+                <a:srgbClr val="C0504D"/>
+              </a:solidFill>
+              <a:latin typeface="Calibri" panose="020F0502020204030204" pitchFamily="34" charset="0"/>
+            </a:endParaRPr>
+          </a:p>
+        </p:txBody>
+      </p:sp>
+      <p:sp>
+        <p:nvSpPr>
+          <p:cNvPr id="41" name="OTLSHAPE_T_86498eb5de2c4896a78f548abc6616be_StartDate" hidden="1">
+            <a:extLst>
+              <a:ext uri="{FF2B5EF4-FFF2-40B4-BE49-F238E27FC236}">
+                <a16:creationId xmlns:a16="http://schemas.microsoft.com/office/drawing/2014/main" id="{0C39AF59-3F41-42BA-A8FA-658F86F95D59}"/>
+              </a:ext>
+            </a:extLst>
+          </p:cNvPr>
+          <p:cNvSpPr txBox="1"/>
+          <p:nvPr>
+            <p:custDataLst>
+              <p:tags r:id="rId33"/>
+            </p:custDataLst>
+          </p:nvPr>
+        </p:nvSpPr>
+        <p:spPr>
+          <a:xfrm>
+            <a:off x="12700" y="74255"/>
+            <a:ext cx="0" cy="0"/>
+          </a:xfrm>
+          <a:prstGeom prst="rect">
+            <a:avLst/>
+          </a:prstGeom>
+          <a:noFill/>
+        </p:spPr>
+        <p:txBody>
+          <a:bodyPr vert="horz" wrap="square" lIns="0" tIns="0" rIns="0" bIns="0" rtlCol="0" anchor="ctr" anchorCtr="0">
+            <a:spAutoFit/>
+          </a:bodyPr>
+          <a:lstStyle/>
+          <a:p>
+            <a:pPr algn="r"/>
+            <a:endParaRPr lang="en-US" sz="1000">
+              <a:solidFill>
+                <a:schemeClr val="dk2"/>
+              </a:solidFill>
+              <a:latin typeface="Calibri" panose="020F0502020204030204" pitchFamily="34" charset="0"/>
+            </a:endParaRPr>
+          </a:p>
+        </p:txBody>
+      </p:sp>
+      <p:sp>
+        <p:nvSpPr>
+          <p:cNvPr id="42" name="OTLSHAPE_T_86498eb5de2c4896a78f548abc6616be_EndDate" hidden="1">
+            <a:extLst>
+              <a:ext uri="{FF2B5EF4-FFF2-40B4-BE49-F238E27FC236}">
+                <a16:creationId xmlns:a16="http://schemas.microsoft.com/office/drawing/2014/main" id="{E96B8BDA-2DEE-4D28-9E21-5F67A2AB080F}"/>
+              </a:ext>
+            </a:extLst>
+          </p:cNvPr>
+          <p:cNvSpPr txBox="1"/>
+          <p:nvPr>
+            <p:custDataLst>
+              <p:tags r:id="rId34"/>
+            </p:custDataLst>
+          </p:nvPr>
+        </p:nvSpPr>
+        <p:spPr>
+          <a:xfrm>
+            <a:off x="12700" y="74255"/>
+            <a:ext cx="0" cy="0"/>
+          </a:xfrm>
+          <a:prstGeom prst="rect">
+            <a:avLst/>
+          </a:prstGeom>
+          <a:noFill/>
+        </p:spPr>
+        <p:txBody>
+          <a:bodyPr vert="horz" wrap="square" lIns="0" tIns="0" rIns="0" bIns="0" rtlCol="0" anchor="ctr" anchorCtr="0">
+            <a:spAutoFit/>
+          </a:bodyPr>
+          <a:lstStyle/>
+          <a:p>
+            <a:pPr algn="r"/>
+            <a:endParaRPr lang="en-US" sz="1000">
+              <a:solidFill>
+                <a:schemeClr val="dk2"/>
+              </a:solidFill>
+              <a:latin typeface="Calibri" panose="020F0502020204030204" pitchFamily="34" charset="0"/>
+            </a:endParaRPr>
+          </a:p>
+        </p:txBody>
+      </p:sp>
+      <p:sp>
+        <p:nvSpPr>
+          <p:cNvPr id="43" name="OTLSHAPE_T_86498eb5de2c4896a78f548abc6616be_JoinedDate">
+            <a:extLst>
+              <a:ext uri="{FF2B5EF4-FFF2-40B4-BE49-F238E27FC236}">
+                <a16:creationId xmlns:a16="http://schemas.microsoft.com/office/drawing/2014/main" id="{24A4F504-949F-415D-BB4D-18858F02BEA5}"/>
+              </a:ext>
+            </a:extLst>
+          </p:cNvPr>
+          <p:cNvSpPr txBox="1"/>
+          <p:nvPr>
+            <p:custDataLst>
+              <p:tags r:id="rId35"/>
+            </p:custDataLst>
+          </p:nvPr>
+        </p:nvSpPr>
+        <p:spPr>
+          <a:xfrm>
+            <a:off x="793107" y="4761188"/>
+            <a:ext cx="800100" cy="155025"/>
+          </a:xfrm>
+          <a:prstGeom prst="rect">
+            <a:avLst/>
+          </a:prstGeom>
+          <a:noFill/>
+        </p:spPr>
+        <p:txBody>
+          <a:bodyPr vert="horz" wrap="square" lIns="0" tIns="0" rIns="0" bIns="0" rtlCol="0" anchor="ctr" anchorCtr="0">
+            <a:spAutoFit/>
+          </a:bodyPr>
+          <a:lstStyle/>
+          <a:p>
+            <a:pPr algn="r"/>
+            <a:r>
+              <a:rPr lang="en-US" sz="1000" spc="-4">
+                <a:solidFill>
+                  <a:schemeClr val="dk2"/>
+                </a:solidFill>
+                <a:latin typeface="Calibri" panose="020F0502020204030204" pitchFamily="34" charset="0"/>
+              </a:rPr>
+              <a:t>May 3 - May 18</a:t>
+            </a:r>
+          </a:p>
+        </p:txBody>
+      </p:sp>
+      <p:sp>
+        <p:nvSpPr>
+          <p:cNvPr id="44" name="OTLSHAPE_T_86498eb5de2c4896a78f548abc6616be_Title">
+            <a:extLst>
+              <a:ext uri="{FF2B5EF4-FFF2-40B4-BE49-F238E27FC236}">
+                <a16:creationId xmlns:a16="http://schemas.microsoft.com/office/drawing/2014/main" id="{62D70782-B203-4AB9-918D-992006AD33A0}"/>
+              </a:ext>
+            </a:extLst>
+          </p:cNvPr>
+          <p:cNvSpPr txBox="1"/>
+          <p:nvPr>
+            <p:custDataLst>
+              <p:tags r:id="rId36"/>
+            </p:custDataLst>
+          </p:nvPr>
+        </p:nvSpPr>
+        <p:spPr>
+          <a:xfrm>
+            <a:off x="9436140" y="4745672"/>
+            <a:ext cx="1473200" cy="186055"/>
+          </a:xfrm>
+          <a:prstGeom prst="rect">
+            <a:avLst/>
+          </a:prstGeom>
+          <a:noFill/>
+        </p:spPr>
+        <p:txBody>
+          <a:bodyPr vert="horz" wrap="square" lIns="0" tIns="0" rIns="0" bIns="0" rtlCol="0" anchor="ctr" anchorCtr="0">
+            <a:spAutoFit/>
+          </a:bodyPr>
+          <a:lstStyle/>
+          <a:p>
+            <a:r>
+              <a:rPr lang="en-US" sz="1200" b="1" spc="-4">
+                <a:solidFill>
+                  <a:schemeClr val="dk1"/>
+                </a:solidFill>
+                <a:latin typeface="Calibri" panose="020F0502020204030204" pitchFamily="34" charset="0"/>
+              </a:rPr>
+              <a:t>Implement [next steps]</a:t>
+            </a:r>
+          </a:p>
+        </p:txBody>
+      </p:sp>
+      <p:sp>
+        <p:nvSpPr>
+          <p:cNvPr id="45" name="OTLSHAPE_T_86498eb5de2c4896a78f548abc6616be_Duration">
+            <a:extLst>
+              <a:ext uri="{FF2B5EF4-FFF2-40B4-BE49-F238E27FC236}">
+                <a16:creationId xmlns:a16="http://schemas.microsoft.com/office/drawing/2014/main" id="{67C8ADA5-5B2C-4ABA-846A-AE2FEC6F3FC9}"/>
+              </a:ext>
+            </a:extLst>
+          </p:cNvPr>
+          <p:cNvSpPr txBox="1"/>
+          <p:nvPr>
+            <p:custDataLst>
+              <p:tags r:id="rId37"/>
+            </p:custDataLst>
+          </p:nvPr>
+        </p:nvSpPr>
+        <p:spPr>
+          <a:xfrm>
+            <a:off x="5318268" y="4761188"/>
+            <a:ext cx="393700" cy="155025"/>
+          </a:xfrm>
+          <a:prstGeom prst="rect">
+            <a:avLst/>
+          </a:prstGeom>
+          <a:noFill/>
+        </p:spPr>
+        <p:txBody>
+          <a:bodyPr vert="horz" wrap="square" lIns="0" tIns="0" rIns="0" bIns="0" rtlCol="0" anchor="ctr" anchorCtr="0">
+            <a:spAutoFit/>
+          </a:bodyPr>
+          <a:lstStyle/>
+          <a:p>
+            <a:pPr algn="ctr"/>
+            <a:r>
+              <a:rPr lang="en-US" sz="1000" spc="-8">
+                <a:solidFill>
+                  <a:schemeClr val="dk1"/>
+                </a:solidFill>
+                <a:latin typeface="Calibri" panose="020F0502020204030204" pitchFamily="34" charset="0"/>
+              </a:rPr>
+              <a:t>12 days</a:t>
+            </a:r>
+          </a:p>
+        </p:txBody>
+      </p:sp>
+      <p:sp>
+        <p:nvSpPr>
+          <p:cNvPr id="14" name="TextBox 13">
+            <a:extLst>
+              <a:ext uri="{FF2B5EF4-FFF2-40B4-BE49-F238E27FC236}">
+                <a16:creationId xmlns:a16="http://schemas.microsoft.com/office/drawing/2014/main" id="{CDF9542C-C24A-401E-8EFE-D80C0A7F0607}"/>
+              </a:ext>
+            </a:extLst>
+          </p:cNvPr>
+          <p:cNvSpPr txBox="1"/>
+          <p:nvPr/>
+        </p:nvSpPr>
+        <p:spPr>
+          <a:xfrm>
+            <a:off x="4549329" y="1549400"/>
+            <a:ext cx="4017575" cy="400110"/>
+          </a:xfrm>
+          <a:prstGeom prst="rect">
+            <a:avLst/>
+          </a:prstGeom>
+          <a:noFill/>
+        </p:spPr>
+        <p:txBody>
+          <a:bodyPr wrap="none" rtlCol="0">
+            <a:spAutoFit/>
+          </a:bodyPr>
+          <a:lstStyle/>
+          <a:p>
+            <a:pPr algn="ctr"/>
+            <a:r>
+              <a:rPr lang="de-DE" sz="2000" b="1" dirty="0" err="1"/>
+              <a:t>MSc</a:t>
+            </a:r>
+            <a:r>
+              <a:rPr lang="de-DE" sz="2000" b="1" dirty="0"/>
+              <a:t> Research Project - Plan </a:t>
+            </a:r>
+            <a:r>
+              <a:rPr lang="de-DE" sz="2000" b="1" dirty="0" err="1"/>
+              <a:t>for</a:t>
+            </a:r>
+            <a:r>
+              <a:rPr lang="de-DE" sz="2000" b="1" dirty="0"/>
+              <a:t> May</a:t>
+            </a:r>
+            <a:endParaRPr lang="en-US" sz="2000" b="1" dirty="0"/>
+          </a:p>
+        </p:txBody>
+      </p:sp>
+    </p:spTree>
+    <p:custDataLst>
+      <p:tags r:id="rId1"/>
+    </p:custDataLst>
+    <p:extLst>
+      <p:ext uri="{BB962C8B-B14F-4D97-AF65-F5344CB8AC3E}">
+        <p14:creationId xmlns:p14="http://schemas.microsoft.com/office/powerpoint/2010/main" val="672784555"/>
+      </p:ext>
+    </p:extLst>
+  </p:cSld>
+  <p:clrMapOvr>
+    <a:masterClrMapping/>
+  </p:clrMapOvr>
+</p:sld>
+</file>
+
 <file path=ppt/tags/tag1.xml><?xml version="1.0" encoding="utf-8"?>
 <p:tagLst xmlns:a="http://schemas.openxmlformats.org/drawingml/2006/main" xmlns:r="http://schemas.openxmlformats.org/officeDocument/2006/relationships" xmlns:p="http://schemas.openxmlformats.org/presentationml/2006/main">
-  <p:tag name="__PART_0" val="eyIkaWQiOiIxIiwiX3N3aW1sYW5lc1YyIjpbXSwiQ3VsdHVyZUluZm9OYW1lIjoiZW4tVVMiLCJTdHlsZU5hbWUiOm51bGwsIlZlcnNpb24iOnsiJGlkIjoiMiIsIlZlcnNpb24iOiIzLjYuMSIsIk9yaWdpbmFsQXNzZW1ibHlWZXJzaW9uIjoiNi4wNC4wMS4wMCIsIkVkaXRpb24iOm51bGwsIkxhc3RTYXZlZEVkaXRpb24iOjAsIklzUGx1c0VkaXRpb24iOmZhbHNlLCJJc1Byb0VkaXRpb24iOmZhbHNlfSwiRWZmZWN0IjoxLCJTdHlsZSI6eyIkaWQiOiIzIiwiVGltZWJhbmRTdHlsZSI6eyIkaWQiOiI0IiwiU2NhbGVNYXJraW5nIjoxLCJTaGFwZSI6MCwiU2hhcGVTdHlsZSI6eyIkaWQiOiI1IiwiTWFyZ2luIjp7IiRpZCI6IjYiLCJUb3AiOjAuMCwiTGVmdCI6MTIuMCwiUmlnaHQiOjEyLjAsIkJvdHRvbSI6MC4wfSwiUGFkZGluZyI6eyIkaWQiOiI3IiwiVG9wIjo3LjAsIkxlZnQiOjAuMCwiUmlnaHQiOjAuMCwiQm90dG9tIjo3LjB9LCJCYWNrZ3JvdW5kIjp7IiRpZCI6IjgiLCJDb2xvciI6eyIkaWQiOiI5IiwiQSI6MjU1LCJSIjo2OCwiRyI6ODQsIkIiOjEwNn19LCJJc1Zpc2libGUiOnRydWUsIldpZHRoIjo4NTguMCwiSGVpZ2h0IjoyMC4wLCJCb3JkZXJTdHlsZSI6eyIkaWQiOiIxMCIsIkxpbmVDb2xvciI6eyIkaWQiOiIxMSIsIiR0eXBlIjoiTkxSRS5Db21tb24uRG9tLlNvbGlkQ29sb3JCcnVzaCwgTkxSRS5Db21tb24iLCJDb2xvciI6eyIkaWQiOiIxMiIsIkEiOjI1NSwiUiI6MjU1LCJHIjowLCJCIjowfX0sIkxpbmVXZWlnaHQiOjAuMCwiTGluZVR5cGUiOjAsIlBhcmVudFN0eWxlIjpudWxsfSwiUGFyZW50U3R5bGUiOm51bGx9LCJNaWRkbGVUaWVyU2hhcGVTdHlsZSI6eyIkaWQiOiIxMyIsIk1hcmdpbiI6eyIkaWQiOiIxNCIsIlRvcCI6MC4wLCJMZWZ0IjoxMi4wLCJSaWdodCI6MTIuMCwiQm90dG9tIjowLjB9LCJQYWRkaW5nIjp7IiRpZCI6IjE1IiwiVG9wIjo3LjAsIkxlZnQiOjAuMCwiUmlnaHQiOjAuMCwiQm90dG9tIjo3LjB9LCJCYWNrZ3JvdW5kIjp7IiRpZCI6IjE2IiwiQ29sb3IiOnsiJGlkIjoiMTciLCJBIjoyNTUsIlIiOjY4LCJHIjo4NCwiQiI6MTA2fX0sIklzVmlzaWJsZSI6dHJ1ZSwiV2lkdGgiOjg1OC4wLCJIZWlnaHQiOjIwLjAsIkJvcmRlclN0eWxlIjp7IiRpZCI6IjE4IiwiTGluZUNvbG9yIjp7IiRpZCI6IjE5IiwiJHR5cGUiOiJOTFJFLkNvbW1vbi5Eb20uU29saWRDb2xvckJydXNoLCBOTFJFLkNvbW1vbiIsIkNvbG9yIjp7IiRpZCI6IjIwIiwiQSI6MjU1LCJSIjoyNTUsIkciOjAsIkIiOjB9fSwiTGluZVdlaWdodCI6MC4wLCJMaW5lVHlwZSI6MCwiUGFyZW50U3R5bGUiOm51bGx9LCJQYXJlbnRTdHlsZSI6bnVsbH0sIkJvdHRvbVRpZXJTaGFwZVN0eWxlIjp7IiRpZCI6IjIxIiwiTWFyZ2luIjp7IiRpZCI6IjIyIiwiVG9wIjowLjAsIkxlZnQiOjEyLjAsIlJpZ2h0IjoxMi4wLCJCb3R0b20iOjAuMH0sIlBhZGRpbmciOnsiJGlkIjoiMjMiLCJUb3AiOjcuMCwiTGVmdCI6MC4wLCJSaWdodCI6MC4wLCJCb3R0b20iOjcuMH0sIkJhY2tncm91bmQiOnsiJGlkIjoiMjQiLCJDb2xvciI6eyIkaWQiOiIyNSIsIkEiOjI1NSwiUiI6NjgsIkciOjg0LCJCIjoxMDZ9fSwiSXNWaXNpYmxlIjp0cnVlLCJXaWR0aCI6ODU4LjAsIkhlaWdodCI6MjAuMCwiQm9yZGVyU3R5bGUiOnsiJGlkIjoiMjYiLCJMaW5lQ29sb3IiOnsiJGlkIjoiMjciLCIkdHlwZSI6Ik5MUkUuQ29tbW9uLkRvbS5Tb2xpZENvbG9yQnJ1c2gsIE5MUkUuQ29tbW9uIiwiQ29sb3IiOnsiJGlkIjoiMjgiLCJBIjoyNTUsIlIiOjI1NSwiRyI6MCwiQiI6MH19LCJMaW5lV2VpZ2h0IjowLjAsIkxpbmVUeXBlIjowLCJQYXJlbnRTdHlsZSI6bnVsbH0sIlBhcmVudFN0eWxlIjpudWxsfSwiUmlnaHRFbmRDYXBzU3R5bGUiOnsiJGlkIjoiMjkiLCJGb250U2V0dGluZ3MiOnsiJGlkIjoiMzAiLCJGb250U2l6ZSI6MTgsIkZvbnROYW1lIjoiQ2FsaWJyaSIsIklzQm9sZCI6dHJ1ZSwiSXNJdGFsaWMiOmZhbHNlLCJJc1VuZGVybGluZWQiOmZhbHNlLCJQYXJlbnRTdHlsZSI6bnVsbH0sIkF1dG9TaXplIjowLCJGb3JlZ3JvdW5kIjp7IiRpZCI6IjMxIiwiQ29sb3IiOnsiJGlkIjoiMzIiLCJBIjoyNTUsIlIiOjIzNywiRyI6MTI1LCJCIjo0OX19LCJNYXhXaWR0aCI6IkluZmluaXR5IiwiTWF4SGVpZ2h0IjoiSW5maW5pdHkiLCJTbWFydEZvcmVncm91bmRJc0FjdGl2ZSI6ZmFsc2UsIkhvcml6b250YWxBbGlnbm1lbnQiOjAsIlZlcnRpY2FsQWxpZ25tZW50IjowLCJTbWFydEZvcmVncm91bmQiOm51bGwsIkJhY2tncm91bmRGaWxsVHlwZSI6MCwiTWFyZ2luIjp7IiRpZCI6IjMzIiwiVG9wIjowLjAsIkxlZnQiOjAuMCwiUmlnaHQiOjIwLjAsIkJvdHRvbSI6MC4wfSwiUGFkZGluZyI6eyIkaWQiOiIzNCIsIlRvcCI6MC4wLCJMZWZ0IjowLjAsIlJpZ2h0IjowLjAsIkJvdHRvbSI6MC4wfSwiQmFja2dyb3VuZCI6eyIkaWQiOiIzNSIsIkNvbG9yIjp7IiRpZCI6IjM2IiwiQSI6ODksIlIiOjAsIkciOjAsIkIiOjB9fSwiSXNWaXNpYmxlIjp0cnVlLCJXaWR0aCI6MC4wLCJIZWlnaHQiOjAuMCwiQm9yZGVyU3R5bGUiOm51bGwsIlBhcmVudFN0eWxlIjpudWxsfSwiTGVmdEVuZENhcHNTdHlsZSI6eyIkaWQiOiIzNyIsIkZvbnRTZXR0aW5ncyI6eyIkaWQiOiIzOCIsIkZvbnRTaXplIjoxOCwiRm9udE5hbWUiOiJDYWxpYnJpIiwiSXNCb2xkIjp0cnVlLCJJc0l0YWxpYyI6ZmFsc2UsIklzVW5kZXJsaW5lZCI6ZmFsc2UsIlBhcmVudFN0eWxlIjpudWxsfSwiQXV0b1NpemUiOjAsIkZvcmVncm91bmQiOnsiJGlkIjoiMzkiLCJDb2xvciI6eyIkaWQiOiI0MCIsIkEiOjI1NSwiUiI6MjM3LCJHIjoxMjUsIkIiOjQ5fX0sIk1heFdpZHRoIjoiSW5maW5pdHkiLCJNYXhIZWlnaHQiOiJJbmZpbml0eSIsIlNtYXJ0Rm9yZWdyb3VuZElzQWN0aXZlIjpmYWxzZSwiSG9yaXpvbnRhbEFsaWdubWVudCI6MCwiVmVydGljYWxBbGlnbm1lbnQiOjAsIlNtYXJ0Rm9yZWdyb3VuZCI6bnVsbCwiQmFja2dyb3VuZEZpbGxUeXBlIjowLCJNYXJnaW4iOnsiJGlkIjoiNDEiLCJUb3AiOjAuMCwiTGVmdCI6NDIuNTA2NjY2NjY2NjY2NjYxLCJSaWdodCI6MC4wLCJCb3R0b20iOjAuMH0sIlBhZGRpbmciOnsiJGlkIjoiNDIiLCJUb3AiOjAuMCwiTGVmdCI6MC4wLCJSaWdodCI6MC4wLCJCb3R0b20iOjAuMH0sIkJhY2tncm91bmQiOnsiJGlkIjoiNDMiLCJDb2xvciI6eyIkcmVmIjoiMzYifX0sIklzVmlzaWJsZSI6ZmFsc2UsIldpZHRoIjowLjAsIkhlaWdodCI6MC4wLCJCb3JkZXJTdHlsZSI6bnVsbCwiUGFyZW50U3R5bGUiOm51bGx9LCJUb2RheVRleHRTdHlsZSI6eyIkaWQiOiI0NCIsIkZvbnRTZXR0aW5ncyI6eyIkaWQiOiI0NSIsIkZvbnRTaXplIjoxMiwiRm9udE5hbWUiOiJDYWxpYnJpIiwiSXNCb2xkIjpmYWxzZSwiSXNJdGFsaWMiOmZhbHNlLCJJc1VuZGVybGluZWQiOmZhbHNlLCJQYXJlbnRTdHlsZSI6bnVsbH0sIkF1dG9TaXplIjowLCJGb3JlZ3JvdW5kIjp7IiRpZCI6IjQ2IiwiQ29sb3IiOnsiJGlkIjoiNDciLCJBIjoyNTUsIlIiOjAsIkciOjAsIkIiOjB9fSwiTWF4V2lkdGgiOjIwMC4wLCJNYXhIZWlnaHQiOiJJbmZpbml0eSIsIlNtYXJ0Rm9yZWdyb3VuZElzQWN0aXZlIjpmYWxzZSwiSG9yaXpvbnRhbEFsaWdubWVudCI6MCwiVmVydGljYWxBbGlnbm1lbnQiOjAsIlNtYXJ0Rm9yZWdyb3VuZCI6bnVsbCwiQmFja2dyb3VuZEZpbGxUeXBlIjowLCJNYXJnaW4iOnsiJGlkIjoiNDgiLCJUb3AiOjAuMCwiTGVmdCI6MC4wLCJSaWdodCI6MC4wLCJCb3R0b20iOjAuMH0sIlBhZGRpbmciOnsiJGlkIjoiNDkiLCJUb3AiOjAuMCwiTGVmdCI6MC4wLCJSaWdodCI6MC4wLCJCb3R0b20iOjAuMH0sIkJhY2tncm91bmQiOnsiJGlkIjoiNTAiLCJDb2xvciI6eyIkcmVmIjoiMzYifX0sIklzVmlzaWJsZSI6dHJ1ZSwiV2lkdGgiOjAuMCwiSGVpZ2h0IjowLjAsIkJvcmRlclN0eWxlIjpudWxsLCJQYXJlbnRTdHlsZSI6bnVsbH0sIlRvZGF5TWFya2VyU3R5bGUiOnsiJGlkIjoiNTEiLCJNYXJnaW4iOnsiJGlkIjoiNTIiLCJUb3AiOjAuMCwiTGVmdCI6MC4wLCJSaWdodCI6MC4wLCJCb3R0b20iOjAuMH0sIlBhZGRpbmciOnsiJGlkIjoiNTMiLCJUb3AiOjAuMCwiTGVmdCI6MC4wLCJSaWdodCI6MC4wLCJCb3R0b20iOjAuMH0sIkJhY2tncm91bmQiOnsiJGlkIjoiNTQiLCJDb2xvciI6eyIkaWQiOiI1NSIsIkEiOjI1NSwiUiI6MjU1LCJHIjowLCJCIjowfX0sIklzVmlzaWJsZSI6dHJ1ZSwiV2lkdGgiOjAuMCwiSGVpZ2h0IjowLjAsIkJvcmRlclN0eWxlIjpudWxsLCJQYXJlbnRTdHlsZSI6bnVsbH0sIlNjYWxlU3R5bGUiOnsiJGlkIjoiNTYiLCJTaGFwZSI6MywiU2hvd1NlZ21lbnRTZXBhcmF0b3JzIjp0cnVlLCJTZWdtZW50U2VwYXJhdG9yT3BhY2l0eSI6MzAsIkhhc0JlZW5WaXNpYmxlQmVmb3JlIjp0cnVlLCJGb250U2V0dGluZ3MiOnsiJGlkIjoiNTciLCJGb250U2l6ZSI6MTIsIkZvbnROYW1lIjoiQ2FsaWJyaSIsIklzQm9sZCI6ZmFsc2UsIklzSXRhbGljIjpmYWxzZSwiSXNVbmRlcmxpbmVkIjpmYWxzZSwiUGFyZW50U3R5bGUiOm51bGx9LCJBdXRvU2l6ZSI6MCwiRm9yZWdyb3VuZCI6eyIkaWQiOiI1OCIsIkNvbG9yIjp7IiRpZCI6IjU5IiwiQSI6MjU1LCJSIjoyNTUsIkciOjI1NSwiQiI6MjU1fX0sIk1heFdpZHRoIjoyMDAuMCwiTWF4SGVpZ2h0IjoiSW5maW5pdHkiLCJTbWFydEZvcmVncm91bmRJc0FjdGl2ZSI6ZmFsc2UsIkhvcml6b250YWxBbGlnbm1lbnQiOjAsIlZlcnRpY2FsQWxpZ25tZW50IjoxLCJTbWFydEZvcmVncm91bmQiOm51bGwsIkJhY2tncm91bmRGaWxsVHlwZSI6MCwiTWFyZ2luIjp7IiRpZCI6IjYwIiwiVG9wIjowLjAsIkxlZnQiOjUuMCwiUmlnaHQiOjAuMCwiQm90dG9tIjowLjB9LCJQYWRkaW5nIjp7IiRpZCI6IjYxIiwiVG9wIjowLjAsIkxlZnQiOjAuMCwiUmlnaHQiOjAuMCwiQm90dG9tIjowLjB9LCJCYWNrZ3JvdW5kIjp7IiRpZCI6IjYyIiwiQ29sb3IiOnsiJHJlZiI6IjM2In19LCJJc1Zpc2libGUiOnRydWUsIldpZHRoIjowLjAsIkhlaWdodCI6MC4wLCJCb3JkZXJTdHlsZSI6bnVsbCwiUGFyZW50U3R5bGUiOm51bGx9LCJTaW5nbGVTY2FsZVNoYXBlU3R5bGUiOnsiJGlkIjoiNjMiLCJTaGFwZSI6MCwiSGVpZ2h0IjowLjB9LCJNaWRkbGVUaWVyU2NhbGVTdHlsZSI6eyIkaWQiOiI2NCIsIlNoYXBlIjozLCJTaG93U2VnbWVudFNlcGFyYXRvcnMiOnRydWUsIlNlZ21lbnRTZXBhcmF0b3JPcGFjaXR5IjozMCwiSGFzQmVlblZpc2libGVCZWZvcmUiOmZhbHNlLCJGb250U2V0dGluZ3MiOnsiJGlkIjoiNjUiLCJGb250U2l6ZSI6MTIsIkZvbnROYW1lIjoiQ2FsaWJyaSIsIklzQm9sZCI6ZmFsc2UsIklzSXRhbGljIjpmYWxzZSwiSXNVbmRlcmxpbmVkIjpmYWxzZSwiUGFyZW50U3R5bGUiOm51bGx9LCJBdXRvU2l6ZSI6MCwiRm9yZWdyb3VuZCI6eyIkaWQiOiI2NiIsIkNvbG9yIjp7IiRpZCI6IjY3IiwiQSI6MjU1LCJSIjoyNTUsIkciOjI1NSwiQiI6MjU1fX0sIk1heFdpZHRoIjoyMDAuMCwiTWF4SGVpZ2h0IjoiSW5maW5pdHkiLCJTbWFydEZvcmVncm91bmRJc0FjdGl2ZSI6ZmFsc2UsIkhvcml6b250YWxBbGlnbm1lbnQiOjAsIlZlcnRpY2FsQWxpZ25tZW50IjoxLCJTbWFydEZvcmVncm91bmQiOm51bGwsIkJhY2tncm91bmRGaWxsVHlwZSI6MCwiTWFyZ2luIjp7IiRpZCI6IjY4IiwiVG9wIjowLjAsIkxlZnQiOjUuMCwiUmlnaHQiOjAuMCwiQm90dG9tIjowLjB9LCJQYWRkaW5nIjp7IiRpZCI6IjY5IiwiVG9wIjowLjAsIkxlZnQiOjAuMCwiUmlnaHQiOjAuMCwiQm90dG9tIjowLjB9LCJCYWNrZ3JvdW5kIjp7IiRpZCI6IjcwIiwiQ29sb3IiOnsiJGlkIjoiNzEiLCJBIjowLCJSIjowLCJHIjowLCJCIjowfX0sIklzVmlzaWJsZSI6ZmFsc2UsIldpZHRoIjowLjAsIkhlaWdodCI6MC4wLCJCb3JkZXJTdHlsZSI6bnVsbCwiUGFyZW50U3R5bGUiOm51bGx9LCJCb3R0b21UaWVyU2NhbGVTdHlsZSI6eyIkaWQiOiI3MiIsIlNoYXBlIjozLCJTaG93U2VnbWVudFNlcGFyYXRvcnMiOnRydWUsIlNlZ21lbnRTZXBhcmF0b3JPcGFjaXR5IjozMCwiSGFzQmVlblZpc2libGVCZWZvcmUiOmZhbHNlLCJGb250U2V0dGluZ3MiOnsiJGlkIjoiNzMiLCJGb250U2l6ZSI6MTIsIkZvbnROYW1lIjoiQ2FsaWJyaSIsIklzQm9sZCI6ZmFsc2UsIklzSXRhbGljIjpmYWxzZSwiSXNVbmRlcmxpbmVkIjpmYWxzZSwiUGFyZW50U3R5bGUiOm51bGx9LCJBdXRvU2l6ZSI6MCwiRm9yZWdyb3VuZCI6eyIkaWQiOiI3NCIsIkNvbG9yIjp7IiRpZCI6Ijc1IiwiQSI6MjU1LCJSIjoyNTUsIkciOjI1NSwiQiI6MjU1fX0sIk1heFdpZHRoIjoyMDAuMCwiTWF4SGVpZ2h0IjoiSW5maW5pdHkiLCJTbWFydEZvcmVncm91bmRJc0FjdGl2ZSI6ZmFsc2UsIkhvcml6b250YWxBbGlnbm1lbnQiOjAsIlZlcnRpY2FsQWxpZ25tZW50IjoxLCJTbWFydEZvcmVncm91bmQiOm51bGwsIkJhY2tncm91bmRGaWxsVHlwZSI6MCwiTWFyZ2luIjp7IiRpZCI6Ijc2IiwiVG9wIjowLjAsIkxlZnQiOjUuMCwiUmlnaHQiOjAuMCwiQm90dG9tIjowLjB9LCJQYWRkaW5nIjp7IiRpZCI6Ijc3IiwiVG9wIjowLjAsIkxlZnQiOjAuMCwiUmlnaHQiOjAuMCwiQm90dG9tIjowLjB9LCJCYWNrZ3JvdW5kIjp7IiRpZCI6Ijc4IiwiQ29sb3IiOnsiJGlkIjoiNzkiLCJBIjowLCJSIjowLCJHIjowLCJCIjowfX0sIklzVmlzaWJsZSI6ZmFsc2UsIldpZHRoIjowLjAsIkhlaWdodCI6MC4wLCJCb3JkZXJTdHlsZSI6bnVsbCwiUGFyZW50U3R5bGUiOm51bGx9LCJFbGFwc2VkVGltZUJhY2tncm91bmQiOnsiJGlkIjoiODAiLCJDb2xvciI6eyIkaWQiOiI4MSIsIkEiOjE5MSwiUiI6MjU1LCJHIjowLCJCIjowfX0sIkFwcGVuZFllYXJPblllYXJDaGFuZ2UiOmZhbHNlLCJFbGFwc2VkVGltZUZvcm1hdCI6MiwiVG9kYXlNYXJrZXJQb3NpdGlvbiI6MiwiUXVpY2tQb3NpdGlvbiI6MiwiQWJzb2x1dGVQb3NpdGlvbiI6NDA1LjAsIk1hcmdpbiI6eyIkaWQiOiI4MiIsIlRvcCI6MC4wLCJMZWZ0IjoxMC4wLCJSaWdodCI6MTAuMCwiQm90dG9tIjowLjB9LCJQYWRkaW5nIjp7IiRpZCI6IjgzIiwiVG9wIjowLjAsIkxlZnQiOjAuMCwiUmlnaHQiOjAuMCwiQm90dG9tIjowLjB9LCJCYWNrZ3JvdW5kIjp7IiRpZCI6Ijg0IiwiQ29sb3IiOnsiJGlkIjoiODUiLCJBIjoyNTUsIlIiOjQ3LCJHIjo1NCwiQiI6MTUzfX0sIklzVmlzaWJsZSI6dHJ1ZSwiV2lkdGgiOjAuMCwiSGVpZ2h0IjowLjAsIkJvcmRlclN0eWxlIjpudWxsLCJQYXJlbnRTdHlsZSI6bnVsbH0sIkRlZmF1bHRNaWxlc3RvbmVTdHlsZSI6eyIkaWQiOiI4NiIsIlNoYXBlIjowLCJDb25uZWN0b3JNYXJnaW4iOnsiJGlkIjoiODciLCJUb3AiOjAuMCwiTGVmdCI6Mi4wLCJSaWdodCI6Mi4wLCJCb3R0b20iOjAuMH0sIkNvbm5lY3RvclN0eWxlIjp7IiRpZCI6Ijg4IiwiTGluZUNvbG9yIjp7IiRpZCI6Ijg5IiwiJHR5cGUiOiJOTFJFLkNvbW1vbi5Eb20uU29saWRDb2xvckJydXNoLCBOTFJFLkNvbW1vbiIsIkNvbG9yIjp7IiRpZCI6IjkwIiwiQSI6MTI3LCJSIjo3OSwiRyI6MTI5LCJCIjoxODl9fSwiTGluZVdlaWdodCI6MS4wLCJMaW5lVHlwZSI6MCwiUGFyZW50U3R5bGUiOm51bGx9LCJJc0JlbG93VGltZWJhbmQiOmZhbHNlLCJQb3NpdGlvbk9uVGFzayI6MCwiSGlkZURhdGUiOmZhbHNlLCJTaGFwZVNpemUiOjEsIlNwYWNpbmciOjEuMCwiUGFkZGluZyI6eyIkaWQiOiI5MSIsIlRvcCI6Ny4wLCJMZWZ0IjozLjAsIlJpZ2h0IjowLjAsIkJvdHRvbSI6Mi4wfSwiU2hhcGVTdHlsZSI6eyIkaWQiOiI5MiIsIk1hcmdpbiI6eyIkaWQiOiI5MyIsIlRvcCI6MC4wLCJMZWZ0IjowLjAsIlJpZ2h0IjowLjAsIkJvdHRvbSI6MC4wfSwiUGFkZGluZyI6eyIkaWQiOiI5NCIsIlRvcCI6MC4wLCJMZWZ0IjowLjAsIlJpZ2h0IjowLjAsIkJvdHRvbSI6MC4wfSwiQmFja2dyb3VuZCI6eyIkaWQiOiI5NSIsIkNvbG9yIjp7IiRpZCI6Ijk2IiwiQSI6MjU1LCJSIjowLCJHIjoxMTQsIkIiOjE4OH19LCJJc1Zpc2libGUiOnRydWUsIldpZHRoIjoxOC4wLCJIZWlnaHQiOjIwLjAsIkJvcmRlclN0eWxlIjp7IiRpZCI6Ijk3IiwiTGluZUNvbG9yIjp7IiRpZCI6Ijk4IiwiJHR5cGUiOiJOTFJFLkNvbW1vbi5Eb20uU29saWRDb2xvckJydXNoLCBOTFJFLkNvbW1vbiIsIkNvbG9yIjp7IiRpZCI6Ijk5IiwiQSI6MjU1LCJSIjoyNTUsIkciOjAsIkIiOjB9fSwiTGluZVdlaWdodCI6MC4wLCJMaW5lVHlwZSI6MCwiUGFyZW50U3R5bGUiOm51bGx9LCJQYXJlbnRTdHlsZSI6bnVsbH0sIlRpdGxlU3R5bGUiOnsiJGlkIjoiMTAwIiwiRm9udFNldHRpbmdzIjp7IiRpZCI6IjEwMSIsIkZvbnRTaXplIjoxMSwiRm9udE5hbWUiOiJDYWxpYnJpIiwiSXNCb2xkIjp0cnVlLCJJc0l0YWxpYyI6ZmFsc2UsIklzVW5kZXJsaW5lZCI6ZmFsc2UsIlBhcmVudFN0eWxlIjpudWxsfSwiQXV0b1NpemUiOjAsIkZvcmVncm91bmQiOnsiJGlkIjoiMTAyIiwiQ29sb3IiOnsiJGlkIjoiMTAzIiwiQSI6MjU1LCJSIjowLCJHIjowLCJCIjowfX0sIk1heFdpZHRoIjoyMDAuMCwiTWF4SGVpZ2h0IjoiSW5maW5pdHkiLCJTbWFydEZvcmVncm91bmRJc0FjdGl2ZSI6ZmFsc2UsIkhvcml6b250YWxBbGlnbm1lbnQiOjEsIlZlcnRpY2FsQWxpZ25tZW50IjowLCJTbWFydEZvcmVncm91bmQiOm51bGwsIkJhY2tncm91bmRGaWxsVHlwZSI6MCwiTWFyZ2luIjp7IiRpZCI6IjEwNCIsIlRvcCI6MC4wLCJMZWZ0IjowLjAsIlJpZ2h0IjowLjAsIkJvdHRvbSI6MC4wfSwiUGFkZGluZyI6eyIkaWQiOiIxMDUiLCJUb3AiOjAuMCwiTGVmdCI6MC4wLCJSaWdodCI6MC4wLCJCb3R0b20iOjAuMH0sIkJhY2tncm91bmQiOnsiJGlkIjoiMTA2IiwiQ29sb3IiOnsiJHJlZiI6IjM2In19LCJJc1Zpc2libGUiOnRydWUsIldpZHRoIjowLjAsIkhlaWdodCI6MC4wLCJCb3JkZXJTdHlsZSI6bnVsbCwiUGFyZW50U3R5bGUiOm51bGx9LCJEYXRlU3R5bGUiOnsiJGlkIjoiMTA3IiwiRm9udFNldHRpbmdzIjp7IiRpZCI6IjEwOCIsIkZvbnRTaXplIjoxMCwiRm9udE5hbWUiOiJDYWxpYnJpIiwiSXNCb2xkIjpmYWxzZSwiSXNJdGFsaWMiOmZhbHNlLCJJc1VuZGVybGluZWQiOmZhbHNlLCJQYXJlbnRTdHlsZSI6bnVsbH0sIkF1dG9TaXplIjowLCJGb3JlZ3JvdW5kIjp7IiRpZCI6IjEwOSIsIkNvbG9yIjp7IiRpZCI6IjExMCIsIkEiOjI1NSwiUiI6NjgsIkciOjg0LCJCIjoxMDZ9fSwiTWF4V2lkdGgiOjIwMC4wLCJNYXhIZWlnaHQiOiJJbmZpbml0eSIsIlNtYXJ0Rm9yZWdyb3VuZElzQWN0aXZlIjpmYWxzZSwiSG9yaXpvbnRhbEFsaWdubWVudCI6MCwiVmVydGljYWxBbGlnbm1lbnQiOjAsIlNtYXJ0Rm9yZWdyb3VuZCI6bnVsbCwiQmFja2dyb3VuZEZpbGxUeXBlIjowLCJNYXJnaW4iOnsiJGlkIjoiMTExIiwiVG9wIjowLjAsIkxlZnQiOjAuMCwiUmlnaHQiOjAuMCwiQm90dG9tIjowLjB9LCJQYWRkaW5nIjp7IiRpZCI6IjExMiIsIlRvcCI6MC4wLCJMZWZ0IjowLjAsIlJpZ2h0IjowLjAsIkJvdHRvbSI6MC4wfSwiQmFja2dyb3VuZCI6eyIkaWQiOiIxMTMiLCJDb2xvciI6eyIkcmVmIjoiMzYifX0sIklzVmlzaWJsZSI6dHJ1ZSwiV2lkdGgiOjAuMCwiSGVpZ2h0IjowLjAsIkJvcmRlclN0eWxlIjpudWxsLCJQYXJlbnRTdHlsZSI6bnVsbH0sIkRhdGVGb3JtYXQiOnsiJGlkIjoiMTE0IiwiRm9ybWF0U3RyaW5nIjoiTU1NIGQiLCJTZXBhcmF0b3IiOiIvIiwiVXNlSW50ZXJuYXRpb25hbERhdGVGb3JtYXQiOmZhbHNlLCJEYXRlSXNWaXNpYmxlIjp0cnVlLCJUaW1lSXNWaXNpYmxlIjpmYWxzZSwiSG91ckRpZ2l0cyI6MSwiQW1QbURlc2lnbmF0b3IiOjIsIlRyaW0wME1pbnV0ZXMiOmZhbHNlLCJMYXN0S25vd25WaXNpYmlsaXR5U3RhdGUiOm51bGx9LCJXZWVrTnVtYmVyaW5nIjp7IiRpZCI6IjExNSIsIkZvcm1hdCI6MCwiSXNWaXNpYmxlIjpmYWxzZSwiTGFzdEtub3duVmlzaWJpbGl0eVN0YXRlIjpmYWxzZX0sIklzVmlzaWJsZSI6dHJ1ZSwiUGFyZW50U3R5bGUiOm51bGx9LCJEZWZhdWx0VGFza1N0eWxlIjp7IiRpZCI6IjExNiIsIlNoYXBlIjowLCJTaGFwZVRoaWNrbmVzcyI6MSwiRHVyYXRpb25Gb3JtYXQiOjAsIkluY2x1ZGVOb25Xb3JraW5nRGF5c0luRHVyYXRpb24iOmZhbHNlLCJQZXJjZW50YWdlQ29tcGxldGVTdHlsZSI6eyIkaWQiOiIxMTciLCJGb250U2V0dGluZ3MiOnsiJGlkIjoiMTE4IiwiRm9udFNpemUiOjEwLCJGb250TmFtZSI6IkNhbGlicmkiLCJJc0JvbGQiOmZhbHNlLCJJc0l0YWxpYyI6ZmFsc2UsIklzVW5kZXJsaW5lZCI6ZmFsc2UsIlBhcmVudFN0eWxlIjpudWxsfSwiQXV0b1NpemUiOjAsIkZvcmVncm91bmQiOnsiJGlkIjoiMTE5IiwiQ29sb3IiOnsiJGlkIjoiMTIwIiwiQSI6MjU1LCJSIjoxOTIsIkciOjgwLCJCIjo3N319LCJNYXhXaWR0aCI6MjAwLjAsIk1heEhlaWdodCI6IkluZmluaXR5IiwiU21hcnRGb3JlZ3JvdW5kSXNBY3RpdmUiOmZhbHNlLCJIb3Jpem9udGFsQWxpZ25tZW50IjowLCJWZXJ0aWNhbEFsaWdubWVudCI6MCwiU21hcnRGb3JlZ3JvdW5kIjpudWxsLCJCYWNrZ3JvdW5kRmlsbFR5cGUiOjAsIk1hcmdpbiI6eyIkaWQiOiIxMjEiLCJUb3AiOjAuMCwiTGVmdCI6MC4wLCJSaWdodCI6MC4wLCJCb3R0b20iOjAuMH0sIlBhZGRpbmciOnsiJGlkIjoiMTIyIiwiVG9wIjowLjAsIkxlZnQiOjAuMCwiUmlnaHQiOjAuMCwiQm90dG9tIjowLjB9LCJCYWNrZ3JvdW5kIjp7IiRpZCI6IjEyMyIsIkNvbG9yIjp7IiRyZWYiOiIzNiJ9fSwiSXNWaXNpYmxlIjp0cnVlLCJXaWR0aCI6MC4wLCJIZWlnaHQiOjAuMCwiQm9yZGVyU3R5bGUiOm51bGwsIlBhcmVudFN0eWxlIjpudWxsfSwiRHVyYXRpb25TdHlsZSI6eyIkaWQiOiIxMjQiLCJGb250U2V0dGluZ3MiOnsiJGlkIjoiMTI1IiwiRm9udFNpemUiOjEwLCJGb250TmFtZSI6IkNhbGlicmkiLCJJc0JvbGQiOmZhbHNlLCJJc0l0YWxpYyI6ZmFsc2UsIklzVW5kZXJsaW5lZCI6ZmFsc2UsIlBhcmVudFN0eWxlIjpudWxsfSwiQXV0b1NpemUiOjAsIkZvcmVncm91bmQiOnsiJGlkIjoiMTI2IiwiQ29sb3IiOnsiJGlkIjoiMTI3IiwiQSI6MjU1LCJSIjowLCJHIjowLCJCIjowfX0sIk1heFdpZHRoIjoyMDAuMCwiTWF4SGVpZ2h0IjoiSW5maW5pdHkiLCJTbWFydEZvcmVncm91bmRJc0FjdGl2ZSI6ZmFsc2UsIkhvcml6b250YWxBbGlnbm1lbnQiOjEsIlZlcnRpY2FsQWxpZ25tZW50IjowLCJTbWFydEZvcmVncm91bmQiOm51bGwsIkJhY2tncm91bmRGaWxsVHlwZSI6MCwiTWFyZ2luIjp7IiRpZCI6IjEyOCIsIlRvcCI6MC4wLCJMZWZ0IjowLjAsIlJpZ2h0IjowLjAsIkJvdHRvbSI6MC4wfSwiUGFkZGluZyI6eyIkaWQiOiIxMjkiLCJUb3AiOjAuMCwiTGVmdCI6MC4wLCJSaWdodCI6MC4wLCJCb3R0b20iOjAuMH0sIkJhY2tncm91bmQiOnsiJGlkIjoiMTMwIiwiQ29sb3IiOnsiJHJlZiI6IjM2In19LCJJc1Zpc2libGUiOnRydWUsIldpZHRoIjowLjAsIkhlaWdodCI6MC4wLCJCb3JkZXJTdHlsZSI6bnVsbCwiUGFyZW50U3R5bGUiOm51bGx9LCJIb3Jpem9udGFsQ29ubmVjdG9yU3R5bGUiOnsiJGlkIjoiMTMxIiwiTGluZUNvbG9yIjp7IiRpZCI6IjEzMiIsIiR0eXBlIjoiTkxSRS5Db21tb24uRG9tLlNvbGlkQ29sb3JCcnVzaCwgTkxSRS5Db21tb24iLCJDb2xvciI6eyIkaWQiOiIxMzMiLCJBIjoyNTUsIlIiOjIwNCwiRyI6MjA0LCJCIjoyMDR9fSwiTGluZVdlaWdodCI6MS4wLCJMaW5lVHlwZSI6MCwiUGFyZW50U3R5bGUiOm51bGx9LCJWZXJ0aWNhbENvbm5lY3RvclN0eWxlIjp7IiRpZCI6IjEzNCIsIkxpbmVDb2xvciI6eyIkaWQiOiIxMzUiLCIkdHlwZSI6Ik5MUkUuQ29tbW9uLkRvbS5Tb2xpZENvbG9yQnJ1c2gsIE5MUkUuQ29tbW9uIiwiQ29sb3IiOnsiJGlkIjoiMTM2IiwiQSI6MjU1LCJSIjoyMDQsIkciOjIwNCwiQiI6MjA0fX0sIkxpbmVXZWlnaHQiOjAuMCwiTGluZVR5cGUiOjAsIlBhcmVudFN0eWxlIjpudWxsfSwiTWFyZ2luIjpudWxsLCJTdGFydERhdGVQb3NpdGlvbiI6MywiRW5kRGF0ZVBvc2l0aW9uIjozLCJEYXRlSXNWaXNpYmxlIjp0cnVlLCJUaXRsZVBvc2l0aW9uIjo0LCJEdXJhdGlvblBvc2l0aW9uIjoyLCJQZXJjZW50YWdlQ29tcGxldGVkUG9zaXRpb24iOjYsIlNwYWNpbmciOjUsIklzQmVsb3dUaW1lYmFuZCI6ZmFsc2UsIlBlcmNlbnRhZ2VDb21wbGV0ZVNoYXBlT3BhY2l0eSI6MzUsIlNoYXBlU3R5bGUiOnsiJGlkIjoiMTM3IiwiTWFyZ2luIjp7IiRpZCI6IjEzOCIsIlRvcCI6MC4wLCJMZWZ0Ijo0LjAsIlJpZ2h0Ijo0LjAsIkJvdHRvbSI6MC4wfSwiUGFkZGluZyI6eyIkaWQiOiIxMzkiLCJUb3AiOjAuMCwiTGVmdCI6MC4wLCJSaWdodCI6MC4wLCJCb3R0b20iOjAuMH0sIkJhY2tncm91bmQiOnsiJGlkIjoiMTQwIiwiQ29sb3IiOnsiJGlkIjoiMTQxIiwiQSI6MjU1LCJSIjowLCJHIjoxMTQsIkIiOjE4OH19LCJJc1Zpc2libGUiOnRydWUsIldpZHRoIjowLjAsIkhlaWdodCI6MTYuMCwiQm9yZGVyU3R5bGUiOnsiJGlkIjoiMTQyIiwiTGluZUNvbG9yIjp7IiRpZCI6IjE0MyIsIiR0eXBlIjoiTkxSRS5Db21tb24uRG9tLlNvbGlkQ29sb3JCcnVzaCwgTkxSRS5Db21tb24iLCJDb2xvciI6eyIkaWQiOiIxNDQiLCJBIjoyNTUsIlIiOjI1NSwiRyI6MCwiQiI6MH19LCJMaW5lV2VpZ2h0IjowLjAsIkxpbmVUeXBlIjowLCJQYXJlbnRTdHlsZSI6bnVsbH0sIlBhcmVudFN0eWxlIjpudWxsfSwiVGl0bGVTdHlsZSI6eyIkaWQiOiIxNDUiLCJGb250U2V0dGluZ3MiOnsiJGlkIjoiMTQ2IiwiRm9udFNpemUiOjEyLCJGb250TmFtZSI6IkNhbGlicmkiLCJJc0JvbGQiOnRydWUsIklzSXRhbGljIjpmYWxzZSwiSXNVbmRlcmxpbmVkIjpmYWxzZSwiUGFyZW50U3R5bGUiOm51bGx9LCJBdXRvU2l6ZSI6MCwiRm9yZWdyb3VuZCI6eyIkaWQiOiIxNDciLCJDb2xvciI6eyIkaWQiOiIxNDgiLCJBIjoyNTUsIlIiOjAsIkciOjAsIkIiOjB9fSwiTWF4V2lkdGgiOjk2MC4wLCJNYXhIZWlnaHQiOiJJbmZpbml0eSIsIlNtYXJ0Rm9yZWdyb3VuZElzQWN0aXZlIjpmYWxzZSwiSG9yaXpvbnRhbEFsaWdubWVudCI6MCwiVmVydGljYWxBbGlnbm1lbnQiOjAsIlNtYXJ0Rm9yZWdyb3VuZCI6bnVsbCwiQmFja2dyb3VuZEZpbGxUeXBlIjowLCJNYXJnaW4iOnsiJGlkIjoiMTQ5IiwiVG9wIjowLjAsIkxlZnQiOjAuMCwiUmlnaHQiOjAuMCwiQm90dG9tIjowLjB9LCJQYWRkaW5nIjp7IiRpZCI6IjE1MCIsIlRvcCI6MC4wLCJMZWZ0IjowLjAsIlJpZ2h0IjowLjAsIkJvdHRvbSI6MC4wfSwiQmFja2dyb3VuZCI6eyIkaWQiOiIxNTEiLCJDb2xvciI6eyIkcmVmIjoiMzYifX0sIklzVmlzaWJsZSI6dHJ1ZSwiV2lkdGgiOjAuMCwiSGVpZ2h0IjowLjAsIkJvcmRlclN0eWxlIjpudWxsLCJQYXJlbnRTdHlsZSI6bnVsbH0sIkRhdGVTdHlsZSI6eyIkaWQiOiIxNTIiLCJGb250U2V0dGluZ3MiOnsiJGlkIjoiMTUzIiwiRm9udFNpemUiOjEwLCJGb250TmFtZSI6IkNhbGlicmkiLCJJc0JvbGQiOmZhbHNlLCJJc0l0YWxpYyI6ZmFsc2UsIklzVW5kZXJsaW5lZCI6ZmFsc2UsIlBhcmVudFN0eWxlIjpudWxsfSwiQXV0b1NpemUiOjAsIkZvcmVncm91bmQiOnsiJGlkIjoiMTU0IiwiQ29sb3IiOnsiJGlkIjoiMTU1IiwiQSI6MjU1LCJSIjo2OCwiRyI6ODQsIkIiOjEwNn19LCJNYXhXaWR0aCI6MjAwLjAsIk1heEhlaWdodCI6IkluZmluaXR5IiwiU21hcnRGb3JlZ3JvdW5kSXNBY3RpdmUiOmZhbHNlLCJIb3Jpem9udGFsQWxpZ25tZW50IjoyLCJWZXJ0aWNhbEFsaWdubWVudCI6MCwiU21hcnRGb3JlZ3JvdW5kIjpudWxsLCJCYWNrZ3JvdW5kRmlsbFR5cGUiOjAsIk1hcmdpbiI6eyIkaWQiOiIxNTYiLCJUb3AiOjAuMCwiTGVmdCI6MC4wLCJSaWdodCI6MC4wLCJCb3R0b20iOjAuMH0sIlBhZGRpbmciOnsiJGlkIjoiMTU3IiwiVG9wIjowLjAsIkxlZnQiOjAuMCwiUmlnaHQiOjAuMCwiQm90dG9tIjowLjB9LCJCYWNrZ3JvdW5kIjp7IiRpZCI6IjE1OCIsIkNvbG9yIjp7IiRyZWYiOiIzNiJ9fSwiSXNWaXNpYmxlIjp0cnVlLCJXaWR0aCI6MC4wLCJIZWlnaHQiOjAuMCwiQm9yZGVyU3R5bGUiOm51bGwsIlBhcmVudFN0eWxlIjpudWxsfSwiRGF0ZUZvcm1hdCI6eyIkaWQiOiIxNTkiLCJGb3JtYXRTdHJpbmciOiJNTU0gZCIsIlNlcGFyYXRvciI6Ii8iLCJVc2VJbnRlcm5hdGlvbmFsRGF0ZUZvcm1hdCI6ZmFsc2UsIkRhdGVJc1Zpc2libGUiOnRydWUsIlRpbWVJc1Zpc2libGUiOmZhbHNlLCJIb3VyRGlnaXRzIjoxLCJBbVBtRGVzaWduYXRvciI6MiwiVHJpbTAwTWludXRlcyI6ZmFsc2UsIkxhc3RLbm93blZpc2liaWxpdHlTdGF0ZSI6bnVsbH0sIldlZWtOdW1iZXJpbmciOnsiJGlkIjoiMTYwIiwiRm9ybWF0IjowLCJJc1Zpc2libGUiOmZhbHNlLCJMYXN0S25vd25WaXNpYmlsaXR5U3RhdGUiOmZhbHNlfSwiSXNWaXNpYmxlIjp0cnVlLCJQYXJlbnRTdHlsZSI6bnVsbCwiX2V4cGxpY2l0bHlTZXQiOnsiJGlkIjoiMTYxIiwiU2hhcGVTdHlsZSI6ZmFsc2UsIlRpdGxlU3R5bGUiOmZhbHNlLCJEYXRlU3R5bGUiOmZhbHNlLCJIb3Jpem9udGFsQ29ubmVjdG9yU3R5bGUiOmZhbHNlLCJWZXJ0aWNhbENvbm5lY3RvclN0eWxlIjpmYWxzZSwiUGVyY2VudGFnZUNvbXBsZXRlU2hhcGVPcGFjaXR5IjpmYWxzZSwiU2hhcGUiOmZhbHNlLCJTaGFwZVRoaWNrbmVzcyI6ZmFsc2UsIkR1cmF0aW9uRm9ybWF0IjpmYWxzZSwiSW5jbHVkZU5vbldvcmtpbmdEYXlzSW5EdXJhdGlvbiI6ZmFsc2UsIk1hcmdpbiI6ZmFsc2UsIlN0YXJ0RGF0ZVBvc2l0aW9uIjpmYWxzZSwiRW5kRGF0ZVBvc2l0aW9uIjpmYWxzZSwiVGl0bGVQb3NpdGlvbiI6ZmFsc2UsIkR1cmF0aW9uUG9zaXRpb24iOmZhbHNlLCJQZXJjZW50YWdlQ29tcGxldGVkUG9zaXRpb24iOmZhbHNlLCJTcGFjaW5nIjpmYWxzZSwiSXNCZWxvd1RpbWViYW5kIjpmYWxzZSwiRGF0ZUZvcm1hdCI6ZmFsc2UsIldlZWtOdW1iZXJpbmciOmZhbHNlLCJJc1Zpc2libGUiOmZhbHNlfX0sIkdyaWRsaW5lUGFuZWxTdHlsZSI6eyIkaWQiOiIxNjIiLCJHcmlkbGluZVN0eWxlIjp7IiRpZCI6IjE2MyIsIkxpbmVDb2xvciI6eyIkaWQiOiIxNjQiLCIkdHlwZSI6Ik5MUkUuQ29tbW9uLkRvbS5Tb2xpZENvbG9yQnJ1c2gsIE5MUkUuQ29tbW9uIiwiQ29sb3IiOnsiJGlkIjoiMTY1IiwiQSI6MzgsIlIiOjkxLCJHIjoxNTUsIkIiOjIxM319LCJMaW5lV2VpZ2h0IjoxLjAsIkxpbmVUeXBlIjowLCJQYXJlbnRTdHlsZSI6bnVsbH0sIk1hcmdpbiI6eyIkaWQiOiIxNjYiLCJUb3AiOjAuMCwiTGVmdCI6MC4wLCJSaWdodCI6MC4wLCJCb3R0b20iOjAuMH0sIlBhZGRpbmciOnsiJGlkIjoiMTY3IiwiVG9wIjowLjAsIkxlZnQiOjAuMCwiUmlnaHQiOjAuMCwiQm90dG9tIjowLjB9LCJCYWNrZ3JvdW5kIjpudWxsLCJJc1Zpc2libGUiOnRydWUsIldpZHRoIjowLjAsIkhlaWdodCI6MC4wLCJCb3JkZXJTdHlsZSI6eyIkaWQiOiIxNjgiLCJMaW5lQ29sb3IiOm51bGwsIkxpbmVXZWlnaHQiOjAuMCwiTGluZVR5cGUiOjAsIlBhcmVudFN0eWxlIjpudWxsfSwiUGFyZW50U3R5bGUiOm51bGx9LCJBY3Rpdml0eUxpbmVQYW5lbFN0eWxlIjp7IiRpZCI6IjE2OSIsIkFjdGl2aXR5TGluZVN0eWxlIjp7IiRpZCI6IjE3MCIsIkxpbmVDb2xvciI6eyIkaWQiOiIxNzEiLCIkdHlwZSI6Ik5MUkUuQ29tbW9uLkRvbS5Tb2xpZENvbG9yQnJ1c2gsIE5MUkUuQ29tbW9uIiwiQ29sb3IiOnsiJGlkIjoiMTcyIiwiQSI6MzgsIlIiOjY4LCJHIjoxMTQsIkIiOjE5Nn19LCJMaW5lV2VpZ2h0IjoxLjAsIkxpbmVUeXBlIjowLCJQYXJlbnRTdHlsZSI6bnVsbH0sIk1hcmdpbiI6eyIkaWQiOiIxNzMiLCJUb3AiOjAuMCwiTGVmdCI6MC4wLCJSaWdodCI6MC4wLCJCb3R0b20iOjAuMH0sIlBhZGRpbmciOnsiJGlkIjoiMTc0IiwiVG9wIjowLjAsIkxlZnQiOjAuMCwiUmlnaHQiOjAuMCwiQm90dG9tIjowLjB9LCJCYWNrZ3JvdW5kIjpudWxsLCJJc1Zpc2libGUiOnRydWUsIldpZHRoIjowLjAsIkhlaWdodCI6MC4wLCJCb3JkZXJTdHlsZSI6eyIkaWQiOiIxNzUiLCJMaW5lQ29sb3IiOm51bGwsIkxpbmVXZWlnaHQiOjAuMCwiTGluZVR5cGUiOjAsIlBhcmVudFN0eWxlIjpudWxsfSwiUGFyZW50U3R5bGUiOm51bGx9LCJTaG93RWxhcHNlZFRpbWVHcmFkaWVudFN0eWxlIjpmYWxzZSwiVGltZWJhbmRSZXNlcnZlZExlZnRBcmVhU3R5bGUiOnsiJGlkIjoiMTc2IiwiQWN0aXZpdHlIZWFkZXJXaWR0aCI6MC4wLCJJc1NldCI6ZmFsc2V9LCJEZWZhdWx0U3dpbWxhbmVTdHlsZSI6bnVsbH0sIlNjYWxlIjpudWxsLCJTY2FsZVYyIjp7IiRpZCI6IjE3NyIsIlN0YXJ0RGF0ZSI6IjAwMDEtMDEtMDFUMDA6MDA6MDAiLCJFbmREYXRlIjoiMjAyMi0wOC0yNlQyMzo1OTowMCIsIkF1dG9EYXRlUmFuZ2UiOnRydWUsIldvcmtpbmdEYXlzIjozMSwiRmlzY2FsWWVhciI6eyIkaWQiOiIxNzgiLCJTdGFydE1vbnRoIjoxLCJVc2VTdGFydGluZ1llYXJGb3JOdW1iZXJpbmciOnRydWUsIlNob3dGaXNjYWxZZWFyTGFiZWwiOnRydWV9LCJUb2RheU1hcmtlclRleHQiOiJUb2RheSIsIkF1dG9TY2FsZVR5cGUiOnRydWUsIlRpbWViYW5kU2NhbGVzIjp7IiRpZCI6IjE3OSIsIlRvcFNjYWxlTGF5ZXIiOnsiJGlkIjoiMTgwIiwiRm9ybWF0IjoidyIsIlR5cGUiOjF9LCJNaWRkbGVTY2FsZUxheWVyIjp7IiRpZCI6IjE4MSIsIkZvcm1hdCI6bnVsbCwiVHlwZSI6MH0sIkJvdHRvbVNjYWxlTGF5ZXIiOnsiJGlkIjoiMTgyIiwiRm9ybWF0IjpudWxsLCJUeXBlIjowfX19LCJNaWxlc3RvbmVzIjpbXSwiVGFza3MiOlt7IiRpZCI6IjE4MyIsIkdyb3VwTmFtZSI6bnVsbCwiU3RhcnREYXRlIjoiMjAyMi0wMy0xNFQwMDowMDowMFoiLCJFbmREYXRlIjoiMjAyMi0wMy0xOFQyMzo1OTowMFoiLCJQZXJjZW50YWdlQ29tcGxldGUiOm51bGwsIlN0eWxlIjp7IiRpZCI6IjE4NCIsIlNoYXBlIjoxLCJTaGFwZVRoaWNrbmVzcyI6MCwiRHVyYXRpb25Gb3JtYXQiOjAsIkluY2x1ZGVOb25Xb3JraW5nRGF5c0luRHVyYXRpb24iOmZhbHNlLCJQZXJjZW50YWdlQ29tcGxldGVTdHlsZSI6eyIkaWQiOiIxODUiLCJGb250U2V0dGluZ3MiOnsiJGlkIjoiMTg2IiwiRm9udFNpemUiOjEwLCJGb250TmFtZSI6IkNhbGlicmkiLCJJc0JvbGQiOmZhbHNlLCJJc0l0YWxpYyI6ZmFsc2UsIklzVW5kZXJsaW5lZCI6ZmFsc2UsIlBhcmVudFN0eWxlIjpudWxsfSwiQXV0b1NpemUiOjAsIkZvcmVncm91bmQiOnsiJGlkIjoiMTg3IiwiQ29sb3IiOnsiJGlkIjoiMTg4IiwiQSI6MjU1LCJSIjoyMzcsIkciOjEyNSwiQiI6NDl9fSwiTWF4V2lkdGgiOjIwMC4wLCJNYXhIZWlnaHQiOiJJbmZpbml0eSIsIlNtYXJ0Rm9yZWdyb3VuZElzQWN0aXZlIjpmYWxzZSwiSG9yaXpvbnRhbEFsaWdubWVudCI6MCwiVmVydGljYWxBbGlnbm1lbnQiOjAsIlNtYXJ0Rm9yZWdyb3VuZCI6bnVsbCwiQmFja2dyb3VuZEZpbGxUeXBlIjowLCJNYXJnaW4iOnsiJHJlZiI6IjEyMSJ9LCJQYWRkaW5nIjp7IiRyZWYiOiIxMjIifSwiQmFja2dyb3VuZCI6eyIkaWQiOiIxODkiLCJDb2xvciI6eyIkaWQiOiIxOTAiLCJBIjo4OSwiUiI6MCwiRyI6MCwiQiI6MH19LCJJc1Zpc2libGUiOnRydWUsIldpZHRoIjowLjAsIkhlaWdodCI6MC4wLCJCb3JkZXJTdHlsZSI6eyIkaWQiOiIxOTEiLCJMaW5lQ29sb3IiOm51bGwsIkxpbmVXZWlnaHQiOjAuMCwiTGluZVR5cGUiOjAsIlBhcmVudFN0eWxlIjpudWxsfSwiUGFyZW50U3R5bGUiOm51bGx9LCJEdXJhdGlvblN0eWxlIjp7IiRpZCI6IjE5MiIsIkZvbnRTZXR0aW5ncyI6eyIkaWQiOiIxOTMiLCJGb250U2l6ZSI6MTAsIkZvbnROYW1lIjoiQ2FsaWJyaSIsIklzQm9sZCI6ZmFsc2UsIklzSXRhbGljIjpmYWxzZSwiSXNVbmRlcmxpbmVkIjpmYWxzZSwiUGFyZW50U3R5bGUiOm51bGx9LCJBdXRvU2l6ZSI6MCwiRm9yZWdyb3VuZCI6eyIkaWQiOiIxOTQiLCJDb2xvciI6eyIkaWQiOiIxOTUiLCJBIjoyNTUsIlIiOjAsIkciOjAsIkIiOjB9fSwiTWF4V2lkdGgiOjIwMC4wLCJNYXhIZWlnaHQiOiJJbmZpbml0eSIsIlNtYXJ0Rm9yZWdyb3VuZElzQWN0aXZlIjpmYWxzZSwiSG9yaXpvbnRhbEFsaWdubWVudCI6MSwiVmVydGljYWxBbGlnbm1lbnQiOjAsIlNtYXJ0Rm9yZWdyb3VuZCI6bnVsbCwiQmFja2dyb3VuZEZpbGxUeXBlIjowLCJNYXJnaW4iOnsiJHJlZiI6IjEyOCJ9LCJQYWRkaW5nIjp7IiRyZWYiOiIxMjkifSwiQmFja2dyb3VuZCI6eyIkaWQiOiIxOTYiLCJDb2xvciI6eyIkaWQiOiIxOTciLCJBIjowLCJSIjoyNTUsIkciOjI1NSwiQiI6MjU1fX0sIklzVmlzaWJsZSI6dHJ1ZSwiV2lkdGgiOjAuMCwiSGVpZ2h0IjowLjAsIkJvcmRlclN0eWxlIjp7IiRpZCI6IjE5OCIsIkxpbmVDb2xvciI6bnVsbCwiTGluZVdlaWdodCI6MC4wLCJMaW5lVHlwZSI6MCwiUGFyZW50U3R5bGUiOm51bGx9LCJQYXJlbnRTdHlsZSI6bnVsbH0sIkhvcml6b250YWxDb25uZWN0b3JTdHlsZSI6eyIkaWQiOiIxOTkiLCJMaW5lQ29sb3IiOnsiJGlkIjoiMjAwIiwiJHR5cGUiOiJOTFJFLkNvbW1vbi5Eb20uU29saWRDb2xvckJydXNoLCBOTFJFLkNvbW1vbiIsIkNvbG9yIjp7IiRpZCI6IjIwMSIsIkEiOjI1NSwiUiI6MjA0LCJHIjoyMDQsIkIiOjIwNH19LCJMaW5lV2VpZ2h0IjowLjAsIkxpbmVUeXBlIjowLCJQYXJlbnRTdHlsZSI6bnVsbH0sIlZlcnRpY2FsQ29ubmVjdG9yU3R5bGUiOnsiJGlkIjoiMjAyIiwiTGluZUNvbG9yIjp7IiRpZCI6IjIwMyIsIiR0eXBlIjoiTkxSRS5Db21tb24uRG9tLlNvbGlkQ29sb3JCcnVzaCwgTkxSRS5Db21tb24iLCJDb2xvciI6eyIkaWQiOiIyMDQiLCJBIjoyNTUsIlIiOjIwNCwiRyI6MjA0LCJCIjoyMDR9fSwiTGluZVdlaWdodCI6MC4wLCJMaW5lVHlwZSI6MCwiUGFyZW50U3R5bGUiOm51bGx9LCJNYXJnaW4iOm51bGwsIlN0YXJ0RGF0ZVBvc2l0aW9uIjozLCJFbmREYXRlUG9zaXRpb24iOjMsIkRhdGVJc1Zpc2libGUiOnRydWUsIlRpdGxlUG9zaXRpb24iOjQsIkR1cmF0aW9uUG9zaXRpb24iOjIsIlBlcmNlbnRhZ2VDb21wbGV0ZWRQb3NpdGlvbiI6NiwiU3BhY2luZyI6NSwiSXNCZWxvd1RpbWViYW5kIjpmYWxzZSwiUGVyY2VudGFnZUNvbXBsZXRlU2hhcGVPcGFjaXR5IjozNSwiU2hhcGVTdHlsZSI6eyIkaWQiOiIyMDUiLCJNYXJnaW4iOnsiJHJlZiI6IjEzOCJ9LCJQYWRkaW5nIjp7IiRyZWYiOiIxMzkifSwiQmFja2dyb3VuZCI6eyIkaWQiOiIyMDYiLCJDb2xvciI6eyIkaWQiOiIyMDciLCJBIjoyNTUsIlIiOjEzOSwiRyI6MjE4LCJCIjoyMzN9fSwiSXNWaXNpYmxlIjp0cnVlLCJXaWR0aCI6MTY2LjAsIkhlaWdodCI6MTAuMCwiQm9yZGVyU3R5bGUiOnsiJGlkIjoiMjA4IiwiTGluZUNvbG9yIjp7IiRpZCI6IjIwOSIsIiR0eXBlIjoiTkxSRS5Db21tb24uRG9tLlNvbGlkQ29sb3JCcnVzaCwgTkxSRS5Db21tb24iLCJDb2xvciI6eyIkaWQiOiIyMTAiLCJBIjoyNTUsIlIiOjI1NSwiRyI6MCwiQiI6MH19LCJMaW5lV2VpZ2h0IjowLjAsIkxpbmVUeXBlIjowLCJQYXJlbnRTdHlsZSI6bnVsbH0sIlBhcmVudFN0eWxlIjpudWxsfSwiVGl0bGVTdHlsZSI6eyIkaWQiOiIyMTEiLCJGb250U2V0dGluZ3MiOnsiJGlkIjoiMjEyIiwiRm9udFNpemUiOjEyLCJGb250TmFtZSI6IkNhbGlicmkiLCJJc0JvbGQiOnRydWUsIklzSXRhbGljIjpmYWxzZSwiSXNVbmRlcmxpbmVkIjpmYWxzZSwiUGFyZW50U3R5bGUiOm51bGx9LCJBdXRvU2l6ZSI6MCwiRm9yZWdyb3VuZCI6eyIkaWQiOiIyMTMiLCJDb2xvciI6eyIkaWQiOiIyMTQiLCJBIjoyNTUsIlIiOjAsIkciOjAsIkIiOjB9fSwiTWF4V2lkdGgiOjcyMC4wLCJNYXhIZWlnaHQiOiJJbmZpbml0eSIsIlNtYXJ0Rm9yZWdyb3VuZElzQWN0aXZlIjpmYWxzZSwiSG9yaXpvbnRhbEFsaWdubWVudCI6MCwiVmVydGljYWxBbGlnbm1lbnQiOjAsIlNtYXJ0Rm9yZWdyb3VuZCI6bnVsbCwiQmFja2dyb3VuZEZpbGxUeXBlIjowLCJNYXJnaW4iOnsiJHJlZiI6IjE0OSJ9LCJQYWRkaW5nIjp7IiRyZWYiOiIxNTAifSwiQmFja2dyb3VuZCI6eyIkaWQiOiIyMTUiLCJDb2xvciI6eyIkaWQiOiIyMTYiLCJBIjowLCJSIjoyNTUsIkciOjI1NSwiQiI6MjU1fX0sIklzVmlzaWJsZSI6dHJ1ZSwiV2lkdGgiOjAuMCwiSGVpZ2h0IjowLjAsIkJvcmRlclN0eWxlIjp7IiRpZCI6IjIxNyIsIkxpbmVDb2xvciI6bnVsbCwiTGluZVdlaWdodCI6MC4wLCJMaW5lVHlwZSI6MCwiUGFyZW50U3R5bGUiOm51bGx9LCJQYXJlbnRTdHlsZSI6bnVsbH0sIkRhdGVTdHlsZSI6eyIkaWQiOiIyMTgiLCJGb250U2V0dGluZ3MiOnsiJGlkIjoiMjE5IiwiRm9udFNpemUiOjEwLCJGb250TmFtZSI6IkNhbGlicmkiLCJJc0JvbGQiOmZhbHNlLCJJc0l0YWxpYyI6ZmFsc2UsIklzVW5kZXJsaW5lZCI6ZmFsc2UsIlBhcmVudFN0eWxlIjpudWxsfSwiQXV0b1NpemUiOjAsIkZvcmVncm91bmQiOnsiJGlkIjoiMjIwIiwiQ29sb3IiOnsiJGlkIjoiMjIxIiwiQSI6MjU1LCJSIjo2OCwiRyI6ODQsIkIiOjEwNn19LCJNYXhXaWR0aCI6MjAwLjAsIk1heEhlaWdodCI6IkluZmluaXR5IiwiU21hcnRGb3JlZ3JvdW5kSXNBY3RpdmUiOmZhbHNlLCJIb3Jpem9udGFsQWxpZ25tZW50IjoyLCJWZXJ0aWNhbEFsaWdubWVudCI6MCwiU21hcnRGb3JlZ3JvdW5kIjpudWxsLCJCYWNrZ3JvdW5kRmlsbFR5cGUiOjAsIk1hcmdpbiI6eyIkcmVmIjoiMTU2In0sIlBhZGRpbmciOnsiJHJlZiI6IjE1NyJ9LCJCYWNrZ3JvdW5kIjp7IiRpZCI6IjIyMiIsIkNvbG9yIjp7IiRpZCI6IjIyMyIsIkEiOjAsIlIiOjI1NSwiRyI6MjU1LCJCIjoyNTV9fSwiSXNWaXNpYmxlIjp0cnVlLCJXaWR0aCI6MC4wLCJIZWlnaHQiOjAuMCwiQm9yZGVyU3R5bGUiOnsiJGlkIjoiMjI0IiwiTGluZUNvbG9yIjpudWxsLCJMaW5lV2VpZ2h0IjowLjAsIkxpbmVUeXBlIjowLCJQYXJlbnRTdHlsZSI6bnVsbH0sIlBhcmVudFN0eWxlIjpudWxsfSwiRGF0ZUZvcm1hdCI6eyIkaWQiOiIyMjUiLCJGb3JtYXRTdHJpbmciOiJNTU0gZCIsIlNlcGFyYXRvciI6Ii8iLCJVc2VJbnRlcm5hdGlvbmFsRGF0ZUZvcm1hdCI6ZmFsc2UsIkRhdGVJc1Zpc2libGUiOnRydWUsIlRpbWVJc1Zpc2libGUiOmZhbHNlLCJIb3VyRGlnaXRzIjoxLCJBbVBtRGVzaWduYXRvciI6MiwiVHJpbTAwTWludXRlcyI6ZmFsc2UsIkxhc3RLbm93blZpc2liaWxpdHlTdGF0ZSI6bnVsbH0sIldlZWtOdW1iZXJpbmciOnsiJGlkIjoiMjI2IiwiRm9ybWF0IjowLCJJc1Zpc2libGUiOmZhbHNlLCJMYXN0S25vd25WaXNpYmlsaXR5U3RhdGUiOmZhbHNlfSwiSXNWaXNpYmxlIjp0cnVlLCJQYXJlbnRTdHlsZSI6bnVsbH0sIkluZGV4IjowLCJTbWFydER1cmF0aW9uQWN0aXZhdGVkIjpmYWxzZSwiRGF0ZUZvcm1hdCI6eyIkcmVmIjoiMjI1In0sIldlZWtOdW1iZXJpbmciOnsiJGlkIjoiMjI3IiwiRm9ybWF0IjowLCJJc1Zpc2libGUiOmZhbHNlLCJMYXN0S25vd25WaXNpYmlsaXR5U3RhdGUiOmZhbHNlfSwiSWQiOiJlYmNlMWM1Ni1jNzYyLTRmZjYtOGRhYS0wNDQ4Mzk2MDIyNjUiLCJJbXBvcnRJZCI6bnVsbCwiVGl0bGUiOiJMaXRlcmF0dXJlIHJlc2VhcmNoICYgbGl0LiByZXZpZXcgc2tlbGV0b24iLCJOb3RlIjpudWxsLCJIeXBlcmxpbmsiOnsiJGlkIjoiMjI4IiwiQWRkcmVzcyI6bnVsbCwiU3ViQWRkcmVzcyI6bnVsbH0sIklzQ2hhbmdlZCI6ZmFsc2UsIklzTmV3IjpmYWxzZX0seyIkaWQiOiIyMjkiLCJHcm91cE5hbWUiOm51bGwsIlN0YXJ0RGF0ZSI6IjIwMjItMDMtMThUMDA6MDA6MDBaIiwiRW5kRGF0ZSI6IjIwMjItMDMtMjVUMjM6NTk6MDBaIiwiUGVyY2VudGFnZUNvbXBsZXRlIjpudWxsLCJTdHlsZSI6eyIkaWQiOiIyMzAiLCJTaGFwZSI6MSwiU2hhcGVUaGlja25lc3MiOjEsIkR1cmF0aW9uRm9ybWF0IjowLCJJbmNsdWRlTm9uV29ya2luZ0RheXNJbkR1cmF0aW9uIjpmYWxzZSwiUGVyY2VudGFnZUNvbXBsZXRlU3R5bGUiOnsiJGlkIjoiMjMxIiwiRm9udFNldHRpbmdzIjp7IiRpZCI6IjIzMiIsIkZvbnRTaXplIjoxMCwiRm9udE5hbWUiOiJDYWxpYnJpIiwiSXNCb2xkIjpmYWxzZSwiSXNJdGFsaWMiOmZhbHNlLCJJc1VuZGVybGluZWQiOmZhbHNlLCJQYXJlbnRTdHlsZSI6bnVsbH0sIkF1dG9TaXplIjowLCJGb3JlZ3JvdW5kIjp7IiRyZWYiOiIxMTkifSwiTWF4V2lkdGgiOjIwMC4wLCJNYXhIZWlnaHQiOiJJbmZpbml0eSIsIlNtYXJ0Rm9yZWdyb3VuZElzQWN0aXZlIjpmYWxzZSwiSG9yaXpvbnRhbEFsaWdubWVudCI6MCwiVmVydGljYWxBbGlnbm1lbnQiOjAsIlNtYXJ0Rm9yZWdyb3VuZCI6bnVsbCwiQmFja2dyb3VuZEZpbGxUeXBlIjowLCJNYXJnaW4iOnsiJHJlZiI6IjEyMSJ9LCJQYWRkaW5nIjp7IiRyZWYiOiIxMjIifSwiQmFja2dyb3VuZCI6eyIkcmVmIjoiMTIzIn0sIklzVmlzaWJsZSI6dHJ1ZSwiV2lkdGgiOjAuMCwiSGVpZ2h0IjowLjAsIkJvcmRlclN0eWxlIjp7IiRpZCI6IjIzMyIsIkxpbmVDb2xvciI6bnVsbCwiTGluZVdlaWdodCI6MC4wLCJMaW5lVHlwZSI6MCwiUGFyZW50U3R5bGUiOm51bGx9LCJQYXJlbnRTdHlsZSI6bnVsbH0sIkR1cmF0aW9uU3R5bGUiOnsiJGlkIjoiMjM0IiwiRm9udFNldHRpbmdzIjp7IiRpZCI6IjIzNSIsIkZvbnRTaXplIjoxMCwiRm9udE5hbWUiOiJDYWxpYnJpIiwiSXNCb2xkIjpmYWxzZSwiSXNJdGFsaWMiOmZhbHNlLCJJc1VuZGVybGluZWQiOmZhbHNlLCJQYXJlbnRTdHlsZSI6bnVsbH0sIkF1dG9TaXplIjowLCJGb3JlZ3JvdW5kIjp7IiRpZCI6IjIzNiIsIkNvbG9yIjp7IiRpZCI6IjIzNyIsIkEiOjI1NSwiUiI6MCwiRyI6MCwiQiI6MH19LCJNYXhXaWR0aCI6MjAwLjAsIk1heEhlaWdodCI6IkluZmluaXR5IiwiU21hcnRGb3JlZ3JvdW5kSXNBY3RpdmUiOmZhbHNlLCJIb3Jpem9udGFsQWxpZ25tZW50IjoxLCJWZXJ0aWNhbEFsaWdubWVudCI6MCwiU21hcnRGb3JlZ3JvdW5kIjpudWxsLCJCYWNrZ3JvdW5kRmlsbFR5cGUiOjAsIk1hcmdpbiI6eyIkcmVmIjoiMTI4In0sIlBhZGRpbmciOnsiJHJlZiI6IjEyOSJ9LCJCYWNrZ3JvdW5kIjp7IiRpZCI6IjIzOCIsIkNvbG9yIjp7IiRpZCI6IjIzOSIsIkEiOjAsIlIiOjI1NSwiRyI6MjU1LCJCIjoyNTV9fSwiSXNWaXNpYmxlIjp0cnVlLCJXaWR0aCI6MC4wLCJIZWlnaHQiOjAuMCwiQm9yZGVyU3R5bGUiOnsiJGlkIjoiMjQwIiwiTGluZUNvbG9yIjpudWxsLCJMaW5lV2VpZ2h0IjowLjAsIkxpbmVUeXBlIjowLCJQYXJlbnRTdHlsZSI6bnVsbH0sIlBhcmVudFN0eWxlIjpudWxsfSwiSG9yaXpvbnRhbENvbm5lY3RvclN0eWxlIjp7IiRpZCI6IjI0MSIsIkxpbmVDb2xvciI6eyIkcmVmIjoiMTMyIn0sIkxpbmVXZWlnaHQiOjEuMCwiTGluZVR5cGUiOjAsIlBhcmVudFN0eWxlIjpudWxsfSwiVmVydGljYWxDb25uZWN0b3JTdHlsZSI6eyIkaWQiOiIyNDIiLCJMaW5lQ29sb3IiOnsiJHJlZiI6IjEzNSJ9LCJMaW5lV2VpZ2h0IjowLjAsIkxpbmVUeXBlIjowLCJQYXJlbnRTdHlsZSI6bnVsbH0sIk1hcmdpbiI6bnVsbCwiU3RhcnREYXRlUG9zaXRpb24iOjMsIkVuZERhdGVQb3NpdGlvbiI6MywiRGF0ZUlzVmlzaWJsZSI6dHJ1ZSwiVGl0bGVQb3NpdGlvbiI6NCwiRHVyYXRpb25Qb3NpdGlvbiI6MiwiUGVyY2VudGFnZUNvbXBsZXRlZFBvc2l0aW9uIjo2LCJTcGFjaW5nIjo1LCJJc0JlbG93VGltZWJhbmQiOmZhbHNlLCJQZXJjZW50YWdlQ29tcGxldGVTaGFwZU9wYWNpdHkiOjM1LCJTaGFwZVN0eWxlIjp7IiRpZCI6IjI0MyIsIk1hcmdpbiI6eyIkcmVmIjoiMTM4In0sIlBhZGRpbmciOnsiJHJlZiI6IjEzOSJ9LCJCYWNrZ3JvdW5kIjp7IiRpZCI6IjI0NCIsIkNvbG9yIjp7IiRpZCI6IjI0NSIsIkEiOjI1NSwiUiI6MTM5LCJHIjoyMTgsIkIiOjIzM319LCJJc1Zpc2libGUiOnRydWUsIldpZHRoIjowLjAsIkhlaWdodCI6MTYuMCwiQm9yZGVyU3R5bGUiOnsiJGlkIjoiMjQ2IiwiTGluZUNvbG9yIjp7IiRpZCI6IjI0NyIsIiR0eXBlIjoiTkxSRS5Db21tb24uRG9tLlNvbGlkQ29sb3JCcnVzaCwgTkxSRS5Db21tb24iLCJDb2xvciI6eyIkaWQiOiIyNDgiLCJBIjoyNTUsIlIiOjI1NSwiRyI6MCwiQiI6MH19LCJMaW5lV2VpZ2h0IjowLjAsIkxpbmVUeXBlIjowLCJQYXJlbnRTdHlsZSI6bnVsbH0sIlBhcmVudFN0eWxlIjpudWxsfSwiVGl0bGVTdHlsZSI6eyIkaWQiOiIyNDkiLCJGb250U2V0dGluZ3MiOnsiJGlkIjoiMjUwIiwiRm9udFNpemUiOjEyLCJGb250TmFtZSI6IkNhbGlicmkiLCJJc0JvbGQiOnRydWUsIklzSXRhbGljIjpmYWxzZSwiSXNVbmRlcmxpbmVkIjpmYWxzZSwiUGFyZW50U3R5bGUiOm51bGx9LCJBdXRvU2l6ZSI6MCwiRm9yZWdyb3VuZCI6eyIkaWQiOiIyNTEiLCJDb2xvciI6eyIkaWQiOiIyNTIiLCJBIjoyNTUsIlIiOjAsIkciOjAsIkIiOjB9fSwiTWF4V2lkdGgiOjcyMC4wLCJNYXhIZWlnaHQiOiJJbmZpbml0eSIsIlNtYXJ0Rm9yZWdyb3VuZElzQWN0aXZlIjpmYWxzZSwiSG9yaXpvbnRhbEFsaWdubWVudCI6MCwiVmVydGljYWxBbGlnbm1lbnQiOjAsIlNtYXJ0Rm9yZWdyb3VuZCI6bnVsbCwiQmFja2dyb3VuZEZpbGxUeXBlIjowLCJNYXJnaW4iOnsiJHJlZiI6IjE0OSJ9LCJQYWRkaW5nIjp7IiRyZWYiOiIxNTAifSwiQmFja2dyb3VuZCI6eyIkaWQiOiIyNTMiLCJDb2xvciI6eyIkaWQiOiIyNTQiLCJBIjowLCJSIjoyNTUsIkciOjI1NSwiQiI6MjU1fX0sIklzVmlzaWJsZSI6dHJ1ZSwiV2lkdGgiOjAuMCwiSGVpZ2h0IjowLjAsIkJvcmRlclN0eWxlIjp7IiRpZCI6IjI1NSIsIkxpbmVDb2xvciI6bnVsbCwiTGluZVdlaWdodCI6MC4wLCJMaW5lVHlwZSI6MCwiUGFyZW50U3R5bGUiOm51bGx9LCJQYXJlbnRTdHlsZSI6bnVsbH0sIkRhdGVTdHlsZSI6eyIkaWQiOiIyNTYiLCJGb250U2V0dGluZ3MiOnsiJGlkIjoiMjU3IiwiRm9udFNpemUiOjEwLCJGb250TmFtZSI6IkNhbGlicmkiLCJJc0JvbGQiOmZhbHNlLCJJc0l0YWxpYyI6ZmFsc2UsIklzVW5kZXJsaW5lZCI6ZmFsc2UsIlBhcmVudFN0eWxlIjpudWxsfSwiQXV0b1NpemUiOjAsIkZvcmVncm91bmQiOnsiJGlkIjoiMjU4IiwiQ29sb3IiOnsiJGlkIjoiMjU5IiwiQSI6MjU1LCJSIjo2OCwiRyI6ODQsIkIiOjEwNn19LCJNYXhXaWR0aCI6MjAwLjAsIk1heEhlaWdodCI6IkluZmluaXR5IiwiU21hcnRGb3JlZ3JvdW5kSXNBY3RpdmUiOmZhbHNlLCJIb3Jpem9udGFsQWxpZ25tZW50IjoyLCJWZXJ0aWNhbEFsaWdubWVudCI6MCwiU21hcnRGb3JlZ3JvdW5kIjpudWxsLCJCYWNrZ3JvdW5kRmlsbFR5cGUiOjAsIk1hcmdpbiI6eyIkcmVmIjoiMTU2In0sIlBhZGRpbmciOnsiJHJlZiI6IjE1NyJ9LCJCYWNrZ3JvdW5kIjp7IiRpZCI6IjI2MCIsIkNvbG9yIjp7IiRpZCI6IjI2MSIsIkEiOjAsIlIiOjI1NSwiRyI6MjU1LCJCIjoyNTV9fSwiSXNWaXNpYmxlIjp0cnVlLCJXaWR0aCI6MC4wLCJIZWlnaHQiOjAuMCwiQm9yZGVyU3R5bGUiOnsiJGlkIjoiMjYyIiwiTGluZUNvbG9yIjpudWxsLCJMaW5lV2VpZ2h0IjowLjAsIkxpbmVUeXBlIjowLCJQYXJlbnRTdHlsZSI6bnVsbH0sIlBhcmVudFN0eWxlIjpudWxsfSwiRGF0ZUZvcm1hdCI6eyIkaWQiOiIyNjMiLCJGb3JtYXRTdHJpbmciOiJNTU0gZCIsIlNlcGFyYXRvciI6Ii8iLCJVc2VJbnRlcm5hdGlvbmFsRGF0ZUZvcm1hdCI6ZmFsc2UsIkRhdGVJc1Zpc2libGUiOnRydWUsIlRpbWVJc1Zpc2libGUiOmZhbHNlLCJIb3VyRGlnaXRzIjoxLCJBbVBtRGVzaWduYXRvciI6MiwiVHJpbTAwTWludXRlcyI6ZmFsc2UsIkxhc3RLbm93blZpc2liaWxpdHlTdGF0ZSI6bnVsbH0sIldlZWtOdW1iZXJpbmciOnsiJGlkIjoiMjY0IiwiRm9ybWF0IjowLCJJc1Zpc2libGUiOmZhbHNlLCJMYXN0S25vd25WaXNpYmlsaXR5U3RhdGUiOmZhbHNlfSwiSXNWaXNpYmxlIjp0cnVlLCJQYXJlbnRTdHlsZSI6bnVsbH0sIkluZGV4IjoxLCJTbWFydER1cmF0aW9uQWN0aXZhdGVkIjpmYWxzZSwiRGF0ZUZvcm1hdCI6eyIkcmVmIjoiMjYzIn0sIldlZWtOdW1iZXJpbmciOnsiJGlkIjoiMjY1IiwiRm9ybWF0IjowLCJJc1Zpc2libGUiOmZhbHNlLCJMYXN0S25vd25WaXNpYmlsaXR5U3RhdGUiOmZhbHNlfSwiSWQiOiI5ODk3NTM0YS0wZWEyLTQ0ZWItYmVhZi00MTRkYmFkOTU3OTIiLCJJbXBvcnRJZCI6bnVsbCwiVGl0bGUiOiJMaXRlcmF0dXJlIHJldmlldyBkcmFmdCIsIk5vdGUiOm51bGwsIkh5cGVybGluayI6eyIkaWQiOiIyNjYiLCJBZGRyZXNzIjoiIiwiU3ViQWRkcmVzcyI6IiJ9LCJJc0NoYW5nZWQiOmZhbHNlLCJJc05ldyI6ZmFsc2V9LHsiJGlkIjoiMjY3IiwiR3JvdXBOYW1lIjpudWxsLCJTdGFydERhdGUiOiIyMDIyLTAzLTI4VDAwOjAwOjAwWiIsIkVuZERhdGUiOiIyMDIyLTA0LTAxVDIzOjU5OjAwWiIsIlBlcmNlbnRhZ2VDb21wbGV0ZSI6bnVsbCwiU3R5bGUiOnsiJGlkIjoiMjY4IiwiU2hhcGUiOjEsIlNoYXBlVGhpY2tuZXNzIjoxLCJEdXJhdGlvbkZvcm1hdCI6MCwiSW5jbHVkZU5vbldvcmtpbmdEYXlzSW5EdXJhdGlvbiI6ZmFsc2UsIlBlcmNlbnRhZ2VDb21wbGV0ZVN0eWxlIjp7IiRpZCI6IjI2OSIsIkZvbnRTZXR0aW5ncyI6eyIkaWQiOiIyNzAiLCJGb250U2l6ZSI6MTAsIkZvbnROYW1lIjoiQ2FsaWJyaSIsIklzQm9sZCI6ZmFsc2UsIklzSXRhbGljIjpmYWxzZSwiSXNVbmRlcmxpbmVkIjpmYWxzZSwiUGFyZW50U3R5bGUiOm51bGx9LCJBdXRvU2l6ZSI6MCwiRm9yZWdyb3VuZCI6eyIkcmVmIjoiMTE5In0sIk1heFdpZHRoIjoyMDAuMCwiTWF4SGVpZ2h0IjoiSW5maW5pdHkiLCJTbWFydEZvcmVncm91bmRJc0FjdGl2ZSI6ZmFsc2UsIkhvcml6b250YWxBbGlnbm1lbnQiOjAsIlZlcnRpY2FsQWxpZ25tZW50IjowLCJTbWFydEZvcmVncm91bmQiOm51bGwsIkJhY2tncm91bmRGaWxsVHlwZSI6MCwiTWFyZ2luIjp7IiRyZWYiOiIxMjEifSwiUGFkZGluZyI6eyIkcmVmIjoiMTIyIn0sIkJhY2tncm91bmQiOnsiJHJlZiI6IjEyMyJ9LCJJc1Zpc2libGUiOnRydWUsIldpZHRoIjowLjAsIkhlaWdodCI6MC4wLCJCb3JkZXJTdHlsZSI6eyIkaWQiOiIyNzEiLCJMaW5lQ29sb3IiOm51bGwsIkxpbmVXZWlnaHQiOjAuMCwiTGluZVR5cGUiOjAsIlBhcmVudFN0eWxlIjpudWxsfSwiUGFyZW50U3R5bGUiOm51bGx9LCJEdXJhdGlvblN0eWxlIjp7IiRpZCI6IjI3MiIsIkZvbnRTZXR0aW5ncyI6eyIkaWQiOiIyNzMiLCJGb250U2l6ZSI6MTAsIkZvbnROYW1lIjoiQ2FsaWJyaSIsIklzQm9sZCI6ZmFsc2UsIklzSXRhbGljIjpmYWxzZSwiSXNVbmRlcmxpbmVkIjpmYWxzZSwiUGFyZW50U3R5bGUiOm51bGx9LCJBdXRvU2l6ZSI6MCwiRm9yZWdyb3VuZCI6eyIkaWQiOiIyNzQiLCJDb2xvciI6eyIkaWQiOiIyNzUiLCJBIjoyNTUsIlIiOjAsIkciOjAsIkIiOjB9fSwiTWF4V2lkdGgiOjIwMC4wLCJNYXhIZWlnaHQiOiJJbmZpbml0eSIsIlNtYXJ0Rm9yZWdyb3VuZElzQWN0aXZlIjpmYWxzZSwiSG9yaXpvbnRhbEFsaWdubWVudCI6MSwiVmVydGljYWxBbGlnbm1lbnQiOjAsIlNtYXJ0Rm9yZWdyb3VuZCI6bnVsbCwiQmFja2dyb3VuZEZpbGxUeXBlIjowLCJNYXJnaW4iOnsiJHJlZiI6IjEyOCJ9LCJQYWRkaW5nIjp7IiRyZWYiOiIxMjkifSwiQmFja2dyb3VuZCI6eyIkaWQiOiIyNzYiLCJDb2xvciI6eyIkaWQiOiIyNzciLCJBIjowLCJSIjoyNTUsIkciOjI1NSwiQiI6MjU1fX0sIklzVmlzaWJsZSI6dHJ1ZSwiV2lkdGgiOjAuMCwiSGVpZ2h0IjowLjAsIkJvcmRlclN0eWxlIjp7IiRpZCI6IjI3OCIsIkxpbmVDb2xvciI6bnVsbCwiTGluZVdlaWdodCI6MC4wLCJMaW5lVHlwZSI6MCwiUGFyZW50U3R5bGUiOm51bGx9LCJQYXJlbnRTdHlsZSI6bnVsbH0sIkhvcml6b250YWxDb25uZWN0b3JTdHlsZSI6eyIkaWQiOiIyNzkiLCJMaW5lQ29sb3IiOnsiJHJlZiI6IjEzMiJ9LCJMaW5lV2VpZ2h0IjoxLjAsIkxpbmVUeXBlIjowLCJQYXJlbnRTdHlsZSI6bnVsbH0sIlZlcnRpY2FsQ29ubmVjdG9yU3R5bGUiOnsiJGlkIjoiMjgwIiwiTGluZUNvbG9yIjp7IiRyZWYiOiIxMzUifSwiTGluZVdlaWdodCI6MC4wLCJMaW5lVHlwZSI6MCwiUGFyZW50U3R5bGUiOm51bGx9LCJNYXJnaW4iOm51bGwsIlN0YXJ0RGF0ZVBvc2l0aW9uIjozLCJFbmREYXRlUG9zaXRpb24iOjMsIkRhdGVJc1Zpc2libGUiOnRydWUsIlRpdGxlUG9zaXRpb24iOjQsIkR1cmF0aW9uUG9zaXRpb24iOjIsIlBlcmNlbnRhZ2VDb21wbGV0ZWRQb3NpdGlvbiI6NiwiU3BhY2luZyI6NSwiSXNCZWxvd1RpbWViYW5kIjpmYWxzZSwiUGVyY2VudGFnZUNvbXBsZXRlU2hhcGVPcGFjaXR5IjozNSwiU2hhcGVTdHlsZSI6eyIkaWQiOiIyODEiLCJNYXJnaW4iOnsiJHJlZiI6IjEzOCJ9LCJQYWRkaW5nIjp7IiRyZWYiOiIxMzkifSwiQmFja2dyb3VuZCI6eyIkaWQiOiIyODIiLCJDb2xvciI6eyIkaWQiOiIyODMiLCJBIjoyNTUsIlIiOjEzOSwiRyI6MjE4LCJCIjoyMzN9fSwiSXNWaXNpYmxlIjp0cnVlLCJXaWR0aCI6MC4wLCJIZWlnaHQiOjE2LjAsIkJvcmRlclN0eWxlIjp7IiRpZCI6IjI4NCIsIkxpbmVDb2xvciI6eyIkcmVmIjoiMjQ3In0sIkxpbmVXZWlnaHQiOjAuMCwiTGluZVR5cGUiOjAsIlBhcmVudFN0eWxlIjpudWxsfSwiUGFyZW50U3R5bGUiOm51bGx9LCJUaXRsZVN0eWxlIjp7IiRpZCI6IjI4NSIsIkZvbnRTZXR0aW5ncyI6eyIkaWQiOiIyODYiLCJGb250U2l6ZSI6MTIsIkZvbnROYW1lIjoiQ2FsaWJyaSIsIklzQm9sZCI6dHJ1ZSwiSXNJdGFsaWMiOmZhbHNlLCJJc1VuZGVybGluZWQiOmZhbHNlLCJQYXJlbnRTdHlsZSI6bnVsbH0sIkF1dG9TaXplIjowLCJGb3JlZ3JvdW5kIjp7IiRpZCI6IjI4NyIsIkNvbG9yIjp7IiRpZCI6IjI4OCIsIkEiOjI1NSwiUiI6MCwiRyI6MCwiQiI6MH19LCJNYXhXaWR0aCI6NzIwLjAsIk1heEhlaWdodCI6IkluZmluaXR5IiwiU21hcnRGb3JlZ3JvdW5kSXNBY3RpdmUiOmZhbHNlLCJIb3Jpem9udGFsQWxpZ25tZW50IjowLCJWZXJ0aWNhbEFsaWdubWVudCI6MCwiU21hcnRGb3JlZ3JvdW5kIjpudWxsLCJCYWNrZ3JvdW5kRmlsbFR5cGUiOjAsIk1hcmdpbiI6eyIkcmVmIjoiMTQ5In0sIlBhZGRpbmciOnsiJHJlZiI6IjE1MCJ9LCJCYWNrZ3JvdW5kIjp7IiRpZCI6IjI4OSIsIkNvbG9yIjp7IiRpZCI6IjI5MCIsIkEiOjAsIlIiOjI1NSwiRyI6MjU1LCJCIjoyNTV9fSwiSXNWaXNpYmxlIjp0cnVlLCJXaWR0aCI6MC4wLCJIZWlnaHQiOjAuMCwiQm9yZGVyU3R5bGUiOnsiJGlkIjoiMjkxIiwiTGluZUNvbG9yIjpudWxsLCJMaW5lV2VpZ2h0IjowLjAsIkxpbmVUeXBlIjowLCJQYXJlbnRTdHlsZSI6bnVsbH0sIlBhcmVudFN0eWxlIjpudWxsfSwiRGF0ZVN0eWxlIjp7IiRpZCI6IjI5MiIsIkZvbnRTZXR0aW5ncyI6eyIkaWQiOiIyOTMiLCJGb250U2l6ZSI6MTAsIkZvbnROYW1lIjoiQ2FsaWJyaSIsIklzQm9sZCI6ZmFsc2UsIklzSXRhbGljIjpmYWxzZSwiSXNVbmRlcmxpbmVkIjpmYWxzZSwiUGFyZW50U3R5bGUiOm51bGx9LCJBdXRvU2l6ZSI6MCwiRm9yZWdyb3VuZCI6eyIkaWQiOiIyOTQiLCJDb2xvciI6eyIkaWQiOiIyOTUiLCJBIjoyNTUsIlIiOjY4LCJHIjo4NCwiQiI6MTA2fX0sIk1heFdpZHRoIjoyMDAuMCwiTWF4SGVpZ2h0IjoiSW5maW5pdHkiLCJTbWFydEZvcmVncm91bmRJc0FjdGl2ZSI6ZmFsc2UsIkhvcml6b250YWxBbGlnbm1lbnQiOjIsIlZlcnRpY2FsQWxpZ25tZW50IjowLCJTbWFydEZvcmVncm91bmQiOm51bGwsIkJhY2tncm91bmRGaWxsVHlwZSI6MCwiTWFyZ2luIjp7IiRyZWYiOiIxNTYifSwiUGFkZGluZyI6eyIkcmVmIjoiMTU3In0sIkJhY2tncm91bmQiOnsiJGlkIjoiMjk2IiwiQ29sb3IiOnsiJGlkIjoiMjk3IiwiQSI6MCwiUiI6MjU1LCJHIjoyNTUsIkIiOjI1NX19LCJJc1Zpc2libGUiOnRydWUsIldpZHRoIjowLjAsIkhlaWdodCI6MC4wLCJCb3JkZXJTdHlsZSI6eyIkaWQiOiIyOTgiLCJMaW5lQ29sb3IiOm51bGwsIkxpbmVXZWlnaHQiOjAuMCwiTGluZVR5cGUiOjAsIlBhcmVudFN0eWxlIjpudWxsfSwiUGFyZW50U3R5bGUiOm51bGx9LCJEYXRlRm9ybWF0Ijp7IiRyZWYiOiIyNjMifSwiV2Vla051bWJlcmluZyI6eyIkaWQiOiIyOTkiLCJGb3JtYXQiOjAsIklzVmlzaWJsZSI6ZmFsc2UsIkxhc3RLbm93blZpc2liaWxpdHlTdGF0ZSI6ZmFsc2V9LCJJc1Zpc2libGUiOnRydWUsIlBhcmVudFN0eWxlIjpudWxsfSwiSW5kZXgiOjIsIlNtYXJ0RHVyYXRpb25BY3RpdmF0ZWQiOmZhbHNlLCJEYXRlRm9ybWF0Ijp7IiRyZWYiOiIyNjMifSwiV2Vla051bWJlcmluZyI6eyIkaWQiOiIzMDAiLCJGb3JtYXQiOjAsIklzVmlzaWJsZSI6ZmFsc2UsIkxhc3RLbm93blZpc2liaWxpdHlTdGF0ZSI6ZmFsc2V9LCJJZCI6ImQxMDA3YjM0LTA0N2MtNDk0Ny04YWFkLWJkYTY0YzMxMGE2ZSIsIkltcG9ydElkIjpudWxsLCJUaXRsZSI6IkZpbmFsIGxpdGVyYXR1cmUgcmV2aWV3IiwiTm90ZSI6bnVsbCwiSHlwZXJsaW5rIjp7IiRpZCI6IjMwMSIsIkFkZHJlc3MiOiIiLCJTdWJBZGRyZXNzIjoiIn0sIklzQ2hhbmdlZCI6ZmFsc2UsIklzTmV3IjpmYWxzZX0seyIkaWQiOiIzMDIiLCJHcm91cE5hbWUiOm51bGwsIlN0YXJ0RGF0ZSI6IjIwMjItMDMtMjhUMDA6MDA6MDBaIiwiRW5kRGF0ZSI6IjIwMjItMDMtMjlUMjM6NTk6MDBaIiwiUGVyY2VudGFnZUNvbXBsZXRlIjpudWxsLCJTdHlsZSI6eyIkaWQiOiIzMDMiLCJTaGFwZSI6MSwiU2hhcGVUaGlja25lc3MiOjEsIkR1cmF0aW9uRm9ybWF0IjowLCJJbmNsdWRlTm9uV29ya2luZ0RheXNJbkR1cmF0aW9uIjpmYWxzZSwiUGVyY2VudGFnZUNvbXBsZXRlU3R5bGUiOnsiJGlkIjoiMzA0IiwiRm9udFNldHRpbmdzIjp7IiRpZCI6IjMwNSIsIkZvbnRTaXplIjoxMCwiRm9udE5hbWUiOiJDYWxpYnJpIiwiSXNCb2xkIjpmYWxzZSwiSXNJdGFsaWMiOmZhbHNlLCJJc1VuZGVybGluZWQiOmZhbHNlLCJQYXJlbnRTdHlsZSI6bnVsbH0sIkF1dG9TaXplIjowLCJGb3JlZ3JvdW5kIjp7IiRyZWYiOiIxMTkifSwiTWF4V2lkdGgiOjIwMC4wLCJNYXhIZWlnaHQiOiJJbmZpbml0eSIsIlNtYXJ0Rm9yZWdyb3VuZElzQWN0aXZlIjpmYWxzZSwiSG9yaXpvbnRhbEFsaWdubWVudCI6MCwiVmVydGljYWxBbGlnbm1lbnQiOjAsIlNtYXJ0Rm9yZWdyb3VuZCI6bnVsbCwiQmFja2dyb3VuZEZpbGxUeXBlIjowLCJNYXJnaW4iOnsiJHJlZiI6IjEyMSJ9LCJQYWRkaW5nIjp7IiRyZWYiOiIxMjIifSwiQmFja2dyb3VuZCI6eyIkcmVmIjoiMTIzIn0sIklzVmlzaWJsZSI6dHJ1ZSwiV2lkdGgiOjAuMCwiSGVpZ2h0IjowLjAsIkJvcmRlclN0eWxlIjp7IiRpZCI6IjMwNiIsIkxpbmVDb2xvciI6bnVsbCwiTGluZVdlaWdodCI6MC4wLCJMaW5lVHlwZSI6MCwiUGFyZW50U3R5bGUiOm51bGx9LCJQYXJlbnRTdHlsZSI6bnVsbH0sIkR1cmF0aW9uU3R5bGUiOnsiJGlkIjoiMzA3IiwiRm9udFNldHRpbmdzIjp7IiRpZCI6IjMwOCIsIkZvbnRTaXplIjoxMCwiRm9udE5hbWUiOiJDYWxpYnJpIiwiSXNCb2xkIjpmYWxzZSwiSXNJdGFsaWMiOmZhbHNlLCJJc1VuZGVybGluZWQiOmZhbHNlLCJQYXJlbnRTdHlsZSI6bnVsbH0sIkF1dG9TaXplIjowLCJGb3JlZ3JvdW5kIjp7IiRpZCI6IjMwOSIsIkNvbG9yIjp7IiRpZCI6IjMxMCIsIkEiOjI1NSwiUiI6MCwiRyI6MCwiQiI6MH19LCJNYXhXaWR0aCI6MjAwLjAsIk1heEhlaWdodCI6IkluZmluaXR5IiwiU21hcnRGb3JlZ3JvdW5kSXNBY3RpdmUiOmZhbHNlLCJIb3Jpem9udGFsQWxpZ25tZW50IjoxLCJWZXJ0aWNhbEFsaWdubWVudCI6MCwiU21hcnRGb3JlZ3JvdW5kIjpudWxsLCJCYWNrZ3JvdW5kRmlsbFR5cGUiOjAsIk1hcmdpbiI6eyIkcmVmIjoiMTI4In0sIlBhZGRpbmciOnsiJHJlZiI6IjEyOSJ9LCJCYWNrZ3JvdW5kIjp7IiRpZCI6IjMxMSIsIkNvbG9yIjp7IiRpZCI6IjMxMiIsIkEiOjAsIlIiOjI1NSwiRyI6MjU1LCJCIjoyNTV9fSwiSXNWaXNpYmxlIjp0cnVlLCJXaWR0aCI6MC4wLCJIZWlnaHQiOjAuMCwiQm9yZGVyU3R5bGUiOnsiJGlkIjoiMzEzIiwiTGluZUNvbG9yIjpudWxsLCJMaW5lV2VpZ2h0IjowLjAsIkxpbmVUeXBlIjowLCJQYXJlbnRTdHlsZSI6bnVsbH0sIlBhcmVudFN0eWxlIjpudWxsfSwiSG9yaXpvbnRhbENvbm5lY3RvclN0eWxlIjp7IiRpZCI6IjMxNCIsIkxpbmVDb2xvciI6eyIkcmVmIjoiMTMyIn0sIkxpbmVXZWlnaHQiOjEuMCwiTGluZVR5cGUiOjAsIlBhcmVudFN0eWxlIjpudWxsfSwiVmVydGljYWxDb25uZWN0b3JTdHlsZSI6eyIkaWQiOiIzMTUiLCJMaW5lQ29sb3IiOnsiJHJlZiI6IjEzNSJ9LCJMaW5lV2VpZ2h0IjowLjAsIkxpbmVUeXBlIjowLCJQYXJlbnRTdHlsZSI6bnVsbH0sIk1hcmdpbiI6bnVsbCwiU3RhcnREYXRlUG9zaXRpb24iOjMsIkVuZERhdGVQb3NpdGlvbiI6MywiRGF0ZUlzVmlzaWJsZSI6dHJ1ZSwiVGl0bGVQb3NpdGlvbiI6NCwiRHVyYXRpb25Qb3NpdGlvbiI6MiwiUGVyY2VudGFnZUNvbXBsZXRlZFBvc2l0aW9uIjo2LCJTcGFjaW5nIjo1LCJJc0JlbG93VGltZWJhbmQiOmZhbHNlLCJQZXJjZW50YWdlQ29tcGxldGVTaGFwZU9wYWNpdHkiOjM1LCJTaGFwZVN0eWxlIjp7IiRpZCI6IjMxNiIsIk1hcmdpbiI6eyIkcmVmIjoiMTM4In0sIlBhZGRpbmciOnsiJHJlZiI6IjEzOSJ9LCJCYWNrZ3JvdW5kIjp7IiRpZCI6IjMxNyIsIkNvbG9yIjp7IiRpZCI6IjMxOCIsIkEiOjI1NSwiUiI6MTkyLCJHIjoxNTgsIkIiOjIyNn19LCJJc1Zpc2libGUiOnRydWUsIldpZHRoIjowLjAsIkhlaWdodCI6MTYuMCwiQm9yZGVyU3R5bGUiOnsiJGlkIjoiMzE5IiwiTGluZUNvbG9yIjp7IiRyZWYiOiIyNDcifSwiTGluZVdlaWdodCI6MC4wLCJMaW5lVHlwZSI6MCwiUGFyZW50U3R5bGUiOm51bGx9LCJQYXJlbnRTdHlsZSI6bnVsbH0sIlRpdGxlU3R5bGUiOnsiJGlkIjoiMzIwIiwiRm9udFNldHRpbmdzIjp7IiRpZCI6IjMyMSIsIkZvbnRTaXplIjoxMiwiRm9udE5hbWUiOiJDYWxpYnJpIiwiSXNCb2xkIjp0cnVlLCJJc0l0YWxpYyI6ZmFsc2UsIklzVW5kZXJsaW5lZCI6ZmFsc2UsIlBhcmVudFN0eWxlIjpudWxsfSwiQXV0b1NpemUiOjAsIkZvcmVncm91bmQiOnsiJGlkIjoiMzIyIiwiQ29sb3IiOnsiJGlkIjoiMzIzIiwiQSI6MjU1LCJSIjowLCJHIjowLCJCIjowfX0sIk1heFdpZHRoIjo3MjAuMCwiTWF4SGVpZ2h0IjoiSW5maW5pdHkiLCJTbWFydEZvcmVncm91bmRJc0FjdGl2ZSI6ZmFsc2UsIkhvcml6b250YWxBbGlnbm1lbnQiOjAsIlZlcnRpY2FsQWxpZ25tZW50IjowLCJTbWFydEZvcmVncm91bmQiOm51bGwsIkJhY2tncm91bmRGaWxsVHlwZSI6MCwiTWFyZ2luIjp7IiRyZWYiOiIxNDkifSwiUGFkZGluZyI6eyIkcmVmIjoiMTUwIn0sIkJhY2tncm91bmQiOnsiJGlkIjoiMzI0IiwiQ29sb3IiOnsiJGlkIjoiMzI1IiwiQSI6MCwiUiI6MjU1LCJHIjoyNTUsIkIiOjI1NX19LCJJc1Zpc2libGUiOnRydWUsIldpZHRoIjowLjAsIkhlaWdodCI6MC4wLCJCb3JkZXJTdHlsZSI6eyIkaWQiOiIzMjYiLCJMaW5lQ29sb3IiOm51bGwsIkxpbmVXZWlnaHQiOjAuMCwiTGluZVR5cGUiOjAsIlBhcmVudFN0eWxlIjpudWxsfSwiUGFyZW50U3R5bGUiOm51bGx9LCJEYXRlU3R5bGUiOnsiJGlkIjoiMzI3IiwiRm9udFNldHRpbmdzIjp7IiRpZCI6IjMyOCIsIkZvbnRTaXplIjoxMCwiRm9udE5hbWUiOiJDYWxpYnJpIiwiSXNCb2xkIjpmYWxzZSwiSXNJdGFsaWMiOmZhbHNlLCJJc1VuZGVybGluZWQiOmZhbHNlLCJQYXJlbnRTdHlsZSI6bnVsbH0sIkF1dG9TaXplIjowLCJGb3JlZ3JvdW5kIjp7IiRpZCI6IjMyOSIsIkNvbG9yIjp7IiRpZCI6IjMzMCIsIkEiOjI1NSwiUiI6NjgsIkciOjg0LCJCIjoxMDZ9fSwiTWF4V2lkdGgiOjIwMC4wLCJNYXhIZWlnaHQiOiJJbmZpbml0eSIsIlNtYXJ0Rm9yZWdyb3VuZElzQWN0aXZlIjpmYWxzZSwiSG9yaXpvbnRhbEFsaWdubWVudCI6MiwiVmVydGljYWxBbGlnbm1lbnQiOjAsIlNtYXJ0Rm9yZWdyb3VuZCI6bnVsbCwiQmFja2dyb3VuZEZpbGxUeXBlIjowLCJNYXJnaW4iOnsiJHJlZiI6IjE1NiJ9LCJQYWRkaW5nIjp7IiRyZWYiOiIxNTcifSwiQmFja2dyb3VuZCI6eyIkaWQiOiIzMzEiLCJDb2xvciI6eyIkaWQiOiIzMzIiLCJBIjowLCJSIjoyNTUsIkciOjI1NSwiQiI6MjU1fX0sIklzVmlzaWJsZSI6dHJ1ZSwiV2lkdGgiOjAuMCwiSGVpZ2h0IjowLjAsIkJvcmRlclN0eWxlIjp7IiRpZCI6IjMzMyIsIkxpbmVDb2xvciI6bnVsbCwiTGluZVdlaWdodCI6MC4wLCJMaW5lVHlwZSI6MCwiUGFyZW50U3R5bGUiOm51bGx9LCJQYXJlbnRTdHlsZSI6bnVsbH0sIkRhdGVGb3JtYXQiOnsiJHJlZiI6IjI2MyJ9LCJXZWVrTnVtYmVyaW5nIjp7IiRpZCI6IjMzNCIsIkZvcm1hdCI6MCwiSXNWaXNpYmxlIjpmYWxzZSwiTGFzdEtub3duVmlzaWJpbGl0eVN0YXRlIjpmYWxzZX0sIklzVmlzaWJsZSI6dHJ1ZSwiUGFyZW50U3R5bGUiOm51bGx9LCJJbmRleCI6MywiU21hcnREdXJhdGlvbkFjdGl2YXRlZCI6ZmFsc2UsIkRhdGVGb3JtYXQiOnsiJHJlZiI6IjI2MyJ9LCJXZWVrTnVtYmVyaW5nIjp7IiRpZCI6IjMzNSIsIkZvcm1hdCI6MCwiSXNWaXNpYmxlIjpmYWxzZSwiTGFzdEtub3duVmlzaWJpbGl0eVN0YXRlIjpmYWxzZX0sIklkIjoiOTNlZTE1MGMtOWQ3Yi00ZWUwLWI4MWQtNzcyZDgyMWJmODBiIiwiSW1wb3J0SWQiOm51bGwsIlRpdGxlIjoiRmluZCBleGFtcGxlIFJSQlMgZGF0YSBzZXQiLCJOb3RlIjpudWxsLCJIeXBlcmxpbmsiOnsiJGlkIjoiMzM2IiwiQWRkcmVzcyI6IiIsIlN1YkFkZHJlc3MiOiIifSwiSXNDaGFuZ2VkIjpmYWxzZSwiSXNOZXciOmZhbHNlfSx7IiRpZCI6IjMzNyIsIkdyb3VwTmFtZSI6bnVsbCwiU3RhcnREYXRlIjoiMjAyMi0wMy0zMFQwMDowMDowMFoiLCJFbmREYXRlIjoiMjAyMi0wNC0wN1QyMzo1OTowMFoiLCJQZXJjZW50YWdlQ29tcGxldGUiOm51bGwsIlN0eWxlIjp7IiRpZCI6IjMzOCIsIlNoYXBlIjoxLCJTaGFwZVRoaWNrbmVzcyI6MSwiRHVyYXRpb25Gb3JtYXQiOjAsIkluY2x1ZGVOb25Xb3JraW5nRGF5c0luRHVyYXRpb24iOmZhbHNlLCJQZXJjZW50YWdlQ29tcGxldGVTdHlsZSI6eyIkaWQiOiIzMzkiLCJGb250U2V0dGluZ3MiOnsiJGlkIjoiMzQwIiwiRm9udFNpemUiOjEwLCJGb250TmFtZSI6IkNhbGlicmkiLCJJc0JvbGQiOmZhbHNlLCJJc0l0YWxpYyI6ZmFsc2UsIklzVW5kZXJsaW5lZCI6ZmFsc2UsIlBhcmVudFN0eWxlIjpudWxsfSwiQXV0b1NpemUiOjAsIkZvcmVncm91bmQiOnsiJHJlZiI6IjExOSJ9LCJNYXhXaWR0aCI6MjAwLjAsIk1heEhlaWdodCI6IkluZmluaXR5IiwiU21hcnRGb3JlZ3JvdW5kSXNBY3RpdmUiOmZhbHNlLCJIb3Jpem9udGFsQWxpZ25tZW50IjowLCJWZXJ0aWNhbEFsaWdubWVudCI6MCwiU21hcnRGb3JlZ3JvdW5kIjpudWxsLCJCYWNrZ3JvdW5kRmlsbFR5cGUiOjAsIk1hcmdpbiI6eyIkcmVmIjoiMTIxIn0sIlBhZGRpbmciOnsiJHJlZiI6IjEyMiJ9LCJCYWNrZ3JvdW5kIjp7IiRyZWYiOiIxMjMifSwiSXNWaXNpYmxlIjp0cnVlLCJXaWR0aCI6MC4wLCJIZWlnaHQiOjAuMCwiQm9yZGVyU3R5bGUiOnsiJGlkIjoiMzQxIiwiTGluZUNvbG9yIjpudWxsLCJMaW5lV2VpZ2h0IjowLjAsIkxpbmVUeXBlIjowLCJQYXJlbnRTdHlsZSI6bnVsbH0sIlBhcmVudFN0eWxlIjpudWxsfSwiRHVyYXRpb25TdHlsZSI6eyIkaWQiOiIzNDIiLCJGb250U2V0dGluZ3MiOnsiJGlkIjoiMzQzIiwiRm9udFNpemUiOjEwLCJGb250TmFtZSI6IkNhbGlicmkiLCJJc0JvbGQiOmZhbHNlLCJJc0l0YWxpYyI6ZmFsc2UsIklzVW5kZXJsaW5lZCI6ZmFsc2UsIlBhcmVudFN0eWxlIjpudWxsfSwiQXV0b1NpemUiOjAsIkZvcmVncm91bmQiOnsiJGlkIjoiMzQ0IiwiQ29sb3IiOnsiJGlkIjoiMzQ1IiwiQSI6MjU1LCJSIjowLCJHIjowLCJCIjowfX0sIk1heFdpZHRoIjoyMDAuMCwiTWF4SGVpZ2h0IjoiSW5maW5pdHkiLCJTbWFydEZvcmVncm91bmRJc0FjdGl2ZSI6ZmFsc2UsIkhvcml6b250YWxBbGlnbm1lbnQiOjEsIlZlcnRpY2FsQWxpZ25tZW50IjowLCJTbWFydEZvcmVncm91bmQiOm51bGwsIkJhY2tncm91bmRGaWxsVHlwZSI6MCwiTWFyZ2luIjp7IiRyZWYiOiIxMjgifSwiUGFkZGluZyI6eyIkcmVmIjoiMTI5In0sIkJhY2tncm91bmQiOnsiJGlkIjoiMzQ2IiwiQ29sb3IiOnsiJGlkIjoiMzQ3IiwiQSI6MCwiUiI6MjU1LCJHIjoyNTUsIkIiOjI1NX19LCJJc1Zpc2libGUiOnRydWUsIldpZHRoIjowLjAsIkhlaWdodCI6MC4wLCJCb3JkZXJTdHlsZSI6eyIkaWQiOiIzNDgiLCJMaW5lQ29sb3IiOm51bGwsIkxpbmVXZWlnaHQiOjAuMCwiTGluZVR5cGUiOjAsIlBhcmVudFN0eWxlIjpudWxsfSwiUGFyZW50U3R5bGUiOm51bGx9LCJIb3Jpem9udGFsQ29ubmVjdG9yU3R5bGUiOnsiJGlkIjoiMzQ5IiwiTGluZUNvbG9yIjp7IiRyZWYiOiIxMzIifSwiTGluZVdlaWdodCI6MS4wLCJMaW5lVHlwZSI6MCwiUGFyZW50U3R5bGUiOm51bGx9LCJWZXJ0aWNhbENvbm5lY3RvclN0eWxlIjp7IiRpZCI6IjM1MCIsIkxpbmVDb2xvciI6eyIkcmVmIjoiMTM1In0sIkxpbmVXZWlnaHQiOjAuMCwiTGluZVR5cGUiOjAsIlBhcmVudFN0eWxlIjpudWxsfSwiTWFyZ2luIjpudWxsLCJTdGFydERhdGVQb3NpdGlvbiI6MywiRW5kRGF0ZVBvc2l0aW9uIjozLCJEYXRlSXNWaXNpYmxlIjp0cnVlLCJUaXRsZVBvc2l0aW9uIjo0LCJEdXJhdGlvblBvc2l0aW9uIjoyLCJQZXJjZW50YWdlQ29tcGxldGVkUG9zaXRpb24iOjYsIlNwYWNpbmciOjUsIklzQmVsb3dUaW1lYmFuZCI6ZmFsc2UsIlBlcmNlbnRhZ2VDb21wbGV0ZVNoYXBlT3BhY2l0eSI6MzUsIlNoYXBlU3R5bGUiOnsiJGlkIjoiMzUxIiwiTWFyZ2luIjp7IiRyZWYiOiIxMzgifSwiUGFkZGluZyI6eyIkcmVmIjoiMTM5In0sIkJhY2tncm91bmQiOnsiJGlkIjoiMzUyIiwiQ29sb3IiOnsiJGlkIjoiMzUzIiwiQSI6MjU1LCJSIjoxOTIsIkciOjE1OCwiQiI6MjI2fX0sIklzVmlzaWJsZSI6dHJ1ZSwiV2lkdGgiOjAuMCwiSGVpZ2h0IjoxNi4wLCJCb3JkZXJTdHlsZSI6eyIkaWQiOiIzNTQiLCJMaW5lQ29sb3IiOnsiJHJlZiI6IjI0NyJ9LCJMaW5lV2VpZ2h0IjowLjAsIkxpbmVUeXBlIjowLCJQYXJlbnRTdHlsZSI6bnVsbH0sIlBhcmVudFN0eWxlIjpudWxsfSwiVGl0bGVTdHlsZSI6eyIkaWQiOiIzNTUiLCJGb250U2V0dGluZ3MiOnsiJGlkIjoiMzU2IiwiRm9udFNpemUiOjEyLCJGb250TmFtZSI6IkNhbGlicmkiLCJJc0JvbGQiOnRydWUsIklzSXRhbGljIjpmYWxzZSwiSXNVbmRlcmxpbmVkIjpmYWxzZSwiUGFyZW50U3R5bGUiOm51bGx9LCJBdXRvU2l6ZSI6MCwiRm9yZWdyb3VuZCI6eyIkaWQiOiIzNTciLCJDb2xvciI6eyIkaWQiOiIzNTgiLCJBIjoyNTUsIlIiOjAsIkciOjAsIkIiOjB9fSwiTWF4V2lkdGgiOjcyMC4wLCJNYXhIZWlnaHQiOiJJbmZpbml0eSIsIlNtYXJ0Rm9yZWdyb3VuZElzQWN0aXZlIjpmYWxzZSwiSG9yaXpvbnRhbEFsaWdubWVudCI6MCwiVmVydGljYWxBbGlnbm1lbnQiOjAsIlNtYXJ0Rm9yZWdyb3VuZCI6bnVsbCwiQmFja2dyb3VuZEZpbGxUeXBlIjowLCJNYXJnaW4iOnsiJHJlZiI6IjE0OSJ9LCJQYWRkaW5nIjp7IiRyZWYiOiIxNTAifSwiQmFja2dyb3VuZCI6eyIkaWQiOiIzNTkiLCJDb2xvciI6eyIkaWQiOiIzNjAiLCJBIjowLCJSIjoyNTUsIkciOjI1NSwiQiI6MjU1fX0sIklzVmlzaWJsZSI6dHJ1ZSwiV2lkdGgiOjAuMCwiSGVpZ2h0IjowLjAsIkJvcmRlclN0eWxlIjp7IiRpZCI6IjM2MSIsIkxpbmVDb2xvciI6bnVsbCwiTGluZVdlaWdodCI6MC4wLCJMaW5lVHlwZSI6MCwiUGFyZW50U3R5bGUiOm51bGx9LCJQYXJlbnRTdHlsZSI6bnVsbH0sIkRhdGVTdHlsZSI6eyIkaWQiOiIzNjIiLCJGb250U2V0dGluZ3MiOnsiJGlkIjoiMzYzIiwiRm9udFNpemUiOjEwLCJGb250TmFtZSI6IkNhbGlicmkiLCJJc0JvbGQiOmZhbHNlLCJJc0l0YWxpYyI6ZmFsc2UsIklzVW5kZXJsaW5lZCI6ZmFsc2UsIlBhcmVudFN0eWxlIjpudWxsfSwiQXV0b1NpemUiOjAsIkZvcmVncm91bmQiOnsiJGlkIjoiMzY0IiwiQ29sb3IiOnsiJGlkIjoiMzY1IiwiQSI6MjU1LCJSIjo2OCwiRyI6ODQsIkIiOjEwNn19LCJNYXhXaWR0aCI6MjAwLjAsIk1heEhlaWdodCI6IkluZmluaXR5IiwiU21hcnRGb3JlZ3JvdW5kSXNBY3RpdmUiOmZhbHNlLCJIb3Jpem9udGFsQWxpZ25tZW50IjoyLCJWZXJ0aWNhbEFsaWdubWVudCI6MCwiU21hcnRGb3JlZ3JvdW5kIjpudWxsLCJCYWNrZ3JvdW5kRmlsbFR5cGUiOjAsIk1hcmdpbiI6eyIkcmVmIjoiMTU2In0sIlBhZGRpbmciOnsiJHJlZiI6IjE1NyJ9LCJCYWNrZ3JvdW5kIjp7IiRpZCI6IjM2NiIsIkNvbG9yIjp7IiRpZCI6IjM2NyIsIkEiOjAsIlIiOjI1NSwiRyI6MjU1LCJCIjoyNTV9fSwiSXNWaXNpYmxlIjp0cnVlLCJXaWR0aCI6MC4wLCJIZWlnaHQiOjAuMCwiQm9yZGVyU3R5bGUiOnsiJGlkIjoiMzY4IiwiTGluZUNvbG9yIjpudWxsLCJMaW5lV2VpZ2h0IjowLjAsIkxpbmVUeXBlIjowLCJQYXJlbnRTdHlsZSI6bnVsbH0sIlBhcmVudFN0eWxlIjpudWxsfSwiRGF0ZUZvcm1hdCI6eyIkcmVmIjoiMjYzIn0sIldlZWtOdW1iZXJpbmciOnsiJGlkIjoiMzY5IiwiRm9ybWF0IjowLCJJc1Zpc2libGUiOmZhbHNlLCJMYXN0S25vd25WaXNpYmlsaXR5U3RhdGUiOmZhbHNlfSwiSXNWaXNpYmxlIjp0cnVlLCJQYXJlbnRTdHlsZSI6bnVsbH0sIkluZGV4Ijo0LCJTbWFydER1cmF0aW9uQWN0aXZhdGVkIjpmYWxzZSwiRGF0ZUZvcm1hdCI6eyIkcmVmIjoiMjYzIn0sIldlZWtOdW1iZXJpbmciOnsiJGlkIjoiMzcwIiwiRm9ybWF0IjowLCJJc1Zpc2libGUiOmZhbHNlLCJMYXN0S25vd25WaXNpYmlsaXR5U3RhdGUiOmZhbHNlfSwiSWQiOiI1NTU2MzJmNC1kODc4LTRlOGMtYjhiNC1mYzlkYWRjY2FiOGUiLCJJbXBvcnRJZCI6bnVsbCwiVGl0bGUiOiJJbXBsZW1lbnQgZGlmZmVyZW50IGNsYXNzaWZpZXJzIGFuZCB0ZXN0IG9uIGRhdGEiLCJOb3RlIjpudWxsLCJIeXBlcmxpbmsiOnsiJGlkIjoiMzcxIiwiQWRkcmVzcyI6IiIsIlN1YkFkZHJlc3MiOiIifSwiSXNDaGFuZ2VkIjpmYWxzZSwiSXNOZXciOmZhbHNlfV0sIlN3aW1sYW5lcyI6W10sIk1zUHJvamVjdEl0ZW1zVHJlZSI6eyIkaWQiOiIzNzIiLCJSb290Ijp7IkltcG9ydElkIjpudWxsLCJJc0ltcG9ydGVkIjpmYWxzZSwiQ2hpbGRyZW4iOltdfX0sIk1ldGFkYXRhIjp7IiRpZCI6IjM3MyIsIlJlY2VudENvbG9yc0NvbGxlY3Rpb24iOiJbXCIjRkYwMDcyQkNcIixcIiNGRjFBQUE0MlwiLFwiI0ZGRkVCQTBBXCJdIiwiU291cmNlVGVtcGxhdGUiOiJ7XCIkaWRcIjpcIjFcIixcIklkXCI6XCJjYzI2Zjg2My0yN2NlLTQ4MGUtYTU4OS1iM2YxMmYyZDZlYjBcIixcIkN1bHR1cmVJbmZvTmFtZVwiOlwiZW4tVVNcIixcIlZlcnNpb25cIjp7XCIkaWRcIjpcIjJcIixcIlRlbXBsYXRlRG9tVmVyc2lvblwiOlwiMS4yLjBcIn0sXCJFZmZlY3RcIjoxLFwiU3R5bGVcIjp7XCIkaWRcIjpcIjNcIixcIlRpbWViYW5kU3R5bGVcIjp7XCIkaWRcIjpcIjRcIixcIlNjYWxlTWFya2luZ1wiOjEsXCJTaGFwZVwiOjEwLFwiU2hhcGVTdHlsZVwiOntcIiRpZFwiOlwiNVwiLFwiTWFyZ2luXCI6e1wiJGlkXCI6XCI2XCIsXCJUb3BcIjowLjAsXCJMZWZ0XCI6MTAuMCxcIlJpZ2h0XCI6MTAuMCxcIkJvdHRvbVwiOjAuMH0sXCJQYWRkaW5nXCI6e1wiJGlkXCI6XCI3XCIsXCJUb3BcIjozLjAsXCJMZWZ0XCI6MC4wLFwiUmlnaHRcIjowLjAsXCJCb3R0b21cIjozLjB9LFwiQmFja2dyb3VuZFwiOntcIiRpZFwiOlwiOFwiLFwiQ29sb3JcIjp7XCIkaWRcIjpcIjlcIixcIkFcIjoyNTUsXCJSXCI6NjgsXCJHXCI6ODQsXCJCXCI6MTA2fX0sXCJJc1Zpc2libGVcIjp0cnVlLFwiV2lkdGhcIjo4NTguMCxcIkhlaWdodFwiOjIwLjAsXCJCb3JkZXJTdHlsZVwiOntcIiRpZFwiOlwiMTBcIixcIkxpbmVDb2xvclwiOntcIiRpZFwiOlwiMTFcIixcIiR0eXBlXCI6XCJOTFJFLkNvbW1vbi5Eb20uU29saWRDb2xvckJydXNoLCBOTFJFLkNvbW1vblwiLFwiQ29sb3JcIjp7XCIkaWRcIjpcIjEyXCIsXCJBXCI6MjU1LFwiUlwiOjI1NSxcIkdcIjowLFwiQlwiOjB9fSxcIkxpbmVXZWlnaHRcIjowLjAsXCJMaW5lVHlwZVwiOjB9fSxcIk1pZGRsZVRpZXJTaGFwZVN0eWxlXCI6e1wiJGlkXCI6XCIxM1wiLFwiTWFyZ2luXCI6e1wiJGlkXCI6XCIxNFwiLFwiVG9wXCI6MC4wLFwiTGVmdFwiOjEwLjAsXCJSaWdodFwiOjEwLjAsXCJCb3R0b21cIjowLjB9LFwiUGFkZGluZ1wiOntcIiRpZFwiOlwiMTVcIixcIlRvcFwiOjMuMCxcIkxlZnRcIjowLjAsXCJSaWdodFwiOjAuMCxcIkJvdHRvbVwiOjMuMH0sXCJCYWNrZ3JvdW5kXCI6e1wiJGlkXCI6XCIxNlwiLFwiQ29sb3JcIjp7XCIkaWRcIjpcIjE3XCIsXCJBXCI6MjU1LFwiUlwiOjY4LFwiR1wiOjg0LFwiQlwiOjEwNn19LFwiSXNWaXNpYmxlXCI6dHJ1ZSxcIldpZHRoXCI6ODU4LjAsXCJIZWlnaHRcIjoyMC4wLFwiQm9yZGVyU3R5bGVcIjp7XCIkaWRcIjpcIjE4XCIsXCJMaW5lQ29sb3JcIjp7XCIkaWRcIjpcIjE5XCIsXCIkdHlwZVwiOlwiTkxSRS5Db21tb24uRG9tLlNvbGlkQ29sb3JCcnVzaCwgTkxSRS5Db21tb25cIixcIkNvbG9yXCI6e1wiJGlkXCI6XCIyMFwiLFwiQVwiOjI1NSxcIlJcIjoyNTUsXCJHXCI6MCxcIkJcIjowfX0sXCJMaW5lV2VpZ2h0XCI6MC4wLFwiTGluZVR5cGVcIjowfX0sXCJCb3R0b21UaWVyU2hhcGVTdHlsZVwiOntcIiRpZFwiOlwiMjFcIixcIk1hcmdpblwiOntcIiRpZFwiOlwiMjJcIixcIlRvcFwiOjAuMCxcIkxlZnRcIjoxMC4wLFwiUmlnaHRcIjoxMC4wLFwiQm90dG9tXCI6MC4wfSxcIlBhZGRpbmdcIjp7XCIkaWRcIjpcIjIzXCIsXCJUb3BcIjozLjAsXCJMZWZ0XCI6MC4wLFwiUmlnaHRcIjowLjAsXCJCb3R0b21cIjozLjB9LFwiQmFja2dyb3VuZFwiOntcIiRpZFwiOlwiMjRcIixcIkNvbG9yXCI6e1wiJGlkXCI6XCIyNVwiLFwiQVwiOjI1NSxcIlJcIjo2OCxcIkdcIjo4NCxcIkJcIjoxMDZ9fSxcIklzVmlzaWJsZVwiOnRydWUsXCJXaWR0aFwiOjg1OC4wLFwiSGVpZ2h0XCI6MjAuMCxcIkJvcmRlclN0eWxlXCI6e1wiJGlkXCI6XCIyNlwiLFwiTGluZUNvbG9yXCI6e1wiJGlkXCI6XCIyN1wiLFwiJHR5cGVcIjpcIk5MUkUuQ29tbW9uLkRvbS5Tb2xpZENvbG9yQnJ1c2gsIE5MUkUuQ29tbW9uXCIsXCJDb2xvclwiOntcIiRpZFwiOlwiMjhcIixcIkFcIjoyNTUsXCJSXCI6MjU1LFwiR1wiOjAsXCJCXCI6MH19LFwiTGluZVdlaWdodFwiOjAuMCxcIkxpbmVUeXBlXCI6MH19LFwiUmlnaHRFbmRDYXBzU3R5bGVcIjp7XCIkaWRcIjpcIjI5XCIsXCJGb250U2V0dGluZ3NcIjp7XCIkaWRcIjpcIjMwXCIsXCJGb250U2l6ZVwiOjE4LFwiRm9udE5hbWVcIjpcIkNhbGlicmlcIixcIklzQm9sZFwiOnRydWUsXCJJc0l0YWxpY1wiOmZhbHNlLFwiSXNVbmRlcmxpbmVkXCI6ZmFsc2V9LFwiQXV0b1NpemVcIjowLFwiRm9yZWdyb3VuZFwiOntcIiRpZFwiOlwiMzFcIixcIkNvbG9yXCI6e1wiJGlkXCI6XCIzMlwiLFwiQVwiOjI1NSxcIlJcIjoyMzcsXCJHXCI6MTI1LFwiQlwiOjQ5fX0sXCJCYWNrZ3JvdW5kRmlsbFR5cGVcIjowLFwiTWF4V2lkdGhcIjpcIkluZmluaXR5XCIsXCJNYXhIZWlnaHRcIjpcIkluZmluaXR5XCIsXCJTbWFydEZvcmVncm91bmRJc0FjdGl2ZVwiOmZhbHNlLFwiSG9yaXpvbnRhbEFsaWdubWVudFwiOjAsXCJWZXJ0aWNhbEFsaWdubWVudFwiOjAsXCJTbWFydEZvcmVncm91bmRcIjpudWxsLFwiTWFyZ2luXCI6e1wiJGlkXCI6XCIzM1wiLFwiVG9wXCI6MC4wLFwiTGVmdFwiOjAuMCxcIlJpZ2h0XCI6MjAuMCxcIkJvdHRvbVwiOjAuMH0sXCJQYWRkaW5nXCI6e1wiJGlkXCI6XCIzNFwiLFwiVG9wXCI6MC4wLFwiTGVmdFwiOjAuMCxcIlJpZ2h0XCI6MC4wLFwiQm90dG9tXCI6MC4wfSxcIkJhY2tncm91bmRcIjp7XCIkaWRcIjpcIjM1XCIsXCJDb2xvclwiOntcIiRpZFwiOlwiMzZcIixcIkFcIjowLFwiUlwiOjAsXCJHXCI6MCxcIkJcIjowfX0sXCJJc1Zpc2libGVcIjp0cnVlLFwiV2lkdGhcIjowLjAsXCJIZWlnaHRcIjowLjAsXCJCb3JkZXJTdHlsZVwiOm51bGx9LFwiTGVmdEVuZENhcHNTdHlsZVwiOntcIiRpZFwiOlwiMzdcIixcIkZvbnRTZXR0aW5nc1wiOntcIiRpZFwiOlwiMzhcIixcIkZvbnRTaXplXCI6MTgsXCJGb250TmFtZVwiOlwiQ2FsaWJyaVwiLFwiSXNCb2xkXCI6dHJ1ZSxcIklzSXRhbGljXCI6ZmFsc2UsXCJJc1VuZGVybGluZWRcIjpmYWxzZX0sXCJBdXRvU2l6ZVwiOjAsXCJGb3JlZ3JvdW5kXCI6e1wiJGlkXCI6XCIzOVwiLFwiQ29sb3JcIjp7XCIkaWRcIjpcIjQwXCIsXCJBXCI6MjU1LFwiUlwiOjIzNyxcIkdcIjoxMjUsXCJCXCI6NDl9fSxcIkJhY2tncm91bmRGaWxsVHlwZVwiOjAsXCJNYXhXaWR0aFwiOlwiSW5maW5pdHlcIixcIk1heEhlaWdodFwiOlwiSW5maW5pdHlcIixcIlNtYXJ0Rm9yZWdyb3VuZElzQWN0aXZlXCI6ZmFsc2UsXCJIb3Jpem9udGFsQWxpZ25tZW50XCI6MCxcIlZlcnRpY2FsQWxpZ25tZW50XCI6MCxcIlNtYXJ0Rm9yZWdyb3VuZFwiOm51bGwsXCJNYXJnaW5cIjp7XCIkaWRcIjpcIjQxXCIsXCJUb3BcIjowLjAsXCJMZWZ0XCI6MjAuMCxcIlJpZ2h0XCI6MC4wLFwiQm90dG9tXCI6MC4wfSxcIlBhZGRpbmdcIjp7XCIkaWRcIjpcIjQyXCIsXCJUb3BcIjowLjAsXCJMZWZ0XCI6MC4wLFwiUmlnaHRcIjowLjAsXCJCb3R0b21cIjowLjB9LFwiQmFja2dyb3VuZFwiOntcIiRpZFwiOlwiNDNcIixcIkNvbG9yXCI6e1wiJHJlZlwiOlwiMzZcIn19LFwiSXNWaXNpYmxlXCI6ZmFsc2UsXCJXaWR0aFwiOjAuMCxcIkhlaWdodFwiOjAuMCxcIkJvcmRlclN0eWxlXCI6bnVsbH0sXCJUb2RheVRleHRTdHlsZVwiOntcIiRpZFwiOlwiNDRcIixcIkZvbnRTZXR0aW5nc1wiOntcIiRpZFwiOlwiNDVcIixcIkZvbnRTaXplXCI6MTIsXCJGb250TmFtZVwiOlwiQ2FsaWJyaVwiLFwiSXNCb2xkXCI6ZmFsc2UsXCJJc0l0YWxpY1wiOmZhbHNlLFwiSXNVbmRlcmxpbmVkXCI6ZmFsc2V9LFwiQXV0b1NpemVcIjowLFwiRm9yZWdyb3VuZFwiOntcIiRpZFwiOlwiNDZcIixcIkNvbG9yXCI6e1wiJGlkXCI6XCI0N1wiLFwiQVwiOjI1NSxcIlJcIjowLFwiR1wiOjAsXCJCXCI6MH19LFwiQmFja2dyb3VuZEZpbGxUeXBlXCI6MCxcIk1heFdpZHRoXCI6MjAwLjAsXCJNYXhIZWlnaHRcIjpcIkluZmluaXR5XCIsXCJTbWFydEZvcmVncm91bmRJc0FjdGl2ZVwiOmZhbHNlLFwiSG9yaXpvbnRhbEFsaWdubWVudFwiOjAsXCJWZXJ0aWNhbEFsaWdubWVudFwiOjAsXCJTbWFydEZvcmVncm91bmRcIjpudWxsLFwiTWFyZ2luXCI6e1wiJGlkXCI6XCI0OFwiLFwiVG9wXCI6MC4wLFwiTGVmdFwiOjAuMCxcIlJpZ2h0XCI6MC4wLFwiQm90dG9tXCI6MC4wfSxcIlBhZGRpbmdcIjp7XCIkaWRcIjpcIjQ5XCIsXCJUb3BcIjowLjAsXCJMZWZ0XCI6MC4wLFwiUmlnaHRcIjowLjAsXCJCb3R0b21cIjowLjB9LFwiQmFja2dyb3VuZFwiOntcIiRpZFwiOlwiNTBcIixcIkNvbG9yXCI6e1wiJHJlZlwiOlwiMzZcIn19LFwiSXNWaXNpYmxlXCI6dHJ1ZSxcIldpZHRoXCI6MC4wLFwiSGVpZ2h0XCI6MC4wLFwiQm9yZGVyU3R5bGVcIjpudWxsfSxcIlRvZGF5TWFya2VyU3R5bGVcIjp7XCIkaWRcIjpcIjUxXCIsXCJNYXJnaW5cIjp7XCIkaWRcIjpcIjUyXCIsXCJUb3BcIjowLjAsXCJMZWZ0XCI6MC4wLFwiUmlnaHRcIjowLjAsXCJCb3R0b21cIjowLjB9LFwiUGFkZGluZ1wiOntcIiRpZFwiOlwiNTNcIixcIlRvcFwiOjAuMCxcIkxlZnRcIjowLjAsXCJSaWdodFwiOjAuMCxcIkJvdHRvbVwiOjAuMH0sXCJCYWNrZ3JvdW5kXCI6e1wiJGlkXCI6XCI1NFwiLFwiQ29sb3JcIjp7XCIkaWRcIjpcIjU1XCIsXCJBXCI6MjU1LFwiUlwiOjI1NSxcIkdcIjowLFwiQlwiOjB9fSxcIklzVmlzaWJsZVwiOnRydWUsXCJXaWR0aFwiOjAuMCxcIkhlaWdodFwiOjAuMCxcIkJvcmRlclN0eWxlXCI6bnVsbH0sXCJTY2FsZVN0eWxlXCI6e1wiJGlkXCI6XCI1NlwiLFwiU2hvd1NlZ21lbnRTZXBhcmF0b3JzXCI6ZmFsc2UsXCJTZWdtZW50U2VwYXJhdG9yT3BhY2l0eVwiOjMwLFwiU2hhcGVcIjozLFwiSGFzQmVlblZpc2libGVCZWZvcmVcIjp0cnVlLFwiRm9udFNldHRpbmdzXCI6e1wiJGlkXCI6XCI1N1wiLFwiRm9udFNpemVcIjoxMixcIkZvbnROYW1lXCI6XCJDYWxpYnJpXCIsXCJJc0JvbGRcIjpmYWxzZSxcIklzSXRhbGljXCI6ZmFsc2UsXCJJc1VuZGVybGluZWRcIjpmYWxzZX0sXCJBdXRvU2l6ZVwiOjAsXCJGb3JlZ3JvdW5kXCI6e1wiJGlkXCI6XCI1OFwiLFwiQ29sb3JcIjp7XCIkaWRcIjpcIjU5XCIsXCJBXCI6MjU1LFwiUlwiOjI1NSxcIkdcIjoyNTUsXCJCXCI6MjU1fX0sXCJCYWNrZ3JvdW5kRmlsbFR5cGVcIjowLFwiTWF4V2lkdGhcIjoyMDAuMCxcIk1heEhlaWdodFwiOlwiSW5maW5pdHlcIixcIlNtYXJ0Rm9yZWdyb3VuZElzQWN0aXZlXCI6ZmFsc2UsXCJIb3Jpem9udGFsQWxpZ25tZW50XCI6MCxcIlZlcnRpY2FsQWxpZ25tZW50XCI6MSxcIlNtYXJ0Rm9yZWdyb3VuZFwiOm51bGwsXCJNYXJnaW5cIjp7XCIkaWRcIjpcIjYwXCIsXCJUb3BcIjowLjAsXCJMZWZ0XCI6NS4wLFwiUmlnaHRcIjowLjAsXCJCb3R0b21cIjowLjB9LFwiUGFkZGluZ1wiOntcIiRpZFwiOlwiNjFcIixcIlRvcFwiOjAuMCxcIkxlZnRcIjowLjAsXCJSaWdodFwiOjAuMCxcIkJvdHRvbVwiOjAuMH0sXCJCYWNrZ3JvdW5kXCI6e1wiJGlkXCI6XCI2MlwiLFwiQ29sb3JcIjp7XCIkcmVmXCI6XCIzNlwifX0sXCJJc1Zpc2libGVcIjp0cnVlLFwiV2lkdGhcIjowLjAsXCJIZWlnaHRcIjowLjAsXCJCb3JkZXJTdHlsZVwiOm51bGx9LFwiTWlkZGxlVGllclNjYWxlU3R5bGVcIjp7XCIkaWRcIjpcIjYzXCIsXCJTaG93U2VnbWVudFNlcGFyYXRvcnNcIjpmYWxzZSxcIlNlZ21lbnRTZXBhcmF0b3JPcGFjaXR5XCI6MzAsXCJTaGFwZVwiOjMsXCJIYXNCZWVuVmlzaWJsZUJlZm9yZVwiOmZhbHNlLFwiRm9udFNldHRpbmdzXCI6e1wiJGlkXCI6XCI2NFwiLFwiRm9udFNpemVcIjoxMixcIkZvbnROYW1lXCI6XCJDYWxpYnJpXCIsXCJJc0JvbGRcIjpmYWxzZSxcIklzSXRhbGljXCI6ZmFsc2UsXCJJc1VuZGVybGluZWRcIjpmYWxzZX0sXCJBdXRvU2l6ZVwiOjAsXCJGb3JlZ3JvdW5kXCI6e1wiJGlkXCI6XCI2NVwiLFwiQ29sb3JcIjp7XCIkaWRcIjpcIjY2XCIsXCJBXCI6MjU1LFwiUlwiOjI1NSxcIkdcIjoyNTUsXCJCXCI6MjU1fX0sXCJCYWNrZ3JvdW5kRmlsbFR5cGVcIjowLFwiTWF4V2lkdGhcIjoyMDAuMCxcIk1heEhlaWdodFwiOlwiSW5maW5pdHlcIixcIlNtYXJ0Rm9yZWdyb3VuZElzQWN0aXZlXCI6ZmFsc2UsXCJIb3Jpem9udGFsQWxpZ25tZW50XCI6MCxcIlZlcnRpY2FsQWxpZ25tZW50XCI6MSxcIlNtYXJ0Rm9yZWdyb3VuZFwiOm51bGwsXCJNYXJnaW5cIjp7XCIkaWRcIjpcIjY3XCIsXCJUb3BcIjowLjAsXCJMZWZ0XCI6NS4wLFwiUmlnaHRcIjowLjAsXCJCb3R0b21cIjowLjB9LFwiUGFkZGluZ1wiOntcIiRpZFwiOlwiNjhcIixcIlRvcFwiOjAuMCxcIkxlZnRcIjowLjAsXCJSaWdodFwiOjAuMCxcIkJvdHRvbVwiOjAuMH0sXCJCYWNrZ3JvdW5kXCI6e1wiJGlkXCI6XCI2OVwiLFwiQ29sb3JcIjp7XCIkaWRcIjpcIjcwXCIsXCJBXCI6MCxcIlJcIjowLFwiR1wiOjAsXCJCXCI6MH19LFwiSXNWaXNpYmxlXCI6ZmFsc2UsXCJXaWR0aFwiOjAuMCxcIkhlaWdodFwiOjAuMCxcIkJvcmRlclN0eWxlXCI6bnVsbH0sXCJCb3R0b21UaWVyU2NhbGVTdHlsZVwiOntcIiRpZFwiOlwiNzFcIixcIlNob3dTZWdtZW50U2VwYXJhdG9yc1wiOmZhbHNlLFwiU2VnbWVudFNlcGFyYXRvck9wYWNpdHlcIjozMCxcIlNoYXBlXCI6MyxcIkhhc0JlZW5WaXNpYmxlQmVmb3JlXCI6ZmFsc2UsXCJGb250U2V0dGluZ3NcIjp7XCIkaWRcIjpcIjcyXCIsXCJGb250U2l6ZVwiOjEyLFwiRm9udE5hbWVcIjpcIkNhbGlicmlcIixcIklzQm9sZFwiOmZhbHNlLFwiSXNJdGFsaWNcIjpmYWxzZSxcIklzVW5kZXJsaW5lZFwiOmZhbHNlfSxcIkF1dG9TaXplXCI6MCxcIkZvcmVncm91bmRcIjp7XCIkaWRcIjpcIjczXCIsXCJDb2xvclwiOntcIiRpZFwiOlwiNzRcIixcIkFcIjoyNTUsXCJSXCI6MjU1LFwiR1wiOjI1NSxcIkJcIjoyNTV9fSxcIkJhY2tncm91bmRGaWxsVHlwZVwiOjAsXCJNYXhXaWR0aFwiOjIwMC4wLFwiTWF4SGVpZ2h0XCI6XCJJbmZpbml0eVwiLFwiU21hcnRGb3JlZ3JvdW5kSXNBY3RpdmVcIjpmYWxzZSxcIkhvcml6b250YWxBbGlnbm1lbnRcIjowLFwiVmVydGljYWxBbGlnbm1lbnRcIjoxLFwiU21hcnRGb3JlZ3JvdW5kXCI6bnVsbCxcIk1hcmdpblwiOntcIiRpZFwiOlwiNzVcIixcIlRvcFwiOjAuMCxcIkxlZnRcIjo1LjAsXCJSaWdodFwiOjAuMCxcIkJvdHRvbVwiOjAuMH0sXCJQYWRkaW5nXCI6e1wiJGlkXCI6XCI3NlwiLFwiVG9wXCI6MC4wLFwiTGVmdFwiOjAuMCxcIlJpZ2h0XCI6MC4wLFwiQm90dG9tXCI6MC4wfSxcIkJhY2tncm91bmRcIjp7XCIkaWRcIjpcIjc3XCIsXCJDb2xvclwiOntcIiRpZFwiOlwiNzhcIixcIkFcIjowLFwiUlwiOjAsXCJHXCI6MCxcIkJcIjowfX0sXCJJc1Zpc2libGVcIjpmYWxzZSxcIldpZHRoXCI6MC4wLFwiSGVpZ2h0XCI6MC4wLFwiQm9yZGVyU3R5bGVcIjpudWxsfSxcIlNpbmdsZVNjYWxlU2hhcGVTdHlsZVwiOm51bGwsXCJFbGFwc2VkVGltZUJhY2tncm91bmRcIjp7XCIkaWRcIjpcIjc5XCIsXCJDb2xvclwiOntcIiRpZFwiOlwiODBcIixcIkFcIjoxOTEsXCJSXCI6MjU1LFwiR1wiOjAsXCJCXCI6MH19LFwiQXBwZW5kWWVhck9uWWVhckNoYW5nZVwiOmZhbHNlLFwiRWxhcHNlZFRpbWVGb3JtYXRcIjoyLFwiVG9kYXlNYXJrZXJQb3NpdGlvblwiOjMsXCJRdWlja1Bvc2l0aW9uXCI6MixcIkFic29sdXRlUG9zaXRpb25cIjo0MDUuMCxcIk1hcmdpblwiOntcIiRpZFwiOlwiODFcIixcIlRvcFwiOjAuMCxcIkxlZnRcIjoxMC4wLFwiUmlnaHRcIjoxMC4wLFwiQm90dG9tXCI6MC4wfSxcIlBhZGRpbmdcIjp7XCIkaWRcIjpcIjgyXCIsXCJUb3BcIjowLjAsXCJMZWZ0XCI6MC4wLFwiUmlnaHRcIjowLjAsXCJCb3R0b21cIjowLjB9LFwiQmFja2dyb3VuZFwiOntcIiRpZFwiOlwiODNcIixcIkNvbG9yXCI6e1wiJGlkXCI6XCI4NFwiLFwiQVwiOjI1NSxcIlJcIjo0NyxcIkdcIjo1NCxcIkJcIjoxNTN9fSxcIklzVmlzaWJsZVwiOnRydWUsXCJXaWR0aFwiOjAuMCxcIkhlaWdodFwiOjAuMCxcIkJvcmRlclN0eWxlXCI6bnVsbH0sXCJEZWZhdWx0TWlsZXN0b25lU3R5bGVcIjp7XCIkaWRcIjpcIjg1XCIsXCJTaGFwZVwiOjIsXCJDb25uZWN0b3JNYXJnaW5cIjp7XCIkaWRcIjpcIjg2XCIsXCJUb3BcIjowLjAsXCJMZWZ0XCI6Mi4wLFwiUmlnaHRcIjoyLjAsXCJCb3R0b21cIjowLjB9LFwiQ29ubmVjdG9yU3R5bGVcIjp7XCIkaWRcIjpcIjg3XCIsXCJMaW5lQ29sb3JcIjp7XCIkaWRcIjpcIjg4XCIsXCIkdHlwZVwiOlwiTkxSRS5Db21tb24uRG9tLlNvbGlkQ29sb3JCcnVzaCwgTkxSRS5Db21tb25cIixcIkNvbG9yXCI6e1wiJGlkXCI6XCI4OVwiLFwiQVwiOjEyNyxcIlJcIjo3OSxcIkdcIjoxMjksXCJCXCI6MTg5fX0sXCJMaW5lV2VpZ2h0XCI6MS4wLFwiTGluZVR5cGVcIjowfSxcIklzQmVsb3dUaW1lYmFuZFwiOmZhbHNlLFwiSGlkZURhdGVcIjpmYWxzZSxcIlNoYXBlU2l6ZVwiOjEsXCJTcGFjaW5nXCI6Mi4wLFwiUGFkZGluZ1wiOntcIiRpZFwiOlwiOTBcIixcIlRvcFwiOjcuMCxcIkxlZnRcIjozLjAsXCJSaWdodFwiOjAuMCxcIkJvdHRvbVwiOjIuMH0sXCJQb3NpdGlvblwiOm51bGwsXCJQb3NpdGlvbk9uVGFza1wiOjAsXCJTaGFwZVN0eWxlXCI6e1wiJGlkXCI6XCI5MVwiLFwiTWFyZ2luXCI6e1wiJGlkXCI6XCI5MlwiLFwiVG9wXCI6MC4wLFwiTGVmdFwiOjAuMCxcIlJpZ2h0XCI6MC4wLFwiQm90dG9tXCI6MC4wfSxcIlBhZGRpbmdcIjp7XCIkaWRcIjpcIjkzXCIsXCJUb3BcIjowLjAsXCJMZWZ0XCI6MC4wLFwiUmlnaHRcIjowLjAsXCJCb3R0b21cIjowLjB9LFwiQmFja2dyb3VuZFwiOntcIiRpZFwiOlwiOTRcIixcIkNvbG9yXCI6e1wiJGlkXCI6XCI5NVwiLFwiQVwiOjI1NSxcIlJcIjowLFwiR1wiOjExNCxcIkJcIjoxODh9fSxcIklzVmlzaWJsZVwiOnRydWUsXCJXaWR0aFwiOjEzLjAsXCJIZWlnaHRcIjoxMy4wLFwiQm9yZGVyU3R5bGVcIjp7XCIkaWRcIjpcIjk2XCIsXCJMaW5lQ29sb3JcIjp7XCIkaWRcIjpcIjk3XCIsXCIkdHlwZVwiOlwiTkxSRS5Db21tb24uRG9tLlNvbGlkQ29sb3JCcnVzaCwgTkxSRS5Db21tb25cIixcIkNvbG9yXCI6e1wiJGlkXCI6XCI5OFwiLFwiQVwiOjI1NSxcIlJcIjoyNTUsXCJHXCI6MCxcIkJcIjowfX0sXCJMaW5lV2VpZ2h0XCI6MC4wLFwiTGluZVR5cGVcIjowfX0sXCJUaXRsZVN0eWxlXCI6e1wiJGlkXCI6XCI5OVwiLFwiRm9udFNldHRpbmdzXCI6e1wiJGlkXCI6XCIxMDBcIixcIkZvbnRTaXplXCI6MTEsXCJGb250TmFtZVwiOlwiQ2FsaWJyaVwiLFwiSXNCb2xkXCI6dHJ1ZSxcIklzSXRhbGljXCI6ZmFsc2UsXCJJc1VuZGVybGluZWRcIjpmYWxzZX0sXCJBdXRvU2l6ZVwiOjAsXCJGb3JlZ3JvdW5kXCI6e1wiJGlkXCI6XCIxMDFcIixcIkNvbG9yXCI6e1wiJGlkXCI6XCIxMDJcIixcIkFcIjoyNTUsXCJSXCI6MCxcIkdcIjowLFwiQlwiOjB9fSxcIkJhY2tncm91bmRGaWxsVHlwZVwiOjAsXCJNYXhXaWR0aFwiOjIwMC4wLFwiTWF4SGVpZ2h0XCI6XCJJbmZpbml0eVwiLFwiU21hcnRGb3JlZ3JvdW5kSXNBY3RpdmVcIjpmYWxzZSxcIkhvcml6b250YWxBbGlnbm1lbnRcIjowLFwiVmVydGljYWxBbGlnbm1lbnRcIjowLFwiU21hcnRGb3JlZ3JvdW5kXCI6bnVsbCxcIk1hcmdpblwiOntcIiRpZFwiOlwiMTAzXCIsXCJUb3BcIjowLjAsXCJMZWZ0XCI6MC4wLFwiUmlnaHRcIjowLjAsXCJCb3R0b21cIjowLjB9LFwiUGFkZGluZ1wiOntcIiRpZFwiOlwiMTA0XCIsXCJUb3BcIjowLjAsXCJMZWZ0XCI6MC4wLFwiUmlnaHRcIjowLjAsXCJCb3R0b21cIjowLjB9LFwiQmFja2dyb3VuZFwiOntcIiRpZFwiOlwiMTA1XCIsXCJDb2xvclwiOntcIiRyZWZcIjpcIjM2XCJ9fSxcIklzVmlzaWJsZVwiOnRydWUsXCJXaWR0aFwiOjAuMCxcIkhlaWdodFwiOjAuMCxcIkJvcmRlclN0eWxlXCI6bnVsbH0sXCJEYXRlU3R5bGVcIjp7XCIkaWRcIjpcIjEwNlwiLFwiRm9udFNldHRpbmdzXCI6e1wiJGlkXCI6XCIxMDdcIixcIkZvbnRTaXplXCI6MTAsXCJGb250TmFtZVwiOlwiQ2FsaWJyaVwiLFwiSXNCb2xkXCI6ZmFsc2UsXCJJc0l0YWxpY1wiOmZhbHNlLFwiSXNVbmRlcmxpbmVkXCI6ZmFsc2V9LFwiQXV0b1NpemVcIjowLFwiRm9yZWdyb3VuZFwiOntcIiRpZFwiOlwiMTA4XCIsXCJDb2xvclwiOntcIiRpZFwiOlwiMTA5XCIsXCJBXCI6MjU1LFwiUlwiOjY4LFwiR1wiOjg0LFwiQlwiOjEwNn19LFwiQmFja2dyb3VuZEZpbGxUeXBlXCI6MCxcIk1heFdpZHRoXCI6MjAwLjAsXCJNYXhIZWlnaHRcIjpcIkluZmluaXR5XCIsXCJTbWFydEZvcmVncm91bmRJc0FjdGl2ZVwiOmZhbHNlLFwiSG9yaXpvbnRhbEFsaWdubWVudFwiOjAsXCJWZXJ0aWNhbEFsaWdubWVudFwiOjAsXCJTbWFydEZvcmVncm91bmRcIjpudWxsLFwiTWFyZ2luXCI6e1wiJGlkXCI6XCIxMTBcIixcIlRvcFwiOjAuMCxcIkxlZnRcIjowLjAsXCJSaWdodFwiOjAuMCxcIkJvdHRvbVwiOjAuMH0sXCJQYWRkaW5nXCI6e1wiJGlkXCI6XCIxMTFcIixcIlRvcFwiOjAuMCxcIkxlZnRcIjowLjAsXCJSaWdodFwiOjAuMCxcIkJvdHRvbVwiOjAuMH0sXCJCYWNrZ3JvdW5kXCI6e1wiJGlkXCI6XCIxMTJcIixcIkNvbG9yXCI6e1wiJHJlZlwiOlwiMzZcIn19LFwiSXNWaXNpYmxlXCI6dHJ1ZSxcIldpZHRoXCI6MC4wLFwiSGVpZ2h0XCI6MC4wLFwiQm9yZGVyU3R5bGVcIjpudWxsfSxcIkRhdGVGb3JtYXRcIjp7XCIkaWRcIjpcIjExM1wiLFwiRm9ybWF0U3RyaW5nXCI6XCJNTU0gZFwiLFwiU2VwYXJhdG9yXCI6XCIvXCIsXCJVc2VJbnRlcm5hdGlvbmFsRGF0ZUZvcm1hdFwiOmZhbHNlLFwiRGF0ZUlzVmlzaWJsZVwiOnRydWUsXCJUaW1lSXNWaXNpYmxlXCI6ZmFsc2UsXCJIb3VyRGlnaXRzXCI6MSxcIkFtUG1EZXNpZ25hdG9yXCI6MixcIlRyaW0wME1pbnV0ZXNcIjpmYWxzZSxcIkxhc3RLbm93blZpc2liaWxpdHlTdGF0ZVwiOm51bGx9LFwiSXNWaXNpYmxlXCI6dHJ1ZX0sXCJEZWZhdWx0VGFza1N0eWxlXCI6e1wiJGlkXCI6XCIxMTRcIixcIlNoYXBlXCI6MSxcIlNoYXBlVGhpY2tuZXNzXCI6MCxcIkR1cmF0aW9uRm9ybWF0XCI6MCxcIlBlcmNlbnRhZ2VDb21wbGV0ZVN0eWxlXCI6e1wiJGlkXCI6XCIxMTVcIixcIkZvbnRTZXR0aW5nc1wiOntcIiRpZFwiOlwiMTE2XCIsXCJGb250U2l6ZVwiOjEwLFwiRm9udE5hbWVcIjpcIkNhbGlicmlcIixcIklzQm9sZFwiOmZhbHNlLFwiSXNJdGFsaWNcIjpmYWxzZSxcIklzVW5kZXJsaW5lZFwiOmZhbHNlfSxcIkF1dG9TaXplXCI6MCxcIkZvcmVncm91bmRcIjp7XCIkaWRcIjpcIjExN1wiLFwiQ29sb3JcIjp7XCIkaWRcIjpcIjExOFwiLFwiQVwiOjI1NSxcIlJcIjoyMzcsXCJHXCI6MTI1LFwiQlwiOjQ5fX0sXCJCYWNrZ3JvdW5kRmlsbFR5cGVcIjowLFwiTWF4V2lkdGhcIjoyMDAuMCxcIk1heEhlaWdodFwiOlwiSW5maW5pdHlcIixcIlNtYXJ0Rm9yZWdyb3VuZElzQWN0aXZlXCI6ZmFsc2UsXCJIb3Jpem9udGFsQWxpZ25tZW50XCI6MCxcIlZlcnRpY2FsQWxpZ25tZW50XCI6MCxcIlNtYXJ0Rm9yZWdyb3VuZFwiOm51bGwsXCJNYXJnaW5cIjp7XCIkaWRcIjpcIjExOVwiLFwiVG9wXCI6MC4wLFwiTGVmdFwiOjAuMCxcIlJpZ2h0XCI6MC4wLFwiQm90dG9tXCI6MC4wfSxcIlBhZGRpbmdcIjp7XCIkaWRcIjpcIjEyMFwiLFwiVG9wXCI6MC4wLFwiTGVmdFwiOjAuMCxcIlJpZ2h0XCI6MC4wLFwiQm90dG9tXCI6MC4wfSxcIkJhY2tncm91bmRcIjp7XCIkaWRcIjpcIjEyMVwiLFwiQ29sb3JcIjp7XCIkcmVmXCI6XCIzNlwifX0sXCJJc1Zpc2libGVcIjp0cnVlLFwiV2lkdGhcIjowLjAsXCJIZWlnaHRcIjowLjAsXCJCb3JkZXJTdHlsZVwiOm51bGx9LFwiRHVyYXRpb25TdHlsZVwiOntcIiRpZFwiOlwiMTIyXCIsXCJGb250U2V0dGluZ3NcIjp7XCIkaWRcIjpcIjEyM1wiLFwiRm9udFNpemVcIjoxMCxcIkZvbnROYW1lXCI6XCJDYWxpYnJpXCIsXCJJc0JvbGRcIjpmYWxzZSxcIklzSXRhbGljXCI6ZmFsc2UsXCJJc1VuZGVybGluZWRcIjpmYWxzZX0sXCJBdXRvU2l6ZVwiOjAsXCJGb3JlZ3JvdW5kXCI6e1wiJGlkXCI6XCIxMjRcIixcIkNvbG9yXCI6e1wiJGlkXCI6XCIxMjVcIixcIkFcIjoyNTUsXCJSXCI6MjM3LFwiR1wiOjEyNSxcIkJcIjo0OX19LFwiQmFja2dyb3VuZEZpbGxUeXBlXCI6MCxcIk1heFdpZHRoXCI6MjAwLjAsXCJNYXhIZWlnaHRcIjpcIkluZmluaXR5XCIsXCJTbWFydEZvcmVncm91bmRJc0FjdGl2ZVwiOmZhbHNlLFwiSG9yaXpvbnRhbEFsaWdubWVudFwiOjAsXCJWZXJ0aWNhbEFsaWdubWVudFwiOjAsXCJTbWFydEZvcmVncm91bmRcIjpudWxsLFwiTWFyZ2luXCI6e1wiJGlkXCI6XCIxMjZcIixcIlRvcFwiOjAuMCxcIkxlZnRcIjowLjAsXCJSaWdodFwiOjAuMCxcIkJvdHRvbVwiOjAuMH0sXCJQYWRkaW5nXCI6e1wiJGlkXCI6XCIxMjdcIixcIlRvcFwiOjAuMCxcIkxlZnRcIjowLjAsXCJSaWdodFwiOjAuMCxcIkJvdHRvbVwiOjAuMH0sXCJCYWNrZ3JvdW5kXCI6e1wiJGlkXCI6XCIxMjhcIixcIkNvbG9yXCI6e1wiJHJlZlwiOlwiMzZcIn19LFwiSXNWaXNpYmxlXCI6dHJ1ZSxcIldpZHRoXCI6MC4wLFwiSGVpZ2h0XCI6MC4wLFwiQm9yZGVyU3R5bGVcIjpudWxsfSxcIkhvcml6b250YWxDb25uZWN0b3JTdHlsZVwiOntcIiRpZFwiOlwiMTI5XCIsXCJMaW5lQ29sb3JcIjp7XCIkaWRcIjpcIjEzMFwiLFwiJHR5cGVcIjpcIk5MUkUuQ29tbW9uLkRvbS5Tb2xpZENvbG9yQnJ1c2gsIE5MUkUuQ29tbW9uXCIsXCJDb2xvclwiOntcIiRpZFwiOlwiMTMxXCIsXCJBXCI6MjU1LFwiUlwiOjIwNCxcIkdcIjoyMDQsXCJCXCI6MjA0fX0sXCJMaW5lV2VpZ2h0XCI6MS4wLFwiTGluZVR5cGVcIjowfSxcIlZlcnRpY2FsQ29ubmVjdG9yU3R5bGVcIjp7XCIkaWRcIjpcIjEzMlwiLFwiTGluZUNvbG9yXCI6e1wiJGlkXCI6XCIxMzNcIixcIiR0eXBlXCI6XCJOTFJFLkNvbW1vbi5Eb20uU29saWRDb2xvckJydXNoLCBOTFJFLkNvbW1vblwiLFwiQ29sb3JcIjp7XCIkaWRcIjpcIjEzNFwiLFwiQVwiOjI1NSxcIlJcIjoyMDQsXCJHXCI6MjA0LFwiQlwiOjIwNH19LFwiTGluZVdlaWdodFwiOjAuMCxcIkxpbmVUeXBlXCI6MH0sXCJNYXJnaW5cIjpudWxsLFwiU3RhcnREYXRlUG9zaXRpb25cIjozLFwiRW5kRGF0ZVBvc2l0aW9uXCI6MyxcIlRpdGxlUG9zaXRpb25cIjo0LFwiRHVyYXRpb25Qb3NpdGlvblwiOjYsXCJQZXJjZW50YWdlQ29tcGxldGVkUG9zaXRpb25cIjo2LFwiU3BhY2luZ1wiOjUsXCJJc0JlbG93VGltZWJhbmRcIjpmYWxzZSxcIlBlcmNlbnRhZ2VDb21wbGV0ZVNoYXBlT3BhY2l0eVwiOjM1LFwiR3JvdXBOYW1lXCI6bnVsbCxcIkF0dGFjaGVkTWlsZXN0b25lc1N0eWxlc1wiOm51bGwsXCJTaGFwZVN0eWxlXCI6e1wiJGlkXCI6XCIxMzVcIixcIk1hcmdpblwiOntcIiRpZFwiOlwiMTM2XCIsXCJUb3BcIjowLjAsXCJMZWZ0XCI6NC4wLFwiUmlnaHRcIjo0LjAsXCJCb3R0b21cIjowLjB9LFwiUGFkZGluZ1wiOntcIiRpZFwiOlwiMTM3XCIsXCJUb3BcIjowLjAsXCJMZWZ0XCI6MC4wLFwiUmlnaHRcIjowLjAsXCJCb3R0b21cIjowLjB9LFwiQmFja2dyb3VuZFwiOntcIiRpZFwiOlwiMTM4XCIsXCJDb2xvclwiOntcIiRpZFwiOlwiMTM5XCIsXCJBXCI6MjU1LFwiUlwiOjAsXCJHXCI6MTE0LFwiQlwiOjE4OH19LFwiSXNWaXNpYmxlXCI6dHJ1ZSxcIldpZHRoXCI6MC4wLFwiSGVpZ2h0XCI6MTAuMCxcIkJvcmRlclN0eWxlXCI6e1wiJGlkXCI6XCIxNDBcIixcIkxpbmVDb2xvclwiOntcIiRpZFwiOlwiMTQxXCIsXCIkdHlwZVwiOlwiTkxSRS5Db21tb24uRG9tLlNvbGlkQ29sb3JCcnVzaCwgTkxSRS5Db21tb25cIixcIkNvbG9yXCI6e1wiJGlkXCI6XCIxNDJcIixcIkFcIjoyNTUsXCJSXCI6MjU1LFwiR1wiOjAsXCJCXCI6MH19LFwiTGluZVdlaWdodFwiOjAuMCxcIkxpbmVUeXBlXCI6MH19LFwiVGl0bGVTdHlsZVwiOntcIiRpZFwiOlwiMTQzXCIsXCJGb250U2V0dGluZ3NcIjp7XCIkaWRcIjpcIjE0NFwiLFwiRm9udFNpemVcIjoxMSxcIkZvbnROYW1lXCI6XCJDYWxpYnJpXCIsXCJJc0JvbGRcIjp0cnVlLFwiSXNJdGFsaWNcIjpmYWxzZSxcIklzVW5kZXJsaW5lZFwiOmZhbHNlfSxcIkF1dG9TaXplXCI6MCxcIkZvcmVncm91bmRcIjp7XCIkaWRcIjpcIjE0NVwiLFwiQ29sb3JcIjp7XCIkaWRcIjpcIjE0NlwiLFwiQVwiOjI1NSxcIlJcIjowLFwiR1wiOjAsXCJCXCI6MH19LFwiQmFja2dyb3VuZEZpbGxUeXBlXCI6MCxcIk1heFdpZHRoXCI6OTYwLjAsXCJNYXhIZWlnaHRcIjpcIkluZmluaXR5XCIsXCJTbWFydEZvcmVncm91bmRJc0FjdGl2ZVwiOmZhbHNlLFwiSG9yaXpvbnRhbEFsaWdubWVudFwiOjAsXCJWZXJ0aWNhbEFsaWdubWVudFwiOjAsXCJTbWFydEZvcmVncm91bmRcIjpudWxsLFwiTWFyZ2luXCI6e1wiJGlkXCI6XCIxNDdcIixcIlRvcFwiOjAuMCxcIkxlZnRcIjowLjAsXCJSaWdodFwiOjAuMCxcIkJvdHRvbVwiOjAuMH0sXCJQYWRkaW5nXCI6e1wiJGlkXCI6XCIxNDhcIixcIlRvcFwiOjAuMCxcIkxlZnRcIjowLjAsXCJSaWdodFwiOjAuMCxcIkJvdHRvbVwiOjAuMH0sXCJCYWNrZ3JvdW5kXCI6e1wiJGlkXCI6XCIxNDlcIixcIkNvbG9yXCI6e1wiJHJlZlwiOlwiMzZcIn19LFwiSXNWaXNpYmxlXCI6dHJ1ZSxcIldpZHRoXCI6MC4wLFwiSGVpZ2h0XCI6MC4wLFwiQm9yZGVyU3R5bGVcIjpudWxsfSxcIkRhdGVTdHlsZVwiOntcIiRpZFwiOlwiMTUwXCIsXCJGb250U2V0dGluZ3NcIjp7XCIkaWRcIjpcIjE1MVwiLFwiRm9udFNpemVcIjoxMCxcIkZvbnROYW1lXCI6XCJDYWxpYnJpXCIsXCJJc0JvbGRcIjpmYWxzZSxcIklzSXRhbGljXCI6ZmFsc2UsXCJJc1VuZGVybGluZWRcIjpmYWxzZX0sXCJBdXRvU2l6ZVwiOjAsXCJGb3JlZ3JvdW5kXCI6e1wiJGlkXCI6XCIxNTJcIixcIkNvbG9yXCI6e1wiJGlkXCI6XCIxNTNcIixcIkFcIjoyNTUsXCJSXCI6NjgsXCJHXCI6ODQsXCJCXCI6MTA2fX0sXCJCYWNrZ3JvdW5kRmlsbFR5cGVcIjowLFwiTWF4V2lkdGhcIjoyMDAuMCxcIk1heEhlaWdodFwiOlwiSW5maW5pdHlcIixcIlNtYXJ0Rm9yZWdyb3VuZElzQWN0aXZlXCI6ZmFsc2UsXCJIb3Jpem9udGFsQWxpZ25tZW50XCI6MixcIlZlcnRpY2FsQWxpZ25tZW50XCI6MCxcIlNtYXJ0Rm9yZWdyb3VuZFwiOm51bGwsXCJNYXJnaW5cIjp7XCIkaWRcIjpcIjE1NFwiLFwiVG9wXCI6MC4wLFwiTGVmdFwiOjAuMCxcIlJpZ2h0XCI6MC4wLFwiQm90dG9tXCI6MC4wfSxcIlBhZGRpbmdcIjp7XCIkaWRcIjpcIjE1NVwiLFwiVG9wXCI6MC4wLFwiTGVmdFwiOjAuMCxcIlJpZ2h0XCI6MC4wLFwiQm90dG9tXCI6MC4wfSxcIkJhY2tncm91bmRcIjp7XCIkaWRcIjpcIjE1NlwiLFwiQ29sb3JcIjp7XCIkcmVmXCI6XCIzNlwifX0sXCJJc1Zpc2libGVcIjp0cnVlLFwiV2lkdGhcIjowLjAsXCJIZWlnaHRcIjowLjAsXCJCb3JkZXJTdHlsZVwiOm51bGx9LFwiRGF0ZUZvcm1hdFwiOntcIiRpZFwiOlwiMTU3XCIsXCJGb3JtYXRTdHJpbmdcIjpcIk1NTSBkXCIsXCJTZXBhcmF0b3JcIjpcIi9cIixcIlVzZUludGVybmF0aW9uYWxEYXRlRm9ybWF0XCI6ZmFsc2UsXCJEYXRlSXNWaXNpYmxlXCI6dHJ1ZSxcIlRpbWVJc1Zpc2libGVcIjpmYWxzZSxcIkhvdXJEaWdpdHNcIjoxLFwiQW1QbURlc2lnbmF0b3JcIjoyLFwiVHJpbTAwTWludXRlc1wiOmZhbHNlLFwiTGFzdEtub3duVmlzaWJpbGl0eVN0YXRlXCI6bnVsbH0sXCJJc1Zpc2libGVcIjp0cnVlfSxcIlNob3dFbGFwc2VkVGltZUdyYWRpZW50U3R5bGVcIjpmYWxzZSxcIlRpbWViYW5kUmVzZXJ2ZWRMZWZ0QXJlYVN0eWxlXCI6bnVsbCxcIkRlZmF1bHRTd2ltbGFuZVN0eWxlXCI6e1wiJGlkXCI6XCIxNThcIixcIkhlYWRlclN0eWxlXCI6e1wiJGlkXCI6XCIxNTlcIixcIlRleHRTdHlsZVwiOntcIiRpZFwiOlwiMTYwXCIsXCJGb250U2V0dGluZ3NcIjp7XCIkaWRcIjpcIjE2MVwiLFwiRm9udFNpemVcIjoxMixcIkZvbnROYW1lXCI6XCJDYWxpYnJpXCIsXCJJc0JvbGRcIjpmYWxzZSxcIklzSXRhbGljXCI6ZmFsc2UsXCJJc1VuZGVybGluZWRcIjpmYWxzZX0sXCJBdXRvU2l6ZVwiOjAsXCJGb3JlZ3JvdW5kXCI6e1wiJGlkXCI6XCIxNjJcIixcIkNvbG9yXCI6e1wiJGlkXCI6XCIxNjNcIixcIkFcIjoyNTUsXCJSXCI6MzIsXCJHXCI6NTYsXCJCXCI6MTAwfX0sXCJCYWNrZ3JvdW5kRmlsbFR5cGVcIjowLFwiTWF4V2lkdGhcIjowLjAsXCJNYXhIZWlnaHRcIjowLjAsXCJTbWFydEZvcmVncm91bmRJc0FjdGl2ZVwiOmZhbHNlLFwiSG9yaXpvbnRhbEFsaWdubWVudFwiOjAsXCJWZXJ0aWNhbEFsaWdubWVudFwiOjAsXCJTbWFydEZvcmVncm91bmRcIjpudWxsLFwiTWFyZ2luXCI6e1wiJGlkXCI6XCIxNjRcIixcIlRvcFwiOjAuMCxcIkxlZnRcIjowLjAsXCJSaWdodFwiOjAuMCxcIkJvdHRvbVwiOjAuMH0sXCJQYWRkaW5nXCI6e1wiJGlkXCI6XCIxNjVcIixcIlRvcFwiOjAuMCxcIkxlZnRcIjowLjAsXCJSaWdodFwiOjAuMCxcIkJvdHRvbVwiOjAuMH0sXCJCYWNrZ3JvdW5kXCI6bnVsbCxcIklzVmlzaWJsZVwiOmZhbHNlLFwiV2lkdGhcIjowLjAsXCJIZWlnaHRcIjowLjAsXCJCb3JkZXJTdHlsZVwiOm51bGx9LFwiUmVjdGFuZ2xlU3R5bGVcIjp7XCIkaWRcIjpcIjE2NlwiLFwiTWFyZ2luXCI6e1wiJGlkXCI6XCIxNjdcIixcIlRvcFwiOjAuMCxcIkxlZnRcIjowLjAsXCJSaWdodFwiOjAuMCxcIkJvdHRvbVwiOjAuMH0sXCJQYWRkaW5nXCI6e1wiJGlkXCI6XCIxNjhcIixcIlRvcFwiOjAuMCxcIkxlZnRcIjowLjAsXCJSaWdodFwiOjAuMCxcIkJvdHRvbVwiOjAuMH0sXCJCYWNrZ3JvdW5kXCI6e1wiJGlkXCI6XCIxNjlcIixcIkNvbG9yXCI6e1wiJGlkXCI6XCIxNzBcIixcIkFcIjoxMjcsXCJSXCI6OTEsXCJHXCI6MTU1LFwiQlwiOjIxM319LFwiSXNWaXNpYmxlXCI6ZmFsc2UsXCJXaWR0aFwiOjAuMCxcIkhlaWdodFwiOjAuMCxcIkJvcmRlclN0eWxlXCI6e1wiJGlkXCI6XCIxNzFcIixcIkxpbmVDb2xvclwiOntcIiRpZFwiOlwiMTcyXCIsXCIkdHlwZVwiOlwiTkxSRS5Db21tb24uRG9tLlNvbGlkQ29sb3JCcnVzaCwgTkxSRS5Db21tb25cIixcIkNvbG9yXCI6e1wiJGlkXCI6XCIxNzNcIixcIkFcIjoyNTUsXCJSXCI6MjU1LFwiR1wiOjAsXCJCXCI6MH19LFwiTGluZVdlaWdodFwiOjAuMCxcIkxpbmVUeXBlXCI6MH19LFwiVGV4dElzVmVydGljYWxcIjpmYWxzZX0sXCJCYWNrZ3JvdW5kU3R5bGVcIjp7XCIkaWRcIjpcIjE3NFwiLFwiTWFyZ2luXCI6e1wiJGlkXCI6XCIxNzVcIixcIlRvcFwiOjAuMCxcIkxlZnRcIjowLjAsXCJSaWdodFwiOjAuMCxcIkJvdHRvbVwiOjAuMH0sXCJQYWRkaW5nXCI6e1wiJGlkXCI6XCIxNzZcIixcIlRvcFwiOjAuMCxcIkxlZnRcIjowLjAsXCJSaWdodFwiOjAuMCxcIkJvdHRvbVwiOjAuMH0sXCJCYWNrZ3JvdW5kXCI6e1wiJGlkXCI6XCIxNzdcIixcIkNvbG9yXCI6e1wiJGlkXCI6XCIxNzhcIixcIkFcIjozOCxcIlJcIjo5MSxcIkdcIjoxNTUsXCJCXCI6MjEzfX0sXCJJc1Zpc2libGVcIjp0cnVlLFwiV2lkdGhcIjowLjAsXCJIZWlnaHRcIjowLjAsXCJCb3JkZXJTdHlsZVwiOntcIiRpZFwiOlwiMTc5XCIsXCJMaW5lQ29sb3JcIjp7XCIkaWRcIjpcIjE4MFwiLFwiJHR5cGVcIjpcIk5MUkUuQ29tbW9uLkRvbS5Tb2xpZENvbG9yQnJ1c2gsIE5MUkUuQ29tbW9uXCIsXCJDb2xvclwiOntcIiRpZFwiOlwiMTgxXCIsXCJBXCI6MjU1LFwiUlwiOjI1NSxcIkdcIjowLFwiQlwiOjB9fSxcIkxpbmVXZWlnaHRcIjowLjAsXCJMaW5lVHlwZVwiOjB9fSxcIklzQWJvdmVUaW1lYmFuZFwiOmZhbHNlfSxcIkN1c3RvbU1pbGVzdG9uZVN0eWxlTGlzdFwiOltdLFwiQ3VzdG9tVGFza1N0eWxlTGlzdFwiOltdLFwiQ3VzdG9tU3dpbWxhbmVEZWZpbml0aW9uU3R5bGVMaXN0XCI6W10sXCJDdXN0b21Td2ltbGFuZVYyU3R5bGVMaXN0XCI6W10sXCJHcmlkbGluZVBhbmVsU3R5bGVcIjp7XCIkaWRcIjpcIjE4MlwiLFwiR3JpZGxpbmVTdHlsZVwiOntcIiRpZFwiOlwiMTgzXCIsXCJMaW5lQ29sb3JcIjp7XCIkaWRcIjpcIjE4NFwiLFwiJHR5cGVcIjpcIk5MUkUuQ29tbW9uLkRvbS5Tb2xpZENvbG9yQnJ1c2gsIE5MUkUuQ29tbW9uXCIsXCJDb2xvclwiOntcIiRpZFwiOlwiMTg1XCIsXCJBXCI6MzgsXCJSXCI6OTEsXCJHXCI6MTU1LFwiQlwiOjIxM319LFwiTGluZVdlaWdodFwiOjEuMCxcIkxpbmVUeXBlXCI6MH0sXCJJc1Zpc2libGVcIjp0cnVlfSxcIkFjdGl2aXR5TGluZVBhbmVsU3R5bGVcIjp7XCIkaWRcIjpcIjE4NlwiLFwiQWN0aXZpdHlMaW5lU3R5bGVcIjp7XCIkaWRcIjpcIjE4N1wiLFwiTGluZUNvbG9yXCI6e1wiJGlkXCI6XCIxODhcIixcIiR0eXBlXCI6XCJOTFJFLkNvbW1vbi5Eb20uU29saWRDb2xvckJydXNoLCBOTFJFLkNvbW1vblwiLFwiQ29sb3JcIjp7XCIkaWRcIjpcIjE4OVwiLFwiQVwiOjM4LFwiUlwiOjY4LFwiR1wiOjExNCxcIkJcIjoxOTZ9fSxcIkxpbmVXZWlnaHRcIjoxLjAsXCJMaW5lVHlwZVwiOjB9LFwiSXNWaXNpYmxlXCI6dHJ1ZX19LFwiU2NhbGVcIjp7XCIkaWRcIjpcIjE5MFwiLFwiU3RhcnREYXRlXCI6XCIwMDAxLTAxLTAxVDAwOjAwOjAwXCIsXCJFbmREYXRlXCI6XCIwMDAxLTAxLTAxVDAwOjAwOjAwXCIsXCJGb3JtYXRcIjpcIndcIixcIlR5cGVcIjoxLFwiQXV0b0RhdGVSYW5nZVwiOnRydWUsXCJXb3JraW5nRGF5c1wiOjMxLFwiVG9kYXlNYXJrZXJUZXh0XCI6XCJUb2RheVwiLFwiQXV0b1NjYWxlVHlwZVwiOnRydWV9LFwiU2NhbGVWMlwiOntcIiRpZFwiOlwiMTkxXCIsXCJTdGFydERhdGVcIjpcIjAwMDEtMDEtMDFUMDA6MDA6MDBcIixcIkVuZERhdGVcIjpcIjAwMDEtMDEtMDFUMDA6MDA6MDBcIixcIkF1dG9EYXRlUmFuZ2VcIjp0cnVlLFwiV29ya2luZ0RheXNcIjozMSxcIlRvZGF5TWFya2VyVGV4dFwiOlwiVG9kYXlcIixcIkF1dG9TY2FsZVR5cGVcIjp0cnVlLFwiVGltZWJhbmRTY2FsZXNcIjp7XCIkaWRcIjpcIjE5MlwiLFwiVG9wU2NhbGVMYXllclwiOntcIiRpZFwiOlwiMTkzXCIsXCJGb3JtYXRcIjpcIndcIixcIlR5cGVcIjoxfSxcIk1pZGRsZVNjYWxlTGF5ZXJcIjp7XCIkaWRcIjpcIjE5NFwiLFwiRm9ybWF0XCI6bnVsbCxcIlR5cGVcIjowfSxcIkJvdHRvbVNjYWxlTGF5ZXJcIjp7XCIkaWRcIjpcIjE5NVwiLFwiRm9ybWF0XCI6bnVsbCxcIlR5cGVcIjowfX19LFwiTWlsZXN0b25lc1wiOltdLFwiVGFza3NcIjpbXSxcIlN3aW1sYW5lc1wiOltdLFwiU3dpbWxhbmVzVjJcIjpbXSxcIlNldHRpbmdzXCI6e1wiJGlkXCI6XCIxOTZcIixcIkltcGFPcHRpb25zXCI6e1wiJGlkXCI6XCIxOTdcIixcIkxlZnRUb1JpZ2h0XCI6ZmFsc2UsXCJQYXlsb2FkT3B0aW9uc1wiOjJ9fSxcIlRpbWVDb25maWd1cmF0aW9uXCI6e1wiJGlkXCI6XCIxOThcIixcIlVzZVRpbWVcIjpmYWxzZSxcIldvcmtEYXlTdGFydFwiOlwiMDA6MDA6MDBcIixcIldvcmtEYXlFbmRcIjpcIjIzOjU5OjAwXCJ9fSJ9LCJTZXR0aW5ncyI6eyIkaWQiOiIzNzQiLCJJbXBhT3B0aW9ucyI6eyIkaWQiOiIzNzUiLCJMZWZ0VG9SaWdodCI6ZmFsc2UsIlBheWxvYWRPcHRpb25zIjoyfSwiVXNlQ29tcHJlc3Npb24iOmZhbHNlLCJDb21wcmVzaW9uUGVyY2VudGFnZSI6NTAuMCwiSW5hY3RpdmVJbnRlcnZhbFdpZHRoVGhyZXNob2xkIjozMC4wLCJJbmFjdGl2ZUludGVydmFsV2lkdGgiOjEuMCwiU3BsaXRUYXNrcyI6ZmFsc2UsIlVzZUNsdXN0ZXIiOmZhbHNlLCJFcHNpbG9uIjo1LjAsIk1pblBvaW50c1RvRm9ybUFDbHVzdGVyIjoyLCJHZW5lcmF0ZUludmlzaWJsZVNoYXBlcyI6ZmFsc2UsIlNtYXJ0VGltZWxpbmVUYXNrUGVyY2VudGFnZUZpdCI6ZmFsc2V9LCJJc05ldyI6ZmFsc2UsIkltcG9ydFR5cGUiOjAsIkZpbGVQYXRoIjpudWxsLCJUaW1lQ29uZmlndXJhdGlvbiI6eyIkaWQiOiIzNzYiLCJVc2VUaW1lIjpmYWxzZSwiV29ya0RheVN0YXJ0IjoiMDA6MDA6MDAiLCJXb3JrRGF5RW5kIjoiMjM6NTk6MDAifSwiTGFzdFVzZWRUZW1wbGF0ZUlkIjoiY2MyNmY4NjMtMjdjZS00ODBlLWE1ODktYjNmMTJmMmQ2ZWIwIiwiRmlyc3RXZWVrT2ZZZWFyIjowLCJQbGFjZU1pbGVzdG9uZUF0VGhlQmVnaW5uaW5nT2ZUaGVEYXkiOmZhbHNlfQ=="/>
+  <p:tag name="__PART_0" val="eyIkaWQiOiIxIiwiX3N3aW1sYW5lc1YyIjpbXSwiQ3VsdHVyZUluZm9OYW1lIjoiZW4tVVMiLCJTdHlsZU5hbWUiOm51bGwsIlZlcnNpb24iOnsiJGlkIjoiMiIsIlZlcnNpb24iOiIzLjYuMSIsIk9yaWdpbmFsQXNzZW1ibHlWZXJzaW9uIjoiNi4wNC4wMS4wMCIsIkVkaXRpb24iOm51bGwsIkxhc3RTYXZlZEVkaXRpb24iOjAsIklzUGx1c0VkaXRpb24iOmZhbHNlLCJJc1Byb0VkaXRpb24iOmZhbHNlfSwiRWZmZWN0IjoxLCJTdHlsZSI6eyIkaWQiOiIzIiwiVGltZWJhbmRTdHlsZSI6eyIkaWQiOiI0IiwiU2NhbGVNYXJraW5nIjoxLCJTaGFwZSI6MCwiU2hhcGVTdHlsZSI6eyIkaWQiOiI1IiwiTWFyZ2luIjp7IiRpZCI6IjYiLCJUb3AiOjAuMCwiTGVmdCI6MTIuMCwiUmlnaHQiOjEyLjAsIkJvdHRvbSI6MC4wfSwiUGFkZGluZyI6eyIkaWQiOiI3IiwiVG9wIjo3LjAsIkxlZnQiOjAuMCwiUmlnaHQiOjAuMCwiQm90dG9tIjo3LjB9LCJCYWNrZ3JvdW5kIjp7IiRpZCI6IjgiLCJDb2xvciI6eyIkaWQiOiI5IiwiQSI6MjU1LCJSIjo2OCwiRyI6ODQsIkIiOjEwNn19LCJJc1Zpc2libGUiOnRydWUsIldpZHRoIjo4NTguMCwiSGVpZ2h0IjoyMC4wLCJCb3JkZXJTdHlsZSI6eyIkaWQiOiIxMCIsIkxpbmVDb2xvciI6eyIkaWQiOiIxMSIsIiR0eXBlIjoiTkxSRS5Db21tb24uRG9tLlNvbGlkQ29sb3JCcnVzaCwgTkxSRS5Db21tb24iLCJDb2xvciI6eyIkaWQiOiIxMiIsIkEiOjI1NSwiUiI6MjU1LCJHIjowLCJCIjowfX0sIkxpbmVXZWlnaHQiOjAuMCwiTGluZVR5cGUiOjAsIlBhcmVudFN0eWxlIjpudWxsfSwiUGFyZW50U3R5bGUiOm51bGx9LCJNaWRkbGVUaWVyU2hhcGVTdHlsZSI6eyIkaWQiOiIxMyIsIk1hcmdpbiI6eyIkaWQiOiIxNCIsIlRvcCI6MC4wLCJMZWZ0IjoxMi4wLCJSaWdodCI6MTIuMCwiQm90dG9tIjowLjB9LCJQYWRkaW5nIjp7IiRpZCI6IjE1IiwiVG9wIjo3LjAsIkxlZnQiOjAuMCwiUmlnaHQiOjAuMCwiQm90dG9tIjo3LjB9LCJCYWNrZ3JvdW5kIjp7IiRpZCI6IjE2IiwiQ29sb3IiOnsiJGlkIjoiMTciLCJBIjoyNTUsIlIiOjY4LCJHIjo4NCwiQiI6MTA2fX0sIklzVmlzaWJsZSI6dHJ1ZSwiV2lkdGgiOjg1OC4wLCJIZWlnaHQiOjIwLjAsIkJvcmRlclN0eWxlIjp7IiRpZCI6IjE4IiwiTGluZUNvbG9yIjp7IiRpZCI6IjE5IiwiJHR5cGUiOiJOTFJFLkNvbW1vbi5Eb20uU29saWRDb2xvckJydXNoLCBOTFJFLkNvbW1vbiIsIkNvbG9yIjp7IiRpZCI6IjIwIiwiQSI6MjU1LCJSIjoyNTUsIkciOjAsIkIiOjB9fSwiTGluZVdlaWdodCI6MC4wLCJMaW5lVHlwZSI6MCwiUGFyZW50U3R5bGUiOm51bGx9LCJQYXJlbnRTdHlsZSI6bnVsbH0sIkJvdHRvbVRpZXJTaGFwZVN0eWxlIjp7IiRpZCI6IjIxIiwiTWFyZ2luIjp7IiRpZCI6IjIyIiwiVG9wIjowLjAsIkxlZnQiOjEyLjAsIlJpZ2h0IjoxMi4wLCJCb3R0b20iOjAuMH0sIlBhZGRpbmciOnsiJGlkIjoiMjMiLCJUb3AiOjcuMCwiTGVmdCI6MC4wLCJSaWdodCI6MC4wLCJCb3R0b20iOjcuMH0sIkJhY2tncm91bmQiOnsiJGlkIjoiMjQiLCJDb2xvciI6eyIkaWQiOiIyNSIsIkEiOjI1NSwiUiI6NjgsIkciOjg0LCJCIjoxMDZ9fSwiSXNWaXNpYmxlIjp0cnVlLCJXaWR0aCI6ODU4LjAsIkhlaWdodCI6MjAuMCwiQm9yZGVyU3R5bGUiOnsiJGlkIjoiMjYiLCJMaW5lQ29sb3IiOnsiJGlkIjoiMjciLCIkdHlwZSI6Ik5MUkUuQ29tbW9uLkRvbS5Tb2xpZENvbG9yQnJ1c2gsIE5MUkUuQ29tbW9uIiwiQ29sb3IiOnsiJGlkIjoiMjgiLCJBIjoyNTUsIlIiOjI1NSwiRyI6MCwiQiI6MH19LCJMaW5lV2VpZ2h0IjowLjAsIkxpbmVUeXBlIjowLCJQYXJlbnRTdHlsZSI6bnVsbH0sIlBhcmVudFN0eWxlIjpudWxsfSwiUmlnaHRFbmRDYXBzU3R5bGUiOnsiJGlkIjoiMjkiLCJGb250U2V0dGluZ3MiOnsiJGlkIjoiMzAiLCJGb250U2l6ZSI6MTgsIkZvbnROYW1lIjoiQ2FsaWJyaSIsIklzQm9sZCI6dHJ1ZSwiSXNJdGFsaWMiOmZhbHNlLCJJc1VuZGVybGluZWQiOmZhbHNlLCJQYXJlbnRTdHlsZSI6bnVsbH0sIkF1dG9TaXplIjowLCJGb3JlZ3JvdW5kIjp7IiRpZCI6IjMxIiwiQ29sb3IiOnsiJGlkIjoiMzIiLCJBIjoyNTUsIlIiOjIzNywiRyI6MTI1LCJCIjo0OX19LCJNYXhXaWR0aCI6IkluZmluaXR5IiwiTWF4SGVpZ2h0IjoiSW5maW5pdHkiLCJTbWFydEZvcmVncm91bmRJc0FjdGl2ZSI6ZmFsc2UsIkhvcml6b250YWxBbGlnbm1lbnQiOjAsIlZlcnRpY2FsQWxpZ25tZW50IjowLCJTbWFydEZvcmVncm91bmQiOm51bGwsIkJhY2tncm91bmRGaWxsVHlwZSI6MCwiTWFyZ2luIjp7IiRpZCI6IjMzIiwiVG9wIjowLjAsIkxlZnQiOjAuMCwiUmlnaHQiOjIwLjAsIkJvdHRvbSI6MC4wfSwiUGFkZGluZyI6eyIkaWQiOiIzNCIsIlRvcCI6MC4wLCJMZWZ0IjowLjAsIlJpZ2h0IjowLjAsIkJvdHRvbSI6MC4wfSwiQmFja2dyb3VuZCI6eyIkaWQiOiIzNSIsIkNvbG9yIjp7IiRpZCI6IjM2IiwiQSI6ODksIlIiOjAsIkciOjAsIkIiOjB9fSwiSXNWaXNpYmxlIjp0cnVlLCJXaWR0aCI6MC4wLCJIZWlnaHQiOjAuMCwiQm9yZGVyU3R5bGUiOm51bGwsIlBhcmVudFN0eWxlIjpudWxsfSwiTGVmdEVuZENhcHNTdHlsZSI6eyIkaWQiOiIzNyIsIkZvbnRTZXR0aW5ncyI6eyIkaWQiOiIzOCIsIkZvbnRTaXplIjoxOCwiRm9udE5hbWUiOiJDYWxpYnJpIiwiSXNCb2xkIjp0cnVlLCJJc0l0YWxpYyI6ZmFsc2UsIklzVW5kZXJsaW5lZCI6ZmFsc2UsIlBhcmVudFN0eWxlIjpudWxsfSwiQXV0b1NpemUiOjAsIkZvcmVncm91bmQiOnsiJGlkIjoiMzkiLCJDb2xvciI6eyIkaWQiOiI0MCIsIkEiOjI1NSwiUiI6MjM3LCJHIjoxMjUsIkIiOjQ5fX0sIk1heFdpZHRoIjoiSW5maW5pdHkiLCJNYXhIZWlnaHQiOiJJbmZpbml0eSIsIlNtYXJ0Rm9yZWdyb3VuZElzQWN0aXZlIjpmYWxzZSwiSG9yaXpvbnRhbEFsaWdubWVudCI6MCwiVmVydGljYWxBbGlnbm1lbnQiOjAsIlNtYXJ0Rm9yZWdyb3VuZCI6bnVsbCwiQmFja2dyb3VuZEZpbGxUeXBlIjowLCJNYXJnaW4iOnsiJGlkIjoiNDEiLCJUb3AiOjAuMCwiTGVmdCI6NDIuNTA2NjY2NjY2NjY2NjYxLCJSaWdodCI6MC4wLCJCb3R0b20iOjAuMH0sIlBhZGRpbmciOnsiJGlkIjoiNDIiLCJUb3AiOjAuMCwiTGVmdCI6MC4wLCJSaWdodCI6MC4wLCJCb3R0b20iOjAuMH0sIkJhY2tncm91bmQiOnsiJGlkIjoiNDMiLCJDb2xvciI6eyIkcmVmIjoiMzYifX0sIklzVmlzaWJsZSI6ZmFsc2UsIldpZHRoIjowLjAsIkhlaWdodCI6MC4wLCJCb3JkZXJTdHlsZSI6bnVsbCwiUGFyZW50U3R5bGUiOm51bGx9LCJUb2RheVRleHRTdHlsZSI6eyIkaWQiOiI0NCIsIkZvbnRTZXR0aW5ncyI6eyIkaWQiOiI0NSIsIkZvbnRTaXplIjoxMiwiRm9udE5hbWUiOiJDYWxpYnJpIiwiSXNCb2xkIjpmYWxzZSwiSXNJdGFsaWMiOmZhbHNlLCJJc1VuZGVybGluZWQiOmZhbHNlLCJQYXJlbnRTdHlsZSI6bnVsbH0sIkF1dG9TaXplIjowLCJGb3JlZ3JvdW5kIjp7IiRpZCI6IjQ2IiwiQ29sb3IiOnsiJGlkIjoiNDciLCJBIjoyNTUsIlIiOjAsIkciOjAsIkIiOjB9fSwiTWF4V2lkdGgiOjIwMC4wLCJNYXhIZWlnaHQiOiJJbmZpbml0eSIsIlNtYXJ0Rm9yZWdyb3VuZElzQWN0aXZlIjpmYWxzZSwiSG9yaXpvbnRhbEFsaWdubWVudCI6MCwiVmVydGljYWxBbGlnbm1lbnQiOjAsIlNtYXJ0Rm9yZWdyb3VuZCI6bnVsbCwiQmFja2dyb3VuZEZpbGxUeXBlIjowLCJNYXJnaW4iOnsiJGlkIjoiNDgiLCJUb3AiOjAuMCwiTGVmdCI6MC4wLCJSaWdodCI6MC4wLCJCb3R0b20iOjAuMH0sIlBhZGRpbmciOnsiJGlkIjoiNDkiLCJUb3AiOjAuMCwiTGVmdCI6MC4wLCJSaWdodCI6MC4wLCJCb3R0b20iOjAuMH0sIkJhY2tncm91bmQiOnsiJGlkIjoiNTAiLCJDb2xvciI6eyIkcmVmIjoiMzYifX0sIklzVmlzaWJsZSI6dHJ1ZSwiV2lkdGgiOjAuMCwiSGVpZ2h0IjowLjAsIkJvcmRlclN0eWxlIjpudWxsLCJQYXJlbnRTdHlsZSI6bnVsbH0sIlRvZGF5TWFya2VyU3R5bGUiOnsiJGlkIjoiNTEiLCJNYXJnaW4iOnsiJGlkIjoiNTIiLCJUb3AiOjAuMCwiTGVmdCI6MC4wLCJSaWdodCI6MC4wLCJCb3R0b20iOjAuMH0sIlBhZGRpbmciOnsiJGlkIjoiNTMiLCJUb3AiOjAuMCwiTGVmdCI6MC4wLCJSaWdodCI6MC4wLCJCb3R0b20iOjAuMH0sIkJhY2tncm91bmQiOnsiJGlkIjoiNTQiLCJDb2xvciI6eyIkaWQiOiI1NSIsIkEiOjI1NSwiUiI6MjU1LCJHIjowLCJCIjowfX0sIklzVmlzaWJsZSI6dHJ1ZSwiV2lkdGgiOjAuMCwiSGVpZ2h0IjowLjAsIkJvcmRlclN0eWxlIjpudWxsLCJQYXJlbnRTdHlsZSI6bnVsbH0sIlNjYWxlU3R5bGUiOnsiJGlkIjoiNTYiLCJTaGFwZSI6MywiU2hvd1NlZ21lbnRTZXBhcmF0b3JzIjp0cnVlLCJTZWdtZW50U2VwYXJhdG9yT3BhY2l0eSI6MzAsIkhhc0JlZW5WaXNpYmxlQmVmb3JlIjp0cnVlLCJGb250U2V0dGluZ3MiOnsiJGlkIjoiNTciLCJGb250U2l6ZSI6MTIsIkZvbnROYW1lIjoiQ2FsaWJyaSIsIklzQm9sZCI6ZmFsc2UsIklzSXRhbGljIjpmYWxzZSwiSXNVbmRlcmxpbmVkIjpmYWxzZSwiUGFyZW50U3R5bGUiOm51bGx9LCJBdXRvU2l6ZSI6MCwiRm9yZWdyb3VuZCI6eyIkaWQiOiI1OCIsIkNvbG9yIjp7IiRpZCI6IjU5IiwiQSI6MjU1LCJSIjoyNTUsIkciOjI1NSwiQiI6MjU1fX0sIk1heFdpZHRoIjoyMDAuMCwiTWF4SGVpZ2h0IjoiSW5maW5pdHkiLCJTbWFydEZvcmVncm91bmRJc0FjdGl2ZSI6ZmFsc2UsIkhvcml6b250YWxBbGlnbm1lbnQiOjAsIlZlcnRpY2FsQWxpZ25tZW50IjoxLCJTbWFydEZvcmVncm91bmQiOm51bGwsIkJhY2tncm91bmRGaWxsVHlwZSI6MCwiTWFyZ2luIjp7IiRpZCI6IjYwIiwiVG9wIjowLjAsIkxlZnQiOjUuMCwiUmlnaHQiOjAuMCwiQm90dG9tIjowLjB9LCJQYWRkaW5nIjp7IiRpZCI6IjYxIiwiVG9wIjowLjAsIkxlZnQiOjAuMCwiUmlnaHQiOjAuMCwiQm90dG9tIjowLjB9LCJCYWNrZ3JvdW5kIjp7IiRpZCI6IjYyIiwiQ29sb3IiOnsiJHJlZiI6IjM2In19LCJJc1Zpc2libGUiOnRydWUsIldpZHRoIjowLjAsIkhlaWdodCI6MC4wLCJCb3JkZXJTdHlsZSI6bnVsbCwiUGFyZW50U3R5bGUiOm51bGx9LCJTaW5nbGVTY2FsZVNoYXBlU3R5bGUiOnsiJGlkIjoiNjMiLCJTaGFwZSI6MCwiSGVpZ2h0IjowLjB9LCJNaWRkbGVUaWVyU2NhbGVTdHlsZSI6eyIkaWQiOiI2NCIsIlNoYXBlIjozLCJTaG93U2VnbWVudFNlcGFyYXRvcnMiOnRydWUsIlNlZ21lbnRTZXBhcmF0b3JPcGFjaXR5IjozMCwiSGFzQmVlblZpc2libGVCZWZvcmUiOmZhbHNlLCJGb250U2V0dGluZ3MiOnsiJGlkIjoiNjUiLCJGb250U2l6ZSI6MTIsIkZvbnROYW1lIjoiQ2FsaWJyaSIsIklzQm9sZCI6ZmFsc2UsIklzSXRhbGljIjpmYWxzZSwiSXNVbmRlcmxpbmVkIjpmYWxzZSwiUGFyZW50U3R5bGUiOm51bGx9LCJBdXRvU2l6ZSI6MCwiRm9yZWdyb3VuZCI6eyIkaWQiOiI2NiIsIkNvbG9yIjp7IiRpZCI6IjY3IiwiQSI6MjU1LCJSIjoyNTUsIkciOjI1NSwiQiI6MjU1fX0sIk1heFdpZHRoIjoyMDAuMCwiTWF4SGVpZ2h0IjoiSW5maW5pdHkiLCJTbWFydEZvcmVncm91bmRJc0FjdGl2ZSI6ZmFsc2UsIkhvcml6b250YWxBbGlnbm1lbnQiOjAsIlZlcnRpY2FsQWxpZ25tZW50IjoxLCJTbWFydEZvcmVncm91bmQiOm51bGwsIkJhY2tncm91bmRGaWxsVHlwZSI6MCwiTWFyZ2luIjp7IiRpZCI6IjY4IiwiVG9wIjowLjAsIkxlZnQiOjUuMCwiUmlnaHQiOjAuMCwiQm90dG9tIjowLjB9LCJQYWRkaW5nIjp7IiRpZCI6IjY5IiwiVG9wIjowLjAsIkxlZnQiOjAuMCwiUmlnaHQiOjAuMCwiQm90dG9tIjowLjB9LCJCYWNrZ3JvdW5kIjp7IiRpZCI6IjcwIiwiQ29sb3IiOnsiJGlkIjoiNzEiLCJBIjowLCJSIjowLCJHIjowLCJCIjowfX0sIklzVmlzaWJsZSI6ZmFsc2UsIldpZHRoIjowLjAsIkhlaWdodCI6MC4wLCJCb3JkZXJTdHlsZSI6bnVsbCwiUGFyZW50U3R5bGUiOm51bGx9LCJCb3R0b21UaWVyU2NhbGVTdHlsZSI6eyIkaWQiOiI3MiIsIlNoYXBlIjozLCJTaG93U2VnbWVudFNlcGFyYXRvcnMiOnRydWUsIlNlZ21lbnRTZXBhcmF0b3JPcGFjaXR5IjozMCwiSGFzQmVlblZpc2libGVCZWZvcmUiOmZhbHNlLCJGb250U2V0dGluZ3MiOnsiJGlkIjoiNzMiLCJGb250U2l6ZSI6MTIsIkZvbnROYW1lIjoiQ2FsaWJyaSIsIklzQm9sZCI6ZmFsc2UsIklzSXRhbGljIjpmYWxzZSwiSXNVbmRlcmxpbmVkIjpmYWxzZSwiUGFyZW50U3R5bGUiOm51bGx9LCJBdXRvU2l6ZSI6MCwiRm9yZWdyb3VuZCI6eyIkaWQiOiI3NCIsIkNvbG9yIjp7IiRpZCI6Ijc1IiwiQSI6MjU1LCJSIjoyNTUsIkciOjI1NSwiQiI6MjU1fX0sIk1heFdpZHRoIjoyMDAuMCwiTWF4SGVpZ2h0IjoiSW5maW5pdHkiLCJTbWFydEZvcmVncm91bmRJc0FjdGl2ZSI6ZmFsc2UsIkhvcml6b250YWxBbGlnbm1lbnQiOjAsIlZlcnRpY2FsQWxpZ25tZW50IjoxLCJTbWFydEZvcmVncm91bmQiOm51bGwsIkJhY2tncm91bmRGaWxsVHlwZSI6MCwiTWFyZ2luIjp7IiRpZCI6Ijc2IiwiVG9wIjowLjAsIkxlZnQiOjUuMCwiUmlnaHQiOjAuMCwiQm90dG9tIjowLjB9LCJQYWRkaW5nIjp7IiRpZCI6Ijc3IiwiVG9wIjowLjAsIkxlZnQiOjAuMCwiUmlnaHQiOjAuMCwiQm90dG9tIjowLjB9LCJCYWNrZ3JvdW5kIjp7IiRpZCI6Ijc4IiwiQ29sb3IiOnsiJGlkIjoiNzkiLCJBIjowLCJSIjowLCJHIjowLCJCIjowfX0sIklzVmlzaWJsZSI6ZmFsc2UsIldpZHRoIjowLjAsIkhlaWdodCI6MC4wLCJCb3JkZXJTdHlsZSI6bnVsbCwiUGFyZW50U3R5bGUiOm51bGx9LCJFbGFwc2VkVGltZUJhY2tncm91bmQiOnsiJGlkIjoiODAiLCJDb2xvciI6eyIkaWQiOiI4MSIsIkEiOjE5MSwiUiI6MjU1LCJHIjowLCJCIjowfX0sIkFwcGVuZFllYXJPblllYXJDaGFuZ2UiOmZhbHNlLCJFbGFwc2VkVGltZUZvcm1hdCI6MiwiVG9kYXlNYXJrZXJQb3NpdGlvbiI6MiwiUXVpY2tQb3NpdGlvbiI6MiwiQWJzb2x1dGVQb3NpdGlvbiI6NDA1LjAsIk1hcmdpbiI6eyIkaWQiOiI4MiIsIlRvcCI6MC4wLCJMZWZ0IjoxMC4wLCJSaWdodCI6MTAuMCwiQm90dG9tIjowLjB9LCJQYWRkaW5nIjp7IiRpZCI6IjgzIiwiVG9wIjowLjAsIkxlZnQiOjAuMCwiUmlnaHQiOjAuMCwiQm90dG9tIjowLjB9LCJCYWNrZ3JvdW5kIjp7IiRpZCI6Ijg0IiwiQ29sb3IiOnsiJGlkIjoiODUiLCJBIjoyNTUsIlIiOjQ3LCJHIjo1NCwiQiI6MTUzfX0sIklzVmlzaWJsZSI6dHJ1ZSwiV2lkdGgiOjAuMCwiSGVpZ2h0IjowLjAsIkJvcmRlclN0eWxlIjpudWxsLCJQYXJlbnRTdHlsZSI6bnVsbH0sIkRlZmF1bHRNaWxlc3RvbmVTdHlsZSI6eyIkaWQiOiI4NiIsIlNoYXBlIjowLCJDb25uZWN0b3JNYXJnaW4iOnsiJGlkIjoiODciLCJUb3AiOjAuMCwiTGVmdCI6Mi4wLCJSaWdodCI6Mi4wLCJCb3R0b20iOjAuMH0sIkNvbm5lY3RvclN0eWxlIjp7IiRpZCI6Ijg4IiwiTGluZUNvbG9yIjp7IiRpZCI6Ijg5IiwiJHR5cGUiOiJOTFJFLkNvbW1vbi5Eb20uU29saWRDb2xvckJydXNoLCBOTFJFLkNvbW1vbiIsIkNvbG9yIjp7IiRpZCI6IjkwIiwiQSI6MTI3LCJSIjo3OSwiRyI6MTI5LCJCIjoxODl9fSwiTGluZVdlaWdodCI6MS4wLCJMaW5lVHlwZSI6MCwiUGFyZW50U3R5bGUiOm51bGx9LCJJc0JlbG93VGltZWJhbmQiOmZhbHNlLCJQb3NpdGlvbk9uVGFzayI6MCwiSGlkZURhdGUiOmZhbHNlLCJTaGFwZVNpemUiOjEsIlNwYWNpbmciOjEuMCwiUGFkZGluZyI6eyIkaWQiOiI5MSIsIlRvcCI6Ny4wLCJMZWZ0IjozLjAsIlJpZ2h0IjowLjAsIkJvdHRvbSI6Mi4wfSwiU2hhcGVTdHlsZSI6eyIkaWQiOiI5MiIsIk1hcmdpbiI6eyIkaWQiOiI5MyIsIlRvcCI6MC4wLCJMZWZ0IjowLjAsIlJpZ2h0IjowLjAsIkJvdHRvbSI6MC4wfSwiUGFkZGluZyI6eyIkaWQiOiI5NCIsIlRvcCI6MC4wLCJMZWZ0IjowLjAsIlJpZ2h0IjowLjAsIkJvdHRvbSI6MC4wfSwiQmFja2dyb3VuZCI6eyIkaWQiOiI5NSIsIkNvbG9yIjp7IiRpZCI6Ijk2IiwiQSI6MjU1LCJSIjowLCJHIjoxMTQsIkIiOjE4OH19LCJJc1Zpc2libGUiOnRydWUsIldpZHRoIjoxOC4wLCJIZWlnaHQiOjIwLjAsIkJvcmRlclN0eWxlIjp7IiRpZCI6Ijk3IiwiTGluZUNvbG9yIjp7IiRpZCI6Ijk4IiwiJHR5cGUiOiJOTFJFLkNvbW1vbi5Eb20uU29saWRDb2xvckJydXNoLCBOTFJFLkNvbW1vbiIsIkNvbG9yIjp7IiRpZCI6Ijk5IiwiQSI6MjU1LCJSIjoyNTUsIkciOjAsIkIiOjB9fSwiTGluZVdlaWdodCI6MC4wLCJMaW5lVHlwZSI6MCwiUGFyZW50U3R5bGUiOm51bGx9LCJQYXJlbnRTdHlsZSI6bnVsbH0sIlRpdGxlU3R5bGUiOnsiJGlkIjoiMTAwIiwiRm9udFNldHRpbmdzIjp7IiRpZCI6IjEwMSIsIkZvbnRTaXplIjoxMSwiRm9udE5hbWUiOiJDYWxpYnJpIiwiSXNCb2xkIjp0cnVlLCJJc0l0YWxpYyI6ZmFsc2UsIklzVW5kZXJsaW5lZCI6ZmFsc2UsIlBhcmVudFN0eWxlIjpudWxsfSwiQXV0b1NpemUiOjAsIkZvcmVncm91bmQiOnsiJGlkIjoiMTAyIiwiQ29sb3IiOnsiJGlkIjoiMTAzIiwiQSI6MjU1LCJSIjowLCJHIjowLCJCIjowfX0sIk1heFdpZHRoIjoyMDAuMCwiTWF4SGVpZ2h0IjoiSW5maW5pdHkiLCJTbWFydEZvcmVncm91bmRJc0FjdGl2ZSI6ZmFsc2UsIkhvcml6b250YWxBbGlnbm1lbnQiOjEsIlZlcnRpY2FsQWxpZ25tZW50IjowLCJTbWFydEZvcmVncm91bmQiOm51bGwsIkJhY2tncm91bmRGaWxsVHlwZSI6MCwiTWFyZ2luIjp7IiRpZCI6IjEwNCIsIlRvcCI6MC4wLCJMZWZ0IjowLjAsIlJpZ2h0IjowLjAsIkJvdHRvbSI6MC4wfSwiUGFkZGluZyI6eyIkaWQiOiIxMDUiLCJUb3AiOjAuMCwiTGVmdCI6MC4wLCJSaWdodCI6MC4wLCJCb3R0b20iOjAuMH0sIkJhY2tncm91bmQiOnsiJGlkIjoiMTA2IiwiQ29sb3IiOnsiJHJlZiI6IjM2In19LCJJc1Zpc2libGUiOnRydWUsIldpZHRoIjowLjAsIkhlaWdodCI6MC4wLCJCb3JkZXJTdHlsZSI6bnVsbCwiUGFyZW50U3R5bGUiOm51bGx9LCJEYXRlU3R5bGUiOnsiJGlkIjoiMTA3IiwiRm9udFNldHRpbmdzIjp7IiRpZCI6IjEwOCIsIkZvbnRTaXplIjoxMCwiRm9udE5hbWUiOiJDYWxpYnJpIiwiSXNCb2xkIjpmYWxzZSwiSXNJdGFsaWMiOmZhbHNlLCJJc1VuZGVybGluZWQiOmZhbHNlLCJQYXJlbnRTdHlsZSI6bnVsbH0sIkF1dG9TaXplIjowLCJGb3JlZ3JvdW5kIjp7IiRpZCI6IjEwOSIsIkNvbG9yIjp7IiRpZCI6IjExMCIsIkEiOjI1NSwiUiI6NjgsIkciOjg0LCJCIjoxMDZ9fSwiTWF4V2lkdGgiOjIwMC4wLCJNYXhIZWlnaHQiOiJJbmZpbml0eSIsIlNtYXJ0Rm9yZWdyb3VuZElzQWN0aXZlIjpmYWxzZSwiSG9yaXpvbnRhbEFsaWdubWVudCI6MCwiVmVydGljYWxBbGlnbm1lbnQiOjAsIlNtYXJ0Rm9yZWdyb3VuZCI6bnVsbCwiQmFja2dyb3VuZEZpbGxUeXBlIjowLCJNYXJnaW4iOnsiJGlkIjoiMTExIiwiVG9wIjowLjAsIkxlZnQiOjAuMCwiUmlnaHQiOjAuMCwiQm90dG9tIjowLjB9LCJQYWRkaW5nIjp7IiRpZCI6IjExMiIsIlRvcCI6MC4wLCJMZWZ0IjowLjAsIlJpZ2h0IjowLjAsIkJvdHRvbSI6MC4wfSwiQmFja2dyb3VuZCI6eyIkaWQiOiIxMTMiLCJDb2xvciI6eyIkcmVmIjoiMzYifX0sIklzVmlzaWJsZSI6dHJ1ZSwiV2lkdGgiOjAuMCwiSGVpZ2h0IjowLjAsIkJvcmRlclN0eWxlIjpudWxsLCJQYXJlbnRTdHlsZSI6bnVsbH0sIkRhdGVGb3JtYXQiOnsiJGlkIjoiMTE0IiwiRm9ybWF0U3RyaW5nIjoiTU1NIGQiLCJTZXBhcmF0b3IiOiIvIiwiVXNlSW50ZXJuYXRpb25hbERhdGVGb3JtYXQiOmZhbHNlLCJEYXRlSXNWaXNpYmxlIjp0cnVlLCJUaW1lSXNWaXNpYmxlIjpmYWxzZSwiSG91ckRpZ2l0cyI6MSwiQW1QbURlc2lnbmF0b3IiOjIsIlRyaW0wME1pbnV0ZXMiOmZhbHNlLCJMYXN0S25vd25WaXNpYmlsaXR5U3RhdGUiOm51bGx9LCJXZWVrTnVtYmVyaW5nIjp7IiRpZCI6IjExNSIsIkZvcm1hdCI6MCwiSXNWaXNpYmxlIjpmYWxzZSwiTGFzdEtub3duVmlzaWJpbGl0eVN0YXRlIjpmYWxzZX0sIklzVmlzaWJsZSI6dHJ1ZSwiUGFyZW50U3R5bGUiOm51bGx9LCJEZWZhdWx0VGFza1N0eWxlIjp7IiRpZCI6IjExNiIsIlNoYXBlIjowLCJTaGFwZVRoaWNrbmVzcyI6MSwiRHVyYXRpb25Gb3JtYXQiOjAsIkluY2x1ZGVOb25Xb3JraW5nRGF5c0luRHVyYXRpb24iOmZhbHNlLCJQZXJjZW50YWdlQ29tcGxldGVTdHlsZSI6eyIkaWQiOiIxMTciLCJGb250U2V0dGluZ3MiOnsiJGlkIjoiMTE4IiwiRm9udFNpemUiOjEwLCJGb250TmFtZSI6IkNhbGlicmkiLCJJc0JvbGQiOmZhbHNlLCJJc0l0YWxpYyI6ZmFsc2UsIklzVW5kZXJsaW5lZCI6ZmFsc2UsIlBhcmVudFN0eWxlIjpudWxsfSwiQXV0b1NpemUiOjAsIkZvcmVncm91bmQiOnsiJGlkIjoiMTE5IiwiQ29sb3IiOnsiJGlkIjoiMTIwIiwiQSI6MjU1LCJSIjoxOTIsIkciOjgwLCJCIjo3N319LCJNYXhXaWR0aCI6MjAwLjAsIk1heEhlaWdodCI6IkluZmluaXR5IiwiU21hcnRGb3JlZ3JvdW5kSXNBY3RpdmUiOmZhbHNlLCJIb3Jpem9udGFsQWxpZ25tZW50IjowLCJWZXJ0aWNhbEFsaWdubWVudCI6MCwiU21hcnRGb3JlZ3JvdW5kIjpudWxsLCJCYWNrZ3JvdW5kRmlsbFR5cGUiOjAsIk1hcmdpbiI6eyIkaWQiOiIxMjEiLCJUb3AiOjAuMCwiTGVmdCI6MC4wLCJSaWdodCI6MC4wLCJCb3R0b20iOjAuMH0sIlBhZGRpbmciOnsiJGlkIjoiMTIyIiwiVG9wIjowLjAsIkxlZnQiOjAuMCwiUmlnaHQiOjAuMCwiQm90dG9tIjowLjB9LCJCYWNrZ3JvdW5kIjp7IiRpZCI6IjEyMyIsIkNvbG9yIjp7IiRyZWYiOiIzNiJ9fSwiSXNWaXNpYmxlIjp0cnVlLCJXaWR0aCI6MC4wLCJIZWlnaHQiOjAuMCwiQm9yZGVyU3R5bGUiOm51bGwsIlBhcmVudFN0eWxlIjpudWxsfSwiRHVyYXRpb25TdHlsZSI6eyIkaWQiOiIxMjQiLCJGb250U2V0dGluZ3MiOnsiJGlkIjoiMTI1IiwiRm9udFNpemUiOjEwLCJGb250TmFtZSI6IkNhbGlicmkiLCJJc0JvbGQiOmZhbHNlLCJJc0l0YWxpYyI6ZmFsc2UsIklzVW5kZXJsaW5lZCI6ZmFsc2UsIlBhcmVudFN0eWxlIjpudWxsfSwiQXV0b1NpemUiOjAsIkZvcmVncm91bmQiOnsiJGlkIjoiMTI2IiwiQ29sb3IiOnsiJGlkIjoiMTI3IiwiQSI6MjU1LCJSIjowLCJHIjowLCJCIjowfX0sIk1heFdpZHRoIjoyMDAuMCwiTWF4SGVpZ2h0IjoiSW5maW5pdHkiLCJTbWFydEZvcmVncm91bmRJc0FjdGl2ZSI6ZmFsc2UsIkhvcml6b250YWxBbGlnbm1lbnQiOjEsIlZlcnRpY2FsQWxpZ25tZW50IjowLCJTbWFydEZvcmVncm91bmQiOm51bGwsIkJhY2tncm91bmRGaWxsVHlwZSI6MCwiTWFyZ2luIjp7IiRpZCI6IjEyOCIsIlRvcCI6MC4wLCJMZWZ0IjowLjAsIlJpZ2h0IjowLjAsIkJvdHRvbSI6MC4wfSwiUGFkZGluZyI6eyIkaWQiOiIxMjkiLCJUb3AiOjAuMCwiTGVmdCI6MC4wLCJSaWdodCI6MC4wLCJCb3R0b20iOjAuMH0sIkJhY2tncm91bmQiOnsiJGlkIjoiMTMwIiwiQ29sb3IiOnsiJHJlZiI6IjM2In19LCJJc1Zpc2libGUiOnRydWUsIldpZHRoIjowLjAsIkhlaWdodCI6MC4wLCJCb3JkZXJTdHlsZSI6bnVsbCwiUGFyZW50U3R5bGUiOm51bGx9LCJIb3Jpem9udGFsQ29ubmVjdG9yU3R5bGUiOnsiJGlkIjoiMTMxIiwiTGluZUNvbG9yIjp7IiRpZCI6IjEzMiIsIiR0eXBlIjoiTkxSRS5Db21tb24uRG9tLlNvbGlkQ29sb3JCcnVzaCwgTkxSRS5Db21tb24iLCJDb2xvciI6eyIkaWQiOiIxMzMiLCJBIjoyNTUsIlIiOjIwNCwiRyI6MjA0LCJCIjoyMDR9fSwiTGluZVdlaWdodCI6MS4wLCJMaW5lVHlwZSI6MCwiUGFyZW50U3R5bGUiOm51bGx9LCJWZXJ0aWNhbENvbm5lY3RvclN0eWxlIjp7IiRpZCI6IjEzNCIsIkxpbmVDb2xvciI6eyIkaWQiOiIxMzUiLCIkdHlwZSI6Ik5MUkUuQ29tbW9uLkRvbS5Tb2xpZENvbG9yQnJ1c2gsIE5MUkUuQ29tbW9uIiwiQ29sb3IiOnsiJGlkIjoiMTM2IiwiQSI6MjU1LCJSIjoyMDQsIkciOjIwNCwiQiI6MjA0fX0sIkxpbmVXZWlnaHQiOjAuMCwiTGluZVR5cGUiOjAsIlBhcmVudFN0eWxlIjpudWxsfSwiTWFyZ2luIjpudWxsLCJTdGFydERhdGVQb3NpdGlvbiI6NCwiRW5kRGF0ZVBvc2l0aW9uIjo0LCJEYXRlSXNWaXNpYmxlIjp0cnVlLCJUaXRsZVBvc2l0aW9uIjozLCJEdXJhdGlvblBvc2l0aW9uIjoyLCJQZXJjZW50YWdlQ29tcGxldGVkUG9zaXRpb24iOjYsIlNwYWNpbmciOjUsIklzQmVsb3dUaW1lYmFuZCI6ZmFsc2UsIlBlcmNlbnRhZ2VDb21wbGV0ZVNoYXBlT3BhY2l0eSI6MzUsIlNoYXBlU3R5bGUiOnsiJGlkIjoiMTM3IiwiTWFyZ2luIjp7IiRpZCI6IjEzOCIsIlRvcCI6MC4wLCJMZWZ0Ijo0LjAsIlJpZ2h0Ijo0LjAsIkJvdHRvbSI6MC4wfSwiUGFkZGluZyI6eyIkaWQiOiIxMzkiLCJUb3AiOjAuMCwiTGVmdCI6MC4wLCJSaWdodCI6MC4wLCJCb3R0b20iOjAuMH0sIkJhY2tncm91bmQiOnsiJGlkIjoiMTQwIiwiQ29sb3IiOnsiJGlkIjoiMTQxIiwiQSI6MjU1LCJSIjowLCJHIjoxMTQsIkIiOjE4OH19LCJJc1Zpc2libGUiOnRydWUsIldpZHRoIjowLjAsIkhlaWdodCI6MTYuMCwiQm9yZGVyU3R5bGUiOnsiJGlkIjoiMTQyIiwiTGluZUNvbG9yIjp7IiRpZCI6IjE0MyIsIiR0eXBlIjoiTkxSRS5Db21tb24uRG9tLlNvbGlkQ29sb3JCcnVzaCwgTkxSRS5Db21tb24iLCJDb2xvciI6eyIkaWQiOiIxNDQiLCJBIjoyNTUsIlIiOjI1NSwiRyI6MCwiQiI6MH19LCJMaW5lV2VpZ2h0IjowLjAsIkxpbmVUeXBlIjowLCJQYXJlbnRTdHlsZSI6bnVsbH0sIlBhcmVudFN0eWxlIjpudWxsfSwiVGl0bGVTdHlsZSI6eyIkaWQiOiIxNDUiLCJGb250U2V0dGluZ3MiOnsiJGlkIjoiMTQ2IiwiRm9udFNpemUiOjEyLCJGb250TmFtZSI6IkNhbGlicmkiLCJJc0JvbGQiOnRydWUsIklzSXRhbGljIjpmYWxzZSwiSXNVbmRlcmxpbmVkIjpmYWxzZSwiUGFyZW50U3R5bGUiOm51bGx9LCJBdXRvU2l6ZSI6MCwiRm9yZWdyb3VuZCI6eyIkaWQiOiIxNDciLCJDb2xvciI6eyIkaWQiOiIxNDgiLCJBIjoyNTUsIlIiOjAsIkciOjAsIkIiOjB9fSwiTWF4V2lkdGgiOjk2MC4wLCJNYXhIZWlnaHQiOiJJbmZpbml0eSIsIlNtYXJ0Rm9yZWdyb3VuZElzQWN0aXZlIjpmYWxzZSwiSG9yaXpvbnRhbEFsaWdubWVudCI6MiwiVmVydGljYWxBbGlnbm1lbnQiOjAsIlNtYXJ0Rm9yZWdyb3VuZCI6bnVsbCwiQmFja2dyb3VuZEZpbGxUeXBlIjowLCJNYXJnaW4iOnsiJGlkIjoiMTQ5IiwiVG9wIjowLjAsIkxlZnQiOjAuMCwiUmlnaHQiOjAuMCwiQm90dG9tIjowLjB9LCJQYWRkaW5nIjp7IiRpZCI6IjE1MCIsIlRvcCI6MC4wLCJMZWZ0IjowLjAsIlJpZ2h0IjowLjAsIkJvdHRvbSI6MC4wfSwiQmFja2dyb3VuZCI6eyIkaWQiOiIxNTEiLCJDb2xvciI6eyIkcmVmIjoiMzYifX0sIklzVmlzaWJsZSI6dHJ1ZSwiV2lkdGgiOjAuMCwiSGVpZ2h0IjowLjAsIkJvcmRlclN0eWxlIjpudWxsLCJQYXJlbnRTdHlsZSI6bnVsbH0sIkRhdGVTdHlsZSI6eyIkaWQiOiIxNTIiLCJGb250U2V0dGluZ3MiOnsiJGlkIjoiMTUzIiwiRm9udFNpemUiOjEwLCJGb250TmFtZSI6IkNhbGlicmkiLCJJc0JvbGQiOmZhbHNlLCJJc0l0YWxpYyI6ZmFsc2UsIklzVW5kZXJsaW5lZCI6ZmFsc2UsIlBhcmVudFN0eWxlIjpudWxsfSwiQXV0b1NpemUiOjAsIkZvcmVncm91bmQiOnsiJGlkIjoiMTU0IiwiQ29sb3IiOnsiJGlkIjoiMTU1IiwiQSI6MjU1LCJSIjo2OCwiRyI6ODQsIkIiOjEwNn19LCJNYXhXaWR0aCI6MjAwLjAsIk1heEhlaWdodCI6IkluZmluaXR5IiwiU21hcnRGb3JlZ3JvdW5kSXNBY3RpdmUiOmZhbHNlLCJIb3Jpem9udGFsQWxpZ25tZW50IjowLCJWZXJ0aWNhbEFsaWdubWVudCI6MCwiU21hcnRGb3JlZ3JvdW5kIjpudWxsLCJCYWNrZ3JvdW5kRmlsbFR5cGUiOjAsIk1hcmdpbiI6eyIkaWQiOiIxNTYiLCJUb3AiOjAuMCwiTGVmdCI6MC4wLCJSaWdodCI6MC4wLCJCb3R0b20iOjAuMH0sIlBhZGRpbmciOnsiJGlkIjoiMTU3IiwiVG9wIjowLjAsIkxlZnQiOjAuMCwiUmlnaHQiOjAuMCwiQm90dG9tIjowLjB9LCJCYWNrZ3JvdW5kIjp7IiRpZCI6IjE1OCIsIkNvbG9yIjp7IiRyZWYiOiIzNiJ9fSwiSXNWaXNpYmxlIjp0cnVlLCJXaWR0aCI6MC4wLCJIZWlnaHQiOjAuMCwiQm9yZGVyU3R5bGUiOm51bGwsIlBhcmVudFN0eWxlIjpudWxsfSwiRGF0ZUZvcm1hdCI6eyIkaWQiOiIxNTkiLCJGb3JtYXRTdHJpbmciOiJNTU0gZCIsIlNlcGFyYXRvciI6Ii8iLCJVc2VJbnRlcm5hdGlvbmFsRGF0ZUZvcm1hdCI6ZmFsc2UsIkRhdGVJc1Zpc2libGUiOnRydWUsIlRpbWVJc1Zpc2libGUiOmZhbHNlLCJIb3VyRGlnaXRzIjoxLCJBbVBtRGVzaWduYXRvciI6MiwiVHJpbTAwTWludXRlcyI6ZmFsc2UsIkxhc3RLbm93blZpc2liaWxpdHlTdGF0ZSI6bnVsbH0sIldlZWtOdW1iZXJpbmciOnsiJGlkIjoiMTYwIiwiRm9ybWF0IjowLCJJc1Zpc2libGUiOmZhbHNlLCJMYXN0S25vd25WaXNpYmlsaXR5U3RhdGUiOmZhbHNlfSwiSXNWaXNpYmxlIjp0cnVlLCJQYXJlbnRTdHlsZSI6bnVsbCwiX2V4cGxpY2l0bHlTZXQiOnsiJGlkIjoiMTYxIiwiU2hhcGVTdHlsZSI6ZmFsc2UsIlRpdGxlU3R5bGUiOmZhbHNlLCJEYXRlU3R5bGUiOmZhbHNlLCJIb3Jpem9udGFsQ29ubmVjdG9yU3R5bGUiOmZhbHNlLCJWZXJ0aWNhbENvbm5lY3RvclN0eWxlIjpmYWxzZSwiUGVyY2VudGFnZUNvbXBsZXRlU2hhcGVPcGFjaXR5IjpmYWxzZSwiU2hhcGUiOmZhbHNlLCJTaGFwZVRoaWNrbmVzcyI6ZmFsc2UsIkR1cmF0aW9uRm9ybWF0IjpmYWxzZSwiSW5jbHVkZU5vbldvcmtpbmdEYXlzSW5EdXJhdGlvbiI6ZmFsc2UsIk1hcmdpbiI6ZmFsc2UsIlN0YXJ0RGF0ZVBvc2l0aW9uIjpmYWxzZSwiRW5kRGF0ZVBvc2l0aW9uIjpmYWxzZSwiVGl0bGVQb3NpdGlvbiI6ZmFsc2UsIkR1cmF0aW9uUG9zaXRpb24iOmZhbHNlLCJQZXJjZW50YWdlQ29tcGxldGVkUG9zaXRpb24iOmZhbHNlLCJTcGFjaW5nIjpmYWxzZSwiSXNCZWxvd1RpbWViYW5kIjpmYWxzZSwiRGF0ZUZvcm1hdCI6ZmFsc2UsIldlZWtOdW1iZXJpbmciOmZhbHNlLCJJc1Zpc2libGUiOmZhbHNlfX0sIkdyaWRsaW5lUGFuZWxTdHlsZSI6eyIkaWQiOiIxNjIiLCJHcmlkbGluZVN0eWxlIjp7IiRpZCI6IjE2MyIsIkxpbmVDb2xvciI6eyIkaWQiOiIxNjQiLCIkdHlwZSI6Ik5MUkUuQ29tbW9uLkRvbS5Tb2xpZENvbG9yQnJ1c2gsIE5MUkUuQ29tbW9uIiwiQ29sb3IiOnsiJGlkIjoiMTY1IiwiQSI6MzgsIlIiOjkxLCJHIjoxNTUsIkIiOjIxM319LCJMaW5lV2VpZ2h0IjoxLjAsIkxpbmVUeXBlIjowLCJQYXJlbnRTdHlsZSI6bnVsbH0sIk1hcmdpbiI6eyIkaWQiOiIxNjYiLCJUb3AiOjAuMCwiTGVmdCI6MC4wLCJSaWdodCI6MC4wLCJCb3R0b20iOjAuMH0sIlBhZGRpbmciOnsiJGlkIjoiMTY3IiwiVG9wIjowLjAsIkxlZnQiOjAuMCwiUmlnaHQiOjAuMCwiQm90dG9tIjowLjB9LCJCYWNrZ3JvdW5kIjpudWxsLCJJc1Zpc2libGUiOnRydWUsIldpZHRoIjowLjAsIkhlaWdodCI6MC4wLCJCb3JkZXJTdHlsZSI6eyIkaWQiOiIxNjgiLCJMaW5lQ29sb3IiOm51bGwsIkxpbmVXZWlnaHQiOjAuMCwiTGluZVR5cGUiOjAsIlBhcmVudFN0eWxlIjpudWxsfSwiUGFyZW50U3R5bGUiOm51bGx9LCJBY3Rpdml0eUxpbmVQYW5lbFN0eWxlIjp7IiRpZCI6IjE2OSIsIkFjdGl2aXR5TGluZVN0eWxlIjp7IiRpZCI6IjE3MCIsIkxpbmVDb2xvciI6eyIkaWQiOiIxNzEiLCIkdHlwZSI6Ik5MUkUuQ29tbW9uLkRvbS5Tb2xpZENvbG9yQnJ1c2gsIE5MUkUuQ29tbW9uIiwiQ29sb3IiOnsiJGlkIjoiMTcyIiwiQSI6MzgsIlIiOjY4LCJHIjoxMTQsIkIiOjE5Nn19LCJMaW5lV2VpZ2h0IjoxLjAsIkxpbmVUeXBlIjowLCJQYXJlbnRTdHlsZSI6bnVsbH0sIk1hcmdpbiI6eyIkaWQiOiIxNzMiLCJUb3AiOjAuMCwiTGVmdCI6MC4wLCJSaWdodCI6MC4wLCJCb3R0b20iOjAuMH0sIlBhZGRpbmciOnsiJGlkIjoiMTc0IiwiVG9wIjowLjAsIkxlZnQiOjAuMCwiUmlnaHQiOjAuMCwiQm90dG9tIjowLjB9LCJCYWNrZ3JvdW5kIjpudWxsLCJJc1Zpc2libGUiOnRydWUsIldpZHRoIjowLjAsIkhlaWdodCI6MC4wLCJCb3JkZXJTdHlsZSI6eyIkaWQiOiIxNzUiLCJMaW5lQ29sb3IiOm51bGwsIkxpbmVXZWlnaHQiOjAuMCwiTGluZVR5cGUiOjAsIlBhcmVudFN0eWxlIjpudWxsfSwiUGFyZW50U3R5bGUiOm51bGx9LCJTaG93RWxhcHNlZFRpbWVHcmFkaWVudFN0eWxlIjpmYWxzZSwiVGltZWJhbmRSZXNlcnZlZExlZnRBcmVhU3R5bGUiOnsiJGlkIjoiMTc2IiwiQWN0aXZpdHlIZWFkZXJXaWR0aCI6MC4wLCJJc1NldCI6ZmFsc2V9LCJEZWZhdWx0U3dpbWxhbmVTdHlsZSI6bnVsbH0sIlNjYWxlIjpudWxsLCJTY2FsZVYyIjp7IiRpZCI6IjE3NyIsIlN0YXJ0RGF0ZSI6IjAwMDEtMDEtMDFUMDA6MDA6MDAiLCJFbmREYXRlIjoiMjAyMi0wOC0yNlQyMzo1OTowMCIsIkF1dG9EYXRlUmFuZ2UiOnRydWUsIldvcmtpbmdEYXlzIjozMSwiRmlzY2FsWWVhciI6eyIkaWQiOiIxNzgiLCJTdGFydE1vbnRoIjoxLCJVc2VTdGFydGluZ1llYXJGb3JOdW1iZXJpbmciOnRydWUsIlNob3dGaXNjYWxZZWFyTGFiZWwiOnRydWV9LCJUb2RheU1hcmtlclRleHQiOiJUb2RheSIsIkF1dG9TY2FsZVR5cGUiOnRydWUsIlRpbWViYW5kU2NhbGVzIjp7IiRpZCI6IjE3OSIsIlRvcFNjYWxlTGF5ZXIiOnsiJGlkIjoiMTgwIiwiRm9ybWF0IjoiTU1NIiwiVHlwZSI6Mn0sIk1pZGRsZVNjYWxlTGF5ZXIiOnsiJGlkIjoiMTgxIiwiRm9ybWF0IjpudWxsLCJUeXBlIjowfSwiQm90dG9tU2NhbGVMYXllciI6eyIkaWQiOiIxODIiLCJGb3JtYXQiOm51bGwsIlR5cGUiOjB9fX0sIk1pbGVzdG9uZXMiOltdLCJUYXNrcyI6W3siJGlkIjoiMTgzIiwiR3JvdXBOYW1lIjpudWxsLCJTdGFydERhdGUiOiIyMDIyLTAzLTE0VDAwOjAwOjAwWiIsIkVuZERhdGUiOiIyMDIyLTAzLTE4VDIzOjU5OjAwWiIsIlBlcmNlbnRhZ2VDb21wbGV0ZSI6bnVsbCwiU3R5bGUiOnsiJGlkIjoiMTg0IiwiU2hhcGUiOjEsIlNoYXBlVGhpY2tuZXNzIjowLCJEdXJhdGlvbkZvcm1hdCI6MCwiSW5jbHVkZU5vbldvcmtpbmdEYXlzSW5EdXJhdGlvbiI6ZmFsc2UsIlBlcmNlbnRhZ2VDb21wbGV0ZVN0eWxlIjp7IiRpZCI6IjE4NSIsIkZvbnRTZXR0aW5ncyI6eyIkaWQiOiIxODYiLCJGb250U2l6ZSI6MTAsIkZvbnROYW1lIjoiQ2FsaWJyaSIsIklzQm9sZCI6ZmFsc2UsIklzSXRhbGljIjpmYWxzZSwiSXNVbmRlcmxpbmVkIjpmYWxzZSwiUGFyZW50U3R5bGUiOm51bGx9LCJBdXRvU2l6ZSI6MCwiRm9yZWdyb3VuZCI6eyIkaWQiOiIxODciLCJDb2xvciI6eyIkaWQiOiIxODgiLCJBIjoyNTUsIlIiOjE5MiwiRyI6ODAsIkIiOjc3fX0sIk1heFdpZHRoIjoyMDAuMCwiTWF4SGVpZ2h0IjoiSW5maW5pdHkiLCJTbWFydEZvcmVncm91bmRJc0FjdGl2ZSI6ZmFsc2UsIkhvcml6b250YWxBbGlnbm1lbnQiOjAsIlZlcnRpY2FsQWxpZ25tZW50IjowLCJTbWFydEZvcmVncm91bmQiOm51bGwsIkJhY2tncm91bmRGaWxsVHlwZSI6MCwiTWFyZ2luIjp7IiRyZWYiOiIxMjEifSwiUGFkZGluZyI6eyIkcmVmIjoiMTIyIn0sIkJhY2tncm91bmQiOnsiJGlkIjoiMTg5IiwiQ29sb3IiOnsiJGlkIjoiMTkwIiwiQSI6ODksIlIiOjAsIkciOjAsIkIiOjB9fSwiSXNWaXNpYmxlIjp0cnVlLCJXaWR0aCI6MC4wLCJIZWlnaHQiOjAuMCwiQm9yZGVyU3R5bGUiOnsiJGlkIjoiMTkxIiwiTGluZUNvbG9yIjpudWxsLCJMaW5lV2VpZ2h0IjowLjAsIkxpbmVUeXBlIjowLCJQYXJlbnRTdHlsZSI6bnVsbH0sIlBhcmVudFN0eWxlIjpudWxsfSwiRHVyYXRpb25TdHlsZSI6eyIkaWQiOiIxOTIiLCJGb250U2V0dGluZ3MiOnsiJGlkIjoiMTkzIiwiRm9udFNpemUiOjEwLCJGb250TmFtZSI6IkNhbGlicmkiLCJJc0JvbGQiOmZhbHNlLCJJc0l0YWxpYyI6ZmFsc2UsIklzVW5kZXJsaW5lZCI6ZmFsc2UsIlBhcmVudFN0eWxlIjpudWxsfSwiQXV0b1NpemUiOjAsIkZvcmVncm91bmQiOnsiJGlkIjoiMTk0IiwiQ29sb3IiOnsiJGlkIjoiMTk1IiwiQSI6MjU1LCJSIjowLCJHIjowLCJCIjowfX0sIk1heFdpZHRoIjoyMDAuMCwiTWF4SGVpZ2h0IjoiSW5maW5pdHkiLCJTbWFydEZvcmVncm91bmRJc0FjdGl2ZSI6ZmFsc2UsIkhvcml6b250YWxBbGlnbm1lbnQiOjEsIlZlcnRpY2FsQWxpZ25tZW50IjowLCJTbWFydEZvcmVncm91bmQiOm51bGwsIkJhY2tncm91bmRGaWxsVHlwZSI6MCwiTWFyZ2luIjp7IiRyZWYiOiIxMjgifSwiUGFkZGluZyI6eyIkcmVmIjoiMTI5In0sIkJhY2tncm91bmQiOnsiJGlkIjoiMTk2IiwiQ29sb3IiOnsiJGlkIjoiMTk3IiwiQSI6MCwiUiI6MjU1LCJHIjoyNTUsIkIiOjI1NX19LCJJc1Zpc2libGUiOnRydWUsIldpZHRoIjowLjAsIkhlaWdodCI6MC4wLCJCb3JkZXJTdHlsZSI6eyIkaWQiOiIxOTgiLCJMaW5lQ29sb3IiOm51bGwsIkxpbmVXZWlnaHQiOjAuMCwiTGluZVR5cGUiOjAsIlBhcmVudFN0eWxlIjpudWxsfSwiUGFyZW50U3R5bGUiOm51bGx9LCJIb3Jpem9udGFsQ29ubmVjdG9yU3R5bGUiOnsiJGlkIjoiMTk5IiwiTGluZUNvbG9yIjp7IiRpZCI6IjIwMCIsIiR0eXBlIjoiTkxSRS5Db21tb24uRG9tLlNvbGlkQ29sb3JCcnVzaCwgTkxSRS5Db21tb24iLCJDb2xvciI6eyIkaWQiOiIyMDEiLCJBIjoyNTUsIlIiOjIwNCwiRyI6MjA0LCJCIjoyMDR9fSwiTGluZVdlaWdodCI6MC4wLCJMaW5lVHlwZSI6MCwiUGFyZW50U3R5bGUiOm51bGx9LCJWZXJ0aWNhbENvbm5lY3RvclN0eWxlIjp7IiRpZCI6IjIwMiIsIkxpbmVDb2xvciI6eyIkaWQiOiIyMDMiLCIkdHlwZSI6Ik5MUkUuQ29tbW9uLkRvbS5Tb2xpZENvbG9yQnJ1c2gsIE5MUkUuQ29tbW9uIiwiQ29sb3IiOnsiJGlkIjoiMjA0IiwiQSI6MjU1LCJSIjoyMDQsIkciOjIwNCwiQiI6MjA0fX0sIkxpbmVXZWlnaHQiOjAuMCwiTGluZVR5cGUiOjAsIlBhcmVudFN0eWxlIjpudWxsfSwiTWFyZ2luIjpudWxsLCJTdGFydERhdGVQb3NpdGlvbiI6NCwiRW5kRGF0ZVBvc2l0aW9uIjo0LCJEYXRlSXNWaXNpYmxlIjp0cnVlLCJUaXRsZVBvc2l0aW9uIjozLCJEdXJhdGlvblBvc2l0aW9uIjoyLCJQZXJjZW50YWdlQ29tcGxldGVkUG9zaXRpb24iOjYsIlNwYWNpbmciOjUsIklzQmVsb3dUaW1lYmFuZCI6ZmFsc2UsIlBlcmNlbnRhZ2VDb21wbGV0ZVNoYXBlT3BhY2l0eSI6MzUsIlNoYXBlU3R5bGUiOnsiJGlkIjoiMjA1IiwiTWFyZ2luIjp7IiRyZWYiOiIxMzgifSwiUGFkZGluZyI6eyIkcmVmIjoiMTM5In0sIkJhY2tncm91bmQiOnsiJGlkIjoiMjA2IiwiQ29sb3IiOnsiJGlkIjoiMjA3IiwiQSI6MjU1LCJSIjoxMzksIkciOjIxOCwiQiI6MjMzfX0sIklzVmlzaWJsZSI6dHJ1ZSwiV2lkdGgiOjE2Ni4wLCJIZWlnaHQiOjEwLjAsIkJvcmRlclN0eWxlIjp7IiRpZCI6IjIwOCIsIkxpbmVDb2xvciI6eyIkaWQiOiIyMDkiLCIkdHlwZSI6Ik5MUkUuQ29tbW9uLkRvbS5Tb2xpZENvbG9yQnJ1c2gsIE5MUkUuQ29tbW9uIiwiQ29sb3IiOnsiJGlkIjoiMjEwIiwiQSI6MjU1LCJSIjoyNTUsIkciOjAsIkIiOjB9fSwiTGluZVdlaWdodCI6MC4wLCJMaW5lVHlwZSI6MCwiUGFyZW50U3R5bGUiOm51bGx9LCJQYXJlbnRTdHlsZSI6bnVsbH0sIlRpdGxlU3R5bGUiOnsiJGlkIjoiMjExIiwiRm9udFNldHRpbmdzIjp7IiRpZCI6IjIxMiIsIkZvbnRTaXplIjoxMiwiRm9udE5hbWUiOiJDYWxpYnJpIiwiSXNCb2xkIjp0cnVlLCJJc0l0YWxpYyI6ZmFsc2UsIklzVW5kZXJsaW5lZCI6ZmFsc2UsIlBhcmVudFN0eWxlIjpudWxsfSwiQXV0b1NpemUiOjAsIkZvcmVncm91bmQiOnsiJGlkIjoiMjEzIiwiQ29sb3IiOnsiJGlkIjoiMjE0IiwiQSI6MjU1LCJSIjowLCJHIjowLCJCIjowfX0sIk1heFdpZHRoIjo3MjAuMCwiTWF4SGVpZ2h0IjoiSW5maW5pdHkiLCJTbWFydEZvcmVncm91bmRJc0FjdGl2ZSI6ZmFsc2UsIkhvcml6b250YWxBbGlnbm1lbnQiOjIsIlZlcnRpY2FsQWxpZ25tZW50IjowLCJTbWFydEZvcmVncm91bmQiOm51bGwsIkJhY2tncm91bmRGaWxsVHlwZSI6MCwiTWFyZ2luIjp7IiRyZWYiOiIxNDkifSwiUGFkZGluZyI6eyIkcmVmIjoiMTUwIn0sIkJhY2tncm91bmQiOnsiJGlkIjoiMjE1IiwiQ29sb3IiOnsiJGlkIjoiMjE2IiwiQSI6MCwiUiI6MjU1LCJHIjoyNTUsIkIiOjI1NX19LCJJc1Zpc2libGUiOnRydWUsIldpZHRoIjowLjAsIkhlaWdodCI6MC4wLCJCb3JkZXJTdHlsZSI6eyIkaWQiOiIyMTciLCJMaW5lQ29sb3IiOm51bGwsIkxpbmVXZWlnaHQiOjAuMCwiTGluZVR5cGUiOjAsIlBhcmVudFN0eWxlIjpudWxsfSwiUGFyZW50U3R5bGUiOm51bGx9LCJEYXRlU3R5bGUiOnsiJGlkIjoiMjE4IiwiRm9udFNldHRpbmdzIjp7IiRpZCI6IjIxOSIsIkZvbnRTaXplIjoxMCwiRm9udE5hbWUiOiJDYWxpYnJpIiwiSXNCb2xkIjpmYWxzZSwiSXNJdGFsaWMiOmZhbHNlLCJJc1VuZGVybGluZWQiOmZhbHNlLCJQYXJlbnRTdHlsZSI6bnVsbH0sIkF1dG9TaXplIjowLCJGb3JlZ3JvdW5kIjp7IiRpZCI6IjIyMCIsIkNvbG9yIjp7IiRpZCI6IjIyMSIsIkEiOjI1NSwiUiI6NjgsIkciOjg0LCJCIjoxMDZ9fSwiTWF4V2lkdGgiOjIwMC4wLCJNYXhIZWlnaHQiOiJJbmZpbml0eSIsIlNtYXJ0Rm9yZWdyb3VuZElzQWN0aXZlIjpmYWxzZSwiSG9yaXpvbnRhbEFsaWdubWVudCI6MCwiVmVydGljYWxBbGlnbm1lbnQiOjAsIlNtYXJ0Rm9yZWdyb3VuZCI6bnVsbCwiQmFja2dyb3VuZEZpbGxUeXBlIjowLCJNYXJnaW4iOnsiJHJlZiI6IjE1NiJ9LCJQYWRkaW5nIjp7IiRyZWYiOiIxNTcifSwiQmFja2dyb3VuZCI6eyIkaWQiOiIyMjIiLCJDb2xvciI6eyIkaWQiOiIyMjMiLCJBIjowLCJSIjoyNTUsIkciOjI1NSwiQiI6MjU1fX0sIklzVmlzaWJsZSI6dHJ1ZSwiV2lkdGgiOjAuMCwiSGVpZ2h0IjowLjAsIkJvcmRlclN0eWxlIjp7IiRpZCI6IjIyNCIsIkxpbmVDb2xvciI6bnVsbCwiTGluZVdlaWdodCI6MC4wLCJMaW5lVHlwZSI6MCwiUGFyZW50U3R5bGUiOm51bGx9LCJQYXJlbnRTdHlsZSI6bnVsbH0sIkRhdGVGb3JtYXQiOnsiJGlkIjoiMjI1IiwiRm9ybWF0U3RyaW5nIjoiTU1NIGQiLCJTZXBhcmF0b3IiOiIvIiwiVXNlSW50ZXJuYXRpb25hbERhdGVGb3JtYXQiOmZhbHNlLCJEYXRlSXNWaXNpYmxlIjp0cnVlLCJUaW1lSXNWaXNpYmxlIjpmYWxzZSwiSG91ckRpZ2l0cyI6MSwiQW1QbURlc2lnbmF0b3IiOjIsIlRyaW0wME1pbnV0ZXMiOmZhbHNlLCJMYXN0S25vd25WaXNpYmlsaXR5U3RhdGUiOm51bGx9LCJXZWVrTnVtYmVyaW5nIjp7IiRpZCI6IjIyNiIsIkZvcm1hdCI6MCwiSXNWaXNpYmxlIjpmYWxzZSwiTGFzdEtub3duVmlzaWJpbGl0eVN0YXRlIjpmYWxzZX0sIklzVmlzaWJsZSI6dHJ1ZSwiUGFyZW50U3R5bGUiOm51bGx9LCJJbmRleCI6MCwiU21hcnREdXJhdGlvbkFjdGl2YXRlZCI6ZmFsc2UsIkRhdGVGb3JtYXQiOnsiJHJlZiI6IjIyNSJ9LCJXZWVrTnVtYmVyaW5nIjp7IiRpZCI6IjIyNyIsIkZvcm1hdCI6MCwiSXNWaXNpYmxlIjpmYWxzZSwiTGFzdEtub3duVmlzaWJpbGl0eVN0YXRlIjpmYWxzZX0sIklkIjoiZWJjZTFjNTYtYzc2Mi00ZmY2LThkYWEtMDQ0ODM5NjAyMjY1IiwiSW1wb3J0SWQiOm51bGwsIlRpdGxlIjoiTGl0ZXJhdHVyZSByZXNlYXJjaCAmIGxpdC4gcmV2aWV3IHNrZWxldG9uIiwiTm90ZSI6bnVsbCwiSHlwZXJsaW5rIjp7IiRpZCI6IjIyOCIsIkFkZHJlc3MiOm51bGwsIlN1YkFkZHJlc3MiOm51bGx9LCJJc0NoYW5nZWQiOmZhbHNlLCJJc05ldyI6ZmFsc2V9LHsiJGlkIjoiMjI5IiwiR3JvdXBOYW1lIjpudWxsLCJTdGFydERhdGUiOiIyMDIyLTAzLTE4VDAwOjAwOjAwWiIsIkVuZERhdGUiOiIyMDIyLTAzLTI1VDIzOjU5OjAwWiIsIlBlcmNlbnRhZ2VDb21wbGV0ZSI6bnVsbCwiU3R5bGUiOnsiJGlkIjoiMjMwIiwiU2hhcGUiOjEsIlNoYXBlVGhpY2tuZXNzIjoxLCJEdXJhdGlvbkZvcm1hdCI6MCwiSW5jbHVkZU5vbldvcmtpbmdEYXlzSW5EdXJhdGlvbiI6ZmFsc2UsIlBlcmNlbnRhZ2VDb21wbGV0ZVN0eWxlIjp7IiRpZCI6IjIzMSIsIkZvbnRTZXR0aW5ncyI6eyIkaWQiOiIyMzIiLCJGb250U2l6ZSI6MTAsIkZvbnROYW1lIjoiQ2FsaWJyaSIsIklzQm9sZCI6ZmFsc2UsIklzSXRhbGljIjpmYWxzZSwiSXNVbmRlcmxpbmVkIjpmYWxzZSwiUGFyZW50U3R5bGUiOm51bGx9LCJBdXRvU2l6ZSI6MCwiRm9yZWdyb3VuZCI6eyIkaWQiOiIyMzMiLCJDb2xvciI6eyIkaWQiOiIyMzQiLCJBIjoyNTUsIlIiOjE5MiwiRyI6ODAsIkIiOjc3fX0sIk1heFdpZHRoIjoyMDAuMCwiTWF4SGVpZ2h0IjoiSW5maW5pdHkiLCJTbWFydEZvcmVncm91bmRJc0FjdGl2ZSI6ZmFsc2UsIkhvcml6b250YWxBbGlnbm1lbnQiOjAsIlZlcnRpY2FsQWxpZ25tZW50IjowLCJTbWFydEZvcmVncm91bmQiOm51bGwsIkJhY2tncm91bmRGaWxsVHlwZSI6MCwiTWFyZ2luIjp7IiRyZWYiOiIxMjEifSwiUGFkZGluZyI6eyIkcmVmIjoiMTIyIn0sIkJhY2tncm91bmQiOnsiJHJlZiI6IjEyMyJ9LCJJc1Zpc2libGUiOnRydWUsIldpZHRoIjowLjAsIkhlaWdodCI6MC4wLCJCb3JkZXJTdHlsZSI6eyIkaWQiOiIyMzUiLCJMaW5lQ29sb3IiOm51bGwsIkxpbmVXZWlnaHQiOjAuMCwiTGluZVR5cGUiOjAsIlBhcmVudFN0eWxlIjpudWxsfSwiUGFyZW50U3R5bGUiOm51bGx9LCJEdXJhdGlvblN0eWxlIjp7IiRpZCI6IjIzNiIsIkZvbnRTZXR0aW5ncyI6eyIkaWQiOiIyMzciLCJGb250U2l6ZSI6MTAsIkZvbnROYW1lIjoiQ2FsaWJyaSIsIklzQm9sZCI6ZmFsc2UsIklzSXRhbGljIjpmYWxzZSwiSXNVbmRlcmxpbmVkIjpmYWxzZSwiUGFyZW50U3R5bGUiOm51bGx9LCJBdXRvU2l6ZSI6MCwiRm9yZWdyb3VuZCI6eyIkaWQiOiIyMzgiLCJDb2xvciI6eyIkaWQiOiIyMzkiLCJBIjoyNTUsIlIiOjAsIkciOjAsIkIiOjB9fSwiTWF4V2lkdGgiOjIwMC4wLCJNYXhIZWlnaHQiOiJJbmZpbml0eSIsIlNtYXJ0Rm9yZWdyb3VuZElzQWN0aXZlIjpmYWxzZSwiSG9yaXpvbnRhbEFsaWdubWVudCI6MSwiVmVydGljYWxBbGlnbm1lbnQiOjAsIlNtYXJ0Rm9yZWdyb3VuZCI6bnVsbCwiQmFja2dyb3VuZEZpbGxUeXBlIjowLCJNYXJnaW4iOnsiJHJlZiI6IjEyOCJ9LCJQYWRkaW5nIjp7IiRyZWYiOiIxMjkifSwiQmFja2dyb3VuZCI6eyIkaWQiOiIyNDAiLCJDb2xvciI6eyIkaWQiOiIyNDEiLCJBIjowLCJSIjoyNTUsIkciOjI1NSwiQiI6MjU1fX0sIklzVmlzaWJsZSI6dHJ1ZSwiV2lkdGgiOjAuMCwiSGVpZ2h0IjowLjAsIkJvcmRlclN0eWxlIjp7IiRpZCI6IjI0MiIsIkxpbmVDb2xvciI6bnVsbCwiTGluZVdlaWdodCI6MC4wLCJMaW5lVHlwZSI6MCwiUGFyZW50U3R5bGUiOm51bGx9LCJQYXJlbnRTdHlsZSI6bnVsbH0sIkhvcml6b250YWxDb25uZWN0b3JTdHlsZSI6eyIkaWQiOiIyNDMiLCJMaW5lQ29sb3IiOnsiJHJlZiI6IjEzMiJ9LCJMaW5lV2VpZ2h0IjoxLjAsIkxpbmVUeXBlIjowLCJQYXJlbnRTdHlsZSI6bnVsbH0sIlZlcnRpY2FsQ29ubmVjdG9yU3R5bGUiOnsiJGlkIjoiMjQ0IiwiTGluZUNvbG9yIjp7IiRyZWYiOiIxMzUifSwiTGluZVdlaWdodCI6MC4wLCJMaW5lVHlwZSI6MCwiUGFyZW50U3R5bGUiOm51bGx9LCJNYXJnaW4iOm51bGwsIlN0YXJ0RGF0ZVBvc2l0aW9uIjo0LCJFbmREYXRlUG9zaXRpb24iOjQsIkRhdGVJc1Zpc2libGUiOnRydWUsIlRpdGxlUG9zaXRpb24iOjMsIkR1cmF0aW9uUG9zaXRpb24iOjIsIlBlcmNlbnRhZ2VDb21wbGV0ZWRQb3NpdGlvbiI6NiwiU3BhY2luZyI6NSwiSXNCZWxvd1RpbWViYW5kIjpmYWxzZSwiUGVyY2VudGFnZUNvbXBsZXRlU2hhcGVPcGFjaXR5IjozNSwiU2hhcGVTdHlsZSI6eyIkaWQiOiIyNDUiLCJNYXJnaW4iOnsiJHJlZiI6IjEzOCJ9LCJQYWRkaW5nIjp7IiRyZWYiOiIxMzkifSwiQmFja2dyb3VuZCI6eyIkaWQiOiIyNDYiLCJDb2xvciI6eyIkaWQiOiIyNDciLCJBIjoyNTUsIlIiOjEzOSwiRyI6MjE4LCJCIjoyMzN9fSwiSXNWaXNpYmxlIjp0cnVlLCJXaWR0aCI6MC4wLCJIZWlnaHQiOjE2LjAsIkJvcmRlclN0eWxlIjp7IiRpZCI6IjI0OCIsIkxpbmVDb2xvciI6eyIkaWQiOiIyNDkiLCIkdHlwZSI6Ik5MUkUuQ29tbW9uLkRvbS5Tb2xpZENvbG9yQnJ1c2gsIE5MUkUuQ29tbW9uIiwiQ29sb3IiOnsiJGlkIjoiMjUwIiwiQSI6MjU1LCJSIjoyNTUsIkciOjAsIkIiOjB9fSwiTGluZVdlaWdodCI6MC4wLCJMaW5lVHlwZSI6MCwiUGFyZW50U3R5bGUiOm51bGx9LCJQYXJlbnRTdHlsZSI6bnVsbH0sIlRpdGxlU3R5bGUiOnsiJGlkIjoiMjUxIiwiRm9udFNldHRpbmdzIjp7IiRpZCI6IjI1MiIsIkZvbnRTaXplIjoxMiwiRm9udE5hbWUiOiJDYWxpYnJpIiwiSXNCb2xkIjp0cnVlLCJJc0l0YWxpYyI6ZmFsc2UsIklzVW5kZXJsaW5lZCI6ZmFsc2UsIlBhcmVudFN0eWxlIjpudWxsfSwiQXV0b1NpemUiOjAsIkZvcmVncm91bmQiOnsiJGlkIjoiMjUzIiwiQ29sb3IiOnsiJGlkIjoiMjU0IiwiQSI6MjU1LCJSIjowLCJHIjowLCJCIjowfX0sIk1heFdpZHRoIjo3MjAuMCwiTWF4SGVpZ2h0IjoiSW5maW5pdHkiLCJTbWFydEZvcmVncm91bmRJc0FjdGl2ZSI6ZmFsc2UsIkhvcml6b250YWxBbGlnbm1lbnQiOjIsIlZlcnRpY2FsQWxpZ25tZW50IjowLCJTbWFydEZvcmVncm91bmQiOm51bGwsIkJhY2tncm91bmRGaWxsVHlwZSI6MCwiTWFyZ2luIjp7IiRyZWYiOiIxNDkifSwiUGFkZGluZyI6eyIkcmVmIjoiMTUwIn0sIkJhY2tncm91bmQiOnsiJGlkIjoiMjU1IiwiQ29sb3IiOnsiJGlkIjoiMjU2IiwiQSI6MCwiUiI6MjU1LCJHIjoyNTUsIkIiOjI1NX19LCJJc1Zpc2libGUiOnRydWUsIldpZHRoIjowLjAsIkhlaWdodCI6MC4wLCJCb3JkZXJTdHlsZSI6eyIkaWQiOiIyNTciLCJMaW5lQ29sb3IiOm51bGwsIkxpbmVXZWlnaHQiOjAuMCwiTGluZVR5cGUiOjAsIlBhcmVudFN0eWxlIjpudWxsfSwiUGFyZW50U3R5bGUiOm51bGx9LCJEYXRlU3R5bGUiOnsiJGlkIjoiMjU4IiwiRm9udFNldHRpbmdzIjp7IiRpZCI6IjI1OSIsIkZvbnRTaXplIjoxMCwiRm9udE5hbWUiOiJDYWxpYnJpIiwiSXNCb2xkIjpmYWxzZSwiSXNJdGFsaWMiOmZhbHNlLCJJc1VuZGVybGluZWQiOmZhbHNlLCJQYXJlbnRTdHlsZSI6bnVsbH0sIkF1dG9TaXplIjowLCJGb3JlZ3JvdW5kIjp7IiRpZCI6IjI2MCIsIkNvbG9yIjp7IiRpZCI6IjI2MSIsIkEiOjI1NSwiUiI6NjgsIkciOjg0LCJCIjoxMDZ9fSwiTWF4V2lkdGgiOjIwMC4wLCJNYXhIZWlnaHQiOiJJbmZpbml0eSIsIlNtYXJ0Rm9yZWdyb3VuZElzQWN0aXZlIjpmYWxzZSwiSG9yaXpvbnRhbEFsaWdubWVudCI6MCwiVmVydGljYWxBbGlnbm1lbnQiOjAsIlNtYXJ0Rm9yZWdyb3VuZCI6bnVsbCwiQmFja2dyb3VuZEZpbGxUeXBlIjowLCJNYXJnaW4iOnsiJHJlZiI6IjE1NiJ9LCJQYWRkaW5nIjp7IiRyZWYiOiIxNTcifSwiQmFja2dyb3VuZCI6eyIkaWQiOiIyNjIiLCJDb2xvciI6eyIkaWQiOiIyNjMiLCJBIjowLCJSIjoyNTUsIkciOjI1NSwiQiI6MjU1fX0sIklzVmlzaWJsZSI6dHJ1ZSwiV2lkdGgiOjAuMCwiSGVpZ2h0IjowLjAsIkJvcmRlclN0eWxlIjp7IiRpZCI6IjI2NCIsIkxpbmVDb2xvciI6bnVsbCwiTGluZVdlaWdodCI6MC4wLCJMaW5lVHlwZSI6MCwiUGFyZW50U3R5bGUiOm51bGx9LCJQYXJlbnRTdHlsZSI6bnVsbH0sIkRhdGVGb3JtYXQiOnsiJGlkIjoiMjY1IiwiRm9ybWF0U3RyaW5nIjoiTU1NIGQiLCJTZXBhcmF0b3IiOiIvIiwiVXNlSW50ZXJuYXRpb25hbERhdGVGb3JtYXQiOmZhbHNlLCJEYXRlSXNWaXNpYmxlIjp0cnVlLCJUaW1lSXNWaXNpYmxlIjpmYWxzZSwiSG91ckRpZ2l0cyI6MSwiQW1QbURlc2lnbmF0b3IiOjIsIlRyaW0wME1pbnV0ZXMiOmZhbHNlLCJMYXN0S25vd25WaXNpYmlsaXR5U3RhdGUiOm51bGx9LCJXZWVrTnVtYmVyaW5nIjp7IiRpZCI6IjI2NiIsIkZvcm1hdCI6MCwiSXNWaXNpYmxlIjpmYWxzZSwiTGFzdEtub3duVmlzaWJpbGl0eVN0YXRlIjpmYWxzZX0sIklzVmlzaWJsZSI6dHJ1ZSwiUGFyZW50U3R5bGUiOm51bGx9LCJJbmRleCI6MSwiU21hcnREdXJhdGlvbkFjdGl2YXRlZCI6ZmFsc2UsIkRhdGVGb3JtYXQiOnsiJHJlZiI6IjI2NSJ9LCJXZWVrTnVtYmVyaW5nIjp7IiRpZCI6IjI2NyIsIkZvcm1hdCI6MCwiSXNWaXNpYmxlIjpmYWxzZSwiTGFzdEtub3duVmlzaWJpbGl0eVN0YXRlIjpmYWxzZX0sIklkIjoiOTg5NzUzNGEtMGVhMi00NGViLWJlYWYtNDE0ZGJhZDk1NzkyIiwiSW1wb3J0SWQiOm51bGwsIlRpdGxlIjoiTGl0ZXJhdHVyZSByZXZpZXcgZHJhZnQiLCJOb3RlIjpudWxsLCJIeXBlcmxpbmsiOnsiJGlkIjoiMjY4IiwiQWRkcmVzcyI6IiIsIlN1YkFkZHJlc3MiOiIifSwiSXNDaGFuZ2VkIjpmYWxzZSwiSXNOZXciOmZhbHNlfSx7IiRpZCI6IjI2OSIsIkdyb3VwTmFtZSI6bnVsbCwiU3RhcnREYXRlIjoiMjAyMi0wMy0yOFQwMDowMDowMFoiLCJFbmREYXRlIjoiMjAyMi0wNC0wMVQyMzo1OTowMFoiLCJQZXJjZW50YWdlQ29tcGxldGUiOm51bGwsIlN0eWxlIjp7IiRpZCI6IjI3MCIsIlNoYXBlIjoxLCJTaGFwZVRoaWNrbmVzcyI6MSwiRHVyYXRpb25Gb3JtYXQiOjAsIkluY2x1ZGVOb25Xb3JraW5nRGF5c0luRHVyYXRpb24iOmZhbHNlLCJQZXJjZW50YWdlQ29tcGxldGVTdHlsZSI6eyIkaWQiOiIyNzEiLCJGb250U2V0dGluZ3MiOnsiJGlkIjoiMjcyIiwiRm9udFNpemUiOjEwLCJGb250TmFtZSI6IkNhbGlicmkiLCJJc0JvbGQiOmZhbHNlLCJJc0l0YWxpYyI6ZmFsc2UsIklzVW5kZXJsaW5lZCI6ZmFsc2UsIlBhcmVudFN0eWxlIjpudWxsfSwiQXV0b1NpemUiOjAsIkZvcmVncm91bmQiOnsiJGlkIjoiMjczIiwiQ29sb3IiOnsiJGlkIjoiMjc0IiwiQSI6MjU1LCJSIjoxOTIsIkciOjgwLCJCIjo3N319LCJNYXhXaWR0aCI6MjAwLjAsIk1heEhlaWdodCI6IkluZmluaXR5IiwiU21hcnRGb3JlZ3JvdW5kSXNBY3RpdmUiOmZhbHNlLCJIb3Jpem9udGFsQWxpZ25tZW50IjowLCJWZXJ0aWNhbEFsaWdubWVudCI6MCwiU21hcnRGb3JlZ3JvdW5kIjpudWxsLCJCYWNrZ3JvdW5kRmlsbFR5cGUiOjAsIk1hcmdpbiI6eyIkcmVmIjoiMTIxIn0sIlBhZGRpbmciOnsiJHJlZiI6IjEyMiJ9LCJCYWNrZ3JvdW5kIjp7IiRyZWYiOiIxMjMifSwiSXNWaXNpYmxlIjp0cnVlLCJXaWR0aCI6MC4wLCJIZWlnaHQiOjAuMCwiQm9yZGVyU3R5bGUiOnsiJGlkIjoiMjc1IiwiTGluZUNvbG9yIjpudWxsLCJMaW5lV2VpZ2h0IjowLjAsIkxpbmVUeXBlIjowLCJQYXJlbnRTdHlsZSI6bnVsbH0sIlBhcmVudFN0eWxlIjpudWxsfSwiRHVyYXRpb25TdHlsZSI6eyIkaWQiOiIyNzYiLCJGb250U2V0dGluZ3MiOnsiJGlkIjoiMjc3IiwiRm9udFNpemUiOjEwLCJGb250TmFtZSI6IkNhbGlicmkiLCJJc0JvbGQiOmZhbHNlLCJJc0l0YWxpYyI6ZmFsc2UsIklzVW5kZXJsaW5lZCI6ZmFsc2UsIlBhcmVudFN0eWxlIjpudWxsfSwiQXV0b1NpemUiOjAsIkZvcmVncm91bmQiOnsiJGlkIjoiMjc4IiwiQ29sb3IiOnsiJGlkIjoiMjc5IiwiQSI6MjU1LCJSIjowLCJHIjowLCJCIjowfX0sIk1heFdpZHRoIjoyMDAuMCwiTWF4SGVpZ2h0IjoiSW5maW5pdHkiLCJTbWFydEZvcmVncm91bmRJc0FjdGl2ZSI6ZmFsc2UsIkhvcml6b250YWxBbGlnbm1lbnQiOjEsIlZlcnRpY2FsQWxpZ25tZW50IjowLCJTbWFydEZvcmVncm91bmQiOm51bGwsIkJhY2tncm91bmRGaWxsVHlwZSI6MCwiTWFyZ2luIjp7IiRyZWYiOiIxMjgifSwiUGFkZGluZyI6eyIkcmVmIjoiMTI5In0sIkJhY2tncm91bmQiOnsiJGlkIjoiMjgwIiwiQ29sb3IiOnsiJGlkIjoiMjgxIiwiQSI6MCwiUiI6MjU1LCJHIjoyNTUsIkIiOjI1NX19LCJJc1Zpc2libGUiOnRydWUsIldpZHRoIjowLjAsIkhlaWdodCI6MC4wLCJCb3JkZXJTdHlsZSI6eyIkaWQiOiIyODIiLCJMaW5lQ29sb3IiOm51bGwsIkxpbmVXZWlnaHQiOjAuMCwiTGluZVR5cGUiOjAsIlBhcmVudFN0eWxlIjpudWxsfSwiUGFyZW50U3R5bGUiOm51bGx9LCJIb3Jpem9udGFsQ29ubmVjdG9yU3R5bGUiOnsiJGlkIjoiMjgzIiwiTGluZUNvbG9yIjp7IiRyZWYiOiIxMzIifSwiTGluZVdlaWdodCI6MS4wLCJMaW5lVHlwZSI6MCwiUGFyZW50U3R5bGUiOm51bGx9LCJWZXJ0aWNhbENvbm5lY3RvclN0eWxlIjp7IiRpZCI6IjI4NCIsIkxpbmVDb2xvciI6eyIkcmVmIjoiMTM1In0sIkxpbmVXZWlnaHQiOjAuMCwiTGluZVR5cGUiOjAsIlBhcmVudFN0eWxlIjpudWxsfSwiTWFyZ2luIjpudWxsLCJTdGFydERhdGVQb3NpdGlvbiI6NCwiRW5kRGF0ZVBvc2l0aW9uIjo0LCJEYXRlSXNWaXNpYmxlIjp0cnVlLCJUaXRsZVBvc2l0aW9uIjozLCJEdXJhdGlvblBvc2l0aW9uIjoyLCJQZXJjZW50YWdlQ29tcGxldGVkUG9zaXRpb24iOjYsIlNwYWNpbmciOjUsIklzQmVsb3dUaW1lYmFuZCI6ZmFsc2UsIlBlcmNlbnRhZ2VDb21wbGV0ZVNoYXBlT3BhY2l0eSI6MzUsIlNoYXBlU3R5bGUiOnsiJGlkIjoiMjg1IiwiTWFyZ2luIjp7IiRyZWYiOiIxMzgifSwiUGFkZGluZyI6eyIkcmVmIjoiMTM5In0sIkJhY2tncm91bmQiOnsiJGlkIjoiMjg2IiwiQ29sb3IiOnsiJGlkIjoiMjg3IiwiQSI6MjU1LCJSIjoxMzksIkciOjIxOCwiQiI6MjMzfX0sIklzVmlzaWJsZSI6dHJ1ZSwiV2lkdGgiOjAuMCwiSGVpZ2h0IjoxNi4wLCJCb3JkZXJTdHlsZSI6eyIkaWQiOiIyODgiLCJMaW5lQ29sb3IiOnsiJHJlZiI6IjI0OSJ9LCJMaW5lV2VpZ2h0IjowLjAsIkxpbmVUeXBlIjowLCJQYXJlbnRTdHlsZSI6bnVsbH0sIlBhcmVudFN0eWxlIjpudWxsfSwiVGl0bGVTdHlsZSI6eyIkaWQiOiIyODkiLCJGb250U2V0dGluZ3MiOnsiJGlkIjoiMjkwIiwiRm9udFNpemUiOjEyLCJGb250TmFtZSI6IkNhbGlicmkiLCJJc0JvbGQiOnRydWUsIklzSXRhbGljIjpmYWxzZSwiSXNVbmRlcmxpbmVkIjpmYWxzZSwiUGFyZW50U3R5bGUiOm51bGx9LCJBdXRvU2l6ZSI6MCwiRm9yZWdyb3VuZCI6eyIkaWQiOiIyOTEiLCJDb2xvciI6eyIkaWQiOiIyOTIiLCJBIjoyNTUsIlIiOjAsIkciOjAsIkIiOjB9fSwiTWF4V2lkdGgiOjcyMC4wLCJNYXhIZWlnaHQiOiJJbmZpbml0eSIsIlNtYXJ0Rm9yZWdyb3VuZElzQWN0aXZlIjpmYWxzZSwiSG9yaXpvbnRhbEFsaWdubWVudCI6MiwiVmVydGljYWxBbGlnbm1lbnQiOjAsIlNtYXJ0Rm9yZWdyb3VuZCI6bnVsbCwiQmFja2dyb3VuZEZpbGxUeXBlIjowLCJNYXJnaW4iOnsiJHJlZiI6IjE0OSJ9LCJQYWRkaW5nIjp7IiRyZWYiOiIxNTAifSwiQmFja2dyb3VuZCI6eyIkaWQiOiIyOTMiLCJDb2xvciI6eyIkaWQiOiIyOTQiLCJBIjowLCJSIjoyNTUsIkciOjI1NSwiQiI6MjU1fX0sIklzVmlzaWJsZSI6dHJ1ZSwiV2lkdGgiOjAuMCwiSGVpZ2h0IjowLjAsIkJvcmRlclN0eWxlIjp7IiRpZCI6IjI5NSIsIkxpbmVDb2xvciI6bnVsbCwiTGluZVdlaWdodCI6MC4wLCJMaW5lVHlwZSI6MCwiUGFyZW50U3R5bGUiOm51bGx9LCJQYXJlbnRTdHlsZSI6bnVsbH0sIkRhdGVTdHlsZSI6eyIkaWQiOiIyOTYiLCJGb250U2V0dGluZ3MiOnsiJGlkIjoiMjk3IiwiRm9udFNpemUiOjEwLCJGb250TmFtZSI6IkNhbGlicmkiLCJJc0JvbGQiOmZhbHNlLCJJc0l0YWxpYyI6ZmFsc2UsIklzVW5kZXJsaW5lZCI6ZmFsc2UsIlBhcmVudFN0eWxlIjpudWxsfSwiQXV0b1NpemUiOjAsIkZvcmVncm91bmQiOnsiJGlkIjoiMjk4IiwiQ29sb3IiOnsiJGlkIjoiMjk5IiwiQSI6MjU1LCJSIjo2OCwiRyI6ODQsIkIiOjEwNn19LCJNYXhXaWR0aCI6MjAwLjAsIk1heEhlaWdodCI6IkluZmluaXR5IiwiU21hcnRGb3JlZ3JvdW5kSXNBY3RpdmUiOmZhbHNlLCJIb3Jpem9udGFsQWxpZ25tZW50IjowLCJWZXJ0aWNhbEFsaWdubWVudCI6MCwiU21hcnRGb3JlZ3JvdW5kIjpudWxsLCJCYWNrZ3JvdW5kRmlsbFR5cGUiOjAsIk1hcmdpbiI6eyIkcmVmIjoiMTU2In0sIlBhZGRpbmciOnsiJHJlZiI6IjE1NyJ9LCJCYWNrZ3JvdW5kIjp7IiRpZCI6IjMwMCIsIkNvbG9yIjp7IiRpZCI6IjMwMSIsIkEiOjAsIlIiOjI1NSwiRyI6MjU1LCJCIjoyNTV9fSwiSXNWaXNpYmxlIjp0cnVlLCJXaWR0aCI6MC4wLCJIZWlnaHQiOjAuMCwiQm9yZGVyU3R5bGUiOnsiJGlkIjoiMzAyIiwiTGluZUNvbG9yIjpudWxsLCJMaW5lV2VpZ2h0IjowLjAsIkxpbmVUeXBlIjowLCJQYXJlbnRTdHlsZSI6bnVsbH0sIlBhcmVudFN0eWxlIjpudWxsfSwiRGF0ZUZvcm1hdCI6eyIkcmVmIjoiMjY1In0sIldlZWtOdW1iZXJpbmciOnsiJGlkIjoiMzAzIiwiRm9ybWF0IjowLCJJc1Zpc2libGUiOmZhbHNlLCJMYXN0S25vd25WaXNpYmlsaXR5U3RhdGUiOmZhbHNlfSwiSXNWaXNpYmxlIjp0cnVlLCJQYXJlbnRTdHlsZSI6bnVsbH0sIkluZGV4IjoyLCJTbWFydER1cmF0aW9uQWN0aXZhdGVkIjpmYWxzZSwiRGF0ZUZvcm1hdCI6eyIkcmVmIjoiMjY1In0sIldlZWtOdW1iZXJpbmciOnsiJGlkIjoiMzA0IiwiRm9ybWF0IjowLCJJc1Zpc2libGUiOmZhbHNlLCJMYXN0S25vd25WaXNpYmlsaXR5U3RhdGUiOmZhbHNlfSwiSWQiOiJkMTAwN2IzNC0wNDdjLTQ5NDctOGFhZC1iZGE2NGMzMTBhNmUiLCJJbXBvcnRJZCI6bnVsbCwiVGl0bGUiOiJGaW5hbCBsaXRlcmF0dXJlIHJldmlldyIsIk5vdGUiOm51bGwsIkh5cGVybGluayI6eyIkaWQiOiIzMDUiLCJBZGRyZXNzIjoiIiwiU3ViQWRkcmVzcyI6IiJ9LCJJc0NoYW5nZWQiOmZhbHNlLCJJc05ldyI6ZmFsc2V9LHsiJGlkIjoiMzA2IiwiR3JvdXBOYW1lIjpudWxsLCJTdGFydERhdGUiOiIyMDIyLTA0LTA0VDAwOjAwOjAwWiIsIkVuZERhdGUiOiIyMDIyLTA0LTEyVDIzOjU5OjAwWiIsIlBlcmNlbnRhZ2VDb21wbGV0ZSI6bnVsbCwiU3R5bGUiOnsiJGlkIjoiMzA3IiwiU2hhcGUiOjEsIlNoYXBlVGhpY2tuZXNzIjoxLCJEdXJhdGlvbkZvcm1hdCI6MCwiSW5jbHVkZU5vbldvcmtpbmdEYXlzSW5EdXJhdGlvbiI6ZmFsc2UsIlBlcmNlbnRhZ2VDb21wbGV0ZVN0eWxlIjp7IiRpZCI6IjMwOCIsIkZvbnRTZXR0aW5ncyI6eyIkaWQiOiIzMDkiLCJGb250U2l6ZSI6MTAsIkZvbnROYW1lIjoiQ2FsaWJyaSIsIklzQm9sZCI6ZmFsc2UsIklzSXRhbGljIjpmYWxzZSwiSXNVbmRlcmxpbmVkIjpmYWxzZSwiUGFyZW50U3R5bGUiOm51bGx9LCJBdXRvU2l6ZSI6MCwiRm9yZWdyb3VuZCI6eyIkaWQiOiIzMTAiLCJDb2xvciI6eyIkaWQiOiIzMTEiLCJBIjoyNTUsIlIiOjE5MiwiRyI6ODAsIkIiOjc3fX0sIk1heFdpZHRoIjoyMDAuMCwiTWF4SGVpZ2h0IjoiSW5maW5pdHkiLCJTbWFydEZvcmVncm91bmRJc0FjdGl2ZSI6ZmFsc2UsIkhvcml6b250YWxBbGlnbm1lbnQiOjAsIlZlcnRpY2FsQWxpZ25tZW50IjowLCJTbWFydEZvcmVncm91bmQiOm51bGwsIkJhY2tncm91bmRGaWxsVHlwZSI6MCwiTWFyZ2luIjp7IiRyZWYiOiIxMjEifSwiUGFkZGluZyI6eyIkcmVmIjoiMTIyIn0sIkJhY2tncm91bmQiOnsiJHJlZiI6IjEyMyJ9LCJJc1Zpc2libGUiOnRydWUsIldpZHRoIjowLjAsIkhlaWdodCI6MC4wLCJCb3JkZXJTdHlsZSI6eyIkaWQiOiIzMTIiLCJMaW5lQ29sb3IiOm51bGwsIkxpbmVXZWlnaHQiOjAuMCwiTGluZVR5cGUiOjAsIlBhcmVudFN0eWxlIjpudWxsfSwiUGFyZW50U3R5bGUiOm51bGx9LCJEdXJhdGlvblN0eWxlIjp7IiRpZCI6IjMxMyIsIkZvbnRTZXR0aW5ncyI6eyIkaWQiOiIzMTQiLCJGb250U2l6ZSI6MTAsIkZvbnROYW1lIjoiQ2FsaWJyaSIsIklzQm9sZCI6ZmFsc2UsIklzSXRhbGljIjpmYWxzZSwiSXNVbmRlcmxpbmVkIjpmYWxzZSwiUGFyZW50U3R5bGUiOm51bGx9LCJBdXRvU2l6ZSI6MCwiRm9yZWdyb3VuZCI6eyIkaWQiOiIzMTUiLCJDb2xvciI6eyIkaWQiOiIzMTYiLCJBIjoyNTUsIlIiOjAsIkciOjAsIkIiOjB9fSwiTWF4V2lkdGgiOjIwMC4wLCJNYXhIZWlnaHQiOiJJbmZpbml0eSIsIlNtYXJ0Rm9yZWdyb3VuZElzQWN0aXZlIjpmYWxzZSwiSG9yaXpvbnRhbEFsaWdubWVudCI6MSwiVmVydGljYWxBbGlnbm1lbnQiOjAsIlNtYXJ0Rm9yZWdyb3VuZCI6bnVsbCwiQmFja2dyb3VuZEZpbGxUeXBlIjowLCJNYXJnaW4iOnsiJHJlZiI6IjEyOCJ9LCJQYWRkaW5nIjp7IiRyZWYiOiIxMjkifSwiQmFja2dyb3VuZCI6eyIkaWQiOiIzMTciLCJDb2xvciI6eyIkaWQiOiIzMTgiLCJBIjowLCJSIjoyNTUsIkciOjI1NSwiQiI6MjU1fX0sIklzVmlzaWJsZSI6dHJ1ZSwiV2lkdGgiOjAuMCwiSGVpZ2h0IjowLjAsIkJvcmRlclN0eWxlIjp7IiRpZCI6IjMxOSIsIkxpbmVDb2xvciI6bnVsbCwiTGluZVdlaWdodCI6MC4wLCJMaW5lVHlwZSI6MCwiUGFyZW50U3R5bGUiOm51bGx9LCJQYXJlbnRTdHlsZSI6bnVsbH0sIkhvcml6b250YWxDb25uZWN0b3JTdHlsZSI6eyIkaWQiOiIzMjAiLCJMaW5lQ29sb3IiOnsiJHJlZiI6IjEzMiJ9LCJMaW5lV2VpZ2h0IjoxLjAsIkxpbmVUeXBlIjowLCJQYXJlbnRTdHlsZSI6bnVsbH0sIlZlcnRpY2FsQ29ubmVjdG9yU3R5bGUiOnsiJGlkIjoiMzIxIiwiTGluZUNvbG9yIjp7IiRyZWYiOiIxMzUifSwiTGluZVdlaWdodCI6MC4wLCJMaW5lVHlwZSI6MCwiUGFyZW50U3R5bGUiOm51bGx9LCJNYXJnaW4iOm51bGwsIlN0YXJ0RGF0ZVBvc2l0aW9uIjo0LCJFbmREYXRlUG9zaXRpb24iOjQsIkRhdGVJc1Zpc2libGUiOnRydWUsIlRpdGxlUG9zaXRpb24iOjMsIkR1cmF0aW9uUG9zaXRpb24iOjIsIlBlcmNlbnRhZ2VDb21wbGV0ZWRQb3NpdGlvbiI6NiwiU3BhY2luZyI6NSwiSXNCZWxvd1RpbWViYW5kIjpmYWxzZSwiUGVyY2VudGFnZUNvbXBsZXRlU2hhcGVPcGFjaXR5IjozNSwiU2hhcGVTdHlsZSI6eyIkaWQiOiIzMjIiLCJNYXJnaW4iOnsiJHJlZiI6IjEzOCJ9LCJQYWRkaW5nIjp7IiRyZWYiOiIxMzkifSwiQmFja2dyb3VuZCI6eyIkaWQiOiIzMjMiLCJDb2xvciI6eyIkaWQiOiIzMjQiLCJBIjoyNTUsIlIiOjE5MiwiRyI6MTU4LCJCIjoyMjZ9fSwiSXNWaXNpYmxlIjp0cnVlLCJXaWR0aCI6MC4wLCJIZWlnaHQiOjE2LjAsIkJvcmRlclN0eWxlIjp7IiRpZCI6IjMyNSIsIkxpbmVDb2xvciI6eyIkcmVmIjoiMjQ5In0sIkxpbmVXZWlnaHQiOjAuMCwiTGluZVR5cGUiOjAsIlBhcmVudFN0eWxlIjpudWxsfSwiUGFyZW50U3R5bGUiOm51bGx9LCJUaXRsZVN0eWxlIjp7IiRpZCI6IjMyNiIsIkZvbnRTZXR0aW5ncyI6eyIkaWQiOiIzMjciLCJGb250U2l6ZSI6MTIsIkZvbnROYW1lIjoiQ2FsaWJyaSIsIklzQm9sZCI6dHJ1ZSwiSXNJdGFsaWMiOmZhbHNlLCJJc1VuZGVybGluZWQiOmZhbHNlLCJQYXJlbnRTdHlsZSI6bnVsbH0sIkF1dG9TaXplIjowLCJGb3JlZ3JvdW5kIjp7IiRpZCI6IjMyOCIsIkNvbG9yIjp7IiRpZCI6IjMyOSIsIkEiOjI1NSwiUiI6MCwiRyI6MCwiQiI6MH19LCJNYXhXaWR0aCI6NzIwLjAsIk1heEhlaWdodCI6IkluZmluaXR5IiwiU21hcnRGb3JlZ3JvdW5kSXNBY3RpdmUiOmZhbHNlLCJIb3Jpem9udGFsQWxpZ25tZW50IjoyLCJWZXJ0aWNhbEFsaWdubWVudCI6MCwiU21hcnRGb3JlZ3JvdW5kIjpudWxsLCJCYWNrZ3JvdW5kRmlsbFR5cGUiOjAsIk1hcmdpbiI6eyIkcmVmIjoiMTQ5In0sIlBhZGRpbmciOnsiJHJlZiI6IjE1MCJ9LCJCYWNrZ3JvdW5kIjp7IiRpZCI6IjMzMCIsIkNvbG9yIjp7IiRpZCI6IjMzMSIsIkEiOjAsIlIiOjI1NSwiRyI6MjU1LCJCIjoyNTV9fSwiSXNWaXNpYmxlIjp0cnVlLCJXaWR0aCI6MC4wLCJIZWlnaHQiOjAuMCwiQm9yZGVyU3R5bGUiOnsiJGlkIjoiMzMyIiwiTGluZUNvbG9yIjpudWxsLCJMaW5lV2VpZ2h0IjowLjAsIkxpbmVUeXBlIjowLCJQYXJlbnRTdHlsZSI6bnVsbH0sIlBhcmVudFN0eWxlIjpudWxsfSwiRGF0ZVN0eWxlIjp7IiRpZCI6IjMzMyIsIkZvbnRTZXR0aW5ncyI6eyIkaWQiOiIzMzQiLCJGb250U2l6ZSI6MTAsIkZvbnROYW1lIjoiQ2FsaWJyaSIsIklzQm9sZCI6ZmFsc2UsIklzSXRhbGljIjpmYWxzZSwiSXNVbmRlcmxpbmVkIjpmYWxzZSwiUGFyZW50U3R5bGUiOm51bGx9LCJBdXRvU2l6ZSI6MCwiRm9yZWdyb3VuZCI6eyIkaWQiOiIzMzUiLCJDb2xvciI6eyIkaWQiOiIzMzYiLCJBIjoyNTUsIlIiOjY4LCJHIjo4NCwiQiI6MTA2fX0sIk1heFdpZHRoIjoyMDAuMCwiTWF4SGVpZ2h0IjoiSW5maW5pdHkiLCJTbWFydEZvcmVncm91bmRJc0FjdGl2ZSI6ZmFsc2UsIkhvcml6b250YWxBbGlnbm1lbnQiOjAsIlZlcnRpY2FsQWxpZ25tZW50IjowLCJTbWFydEZvcmVncm91bmQiOm51bGwsIkJhY2tncm91bmRGaWxsVHlwZSI6MCwiTWFyZ2luIjp7IiRyZWYiOiIxNTYifSwiUGFkZGluZyI6eyIkcmVmIjoiMTU3In0sIkJhY2tncm91bmQiOnsiJGlkIjoiMzM3IiwiQ29sb3IiOnsiJGlkIjoiMzM4IiwiQSI6MCwiUiI6MjU1LCJHIjoyNTUsIkIiOjI1NX19LCJJc1Zpc2libGUiOnRydWUsIldpZHRoIjowLjAsIkhlaWdodCI6MC4wLCJCb3JkZXJTdHlsZSI6eyIkaWQiOiIzMzkiLCJMaW5lQ29sb3IiOm51bGwsIkxpbmVXZWlnaHQiOjAuMCwiTGluZVR5cGUiOjAsIlBhcmVudFN0eWxlIjpudWxsfSwiUGFyZW50U3R5bGUiOm51bGx9LCJEYXRlRm9ybWF0Ijp7IiRyZWYiOiIyNjUifSwiV2Vla051bWJlcmluZyI6eyIkaWQiOiIzNDAiLCJGb3JtYXQiOjAsIklzVmlzaWJsZSI6ZmFsc2UsIkxhc3RLbm93blZpc2liaWxpdHlTdGF0ZSI6ZmFsc2V9LCJJc1Zpc2libGUiOnRydWUsIlBhcmVudFN0eWxlIjpudWxsfSwiSW5kZXgiOjMsIlNtYXJ0RHVyYXRpb25BY3RpdmF0ZWQiOmZhbHNlLCJEYXRlRm9ybWF0Ijp7IiRyZWYiOiIyNjUifSwiV2Vla051bWJlcmluZyI6eyIkaWQiOiIzNDEiLCJGb3JtYXQiOjAsIklzVmlzaWJsZSI6ZmFsc2UsIkxhc3RLbm93blZpc2liaWxpdHlTdGF0ZSI6ZmFsc2V9LCJJZCI6IjkzZWUxNTBjLTlkN2ItNGVlMC1iODFkLTc3MmQ4MjFiZjgwYiIsIkltcG9ydElkIjpudWxsLCJUaXRsZSI6IkZpbmQgZXhhbXBsZSBSUkJTIGRhdGEgc2V0IiwiTm90ZSI6bnVsbCwiSHlwZXJsaW5rIjp7IiRpZCI6IjM0MiIsIkFkZHJlc3MiOiIiLCJTdWJBZGRyZXNzIjoiIn0sIklzQ2hhbmdlZCI6ZmFsc2UsIklzTmV3IjpmYWxzZX0seyIkaWQiOiIzNDMiLCJHcm91cE5hbWUiOm51bGwsIlN0YXJ0RGF0ZSI6IjIwMjItMDQtMTFUMDA6MDA6MDBaIiwiRW5kRGF0ZSI6IjIwMjItMDQtMTRUMjM6NTk6MDBaIiwiUGVyY2VudGFnZUNvbXBsZXRlIjpudWxsLCJTdHlsZSI6eyIkaWQiOiIzNDQiLCJTaGFwZSI6MSwiU2hhcGVUaGlja25lc3MiOjEsIkR1cmF0aW9uRm9ybWF0IjowLCJJbmNsdWRlTm9uV29ya2luZ0RheXNJbkR1cmF0aW9uIjpmYWxzZSwiUGVyY2VudGFnZUNvbXBsZXRlU3R5bGUiOnsiJGlkIjoiMzQ1IiwiRm9udFNldHRpbmdzIjp7IiRpZCI6IjM0NiIsIkZvbnRTaXplIjoxMCwiRm9udE5hbWUiOiJDYWxpYnJpIiwiSXNCb2xkIjpmYWxzZSwiSXNJdGFsaWMiOmZhbHNlLCJJc1VuZGVybGluZWQiOmZhbHNlLCJQYXJlbnRTdHlsZSI6bnVsbH0sIkF1dG9TaXplIjowLCJGb3JlZ3JvdW5kIjp7IiRpZCI6IjM0NyIsIkNvbG9yIjp7IiRpZCI6IjM0OCIsIkEiOjI1NSwiUiI6MTkyLCJHIjo4MCwiQiI6Nzd9fSwiTWF4V2lkdGgiOjIwMC4wLCJNYXhIZWlnaHQiOiJJbmZpbml0eSIsIlNtYXJ0Rm9yZWdyb3VuZElzQWN0aXZlIjpmYWxzZSwiSG9yaXpvbnRhbEFsaWdubWVudCI6MCwiVmVydGljYWxBbGlnbm1lbnQiOjAsIlNtYXJ0Rm9yZWdyb3VuZCI6bnVsbCwiQmFja2dyb3VuZEZpbGxUeXBlIjowLCJNYXJnaW4iOnsiJHJlZiI6IjEyMSJ9LCJQYWRkaW5nIjp7IiRyZWYiOiIxMjIifSwiQmFja2dyb3VuZCI6eyIkcmVmIjoiMTIzIn0sIklzVmlzaWJsZSI6dHJ1ZSwiV2lkdGgiOjAuMCwiSGVpZ2h0IjowLjAsIkJvcmRlclN0eWxlIjp7IiRpZCI6IjM0OSIsIkxpbmVDb2xvciI6bnVsbCwiTGluZVdlaWdodCI6MC4wLCJMaW5lVHlwZSI6MCwiUGFyZW50U3R5bGUiOm51bGx9LCJQYXJlbnRTdHlsZSI6bnVsbH0sIkR1cmF0aW9uU3R5bGUiOnsiJGlkIjoiMzUwIiwiRm9udFNldHRpbmdzIjp7IiRpZCI6IjM1MSIsIkZvbnRTaXplIjoxMCwiRm9udE5hbWUiOiJDYWxpYnJpIiwiSXNCb2xkIjpmYWxzZSwiSXNJdGFsaWMiOmZhbHNlLCJJc1VuZGVybGluZWQiOmZhbHNlLCJQYXJlbnRTdHlsZSI6bnVsbH0sIkF1dG9TaXplIjowLCJGb3JlZ3JvdW5kIjp7IiRpZCI6IjM1MiIsIkNvbG9yIjp7IiRpZCI6IjM1MyIsIkEiOjI1NSwiUiI6MCwiRyI6MCwiQiI6MH19LCJNYXhXaWR0aCI6MjAwLjAsIk1heEhlaWdodCI6IkluZmluaXR5IiwiU21hcnRGb3JlZ3JvdW5kSXNBY3RpdmUiOmZhbHNlLCJIb3Jpem9udGFsQWxpZ25tZW50IjoxLCJWZXJ0aWNhbEFsaWdubWVudCI6MCwiU21hcnRGb3JlZ3JvdW5kIjpudWxsLCJCYWNrZ3JvdW5kRmlsbFR5cGUiOjAsIk1hcmdpbiI6eyIkcmVmIjoiMTI4In0sIlBhZGRpbmciOnsiJHJlZiI6IjEyOSJ9LCJCYWNrZ3JvdW5kIjp7IiRpZCI6IjM1NCIsIkNvbG9yIjp7IiRpZCI6IjM1NSIsIkEiOjAsIlIiOjI1NSwiRyI6MjU1LCJCIjoyNTV9fSwiSXNWaXNpYmxlIjp0cnVlLCJXaWR0aCI6MC4wLCJIZWlnaHQiOjAuMCwiQm9yZGVyU3R5bGUiOnsiJGlkIjoiMzU2IiwiTGluZUNvbG9yIjpudWxsLCJMaW5lV2VpZ2h0IjowLjAsIkxpbmVUeXBlIjowLCJQYXJlbnRTdHlsZSI6bnVsbH0sIlBhcmVudFN0eWxlIjpudWxsfSwiSG9yaXpvbnRhbENvbm5lY3RvclN0eWxlIjp7IiRpZCI6IjM1NyIsIkxpbmVDb2xvciI6eyIkcmVmIjoiMTMyIn0sIkxpbmVXZWlnaHQiOjEuMCwiTGluZVR5cGUiOjAsIlBhcmVudFN0eWxlIjpudWxsfSwiVmVydGljYWxDb25uZWN0b3JTdHlsZSI6eyIkaWQiOiIzNTgiLCJMaW5lQ29sb3IiOnsiJHJlZiI6IjEzNSJ9LCJMaW5lV2VpZ2h0IjowLjAsIkxpbmVUeXBlIjowLCJQYXJlbnRTdHlsZSI6bnVsbH0sIk1hcmdpbiI6bnVsbCwiU3RhcnREYXRlUG9zaXRpb24iOjQsIkVuZERhdGVQb3NpdGlvbiI6NCwiRGF0ZUlzVmlzaWJsZSI6dHJ1ZSwiVGl0bGVQb3NpdGlvbiI6MywiRHVyYXRpb25Qb3NpdGlvbiI6MiwiUGVyY2VudGFnZUNvbXBsZXRlZFBvc2l0aW9uIjo2LCJTcGFjaW5nIjo1LCJJc0JlbG93VGltZWJhbmQiOmZhbHNlLCJQZXJjZW50YWdlQ29tcGxldGVTaGFwZU9wYWNpdHkiOjM1LCJTaGFwZVN0eWxlIjp7IiRpZCI6IjM1OSIsIk1hcmdpbiI6eyIkcmVmIjoiMTM4In0sIlBhZGRpbmciOnsiJHJlZiI6IjEzOSJ9LCJCYWNrZ3JvdW5kIjp7IiRpZCI6IjM2MCIsIkNvbG9yIjp7IiRpZCI6IjM2MSIsIkEiOjI1NSwiUiI6MTkyLCJHIjoxNTgsIkIiOjIyNn19LCJJc1Zpc2libGUiOnRydWUsIldpZHRoIjowLjAsIkhlaWdodCI6MTYuMCwiQm9yZGVyU3R5bGUiOnsiJGlkIjoiMzYyIiwiTGluZUNvbG9yIjp7IiRyZWYiOiIyNDkifSwiTGluZVdlaWdodCI6MC4wLCJMaW5lVHlwZSI6MCwiUGFyZW50U3R5bGUiOm51bGx9LCJQYXJlbnRTdHlsZSI6bnVsbH0sIlRpdGxlU3R5bGUiOnsiJGlkIjoiMzYzIiwiRm9udFNldHRpbmdzIjp7IiRpZCI6IjM2NCIsIkZvbnRTaXplIjoxMiwiRm9udE5hbWUiOiJDYWxpYnJpIiwiSXNCb2xkIjp0cnVlLCJJc0l0YWxpYyI6ZmFsc2UsIklzVW5kZXJsaW5lZCI6ZmFsc2UsIlBhcmVudFN0eWxlIjpudWxsfSwiQXV0b1NpemUiOjAsIkZvcmVncm91bmQiOnsiJGlkIjoiMzY1IiwiQ29sb3IiOnsiJGlkIjoiMzY2IiwiQSI6MjU1LCJSIjowLCJHIjowLCJCIjowfX0sIk1heFdpZHRoIjo3MjAuMCwiTWF4SGVpZ2h0IjoiSW5maW5pdHkiLCJTbWFydEZvcmVncm91bmRJc0FjdGl2ZSI6ZmFsc2UsIkhvcml6b250YWxBbGlnbm1lbnQiOjIsIlZlcnRpY2FsQWxpZ25tZW50IjowLCJTbWFydEZvcmVncm91bmQiOm51bGwsIkJhY2tncm91bmRGaWxsVHlwZSI6MCwiTWFyZ2luIjp7IiRyZWYiOiIxNDkifSwiUGFkZGluZyI6eyIkcmVmIjoiMTUwIn0sIkJhY2tncm91bmQiOnsiJGlkIjoiMzY3IiwiQ29sb3IiOnsiJGlkIjoiMzY4IiwiQSI6MCwiUiI6MjU1LCJHIjoyNTUsIkIiOjI1NX19LCJJc1Zpc2libGUiOnRydWUsIldpZHRoIjowLjAsIkhlaWdodCI6MC4wLCJCb3JkZXJTdHlsZSI6eyIkaWQiOiIzNjkiLCJMaW5lQ29sb3IiOm51bGwsIkxpbmVXZWlnaHQiOjAuMCwiTGluZVR5cGUiOjAsIlBhcmVudFN0eWxlIjpudWxsfSwiUGFyZW50U3R5bGUiOm51bGx9LCJEYXRlU3R5bGUiOnsiJGlkIjoiMzcwIiwiRm9udFNldHRpbmdzIjp7IiRpZCI6IjM3MSIsIkZvbnRTaXplIjoxMCwiRm9udE5hbWUiOiJDYWxpYnJpIiwiSXNCb2xkIjpmYWxzZSwiSXNJdGFsaWMiOmZhbHNlLCJJc1VuZGVybGluZWQiOmZhbHNlLCJQYXJlbnRTdHlsZSI6bnVsbH0sIkF1dG9TaXplIjowLCJGb3JlZ3JvdW5kIjp7IiRpZCI6IjM3MiIsIkNvbG9yIjp7IiRpZCI6IjM3MyIsIkEiOjI1NSwiUiI6NjgsIkciOjg0LCJCIjoxMDZ9fSwiTWF4V2lkdGgiOjIwMC4wLCJNYXhIZWlnaHQiOiJJbmZpbml0eSIsIlNtYXJ0Rm9yZWdyb3VuZElzQWN0aXZlIjpmYWxzZSwiSG9yaXpvbnRhbEFsaWdubWVudCI6MCwiVmVydGljYWxBbGlnbm1lbnQiOjAsIlNtYXJ0Rm9yZWdyb3VuZCI6bnVsbCwiQmFja2dyb3VuZEZpbGxUeXBlIjowLCJNYXJnaW4iOnsiJHJlZiI6IjE1NiJ9LCJQYWRkaW5nIjp7IiRyZWYiOiIxNTcifSwiQmFja2dyb3VuZCI6eyIkaWQiOiIzNzQiLCJDb2xvciI6eyIkaWQiOiIzNzUiLCJBIjowLCJSIjoyNTUsIkciOjI1NSwiQiI6MjU1fX0sIklzVmlzaWJsZSI6dHJ1ZSwiV2lkdGgiOjAuMCwiSGVpZ2h0IjowLjAsIkJvcmRlclN0eWxlIjp7IiRpZCI6IjM3NiIsIkxpbmVDb2xvciI6bnVsbCwiTGluZVdlaWdodCI6MC4wLCJMaW5lVHlwZSI6MCwiUGFyZW50U3R5bGUiOm51bGx9LCJQYXJlbnRTdHlsZSI6bnVsbH0sIkRhdGVGb3JtYXQiOnsiJHJlZiI6IjI2NSJ9LCJXZWVrTnVtYmVyaW5nIjp7IiRpZCI6IjM3NyIsIkZvcm1hdCI6MCwiSXNWaXNpYmxlIjpmYWxzZSwiTGFzdEtub3duVmlzaWJpbGl0eVN0YXRlIjpmYWxzZX0sIklzVmlzaWJsZSI6dHJ1ZSwiUGFyZW50U3R5bGUiOm51bGx9LCJJbmRleCI6NCwiU21hcnREdXJhdGlvbkFjdGl2YXRlZCI6ZmFsc2UsIkRhdGVGb3JtYXQiOnsiJHJlZiI6IjI2NSJ9LCJXZWVrTnVtYmVyaW5nIjp7IiRpZCI6IjM3OCIsIkZvcm1hdCI6MCwiSXNWaXNpYmxlIjpmYWxzZSwiTGFzdEtub3duVmlzaWJpbGl0eVN0YXRlIjpmYWxzZX0sIklkIjoiNTU1NjMyZjQtZDg3OC00ZThjLWI4YjQtZmM5ZGFkY2NhYjhlIiwiSW1wb3J0SWQiOm51bGwsIlRpdGxlIjoiSW1wbGVtZW50IGRpZmZlcmVudCBjbGFzc2lmaWVycyBhbmQgdGVzdCBvbiBkYXRhIiwiTm90ZSI6bnVsbCwiSHlwZXJsaW5rIjp7IiRpZCI6IjM3OSIsIkFkZHJlc3MiOiIiLCJTdWJBZGRyZXNzIjoiIn0sIklzQ2hhbmdlZCI6ZmFsc2UsIklzTmV3IjpmYWxzZX0seyIkaWQiOiIzODAiLCJHcm91cE5hbWUiOm51bGwsIlN0YXJ0RGF0ZSI6IjIwMjItMDQtMTNUMDA6MDA6MDBaIiwiRW5kRGF0ZSI6IjIwMjItMDQtMTlUMjM6NTk6MDBaIiwiUGVyY2VudGFnZUNvbXBsZXRlIjpudWxsLCJTdHlsZSI6eyIkaWQiOiIzODEiLCJTaGFwZSI6MSwiU2hhcGVUaGlja25lc3MiOjEsIkR1cmF0aW9uRm9ybWF0IjowLCJJbmNsdWRlTm9uV29ya2luZ0RheXNJbkR1cmF0aW9uIjpmYWxzZSwiUGVyY2VudGFnZUNvbXBsZXRlU3R5bGUiOnsiJGlkIjoiMzgyIiwiRm9udFNldHRpbmdzIjp7IiRpZCI6IjM4MyIsIkZvbnRTaXplIjoxMCwiRm9udE5hbWUiOiJDYWxpYnJpIiwiSXNCb2xkIjpmYWxzZSwiSXNJdGFsaWMiOmZhbHNlLCJJc1VuZGVybGluZWQiOmZhbHNlLCJQYXJlbnRTdHlsZSI6bnVsbH0sIkF1dG9TaXplIjowLCJGb3JlZ3JvdW5kIjp7IiRyZWYiOiIzNDcifSwiTWF4V2lkdGgiOjIwMC4wLCJNYXhIZWlnaHQiOiJJbmZpbml0eSIsIlNtYXJ0Rm9yZWdyb3VuZElzQWN0aXZlIjpmYWxzZSwiSG9yaXpvbnRhbEFsaWdubWVudCI6MCwiVmVydGljYWxBbGlnbm1lbnQiOjAsIlNtYXJ0Rm9yZWdyb3VuZCI6bnVsbCwiQmFja2dyb3VuZEZpbGxUeXBlIjowLCJNYXJnaW4iOnsiJHJlZiI6IjEyMSJ9LCJQYWRkaW5nIjp7IiRyZWYiOiIxMjIifSwiQmFja2dyb3VuZCI6eyIkcmVmIjoiMTIzIn0sIklzVmlzaWJsZSI6dHJ1ZSwiV2lkdGgiOjAuMCwiSGVpZ2h0IjowLjAsIkJvcmRlclN0eWxlIjp7IiRpZCI6IjM4NCIsIkxpbmVDb2xvciI6bnVsbCwiTGluZVdlaWdodCI6MC4wLCJMaW5lVHlwZSI6MCwiUGFyZW50U3R5bGUiOm51bGx9LCJQYXJlbnRTdHlsZSI6bnVsbH0sIkR1cmF0aW9uU3R5bGUiOnsiJGlkIjoiMzg1IiwiRm9udFNldHRpbmdzIjp7IiRpZCI6IjM4NiIsIkZvbnRTaXplIjoxMCwiRm9udE5hbWUiOiJDYWxpYnJpIiwiSXNCb2xkIjpmYWxzZSwiSXNJdGFsaWMiOmZhbHNlLCJJc1VuZGVybGluZWQiOmZhbHNlLCJQYXJlbnRTdHlsZSI6bnVsbH0sIkF1dG9TaXplIjowLCJGb3JlZ3JvdW5kIjp7IiRpZCI6IjM4NyIsIkNvbG9yIjp7IiRpZCI6IjM4OCIsIkEiOjI1NSwiUiI6MCwiRyI6MCwiQiI6MH19LCJNYXhXaWR0aCI6MjAwLjAsIk1heEhlaWdodCI6IkluZmluaXR5IiwiU21hcnRGb3JlZ3JvdW5kSXNBY3RpdmUiOmZhbHNlLCJIb3Jpem9udGFsQWxpZ25tZW50IjoxLCJWZXJ0aWNhbEFsaWdubWVudCI6MCwiU21hcnRGb3JlZ3JvdW5kIjpudWxsLCJCYWNrZ3JvdW5kRmlsbFR5cGUiOjAsIk1hcmdpbiI6eyIkcmVmIjoiMTI4In0sIlBhZGRpbmciOnsiJHJlZiI6IjEyOSJ9LCJCYWNrZ3JvdW5kIjp7IiRpZCI6IjM4OSIsIkNvbG9yIjp7IiRpZCI6IjM5MCIsIkEiOjAsIlIiOjI1NSwiRyI6MjU1LCJCIjoyNTV9fSwiSXNWaXNpYmxlIjp0cnVlLCJXaWR0aCI6MC4wLCJIZWlnaHQiOjAuMCwiQm9yZGVyU3R5bGUiOnsiJGlkIjoiMzkxIiwiTGluZUNvbG9yIjpudWxsLCJMaW5lV2VpZ2h0IjowLjAsIkxpbmVUeXBlIjowLCJQYXJlbnRTdHlsZSI6bnVsbH0sIlBhcmVudFN0eWxlIjpudWxsfSwiSG9yaXpvbnRhbENvbm5lY3RvclN0eWxlIjp7IiRpZCI6IjM5MiIsIkxpbmVDb2xvciI6eyIkcmVmIjoiMTMyIn0sIkxpbmVXZWlnaHQiOjEuMCwiTGluZVR5cGUiOjAsIlBhcmVudFN0eWxlIjpudWxsfSwiVmVydGljYWxDb25uZWN0b3JTdHlsZSI6eyIkaWQiOiIzOTMiLCJMaW5lQ29sb3IiOnsiJHJlZiI6IjEzNSJ9LCJMaW5lV2VpZ2h0IjowLjAsIkxpbmVUeXBlIjowLCJQYXJlbnRTdHlsZSI6bnVsbH0sIk1hcmdpbiI6bnVsbCwiU3RhcnREYXRlUG9zaXRpb24iOjQsIkVuZERhdGVQb3NpdGlvbiI6NCwiRGF0ZUlzVmlzaWJsZSI6dHJ1ZSwiVGl0bGVQb3NpdGlvbiI6MywiRHVyYXRpb25Qb3NpdGlvbiI6MiwiUGVyY2VudGFnZUNvbXBsZXRlZFBvc2l0aW9uIjo2LCJTcGFjaW5nIjo1LCJJc0JlbG93VGltZWJhbmQiOmZhbHNlLCJQZXJjZW50YWdlQ29tcGxldGVTaGFwZU9wYWNpdHkiOjM1LCJTaGFwZVN0eWxlIjp7IiRpZCI6IjM5NCIsIk1hcmdpbiI6eyIkcmVmIjoiMTM4In0sIlBhZGRpbmciOnsiJHJlZiI6IjEzOSJ9LCJCYWNrZ3JvdW5kIjp7IiRpZCI6IjM5NSIsIkNvbG9yIjp7IiRpZCI6IjM5NiIsIkEiOjI1NSwiUiI6MTM5LCJHIjoyMTgsIkIiOjIzM319LCJJc1Zpc2libGUiOnRydWUsIldpZHRoIjowLjAsIkhlaWdodCI6MTYuMCwiQm9yZGVyU3R5bGUiOnsiJGlkIjoiMzk3IiwiTGluZUNvbG9yIjp7IiRpZCI6IjM5OCIsIiR0eXBlIjoiTkxSRS5Db21tb24uRG9tLlNvbGlkQ29sb3JCcnVzaCwgTkxSRS5Db21tb24iLCJDb2xvciI6eyIkaWQiOiIzOTkiLCJBIjoyNTUsIlIiOjI1NSwiRyI6MCwiQiI6MH19LCJMaW5lV2VpZ2h0IjowLjAsIkxpbmVUeXBlIjowLCJQYXJlbnRTdHlsZSI6bnVsbH0sIlBhcmVudFN0eWxlIjpudWxsfSwiVGl0bGVTdHlsZSI6eyIkaWQiOiI0MDAiLCJGb250U2V0dGluZ3MiOnsiJGlkIjoiNDAxIiwiRm9udFNpemUiOjEyLCJGb250TmFtZSI6IkNhbGlicmkiLCJJc0JvbGQiOnRydWUsIklzSXRhbGljIjpmYWxzZSwiSXNVbmRlcmxpbmVkIjpmYWxzZSwiUGFyZW50U3R5bGUiOm51bGx9LCJBdXRvU2l6ZSI6MCwiRm9yZWdyb3VuZCI6eyIkaWQiOiI0MDIiLCJDb2xvciI6eyIkaWQiOiI0MDMiLCJBIjoyNTUsIlIiOjAsIkciOjAsIkIiOjB9fSwiTWF4V2lkdGgiOjcyMC4wLCJNYXhIZWlnaHQiOiJJbmZpbml0eSIsIlNtYXJ0Rm9yZWdyb3VuZElzQWN0aXZlIjpmYWxzZSwiSG9yaXpvbnRhbEFsaWdubWVudCI6MiwiVmVydGljYWxBbGlnbm1lbnQiOjAsIlNtYXJ0Rm9yZWdyb3VuZCI6bnVsbCwiQmFja2dyb3VuZEZpbGxUeXBlIjowLCJNYXJnaW4iOnsiJHJlZiI6IjE0OSJ9LCJQYWRkaW5nIjp7IiRyZWYiOiIxNTAifSwiQmFja2dyb3VuZCI6eyIkaWQiOiI0MDQiLCJDb2xvciI6eyIkaWQiOiI0MDUiLCJBIjowLCJSIjoyNTUsIkciOjI1NSwiQiI6MjU1fX0sIklzVmlzaWJsZSI6dHJ1ZSwiV2lkdGgiOjAuMCwiSGVpZ2h0IjowLjAsIkJvcmRlclN0eWxlIjp7IiRpZCI6IjQwNiIsIkxpbmVDb2xvciI6bnVsbCwiTGluZVdlaWdodCI6MC4wLCJMaW5lVHlwZSI6MCwiUGFyZW50U3R5bGUiOm51bGx9LCJQYXJlbnRTdHlsZSI6bnVsbH0sIkRhdGVTdHlsZSI6eyIkaWQiOiI0MDciLCJGb250U2V0dGluZ3MiOnsiJGlkIjoiNDA4IiwiRm9udFNpemUiOjEwLCJGb250TmFtZSI6IkNhbGlicmkiLCJJc0JvbGQiOmZhbHNlLCJJc0l0YWxpYyI6ZmFsc2UsIklzVW5kZXJsaW5lZCI6ZmFsc2UsIlBhcmVudFN0eWxlIjpudWxsfSwiQXV0b1NpemUiOjAsIkZvcmVncm91bmQiOnsiJGlkIjoiNDA5IiwiQ29sb3IiOnsiJGlkIjoiNDEwIiwiQSI6MjU1LCJSIjo2OCwiRyI6ODQsIkIiOjEwNn19LCJNYXhXaWR0aCI6MjAwLjAsIk1heEhlaWdodCI6IkluZmluaXR5IiwiU21hcnRGb3JlZ3JvdW5kSXNBY3RpdmUiOmZhbHNlLCJIb3Jpem9udGFsQWxpZ25tZW50IjowLCJWZXJ0aWNhbEFsaWdubWVudCI6MCwiU21hcnRGb3JlZ3JvdW5kIjpudWxsLCJCYWNrZ3JvdW5kRmlsbFR5cGUiOjAsIk1hcmdpbiI6eyIkcmVmIjoiMTU2In0sIlBhZGRpbmciOnsiJHJlZiI6IjE1NyJ9LCJCYWNrZ3JvdW5kIjp7IiRpZCI6IjQxMSIsIkNvbG9yIjp7IiRpZCI6IjQxMiIsIkEiOjAsIlIiOjI1NSwiRyI6MjU1LCJCIjoyNTV9fSwiSXNWaXNpYmxlIjp0cnVlLCJXaWR0aCI6MC4wLCJIZWlnaHQiOjAuMCwiQm9yZGVyU3R5bGUiOnsiJGlkIjoiNDEzIiwiTGluZUNvbG9yIjpudWxsLCJMaW5lV2VpZ2h0IjowLjAsIkxpbmVUeXBlIjowLCJQYXJlbnRTdHlsZSI6bnVsbH0sIlBhcmVudFN0eWxlIjpudWxsfSwiRGF0ZUZvcm1hdCI6eyIkaWQiOiI0MTQiLCJGb3JtYXRTdHJpbmciOiJNTU0gZCIsIlNlcGFyYXRvciI6Ii8iLCJVc2VJbnRlcm5hdGlvbmFsRGF0ZUZvcm1hdCI6ZmFsc2UsIkRhdGVJc1Zpc2libGUiOnRydWUsIlRpbWVJc1Zpc2libGUiOmZhbHNlLCJIb3VyRGlnaXRzIjoxLCJBbVBtRGVzaWduYXRvciI6MiwiVHJpbTAwTWludXRlcyI6ZmFsc2UsIkxhc3RLbm93blZpc2liaWxpdHlTdGF0ZSI6bnVsbH0sIldlZWtOdW1iZXJpbmciOnsiJGlkIjoiNDE1IiwiRm9ybWF0IjowLCJJc1Zpc2libGUiOmZhbHNlLCJMYXN0S25vd25WaXNpYmlsaXR5U3RhdGUiOmZhbHNlfSwiSXNWaXNpYmxlIjp0cnVlLCJQYXJlbnRTdHlsZSI6bnVsbH0sIkluZGV4Ijo1LCJTbWFydER1cmF0aW9uQWN0aXZhdGVkIjpmYWxzZSwiRGF0ZUZvcm1hdCI6eyIkcmVmIjoiNDE0In0sIldlZWtOdW1iZXJpbmciOnsiJGlkIjoiNDE2IiwiRm9ybWF0IjowLCJJc1Zpc2libGUiOmZhbHNlLCJMYXN0S25vd25WaXNpYmlsaXR5U3RhdGUiOmZhbHNlfSwiSWQiOiJjMjFmOGM4MC0xZGQ0LTQ3NDktOTY0Mi0xZWJkZmFhOGUxN2IiLCJJbXBvcnRJZCI6bnVsbCwiVGl0bGUiOiJUcmFuZm9ybSBsaXQuIHJldmlldyB0byBpbnRybyBmb3IgZGlzc2VydGF0aW9uIiwiTm90ZSI6bnVsbCwiSHlwZXJsaW5rIjp7IiRpZCI6IjQxNyIsIkFkZHJlc3MiOiIiLCJTdWJBZGRyZXNzIjoiIn0sIklzQ2hhbmdlZCI6ZmFsc2UsIklzTmV3IjpmYWxzZX0seyIkaWQiOiI0MTgiLCJHcm91cE5hbWUiOm51bGwsIlN0YXJ0RGF0ZSI6IjIwMjItMDQtMTlUMDA6MDA6MDBaIiwiRW5kRGF0ZSI6IjIwMjItMDQtMjdUMjM6NTk6MDBaIiwiUGVyY2VudGFnZUNvbXBsZXRlIjpudWxsLCJTdHlsZSI6eyIkaWQiOiI0MTkiLCJTaGFwZSI6MSwiU2hhcGVUaGlja25lc3MiOjEsIkR1cmF0aW9uRm9ybWF0IjowLCJJbmNsdWRlTm9uV29ya2luZ0RheXNJbkR1cmF0aW9uIjpmYWxzZSwiUGVyY2VudGFnZUNvbXBsZXRlU3R5bGUiOnsiJGlkIjoiNDIwIiwiRm9udFNldHRpbmdzIjp7IiRpZCI6IjQyMSIsIkZvbnRTaXplIjoxMCwiRm9udE5hbWUiOiJDYWxpYnJpIiwiSXNCb2xkIjpmYWxzZSwiSXNJdGFsaWMiOmZhbHNlLCJJc1VuZGVybGluZWQiOmZhbHNlLCJQYXJlbnRTdHlsZSI6bnVsbH0sIkF1dG9TaXplIjowLCJGb3JlZ3JvdW5kIjp7IiRyZWYiOiIzNDcifSwiTWF4V2lkdGgiOjIwMC4wLCJNYXhIZWlnaHQiOiJJbmZpbml0eSIsIlNtYXJ0Rm9yZWdyb3VuZElzQWN0aXZlIjpmYWxzZSwiSG9yaXpvbnRhbEFsaWdubWVudCI6MCwiVmVydGljYWxBbGlnbm1lbnQiOjAsIlNtYXJ0Rm9yZWdyb3VuZCI6bnVsbCwiQmFja2dyb3VuZEZpbGxUeXBlIjowLCJNYXJnaW4iOnsiJHJlZiI6IjEyMSJ9LCJQYWRkaW5nIjp7IiRyZWYiOiIxMjIifSwiQmFja2dyb3VuZCI6eyIkcmVmIjoiMTIzIn0sIklzVmlzaWJsZSI6dHJ1ZSwiV2lkdGgiOjAuMCwiSGVpZ2h0IjowLjAsIkJvcmRlclN0eWxlIjp7IiRpZCI6IjQyMiIsIkxpbmVDb2xvciI6bnVsbCwiTGluZVdlaWdodCI6MC4wLCJMaW5lVHlwZSI6MCwiUGFyZW50U3R5bGUiOm51bGx9LCJQYXJlbnRTdHlsZSI6bnVsbH0sIkR1cmF0aW9uU3R5bGUiOnsiJGlkIjoiNDIzIiwiRm9udFNldHRpbmdzIjp7IiRpZCI6IjQyNCIsIkZvbnRTaXplIjoxMCwiRm9udE5hbWUiOiJDYWxpYnJpIiwiSXNCb2xkIjpmYWxzZSwiSXNJdGFsaWMiOmZhbHNlLCJJc1VuZGVybGluZWQiOmZhbHNlLCJQYXJlbnRTdHlsZSI6bnVsbH0sIkF1dG9TaXplIjowLCJGb3JlZ3JvdW5kIjp7IiRyZWYiOiIxMjYifSwiTWF4V2lkdGgiOjIwMC4wLCJNYXhIZWlnaHQiOiJJbmZpbml0eSIsIlNtYXJ0Rm9yZWdyb3VuZElzQWN0aXZlIjpmYWxzZSwiSG9yaXpvbnRhbEFsaWdubWVudCI6MSwiVmVydGljYWxBbGlnbm1lbnQiOjAsIlNtYXJ0Rm9yZWdyb3VuZCI6bnVsbCwiQmFja2dyb3VuZEZpbGxUeXBlIjowLCJNYXJnaW4iOnsiJHJlZiI6IjEyOCJ9LCJQYWRkaW5nIjp7IiRyZWYiOiIxMjkifSwiQmFja2dyb3VuZCI6eyIkcmVmIjoiMTMwIn0sIklzVmlzaWJsZSI6dHJ1ZSwiV2lkdGgiOjAuMCwiSGVpZ2h0IjowLjAsIkJvcmRlclN0eWxlIjp7IiRpZCI6IjQyNSIsIkxpbmVDb2xvciI6bnVsbCwiTGluZVdlaWdodCI6MC4wLCJMaW5lVHlwZSI6MCwiUGFyZW50U3R5bGUiOm51bGx9LCJQYXJlbnRTdHlsZSI6bnVsbH0sIkhvcml6b250YWxDb25uZWN0b3JTdHlsZSI6eyIkaWQiOiI0MjYiLCJMaW5lQ29sb3IiOnsiJHJlZiI6IjEzMiJ9LCJMaW5lV2VpZ2h0IjoxLjAsIkxpbmVUeXBlIjowLCJQYXJlbnRTdHlsZSI6bnVsbH0sIlZlcnRpY2FsQ29ubmVjdG9yU3R5bGUiOnsiJGlkIjoiNDI3IiwiTGluZUNvbG9yIjp7IiRyZWYiOiIxMzUifSwiTGluZVdlaWdodCI6MC4wLCJMaW5lVHlwZSI6MCwiUGFyZW50U3R5bGUiOm51bGx9LCJNYXJnaW4iOm51bGwsIlN0YXJ0RGF0ZVBvc2l0aW9uIjo0LCJFbmREYXRlUG9zaXRpb24iOjQsIkRhdGVJc1Zpc2libGUiOnRydWUsIlRpdGxlUG9zaXRpb24iOjMsIkR1cmF0aW9uUG9zaXRpb24iOjIsIlBlcmNlbnRhZ2VDb21wbGV0ZWRQb3NpdGlvbiI6NiwiU3BhY2luZyI6NSwiSXNCZWxvd1RpbWViYW5kIjpmYWxzZSwiUGVyY2VudGFnZUNvbXBsZXRlU2hhcGVPcGFjaXR5IjozNSwiU2hhcGVTdHlsZSI6eyIkaWQiOiI0MjgiLCJNYXJnaW4iOnsiJHJlZiI6IjEzOCJ9LCJQYWRkaW5nIjp7IiRyZWYiOiIxMzkifSwiQmFja2dyb3VuZCI6eyIkaWQiOiI0MjkiLCJDb2xvciI6eyIkaWQiOiI0MzAiLCJBIjoyNTUsIlIiOjE5MiwiRyI6MTU4LCJCIjoyMjZ9fSwiSXNWaXNpYmxlIjp0cnVlLCJXaWR0aCI6MC4wLCJIZWlnaHQiOjE2LjAsIkJvcmRlclN0eWxlIjp7IiRpZCI6IjQzMSIsIkxpbmVDb2xvciI6eyIkcmVmIjoiMTQzIn0sIkxpbmVXZWlnaHQiOjAuMCwiTGluZVR5cGUiOjAsIlBhcmVudFN0eWxlIjpudWxsfSwiUGFyZW50U3R5bGUiOm51bGx9LCJUaXRsZVN0eWxlIjp7IiRpZCI6IjQzMiIsIkZvbnRTZXR0aW5ncyI6eyIkaWQiOiI0MzMiLCJGb250U2l6ZSI6MTIsIkZvbnROYW1lIjoiQ2FsaWJyaSIsIklzQm9sZCI6dHJ1ZSwiSXNJdGFsaWMiOmZhbHNlLCJJc1VuZGVybGluZWQiOmZhbHNlLCJQYXJlbnRTdHlsZSI6bnVsbH0sIkF1dG9TaXplIjowLCJGb3JlZ3JvdW5kIjp7IiRyZWYiOiIxNDcifSwiTWF4V2lkdGgiOjcyMC4wLCJNYXhIZWlnaHQiOiJJbmZpbml0eSIsIlNtYXJ0Rm9yZWdyb3VuZElzQWN0aXZlIjpmYWxzZSwiSG9yaXpvbnRhbEFsaWdubWVudCI6MiwiVmVydGljYWxBbGlnbm1lbnQiOjAsIlNtYXJ0Rm9yZWdyb3VuZCI6bnVsbCwiQmFja2dyb3VuZEZpbGxUeXBlIjowLCJNYXJnaW4iOnsiJHJlZiI6IjE0OSJ9LCJQYWRkaW5nIjp7IiRyZWYiOiIxNTAifSwiQmFja2dyb3VuZCI6eyIkcmVmIjoiMTUxIn0sIklzVmlzaWJsZSI6dHJ1ZSwiV2lkdGgiOjAuMCwiSGVpZ2h0IjowLjAsIkJvcmRlclN0eWxlIjp7IiRpZCI6IjQzNCIsIkxpbmVDb2xvciI6bnVsbCwiTGluZVdlaWdodCI6MC4wLCJMaW5lVHlwZSI6MCwiUGFyZW50U3R5bGUiOm51bGx9LCJQYXJlbnRTdHlsZSI6bnVsbH0sIkRhdGVTdHlsZSI6eyIkaWQiOiI0MzUiLCJGb250U2V0dGluZ3MiOnsiJGlkIjoiNDM2IiwiRm9udFNpemUiOjEwLCJGb250TmFtZSI6IkNhbGlicmkiLCJJc0JvbGQiOmZhbHNlLCJJc0l0YWxpYyI6ZmFsc2UsIklzVW5kZXJsaW5lZCI6ZmFsc2UsIlBhcmVudFN0eWxlIjpudWxsfSwiQXV0b1NpemUiOjAsIkZvcmVncm91bmQiOnsiJHJlZiI6IjE1NCJ9LCJNYXhXaWR0aCI6MjAwLjAsIk1heEhlaWdodCI6IkluZmluaXR5IiwiU21hcnRGb3JlZ3JvdW5kSXNBY3RpdmUiOmZhbHNlLCJIb3Jpem9udGFsQWxpZ25tZW50IjowLCJWZXJ0aWNhbEFsaWdubWVudCI6MCwiU21hcnRGb3JlZ3JvdW5kIjpudWxsLCJCYWNrZ3JvdW5kRmlsbFR5cGUiOjAsIk1hcmdpbiI6eyIkcmVmIjoiMTU2In0sIlBhZGRpbmciOnsiJHJlZiI6IjE1NyJ9LCJCYWNrZ3JvdW5kIjp7IiRyZWYiOiIxNTgifSwiSXNWaXNpYmxlIjp0cnVlLCJXaWR0aCI6MC4wLCJIZWlnaHQiOjAuMCwiQm9yZGVyU3R5bGUiOnsiJGlkIjoiNDM3IiwiTGluZUNvbG9yIjpudWxsLCJMaW5lV2VpZ2h0IjowLjAsIkxpbmVUeXBlIjowLCJQYXJlbnRTdHlsZSI6bnVsbH0sIlBhcmVudFN0eWxlIjpudWxsfSwiRGF0ZUZvcm1hdCI6eyIkcmVmIjoiMTU5In0sIldlZWtOdW1iZXJpbmciOnsiJGlkIjoiNDM4IiwiRm9ybWF0IjowLCJJc1Zpc2libGUiOmZhbHNlLCJMYXN0S25vd25WaXNpYmlsaXR5U3RhdGUiOmZhbHNlfSwiSXNWaXNpYmxlIjp0cnVlLCJQYXJlbnRTdHlsZSI6bnVsbH0sIkluZGV4Ijo2LCJTbWFydER1cmF0aW9uQWN0aXZhdGVkIjpmYWxzZSwiRGF0ZUZvcm1hdCI6eyIkcmVmIjoiMTU5In0sIldlZWtOdW1iZXJpbmciOnsiJGlkIjoiNDM5IiwiRm9ybWF0IjowLCJJc1Zpc2libGUiOmZhbHNlLCJMYXN0S25vd25WaXNpYmlsaXR5U3RhdGUiOmZhbHNlfSwiSWQiOiJhOWU3NTIxMS1iZjRkLTQxNWYtYTQxNS00ODIzZGYxZTk1OGQiLCJJbXBvcnRJZCI6bnVsbCwiVGl0bGUiOiJPcHRpbWlzYXRpb24gb2YgY2xhc3NpZmllcnMiLCJOb3RlIjpudWxsLCJIeXBlcmxpbmsiOnsiJGlkIjoiNDQwIiwiQWRkcmVzcyI6IiIsIlN1YkFkZHJlc3MiOiIifSwiSXNDaGFuZ2VkIjpmYWxzZSwiSXNOZXciOmZhbHNlfV0sIlN3aW1sYW5lcyI6W10sIk1zUHJvamVjdEl0ZW1zVHJlZSI6eyIkaWQiOiI0NDEiLCJSb290Ijp7IkltcG9ydElkIjpudWxsLCJJc0ltcG9ydGVkIjpmYWxzZSwiQ2hpbGRyZW4iOltdfX0sIk1ldGFkYXRhIjp7IiRpZCI6IjQ0MiIsIlJlY2VudENvbG9yc0NvbGxlY3Rpb24iOiJbXCIjRkYwMDcyQkNcIixcIiNGRjFBQUE0MlwiLFwiI0ZGRkVCQTBBXCJdIiwiU291cmNlVGVtcGxhdGUiOiJ7XCIkaWRcIjpcIjFcIixcIklkXCI6XCJjYzI2Zjg2My0yN2NlLTQ4MGUtYTU4OS1iM2YxMmYyZDZlYjBcIixcIkN1bHR1cmVJbmZvTmFtZVwiOlwiZW4tVVNcIixcIlZlcnNpb25cIjp7XCIkaWRcIjpcIjJcIixcIlRlbXBsYXRlRG9tVmVyc2lvblwiOlwiMS4yLjBcIn0sXCJFZmZlY3RcIjoxLFwiU3R5bGVcIjp7XCIkaWRcIjpcIjNcIixcIlRpbWViYW5kU3R5bGVcIjp7XCIkaWRcIjpcIjRcIixcIlNjYWxlTWFya2luZ1wiOjEsXCJTaGFwZVwiOjEwLFwiU2hhcGVTdHlsZVwiOntcIiRpZFwiOlwiNVwiLFwiTWFyZ2luXCI6e1wiJGlkXCI6XCI2XCIsXCJUb3BcIjowLjAsXCJMZWZ0XCI6MTAuMCxcIlJpZ2h0XCI6MTAuMCxcIkJvdHRvbVwiOjAuMH0sXCJQYWRkaW5nXCI6e1wiJGlkXCI6XCI3XCIsXCJUb3BcIjozLjAsXCJMZWZ0XCI6MC4wLFwiUmlnaHRcIjowLjAsXCJCb3R0b21cIjozLjB9LFwiQmFja2dyb3VuZFwiOntcIiRpZFwiOlwiOFwiLFwiQ29sb3JcIjp7XCIkaWRcIjpcIjlcIixcIkFcIjoyNTUsXCJSXCI6NjgsXCJHXCI6ODQsXCJCXCI6MTA2fX0sXCJJc1Zpc2libGVcIjp0cnVlLFwiV2lkdGhcIjo4NTguMCxcIkhlaWdodFwiOjIwLjAsXCJCb3JkZXJTdHlsZVwiOntcIiRpZFwiOlwiMTBcIixcIkxpbmVDb2xvclwiOntcIiRpZFwiOlwiMTFcIixcIiR0eXBlXCI6XCJOTFJFLkNvbW1vbi5Eb20uU29saWRDb2xvckJydXNoLCBOTFJFLkNvbW1vblwiLFwiQ29sb3JcIjp7XCIkaWRcIjpcIjEyXCIsXCJBXCI6MjU1LFwiUlwiOjI1NSxcIkdcIjowLFwiQlwiOjB9fSxcIkxpbmVXZWlnaHRcIjowLjAsXCJMaW5lVHlwZVwiOjB9fSxcIk1pZGRsZVRpZXJTaGFwZVN0eWxlXCI6e1wiJGlkXCI6XCIxM1wiLFwiTWFyZ2luXCI6e1wiJGlkXCI6XCIxNFwiLFwiVG9wXCI6MC4wLFwiTGVmdFwiOjEwLjAsXCJSaWdodFwiOjEwLjAsXCJCb3R0b21cIjowLjB9LFwiUGFkZGluZ1wiOntcIiRpZFwiOlwiMTVcIixcIlRvcFwiOjMuMCxcIkxlZnRcIjowLjAsXCJSaWdodFwiOjAuMCxcIkJvdHRvbVwiOjMuMH0sXCJCYWNrZ3JvdW5kXCI6e1wiJGlkXCI6XCIxNlwiLFwiQ29sb3JcIjp7XCIkaWRcIjpcIjE3XCIsXCJBXCI6MjU1LFwiUlwiOjY4LFwiR1wiOjg0LFwiQlwiOjEwNn19LFwiSXNWaXNpYmxlXCI6dHJ1ZSxcIldpZHRoXCI6ODU4LjAsXCJIZWlnaHRcIjoyMC4wLFwiQm9yZGVyU3R5bGVcIjp7XCIkaWRcIjpcIjE4XCIsXCJMaW5lQ29sb3JcIjp7XCIkaWRcIjpcIjE5XCIsXCIkdHlwZVwiOlwiTkxSRS5Db21tb24uRG9tLlNvbGlkQ29sb3JCcnVzaCwgTkxSRS5Db21tb25cIixcIkNvbG9yXCI6e1wiJGlkXCI6XCIyMFwiLFwiQVwiOjI1NSxcIlJcIjoyNTUsXCJHXCI6MCxcIkJcIjowfX0sXCJMaW5lV2VpZ2h0XCI6MC4wLFwiTGluZVR5cGVcIjowfX0sXCJCb3R0b21UaWVyU2hhcGVTdHlsZVwiOntcIiRpZFwiOlwiMjFcIixcIk1hcmdpblwiOntcIiRpZFwiOlwiMjJcIixcIlRvcFwiOjAuMCxcIkxlZnRcIjoxMC4wLFwiUmlnaHRcIjoxMC4wLFwiQm90dG9tXCI6MC4wfSxcIlBhZGRpbmdcIjp7XCIkaWRcIjpcIjIzXCIsXCJUb3BcIjozLjAsXCJMZWZ0XCI6MC4wLFwiUmlnaHRcIjowLjAsXCJCb3R0b21cIjozLjB9LFwiQmFja2dyb3VuZFwiOntcIiRpZFwiOlwiMjRcIixcIkNvbG9yXCI6e1wiJGlkXCI6XCIyNVwiLFwiQVwiOjI1NSxcIlJcIjo2OCxcIkdcIjo4NCxcIkJcIjoxMDZ9fSxcIklzVmlzaWJsZVwiOnRydWUsXCJXaWR0aFwiOjg1OC4wLFwiSGVpZ2h0XCI6MjAuMCxcIkJvcmRlclN0eWxlXCI6e1wiJGlkXCI6XCIyNlwiLFwiTGluZUNvbG9yXCI6e1wiJGlkXCI6XCIyN1wiLFwiJHR5cGVcIjpcIk5MUkUuQ29tbW9uLkRvbS5Tb2xpZENvbG9yQnJ1c2gsIE5MUkUuQ29tbW9uXCIsXCJDb2xvclwiOntcIiRpZFwiOlwiMjhcIixcIkFcIjoyNTUsXCJSXCI6MjU1LFwiR1wiOjAsXCJCXCI6MH19LFwiTGluZVdlaWdodFwiOjAuMCxcIkxpbmVUeXBlXCI6MH19LFwiUmlnaHRFbmRDYXBzU3R5bGVcIjp7XCIkaWRcIjpcIjI5XCIsXCJGb250U2V0dGluZ3NcIjp7XCIkaWRcIjpcIjMwXCIsXCJGb250U2l6ZVwiOjE4LFwiRm9udE5hbWVcIjpcIkNhbGlicmlcIixcIklzQm9sZFwiOnRydWUsXCJJc0l0YWxpY1wiOmZhbHNlLFwiSXNVbmRlcmxpbmVkXCI6ZmFsc2V9LFwiQXV0b1NpemVcIjowLFwiRm9yZWdyb3VuZFwiOntcIiRpZFwiOlwiMzFcIixcIkNvbG9yXCI6e1wiJGlkXCI6XCIzMlwiLFwiQVwiOjI1NSxcIlJcIjoyMzcsXCJHXCI6MTI1LFwiQlwiOjQ5fX0sXCJCYWNrZ3JvdW5kRmlsbFR5cGVcIjowLFwiTWF4V2lkdGhcIjpcIkluZmluaXR5XCIsXCJNYXhIZWlnaHRcIjpcIkluZmluaXR5XCIsXCJTbWFydEZvcmVncm91bmRJc0FjdGl2ZVwiOmZhbHNlLFwiSG9yaXpvbnRhbEFsaWdubWVudFwiOjAsXCJWZXJ0aWNhbEFsaWdubWVudFwiOjAsXCJTbWFydEZvcmVncm91bmRcIjpudWxsLFwiTWFyZ2luXCI6e1wiJGlkXCI6XCIzM1wiLFwiVG9wXCI6MC4wLFwiTGVmdFwiOjAuMCxcIlJpZ2h0XCI6MjAuMCxcIkJvdHRvbVwiOjAuMH0sXCJQYWRkaW5nXCI6e1wiJGlkXCI6XCIzNFwiLFwiVG9wXCI6MC4wLFwiTGVmdFwiOjAuMCxcIlJpZ2h0XCI6MC4wLFwiQm90dG9tXCI6MC4wfSxcIkJhY2tncm91bmRcIjp7XCIkaWRcIjpcIjM1XCIsXCJDb2xvclwiOntcIiRpZFwiOlwiMzZcIixcIkFcIjowLFwiUlwiOjAsXCJHXCI6MCxcIkJcIjowfX0sXCJJc1Zpc2libGVcIjp0cnVlLFwiV2lkdGhcIjowLjAsXCJIZWlnaHRcIjowLjAsXCJCb3JkZXJTdHlsZVwiOm51bGx9LFwiTGVmdEVuZENhcHNTdHlsZVwiOntcIiRpZFwiOlwiMzdcIixcIkZvbnRTZXR0aW5nc1wiOntcIiRpZFwiOlwiMzhcIixcIkZvbnRTaXplXCI6MTgsXCJGb250TmFtZVwiOlwiQ2FsaWJyaVwiLFwiSXNCb2xkXCI6dHJ1ZSxcIklzSXRhbGljXCI6ZmFsc2UsXCJJc1VuZGVybGluZWRcIjpmYWxzZX0sXCJBdXRvU2l6ZVwiOjAsXCJGb3JlZ3JvdW5kXCI6e1wiJGlkXCI6XCIzOVwiLFwiQ29sb3JcIjp7XCIkaWRcIjpcIjQwXCIsXCJBXCI6MjU1LFwiUlwiOjIzNyxcIkdcIjoxMjUsXCJCXCI6NDl9fSxcIkJhY2tncm91bmRGaWxsVHlwZVwiOjAsXCJNYXhXaWR0aFwiOlwiSW5maW5pdHlcIixcIk1heEhlaWdodFwiOlwiSW5maW5pdHlcIixcIlNtYXJ0Rm9yZWdyb3VuZElzQWN0aXZlXCI6ZmFsc2UsXCJIb3Jpem9udGFsQWxpZ25tZW50XCI6MCxcIlZlcnRpY2FsQWxpZ25tZW50XCI6MCxcIlNtYXJ0Rm9yZWdyb3VuZFwiOm51bGwsXCJNYXJnaW5cIjp7XCIkaWRcIjpcIjQxXCIsXCJUb3BcIjowLjAsXCJMZWZ0XCI6MjAuMCxcIlJpZ2h0XCI6MC4wLFwiQm90dG9tXCI6MC4wfSxcIlBhZGRpbmdcIjp7XCIkaWRcIjpcIjQyXCIsXCJUb3BcIjowLjAsXCJMZWZ0XCI6MC4wLFwiUmlnaHRcIjowLjAsXCJCb3R0b21cIjowLjB9LFwiQmFja2dyb3VuZFwiOntcIiRpZFwiOlwiNDNcIixcIkNvbG9yXCI6e1wiJHJlZlwiOlwiMzZcIn19LFwiSXNWaXNpYmxlXCI6ZmFsc2UsXCJXaWR0aFwiOjAuMCxcIkhlaWdodFwiOjAuMCxcIkJvcmRlclN0eWxlXCI6bnVsbH0sXCJUb2RheVRleHRTdHlsZVwiOntcIiRpZFwiOlwiNDRcIixcIkZvbnRTZXR0aW5nc1wiOntcIiRpZFwiOlwiNDVcIixcIkZvbnRTaXplXCI6MTIsXCJGb250TmFtZVwiOlwiQ2FsaWJyaVwiLFwiSXNCb2xkXCI6ZmFsc2UsXCJJc0l0YWxpY1wiOmZhbHNlLFwiSXNVbmRlcmxpbmVkXCI6ZmFsc2V9LFwiQXV0b1NpemVcIjowLFwiRm9yZWdyb3VuZFwiOntcIiRpZFwiOlwiNDZcIixcIkNvbG9yXCI6e1wiJGlkXCI6XCI0N1wiLFwiQVwiOjI1NSxcIlJcIjowLFwiR1wiOjAsXCJCXCI6MH19LFwiQmFja2dyb3VuZEZpbGxUeXBlXCI6MCxcIk1heFdpZHRoXCI6MjAwLjAsXCJNYXhIZWlnaHRcIjpcIkluZmluaXR5XCIsXCJTbWFydEZvcmVncm91bmRJc0FjdGl2ZVwiOmZhbHNlLFwiSG9yaXpvbnRhbEFsaWdubWVudFwiOjAsXCJWZXJ0aWNhbEFsaWdubWVudFwiOjAsXCJTbWFydEZvcmVncm91bmRcIjpudWxsLFwiTWFyZ2luXCI6e1wiJGlkXCI6XCI0OFwiLFwiVG9wXCI6MC4wLFwiTGVmdFwiOjAuMCxcIlJpZ2h0XCI6MC4wLFwiQm90dG9tXCI6MC4wfSxcIlBhZGRpbmdcIjp7XCIkaWRcIjpcIjQ5XCIsXCJUb3BcIjowLjAsXCJMZWZ0XCI6MC4wLFwiUmlnaHRcIjowLjAsXCJCb3R0b21cIjowLjB9LFwiQmFja2dyb3VuZFwiOntcIiRpZFwiOlwiNTBcIixcIkNvbG9yXCI6e1wiJHJlZlwiOlwiMzZcIn19LFwiSXNWaXNpYmxlXCI6dHJ1ZSxcIldpZHRoXCI6MC4wLFwiSGVpZ2h0XCI6MC4wLFwiQm9yZGVyU3R5bGVcIjpudWxsfSxcIlRvZGF5TWFya2VyU3R5bGVcIjp7XCIkaWRcIjpcIjUxXCIsXCJNYXJnaW5cIjp7XCIkaWRcIjpcIjUyXCIsXCJUb3BcIjowLjAsXCJMZWZ0XCI6MC4wLFwiUmlnaHRcIjowLjAsXCJCb3R0b21cIjowLjB9LFwiUGFkZGluZ1wiOntcIiRpZFwiOlwiNTNcIixcIlRvcFwiOjAuMCxcIkxlZnRcIjowLjAsXCJSaWdodFwiOjAuMCxcIkJvdHRvbVwiOjAuMH0sXCJCYWNrZ3JvdW5kXCI6e1wiJGlkXCI6XCI1NFwiLFwiQ29sb3JcIjp7XCIkaWRcIjpcIjU1XCIsXCJBXCI6MjU1LFwiUlwiOjI1NSxcIkdcIjowLFwiQlwiOjB9fSxcIklzVmlzaWJsZVwiOnRydWUsXCJXaWR0aFwiOjAuMCxcIkhlaWdodFwiOjAuMCxcIkJvcmRlclN0eWxlXCI6bnVsbH0sXCJTY2FsZVN0eWxlXCI6e1wiJGlkXCI6XCI1NlwiLFwiU2hvd1NlZ21lbnRTZXBhcmF0b3JzXCI6ZmFsc2UsXCJTZWdtZW50U2VwYXJhdG9yT3BhY2l0eVwiOjMwLFwiU2hhcGVcIjozLFwiSGFzQmVlblZpc2libGVCZWZvcmVcIjp0cnVlLFwiRm9udFNldHRpbmdzXCI6e1wiJGlkXCI6XCI1N1wiLFwiRm9udFNpemVcIjoxMixcIkZvbnROYW1lXCI6XCJDYWxpYnJpXCIsXCJJc0JvbGRcIjpmYWxzZSxcIklzSXRhbGljXCI6ZmFsc2UsXCJJc1VuZGVybGluZWRcIjpmYWxzZX0sXCJBdXRvU2l6ZVwiOjAsXCJGb3JlZ3JvdW5kXCI6e1wiJGlkXCI6XCI1OFwiLFwiQ29sb3JcIjp7XCIkaWRcIjpcIjU5XCIsXCJBXCI6MjU1LFwiUlwiOjI1NSxcIkdcIjoyNTUsXCJCXCI6MjU1fX0sXCJCYWNrZ3JvdW5kRmlsbFR5cGVcIjowLFwiTWF4V2lkdGhcIjoyMDAuMCxcIk1heEhlaWdodFwiOlwiSW5maW5pdHlcIixcIlNtYXJ0Rm9yZWdyb3VuZElzQWN0aXZlXCI6ZmFsc2UsXCJIb3Jpem9udGFsQWxpZ25tZW50XCI6MCxcIlZlcnRpY2FsQWxpZ25tZW50XCI6MSxcIlNtYXJ0Rm9yZWdyb3VuZFwiOm51bGwsXCJNYXJnaW5cIjp7XCIkaWRcIjpcIjYwXCIsXCJUb3BcIjowLjAsXCJMZWZ0XCI6NS4wLFwiUmlnaHRcIjowLjAsXCJCb3R0b21cIjowLjB9LFwiUGFkZGluZ1wiOntcIiRpZFwiOlwiNjFcIixcIlRvcFwiOjAuMCxcIkxlZnRcIjowLjAsXCJSaWdodFwiOjAuMCxcIkJvdHRvbVwiOjAuMH0sXCJCYWNrZ3JvdW5kXCI6e1wiJGlkXCI6XCI2MlwiLFwiQ29sb3JcIjp7XCIkcmVmXCI6XCIzNlwifX0sXCJJc1Zpc2libGVcIjp0cnVlLFwiV2lkdGhcIjowLjAsXCJIZWlnaHRcIjowLjAsXCJCb3JkZXJTdHlsZVwiOm51bGx9LFwiTWlkZGxlVGllclNjYWxlU3R5bGVcIjp7XCIkaWRcIjpcIjYzXCIsXCJTaG93U2VnbWVudFNlcGFyYXRvcnNcIjpmYWxzZSxcIlNlZ21lbnRTZXBhcmF0b3JPcGFjaXR5XCI6MzAsXCJTaGFwZVwiOjMsXCJIYXNCZWVuVmlzaWJsZUJlZm9yZVwiOmZhbHNlLFwiRm9udFNldHRpbmdzXCI6e1wiJGlkXCI6XCI2NFwiLFwiRm9udFNpemVcIjoxMixcIkZvbnROYW1lXCI6XCJDYWxpYnJpXCIsXCJJc0JvbGRcIjpmYWxzZSxcIklzSXRhbGljXCI6ZmFsc2UsXCJJc1VuZGVybGluZWRcIjpmYWxzZX0sXCJBdXRvU2l6ZVwiOjAsXCJGb3JlZ3JvdW5kXCI6e1wiJGlkXCI6XCI2NVwiLFwiQ29sb3JcIjp7XCIkaWRcIjpcIjY2XCIsXCJBXCI6MjU1LFwiUlwiOjI1NSxcIkdcIjoyNTUsXCJCXCI6MjU1fX0sXCJCYWNrZ3JvdW5kRmlsbFR5cGVcIjowLFwiTWF4V2lkdGhcIjoyMDAuMCxcIk1heEhlaWdodFwiOlwiSW5maW5pdHlcIixcIlNtYXJ0Rm9yZWdyb3VuZElzQWN0aXZlXCI6ZmFsc2UsXCJIb3Jpem9udGFsQWxpZ25tZW50XCI6MCxcIlZlcnRpY2FsQWxpZ25tZW50XCI6MSxcIlNtYXJ0Rm9yZWdyb3VuZFwiOm51bGwsXCJNYXJnaW5cIjp7XCIkaWRcIjpcIjY3XCIsXCJUb3BcIjowLjAsXCJMZWZ0XCI6NS4wLFwiUmlnaHRcIjowLjAsXCJCb3R0b21cIjowLjB9LFwiUGFkZGluZ1wiOntcIiRpZFwiOlwiNjhcIixcIlRvcFwiOjAuMCxcIkxlZnRcIjowLjAsXCJSaWdodFwiOjAuMCxcIkJvdHRvbVwiOjAuMH0sXCJCYWNrZ3JvdW5kXCI6e1wiJGlkXCI6XCI2OVwiLFwiQ29sb3JcIjp7XCIkaWRcIjpcIjcwXCIsXCJBXCI6MCxcIlJcIjowLFwiR1wiOjAsXCJCXCI6MH19LFwiSXNWaXNpYmxlXCI6ZmFsc2UsXCJXaWR0aFwiOjAuMCxcIkhlaWdodFwiOjAuMCxcIkJvcmRlclN0eWxlXCI6bnVsbH0sXCJCb3R0b21UaWVyU2NhbGVTdHlsZVwiOntcIiRpZFwiOlwiNzFcIixcIlNob3dTZWdtZW50U2VwYXJhdG9yc1wiOmZhbHNlLFwiU2VnbWVudFNlcGFyYXRvck9wYWNpdHlcIjozMCxcIlNoYXBlXCI6MyxcIkhhc0JlZW5WaXNpYmxlQmVmb3JlXCI6ZmFsc2UsXCJGb250U2V0dGluZ3NcIjp7XCIkaWRcIjpcIjcyXCIsXCJGb250U2l6ZVwiOjEyLFwiRm9udE5hbWVcIjpcIkNhbGlicmlcIixcIklzQm9sZFwiOmZhbHNlLFwiSXNJdGFsaWNcIjpmYWxzZSxcIklzVW5kZXJsaW5lZFwiOmZhbHNlfSxcIkF1dG9TaXplXCI6MCxcIkZvcmVncm91bmRcIjp7XCIkaWRcIjpcIjczXCIsXCJDb2xvclwiOntcIiRpZFwiOlwiNzRcIixcIkFcIjoyNTUsXCJSXCI6MjU1LFwiR1wiOjI1NSxcIkJcIjoyNTV9fSxcIkJhY2tncm91bmRGaWxsVHlwZVwiOjAsXCJNYXhXaWR0aFwiOjIwMC4wLFwiTWF4SGVpZ2h0XCI6XCJJbmZpbml0eVwiLFwiU21hcnRGb3JlZ3JvdW5kSXNBY3RpdmVcIjpmYWxzZSxcIkhvcml6b250YWxBbGlnbm1lbnRcIjowLFwiVmVydGljYWxBbGlnbm1lbnRcIjoxLFwiU21hcnRGb3JlZ3JvdW5kXCI6bnVsbCxcIk1hcmdpblwiOntcIiRpZFwiOlwiNzVcIixcIlRvcFwiOjAuMCxcIkxlZnRcIjo1LjAsXCJSaWdodFwiOjAuMCxcIkJvdHRvbVwiOjAuMH0sXCJQYWRkaW5nXCI6e1wiJGlkXCI6XCI3NlwiLFwiVG9wXCI6MC4wLFwiTGVmdFwiOjAuMCxcIlJpZ2h0XCI6MC4wLFwiQm90dG9tXCI6MC4wfSxcIkJhY2tncm91bmRcIjp7XCIkaWRcIjpcIjc3XCIsXCJDb2xvclwiOntcIiRpZFwiOlwiNzhcIixcIkFcIjowLFwiUlwiOjAsXCJHXCI6MCxcIkJcIjowfX0sXCJJc1Zpc2libGVcIjpmYWxzZSxcIldpZHRoXCI6MC4wLFwiSGVpZ2h0XCI6MC4wLFwiQm9yZGVyU3R5bGVcIjpudWxsfSxcIlNpbmdsZVNjYWxlU2hhcGVTdHlsZVwiOm51bGwsXCJFbGFwc2VkVGltZUJhY2tncm91bmRcIjp7XCIkaWRcIjpcIjc5XCIsXCJDb2xvclwiOntcIiRpZFwiOlwiODBcIixcIkFcIjoxOTEsXCJSXCI6MjU1LFwiR1wiOjAsXCJCXCI6MH19LFwiQXBwZW5kWWVhck9uWWVhckNoYW5nZVwiOmZhbHNlLFwiRWxhcHNlZFRpbWVGb3JtYXRcIjoyLFwiVG9kYXlNYXJrZXJQb3NpdGlvblwiOjMsXCJRdWlja1Bvc2l0aW9uXCI6MixcIkFic29sdXRlUG9zaXRpb25cIjo0MDUuMCxcIk1hcmdpblwiOntcIiRpZFwiOlwiODFcIixcIlRvcFwiOjAuMCxcIkxlZnRcIjoxMC4wLFwiUmlnaHRcIjoxMC4wLFwiQm90dG9tXCI6MC4wfSxcIlBhZGRpbmdcIjp7XCIkaWRcIjpcIjgyXCIsXCJUb3BcIjowLjAsXCJMZWZ0XCI6MC4wLFwiUmlnaHRcIjowLjAsXCJCb3R0b21cIjowLjB9LFwiQmFja2dyb3VuZFwiOntcIiRpZFwiOlwiODNcIixcIkNvbG9yXCI6e1wiJGlkXCI6XCI4NFwiLFwiQVwiOjI1NSxcIlJcIjo0NyxcIkdcIjo1NCxcIkJcIjoxNTN9fSxcIklzVmlzaWJsZVwiOnRydWUsXCJXaWR0aFwiOjAuMCxcIkhlaWdodFwiOjAuMCxcIkJvcmRlclN0eWxlXCI6bnVsbH0sXCJEZWZhdWx0TWlsZXN0b25lU3R5bGVcIjp7XCIkaWRcIjpcIjg1XCIsXCJTaGFwZVwiOjIsXCJDb25uZWN0b3JNYXJnaW5cIjp7XCIkaWRcIjpcIjg2XCIsXCJUb3BcIjowLjAsXCJMZWZ0XCI6Mi4wLFwiUmlnaHRcIjoyLjAsXCJCb3R0b21cIjowLjB9LFwiQ29ubmVjdG9yU3R5bGVcIjp7XCIkaWRcIjpcIjg3XCIsXCJMaW5lQ29sb3JcIjp7XCIkaWRcIjpcIjg4XCIsXCIkdHlwZVwiOlwiTkxSRS5Db21tb24uRG9tLlNvbGlkQ29sb3JCcnVzaCwgTkxSRS5Db21tb25cIixcIkNvbG9yXCI6e1wiJGlkXCI6XCI4OVwiLFwiQVwiOjEyNyxcIlJcIjo3OSxcIkdcIjoxMjksXCJCXCI6MTg5fX0sXCJMaW5lV2VpZ2h0XCI6MS4wLFwiTGluZVR5cGVcIjowfSxcIklzQmVsb3dUaW1lYmFuZFwiOmZhbHNlLFwiSGlkZURhdGVcIjpmYWxzZSxcIlNoYXBlU2l6ZVwiOjEsXCJTcGFjaW5nXCI6Mi4wLFwiUGFkZGluZ1wiOntcIiRpZFwiOlwiOTBcIixcIlRvcFwiOjcuMCxcIkxlZnRcIjozLjAsXCJSaWdodFwiOjAuMCxcIkJvdHRvbVwiOjIuMH0sXCJQb3NpdGlvblwiOm51bGwsXCJQb3NpdGlvbk9uVGFza1wiOjAsXCJTaGFwZVN0eWxlXCI6e1wiJGlkXCI6XCI5MVwiLFwiTWFyZ2luXCI6e1wiJGlkXCI6XCI5MlwiLFwiVG9wXCI6MC4wLFwiTGVmdFwiOjAuMCxcIlJpZ2h0XCI6MC4wLFwiQm90dG9tXCI6MC4wfSxcIlBhZGRpbmdcIjp7XCIkaWRcIjpcIjkzXCIsXCJUb3BcIjowLjAsXCJMZWZ0XCI6MC4wLFwiUmlnaHRcIjowLjAsXCJCb3R0b21cIjowLjB9LFwiQmFja2dyb3VuZFwiOntcIiRpZFwiOlwiOTRcIixcIkNvbG9yXCI6e1wiJGlkXCI6XCI5NVwiLFwiQVwiOjI1NSxcIlJcIjowLFwiR1wiOjExNCxcIkJcIjoxODh9fSxcIklzVmlzaWJsZVwiOnRydWUsXCJXaWR0aFwiOjEzLjAsXCJIZWlnaHRcIjoxMy4wLFwiQm9yZGVyU3R5bGVcIjp7XCIkaWRcIjpcIjk2XCIsXCJMaW5lQ29sb3JcIjp7XCIkaWRcIjpcIjk3XCIsXCIkdHlwZVwiOlwiTkxSRS5Db21tb24uRG9tLlNvbGlkQ29sb3JCcnVzaCwgTkxSRS5Db21tb25cIixcIkNvbG9yXCI6e1wiJGlkXCI6XCI5OFwiLFwiQVwiOjI1NSxcIlJcIjoyNTUsXCJHXCI6MCxcIkJcIjowfX0sXCJMaW5lV2VpZ2h0XCI6MC4wLFwiTGluZVR5cGVcIjowfX0sXCJUaXRsZVN0eWxlXCI6e1wiJGlkXCI6XCI5OVwiLFwiRm9udFNldHRpbmdzXCI6e1wiJGlkXCI6XCIxMDBcIixcIkZvbnRTaXplXCI6MTEsXCJGb250TmFtZVwiOlwiQ2FsaWJyaVwiLFwiSXNCb2xkXCI6dHJ1ZSxcIklzSXRhbGljXCI6ZmFsc2UsXCJJc1VuZGVybGluZWRcIjpmYWxzZX0sXCJBdXRvU2l6ZVwiOjAsXCJGb3JlZ3JvdW5kXCI6e1wiJGlkXCI6XCIxMDFcIixcIkNvbG9yXCI6e1wiJGlkXCI6XCIxMDJcIixcIkFcIjoyNTUsXCJSXCI6MCxcIkdcIjowLFwiQlwiOjB9fSxcIkJhY2tncm91bmRGaWxsVHlwZVwiOjAsXCJNYXhXaWR0aFwiOjIwMC4wLFwiTWF4SGVpZ2h0XCI6XCJJbmZpbml0eVwiLFwiU21hcnRGb3JlZ3JvdW5kSXNBY3RpdmVcIjpmYWxzZSxcIkhvcml6b250YWxBbGlnbm1lbnRcIjowLFwiVmVydGljYWxBbGlnbm1lbnRcIjowLFwiU21hcnRGb3JlZ3JvdW5kXCI6bnVsbCxcIk1hcmdpblwiOntcIiRpZFwiOlwiMTAzXCIsXCJUb3BcIjowLjAsXCJMZWZ0XCI6MC4wLFwiUmlnaHRcIjowLjAsXCJCb3R0b21cIjowLjB9LFwiUGFkZGluZ1wiOntcIiRpZFwiOlwiMTA0XCIsXCJUb3BcIjowLjAsXCJMZWZ0XCI6MC4wLFwiUmlnaHRcIjowLjAsXCJCb3R0b21cIjowLjB9LFwiQmFja2dyb3VuZFwiOntcIiRpZFwiOlwiMTA1XCIsXCJDb2xvclwiOntcIiRyZWZcIjpcIjM2XCJ9fSxcIklzVmlzaWJsZVwiOnRydWUsXCJXaWR0aFwiOjAuMCxcIkhlaWdodFwiOjAuMCxcIkJvcmRlclN0eWxlXCI6bnVsbH0sXCJEYXRlU3R5bGVcIjp7XCIkaWRcIjpcIjEwNlwiLFwiRm9udFNldHRpbmdzXCI6e1wiJGlkXCI6XCIxMDdcIixcIkZvbnRTaXplXCI6MTAsXCJGb250TmFtZVwiOlwiQ2FsaWJyaVwiLFwiSXNCb2xkXCI6ZmFsc2UsXCJJc0l0YWxpY1wiOmZhbHNlLFwiSXNVbmRlcmxpbmVkXCI6ZmFsc2V9LFwiQXV0b1NpemVcIjowLFwiRm9yZWdyb3VuZFwiOntcIiRpZFwiOlwiMTA4XCIsXCJDb2xvclwiOntcIiRpZFwiOlwiMTA5XCIsXCJBXCI6MjU1LFwiUlwiOjY4LFwiR1wiOjg0LFwiQlwiOjEwNn19LFwiQmFja2dyb3VuZEZpbGxUeXBlXCI6MCxcIk1heFdpZHRoXCI6MjAwLjAsXCJNYXhIZWlnaHRcIjpcIkluZmluaXR5XCIsXCJTbWFydEZvcmVncm91bmRJc0FjdGl2ZVwiOmZhbHNlLFwiSG9yaXpvbnRhbEFsaWdubWVudFwiOjAsXCJWZXJ0aWNhbEFsaWdubWVudFwiOjAsXCJTbWFydEZvcmVncm91bmRcIjpudWxsLFwiTWFyZ2luXCI6e1wiJGlkXCI6XCIxMTBcIixcIlRvcFwiOjAuMCxcIkxlZnRcIjowLjAsXCJSaWdodFwiOjAuMCxcIkJvdHRvbVwiOjAuMH0sXCJQYWRkaW5nXCI6e1wiJGlkXCI6XCIxMTFcIixcIlRvcFwiOjAuMCxcIkxlZnRcIjowLjAsXCJSaWdodFwiOjAuMCxcIkJvdHRvbVwiOjAuMH0sXCJCYWNrZ3JvdW5kXCI6e1wiJGlkXCI6XCIxMTJcIixcIkNvbG9yXCI6e1wiJHJlZlwiOlwiMzZcIn19LFwiSXNWaXNpYmxlXCI6dHJ1ZSxcIldpZHRoXCI6MC4wLFwiSGVpZ2h0XCI6MC4wLFwiQm9yZGVyU3R5bGVcIjpudWxsfSxcIkRhdGVGb3JtYXRcIjp7XCIkaWRcIjpcIjExM1wiLFwiRm9ybWF0U3RyaW5nXCI6XCJNTU0gZFwiLFwiU2VwYXJhdG9yXCI6XCIvXCIsXCJVc2VJbnRlcm5hdGlvbmFsRGF0ZUZvcm1hdFwiOmZhbHNlLFwiRGF0ZUlzVmlzaWJsZVwiOnRydWUsXCJUaW1lSXNWaXNpYmxlXCI6ZmFsc2UsXCJIb3VyRGlnaXRzXCI6MSxcIkFtUG1EZXNpZ25hdG9yXCI6MixcIlRyaW0wME1pbnV0ZXNcIjpmYWxzZSxcIkxhc3RLbm93blZpc2liaWxpdHlTdGF0ZVwiOm51bGx9LFwiSXNWaXNpYmxlXCI6dHJ1ZX0sXCJEZWZhdWx0VGFza1N0eWxlXCI6e1wiJGlkXCI6XCIxMTRcIixcIlNoYXBlXCI6MSxcIlNoYXBlVGhpY2tuZXNzXCI6MCxcIkR1cmF0aW9uRm9ybWF0XCI6MCxcIlBlcmNlbnRhZ2VDb21wbGV0ZVN0eWxlXCI6e1wiJGlkXCI6XCIxMTVcIixcIkZvbnRTZXR0aW5nc1wiOntcIiRpZFwiOlwiMTE2XCIsXCJGb250U2l6ZVwiOjEwLFwiRm9udE5hbWVcIjpcIkNhbGlicmlcIixcIklzQm9sZFwiOmZhbHNlLFwiSXNJdGFsaWNcIjpmYWxzZSxcIklzVW5kZXJsaW5lZFwiOmZhbHNlfSxcIkF1dG9TaXplXCI6MCxcIkZvcmVncm91bmRcIjp7XCIkaWRcIjpcIjExN1wiLFwiQ29sb3JcIjp7XCIkaWRcIjpcIjExOFwiLFwiQVwiOjI1NSxcIlJcIjoyMzcsXCJHXCI6MTI1LFwiQlwiOjQ5fX0sXCJCYWNrZ3JvdW5kRmlsbFR5cGVcIjowLFwiTWF4V2lkdGhcIjoyMDAuMCxcIk1heEhlaWdodFwiOlwiSW5maW5pdHlcIixcIlNtYXJ0Rm9yZWdyb3VuZElzQWN0aXZlXCI6ZmFsc2UsXCJIb3Jpem9udGFsQWxpZ25tZW50XCI6MCxcIlZlcnRpY2FsQWxpZ25tZW50XCI6MCxcIlNtYXJ0Rm9yZWdyb3VuZFwiOm51bGwsXCJNYXJnaW5cIjp7XCIkaWRcIjpcIjExOVwiLFwiVG9wXCI6MC4wLFwiTGVmdFwiOjAuMCxcIlJpZ2h0XCI6MC4wLFwiQm90dG9tXCI6MC4wfSxcIlBhZGRpbmdcIjp7XCIkaWRcIjpcIjEyMFwiLFwiVG9wXCI6MC4wLFwiTGVmdFwiOjAuMCxcIlJpZ2h0XCI6MC4wLFwiQm90dG9tXCI6MC4wfSxcIkJhY2tncm91bmRcIjp7XCIkaWRcIjpcIjEyMVwiLFwiQ29sb3JcIjp7XCIkcmVmXCI6XCIzNlwifX0sXCJJc1Zpc2libGVcIjp0cnVlLFwiV2lkdGhcIjowLjAsXCJIZWlnaHRcIjowLjAsXCJCb3JkZXJTdHlsZVwiOm51bGx9LFwiRHVyYXRpb25TdHlsZVwiOntcIiRpZFwiOlwiMTIyXCIsXCJGb250U2V0dGluZ3NcIjp7XCIkaWRcIjpcIjEyM1wiLFwiRm9udFNpemVcIjoxMCxcIkZvbnROYW1lXCI6XCJDYWxpYnJpXCIsXCJJc0JvbGRcIjpmYWxzZSxcIklzSXRhbGljXCI6ZmFsc2UsXCJJc1VuZGVybGluZWRcIjpmYWxzZX0sXCJBdXRvU2l6ZVwiOjAsXCJGb3JlZ3JvdW5kXCI6e1wiJGlkXCI6XCIxMjRcIixcIkNvbG9yXCI6e1wiJGlkXCI6XCIxMjVcIixcIkFcIjoyNTUsXCJSXCI6MjM3LFwiR1wiOjEyNSxcIkJcIjo0OX19LFwiQmFja2dyb3VuZEZpbGxUeXBlXCI6MCxcIk1heFdpZHRoXCI6MjAwLjAsXCJNYXhIZWlnaHRcIjpcIkluZmluaXR5XCIsXCJTbWFydEZvcmVncm91bmRJc0FjdGl2ZVwiOmZhbHNlLFwiSG9yaXpvbnRhbEFsaWdubWVudFwiOjAsXCJWZXJ0aWNhbEFsaWdubWVudFwiOjAsXCJTbWFydEZvcmVncm91bmRcIjpudWxsLFwiTWFyZ2luXCI6e1wiJGlkXCI6XCIxMjZcIixcIlRvcFwiOjAuMCxcIkxlZnRcIjowLjAsXCJSaWdodFwiOjAuMCxcIkJvdHRvbVwiOjAuMH0sXCJQYWRkaW5nXCI6e1wiJGlkXCI6XCIxMjdcIixcIlRvcFwiOjAuMCxcIkxlZnRcIjowLjAsXCJSaWdodFwiOjAuMCxcIkJvdHRvbVwiOjAuMH0sXCJCYWNrZ3JvdW5kXCI6e1wiJGlkXCI6XCIxMjhcIixcIkNvbG9yXCI6e1wiJHJlZlwiOlwiMzZcIn19LFwiSXNWaXNpYmxlXCI6dHJ1ZSxcIldpZHRoXCI6MC4wLFwiSGVpZ2h0XCI6MC4wLFwiQm9yZGVyU3R5bGVcIjpudWxsfSxcIkhvcml6b250YWxDb25uZWN0b3JTdHlsZVwiOntcIiRpZFwiOlwiMTI5XCIsXCJMaW5lQ29sb3JcIjp7XCIkaWRcIjpcIjEzMFwiLFwiJHR5cGVcIjpcIk5MUkUuQ29tbW9uLkRvbS5Tb2xpZENvbG9yQnJ1c2gsIE5MUkUuQ29tbW9uXCIsXCJDb2xvclwiOntcIiRpZFwiOlwiMTMxXCIsXCJBXCI6MjU1LFwiUlwiOjIwNCxcIkdcIjoyMDQsXCJCXCI6MjA0fX0sXCJMaW5lV2VpZ2h0XCI6MS4wLFwiTGluZVR5cGVcIjowfSxcIlZlcnRpY2FsQ29ubmVjdG9yU3R5bGVcIjp7XCIkaWRcIjpcIjEzMlwiLFwiTGluZUNvbG9yXCI6e1wiJGlkXCI6XCIxMzNcIixcIiR0eXBlXCI6XCJOTFJFLkNvbW1vbi5Eb20uU29saWRDb2xvckJydXNoLCBOTFJFLkNvbW1vblwiLFwiQ29sb3JcIjp7XCIkaWRcIjpcIjEzNFwiLFwiQVwiOjI1NSxcIlJcIjoyMDQsXCJHXCI6MjA0LFwiQlwiOjIwNH19LFwiTGluZVdlaWdodFwiOjAuMCxcIkxpbmVUeXBlXCI6MH0sXCJNYXJnaW5cIjpudWxsLFwiU3RhcnREYXRlUG9zaXRpb25cIjozLFwiRW5kRGF0ZVBvc2l0aW9uXCI6MyxcIlRpdGxlUG9zaXRpb25cIjo0LFwiRHVyYXRpb25Qb3NpdGlvblwiOjYsXCJQZXJjZW50YWdlQ29tcGxldGVkUG9zaXRpb25cIjo2LFwiU3BhY2luZ1wiOjUsXCJJc0JlbG93VGltZWJhbmRcIjpmYWxzZSxcIlBlcmNlbnRhZ2VDb21wbGV0ZVNoYXBlT3BhY2l0eVwiOjM1LFwiR3JvdXBOYW1lXCI6bnVsbCxcIkF0dGFjaGVkTWlsZXN0b25lc1N0eWxlc1wiOm51bGwsXCJTaGFwZVN0eWxlXCI6e1wiJGlkXCI6XCIxMzVcIixcIk1hcmdpblwiOntcIiRpZFwiOlwiMTM2XCIsXCJUb3BcIjowLjAsXCJMZWZ0XCI6NC4wLFwiUmlnaHRcIjo0LjAsXCJCb3R0b21cIjowLjB9LFwiUGFkZGluZ1wiOntcIiRpZFwiOlwiMTM3XCIsXCJUb3BcIjowLjAsXCJMZWZ0XCI6MC4wLFwiUmlnaHRcIjowLjAsXCJCb3R0b21cIjowLjB9LFwiQmFja2dyb3VuZFwiOntcIiRpZFwiOlwiMTM4XCIsXCJDb2xvclwiOntcIiRpZFwiOlwiMTM5XCIsXCJBXCI6MjU1LFwiUlwiOjAsXCJHXCI6MTE0LFwiQlwiOjE4OH19LFwiSXNWaXNpYmxlXCI6dHJ1ZSxcIldpZHRoXCI6MC4wLFwiSGVpZ2h0XCI6MTAuMCxcIkJvcmRlclN0eWxlXCI6e1wiJGlkXCI6XCIxNDBcIixcIkxpbmVDb2xvclwiOntcIiRpZFwiOlwiMTQxXCIsXCIkdHlwZVwiOlwiTkxSRS5Db21tb24uRG9tLlNvbGlkQ29sb3JCcnVzaCwgTkxSRS5Db21tb25cIixcIkNvbG9yXCI6e1wiJGlkXCI6XCIxNDJcIixcIkFcIjoyNTUsXCJSXCI6MjU1LFwiR1wiOjAsXCJCXCI6MH19LFwiTGluZVdlaWdodFwiOjAuMCxcIkxpbmVUeXBlXCI6MH19LFwiVGl0bGVTdHlsZVwiOntcIiRpZFwiOlwiMTQzXCIsXCJGb250U2V0dGluZ3NcIjp7XCIkaWRcIjpcIjE0NFwiLFwiRm9udFNpemVcIjoxMSxcIkZvbnROYW1lXCI6XCJDYWxpYnJpXCIsXCJJc0JvbGRcIjp0cnVlLFwiSXNJdGFsaWNcIjpmYWxzZSxcIklzVW5kZXJsaW5lZFwiOmZhbHNlfSxcIkF1dG9TaXplXCI6MCxcIkZvcmVncm91bmRcIjp7XCIkaWRcIjpcIjE0NVwiLFwiQ29sb3JcIjp7XCIkaWRcIjpcIjE0NlwiLFwiQVwiOjI1NSxcIlJcIjowLFwiR1wiOjAsXCJCXCI6MH19LFwiQmFja2dyb3VuZEZpbGxUeXBlXCI6MCxcIk1heFdpZHRoXCI6OTYwLjAsXCJNYXhIZWlnaHRcIjpcIkluZmluaXR5XCIsXCJTbWFydEZvcmVncm91bmRJc0FjdGl2ZVwiOmZhbHNlLFwiSG9yaXpvbnRhbEFsaWdubWVudFwiOjAsXCJWZXJ0aWNhbEFsaWdubWVudFwiOjAsXCJTbWFydEZvcmVncm91bmRcIjpudWxsLFwiTWFyZ2luXCI6e1wiJGlkXCI6XCIxNDdcIixcIlRvcFwiOjAuMCxcIkxlZnRcIjowLjAsXCJSaWdodFwiOjAuMCxcIkJvdHRvbVwiOjAuMH0sXCJQYWRkaW5nXCI6e1wiJGlkXCI6XCIxNDhcIixcIlRvcFwiOjAuMCxcIkxlZnRcIjowLjAsXCJSaWdodFwiOjAuMCxcIkJvdHRvbVwiOjAuMH0sXCJCYWNrZ3JvdW5kXCI6e1wiJGlkXCI6XCIxNDlcIixcIkNvbG9yXCI6e1wiJHJlZlwiOlwiMzZcIn19LFwiSXNWaXNpYmxlXCI6dHJ1ZSxcIldpZHRoXCI6MC4wLFwiSGVpZ2h0XCI6MC4wLFwiQm9yZGVyU3R5bGVcIjpudWxsfSxcIkRhdGVTdHlsZVwiOntcIiRpZFwiOlwiMTUwXCIsXCJGb250U2V0dGluZ3NcIjp7XCIkaWRcIjpcIjE1MVwiLFwiRm9udFNpemVcIjoxMCxcIkZvbnROYW1lXCI6XCJDYWxpYnJpXCIsXCJJc0JvbGRcIjpmYWxzZSxcIklzSXRhbGljXCI6ZmFsc2UsXCJJc1VuZGVybGluZWRcIjpmYWxzZX0sXCJBdXRvU2l6ZVwiOjAsXCJGb3JlZ3JvdW5kXCI6e1wiJGlkXCI6XCIxNTJcIixcIkNvbG9yXCI6e1wiJGlkXCI6XCIxNTNcIixcIkFcIjoyNTUsXCJSXCI6NjgsXCJHXCI6ODQsXCJCXCI6MTA2fX0sXCJCYWNrZ3JvdW5kRmlsbFR5cGVcIjowLFwiTWF4V2lkdGhcIjoyMDAuMCxcIk1heEhlaWdodFwiOlwiSW5maW5pdHlcIixcIlNtYXJ0Rm9yZWdyb3VuZElzQWN0aXZlXCI6ZmFsc2UsXCJIb3Jpem9udGFsQWxpZ25tZW50XCI6MixcIlZlcnRpY2FsQWxpZ25tZW50XCI6MCxcIlNtYXJ0Rm9yZWdyb3VuZFwiOm51bGwsXCJNYXJnaW5cIjp7XCIkaWRcIjpcIjE1NFwiLFwiVG9wXCI6MC4wLFwiTGVmdFwiOjAuMCxcIlJpZ2h0XCI6MC4wLFwiQm90dG9tXCI6MC4wfSxcIlBhZGRpbmdcIjp7XCIkaWRcIjpcIjE1NVwiLFwiVG9wXCI6MC4wLFwiTGVmdFwiOjAuMCxcIlJpZ2h0XCI6MC4wLFwiQm90dG9tXCI6MC4wfSxcIkJhY2tncm91bmRcIjp7XCIkaWRcIjpcIjE1NlwiLFwiQ29sb3JcIjp7XCIkcmVmXCI6XCIzNlwifX0sXCJJc1Zpc2libGVcIjp0cnVlLFwiV2lkdGhcIjowLjAsXCJIZWlnaHRcIjowLjAsXCJCb3JkZXJTdHlsZVwiOm51bGx9LFwiRGF0ZUZvcm1hdFwiOntcIiRpZFwiOlwiMTU3XCIsXCJGb3JtYXRTdHJpbmdcIjpcIk1NTSBkXCIsXCJTZXBhcmF0b3JcIjpcIi9cIixcIlVzZUludGVybmF0aW9uYWxEYXRlRm9ybWF0XCI6ZmFsc2UsXCJEYXRlSXNWaXNpYmxlXCI6dHJ1ZSxcIlRpbWVJc1Zpc2libGVcIjpmYWxzZSxcIkhvdXJEaWdpdHNcIjoxLFwiQW1QbURlc2lnbmF0b3JcIjoyLFwiVHJpbTAwTWludXRlc1wiOmZhbHNlLFwiTGFzdEtub3duVmlzaWJpbGl0eVN0YXRlXCI6bnVsbH0sXCJJc1Zpc2libGVcIjp0cnVlfSxcIlNob3dFbGFwc2VkVGltZUdyYWRpZW50U3R5bGVcIjpmYWxzZSxcIlRpbWViYW5kUmVzZXJ2ZWRMZWZ0QXJlYVN0eWxlXCI6bnVsbCxcIkRlZmF1bHRTd2ltbGFuZVN0eWxlXCI6e1wiJGlkXCI6XCIxNThcIixcIkhlYWRlclN0eWxlXCI6e1wiJGlkXCI6XCIxNTlcIixcIlRleHRTdHlsZVwiOntcIiRpZFwiOlwiMTYwXCIsXCJGb250U2V0dGluZ3NcIjp7XCIkaWRcIjpcIjE2MVwiLFwiRm9udFNpemVcIjoxMixcIkZvbnROYW1lXCI6XCJDYWxpYnJpXCIsXCJJc0JvbGRcIjpmYWxzZSxcIklzSXRhbGljXCI6ZmFsc2UsXCJJc1VuZGVybGluZWRcIjpmYWxzZX0sXCJBdXRvU2l6ZVwiOjAsXCJGb3JlZ3JvdW5kXCI6e1wiJGlkXCI6XCIxNjJcIixcIkNvbG9yXCI6e1wiJGlkXCI6XCIxNjNcIixcIkFcIjoyNTUsXCJSXCI6MzIsXCJHXCI6NTYsXCJCXCI6MTAwfX0sXCJCYWNrZ3JvdW5kRmlsbFR5cGVcIjowLFwiTWF4V2lkdGhcIjowLjAsXCJNYXhIZWlnaHRcIjowLjAsXCJTbWFydEZvcmVncm91bmRJc0FjdGl2ZVwiOmZhbHNlLFwiSG9yaXpvbnRhbEFsaWdubWVudFwiOjAsXCJWZXJ0aWNhbEFsaWdubWVudFwiOjAsXCJTbWFydEZvcmVncm91bmRcIjpudWxsLFwiTWFyZ2luXCI6e1wiJGlkXCI6XCIxNjRcIixcIlRvcFwiOjAuMCxcIkxlZnRcIjowLjAsXCJSaWdodFwiOjAuMCxcIkJvdHRvbVwiOjAuMH0sXCJQYWRkaW5nXCI6e1wiJGlkXCI6XCIxNjVcIixcIlRvcFwiOjAuMCxcIkxlZnRcIjowLjAsXCJSaWdodFwiOjAuMCxcIkJvdHRvbVwiOjAuMH0sXCJCYWNrZ3JvdW5kXCI6bnVsbCxcIklzVmlzaWJsZVwiOmZhbHNlLFwiV2lkdGhcIjowLjAsXCJIZWlnaHRcIjowLjAsXCJCb3JkZXJTdHlsZVwiOm51bGx9LFwiUmVjdGFuZ2xlU3R5bGVcIjp7XCIkaWRcIjpcIjE2NlwiLFwiTWFyZ2luXCI6e1wiJGlkXCI6XCIxNjdcIixcIlRvcFwiOjAuMCxcIkxlZnRcIjowLjAsXCJSaWdodFwiOjAuMCxcIkJvdHRvbVwiOjAuMH0sXCJQYWRkaW5nXCI6e1wiJGlkXCI6XCIxNjhcIixcIlRvcFwiOjAuMCxcIkxlZnRcIjowLjAsXCJSaWdodFwiOjAuMCxcIkJvdHRvbVwiOjAuMH0sXCJCYWNrZ3JvdW5kXCI6e1wiJGlkXCI6XCIxNjlcIixcIkNvbG9yXCI6e1wiJGlkXCI6XCIxNzBcIixcIkFcIjoxMjcsXCJSXCI6OTEsXCJHXCI6MTU1LFwiQlwiOjIxM319LFwiSXNWaXNpYmxlXCI6ZmFsc2UsXCJXaWR0aFwiOjAuMCxcIkhlaWdodFwiOjAuMCxcIkJvcmRlclN0eWxlXCI6e1wiJGlkXCI6XCIxNzFcIixcIkxpbmVDb2xvclwiOntcIiRpZFwiOlwiMTcyXCIsXCIkdHlwZVwiOlwiTkxSRS5Db21tb24uRG9tLlNvbGlkQ29sb3JCcnVzaCwgTkxSRS5Db21tb25cIixcIkNvbG9yXCI6e1wiJGlkXCI6XCIxNzNcIixcIkFcIjoyNTUsXCJSXCI6MjU1LFwiR1wiOjAsXCJCXCI6MH19LFwiTGluZVdlaWdodFwiOjAuMCxcIkxpbmVUeXBlXCI6MH19LFwiVGV4dElzVmVydGljYWxcIjpmYWxzZX0sXCJCYWNrZ3JvdW5kU3R5bGVcIjp7XCIkaWRcIjpcIjE3NFwiLFwiTWFyZ2luXCI6e1wiJGlkXCI6XCIxNzVcIixcIlRvcFwiOjAuMCxcIkxlZnRcIjowLjAsXCJSaWdodFwiOjAuMCxcIkJvdHRvbVwiOjAuMH0sXCJQYWRkaW5nXCI6e1wiJGlkXCI6XCIxNzZcIixcIlRvcFwiOjAuMCxcIkxlZnRcIjowLjAsXCJSaWdodFwiOjAuMCxcIkJvdHRvbVwiOjAuMH0sXCJCYWNrZ3JvdW5kXCI6e1wiJGlkXCI6XCIxNzdcIixcIkNvbG9yXCI6e1wiJGlkXCI6XCIxNzhcIixcIkFcIjozOCxcIlJcIjo5MSxcIkdcIjoxNTUsXCJCXCI6MjEzfX0sXCJJc1Zpc2libGVcIjp0cnVlLFwiV2lkdGhcIjowLjAsXCJIZWlnaHRcIjowLjAsXCJCb3JkZXJTdHlsZVwiOntcIiRpZFwiOlwiMTc5XCIsXCJMaW5lQ29sb3JcIjp7XCIkaWRcIjpcIjE4MFwiLFwiJHR5cGVcIjpcIk5MUkUuQ29tbW9uLkRvbS5Tb2xpZENvbG9yQnJ1c2gsIE5MUkUuQ29tbW9uXCIsXCJDb2xvclwiOntcIiRpZFwiOlwiMTgxXCIsXCJBXCI6MjU1LFwiUlwiOjI1NSxcIkdcIjowLFwiQlwiOjB9fSxcIkxpbmVXZWlnaHRcIjowLjAsXCJMaW5lVHlwZVwiOjB9fSxcIklzQWJvdmVUaW1lYmFuZFwiOmZhbHNlfSxcIkN1c3RvbU1pbGVzdG9uZVN0eWxlTGlzdFwiOltdLFwiQ3VzdG9tVGFza1N0eWxlTGlzdFwiOltdLFwiQ3VzdG9tU3dpbWxhbmVEZWZpbml0aW9uU3R5bGVMaXN0XCI6W10sXCJDdXN0b21Td2ltbGFuZVYyU3R5bGVMaXN0XCI6W10sXCJHcmlkbGluZVBhbmVsU3R5bGVcIjp7XCIkaWRcIjpcIjE4MlwiLFwiR3JpZGxpbmVTdHlsZVwiOntcIiRpZFwiOlwiMTgzXCIsXCJMaW5lQ29sb3JcIjp7XCIkaWRcIjpcIjE4NFwiLFwiJHR5cGVcIjpcIk5MUkUuQ29tbW9uLkRvbS5Tb2xpZENvbG9yQnJ1c2gsIE5MUkUuQ29tbW9uXCIsXCJDb2xvclwiOntcIiRpZFwiOlwiMTg1XCIsXCJBXCI6MzgsXCJSXCI6OTEsXCJHXCI6MTU1LFwiQlwiOjIxM319LFwiTGluZVdlaWdodFwiOjEuMCxcIkxpbmVUeXBlXCI6MH0sXCJJc1Zpc2libGVcIjp0cnVlfSxcIkFjdGl2aXR5TGluZVBhbmVsU3R5bGVcIjp7XCIkaWRcIjpcIjE4NlwiLFwiQWN0aXZpdHlMaW5lU3R5bGVcIjp7XCIkaWRcIjpcIjE4N1wiLFwiTGluZUNvbG9yXCI6e1wiJGlkXCI6XCIxODhcIixcIiR0eXBlXCI6XCJOTFJFLkNvbW1vbi5Eb20uU29saWRDb2xvckJydXNoLCBOTFJFLkNvbW1vblwiLFwiQ29sb3JcIjp7XCIkaWRcIjpcIjE4OVwiLFwiQVwiOjM4LFwiUlwiOjY4LFwiR1wiOjExNCxcIkJcIjoxOTZ9fSxcIkxpbmVXZWlnaHRcIjoxLjAsXCJMaW5lVHlwZVwiOjB9LFwiSXNWaXNpYmxlXCI6dHJ1ZX19LFwiU2NhbGVcIjp7XCIkaWRcIjpcIjE5MFwiLFwiU3RhcnREYXRlXCI6XCIwMDAxLTAxLTAxVDAwOjAwOjAwXCIsXCJFbmREYXRlXCI6XCIwMDAxLTAxLTAxVDAwOjAwOjAwXCIsXCJGb3JtYXRcIjpcIndcIixcIlR5cGVcIjoxLFwiQXV0b0RhdGVSYW5nZVwiOnRydWUsXCJXb3JraW5nRGF5c1wiOjMxLFwiVG9kYXlNYXJrZXJUZXh0XCI6XCJUb2RheVwiLFwiQXV0b1NjYWxlVHlwZVwiOnRydWV9LFwiU2NhbGVWMlwiOntcIiRpZFwiOlwiMTkxXCIsXCJTdGFydERhdGVcIjpcIjAwMDEtMDEtMDFUMDA6MDA6MDBcIixcIkVuZERhdGVcIjpcIjAwMDEtMDEtMDFUMDA6MDA6MDBcIixcIkF1dG9EYXRlUmFuZ2VcIjp0cnVlLFwiV29ya2luZ0RheXNcIjozMSxcIlRvZGF5TWFya2VyVGV4dFwiOlwiVG9kYXlcIixcIkF1dG9TY2FsZVR5cGVcIjp0cnVlLFwiVGltZWJhbmRTY2FsZXNcIjp7XCIkaWRcIjpcIjE5MlwiLFwiVG9wU2NhbGVMYXllclwiOntcIiRpZFwiOlwiMTkzXCIsXCJGb3JtYXRcIjpcIndcIixcIlR5cGVcIjoxfSxcIk1pZGRsZVNjYWxlTGF5ZXJcIjp7XCIkaWRcIjpcIjE5NFwiLFwiRm9ybWF0XCI6bnVsbCxcIlR5cGVcIjowfSxcIkJvdHRvbVNjYWxlTGF5ZXJcIjp7XCIkaWRcIjpcIjE5NVwiLFwiRm9ybWF0XCI6bnVsbCxcIlR5cGVcIjowfX19LFwiTWlsZXN0b25lc1wiOltdLFwiVGFza3NcIjpbXSxcIlN3aW1sYW5lc1wiOltdLFwiU3dpbWxhbmVzVjJcIjpbXSxcIlNldHRpbmdzXCI6e1wiJGlkXCI6XCIxOTZcIixcIkltcGFPcHRpb25zXCI6e1wiJGlkXCI6XCIxOTdcIixcIkxlZnRUb1JpZ2h0XCI6ZmFsc2UsXCJQYXlsb2FkT3B0aW9uc1wiOjJ9fSxcIlRpbWVDb25maWd1cmF0aW9uXCI6e1wiJGlkXCI6XCIxOThcIixcIlVzZVRpbWVcIjpmYWxzZSxcIldvcmtEYXlTdGFydFwiOlwiMDA6MDA6MDBcIixcIldvcmtEYXlFbmRcIjpcIjIzOjU5OjAwXCJ9fSJ9LCJTZXR0aW5ncyI6eyIkaWQiOiI0NDMiLCJJbXBhT3B0aW9ucyI6eyIkaWQiOiI0NDQiLCJMZWZ0VG9SaWdodCI6ZmFsc2UsIlBheWxvYWRPcHRpb25zIjoyfSwiVXNlQ29tcHJlc3Npb24iOmZhbHNlLCJDb21wcmVzaW9uUGVyY2VudGFnZSI6NTAuMCwiSW5hY3RpdmVJbnRlcnZhbFdpZHRoVGhyZXNob2xkIjozMC4wLCJJbmFjdGl2ZUludGVydmFsV2lkdGgiOjEuMCwiU3BsaXRUYXNrcyI6ZmFsc2UsIlVzZUNsdXN0ZXIiOmZhbHNlLCJFcHNpbG9uIjo1LjAsIk1pblBvaW50c1RvRm9ybUFDbHVzdGVyIjoyLCJHZW5lcmF0ZUludmlzaWJsZVNoYXBlcyI6ZmFsc2UsIlNtYXJ0VGltZWxpbmVUYXNrUGVyY2VudGFnZUZpdCI6ZmFsc2V9LCJJc05ldyI6ZmFsc2UsIkltcG9ydFR5cGUiOjAsIkZpbGVQYXRoIjpudWxsLCJUaW1lQ29uZmlndXJhdGlvbiI6eyIkaWQiOiI0NDUiLCJVc2VUaW1lIjpmYWxzZSwiV29ya0RheVN0YXJ0IjoiMDA6MDA6MDAiLCJXb3JrRGF5RW5kIjoiMjM6NTk6MDAifSwiTGFzdFVzZWRUZW1wbGF0ZUlkIjoiY2MyNmY4NjMtMjdjZS00ODBlLWE1ODktYjNmMTJmMmQ2ZWIwIiwiRmlyc3RXZWVrT2ZZZWFyIjowLCJQbGFjZU1pbGVzdG9uZUF0VGhlQmVnaW5uaW5nT2ZUaGVEYXkiOmZhbHNlfQ=="/>
   <p:tag name="__MASTER" val="__part_0"/>
 </p:tagLst>
 </file>
@@ -5825,6 +8383,36 @@
 </p:tagLst>
 </file>
 
+<file path=ppt/tags/tag100.xml><?xml version="1.0" encoding="utf-8"?>
+<p:tagLst xmlns:a="http://schemas.openxmlformats.org/drawingml/2006/main" xmlns:r="http://schemas.openxmlformats.org/officeDocument/2006/relationships" xmlns:p="http://schemas.openxmlformats.org/presentationml/2006/main">
+  <p:tag name="OTLMARKERSHAPE" val="OTL"/>
+</p:tagLst>
+</file>
+
+<file path=ppt/tags/tag101.xml><?xml version="1.0" encoding="utf-8"?>
+<p:tagLst xmlns:a="http://schemas.openxmlformats.org/drawingml/2006/main" xmlns:r="http://schemas.openxmlformats.org/officeDocument/2006/relationships" xmlns:p="http://schemas.openxmlformats.org/presentationml/2006/main">
+  <p:tag name="OTLMARKERSHAPE" val="OTL"/>
+</p:tagLst>
+</file>
+
+<file path=ppt/tags/tag102.xml><?xml version="1.0" encoding="utf-8"?>
+<p:tagLst xmlns:a="http://schemas.openxmlformats.org/drawingml/2006/main" xmlns:r="http://schemas.openxmlformats.org/officeDocument/2006/relationships" xmlns:p="http://schemas.openxmlformats.org/presentationml/2006/main">
+  <p:tag name="OTLMARKERSHAPE" val="OTL"/>
+</p:tagLst>
+</file>
+
+<file path=ppt/tags/tag103.xml><?xml version="1.0" encoding="utf-8"?>
+<p:tagLst xmlns:a="http://schemas.openxmlformats.org/drawingml/2006/main" xmlns:r="http://schemas.openxmlformats.org/officeDocument/2006/relationships" xmlns:p="http://schemas.openxmlformats.org/presentationml/2006/main">
+  <p:tag name="OTLMARKERSHAPE" val="OTL"/>
+</p:tagLst>
+</file>
+
+<file path=ppt/tags/tag104.xml><?xml version="1.0" encoding="utf-8"?>
+<p:tagLst xmlns:a="http://schemas.openxmlformats.org/drawingml/2006/main" xmlns:r="http://schemas.openxmlformats.org/officeDocument/2006/relationships" xmlns:p="http://schemas.openxmlformats.org/presentationml/2006/main">
+  <p:tag name="OTLMARKERSHAPE" val="OTL"/>
+</p:tagLst>
+</file>
+
 <file path=ppt/tags/tag11.xml><?xml version="1.0" encoding="utf-8"?>
 <p:tagLst xmlns:a="http://schemas.openxmlformats.org/drawingml/2006/main" xmlns:r="http://schemas.openxmlformats.org/officeDocument/2006/relationships" xmlns:p="http://schemas.openxmlformats.org/presentationml/2006/main">
   <p:tag name="OTLMARKERSHAPE" val="OTL"/>
@@ -5832,30 +8420,6 @@
 </file>
 
 <file path=ppt/tags/tag12.xml><?xml version="1.0" encoding="utf-8"?>
-<p:tagLst xmlns:a="http://schemas.openxmlformats.org/drawingml/2006/main" xmlns:r="http://schemas.openxmlformats.org/officeDocument/2006/relationships" xmlns:p="http://schemas.openxmlformats.org/presentationml/2006/main">
-  <p:tag name="OTLMARKERSHAPE" val="OTL"/>
-</p:tagLst>
-</file>
-
-<file path=ppt/tags/tag13.xml><?xml version="1.0" encoding="utf-8"?>
-<p:tagLst xmlns:a="http://schemas.openxmlformats.org/drawingml/2006/main" xmlns:r="http://schemas.openxmlformats.org/officeDocument/2006/relationships" xmlns:p="http://schemas.openxmlformats.org/presentationml/2006/main">
-  <p:tag name="OTLMARKERSHAPE" val="OTL"/>
-</p:tagLst>
-</file>
-
-<file path=ppt/tags/tag14.xml><?xml version="1.0" encoding="utf-8"?>
-<p:tagLst xmlns:a="http://schemas.openxmlformats.org/drawingml/2006/main" xmlns:r="http://schemas.openxmlformats.org/officeDocument/2006/relationships" xmlns:p="http://schemas.openxmlformats.org/presentationml/2006/main">
-  <p:tag name="OTLMARKERSHAPE" val="OTL"/>
-</p:tagLst>
-</file>
-
-<file path=ppt/tags/tag15.xml><?xml version="1.0" encoding="utf-8"?>
-<p:tagLst xmlns:a="http://schemas.openxmlformats.org/drawingml/2006/main" xmlns:r="http://schemas.openxmlformats.org/officeDocument/2006/relationships" xmlns:p="http://schemas.openxmlformats.org/presentationml/2006/main">
-  <p:tag name="OTLMARKERSHAPE" val="OTL"/>
-</p:tagLst>
-</file>
-
-<file path=ppt/tags/tag16.xml><?xml version="1.0" encoding="utf-8"?>
 <p:tagLst xmlns:a="http://schemas.openxmlformats.org/drawingml/2006/main" xmlns:r="http://schemas.openxmlformats.org/officeDocument/2006/relationships" xmlns:p="http://schemas.openxmlformats.org/presentationml/2006/main">
   <p:tag name="OTLDATEFORMATSTRING" val="MMM d"/>
   <p:tag name="OTLDATEFORMATSEPARATOR" val="/"/>
@@ -5876,7 +8440,7 @@
 </p:tagLst>
 </file>
 
-<file path=ppt/tags/tag17.xml><?xml version="1.0" encoding="utf-8"?>
+<file path=ppt/tags/tag13.xml><?xml version="1.0" encoding="utf-8"?>
 <p:tagLst xmlns:a="http://schemas.openxmlformats.org/drawingml/2006/main" xmlns:r="http://schemas.openxmlformats.org/officeDocument/2006/relationships" xmlns:p="http://schemas.openxmlformats.org/presentationml/2006/main">
   <p:tag name="OTLDATEFORMATSTRING" val="MMM d"/>
   <p:tag name="OTLDATEFORMATSEPARATOR" val="/"/>
@@ -5897,7 +8461,7 @@
 </p:tagLst>
 </file>
 
-<file path=ppt/tags/tag18.xml><?xml version="1.0" encoding="utf-8"?>
+<file path=ppt/tags/tag14.xml><?xml version="1.0" encoding="utf-8"?>
 <p:tagLst xmlns:a="http://schemas.openxmlformats.org/drawingml/2006/main" xmlns:r="http://schemas.openxmlformats.org/officeDocument/2006/relationships" xmlns:p="http://schemas.openxmlformats.org/presentationml/2006/main">
   <p:tag name="OTLDATEFORMATSTRING" val="MMM d"/>
   <p:tag name="OTLDATEFORMATSEPARATOR" val="/"/>
@@ -5918,7 +8482,7 @@
 </p:tagLst>
 </file>
 
-<file path=ppt/tags/tag19.xml><?xml version="1.0" encoding="utf-8"?>
+<file path=ppt/tags/tag15.xml><?xml version="1.0" encoding="utf-8"?>
 <p:tagLst xmlns:a="http://schemas.openxmlformats.org/drawingml/2006/main" xmlns:r="http://schemas.openxmlformats.org/officeDocument/2006/relationships" xmlns:p="http://schemas.openxmlformats.org/presentationml/2006/main">
   <p:tag name="OTLDATEFORMATSTRING" val="MMM d"/>
   <p:tag name="OTLDATEFORMATSEPARATOR" val="/"/>
@@ -5930,22 +8494,16 @@
   <p:tag name="OTLDATEFORMATTRIM00MINUTES" val="False"/>
   <p:tag name="OTLWEEKNUMBERINGFORMAT" val="WNFormat1"/>
   <p:tag name="OTLWEEKNUMBERINGISVISIBLE" val="False"/>
-  <p:tag name="OTLENDDATE" val="2022-03-29T23:59:00.0000000Z"/>
   <p:tag name="OTLDURATIONFORMAT" val="day"/>
   <p:tag name="OTLSPACING" val="5"/>
   <p:tag name="OTLSHAPETHICKNESSTYPE" val="Regular"/>
-  <p:tag name="OTLSTARTDATE" val="2022-03-28T00:00:00.0000000Z"/>
-  <p:tag name="OTLMARKERSHAPE" val="OTL"/>
-</p:tagLst>
-</file>
-
-<file path=ppt/tags/tag2.xml><?xml version="1.0" encoding="utf-8"?>
-<p:tagLst xmlns:a="http://schemas.openxmlformats.org/drawingml/2006/main" xmlns:r="http://schemas.openxmlformats.org/officeDocument/2006/relationships" xmlns:p="http://schemas.openxmlformats.org/presentationml/2006/main">
-  <p:tag name="OTLMARKERSHAPE" val="OTL"/>
-</p:tagLst>
-</file>
-
-<file path=ppt/tags/tag20.xml><?xml version="1.0" encoding="utf-8"?>
+  <p:tag name="OTLSTARTDATE" val="2022-04-04T00:00:00.0000000Z"/>
+  <p:tag name="OTLENDDATE" val="2022-04-12T23:59:00.0000000Z"/>
+  <p:tag name="OTLMARKERSHAPE" val="OTL"/>
+</p:tagLst>
+</file>
+
+<file path=ppt/tags/tag16.xml><?xml version="1.0" encoding="utf-8"?>
 <p:tagLst xmlns:a="http://schemas.openxmlformats.org/drawingml/2006/main" xmlns:r="http://schemas.openxmlformats.org/officeDocument/2006/relationships" xmlns:p="http://schemas.openxmlformats.org/presentationml/2006/main">
   <p:tag name="OTLDATEFORMATSTRING" val="MMM d"/>
   <p:tag name="OTLDATEFORMATSEPARATOR" val="/"/>
@@ -5957,11 +8515,71 @@
   <p:tag name="OTLDATEFORMATTRIM00MINUTES" val="False"/>
   <p:tag name="OTLWEEKNUMBERINGFORMAT" val="WNFormat1"/>
   <p:tag name="OTLWEEKNUMBERINGISVISIBLE" val="False"/>
-  <p:tag name="OTLSTARTDATE" val="2022-03-30T00:00:00.0000000Z"/>
-  <p:tag name="OTLENDDATE" val="2022-04-07T23:59:00.0000000Z"/>
   <p:tag name="OTLDURATIONFORMAT" val="day"/>
   <p:tag name="OTLSPACING" val="5"/>
   <p:tag name="OTLSHAPETHICKNESSTYPE" val="Regular"/>
+  <p:tag name="OTLSTARTDATE" val="2022-04-11T00:00:00.0000000Z"/>
+  <p:tag name="OTLENDDATE" val="2022-04-14T23:59:00.0000000Z"/>
+  <p:tag name="OTLMARKERSHAPE" val="OTL"/>
+</p:tagLst>
+</file>
+
+<file path=ppt/tags/tag17.xml><?xml version="1.0" encoding="utf-8"?>
+<p:tagLst xmlns:a="http://schemas.openxmlformats.org/drawingml/2006/main" xmlns:r="http://schemas.openxmlformats.org/officeDocument/2006/relationships" xmlns:p="http://schemas.openxmlformats.org/presentationml/2006/main">
+  <p:tag name="OTLDATEFORMATSTRING" val="MMM d"/>
+  <p:tag name="OTLDATEFORMATSEPARATOR" val="/"/>
+  <p:tag name="OTLDATEFORMATUSEUS" val="True"/>
+  <p:tag name="OTLDATEFORMATDATEISVISIBLE" val="True"/>
+  <p:tag name="OTLDATEFORMATTIMEISVISIBLE" val="False"/>
+  <p:tag name="OTLDATEFORMATAMPMDESIGNATOR" val="AmPmLowerCase"/>
+  <p:tag name="OTLDATEFORMATHOURDIGITS" val="H"/>
+  <p:tag name="OTLDATEFORMATTRIM00MINUTES" val="False"/>
+  <p:tag name="OTLWEEKNUMBERINGFORMAT" val="WNFormat1"/>
+  <p:tag name="OTLWEEKNUMBERINGISVISIBLE" val="False"/>
+  <p:tag name="OTLSTARTDATE" val="2022-04-13T00:00:00.0000000Z"/>
+  <p:tag name="OTLDURATIONFORMAT" val="day"/>
+  <p:tag name="OTLSPACING" val="5"/>
+  <p:tag name="OTLSHAPETHICKNESSTYPE" val="Regular"/>
+  <p:tag name="OTLENDDATE" val="2022-04-19T23:59:00.0000000Z"/>
+  <p:tag name="OTLMARKERSHAPE" val="OTL"/>
+</p:tagLst>
+</file>
+
+<file path=ppt/tags/tag18.xml><?xml version="1.0" encoding="utf-8"?>
+<p:tagLst xmlns:a="http://schemas.openxmlformats.org/drawingml/2006/main" xmlns:r="http://schemas.openxmlformats.org/officeDocument/2006/relationships" xmlns:p="http://schemas.openxmlformats.org/presentationml/2006/main">
+  <p:tag name="OTLDATEFORMATSTRING" val="MMM d"/>
+  <p:tag name="OTLDATEFORMATSEPARATOR" val="/"/>
+  <p:tag name="OTLDATEFORMATUSEUS" val="True"/>
+  <p:tag name="OTLDATEFORMATDATEISVISIBLE" val="True"/>
+  <p:tag name="OTLDATEFORMATTIMEISVISIBLE" val="False"/>
+  <p:tag name="OTLDATEFORMATAMPMDESIGNATOR" val="AmPmLowerCase"/>
+  <p:tag name="OTLDATEFORMATHOURDIGITS" val="H"/>
+  <p:tag name="OTLDATEFORMATTRIM00MINUTES" val="False"/>
+  <p:tag name="OTLWEEKNUMBERINGFORMAT" val="WNFormat1"/>
+  <p:tag name="OTLWEEKNUMBERINGISVISIBLE" val="False"/>
+  <p:tag name="OTLENDDATE" val="2022-04-27T23:59:00.0000000Z"/>
+  <p:tag name="OTLDURATIONFORMAT" val="day"/>
+  <p:tag name="OTLSPACING" val="5"/>
+  <p:tag name="OTLSHAPETHICKNESSTYPE" val="Regular"/>
+  <p:tag name="OTLSTARTDATE" val="2022-04-19T00:00:00.0000000Z"/>
+  <p:tag name="OTLMARKERSHAPE" val="OTL"/>
+</p:tagLst>
+</file>
+
+<file path=ppt/tags/tag19.xml><?xml version="1.0" encoding="utf-8"?>
+<p:tagLst xmlns:a="http://schemas.openxmlformats.org/drawingml/2006/main" xmlns:r="http://schemas.openxmlformats.org/officeDocument/2006/relationships" xmlns:p="http://schemas.openxmlformats.org/presentationml/2006/main">
+  <p:tag name="OTLMARKERSHAPE" val="OTL"/>
+</p:tagLst>
+</file>
+
+<file path=ppt/tags/tag2.xml><?xml version="1.0" encoding="utf-8"?>
+<p:tagLst xmlns:a="http://schemas.openxmlformats.org/drawingml/2006/main" xmlns:r="http://schemas.openxmlformats.org/officeDocument/2006/relationships" xmlns:p="http://schemas.openxmlformats.org/presentationml/2006/main">
+  <p:tag name="OTLMARKERSHAPE" val="OTL"/>
+</p:tagLst>
+</file>
+
+<file path=ppt/tags/tag20.xml><?xml version="1.0" encoding="utf-8"?>
+<p:tagLst xmlns:a="http://schemas.openxmlformats.org/drawingml/2006/main" xmlns:r="http://schemas.openxmlformats.org/officeDocument/2006/relationships" xmlns:p="http://schemas.openxmlformats.org/presentationml/2006/main">
   <p:tag name="OTLMARKERSHAPE" val="OTL"/>
 </p:tagLst>
 </file>
@@ -6110,124 +8728,296 @@
   <p:tag name="OTLTIMEBANDRESERVEDLEFTAREAISSET" val="False"/>
   <p:tag name="OTLTIMEBANDQUICKPOSITION" val="Bottom"/>
   <p:tag name="OTLTIMEBANDENDDATE" val="2022-08-26T23:59:00.0000000"/>
+  <p:tag name="OTLLEFTENDCAPSMARGINLEFT" val="42.5066666666667"/>
+  <p:tag name="OTLTIMEBANDSCALETYPE" val="Months"/>
+  <p:tag name="OTLTIMEBANDSCALEFORMAT" val="MMM"/>
+  <p:tag name="OTLMARKERSHAPE" val="OTL"/>
+</p:tagLst>
+</file>
+
+<file path=ppt/tags/tag40.xml><?xml version="1.0" encoding="utf-8"?>
+<p:tagLst xmlns:a="http://schemas.openxmlformats.org/drawingml/2006/main" xmlns:r="http://schemas.openxmlformats.org/officeDocument/2006/relationships" xmlns:p="http://schemas.openxmlformats.org/presentationml/2006/main">
+  <p:tag name="OTLMARKERSHAPE" val="OTL"/>
+</p:tagLst>
+</file>
+
+<file path=ppt/tags/tag41.xml><?xml version="1.0" encoding="utf-8"?>
+<p:tagLst xmlns:a="http://schemas.openxmlformats.org/drawingml/2006/main" xmlns:r="http://schemas.openxmlformats.org/officeDocument/2006/relationships" xmlns:p="http://schemas.openxmlformats.org/presentationml/2006/main">
+  <p:tag name="OTLMARKERSHAPE" val="OTL"/>
+</p:tagLst>
+</file>
+
+<file path=ppt/tags/tag42.xml><?xml version="1.0" encoding="utf-8"?>
+<p:tagLst xmlns:a="http://schemas.openxmlformats.org/drawingml/2006/main" xmlns:r="http://schemas.openxmlformats.org/officeDocument/2006/relationships" xmlns:p="http://schemas.openxmlformats.org/presentationml/2006/main">
+  <p:tag name="OTLMARKERSHAPE" val="OTL"/>
+</p:tagLst>
+</file>
+
+<file path=ppt/tags/tag43.xml><?xml version="1.0" encoding="utf-8"?>
+<p:tagLst xmlns:a="http://schemas.openxmlformats.org/drawingml/2006/main" xmlns:r="http://schemas.openxmlformats.org/officeDocument/2006/relationships" xmlns:p="http://schemas.openxmlformats.org/presentationml/2006/main">
+  <p:tag name="OTLMARKERSHAPE" val="OTL"/>
+</p:tagLst>
+</file>
+
+<file path=ppt/tags/tag44.xml><?xml version="1.0" encoding="utf-8"?>
+<p:tagLst xmlns:a="http://schemas.openxmlformats.org/drawingml/2006/main" xmlns:r="http://schemas.openxmlformats.org/officeDocument/2006/relationships" xmlns:p="http://schemas.openxmlformats.org/presentationml/2006/main">
+  <p:tag name="OTLMARKERSHAPE" val="OTL"/>
+</p:tagLst>
+</file>
+
+<file path=ppt/tags/tag45.xml><?xml version="1.0" encoding="utf-8"?>
+<p:tagLst xmlns:a="http://schemas.openxmlformats.org/drawingml/2006/main" xmlns:r="http://schemas.openxmlformats.org/officeDocument/2006/relationships" xmlns:p="http://schemas.openxmlformats.org/presentationml/2006/main">
+  <p:tag name="OTLMARKERSHAPE" val="OTL"/>
+</p:tagLst>
+</file>
+
+<file path=ppt/tags/tag46.xml><?xml version="1.0" encoding="utf-8"?>
+<p:tagLst xmlns:a="http://schemas.openxmlformats.org/drawingml/2006/main" xmlns:r="http://schemas.openxmlformats.org/officeDocument/2006/relationships" xmlns:p="http://schemas.openxmlformats.org/presentationml/2006/main">
+  <p:tag name="OTLMARKERSHAPE" val="OTL"/>
+</p:tagLst>
+</file>
+
+<file path=ppt/tags/tag47.xml><?xml version="1.0" encoding="utf-8"?>
+<p:tagLst xmlns:a="http://schemas.openxmlformats.org/drawingml/2006/main" xmlns:r="http://schemas.openxmlformats.org/officeDocument/2006/relationships" xmlns:p="http://schemas.openxmlformats.org/presentationml/2006/main">
+  <p:tag name="OTLMARKERSHAPE" val="OTL"/>
+</p:tagLst>
+</file>
+
+<file path=ppt/tags/tag48.xml><?xml version="1.0" encoding="utf-8"?>
+<p:tagLst xmlns:a="http://schemas.openxmlformats.org/drawingml/2006/main" xmlns:r="http://schemas.openxmlformats.org/officeDocument/2006/relationships" xmlns:p="http://schemas.openxmlformats.org/presentationml/2006/main">
+  <p:tag name="OTLMARKERSHAPE" val="OTL"/>
+</p:tagLst>
+</file>
+
+<file path=ppt/tags/tag49.xml><?xml version="1.0" encoding="utf-8"?>
+<p:tagLst xmlns:a="http://schemas.openxmlformats.org/drawingml/2006/main" xmlns:r="http://schemas.openxmlformats.org/officeDocument/2006/relationships" xmlns:p="http://schemas.openxmlformats.org/presentationml/2006/main">
+  <p:tag name="OTLMARKERSHAPE" val="OTL"/>
+</p:tagLst>
+</file>
+
+<file path=ppt/tags/tag5.xml><?xml version="1.0" encoding="utf-8"?>
+<p:tagLst xmlns:a="http://schemas.openxmlformats.org/drawingml/2006/main" xmlns:r="http://schemas.openxmlformats.org/officeDocument/2006/relationships" xmlns:p="http://schemas.openxmlformats.org/presentationml/2006/main">
+  <p:tag name="OTLELAPSEDSTYLE" val="Thin"/>
+  <p:tag name="OTLMARKERSHAPE" val="OTL"/>
+</p:tagLst>
+</file>
+
+<file path=ppt/tags/tag50.xml><?xml version="1.0" encoding="utf-8"?>
+<p:tagLst xmlns:a="http://schemas.openxmlformats.org/drawingml/2006/main" xmlns:r="http://schemas.openxmlformats.org/officeDocument/2006/relationships" xmlns:p="http://schemas.openxmlformats.org/presentationml/2006/main">
+  <p:tag name="OTLMARKERSHAPE" val="OTL"/>
+</p:tagLst>
+</file>
+
+<file path=ppt/tags/tag51.xml><?xml version="1.0" encoding="utf-8"?>
+<p:tagLst xmlns:a="http://schemas.openxmlformats.org/drawingml/2006/main" xmlns:r="http://schemas.openxmlformats.org/officeDocument/2006/relationships" xmlns:p="http://schemas.openxmlformats.org/presentationml/2006/main">
+  <p:tag name="OTLMARKERSHAPE" val="OTL"/>
+</p:tagLst>
+</file>
+
+<file path=ppt/tags/tag52.xml><?xml version="1.0" encoding="utf-8"?>
+<p:tagLst xmlns:a="http://schemas.openxmlformats.org/drawingml/2006/main" xmlns:r="http://schemas.openxmlformats.org/officeDocument/2006/relationships" xmlns:p="http://schemas.openxmlformats.org/presentationml/2006/main">
+  <p:tag name="OTLMARKERSHAPE" val="OTL"/>
+</p:tagLst>
+</file>
+
+<file path=ppt/tags/tag53.xml><?xml version="1.0" encoding="utf-8"?>
+<p:tagLst xmlns:a="http://schemas.openxmlformats.org/drawingml/2006/main" xmlns:r="http://schemas.openxmlformats.org/officeDocument/2006/relationships" xmlns:p="http://schemas.openxmlformats.org/presentationml/2006/main">
+  <p:tag name="OTLMARKERSHAPE" val="OTL"/>
+</p:tagLst>
+</file>
+
+<file path=ppt/tags/tag54.xml><?xml version="1.0" encoding="utf-8"?>
+<p:tagLst xmlns:a="http://schemas.openxmlformats.org/drawingml/2006/main" xmlns:r="http://schemas.openxmlformats.org/officeDocument/2006/relationships" xmlns:p="http://schemas.openxmlformats.org/presentationml/2006/main">
+  <p:tag name="OTLMARKERSHAPE" val="OTL"/>
+</p:tagLst>
+</file>
+
+<file path=ppt/tags/tag55.xml><?xml version="1.0" encoding="utf-8"?>
+<p:tagLst xmlns:a="http://schemas.openxmlformats.org/drawingml/2006/main" xmlns:r="http://schemas.openxmlformats.org/officeDocument/2006/relationships" xmlns:p="http://schemas.openxmlformats.org/presentationml/2006/main">
+  <p:tag name="OTLMARKERSHAPE" val="OTL"/>
+</p:tagLst>
+</file>
+
+<file path=ppt/tags/tag56.xml><?xml version="1.0" encoding="utf-8"?>
+<p:tagLst xmlns:a="http://schemas.openxmlformats.org/drawingml/2006/main" xmlns:r="http://schemas.openxmlformats.org/officeDocument/2006/relationships" xmlns:p="http://schemas.openxmlformats.org/presentationml/2006/main">
+  <p:tag name="OTLMARKERSHAPE" val="OTL"/>
+</p:tagLst>
+</file>
+
+<file path=ppt/tags/tag57.xml><?xml version="1.0" encoding="utf-8"?>
+<p:tagLst xmlns:a="http://schemas.openxmlformats.org/drawingml/2006/main" xmlns:r="http://schemas.openxmlformats.org/officeDocument/2006/relationships" xmlns:p="http://schemas.openxmlformats.org/presentationml/2006/main">
+  <p:tag name="OTLMARKERSHAPE" val="OTL"/>
+</p:tagLst>
+</file>
+
+<file path=ppt/tags/tag58.xml><?xml version="1.0" encoding="utf-8"?>
+<p:tagLst xmlns:a="http://schemas.openxmlformats.org/drawingml/2006/main" xmlns:r="http://schemas.openxmlformats.org/officeDocument/2006/relationships" xmlns:p="http://schemas.openxmlformats.org/presentationml/2006/main">
+  <p:tag name="OTLMARKERSHAPE" val="OTL"/>
+</p:tagLst>
+</file>
+
+<file path=ppt/tags/tag59.xml><?xml version="1.0" encoding="utf-8"?>
+<p:tagLst xmlns:a="http://schemas.openxmlformats.org/drawingml/2006/main" xmlns:r="http://schemas.openxmlformats.org/officeDocument/2006/relationships" xmlns:p="http://schemas.openxmlformats.org/presentationml/2006/main">
+  <p:tag name="OTLMARKERSHAPE" val="OTL"/>
+</p:tagLst>
+</file>
+
+<file path=ppt/tags/tag6.xml><?xml version="1.0" encoding="utf-8"?>
+<p:tagLst xmlns:a="http://schemas.openxmlformats.org/drawingml/2006/main" xmlns:r="http://schemas.openxmlformats.org/officeDocument/2006/relationships" xmlns:p="http://schemas.openxmlformats.org/presentationml/2006/main">
+  <p:tag name="OTLTODAYPOSITION" val="Below"/>
+  <p:tag name="OTLMARKERSHAPE" val="OTL"/>
+</p:tagLst>
+</file>
+
+<file path=ppt/tags/tag60.xml><?xml version="1.0" encoding="utf-8"?>
+<p:tagLst xmlns:a="http://schemas.openxmlformats.org/drawingml/2006/main" xmlns:r="http://schemas.openxmlformats.org/officeDocument/2006/relationships" xmlns:p="http://schemas.openxmlformats.org/presentationml/2006/main">
+  <p:tag name="OTLMARKERSHAPE" val="OTL"/>
+</p:tagLst>
+</file>
+
+<file path=ppt/tags/tag61.xml><?xml version="1.0" encoding="utf-8"?>
+<p:tagLst xmlns:a="http://schemas.openxmlformats.org/drawingml/2006/main" xmlns:r="http://schemas.openxmlformats.org/officeDocument/2006/relationships" xmlns:p="http://schemas.openxmlformats.org/presentationml/2006/main">
+  <p:tag name="OTLMARKERSHAPE" val="OTL"/>
+</p:tagLst>
+</file>
+
+<file path=ppt/tags/tag62.xml><?xml version="1.0" encoding="utf-8"?>
+<p:tagLst xmlns:a="http://schemas.openxmlformats.org/drawingml/2006/main" xmlns:r="http://schemas.openxmlformats.org/officeDocument/2006/relationships" xmlns:p="http://schemas.openxmlformats.org/presentationml/2006/main">
+  <p:tag name="OTLMARKERSHAPE" val="OTL"/>
+</p:tagLst>
+</file>
+
+<file path=ppt/tags/tag63.xml><?xml version="1.0" encoding="utf-8"?>
+<p:tagLst xmlns:a="http://schemas.openxmlformats.org/drawingml/2006/main" xmlns:r="http://schemas.openxmlformats.org/officeDocument/2006/relationships" xmlns:p="http://schemas.openxmlformats.org/presentationml/2006/main">
+  <p:tag name="OTLMARKERSHAPE" val="OTL"/>
+</p:tagLst>
+</file>
+
+<file path=ppt/tags/tag64.xml><?xml version="1.0" encoding="utf-8"?>
+<p:tagLst xmlns:a="http://schemas.openxmlformats.org/drawingml/2006/main" xmlns:r="http://schemas.openxmlformats.org/officeDocument/2006/relationships" xmlns:p="http://schemas.openxmlformats.org/presentationml/2006/main">
+  <p:tag name="OTLMARKERSHAPE" val="OTL"/>
+</p:tagLst>
+</file>
+
+<file path=ppt/tags/tag65.xml><?xml version="1.0" encoding="utf-8"?>
+<p:tagLst xmlns:a="http://schemas.openxmlformats.org/drawingml/2006/main" xmlns:r="http://schemas.openxmlformats.org/officeDocument/2006/relationships" xmlns:p="http://schemas.openxmlformats.org/presentationml/2006/main">
+  <p:tag name="OTLMARKERSHAPE" val="OTL"/>
+</p:tagLst>
+</file>
+
+<file path=ppt/tags/tag66.xml><?xml version="1.0" encoding="utf-8"?>
+<p:tagLst xmlns:a="http://schemas.openxmlformats.org/drawingml/2006/main" xmlns:r="http://schemas.openxmlformats.org/officeDocument/2006/relationships" xmlns:p="http://schemas.openxmlformats.org/presentationml/2006/main">
+  <p:tag name="OTLMARKERSHAPE" val="OTL"/>
+</p:tagLst>
+</file>
+
+<file path=ppt/tags/tag67.xml><?xml version="1.0" encoding="utf-8"?>
+<p:tagLst xmlns:a="http://schemas.openxmlformats.org/drawingml/2006/main" xmlns:r="http://schemas.openxmlformats.org/officeDocument/2006/relationships" xmlns:p="http://schemas.openxmlformats.org/presentationml/2006/main">
+  <p:tag name="OTLMARKERSHAPE" val="OTL"/>
+</p:tagLst>
+</file>
+
+<file path=ppt/tags/tag68.xml><?xml version="1.0" encoding="utf-8"?>
+<p:tagLst xmlns:a="http://schemas.openxmlformats.org/drawingml/2006/main" xmlns:r="http://schemas.openxmlformats.org/officeDocument/2006/relationships" xmlns:p="http://schemas.openxmlformats.org/presentationml/2006/main">
+  <p:tag name="__PART_0" val="eyIkaWQiOiIxIiwiX3N3aW1sYW5lc1YyIjpbXSwiQ3VsdHVyZUluZm9OYW1lIjoiZW4tVVMiLCJTdHlsZU5hbWUiOm51bGwsIlZlcnNpb24iOnsiJGlkIjoiMiIsIlZlcnNpb24iOiIzLjYuMSIsIk9yaWdpbmFsQXNzZW1ibHlWZXJzaW9uIjoiNi4wNC4wMS4wMCIsIkVkaXRpb24iOm51bGwsIkxhc3RTYXZlZEVkaXRpb24iOjAsIklzUGx1c0VkaXRpb24iOmZhbHNlLCJJc1Byb0VkaXRpb24iOmZhbHNlfSwiRWZmZWN0IjoxLCJTdHlsZSI6eyIkaWQiOiIzIiwiVGltZWJhbmRTdHlsZSI6eyIkaWQiOiI0IiwiU2NhbGVNYXJraW5nIjoxLCJTaGFwZSI6MCwiU2hhcGVTdHlsZSI6eyIkaWQiOiI1IiwiTWFyZ2luIjp7IiRpZCI6IjYiLCJUb3AiOjAuMCwiTGVmdCI6MTIuMCwiUmlnaHQiOjEyLjAsIkJvdHRvbSI6MC4wfSwiUGFkZGluZyI6eyIkaWQiOiI3IiwiVG9wIjo3LjAsIkxlZnQiOjAuMCwiUmlnaHQiOjAuMCwiQm90dG9tIjo3LjB9LCJCYWNrZ3JvdW5kIjp7IiRpZCI6IjgiLCJDb2xvciI6eyIkaWQiOiI5IiwiQSI6MjU1LCJSIjo2OCwiRyI6ODQsIkIiOjEwNn19LCJJc1Zpc2libGUiOnRydWUsIldpZHRoIjo4NTguMCwiSGVpZ2h0IjoyMC4wLCJCb3JkZXJTdHlsZSI6eyIkaWQiOiIxMCIsIkxpbmVDb2xvciI6eyIkaWQiOiIxMSIsIiR0eXBlIjoiTkxSRS5Db21tb24uRG9tLlNvbGlkQ29sb3JCcnVzaCwgTkxSRS5Db21tb24iLCJDb2xvciI6eyIkaWQiOiIxMiIsIkEiOjI1NSwiUiI6MjU1LCJHIjowLCJCIjowfX0sIkxpbmVXZWlnaHQiOjAuMCwiTGluZVR5cGUiOjAsIlBhcmVudFN0eWxlIjpudWxsfSwiUGFyZW50U3R5bGUiOm51bGx9LCJNaWRkbGVUaWVyU2hhcGVTdHlsZSI6eyIkaWQiOiIxMyIsIk1hcmdpbiI6eyIkaWQiOiIxNCIsIlRvcCI6MC4wLCJMZWZ0IjoxMi4wLCJSaWdodCI6MTIuMCwiQm90dG9tIjowLjB9LCJQYWRkaW5nIjp7IiRpZCI6IjE1IiwiVG9wIjo3LjAsIkxlZnQiOjAuMCwiUmlnaHQiOjAuMCwiQm90dG9tIjo3LjB9LCJCYWNrZ3JvdW5kIjp7IiRpZCI6IjE2IiwiQ29sb3IiOnsiJGlkIjoiMTciLCJBIjoyNTUsIlIiOjY4LCJHIjo4NCwiQiI6MTA2fX0sIklzVmlzaWJsZSI6dHJ1ZSwiV2lkdGgiOjg1OC4wLCJIZWlnaHQiOjIwLjAsIkJvcmRlclN0eWxlIjp7IiRpZCI6IjE4IiwiTGluZUNvbG9yIjp7IiRpZCI6IjE5IiwiJHR5cGUiOiJOTFJFLkNvbW1vbi5Eb20uU29saWRDb2xvckJydXNoLCBOTFJFLkNvbW1vbiIsIkNvbG9yIjp7IiRpZCI6IjIwIiwiQSI6MjU1LCJSIjoyNTUsIkciOjAsIkIiOjB9fSwiTGluZVdlaWdodCI6MC4wLCJMaW5lVHlwZSI6MCwiUGFyZW50U3R5bGUiOm51bGx9LCJQYXJlbnRTdHlsZSI6bnVsbH0sIkJvdHRvbVRpZXJTaGFwZVN0eWxlIjp7IiRpZCI6IjIxIiwiTWFyZ2luIjp7IiRpZCI6IjIyIiwiVG9wIjowLjAsIkxlZnQiOjEyLjAsIlJpZ2h0IjoxMi4wLCJCb3R0b20iOjAuMH0sIlBhZGRpbmciOnsiJGlkIjoiMjMiLCJUb3AiOjcuMCwiTGVmdCI6MC4wLCJSaWdodCI6MC4wLCJCb3R0b20iOjcuMH0sIkJhY2tncm91bmQiOnsiJGlkIjoiMjQiLCJDb2xvciI6eyIkaWQiOiIyNSIsIkEiOjI1NSwiUiI6NjgsIkciOjg0LCJCIjoxMDZ9fSwiSXNWaXNpYmxlIjp0cnVlLCJXaWR0aCI6ODU4LjAsIkhlaWdodCI6MjAuMCwiQm9yZGVyU3R5bGUiOnsiJGlkIjoiMjYiLCJMaW5lQ29sb3IiOnsiJGlkIjoiMjciLCIkdHlwZSI6Ik5MUkUuQ29tbW9uLkRvbS5Tb2xpZENvbG9yQnJ1c2gsIE5MUkUuQ29tbW9uIiwiQ29sb3IiOnsiJGlkIjoiMjgiLCJBIjoyNTUsIlIiOjI1NSwiRyI6MCwiQiI6MH19LCJMaW5lV2VpZ2h0IjowLjAsIkxpbmVUeXBlIjowLCJQYXJlbnRTdHlsZSI6bnVsbH0sIlBhcmVudFN0eWxlIjpudWxsfSwiUmlnaHRFbmRDYXBzU3R5bGUiOnsiJGlkIjoiMjkiLCJGb250U2V0dGluZ3MiOnsiJGlkIjoiMzAiLCJGb250U2l6ZSI6MTgsIkZvbnROYW1lIjoiQ2FsaWJyaSIsIklzQm9sZCI6dHJ1ZSwiSXNJdGFsaWMiOmZhbHNlLCJJc1VuZGVybGluZWQiOmZhbHNlLCJQYXJlbnRTdHlsZSI6bnVsbH0sIkF1dG9TaXplIjowLCJGb3JlZ3JvdW5kIjp7IiRpZCI6IjMxIiwiQ29sb3IiOnsiJGlkIjoiMzIiLCJBIjoyNTUsIlIiOjIzNywiRyI6MTI1LCJCIjo0OX19LCJNYXhXaWR0aCI6IkluZmluaXR5IiwiTWF4SGVpZ2h0IjoiSW5maW5pdHkiLCJTbWFydEZvcmVncm91bmRJc0FjdGl2ZSI6ZmFsc2UsIkhvcml6b250YWxBbGlnbm1lbnQiOjAsIlZlcnRpY2FsQWxpZ25tZW50IjowLCJTbWFydEZvcmVncm91bmQiOm51bGwsIkJhY2tncm91bmRGaWxsVHlwZSI6MCwiTWFyZ2luIjp7IiRpZCI6IjMzIiwiVG9wIjowLjAsIkxlZnQiOjAuMCwiUmlnaHQiOjIwLjAsIkJvdHRvbSI6MC4wfSwiUGFkZGluZyI6eyIkaWQiOiIzNCIsIlRvcCI6MC4wLCJMZWZ0IjowLjAsIlJpZ2h0IjowLjAsIkJvdHRvbSI6MC4wfSwiQmFja2dyb3VuZCI6eyIkaWQiOiIzNSIsIkNvbG9yIjp7IiRpZCI6IjM2IiwiQSI6ODksIlIiOjAsIkciOjAsIkIiOjB9fSwiSXNWaXNpYmxlIjp0cnVlLCJXaWR0aCI6MC4wLCJIZWlnaHQiOjAuMCwiQm9yZGVyU3R5bGUiOm51bGwsIlBhcmVudFN0eWxlIjpudWxsfSwiTGVmdEVuZENhcHNTdHlsZSI6eyIkaWQiOiIzNyIsIkZvbnRTZXR0aW5ncyI6eyIkaWQiOiIzOCIsIkZvbnRTaXplIjoxOCwiRm9udE5hbWUiOiJDYWxpYnJpIiwiSXNCb2xkIjp0cnVlLCJJc0l0YWxpYyI6ZmFsc2UsIklzVW5kZXJsaW5lZCI6ZmFsc2UsIlBhcmVudFN0eWxlIjpudWxsfSwiQXV0b1NpemUiOjAsIkZvcmVncm91bmQiOnsiJGlkIjoiMzkiLCJDb2xvciI6eyIkaWQiOiI0MCIsIkEiOjI1NSwiUiI6MjM3LCJHIjoxMjUsIkIiOjQ5fX0sIk1heFdpZHRoIjoiSW5maW5pdHkiLCJNYXhIZWlnaHQiOiJJbmZpbml0eSIsIlNtYXJ0Rm9yZWdyb3VuZElzQWN0aXZlIjpmYWxzZSwiSG9yaXpvbnRhbEFsaWdubWVudCI6MCwiVmVydGljYWxBbGlnbm1lbnQiOjAsIlNtYXJ0Rm9yZWdyb3VuZCI6bnVsbCwiQmFja2dyb3VuZEZpbGxUeXBlIjowLCJNYXJnaW4iOnsiJGlkIjoiNDEiLCJUb3AiOjAuMCwiTGVmdCI6NDIuNTA2NjY2NjY2NjY2NjYxLCJSaWdodCI6MC4wLCJCb3R0b20iOjAuMH0sIlBhZGRpbmciOnsiJGlkIjoiNDIiLCJUb3AiOjAuMCwiTGVmdCI6MC4wLCJSaWdodCI6MC4wLCJCb3R0b20iOjAuMH0sIkJhY2tncm91bmQiOnsiJGlkIjoiNDMiLCJDb2xvciI6eyIkcmVmIjoiMzYifX0sIklzVmlzaWJsZSI6ZmFsc2UsIldpZHRoIjowLjAsIkhlaWdodCI6MC4wLCJCb3JkZXJTdHlsZSI6bnVsbCwiUGFyZW50U3R5bGUiOm51bGx9LCJUb2RheVRleHRTdHlsZSI6eyIkaWQiOiI0NCIsIkZvbnRTZXR0aW5ncyI6eyIkaWQiOiI0NSIsIkZvbnRTaXplIjoxMiwiRm9udE5hbWUiOiJDYWxpYnJpIiwiSXNCb2xkIjpmYWxzZSwiSXNJdGFsaWMiOmZhbHNlLCJJc1VuZGVybGluZWQiOmZhbHNlLCJQYXJlbnRTdHlsZSI6bnVsbH0sIkF1dG9TaXplIjowLCJGb3JlZ3JvdW5kIjp7IiRpZCI6IjQ2IiwiQ29sb3IiOnsiJGlkIjoiNDciLCJBIjoyNTUsIlIiOjAsIkciOjAsIkIiOjB9fSwiTWF4V2lkdGgiOjIwMC4wLCJNYXhIZWlnaHQiOiJJbmZpbml0eSIsIlNtYXJ0Rm9yZWdyb3VuZElzQWN0aXZlIjpmYWxzZSwiSG9yaXpvbnRhbEFsaWdubWVudCI6MCwiVmVydGljYWxBbGlnbm1lbnQiOjAsIlNtYXJ0Rm9yZWdyb3VuZCI6bnVsbCwiQmFja2dyb3VuZEZpbGxUeXBlIjowLCJNYXJnaW4iOnsiJGlkIjoiNDgiLCJUb3AiOjAuMCwiTGVmdCI6MC4wLCJSaWdodCI6MC4wLCJCb3R0b20iOjAuMH0sIlBhZGRpbmciOnsiJGlkIjoiNDkiLCJUb3AiOjAuMCwiTGVmdCI6MC4wLCJSaWdodCI6MC4wLCJCb3R0b20iOjAuMH0sIkJhY2tncm91bmQiOnsiJGlkIjoiNTAiLCJDb2xvciI6eyIkcmVmIjoiMzYifX0sIklzVmlzaWJsZSI6dHJ1ZSwiV2lkdGgiOjAuMCwiSGVpZ2h0IjowLjAsIkJvcmRlclN0eWxlIjpudWxsLCJQYXJlbnRTdHlsZSI6bnVsbH0sIlRvZGF5TWFya2VyU3R5bGUiOnsiJGlkIjoiNTEiLCJNYXJnaW4iOnsiJGlkIjoiNTIiLCJUb3AiOjAuMCwiTGVmdCI6MC4wLCJSaWdodCI6MC4wLCJCb3R0b20iOjAuMH0sIlBhZGRpbmciOnsiJGlkIjoiNTMiLCJUb3AiOjAuMCwiTGVmdCI6MC4wLCJSaWdodCI6MC4wLCJCb3R0b20iOjAuMH0sIkJhY2tncm91bmQiOnsiJGlkIjoiNTQiLCJDb2xvciI6eyIkaWQiOiI1NSIsIkEiOjI1NSwiUiI6MjU1LCJHIjowLCJCIjowfX0sIklzVmlzaWJsZSI6dHJ1ZSwiV2lkdGgiOjAuMCwiSGVpZ2h0IjowLjAsIkJvcmRlclN0eWxlIjpudWxsLCJQYXJlbnRTdHlsZSI6bnVsbH0sIlNjYWxlU3R5bGUiOnsiJGlkIjoiNTYiLCJTaGFwZSI6MywiU2hvd1NlZ21lbnRTZXBhcmF0b3JzIjp0cnVlLCJTZWdtZW50U2VwYXJhdG9yT3BhY2l0eSI6MzAsIkhhc0JlZW5WaXNpYmxlQmVmb3JlIjp0cnVlLCJGb250U2V0dGluZ3MiOnsiJGlkIjoiNTciLCJGb250U2l6ZSI6MTIsIkZvbnROYW1lIjoiQ2FsaWJyaSIsIklzQm9sZCI6ZmFsc2UsIklzSXRhbGljIjpmYWxzZSwiSXNVbmRlcmxpbmVkIjpmYWxzZSwiUGFyZW50U3R5bGUiOm51bGx9LCJBdXRvU2l6ZSI6MCwiRm9yZWdyb3VuZCI6eyIkaWQiOiI1OCIsIkNvbG9yIjp7IiRpZCI6IjU5IiwiQSI6MjU1LCJSIjoyNTUsIkciOjI1NSwiQiI6MjU1fX0sIk1heFdpZHRoIjoyMDAuMCwiTWF4SGVpZ2h0IjoiSW5maW5pdHkiLCJTbWFydEZvcmVncm91bmRJc0FjdGl2ZSI6ZmFsc2UsIkhvcml6b250YWxBbGlnbm1lbnQiOjAsIlZlcnRpY2FsQWxpZ25tZW50IjoxLCJTbWFydEZvcmVncm91bmQiOm51bGwsIkJhY2tncm91bmRGaWxsVHlwZSI6MCwiTWFyZ2luIjp7IiRpZCI6IjYwIiwiVG9wIjowLjAsIkxlZnQiOjUuMCwiUmlnaHQiOjAuMCwiQm90dG9tIjowLjB9LCJQYWRkaW5nIjp7IiRpZCI6IjYxIiwiVG9wIjowLjAsIkxlZnQiOjAuMCwiUmlnaHQiOjAuMCwiQm90dG9tIjowLjB9LCJCYWNrZ3JvdW5kIjp7IiRpZCI6IjYyIiwiQ29sb3IiOnsiJHJlZiI6IjM2In19LCJJc1Zpc2libGUiOnRydWUsIldpZHRoIjowLjAsIkhlaWdodCI6MC4wLCJCb3JkZXJTdHlsZSI6bnVsbCwiUGFyZW50U3R5bGUiOm51bGx9LCJTaW5nbGVTY2FsZVNoYXBlU3R5bGUiOnsiJGlkIjoiNjMiLCJTaGFwZSI6MCwiSGVpZ2h0IjowLjB9LCJNaWRkbGVUaWVyU2NhbGVTdHlsZSI6eyIkaWQiOiI2NCIsIlNoYXBlIjozLCJTaG93U2VnbWVudFNlcGFyYXRvcnMiOnRydWUsIlNlZ21lbnRTZXBhcmF0b3JPcGFjaXR5IjozMCwiSGFzQmVlblZpc2libGVCZWZvcmUiOmZhbHNlLCJGb250U2V0dGluZ3MiOnsiJGlkIjoiNjUiLCJGb250U2l6ZSI6MTIsIkZvbnROYW1lIjoiQ2FsaWJyaSIsIklzQm9sZCI6ZmFsc2UsIklzSXRhbGljIjpmYWxzZSwiSXNVbmRlcmxpbmVkIjpmYWxzZSwiUGFyZW50U3R5bGUiOm51bGx9LCJBdXRvU2l6ZSI6MCwiRm9yZWdyb3VuZCI6eyIkaWQiOiI2NiIsIkNvbG9yIjp7IiRpZCI6IjY3IiwiQSI6MjU1LCJSIjoyNTUsIkciOjI1NSwiQiI6MjU1fX0sIk1heFdpZHRoIjoyMDAuMCwiTWF4SGVpZ2h0IjoiSW5maW5pdHkiLCJTbWFydEZvcmVncm91bmRJc0FjdGl2ZSI6ZmFsc2UsIkhvcml6b250YWxBbGlnbm1lbnQiOjAsIlZlcnRpY2FsQWxpZ25tZW50IjoxLCJTbWFydEZvcmVncm91bmQiOm51bGwsIkJhY2tncm91bmRGaWxsVHlwZSI6MCwiTWFyZ2luIjp7IiRpZCI6IjY4IiwiVG9wIjowLjAsIkxlZnQiOjUuMCwiUmlnaHQiOjAuMCwiQm90dG9tIjowLjB9LCJQYWRkaW5nIjp7IiRpZCI6IjY5IiwiVG9wIjowLjAsIkxlZnQiOjAuMCwiUmlnaHQiOjAuMCwiQm90dG9tIjowLjB9LCJCYWNrZ3JvdW5kIjp7IiRpZCI6IjcwIiwiQ29sb3IiOnsiJGlkIjoiNzEiLCJBIjowLCJSIjowLCJHIjowLCJCIjowfX0sIklzVmlzaWJsZSI6ZmFsc2UsIldpZHRoIjowLjAsIkhlaWdodCI6MC4wLCJCb3JkZXJTdHlsZSI6bnVsbCwiUGFyZW50U3R5bGUiOm51bGx9LCJCb3R0b21UaWVyU2NhbGVTdHlsZSI6eyIkaWQiOiI3MiIsIlNoYXBlIjozLCJTaG93U2VnbWVudFNlcGFyYXRvcnMiOnRydWUsIlNlZ21lbnRTZXBhcmF0b3JPcGFjaXR5IjozMCwiSGFzQmVlblZpc2libGVCZWZvcmUiOmZhbHNlLCJGb250U2V0dGluZ3MiOnsiJGlkIjoiNzMiLCJGb250U2l6ZSI6MTIsIkZvbnROYW1lIjoiQ2FsaWJyaSIsIklzQm9sZCI6ZmFsc2UsIklzSXRhbGljIjpmYWxzZSwiSXNVbmRlcmxpbmVkIjpmYWxzZSwiUGFyZW50U3R5bGUiOm51bGx9LCJBdXRvU2l6ZSI6MCwiRm9yZWdyb3VuZCI6eyIkaWQiOiI3NCIsIkNvbG9yIjp7IiRpZCI6Ijc1IiwiQSI6MjU1LCJSIjoyNTUsIkciOjI1NSwiQiI6MjU1fX0sIk1heFdpZHRoIjoyMDAuMCwiTWF4SGVpZ2h0IjoiSW5maW5pdHkiLCJTbWFydEZvcmVncm91bmRJc0FjdGl2ZSI6ZmFsc2UsIkhvcml6b250YWxBbGlnbm1lbnQiOjAsIlZlcnRpY2FsQWxpZ25tZW50IjoxLCJTbWFydEZvcmVncm91bmQiOm51bGwsIkJhY2tncm91bmRGaWxsVHlwZSI6MCwiTWFyZ2luIjp7IiRpZCI6Ijc2IiwiVG9wIjowLjAsIkxlZnQiOjUuMCwiUmlnaHQiOjAuMCwiQm90dG9tIjowLjB9LCJQYWRkaW5nIjp7IiRpZCI6Ijc3IiwiVG9wIjowLjAsIkxlZnQiOjAuMCwiUmlnaHQiOjAuMCwiQm90dG9tIjowLjB9LCJCYWNrZ3JvdW5kIjp7IiRpZCI6Ijc4IiwiQ29sb3IiOnsiJGlkIjoiNzkiLCJBIjowLCJSIjowLCJHIjowLCJCIjowfX0sIklzVmlzaWJsZSI6ZmFsc2UsIldpZHRoIjowLjAsIkhlaWdodCI6MC4wLCJCb3JkZXJTdHlsZSI6bnVsbCwiUGFyZW50U3R5bGUiOm51bGx9LCJFbGFwc2VkVGltZUJhY2tncm91bmQiOnsiJGlkIjoiODAiLCJDb2xvciI6eyIkaWQiOiI4MSIsIkEiOjE5MSwiUiI6MjU1LCJHIjowLCJCIjowfX0sIkFwcGVuZFllYXJPblllYXJDaGFuZ2UiOmZhbHNlLCJFbGFwc2VkVGltZUZvcm1hdCI6MiwiVG9kYXlNYXJrZXJQb3NpdGlvbiI6MiwiUXVpY2tQb3NpdGlvbiI6MiwiQWJzb2x1dGVQb3NpdGlvbiI6NDA1LjAsIk1hcmdpbiI6eyIkaWQiOiI4MiIsIlRvcCI6MC4wLCJMZWZ0IjoxMC4wLCJSaWdodCI6MTAuMCwiQm90dG9tIjowLjB9LCJQYWRkaW5nIjp7IiRpZCI6IjgzIiwiVG9wIjowLjAsIkxlZnQiOjAuMCwiUmlnaHQiOjAuMCwiQm90dG9tIjowLjB9LCJCYWNrZ3JvdW5kIjp7IiRpZCI6Ijg0IiwiQ29sb3IiOnsiJGlkIjoiODUiLCJBIjoyNTUsIlIiOjQ3LCJHIjo1NCwiQiI6MTUzfX0sIklzVmlzaWJsZSI6dHJ1ZSwiV2lkdGgiOjAuMCwiSGVpZ2h0IjowLjAsIkJvcmRlclN0eWxlIjpudWxsLCJQYXJlbnRTdHlsZSI6bnVsbH0sIkRlZmF1bHRNaWxlc3RvbmVTdHlsZSI6eyIkaWQiOiI4NiIsIlNoYXBlIjowLCJDb25uZWN0b3JNYXJnaW4iOnsiJGlkIjoiODciLCJUb3AiOjAuMCwiTGVmdCI6Mi4wLCJSaWdodCI6Mi4wLCJCb3R0b20iOjAuMH0sIkNvbm5lY3RvclN0eWxlIjp7IiRpZCI6Ijg4IiwiTGluZUNvbG9yIjp7IiRpZCI6Ijg5IiwiJHR5cGUiOiJOTFJFLkNvbW1vbi5Eb20uU29saWRDb2xvckJydXNoLCBOTFJFLkNvbW1vbiIsIkNvbG9yIjp7IiRpZCI6IjkwIiwiQSI6MTI3LCJSIjo3OSwiRyI6MTI5LCJCIjoxODl9fSwiTGluZVdlaWdodCI6MS4wLCJMaW5lVHlwZSI6MCwiUGFyZW50U3R5bGUiOm51bGx9LCJJc0JlbG93VGltZWJhbmQiOmZhbHNlLCJQb3NpdGlvbk9uVGFzayI6MCwiSGlkZURhdGUiOmZhbHNlLCJTaGFwZVNpemUiOjEsIlNwYWNpbmciOjEuMCwiUGFkZGluZyI6eyIkaWQiOiI5MSIsIlRvcCI6Ny4wLCJMZWZ0IjozLjAsIlJpZ2h0IjowLjAsIkJvdHRvbSI6Mi4wfSwiU2hhcGVTdHlsZSI6eyIkaWQiOiI5MiIsIk1hcmdpbiI6eyIkaWQiOiI5MyIsIlRvcCI6MC4wLCJMZWZ0IjowLjAsIlJpZ2h0IjowLjAsIkJvdHRvbSI6MC4wfSwiUGFkZGluZyI6eyIkaWQiOiI5NCIsIlRvcCI6MC4wLCJMZWZ0IjowLjAsIlJpZ2h0IjowLjAsIkJvdHRvbSI6MC4wfSwiQmFja2dyb3VuZCI6eyIkaWQiOiI5NSIsIkNvbG9yIjp7IiRpZCI6Ijk2IiwiQSI6MjU1LCJSIjowLCJHIjoxMTQsIkIiOjE4OH19LCJJc1Zpc2libGUiOnRydWUsIldpZHRoIjoxOC4wLCJIZWlnaHQiOjIwLjAsIkJvcmRlclN0eWxlIjp7IiRpZCI6Ijk3IiwiTGluZUNvbG9yIjp7IiRpZCI6Ijk4IiwiJHR5cGUiOiJOTFJFLkNvbW1vbi5Eb20uU29saWRDb2xvckJydXNoLCBOTFJFLkNvbW1vbiIsIkNvbG9yIjp7IiRpZCI6Ijk5IiwiQSI6MjU1LCJSIjoyNTUsIkciOjAsIkIiOjB9fSwiTGluZVdlaWdodCI6MC4wLCJMaW5lVHlwZSI6MCwiUGFyZW50U3R5bGUiOm51bGx9LCJQYXJlbnRTdHlsZSI6bnVsbH0sIlRpdGxlU3R5bGUiOnsiJGlkIjoiMTAwIiwiRm9udFNldHRpbmdzIjp7IiRpZCI6IjEwMSIsIkZvbnRTaXplIjoxMSwiRm9udE5hbWUiOiJDYWxpYnJpIiwiSXNCb2xkIjp0cnVlLCJJc0l0YWxpYyI6ZmFsc2UsIklzVW5kZXJsaW5lZCI6ZmFsc2UsIlBhcmVudFN0eWxlIjpudWxsfSwiQXV0b1NpemUiOjAsIkZvcmVncm91bmQiOnsiJGlkIjoiMTAyIiwiQ29sb3IiOnsiJGlkIjoiMTAzIiwiQSI6MjU1LCJSIjowLCJHIjowLCJCIjowfX0sIk1heFdpZHRoIjoyMDAuMCwiTWF4SGVpZ2h0IjoiSW5maW5pdHkiLCJTbWFydEZvcmVncm91bmRJc0FjdGl2ZSI6ZmFsc2UsIkhvcml6b250YWxBbGlnbm1lbnQiOjEsIlZlcnRpY2FsQWxpZ25tZW50IjowLCJTbWFydEZvcmVncm91bmQiOm51bGwsIkJhY2tncm91bmRGaWxsVHlwZSI6MCwiTWFyZ2luIjp7IiRpZCI6IjEwNCIsIlRvcCI6MC4wLCJMZWZ0IjowLjAsIlJpZ2h0IjowLjAsIkJvdHRvbSI6MC4wfSwiUGFkZGluZyI6eyIkaWQiOiIxMDUiLCJUb3AiOjAuMCwiTGVmdCI6MC4wLCJSaWdodCI6MC4wLCJCb3R0b20iOjAuMH0sIkJhY2tncm91bmQiOnsiJGlkIjoiMTA2IiwiQ29sb3IiOnsiJHJlZiI6IjM2In19LCJJc1Zpc2libGUiOnRydWUsIldpZHRoIjowLjAsIkhlaWdodCI6MC4wLCJCb3JkZXJTdHlsZSI6bnVsbCwiUGFyZW50U3R5bGUiOm51bGx9LCJEYXRlU3R5bGUiOnsiJGlkIjoiMTA3IiwiRm9udFNldHRpbmdzIjp7IiRpZCI6IjEwOCIsIkZvbnRTaXplIjoxMCwiRm9udE5hbWUiOiJDYWxpYnJpIiwiSXNCb2xkIjpmYWxzZSwiSXNJdGFsaWMiOmZhbHNlLCJJc1VuZGVybGluZWQiOmZhbHNlLCJQYXJlbnRTdHlsZSI6bnVsbH0sIkF1dG9TaXplIjowLCJGb3JlZ3JvdW5kIjp7IiRpZCI6IjEwOSIsIkNvbG9yIjp7IiRpZCI6IjExMCIsIkEiOjI1NSwiUiI6NjgsIkciOjg0LCJCIjoxMDZ9fSwiTWF4V2lkdGgiOjIwMC4wLCJNYXhIZWlnaHQiOiJJbmZpbml0eSIsIlNtYXJ0Rm9yZWdyb3VuZElzQWN0aXZlIjpmYWxzZSwiSG9yaXpvbnRhbEFsaWdubWVudCI6MCwiVmVydGljYWxBbGlnbm1lbnQiOjAsIlNtYXJ0Rm9yZWdyb3VuZCI6bnVsbCwiQmFja2dyb3VuZEZpbGxUeXBlIjowLCJNYXJnaW4iOnsiJGlkIjoiMTExIiwiVG9wIjowLjAsIkxlZnQiOjAuMCwiUmlnaHQiOjAuMCwiQm90dG9tIjowLjB9LCJQYWRkaW5nIjp7IiRpZCI6IjExMiIsIlRvcCI6MC4wLCJMZWZ0IjowLjAsIlJpZ2h0IjowLjAsIkJvdHRvbSI6MC4wfSwiQmFja2dyb3VuZCI6eyIkaWQiOiIxMTMiLCJDb2xvciI6eyIkcmVmIjoiMzYifX0sIklzVmlzaWJsZSI6dHJ1ZSwiV2lkdGgiOjAuMCwiSGVpZ2h0IjowLjAsIkJvcmRlclN0eWxlIjpudWxsLCJQYXJlbnRTdHlsZSI6bnVsbH0sIkRhdGVGb3JtYXQiOnsiJGlkIjoiMTE0IiwiRm9ybWF0U3RyaW5nIjoiTU1NIGQiLCJTZXBhcmF0b3IiOiIvIiwiVXNlSW50ZXJuYXRpb25hbERhdGVGb3JtYXQiOmZhbHNlLCJEYXRlSXNWaXNpYmxlIjp0cnVlLCJUaW1lSXNWaXNpYmxlIjpmYWxzZSwiSG91ckRpZ2l0cyI6MSwiQW1QbURlc2lnbmF0b3IiOjIsIlRyaW0wME1pbnV0ZXMiOmZhbHNlLCJMYXN0S25vd25WaXNpYmlsaXR5U3RhdGUiOm51bGx9LCJXZWVrTnVtYmVyaW5nIjp7IiRpZCI6IjExNSIsIkZvcm1hdCI6MCwiSXNWaXNpYmxlIjpmYWxzZSwiTGFzdEtub3duVmlzaWJpbGl0eVN0YXRlIjpmYWxzZX0sIklzVmlzaWJsZSI6dHJ1ZSwiUGFyZW50U3R5bGUiOm51bGx9LCJEZWZhdWx0VGFza1N0eWxlIjp7IiRpZCI6IjExNiIsIlNoYXBlIjowLCJTaGFwZVRoaWNrbmVzcyI6MSwiRHVyYXRpb25Gb3JtYXQiOjAsIkluY2x1ZGVOb25Xb3JraW5nRGF5c0luRHVyYXRpb24iOmZhbHNlLCJQZXJjZW50YWdlQ29tcGxldGVTdHlsZSI6eyIkaWQiOiIxMTciLCJGb250U2V0dGluZ3MiOnsiJGlkIjoiMTE4IiwiRm9udFNpemUiOjEwLCJGb250TmFtZSI6IkNhbGlicmkiLCJJc0JvbGQiOmZhbHNlLCJJc0l0YWxpYyI6ZmFsc2UsIklzVW5kZXJsaW5lZCI6ZmFsc2UsIlBhcmVudFN0eWxlIjpudWxsfSwiQXV0b1NpemUiOjAsIkZvcmVncm91bmQiOnsiJGlkIjoiMTE5IiwiQ29sb3IiOnsiJGlkIjoiMTIwIiwiQSI6MjU1LCJSIjoxOTIsIkciOjgwLCJCIjo3N319LCJNYXhXaWR0aCI6MjAwLjAsIk1heEhlaWdodCI6IkluZmluaXR5IiwiU21hcnRGb3JlZ3JvdW5kSXNBY3RpdmUiOmZhbHNlLCJIb3Jpem9udGFsQWxpZ25tZW50IjowLCJWZXJ0aWNhbEFsaWdubWVudCI6MCwiU21hcnRGb3JlZ3JvdW5kIjpudWxsLCJCYWNrZ3JvdW5kRmlsbFR5cGUiOjAsIk1hcmdpbiI6eyIkaWQiOiIxMjEiLCJUb3AiOjAuMCwiTGVmdCI6MC4wLCJSaWdodCI6MC4wLCJCb3R0b20iOjAuMH0sIlBhZGRpbmciOnsiJGlkIjoiMTIyIiwiVG9wIjowLjAsIkxlZnQiOjAuMCwiUmlnaHQiOjAuMCwiQm90dG9tIjowLjB9LCJCYWNrZ3JvdW5kIjp7IiRpZCI6IjEyMyIsIkNvbG9yIjp7IiRyZWYiOiIzNiJ9fSwiSXNWaXNpYmxlIjp0cnVlLCJXaWR0aCI6MC4wLCJIZWlnaHQiOjAuMCwiQm9yZGVyU3R5bGUiOm51bGwsIlBhcmVudFN0eWxlIjpudWxsfSwiRHVyYXRpb25TdHlsZSI6eyIkaWQiOiIxMjQiLCJGb250U2V0dGluZ3MiOnsiJGlkIjoiMTI1IiwiRm9udFNpemUiOjEwLCJGb250TmFtZSI6IkNhbGlicmkiLCJJc0JvbGQiOmZhbHNlLCJJc0l0YWxpYyI6ZmFsc2UsIklzVW5kZXJsaW5lZCI6ZmFsc2UsIlBhcmVudFN0eWxlIjpudWxsfSwiQXV0b1NpemUiOjAsIkZvcmVncm91bmQiOnsiJGlkIjoiMTI2IiwiQ29sb3IiOnsiJGlkIjoiMTI3IiwiQSI6MjU1LCJSIjowLCJHIjowLCJCIjowfX0sIk1heFdpZHRoIjoyMDAuMCwiTWF4SGVpZ2h0IjoiSW5maW5pdHkiLCJTbWFydEZvcmVncm91bmRJc0FjdGl2ZSI6ZmFsc2UsIkhvcml6b250YWxBbGlnbm1lbnQiOjEsIlZlcnRpY2FsQWxpZ25tZW50IjowLCJTbWFydEZvcmVncm91bmQiOm51bGwsIkJhY2tncm91bmRGaWxsVHlwZSI6MCwiTWFyZ2luIjp7IiRpZCI6IjEyOCIsIlRvcCI6MC4wLCJMZWZ0IjowLjAsIlJpZ2h0IjowLjAsIkJvdHRvbSI6MC4wfSwiUGFkZGluZyI6eyIkaWQiOiIxMjkiLCJUb3AiOjAuMCwiTGVmdCI6MC4wLCJSaWdodCI6MC4wLCJCb3R0b20iOjAuMH0sIkJhY2tncm91bmQiOnsiJGlkIjoiMTMwIiwiQ29sb3IiOnsiJHJlZiI6IjM2In19LCJJc1Zpc2libGUiOnRydWUsIldpZHRoIjowLjAsIkhlaWdodCI6MC4wLCJCb3JkZXJTdHlsZSI6bnVsbCwiUGFyZW50U3R5bGUiOm51bGx9LCJIb3Jpem9udGFsQ29ubmVjdG9yU3R5bGUiOnsiJGlkIjoiMTMxIiwiTGluZUNvbG9yIjp7IiRpZCI6IjEzMiIsIiR0eXBlIjoiTkxSRS5Db21tb24uRG9tLlNvbGlkQ29sb3JCcnVzaCwgTkxSRS5Db21tb24iLCJDb2xvciI6eyIkaWQiOiIxMzMiLCJBIjoyNTUsIlIiOjIwNCwiRyI6MjA0LCJCIjoyMDR9fSwiTGluZVdlaWdodCI6MS4wLCJMaW5lVHlwZSI6MCwiUGFyZW50U3R5bGUiOm51bGx9LCJWZXJ0aWNhbENvbm5lY3RvclN0eWxlIjp7IiRpZCI6IjEzNCIsIkxpbmVDb2xvciI6eyIkaWQiOiIxMzUiLCIkdHlwZSI6Ik5MUkUuQ29tbW9uLkRvbS5Tb2xpZENvbG9yQnJ1c2gsIE5MUkUuQ29tbW9uIiwiQ29sb3IiOnsiJGlkIjoiMTM2IiwiQSI6MjU1LCJSIjoyMDQsIkciOjIwNCwiQiI6MjA0fX0sIkxpbmVXZWlnaHQiOjAuMCwiTGluZVR5cGUiOjAsIlBhcmVudFN0eWxlIjpudWxsfSwiTWFyZ2luIjpudWxsLCJTdGFydERhdGVQb3NpdGlvbiI6MywiRW5kRGF0ZVBvc2l0aW9uIjozLCJEYXRlSXNWaXNpYmxlIjp0cnVlLCJUaXRsZVBvc2l0aW9uIjo0LCJEdXJhdGlvblBvc2l0aW9uIjoyLCJQZXJjZW50YWdlQ29tcGxldGVkUG9zaXRpb24iOjYsIlNwYWNpbmciOjUsIklzQmVsb3dUaW1lYmFuZCI6ZmFsc2UsIlBlcmNlbnRhZ2VDb21wbGV0ZVNoYXBlT3BhY2l0eSI6MzUsIlNoYXBlU3R5bGUiOnsiJGlkIjoiMTM3IiwiTWFyZ2luIjp7IiRpZCI6IjEzOCIsIlRvcCI6MC4wLCJMZWZ0Ijo0LjAsIlJpZ2h0Ijo0LjAsIkJvdHRvbSI6MC4wfSwiUGFkZGluZyI6eyIkaWQiOiIxMzkiLCJUb3AiOjAuMCwiTGVmdCI6MC4wLCJSaWdodCI6MC4wLCJCb3R0b20iOjAuMH0sIkJhY2tncm91bmQiOnsiJGlkIjoiMTQwIiwiQ29sb3IiOnsiJGlkIjoiMTQxIiwiQSI6MjU1LCJSIjowLCJHIjoxMTQsIkIiOjE4OH19LCJJc1Zpc2libGUiOnRydWUsIldpZHRoIjowLjAsIkhlaWdodCI6MTYuMCwiQm9yZGVyU3R5bGUiOnsiJGlkIjoiMTQyIiwiTGluZUNvbG9yIjp7IiRpZCI6IjE0MyIsIiR0eXBlIjoiTkxSRS5Db21tb24uRG9tLlNvbGlkQ29sb3JCcnVzaCwgTkxSRS5Db21tb24iLCJDb2xvciI6eyIkaWQiOiIxNDQiLCJBIjoyNTUsIlIiOjI1NSwiRyI6MCwiQiI6MH19LCJMaW5lV2VpZ2h0IjowLjAsIkxpbmVUeXBlIjowLCJQYXJlbnRTdHlsZSI6bnVsbH0sIlBhcmVudFN0eWxlIjpudWxsfSwiVGl0bGVTdHlsZSI6eyIkaWQiOiIxNDUiLCJGb250U2V0dGluZ3MiOnsiJGlkIjoiMTQ2IiwiRm9udFNpemUiOjEyLCJGb250TmFtZSI6IkNhbGlicmkiLCJJc0JvbGQiOnRydWUsIklzSXRhbGljIjpmYWxzZSwiSXNVbmRlcmxpbmVkIjpmYWxzZSwiUGFyZW50U3R5bGUiOm51bGx9LCJBdXRvU2l6ZSI6MCwiRm9yZWdyb3VuZCI6eyIkaWQiOiIxNDciLCJDb2xvciI6eyIkaWQiOiIxNDgiLCJBIjoyNTUsIlIiOjAsIkciOjAsIkIiOjB9fSwiTWF4V2lkdGgiOjk2MC4wLCJNYXhIZWlnaHQiOiJJbmZpbml0eSIsIlNtYXJ0Rm9yZWdyb3VuZElzQWN0aXZlIjpmYWxzZSwiSG9yaXpvbnRhbEFsaWdubWVudCI6MCwiVmVydGljYWxBbGlnbm1lbnQiOjAsIlNtYXJ0Rm9yZWdyb3VuZCI6bnVsbCwiQmFja2dyb3VuZEZpbGxUeXBlIjowLCJNYXJnaW4iOnsiJGlkIjoiMTQ5IiwiVG9wIjowLjAsIkxlZnQiOjAuMCwiUmlnaHQiOjAuMCwiQm90dG9tIjowLjB9LCJQYWRkaW5nIjp7IiRpZCI6IjE1MCIsIlRvcCI6MC4wLCJMZWZ0IjowLjAsIlJpZ2h0IjowLjAsIkJvdHRvbSI6MC4wfSwiQmFja2dyb3VuZCI6eyIkaWQiOiIxNTEiLCJDb2xvciI6eyIkcmVmIjoiMzYifX0sIklzVmlzaWJsZSI6dHJ1ZSwiV2lkdGgiOjAuMCwiSGVpZ2h0IjowLjAsIkJvcmRlclN0eWxlIjpudWxsLCJQYXJlbnRTdHlsZSI6bnVsbH0sIkRhdGVTdHlsZSI6eyIkaWQiOiIxNTIiLCJGb250U2V0dGluZ3MiOnsiJGlkIjoiMTUzIiwiRm9udFNpemUiOjEwLCJGb250TmFtZSI6IkNhbGlicmkiLCJJc0JvbGQiOmZhbHNlLCJJc0l0YWxpYyI6ZmFsc2UsIklzVW5kZXJsaW5lZCI6ZmFsc2UsIlBhcmVudFN0eWxlIjpudWxsfSwiQXV0b1NpemUiOjAsIkZvcmVncm91bmQiOnsiJGlkIjoiMTU0IiwiQ29sb3IiOnsiJGlkIjoiMTU1IiwiQSI6MjU1LCJSIjo2OCwiRyI6ODQsIkIiOjEwNn19LCJNYXhXaWR0aCI6MjAwLjAsIk1heEhlaWdodCI6IkluZmluaXR5IiwiU21hcnRGb3JlZ3JvdW5kSXNBY3RpdmUiOmZhbHNlLCJIb3Jpem9udGFsQWxpZ25tZW50IjoyLCJWZXJ0aWNhbEFsaWdubWVudCI6MCwiU21hcnRGb3JlZ3JvdW5kIjpudWxsLCJCYWNrZ3JvdW5kRmlsbFR5cGUiOjAsIk1hcmdpbiI6eyIkaWQiOiIxNTYiLCJUb3AiOjAuMCwiTGVmdCI6MC4wLCJSaWdodCI6MC4wLCJCb3R0b20iOjAuMH0sIlBhZGRpbmciOnsiJGlkIjoiMTU3IiwiVG9wIjowLjAsIkxlZnQiOjAuMCwiUmlnaHQiOjAuMCwiQm90dG9tIjowLjB9LCJCYWNrZ3JvdW5kIjp7IiRpZCI6IjE1OCIsIkNvbG9yIjp7IiRyZWYiOiIzNiJ9fSwiSXNWaXNpYmxlIjp0cnVlLCJXaWR0aCI6MC4wLCJIZWlnaHQiOjAuMCwiQm9yZGVyU3R5bGUiOm51bGwsIlBhcmVudFN0eWxlIjpudWxsfSwiRGF0ZUZvcm1hdCI6eyIkaWQiOiIxNTkiLCJGb3JtYXRTdHJpbmciOiJNTU0gZCIsIlNlcGFyYXRvciI6Ii8iLCJVc2VJbnRlcm5hdGlvbmFsRGF0ZUZvcm1hdCI6ZmFsc2UsIkRhdGVJc1Zpc2libGUiOnRydWUsIlRpbWVJc1Zpc2libGUiOmZhbHNlLCJIb3VyRGlnaXRzIjoxLCJBbVBtRGVzaWduYXRvciI6MiwiVHJpbTAwTWludXRlcyI6ZmFsc2UsIkxhc3RLbm93blZpc2liaWxpdHlTdGF0ZSI6bnVsbH0sIldlZWtOdW1iZXJpbmciOnsiJGlkIjoiMTYwIiwiRm9ybWF0IjowLCJJc1Zpc2libGUiOmZhbHNlLCJMYXN0S25vd25WaXNpYmlsaXR5U3RhdGUiOmZhbHNlfSwiSXNWaXNpYmxlIjp0cnVlLCJQYXJlbnRTdHlsZSI6bnVsbCwiX2V4cGxpY2l0bHlTZXQiOnsiJGlkIjoiMTYxIiwiU2hhcGVTdHlsZSI6ZmFsc2UsIlRpdGxlU3R5bGUiOmZhbHNlLCJEYXRlU3R5bGUiOmZhbHNlLCJIb3Jpem9udGFsQ29ubmVjdG9yU3R5bGUiOmZhbHNlLCJWZXJ0aWNhbENvbm5lY3RvclN0eWxlIjpmYWxzZSwiUGVyY2VudGFnZUNvbXBsZXRlU2hhcGVPcGFjaXR5IjpmYWxzZSwiU2hhcGUiOmZhbHNlLCJTaGFwZVRoaWNrbmVzcyI6ZmFsc2UsIkR1cmF0aW9uRm9ybWF0IjpmYWxzZSwiSW5jbHVkZU5vbldvcmtpbmdEYXlzSW5EdXJhdGlvbiI6ZmFsc2UsIk1hcmdpbiI6ZmFsc2UsIlN0YXJ0RGF0ZVBvc2l0aW9uIjpmYWxzZSwiRW5kRGF0ZVBvc2l0aW9uIjpmYWxzZSwiVGl0bGVQb3NpdGlvbiI6ZmFsc2UsIkR1cmF0aW9uUG9zaXRpb24iOmZhbHNlLCJQZXJjZW50YWdlQ29tcGxldGVkUG9zaXRpb24iOmZhbHNlLCJTcGFjaW5nIjpmYWxzZSwiSXNCZWxvd1RpbWViYW5kIjpmYWxzZSwiRGF0ZUZvcm1hdCI6ZmFsc2UsIldlZWtOdW1iZXJpbmciOmZhbHNlLCJJc1Zpc2libGUiOmZhbHNlfX0sIkdyaWRsaW5lUGFuZWxTdHlsZSI6eyIkaWQiOiIxNjIiLCJHcmlkbGluZVN0eWxlIjp7IiRpZCI6IjE2MyIsIkxpbmVDb2xvciI6eyIkaWQiOiIxNjQiLCIkdHlwZSI6Ik5MUkUuQ29tbW9uLkRvbS5Tb2xpZENvbG9yQnJ1c2gsIE5MUkUuQ29tbW9uIiwiQ29sb3IiOnsiJGlkIjoiMTY1IiwiQSI6MzgsIlIiOjkxLCJHIjoxNTUsIkIiOjIxM319LCJMaW5lV2VpZ2h0IjoxLjAsIkxpbmVUeXBlIjowLCJQYXJlbnRTdHlsZSI6bnVsbH0sIk1hcmdpbiI6eyIkaWQiOiIxNjYiLCJUb3AiOjAuMCwiTGVmdCI6MC4wLCJSaWdodCI6MC4wLCJCb3R0b20iOjAuMH0sIlBhZGRpbmciOnsiJGlkIjoiMTY3IiwiVG9wIjowLjAsIkxlZnQiOjAuMCwiUmlnaHQiOjAuMCwiQm90dG9tIjowLjB9LCJCYWNrZ3JvdW5kIjpudWxsLCJJc1Zpc2libGUiOnRydWUsIldpZHRoIjowLjAsIkhlaWdodCI6MC4wLCJCb3JkZXJTdHlsZSI6eyIkaWQiOiIxNjgiLCJMaW5lQ29sb3IiOm51bGwsIkxpbmVXZWlnaHQiOjAuMCwiTGluZVR5cGUiOjAsIlBhcmVudFN0eWxlIjpudWxsfSwiUGFyZW50U3R5bGUiOm51bGx9LCJBY3Rpdml0eUxpbmVQYW5lbFN0eWxlIjp7IiRpZCI6IjE2OSIsIkFjdGl2aXR5TGluZVN0eWxlIjp7IiRpZCI6IjE3MCIsIkxpbmVDb2xvciI6eyIkaWQiOiIxNzEiLCIkdHlwZSI6Ik5MUkUuQ29tbW9uLkRvbS5Tb2xpZENvbG9yQnJ1c2gsIE5MUkUuQ29tbW9uIiwiQ29sb3IiOnsiJGlkIjoiMTcyIiwiQSI6MzgsIlIiOjY4LCJHIjoxMTQsIkIiOjE5Nn19LCJMaW5lV2VpZ2h0IjoxLjAsIkxpbmVUeXBlIjowLCJQYXJlbnRTdHlsZSI6bnVsbH0sIk1hcmdpbiI6eyIkaWQiOiIxNzMiLCJUb3AiOjAuMCwiTGVmdCI6MC4wLCJSaWdodCI6MC4wLCJCb3R0b20iOjAuMH0sIlBhZGRpbmciOnsiJGlkIjoiMTc0IiwiVG9wIjowLjAsIkxlZnQiOjAuMCwiUmlnaHQiOjAuMCwiQm90dG9tIjowLjB9LCJCYWNrZ3JvdW5kIjpudWxsLCJJc1Zpc2libGUiOnRydWUsIldpZHRoIjowLjAsIkhlaWdodCI6MC4wLCJCb3JkZXJTdHlsZSI6eyIkaWQiOiIxNzUiLCJMaW5lQ29sb3IiOm51bGwsIkxpbmVXZWlnaHQiOjAuMCwiTGluZVR5cGUiOjAsIlBhcmVudFN0eWxlIjpudWxsfSwiUGFyZW50U3R5bGUiOm51bGx9LCJTaG93RWxhcHNlZFRpbWVHcmFkaWVudFN0eWxlIjpmYWxzZSwiVGltZWJhbmRSZXNlcnZlZExlZnRBcmVhU3R5bGUiOnsiJGlkIjoiMTc2IiwiQWN0aXZpdHlIZWFkZXJXaWR0aCI6MC4wLCJJc1NldCI6ZmFsc2V9LCJEZWZhdWx0U3dpbWxhbmVTdHlsZSI6bnVsbH0sIlNjYWxlIjpudWxsLCJTY2FsZVYyIjp7IiRpZCI6IjE3NyIsIlN0YXJ0RGF0ZSI6IjAwMDEtMDEtMDFUMDA6MDA6MDAiLCJFbmREYXRlIjoiMjAyMi0wOC0yNlQyMzo1OTowMCIsIkF1dG9EYXRlUmFuZ2UiOnRydWUsIldvcmtpbmdEYXlzIjozMSwiRmlzY2FsWWVhciI6eyIkaWQiOiIxNzgiLCJTdGFydE1vbnRoIjoxLCJVc2VTdGFydGluZ1llYXJGb3JOdW1iZXJpbmciOnRydWUsIlNob3dGaXNjYWxZZWFyTGFiZWwiOnRydWV9LCJUb2RheU1hcmtlclRleHQiOiJUb2RheSIsIkF1dG9TY2FsZVR5cGUiOnRydWUsIlRpbWViYW5kU2NhbGVzIjp7IiRpZCI6IjE3OSIsIlRvcFNjYWxlTGF5ZXIiOnsiJGlkIjoiMTgwIiwiRm9ybWF0IjoidyIsIlR5cGUiOjF9LCJNaWRkbGVTY2FsZUxheWVyIjp7IiRpZCI6IjE4MSIsIkZvcm1hdCI6bnVsbCwiVHlwZSI6MH0sIkJvdHRvbVNjYWxlTGF5ZXIiOnsiJGlkIjoiMTgyIiwiRm9ybWF0IjpudWxsLCJUeXBlIjowfX19LCJNaWxlc3RvbmVzIjpbXSwiVGFza3MiOlt7IiRpZCI6IjE4MyIsIkdyb3VwTmFtZSI6bnVsbCwiU3RhcnREYXRlIjoiMjAyMi0wNS0wM1QwMDowMDowMFoiLCJFbmREYXRlIjoiMjAyMi0wNS0wNlQyMzo1OTowMFoiLCJQZXJjZW50YWdlQ29tcGxldGUiOm51bGwsIlN0eWxlIjp7IiRpZCI6IjE4NCIsIlNoYXBlIjoxLCJTaGFwZVRoaWNrbmVzcyI6MSwiRHVyYXRpb25Gb3JtYXQiOjAsIkluY2x1ZGVOb25Xb3JraW5nRGF5c0luRHVyYXRpb24iOmZhbHNlLCJQZXJjZW50YWdlQ29tcGxldGVTdHlsZSI6eyIkaWQiOiIxODUiLCJGb250U2V0dGluZ3MiOnsiJGlkIjoiMTg2IiwiRm9udFNpemUiOjEwLCJGb250TmFtZSI6IkNhbGlicmkiLCJJc0JvbGQiOmZhbHNlLCJJc0l0YWxpYyI6ZmFsc2UsIklzVW5kZXJsaW5lZCI6ZmFsc2UsIlBhcmVudFN0eWxlIjpudWxsfSwiQXV0b1NpemUiOjAsIkZvcmVncm91bmQiOnsiJHJlZiI6IjExOSJ9LCJNYXhXaWR0aCI6MjAwLjAsIk1heEhlaWdodCI6IkluZmluaXR5IiwiU21hcnRGb3JlZ3JvdW5kSXNBY3RpdmUiOmZhbHNlLCJIb3Jpem9udGFsQWxpZ25tZW50IjowLCJWZXJ0aWNhbEFsaWdubWVudCI6MCwiU21hcnRGb3JlZ3JvdW5kIjpudWxsLCJCYWNrZ3JvdW5kRmlsbFR5cGUiOjAsIk1hcmdpbiI6eyIkcmVmIjoiMTIxIn0sIlBhZGRpbmciOnsiJHJlZiI6IjEyMiJ9LCJCYWNrZ3JvdW5kIjp7IiRyZWYiOiIxMjMifSwiSXNWaXNpYmxlIjp0cnVlLCJXaWR0aCI6MC4wLCJIZWlnaHQiOjAuMCwiQm9yZGVyU3R5bGUiOnsiJGlkIjoiMTg3IiwiTGluZUNvbG9yIjpudWxsLCJMaW5lV2VpZ2h0IjowLjAsIkxpbmVUeXBlIjowLCJQYXJlbnRTdHlsZSI6bnVsbH0sIlBhcmVudFN0eWxlIjpudWxsfSwiRHVyYXRpb25TdHlsZSI6eyIkaWQiOiIxODgiLCJGb250U2V0dGluZ3MiOnsiJGlkIjoiMTg5IiwiRm9udFNpemUiOjEwLCJGb250TmFtZSI6IkNhbGlicmkiLCJJc0JvbGQiOmZhbHNlLCJJc0l0YWxpYyI6ZmFsc2UsIklzVW5kZXJsaW5lZCI6ZmFsc2UsIlBhcmVudFN0eWxlIjpudWxsfSwiQXV0b1NpemUiOjAsIkZvcmVncm91bmQiOnsiJHJlZiI6IjEyNiJ9LCJNYXhXaWR0aCI6MjAwLjAsIk1heEhlaWdodCI6IkluZmluaXR5IiwiU21hcnRGb3JlZ3JvdW5kSXNBY3RpdmUiOmZhbHNlLCJIb3Jpem9udGFsQWxpZ25tZW50IjoxLCJWZXJ0aWNhbEFsaWdubWVudCI6MCwiU21hcnRGb3JlZ3JvdW5kIjpudWxsLCJCYWNrZ3JvdW5kRmlsbFR5cGUiOjAsIk1hcmdpbiI6eyIkcmVmIjoiMTI4In0sIlBhZGRpbmciOnsiJHJlZiI6IjEyOSJ9LCJCYWNrZ3JvdW5kIjp7IiRyZWYiOiIxMzAifSwiSXNWaXNpYmxlIjp0cnVlLCJXaWR0aCI6MC4wLCJIZWlnaHQiOjAuMCwiQm9yZGVyU3R5bGUiOnsiJGlkIjoiMTkwIiwiTGluZUNvbG9yIjpudWxsLCJMaW5lV2VpZ2h0IjowLjAsIkxpbmVUeXBlIjowLCJQYXJlbnRTdHlsZSI6bnVsbH0sIlBhcmVudFN0eWxlIjpudWxsfSwiSG9yaXpvbnRhbENvbm5lY3RvclN0eWxlIjp7IiRpZCI6IjE5MSIsIkxpbmVDb2xvciI6eyIkcmVmIjoiMTMyIn0sIkxpbmVXZWlnaHQiOjEuMCwiTGluZVR5cGUiOjAsIlBhcmVudFN0eWxlIjpudWxsfSwiVmVydGljYWxDb25uZWN0b3JTdHlsZSI6eyIkaWQiOiIxOTIiLCJMaW5lQ29sb3IiOnsiJHJlZiI6IjEzNSJ9LCJMaW5lV2VpZ2h0IjowLjAsIkxpbmVUeXBlIjowLCJQYXJlbnRTdHlsZSI6bnVsbH0sIk1hcmdpbiI6bnVsbCwiU3RhcnREYXRlUG9zaXRpb24iOjMsIkVuZERhdGVQb3NpdGlvbiI6MywiRGF0ZUlzVmlzaWJsZSI6dHJ1ZSwiVGl0bGVQb3NpdGlvbiI6NCwiRHVyYXRpb25Qb3NpdGlvbiI6MiwiUGVyY2VudGFnZUNvbXBsZXRlZFBvc2l0aW9uIjo2LCJTcGFjaW5nIjo1LCJJc0JlbG93VGltZWJhbmQiOmZhbHNlLCJQZXJjZW50YWdlQ29tcGxldGVTaGFwZU9wYWNpdHkiOjM1LCJTaGFwZVN0eWxlIjp7IiRpZCI6IjE5MyIsIk1hcmdpbiI6eyIkcmVmIjoiMTM4In0sIlBhZGRpbmciOnsiJHJlZiI6IjEzOSJ9LCJCYWNrZ3JvdW5kIjp7IiRpZCI6IjE5NCIsIkNvbG9yIjp7IiRpZCI6IjE5NSIsIkEiOjI1NSwiUiI6MTM5LCJHIjoyMTgsIkIiOjIzM319LCJJc1Zpc2libGUiOnRydWUsIldpZHRoIjoyMjkuMCwiSGVpZ2h0IjoxNi4wLCJCb3JkZXJTdHlsZSI6eyIkaWQiOiIxOTYiLCJMaW5lQ29sb3IiOnsiJHJlZiI6IjE0MyJ9LCJMaW5lV2VpZ2h0IjowLjAsIkxpbmVUeXBlIjowLCJQYXJlbnRTdHlsZSI6bnVsbH0sIlBhcmVudFN0eWxlIjpudWxsfSwiVGl0bGVTdHlsZSI6eyIkaWQiOiIxOTciLCJGb250U2V0dGluZ3MiOnsiJGlkIjoiMTk4IiwiRm9udFNpemUiOjEyLCJGb250TmFtZSI6IkNhbGlicmkiLCJJc0JvbGQiOnRydWUsIklzSXRhbGljIjpmYWxzZSwiSXNVbmRlcmxpbmVkIjpmYWxzZSwiUGFyZW50U3R5bGUiOm51bGx9LCJBdXRvU2l6ZSI6MCwiRm9yZWdyb3VuZCI6eyIkcmVmIjoiMTQ3In0sIk1heFdpZHRoIjo3MjAuMCwiTWF4SGVpZ2h0IjoiSW5maW5pdHkiLCJTbWFydEZvcmVncm91bmRJc0FjdGl2ZSI6ZmFsc2UsIkhvcml6b250YWxBbGlnbm1lbnQiOjAsIlZlcnRpY2FsQWxpZ25tZW50IjowLCJTbWFydEZvcmVncm91bmQiOm51bGwsIkJhY2tncm91bmRGaWxsVHlwZSI6MCwiTWFyZ2luIjp7IiRyZWYiOiIxNDkifSwiUGFkZGluZyI6eyIkcmVmIjoiMTUwIn0sIkJhY2tncm91bmQiOnsiJHJlZiI6IjE1MSJ9LCJJc1Zpc2libGUiOnRydWUsIldpZHRoIjowLjAsIkhlaWdodCI6MC4wLCJCb3JkZXJTdHlsZSI6eyIkaWQiOiIxOTkiLCJMaW5lQ29sb3IiOm51bGwsIkxpbmVXZWlnaHQiOjAuMCwiTGluZVR5cGUiOjAsIlBhcmVudFN0eWxlIjpudWxsfSwiUGFyZW50U3R5bGUiOm51bGx9LCJEYXRlU3R5bGUiOnsiJGlkIjoiMjAwIiwiRm9udFNldHRpbmdzIjp7IiRpZCI6IjIwMSIsIkZvbnRTaXplIjoxMCwiRm9udE5hbWUiOiJDYWxpYnJpIiwiSXNCb2xkIjpmYWxzZSwiSXNJdGFsaWMiOmZhbHNlLCJJc1VuZGVybGluZWQiOmZhbHNlLCJQYXJlbnRTdHlsZSI6bnVsbH0sIkF1dG9TaXplIjowLCJGb3JlZ3JvdW5kIjp7IiRyZWYiOiIxNTQifSwiTWF4V2lkdGgiOjIwMC4wLCJNYXhIZWlnaHQiOiJJbmZpbml0eSIsIlNtYXJ0Rm9yZWdyb3VuZElzQWN0aXZlIjpmYWxzZSwiSG9yaXpvbnRhbEFsaWdubWVudCI6MiwiVmVydGljYWxBbGlnbm1lbnQiOjAsIlNtYXJ0Rm9yZWdyb3VuZCI6bnVsbCwiQmFja2dyb3VuZEZpbGxUeXBlIjowLCJNYXJnaW4iOnsiJHJlZiI6IjE1NiJ9LCJQYWRkaW5nIjp7IiRyZWYiOiIxNTcifSwiQmFja2dyb3VuZCI6eyIkcmVmIjoiMTU4In0sIklzVmlzaWJsZSI6dHJ1ZSwiV2lkdGgiOjAuMCwiSGVpZ2h0IjowLjAsIkJvcmRlclN0eWxlIjp7IiRpZCI6IjIwMiIsIkxpbmVDb2xvciI6bnVsbCwiTGluZVdlaWdodCI6MC4wLCJMaW5lVHlwZSI6MCwiUGFyZW50U3R5bGUiOm51bGx9LCJQYXJlbnRTdHlsZSI6bnVsbH0sIkRhdGVGb3JtYXQiOnsiJHJlZiI6IjE1OSJ9LCJXZWVrTnVtYmVyaW5nIjp7IiRpZCI6IjIwMyIsIkZvcm1hdCI6MCwiSXNWaXNpYmxlIjpmYWxzZSwiTGFzdEtub3duVmlzaWJpbGl0eVN0YXRlIjpmYWxzZX0sIklzVmlzaWJsZSI6dHJ1ZSwiUGFyZW50U3R5bGUiOm51bGx9LCJJbmRleCI6MCwiU21hcnREdXJhdGlvbkFjdGl2YXRlZCI6ZmFsc2UsIkRhdGVGb3JtYXQiOnsiJHJlZiI6IjE1OSJ9LCJXZWVrTnVtYmVyaW5nIjp7IiRpZCI6IjIwNCIsIkZvcm1hdCI6MCwiSXNWaXNpYmxlIjpmYWxzZSwiTGFzdEtub3duVmlzaWJpbGl0eVN0YXRlIjpmYWxzZX0sIklkIjoiYzIxZjhjODAtMWRkNC00NzQ5LTk2NDItMWViZGZhYThlMTdiIiwiSW1wb3J0SWQiOm51bGwsIlRpdGxlIjoiUG9saXNoIGludHJvIHNlY3Rpb24iLCJOb3RlIjpudWxsLCJIeXBlcmxpbmsiOnsiJGlkIjoiMjA1IiwiQWRkcmVzcyI6bnVsbCwiU3ViQWRkcmVzcyI6bnVsbH0sIklzQ2hhbmdlZCI6ZmFsc2UsIklzTmV3IjpmYWxzZX0seyIkaWQiOiIyMDYiLCJHcm91cE5hbWUiOm51bGwsIlN0YXJ0RGF0ZSI6IjIwMjItMDUtMDNUMDA6MDA6MDBaIiwiRW5kRGF0ZSI6IjIwMjItMDUtMTFUMjM6NTk6MDBaIiwiUGVyY2VudGFnZUNvbXBsZXRlIjpudWxsLCJTdHlsZSI6eyIkaWQiOiIyMDciLCJTaGFwZSI6MSwiU2hhcGVUaGlja25lc3MiOjEsIkR1cmF0aW9uRm9ybWF0IjowLCJJbmNsdWRlTm9uV29ya2luZ0RheXNJbkR1cmF0aW9uIjpmYWxzZSwiUGVyY2VudGFnZUNvbXBsZXRlU3R5bGUiOnsiJGlkIjoiMjA4IiwiRm9udFNldHRpbmdzIjp7IiRpZCI6IjIwOSIsIkZvbnRTaXplIjoxMCwiRm9udE5hbWUiOiJDYWxpYnJpIiwiSXNCb2xkIjpmYWxzZSwiSXNJdGFsaWMiOmZhbHNlLCJJc1VuZGVybGluZWQiOmZhbHNlLCJQYXJlbnRTdHlsZSI6bnVsbH0sIkF1dG9TaXplIjowLCJGb3JlZ3JvdW5kIjp7IiRpZCI6IjIxMCIsIkNvbG9yIjp7IiRpZCI6IjIxMSIsIkEiOjI1NSwiUiI6MTkyLCJHIjo4MCwiQiI6Nzd9fSwiTWF4V2lkdGgiOjIwMC4wLCJNYXhIZWlnaHQiOiJJbmZpbml0eSIsIlNtYXJ0Rm9yZWdyb3VuZElzQWN0aXZlIjpmYWxzZSwiSG9yaXpvbnRhbEFsaWdubWVudCI6MCwiVmVydGljYWxBbGlnbm1lbnQiOjAsIlNtYXJ0Rm9yZWdyb3VuZCI6bnVsbCwiQmFja2dyb3VuZEZpbGxUeXBlIjowLCJNYXJnaW4iOnsiJHJlZiI6IjEyMSJ9LCJQYWRkaW5nIjp7IiRyZWYiOiIxMjIifSwiQmFja2dyb3VuZCI6eyIkcmVmIjoiMTIzIn0sIklzVmlzaWJsZSI6dHJ1ZSwiV2lkdGgiOjAuMCwiSGVpZ2h0IjowLjAsIkJvcmRlclN0eWxlIjp7IiRpZCI6IjIxMiIsIkxpbmVDb2xvciI6bnVsbCwiTGluZVdlaWdodCI6MC4wLCJMaW5lVHlwZSI6MCwiUGFyZW50U3R5bGUiOm51bGx9LCJQYXJlbnRTdHlsZSI6bnVsbH0sIkR1cmF0aW9uU3R5bGUiOnsiJGlkIjoiMjEzIiwiRm9udFNldHRpbmdzIjp7IiRpZCI6IjIxNCIsIkZvbnRTaXplIjoxMCwiRm9udE5hbWUiOiJDYWxpYnJpIiwiSXNCb2xkIjpmYWxzZSwiSXNJdGFsaWMiOmZhbHNlLCJJc1VuZGVybGluZWQiOmZhbHNlLCJQYXJlbnRTdHlsZSI6bnVsbH0sIkF1dG9TaXplIjowLCJGb3JlZ3JvdW5kIjp7IiRpZCI6IjIxNSIsIkNvbG9yIjp7IiRpZCI6IjIxNiIsIkEiOjI1NSwiUiI6MCwiRyI6MCwiQiI6MH19LCJNYXhXaWR0aCI6MjAwLjAsIk1heEhlaWdodCI6IkluZmluaXR5IiwiU21hcnRGb3JlZ3JvdW5kSXNBY3RpdmUiOmZhbHNlLCJIb3Jpem9udGFsQWxpZ25tZW50IjoxLCJWZXJ0aWNhbEFsaWdubWVudCI6MCwiU21hcnRGb3JlZ3JvdW5kIjpudWxsLCJCYWNrZ3JvdW5kRmlsbFR5cGUiOjAsIk1hcmdpbiI6eyIkcmVmIjoiMTI4In0sIlBhZGRpbmciOnsiJHJlZiI6IjEyOSJ9LCJCYWNrZ3JvdW5kIjp7IiRyZWYiOiIxMzAifSwiSXNWaXNpYmxlIjp0cnVlLCJXaWR0aCI6MC4wLCJIZWlnaHQiOjAuMCwiQm9yZGVyU3R5bGUiOnsiJGlkIjoiMjE3IiwiTGluZUNvbG9yIjpudWxsLCJMaW5lV2VpZ2h0IjowLjAsIkxpbmVUeXBlIjowLCJQYXJlbnRTdHlsZSI6bnVsbH0sIlBhcmVudFN0eWxlIjpudWxsfSwiSG9yaXpvbnRhbENvbm5lY3RvclN0eWxlIjp7IiRpZCI6IjIxOCIsIkxpbmVDb2xvciI6eyIkcmVmIjoiMTMyIn0sIkxpbmVXZWlnaHQiOjEuMCwiTGluZVR5cGUiOjAsIlBhcmVudFN0eWxlIjpudWxsfSwiVmVydGljYWxDb25uZWN0b3JTdHlsZSI6eyIkaWQiOiIyMTkiLCJMaW5lQ29sb3IiOnsiJHJlZiI6IjEzNSJ9LCJMaW5lV2VpZ2h0IjowLjAsIkxpbmVUeXBlIjowLCJQYXJlbnRTdHlsZSI6bnVsbH0sIk1hcmdpbiI6bnVsbCwiU3RhcnREYXRlUG9zaXRpb24iOjMsIkVuZERhdGVQb3NpdGlvbiI6MywiRGF0ZUlzVmlzaWJsZSI6dHJ1ZSwiVGl0bGVQb3NpdGlvbiI6NCwiRHVyYXRpb25Qb3NpdGlvbiI6MiwiUGVyY2VudGFnZUNvbXBsZXRlZFBvc2l0aW9uIjo2LCJTcGFjaW5nIjo1LCJJc0JlbG93VGltZWJhbmQiOmZhbHNlLCJQZXJjZW50YWdlQ29tcGxldGVTaGFwZU9wYWNpdHkiOjM1LCJTaGFwZVN0eWxlIjp7IiRpZCI6IjIyMCIsIk1hcmdpbiI6eyIkcmVmIjoiMTM4In0sIlBhZGRpbmciOnsiJHJlZiI6IjEzOSJ9LCJCYWNrZ3JvdW5kIjp7IiRpZCI6IjIyMSIsIkNvbG9yIjp7IiRpZCI6IjIyMiIsIkEiOjI1NSwiUiI6MTM5LCJHIjoyMTgsIkIiOjIzM319LCJJc1Zpc2libGUiOnRydWUsIldpZHRoIjoyNTguMCwiSGVpZ2h0IjoxNi4wLCJCb3JkZXJTdHlsZSI6eyIkaWQiOiIyMjMiLCJMaW5lQ29sb3IiOnsiJGlkIjoiMjI0IiwiJHR5cGUiOiJOTFJFLkNvbW1vbi5Eb20uU29saWRDb2xvckJydXNoLCBOTFJFLkNvbW1vbiIsIkNvbG9yIjp7IiRpZCI6IjIyNSIsIkEiOjI1NSwiUiI6NjUsIkciOjExMywiQiI6MTU2fX0sIkxpbmVXZWlnaHQiOjAuMCwiTGluZVR5cGUiOjAsIlBhcmVudFN0eWxlIjpudWxsfSwiUGFyZW50U3R5bGUiOm51bGx9LCJUaXRsZVN0eWxlIjp7IiRpZCI6IjIyNiIsIkZvbnRTZXR0aW5ncyI6eyIkaWQiOiIyMjciLCJGb250U2l6ZSI6MTIsIkZvbnROYW1lIjoiQ2FsaWJyaSIsIklzQm9sZCI6dHJ1ZSwiSXNJdGFsaWMiOmZhbHNlLCJJc1VuZGVybGluZWQiOmZhbHNlLCJQYXJlbnRTdHlsZSI6bnVsbH0sIkF1dG9TaXplIjoyLCJGb3JlZ3JvdW5kIjp7IiRpZCI6IjIyOCIsIkNvbG9yIjp7IiRpZCI6IjIyOSIsIkEiOjI1NSwiUiI6MCwiRyI6MCwiQiI6MH19LCJNYXhXaWR0aCI6MTE0LjAsIk1heEhlaWdodCI6IkluZmluaXR5IiwiU21hcnRGb3JlZ3JvdW5kSXNBY3RpdmUiOmZhbHNlLCJIb3Jpem9udGFsQWxpZ25tZW50IjowLCJWZXJ0aWNhbEFsaWdubWVudCI6MCwiU21hcnRGb3JlZ3JvdW5kIjpudWxsLCJCYWNrZ3JvdW5kRmlsbFR5cGUiOjAsIk1hcmdpbiI6eyIkcmVmIjoiMTQ5In0sIlBhZGRpbmciOnsiJHJlZiI6IjE1MCJ9LCJCYWNrZ3JvdW5kIjp7IiRyZWYiOiIxNTEifSwiSXNWaXNpYmxlIjp0cnVlLCJXaWR0aCI6MC4wLCJIZWlnaHQiOjAuMCwiQm9yZGVyU3R5bGUiOnsiJGlkIjoiMjMwIiwiTGluZUNvbG9yIjpudWxsLCJMaW5lV2VpZ2h0IjowLjAsIkxpbmVUeXBlIjowLCJQYXJlbnRTdHlsZSI6bnVsbH0sIlBhcmVudFN0eWxlIjpudWxsfSwiRGF0ZVN0eWxlIjp7IiRpZCI6IjIzMSIsIkZvbnRTZXR0aW5ncyI6eyIkaWQiOiIyMzIiLCJGb250U2l6ZSI6MTAsIkZvbnROYW1lIjoiQ2FsaWJyaSIsIklzQm9sZCI6ZmFsc2UsIklzSXRhbGljIjpmYWxzZSwiSXNVbmRlcmxpbmVkIjpmYWxzZSwiUGFyZW50U3R5bGUiOm51bGx9LCJBdXRvU2l6ZSI6MiwiRm9yZWdyb3VuZCI6eyIkaWQiOiIyMzMiLCJDb2xvciI6eyIkaWQiOiIyMzQiLCJBIjoyNTUsIlIiOjY4LCJHIjo4NCwiQiI6MTA2fX0sIk1heFdpZHRoIjo2MC4wLCJNYXhIZWlnaHQiOiJJbmZpbml0eSIsIlNtYXJ0Rm9yZWdyb3VuZElzQWN0aXZlIjpmYWxzZSwiSG9yaXpvbnRhbEFsaWdubWVudCI6MiwiVmVydGljYWxBbGlnbm1lbnQiOjAsIlNtYXJ0Rm9yZWdyb3VuZCI6bnVsbCwiQmFja2dyb3VuZEZpbGxUeXBlIjowLCJNYXJnaW4iOnsiJHJlZiI6IjE1NiJ9LCJQYWRkaW5nIjp7IiRyZWYiOiIxNTcifSwiQmFja2dyb3VuZCI6eyIkcmVmIjoiMTU4In0sIklzVmlzaWJsZSI6dHJ1ZSwiV2lkdGgiOjAuMCwiSGVpZ2h0IjowLjAsIkJvcmRlclN0eWxlIjp7IiRpZCI6IjIzNSIsIkxpbmVDb2xvciI6bnVsbCwiTGluZVdlaWdodCI6MC4wLCJMaW5lVHlwZSI6MCwiUGFyZW50U3R5bGUiOm51bGx9LCJQYXJlbnRTdHlsZSI6bnVsbH0sIkRhdGVGb3JtYXQiOnsiJHJlZiI6IjE1OSJ9LCJXZWVrTnVtYmVyaW5nIjp7IiRpZCI6IjIzNiIsIkZvcm1hdCI6MCwiSXNWaXNpYmxlIjpmYWxzZSwiTGFzdEtub3duVmlzaWJpbGl0eVN0YXRlIjpmYWxzZX0sIklzVmlzaWJsZSI6dHJ1ZSwiUGFyZW50U3R5bGUiOm51bGx9LCJJbmRleCI6MSwiU21hcnREdXJhdGlvbkFjdGl2YXRlZCI6ZmFsc2UsIkRhdGVGb3JtYXQiOnsiJHJlZiI6IjE1OSJ9LCJXZWVrTnVtYmVyaW5nIjp7IiRpZCI6IjIzNyIsIkZvcm1hdCI6MCwiSXNWaXNpYmxlIjpmYWxzZSwiTGFzdEtub3duVmlzaWJpbGl0eVN0YXRlIjpmYWxzZX0sIklkIjoiM2MwMmJlMmEtYWYzZC00NmU5LWIxMTItODc3NGNmM2NhODQ5IiwiSW1wb3J0SWQiOm51bGwsIlRpdGxlIjoiV3JpdGUgbWV0aG9kcyBzZWN0aW9uIiwiTm90ZSI6bnVsbCwiSHlwZXJsaW5rIjp7IiRpZCI6IjIzOCIsIkFkZHJlc3MiOiIiLCJTdWJBZGRyZXNzIjoiIn0sIklzQ2hhbmdlZCI6ZmFsc2UsIklzTmV3IjpmYWxzZX0seyIkaWQiOiIyMzkiLCJHcm91cE5hbWUiOm51bGwsIlN0YXJ0RGF0ZSI6IjIwMjItMDUtMDNUMDA6MDA6MDBaIiwiRW5kRGF0ZSI6IjIwMjItMDUtMThUMjM6NTk6MDBaIiwiUGVyY2VudGFnZUNvbXBsZXRlIjpudWxsLCJTdHlsZSI6eyIkaWQiOiIyNDAiLCJTaGFwZSI6MSwiU2hhcGVUaGlja25lc3MiOjEsIkR1cmF0aW9uRm9ybWF0IjowLCJJbmNsdWRlTm9uV29ya2luZ0RheXNJbkR1cmF0aW9uIjpmYWxzZSwiUGVyY2VudGFnZUNvbXBsZXRlU3R5bGUiOnsiJGlkIjoiMjQxIiwiRm9udFNldHRpbmdzIjp7IiRpZCI6IjI0MiIsIkZvbnRTaXplIjoxMCwiRm9udE5hbWUiOiJDYWxpYnJpIiwiSXNCb2xkIjpmYWxzZSwiSXNJdGFsaWMiOmZhbHNlLCJJc1VuZGVybGluZWQiOmZhbHNlLCJQYXJlbnRTdHlsZSI6bnVsbH0sIkF1dG9TaXplIjowLCJGb3JlZ3JvdW5kIjp7IiRyZWYiOiIxMTkifSwiTWF4V2lkdGgiOjIwMC4wLCJNYXhIZWlnaHQiOiJJbmZpbml0eSIsIlNtYXJ0Rm9yZWdyb3VuZElzQWN0aXZlIjpmYWxzZSwiSG9yaXpvbnRhbEFsaWdubWVudCI6MCwiVmVydGljYWxBbGlnbm1lbnQiOjAsIlNtYXJ0Rm9yZWdyb3VuZCI6bnVsbCwiQmFja2dyb3VuZEZpbGxUeXBlIjowLCJNYXJnaW4iOnsiJHJlZiI6IjEyMSJ9LCJQYWRkaW5nIjp7IiRyZWYiOiIxMjIifSwiQmFja2dyb3VuZCI6eyIkcmVmIjoiMTIzIn0sIklzVmlzaWJsZSI6dHJ1ZSwiV2lkdGgiOjAuMCwiSGVpZ2h0IjowLjAsIkJvcmRlclN0eWxlIjp7IiRpZCI6IjI0MyIsIkxpbmVDb2xvciI6bnVsbCwiTGluZVdlaWdodCI6MC4wLCJMaW5lVHlwZSI6MCwiUGFyZW50U3R5bGUiOm51bGx9LCJQYXJlbnRTdHlsZSI6bnVsbH0sIkR1cmF0aW9uU3R5bGUiOnsiJGlkIjoiMjQ0IiwiRm9udFNldHRpbmdzIjp7IiRpZCI6IjI0NSIsIkZvbnRTaXplIjoxMCwiRm9udE5hbWUiOiJDYWxpYnJpIiwiSXNCb2xkIjpmYWxzZSwiSXNJdGFsaWMiOmZhbHNlLCJJc1VuZGVybGluZWQiOmZhbHNlLCJQYXJlbnRTdHlsZSI6bnVsbH0sIkF1dG9TaXplIjowLCJGb3JlZ3JvdW5kIjp7IiRyZWYiOiIxMjYifSwiTWF4V2lkdGgiOjIwMC4wLCJNYXhIZWlnaHQiOiJJbmZpbml0eSIsIlNtYXJ0Rm9yZWdyb3VuZElzQWN0aXZlIjpmYWxzZSwiSG9yaXpvbnRhbEFsaWdubWVudCI6MSwiVmVydGljYWxBbGlnbm1lbnQiOjAsIlNtYXJ0Rm9yZWdyb3VuZCI6bnVsbCwiQmFja2dyb3VuZEZpbGxUeXBlIjowLCJNYXJnaW4iOnsiJHJlZiI6IjEyOCJ9LCJQYWRkaW5nIjp7IiRyZWYiOiIxMjkifSwiQmFja2dyb3VuZCI6eyIkcmVmIjoiMTMwIn0sIklzVmlzaWJsZSI6dHJ1ZSwiV2lkdGgiOjAuMCwiSGVpZ2h0IjowLjAsIkJvcmRlclN0eWxlIjp7IiRpZCI6IjI0NiIsIkxpbmVDb2xvciI6bnVsbCwiTGluZVdlaWdodCI6MC4wLCJMaW5lVHlwZSI6MCwiUGFyZW50U3R5bGUiOm51bGx9LCJQYXJlbnRTdHlsZSI6bnVsbH0sIkhvcml6b250YWxDb25uZWN0b3JTdHlsZSI6eyIkaWQiOiIyNDciLCJMaW5lQ29sb3IiOnsiJHJlZiI6IjEzMiJ9LCJMaW5lV2VpZ2h0IjoxLjAsIkxpbmVUeXBlIjowLCJQYXJlbnRTdHlsZSI6bnVsbH0sIlZlcnRpY2FsQ29ubmVjdG9yU3R5bGUiOnsiJGlkIjoiMjQ4IiwiTGluZUNvbG9yIjp7IiRyZWYiOiIxMzUifSwiTGluZVdlaWdodCI6MC4wLCJMaW5lVHlwZSI6MCwiUGFyZW50U3R5bGUiOm51bGx9LCJNYXJnaW4iOm51bGwsIlN0YXJ0RGF0ZVBvc2l0aW9uIjozLCJFbmREYXRlUG9zaXRpb24iOjMsIkRhdGVJc1Zpc2libGUiOnRydWUsIlRpdGxlUG9zaXRpb24iOjQsIkR1cmF0aW9uUG9zaXRpb24iOjIsIlBlcmNlbnRhZ2VDb21wbGV0ZWRQb3NpdGlvbiI6NiwiU3BhY2luZyI6NSwiSXNCZWxvd1RpbWViYW5kIjpmYWxzZSwiUGVyY2VudGFnZUNvbXBsZXRlU2hhcGVPcGFjaXR5IjozNSwiU2hhcGVTdHlsZSI6eyIkaWQiOiIyNDkiLCJNYXJnaW4iOnsiJHJlZiI6IjEzOCJ9LCJQYWRkaW5nIjp7IiRyZWYiOiIxMzkifSwiQmFja2dyb3VuZCI6eyIkaWQiOiIyNTAiLCJDb2xvciI6eyIkaWQiOiIyNTEiLCJBIjoyNTUsIlIiOjE5MiwiRyI6MTU4LCJCIjoyMjZ9fSwiSXNWaXNpYmxlIjp0cnVlLCJXaWR0aCI6MC4wLCJIZWlnaHQiOjE2LjAsIkJvcmRlclN0eWxlIjp7IiRpZCI6IjI1MiIsIkxpbmVDb2xvciI6eyIkcmVmIjoiMTQzIn0sIkxpbmVXZWlnaHQiOjAuMCwiTGluZVR5cGUiOjAsIlBhcmVudFN0eWxlIjpudWxsfSwiUGFyZW50U3R5bGUiOm51bGx9LCJUaXRsZVN0eWxlIjp7IiRpZCI6IjI1MyIsIkZvbnRTZXR0aW5ncyI6eyIkaWQiOiIyNTQiLCJGb250U2l6ZSI6MTIsIkZvbnROYW1lIjoiQ2FsaWJyaSIsIklzQm9sZCI6dHJ1ZSwiSXNJdGFsaWMiOmZhbHNlLCJJc1VuZGVybGluZWQiOmZhbHNlLCJQYXJlbnRTdHlsZSI6bnVsbH0sIkF1dG9TaXplIjowLCJGb3JlZ3JvdW5kIjp7IiRyZWYiOiIxNDcifSwiTWF4V2lkdGgiOjcyMC4wLCJNYXhIZWlnaHQiOiJJbmZpbml0eSIsIlNtYXJ0Rm9yZWdyb3VuZElzQWN0aXZlIjpmYWxzZSwiSG9yaXpvbnRhbEFsaWdubWVudCI6MCwiVmVydGljYWxBbGlnbm1lbnQiOjAsIlNtYXJ0Rm9yZWdyb3VuZCI6bnVsbCwiQmFja2dyb3VuZEZpbGxUeXBlIjowLCJNYXJnaW4iOnsiJHJlZiI6IjE0OSJ9LCJQYWRkaW5nIjp7IiRyZWYiOiIxNTAifSwiQmFja2dyb3VuZCI6eyIkcmVmIjoiMTUxIn0sIklzVmlzaWJsZSI6dHJ1ZSwiV2lkdGgiOjAuMCwiSGVpZ2h0IjowLjAsIkJvcmRlclN0eWxlIjp7IiRpZCI6IjI1NSIsIkxpbmVDb2xvciI6bnVsbCwiTGluZVdlaWdodCI6MC4wLCJMaW5lVHlwZSI6MCwiUGFyZW50U3R5bGUiOm51bGx9LCJQYXJlbnRTdHlsZSI6bnVsbH0sIkRhdGVTdHlsZSI6eyIkaWQiOiIyNTYiLCJGb250U2V0dGluZ3MiOnsiJGlkIjoiMjU3IiwiRm9udFNpemUiOjEwLCJGb250TmFtZSI6IkNhbGlicmkiLCJJc0JvbGQiOmZhbHNlLCJJc0l0YWxpYyI6ZmFsc2UsIklzVW5kZXJsaW5lZCI6ZmFsc2UsIlBhcmVudFN0eWxlIjpudWxsfSwiQXV0b1NpemUiOjAsIkZvcmVncm91bmQiOnsiJHJlZiI6IjE1NCJ9LCJNYXhXaWR0aCI6MjAwLjAsIk1heEhlaWdodCI6IkluZmluaXR5IiwiU21hcnRGb3JlZ3JvdW5kSXNBY3RpdmUiOmZhbHNlLCJIb3Jpem9udGFsQWxpZ25tZW50IjoyLCJWZXJ0aWNhbEFsaWdubWVudCI6MCwiU21hcnRGb3JlZ3JvdW5kIjpudWxsLCJCYWNrZ3JvdW5kRmlsbFR5cGUiOjAsIk1hcmdpbiI6eyIkcmVmIjoiMTU2In0sIlBhZGRpbmciOnsiJHJlZiI6IjE1NyJ9LCJCYWNrZ3JvdW5kIjp7IiRyZWYiOiIxNTgifSwiSXNWaXNpYmxlIjp0cnVlLCJXaWR0aCI6MC4wLCJIZWlnaHQiOjAuMCwiQm9yZGVyU3R5bGUiOnsiJGlkIjoiMjU4IiwiTGluZUNvbG9yIjpudWxsLCJMaW5lV2VpZ2h0IjowLjAsIkxpbmVUeXBlIjowLCJQYXJlbnRTdHlsZSI6bnVsbH0sIlBhcmVudFN0eWxlIjpudWxsfSwiRGF0ZUZvcm1hdCI6eyIkcmVmIjoiMTU5In0sIldlZWtOdW1iZXJpbmciOnsiJGlkIjoiMjU5IiwiRm9ybWF0IjowLCJJc1Zpc2libGUiOmZhbHNlLCJMYXN0S25vd25WaXNpYmlsaXR5U3RhdGUiOmZhbHNlfSwiSXNWaXNpYmxlIjp0cnVlLCJQYXJlbnRTdHlsZSI6bnVsbH0sIkluZGV4IjoyLCJTbWFydER1cmF0aW9uQWN0aXZhdGVkIjpmYWxzZSwiRGF0ZUZvcm1hdCI6eyIkcmVmIjoiMTU5In0sIldlZWtOdW1iZXJpbmciOnsiJGlkIjoiMjYwIiwiRm9ybWF0IjowLCJJc1Zpc2libGUiOmZhbHNlLCJMYXN0S25vd25WaXNpYmlsaXR5U3RhdGUiOmZhbHNlfSwiSWQiOiI4NjQ5OGViNS1kZTJjLTQ4OTYtYTc4Zi01NDhhYmM2NjE2YmUiLCJJbXBvcnRJZCI6bnVsbCwiVGl0bGUiOiJJbXBsZW1lbnQgW25leHQgc3RlcHNdIiwiTm90ZSI6bnVsbCwiSHlwZXJsaW5rIjp7IiRpZCI6IjI2MSIsIkFkZHJlc3MiOm51bGwsIlN1YkFkZHJlc3MiOm51bGx9LCJJc0NoYW5nZWQiOmZhbHNlLCJJc05ldyI6ZmFsc2V9XSwiU3dpbWxhbmVzIjpbXSwiTXNQcm9qZWN0SXRlbXNUcmVlIjp7IiRpZCI6IjI2MiIsIlJvb3QiOnsiSW1wb3J0SWQiOm51bGwsIklzSW1wb3J0ZWQiOmZhbHNlLCJDaGlsZHJlbiI6W119fSwiTWV0YWRhdGEiOnsiJGlkIjoiMjYzIiwiUmVjZW50Q29sb3JzQ29sbGVjdGlvbiI6IltcIiNGRjAwNzJCQ1wiLFwiI0ZGMUFBQTQyXCIsXCIjRkZGRUJBMEFcIl0iLCJTb3VyY2VUZW1wbGF0ZSI6IntcIiRpZFwiOlwiMVwiLFwiSWRcIjpcImNjMjZmODYzLTI3Y2UtNDgwZS1hNTg5LWIzZjEyZjJkNmViMFwiLFwiQ3VsdHVyZUluZm9OYW1lXCI6XCJlbi1VU1wiLFwiVmVyc2lvblwiOntcIiRpZFwiOlwiMlwiLFwiVGVtcGxhdGVEb21WZXJzaW9uXCI6XCIxLjIuMFwifSxcIkVmZmVjdFwiOjEsXCJTdHlsZVwiOntcIiRpZFwiOlwiM1wiLFwiVGltZWJhbmRTdHlsZVwiOntcIiRpZFwiOlwiNFwiLFwiU2NhbGVNYXJraW5nXCI6MSxcIlNoYXBlXCI6MTAsXCJTaGFwZVN0eWxlXCI6e1wiJGlkXCI6XCI1XCIsXCJNYXJnaW5cIjp7XCIkaWRcIjpcIjZcIixcIlRvcFwiOjAuMCxcIkxlZnRcIjoxMC4wLFwiUmlnaHRcIjoxMC4wLFwiQm90dG9tXCI6MC4wfSxcIlBhZGRpbmdcIjp7XCIkaWRcIjpcIjdcIixcIlRvcFwiOjMuMCxcIkxlZnRcIjowLjAsXCJSaWdodFwiOjAuMCxcIkJvdHRvbVwiOjMuMH0sXCJCYWNrZ3JvdW5kXCI6e1wiJGlkXCI6XCI4XCIsXCJDb2xvclwiOntcIiRpZFwiOlwiOVwiLFwiQVwiOjI1NSxcIlJcIjo2OCxcIkdcIjo4NCxcIkJcIjoxMDZ9fSxcIklzVmlzaWJsZVwiOnRydWUsXCJXaWR0aFwiOjg1OC4wLFwiSGVpZ2h0XCI6MjAuMCxcIkJvcmRlclN0eWxlXCI6e1wiJGlkXCI6XCIxMFwiLFwiTGluZUNvbG9yXCI6e1wiJGlkXCI6XCIxMVwiLFwiJHR5cGVcIjpcIk5MUkUuQ29tbW9uLkRvbS5Tb2xpZENvbG9yQnJ1c2gsIE5MUkUuQ29tbW9uXCIsXCJDb2xvclwiOntcIiRpZFwiOlwiMTJcIixcIkFcIjoyNTUsXCJSXCI6MjU1LFwiR1wiOjAsXCJCXCI6MH19LFwiTGluZVdlaWdodFwiOjAuMCxcIkxpbmVUeXBlXCI6MH19LFwiTWlkZGxlVGllclNoYXBlU3R5bGVcIjp7XCIkaWRcIjpcIjEzXCIsXCJNYXJnaW5cIjp7XCIkaWRcIjpcIjE0XCIsXCJUb3BcIjowLjAsXCJMZWZ0XCI6MTAuMCxcIlJpZ2h0XCI6MTAuMCxcIkJvdHRvbVwiOjAuMH0sXCJQYWRkaW5nXCI6e1wiJGlkXCI6XCIxNVwiLFwiVG9wXCI6My4wLFwiTGVmdFwiOjAuMCxcIlJpZ2h0XCI6MC4wLFwiQm90dG9tXCI6My4wfSxcIkJhY2tncm91bmRcIjp7XCIkaWRcIjpcIjE2XCIsXCJDb2xvclwiOntcIiRpZFwiOlwiMTdcIixcIkFcIjoyNTUsXCJSXCI6NjgsXCJHXCI6ODQsXCJCXCI6MTA2fX0sXCJJc1Zpc2libGVcIjp0cnVlLFwiV2lkdGhcIjo4NTguMCxcIkhlaWdodFwiOjIwLjAsXCJCb3JkZXJTdHlsZVwiOntcIiRpZFwiOlwiMThcIixcIkxpbmVDb2xvclwiOntcIiRpZFwiOlwiMTlcIixcIiR0eXBlXCI6XCJOTFJFLkNvbW1vbi5Eb20uU29saWRDb2xvckJydXNoLCBOTFJFLkNvbW1vblwiLFwiQ29sb3JcIjp7XCIkaWRcIjpcIjIwXCIsXCJBXCI6MjU1LFwiUlwiOjI1NSxcIkdcIjowLFwiQlwiOjB9fSxcIkxpbmVXZWlnaHRcIjowLjAsXCJMaW5lVHlwZVwiOjB9fSxcIkJvdHRvbVRpZXJTaGFwZVN0eWxlXCI6e1wiJGlkXCI6XCIyMVwiLFwiTWFyZ2luXCI6e1wiJGlkXCI6XCIyMlwiLFwiVG9wXCI6MC4wLFwiTGVmdFwiOjEwLjAsXCJSaWdodFwiOjEwLjAsXCJCb3R0b21cIjowLjB9LFwiUGFkZGluZ1wiOntcIiRpZFwiOlwiMjNcIixcIlRvcFwiOjMuMCxcIkxlZnRcIjowLjAsXCJSaWdodFwiOjAuMCxcIkJvdHRvbVwiOjMuMH0sXCJCYWNrZ3JvdW5kXCI6e1wiJGlkXCI6XCIyNFwiLFwiQ29sb3JcIjp7XCIkaWRcIjpcIjI1XCIsXCJBXCI6MjU1LFwiUlwiOjY4LFwiR1wiOjg0LFwiQlwiOjEwNn19LFwiSXNWaXNpYmxlXCI6dHJ1ZSxcIldpZHRoXCI6ODU4LjAsXCJIZWlnaHRcIjoyMC4wLFwiQm9yZGVyU3R5bGVcIjp7XCIkaWRcIjpcIjI2XCIsXCJMaW5lQ29sb3JcIjp7XCIkaWRcIjpcIjI3XCIsXCIkdHlwZVwiOlwiTkxSRS5Db21tb24uRG9tLlNvbGlkQ29sb3JCcnVzaCwgTkxSRS5Db21tb25cIixcIkNvbG9yXCI6e1wiJGlkXCI6XCIyOFwiLFwiQVwiOjI1NSxcIlJcIjoyNTUsXCJHXCI6MCxcIkJcIjowfX0sXCJMaW5lV2VpZ2h0XCI6MC4wLFwiTGluZVR5cGVcIjowfX0sXCJSaWdodEVuZENhcHNTdHlsZVwiOntcIiRpZFwiOlwiMjlcIixcIkZvbnRTZXR0aW5nc1wiOntcIiRpZFwiOlwiMzBcIixcIkZvbnRTaXplXCI6MTgsXCJGb250TmFtZVwiOlwiQ2FsaWJyaVwiLFwiSXNCb2xkXCI6dHJ1ZSxcIklzSXRhbGljXCI6ZmFsc2UsXCJJc1VuZGVybGluZWRcIjpmYWxzZX0sXCJBdXRvU2l6ZVwiOjAsXCJGb3JlZ3JvdW5kXCI6e1wiJGlkXCI6XCIzMVwiLFwiQ29sb3JcIjp7XCIkaWRcIjpcIjMyXCIsXCJBXCI6MjU1LFwiUlwiOjIzNyxcIkdcIjoxMjUsXCJCXCI6NDl9fSxcIkJhY2tncm91bmRGaWxsVHlwZVwiOjAsXCJNYXhXaWR0aFwiOlwiSW5maW5pdHlcIixcIk1heEhlaWdodFwiOlwiSW5maW5pdHlcIixcIlNtYXJ0Rm9yZWdyb3VuZElzQWN0aXZlXCI6ZmFsc2UsXCJIb3Jpem9udGFsQWxpZ25tZW50XCI6MCxcIlZlcnRpY2FsQWxpZ25tZW50XCI6MCxcIlNtYXJ0Rm9yZWdyb3VuZFwiOm51bGwsXCJNYXJnaW5cIjp7XCIkaWRcIjpcIjMzXCIsXCJUb3BcIjowLjAsXCJMZWZ0XCI6MC4wLFwiUmlnaHRcIjoyMC4wLFwiQm90dG9tXCI6MC4wfSxcIlBhZGRpbmdcIjp7XCIkaWRcIjpcIjM0XCIsXCJUb3BcIjowLjAsXCJMZWZ0XCI6MC4wLFwiUmlnaHRcIjowLjAsXCJCb3R0b21cIjowLjB9LFwiQmFja2dyb3VuZFwiOntcIiRpZFwiOlwiMzVcIixcIkNvbG9yXCI6e1wiJGlkXCI6XCIzNlwiLFwiQVwiOjAsXCJSXCI6MCxcIkdcIjowLFwiQlwiOjB9fSxcIklzVmlzaWJsZVwiOnRydWUsXCJXaWR0aFwiOjAuMCxcIkhlaWdodFwiOjAuMCxcIkJvcmRlclN0eWxlXCI6bnVsbH0sXCJMZWZ0RW5kQ2Fwc1N0eWxlXCI6e1wiJGlkXCI6XCIzN1wiLFwiRm9udFNldHRpbmdzXCI6e1wiJGlkXCI6XCIzOFwiLFwiRm9udFNpemVcIjoxOCxcIkZvbnROYW1lXCI6XCJDYWxpYnJpXCIsXCJJc0JvbGRcIjp0cnVlLFwiSXNJdGFsaWNcIjpmYWxzZSxcIklzVW5kZXJsaW5lZFwiOmZhbHNlfSxcIkF1dG9TaXplXCI6MCxcIkZvcmVncm91bmRcIjp7XCIkaWRcIjpcIjM5XCIsXCJDb2xvclwiOntcIiRpZFwiOlwiNDBcIixcIkFcIjoyNTUsXCJSXCI6MjM3LFwiR1wiOjEyNSxcIkJcIjo0OX19LFwiQmFja2dyb3VuZEZpbGxUeXBlXCI6MCxcIk1heFdpZHRoXCI6XCJJbmZpbml0eVwiLFwiTWF4SGVpZ2h0XCI6XCJJbmZpbml0eVwiLFwiU21hcnRGb3JlZ3JvdW5kSXNBY3RpdmVcIjpmYWxzZSxcIkhvcml6b250YWxBbGlnbm1lbnRcIjowLFwiVmVydGljYWxBbGlnbm1lbnRcIjowLFwiU21hcnRGb3JlZ3JvdW5kXCI6bnVsbCxcIk1hcmdpblwiOntcIiRpZFwiOlwiNDFcIixcIlRvcFwiOjAuMCxcIkxlZnRcIjoyMC4wLFwiUmlnaHRcIjowLjAsXCJCb3R0b21cIjowLjB9LFwiUGFkZGluZ1wiOntcIiRpZFwiOlwiNDJcIixcIlRvcFwiOjAuMCxcIkxlZnRcIjowLjAsXCJSaWdodFwiOjAuMCxcIkJvdHRvbVwiOjAuMH0sXCJCYWNrZ3JvdW5kXCI6e1wiJGlkXCI6XCI0M1wiLFwiQ29sb3JcIjp7XCIkcmVmXCI6XCIzNlwifX0sXCJJc1Zpc2libGVcIjpmYWxzZSxcIldpZHRoXCI6MC4wLFwiSGVpZ2h0XCI6MC4wLFwiQm9yZGVyU3R5bGVcIjpudWxsfSxcIlRvZGF5VGV4dFN0eWxlXCI6e1wiJGlkXCI6XCI0NFwiLFwiRm9udFNldHRpbmdzXCI6e1wiJGlkXCI6XCI0NVwiLFwiRm9udFNpemVcIjoxMixcIkZvbnROYW1lXCI6XCJDYWxpYnJpXCIsXCJJc0JvbGRcIjpmYWxzZSxcIklzSXRhbGljXCI6ZmFsc2UsXCJJc1VuZGVybGluZWRcIjpmYWxzZX0sXCJBdXRvU2l6ZVwiOjAsXCJGb3JlZ3JvdW5kXCI6e1wiJGlkXCI6XCI0NlwiLFwiQ29sb3JcIjp7XCIkaWRcIjpcIjQ3XCIsXCJBXCI6MjU1LFwiUlwiOjAsXCJHXCI6MCxcIkJcIjowfX0sXCJCYWNrZ3JvdW5kRmlsbFR5cGVcIjowLFwiTWF4V2lkdGhcIjoyMDAuMCxcIk1heEhlaWdodFwiOlwiSW5maW5pdHlcIixcIlNtYXJ0Rm9yZWdyb3VuZElzQWN0aXZlXCI6ZmFsc2UsXCJIb3Jpem9udGFsQWxpZ25tZW50XCI6MCxcIlZlcnRpY2FsQWxpZ25tZW50XCI6MCxcIlNtYXJ0Rm9yZWdyb3VuZFwiOm51bGwsXCJNYXJnaW5cIjp7XCIkaWRcIjpcIjQ4XCIsXCJUb3BcIjowLjAsXCJMZWZ0XCI6MC4wLFwiUmlnaHRcIjowLjAsXCJCb3R0b21cIjowLjB9LFwiUGFkZGluZ1wiOntcIiRpZFwiOlwiNDlcIixcIlRvcFwiOjAuMCxcIkxlZnRcIjowLjAsXCJSaWdodFwiOjAuMCxcIkJvdHRvbVwiOjAuMH0sXCJCYWNrZ3JvdW5kXCI6e1wiJGlkXCI6XCI1MFwiLFwiQ29sb3JcIjp7XCIkcmVmXCI6XCIzNlwifX0sXCJJc1Zpc2libGVcIjp0cnVlLFwiV2lkdGhcIjowLjAsXCJIZWlnaHRcIjowLjAsXCJCb3JkZXJTdHlsZVwiOm51bGx9LFwiVG9kYXlNYXJrZXJTdHlsZVwiOntcIiRpZFwiOlwiNTFcIixcIk1hcmdpblwiOntcIiRpZFwiOlwiNTJcIixcIlRvcFwiOjAuMCxcIkxlZnRcIjowLjAsXCJSaWdodFwiOjAuMCxcIkJvdHRvbVwiOjAuMH0sXCJQYWRkaW5nXCI6e1wiJGlkXCI6XCI1M1wiLFwiVG9wXCI6MC4wLFwiTGVmdFwiOjAuMCxcIlJpZ2h0XCI6MC4wLFwiQm90dG9tXCI6MC4wfSxcIkJhY2tncm91bmRcIjp7XCIkaWRcIjpcIjU0XCIsXCJDb2xvclwiOntcIiRpZFwiOlwiNTVcIixcIkFcIjoyNTUsXCJSXCI6MjU1LFwiR1wiOjAsXCJCXCI6MH19LFwiSXNWaXNpYmxlXCI6dHJ1ZSxcIldpZHRoXCI6MC4wLFwiSGVpZ2h0XCI6MC4wLFwiQm9yZGVyU3R5bGVcIjpudWxsfSxcIlNjYWxlU3R5bGVcIjp7XCIkaWRcIjpcIjU2XCIsXCJTaG93U2VnbWVudFNlcGFyYXRvcnNcIjpmYWxzZSxcIlNlZ21lbnRTZXBhcmF0b3JPcGFjaXR5XCI6MzAsXCJTaGFwZVwiOjMsXCJIYXNCZWVuVmlzaWJsZUJlZm9yZVwiOnRydWUsXCJGb250U2V0dGluZ3NcIjp7XCIkaWRcIjpcIjU3XCIsXCJGb250U2l6ZVwiOjEyLFwiRm9udE5hbWVcIjpcIkNhbGlicmlcIixcIklzQm9sZFwiOmZhbHNlLFwiSXNJdGFsaWNcIjpmYWxzZSxcIklzVW5kZXJsaW5lZFwiOmZhbHNlfSxcIkF1dG9TaXplXCI6MCxcIkZvcmVncm91bmRcIjp7XCIkaWRcIjpcIjU4XCIsXCJDb2xvclwiOntcIiRpZFwiOlwiNTlcIixcIkFcIjoyNTUsXCJSXCI6MjU1LFwiR1wiOjI1NSxcIkJcIjoyNTV9fSxcIkJhY2tncm91bmRGaWxsVHlwZVwiOjAsXCJNYXhXaWR0aFwiOjIwMC4wLFwiTWF4SGVpZ2h0XCI6XCJJbmZpbml0eVwiLFwiU21hcnRGb3JlZ3JvdW5kSXNBY3RpdmVcIjpmYWxzZSxcIkhvcml6b250YWxBbGlnbm1lbnRcIjowLFwiVmVydGljYWxBbGlnbm1lbnRcIjoxLFwiU21hcnRGb3JlZ3JvdW5kXCI6bnVsbCxcIk1hcmdpblwiOntcIiRpZFwiOlwiNjBcIixcIlRvcFwiOjAuMCxcIkxlZnRcIjo1LjAsXCJSaWdodFwiOjAuMCxcIkJvdHRvbVwiOjAuMH0sXCJQYWRkaW5nXCI6e1wiJGlkXCI6XCI2MVwiLFwiVG9wXCI6MC4wLFwiTGVmdFwiOjAuMCxcIlJpZ2h0XCI6MC4wLFwiQm90dG9tXCI6MC4wfSxcIkJhY2tncm91bmRcIjp7XCIkaWRcIjpcIjYyXCIsXCJDb2xvclwiOntcIiRyZWZcIjpcIjM2XCJ9fSxcIklzVmlzaWJsZVwiOnRydWUsXCJXaWR0aFwiOjAuMCxcIkhlaWdodFwiOjAuMCxcIkJvcmRlclN0eWxlXCI6bnVsbH0sXCJNaWRkbGVUaWVyU2NhbGVTdHlsZVwiOntcIiRpZFwiOlwiNjNcIixcIlNob3dTZWdtZW50U2VwYXJhdG9yc1wiOmZhbHNlLFwiU2VnbWVudFNlcGFyYXRvck9wYWNpdHlcIjozMCxcIlNoYXBlXCI6MyxcIkhhc0JlZW5WaXNpYmxlQmVmb3JlXCI6ZmFsc2UsXCJGb250U2V0dGluZ3NcIjp7XCIkaWRcIjpcIjY0XCIsXCJGb250U2l6ZVwiOjEyLFwiRm9udE5hbWVcIjpcIkNhbGlicmlcIixcIklzQm9sZFwiOmZhbHNlLFwiSXNJdGFsaWNcIjpmYWxzZSxcIklzVW5kZXJsaW5lZFwiOmZhbHNlfSxcIkF1dG9TaXplXCI6MCxcIkZvcmVncm91bmRcIjp7XCIkaWRcIjpcIjY1XCIsXCJDb2xvclwiOntcIiRpZFwiOlwiNjZcIixcIkFcIjoyNTUsXCJSXCI6MjU1LFwiR1wiOjI1NSxcIkJcIjoyNTV9fSxcIkJhY2tncm91bmRGaWxsVHlwZVwiOjAsXCJNYXhXaWR0aFwiOjIwMC4wLFwiTWF4SGVpZ2h0XCI6XCJJbmZpbml0eVwiLFwiU21hcnRGb3JlZ3JvdW5kSXNBY3RpdmVcIjpmYWxzZSxcIkhvcml6b250YWxBbGlnbm1lbnRcIjowLFwiVmVydGljYWxBbGlnbm1lbnRcIjoxLFwiU21hcnRGb3JlZ3JvdW5kXCI6bnVsbCxcIk1hcmdpblwiOntcIiRpZFwiOlwiNjdcIixcIlRvcFwiOjAuMCxcIkxlZnRcIjo1LjAsXCJSaWdodFwiOjAuMCxcIkJvdHRvbVwiOjAuMH0sXCJQYWRkaW5nXCI6e1wiJGlkXCI6XCI2OFwiLFwiVG9wXCI6MC4wLFwiTGVmdFwiOjAuMCxcIlJpZ2h0XCI6MC4wLFwiQm90dG9tXCI6MC4wfSxcIkJhY2tncm91bmRcIjp7XCIkaWRcIjpcIjY5XCIsXCJDb2xvclwiOntcIiRpZFwiOlwiNzBcIixcIkFcIjowLFwiUlwiOjAsXCJHXCI6MCxcIkJcIjowfX0sXCJJc1Zpc2libGVcIjpmYWxzZSxcIldpZHRoXCI6MC4wLFwiSGVpZ2h0XCI6MC4wLFwiQm9yZGVyU3R5bGVcIjpudWxsfSxcIkJvdHRvbVRpZXJTY2FsZVN0eWxlXCI6e1wiJGlkXCI6XCI3MVwiLFwiU2hvd1NlZ21lbnRTZXBhcmF0b3JzXCI6ZmFsc2UsXCJTZWdtZW50U2VwYXJhdG9yT3BhY2l0eVwiOjMwLFwiU2hhcGVcIjozLFwiSGFzQmVlblZpc2libGVCZWZvcmVcIjpmYWxzZSxcIkZvbnRTZXR0aW5nc1wiOntcIiRpZFwiOlwiNzJcIixcIkZvbnRTaXplXCI6MTIsXCJGb250TmFtZVwiOlwiQ2FsaWJyaVwiLFwiSXNCb2xkXCI6ZmFsc2UsXCJJc0l0YWxpY1wiOmZhbHNlLFwiSXNVbmRlcmxpbmVkXCI6ZmFsc2V9LFwiQXV0b1NpemVcIjowLFwiRm9yZWdyb3VuZFwiOntcIiRpZFwiOlwiNzNcIixcIkNvbG9yXCI6e1wiJGlkXCI6XCI3NFwiLFwiQVwiOjI1NSxcIlJcIjoyNTUsXCJHXCI6MjU1LFwiQlwiOjI1NX19LFwiQmFja2dyb3VuZEZpbGxUeXBlXCI6MCxcIk1heFdpZHRoXCI6MjAwLjAsXCJNYXhIZWlnaHRcIjpcIkluZmluaXR5XCIsXCJTbWFydEZvcmVncm91bmRJc0FjdGl2ZVwiOmZhbHNlLFwiSG9yaXpvbnRhbEFsaWdubWVudFwiOjAsXCJWZXJ0aWNhbEFsaWdubWVudFwiOjEsXCJTbWFydEZvcmVncm91bmRcIjpudWxsLFwiTWFyZ2luXCI6e1wiJGlkXCI6XCI3NVwiLFwiVG9wXCI6MC4wLFwiTGVmdFwiOjUuMCxcIlJpZ2h0XCI6MC4wLFwiQm90dG9tXCI6MC4wfSxcIlBhZGRpbmdcIjp7XCIkaWRcIjpcIjc2XCIsXCJUb3BcIjowLjAsXCJMZWZ0XCI6MC4wLFwiUmlnaHRcIjowLjAsXCJCb3R0b21cIjowLjB9LFwiQmFja2dyb3VuZFwiOntcIiRpZFwiOlwiNzdcIixcIkNvbG9yXCI6e1wiJGlkXCI6XCI3OFwiLFwiQVwiOjAsXCJSXCI6MCxcIkdcIjowLFwiQlwiOjB9fSxcIklzVmlzaWJsZVwiOmZhbHNlLFwiV2lkdGhcIjowLjAsXCJIZWlnaHRcIjowLjAsXCJCb3JkZXJTdHlsZVwiOm51bGx9LFwiU2luZ2xlU2NhbGVTaGFwZVN0eWxlXCI6bnVsbCxcIkVsYXBzZWRUaW1lQmFja2dyb3VuZFwiOntcIiRpZFwiOlwiNzlcIixcIkNvbG9yXCI6e1wiJGlkXCI6XCI4MFwiLFwiQVwiOjE5MSxcIlJcIjoyNTUsXCJHXCI6MCxcIkJcIjowfX0sXCJBcHBlbmRZZWFyT25ZZWFyQ2hhbmdlXCI6ZmFsc2UsXCJFbGFwc2VkVGltZUZvcm1hdFwiOjIsXCJUb2RheU1hcmtlclBvc2l0aW9uXCI6MyxcIlF1aWNrUG9zaXRpb25cIjoyLFwiQWJzb2x1dGVQb3NpdGlvblwiOjQwNS4wLFwiTWFyZ2luXCI6e1wiJGlkXCI6XCI4MVwiLFwiVG9wXCI6MC4wLFwiTGVmdFwiOjEwLjAsXCJSaWdodFwiOjEwLjAsXCJCb3R0b21cIjowLjB9LFwiUGFkZGluZ1wiOntcIiRpZFwiOlwiODJcIixcIlRvcFwiOjAuMCxcIkxlZnRcIjowLjAsXCJSaWdodFwiOjAuMCxcIkJvdHRvbVwiOjAuMH0sXCJCYWNrZ3JvdW5kXCI6e1wiJGlkXCI6XCI4M1wiLFwiQ29sb3JcIjp7XCIkaWRcIjpcIjg0XCIsXCJBXCI6MjU1LFwiUlwiOjQ3LFwiR1wiOjU0LFwiQlwiOjE1M319LFwiSXNWaXNpYmxlXCI6dHJ1ZSxcIldpZHRoXCI6MC4wLFwiSGVpZ2h0XCI6MC4wLFwiQm9yZGVyU3R5bGVcIjpudWxsfSxcIkRlZmF1bHRNaWxlc3RvbmVTdHlsZVwiOntcIiRpZFwiOlwiODVcIixcIlNoYXBlXCI6MixcIkNvbm5lY3Rvck1hcmdpblwiOntcIiRpZFwiOlwiODZcIixcIlRvcFwiOjAuMCxcIkxlZnRcIjoyLjAsXCJSaWdodFwiOjIuMCxcIkJvdHRvbVwiOjAuMH0sXCJDb25uZWN0b3JTdHlsZVwiOntcIiRpZFwiOlwiODdcIixcIkxpbmVDb2xvclwiOntcIiRpZFwiOlwiODhcIixcIiR0eXBlXCI6XCJOTFJFLkNvbW1vbi5Eb20uU29saWRDb2xvckJydXNoLCBOTFJFLkNvbW1vblwiLFwiQ29sb3JcIjp7XCIkaWRcIjpcIjg5XCIsXCJBXCI6MTI3LFwiUlwiOjc5LFwiR1wiOjEyOSxcIkJcIjoxODl9fSxcIkxpbmVXZWlnaHRcIjoxLjAsXCJMaW5lVHlwZVwiOjB9LFwiSXNCZWxvd1RpbWViYW5kXCI6ZmFsc2UsXCJIaWRlRGF0ZVwiOmZhbHNlLFwiU2hhcGVTaXplXCI6MSxcIlNwYWNpbmdcIjoyLjAsXCJQYWRkaW5nXCI6e1wiJGlkXCI6XCI5MFwiLFwiVG9wXCI6Ny4wLFwiTGVmdFwiOjMuMCxcIlJpZ2h0XCI6MC4wLFwiQm90dG9tXCI6Mi4wfSxcIlBvc2l0aW9uXCI6bnVsbCxcIlBvc2l0aW9uT25UYXNrXCI6MCxcIlNoYXBlU3R5bGVcIjp7XCIkaWRcIjpcIjkxXCIsXCJNYXJnaW5cIjp7XCIkaWRcIjpcIjkyXCIsXCJUb3BcIjowLjAsXCJMZWZ0XCI6MC4wLFwiUmlnaHRcIjowLjAsXCJCb3R0b21cIjowLjB9LFwiUGFkZGluZ1wiOntcIiRpZFwiOlwiOTNcIixcIlRvcFwiOjAuMCxcIkxlZnRcIjowLjAsXCJSaWdodFwiOjAuMCxcIkJvdHRvbVwiOjAuMH0sXCJCYWNrZ3JvdW5kXCI6e1wiJGlkXCI6XCI5NFwiLFwiQ29sb3JcIjp7XCIkaWRcIjpcIjk1XCIsXCJBXCI6MjU1LFwiUlwiOjAsXCJHXCI6MTE0LFwiQlwiOjE4OH19LFwiSXNWaXNpYmxlXCI6dHJ1ZSxcIldpZHRoXCI6MTMuMCxcIkhlaWdodFwiOjEzLjAsXCJCb3JkZXJTdHlsZVwiOntcIiRpZFwiOlwiOTZcIixcIkxpbmVDb2xvclwiOntcIiRpZFwiOlwiOTdcIixcIiR0eXBlXCI6XCJOTFJFLkNvbW1vbi5Eb20uU29saWRDb2xvckJydXNoLCBOTFJFLkNvbW1vblwiLFwiQ29sb3JcIjp7XCIkaWRcIjpcIjk4XCIsXCJBXCI6MjU1LFwiUlwiOjI1NSxcIkdcIjowLFwiQlwiOjB9fSxcIkxpbmVXZWlnaHRcIjowLjAsXCJMaW5lVHlwZVwiOjB9fSxcIlRpdGxlU3R5bGVcIjp7XCIkaWRcIjpcIjk5XCIsXCJGb250U2V0dGluZ3NcIjp7XCIkaWRcIjpcIjEwMFwiLFwiRm9udFNpemVcIjoxMSxcIkZvbnROYW1lXCI6XCJDYWxpYnJpXCIsXCJJc0JvbGRcIjp0cnVlLFwiSXNJdGFsaWNcIjpmYWxzZSxcIklzVW5kZXJsaW5lZFwiOmZhbHNlfSxcIkF1dG9TaXplXCI6MCxcIkZvcmVncm91bmRcIjp7XCIkaWRcIjpcIjEwMVwiLFwiQ29sb3JcIjp7XCIkaWRcIjpcIjEwMlwiLFwiQVwiOjI1NSxcIlJcIjowLFwiR1wiOjAsXCJCXCI6MH19LFwiQmFja2dyb3VuZEZpbGxUeXBlXCI6MCxcIk1heFdpZHRoXCI6MjAwLjAsXCJNYXhIZWlnaHRcIjpcIkluZmluaXR5XCIsXCJTbWFydEZvcmVncm91bmRJc0FjdGl2ZVwiOmZhbHNlLFwiSG9yaXpvbnRhbEFsaWdubWVudFwiOjAsXCJWZXJ0aWNhbEFsaWdubWVudFwiOjAsXCJTbWFydEZvcmVncm91bmRcIjpudWxsLFwiTWFyZ2luXCI6e1wiJGlkXCI6XCIxMDNcIixcIlRvcFwiOjAuMCxcIkxlZnRcIjowLjAsXCJSaWdodFwiOjAuMCxcIkJvdHRvbVwiOjAuMH0sXCJQYWRkaW5nXCI6e1wiJGlkXCI6XCIxMDRcIixcIlRvcFwiOjAuMCxcIkxlZnRcIjowLjAsXCJSaWdodFwiOjAuMCxcIkJvdHRvbVwiOjAuMH0sXCJCYWNrZ3JvdW5kXCI6e1wiJGlkXCI6XCIxMDVcIixcIkNvbG9yXCI6e1wiJHJlZlwiOlwiMzZcIn19LFwiSXNWaXNpYmxlXCI6dHJ1ZSxcIldpZHRoXCI6MC4wLFwiSGVpZ2h0XCI6MC4wLFwiQm9yZGVyU3R5bGVcIjpudWxsfSxcIkRhdGVTdHlsZVwiOntcIiRpZFwiOlwiMTA2XCIsXCJGb250U2V0dGluZ3NcIjp7XCIkaWRcIjpcIjEwN1wiLFwiRm9udFNpemVcIjoxMCxcIkZvbnROYW1lXCI6XCJDYWxpYnJpXCIsXCJJc0JvbGRcIjpmYWxzZSxcIklzSXRhbGljXCI6ZmFsc2UsXCJJc1VuZGVybGluZWRcIjpmYWxzZX0sXCJBdXRvU2l6ZVwiOjAsXCJGb3JlZ3JvdW5kXCI6e1wiJGlkXCI6XCIxMDhcIixcIkNvbG9yXCI6e1wiJGlkXCI6XCIxMDlcIixcIkFcIjoyNTUsXCJSXCI6NjgsXCJHXCI6ODQsXCJCXCI6MTA2fX0sXCJCYWNrZ3JvdW5kRmlsbFR5cGVcIjowLFwiTWF4V2lkdGhcIjoyMDAuMCxcIk1heEhlaWdodFwiOlwiSW5maW5pdHlcIixcIlNtYXJ0Rm9yZWdyb3VuZElzQWN0aXZlXCI6ZmFsc2UsXCJIb3Jpem9udGFsQWxpZ25tZW50XCI6MCxcIlZlcnRpY2FsQWxpZ25tZW50XCI6MCxcIlNtYXJ0Rm9yZWdyb3VuZFwiOm51bGwsXCJNYXJnaW5cIjp7XCIkaWRcIjpcIjExMFwiLFwiVG9wXCI6MC4wLFwiTGVmdFwiOjAuMCxcIlJpZ2h0XCI6MC4wLFwiQm90dG9tXCI6MC4wfSxcIlBhZGRpbmdcIjp7XCIkaWRcIjpcIjExMVwiLFwiVG9wXCI6MC4wLFwiTGVmdFwiOjAuMCxcIlJpZ2h0XCI6MC4wLFwiQm90dG9tXCI6MC4wfSxcIkJhY2tncm91bmRcIjp7XCIkaWRcIjpcIjExMlwiLFwiQ29sb3JcIjp7XCIkcmVmXCI6XCIzNlwifX0sXCJJc1Zpc2libGVcIjp0cnVlLFwiV2lkdGhcIjowLjAsXCJIZWlnaHRcIjowLjAsXCJCb3JkZXJTdHlsZVwiOm51bGx9LFwiRGF0ZUZvcm1hdFwiOntcIiRpZFwiOlwiMTEzXCIsXCJGb3JtYXRTdHJpbmdcIjpcIk1NTSBkXCIsXCJTZXBhcmF0b3JcIjpcIi9cIixcIlVzZUludGVybmF0aW9uYWxEYXRlRm9ybWF0XCI6ZmFsc2UsXCJEYXRlSXNWaXNpYmxlXCI6dHJ1ZSxcIlRpbWVJc1Zpc2libGVcIjpmYWxzZSxcIkhvdXJEaWdpdHNcIjoxLFwiQW1QbURlc2lnbmF0b3JcIjoyLFwiVHJpbTAwTWludXRlc1wiOmZhbHNlLFwiTGFzdEtub3duVmlzaWJpbGl0eVN0YXRlXCI6bnVsbH0sXCJJc1Zpc2libGVcIjp0cnVlfSxcIkRlZmF1bHRUYXNrU3R5bGVcIjp7XCIkaWRcIjpcIjExNFwiLFwiU2hhcGVcIjoxLFwiU2hhcGVUaGlja25lc3NcIjowLFwiRHVyYXRpb25Gb3JtYXRcIjowLFwiUGVyY2VudGFnZUNvbXBsZXRlU3R5bGVcIjp7XCIkaWRcIjpcIjExNVwiLFwiRm9udFNldHRpbmdzXCI6e1wiJGlkXCI6XCIxMTZcIixcIkZvbnRTaXplXCI6MTAsXCJGb250TmFtZVwiOlwiQ2FsaWJyaVwiLFwiSXNCb2xkXCI6ZmFsc2UsXCJJc0l0YWxpY1wiOmZhbHNlLFwiSXNVbmRlcmxpbmVkXCI6ZmFsc2V9LFwiQXV0b1NpemVcIjowLFwiRm9yZWdyb3VuZFwiOntcIiRpZFwiOlwiMTE3XCIsXCJDb2xvclwiOntcIiRpZFwiOlwiMTE4XCIsXCJBXCI6MjU1LFwiUlwiOjIzNyxcIkdcIjoxMjUsXCJCXCI6NDl9fSxcIkJhY2tncm91bmRGaWxsVHlwZVwiOjAsXCJNYXhXaWR0aFwiOjIwMC4wLFwiTWF4SGVpZ2h0XCI6XCJJbmZpbml0eVwiLFwiU21hcnRGb3JlZ3JvdW5kSXNBY3RpdmVcIjpmYWxzZSxcIkhvcml6b250YWxBbGlnbm1lbnRcIjowLFwiVmVydGljYWxBbGlnbm1lbnRcIjowLFwiU21hcnRGb3JlZ3JvdW5kXCI6bnVsbCxcIk1hcmdpblwiOntcIiRpZFwiOlwiMTE5XCIsXCJUb3BcIjowLjAsXCJMZWZ0XCI6MC4wLFwiUmlnaHRcIjowLjAsXCJCb3R0b21cIjowLjB9LFwiUGFkZGluZ1wiOntcIiRpZFwiOlwiMTIwXCIsXCJUb3BcIjowLjAsXCJMZWZ0XCI6MC4wLFwiUmlnaHRcIjowLjAsXCJCb3R0b21cIjowLjB9LFwiQmFja2dyb3VuZFwiOntcIiRpZFwiOlwiMTIxXCIsXCJDb2xvclwiOntcIiRyZWZcIjpcIjM2XCJ9fSxcIklzVmlzaWJsZVwiOnRydWUsXCJXaWR0aFwiOjAuMCxcIkhlaWdodFwiOjAuMCxcIkJvcmRlclN0eWxlXCI6bnVsbH0sXCJEdXJhdGlvblN0eWxlXCI6e1wiJGlkXCI6XCIxMjJcIixcIkZvbnRTZXR0aW5nc1wiOntcIiRpZFwiOlwiMTIzXCIsXCJGb250U2l6ZVwiOjEwLFwiRm9udE5hbWVcIjpcIkNhbGlicmlcIixcIklzQm9sZFwiOmZhbHNlLFwiSXNJdGFsaWNcIjpmYWxzZSxcIklzVW5kZXJsaW5lZFwiOmZhbHNlfSxcIkF1dG9TaXplXCI6MCxcIkZvcmVncm91bmRcIjp7XCIkaWRcIjpcIjEyNFwiLFwiQ29sb3JcIjp7XCIkaWRcIjpcIjEyNVwiLFwiQVwiOjI1NSxcIlJcIjoyMzcsXCJHXCI6MTI1LFwiQlwiOjQ5fX0sXCJCYWNrZ3JvdW5kRmlsbFR5cGVcIjowLFwiTWF4V2lkdGhcIjoyMDAuMCxcIk1heEhlaWdodFwiOlwiSW5maW5pdHlcIixcIlNtYXJ0Rm9yZWdyb3VuZElzQWN0aXZlXCI6ZmFsc2UsXCJIb3Jpem9udGFsQWxpZ25tZW50XCI6MCxcIlZlcnRpY2FsQWxpZ25tZW50XCI6MCxcIlNtYXJ0Rm9yZWdyb3VuZFwiOm51bGwsXCJNYXJnaW5cIjp7XCIkaWRcIjpcIjEyNlwiLFwiVG9wXCI6MC4wLFwiTGVmdFwiOjAuMCxcIlJpZ2h0XCI6MC4wLFwiQm90dG9tXCI6MC4wfSxcIlBhZGRpbmdcIjp7XCIkaWRcIjpcIjEyN1wiLFwiVG9wXCI6MC4wLFwiTGVmdFwiOjAuMCxcIlJpZ2h0XCI6MC4wLFwiQm90dG9tXCI6MC4wfSxcIkJhY2tncm91bmRcIjp7XCIkaWRcIjpcIjEyOFwiLFwiQ29sb3JcIjp7XCIkcmVmXCI6XCIzNlwifX0sXCJJc1Zpc2libGVcIjp0cnVlLFwiV2lkdGhcIjowLjAsXCJIZWlnaHRcIjowLjAsXCJCb3JkZXJTdHlsZVwiOm51bGx9LFwiSG9yaXpvbnRhbENvbm5lY3RvclN0eWxlXCI6e1wiJGlkXCI6XCIxMjlcIixcIkxpbmVDb2xvclwiOntcIiRpZFwiOlwiMTMwXCIsXCIkdHlwZVwiOlwiTkxSRS5Db21tb24uRG9tLlNvbGlkQ29sb3JCcnVzaCwgTkxSRS5Db21tb25cIixcIkNvbG9yXCI6e1wiJGlkXCI6XCIxMzFcIixcIkFcIjoyNTUsXCJSXCI6MjA0LFwiR1wiOjIwNCxcIkJcIjoyMDR9fSxcIkxpbmVXZWlnaHRcIjoxLjAsXCJMaW5lVHlwZVwiOjB9LFwiVmVydGljYWxDb25uZWN0b3JTdHlsZVwiOntcIiRpZFwiOlwiMTMyXCIsXCJMaW5lQ29sb3JcIjp7XCIkaWRcIjpcIjEzM1wiLFwiJHR5cGVcIjpcIk5MUkUuQ29tbW9uLkRvbS5Tb2xpZENvbG9yQnJ1c2gsIE5MUkUuQ29tbW9uXCIsXCJDb2xvclwiOntcIiRpZFwiOlwiMTM0XCIsXCJBXCI6MjU1LFwiUlwiOjIwNCxcIkdcIjoyMDQsXCJCXCI6MjA0fX0sXCJMaW5lV2VpZ2h0XCI6MC4wLFwiTGluZVR5cGVcIjowfSxcIk1hcmdpblwiOm51bGwsXCJTdGFydERhdGVQb3NpdGlvblwiOjMsXCJFbmREYXRlUG9zaXRpb25cIjozLFwiVGl0bGVQb3NpdGlvblwiOjQsXCJEdXJhdGlvblBvc2l0aW9uXCI6NixcIlBlcmNlbnRhZ2VDb21wbGV0ZWRQb3NpdGlvblwiOjYsXCJTcGFjaW5nXCI6NSxcIklzQmVsb3dUaW1lYmFuZFwiOmZhbHNlLFwiUGVyY2VudGFnZUNvbXBsZXRlU2hhcGVPcGFjaXR5XCI6MzUsXCJHcm91cE5hbWVcIjpudWxsLFwiQXR0YWNoZWRNaWxlc3RvbmVzU3R5bGVzXCI6bnVsbCxcIlNoYXBlU3R5bGVcIjp7XCIkaWRcIjpcIjEzNVwiLFwiTWFyZ2luXCI6e1wiJGlkXCI6XCIxMzZcIixcIlRvcFwiOjAuMCxcIkxlZnRcIjo0LjAsXCJSaWdodFwiOjQuMCxcIkJvdHRvbVwiOjAuMH0sXCJQYWRkaW5nXCI6e1wiJGlkXCI6XCIxMzdcIixcIlRvcFwiOjAuMCxcIkxlZnRcIjowLjAsXCJSaWdodFwiOjAuMCxcIkJvdHRvbVwiOjAuMH0sXCJCYWNrZ3JvdW5kXCI6e1wiJGlkXCI6XCIxMzhcIixcIkNvbG9yXCI6e1wiJGlkXCI6XCIxMzlcIixcIkFcIjoyNTUsXCJSXCI6MCxcIkdcIjoxMTQsXCJCXCI6MTg4fX0sXCJJc1Zpc2libGVcIjp0cnVlLFwiV2lkdGhcIjowLjAsXCJIZWlnaHRcIjoxMC4wLFwiQm9yZGVyU3R5bGVcIjp7XCIkaWRcIjpcIjE0MFwiLFwiTGluZUNvbG9yXCI6e1wiJGlkXCI6XCIxNDFcIixcIiR0eXBlXCI6XCJOTFJFLkNvbW1vbi5Eb20uU29saWRDb2xvckJydXNoLCBOTFJFLkNvbW1vblwiLFwiQ29sb3JcIjp7XCIkaWRcIjpcIjE0MlwiLFwiQVwiOjI1NSxcIlJcIjoyNTUsXCJHXCI6MCxcIkJcIjowfX0sXCJMaW5lV2VpZ2h0XCI6MC4wLFwiTGluZVR5cGVcIjowfX0sXCJUaXRsZVN0eWxlXCI6e1wiJGlkXCI6XCIxNDNcIixcIkZvbnRTZXR0aW5nc1wiOntcIiRpZFwiOlwiMTQ0XCIsXCJGb250U2l6ZVwiOjExLFwiRm9udE5hbWVcIjpcIkNhbGlicmlcIixcIklzQm9sZFwiOnRydWUsXCJJc0l0YWxpY1wiOmZhbHNlLFwiSXNVbmRlcmxpbmVkXCI6ZmFsc2V9LFwiQXV0b1NpemVcIjowLFwiRm9yZWdyb3VuZFwiOntcIiRpZFwiOlwiMTQ1XCIsXCJDb2xvclwiOntcIiRpZFwiOlwiMTQ2XCIsXCJBXCI6MjU1LFwiUlwiOjAsXCJHXCI6MCxcIkJcIjowfX0sXCJCYWNrZ3JvdW5kRmlsbFR5cGVcIjowLFwiTWF4V2lkdGhcIjo5NjAuMCxcIk1heEhlaWdodFwiOlwiSW5maW5pdHlcIixcIlNtYXJ0Rm9yZWdyb3VuZElzQWN0aXZlXCI6ZmFsc2UsXCJIb3Jpem9udGFsQWxpZ25tZW50XCI6MCxcIlZlcnRpY2FsQWxpZ25tZW50XCI6MCxcIlNtYXJ0Rm9yZWdyb3VuZFwiOm51bGwsXCJNYXJnaW5cIjp7XCIkaWRcIjpcIjE0N1wiLFwiVG9wXCI6MC4wLFwiTGVmdFwiOjAuMCxcIlJpZ2h0XCI6MC4wLFwiQm90dG9tXCI6MC4wfSxcIlBhZGRpbmdcIjp7XCIkaWRcIjpcIjE0OFwiLFwiVG9wXCI6MC4wLFwiTGVmdFwiOjAuMCxcIlJpZ2h0XCI6MC4wLFwiQm90dG9tXCI6MC4wfSxcIkJhY2tncm91bmRcIjp7XCIkaWRcIjpcIjE0OVwiLFwiQ29sb3JcIjp7XCIkcmVmXCI6XCIzNlwifX0sXCJJc1Zpc2libGVcIjp0cnVlLFwiV2lkdGhcIjowLjAsXCJIZWlnaHRcIjowLjAsXCJCb3JkZXJTdHlsZVwiOm51bGx9LFwiRGF0ZVN0eWxlXCI6e1wiJGlkXCI6XCIxNTBcIixcIkZvbnRTZXR0aW5nc1wiOntcIiRpZFwiOlwiMTUxXCIsXCJGb250U2l6ZVwiOjEwLFwiRm9udE5hbWVcIjpcIkNhbGlicmlcIixcIklzQm9sZFwiOmZhbHNlLFwiSXNJdGFsaWNcIjpmYWxzZSxcIklzVW5kZXJsaW5lZFwiOmZhbHNlfSxcIkF1dG9TaXplXCI6MCxcIkZvcmVncm91bmRcIjp7XCIkaWRcIjpcIjE1MlwiLFwiQ29sb3JcIjp7XCIkaWRcIjpcIjE1M1wiLFwiQVwiOjI1NSxcIlJcIjo2OCxcIkdcIjo4NCxcIkJcIjoxMDZ9fSxcIkJhY2tncm91bmRGaWxsVHlwZVwiOjAsXCJNYXhXaWR0aFwiOjIwMC4wLFwiTWF4SGVpZ2h0XCI6XCJJbmZpbml0eVwiLFwiU21hcnRGb3JlZ3JvdW5kSXNBY3RpdmVcIjpmYWxzZSxcIkhvcml6b250YWxBbGlnbm1lbnRcIjoyLFwiVmVydGljYWxBbGlnbm1lbnRcIjowLFwiU21hcnRGb3JlZ3JvdW5kXCI6bnVsbCxcIk1hcmdpblwiOntcIiRpZFwiOlwiMTU0XCIsXCJUb3BcIjowLjAsXCJMZWZ0XCI6MC4wLFwiUmlnaHRcIjowLjAsXCJCb3R0b21cIjowLjB9LFwiUGFkZGluZ1wiOntcIiRpZFwiOlwiMTU1XCIsXCJUb3BcIjowLjAsXCJMZWZ0XCI6MC4wLFwiUmlnaHRcIjowLjAsXCJCb3R0b21cIjowLjB9LFwiQmFja2dyb3VuZFwiOntcIiRpZFwiOlwiMTU2XCIsXCJDb2xvclwiOntcIiRyZWZcIjpcIjM2XCJ9fSxcIklzVmlzaWJsZVwiOnRydWUsXCJXaWR0aFwiOjAuMCxcIkhlaWdodFwiOjAuMCxcIkJvcmRlclN0eWxlXCI6bnVsbH0sXCJEYXRlRm9ybWF0XCI6e1wiJGlkXCI6XCIxNTdcIixcIkZvcm1hdFN0cmluZ1wiOlwiTU1NIGRcIixcIlNlcGFyYXRvclwiOlwiL1wiLFwiVXNlSW50ZXJuYXRpb25hbERhdGVGb3JtYXRcIjpmYWxzZSxcIkRhdGVJc1Zpc2libGVcIjp0cnVlLFwiVGltZUlzVmlzaWJsZVwiOmZhbHNlLFwiSG91ckRpZ2l0c1wiOjEsXCJBbVBtRGVzaWduYXRvclwiOjIsXCJUcmltMDBNaW51dGVzXCI6ZmFsc2UsXCJMYXN0S25vd25WaXNpYmlsaXR5U3RhdGVcIjpudWxsfSxcIklzVmlzaWJsZVwiOnRydWV9LFwiU2hvd0VsYXBzZWRUaW1lR3JhZGllbnRTdHlsZVwiOmZhbHNlLFwiVGltZWJhbmRSZXNlcnZlZExlZnRBcmVhU3R5bGVcIjpudWxsLFwiRGVmYXVsdFN3aW1sYW5lU3R5bGVcIjp7XCIkaWRcIjpcIjE1OFwiLFwiSGVhZGVyU3R5bGVcIjp7XCIkaWRcIjpcIjE1OVwiLFwiVGV4dFN0eWxlXCI6e1wiJGlkXCI6XCIxNjBcIixcIkZvbnRTZXR0aW5nc1wiOntcIiRpZFwiOlwiMTYxXCIsXCJGb250U2l6ZVwiOjEyLFwiRm9udE5hbWVcIjpcIkNhbGlicmlcIixcIklzQm9sZFwiOmZhbHNlLFwiSXNJdGFsaWNcIjpmYWxzZSxcIklzVW5kZXJsaW5lZFwiOmZhbHNlfSxcIkF1dG9TaXplXCI6MCxcIkZvcmVncm91bmRcIjp7XCIkaWRcIjpcIjE2MlwiLFwiQ29sb3JcIjp7XCIkaWRcIjpcIjE2M1wiLFwiQVwiOjI1NSxcIlJcIjozMixcIkdcIjo1NixcIkJcIjoxMDB9fSxcIkJhY2tncm91bmRGaWxsVHlwZVwiOjAsXCJNYXhXaWR0aFwiOjAuMCxcIk1heEhlaWdodFwiOjAuMCxcIlNtYXJ0Rm9yZWdyb3VuZElzQWN0aXZlXCI6ZmFsc2UsXCJIb3Jpem9udGFsQWxpZ25tZW50XCI6MCxcIlZlcnRpY2FsQWxpZ25tZW50XCI6MCxcIlNtYXJ0Rm9yZWdyb3VuZFwiOm51bGwsXCJNYXJnaW5cIjp7XCIkaWRcIjpcIjE2NFwiLFwiVG9wXCI6MC4wLFwiTGVmdFwiOjAuMCxcIlJpZ2h0XCI6MC4wLFwiQm90dG9tXCI6MC4wfSxcIlBhZGRpbmdcIjp7XCIkaWRcIjpcIjE2NVwiLFwiVG9wXCI6MC4wLFwiTGVmdFwiOjAuMCxcIlJpZ2h0XCI6MC4wLFwiQm90dG9tXCI6MC4wfSxcIkJhY2tncm91bmRcIjpudWxsLFwiSXNWaXNpYmxlXCI6ZmFsc2UsXCJXaWR0aFwiOjAuMCxcIkhlaWdodFwiOjAuMCxcIkJvcmRlclN0eWxlXCI6bnVsbH0sXCJSZWN0YW5nbGVTdHlsZVwiOntcIiRpZFwiOlwiMTY2XCIsXCJNYXJnaW5cIjp7XCIkaWRcIjpcIjE2N1wiLFwiVG9wXCI6MC4wLFwiTGVmdFwiOjAuMCxcIlJpZ2h0XCI6MC4wLFwiQm90dG9tXCI6MC4wfSxcIlBhZGRpbmdcIjp7XCIkaWRcIjpcIjE2OFwiLFwiVG9wXCI6MC4wLFwiTGVmdFwiOjAuMCxcIlJpZ2h0XCI6MC4wLFwiQm90dG9tXCI6MC4wfSxcIkJhY2tncm91bmRcIjp7XCIkaWRcIjpcIjE2OVwiLFwiQ29sb3JcIjp7XCIkaWRcIjpcIjE3MFwiLFwiQVwiOjEyNyxcIlJcIjo5MSxcIkdcIjoxNTUsXCJCXCI6MjEzfX0sXCJJc1Zpc2libGVcIjpmYWxzZSxcIldpZHRoXCI6MC4wLFwiSGVpZ2h0XCI6MC4wLFwiQm9yZGVyU3R5bGVcIjp7XCIkaWRcIjpcIjE3MVwiLFwiTGluZUNvbG9yXCI6e1wiJGlkXCI6XCIxNzJcIixcIiR0eXBlXCI6XCJOTFJFLkNvbW1vbi5Eb20uU29saWRDb2xvckJydXNoLCBOTFJFLkNvbW1vblwiLFwiQ29sb3JcIjp7XCIkaWRcIjpcIjE3M1wiLFwiQVwiOjI1NSxcIlJcIjoyNTUsXCJHXCI6MCxcIkJcIjowfX0sXCJMaW5lV2VpZ2h0XCI6MC4wLFwiTGluZVR5cGVcIjowfX0sXCJUZXh0SXNWZXJ0aWNhbFwiOmZhbHNlfSxcIkJhY2tncm91bmRTdHlsZVwiOntcIiRpZFwiOlwiMTc0XCIsXCJNYXJnaW5cIjp7XCIkaWRcIjpcIjE3NVwiLFwiVG9wXCI6MC4wLFwiTGVmdFwiOjAuMCxcIlJpZ2h0XCI6MC4wLFwiQm90dG9tXCI6MC4wfSxcIlBhZGRpbmdcIjp7XCIkaWRcIjpcIjE3NlwiLFwiVG9wXCI6MC4wLFwiTGVmdFwiOjAuMCxcIlJpZ2h0XCI6MC4wLFwiQm90dG9tXCI6MC4wfSxcIkJhY2tncm91bmRcIjp7XCIkaWRcIjpcIjE3N1wiLFwiQ29sb3JcIjp7XCIkaWRcIjpcIjE3OFwiLFwiQVwiOjM4LFwiUlwiOjkxLFwiR1wiOjE1NSxcIkJcIjoyMTN9fSxcIklzVmlzaWJsZVwiOnRydWUsXCJXaWR0aFwiOjAuMCxcIkhlaWdodFwiOjAuMCxcIkJvcmRlclN0eWxlXCI6e1wiJGlkXCI6XCIxNzlcIixcIkxpbmVDb2xvclwiOntcIiRpZFwiOlwiMTgwXCIsXCIkdHlwZVwiOlwiTkxSRS5Db21tb24uRG9tLlNvbGlkQ29sb3JCcnVzaCwgTkxSRS5Db21tb25cIixcIkNvbG9yXCI6e1wiJGlkXCI6XCIxODFcIixcIkFcIjoyNTUsXCJSXCI6MjU1LFwiR1wiOjAsXCJCXCI6MH19LFwiTGluZVdlaWdodFwiOjAuMCxcIkxpbmVUeXBlXCI6MH19LFwiSXNBYm92ZVRpbWViYW5kXCI6ZmFsc2V9LFwiQ3VzdG9tTWlsZXN0b25lU3R5bGVMaXN0XCI6W10sXCJDdXN0b21UYXNrU3R5bGVMaXN0XCI6W10sXCJDdXN0b21Td2ltbGFuZURlZmluaXRpb25TdHlsZUxpc3RcIjpbXSxcIkN1c3RvbVN3aW1sYW5lVjJTdHlsZUxpc3RcIjpbXSxcIkdyaWRsaW5lUGFuZWxTdHlsZVwiOntcIiRpZFwiOlwiMTgyXCIsXCJHcmlkbGluZVN0eWxlXCI6e1wiJGlkXCI6XCIxODNcIixcIkxpbmVDb2xvclwiOntcIiRpZFwiOlwiMTg0XCIsXCIkdHlwZVwiOlwiTkxSRS5Db21tb24uRG9tLlNvbGlkQ29sb3JCcnVzaCwgTkxSRS5Db21tb25cIixcIkNvbG9yXCI6e1wiJGlkXCI6XCIxODVcIixcIkFcIjozOCxcIlJcIjo5MSxcIkdcIjoxNTUsXCJCXCI6MjEzfX0sXCJMaW5lV2VpZ2h0XCI6MS4wLFwiTGluZVR5cGVcIjowfSxcIklzVmlzaWJsZVwiOnRydWV9LFwiQWN0aXZpdHlMaW5lUGFuZWxTdHlsZVwiOntcIiRpZFwiOlwiMTg2XCIsXCJBY3Rpdml0eUxpbmVTdHlsZVwiOntcIiRpZFwiOlwiMTg3XCIsXCJMaW5lQ29sb3JcIjp7XCIkaWRcIjpcIjE4OFwiLFwiJHR5cGVcIjpcIk5MUkUuQ29tbW9uLkRvbS5Tb2xpZENvbG9yQnJ1c2gsIE5MUkUuQ29tbW9uXCIsXCJDb2xvclwiOntcIiRpZFwiOlwiMTg5XCIsXCJBXCI6MzgsXCJSXCI6NjgsXCJHXCI6MTE0LFwiQlwiOjE5Nn19LFwiTGluZVdlaWdodFwiOjEuMCxcIkxpbmVUeXBlXCI6MH0sXCJJc1Zpc2libGVcIjp0cnVlfX0sXCJTY2FsZVwiOntcIiRpZFwiOlwiMTkwXCIsXCJTdGFydERhdGVcIjpcIjAwMDEtMDEtMDFUMDA6MDA6MDBcIixcIkVuZERhdGVcIjpcIjAwMDEtMDEtMDFUMDA6MDA6MDBcIixcIkZvcm1hdFwiOlwid1wiLFwiVHlwZVwiOjEsXCJBdXRvRGF0ZVJhbmdlXCI6dHJ1ZSxcIldvcmtpbmdEYXlzXCI6MzEsXCJUb2RheU1hcmtlclRleHRcIjpcIlRvZGF5XCIsXCJBdXRvU2NhbGVUeXBlXCI6dHJ1ZX0sXCJTY2FsZVYyXCI6e1wiJGlkXCI6XCIxOTFcIixcIlN0YXJ0RGF0ZVwiOlwiMDAwMS0wMS0wMVQwMDowMDowMFwiLFwiRW5kRGF0ZVwiOlwiMDAwMS0wMS0wMVQwMDowMDowMFwiLFwiQXV0b0RhdGVSYW5nZVwiOnRydWUsXCJXb3JraW5nRGF5c1wiOjMxLFwiVG9kYXlNYXJrZXJUZXh0XCI6XCJUb2RheVwiLFwiQXV0b1NjYWxlVHlwZVwiOnRydWUsXCJUaW1lYmFuZFNjYWxlc1wiOntcIiRpZFwiOlwiMTkyXCIsXCJUb3BTY2FsZUxheWVyXCI6e1wiJGlkXCI6XCIxOTNcIixcIkZvcm1hdFwiOlwid1wiLFwiVHlwZVwiOjF9LFwiTWlkZGxlU2NhbGVMYXllclwiOntcIiRpZFwiOlwiMTk0XCIsXCJGb3JtYXRcIjpudWxsLFwiVHlwZVwiOjB9LFwiQm90dG9tU2NhbGVMYXllclwiOntcIiRpZFwiOlwiMTk1XCIsXCJGb3JtYXRcIjpudWxsLFwiVHlwZVwiOjB9fX0sXCJNaWxlc3RvbmVzXCI6W10sXCJUYXNrc1wiOltdLFwiU3dpbWxhbmVzXCI6W10sXCJTd2ltbGFuZXNWMlwiOltdLFwiU2V0dGluZ3NcIjp7XCIkaWRcIjpcIjE5NlwiLFwiSW1wYU9wdGlvbnNcIjp7XCIkaWRcIjpcIjE5N1wiLFwiTGVmdFRvUmlnaHRcIjpmYWxzZSxcIlBheWxvYWRPcHRpb25zXCI6Mn19LFwiVGltZUNvbmZpZ3VyYXRpb25cIjp7XCIkaWRcIjpcIjE5OFwiLFwiVXNlVGltZVwiOmZhbHNlLFwiV29ya0RheVN0YXJ0XCI6XCIwMDowMDowMFwiLFwiV29ya0RheUVuZFwiOlwiMjM6NTk6MDBcIn19In0sIlNldHRpbmdzIjp7IiRpZCI6IjI2NCIsIkltcGFPcHRpb25zIjp7IiRpZCI6IjI2NSIsIkxlZnRUb1JpZ2h0IjpmYWxzZSwiUGF5bG9hZE9wdGlvbnMiOjJ9LCJVc2VDb21wcmVzc2lvbiI6ZmFsc2UsIkNvbXByZXNpb25QZXJjZW50YWdlIjo1MC4wLCJJbmFjdGl2ZUludGVydmFsV2lkdGhUaHJlc2hvbGQiOjMwLjAsIkluYWN0aXZlSW50ZXJ2YWxXaWR0aCI6MS4wLCJTcGxpdFRhc2tzIjpmYWxzZSwiVXNlQ2x1c3RlciI6ZmFsc2UsIkVwc2lsb24iOjUuMCwiTWluUG9pbnRzVG9Gb3JtQUNsdXN0ZXIiOjIsIkdlbmVyYXRlSW52aXNpYmxlU2hhcGVzIjpmYWxzZSwiU21hcnRUaW1lbGluZVRhc2tQZXJjZW50YWdlRml0IjpmYWxzZX0sIklzTmV3IjpmYWxzZSwiSW1wb3J0VHlwZSI6MCwiRmlsZVBhdGgiOm51bGwsIlRpbWVDb25maWd1cmF0aW9uIjp7IiRpZCI6IjI2NiIsIlVzZVRpbWUiOmZhbHNlLCJXb3JrRGF5U3RhcnQiOiIwMDowMDowMCIsIldvcmtEYXlFbmQiOiIyMzo1OTowMCJ9LCJMYXN0VXNlZFRlbXBsYXRlSWQiOiJjYzI2Zjg2My0yN2NlLTQ4MGUtYTU4OS1iM2YxMmYyZDZlYjAiLCJGaXJzdFdlZWtPZlllYXIiOjAsIlBsYWNlTWlsZXN0b25lQXRUaGVCZWdpbm5pbmdPZlRoZURheSI6ZmFsc2V9"/>
+  <p:tag name="__MASTER" val="__part_0"/>
+</p:tagLst>
+</file>
+
+<file path=ppt/tags/tag69.xml><?xml version="1.0" encoding="utf-8"?>
+<p:tagLst xmlns:a="http://schemas.openxmlformats.org/drawingml/2006/main" xmlns:r="http://schemas.openxmlformats.org/officeDocument/2006/relationships" xmlns:p="http://schemas.openxmlformats.org/presentationml/2006/main">
+  <p:tag name="OTLMARKERSHAPE" val="OTL"/>
+</p:tagLst>
+</file>
+
+<file path=ppt/tags/tag7.xml><?xml version="1.0" encoding="utf-8"?>
+<p:tagLst xmlns:a="http://schemas.openxmlformats.org/drawingml/2006/main" xmlns:r="http://schemas.openxmlformats.org/officeDocument/2006/relationships" xmlns:p="http://schemas.openxmlformats.org/presentationml/2006/main">
+  <p:tag name="OTLMARKERSHAPE" val="OTL"/>
+</p:tagLst>
+</file>
+
+<file path=ppt/tags/tag70.xml><?xml version="1.0" encoding="utf-8"?>
+<p:tagLst xmlns:a="http://schemas.openxmlformats.org/drawingml/2006/main" xmlns:r="http://schemas.openxmlformats.org/officeDocument/2006/relationships" xmlns:p="http://schemas.openxmlformats.org/presentationml/2006/main">
+  <p:tag name="OTLMARKERSHAPE" val="OTL"/>
+</p:tagLst>
+</file>
+
+<file path=ppt/tags/tag71.xml><?xml version="1.0" encoding="utf-8"?>
+<p:tagLst xmlns:a="http://schemas.openxmlformats.org/drawingml/2006/main" xmlns:r="http://schemas.openxmlformats.org/officeDocument/2006/relationships" xmlns:p="http://schemas.openxmlformats.org/presentationml/2006/main">
+  <p:tag name="OTLTIMEBANDSHAPETYPE" val="RoundedCornerRectangleTimeband"/>
+  <p:tag name="OTLTIMEBANDSHAPEHEIGHT" val="20"/>
+  <p:tag name="OTLTIMEBANDSHAPEPADDINGLEFT" val="0"/>
+  <p:tag name="OTLTIMEBANDCULTUREINFO" val="en-US"/>
+  <p:tag name="OTLTIMEBANDTHREEDEFFECTS" val="Gel"/>
+  <p:tag name="OTLTIMEBANDAUTODATERANGE" val="True"/>
+  <p:tag name="OTLTIMEBANDSTARTDATE" val="0001-01-01T00:00:00.0000000"/>
+  <p:tag name="OTLTIMEBANDWORKINGDAYS" val="Standard"/>
+  <p:tag name="OTLTIMEBANDELAPSEDTIMEEXTENSION" val="False"/>
+  <p:tag name="OTLTIMEBANDUSETIME" val="False"/>
+  <p:tag name="OTLTIMEBANDTIMECONFIGWORKDAYSTART" val="00:00:00"/>
+  <p:tag name="OTLTIMEBANDTIMECONFIGWORKDAYEND" val="23:59:00"/>
+  <p:tag name="OTLTIMEBANDAPPENDYEARONYEARCHANGE" val="False"/>
+  <p:tag name="OTLTIMEBANDSCALEMARKING" val="Years"/>
+  <p:tag name="OTLRIGHTENDCAPSMARGINRIGHT" val="20"/>
+  <p:tag name="OTLTIMEBANDFYSTARTMONTH" val="January"/>
+  <p:tag name="OTLTIMEBANDSHOWFYLABEL" val="True"/>
+  <p:tag name="OTLTIMEBANDUSESTARTINGOFTHEYEARFORFYNUMBERING" val="True"/>
+  <p:tag name="OTLTIMEBANDRESERVEDLEFTAREAWIDTH" val="0"/>
+  <p:tag name="OTLTIMEBANDRESERVEDLEFTAREAISSET" val="False"/>
+  <p:tag name="OTLTIMEBANDQUICKPOSITION" val="Bottom"/>
+  <p:tag name="OTLTIMEBANDENDDATE" val="2022-08-26T23:59:00.0000000"/>
+  <p:tag name="OTLLEFTENDCAPSMARGINLEFT" val="42.5066666666667"/>
   <p:tag name="OTLTIMEBANDSCALETYPE" val="Weeks"/>
   <p:tag name="OTLTIMEBANDSCALEFORMAT" val="w"/>
-  <p:tag name="OTLLEFTENDCAPSMARGINLEFT" val="42.5066666666667"/>
-  <p:tag name="OTLMARKERSHAPE" val="OTL"/>
-</p:tagLst>
-</file>
-
-<file path=ppt/tags/tag40.xml><?xml version="1.0" encoding="utf-8"?>
-<p:tagLst xmlns:a="http://schemas.openxmlformats.org/drawingml/2006/main" xmlns:r="http://schemas.openxmlformats.org/officeDocument/2006/relationships" xmlns:p="http://schemas.openxmlformats.org/presentationml/2006/main">
-  <p:tag name="OTLMARKERSHAPE" val="OTL"/>
-</p:tagLst>
-</file>
-
-<file path=ppt/tags/tag41.xml><?xml version="1.0" encoding="utf-8"?>
-<p:tagLst xmlns:a="http://schemas.openxmlformats.org/drawingml/2006/main" xmlns:r="http://schemas.openxmlformats.org/officeDocument/2006/relationships" xmlns:p="http://schemas.openxmlformats.org/presentationml/2006/main">
-  <p:tag name="OTLMARKERSHAPE" val="OTL"/>
-</p:tagLst>
-</file>
-
-<file path=ppt/tags/tag42.xml><?xml version="1.0" encoding="utf-8"?>
-<p:tagLst xmlns:a="http://schemas.openxmlformats.org/drawingml/2006/main" xmlns:r="http://schemas.openxmlformats.org/officeDocument/2006/relationships" xmlns:p="http://schemas.openxmlformats.org/presentationml/2006/main">
-  <p:tag name="OTLMARKERSHAPE" val="OTL"/>
-</p:tagLst>
-</file>
-
-<file path=ppt/tags/tag43.xml><?xml version="1.0" encoding="utf-8"?>
-<p:tagLst xmlns:a="http://schemas.openxmlformats.org/drawingml/2006/main" xmlns:r="http://schemas.openxmlformats.org/officeDocument/2006/relationships" xmlns:p="http://schemas.openxmlformats.org/presentationml/2006/main">
-  <p:tag name="OTLMARKERSHAPE" val="OTL"/>
-</p:tagLst>
-</file>
-
-<file path=ppt/tags/tag44.xml><?xml version="1.0" encoding="utf-8"?>
-<p:tagLst xmlns:a="http://schemas.openxmlformats.org/drawingml/2006/main" xmlns:r="http://schemas.openxmlformats.org/officeDocument/2006/relationships" xmlns:p="http://schemas.openxmlformats.org/presentationml/2006/main">
-  <p:tag name="OTLMARKERSHAPE" val="OTL"/>
-</p:tagLst>
-</file>
-
-<file path=ppt/tags/tag45.xml><?xml version="1.0" encoding="utf-8"?>
-<p:tagLst xmlns:a="http://schemas.openxmlformats.org/drawingml/2006/main" xmlns:r="http://schemas.openxmlformats.org/officeDocument/2006/relationships" xmlns:p="http://schemas.openxmlformats.org/presentationml/2006/main">
-  <p:tag name="OTLMARKERSHAPE" val="OTL"/>
-</p:tagLst>
-</file>
-
-<file path=ppt/tags/tag46.xml><?xml version="1.0" encoding="utf-8"?>
-<p:tagLst xmlns:a="http://schemas.openxmlformats.org/drawingml/2006/main" xmlns:r="http://schemas.openxmlformats.org/officeDocument/2006/relationships" xmlns:p="http://schemas.openxmlformats.org/presentationml/2006/main">
-  <p:tag name="OTLMARKERSHAPE" val="OTL"/>
-</p:tagLst>
-</file>
-
-<file path=ppt/tags/tag47.xml><?xml version="1.0" encoding="utf-8"?>
-<p:tagLst xmlns:a="http://schemas.openxmlformats.org/drawingml/2006/main" xmlns:r="http://schemas.openxmlformats.org/officeDocument/2006/relationships" xmlns:p="http://schemas.openxmlformats.org/presentationml/2006/main">
-  <p:tag name="OTLMARKERSHAPE" val="OTL"/>
-</p:tagLst>
-</file>
-
-<file path=ppt/tags/tag48.xml><?xml version="1.0" encoding="utf-8"?>
-<p:tagLst xmlns:a="http://schemas.openxmlformats.org/drawingml/2006/main" xmlns:r="http://schemas.openxmlformats.org/officeDocument/2006/relationships" xmlns:p="http://schemas.openxmlformats.org/presentationml/2006/main">
-  <p:tag name="OTLMARKERSHAPE" val="OTL"/>
-</p:tagLst>
-</file>
-
-<file path=ppt/tags/tag49.xml><?xml version="1.0" encoding="utf-8"?>
-<p:tagLst xmlns:a="http://schemas.openxmlformats.org/drawingml/2006/main" xmlns:r="http://schemas.openxmlformats.org/officeDocument/2006/relationships" xmlns:p="http://schemas.openxmlformats.org/presentationml/2006/main">
-  <p:tag name="OTLMARKERSHAPE" val="OTL"/>
-</p:tagLst>
-</file>
-
-<file path=ppt/tags/tag5.xml><?xml version="1.0" encoding="utf-8"?>
+  <p:tag name="OTLMARKERSHAPE" val="OTL"/>
+</p:tagLst>
+</file>
+
+<file path=ppt/tags/tag72.xml><?xml version="1.0" encoding="utf-8"?>
 <p:tagLst xmlns:a="http://schemas.openxmlformats.org/drawingml/2006/main" xmlns:r="http://schemas.openxmlformats.org/officeDocument/2006/relationships" xmlns:p="http://schemas.openxmlformats.org/presentationml/2006/main">
   <p:tag name="OTLELAPSEDSTYLE" val="Thin"/>
   <p:tag name="OTLMARKERSHAPE" val="OTL"/>
 </p:tagLst>
 </file>
 
-<file path=ppt/tags/tag50.xml><?xml version="1.0" encoding="utf-8"?>
-<p:tagLst xmlns:a="http://schemas.openxmlformats.org/drawingml/2006/main" xmlns:r="http://schemas.openxmlformats.org/officeDocument/2006/relationships" xmlns:p="http://schemas.openxmlformats.org/presentationml/2006/main">
-  <p:tag name="OTLMARKERSHAPE" val="OTL"/>
-</p:tagLst>
-</file>
-
-<file path=ppt/tags/tag51.xml><?xml version="1.0" encoding="utf-8"?>
-<p:tagLst xmlns:a="http://schemas.openxmlformats.org/drawingml/2006/main" xmlns:r="http://schemas.openxmlformats.org/officeDocument/2006/relationships" xmlns:p="http://schemas.openxmlformats.org/presentationml/2006/main">
-  <p:tag name="OTLMARKERSHAPE" val="OTL"/>
-</p:tagLst>
-</file>
-
-<file path=ppt/tags/tag52.xml><?xml version="1.0" encoding="utf-8"?>
-<p:tagLst xmlns:a="http://schemas.openxmlformats.org/drawingml/2006/main" xmlns:r="http://schemas.openxmlformats.org/officeDocument/2006/relationships" xmlns:p="http://schemas.openxmlformats.org/presentationml/2006/main">
-  <p:tag name="OTLMARKERSHAPE" val="OTL"/>
-</p:tagLst>
-</file>
-
-<file path=ppt/tags/tag53.xml><?xml version="1.0" encoding="utf-8"?>
-<p:tagLst xmlns:a="http://schemas.openxmlformats.org/drawingml/2006/main" xmlns:r="http://schemas.openxmlformats.org/officeDocument/2006/relationships" xmlns:p="http://schemas.openxmlformats.org/presentationml/2006/main">
-  <p:tag name="OTLMARKERSHAPE" val="OTL"/>
-</p:tagLst>
-</file>
-
-<file path=ppt/tags/tag54.xml><?xml version="1.0" encoding="utf-8"?>
-<p:tagLst xmlns:a="http://schemas.openxmlformats.org/drawingml/2006/main" xmlns:r="http://schemas.openxmlformats.org/officeDocument/2006/relationships" xmlns:p="http://schemas.openxmlformats.org/presentationml/2006/main">
-  <p:tag name="OTLMARKERSHAPE" val="OTL"/>
-</p:tagLst>
-</file>
-
-<file path=ppt/tags/tag55.xml><?xml version="1.0" encoding="utf-8"?>
-<p:tagLst xmlns:a="http://schemas.openxmlformats.org/drawingml/2006/main" xmlns:r="http://schemas.openxmlformats.org/officeDocument/2006/relationships" xmlns:p="http://schemas.openxmlformats.org/presentationml/2006/main">
-  <p:tag name="OTLMARKERSHAPE" val="OTL"/>
-</p:tagLst>
-</file>
-
-<file path=ppt/tags/tag6.xml><?xml version="1.0" encoding="utf-8"?>
+<file path=ppt/tags/tag73.xml><?xml version="1.0" encoding="utf-8"?>
 <p:tagLst xmlns:a="http://schemas.openxmlformats.org/drawingml/2006/main" xmlns:r="http://schemas.openxmlformats.org/officeDocument/2006/relationships" xmlns:p="http://schemas.openxmlformats.org/presentationml/2006/main">
   <p:tag name="OTLTODAYPOSITION" val="Below"/>
   <p:tag name="OTLMARKERSHAPE" val="OTL"/>
 </p:tagLst>
 </file>
 
-<file path=ppt/tags/tag7.xml><?xml version="1.0" encoding="utf-8"?>
+<file path=ppt/tags/tag74.xml><?xml version="1.0" encoding="utf-8"?>
+<p:tagLst xmlns:a="http://schemas.openxmlformats.org/drawingml/2006/main" xmlns:r="http://schemas.openxmlformats.org/officeDocument/2006/relationships" xmlns:p="http://schemas.openxmlformats.org/presentationml/2006/main">
+  <p:tag name="OTLMARKERSHAPE" val="OTL"/>
+</p:tagLst>
+</file>
+
+<file path=ppt/tags/tag75.xml><?xml version="1.0" encoding="utf-8"?>
+<p:tagLst xmlns:a="http://schemas.openxmlformats.org/drawingml/2006/main" xmlns:r="http://schemas.openxmlformats.org/officeDocument/2006/relationships" xmlns:p="http://schemas.openxmlformats.org/presentationml/2006/main">
+  <p:tag name="OTLMARKERSHAPE" val="OTL"/>
+</p:tagLst>
+</file>
+
+<file path=ppt/tags/tag76.xml><?xml version="1.0" encoding="utf-8"?>
+<p:tagLst xmlns:a="http://schemas.openxmlformats.org/drawingml/2006/main" xmlns:r="http://schemas.openxmlformats.org/officeDocument/2006/relationships" xmlns:p="http://schemas.openxmlformats.org/presentationml/2006/main">
+  <p:tag name="OTLMARKERSHAPE" val="OTL"/>
+</p:tagLst>
+</file>
+
+<file path=ppt/tags/tag77.xml><?xml version="1.0" encoding="utf-8"?>
+<p:tagLst xmlns:a="http://schemas.openxmlformats.org/drawingml/2006/main" xmlns:r="http://schemas.openxmlformats.org/officeDocument/2006/relationships" xmlns:p="http://schemas.openxmlformats.org/presentationml/2006/main">
+  <p:tag name="OTLMARKERSHAPE" val="OTL"/>
+</p:tagLst>
+</file>
+
+<file path=ppt/tags/tag78.xml><?xml version="1.0" encoding="utf-8"?>
+<p:tagLst xmlns:a="http://schemas.openxmlformats.org/drawingml/2006/main" xmlns:r="http://schemas.openxmlformats.org/officeDocument/2006/relationships" xmlns:p="http://schemas.openxmlformats.org/presentationml/2006/main">
+  <p:tag name="OTLMARKERSHAPE" val="OTL"/>
+</p:tagLst>
+</file>
+
+<file path=ppt/tags/tag79.xml><?xml version="1.0" encoding="utf-8"?>
 <p:tagLst xmlns:a="http://schemas.openxmlformats.org/drawingml/2006/main" xmlns:r="http://schemas.openxmlformats.org/officeDocument/2006/relationships" xmlns:p="http://schemas.openxmlformats.org/presentationml/2006/main">
   <p:tag name="OTLMARKERSHAPE" val="OTL"/>
 </p:tagLst>
@@ -6239,7 +9029,172 @@
 </p:tagLst>
 </file>
 
+<file path=ppt/tags/tag80.xml><?xml version="1.0" encoding="utf-8"?>
+<p:tagLst xmlns:a="http://schemas.openxmlformats.org/drawingml/2006/main" xmlns:r="http://schemas.openxmlformats.org/officeDocument/2006/relationships" xmlns:p="http://schemas.openxmlformats.org/presentationml/2006/main">
+  <p:tag name="OTLMARKERSHAPE" val="OTL"/>
+</p:tagLst>
+</file>
+
+<file path=ppt/tags/tag81.xml><?xml version="1.0" encoding="utf-8"?>
+<p:tagLst xmlns:a="http://schemas.openxmlformats.org/drawingml/2006/main" xmlns:r="http://schemas.openxmlformats.org/officeDocument/2006/relationships" xmlns:p="http://schemas.openxmlformats.org/presentationml/2006/main">
+  <p:tag name="OTLDATEFORMATSTRING" val="MMM d"/>
+  <p:tag name="OTLDATEFORMATSEPARATOR" val="/"/>
+  <p:tag name="OTLDATEFORMATUSEUS" val="True"/>
+  <p:tag name="OTLDATEFORMATDATEISVISIBLE" val="True"/>
+  <p:tag name="OTLDATEFORMATTIMEISVISIBLE" val="False"/>
+  <p:tag name="OTLDATEFORMATAMPMDESIGNATOR" val="AmPmLowerCase"/>
+  <p:tag name="OTLDATEFORMATHOURDIGITS" val="H"/>
+  <p:tag name="OTLDATEFORMATTRIM00MINUTES" val="False"/>
+  <p:tag name="OTLWEEKNUMBERINGFORMAT" val="WNFormat1"/>
+  <p:tag name="OTLWEEKNUMBERINGISVISIBLE" val="False"/>
+  <p:tag name="OTLDURATIONFORMAT" val="day"/>
+  <p:tag name="OTLSPACING" val="5"/>
+  <p:tag name="OTLSHAPETHICKNESSTYPE" val="Regular"/>
+  <p:tag name="OTLMARKERSHAPE" val="OTL"/>
+  <p:tag name="OTLSTARTDATE" val="2022-05-03T00:00:00.0000000Z"/>
+  <p:tag name="OTLENDDATE" val="2022-05-06T23:59:00.0000000Z"/>
+</p:tagLst>
+</file>
+
+<file path=ppt/tags/tag82.xml><?xml version="1.0" encoding="utf-8"?>
+<p:tagLst xmlns:a="http://schemas.openxmlformats.org/drawingml/2006/main" xmlns:r="http://schemas.openxmlformats.org/officeDocument/2006/relationships" xmlns:p="http://schemas.openxmlformats.org/presentationml/2006/main">
+  <p:tag name="OTLDATEFORMATSTRING" val="MMM d"/>
+  <p:tag name="OTLDATEFORMATSEPARATOR" val="/"/>
+  <p:tag name="OTLDATEFORMATUSEUS" val="True"/>
+  <p:tag name="OTLDATEFORMATDATEISVISIBLE" val="True"/>
+  <p:tag name="OTLDATEFORMATTIMEISVISIBLE" val="False"/>
+  <p:tag name="OTLDATEFORMATAMPMDESIGNATOR" val="AmPmLowerCase"/>
+  <p:tag name="OTLDATEFORMATHOURDIGITS" val="H"/>
+  <p:tag name="OTLDATEFORMATTRIM00MINUTES" val="False"/>
+  <p:tag name="OTLWEEKNUMBERINGFORMAT" val="WNFormat1"/>
+  <p:tag name="OTLWEEKNUMBERINGISVISIBLE" val="False"/>
+  <p:tag name="OTLDURATIONFORMAT" val="day"/>
+  <p:tag name="OTLSPACING" val="5"/>
+  <p:tag name="OTLSHAPETHICKNESSTYPE" val="Regular"/>
+  <p:tag name="OTLMARKERSHAPE" val="OTL"/>
+  <p:tag name="OTLSTARTDATE" val="2022-05-03T00:00:00.0000000Z"/>
+  <p:tag name="OTLENDDATE" val="2022-05-11T23:59:00.0000000Z"/>
+</p:tagLst>
+</file>
+
+<file path=ppt/tags/tag83.xml><?xml version="1.0" encoding="utf-8"?>
+<p:tagLst xmlns:a="http://schemas.openxmlformats.org/drawingml/2006/main" xmlns:r="http://schemas.openxmlformats.org/officeDocument/2006/relationships" xmlns:p="http://schemas.openxmlformats.org/presentationml/2006/main">
+  <p:tag name="OTLDATEFORMATSTRING" val="MMM d"/>
+  <p:tag name="OTLDATEFORMATSEPARATOR" val="/"/>
+  <p:tag name="OTLDATEFORMATUSEUS" val="True"/>
+  <p:tag name="OTLDATEFORMATDATEISVISIBLE" val="True"/>
+  <p:tag name="OTLDATEFORMATTIMEISVISIBLE" val="False"/>
+  <p:tag name="OTLDATEFORMATAMPMDESIGNATOR" val="AmPmLowerCase"/>
+  <p:tag name="OTLDATEFORMATHOURDIGITS" val="H"/>
+  <p:tag name="OTLDATEFORMATTRIM00MINUTES" val="False"/>
+  <p:tag name="OTLWEEKNUMBERINGFORMAT" val="WNFormat1"/>
+  <p:tag name="OTLWEEKNUMBERINGISVISIBLE" val="False"/>
+  <p:tag name="OTLDURATIONFORMAT" val="day"/>
+  <p:tag name="OTLSPACING" val="5"/>
+  <p:tag name="OTLSHAPETHICKNESSTYPE" val="Regular"/>
+  <p:tag name="OTLMARKERSHAPE" val="OTL"/>
+  <p:tag name="OTLSTARTDATE" val="2022-05-03T00:00:00.0000000Z"/>
+  <p:tag name="OTLENDDATE" val="2022-05-18T23:59:00.0000000Z"/>
+</p:tagLst>
+</file>
+
+<file path=ppt/tags/tag84.xml><?xml version="1.0" encoding="utf-8"?>
+<p:tagLst xmlns:a="http://schemas.openxmlformats.org/drawingml/2006/main" xmlns:r="http://schemas.openxmlformats.org/officeDocument/2006/relationships" xmlns:p="http://schemas.openxmlformats.org/presentationml/2006/main">
+  <p:tag name="OTLMARKERSHAPE" val="OTL"/>
+</p:tagLst>
+</file>
+
+<file path=ppt/tags/tag85.xml><?xml version="1.0" encoding="utf-8"?>
+<p:tagLst xmlns:a="http://schemas.openxmlformats.org/drawingml/2006/main" xmlns:r="http://schemas.openxmlformats.org/officeDocument/2006/relationships" xmlns:p="http://schemas.openxmlformats.org/presentationml/2006/main">
+  <p:tag name="OTLMARKERSHAPE" val="OTL"/>
+</p:tagLst>
+</file>
+
+<file path=ppt/tags/tag86.xml><?xml version="1.0" encoding="utf-8"?>
+<p:tagLst xmlns:a="http://schemas.openxmlformats.org/drawingml/2006/main" xmlns:r="http://schemas.openxmlformats.org/officeDocument/2006/relationships" xmlns:p="http://schemas.openxmlformats.org/presentationml/2006/main">
+  <p:tag name="OTLMARKERSHAPE" val="OTL"/>
+</p:tagLst>
+</file>
+
+<file path=ppt/tags/tag87.xml><?xml version="1.0" encoding="utf-8"?>
+<p:tagLst xmlns:a="http://schemas.openxmlformats.org/drawingml/2006/main" xmlns:r="http://schemas.openxmlformats.org/officeDocument/2006/relationships" xmlns:p="http://schemas.openxmlformats.org/presentationml/2006/main">
+  <p:tag name="OTLMARKERSHAPE" val="OTL"/>
+</p:tagLst>
+</file>
+
+<file path=ppt/tags/tag88.xml><?xml version="1.0" encoding="utf-8"?>
+<p:tagLst xmlns:a="http://schemas.openxmlformats.org/drawingml/2006/main" xmlns:r="http://schemas.openxmlformats.org/officeDocument/2006/relationships" xmlns:p="http://schemas.openxmlformats.org/presentationml/2006/main">
+  <p:tag name="OTLMARKERSHAPE" val="OTL"/>
+</p:tagLst>
+</file>
+
+<file path=ppt/tags/tag89.xml><?xml version="1.0" encoding="utf-8"?>
+<p:tagLst xmlns:a="http://schemas.openxmlformats.org/drawingml/2006/main" xmlns:r="http://schemas.openxmlformats.org/officeDocument/2006/relationships" xmlns:p="http://schemas.openxmlformats.org/presentationml/2006/main">
+  <p:tag name="OTLMARKERSHAPE" val="OTL"/>
+</p:tagLst>
+</file>
+
 <file path=ppt/tags/tag9.xml><?xml version="1.0" encoding="utf-8"?>
+<p:tagLst xmlns:a="http://schemas.openxmlformats.org/drawingml/2006/main" xmlns:r="http://schemas.openxmlformats.org/officeDocument/2006/relationships" xmlns:p="http://schemas.openxmlformats.org/presentationml/2006/main">
+  <p:tag name="OTLMARKERSHAPE" val="OTL"/>
+</p:tagLst>
+</file>
+
+<file path=ppt/tags/tag90.xml><?xml version="1.0" encoding="utf-8"?>
+<p:tagLst xmlns:a="http://schemas.openxmlformats.org/drawingml/2006/main" xmlns:r="http://schemas.openxmlformats.org/officeDocument/2006/relationships" xmlns:p="http://schemas.openxmlformats.org/presentationml/2006/main">
+  <p:tag name="OTLMARKERSHAPE" val="OTL"/>
+</p:tagLst>
+</file>
+
+<file path=ppt/tags/tag91.xml><?xml version="1.0" encoding="utf-8"?>
+<p:tagLst xmlns:a="http://schemas.openxmlformats.org/drawingml/2006/main" xmlns:r="http://schemas.openxmlformats.org/officeDocument/2006/relationships" xmlns:p="http://schemas.openxmlformats.org/presentationml/2006/main">
+  <p:tag name="OTLMARKERSHAPE" val="OTL"/>
+</p:tagLst>
+</file>
+
+<file path=ppt/tags/tag92.xml><?xml version="1.0" encoding="utf-8"?>
+<p:tagLst xmlns:a="http://schemas.openxmlformats.org/drawingml/2006/main" xmlns:r="http://schemas.openxmlformats.org/officeDocument/2006/relationships" xmlns:p="http://schemas.openxmlformats.org/presentationml/2006/main">
+  <p:tag name="OTLMARKERSHAPE" val="OTL"/>
+</p:tagLst>
+</file>
+
+<file path=ppt/tags/tag93.xml><?xml version="1.0" encoding="utf-8"?>
+<p:tagLst xmlns:a="http://schemas.openxmlformats.org/drawingml/2006/main" xmlns:r="http://schemas.openxmlformats.org/officeDocument/2006/relationships" xmlns:p="http://schemas.openxmlformats.org/presentationml/2006/main">
+  <p:tag name="OTLMARKERSHAPE" val="OTL"/>
+</p:tagLst>
+</file>
+
+<file path=ppt/tags/tag94.xml><?xml version="1.0" encoding="utf-8"?>
+<p:tagLst xmlns:a="http://schemas.openxmlformats.org/drawingml/2006/main" xmlns:r="http://schemas.openxmlformats.org/officeDocument/2006/relationships" xmlns:p="http://schemas.openxmlformats.org/presentationml/2006/main">
+  <p:tag name="OTLMARKERSHAPE" val="OTL"/>
+</p:tagLst>
+</file>
+
+<file path=ppt/tags/tag95.xml><?xml version="1.0" encoding="utf-8"?>
+<p:tagLst xmlns:a="http://schemas.openxmlformats.org/drawingml/2006/main" xmlns:r="http://schemas.openxmlformats.org/officeDocument/2006/relationships" xmlns:p="http://schemas.openxmlformats.org/presentationml/2006/main">
+  <p:tag name="OTLMARKERSHAPE" val="OTL"/>
+</p:tagLst>
+</file>
+
+<file path=ppt/tags/tag96.xml><?xml version="1.0" encoding="utf-8"?>
+<p:tagLst xmlns:a="http://schemas.openxmlformats.org/drawingml/2006/main" xmlns:r="http://schemas.openxmlformats.org/officeDocument/2006/relationships" xmlns:p="http://schemas.openxmlformats.org/presentationml/2006/main">
+  <p:tag name="OTLMARKERSHAPE" val="OTL"/>
+</p:tagLst>
+</file>
+
+<file path=ppt/tags/tag97.xml><?xml version="1.0" encoding="utf-8"?>
+<p:tagLst xmlns:a="http://schemas.openxmlformats.org/drawingml/2006/main" xmlns:r="http://schemas.openxmlformats.org/officeDocument/2006/relationships" xmlns:p="http://schemas.openxmlformats.org/presentationml/2006/main">
+  <p:tag name="OTLMARKERSHAPE" val="OTL"/>
+</p:tagLst>
+</file>
+
+<file path=ppt/tags/tag98.xml><?xml version="1.0" encoding="utf-8"?>
+<p:tagLst xmlns:a="http://schemas.openxmlformats.org/drawingml/2006/main" xmlns:r="http://schemas.openxmlformats.org/officeDocument/2006/relationships" xmlns:p="http://schemas.openxmlformats.org/presentationml/2006/main">
+  <p:tag name="OTLMARKERSHAPE" val="OTL"/>
+</p:tagLst>
+</file>
+
+<file path=ppt/tags/tag99.xml><?xml version="1.0" encoding="utf-8"?>
 <p:tagLst xmlns:a="http://schemas.openxmlformats.org/drawingml/2006/main" xmlns:r="http://schemas.openxmlformats.org/officeDocument/2006/relationships" xmlns:p="http://schemas.openxmlformats.org/presentationml/2006/main">
   <p:tag name="OTLMARKERSHAPE" val="OTL"/>
 </p:tagLst>
@@ -6507,6 +9462,21 @@
 </file>
 
 <file path=customXml/item1.xml><?xml version="1.0" encoding="utf-8"?>
+<?mso-contentType ?>
+<FormTemplates xmlns="http://schemas.microsoft.com/sharepoint/v3/contenttype/forms">
+  <Display>DocumentLibraryForm</Display>
+  <Edit>DocumentLibraryForm</Edit>
+  <New>DocumentLibraryForm</New>
+</FormTemplates>
+</file>
+
+<file path=customXml/item2.xml><?xml version="1.0" encoding="utf-8"?>
+<p:properties xmlns:p="http://schemas.microsoft.com/office/2006/metadata/properties" xmlns:xsi="http://www.w3.org/2001/XMLSchema-instance" xmlns:pc="http://schemas.microsoft.com/office/infopath/2007/PartnerControls">
+  <documentManagement/>
+</p:properties>
+</file>
+
+<file path=customXml/item3.xml><?xml version="1.0" encoding="utf-8"?>
 <ct:contentTypeSchema xmlns:ct="http://schemas.microsoft.com/office/2006/metadata/contentType" xmlns:ma="http://schemas.microsoft.com/office/2006/metadata/properties/metaAttributes" ct:_="" ma:_="" ma:contentTypeName="Document" ma:contentTypeID="0x0101009F5D4579C79BA848862C07EA745A59DA" ma:contentTypeVersion="12" ma:contentTypeDescription="Create a new document." ma:contentTypeScope="" ma:versionID="561b97d3cd4e430cff1b017a8df43b50">
   <xsd:schema xmlns:xsd="http://www.w3.org/2001/XMLSchema" xmlns:xs="http://www.w3.org/2001/XMLSchema" xmlns:p="http://schemas.microsoft.com/office/2006/metadata/properties" xmlns:ns3="7a019f6c-b0e0-4e4c-a8bf-0404b70041b7" xmlns:ns4="3a44955a-9611-4e11-b394-5c7f996d2a5e" targetNamespace="http://schemas.microsoft.com/office/2006/metadata/properties" ma:root="true" ma:fieldsID="f385fe62994dfd7c4b5d8e86d7939601" ns3:_="" ns4:_="">
     <xsd:import namespace="7a019f6c-b0e0-4e4c-a8bf-0404b70041b7"/>
@@ -6723,22 +9693,32 @@
 </ct:contentTypeSchema>
 </file>
 
-<file path=customXml/item2.xml><?xml version="1.0" encoding="utf-8"?>
-<p:properties xmlns:p="http://schemas.microsoft.com/office/2006/metadata/properties" xmlns:xsi="http://www.w3.org/2001/XMLSchema-instance" xmlns:pc="http://schemas.microsoft.com/office/infopath/2007/PartnerControls">
-  <documentManagement/>
-</p:properties>
-</file>
-
-<file path=customXml/item3.xml><?xml version="1.0" encoding="utf-8"?>
-<?mso-contentType ?>
-<FormTemplates xmlns="http://schemas.microsoft.com/sharepoint/v3/contenttype/forms">
-  <Display>DocumentLibraryForm</Display>
-  <Edit>DocumentLibraryForm</Edit>
-  <New>DocumentLibraryForm</New>
-</FormTemplates>
-</file>
-
 <file path=customXml/itemProps1.xml><?xml version="1.0" encoding="utf-8"?>
+<ds:datastoreItem xmlns:ds="http://schemas.openxmlformats.org/officeDocument/2006/customXml" ds:itemID="{B9505F6C-6655-4394-A390-5D0FFB49AEA6}">
+  <ds:schemaRefs>
+    <ds:schemaRef ds:uri="http://schemas.microsoft.com/sharepoint/v3/contenttype/forms"/>
+  </ds:schemaRefs>
+</ds:datastoreItem>
+</file>
+
+<file path=customXml/itemProps2.xml><?xml version="1.0" encoding="utf-8"?>
+<ds:datastoreItem xmlns:ds="http://schemas.openxmlformats.org/officeDocument/2006/customXml" ds:itemID="{A75EC8C0-5113-4EFD-AE80-6BEE7563151B}">
+  <ds:schemaRefs>
+    <ds:schemaRef ds:uri="7a019f6c-b0e0-4e4c-a8bf-0404b70041b7"/>
+    <ds:schemaRef ds:uri="3a44955a-9611-4e11-b394-5c7f996d2a5e"/>
+    <ds:schemaRef ds:uri="http://schemas.microsoft.com/office/2006/metadata/properties"/>
+    <ds:schemaRef ds:uri="http://www.w3.org/XML/1998/namespace"/>
+    <ds:schemaRef ds:uri="http://schemas.microsoft.com/office/infopath/2007/PartnerControls"/>
+    <ds:schemaRef ds:uri="http://purl.org/dc/terms/"/>
+    <ds:schemaRef ds:uri="http://schemas.openxmlformats.org/package/2006/metadata/core-properties"/>
+    <ds:schemaRef ds:uri="http://schemas.microsoft.com/office/2006/documentManagement/types"/>
+    <ds:schemaRef ds:uri="http://purl.org/dc/dcmitype/"/>
+    <ds:schemaRef ds:uri="http://purl.org/dc/elements/1.1/"/>
+  </ds:schemaRefs>
+</ds:datastoreItem>
+</file>
+
+<file path=customXml/itemProps3.xml><?xml version="1.0" encoding="utf-8"?>
 <ds:datastoreItem xmlns:ds="http://schemas.openxmlformats.org/officeDocument/2006/customXml" ds:itemID="{155CF974-FFF5-49BF-A517-7EABF81AD041}">
   <ds:schemaRefs>
     <ds:schemaRef ds:uri="http://schemas.microsoft.com/office/2006/metadata/contentType"/>
@@ -6755,29 +9735,4 @@
     <ds:schemaRef ds:uri="http://schemas.microsoft.com/internal/obd"/>
   </ds:schemaRefs>
 </ds:datastoreItem>
-</file>
-
-<file path=customXml/itemProps2.xml><?xml version="1.0" encoding="utf-8"?>
-<ds:datastoreItem xmlns:ds="http://schemas.openxmlformats.org/officeDocument/2006/customXml" ds:itemID="{A75EC8C0-5113-4EFD-AE80-6BEE7563151B}">
-  <ds:schemaRefs>
-    <ds:schemaRef ds:uri="7a019f6c-b0e0-4e4c-a8bf-0404b70041b7"/>
-    <ds:schemaRef ds:uri="3a44955a-9611-4e11-b394-5c7f996d2a5e"/>
-    <ds:schemaRef ds:uri="http://schemas.microsoft.com/office/2006/metadata/properties"/>
-    <ds:schemaRef ds:uri="http://www.w3.org/XML/1998/namespace"/>
-    <ds:schemaRef ds:uri="http://schemas.microsoft.com/office/infopath/2007/PartnerControls"/>
-    <ds:schemaRef ds:uri="http://purl.org/dc/terms/"/>
-    <ds:schemaRef ds:uri="http://schemas.openxmlformats.org/package/2006/metadata/core-properties"/>
-    <ds:schemaRef ds:uri="http://schemas.microsoft.com/office/2006/documentManagement/types"/>
-    <ds:schemaRef ds:uri="http://purl.org/dc/dcmitype/"/>
-    <ds:schemaRef ds:uri="http://purl.org/dc/elements/1.1/"/>
-  </ds:schemaRefs>
-</ds:datastoreItem>
-</file>
-
-<file path=customXml/itemProps3.xml><?xml version="1.0" encoding="utf-8"?>
-<ds:datastoreItem xmlns:ds="http://schemas.openxmlformats.org/officeDocument/2006/customXml" ds:itemID="{B9505F6C-6655-4394-A390-5D0FFB49AEA6}">
-  <ds:schemaRefs>
-    <ds:schemaRef ds:uri="http://schemas.microsoft.com/sharepoint/v3/contenttype/forms"/>
-  </ds:schemaRefs>
-</ds:datastoreItem>
 </file>
--- a/Gantt_chart_Msc_Bioinf.pptx
+++ b/Gantt_chart_Msc_Bioinf.pptx
@@ -6,7 +6,7 @@
   </p:sldMasterIdLst>
   <p:sldIdLst>
     <p:sldId id="271" r:id="rId5"/>
-    <p:sldId id="272" r:id="rId6"/>
+    <p:sldId id="273" r:id="rId6"/>
   </p:sldIdLst>
   <p:sldSz cx="12192000" cy="6858000"/>
   <p:notesSz cx="6858000" cy="9144000"/>
@@ -253,7 +253,7 @@
           <a:p>
             <a:fld id="{FE109C0C-FC66-4590-BD55-29E450DD3C9E}" type="datetimeFigureOut">
               <a:rPr lang="en-US" smtClean="0"/>
-              <a:t>4/11/2022</a:t>
+              <a:t>5/9/2022</a:t>
             </a:fld>
             <a:endParaRPr lang="en-US" dirty="0"/>
           </a:p>
@@ -421,7 +421,7 @@
           <a:p>
             <a:fld id="{FE109C0C-FC66-4590-BD55-29E450DD3C9E}" type="datetimeFigureOut">
               <a:rPr lang="en-US" smtClean="0"/>
-              <a:t>4/11/2022</a:t>
+              <a:t>5/9/2022</a:t>
             </a:fld>
             <a:endParaRPr lang="en-US" dirty="0"/>
           </a:p>
@@ -599,7 +599,7 @@
           <a:p>
             <a:fld id="{FE109C0C-FC66-4590-BD55-29E450DD3C9E}" type="datetimeFigureOut">
               <a:rPr lang="en-US" smtClean="0"/>
-              <a:t>4/11/2022</a:t>
+              <a:t>5/9/2022</a:t>
             </a:fld>
             <a:endParaRPr lang="en-US" dirty="0"/>
           </a:p>
@@ -767,7 +767,7 @@
           <a:p>
             <a:fld id="{FE109C0C-FC66-4590-BD55-29E450DD3C9E}" type="datetimeFigureOut">
               <a:rPr lang="en-US" smtClean="0"/>
-              <a:t>4/11/2022</a:t>
+              <a:t>5/9/2022</a:t>
             </a:fld>
             <a:endParaRPr lang="en-US" dirty="0"/>
           </a:p>
@@ -1012,7 +1012,7 @@
           <a:p>
             <a:fld id="{FE109C0C-FC66-4590-BD55-29E450DD3C9E}" type="datetimeFigureOut">
               <a:rPr lang="en-US" smtClean="0"/>
-              <a:t>4/11/2022</a:t>
+              <a:t>5/9/2022</a:t>
             </a:fld>
             <a:endParaRPr lang="en-US" dirty="0"/>
           </a:p>
@@ -1241,7 +1241,7 @@
           <a:p>
             <a:fld id="{FE109C0C-FC66-4590-BD55-29E450DD3C9E}" type="datetimeFigureOut">
               <a:rPr lang="en-US" smtClean="0"/>
-              <a:t>4/11/2022</a:t>
+              <a:t>5/9/2022</a:t>
             </a:fld>
             <a:endParaRPr lang="en-US" dirty="0"/>
           </a:p>
@@ -1605,7 +1605,7 @@
           <a:p>
             <a:fld id="{FE109C0C-FC66-4590-BD55-29E450DD3C9E}" type="datetimeFigureOut">
               <a:rPr lang="en-US" smtClean="0"/>
-              <a:t>4/11/2022</a:t>
+              <a:t>5/9/2022</a:t>
             </a:fld>
             <a:endParaRPr lang="en-US" dirty="0"/>
           </a:p>
@@ -1722,7 +1722,7 @@
           <a:p>
             <a:fld id="{FE109C0C-FC66-4590-BD55-29E450DD3C9E}" type="datetimeFigureOut">
               <a:rPr lang="en-US" smtClean="0"/>
-              <a:t>4/11/2022</a:t>
+              <a:t>5/9/2022</a:t>
             </a:fld>
             <a:endParaRPr lang="en-US" dirty="0"/>
           </a:p>
@@ -1817,7 +1817,7 @@
           <a:p>
             <a:fld id="{FE109C0C-FC66-4590-BD55-29E450DD3C9E}" type="datetimeFigureOut">
               <a:rPr lang="en-US" smtClean="0"/>
-              <a:t>4/11/2022</a:t>
+              <a:t>5/9/2022</a:t>
             </a:fld>
             <a:endParaRPr lang="en-US" dirty="0"/>
           </a:p>
@@ -2092,7 +2092,7 @@
           <a:p>
             <a:fld id="{FE109C0C-FC66-4590-BD55-29E450DD3C9E}" type="datetimeFigureOut">
               <a:rPr lang="en-US" smtClean="0"/>
-              <a:t>4/11/2022</a:t>
+              <a:t>5/9/2022</a:t>
             </a:fld>
             <a:endParaRPr lang="en-US" dirty="0"/>
           </a:p>
@@ -2344,7 +2344,7 @@
           <a:p>
             <a:fld id="{FE109C0C-FC66-4590-BD55-29E450DD3C9E}" type="datetimeFigureOut">
               <a:rPr lang="en-US" smtClean="0"/>
-              <a:t>4/11/2022</a:t>
+              <a:t>5/9/2022</a:t>
             </a:fld>
             <a:endParaRPr lang="en-US" dirty="0"/>
           </a:p>
@@ -2555,7 +2555,7 @@
           <a:p>
             <a:fld id="{FE109C0C-FC66-4590-BD55-29E450DD3C9E}" type="datetimeFigureOut">
               <a:rPr lang="en-US" smtClean="0"/>
-              <a:t>4/11/2022</a:t>
+              <a:t>5/9/2022</a:t>
             </a:fld>
             <a:endParaRPr lang="en-US" dirty="0"/>
           </a:p>
@@ -3144,7 +3144,7 @@
       </p:sp>
       <p:sp>
         <p:nvSpPr>
-          <p:cNvPr id="5" name="OTLSHAPE_TB_00000000000000000000000000000000_ElapsedTime">
+          <p:cNvPr id="5" name="OTLSHAPE_TB_00000000000000000000000000000000_ElapsedTime" hidden="1">
             <a:extLst>
               <a:ext uri="{FF2B5EF4-FFF2-40B4-BE49-F238E27FC236}">
                 <a16:creationId xmlns:a16="http://schemas.microsoft.com/office/drawing/2014/main" id="{5986A0EF-B1A9-461C-9E9F-10002E939140}"/>
@@ -3160,8 +3160,8 @@
         </p:nvSpPr>
         <p:spPr>
           <a:xfrm>
-            <a:off x="1155700" y="5346700"/>
-            <a:ext cx="6908800" cy="50800"/>
+            <a:off x="1155700" y="5143500"/>
+            <a:ext cx="0" cy="0"/>
           </a:xfrm>
           <a:prstGeom prst="roundRect">
             <a:avLst/>
@@ -3225,7 +3225,7 @@
       </p:sp>
       <p:sp>
         <p:nvSpPr>
-          <p:cNvPr id="6" name="OTLSHAPE_TB_00000000000000000000000000000000_TodayMarkerShape">
+          <p:cNvPr id="6" name="OTLSHAPE_TB_00000000000000000000000000000000_TodayMarkerShape" hidden="1">
             <a:extLst>
               <a:ext uri="{FF2B5EF4-FFF2-40B4-BE49-F238E27FC236}">
                 <a16:creationId xmlns:a16="http://schemas.microsoft.com/office/drawing/2014/main" id="{ECB5192A-050F-47B7-890C-F6D375902A2C}"/>
@@ -3241,7 +3241,7 @@
         </p:nvSpPr>
         <p:spPr>
           <a:xfrm>
-            <a:off x="8026763" y="5397500"/>
+            <a:off x="1119414" y="5397500"/>
             <a:ext cx="76200" cy="84667"/>
           </a:xfrm>
           <a:prstGeom prst="triangle">
@@ -3297,7 +3297,7 @@
       </p:sp>
       <p:sp>
         <p:nvSpPr>
-          <p:cNvPr id="7" name="OTLSHAPE_TB_00000000000000000000000000000000_TodayMarkerText">
+          <p:cNvPr id="7" name="OTLSHAPE_TB_00000000000000000000000000000000_TodayMarkerText" hidden="1">
             <a:extLst>
               <a:ext uri="{FF2B5EF4-FFF2-40B4-BE49-F238E27FC236}">
                 <a16:creationId xmlns:a16="http://schemas.microsoft.com/office/drawing/2014/main" id="{7C8EE3A8-1272-4218-8EEC-AF25C8C2431D}"/>
@@ -3314,7 +3314,7 @@
         <p:spPr>
           <a:xfrm>
             <a:off x="7882920" y="5482167"/>
-            <a:ext cx="368300" cy="186055"/>
+            <a:ext cx="0" cy="0"/>
           </a:xfrm>
           <a:prstGeom prst="rect">
             <a:avLst/>
@@ -3403,7 +3403,7 @@
         <p:spPr>
           <a:xfrm>
             <a:off x="6385750" y="5177472"/>
-            <a:ext cx="219740" cy="186055"/>
+            <a:ext cx="222818" cy="186055"/>
           </a:xfrm>
           <a:prstGeom prst="rect">
             <a:avLst/>
@@ -3751,8 +3751,8 @@
         </p:nvSpPr>
         <p:spPr>
           <a:xfrm>
-            <a:off x="6822239" y="3937000"/>
-            <a:ext cx="1511300" cy="203200"/>
+            <a:off x="6822239" y="4203700"/>
+            <a:ext cx="1841500" cy="203200"/>
           </a:xfrm>
           <a:prstGeom prst="roundRect">
             <a:avLst/>
@@ -3819,7 +3819,7 @@
         </p:nvSpPr>
         <p:spPr>
           <a:xfrm>
-            <a:off x="7988879" y="4203700"/>
+            <a:off x="9322182" y="4470400"/>
             <a:ext cx="673100" cy="203200"/>
           </a:xfrm>
           <a:prstGeom prst="roundRect">
@@ -3887,8 +3887,8 @@
         </p:nvSpPr>
         <p:spPr>
           <a:xfrm>
-            <a:off x="8322204" y="4470400"/>
-            <a:ext cx="1168400" cy="203200"/>
+            <a:off x="10322159" y="4737100"/>
+            <a:ext cx="838200" cy="203200"/>
           </a:xfrm>
           <a:prstGeom prst="roundRect">
             <a:avLst/>
@@ -3939,10 +3939,10 @@
       </p:sp>
       <p:sp>
         <p:nvSpPr>
-          <p:cNvPr id="29" name="OTLSHAPE_T_a9e75211bf4d415fa4154823df1e958d_Shape">
-            <a:extLst>
-              <a:ext uri="{FF2B5EF4-FFF2-40B4-BE49-F238E27FC236}">
-                <a16:creationId xmlns:a16="http://schemas.microsoft.com/office/drawing/2014/main" id="{F85920D7-B306-4352-B80D-61BD6B7BBCFC}"/>
+          <p:cNvPr id="10" name="OTLSHAPE_T_611ff037ffe641cc841d78e21fd75093_Shape">
+            <a:extLst>
+              <a:ext uri="{FF2B5EF4-FFF2-40B4-BE49-F238E27FC236}">
+                <a16:creationId xmlns:a16="http://schemas.microsoft.com/office/drawing/2014/main" id="{7FC5C1E7-6FFB-80D3-E02C-B1CF8D234941}"/>
               </a:ext>
             </a:extLst>
           </p:cNvPr>
@@ -3955,14 +3955,14 @@
         </p:nvSpPr>
         <p:spPr>
           <a:xfrm>
-            <a:off x="9322182" y="4737100"/>
-            <a:ext cx="1511300" cy="203200"/>
+            <a:off x="6822239" y="3937000"/>
+            <a:ext cx="1168400" cy="203200"/>
           </a:xfrm>
           <a:prstGeom prst="roundRect">
             <a:avLst/>
           </a:prstGeom>
           <a:solidFill>
-            <a:srgbClr val="C09EE2"/>
+            <a:srgbClr val="B20E12"/>
           </a:solidFill>
           <a:ln w="12700" cap="flat" cmpd="sng" algn="ctr">
             <a:noFill/>
@@ -4251,7 +4251,7 @@
         </p:nvSpPr>
         <p:spPr>
           <a:xfrm>
-            <a:off x="6822239" y="3937000"/>
+            <a:off x="6822239" y="4203700"/>
             <a:ext cx="0" cy="0"/>
           </a:xfrm>
           <a:prstGeom prst="roundRect">
@@ -4325,7 +4325,7 @@
         </p:nvSpPr>
         <p:spPr>
           <a:xfrm>
-            <a:off x="7988879" y="4203700"/>
+            <a:off x="9322182" y="4470400"/>
             <a:ext cx="0" cy="0"/>
           </a:xfrm>
           <a:prstGeom prst="roundRect">
@@ -4399,7 +4399,7 @@
         </p:nvSpPr>
         <p:spPr>
           <a:xfrm>
-            <a:off x="8322204" y="4470400"/>
+            <a:off x="10322159" y="4737100"/>
             <a:ext cx="0" cy="0"/>
           </a:xfrm>
           <a:prstGeom prst="roundRect">
@@ -4457,10 +4457,10 @@
       </p:sp>
       <p:sp>
         <p:nvSpPr>
-          <p:cNvPr id="30" name="OTLSHAPE_T_a9e75211bf4d415fa4154823df1e958d_ShapePercentage" hidden="1">
-            <a:extLst>
-              <a:ext uri="{FF2B5EF4-FFF2-40B4-BE49-F238E27FC236}">
-                <a16:creationId xmlns:a16="http://schemas.microsoft.com/office/drawing/2014/main" id="{1F9A695D-B1C7-4996-86F7-A760E31688AB}"/>
+          <p:cNvPr id="11" name="OTLSHAPE_T_611ff037ffe641cc841d78e21fd75093_ShapePercentage" hidden="1">
+            <a:extLst>
+              <a:ext uri="{FF2B5EF4-FFF2-40B4-BE49-F238E27FC236}">
+                <a16:creationId xmlns:a16="http://schemas.microsoft.com/office/drawing/2014/main" id="{7D1B6F14-3A25-4DC8-B06A-538CDE0F06FB}"/>
               </a:ext>
             </a:extLst>
           </p:cNvPr>
@@ -4473,7 +4473,7 @@
         </p:nvSpPr>
         <p:spPr>
           <a:xfrm>
-            <a:off x="9322182" y="4737100"/>
+            <a:off x="6822239" y="3937000"/>
             <a:ext cx="0" cy="0"/>
           </a:xfrm>
           <a:prstGeom prst="roundRect">
@@ -4593,7 +4593,7 @@
         <p:spPr>
           <a:xfrm>
             <a:off x="12700" y="-2689"/>
-            <a:ext cx="0" cy="153888"/>
+            <a:ext cx="0" cy="0"/>
           </a:xfrm>
           <a:prstGeom prst="rect">
             <a:avLst/>
@@ -4634,7 +4634,7 @@
         <p:spPr>
           <a:xfrm>
             <a:off x="12700" y="-2689"/>
-            <a:ext cx="0" cy="153888"/>
+            <a:ext cx="0" cy="0"/>
           </a:xfrm>
           <a:prstGeom prst="rect">
             <a:avLst/>
@@ -4675,7 +4675,7 @@
         <p:spPr>
           <a:xfrm>
             <a:off x="12700" y="-2689"/>
-            <a:ext cx="0" cy="153888"/>
+            <a:ext cx="0" cy="0"/>
           </a:xfrm>
           <a:prstGeom prst="rect">
             <a:avLst/>
@@ -4852,7 +4852,7 @@
         <p:spPr>
           <a:xfrm>
             <a:off x="12700" y="-2689"/>
-            <a:ext cx="0" cy="153888"/>
+            <a:ext cx="0" cy="0"/>
           </a:xfrm>
           <a:prstGeom prst="rect">
             <a:avLst/>
@@ -4893,7 +4893,7 @@
         <p:spPr>
           <a:xfrm>
             <a:off x="12700" y="-2689"/>
-            <a:ext cx="0" cy="153888"/>
+            <a:ext cx="0" cy="0"/>
           </a:xfrm>
           <a:prstGeom prst="rect">
             <a:avLst/>
@@ -5109,7 +5109,7 @@
         <p:spPr>
           <a:xfrm>
             <a:off x="12700" y="-2689"/>
-            <a:ext cx="0" cy="153888"/>
+            <a:ext cx="0" cy="0"/>
           </a:xfrm>
           <a:prstGeom prst="rect">
             <a:avLst/>
@@ -5150,7 +5150,7 @@
         <p:spPr>
           <a:xfrm>
             <a:off x="12700" y="-2689"/>
-            <a:ext cx="0" cy="153888"/>
+            <a:ext cx="0" cy="0"/>
           </a:xfrm>
           <a:prstGeom prst="rect">
             <a:avLst/>
@@ -5366,7 +5366,7 @@
         <p:spPr>
           <a:xfrm>
             <a:off x="12700" y="-2689"/>
-            <a:ext cx="0" cy="153888"/>
+            <a:ext cx="0" cy="0"/>
           </a:xfrm>
           <a:prstGeom prst="rect">
             <a:avLst/>
@@ -5407,7 +5407,7 @@
         <p:spPr>
           <a:xfrm>
             <a:off x="12700" y="-2689"/>
-            <a:ext cx="0" cy="153888"/>
+            <a:ext cx="0" cy="0"/>
           </a:xfrm>
           <a:prstGeom prst="rect">
             <a:avLst/>
@@ -5447,7 +5447,7 @@
         </p:nvSpPr>
         <p:spPr>
           <a:xfrm>
-            <a:off x="8372889" y="3961088"/>
+            <a:off x="8706214" y="4227788"/>
             <a:ext cx="723900" cy="155025"/>
           </a:xfrm>
           <a:prstGeom prst="rect">
@@ -5468,7 +5468,7 @@
                 </a:solidFill>
                 <a:latin typeface="Calibri" panose="020F0502020204030204" pitchFamily="34" charset="0"/>
               </a:rPr>
-              <a:t>Apr 4 - Apr 12</a:t>
+              <a:t>Apr 4 - Apr 14</a:t>
             </a:r>
           </a:p>
         </p:txBody>
@@ -5491,7 +5491,7 @@
         </p:nvSpPr>
         <p:spPr>
           <a:xfrm>
-            <a:off x="7410048" y="3961088"/>
+            <a:off x="7576711" y="4227788"/>
             <a:ext cx="330200" cy="155025"/>
           </a:xfrm>
           <a:prstGeom prst="rect">
@@ -5513,7 +5513,7 @@
                 </a:solidFill>
                 <a:latin typeface="Calibri" panose="020F0502020204030204" pitchFamily="34" charset="0"/>
               </a:rPr>
-              <a:t>7 days</a:t>
+              <a:t>9 days</a:t>
             </a:r>
           </a:p>
         </p:txBody>
@@ -5536,8 +5536,8 @@
         </p:nvSpPr>
         <p:spPr>
           <a:xfrm>
-            <a:off x="5024934" y="3945572"/>
-            <a:ext cx="1752600" cy="186055"/>
+            <a:off x="4655619" y="4212272"/>
+            <a:ext cx="2120900" cy="186055"/>
           </a:xfrm>
           <a:prstGeom prst="rect">
             <a:avLst/>
@@ -5558,7 +5558,7 @@
                 </a:solidFill>
                 <a:latin typeface="Calibri" panose="020F0502020204030204" pitchFamily="34" charset="0"/>
               </a:rPr>
-              <a:t>Find example RRBS data set</a:t>
+              <a:t>Find small example RRBS data set</a:t>
             </a:r>
           </a:p>
         </p:txBody>
@@ -5704,7 +5704,7 @@
         </p:nvSpPr>
         <p:spPr>
           <a:xfrm>
-            <a:off x="8706214" y="4227788"/>
+            <a:off x="10039517" y="4494488"/>
             <a:ext cx="787400" cy="155025"/>
           </a:xfrm>
           <a:prstGeom prst="rect">
@@ -5725,7 +5725,7 @@
                 </a:solidFill>
                 <a:latin typeface="Calibri" panose="020F0502020204030204" pitchFamily="34" charset="0"/>
               </a:rPr>
-              <a:t>Apr 11 - Apr 14</a:t>
+              <a:t>Apr 19 - Apr 22</a:t>
             </a:r>
           </a:p>
         </p:txBody>
@@ -5748,7 +5748,7 @@
         </p:nvSpPr>
         <p:spPr>
           <a:xfrm>
-            <a:off x="4955780" y="4212272"/>
+            <a:off x="6289083" y="4478972"/>
             <a:ext cx="2984500" cy="186055"/>
           </a:xfrm>
           <a:prstGeom prst="rect">
@@ -5764,7 +5764,7 @@
           <a:p>
             <a:pPr algn="r"/>
             <a:r>
-              <a:rPr lang="en-US" sz="1200" b="1" spc="-4">
+              <a:rPr lang="en-US" sz="1200" b="1" spc="-4" dirty="0">
                 <a:solidFill>
                   <a:schemeClr val="dk1"/>
                 </a:solidFill>
@@ -5793,7 +5793,7 @@
         </p:nvSpPr>
         <p:spPr>
           <a:xfrm>
-            <a:off x="8160031" y="4227788"/>
+            <a:off x="9493334" y="4494488"/>
             <a:ext cx="330200" cy="155025"/>
           </a:xfrm>
           <a:prstGeom prst="rect">
@@ -5961,7 +5961,7 @@
         </p:nvSpPr>
         <p:spPr>
           <a:xfrm>
-            <a:off x="9539529" y="4494488"/>
+            <a:off x="11206158" y="4761188"/>
             <a:ext cx="787400" cy="155025"/>
           </a:xfrm>
           <a:prstGeom prst="rect">
@@ -5982,7 +5982,7 @@
                 </a:solidFill>
                 <a:latin typeface="Calibri" panose="020F0502020204030204" pitchFamily="34" charset="0"/>
               </a:rPr>
-              <a:t>Apr 13 - Apr 19</a:t>
+              <a:t>Apr 25 - Apr 29</a:t>
             </a:r>
           </a:p>
         </p:txBody>
@@ -6005,7 +6005,7 @@
         </p:nvSpPr>
         <p:spPr>
           <a:xfrm>
-            <a:off x="8743352" y="4494488"/>
+            <a:off x="10576643" y="4761188"/>
             <a:ext cx="330200" cy="155025"/>
           </a:xfrm>
           <a:prstGeom prst="rect">
@@ -6050,7 +6050,7 @@
         </p:nvSpPr>
         <p:spPr>
           <a:xfrm>
-            <a:off x="5518129" y="4478972"/>
+            <a:off x="7518084" y="4745672"/>
             <a:ext cx="2755900" cy="186055"/>
           </a:xfrm>
           <a:prstGeom prst="rect">
@@ -6079,10 +6079,10 @@
       </p:sp>
       <p:sp>
         <p:nvSpPr>
-          <p:cNvPr id="31" name="OTLSHAPE_T_a9e75211bf4d415fa4154823df1e958d_TextPercentage" hidden="1">
-            <a:extLst>
-              <a:ext uri="{FF2B5EF4-FFF2-40B4-BE49-F238E27FC236}">
-                <a16:creationId xmlns:a16="http://schemas.microsoft.com/office/drawing/2014/main" id="{60B057B6-09F4-441F-A82D-B379CDC3CD8A}"/>
+          <p:cNvPr id="13" name="OTLSHAPE_T_611ff037ffe641cc841d78e21fd75093_TextPercentage" hidden="1">
+            <a:extLst>
+              <a:ext uri="{FF2B5EF4-FFF2-40B4-BE49-F238E27FC236}">
+                <a16:creationId xmlns:a16="http://schemas.microsoft.com/office/drawing/2014/main" id="{E154A860-A4F7-28AA-6072-4CE955E136F6}"/>
               </a:ext>
             </a:extLst>
           </p:cNvPr>
@@ -6120,10 +6120,10 @@
       </p:sp>
       <p:sp>
         <p:nvSpPr>
-          <p:cNvPr id="32" name="OTLSHAPE_T_a9e75211bf4d415fa4154823df1e958d_StartDate" hidden="1">
-            <a:extLst>
-              <a:ext uri="{FF2B5EF4-FFF2-40B4-BE49-F238E27FC236}">
-                <a16:creationId xmlns:a16="http://schemas.microsoft.com/office/drawing/2014/main" id="{0E299876-A7C4-4288-B81A-29206F53E70B}"/>
+          <p:cNvPr id="37" name="OTLSHAPE_T_611ff037ffe641cc841d78e21fd75093_StartDate" hidden="1">
+            <a:extLst>
+              <a:ext uri="{FF2B5EF4-FFF2-40B4-BE49-F238E27FC236}">
+                <a16:creationId xmlns:a16="http://schemas.microsoft.com/office/drawing/2014/main" id="{B80A3B6A-E4F5-72C6-C5EE-8B6D62B42CB4}"/>
               </a:ext>
             </a:extLst>
           </p:cNvPr>
@@ -6136,7 +6136,7 @@
         </p:nvSpPr>
         <p:spPr>
           <a:xfrm>
-            <a:off x="12700" y="-2689"/>
+            <a:off x="12700" y="74255"/>
             <a:ext cx="0" cy="0"/>
           </a:xfrm>
           <a:prstGeom prst="rect">
@@ -6161,10 +6161,10 @@
       </p:sp>
       <p:sp>
         <p:nvSpPr>
-          <p:cNvPr id="33" name="OTLSHAPE_T_a9e75211bf4d415fa4154823df1e958d_EndDate" hidden="1">
-            <a:extLst>
-              <a:ext uri="{FF2B5EF4-FFF2-40B4-BE49-F238E27FC236}">
-                <a16:creationId xmlns:a16="http://schemas.microsoft.com/office/drawing/2014/main" id="{49E5FF87-2350-4FBC-A0B4-39D7219AE1A0}"/>
+          <p:cNvPr id="38" name="OTLSHAPE_T_611ff037ffe641cc841d78e21fd75093_EndDate" hidden="1">
+            <a:extLst>
+              <a:ext uri="{FF2B5EF4-FFF2-40B4-BE49-F238E27FC236}">
+                <a16:creationId xmlns:a16="http://schemas.microsoft.com/office/drawing/2014/main" id="{0A583A42-2A03-6CBA-D2C1-1CDB715EC7AC}"/>
               </a:ext>
             </a:extLst>
           </p:cNvPr>
@@ -6177,7 +6177,7 @@
         </p:nvSpPr>
         <p:spPr>
           <a:xfrm>
-            <a:off x="12700" y="-2689"/>
+            <a:off x="12700" y="74255"/>
             <a:ext cx="0" cy="0"/>
           </a:xfrm>
           <a:prstGeom prst="rect">
@@ -6202,10 +6202,10 @@
       </p:sp>
       <p:sp>
         <p:nvSpPr>
-          <p:cNvPr id="34" name="OTLSHAPE_T_a9e75211bf4d415fa4154823df1e958d_JoinedDate">
-            <a:extLst>
-              <a:ext uri="{FF2B5EF4-FFF2-40B4-BE49-F238E27FC236}">
-                <a16:creationId xmlns:a16="http://schemas.microsoft.com/office/drawing/2014/main" id="{41EE0088-DAF8-49B1-93E7-7E843F1515BE}"/>
+          <p:cNvPr id="39" name="OTLSHAPE_T_611ff037ffe641cc841d78e21fd75093_Title">
+            <a:extLst>
+              <a:ext uri="{FF2B5EF4-FFF2-40B4-BE49-F238E27FC236}">
+                <a16:creationId xmlns:a16="http://schemas.microsoft.com/office/drawing/2014/main" id="{A256403C-96B9-A953-9F44-7CF2EEF28CA7}"/>
               </a:ext>
             </a:extLst>
           </p:cNvPr>
@@ -6218,8 +6218,53 @@
         </p:nvSpPr>
         <p:spPr>
           <a:xfrm>
-            <a:off x="10872832" y="4761188"/>
-            <a:ext cx="787400" cy="155025"/>
+            <a:off x="6460289" y="3945572"/>
+            <a:ext cx="317500" cy="186055"/>
+          </a:xfrm>
+          <a:prstGeom prst="rect">
+            <a:avLst/>
+          </a:prstGeom>
+          <a:noFill/>
+        </p:spPr>
+        <p:txBody>
+          <a:bodyPr vert="horz" wrap="square" lIns="0" tIns="0" rIns="0" bIns="0" rtlCol="0" anchor="ctr" anchorCtr="0">
+            <a:spAutoFit/>
+          </a:bodyPr>
+          <a:lstStyle/>
+          <a:p>
+            <a:pPr algn="r"/>
+            <a:r>
+              <a:rPr lang="en-US" sz="1200" b="1" spc="-16">
+                <a:solidFill>
+                  <a:schemeClr val="dk1"/>
+                </a:solidFill>
+                <a:latin typeface="Calibri" panose="020F0502020204030204" pitchFamily="34" charset="0"/>
+              </a:rPr>
+              <a:t>SICK </a:t>
+            </a:r>
+          </a:p>
+        </p:txBody>
+      </p:sp>
+      <p:sp>
+        <p:nvSpPr>
+          <p:cNvPr id="40" name="OTLSHAPE_T_611ff037ffe641cc841d78e21fd75093_JoinedDate">
+            <a:extLst>
+              <a:ext uri="{FF2B5EF4-FFF2-40B4-BE49-F238E27FC236}">
+                <a16:creationId xmlns:a16="http://schemas.microsoft.com/office/drawing/2014/main" id="{6F59C12C-50E8-4A0F-353D-1E6FA2CB4C42}"/>
+              </a:ext>
+            </a:extLst>
+          </p:cNvPr>
+          <p:cNvSpPr txBox="1"/>
+          <p:nvPr>
+            <p:custDataLst>
+              <p:tags r:id="rId66"/>
+            </p:custDataLst>
+          </p:nvPr>
+        </p:nvSpPr>
+        <p:spPr>
+          <a:xfrm>
+            <a:off x="8039563" y="3961088"/>
+            <a:ext cx="723900" cy="155025"/>
           </a:xfrm>
           <a:prstGeom prst="rect">
             <a:avLst/>
@@ -6239,31 +6284,31 @@
                 </a:solidFill>
                 <a:latin typeface="Calibri" panose="020F0502020204030204" pitchFamily="34" charset="0"/>
               </a:rPr>
-              <a:t>Apr 19 - Apr 27</a:t>
-            </a:r>
-          </a:p>
-        </p:txBody>
-      </p:sp>
-      <p:sp>
-        <p:nvSpPr>
-          <p:cNvPr id="35" name="OTLSHAPE_T_a9e75211bf4d415fa4154823df1e958d_Title">
-            <a:extLst>
-              <a:ext uri="{FF2B5EF4-FFF2-40B4-BE49-F238E27FC236}">
-                <a16:creationId xmlns:a16="http://schemas.microsoft.com/office/drawing/2014/main" id="{B7976EB8-4717-475B-B10C-8C2F2E86D0C6}"/>
+              <a:t>Apr 4 - Apr 10</a:t>
+            </a:r>
+          </a:p>
+        </p:txBody>
+      </p:sp>
+      <p:sp>
+        <p:nvSpPr>
+          <p:cNvPr id="41" name="OTLSHAPE_T_611ff037ffe641cc841d78e21fd75093_Duration">
+            <a:extLst>
+              <a:ext uri="{FF2B5EF4-FFF2-40B4-BE49-F238E27FC236}">
+                <a16:creationId xmlns:a16="http://schemas.microsoft.com/office/drawing/2014/main" id="{07A08CAC-8605-7B62-1E56-699EA49DE381}"/>
               </a:ext>
             </a:extLst>
           </p:cNvPr>
           <p:cNvSpPr txBox="1"/>
           <p:nvPr>
             <p:custDataLst>
-              <p:tags r:id="rId66"/>
-            </p:custDataLst>
-          </p:nvPr>
-        </p:nvSpPr>
-        <p:spPr>
-          <a:xfrm>
-            <a:off x="7640151" y="4745672"/>
-            <a:ext cx="1638300" cy="186055"/>
+              <p:tags r:id="rId67"/>
+            </p:custDataLst>
+          </p:nvPr>
+        </p:nvSpPr>
+        <p:spPr>
+          <a:xfrm>
+            <a:off x="7243385" y="3961088"/>
+            <a:ext cx="330200" cy="155025"/>
           </a:xfrm>
           <a:prstGeom prst="rect">
             <a:avLst/>
@@ -6276,69 +6321,15 @@
           </a:bodyPr>
           <a:lstStyle/>
           <a:p>
-            <a:pPr algn="r"/>
-            <a:r>
-              <a:rPr lang="en-US" sz="1200" b="1" spc="-6" dirty="0" err="1">
+            <a:pPr algn="ctr"/>
+            <a:r>
+              <a:rPr lang="en-US" sz="1000" spc="-8" dirty="0">
                 <a:solidFill>
-                  <a:schemeClr val="dk1"/>
+                  <a:schemeClr val="lt1"/>
                 </a:solidFill>
                 <a:latin typeface="Calibri" panose="020F0502020204030204" pitchFamily="34" charset="0"/>
               </a:rPr>
-              <a:t>Optimisation</a:t>
-            </a:r>
-            <a:r>
-              <a:rPr lang="en-US" sz="1200" b="1" spc="-6" dirty="0">
-                <a:solidFill>
-                  <a:schemeClr val="dk1"/>
-                </a:solidFill>
-                <a:latin typeface="Calibri" panose="020F0502020204030204" pitchFamily="34" charset="0"/>
-              </a:rPr>
-              <a:t> of classifiers</a:t>
-            </a:r>
-          </a:p>
-        </p:txBody>
-      </p:sp>
-      <p:sp>
-        <p:nvSpPr>
-          <p:cNvPr id="36" name="OTLSHAPE_T_a9e75211bf4d415fa4154823df1e958d_Duration">
-            <a:extLst>
-              <a:ext uri="{FF2B5EF4-FFF2-40B4-BE49-F238E27FC236}">
-                <a16:creationId xmlns:a16="http://schemas.microsoft.com/office/drawing/2014/main" id="{6A9A4C4F-7B58-49BE-B86A-664D5CC89075}"/>
-              </a:ext>
-            </a:extLst>
-          </p:cNvPr>
-          <p:cNvSpPr txBox="1"/>
-          <p:nvPr>
-            <p:custDataLst>
-              <p:tags r:id="rId67"/>
-            </p:custDataLst>
-          </p:nvPr>
-        </p:nvSpPr>
-        <p:spPr>
-          <a:xfrm>
-            <a:off x="9909991" y="4761188"/>
-            <a:ext cx="330200" cy="155025"/>
-          </a:xfrm>
-          <a:prstGeom prst="rect">
-            <a:avLst/>
-          </a:prstGeom>
-          <a:noFill/>
-        </p:spPr>
-        <p:txBody>
-          <a:bodyPr vert="horz" wrap="square" lIns="0" tIns="0" rIns="0" bIns="0" rtlCol="0" anchor="ctr" anchorCtr="0">
-            <a:spAutoFit/>
-          </a:bodyPr>
-          <a:lstStyle/>
-          <a:p>
-            <a:pPr algn="ctr"/>
-            <a:r>
-              <a:rPr lang="en-US" sz="1000" spc="-8">
-                <a:solidFill>
-                  <a:schemeClr val="dk1"/>
-                </a:solidFill>
-                <a:latin typeface="Calibri" panose="020F0502020204030204" pitchFamily="34" charset="0"/>
-              </a:rPr>
-              <a:t>7 days</a:t>
+              <a:t>5 days</a:t>
             </a:r>
           </a:p>
         </p:txBody>
@@ -6609,7 +6600,7 @@
       </p:sp>
       <p:sp>
         <p:nvSpPr>
-          <p:cNvPr id="5" name="OTLSHAPE_TB_00000000000000000000000000000000_ElapsedTime" hidden="1">
+          <p:cNvPr id="5" name="OTLSHAPE_TB_00000000000000000000000000000000_ElapsedTime">
             <a:extLst>
               <a:ext uri="{FF2B5EF4-FFF2-40B4-BE49-F238E27FC236}">
                 <a16:creationId xmlns:a16="http://schemas.microsoft.com/office/drawing/2014/main" id="{5986A0EF-B1A9-461C-9E9F-10002E939140}"/>
@@ -6625,8 +6616,8 @@
         </p:nvSpPr>
         <p:spPr>
           <a:xfrm>
-            <a:off x="1155700" y="5143500"/>
-            <a:ext cx="0" cy="0"/>
+            <a:off x="1155700" y="5346700"/>
+            <a:ext cx="3733800" cy="50800"/>
           </a:xfrm>
           <a:prstGeom prst="roundRect">
             <a:avLst/>
@@ -6690,7 +6681,7 @@
       </p:sp>
       <p:sp>
         <p:nvSpPr>
-          <p:cNvPr id="6" name="OTLSHAPE_TB_00000000000000000000000000000000_TodayMarkerShape" hidden="1">
+          <p:cNvPr id="6" name="OTLSHAPE_TB_00000000000000000000000000000000_TodayMarkerShape">
             <a:extLst>
               <a:ext uri="{FF2B5EF4-FFF2-40B4-BE49-F238E27FC236}">
                 <a16:creationId xmlns:a16="http://schemas.microsoft.com/office/drawing/2014/main" id="{ECB5192A-050F-47B7-890C-F6D375902A2C}"/>
@@ -6706,7 +6697,7 @@
         </p:nvSpPr>
         <p:spPr>
           <a:xfrm>
-            <a:off x="1119414" y="5397500"/>
+            <a:off x="4843371" y="5397500"/>
             <a:ext cx="76200" cy="84667"/>
           </a:xfrm>
           <a:prstGeom prst="triangle">
@@ -6762,7 +6753,7 @@
       </p:sp>
       <p:sp>
         <p:nvSpPr>
-          <p:cNvPr id="7" name="OTLSHAPE_TB_00000000000000000000000000000000_TodayMarkerText" hidden="1">
+          <p:cNvPr id="7" name="OTLSHAPE_TB_00000000000000000000000000000000_TodayMarkerText">
             <a:extLst>
               <a:ext uri="{FF2B5EF4-FFF2-40B4-BE49-F238E27FC236}">
                 <a16:creationId xmlns:a16="http://schemas.microsoft.com/office/drawing/2014/main" id="{7C8EE3A8-1272-4218-8EEC-AF25C8C2431D}"/>
@@ -6778,8 +6769,8 @@
         </p:nvSpPr>
         <p:spPr>
           <a:xfrm>
-            <a:off x="1136551" y="5482167"/>
-            <a:ext cx="0" cy="0"/>
+            <a:off x="4699528" y="5482167"/>
+            <a:ext cx="368300" cy="186055"/>
           </a:xfrm>
           <a:prstGeom prst="rect">
             <a:avLst/>
@@ -6942,7 +6933,7 @@
           <p:cNvPr id="11" name="OTLSHAPE_TB_00000000000000000000000000000000_TimescaleInterval3">
             <a:extLst>
               <a:ext uri="{FF2B5EF4-FFF2-40B4-BE49-F238E27FC236}">
-                <a16:creationId xmlns:a16="http://schemas.microsoft.com/office/drawing/2014/main" id="{D7AF9FC3-BFDD-421F-B4CE-1AFD06A1BEAB}"/>
+                <a16:creationId xmlns:a16="http://schemas.microsoft.com/office/drawing/2014/main" id="{0B472EC8-1D93-FBD9-40C1-5A56C9864E98}"/>
               </a:ext>
             </a:extLst>
           </p:cNvPr>
@@ -7037,7 +7028,7 @@
           <p:cNvPr id="10" name="OTLSHAPE_TB_00000000000000000000000000000000_Separator2">
             <a:extLst>
               <a:ext uri="{FF2B5EF4-FFF2-40B4-BE49-F238E27FC236}">
-                <a16:creationId xmlns:a16="http://schemas.microsoft.com/office/drawing/2014/main" id="{2B8CA011-6EF0-4FE0-AE5E-06FD6D52DABC}"/>
+                <a16:creationId xmlns:a16="http://schemas.microsoft.com/office/drawing/2014/main" id="{A5C60AA3-A87F-6CBB-9391-FE79CBBAE2DD}"/>
               </a:ext>
             </a:extLst>
           </p:cNvPr>
@@ -7085,10 +7076,10 @@
       </p:cxnSp>
       <p:sp>
         <p:nvSpPr>
-          <p:cNvPr id="15" name="OTLSHAPE_T_c21f8c801dd4474996421ebdfaa8e17b_Shape">
-            <a:extLst>
-              <a:ext uri="{FF2B5EF4-FFF2-40B4-BE49-F238E27FC236}">
-                <a16:creationId xmlns:a16="http://schemas.microsoft.com/office/drawing/2014/main" id="{096BB59D-BF1A-46E4-AEB7-1683D2C371D1}"/>
+          <p:cNvPr id="106" name="OTLSHAPE_T_93ee150c9d7b4ee0b81d772d821bf80b_Shape">
+            <a:extLst>
+              <a:ext uri="{FF2B5EF4-FFF2-40B4-BE49-F238E27FC236}">
+                <a16:creationId xmlns:a16="http://schemas.microsoft.com/office/drawing/2014/main" id="{E2A39B35-3A89-482E-9808-26E2D738139A}"/>
               </a:ext>
             </a:extLst>
           </p:cNvPr>
@@ -7101,8 +7092,212 @@
         </p:nvSpPr>
         <p:spPr>
           <a:xfrm>
-            <a:off x="1639816" y="4096851"/>
-            <a:ext cx="1943100" cy="203200"/>
+            <a:off x="1155700" y="3403600"/>
+            <a:ext cx="1460500" cy="203200"/>
+          </a:xfrm>
+          <a:prstGeom prst="roundRect">
+            <a:avLst/>
+          </a:prstGeom>
+          <a:solidFill>
+            <a:srgbClr val="C09EE2"/>
+          </a:solidFill>
+          <a:ln w="12700" cap="flat" cmpd="sng" algn="ctr">
+            <a:noFill/>
+            <a:prstDash val="solid"/>
+            <a:miter lim="800000"/>
+          </a:ln>
+          <a:effectLst/>
+          <a:scene3d>
+            <a:camera prst="orthographicFront"/>
+            <a:lightRig rig="balanced" dir="t">
+              <a:rot lat="0" lon="0" rev="8700000"/>
+            </a:lightRig>
+          </a:scene3d>
+          <a:sp3d>
+            <a:bevelT w="165100" h="12700"/>
+          </a:sp3d>
+        </p:spPr>
+        <p:style>
+          <a:lnRef idx="2">
+            <a:schemeClr val="accent1">
+              <a:shade val="50000"/>
+            </a:schemeClr>
+          </a:lnRef>
+          <a:fillRef idx="1">
+            <a:schemeClr val="accent1"/>
+          </a:fillRef>
+          <a:effectRef idx="0">
+            <a:schemeClr val="accent1"/>
+          </a:effectRef>
+          <a:fontRef idx="minor">
+            <a:schemeClr val="lt1"/>
+          </a:fontRef>
+        </p:style>
+        <p:txBody>
+          <a:bodyPr rtlCol="0" anchor="ctr"/>
+          <a:lstStyle/>
+          <a:p>
+            <a:pPr algn="ctr"/>
+            <a:endParaRPr lang="en-US"/>
+          </a:p>
+        </p:txBody>
+      </p:sp>
+      <p:sp>
+        <p:nvSpPr>
+          <p:cNvPr id="124" name="OTLSHAPE_T_555632f4d8784e8cb8b4fc9dadccab8e_Shape">
+            <a:extLst>
+              <a:ext uri="{FF2B5EF4-FFF2-40B4-BE49-F238E27FC236}">
+                <a16:creationId xmlns:a16="http://schemas.microsoft.com/office/drawing/2014/main" id="{0E0078D1-F195-42FD-BD5E-ADA9208D0975}"/>
+              </a:ext>
+            </a:extLst>
+          </p:cNvPr>
+          <p:cNvSpPr/>
+          <p:nvPr>
+            <p:custDataLst>
+              <p:tags r:id="rId15"/>
+            </p:custDataLst>
+          </p:nvPr>
+        </p:nvSpPr>
+        <p:spPr>
+          <a:xfrm>
+            <a:off x="4544513" y="4203700"/>
+            <a:ext cx="2425700" cy="203200"/>
+          </a:xfrm>
+          <a:prstGeom prst="roundRect">
+            <a:avLst/>
+          </a:prstGeom>
+          <a:solidFill>
+            <a:srgbClr val="C09EE2"/>
+          </a:solidFill>
+          <a:ln w="12700" cap="flat" cmpd="sng" algn="ctr">
+            <a:noFill/>
+            <a:prstDash val="solid"/>
+            <a:miter lim="800000"/>
+          </a:ln>
+          <a:effectLst/>
+          <a:scene3d>
+            <a:camera prst="orthographicFront"/>
+            <a:lightRig rig="balanced" dir="t">
+              <a:rot lat="0" lon="0" rev="8700000"/>
+            </a:lightRig>
+          </a:scene3d>
+          <a:sp3d>
+            <a:bevelT w="165100" h="12700"/>
+          </a:sp3d>
+        </p:spPr>
+        <p:style>
+          <a:lnRef idx="2">
+            <a:schemeClr val="accent1">
+              <a:shade val="50000"/>
+            </a:schemeClr>
+          </a:lnRef>
+          <a:fillRef idx="1">
+            <a:schemeClr val="accent1"/>
+          </a:fillRef>
+          <a:effectRef idx="0">
+            <a:schemeClr val="accent1"/>
+          </a:effectRef>
+          <a:fontRef idx="minor">
+            <a:schemeClr val="lt1"/>
+          </a:fontRef>
+        </p:style>
+        <p:txBody>
+          <a:bodyPr rtlCol="0" anchor="ctr"/>
+          <a:lstStyle/>
+          <a:p>
+            <a:pPr algn="ctr"/>
+            <a:endParaRPr lang="en-US"/>
+          </a:p>
+        </p:txBody>
+      </p:sp>
+      <p:sp>
+        <p:nvSpPr>
+          <p:cNvPr id="29" name="OTLSHAPE_T_a9e75211bf4d415fa4154823df1e958d_Shape">
+            <a:extLst>
+              <a:ext uri="{FF2B5EF4-FFF2-40B4-BE49-F238E27FC236}">
+                <a16:creationId xmlns:a16="http://schemas.microsoft.com/office/drawing/2014/main" id="{F85920D7-B306-4352-B80D-61BD6B7BBCFC}"/>
+              </a:ext>
+            </a:extLst>
+          </p:cNvPr>
+          <p:cNvSpPr/>
+          <p:nvPr>
+            <p:custDataLst>
+              <p:tags r:id="rId16"/>
+            </p:custDataLst>
+          </p:nvPr>
+        </p:nvSpPr>
+        <p:spPr>
+          <a:xfrm>
+            <a:off x="1155700" y="4470400"/>
+            <a:ext cx="8242300" cy="203200"/>
+          </a:xfrm>
+          <a:prstGeom prst="roundRect">
+            <a:avLst/>
+          </a:prstGeom>
+          <a:solidFill>
+            <a:srgbClr val="C09EE2"/>
+          </a:solidFill>
+          <a:ln w="12700" cap="flat" cmpd="sng" algn="ctr">
+            <a:noFill/>
+            <a:prstDash val="solid"/>
+            <a:miter lim="800000"/>
+          </a:ln>
+          <a:effectLst/>
+          <a:scene3d>
+            <a:camera prst="orthographicFront"/>
+            <a:lightRig rig="balanced" dir="t">
+              <a:rot lat="0" lon="0" rev="8700000"/>
+            </a:lightRig>
+          </a:scene3d>
+          <a:sp3d>
+            <a:bevelT w="165100" h="12700"/>
+          </a:sp3d>
+        </p:spPr>
+        <p:style>
+          <a:lnRef idx="2">
+            <a:schemeClr val="accent1">
+              <a:shade val="50000"/>
+            </a:schemeClr>
+          </a:lnRef>
+          <a:fillRef idx="1">
+            <a:schemeClr val="accent1"/>
+          </a:fillRef>
+          <a:effectRef idx="0">
+            <a:schemeClr val="accent1"/>
+          </a:effectRef>
+          <a:fontRef idx="minor">
+            <a:schemeClr val="lt1"/>
+          </a:fontRef>
+        </p:style>
+        <p:txBody>
+          <a:bodyPr rtlCol="0" anchor="ctr"/>
+          <a:lstStyle/>
+          <a:p>
+            <a:pPr algn="ctr"/>
+            <a:endParaRPr lang="en-US"/>
+          </a:p>
+        </p:txBody>
+      </p:sp>
+      <p:sp>
+        <p:nvSpPr>
+          <p:cNvPr id="38" name="OTLSHAPE_T_01dcdbef68a94ded911918198d0e15fd_Shape">
+            <a:extLst>
+              <a:ext uri="{FF2B5EF4-FFF2-40B4-BE49-F238E27FC236}">
+                <a16:creationId xmlns:a16="http://schemas.microsoft.com/office/drawing/2014/main" id="{DF597740-442D-C3EB-3B56-6DE259918B47}"/>
+              </a:ext>
+            </a:extLst>
+          </p:cNvPr>
+          <p:cNvSpPr/>
+          <p:nvPr>
+            <p:custDataLst>
+              <p:tags r:id="rId17"/>
+            </p:custDataLst>
+          </p:nvPr>
+        </p:nvSpPr>
+        <p:spPr>
+          <a:xfrm>
+            <a:off x="1155700" y="3670300"/>
+            <a:ext cx="2425700" cy="203200"/>
           </a:xfrm>
           <a:prstGeom prst="roundRect">
             <a:avLst/>
@@ -7153,24 +7348,24 @@
       </p:sp>
       <p:sp>
         <p:nvSpPr>
-          <p:cNvPr id="30" name="OTLSHAPE_T_3c02be2aaf3d46e9b1128774cf3ca849_Shape">
-            <a:extLst>
-              <a:ext uri="{FF2B5EF4-FFF2-40B4-BE49-F238E27FC236}">
-                <a16:creationId xmlns:a16="http://schemas.microsoft.com/office/drawing/2014/main" id="{B68062A6-D40F-4D7E-8ECE-7D2733E8B7B0}"/>
+          <p:cNvPr id="46" name="OTLSHAPE_T_f45a159acde447ed91b407c2bcae96f4_Shape">
+            <a:extLst>
+              <a:ext uri="{FF2B5EF4-FFF2-40B4-BE49-F238E27FC236}">
+                <a16:creationId xmlns:a16="http://schemas.microsoft.com/office/drawing/2014/main" id="{4757533B-A0AA-E805-9E7B-9BBAB986D854}"/>
               </a:ext>
             </a:extLst>
           </p:cNvPr>
           <p:cNvSpPr/>
           <p:nvPr>
             <p:custDataLst>
-              <p:tags r:id="rId15"/>
-            </p:custDataLst>
-          </p:nvPr>
-        </p:nvSpPr>
-        <p:spPr>
-          <a:xfrm>
-            <a:off x="1639816" y="4416975"/>
-            <a:ext cx="4368800" cy="203200"/>
+              <p:tags r:id="rId18"/>
+            </p:custDataLst>
+          </p:nvPr>
+        </p:nvSpPr>
+        <p:spPr>
+          <a:xfrm>
+            <a:off x="5028629" y="4737100"/>
+            <a:ext cx="5334000" cy="203200"/>
           </a:xfrm>
           <a:prstGeom prst="roundRect">
             <a:avLst/>
@@ -7193,19 +7388,6 @@
           <a:sp3d>
             <a:bevelT w="165100" h="12700"/>
           </a:sp3d>
-          <a:extLst>
-            <a:ext uri="{91240B29-F687-4F45-9708-019B960494DF}">
-              <a14:hiddenLine xmlns:a14="http://schemas.microsoft.com/office/drawing/2010/main" w="12700" cap="flat" cmpd="sng" algn="ctr">
-                <a:solidFill>
-                  <a:schemeClr val="accent1">
-                    <a:shade val="50000"/>
-                  </a:schemeClr>
-                </a:solidFill>
-                <a:prstDash val="solid"/>
-                <a:miter lim="800000"/>
-              </a14:hiddenLine>
-            </a:ext>
-          </a:extLst>
         </p:spPr>
         <p:style>
           <a:lnRef idx="2">
@@ -7234,24 +7416,24 @@
       </p:sp>
       <p:sp>
         <p:nvSpPr>
-          <p:cNvPr id="38" name="OTLSHAPE_T_86498eb5de2c4896a78f548abc6616be_Shape">
-            <a:extLst>
-              <a:ext uri="{FF2B5EF4-FFF2-40B4-BE49-F238E27FC236}">
-                <a16:creationId xmlns:a16="http://schemas.microsoft.com/office/drawing/2014/main" id="{E6340408-5802-401C-8D0E-914F12E9061B}"/>
+          <p:cNvPr id="54" name="OTLSHAPE_T_6acf941529cc4a768af7178a5ce45c7c_Shape">
+            <a:extLst>
+              <a:ext uri="{FF2B5EF4-FFF2-40B4-BE49-F238E27FC236}">
+                <a16:creationId xmlns:a16="http://schemas.microsoft.com/office/drawing/2014/main" id="{F74BD435-977A-E651-3DD2-67C7D5AE58F1}"/>
               </a:ext>
             </a:extLst>
           </p:cNvPr>
           <p:cNvSpPr/>
           <p:nvPr>
             <p:custDataLst>
-              <p:tags r:id="rId16"/>
-            </p:custDataLst>
-          </p:nvPr>
-        </p:nvSpPr>
-        <p:spPr>
-          <a:xfrm>
-            <a:off x="1639816" y="4737100"/>
-            <a:ext cx="7747000" cy="203200"/>
+              <p:tags r:id="rId19"/>
+            </p:custDataLst>
+          </p:nvPr>
+        </p:nvSpPr>
+        <p:spPr>
+          <a:xfrm>
+            <a:off x="4544513" y="3937000"/>
+            <a:ext cx="3873500" cy="203200"/>
           </a:xfrm>
           <a:prstGeom prst="roundRect">
             <a:avLst/>
@@ -7302,23 +7484,23 @@
       </p:sp>
       <p:sp>
         <p:nvSpPr>
-          <p:cNvPr id="16" name="OTLSHAPE_T_c21f8c801dd4474996421ebdfaa8e17b_ShapePercentage" hidden="1">
-            <a:extLst>
-              <a:ext uri="{FF2B5EF4-FFF2-40B4-BE49-F238E27FC236}">
-                <a16:creationId xmlns:a16="http://schemas.microsoft.com/office/drawing/2014/main" id="{DC43F500-80B7-4E1F-9CFC-B10A0D61702E}"/>
+          <p:cNvPr id="107" name="OTLSHAPE_T_93ee150c9d7b4ee0b81d772d821bf80b_ShapePercentage" hidden="1">
+            <a:extLst>
+              <a:ext uri="{FF2B5EF4-FFF2-40B4-BE49-F238E27FC236}">
+                <a16:creationId xmlns:a16="http://schemas.microsoft.com/office/drawing/2014/main" id="{3165D4D3-5354-438B-9BC6-38770F296412}"/>
               </a:ext>
             </a:extLst>
           </p:cNvPr>
           <p:cNvSpPr/>
           <p:nvPr>
             <p:custDataLst>
-              <p:tags r:id="rId17"/>
-            </p:custDataLst>
-          </p:nvPr>
-        </p:nvSpPr>
-        <p:spPr>
-          <a:xfrm>
-            <a:off x="1639816" y="4096851"/>
+              <p:tags r:id="rId20"/>
+            </p:custDataLst>
+          </p:nvPr>
+        </p:nvSpPr>
+        <p:spPr>
+          <a:xfrm>
+            <a:off x="1155700" y="3403600"/>
             <a:ext cx="0" cy="0"/>
           </a:xfrm>
           <a:prstGeom prst="roundRect">
@@ -7376,23 +7558,23 @@
       </p:sp>
       <p:sp>
         <p:nvSpPr>
-          <p:cNvPr id="31" name="OTLSHAPE_T_3c02be2aaf3d46e9b1128774cf3ca849_ShapePercentage" hidden="1">
-            <a:extLst>
-              <a:ext uri="{FF2B5EF4-FFF2-40B4-BE49-F238E27FC236}">
-                <a16:creationId xmlns:a16="http://schemas.microsoft.com/office/drawing/2014/main" id="{5EA1896C-DC5D-4D0F-B6BB-6715C29576C7}"/>
+          <p:cNvPr id="125" name="OTLSHAPE_T_555632f4d8784e8cb8b4fc9dadccab8e_ShapePercentage" hidden="1">
+            <a:extLst>
+              <a:ext uri="{FF2B5EF4-FFF2-40B4-BE49-F238E27FC236}">
+                <a16:creationId xmlns:a16="http://schemas.microsoft.com/office/drawing/2014/main" id="{6F3B2CE4-50FF-4E4F-9DE6-36CFE0855214}"/>
               </a:ext>
             </a:extLst>
           </p:cNvPr>
           <p:cNvSpPr/>
           <p:nvPr>
             <p:custDataLst>
-              <p:tags r:id="rId18"/>
-            </p:custDataLst>
-          </p:nvPr>
-        </p:nvSpPr>
-        <p:spPr>
-          <a:xfrm>
-            <a:off x="1639816" y="4416975"/>
+              <p:tags r:id="rId21"/>
+            </p:custDataLst>
+          </p:nvPr>
+        </p:nvSpPr>
+        <p:spPr>
+          <a:xfrm>
+            <a:off x="4544513" y="4203700"/>
             <a:ext cx="0" cy="0"/>
           </a:xfrm>
           <a:prstGeom prst="roundRect">
@@ -7450,23 +7632,23 @@
       </p:sp>
       <p:sp>
         <p:nvSpPr>
-          <p:cNvPr id="39" name="OTLSHAPE_T_86498eb5de2c4896a78f548abc6616be_ShapePercentage" hidden="1">
-            <a:extLst>
-              <a:ext uri="{FF2B5EF4-FFF2-40B4-BE49-F238E27FC236}">
-                <a16:creationId xmlns:a16="http://schemas.microsoft.com/office/drawing/2014/main" id="{5C345FB0-2676-4FE4-A3A5-73EB122F0E94}"/>
+          <p:cNvPr id="30" name="OTLSHAPE_T_a9e75211bf4d415fa4154823df1e958d_ShapePercentage" hidden="1">
+            <a:extLst>
+              <a:ext uri="{FF2B5EF4-FFF2-40B4-BE49-F238E27FC236}">
+                <a16:creationId xmlns:a16="http://schemas.microsoft.com/office/drawing/2014/main" id="{1F9A695D-B1C7-4996-86F7-A760E31688AB}"/>
               </a:ext>
             </a:extLst>
           </p:cNvPr>
           <p:cNvSpPr/>
           <p:nvPr>
             <p:custDataLst>
-              <p:tags r:id="rId19"/>
-            </p:custDataLst>
-          </p:nvPr>
-        </p:nvSpPr>
-        <p:spPr>
-          <a:xfrm>
-            <a:off x="1639816" y="4737100"/>
+              <p:tags r:id="rId22"/>
+            </p:custDataLst>
+          </p:nvPr>
+        </p:nvSpPr>
+        <p:spPr>
+          <a:xfrm>
+            <a:off x="1155700" y="4470400"/>
             <a:ext cx="0" cy="0"/>
           </a:xfrm>
           <a:prstGeom prst="roundRect">
@@ -7524,17 +7706,239 @@
       </p:sp>
       <p:sp>
         <p:nvSpPr>
-          <p:cNvPr id="17" name="OTLSHAPE_T_c21f8c801dd4474996421ebdfaa8e17b_TextPercentage" hidden="1">
-            <a:extLst>
-              <a:ext uri="{FF2B5EF4-FFF2-40B4-BE49-F238E27FC236}">
-                <a16:creationId xmlns:a16="http://schemas.microsoft.com/office/drawing/2014/main" id="{816A26C9-D31A-40BD-9678-9EAE13B8C685}"/>
+          <p:cNvPr id="39" name="OTLSHAPE_T_01dcdbef68a94ded911918198d0e15fd_ShapePercentage" hidden="1">
+            <a:extLst>
+              <a:ext uri="{FF2B5EF4-FFF2-40B4-BE49-F238E27FC236}">
+                <a16:creationId xmlns:a16="http://schemas.microsoft.com/office/drawing/2014/main" id="{A08DBD80-8C34-A234-DB8C-52499A817FE4}"/>
+              </a:ext>
+            </a:extLst>
+          </p:cNvPr>
+          <p:cNvSpPr/>
+          <p:nvPr>
+            <p:custDataLst>
+              <p:tags r:id="rId23"/>
+            </p:custDataLst>
+          </p:nvPr>
+        </p:nvSpPr>
+        <p:spPr>
+          <a:xfrm>
+            <a:off x="1155700" y="3670300"/>
+            <a:ext cx="0" cy="0"/>
+          </a:xfrm>
+          <a:prstGeom prst="roundRect">
+            <a:avLst/>
+          </a:prstGeom>
+          <a:solidFill>
+            <a:schemeClr val="dk1">
+              <a:alpha val="34902"/>
+            </a:schemeClr>
+          </a:solidFill>
+          <a:ln w="12700" cap="flat" cmpd="sng" algn="ctr">
+            <a:noFill/>
+            <a:prstDash val="solid"/>
+            <a:miter lim="800000"/>
+          </a:ln>
+          <a:effectLst/>
+          <a:extLst>
+            <a:ext uri="{91240B29-F687-4F45-9708-019B960494DF}">
+              <a14:hiddenLine xmlns:a14="http://schemas.microsoft.com/office/drawing/2010/main" w="12700" cap="flat" cmpd="sng" algn="ctr">
+                <a:solidFill>
+                  <a:schemeClr val="accent1">
+                    <a:shade val="50000"/>
+                  </a:schemeClr>
+                </a:solidFill>
+                <a:prstDash val="solid"/>
+                <a:miter lim="800000"/>
+              </a14:hiddenLine>
+            </a:ext>
+          </a:extLst>
+        </p:spPr>
+        <p:style>
+          <a:lnRef idx="2">
+            <a:schemeClr val="accent1">
+              <a:shade val="50000"/>
+            </a:schemeClr>
+          </a:lnRef>
+          <a:fillRef idx="1">
+            <a:schemeClr val="accent1"/>
+          </a:fillRef>
+          <a:effectRef idx="0">
+            <a:schemeClr val="accent1"/>
+          </a:effectRef>
+          <a:fontRef idx="minor">
+            <a:schemeClr val="lt1"/>
+          </a:fontRef>
+        </p:style>
+        <p:txBody>
+          <a:bodyPr rtlCol="0" anchor="ctr"/>
+          <a:lstStyle/>
+          <a:p>
+            <a:pPr algn="ctr"/>
+            <a:endParaRPr lang="en-US"/>
+          </a:p>
+        </p:txBody>
+      </p:sp>
+      <p:sp>
+        <p:nvSpPr>
+          <p:cNvPr id="47" name="OTLSHAPE_T_f45a159acde447ed91b407c2bcae96f4_ShapePercentage" hidden="1">
+            <a:extLst>
+              <a:ext uri="{FF2B5EF4-FFF2-40B4-BE49-F238E27FC236}">
+                <a16:creationId xmlns:a16="http://schemas.microsoft.com/office/drawing/2014/main" id="{A7054767-C327-0BCA-345B-07B89BC751F6}"/>
+              </a:ext>
+            </a:extLst>
+          </p:cNvPr>
+          <p:cNvSpPr/>
+          <p:nvPr>
+            <p:custDataLst>
+              <p:tags r:id="rId24"/>
+            </p:custDataLst>
+          </p:nvPr>
+        </p:nvSpPr>
+        <p:spPr>
+          <a:xfrm>
+            <a:off x="5028629" y="4737100"/>
+            <a:ext cx="0" cy="0"/>
+          </a:xfrm>
+          <a:prstGeom prst="roundRect">
+            <a:avLst/>
+          </a:prstGeom>
+          <a:solidFill>
+            <a:schemeClr val="dk1">
+              <a:alpha val="34902"/>
+            </a:schemeClr>
+          </a:solidFill>
+          <a:ln w="12700" cap="flat" cmpd="sng" algn="ctr">
+            <a:noFill/>
+            <a:prstDash val="solid"/>
+            <a:miter lim="800000"/>
+          </a:ln>
+          <a:effectLst/>
+          <a:extLst>
+            <a:ext uri="{91240B29-F687-4F45-9708-019B960494DF}">
+              <a14:hiddenLine xmlns:a14="http://schemas.microsoft.com/office/drawing/2010/main" w="12700" cap="flat" cmpd="sng" algn="ctr">
+                <a:solidFill>
+                  <a:schemeClr val="accent1">
+                    <a:shade val="50000"/>
+                  </a:schemeClr>
+                </a:solidFill>
+                <a:prstDash val="solid"/>
+                <a:miter lim="800000"/>
+              </a14:hiddenLine>
+            </a:ext>
+          </a:extLst>
+        </p:spPr>
+        <p:style>
+          <a:lnRef idx="2">
+            <a:schemeClr val="accent1">
+              <a:shade val="50000"/>
+            </a:schemeClr>
+          </a:lnRef>
+          <a:fillRef idx="1">
+            <a:schemeClr val="accent1"/>
+          </a:fillRef>
+          <a:effectRef idx="0">
+            <a:schemeClr val="accent1"/>
+          </a:effectRef>
+          <a:fontRef idx="minor">
+            <a:schemeClr val="lt1"/>
+          </a:fontRef>
+        </p:style>
+        <p:txBody>
+          <a:bodyPr rtlCol="0" anchor="ctr"/>
+          <a:lstStyle/>
+          <a:p>
+            <a:pPr algn="ctr"/>
+            <a:endParaRPr lang="en-US"/>
+          </a:p>
+        </p:txBody>
+      </p:sp>
+      <p:sp>
+        <p:nvSpPr>
+          <p:cNvPr id="55" name="OTLSHAPE_T_6acf941529cc4a768af7178a5ce45c7c_ShapePercentage" hidden="1">
+            <a:extLst>
+              <a:ext uri="{FF2B5EF4-FFF2-40B4-BE49-F238E27FC236}">
+                <a16:creationId xmlns:a16="http://schemas.microsoft.com/office/drawing/2014/main" id="{8764F432-0DCD-1DC5-80E7-7E89C4470316}"/>
+              </a:ext>
+            </a:extLst>
+          </p:cNvPr>
+          <p:cNvSpPr/>
+          <p:nvPr>
+            <p:custDataLst>
+              <p:tags r:id="rId25"/>
+            </p:custDataLst>
+          </p:nvPr>
+        </p:nvSpPr>
+        <p:spPr>
+          <a:xfrm>
+            <a:off x="4544513" y="3937000"/>
+            <a:ext cx="0" cy="0"/>
+          </a:xfrm>
+          <a:prstGeom prst="roundRect">
+            <a:avLst/>
+          </a:prstGeom>
+          <a:solidFill>
+            <a:schemeClr val="dk1">
+              <a:alpha val="34902"/>
+            </a:schemeClr>
+          </a:solidFill>
+          <a:ln w="12700" cap="flat" cmpd="sng" algn="ctr">
+            <a:noFill/>
+            <a:prstDash val="solid"/>
+            <a:miter lim="800000"/>
+          </a:ln>
+          <a:effectLst/>
+          <a:extLst>
+            <a:ext uri="{91240B29-F687-4F45-9708-019B960494DF}">
+              <a14:hiddenLine xmlns:a14="http://schemas.microsoft.com/office/drawing/2010/main" w="12700" cap="flat" cmpd="sng" algn="ctr">
+                <a:solidFill>
+                  <a:schemeClr val="accent1">
+                    <a:shade val="50000"/>
+                  </a:schemeClr>
+                </a:solidFill>
+                <a:prstDash val="solid"/>
+                <a:miter lim="800000"/>
+              </a14:hiddenLine>
+            </a:ext>
+          </a:extLst>
+        </p:spPr>
+        <p:style>
+          <a:lnRef idx="2">
+            <a:schemeClr val="accent1">
+              <a:shade val="50000"/>
+            </a:schemeClr>
+          </a:lnRef>
+          <a:fillRef idx="1">
+            <a:schemeClr val="accent1"/>
+          </a:fillRef>
+          <a:effectRef idx="0">
+            <a:schemeClr val="accent1"/>
+          </a:effectRef>
+          <a:fontRef idx="minor">
+            <a:schemeClr val="lt1"/>
+          </a:fontRef>
+        </p:style>
+        <p:txBody>
+          <a:bodyPr rtlCol="0" anchor="ctr"/>
+          <a:lstStyle/>
+          <a:p>
+            <a:pPr algn="ctr"/>
+            <a:endParaRPr lang="en-US"/>
+          </a:p>
+        </p:txBody>
+      </p:sp>
+      <p:sp>
+        <p:nvSpPr>
+          <p:cNvPr id="116" name="OTLSHAPE_T_93ee150c9d7b4ee0b81d772d821bf80b_TextPercentage" hidden="1">
+            <a:extLst>
+              <a:ext uri="{FF2B5EF4-FFF2-40B4-BE49-F238E27FC236}">
+                <a16:creationId xmlns:a16="http://schemas.microsoft.com/office/drawing/2014/main" id="{DE9809FD-9C8C-47B3-B5C8-5D1C4CBC162E}"/>
               </a:ext>
             </a:extLst>
           </p:cNvPr>
           <p:cNvSpPr txBox="1"/>
           <p:nvPr>
             <p:custDataLst>
-              <p:tags r:id="rId20"/>
+              <p:tags r:id="rId26"/>
             </p:custDataLst>
           </p:nvPr>
         </p:nvSpPr>
@@ -7565,23 +7969,282 @@
       </p:sp>
       <p:sp>
         <p:nvSpPr>
-          <p:cNvPr id="18" name="OTLSHAPE_T_c21f8c801dd4474996421ebdfaa8e17b_StartDate" hidden="1">
-            <a:extLst>
-              <a:ext uri="{FF2B5EF4-FFF2-40B4-BE49-F238E27FC236}">
-                <a16:creationId xmlns:a16="http://schemas.microsoft.com/office/drawing/2014/main" id="{70AEA5EB-3D31-4023-A153-68B34F101D6C}"/>
+          <p:cNvPr id="117" name="OTLSHAPE_T_93ee150c9d7b4ee0b81d772d821bf80b_StartDate" hidden="1">
+            <a:extLst>
+              <a:ext uri="{FF2B5EF4-FFF2-40B4-BE49-F238E27FC236}">
+                <a16:creationId xmlns:a16="http://schemas.microsoft.com/office/drawing/2014/main" id="{723376C9-293D-4F8A-BD0C-46AC13FA4FD8}"/>
               </a:ext>
             </a:extLst>
           </p:cNvPr>
           <p:cNvSpPr txBox="1"/>
           <p:nvPr>
             <p:custDataLst>
-              <p:tags r:id="rId21"/>
+              <p:tags r:id="rId27"/>
+            </p:custDataLst>
+          </p:nvPr>
+        </p:nvSpPr>
+        <p:spPr>
+          <a:xfrm>
+            <a:off x="12700" y="-79633"/>
+            <a:ext cx="0" cy="0"/>
+          </a:xfrm>
+          <a:prstGeom prst="rect">
+            <a:avLst/>
+          </a:prstGeom>
+          <a:noFill/>
+        </p:spPr>
+        <p:txBody>
+          <a:bodyPr vert="horz" wrap="square" lIns="0" tIns="0" rIns="0" bIns="0" rtlCol="0" anchor="ctr" anchorCtr="0">
+            <a:spAutoFit/>
+          </a:bodyPr>
+          <a:lstStyle/>
+          <a:p>
+            <a:pPr algn="ctr"/>
+            <a:endParaRPr lang="en-US" sz="1000">
+              <a:solidFill>
+                <a:schemeClr val="dk2"/>
+              </a:solidFill>
+              <a:latin typeface="Calibri" panose="020F0502020204030204" pitchFamily="34" charset="0"/>
+            </a:endParaRPr>
+          </a:p>
+        </p:txBody>
+      </p:sp>
+      <p:sp>
+        <p:nvSpPr>
+          <p:cNvPr id="118" name="OTLSHAPE_T_93ee150c9d7b4ee0b81d772d821bf80b_EndDate" hidden="1">
+            <a:extLst>
+              <a:ext uri="{FF2B5EF4-FFF2-40B4-BE49-F238E27FC236}">
+                <a16:creationId xmlns:a16="http://schemas.microsoft.com/office/drawing/2014/main" id="{68E1C49B-B5B4-4A51-B130-FA54E35151A4}"/>
+              </a:ext>
+            </a:extLst>
+          </p:cNvPr>
+          <p:cNvSpPr txBox="1"/>
+          <p:nvPr>
+            <p:custDataLst>
+              <p:tags r:id="rId28"/>
+            </p:custDataLst>
+          </p:nvPr>
+        </p:nvSpPr>
+        <p:spPr>
+          <a:xfrm>
+            <a:off x="12700" y="-79633"/>
+            <a:ext cx="0" cy="0"/>
+          </a:xfrm>
+          <a:prstGeom prst="rect">
+            <a:avLst/>
+          </a:prstGeom>
+          <a:noFill/>
+        </p:spPr>
+        <p:txBody>
+          <a:bodyPr vert="horz" wrap="square" lIns="0" tIns="0" rIns="0" bIns="0" rtlCol="0" anchor="ctr" anchorCtr="0">
+            <a:spAutoFit/>
+          </a:bodyPr>
+          <a:lstStyle/>
+          <a:p>
+            <a:pPr algn="ctr"/>
+            <a:endParaRPr lang="en-US" sz="1000">
+              <a:solidFill>
+                <a:schemeClr val="dk2"/>
+              </a:solidFill>
+              <a:latin typeface="Calibri" panose="020F0502020204030204" pitchFamily="34" charset="0"/>
+            </a:endParaRPr>
+          </a:p>
+        </p:txBody>
+      </p:sp>
+      <p:sp>
+        <p:nvSpPr>
+          <p:cNvPr id="121" name="OTLSHAPE_T_93ee150c9d7b4ee0b81d772d821bf80b_JoinedDate">
+            <a:extLst>
+              <a:ext uri="{FF2B5EF4-FFF2-40B4-BE49-F238E27FC236}">
+                <a16:creationId xmlns:a16="http://schemas.microsoft.com/office/drawing/2014/main" id="{66342D9B-21D6-4DB6-9FDE-358C814D4649}"/>
+              </a:ext>
+            </a:extLst>
+          </p:cNvPr>
+          <p:cNvSpPr txBox="1"/>
+          <p:nvPr>
+            <p:custDataLst>
+              <p:tags r:id="rId29"/>
+            </p:custDataLst>
+          </p:nvPr>
+        </p:nvSpPr>
+        <p:spPr>
+          <a:xfrm>
+            <a:off x="1515946" y="3427688"/>
+            <a:ext cx="723900" cy="155025"/>
+          </a:xfrm>
+          <a:prstGeom prst="rect">
+            <a:avLst/>
+          </a:prstGeom>
+          <a:noFill/>
+        </p:spPr>
+        <p:txBody>
+          <a:bodyPr vert="horz" wrap="square" lIns="0" tIns="0" rIns="0" bIns="0" rtlCol="0" anchor="ctr" anchorCtr="0">
+            <a:spAutoFit/>
+          </a:bodyPr>
+          <a:lstStyle/>
+          <a:p>
+            <a:pPr algn="ctr"/>
+            <a:r>
+              <a:rPr lang="en-US" sz="1000" spc="-6">
+                <a:solidFill>
+                  <a:schemeClr val="dk2"/>
+                </a:solidFill>
+                <a:latin typeface="Calibri" panose="020F0502020204030204" pitchFamily="34" charset="0"/>
+              </a:rPr>
+              <a:t>May 2 - May 4</a:t>
+            </a:r>
+          </a:p>
+        </p:txBody>
+      </p:sp>
+      <p:sp>
+        <p:nvSpPr>
+          <p:cNvPr id="122" name="OTLSHAPE_T_93ee150c9d7b4ee0b81d772d821bf80b_Duration">
+            <a:extLst>
+              <a:ext uri="{FF2B5EF4-FFF2-40B4-BE49-F238E27FC236}">
+                <a16:creationId xmlns:a16="http://schemas.microsoft.com/office/drawing/2014/main" id="{EC2A865C-CE7D-4F24-9B6D-4C8098F314F1}"/>
+              </a:ext>
+            </a:extLst>
+          </p:cNvPr>
+          <p:cNvSpPr txBox="1"/>
+          <p:nvPr>
+            <p:custDataLst>
+              <p:tags r:id="rId30"/>
+            </p:custDataLst>
+          </p:nvPr>
+        </p:nvSpPr>
+        <p:spPr>
+          <a:xfrm>
+            <a:off x="780669" y="3427688"/>
+            <a:ext cx="330200" cy="155025"/>
+          </a:xfrm>
+          <a:prstGeom prst="rect">
+            <a:avLst/>
+          </a:prstGeom>
+          <a:noFill/>
+        </p:spPr>
+        <p:txBody>
+          <a:bodyPr vert="horz" wrap="square" lIns="0" tIns="0" rIns="0" bIns="0" rtlCol="0" anchor="ctr" anchorCtr="0">
+            <a:spAutoFit/>
+          </a:bodyPr>
+          <a:lstStyle/>
+          <a:p>
+            <a:pPr algn="r"/>
+            <a:r>
+              <a:rPr lang="en-US" sz="1000" spc="-8">
+                <a:solidFill>
+                  <a:schemeClr val="dk1"/>
+                </a:solidFill>
+                <a:latin typeface="Calibri" panose="020F0502020204030204" pitchFamily="34" charset="0"/>
+              </a:rPr>
+              <a:t>3 days</a:t>
+            </a:r>
+          </a:p>
+        </p:txBody>
+      </p:sp>
+      <p:sp>
+        <p:nvSpPr>
+          <p:cNvPr id="123" name="OTLSHAPE_T_93ee150c9d7b4ee0b81d772d821bf80b_Title">
+            <a:extLst>
+              <a:ext uri="{FF2B5EF4-FFF2-40B4-BE49-F238E27FC236}">
+                <a16:creationId xmlns:a16="http://schemas.microsoft.com/office/drawing/2014/main" id="{08CE5D99-898A-430B-B69F-283721785AF4}"/>
+              </a:ext>
+            </a:extLst>
+          </p:cNvPr>
+          <p:cNvSpPr txBox="1"/>
+          <p:nvPr>
+            <p:custDataLst>
+              <p:tags r:id="rId31"/>
+            </p:custDataLst>
+          </p:nvPr>
+        </p:nvSpPr>
+        <p:spPr>
+          <a:xfrm>
+            <a:off x="2658512" y="3412172"/>
+            <a:ext cx="2159000" cy="186055"/>
+          </a:xfrm>
+          <a:prstGeom prst="rect">
+            <a:avLst/>
+          </a:prstGeom>
+          <a:noFill/>
+        </p:spPr>
+        <p:txBody>
+          <a:bodyPr vert="horz" wrap="square" lIns="0" tIns="0" rIns="0" bIns="0" rtlCol="0" anchor="ctr" anchorCtr="0">
+            <a:spAutoFit/>
+          </a:bodyPr>
+          <a:lstStyle/>
+          <a:p>
+            <a:r>
+              <a:rPr lang="en-US" sz="1200" b="1" spc="-4" dirty="0">
+                <a:solidFill>
+                  <a:schemeClr val="dk1"/>
+                </a:solidFill>
+                <a:latin typeface="Calibri" panose="020F0502020204030204" pitchFamily="34" charset="0"/>
+              </a:rPr>
+              <a:t>Find larger example RRBS data set</a:t>
+            </a:r>
+          </a:p>
+        </p:txBody>
+      </p:sp>
+      <p:sp>
+        <p:nvSpPr>
+          <p:cNvPr id="126" name="OTLSHAPE_T_555632f4d8784e8cb8b4fc9dadccab8e_TextPercentage" hidden="1">
+            <a:extLst>
+              <a:ext uri="{FF2B5EF4-FFF2-40B4-BE49-F238E27FC236}">
+                <a16:creationId xmlns:a16="http://schemas.microsoft.com/office/drawing/2014/main" id="{88E607DE-06F6-40F2-976C-F6A71BFF9A8F}"/>
+              </a:ext>
+            </a:extLst>
+          </p:cNvPr>
+          <p:cNvSpPr txBox="1"/>
+          <p:nvPr>
+            <p:custDataLst>
+              <p:tags r:id="rId32"/>
             </p:custDataLst>
           </p:nvPr>
         </p:nvSpPr>
         <p:spPr>
           <a:xfrm>
             <a:off x="12700" y="74255"/>
+            <a:ext cx="0" cy="0"/>
+          </a:xfrm>
+          <a:prstGeom prst="rect">
+            <a:avLst/>
+          </a:prstGeom>
+          <a:noFill/>
+        </p:spPr>
+        <p:txBody>
+          <a:bodyPr vert="horz" wrap="square" lIns="0" tIns="0" rIns="0" bIns="0" rtlCol="0" anchor="ctr" anchorCtr="0">
+            <a:spAutoFit/>
+          </a:bodyPr>
+          <a:lstStyle/>
+          <a:p>
+            <a:endParaRPr lang="en-US" sz="1000">
+              <a:solidFill>
+                <a:srgbClr val="C0504D"/>
+              </a:solidFill>
+              <a:latin typeface="Calibri" panose="020F0502020204030204" pitchFamily="34" charset="0"/>
+            </a:endParaRPr>
+          </a:p>
+        </p:txBody>
+      </p:sp>
+      <p:sp>
+        <p:nvSpPr>
+          <p:cNvPr id="127" name="OTLSHAPE_T_555632f4d8784e8cb8b4fc9dadccab8e_StartDate" hidden="1">
+            <a:extLst>
+              <a:ext uri="{FF2B5EF4-FFF2-40B4-BE49-F238E27FC236}">
+                <a16:creationId xmlns:a16="http://schemas.microsoft.com/office/drawing/2014/main" id="{B5C4E716-58FC-4E34-95B9-14FD8ECA13A2}"/>
+              </a:ext>
+            </a:extLst>
+          </p:cNvPr>
+          <p:cNvSpPr txBox="1"/>
+          <p:nvPr>
+            <p:custDataLst>
+              <p:tags r:id="rId33"/>
+            </p:custDataLst>
+          </p:nvPr>
+        </p:nvSpPr>
+        <p:spPr>
+          <a:xfrm>
+            <a:off x="12700" y="-79633"/>
             <a:ext cx="0" cy="0"/>
           </a:xfrm>
           <a:prstGeom prst="rect">
@@ -7607,23 +8270,23 @@
       </p:sp>
       <p:sp>
         <p:nvSpPr>
-          <p:cNvPr id="19" name="OTLSHAPE_T_c21f8c801dd4474996421ebdfaa8e17b_EndDate" hidden="1">
-            <a:extLst>
-              <a:ext uri="{FF2B5EF4-FFF2-40B4-BE49-F238E27FC236}">
-                <a16:creationId xmlns:a16="http://schemas.microsoft.com/office/drawing/2014/main" id="{8E5ECA50-F612-4AF8-97A5-C40ACB20C73E}"/>
+          <p:cNvPr id="128" name="OTLSHAPE_T_555632f4d8784e8cb8b4fc9dadccab8e_EndDate" hidden="1">
+            <a:extLst>
+              <a:ext uri="{FF2B5EF4-FFF2-40B4-BE49-F238E27FC236}">
+                <a16:creationId xmlns:a16="http://schemas.microsoft.com/office/drawing/2014/main" id="{2B48059A-EFDD-4407-813F-8C0755AE623D}"/>
               </a:ext>
             </a:extLst>
           </p:cNvPr>
           <p:cNvSpPr txBox="1"/>
           <p:nvPr>
             <p:custDataLst>
-              <p:tags r:id="rId22"/>
-            </p:custDataLst>
-          </p:nvPr>
-        </p:nvSpPr>
-        <p:spPr>
-          <a:xfrm>
-            <a:off x="12700" y="74255"/>
+              <p:tags r:id="rId34"/>
+            </p:custDataLst>
+          </p:nvPr>
+        </p:nvSpPr>
+        <p:spPr>
+          <a:xfrm>
+            <a:off x="12700" y="-79633"/>
             <a:ext cx="0" cy="0"/>
           </a:xfrm>
           <a:prstGeom prst="rect">
@@ -7649,24 +8312,24 @@
       </p:sp>
       <p:sp>
         <p:nvSpPr>
-          <p:cNvPr id="20" name="OTLSHAPE_T_c21f8c801dd4474996421ebdfaa8e17b_JoinedDate">
-            <a:extLst>
-              <a:ext uri="{FF2B5EF4-FFF2-40B4-BE49-F238E27FC236}">
-                <a16:creationId xmlns:a16="http://schemas.microsoft.com/office/drawing/2014/main" id="{A12093EA-8E59-4F20-BF97-EF2611F2F5A1}"/>
+          <p:cNvPr id="129" name="OTLSHAPE_T_555632f4d8784e8cb8b4fc9dadccab8e_JoinedDate">
+            <a:extLst>
+              <a:ext uri="{FF2B5EF4-FFF2-40B4-BE49-F238E27FC236}">
+                <a16:creationId xmlns:a16="http://schemas.microsoft.com/office/drawing/2014/main" id="{D1E08990-7D5F-4454-967F-F5735FD6C9F2}"/>
               </a:ext>
             </a:extLst>
           </p:cNvPr>
           <p:cNvSpPr txBox="1"/>
           <p:nvPr>
             <p:custDataLst>
-              <p:tags r:id="rId23"/>
-            </p:custDataLst>
-          </p:nvPr>
-        </p:nvSpPr>
-        <p:spPr>
-          <a:xfrm>
-            <a:off x="857496" y="4120938"/>
-            <a:ext cx="736600" cy="155025"/>
+              <p:tags r:id="rId35"/>
+            </p:custDataLst>
+          </p:nvPr>
+        </p:nvSpPr>
+        <p:spPr>
+          <a:xfrm>
+            <a:off x="3697805" y="4227788"/>
+            <a:ext cx="787400" cy="155025"/>
           </a:xfrm>
           <a:prstGeom prst="rect">
             <a:avLst/>
@@ -7681,36 +8344,86 @@
           <a:p>
             <a:pPr algn="r"/>
             <a:r>
-              <a:rPr lang="en-US" sz="1000" spc="-4">
+              <a:rPr lang="en-US" sz="1000" spc="-8">
                 <a:solidFill>
                   <a:schemeClr val="dk2"/>
                 </a:solidFill>
                 <a:latin typeface="Calibri" panose="020F0502020204030204" pitchFamily="34" charset="0"/>
               </a:rPr>
-              <a:t>May 3 - May 6</a:t>
-            </a:r>
-          </a:p>
-        </p:txBody>
-      </p:sp>
-      <p:sp>
-        <p:nvSpPr>
-          <p:cNvPr id="21" name="OTLSHAPE_T_c21f8c801dd4474996421ebdfaa8e17b_Duration">
-            <a:extLst>
-              <a:ext uri="{FF2B5EF4-FFF2-40B4-BE49-F238E27FC236}">
-                <a16:creationId xmlns:a16="http://schemas.microsoft.com/office/drawing/2014/main" id="{0B77F2AC-C30F-4E0A-9981-0701532E4C0C}"/>
+              <a:t>May 9 - May 13</a:t>
+            </a:r>
+          </a:p>
+        </p:txBody>
+      </p:sp>
+      <p:sp>
+        <p:nvSpPr>
+          <p:cNvPr id="130" name="OTLSHAPE_T_555632f4d8784e8cb8b4fc9dadccab8e_Title">
+            <a:extLst>
+              <a:ext uri="{FF2B5EF4-FFF2-40B4-BE49-F238E27FC236}">
+                <a16:creationId xmlns:a16="http://schemas.microsoft.com/office/drawing/2014/main" id="{6EE04C35-134D-4F17-8C5D-DA6E5E2E8DB7}"/>
               </a:ext>
             </a:extLst>
           </p:cNvPr>
           <p:cNvSpPr txBox="1"/>
           <p:nvPr>
             <p:custDataLst>
-              <p:tags r:id="rId24"/>
-            </p:custDataLst>
-          </p:nvPr>
-        </p:nvSpPr>
-        <p:spPr>
-          <a:xfrm>
-            <a:off x="2445765" y="4120938"/>
+              <p:tags r:id="rId36"/>
+            </p:custDataLst>
+          </p:nvPr>
+        </p:nvSpPr>
+        <p:spPr>
+          <a:xfrm>
+            <a:off x="7015559" y="4212272"/>
+            <a:ext cx="2438400" cy="186055"/>
+          </a:xfrm>
+          <a:prstGeom prst="rect">
+            <a:avLst/>
+          </a:prstGeom>
+          <a:noFill/>
+        </p:spPr>
+        <p:txBody>
+          <a:bodyPr vert="horz" wrap="square" lIns="0" tIns="0" rIns="0" bIns="0" rtlCol="0" anchor="ctr" anchorCtr="0">
+            <a:spAutoFit/>
+          </a:bodyPr>
+          <a:lstStyle/>
+          <a:p>
+            <a:r>
+              <a:rPr lang="fr-FR" sz="1200" b="1" spc="-4">
+                <a:solidFill>
+                  <a:schemeClr val="dk1"/>
+                </a:solidFill>
+                <a:latin typeface="Calibri" panose="020F0502020204030204" pitchFamily="34" charset="0"/>
+              </a:rPr>
+              <a:t>Train different classifiers on mock data</a:t>
+            </a:r>
+            <a:endParaRPr lang="en-US" sz="1200" b="1" spc="-4" dirty="0">
+              <a:solidFill>
+                <a:schemeClr val="dk1"/>
+              </a:solidFill>
+              <a:latin typeface="Calibri" panose="020F0502020204030204" pitchFamily="34" charset="0"/>
+            </a:endParaRPr>
+          </a:p>
+        </p:txBody>
+      </p:sp>
+      <p:sp>
+        <p:nvSpPr>
+          <p:cNvPr id="131" name="OTLSHAPE_T_555632f4d8784e8cb8b4fc9dadccab8e_Duration">
+            <a:extLst>
+              <a:ext uri="{FF2B5EF4-FFF2-40B4-BE49-F238E27FC236}">
+                <a16:creationId xmlns:a16="http://schemas.microsoft.com/office/drawing/2014/main" id="{A3DFFF55-24D6-4A8D-A92F-6D46F8DC91D3}"/>
+              </a:ext>
+            </a:extLst>
+          </p:cNvPr>
+          <p:cNvSpPr txBox="1"/>
+          <p:nvPr>
+            <p:custDataLst>
+              <p:tags r:id="rId37"/>
+            </p:custDataLst>
+          </p:nvPr>
+        </p:nvSpPr>
+        <p:spPr>
+          <a:xfrm>
+            <a:off x="5592520" y="4227788"/>
             <a:ext cx="330200" cy="155025"/>
           </a:xfrm>
           <a:prstGeom prst="rect">
@@ -7732,90 +8445,11 @@
                 </a:solidFill>
                 <a:latin typeface="Calibri" panose="020F0502020204030204" pitchFamily="34" charset="0"/>
               </a:rPr>
-              <a:t>4 days</a:t>
-            </a:r>
-          </a:p>
-        </p:txBody>
-      </p:sp>
-      <p:sp>
-        <p:nvSpPr>
-          <p:cNvPr id="22" name="OTLSHAPE_T_c21f8c801dd4474996421ebdfaa8e17b_Title">
-            <a:extLst>
-              <a:ext uri="{FF2B5EF4-FFF2-40B4-BE49-F238E27FC236}">
-                <a16:creationId xmlns:a16="http://schemas.microsoft.com/office/drawing/2014/main" id="{F69CFD17-E62E-4D61-BA09-2254DAE3AB02}"/>
-              </a:ext>
-            </a:extLst>
-          </p:cNvPr>
-          <p:cNvSpPr txBox="1"/>
-          <p:nvPr>
-            <p:custDataLst>
-              <p:tags r:id="rId25"/>
-            </p:custDataLst>
-          </p:nvPr>
-        </p:nvSpPr>
-        <p:spPr>
-          <a:xfrm>
-            <a:off x="3626745" y="4105423"/>
-            <a:ext cx="1206500" cy="186055"/>
-          </a:xfrm>
-          <a:prstGeom prst="rect">
-            <a:avLst/>
-          </a:prstGeom>
-          <a:noFill/>
-        </p:spPr>
-        <p:txBody>
-          <a:bodyPr vert="horz" wrap="square" lIns="0" tIns="0" rIns="0" bIns="0" rtlCol="0" anchor="ctr" anchorCtr="0">
-            <a:spAutoFit/>
-          </a:bodyPr>
-          <a:lstStyle/>
-          <a:p>
-            <a:r>
-              <a:rPr lang="en-US" sz="1200" b="1" spc="-6">
-                <a:solidFill>
-                  <a:schemeClr val="dk1"/>
-                </a:solidFill>
-                <a:latin typeface="Calibri" panose="020F0502020204030204" pitchFamily="34" charset="0"/>
-              </a:rPr>
-              <a:t>Polish intro section</a:t>
-            </a:r>
-          </a:p>
-        </p:txBody>
-      </p:sp>
-      <p:sp>
-        <p:nvSpPr>
-          <p:cNvPr id="32" name="OTLSHAPE_T_3c02be2aaf3d46e9b1128774cf3ca849_TextPercentage" hidden="1">
-            <a:extLst>
-              <a:ext uri="{FF2B5EF4-FFF2-40B4-BE49-F238E27FC236}">
-                <a16:creationId xmlns:a16="http://schemas.microsoft.com/office/drawing/2014/main" id="{F38E1C3A-3266-4E3B-82F5-B5D0FEC91BC2}"/>
-              </a:ext>
-            </a:extLst>
-          </p:cNvPr>
-          <p:cNvSpPr txBox="1"/>
-          <p:nvPr>
-            <p:custDataLst>
-              <p:tags r:id="rId26"/>
-            </p:custDataLst>
-          </p:nvPr>
-        </p:nvSpPr>
-        <p:spPr>
-          <a:xfrm>
-            <a:off x="12700" y="74255"/>
-            <a:ext cx="0" cy="0"/>
-          </a:xfrm>
-          <a:prstGeom prst="rect">
-            <a:avLst/>
-          </a:prstGeom>
-          <a:noFill/>
-        </p:spPr>
-        <p:txBody>
-          <a:bodyPr vert="horz" wrap="square" lIns="0" tIns="0" rIns="0" bIns="0" rtlCol="0" anchor="ctr" anchorCtr="0">
-            <a:spAutoFit/>
-          </a:bodyPr>
-          <a:lstStyle/>
-          <a:p>
-            <a:endParaRPr lang="en-US" sz="1000" dirty="0">
+              <a:t>5 days</a:t>
+            </a:r>
+            <a:endParaRPr lang="en-US" sz="1000" spc="-8" dirty="0">
               <a:solidFill>
-                <a:srgbClr val="C0504D"/>
+                <a:schemeClr val="dk1"/>
               </a:solidFill>
               <a:latin typeface="Calibri" panose="020F0502020204030204" pitchFamily="34" charset="0"/>
             </a:endParaRPr>
@@ -7824,241 +8458,17 @@
       </p:sp>
       <p:sp>
         <p:nvSpPr>
-          <p:cNvPr id="33" name="OTLSHAPE_T_3c02be2aaf3d46e9b1128774cf3ca849_StartDate" hidden="1">
-            <a:extLst>
-              <a:ext uri="{FF2B5EF4-FFF2-40B4-BE49-F238E27FC236}">
-                <a16:creationId xmlns:a16="http://schemas.microsoft.com/office/drawing/2014/main" id="{430F4C8B-237D-4B56-B956-12594DC47B9C}"/>
+          <p:cNvPr id="31" name="OTLSHAPE_T_a9e75211bf4d415fa4154823df1e958d_TextPercentage" hidden="1">
+            <a:extLst>
+              <a:ext uri="{FF2B5EF4-FFF2-40B4-BE49-F238E27FC236}">
+                <a16:creationId xmlns:a16="http://schemas.microsoft.com/office/drawing/2014/main" id="{60B057B6-09F4-441F-A82D-B379CDC3CD8A}"/>
               </a:ext>
             </a:extLst>
           </p:cNvPr>
           <p:cNvSpPr txBox="1"/>
           <p:nvPr>
             <p:custDataLst>
-              <p:tags r:id="rId27"/>
-            </p:custDataLst>
-          </p:nvPr>
-        </p:nvSpPr>
-        <p:spPr>
-          <a:xfrm>
-            <a:off x="12700" y="74255"/>
-            <a:ext cx="0" cy="0"/>
-          </a:xfrm>
-          <a:prstGeom prst="rect">
-            <a:avLst/>
-          </a:prstGeom>
-          <a:noFill/>
-        </p:spPr>
-        <p:txBody>
-          <a:bodyPr vert="horz" wrap="square" lIns="0" tIns="0" rIns="0" bIns="0" rtlCol="0" anchor="ctr" anchorCtr="0">
-            <a:spAutoFit/>
-          </a:bodyPr>
-          <a:lstStyle/>
-          <a:p>
-            <a:pPr algn="r"/>
-            <a:endParaRPr lang="en-US" sz="1000" dirty="0">
-              <a:solidFill>
-                <a:schemeClr val="dk2"/>
-              </a:solidFill>
-              <a:latin typeface="Calibri" panose="020F0502020204030204" pitchFamily="34" charset="0"/>
-            </a:endParaRPr>
-          </a:p>
-        </p:txBody>
-      </p:sp>
-      <p:sp>
-        <p:nvSpPr>
-          <p:cNvPr id="34" name="OTLSHAPE_T_3c02be2aaf3d46e9b1128774cf3ca849_EndDate" hidden="1">
-            <a:extLst>
-              <a:ext uri="{FF2B5EF4-FFF2-40B4-BE49-F238E27FC236}">
-                <a16:creationId xmlns:a16="http://schemas.microsoft.com/office/drawing/2014/main" id="{3CF842AD-336B-4ED7-8B46-93A5CE56307E}"/>
-              </a:ext>
-            </a:extLst>
-          </p:cNvPr>
-          <p:cNvSpPr txBox="1"/>
-          <p:nvPr>
-            <p:custDataLst>
-              <p:tags r:id="rId28"/>
-            </p:custDataLst>
-          </p:nvPr>
-        </p:nvSpPr>
-        <p:spPr>
-          <a:xfrm>
-            <a:off x="12700" y="74255"/>
-            <a:ext cx="0" cy="0"/>
-          </a:xfrm>
-          <a:prstGeom prst="rect">
-            <a:avLst/>
-          </a:prstGeom>
-          <a:noFill/>
-        </p:spPr>
-        <p:txBody>
-          <a:bodyPr vert="horz" wrap="square" lIns="0" tIns="0" rIns="0" bIns="0" rtlCol="0" anchor="ctr" anchorCtr="0">
-            <a:spAutoFit/>
-          </a:bodyPr>
-          <a:lstStyle/>
-          <a:p>
-            <a:pPr algn="r"/>
-            <a:endParaRPr lang="en-US" sz="1000" dirty="0">
-              <a:solidFill>
-                <a:schemeClr val="dk2"/>
-              </a:solidFill>
-              <a:latin typeface="Calibri" panose="020F0502020204030204" pitchFamily="34" charset="0"/>
-            </a:endParaRPr>
-          </a:p>
-        </p:txBody>
-      </p:sp>
-      <p:sp>
-        <p:nvSpPr>
-          <p:cNvPr id="35" name="OTLSHAPE_T_3c02be2aaf3d46e9b1128774cf3ca849_JoinedDate">
-            <a:extLst>
-              <a:ext uri="{FF2B5EF4-FFF2-40B4-BE49-F238E27FC236}">
-                <a16:creationId xmlns:a16="http://schemas.microsoft.com/office/drawing/2014/main" id="{4742820D-B2D5-48B6-8E25-97CF386616A6}"/>
-              </a:ext>
-            </a:extLst>
-          </p:cNvPr>
-          <p:cNvSpPr txBox="1"/>
-          <p:nvPr>
-            <p:custDataLst>
-              <p:tags r:id="rId29"/>
-            </p:custDataLst>
-          </p:nvPr>
-        </p:nvSpPr>
-        <p:spPr>
-          <a:xfrm>
-            <a:off x="921885" y="4363551"/>
-            <a:ext cx="673100" cy="310049"/>
-          </a:xfrm>
-          <a:prstGeom prst="rect">
-            <a:avLst/>
-          </a:prstGeom>
-          <a:noFill/>
-        </p:spPr>
-        <p:txBody>
-          <a:bodyPr vert="horz" wrap="square" lIns="0" tIns="0" rIns="0" bIns="0" rtlCol="0" anchor="ctr" anchorCtr="0">
-            <a:noAutofit/>
-          </a:bodyPr>
-          <a:lstStyle/>
-          <a:p>
-            <a:pPr algn="r"/>
-            <a:r>
-              <a:rPr lang="en-US" sz="1000">
-                <a:solidFill>
-                  <a:schemeClr val="dk2"/>
-                </a:solidFill>
-                <a:latin typeface="Calibri" panose="020F0502020204030204" pitchFamily="34" charset="0"/>
-              </a:rPr>
-              <a:t>May 3 - May 11</a:t>
-            </a:r>
-            <a:endParaRPr lang="en-US" sz="1000" dirty="0">
-              <a:solidFill>
-                <a:schemeClr val="dk2"/>
-              </a:solidFill>
-              <a:latin typeface="Calibri" panose="020F0502020204030204" pitchFamily="34" charset="0"/>
-            </a:endParaRPr>
-          </a:p>
-        </p:txBody>
-      </p:sp>
-      <p:sp>
-        <p:nvSpPr>
-          <p:cNvPr id="36" name="OTLSHAPE_T_3c02be2aaf3d46e9b1128774cf3ca849_Title">
-            <a:extLst>
-              <a:ext uri="{FF2B5EF4-FFF2-40B4-BE49-F238E27FC236}">
-                <a16:creationId xmlns:a16="http://schemas.microsoft.com/office/drawing/2014/main" id="{F927ACDD-040E-44B4-8D58-104411667BA5}"/>
-              </a:ext>
-            </a:extLst>
-          </p:cNvPr>
-          <p:cNvSpPr txBox="1"/>
-          <p:nvPr>
-            <p:custDataLst>
-              <p:tags r:id="rId30"/>
-            </p:custDataLst>
-          </p:nvPr>
-        </p:nvSpPr>
-        <p:spPr>
-          <a:xfrm>
-            <a:off x="6047326" y="4425548"/>
-            <a:ext cx="1447800" cy="186055"/>
-          </a:xfrm>
-          <a:prstGeom prst="rect">
-            <a:avLst/>
-          </a:prstGeom>
-          <a:noFill/>
-        </p:spPr>
-        <p:txBody>
-          <a:bodyPr vert="horz" wrap="square" lIns="0" tIns="0" rIns="0" bIns="0" rtlCol="0" anchor="ctr" anchorCtr="0">
-            <a:noAutofit/>
-          </a:bodyPr>
-          <a:lstStyle/>
-          <a:p>
-            <a:r>
-              <a:rPr lang="en-US" sz="1200" b="1" spc="-6" dirty="0">
-                <a:solidFill>
-                  <a:schemeClr val="dk1"/>
-                </a:solidFill>
-                <a:latin typeface="Calibri" panose="020F0502020204030204" pitchFamily="34" charset="0"/>
-              </a:rPr>
-              <a:t>Write methods section</a:t>
-            </a:r>
-          </a:p>
-        </p:txBody>
-      </p:sp>
-      <p:sp>
-        <p:nvSpPr>
-          <p:cNvPr id="37" name="OTLSHAPE_T_3c02be2aaf3d46e9b1128774cf3ca849_Duration">
-            <a:extLst>
-              <a:ext uri="{FF2B5EF4-FFF2-40B4-BE49-F238E27FC236}">
-                <a16:creationId xmlns:a16="http://schemas.microsoft.com/office/drawing/2014/main" id="{E9BAFD4C-9E08-4CD1-A8F6-ED49BD8F0A68}"/>
-              </a:ext>
-            </a:extLst>
-          </p:cNvPr>
-          <p:cNvSpPr txBox="1"/>
-          <p:nvPr>
-            <p:custDataLst>
-              <p:tags r:id="rId31"/>
-            </p:custDataLst>
-          </p:nvPr>
-        </p:nvSpPr>
-        <p:spPr>
-          <a:xfrm>
-            <a:off x="3656056" y="4441063"/>
-            <a:ext cx="330200" cy="155025"/>
-          </a:xfrm>
-          <a:prstGeom prst="rect">
-            <a:avLst/>
-          </a:prstGeom>
-          <a:noFill/>
-        </p:spPr>
-        <p:txBody>
-          <a:bodyPr vert="horz" wrap="square" lIns="0" tIns="0" rIns="0" bIns="0" rtlCol="0" anchor="ctr" anchorCtr="0">
-            <a:spAutoFit/>
-          </a:bodyPr>
-          <a:lstStyle/>
-          <a:p>
-            <a:pPr algn="ctr"/>
-            <a:r>
-              <a:rPr lang="en-US" sz="1000" spc="-8" dirty="0">
-                <a:solidFill>
-                  <a:schemeClr val="dk1"/>
-                </a:solidFill>
-                <a:latin typeface="Calibri" panose="020F0502020204030204" pitchFamily="34" charset="0"/>
-              </a:rPr>
-              <a:t>7 days</a:t>
-            </a:r>
-          </a:p>
-        </p:txBody>
-      </p:sp>
-      <p:sp>
-        <p:nvSpPr>
-          <p:cNvPr id="40" name="OTLSHAPE_T_86498eb5de2c4896a78f548abc6616be_TextPercentage" hidden="1">
-            <a:extLst>
-              <a:ext uri="{FF2B5EF4-FFF2-40B4-BE49-F238E27FC236}">
-                <a16:creationId xmlns:a16="http://schemas.microsoft.com/office/drawing/2014/main" id="{54C5B50B-AE0C-48EA-9D95-7D4E4B10581C}"/>
-              </a:ext>
-            </a:extLst>
-          </p:cNvPr>
-          <p:cNvSpPr txBox="1"/>
-          <p:nvPr>
-            <p:custDataLst>
-              <p:tags r:id="rId32"/>
+              <p:tags r:id="rId38"/>
             </p:custDataLst>
           </p:nvPr>
         </p:nvSpPr>
@@ -8089,23 +8499,23 @@
       </p:sp>
       <p:sp>
         <p:nvSpPr>
-          <p:cNvPr id="41" name="OTLSHAPE_T_86498eb5de2c4896a78f548abc6616be_StartDate" hidden="1">
-            <a:extLst>
-              <a:ext uri="{FF2B5EF4-FFF2-40B4-BE49-F238E27FC236}">
-                <a16:creationId xmlns:a16="http://schemas.microsoft.com/office/drawing/2014/main" id="{0C39AF59-3F41-42BA-A8FA-658F86F95D59}"/>
+          <p:cNvPr id="32" name="OTLSHAPE_T_a9e75211bf4d415fa4154823df1e958d_StartDate" hidden="1">
+            <a:extLst>
+              <a:ext uri="{FF2B5EF4-FFF2-40B4-BE49-F238E27FC236}">
+                <a16:creationId xmlns:a16="http://schemas.microsoft.com/office/drawing/2014/main" id="{0E299876-A7C4-4288-B81A-29206F53E70B}"/>
               </a:ext>
             </a:extLst>
           </p:cNvPr>
           <p:cNvSpPr txBox="1"/>
           <p:nvPr>
             <p:custDataLst>
-              <p:tags r:id="rId33"/>
-            </p:custDataLst>
-          </p:nvPr>
-        </p:nvSpPr>
-        <p:spPr>
-          <a:xfrm>
-            <a:off x="12700" y="74255"/>
+              <p:tags r:id="rId39"/>
+            </p:custDataLst>
+          </p:nvPr>
+        </p:nvSpPr>
+        <p:spPr>
+          <a:xfrm>
+            <a:off x="12700" y="-79633"/>
             <a:ext cx="0" cy="0"/>
           </a:xfrm>
           <a:prstGeom prst="rect">
@@ -8131,23 +8541,23 @@
       </p:sp>
       <p:sp>
         <p:nvSpPr>
-          <p:cNvPr id="42" name="OTLSHAPE_T_86498eb5de2c4896a78f548abc6616be_EndDate" hidden="1">
-            <a:extLst>
-              <a:ext uri="{FF2B5EF4-FFF2-40B4-BE49-F238E27FC236}">
-                <a16:creationId xmlns:a16="http://schemas.microsoft.com/office/drawing/2014/main" id="{E96B8BDA-2DEE-4D28-9E21-5F67A2AB080F}"/>
+          <p:cNvPr id="33" name="OTLSHAPE_T_a9e75211bf4d415fa4154823df1e958d_EndDate" hidden="1">
+            <a:extLst>
+              <a:ext uri="{FF2B5EF4-FFF2-40B4-BE49-F238E27FC236}">
+                <a16:creationId xmlns:a16="http://schemas.microsoft.com/office/drawing/2014/main" id="{49E5FF87-2350-4FBC-A0B4-39D7219AE1A0}"/>
               </a:ext>
             </a:extLst>
           </p:cNvPr>
           <p:cNvSpPr txBox="1"/>
           <p:nvPr>
             <p:custDataLst>
-              <p:tags r:id="rId34"/>
-            </p:custDataLst>
-          </p:nvPr>
-        </p:nvSpPr>
-        <p:spPr>
-          <a:xfrm>
-            <a:off x="12700" y="74255"/>
+              <p:tags r:id="rId40"/>
+            </p:custDataLst>
+          </p:nvPr>
+        </p:nvSpPr>
+        <p:spPr>
+          <a:xfrm>
+            <a:off x="12700" y="-79633"/>
             <a:ext cx="0" cy="0"/>
           </a:xfrm>
           <a:prstGeom prst="rect">
@@ -8173,23 +8583,23 @@
       </p:sp>
       <p:sp>
         <p:nvSpPr>
-          <p:cNvPr id="43" name="OTLSHAPE_T_86498eb5de2c4896a78f548abc6616be_JoinedDate">
-            <a:extLst>
-              <a:ext uri="{FF2B5EF4-FFF2-40B4-BE49-F238E27FC236}">
-                <a16:creationId xmlns:a16="http://schemas.microsoft.com/office/drawing/2014/main" id="{24A4F504-949F-415D-BB4D-18858F02BEA5}"/>
+          <p:cNvPr id="34" name="OTLSHAPE_T_a9e75211bf4d415fa4154823df1e958d_JoinedDate">
+            <a:extLst>
+              <a:ext uri="{FF2B5EF4-FFF2-40B4-BE49-F238E27FC236}">
+                <a16:creationId xmlns:a16="http://schemas.microsoft.com/office/drawing/2014/main" id="{41EE0088-DAF8-49B1-93E7-7E843F1515BE}"/>
               </a:ext>
             </a:extLst>
           </p:cNvPr>
           <p:cNvSpPr txBox="1"/>
           <p:nvPr>
             <p:custDataLst>
-              <p:tags r:id="rId35"/>
-            </p:custDataLst>
-          </p:nvPr>
-        </p:nvSpPr>
-        <p:spPr>
-          <a:xfrm>
-            <a:off x="793107" y="4761188"/>
+              <p:tags r:id="rId41"/>
+            </p:custDataLst>
+          </p:nvPr>
+        </p:nvSpPr>
+        <p:spPr>
+          <a:xfrm>
+            <a:off x="308991" y="4494488"/>
             <a:ext cx="800100" cy="155025"/>
           </a:xfrm>
           <a:prstGeom prst="rect">
@@ -8211,31 +8621,772 @@
                 </a:solidFill>
                 <a:latin typeface="Calibri" panose="020F0502020204030204" pitchFamily="34" charset="0"/>
               </a:rPr>
-              <a:t>May 3 - May 18</a:t>
-            </a:r>
-          </a:p>
-        </p:txBody>
-      </p:sp>
-      <p:sp>
-        <p:nvSpPr>
-          <p:cNvPr id="44" name="OTLSHAPE_T_86498eb5de2c4896a78f548abc6616be_Title">
-            <a:extLst>
-              <a:ext uri="{FF2B5EF4-FFF2-40B4-BE49-F238E27FC236}">
-                <a16:creationId xmlns:a16="http://schemas.microsoft.com/office/drawing/2014/main" id="{62D70782-B203-4AB9-918D-992006AD33A0}"/>
+              <a:t>May 2 - May 18</a:t>
+            </a:r>
+          </a:p>
+        </p:txBody>
+      </p:sp>
+      <p:sp>
+        <p:nvSpPr>
+          <p:cNvPr id="35" name="OTLSHAPE_T_a9e75211bf4d415fa4154823df1e958d_Title">
+            <a:extLst>
+              <a:ext uri="{FF2B5EF4-FFF2-40B4-BE49-F238E27FC236}">
+                <a16:creationId xmlns:a16="http://schemas.microsoft.com/office/drawing/2014/main" id="{B7976EB8-4717-475B-B10C-8C2F2E86D0C6}"/>
               </a:ext>
             </a:extLst>
           </p:cNvPr>
           <p:cNvSpPr txBox="1"/>
           <p:nvPr>
             <p:custDataLst>
-              <p:tags r:id="rId36"/>
-            </p:custDataLst>
-          </p:nvPr>
-        </p:nvSpPr>
-        <p:spPr>
-          <a:xfrm>
-            <a:off x="9436140" y="4745672"/>
-            <a:ext cx="1473200" cy="186055"/>
+              <p:tags r:id="rId42"/>
+            </p:custDataLst>
+          </p:nvPr>
+        </p:nvSpPr>
+        <p:spPr>
+          <a:xfrm>
+            <a:off x="9436140" y="4478972"/>
+            <a:ext cx="1638300" cy="186055"/>
+          </a:xfrm>
+          <a:prstGeom prst="rect">
+            <a:avLst/>
+          </a:prstGeom>
+          <a:noFill/>
+        </p:spPr>
+        <p:txBody>
+          <a:bodyPr vert="horz" wrap="square" lIns="0" tIns="0" rIns="0" bIns="0" rtlCol="0" anchor="ctr" anchorCtr="0">
+            <a:spAutoFit/>
+          </a:bodyPr>
+          <a:lstStyle/>
+          <a:p>
+            <a:r>
+              <a:rPr lang="en-US" sz="1200" b="1" spc="-6" dirty="0" err="1">
+                <a:solidFill>
+                  <a:schemeClr val="dk1"/>
+                </a:solidFill>
+                <a:latin typeface="Calibri" panose="020F0502020204030204" pitchFamily="34" charset="0"/>
+              </a:rPr>
+              <a:t>Optimisation</a:t>
+            </a:r>
+            <a:r>
+              <a:rPr lang="en-US" sz="1200" b="1" spc="-6" dirty="0">
+                <a:solidFill>
+                  <a:schemeClr val="dk1"/>
+                </a:solidFill>
+                <a:latin typeface="Calibri" panose="020F0502020204030204" pitchFamily="34" charset="0"/>
+              </a:rPr>
+              <a:t> of classifiers</a:t>
+            </a:r>
+          </a:p>
+        </p:txBody>
+      </p:sp>
+      <p:sp>
+        <p:nvSpPr>
+          <p:cNvPr id="36" name="OTLSHAPE_T_a9e75211bf4d415fa4154823df1e958d_Duration">
+            <a:extLst>
+              <a:ext uri="{FF2B5EF4-FFF2-40B4-BE49-F238E27FC236}">
+                <a16:creationId xmlns:a16="http://schemas.microsoft.com/office/drawing/2014/main" id="{6A9A4C4F-7B58-49BE-B86A-664D5CC89075}"/>
+              </a:ext>
+            </a:extLst>
+          </p:cNvPr>
+          <p:cNvSpPr txBox="1"/>
+          <p:nvPr>
+            <p:custDataLst>
+              <p:tags r:id="rId43"/>
+            </p:custDataLst>
+          </p:nvPr>
+        </p:nvSpPr>
+        <p:spPr>
+          <a:xfrm>
+            <a:off x="5076210" y="4494488"/>
+            <a:ext cx="393700" cy="155025"/>
+          </a:xfrm>
+          <a:prstGeom prst="rect">
+            <a:avLst/>
+          </a:prstGeom>
+          <a:noFill/>
+        </p:spPr>
+        <p:txBody>
+          <a:bodyPr vert="horz" wrap="square" lIns="0" tIns="0" rIns="0" bIns="0" rtlCol="0" anchor="ctr" anchorCtr="0">
+            <a:spAutoFit/>
+          </a:bodyPr>
+          <a:lstStyle/>
+          <a:p>
+            <a:pPr algn="ctr"/>
+            <a:r>
+              <a:rPr lang="en-US" sz="1000" spc="-8">
+                <a:solidFill>
+                  <a:schemeClr val="dk1"/>
+                </a:solidFill>
+                <a:latin typeface="Calibri" panose="020F0502020204030204" pitchFamily="34" charset="0"/>
+              </a:rPr>
+              <a:t>13 days</a:t>
+            </a:r>
+          </a:p>
+        </p:txBody>
+      </p:sp>
+      <p:sp>
+        <p:nvSpPr>
+          <p:cNvPr id="40" name="OTLSHAPE_T_01dcdbef68a94ded911918198d0e15fd_TextPercentage" hidden="1">
+            <a:extLst>
+              <a:ext uri="{FF2B5EF4-FFF2-40B4-BE49-F238E27FC236}">
+                <a16:creationId xmlns:a16="http://schemas.microsoft.com/office/drawing/2014/main" id="{D8FE20E1-1F9E-25DC-BC1E-8C4B702DE868}"/>
+              </a:ext>
+            </a:extLst>
+          </p:cNvPr>
+          <p:cNvSpPr txBox="1"/>
+          <p:nvPr>
+            <p:custDataLst>
+              <p:tags r:id="rId44"/>
+            </p:custDataLst>
+          </p:nvPr>
+        </p:nvSpPr>
+        <p:spPr>
+          <a:xfrm>
+            <a:off x="12700" y="74255"/>
+            <a:ext cx="0" cy="0"/>
+          </a:xfrm>
+          <a:prstGeom prst="rect">
+            <a:avLst/>
+          </a:prstGeom>
+          <a:noFill/>
+        </p:spPr>
+        <p:txBody>
+          <a:bodyPr vert="horz" wrap="square" lIns="0" tIns="0" rIns="0" bIns="0" rtlCol="0" anchor="ctr" anchorCtr="0">
+            <a:spAutoFit/>
+          </a:bodyPr>
+          <a:lstStyle/>
+          <a:p>
+            <a:endParaRPr lang="en-US" sz="1000">
+              <a:solidFill>
+                <a:srgbClr val="C0504D"/>
+              </a:solidFill>
+              <a:latin typeface="Calibri" panose="020F0502020204030204" pitchFamily="34" charset="0"/>
+            </a:endParaRPr>
+          </a:p>
+        </p:txBody>
+      </p:sp>
+      <p:sp>
+        <p:nvSpPr>
+          <p:cNvPr id="41" name="OTLSHAPE_T_01dcdbef68a94ded911918198d0e15fd_StartDate" hidden="1">
+            <a:extLst>
+              <a:ext uri="{FF2B5EF4-FFF2-40B4-BE49-F238E27FC236}">
+                <a16:creationId xmlns:a16="http://schemas.microsoft.com/office/drawing/2014/main" id="{4A3AEE18-AA25-1A90-71BA-8CD32C50C376}"/>
+              </a:ext>
+            </a:extLst>
+          </p:cNvPr>
+          <p:cNvSpPr txBox="1"/>
+          <p:nvPr>
+            <p:custDataLst>
+              <p:tags r:id="rId45"/>
+            </p:custDataLst>
+          </p:nvPr>
+        </p:nvSpPr>
+        <p:spPr>
+          <a:xfrm>
+            <a:off x="12700" y="-2689"/>
+            <a:ext cx="0" cy="0"/>
+          </a:xfrm>
+          <a:prstGeom prst="rect">
+            <a:avLst/>
+          </a:prstGeom>
+          <a:noFill/>
+        </p:spPr>
+        <p:txBody>
+          <a:bodyPr vert="horz" wrap="square" lIns="0" tIns="0" rIns="0" bIns="0" rtlCol="0" anchor="ctr" anchorCtr="0">
+            <a:spAutoFit/>
+          </a:bodyPr>
+          <a:lstStyle/>
+          <a:p>
+            <a:pPr algn="r"/>
+            <a:endParaRPr lang="en-US" sz="1000">
+              <a:solidFill>
+                <a:schemeClr val="dk2"/>
+              </a:solidFill>
+              <a:latin typeface="Calibri" panose="020F0502020204030204" pitchFamily="34" charset="0"/>
+            </a:endParaRPr>
+          </a:p>
+        </p:txBody>
+      </p:sp>
+      <p:sp>
+        <p:nvSpPr>
+          <p:cNvPr id="42" name="OTLSHAPE_T_01dcdbef68a94ded911918198d0e15fd_EndDate" hidden="1">
+            <a:extLst>
+              <a:ext uri="{FF2B5EF4-FFF2-40B4-BE49-F238E27FC236}">
+                <a16:creationId xmlns:a16="http://schemas.microsoft.com/office/drawing/2014/main" id="{D45509D3-2415-52F1-0DF4-C8B194EEC345}"/>
+              </a:ext>
+            </a:extLst>
+          </p:cNvPr>
+          <p:cNvSpPr txBox="1"/>
+          <p:nvPr>
+            <p:custDataLst>
+              <p:tags r:id="rId46"/>
+            </p:custDataLst>
+          </p:nvPr>
+        </p:nvSpPr>
+        <p:spPr>
+          <a:xfrm>
+            <a:off x="12700" y="-2689"/>
+            <a:ext cx="0" cy="0"/>
+          </a:xfrm>
+          <a:prstGeom prst="rect">
+            <a:avLst/>
+          </a:prstGeom>
+          <a:noFill/>
+        </p:spPr>
+        <p:txBody>
+          <a:bodyPr vert="horz" wrap="square" lIns="0" tIns="0" rIns="0" bIns="0" rtlCol="0" anchor="ctr" anchorCtr="0">
+            <a:spAutoFit/>
+          </a:bodyPr>
+          <a:lstStyle/>
+          <a:p>
+            <a:pPr algn="r"/>
+            <a:endParaRPr lang="en-US" sz="1000">
+              <a:solidFill>
+                <a:schemeClr val="dk2"/>
+              </a:solidFill>
+              <a:latin typeface="Calibri" panose="020F0502020204030204" pitchFamily="34" charset="0"/>
+            </a:endParaRPr>
+          </a:p>
+        </p:txBody>
+      </p:sp>
+      <p:sp>
+        <p:nvSpPr>
+          <p:cNvPr id="43" name="OTLSHAPE_T_01dcdbef68a94ded911918198d0e15fd_Title">
+            <a:extLst>
+              <a:ext uri="{FF2B5EF4-FFF2-40B4-BE49-F238E27FC236}">
+                <a16:creationId xmlns:a16="http://schemas.microsoft.com/office/drawing/2014/main" id="{896FCC46-2A73-AF41-2EA8-351096F6867D}"/>
+              </a:ext>
+            </a:extLst>
+          </p:cNvPr>
+          <p:cNvSpPr txBox="1"/>
+          <p:nvPr>
+            <p:custDataLst>
+              <p:tags r:id="rId47"/>
+            </p:custDataLst>
+          </p:nvPr>
+        </p:nvSpPr>
+        <p:spPr>
+          <a:xfrm>
+            <a:off x="3626745" y="3678872"/>
+            <a:ext cx="1206500" cy="186055"/>
+          </a:xfrm>
+          <a:prstGeom prst="rect">
+            <a:avLst/>
+          </a:prstGeom>
+          <a:noFill/>
+        </p:spPr>
+        <p:txBody>
+          <a:bodyPr vert="horz" wrap="square" lIns="0" tIns="0" rIns="0" bIns="0" rtlCol="0" anchor="ctr" anchorCtr="0">
+            <a:spAutoFit/>
+          </a:bodyPr>
+          <a:lstStyle/>
+          <a:p>
+            <a:r>
+              <a:rPr lang="en-US" sz="1200" b="1" spc="-6" dirty="0">
+                <a:solidFill>
+                  <a:schemeClr val="dk1"/>
+                </a:solidFill>
+                <a:latin typeface="Calibri" panose="020F0502020204030204" pitchFamily="34" charset="0"/>
+              </a:rPr>
+              <a:t>Polish intro section</a:t>
+            </a:r>
+          </a:p>
+        </p:txBody>
+      </p:sp>
+      <p:sp>
+        <p:nvSpPr>
+          <p:cNvPr id="44" name="OTLSHAPE_T_01dcdbef68a94ded911918198d0e15fd_JoinedDate">
+            <a:extLst>
+              <a:ext uri="{FF2B5EF4-FFF2-40B4-BE49-F238E27FC236}">
+                <a16:creationId xmlns:a16="http://schemas.microsoft.com/office/drawing/2014/main" id="{4731B70D-A298-8A43-FE85-95ED39B8CD61}"/>
+              </a:ext>
+            </a:extLst>
+          </p:cNvPr>
+          <p:cNvSpPr txBox="1"/>
+          <p:nvPr>
+            <p:custDataLst>
+              <p:tags r:id="rId48"/>
+            </p:custDataLst>
+          </p:nvPr>
+        </p:nvSpPr>
+        <p:spPr>
+          <a:xfrm>
+            <a:off x="373380" y="3694388"/>
+            <a:ext cx="736600" cy="155025"/>
+          </a:xfrm>
+          <a:prstGeom prst="rect">
+            <a:avLst/>
+          </a:prstGeom>
+          <a:noFill/>
+        </p:spPr>
+        <p:txBody>
+          <a:bodyPr vert="horz" wrap="square" lIns="0" tIns="0" rIns="0" bIns="0" rtlCol="0" anchor="ctr" anchorCtr="0">
+            <a:spAutoFit/>
+          </a:bodyPr>
+          <a:lstStyle/>
+          <a:p>
+            <a:pPr algn="r"/>
+            <a:r>
+              <a:rPr lang="en-US" sz="1000" spc="-4">
+                <a:solidFill>
+                  <a:schemeClr val="dk2"/>
+                </a:solidFill>
+                <a:latin typeface="Calibri" panose="020F0502020204030204" pitchFamily="34" charset="0"/>
+              </a:rPr>
+              <a:t>May 2 - May 6</a:t>
+            </a:r>
+          </a:p>
+        </p:txBody>
+      </p:sp>
+      <p:sp>
+        <p:nvSpPr>
+          <p:cNvPr id="45" name="OTLSHAPE_T_01dcdbef68a94ded911918198d0e15fd_Duration">
+            <a:extLst>
+              <a:ext uri="{FF2B5EF4-FFF2-40B4-BE49-F238E27FC236}">
+                <a16:creationId xmlns:a16="http://schemas.microsoft.com/office/drawing/2014/main" id="{CFA7A85A-023B-C593-9EDA-E1884F261B6B}"/>
+              </a:ext>
+            </a:extLst>
+          </p:cNvPr>
+          <p:cNvSpPr txBox="1"/>
+          <p:nvPr>
+            <p:custDataLst>
+              <p:tags r:id="rId49"/>
+            </p:custDataLst>
+          </p:nvPr>
+        </p:nvSpPr>
+        <p:spPr>
+          <a:xfrm>
+            <a:off x="2203707" y="3694388"/>
+            <a:ext cx="330200" cy="155025"/>
+          </a:xfrm>
+          <a:prstGeom prst="rect">
+            <a:avLst/>
+          </a:prstGeom>
+          <a:noFill/>
+        </p:spPr>
+        <p:txBody>
+          <a:bodyPr vert="horz" wrap="square" lIns="0" tIns="0" rIns="0" bIns="0" rtlCol="0" anchor="ctr" anchorCtr="0">
+            <a:spAutoFit/>
+          </a:bodyPr>
+          <a:lstStyle/>
+          <a:p>
+            <a:pPr algn="ctr"/>
+            <a:r>
+              <a:rPr lang="en-US" sz="1000" spc="-8">
+                <a:solidFill>
+                  <a:schemeClr val="dk1"/>
+                </a:solidFill>
+                <a:latin typeface="Calibri" panose="020F0502020204030204" pitchFamily="34" charset="0"/>
+              </a:rPr>
+              <a:t>5 days</a:t>
+            </a:r>
+          </a:p>
+        </p:txBody>
+      </p:sp>
+      <p:sp>
+        <p:nvSpPr>
+          <p:cNvPr id="48" name="OTLSHAPE_T_f45a159acde447ed91b407c2bcae96f4_TextPercentage" hidden="1">
+            <a:extLst>
+              <a:ext uri="{FF2B5EF4-FFF2-40B4-BE49-F238E27FC236}">
+                <a16:creationId xmlns:a16="http://schemas.microsoft.com/office/drawing/2014/main" id="{8D1C0D79-CC0B-284A-426F-425E193B5D11}"/>
+              </a:ext>
+            </a:extLst>
+          </p:cNvPr>
+          <p:cNvSpPr txBox="1"/>
+          <p:nvPr>
+            <p:custDataLst>
+              <p:tags r:id="rId50"/>
+            </p:custDataLst>
+          </p:nvPr>
+        </p:nvSpPr>
+        <p:spPr>
+          <a:xfrm>
+            <a:off x="12700" y="74255"/>
+            <a:ext cx="0" cy="0"/>
+          </a:xfrm>
+          <a:prstGeom prst="rect">
+            <a:avLst/>
+          </a:prstGeom>
+          <a:noFill/>
+        </p:spPr>
+        <p:txBody>
+          <a:bodyPr vert="horz" wrap="square" lIns="0" tIns="0" rIns="0" bIns="0" rtlCol="0" anchor="ctr" anchorCtr="0">
+            <a:spAutoFit/>
+          </a:bodyPr>
+          <a:lstStyle/>
+          <a:p>
+            <a:endParaRPr lang="en-US" sz="1000">
+              <a:solidFill>
+                <a:srgbClr val="C0504D"/>
+              </a:solidFill>
+              <a:latin typeface="Calibri" panose="020F0502020204030204" pitchFamily="34" charset="0"/>
+            </a:endParaRPr>
+          </a:p>
+        </p:txBody>
+      </p:sp>
+      <p:sp>
+        <p:nvSpPr>
+          <p:cNvPr id="49" name="OTLSHAPE_T_f45a159acde447ed91b407c2bcae96f4_StartDate" hidden="1">
+            <a:extLst>
+              <a:ext uri="{FF2B5EF4-FFF2-40B4-BE49-F238E27FC236}">
+                <a16:creationId xmlns:a16="http://schemas.microsoft.com/office/drawing/2014/main" id="{B45D4C94-6D83-00E3-E43D-A889D97BE3A6}"/>
+              </a:ext>
+            </a:extLst>
+          </p:cNvPr>
+          <p:cNvSpPr txBox="1"/>
+          <p:nvPr>
+            <p:custDataLst>
+              <p:tags r:id="rId51"/>
+            </p:custDataLst>
+          </p:nvPr>
+        </p:nvSpPr>
+        <p:spPr>
+          <a:xfrm>
+            <a:off x="12700" y="-2689"/>
+            <a:ext cx="0" cy="0"/>
+          </a:xfrm>
+          <a:prstGeom prst="rect">
+            <a:avLst/>
+          </a:prstGeom>
+          <a:noFill/>
+        </p:spPr>
+        <p:txBody>
+          <a:bodyPr vert="horz" wrap="square" lIns="0" tIns="0" rIns="0" bIns="0" rtlCol="0" anchor="ctr" anchorCtr="0">
+            <a:spAutoFit/>
+          </a:bodyPr>
+          <a:lstStyle/>
+          <a:p>
+            <a:pPr algn="r"/>
+            <a:endParaRPr lang="en-US" sz="1000">
+              <a:solidFill>
+                <a:schemeClr val="dk2"/>
+              </a:solidFill>
+              <a:latin typeface="Calibri" panose="020F0502020204030204" pitchFamily="34" charset="0"/>
+            </a:endParaRPr>
+          </a:p>
+        </p:txBody>
+      </p:sp>
+      <p:sp>
+        <p:nvSpPr>
+          <p:cNvPr id="50" name="OTLSHAPE_T_f45a159acde447ed91b407c2bcae96f4_EndDate" hidden="1">
+            <a:extLst>
+              <a:ext uri="{FF2B5EF4-FFF2-40B4-BE49-F238E27FC236}">
+                <a16:creationId xmlns:a16="http://schemas.microsoft.com/office/drawing/2014/main" id="{08A67AEC-E6AB-F248-1A7D-2D941315CCED}"/>
+              </a:ext>
+            </a:extLst>
+          </p:cNvPr>
+          <p:cNvSpPr txBox="1"/>
+          <p:nvPr>
+            <p:custDataLst>
+              <p:tags r:id="rId52"/>
+            </p:custDataLst>
+          </p:nvPr>
+        </p:nvSpPr>
+        <p:spPr>
+          <a:xfrm>
+            <a:off x="12700" y="-2689"/>
+            <a:ext cx="0" cy="0"/>
+          </a:xfrm>
+          <a:prstGeom prst="rect">
+            <a:avLst/>
+          </a:prstGeom>
+          <a:noFill/>
+        </p:spPr>
+        <p:txBody>
+          <a:bodyPr vert="horz" wrap="square" lIns="0" tIns="0" rIns="0" bIns="0" rtlCol="0" anchor="ctr" anchorCtr="0">
+            <a:spAutoFit/>
+          </a:bodyPr>
+          <a:lstStyle/>
+          <a:p>
+            <a:pPr algn="r"/>
+            <a:endParaRPr lang="en-US" sz="1000">
+              <a:solidFill>
+                <a:schemeClr val="dk2"/>
+              </a:solidFill>
+              <a:latin typeface="Calibri" panose="020F0502020204030204" pitchFamily="34" charset="0"/>
+            </a:endParaRPr>
+          </a:p>
+        </p:txBody>
+      </p:sp>
+      <p:sp>
+        <p:nvSpPr>
+          <p:cNvPr id="51" name="OTLSHAPE_T_f45a159acde447ed91b407c2bcae96f4_Title">
+            <a:extLst>
+              <a:ext uri="{FF2B5EF4-FFF2-40B4-BE49-F238E27FC236}">
+                <a16:creationId xmlns:a16="http://schemas.microsoft.com/office/drawing/2014/main" id="{42609021-5F0E-A1F6-BD80-136A16F1CA0E}"/>
+              </a:ext>
+            </a:extLst>
+          </p:cNvPr>
+          <p:cNvSpPr txBox="1"/>
+          <p:nvPr>
+            <p:custDataLst>
+              <p:tags r:id="rId53"/>
+            </p:custDataLst>
+          </p:nvPr>
+        </p:nvSpPr>
+        <p:spPr>
+          <a:xfrm>
+            <a:off x="10404372" y="4745672"/>
+            <a:ext cx="1447800" cy="186055"/>
+          </a:xfrm>
+          <a:prstGeom prst="rect">
+            <a:avLst/>
+          </a:prstGeom>
+          <a:noFill/>
+        </p:spPr>
+        <p:txBody>
+          <a:bodyPr vert="horz" wrap="square" lIns="0" tIns="0" rIns="0" bIns="0" rtlCol="0" anchor="ctr" anchorCtr="0">
+            <a:spAutoFit/>
+          </a:bodyPr>
+          <a:lstStyle/>
+          <a:p>
+            <a:r>
+              <a:rPr lang="en-US" sz="1200" b="1" spc="-6">
+                <a:solidFill>
+                  <a:schemeClr val="dk1"/>
+                </a:solidFill>
+                <a:latin typeface="Calibri" panose="020F0502020204030204" pitchFamily="34" charset="0"/>
+              </a:rPr>
+              <a:t>Write methods section</a:t>
+            </a:r>
+          </a:p>
+        </p:txBody>
+      </p:sp>
+      <p:sp>
+        <p:nvSpPr>
+          <p:cNvPr id="52" name="OTLSHAPE_T_f45a159acde447ed91b407c2bcae96f4_JoinedDate">
+            <a:extLst>
+              <a:ext uri="{FF2B5EF4-FFF2-40B4-BE49-F238E27FC236}">
+                <a16:creationId xmlns:a16="http://schemas.microsoft.com/office/drawing/2014/main" id="{5AA2E67D-5326-E908-1DC1-43D44543DD65}"/>
+              </a:ext>
+            </a:extLst>
+          </p:cNvPr>
+          <p:cNvSpPr txBox="1"/>
+          <p:nvPr>
+            <p:custDataLst>
+              <p:tags r:id="rId54"/>
+            </p:custDataLst>
+          </p:nvPr>
+        </p:nvSpPr>
+        <p:spPr>
+          <a:xfrm>
+            <a:off x="4117532" y="4761188"/>
+            <a:ext cx="863600" cy="155025"/>
+          </a:xfrm>
+          <a:prstGeom prst="rect">
+            <a:avLst/>
+          </a:prstGeom>
+          <a:noFill/>
+        </p:spPr>
+        <p:txBody>
+          <a:bodyPr vert="horz" wrap="square" lIns="0" tIns="0" rIns="0" bIns="0" rtlCol="0" anchor="ctr" anchorCtr="0">
+            <a:spAutoFit/>
+          </a:bodyPr>
+          <a:lstStyle/>
+          <a:p>
+            <a:pPr algn="r"/>
+            <a:r>
+              <a:rPr lang="en-US" sz="1000" spc="-4">
+                <a:solidFill>
+                  <a:schemeClr val="dk2"/>
+                </a:solidFill>
+                <a:latin typeface="Calibri" panose="020F0502020204030204" pitchFamily="34" charset="0"/>
+              </a:rPr>
+              <a:t>May 10 - May 20</a:t>
+            </a:r>
+          </a:p>
+        </p:txBody>
+      </p:sp>
+      <p:sp>
+        <p:nvSpPr>
+          <p:cNvPr id="53" name="OTLSHAPE_T_f45a159acde447ed91b407c2bcae96f4_Duration">
+            <a:extLst>
+              <a:ext uri="{FF2B5EF4-FFF2-40B4-BE49-F238E27FC236}">
+                <a16:creationId xmlns:a16="http://schemas.microsoft.com/office/drawing/2014/main" id="{D99099C6-4DA1-5E40-9513-6F9464BA77DB}"/>
+              </a:ext>
+            </a:extLst>
+          </p:cNvPr>
+          <p:cNvSpPr txBox="1"/>
+          <p:nvPr>
+            <p:custDataLst>
+              <p:tags r:id="rId55"/>
+            </p:custDataLst>
+          </p:nvPr>
+        </p:nvSpPr>
+        <p:spPr>
+          <a:xfrm>
+            <a:off x="7528985" y="4761188"/>
+            <a:ext cx="330200" cy="155025"/>
+          </a:xfrm>
+          <a:prstGeom prst="rect">
+            <a:avLst/>
+          </a:prstGeom>
+          <a:noFill/>
+        </p:spPr>
+        <p:txBody>
+          <a:bodyPr vert="horz" wrap="square" lIns="0" tIns="0" rIns="0" bIns="0" rtlCol="0" anchor="ctr" anchorCtr="0">
+            <a:spAutoFit/>
+          </a:bodyPr>
+          <a:lstStyle/>
+          <a:p>
+            <a:pPr algn="ctr"/>
+            <a:r>
+              <a:rPr lang="en-US" sz="1000" spc="-8">
+                <a:solidFill>
+                  <a:schemeClr val="dk1"/>
+                </a:solidFill>
+                <a:latin typeface="Calibri" panose="020F0502020204030204" pitchFamily="34" charset="0"/>
+              </a:rPr>
+              <a:t>9 days</a:t>
+            </a:r>
+          </a:p>
+        </p:txBody>
+      </p:sp>
+      <p:sp>
+        <p:nvSpPr>
+          <p:cNvPr id="56" name="OTLSHAPE_T_6acf941529cc4a768af7178a5ce45c7c_TextPercentage" hidden="1">
+            <a:extLst>
+              <a:ext uri="{FF2B5EF4-FFF2-40B4-BE49-F238E27FC236}">
+                <a16:creationId xmlns:a16="http://schemas.microsoft.com/office/drawing/2014/main" id="{7CF864EC-5635-8ADC-F6BA-A3594FDC8D1D}"/>
+              </a:ext>
+            </a:extLst>
+          </p:cNvPr>
+          <p:cNvSpPr txBox="1"/>
+          <p:nvPr>
+            <p:custDataLst>
+              <p:tags r:id="rId56"/>
+            </p:custDataLst>
+          </p:nvPr>
+        </p:nvSpPr>
+        <p:spPr>
+          <a:xfrm>
+            <a:off x="12700" y="74255"/>
+            <a:ext cx="0" cy="0"/>
+          </a:xfrm>
+          <a:prstGeom prst="rect">
+            <a:avLst/>
+          </a:prstGeom>
+          <a:noFill/>
+        </p:spPr>
+        <p:txBody>
+          <a:bodyPr vert="horz" wrap="square" lIns="0" tIns="0" rIns="0" bIns="0" rtlCol="0" anchor="ctr" anchorCtr="0">
+            <a:spAutoFit/>
+          </a:bodyPr>
+          <a:lstStyle/>
+          <a:p>
+            <a:endParaRPr lang="en-US" sz="1000">
+              <a:solidFill>
+                <a:srgbClr val="C0504D"/>
+              </a:solidFill>
+              <a:latin typeface="Calibri" panose="020F0502020204030204" pitchFamily="34" charset="0"/>
+            </a:endParaRPr>
+          </a:p>
+        </p:txBody>
+      </p:sp>
+      <p:sp>
+        <p:nvSpPr>
+          <p:cNvPr id="57" name="OTLSHAPE_T_6acf941529cc4a768af7178a5ce45c7c_StartDate" hidden="1">
+            <a:extLst>
+              <a:ext uri="{FF2B5EF4-FFF2-40B4-BE49-F238E27FC236}">
+                <a16:creationId xmlns:a16="http://schemas.microsoft.com/office/drawing/2014/main" id="{57E0E669-4F41-AD9D-9C2C-6AC3F00622AC}"/>
+              </a:ext>
+            </a:extLst>
+          </p:cNvPr>
+          <p:cNvSpPr txBox="1"/>
+          <p:nvPr>
+            <p:custDataLst>
+              <p:tags r:id="rId57"/>
+            </p:custDataLst>
+          </p:nvPr>
+        </p:nvSpPr>
+        <p:spPr>
+          <a:xfrm>
+            <a:off x="12700" y="-2689"/>
+            <a:ext cx="0" cy="0"/>
+          </a:xfrm>
+          <a:prstGeom prst="rect">
+            <a:avLst/>
+          </a:prstGeom>
+          <a:noFill/>
+        </p:spPr>
+        <p:txBody>
+          <a:bodyPr vert="horz" wrap="square" lIns="0" tIns="0" rIns="0" bIns="0" rtlCol="0" anchor="ctr" anchorCtr="0">
+            <a:spAutoFit/>
+          </a:bodyPr>
+          <a:lstStyle/>
+          <a:p>
+            <a:pPr algn="r"/>
+            <a:endParaRPr lang="en-US" sz="1000">
+              <a:solidFill>
+                <a:schemeClr val="dk2"/>
+              </a:solidFill>
+              <a:latin typeface="Calibri" panose="020F0502020204030204" pitchFamily="34" charset="0"/>
+            </a:endParaRPr>
+          </a:p>
+        </p:txBody>
+      </p:sp>
+      <p:sp>
+        <p:nvSpPr>
+          <p:cNvPr id="58" name="OTLSHAPE_T_6acf941529cc4a768af7178a5ce45c7c_EndDate" hidden="1">
+            <a:extLst>
+              <a:ext uri="{FF2B5EF4-FFF2-40B4-BE49-F238E27FC236}">
+                <a16:creationId xmlns:a16="http://schemas.microsoft.com/office/drawing/2014/main" id="{254A9F74-9F8D-9CFF-5819-E73B74AC1B6C}"/>
+              </a:ext>
+            </a:extLst>
+          </p:cNvPr>
+          <p:cNvSpPr txBox="1"/>
+          <p:nvPr>
+            <p:custDataLst>
+              <p:tags r:id="rId58"/>
+            </p:custDataLst>
+          </p:nvPr>
+        </p:nvSpPr>
+        <p:spPr>
+          <a:xfrm>
+            <a:off x="12700" y="-2689"/>
+            <a:ext cx="0" cy="0"/>
+          </a:xfrm>
+          <a:prstGeom prst="rect">
+            <a:avLst/>
+          </a:prstGeom>
+          <a:noFill/>
+        </p:spPr>
+        <p:txBody>
+          <a:bodyPr vert="horz" wrap="square" lIns="0" tIns="0" rIns="0" bIns="0" rtlCol="0" anchor="ctr" anchorCtr="0">
+            <a:spAutoFit/>
+          </a:bodyPr>
+          <a:lstStyle/>
+          <a:p>
+            <a:pPr algn="r"/>
+            <a:endParaRPr lang="en-US" sz="1000">
+              <a:solidFill>
+                <a:schemeClr val="dk2"/>
+              </a:solidFill>
+              <a:latin typeface="Calibri" panose="020F0502020204030204" pitchFamily="34" charset="0"/>
+            </a:endParaRPr>
+          </a:p>
+        </p:txBody>
+      </p:sp>
+      <p:sp>
+        <p:nvSpPr>
+          <p:cNvPr id="59" name="OTLSHAPE_T_6acf941529cc4a768af7178a5ce45c7c_Title">
+            <a:extLst>
+              <a:ext uri="{FF2B5EF4-FFF2-40B4-BE49-F238E27FC236}">
+                <a16:creationId xmlns:a16="http://schemas.microsoft.com/office/drawing/2014/main" id="{8754337B-FA8A-2650-336A-E457CD62A89C}"/>
+              </a:ext>
+            </a:extLst>
+          </p:cNvPr>
+          <p:cNvSpPr txBox="1"/>
+          <p:nvPr>
+            <p:custDataLst>
+              <p:tags r:id="rId59"/>
+            </p:custDataLst>
+          </p:nvPr>
+        </p:nvSpPr>
+        <p:spPr>
+          <a:xfrm>
+            <a:off x="8467907" y="3945572"/>
+            <a:ext cx="2057400" cy="186055"/>
           </a:xfrm>
           <a:prstGeom prst="rect">
             <a:avLst/>
@@ -8255,31 +9406,76 @@
                 </a:solidFill>
                 <a:latin typeface="Calibri" panose="020F0502020204030204" pitchFamily="34" charset="0"/>
               </a:rPr>
-              <a:t>Implement [next steps]</a:t>
-            </a:r>
-          </a:p>
-        </p:txBody>
-      </p:sp>
-      <p:sp>
-        <p:nvSpPr>
-          <p:cNvPr id="45" name="OTLSHAPE_T_86498eb5de2c4896a78f548abc6616be_Duration">
-            <a:extLst>
-              <a:ext uri="{FF2B5EF4-FFF2-40B4-BE49-F238E27FC236}">
-                <a16:creationId xmlns:a16="http://schemas.microsoft.com/office/drawing/2014/main" id="{67C8ADA5-5B2C-4ABA-846A-AE2FEC6F3FC9}"/>
+              <a:t>Run analysis on large mock data </a:t>
+            </a:r>
+          </a:p>
+        </p:txBody>
+      </p:sp>
+      <p:sp>
+        <p:nvSpPr>
+          <p:cNvPr id="60" name="OTLSHAPE_T_6acf941529cc4a768af7178a5ce45c7c_JoinedDate">
+            <a:extLst>
+              <a:ext uri="{FF2B5EF4-FFF2-40B4-BE49-F238E27FC236}">
+                <a16:creationId xmlns:a16="http://schemas.microsoft.com/office/drawing/2014/main" id="{8826E813-15D7-2E70-ABDA-771E77E71852}"/>
               </a:ext>
             </a:extLst>
           </p:cNvPr>
           <p:cNvSpPr txBox="1"/>
           <p:nvPr>
             <p:custDataLst>
-              <p:tags r:id="rId37"/>
-            </p:custDataLst>
-          </p:nvPr>
-        </p:nvSpPr>
-        <p:spPr>
-          <a:xfrm>
-            <a:off x="5318268" y="4761188"/>
-            <a:ext cx="393700" cy="155025"/>
+              <p:tags r:id="rId60"/>
+            </p:custDataLst>
+          </p:nvPr>
+        </p:nvSpPr>
+        <p:spPr>
+          <a:xfrm>
+            <a:off x="3697805" y="3961088"/>
+            <a:ext cx="800100" cy="155025"/>
+          </a:xfrm>
+          <a:prstGeom prst="rect">
+            <a:avLst/>
+          </a:prstGeom>
+          <a:noFill/>
+        </p:spPr>
+        <p:txBody>
+          <a:bodyPr vert="horz" wrap="square" lIns="0" tIns="0" rIns="0" bIns="0" rtlCol="0" anchor="ctr" anchorCtr="0">
+            <a:spAutoFit/>
+          </a:bodyPr>
+          <a:lstStyle/>
+          <a:p>
+            <a:pPr algn="r"/>
+            <a:r>
+              <a:rPr lang="en-US" sz="1000" spc="-4">
+                <a:solidFill>
+                  <a:schemeClr val="dk2"/>
+                </a:solidFill>
+                <a:latin typeface="Calibri" panose="020F0502020204030204" pitchFamily="34" charset="0"/>
+              </a:rPr>
+              <a:t>May 9 - May 16</a:t>
+            </a:r>
+          </a:p>
+        </p:txBody>
+      </p:sp>
+      <p:sp>
+        <p:nvSpPr>
+          <p:cNvPr id="61" name="OTLSHAPE_T_6acf941529cc4a768af7178a5ce45c7c_Duration">
+            <a:extLst>
+              <a:ext uri="{FF2B5EF4-FFF2-40B4-BE49-F238E27FC236}">
+                <a16:creationId xmlns:a16="http://schemas.microsoft.com/office/drawing/2014/main" id="{57E00915-A4E5-356F-E9DD-13CE78606DD4}"/>
+              </a:ext>
+            </a:extLst>
+          </p:cNvPr>
+          <p:cNvSpPr txBox="1"/>
+          <p:nvPr>
+            <p:custDataLst>
+              <p:tags r:id="rId61"/>
+            </p:custDataLst>
+          </p:nvPr>
+        </p:nvSpPr>
+        <p:spPr>
+          <a:xfrm>
+            <a:off x="6318695" y="3961088"/>
+            <a:ext cx="330200" cy="155025"/>
           </a:xfrm>
           <a:prstGeom prst="rect">
             <a:avLst/>
@@ -8300,7 +9496,7 @@
                 </a:solidFill>
                 <a:latin typeface="Calibri" panose="020F0502020204030204" pitchFamily="34" charset="0"/>
               </a:rPr>
-              <a:t>12 days</a:t>
+              <a:t>6 days</a:t>
             </a:r>
           </a:p>
         </p:txBody>
@@ -8319,8 +9515,8 @@
         </p:nvSpPr>
         <p:spPr>
           <a:xfrm>
-            <a:off x="4549329" y="1549400"/>
-            <a:ext cx="4017575" cy="400110"/>
+            <a:off x="4549330" y="1549400"/>
+            <a:ext cx="4017574" cy="400110"/>
           </a:xfrm>
           <a:prstGeom prst="rect">
             <a:avLst/>
@@ -8360,7 +9556,7 @@
     </p:custDataLst>
     <p:extLst>
       <p:ext uri="{BB962C8B-B14F-4D97-AF65-F5344CB8AC3E}">
-        <p14:creationId xmlns:p14="http://schemas.microsoft.com/office/powerpoint/2010/main" val="672784555"/>
+        <p14:creationId xmlns:p14="http://schemas.microsoft.com/office/powerpoint/2010/main" val="3874674423"/>
       </p:ext>
     </p:extLst>
   </p:cSld>
@@ -8372,7 +9568,7 @@
 
 <file path=ppt/tags/tag1.xml><?xml version="1.0" encoding="utf-8"?>
 <p:tagLst xmlns:a="http://schemas.openxmlformats.org/drawingml/2006/main" xmlns:r="http://schemas.openxmlformats.org/officeDocument/2006/relationships" xmlns:p="http://schemas.openxmlformats.org/presentationml/2006/main">
-  <p:tag name="__PART_0" val="eyIkaWQiOiIxIiwiX3N3aW1sYW5lc1YyIjpbXSwiQ3VsdHVyZUluZm9OYW1lIjoiZW4tVVMiLCJTdHlsZU5hbWUiOm51bGwsIlZlcnNpb24iOnsiJGlkIjoiMiIsIlZlcnNpb24iOiIzLjYuMSIsIk9yaWdpbmFsQXNzZW1ibHlWZXJzaW9uIjoiNi4wNC4wMS4wMCIsIkVkaXRpb24iOm51bGwsIkxhc3RTYXZlZEVkaXRpb24iOjAsIklzUGx1c0VkaXRpb24iOmZhbHNlLCJJc1Byb0VkaXRpb24iOmZhbHNlfSwiRWZmZWN0IjoxLCJTdHlsZSI6eyIkaWQiOiIzIiwiVGltZWJhbmRTdHlsZSI6eyIkaWQiOiI0IiwiU2NhbGVNYXJraW5nIjoxLCJTaGFwZSI6MCwiU2hhcGVTdHlsZSI6eyIkaWQiOiI1IiwiTWFyZ2luIjp7IiRpZCI6IjYiLCJUb3AiOjAuMCwiTGVmdCI6MTIuMCwiUmlnaHQiOjEyLjAsIkJvdHRvbSI6MC4wfSwiUGFkZGluZyI6eyIkaWQiOiI3IiwiVG9wIjo3LjAsIkxlZnQiOjAuMCwiUmlnaHQiOjAuMCwiQm90dG9tIjo3LjB9LCJCYWNrZ3JvdW5kIjp7IiRpZCI6IjgiLCJDb2xvciI6eyIkaWQiOiI5IiwiQSI6MjU1LCJSIjo2OCwiRyI6ODQsIkIiOjEwNn19LCJJc1Zpc2libGUiOnRydWUsIldpZHRoIjo4NTguMCwiSGVpZ2h0IjoyMC4wLCJCb3JkZXJTdHlsZSI6eyIkaWQiOiIxMCIsIkxpbmVDb2xvciI6eyIkaWQiOiIxMSIsIiR0eXBlIjoiTkxSRS5Db21tb24uRG9tLlNvbGlkQ29sb3JCcnVzaCwgTkxSRS5Db21tb24iLCJDb2xvciI6eyIkaWQiOiIxMiIsIkEiOjI1NSwiUiI6MjU1LCJHIjowLCJCIjowfX0sIkxpbmVXZWlnaHQiOjAuMCwiTGluZVR5cGUiOjAsIlBhcmVudFN0eWxlIjpudWxsfSwiUGFyZW50U3R5bGUiOm51bGx9LCJNaWRkbGVUaWVyU2hhcGVTdHlsZSI6eyIkaWQiOiIxMyIsIk1hcmdpbiI6eyIkaWQiOiIxNCIsIlRvcCI6MC4wLCJMZWZ0IjoxMi4wLCJSaWdodCI6MTIuMCwiQm90dG9tIjowLjB9LCJQYWRkaW5nIjp7IiRpZCI6IjE1IiwiVG9wIjo3LjAsIkxlZnQiOjAuMCwiUmlnaHQiOjAuMCwiQm90dG9tIjo3LjB9LCJCYWNrZ3JvdW5kIjp7IiRpZCI6IjE2IiwiQ29sb3IiOnsiJGlkIjoiMTciLCJBIjoyNTUsIlIiOjY4LCJHIjo4NCwiQiI6MTA2fX0sIklzVmlzaWJsZSI6dHJ1ZSwiV2lkdGgiOjg1OC4wLCJIZWlnaHQiOjIwLjAsIkJvcmRlclN0eWxlIjp7IiRpZCI6IjE4IiwiTGluZUNvbG9yIjp7IiRpZCI6IjE5IiwiJHR5cGUiOiJOTFJFLkNvbW1vbi5Eb20uU29saWRDb2xvckJydXNoLCBOTFJFLkNvbW1vbiIsIkNvbG9yIjp7IiRpZCI6IjIwIiwiQSI6MjU1LCJSIjoyNTUsIkciOjAsIkIiOjB9fSwiTGluZVdlaWdodCI6MC4wLCJMaW5lVHlwZSI6MCwiUGFyZW50U3R5bGUiOm51bGx9LCJQYXJlbnRTdHlsZSI6bnVsbH0sIkJvdHRvbVRpZXJTaGFwZVN0eWxlIjp7IiRpZCI6IjIxIiwiTWFyZ2luIjp7IiRpZCI6IjIyIiwiVG9wIjowLjAsIkxlZnQiOjEyLjAsIlJpZ2h0IjoxMi4wLCJCb3R0b20iOjAuMH0sIlBhZGRpbmciOnsiJGlkIjoiMjMiLCJUb3AiOjcuMCwiTGVmdCI6MC4wLCJSaWdodCI6MC4wLCJCb3R0b20iOjcuMH0sIkJhY2tncm91bmQiOnsiJGlkIjoiMjQiLCJDb2xvciI6eyIkaWQiOiIyNSIsIkEiOjI1NSwiUiI6NjgsIkciOjg0LCJCIjoxMDZ9fSwiSXNWaXNpYmxlIjp0cnVlLCJXaWR0aCI6ODU4LjAsIkhlaWdodCI6MjAuMCwiQm9yZGVyU3R5bGUiOnsiJGlkIjoiMjYiLCJMaW5lQ29sb3IiOnsiJGlkIjoiMjciLCIkdHlwZSI6Ik5MUkUuQ29tbW9uLkRvbS5Tb2xpZENvbG9yQnJ1c2gsIE5MUkUuQ29tbW9uIiwiQ29sb3IiOnsiJGlkIjoiMjgiLCJBIjoyNTUsIlIiOjI1NSwiRyI6MCwiQiI6MH19LCJMaW5lV2VpZ2h0IjowLjAsIkxpbmVUeXBlIjowLCJQYXJlbnRTdHlsZSI6bnVsbH0sIlBhcmVudFN0eWxlIjpudWxsfSwiUmlnaHRFbmRDYXBzU3R5bGUiOnsiJGlkIjoiMjkiLCJGb250U2V0dGluZ3MiOnsiJGlkIjoiMzAiLCJGb250U2l6ZSI6MTgsIkZvbnROYW1lIjoiQ2FsaWJyaSIsIklzQm9sZCI6dHJ1ZSwiSXNJdGFsaWMiOmZhbHNlLCJJc1VuZGVybGluZWQiOmZhbHNlLCJQYXJlbnRTdHlsZSI6bnVsbH0sIkF1dG9TaXplIjowLCJGb3JlZ3JvdW5kIjp7IiRpZCI6IjMxIiwiQ29sb3IiOnsiJGlkIjoiMzIiLCJBIjoyNTUsIlIiOjIzNywiRyI6MTI1LCJCIjo0OX19LCJNYXhXaWR0aCI6IkluZmluaXR5IiwiTWF4SGVpZ2h0IjoiSW5maW5pdHkiLCJTbWFydEZvcmVncm91bmRJc0FjdGl2ZSI6ZmFsc2UsIkhvcml6b250YWxBbGlnbm1lbnQiOjAsIlZlcnRpY2FsQWxpZ25tZW50IjowLCJTbWFydEZvcmVncm91bmQiOm51bGwsIkJhY2tncm91bmRGaWxsVHlwZSI6MCwiTWFyZ2luIjp7IiRpZCI6IjMzIiwiVG9wIjowLjAsIkxlZnQiOjAuMCwiUmlnaHQiOjIwLjAsIkJvdHRvbSI6MC4wfSwiUGFkZGluZyI6eyIkaWQiOiIzNCIsIlRvcCI6MC4wLCJMZWZ0IjowLjAsIlJpZ2h0IjowLjAsIkJvdHRvbSI6MC4wfSwiQmFja2dyb3VuZCI6eyIkaWQiOiIzNSIsIkNvbG9yIjp7IiRpZCI6IjM2IiwiQSI6ODksIlIiOjAsIkciOjAsIkIiOjB9fSwiSXNWaXNpYmxlIjp0cnVlLCJXaWR0aCI6MC4wLCJIZWlnaHQiOjAuMCwiQm9yZGVyU3R5bGUiOm51bGwsIlBhcmVudFN0eWxlIjpudWxsfSwiTGVmdEVuZENhcHNTdHlsZSI6eyIkaWQiOiIzNyIsIkZvbnRTZXR0aW5ncyI6eyIkaWQiOiIzOCIsIkZvbnRTaXplIjoxOCwiRm9udE5hbWUiOiJDYWxpYnJpIiwiSXNCb2xkIjp0cnVlLCJJc0l0YWxpYyI6ZmFsc2UsIklzVW5kZXJsaW5lZCI6ZmFsc2UsIlBhcmVudFN0eWxlIjpudWxsfSwiQXV0b1NpemUiOjAsIkZvcmVncm91bmQiOnsiJGlkIjoiMzkiLCJDb2xvciI6eyIkaWQiOiI0MCIsIkEiOjI1NSwiUiI6MjM3LCJHIjoxMjUsIkIiOjQ5fX0sIk1heFdpZHRoIjoiSW5maW5pdHkiLCJNYXhIZWlnaHQiOiJJbmZpbml0eSIsIlNtYXJ0Rm9yZWdyb3VuZElzQWN0aXZlIjpmYWxzZSwiSG9yaXpvbnRhbEFsaWdubWVudCI6MCwiVmVydGljYWxBbGlnbm1lbnQiOjAsIlNtYXJ0Rm9yZWdyb3VuZCI6bnVsbCwiQmFja2dyb3VuZEZpbGxUeXBlIjowLCJNYXJnaW4iOnsiJGlkIjoiNDEiLCJUb3AiOjAuMCwiTGVmdCI6NDIuNTA2NjY2NjY2NjY2NjYxLCJSaWdodCI6MC4wLCJCb3R0b20iOjAuMH0sIlBhZGRpbmciOnsiJGlkIjoiNDIiLCJUb3AiOjAuMCwiTGVmdCI6MC4wLCJSaWdodCI6MC4wLCJCb3R0b20iOjAuMH0sIkJhY2tncm91bmQiOnsiJGlkIjoiNDMiLCJDb2xvciI6eyIkcmVmIjoiMzYifX0sIklzVmlzaWJsZSI6ZmFsc2UsIldpZHRoIjowLjAsIkhlaWdodCI6MC4wLCJCb3JkZXJTdHlsZSI6bnVsbCwiUGFyZW50U3R5bGUiOm51bGx9LCJUb2RheVRleHRTdHlsZSI6eyIkaWQiOiI0NCIsIkZvbnRTZXR0aW5ncyI6eyIkaWQiOiI0NSIsIkZvbnRTaXplIjoxMiwiRm9udE5hbWUiOiJDYWxpYnJpIiwiSXNCb2xkIjpmYWxzZSwiSXNJdGFsaWMiOmZhbHNlLCJJc1VuZGVybGluZWQiOmZhbHNlLCJQYXJlbnRTdHlsZSI6bnVsbH0sIkF1dG9TaXplIjowLCJGb3JlZ3JvdW5kIjp7IiRpZCI6IjQ2IiwiQ29sb3IiOnsiJGlkIjoiNDciLCJBIjoyNTUsIlIiOjAsIkciOjAsIkIiOjB9fSwiTWF4V2lkdGgiOjIwMC4wLCJNYXhIZWlnaHQiOiJJbmZpbml0eSIsIlNtYXJ0Rm9yZWdyb3VuZElzQWN0aXZlIjpmYWxzZSwiSG9yaXpvbnRhbEFsaWdubWVudCI6MCwiVmVydGljYWxBbGlnbm1lbnQiOjAsIlNtYXJ0Rm9yZWdyb3VuZCI6bnVsbCwiQmFja2dyb3VuZEZpbGxUeXBlIjowLCJNYXJnaW4iOnsiJGlkIjoiNDgiLCJUb3AiOjAuMCwiTGVmdCI6MC4wLCJSaWdodCI6MC4wLCJCb3R0b20iOjAuMH0sIlBhZGRpbmciOnsiJGlkIjoiNDkiLCJUb3AiOjAuMCwiTGVmdCI6MC4wLCJSaWdodCI6MC4wLCJCb3R0b20iOjAuMH0sIkJhY2tncm91bmQiOnsiJGlkIjoiNTAiLCJDb2xvciI6eyIkcmVmIjoiMzYifX0sIklzVmlzaWJsZSI6dHJ1ZSwiV2lkdGgiOjAuMCwiSGVpZ2h0IjowLjAsIkJvcmRlclN0eWxlIjpudWxsLCJQYXJlbnRTdHlsZSI6bnVsbH0sIlRvZGF5TWFya2VyU3R5bGUiOnsiJGlkIjoiNTEiLCJNYXJnaW4iOnsiJGlkIjoiNTIiLCJUb3AiOjAuMCwiTGVmdCI6MC4wLCJSaWdodCI6MC4wLCJCb3R0b20iOjAuMH0sIlBhZGRpbmciOnsiJGlkIjoiNTMiLCJUb3AiOjAuMCwiTGVmdCI6MC4wLCJSaWdodCI6MC4wLCJCb3R0b20iOjAuMH0sIkJhY2tncm91bmQiOnsiJGlkIjoiNTQiLCJDb2xvciI6eyIkaWQiOiI1NSIsIkEiOjI1NSwiUiI6MjU1LCJHIjowLCJCIjowfX0sIklzVmlzaWJsZSI6dHJ1ZSwiV2lkdGgiOjAuMCwiSGVpZ2h0IjowLjAsIkJvcmRlclN0eWxlIjpudWxsLCJQYXJlbnRTdHlsZSI6bnVsbH0sIlNjYWxlU3R5bGUiOnsiJGlkIjoiNTYiLCJTaGFwZSI6MywiU2hvd1NlZ21lbnRTZXBhcmF0b3JzIjp0cnVlLCJTZWdtZW50U2VwYXJhdG9yT3BhY2l0eSI6MzAsIkhhc0JlZW5WaXNpYmxlQmVmb3JlIjp0cnVlLCJGb250U2V0dGluZ3MiOnsiJGlkIjoiNTciLCJGb250U2l6ZSI6MTIsIkZvbnROYW1lIjoiQ2FsaWJyaSIsIklzQm9sZCI6ZmFsc2UsIklzSXRhbGljIjpmYWxzZSwiSXNVbmRlcmxpbmVkIjpmYWxzZSwiUGFyZW50U3R5bGUiOm51bGx9LCJBdXRvU2l6ZSI6MCwiRm9yZWdyb3VuZCI6eyIkaWQiOiI1OCIsIkNvbG9yIjp7IiRpZCI6IjU5IiwiQSI6MjU1LCJSIjoyNTUsIkciOjI1NSwiQiI6MjU1fX0sIk1heFdpZHRoIjoyMDAuMCwiTWF4SGVpZ2h0IjoiSW5maW5pdHkiLCJTbWFydEZvcmVncm91bmRJc0FjdGl2ZSI6ZmFsc2UsIkhvcml6b250YWxBbGlnbm1lbnQiOjAsIlZlcnRpY2FsQWxpZ25tZW50IjoxLCJTbWFydEZvcmVncm91bmQiOm51bGwsIkJhY2tncm91bmRGaWxsVHlwZSI6MCwiTWFyZ2luIjp7IiRpZCI6IjYwIiwiVG9wIjowLjAsIkxlZnQiOjUuMCwiUmlnaHQiOjAuMCwiQm90dG9tIjowLjB9LCJQYWRkaW5nIjp7IiRpZCI6IjYxIiwiVG9wIjowLjAsIkxlZnQiOjAuMCwiUmlnaHQiOjAuMCwiQm90dG9tIjowLjB9LCJCYWNrZ3JvdW5kIjp7IiRpZCI6IjYyIiwiQ29sb3IiOnsiJHJlZiI6IjM2In19LCJJc1Zpc2libGUiOnRydWUsIldpZHRoIjowLjAsIkhlaWdodCI6MC4wLCJCb3JkZXJTdHlsZSI6bnVsbCwiUGFyZW50U3R5bGUiOm51bGx9LCJTaW5nbGVTY2FsZVNoYXBlU3R5bGUiOnsiJGlkIjoiNjMiLCJTaGFwZSI6MCwiSGVpZ2h0IjowLjB9LCJNaWRkbGVUaWVyU2NhbGVTdHlsZSI6eyIkaWQiOiI2NCIsIlNoYXBlIjozLCJTaG93U2VnbWVudFNlcGFyYXRvcnMiOnRydWUsIlNlZ21lbnRTZXBhcmF0b3JPcGFjaXR5IjozMCwiSGFzQmVlblZpc2libGVCZWZvcmUiOmZhbHNlLCJGb250U2V0dGluZ3MiOnsiJGlkIjoiNjUiLCJGb250U2l6ZSI6MTIsIkZvbnROYW1lIjoiQ2FsaWJyaSIsIklzQm9sZCI6ZmFsc2UsIklzSXRhbGljIjpmYWxzZSwiSXNVbmRlcmxpbmVkIjpmYWxzZSwiUGFyZW50U3R5bGUiOm51bGx9LCJBdXRvU2l6ZSI6MCwiRm9yZWdyb3VuZCI6eyIkaWQiOiI2NiIsIkNvbG9yIjp7IiRpZCI6IjY3IiwiQSI6MjU1LCJSIjoyNTUsIkciOjI1NSwiQiI6MjU1fX0sIk1heFdpZHRoIjoyMDAuMCwiTWF4SGVpZ2h0IjoiSW5maW5pdHkiLCJTbWFydEZvcmVncm91bmRJc0FjdGl2ZSI6ZmFsc2UsIkhvcml6b250YWxBbGlnbm1lbnQiOjAsIlZlcnRpY2FsQWxpZ25tZW50IjoxLCJTbWFydEZvcmVncm91bmQiOm51bGwsIkJhY2tncm91bmRGaWxsVHlwZSI6MCwiTWFyZ2luIjp7IiRpZCI6IjY4IiwiVG9wIjowLjAsIkxlZnQiOjUuMCwiUmlnaHQiOjAuMCwiQm90dG9tIjowLjB9LCJQYWRkaW5nIjp7IiRpZCI6IjY5IiwiVG9wIjowLjAsIkxlZnQiOjAuMCwiUmlnaHQiOjAuMCwiQm90dG9tIjowLjB9LCJCYWNrZ3JvdW5kIjp7IiRpZCI6IjcwIiwiQ29sb3IiOnsiJGlkIjoiNzEiLCJBIjowLCJSIjowLCJHIjowLCJCIjowfX0sIklzVmlzaWJsZSI6ZmFsc2UsIldpZHRoIjowLjAsIkhlaWdodCI6MC4wLCJCb3JkZXJTdHlsZSI6bnVsbCwiUGFyZW50U3R5bGUiOm51bGx9LCJCb3R0b21UaWVyU2NhbGVTdHlsZSI6eyIkaWQiOiI3MiIsIlNoYXBlIjozLCJTaG93U2VnbWVudFNlcGFyYXRvcnMiOnRydWUsIlNlZ21lbnRTZXBhcmF0b3JPcGFjaXR5IjozMCwiSGFzQmVlblZpc2libGVCZWZvcmUiOmZhbHNlLCJGb250U2V0dGluZ3MiOnsiJGlkIjoiNzMiLCJGb250U2l6ZSI6MTIsIkZvbnROYW1lIjoiQ2FsaWJyaSIsIklzQm9sZCI6ZmFsc2UsIklzSXRhbGljIjpmYWxzZSwiSXNVbmRlcmxpbmVkIjpmYWxzZSwiUGFyZW50U3R5bGUiOm51bGx9LCJBdXRvU2l6ZSI6MCwiRm9yZWdyb3VuZCI6eyIkaWQiOiI3NCIsIkNvbG9yIjp7IiRpZCI6Ijc1IiwiQSI6MjU1LCJSIjoyNTUsIkciOjI1NSwiQiI6MjU1fX0sIk1heFdpZHRoIjoyMDAuMCwiTWF4SGVpZ2h0IjoiSW5maW5pdHkiLCJTbWFydEZvcmVncm91bmRJc0FjdGl2ZSI6ZmFsc2UsIkhvcml6b250YWxBbGlnbm1lbnQiOjAsIlZlcnRpY2FsQWxpZ25tZW50IjoxLCJTbWFydEZvcmVncm91bmQiOm51bGwsIkJhY2tncm91bmRGaWxsVHlwZSI6MCwiTWFyZ2luIjp7IiRpZCI6Ijc2IiwiVG9wIjowLjAsIkxlZnQiOjUuMCwiUmlnaHQiOjAuMCwiQm90dG9tIjowLjB9LCJQYWRkaW5nIjp7IiRpZCI6Ijc3IiwiVG9wIjowLjAsIkxlZnQiOjAuMCwiUmlnaHQiOjAuMCwiQm90dG9tIjowLjB9LCJCYWNrZ3JvdW5kIjp7IiRpZCI6Ijc4IiwiQ29sb3IiOnsiJGlkIjoiNzkiLCJBIjowLCJSIjowLCJHIjowLCJCIjowfX0sIklzVmlzaWJsZSI6ZmFsc2UsIldpZHRoIjowLjAsIkhlaWdodCI6MC4wLCJCb3JkZXJTdHlsZSI6bnVsbCwiUGFyZW50U3R5bGUiOm51bGx9LCJFbGFwc2VkVGltZUJhY2tncm91bmQiOnsiJGlkIjoiODAiLCJDb2xvciI6eyIkaWQiOiI4MSIsIkEiOjE5MSwiUiI6MjU1LCJHIjowLCJCIjowfX0sIkFwcGVuZFllYXJPblllYXJDaGFuZ2UiOmZhbHNlLCJFbGFwc2VkVGltZUZvcm1hdCI6MiwiVG9kYXlNYXJrZXJQb3NpdGlvbiI6MiwiUXVpY2tQb3NpdGlvbiI6MiwiQWJzb2x1dGVQb3NpdGlvbiI6NDA1LjAsIk1hcmdpbiI6eyIkaWQiOiI4MiIsIlRvcCI6MC4wLCJMZWZ0IjoxMC4wLCJSaWdodCI6MTAuMCwiQm90dG9tIjowLjB9LCJQYWRkaW5nIjp7IiRpZCI6IjgzIiwiVG9wIjowLjAsIkxlZnQiOjAuMCwiUmlnaHQiOjAuMCwiQm90dG9tIjowLjB9LCJCYWNrZ3JvdW5kIjp7IiRpZCI6Ijg0IiwiQ29sb3IiOnsiJGlkIjoiODUiLCJBIjoyNTUsIlIiOjQ3LCJHIjo1NCwiQiI6MTUzfX0sIklzVmlzaWJsZSI6dHJ1ZSwiV2lkdGgiOjAuMCwiSGVpZ2h0IjowLjAsIkJvcmRlclN0eWxlIjpudWxsLCJQYXJlbnRTdHlsZSI6bnVsbH0sIkRlZmF1bHRNaWxlc3RvbmVTdHlsZSI6eyIkaWQiOiI4NiIsIlNoYXBlIjowLCJDb25uZWN0b3JNYXJnaW4iOnsiJGlkIjoiODciLCJUb3AiOjAuMCwiTGVmdCI6Mi4wLCJSaWdodCI6Mi4wLCJCb3R0b20iOjAuMH0sIkNvbm5lY3RvclN0eWxlIjp7IiRpZCI6Ijg4IiwiTGluZUNvbG9yIjp7IiRpZCI6Ijg5IiwiJHR5cGUiOiJOTFJFLkNvbW1vbi5Eb20uU29saWRDb2xvckJydXNoLCBOTFJFLkNvbW1vbiIsIkNvbG9yIjp7IiRpZCI6IjkwIiwiQSI6MTI3LCJSIjo3OSwiRyI6MTI5LCJCIjoxODl9fSwiTGluZVdlaWdodCI6MS4wLCJMaW5lVHlwZSI6MCwiUGFyZW50U3R5bGUiOm51bGx9LCJJc0JlbG93VGltZWJhbmQiOmZhbHNlLCJQb3NpdGlvbk9uVGFzayI6MCwiSGlkZURhdGUiOmZhbHNlLCJTaGFwZVNpemUiOjEsIlNwYWNpbmciOjEuMCwiUGFkZGluZyI6eyIkaWQiOiI5MSIsIlRvcCI6Ny4wLCJMZWZ0IjozLjAsIlJpZ2h0IjowLjAsIkJvdHRvbSI6Mi4wfSwiU2hhcGVTdHlsZSI6eyIkaWQiOiI5MiIsIk1hcmdpbiI6eyIkaWQiOiI5MyIsIlRvcCI6MC4wLCJMZWZ0IjowLjAsIlJpZ2h0IjowLjAsIkJvdHRvbSI6MC4wfSwiUGFkZGluZyI6eyIkaWQiOiI5NCIsIlRvcCI6MC4wLCJMZWZ0IjowLjAsIlJpZ2h0IjowLjAsIkJvdHRvbSI6MC4wfSwiQmFja2dyb3VuZCI6eyIkaWQiOiI5NSIsIkNvbG9yIjp7IiRpZCI6Ijk2IiwiQSI6MjU1LCJSIjowLCJHIjoxMTQsIkIiOjE4OH19LCJJc1Zpc2libGUiOnRydWUsIldpZHRoIjoxOC4wLCJIZWlnaHQiOjIwLjAsIkJvcmRlclN0eWxlIjp7IiRpZCI6Ijk3IiwiTGluZUNvbG9yIjp7IiRpZCI6Ijk4IiwiJHR5cGUiOiJOTFJFLkNvbW1vbi5Eb20uU29saWRDb2xvckJydXNoLCBOTFJFLkNvbW1vbiIsIkNvbG9yIjp7IiRpZCI6Ijk5IiwiQSI6MjU1LCJSIjoyNTUsIkciOjAsIkIiOjB9fSwiTGluZVdlaWdodCI6MC4wLCJMaW5lVHlwZSI6MCwiUGFyZW50U3R5bGUiOm51bGx9LCJQYXJlbnRTdHlsZSI6bnVsbH0sIlRpdGxlU3R5bGUiOnsiJGlkIjoiMTAwIiwiRm9udFNldHRpbmdzIjp7IiRpZCI6IjEwMSIsIkZvbnRTaXplIjoxMSwiRm9udE5hbWUiOiJDYWxpYnJpIiwiSXNCb2xkIjp0cnVlLCJJc0l0YWxpYyI6ZmFsc2UsIklzVW5kZXJsaW5lZCI6ZmFsc2UsIlBhcmVudFN0eWxlIjpudWxsfSwiQXV0b1NpemUiOjAsIkZvcmVncm91bmQiOnsiJGlkIjoiMTAyIiwiQ29sb3IiOnsiJGlkIjoiMTAzIiwiQSI6MjU1LCJSIjowLCJHIjowLCJCIjowfX0sIk1heFdpZHRoIjoyMDAuMCwiTWF4SGVpZ2h0IjoiSW5maW5pdHkiLCJTbWFydEZvcmVncm91bmRJc0FjdGl2ZSI6ZmFsc2UsIkhvcml6b250YWxBbGlnbm1lbnQiOjEsIlZlcnRpY2FsQWxpZ25tZW50IjowLCJTbWFydEZvcmVncm91bmQiOm51bGwsIkJhY2tncm91bmRGaWxsVHlwZSI6MCwiTWFyZ2luIjp7IiRpZCI6IjEwNCIsIlRvcCI6MC4wLCJMZWZ0IjowLjAsIlJpZ2h0IjowLjAsIkJvdHRvbSI6MC4wfSwiUGFkZGluZyI6eyIkaWQiOiIxMDUiLCJUb3AiOjAuMCwiTGVmdCI6MC4wLCJSaWdodCI6MC4wLCJCb3R0b20iOjAuMH0sIkJhY2tncm91bmQiOnsiJGlkIjoiMTA2IiwiQ29sb3IiOnsiJHJlZiI6IjM2In19LCJJc1Zpc2libGUiOnRydWUsIldpZHRoIjowLjAsIkhlaWdodCI6MC4wLCJCb3JkZXJTdHlsZSI6bnVsbCwiUGFyZW50U3R5bGUiOm51bGx9LCJEYXRlU3R5bGUiOnsiJGlkIjoiMTA3IiwiRm9udFNldHRpbmdzIjp7IiRpZCI6IjEwOCIsIkZvbnRTaXplIjoxMCwiRm9udE5hbWUiOiJDYWxpYnJpIiwiSXNCb2xkIjpmYWxzZSwiSXNJdGFsaWMiOmZhbHNlLCJJc1VuZGVybGluZWQiOmZhbHNlLCJQYXJlbnRTdHlsZSI6bnVsbH0sIkF1dG9TaXplIjowLCJGb3JlZ3JvdW5kIjp7IiRpZCI6IjEwOSIsIkNvbG9yIjp7IiRpZCI6IjExMCIsIkEiOjI1NSwiUiI6NjgsIkciOjg0LCJCIjoxMDZ9fSwiTWF4V2lkdGgiOjIwMC4wLCJNYXhIZWlnaHQiOiJJbmZpbml0eSIsIlNtYXJ0Rm9yZWdyb3VuZElzQWN0aXZlIjpmYWxzZSwiSG9yaXpvbnRhbEFsaWdubWVudCI6MCwiVmVydGljYWxBbGlnbm1lbnQiOjAsIlNtYXJ0Rm9yZWdyb3VuZCI6bnVsbCwiQmFja2dyb3VuZEZpbGxUeXBlIjowLCJNYXJnaW4iOnsiJGlkIjoiMTExIiwiVG9wIjowLjAsIkxlZnQiOjAuMCwiUmlnaHQiOjAuMCwiQm90dG9tIjowLjB9LCJQYWRkaW5nIjp7IiRpZCI6IjExMiIsIlRvcCI6MC4wLCJMZWZ0IjowLjAsIlJpZ2h0IjowLjAsIkJvdHRvbSI6MC4wfSwiQmFja2dyb3VuZCI6eyIkaWQiOiIxMTMiLCJDb2xvciI6eyIkcmVmIjoiMzYifX0sIklzVmlzaWJsZSI6dHJ1ZSwiV2lkdGgiOjAuMCwiSGVpZ2h0IjowLjAsIkJvcmRlclN0eWxlIjpudWxsLCJQYXJlbnRTdHlsZSI6bnVsbH0sIkRhdGVGb3JtYXQiOnsiJGlkIjoiMTE0IiwiRm9ybWF0U3RyaW5nIjoiTU1NIGQiLCJTZXBhcmF0b3IiOiIvIiwiVXNlSW50ZXJuYXRpb25hbERhdGVGb3JtYXQiOmZhbHNlLCJEYXRlSXNWaXNpYmxlIjp0cnVlLCJUaW1lSXNWaXNpYmxlIjpmYWxzZSwiSG91ckRpZ2l0cyI6MSwiQW1QbURlc2lnbmF0b3IiOjIsIlRyaW0wME1pbnV0ZXMiOmZhbHNlLCJMYXN0S25vd25WaXNpYmlsaXR5U3RhdGUiOm51bGx9LCJXZWVrTnVtYmVyaW5nIjp7IiRpZCI6IjExNSIsIkZvcm1hdCI6MCwiSXNWaXNpYmxlIjpmYWxzZSwiTGFzdEtub3duVmlzaWJpbGl0eVN0YXRlIjpmYWxzZX0sIklzVmlzaWJsZSI6dHJ1ZSwiUGFyZW50U3R5bGUiOm51bGx9LCJEZWZhdWx0VGFza1N0eWxlIjp7IiRpZCI6IjExNiIsIlNoYXBlIjowLCJTaGFwZVRoaWNrbmVzcyI6MSwiRHVyYXRpb25Gb3JtYXQiOjAsIkluY2x1ZGVOb25Xb3JraW5nRGF5c0luRHVyYXRpb24iOmZhbHNlLCJQZXJjZW50YWdlQ29tcGxldGVTdHlsZSI6eyIkaWQiOiIxMTciLCJGb250U2V0dGluZ3MiOnsiJGlkIjoiMTE4IiwiRm9udFNpemUiOjEwLCJGb250TmFtZSI6IkNhbGlicmkiLCJJc0JvbGQiOmZhbHNlLCJJc0l0YWxpYyI6ZmFsc2UsIklzVW5kZXJsaW5lZCI6ZmFsc2UsIlBhcmVudFN0eWxlIjpudWxsfSwiQXV0b1NpemUiOjAsIkZvcmVncm91bmQiOnsiJGlkIjoiMTE5IiwiQ29sb3IiOnsiJGlkIjoiMTIwIiwiQSI6MjU1LCJSIjoxOTIsIkciOjgwLCJCIjo3N319LCJNYXhXaWR0aCI6MjAwLjAsIk1heEhlaWdodCI6IkluZmluaXR5IiwiU21hcnRGb3JlZ3JvdW5kSXNBY3RpdmUiOmZhbHNlLCJIb3Jpem9udGFsQWxpZ25tZW50IjowLCJWZXJ0aWNhbEFsaWdubWVudCI6MCwiU21hcnRGb3JlZ3JvdW5kIjpudWxsLCJCYWNrZ3JvdW5kRmlsbFR5cGUiOjAsIk1hcmdpbiI6eyIkaWQiOiIxMjEiLCJUb3AiOjAuMCwiTGVmdCI6MC4wLCJSaWdodCI6MC4wLCJCb3R0b20iOjAuMH0sIlBhZGRpbmciOnsiJGlkIjoiMTIyIiwiVG9wIjowLjAsIkxlZnQiOjAuMCwiUmlnaHQiOjAuMCwiQm90dG9tIjowLjB9LCJCYWNrZ3JvdW5kIjp7IiRpZCI6IjEyMyIsIkNvbG9yIjp7IiRyZWYiOiIzNiJ9fSwiSXNWaXNpYmxlIjp0cnVlLCJXaWR0aCI6MC4wLCJIZWlnaHQiOjAuMCwiQm9yZGVyU3R5bGUiOm51bGwsIlBhcmVudFN0eWxlIjpudWxsfSwiRHVyYXRpb25TdHlsZSI6eyIkaWQiOiIxMjQiLCJGb250U2V0dGluZ3MiOnsiJGlkIjoiMTI1IiwiRm9udFNpemUiOjEwLCJGb250TmFtZSI6IkNhbGlicmkiLCJJc0JvbGQiOmZhbHNlLCJJc0l0YWxpYyI6ZmFsc2UsIklzVW5kZXJsaW5lZCI6ZmFsc2UsIlBhcmVudFN0eWxlIjpudWxsfSwiQXV0b1NpemUiOjAsIkZvcmVncm91bmQiOnsiJGlkIjoiMTI2IiwiQ29sb3IiOnsiJGlkIjoiMTI3IiwiQSI6MjU1LCJSIjowLCJHIjowLCJCIjowfX0sIk1heFdpZHRoIjoyMDAuMCwiTWF4SGVpZ2h0IjoiSW5maW5pdHkiLCJTbWFydEZvcmVncm91bmRJc0FjdGl2ZSI6ZmFsc2UsIkhvcml6b250YWxBbGlnbm1lbnQiOjEsIlZlcnRpY2FsQWxpZ25tZW50IjowLCJTbWFydEZvcmVncm91bmQiOm51bGwsIkJhY2tncm91bmRGaWxsVHlwZSI6MCwiTWFyZ2luIjp7IiRpZCI6IjEyOCIsIlRvcCI6MC4wLCJMZWZ0IjowLjAsIlJpZ2h0IjowLjAsIkJvdHRvbSI6MC4wfSwiUGFkZGluZyI6eyIkaWQiOiIxMjkiLCJUb3AiOjAuMCwiTGVmdCI6MC4wLCJSaWdodCI6MC4wLCJCb3R0b20iOjAuMH0sIkJhY2tncm91bmQiOnsiJGlkIjoiMTMwIiwiQ29sb3IiOnsiJHJlZiI6IjM2In19LCJJc1Zpc2libGUiOnRydWUsIldpZHRoIjowLjAsIkhlaWdodCI6MC4wLCJCb3JkZXJTdHlsZSI6bnVsbCwiUGFyZW50U3R5bGUiOm51bGx9LCJIb3Jpem9udGFsQ29ubmVjdG9yU3R5bGUiOnsiJGlkIjoiMTMxIiwiTGluZUNvbG9yIjp7IiRpZCI6IjEzMiIsIiR0eXBlIjoiTkxSRS5Db21tb24uRG9tLlNvbGlkQ29sb3JCcnVzaCwgTkxSRS5Db21tb24iLCJDb2xvciI6eyIkaWQiOiIxMzMiLCJBIjoyNTUsIlIiOjIwNCwiRyI6MjA0LCJCIjoyMDR9fSwiTGluZVdlaWdodCI6MS4wLCJMaW5lVHlwZSI6MCwiUGFyZW50U3R5bGUiOm51bGx9LCJWZXJ0aWNhbENvbm5lY3RvclN0eWxlIjp7IiRpZCI6IjEzNCIsIkxpbmVDb2xvciI6eyIkaWQiOiIxMzUiLCIkdHlwZSI6Ik5MUkUuQ29tbW9uLkRvbS5Tb2xpZENvbG9yQnJ1c2gsIE5MUkUuQ29tbW9uIiwiQ29sb3IiOnsiJGlkIjoiMTM2IiwiQSI6MjU1LCJSIjoyMDQsIkciOjIwNCwiQiI6MjA0fX0sIkxpbmVXZWlnaHQiOjAuMCwiTGluZVR5cGUiOjAsIlBhcmVudFN0eWxlIjpudWxsfSwiTWFyZ2luIjpudWxsLCJTdGFydERhdGVQb3NpdGlvbiI6NCwiRW5kRGF0ZVBvc2l0aW9uIjo0LCJEYXRlSXNWaXNpYmxlIjp0cnVlLCJUaXRsZVBvc2l0aW9uIjozLCJEdXJhdGlvblBvc2l0aW9uIjoyLCJQZXJjZW50YWdlQ29tcGxldGVkUG9zaXRpb24iOjYsIlNwYWNpbmciOjUsIklzQmVsb3dUaW1lYmFuZCI6ZmFsc2UsIlBlcmNlbnRhZ2VDb21wbGV0ZVNoYXBlT3BhY2l0eSI6MzUsIlNoYXBlU3R5bGUiOnsiJGlkIjoiMTM3IiwiTWFyZ2luIjp7IiRpZCI6IjEzOCIsIlRvcCI6MC4wLCJMZWZ0Ijo0LjAsIlJpZ2h0Ijo0LjAsIkJvdHRvbSI6MC4wfSwiUGFkZGluZyI6eyIkaWQiOiIxMzkiLCJUb3AiOjAuMCwiTGVmdCI6MC4wLCJSaWdodCI6MC4wLCJCb3R0b20iOjAuMH0sIkJhY2tncm91bmQiOnsiJGlkIjoiMTQwIiwiQ29sb3IiOnsiJGlkIjoiMTQxIiwiQSI6MjU1LCJSIjowLCJHIjoxMTQsIkIiOjE4OH19LCJJc1Zpc2libGUiOnRydWUsIldpZHRoIjowLjAsIkhlaWdodCI6MTYuMCwiQm9yZGVyU3R5bGUiOnsiJGlkIjoiMTQyIiwiTGluZUNvbG9yIjp7IiRpZCI6IjE0MyIsIiR0eXBlIjoiTkxSRS5Db21tb24uRG9tLlNvbGlkQ29sb3JCcnVzaCwgTkxSRS5Db21tb24iLCJDb2xvciI6eyIkaWQiOiIxNDQiLCJBIjoyNTUsIlIiOjI1NSwiRyI6MCwiQiI6MH19LCJMaW5lV2VpZ2h0IjowLjAsIkxpbmVUeXBlIjowLCJQYXJlbnRTdHlsZSI6bnVsbH0sIlBhcmVudFN0eWxlIjpudWxsfSwiVGl0bGVTdHlsZSI6eyIkaWQiOiIxNDUiLCJGb250U2V0dGluZ3MiOnsiJGlkIjoiMTQ2IiwiRm9udFNpemUiOjEyLCJGb250TmFtZSI6IkNhbGlicmkiLCJJc0JvbGQiOnRydWUsIklzSXRhbGljIjpmYWxzZSwiSXNVbmRlcmxpbmVkIjpmYWxzZSwiUGFyZW50U3R5bGUiOm51bGx9LCJBdXRvU2l6ZSI6MCwiRm9yZWdyb3VuZCI6eyIkaWQiOiIxNDciLCJDb2xvciI6eyIkaWQiOiIxNDgiLCJBIjoyNTUsIlIiOjAsIkciOjAsIkIiOjB9fSwiTWF4V2lkdGgiOjk2MC4wLCJNYXhIZWlnaHQiOiJJbmZpbml0eSIsIlNtYXJ0Rm9yZWdyb3VuZElzQWN0aXZlIjpmYWxzZSwiSG9yaXpvbnRhbEFsaWdubWVudCI6MiwiVmVydGljYWxBbGlnbm1lbnQiOjAsIlNtYXJ0Rm9yZWdyb3VuZCI6bnVsbCwiQmFja2dyb3VuZEZpbGxUeXBlIjowLCJNYXJnaW4iOnsiJGlkIjoiMTQ5IiwiVG9wIjowLjAsIkxlZnQiOjAuMCwiUmlnaHQiOjAuMCwiQm90dG9tIjowLjB9LCJQYWRkaW5nIjp7IiRpZCI6IjE1MCIsIlRvcCI6MC4wLCJMZWZ0IjowLjAsIlJpZ2h0IjowLjAsIkJvdHRvbSI6MC4wfSwiQmFja2dyb3VuZCI6eyIkaWQiOiIxNTEiLCJDb2xvciI6eyIkcmVmIjoiMzYifX0sIklzVmlzaWJsZSI6dHJ1ZSwiV2lkdGgiOjAuMCwiSGVpZ2h0IjowLjAsIkJvcmRlclN0eWxlIjpudWxsLCJQYXJlbnRTdHlsZSI6bnVsbH0sIkRhdGVTdHlsZSI6eyIkaWQiOiIxNTIiLCJGb250U2V0dGluZ3MiOnsiJGlkIjoiMTUzIiwiRm9udFNpemUiOjEwLCJGb250TmFtZSI6IkNhbGlicmkiLCJJc0JvbGQiOmZhbHNlLCJJc0l0YWxpYyI6ZmFsc2UsIklzVW5kZXJsaW5lZCI6ZmFsc2UsIlBhcmVudFN0eWxlIjpudWxsfSwiQXV0b1NpemUiOjAsIkZvcmVncm91bmQiOnsiJGlkIjoiMTU0IiwiQ29sb3IiOnsiJGlkIjoiMTU1IiwiQSI6MjU1LCJSIjo2OCwiRyI6ODQsIkIiOjEwNn19LCJNYXhXaWR0aCI6MjAwLjAsIk1heEhlaWdodCI6IkluZmluaXR5IiwiU21hcnRGb3JlZ3JvdW5kSXNBY3RpdmUiOmZhbHNlLCJIb3Jpem9udGFsQWxpZ25tZW50IjowLCJWZXJ0aWNhbEFsaWdubWVudCI6MCwiU21hcnRGb3JlZ3JvdW5kIjpudWxsLCJCYWNrZ3JvdW5kRmlsbFR5cGUiOjAsIk1hcmdpbiI6eyIkaWQiOiIxNTYiLCJUb3AiOjAuMCwiTGVmdCI6MC4wLCJSaWdodCI6MC4wLCJCb3R0b20iOjAuMH0sIlBhZGRpbmciOnsiJGlkIjoiMTU3IiwiVG9wIjowLjAsIkxlZnQiOjAuMCwiUmlnaHQiOjAuMCwiQm90dG9tIjowLjB9LCJCYWNrZ3JvdW5kIjp7IiRpZCI6IjE1OCIsIkNvbG9yIjp7IiRyZWYiOiIzNiJ9fSwiSXNWaXNpYmxlIjp0cnVlLCJXaWR0aCI6MC4wLCJIZWlnaHQiOjAuMCwiQm9yZGVyU3R5bGUiOm51bGwsIlBhcmVudFN0eWxlIjpudWxsfSwiRGF0ZUZvcm1hdCI6eyIkaWQiOiIxNTkiLCJGb3JtYXRTdHJpbmciOiJNTU0gZCIsIlNlcGFyYXRvciI6Ii8iLCJVc2VJbnRlcm5hdGlvbmFsRGF0ZUZvcm1hdCI6ZmFsc2UsIkRhdGVJc1Zpc2libGUiOnRydWUsIlRpbWVJc1Zpc2libGUiOmZhbHNlLCJIb3VyRGlnaXRzIjoxLCJBbVBtRGVzaWduYXRvciI6MiwiVHJpbTAwTWludXRlcyI6ZmFsc2UsIkxhc3RLbm93blZpc2liaWxpdHlTdGF0ZSI6bnVsbH0sIldlZWtOdW1iZXJpbmciOnsiJGlkIjoiMTYwIiwiRm9ybWF0IjowLCJJc1Zpc2libGUiOmZhbHNlLCJMYXN0S25vd25WaXNpYmlsaXR5U3RhdGUiOmZhbHNlfSwiSXNWaXNpYmxlIjp0cnVlLCJQYXJlbnRTdHlsZSI6bnVsbCwiX2V4cGxpY2l0bHlTZXQiOnsiJGlkIjoiMTYxIiwiU2hhcGVTdHlsZSI6ZmFsc2UsIlRpdGxlU3R5bGUiOmZhbHNlLCJEYXRlU3R5bGUiOmZhbHNlLCJIb3Jpem9udGFsQ29ubmVjdG9yU3R5bGUiOmZhbHNlLCJWZXJ0aWNhbENvbm5lY3RvclN0eWxlIjpmYWxzZSwiUGVyY2VudGFnZUNvbXBsZXRlU2hhcGVPcGFjaXR5IjpmYWxzZSwiU2hhcGUiOmZhbHNlLCJTaGFwZVRoaWNrbmVzcyI6ZmFsc2UsIkR1cmF0aW9uRm9ybWF0IjpmYWxzZSwiSW5jbHVkZU5vbldvcmtpbmdEYXlzSW5EdXJhdGlvbiI6ZmFsc2UsIk1hcmdpbiI6ZmFsc2UsIlN0YXJ0RGF0ZVBvc2l0aW9uIjpmYWxzZSwiRW5kRGF0ZVBvc2l0aW9uIjpmYWxzZSwiVGl0bGVQb3NpdGlvbiI6ZmFsc2UsIkR1cmF0aW9uUG9zaXRpb24iOmZhbHNlLCJQZXJjZW50YWdlQ29tcGxldGVkUG9zaXRpb24iOmZhbHNlLCJTcGFjaW5nIjpmYWxzZSwiSXNCZWxvd1RpbWViYW5kIjpmYWxzZSwiRGF0ZUZvcm1hdCI6ZmFsc2UsIldlZWtOdW1iZXJpbmciOmZhbHNlLCJJc1Zpc2libGUiOmZhbHNlfX0sIkdyaWRsaW5lUGFuZWxTdHlsZSI6eyIkaWQiOiIxNjIiLCJHcmlkbGluZVN0eWxlIjp7IiRpZCI6IjE2MyIsIkxpbmVDb2xvciI6eyIkaWQiOiIxNjQiLCIkdHlwZSI6Ik5MUkUuQ29tbW9uLkRvbS5Tb2xpZENvbG9yQnJ1c2gsIE5MUkUuQ29tbW9uIiwiQ29sb3IiOnsiJGlkIjoiMTY1IiwiQSI6MzgsIlIiOjkxLCJHIjoxNTUsIkIiOjIxM319LCJMaW5lV2VpZ2h0IjoxLjAsIkxpbmVUeXBlIjowLCJQYXJlbnRTdHlsZSI6bnVsbH0sIk1hcmdpbiI6eyIkaWQiOiIxNjYiLCJUb3AiOjAuMCwiTGVmdCI6MC4wLCJSaWdodCI6MC4wLCJCb3R0b20iOjAuMH0sIlBhZGRpbmciOnsiJGlkIjoiMTY3IiwiVG9wIjowLjAsIkxlZnQiOjAuMCwiUmlnaHQiOjAuMCwiQm90dG9tIjowLjB9LCJCYWNrZ3JvdW5kIjpudWxsLCJJc1Zpc2libGUiOnRydWUsIldpZHRoIjowLjAsIkhlaWdodCI6MC4wLCJCb3JkZXJTdHlsZSI6eyIkaWQiOiIxNjgiLCJMaW5lQ29sb3IiOm51bGwsIkxpbmVXZWlnaHQiOjAuMCwiTGluZVR5cGUiOjAsIlBhcmVudFN0eWxlIjpudWxsfSwiUGFyZW50U3R5bGUiOm51bGx9LCJBY3Rpdml0eUxpbmVQYW5lbFN0eWxlIjp7IiRpZCI6IjE2OSIsIkFjdGl2aXR5TGluZVN0eWxlIjp7IiRpZCI6IjE3MCIsIkxpbmVDb2xvciI6eyIkaWQiOiIxNzEiLCIkdHlwZSI6Ik5MUkUuQ29tbW9uLkRvbS5Tb2xpZENvbG9yQnJ1c2gsIE5MUkUuQ29tbW9uIiwiQ29sb3IiOnsiJGlkIjoiMTcyIiwiQSI6MzgsIlIiOjY4LCJHIjoxMTQsIkIiOjE5Nn19LCJMaW5lV2VpZ2h0IjoxLjAsIkxpbmVUeXBlIjowLCJQYXJlbnRTdHlsZSI6bnVsbH0sIk1hcmdpbiI6eyIkaWQiOiIxNzMiLCJUb3AiOjAuMCwiTGVmdCI6MC4wLCJSaWdodCI6MC4wLCJCb3R0b20iOjAuMH0sIlBhZGRpbmciOnsiJGlkIjoiMTc0IiwiVG9wIjowLjAsIkxlZnQiOjAuMCwiUmlnaHQiOjAuMCwiQm90dG9tIjowLjB9LCJCYWNrZ3JvdW5kIjpudWxsLCJJc1Zpc2libGUiOnRydWUsIldpZHRoIjowLjAsIkhlaWdodCI6MC4wLCJCb3JkZXJTdHlsZSI6eyIkaWQiOiIxNzUiLCJMaW5lQ29sb3IiOm51bGwsIkxpbmVXZWlnaHQiOjAuMCwiTGluZVR5cGUiOjAsIlBhcmVudFN0eWxlIjpudWxsfSwiUGFyZW50U3R5bGUiOm51bGx9LCJTaG93RWxhcHNlZFRpbWVHcmFkaWVudFN0eWxlIjpmYWxzZSwiVGltZWJhbmRSZXNlcnZlZExlZnRBcmVhU3R5bGUiOnsiJGlkIjoiMTc2IiwiQWN0aXZpdHlIZWFkZXJXaWR0aCI6MC4wLCJJc1NldCI6ZmFsc2V9LCJEZWZhdWx0U3dpbWxhbmVTdHlsZSI6bnVsbH0sIlNjYWxlIjpudWxsLCJTY2FsZVYyIjp7IiRpZCI6IjE3NyIsIlN0YXJ0RGF0ZSI6IjAwMDEtMDEtMDFUMDA6MDA6MDAiLCJFbmREYXRlIjoiMjAyMi0wOC0yNlQyMzo1OTowMCIsIkF1dG9EYXRlUmFuZ2UiOnRydWUsIldvcmtpbmdEYXlzIjozMSwiRmlzY2FsWWVhciI6eyIkaWQiOiIxNzgiLCJTdGFydE1vbnRoIjoxLCJVc2VTdGFydGluZ1llYXJGb3JOdW1iZXJpbmciOnRydWUsIlNob3dGaXNjYWxZZWFyTGFiZWwiOnRydWV9LCJUb2RheU1hcmtlclRleHQiOiJUb2RheSIsIkF1dG9TY2FsZVR5cGUiOnRydWUsIlRpbWViYW5kU2NhbGVzIjp7IiRpZCI6IjE3OSIsIlRvcFNjYWxlTGF5ZXIiOnsiJGlkIjoiMTgwIiwiRm9ybWF0IjoiTU1NIiwiVHlwZSI6Mn0sIk1pZGRsZVNjYWxlTGF5ZXIiOnsiJGlkIjoiMTgxIiwiRm9ybWF0IjpudWxsLCJUeXBlIjowfSwiQm90dG9tU2NhbGVMYXllciI6eyIkaWQiOiIxODIiLCJGb3JtYXQiOm51bGwsIlR5cGUiOjB9fX0sIk1pbGVzdG9uZXMiOltdLCJUYXNrcyI6W3siJGlkIjoiMTgzIiwiR3JvdXBOYW1lIjpudWxsLCJTdGFydERhdGUiOiIyMDIyLTAzLTE0VDAwOjAwOjAwWiIsIkVuZERhdGUiOiIyMDIyLTAzLTE4VDIzOjU5OjAwWiIsIlBlcmNlbnRhZ2VDb21wbGV0ZSI6bnVsbCwiU3R5bGUiOnsiJGlkIjoiMTg0IiwiU2hhcGUiOjEsIlNoYXBlVGhpY2tuZXNzIjowLCJEdXJhdGlvbkZvcm1hdCI6MCwiSW5jbHVkZU5vbldvcmtpbmdEYXlzSW5EdXJhdGlvbiI6ZmFsc2UsIlBlcmNlbnRhZ2VDb21wbGV0ZVN0eWxlIjp7IiRpZCI6IjE4NSIsIkZvbnRTZXR0aW5ncyI6eyIkaWQiOiIxODYiLCJGb250U2l6ZSI6MTAsIkZvbnROYW1lIjoiQ2FsaWJyaSIsIklzQm9sZCI6ZmFsc2UsIklzSXRhbGljIjpmYWxzZSwiSXNVbmRlcmxpbmVkIjpmYWxzZSwiUGFyZW50U3R5bGUiOm51bGx9LCJBdXRvU2l6ZSI6MCwiRm9yZWdyb3VuZCI6eyIkaWQiOiIxODciLCJDb2xvciI6eyIkaWQiOiIxODgiLCJBIjoyNTUsIlIiOjE5MiwiRyI6ODAsIkIiOjc3fX0sIk1heFdpZHRoIjoyMDAuMCwiTWF4SGVpZ2h0IjoiSW5maW5pdHkiLCJTbWFydEZvcmVncm91bmRJc0FjdGl2ZSI6ZmFsc2UsIkhvcml6b250YWxBbGlnbm1lbnQiOjAsIlZlcnRpY2FsQWxpZ25tZW50IjowLCJTbWFydEZvcmVncm91bmQiOm51bGwsIkJhY2tncm91bmRGaWxsVHlwZSI6MCwiTWFyZ2luIjp7IiRyZWYiOiIxMjEifSwiUGFkZGluZyI6eyIkcmVmIjoiMTIyIn0sIkJhY2tncm91bmQiOnsiJGlkIjoiMTg5IiwiQ29sb3IiOnsiJGlkIjoiMTkwIiwiQSI6ODksIlIiOjAsIkciOjAsIkIiOjB9fSwiSXNWaXNpYmxlIjp0cnVlLCJXaWR0aCI6MC4wLCJIZWlnaHQiOjAuMCwiQm9yZGVyU3R5bGUiOnsiJGlkIjoiMTkxIiwiTGluZUNvbG9yIjpudWxsLCJMaW5lV2VpZ2h0IjowLjAsIkxpbmVUeXBlIjowLCJQYXJlbnRTdHlsZSI6bnVsbH0sIlBhcmVudFN0eWxlIjpudWxsfSwiRHVyYXRpb25TdHlsZSI6eyIkaWQiOiIxOTIiLCJGb250U2V0dGluZ3MiOnsiJGlkIjoiMTkzIiwiRm9udFNpemUiOjEwLCJGb250TmFtZSI6IkNhbGlicmkiLCJJc0JvbGQiOmZhbHNlLCJJc0l0YWxpYyI6ZmFsc2UsIklzVW5kZXJsaW5lZCI6ZmFsc2UsIlBhcmVudFN0eWxlIjpudWxsfSwiQXV0b1NpemUiOjAsIkZvcmVncm91bmQiOnsiJGlkIjoiMTk0IiwiQ29sb3IiOnsiJGlkIjoiMTk1IiwiQSI6MjU1LCJSIjowLCJHIjowLCJCIjowfX0sIk1heFdpZHRoIjoyMDAuMCwiTWF4SGVpZ2h0IjoiSW5maW5pdHkiLCJTbWFydEZvcmVncm91bmRJc0FjdGl2ZSI6ZmFsc2UsIkhvcml6b250YWxBbGlnbm1lbnQiOjEsIlZlcnRpY2FsQWxpZ25tZW50IjowLCJTbWFydEZvcmVncm91bmQiOm51bGwsIkJhY2tncm91bmRGaWxsVHlwZSI6MCwiTWFyZ2luIjp7IiRyZWYiOiIxMjgifSwiUGFkZGluZyI6eyIkcmVmIjoiMTI5In0sIkJhY2tncm91bmQiOnsiJGlkIjoiMTk2IiwiQ29sb3IiOnsiJGlkIjoiMTk3IiwiQSI6MCwiUiI6MjU1LCJHIjoyNTUsIkIiOjI1NX19LCJJc1Zpc2libGUiOnRydWUsIldpZHRoIjowLjAsIkhlaWdodCI6MC4wLCJCb3JkZXJTdHlsZSI6eyIkaWQiOiIxOTgiLCJMaW5lQ29sb3IiOm51bGwsIkxpbmVXZWlnaHQiOjAuMCwiTGluZVR5cGUiOjAsIlBhcmVudFN0eWxlIjpudWxsfSwiUGFyZW50U3R5bGUiOm51bGx9LCJIb3Jpem9udGFsQ29ubmVjdG9yU3R5bGUiOnsiJGlkIjoiMTk5IiwiTGluZUNvbG9yIjp7IiRpZCI6IjIwMCIsIiR0eXBlIjoiTkxSRS5Db21tb24uRG9tLlNvbGlkQ29sb3JCcnVzaCwgTkxSRS5Db21tb24iLCJDb2xvciI6eyIkaWQiOiIyMDEiLCJBIjoyNTUsIlIiOjIwNCwiRyI6MjA0LCJCIjoyMDR9fSwiTGluZVdlaWdodCI6MC4wLCJMaW5lVHlwZSI6MCwiUGFyZW50U3R5bGUiOm51bGx9LCJWZXJ0aWNhbENvbm5lY3RvclN0eWxlIjp7IiRpZCI6IjIwMiIsIkxpbmVDb2xvciI6eyIkaWQiOiIyMDMiLCIkdHlwZSI6Ik5MUkUuQ29tbW9uLkRvbS5Tb2xpZENvbG9yQnJ1c2gsIE5MUkUuQ29tbW9uIiwiQ29sb3IiOnsiJGlkIjoiMjA0IiwiQSI6MjU1LCJSIjoyMDQsIkciOjIwNCwiQiI6MjA0fX0sIkxpbmVXZWlnaHQiOjAuMCwiTGluZVR5cGUiOjAsIlBhcmVudFN0eWxlIjpudWxsfSwiTWFyZ2luIjpudWxsLCJTdGFydERhdGVQb3NpdGlvbiI6NCwiRW5kRGF0ZVBvc2l0aW9uIjo0LCJEYXRlSXNWaXNpYmxlIjp0cnVlLCJUaXRsZVBvc2l0aW9uIjozLCJEdXJhdGlvblBvc2l0aW9uIjoyLCJQZXJjZW50YWdlQ29tcGxldGVkUG9zaXRpb24iOjYsIlNwYWNpbmciOjUsIklzQmVsb3dUaW1lYmFuZCI6ZmFsc2UsIlBlcmNlbnRhZ2VDb21wbGV0ZVNoYXBlT3BhY2l0eSI6MzUsIlNoYXBlU3R5bGUiOnsiJGlkIjoiMjA1IiwiTWFyZ2luIjp7IiRyZWYiOiIxMzgifSwiUGFkZGluZyI6eyIkcmVmIjoiMTM5In0sIkJhY2tncm91bmQiOnsiJGlkIjoiMjA2IiwiQ29sb3IiOnsiJGlkIjoiMjA3IiwiQSI6MjU1LCJSIjoxMzksIkciOjIxOCwiQiI6MjMzfX0sIklzVmlzaWJsZSI6dHJ1ZSwiV2lkdGgiOjE2Ni4wLCJIZWlnaHQiOjEwLjAsIkJvcmRlclN0eWxlIjp7IiRpZCI6IjIwOCIsIkxpbmVDb2xvciI6eyIkaWQiOiIyMDkiLCIkdHlwZSI6Ik5MUkUuQ29tbW9uLkRvbS5Tb2xpZENvbG9yQnJ1c2gsIE5MUkUuQ29tbW9uIiwiQ29sb3IiOnsiJGlkIjoiMjEwIiwiQSI6MjU1LCJSIjoyNTUsIkciOjAsIkIiOjB9fSwiTGluZVdlaWdodCI6MC4wLCJMaW5lVHlwZSI6MCwiUGFyZW50U3R5bGUiOm51bGx9LCJQYXJlbnRTdHlsZSI6bnVsbH0sIlRpdGxlU3R5bGUiOnsiJGlkIjoiMjExIiwiRm9udFNldHRpbmdzIjp7IiRpZCI6IjIxMiIsIkZvbnRTaXplIjoxMiwiRm9udE5hbWUiOiJDYWxpYnJpIiwiSXNCb2xkIjp0cnVlLCJJc0l0YWxpYyI6ZmFsc2UsIklzVW5kZXJsaW5lZCI6ZmFsc2UsIlBhcmVudFN0eWxlIjpudWxsfSwiQXV0b1NpemUiOjAsIkZvcmVncm91bmQiOnsiJGlkIjoiMjEzIiwiQ29sb3IiOnsiJGlkIjoiMjE0IiwiQSI6MjU1LCJSIjowLCJHIjowLCJCIjowfX0sIk1heFdpZHRoIjo3MjAuMCwiTWF4SGVpZ2h0IjoiSW5maW5pdHkiLCJTbWFydEZvcmVncm91bmRJc0FjdGl2ZSI6ZmFsc2UsIkhvcml6b250YWxBbGlnbm1lbnQiOjIsIlZlcnRpY2FsQWxpZ25tZW50IjowLCJTbWFydEZvcmVncm91bmQiOm51bGwsIkJhY2tncm91bmRGaWxsVHlwZSI6MCwiTWFyZ2luIjp7IiRyZWYiOiIxNDkifSwiUGFkZGluZyI6eyIkcmVmIjoiMTUwIn0sIkJhY2tncm91bmQiOnsiJGlkIjoiMjE1IiwiQ29sb3IiOnsiJGlkIjoiMjE2IiwiQSI6MCwiUiI6MjU1LCJHIjoyNTUsIkIiOjI1NX19LCJJc1Zpc2libGUiOnRydWUsIldpZHRoIjowLjAsIkhlaWdodCI6MC4wLCJCb3JkZXJTdHlsZSI6eyIkaWQiOiIyMTciLCJMaW5lQ29sb3IiOm51bGwsIkxpbmVXZWlnaHQiOjAuMCwiTGluZVR5cGUiOjAsIlBhcmVudFN0eWxlIjpudWxsfSwiUGFyZW50U3R5bGUiOm51bGx9LCJEYXRlU3R5bGUiOnsiJGlkIjoiMjE4IiwiRm9udFNldHRpbmdzIjp7IiRpZCI6IjIxOSIsIkZvbnRTaXplIjoxMCwiRm9udE5hbWUiOiJDYWxpYnJpIiwiSXNCb2xkIjpmYWxzZSwiSXNJdGFsaWMiOmZhbHNlLCJJc1VuZGVybGluZWQiOmZhbHNlLCJQYXJlbnRTdHlsZSI6bnVsbH0sIkF1dG9TaXplIjowLCJGb3JlZ3JvdW5kIjp7IiRpZCI6IjIyMCIsIkNvbG9yIjp7IiRpZCI6IjIyMSIsIkEiOjI1NSwiUiI6NjgsIkciOjg0LCJCIjoxMDZ9fSwiTWF4V2lkdGgiOjIwMC4wLCJNYXhIZWlnaHQiOiJJbmZpbml0eSIsIlNtYXJ0Rm9yZWdyb3VuZElzQWN0aXZlIjpmYWxzZSwiSG9yaXpvbnRhbEFsaWdubWVudCI6MCwiVmVydGljYWxBbGlnbm1lbnQiOjAsIlNtYXJ0Rm9yZWdyb3VuZCI6bnVsbCwiQmFja2dyb3VuZEZpbGxUeXBlIjowLCJNYXJnaW4iOnsiJHJlZiI6IjE1NiJ9LCJQYWRkaW5nIjp7IiRyZWYiOiIxNTcifSwiQmFja2dyb3VuZCI6eyIkaWQiOiIyMjIiLCJDb2xvciI6eyIkaWQiOiIyMjMiLCJBIjowLCJSIjoyNTUsIkciOjI1NSwiQiI6MjU1fX0sIklzVmlzaWJsZSI6dHJ1ZSwiV2lkdGgiOjAuMCwiSGVpZ2h0IjowLjAsIkJvcmRlclN0eWxlIjp7IiRpZCI6IjIyNCIsIkxpbmVDb2xvciI6bnVsbCwiTGluZVdlaWdodCI6MC4wLCJMaW5lVHlwZSI6MCwiUGFyZW50U3R5bGUiOm51bGx9LCJQYXJlbnRTdHlsZSI6bnVsbH0sIkRhdGVGb3JtYXQiOnsiJGlkIjoiMjI1IiwiRm9ybWF0U3RyaW5nIjoiTU1NIGQiLCJTZXBhcmF0b3IiOiIvIiwiVXNlSW50ZXJuYXRpb25hbERhdGVGb3JtYXQiOmZhbHNlLCJEYXRlSXNWaXNpYmxlIjp0cnVlLCJUaW1lSXNWaXNpYmxlIjpmYWxzZSwiSG91ckRpZ2l0cyI6MSwiQW1QbURlc2lnbmF0b3IiOjIsIlRyaW0wME1pbnV0ZXMiOmZhbHNlLCJMYXN0S25vd25WaXNpYmlsaXR5U3RhdGUiOm51bGx9LCJXZWVrTnVtYmVyaW5nIjp7IiRpZCI6IjIyNiIsIkZvcm1hdCI6MCwiSXNWaXNpYmxlIjpmYWxzZSwiTGFzdEtub3duVmlzaWJpbGl0eVN0YXRlIjpmYWxzZX0sIklzVmlzaWJsZSI6dHJ1ZSwiUGFyZW50U3R5bGUiOm51bGx9LCJJbmRleCI6MCwiU21hcnREdXJhdGlvbkFjdGl2YXRlZCI6ZmFsc2UsIkRhdGVGb3JtYXQiOnsiJHJlZiI6IjIyNSJ9LCJXZWVrTnVtYmVyaW5nIjp7IiRpZCI6IjIyNyIsIkZvcm1hdCI6MCwiSXNWaXNpYmxlIjpmYWxzZSwiTGFzdEtub3duVmlzaWJpbGl0eVN0YXRlIjpmYWxzZX0sIklkIjoiZWJjZTFjNTYtYzc2Mi00ZmY2LThkYWEtMDQ0ODM5NjAyMjY1IiwiSW1wb3J0SWQiOm51bGwsIlRpdGxlIjoiTGl0ZXJhdHVyZSByZXNlYXJjaCAmIGxpdC4gcmV2aWV3IHNrZWxldG9uIiwiTm90ZSI6bnVsbCwiSHlwZXJsaW5rIjp7IiRpZCI6IjIyOCIsIkFkZHJlc3MiOm51bGwsIlN1YkFkZHJlc3MiOm51bGx9LCJJc0NoYW5nZWQiOmZhbHNlLCJJc05ldyI6ZmFsc2V9LHsiJGlkIjoiMjI5IiwiR3JvdXBOYW1lIjpudWxsLCJTdGFydERhdGUiOiIyMDIyLTAzLTE4VDAwOjAwOjAwWiIsIkVuZERhdGUiOiIyMDIyLTAzLTI1VDIzOjU5OjAwWiIsIlBlcmNlbnRhZ2VDb21wbGV0ZSI6bnVsbCwiU3R5bGUiOnsiJGlkIjoiMjMwIiwiU2hhcGUiOjEsIlNoYXBlVGhpY2tuZXNzIjoxLCJEdXJhdGlvbkZvcm1hdCI6MCwiSW5jbHVkZU5vbldvcmtpbmdEYXlzSW5EdXJhdGlvbiI6ZmFsc2UsIlBlcmNlbnRhZ2VDb21wbGV0ZVN0eWxlIjp7IiRpZCI6IjIzMSIsIkZvbnRTZXR0aW5ncyI6eyIkaWQiOiIyMzIiLCJGb250U2l6ZSI6MTAsIkZvbnROYW1lIjoiQ2FsaWJyaSIsIklzQm9sZCI6ZmFsc2UsIklzSXRhbGljIjpmYWxzZSwiSXNVbmRlcmxpbmVkIjpmYWxzZSwiUGFyZW50U3R5bGUiOm51bGx9LCJBdXRvU2l6ZSI6MCwiRm9yZWdyb3VuZCI6eyIkaWQiOiIyMzMiLCJDb2xvciI6eyIkaWQiOiIyMzQiLCJBIjoyNTUsIlIiOjE5MiwiRyI6ODAsIkIiOjc3fX0sIk1heFdpZHRoIjoyMDAuMCwiTWF4SGVpZ2h0IjoiSW5maW5pdHkiLCJTbWFydEZvcmVncm91bmRJc0FjdGl2ZSI6ZmFsc2UsIkhvcml6b250YWxBbGlnbm1lbnQiOjAsIlZlcnRpY2FsQWxpZ25tZW50IjowLCJTbWFydEZvcmVncm91bmQiOm51bGwsIkJhY2tncm91bmRGaWxsVHlwZSI6MCwiTWFyZ2luIjp7IiRyZWYiOiIxMjEifSwiUGFkZGluZyI6eyIkcmVmIjoiMTIyIn0sIkJhY2tncm91bmQiOnsiJHJlZiI6IjEyMyJ9LCJJc1Zpc2libGUiOnRydWUsIldpZHRoIjowLjAsIkhlaWdodCI6MC4wLCJCb3JkZXJTdHlsZSI6eyIkaWQiOiIyMzUiLCJMaW5lQ29sb3IiOm51bGwsIkxpbmVXZWlnaHQiOjAuMCwiTGluZVR5cGUiOjAsIlBhcmVudFN0eWxlIjpudWxsfSwiUGFyZW50U3R5bGUiOm51bGx9LCJEdXJhdGlvblN0eWxlIjp7IiRpZCI6IjIzNiIsIkZvbnRTZXR0aW5ncyI6eyIkaWQiOiIyMzciLCJGb250U2l6ZSI6MTAsIkZvbnROYW1lIjoiQ2FsaWJyaSIsIklzQm9sZCI6ZmFsc2UsIklzSXRhbGljIjpmYWxzZSwiSXNVbmRlcmxpbmVkIjpmYWxzZSwiUGFyZW50U3R5bGUiOm51bGx9LCJBdXRvU2l6ZSI6MCwiRm9yZWdyb3VuZCI6eyIkaWQiOiIyMzgiLCJDb2xvciI6eyIkaWQiOiIyMzkiLCJBIjoyNTUsIlIiOjAsIkciOjAsIkIiOjB9fSwiTWF4V2lkdGgiOjIwMC4wLCJNYXhIZWlnaHQiOiJJbmZpbml0eSIsIlNtYXJ0Rm9yZWdyb3VuZElzQWN0aXZlIjpmYWxzZSwiSG9yaXpvbnRhbEFsaWdubWVudCI6MSwiVmVydGljYWxBbGlnbm1lbnQiOjAsIlNtYXJ0Rm9yZWdyb3VuZCI6bnVsbCwiQmFja2dyb3VuZEZpbGxUeXBlIjowLCJNYXJnaW4iOnsiJHJlZiI6IjEyOCJ9LCJQYWRkaW5nIjp7IiRyZWYiOiIxMjkifSwiQmFja2dyb3VuZCI6eyIkaWQiOiIyNDAiLCJDb2xvciI6eyIkaWQiOiIyNDEiLCJBIjowLCJSIjoyNTUsIkciOjI1NSwiQiI6MjU1fX0sIklzVmlzaWJsZSI6dHJ1ZSwiV2lkdGgiOjAuMCwiSGVpZ2h0IjowLjAsIkJvcmRlclN0eWxlIjp7IiRpZCI6IjI0MiIsIkxpbmVDb2xvciI6bnVsbCwiTGluZVdlaWdodCI6MC4wLCJMaW5lVHlwZSI6MCwiUGFyZW50U3R5bGUiOm51bGx9LCJQYXJlbnRTdHlsZSI6bnVsbH0sIkhvcml6b250YWxDb25uZWN0b3JTdHlsZSI6eyIkaWQiOiIyNDMiLCJMaW5lQ29sb3IiOnsiJHJlZiI6IjEzMiJ9LCJMaW5lV2VpZ2h0IjoxLjAsIkxpbmVUeXBlIjowLCJQYXJlbnRTdHlsZSI6bnVsbH0sIlZlcnRpY2FsQ29ubmVjdG9yU3R5bGUiOnsiJGlkIjoiMjQ0IiwiTGluZUNvbG9yIjp7IiRyZWYiOiIxMzUifSwiTGluZVdlaWdodCI6MC4wLCJMaW5lVHlwZSI6MCwiUGFyZW50U3R5bGUiOm51bGx9LCJNYXJnaW4iOm51bGwsIlN0YXJ0RGF0ZVBvc2l0aW9uIjo0LCJFbmREYXRlUG9zaXRpb24iOjQsIkRhdGVJc1Zpc2libGUiOnRydWUsIlRpdGxlUG9zaXRpb24iOjMsIkR1cmF0aW9uUG9zaXRpb24iOjIsIlBlcmNlbnRhZ2VDb21wbGV0ZWRQb3NpdGlvbiI6NiwiU3BhY2luZyI6NSwiSXNCZWxvd1RpbWViYW5kIjpmYWxzZSwiUGVyY2VudGFnZUNvbXBsZXRlU2hhcGVPcGFjaXR5IjozNSwiU2hhcGVTdHlsZSI6eyIkaWQiOiIyNDUiLCJNYXJnaW4iOnsiJHJlZiI6IjEzOCJ9LCJQYWRkaW5nIjp7IiRyZWYiOiIxMzkifSwiQmFja2dyb3VuZCI6eyIkaWQiOiIyNDYiLCJDb2xvciI6eyIkaWQiOiIyNDciLCJBIjoyNTUsIlIiOjEzOSwiRyI6MjE4LCJCIjoyMzN9fSwiSXNWaXNpYmxlIjp0cnVlLCJXaWR0aCI6MC4wLCJIZWlnaHQiOjE2LjAsIkJvcmRlclN0eWxlIjp7IiRpZCI6IjI0OCIsIkxpbmVDb2xvciI6eyIkaWQiOiIyNDkiLCIkdHlwZSI6Ik5MUkUuQ29tbW9uLkRvbS5Tb2xpZENvbG9yQnJ1c2gsIE5MUkUuQ29tbW9uIiwiQ29sb3IiOnsiJGlkIjoiMjUwIiwiQSI6MjU1LCJSIjoyNTUsIkciOjAsIkIiOjB9fSwiTGluZVdlaWdodCI6MC4wLCJMaW5lVHlwZSI6MCwiUGFyZW50U3R5bGUiOm51bGx9LCJQYXJlbnRTdHlsZSI6bnVsbH0sIlRpdGxlU3R5bGUiOnsiJGlkIjoiMjUxIiwiRm9udFNldHRpbmdzIjp7IiRpZCI6IjI1MiIsIkZvbnRTaXplIjoxMiwiRm9udE5hbWUiOiJDYWxpYnJpIiwiSXNCb2xkIjp0cnVlLCJJc0l0YWxpYyI6ZmFsc2UsIklzVW5kZXJsaW5lZCI6ZmFsc2UsIlBhcmVudFN0eWxlIjpudWxsfSwiQXV0b1NpemUiOjAsIkZvcmVncm91bmQiOnsiJGlkIjoiMjUzIiwiQ29sb3IiOnsiJGlkIjoiMjU0IiwiQSI6MjU1LCJSIjowLCJHIjowLCJCIjowfX0sIk1heFdpZHRoIjo3MjAuMCwiTWF4SGVpZ2h0IjoiSW5maW5pdHkiLCJTbWFydEZvcmVncm91bmRJc0FjdGl2ZSI6ZmFsc2UsIkhvcml6b250YWxBbGlnbm1lbnQiOjIsIlZlcnRpY2FsQWxpZ25tZW50IjowLCJTbWFydEZvcmVncm91bmQiOm51bGwsIkJhY2tncm91bmRGaWxsVHlwZSI6MCwiTWFyZ2luIjp7IiRyZWYiOiIxNDkifSwiUGFkZGluZyI6eyIkcmVmIjoiMTUwIn0sIkJhY2tncm91bmQiOnsiJGlkIjoiMjU1IiwiQ29sb3IiOnsiJGlkIjoiMjU2IiwiQSI6MCwiUiI6MjU1LCJHIjoyNTUsIkIiOjI1NX19LCJJc1Zpc2libGUiOnRydWUsIldpZHRoIjowLjAsIkhlaWdodCI6MC4wLCJCb3JkZXJTdHlsZSI6eyIkaWQiOiIyNTciLCJMaW5lQ29sb3IiOm51bGwsIkxpbmVXZWlnaHQiOjAuMCwiTGluZVR5cGUiOjAsIlBhcmVudFN0eWxlIjpudWxsfSwiUGFyZW50U3R5bGUiOm51bGx9LCJEYXRlU3R5bGUiOnsiJGlkIjoiMjU4IiwiRm9udFNldHRpbmdzIjp7IiRpZCI6IjI1OSIsIkZvbnRTaXplIjoxMCwiRm9udE5hbWUiOiJDYWxpYnJpIiwiSXNCb2xkIjpmYWxzZSwiSXNJdGFsaWMiOmZhbHNlLCJJc1VuZGVybGluZWQiOmZhbHNlLCJQYXJlbnRTdHlsZSI6bnVsbH0sIkF1dG9TaXplIjowLCJGb3JlZ3JvdW5kIjp7IiRpZCI6IjI2MCIsIkNvbG9yIjp7IiRpZCI6IjI2MSIsIkEiOjI1NSwiUiI6NjgsIkciOjg0LCJCIjoxMDZ9fSwiTWF4V2lkdGgiOjIwMC4wLCJNYXhIZWlnaHQiOiJJbmZpbml0eSIsIlNtYXJ0Rm9yZWdyb3VuZElzQWN0aXZlIjpmYWxzZSwiSG9yaXpvbnRhbEFsaWdubWVudCI6MCwiVmVydGljYWxBbGlnbm1lbnQiOjAsIlNtYXJ0Rm9yZWdyb3VuZCI6bnVsbCwiQmFja2dyb3VuZEZpbGxUeXBlIjowLCJNYXJnaW4iOnsiJHJlZiI6IjE1NiJ9LCJQYWRkaW5nIjp7IiRyZWYiOiIxNTcifSwiQmFja2dyb3VuZCI6eyIkaWQiOiIyNjIiLCJDb2xvciI6eyIkaWQiOiIyNjMiLCJBIjowLCJSIjoyNTUsIkciOjI1NSwiQiI6MjU1fX0sIklzVmlzaWJsZSI6dHJ1ZSwiV2lkdGgiOjAuMCwiSGVpZ2h0IjowLjAsIkJvcmRlclN0eWxlIjp7IiRpZCI6IjI2NCIsIkxpbmVDb2xvciI6bnVsbCwiTGluZVdlaWdodCI6MC4wLCJMaW5lVHlwZSI6MCwiUGFyZW50U3R5bGUiOm51bGx9LCJQYXJlbnRTdHlsZSI6bnVsbH0sIkRhdGVGb3JtYXQiOnsiJGlkIjoiMjY1IiwiRm9ybWF0U3RyaW5nIjoiTU1NIGQiLCJTZXBhcmF0b3IiOiIvIiwiVXNlSW50ZXJuYXRpb25hbERhdGVGb3JtYXQiOmZhbHNlLCJEYXRlSXNWaXNpYmxlIjp0cnVlLCJUaW1lSXNWaXNpYmxlIjpmYWxzZSwiSG91ckRpZ2l0cyI6MSwiQW1QbURlc2lnbmF0b3IiOjIsIlRyaW0wME1pbnV0ZXMiOmZhbHNlLCJMYXN0S25vd25WaXNpYmlsaXR5U3RhdGUiOm51bGx9LCJXZWVrTnVtYmVyaW5nIjp7IiRpZCI6IjI2NiIsIkZvcm1hdCI6MCwiSXNWaXNpYmxlIjpmYWxzZSwiTGFzdEtub3duVmlzaWJpbGl0eVN0YXRlIjpmYWxzZX0sIklzVmlzaWJsZSI6dHJ1ZSwiUGFyZW50U3R5bGUiOm51bGx9LCJJbmRleCI6MSwiU21hcnREdXJhdGlvbkFjdGl2YXRlZCI6ZmFsc2UsIkRhdGVGb3JtYXQiOnsiJHJlZiI6IjI2NSJ9LCJXZWVrTnVtYmVyaW5nIjp7IiRpZCI6IjI2NyIsIkZvcm1hdCI6MCwiSXNWaXNpYmxlIjpmYWxzZSwiTGFzdEtub3duVmlzaWJpbGl0eVN0YXRlIjpmYWxzZX0sIklkIjoiOTg5NzUzNGEtMGVhMi00NGViLWJlYWYtNDE0ZGJhZDk1NzkyIiwiSW1wb3J0SWQiOm51bGwsIlRpdGxlIjoiTGl0ZXJhdHVyZSByZXZpZXcgZHJhZnQiLCJOb3RlIjpudWxsLCJIeXBlcmxpbmsiOnsiJGlkIjoiMjY4IiwiQWRkcmVzcyI6IiIsIlN1YkFkZHJlc3MiOiIifSwiSXNDaGFuZ2VkIjpmYWxzZSwiSXNOZXciOmZhbHNlfSx7IiRpZCI6IjI2OSIsIkdyb3VwTmFtZSI6bnVsbCwiU3RhcnREYXRlIjoiMjAyMi0wMy0yOFQwMDowMDowMFoiLCJFbmREYXRlIjoiMjAyMi0wNC0wMVQyMzo1OTowMFoiLCJQZXJjZW50YWdlQ29tcGxldGUiOm51bGwsIlN0eWxlIjp7IiRpZCI6IjI3MCIsIlNoYXBlIjoxLCJTaGFwZVRoaWNrbmVzcyI6MSwiRHVyYXRpb25Gb3JtYXQiOjAsIkluY2x1ZGVOb25Xb3JraW5nRGF5c0luRHVyYXRpb24iOmZhbHNlLCJQZXJjZW50YWdlQ29tcGxldGVTdHlsZSI6eyIkaWQiOiIyNzEiLCJGb250U2V0dGluZ3MiOnsiJGlkIjoiMjcyIiwiRm9udFNpemUiOjEwLCJGb250TmFtZSI6IkNhbGlicmkiLCJJc0JvbGQiOmZhbHNlLCJJc0l0YWxpYyI6ZmFsc2UsIklzVW5kZXJsaW5lZCI6ZmFsc2UsIlBhcmVudFN0eWxlIjpudWxsfSwiQXV0b1NpemUiOjAsIkZvcmVncm91bmQiOnsiJGlkIjoiMjczIiwiQ29sb3IiOnsiJGlkIjoiMjc0IiwiQSI6MjU1LCJSIjoxOTIsIkciOjgwLCJCIjo3N319LCJNYXhXaWR0aCI6MjAwLjAsIk1heEhlaWdodCI6IkluZmluaXR5IiwiU21hcnRGb3JlZ3JvdW5kSXNBY3RpdmUiOmZhbHNlLCJIb3Jpem9udGFsQWxpZ25tZW50IjowLCJWZXJ0aWNhbEFsaWdubWVudCI6MCwiU21hcnRGb3JlZ3JvdW5kIjpudWxsLCJCYWNrZ3JvdW5kRmlsbFR5cGUiOjAsIk1hcmdpbiI6eyIkcmVmIjoiMTIxIn0sIlBhZGRpbmciOnsiJHJlZiI6IjEyMiJ9LCJCYWNrZ3JvdW5kIjp7IiRyZWYiOiIxMjMifSwiSXNWaXNpYmxlIjp0cnVlLCJXaWR0aCI6MC4wLCJIZWlnaHQiOjAuMCwiQm9yZGVyU3R5bGUiOnsiJGlkIjoiMjc1IiwiTGluZUNvbG9yIjpudWxsLCJMaW5lV2VpZ2h0IjowLjAsIkxpbmVUeXBlIjowLCJQYXJlbnRTdHlsZSI6bnVsbH0sIlBhcmVudFN0eWxlIjpudWxsfSwiRHVyYXRpb25TdHlsZSI6eyIkaWQiOiIyNzYiLCJGb250U2V0dGluZ3MiOnsiJGlkIjoiMjc3IiwiRm9udFNpemUiOjEwLCJGb250TmFtZSI6IkNhbGlicmkiLCJJc0JvbGQiOmZhbHNlLCJJc0l0YWxpYyI6ZmFsc2UsIklzVW5kZXJsaW5lZCI6ZmFsc2UsIlBhcmVudFN0eWxlIjpudWxsfSwiQXV0b1NpemUiOjAsIkZvcmVncm91bmQiOnsiJGlkIjoiMjc4IiwiQ29sb3IiOnsiJGlkIjoiMjc5IiwiQSI6MjU1LCJSIjowLCJHIjowLCJCIjowfX0sIk1heFdpZHRoIjoyMDAuMCwiTWF4SGVpZ2h0IjoiSW5maW5pdHkiLCJTbWFydEZvcmVncm91bmRJc0FjdGl2ZSI6ZmFsc2UsIkhvcml6b250YWxBbGlnbm1lbnQiOjEsIlZlcnRpY2FsQWxpZ25tZW50IjowLCJTbWFydEZvcmVncm91bmQiOm51bGwsIkJhY2tncm91bmRGaWxsVHlwZSI6MCwiTWFyZ2luIjp7IiRyZWYiOiIxMjgifSwiUGFkZGluZyI6eyIkcmVmIjoiMTI5In0sIkJhY2tncm91bmQiOnsiJGlkIjoiMjgwIiwiQ29sb3IiOnsiJGlkIjoiMjgxIiwiQSI6MCwiUiI6MjU1LCJHIjoyNTUsIkIiOjI1NX19LCJJc1Zpc2libGUiOnRydWUsIldpZHRoIjowLjAsIkhlaWdodCI6MC4wLCJCb3JkZXJTdHlsZSI6eyIkaWQiOiIyODIiLCJMaW5lQ29sb3IiOm51bGwsIkxpbmVXZWlnaHQiOjAuMCwiTGluZVR5cGUiOjAsIlBhcmVudFN0eWxlIjpudWxsfSwiUGFyZW50U3R5bGUiOm51bGx9LCJIb3Jpem9udGFsQ29ubmVjdG9yU3R5bGUiOnsiJGlkIjoiMjgzIiwiTGluZUNvbG9yIjp7IiRyZWYiOiIxMzIifSwiTGluZVdlaWdodCI6MS4wLCJMaW5lVHlwZSI6MCwiUGFyZW50U3R5bGUiOm51bGx9LCJWZXJ0aWNhbENvbm5lY3RvclN0eWxlIjp7IiRpZCI6IjI4NCIsIkxpbmVDb2xvciI6eyIkcmVmIjoiMTM1In0sIkxpbmVXZWlnaHQiOjAuMCwiTGluZVR5cGUiOjAsIlBhcmVudFN0eWxlIjpudWxsfSwiTWFyZ2luIjpudWxsLCJTdGFydERhdGVQb3NpdGlvbiI6NCwiRW5kRGF0ZVBvc2l0aW9uIjo0LCJEYXRlSXNWaXNpYmxlIjp0cnVlLCJUaXRsZVBvc2l0aW9uIjozLCJEdXJhdGlvblBvc2l0aW9uIjoyLCJQZXJjZW50YWdlQ29tcGxldGVkUG9zaXRpb24iOjYsIlNwYWNpbmciOjUsIklzQmVsb3dUaW1lYmFuZCI6ZmFsc2UsIlBlcmNlbnRhZ2VDb21wbGV0ZVNoYXBlT3BhY2l0eSI6MzUsIlNoYXBlU3R5bGUiOnsiJGlkIjoiMjg1IiwiTWFyZ2luIjp7IiRyZWYiOiIxMzgifSwiUGFkZGluZyI6eyIkcmVmIjoiMTM5In0sIkJhY2tncm91bmQiOnsiJGlkIjoiMjg2IiwiQ29sb3IiOnsiJGlkIjoiMjg3IiwiQSI6MjU1LCJSIjoxMzksIkciOjIxOCwiQiI6MjMzfX0sIklzVmlzaWJsZSI6dHJ1ZSwiV2lkdGgiOjAuMCwiSGVpZ2h0IjoxNi4wLCJCb3JkZXJTdHlsZSI6eyIkaWQiOiIyODgiLCJMaW5lQ29sb3IiOnsiJHJlZiI6IjI0OSJ9LCJMaW5lV2VpZ2h0IjowLjAsIkxpbmVUeXBlIjowLCJQYXJlbnRTdHlsZSI6bnVsbH0sIlBhcmVudFN0eWxlIjpudWxsfSwiVGl0bGVTdHlsZSI6eyIkaWQiOiIyODkiLCJGb250U2V0dGluZ3MiOnsiJGlkIjoiMjkwIiwiRm9udFNpemUiOjEyLCJGb250TmFtZSI6IkNhbGlicmkiLCJJc0JvbGQiOnRydWUsIklzSXRhbGljIjpmYWxzZSwiSXNVbmRlcmxpbmVkIjpmYWxzZSwiUGFyZW50U3R5bGUiOm51bGx9LCJBdXRvU2l6ZSI6MCwiRm9yZWdyb3VuZCI6eyIkaWQiOiIyOTEiLCJDb2xvciI6eyIkaWQiOiIyOTIiLCJBIjoyNTUsIlIiOjAsIkciOjAsIkIiOjB9fSwiTWF4V2lkdGgiOjcyMC4wLCJNYXhIZWlnaHQiOiJJbmZpbml0eSIsIlNtYXJ0Rm9yZWdyb3VuZElzQWN0aXZlIjpmYWxzZSwiSG9yaXpvbnRhbEFsaWdubWVudCI6MiwiVmVydGljYWxBbGlnbm1lbnQiOjAsIlNtYXJ0Rm9yZWdyb3VuZCI6bnVsbCwiQmFja2dyb3VuZEZpbGxUeXBlIjowLCJNYXJnaW4iOnsiJHJlZiI6IjE0OSJ9LCJQYWRkaW5nIjp7IiRyZWYiOiIxNTAifSwiQmFja2dyb3VuZCI6eyIkaWQiOiIyOTMiLCJDb2xvciI6eyIkaWQiOiIyOTQiLCJBIjowLCJSIjoyNTUsIkciOjI1NSwiQiI6MjU1fX0sIklzVmlzaWJsZSI6dHJ1ZSwiV2lkdGgiOjAuMCwiSGVpZ2h0IjowLjAsIkJvcmRlclN0eWxlIjp7IiRpZCI6IjI5NSIsIkxpbmVDb2xvciI6bnVsbCwiTGluZVdlaWdodCI6MC4wLCJMaW5lVHlwZSI6MCwiUGFyZW50U3R5bGUiOm51bGx9LCJQYXJlbnRTdHlsZSI6bnVsbH0sIkRhdGVTdHlsZSI6eyIkaWQiOiIyOTYiLCJGb250U2V0dGluZ3MiOnsiJGlkIjoiMjk3IiwiRm9udFNpemUiOjEwLCJGb250TmFtZSI6IkNhbGlicmkiLCJJc0JvbGQiOmZhbHNlLCJJc0l0YWxpYyI6ZmFsc2UsIklzVW5kZXJsaW5lZCI6ZmFsc2UsIlBhcmVudFN0eWxlIjpudWxsfSwiQXV0b1NpemUiOjAsIkZvcmVncm91bmQiOnsiJGlkIjoiMjk4IiwiQ29sb3IiOnsiJGlkIjoiMjk5IiwiQSI6MjU1LCJSIjo2OCwiRyI6ODQsIkIiOjEwNn19LCJNYXhXaWR0aCI6MjAwLjAsIk1heEhlaWdodCI6IkluZmluaXR5IiwiU21hcnRGb3JlZ3JvdW5kSXNBY3RpdmUiOmZhbHNlLCJIb3Jpem9udGFsQWxpZ25tZW50IjowLCJWZXJ0aWNhbEFsaWdubWVudCI6MCwiU21hcnRGb3JlZ3JvdW5kIjpudWxsLCJCYWNrZ3JvdW5kRmlsbFR5cGUiOjAsIk1hcmdpbiI6eyIkcmVmIjoiMTU2In0sIlBhZGRpbmciOnsiJHJlZiI6IjE1NyJ9LCJCYWNrZ3JvdW5kIjp7IiRpZCI6IjMwMCIsIkNvbG9yIjp7IiRpZCI6IjMwMSIsIkEiOjAsIlIiOjI1NSwiRyI6MjU1LCJCIjoyNTV9fSwiSXNWaXNpYmxlIjp0cnVlLCJXaWR0aCI6MC4wLCJIZWlnaHQiOjAuMCwiQm9yZGVyU3R5bGUiOnsiJGlkIjoiMzAyIiwiTGluZUNvbG9yIjpudWxsLCJMaW5lV2VpZ2h0IjowLjAsIkxpbmVUeXBlIjowLCJQYXJlbnRTdHlsZSI6bnVsbH0sIlBhcmVudFN0eWxlIjpudWxsfSwiRGF0ZUZvcm1hdCI6eyIkcmVmIjoiMjY1In0sIldlZWtOdW1iZXJpbmciOnsiJGlkIjoiMzAzIiwiRm9ybWF0IjowLCJJc1Zpc2libGUiOmZhbHNlLCJMYXN0S25vd25WaXNpYmlsaXR5U3RhdGUiOmZhbHNlfSwiSXNWaXNpYmxlIjp0cnVlLCJQYXJlbnRTdHlsZSI6bnVsbH0sIkluZGV4IjoyLCJTbWFydER1cmF0aW9uQWN0aXZhdGVkIjpmYWxzZSwiRGF0ZUZvcm1hdCI6eyIkcmVmIjoiMjY1In0sIldlZWtOdW1iZXJpbmciOnsiJGlkIjoiMzA0IiwiRm9ybWF0IjowLCJJc1Zpc2libGUiOmZhbHNlLCJMYXN0S25vd25WaXNpYmlsaXR5U3RhdGUiOmZhbHNlfSwiSWQiOiJkMTAwN2IzNC0wNDdjLTQ5NDctOGFhZC1iZGE2NGMzMTBhNmUiLCJJbXBvcnRJZCI6bnVsbCwiVGl0bGUiOiJGaW5hbCBsaXRlcmF0dXJlIHJldmlldyIsIk5vdGUiOm51bGwsIkh5cGVybGluayI6eyIkaWQiOiIzMDUiLCJBZGRyZXNzIjoiIiwiU3ViQWRkcmVzcyI6IiJ9LCJJc0NoYW5nZWQiOmZhbHNlLCJJc05ldyI6ZmFsc2V9LHsiJGlkIjoiMzA2IiwiR3JvdXBOYW1lIjpudWxsLCJTdGFydERhdGUiOiIyMDIyLTA0LTA0VDAwOjAwOjAwWiIsIkVuZERhdGUiOiIyMDIyLTA0LTEyVDIzOjU5OjAwWiIsIlBlcmNlbnRhZ2VDb21wbGV0ZSI6bnVsbCwiU3R5bGUiOnsiJGlkIjoiMzA3IiwiU2hhcGUiOjEsIlNoYXBlVGhpY2tuZXNzIjoxLCJEdXJhdGlvbkZvcm1hdCI6MCwiSW5jbHVkZU5vbldvcmtpbmdEYXlzSW5EdXJhdGlvbiI6ZmFsc2UsIlBlcmNlbnRhZ2VDb21wbGV0ZVN0eWxlIjp7IiRpZCI6IjMwOCIsIkZvbnRTZXR0aW5ncyI6eyIkaWQiOiIzMDkiLCJGb250U2l6ZSI6MTAsIkZvbnROYW1lIjoiQ2FsaWJyaSIsIklzQm9sZCI6ZmFsc2UsIklzSXRhbGljIjpmYWxzZSwiSXNVbmRlcmxpbmVkIjpmYWxzZSwiUGFyZW50U3R5bGUiOm51bGx9LCJBdXRvU2l6ZSI6MCwiRm9yZWdyb3VuZCI6eyIkaWQiOiIzMTAiLCJDb2xvciI6eyIkaWQiOiIzMTEiLCJBIjoyNTUsIlIiOjE5MiwiRyI6ODAsIkIiOjc3fX0sIk1heFdpZHRoIjoyMDAuMCwiTWF4SGVpZ2h0IjoiSW5maW5pdHkiLCJTbWFydEZvcmVncm91bmRJc0FjdGl2ZSI6ZmFsc2UsIkhvcml6b250YWxBbGlnbm1lbnQiOjAsIlZlcnRpY2FsQWxpZ25tZW50IjowLCJTbWFydEZvcmVncm91bmQiOm51bGwsIkJhY2tncm91bmRGaWxsVHlwZSI6MCwiTWFyZ2luIjp7IiRyZWYiOiIxMjEifSwiUGFkZGluZyI6eyIkcmVmIjoiMTIyIn0sIkJhY2tncm91bmQiOnsiJHJlZiI6IjEyMyJ9LCJJc1Zpc2libGUiOnRydWUsIldpZHRoIjowLjAsIkhlaWdodCI6MC4wLCJCb3JkZXJTdHlsZSI6eyIkaWQiOiIzMTIiLCJMaW5lQ29sb3IiOm51bGwsIkxpbmVXZWlnaHQiOjAuMCwiTGluZVR5cGUiOjAsIlBhcmVudFN0eWxlIjpudWxsfSwiUGFyZW50U3R5bGUiOm51bGx9LCJEdXJhdGlvblN0eWxlIjp7IiRpZCI6IjMxMyIsIkZvbnRTZXR0aW5ncyI6eyIkaWQiOiIzMTQiLCJGb250U2l6ZSI6MTAsIkZvbnROYW1lIjoiQ2FsaWJyaSIsIklzQm9sZCI6ZmFsc2UsIklzSXRhbGljIjpmYWxzZSwiSXNVbmRlcmxpbmVkIjpmYWxzZSwiUGFyZW50U3R5bGUiOm51bGx9LCJBdXRvU2l6ZSI6MCwiRm9yZWdyb3VuZCI6eyIkaWQiOiIzMTUiLCJDb2xvciI6eyIkaWQiOiIzMTYiLCJBIjoyNTUsIlIiOjAsIkciOjAsIkIiOjB9fSwiTWF4V2lkdGgiOjIwMC4wLCJNYXhIZWlnaHQiOiJJbmZpbml0eSIsIlNtYXJ0Rm9yZWdyb3VuZElzQWN0aXZlIjpmYWxzZSwiSG9yaXpvbnRhbEFsaWdubWVudCI6MSwiVmVydGljYWxBbGlnbm1lbnQiOjAsIlNtYXJ0Rm9yZWdyb3VuZCI6bnVsbCwiQmFja2dyb3VuZEZpbGxUeXBlIjowLCJNYXJnaW4iOnsiJHJlZiI6IjEyOCJ9LCJQYWRkaW5nIjp7IiRyZWYiOiIxMjkifSwiQmFja2dyb3VuZCI6eyIkaWQiOiIzMTciLCJDb2xvciI6eyIkaWQiOiIzMTgiLCJBIjowLCJSIjoyNTUsIkciOjI1NSwiQiI6MjU1fX0sIklzVmlzaWJsZSI6dHJ1ZSwiV2lkdGgiOjAuMCwiSGVpZ2h0IjowLjAsIkJvcmRlclN0eWxlIjp7IiRpZCI6IjMxOSIsIkxpbmVDb2xvciI6bnVsbCwiTGluZVdlaWdodCI6MC4wLCJMaW5lVHlwZSI6MCwiUGFyZW50U3R5bGUiOm51bGx9LCJQYXJlbnRTdHlsZSI6bnVsbH0sIkhvcml6b250YWxDb25uZWN0b3JTdHlsZSI6eyIkaWQiOiIzMjAiLCJMaW5lQ29sb3IiOnsiJHJlZiI6IjEzMiJ9LCJMaW5lV2VpZ2h0IjoxLjAsIkxpbmVUeXBlIjowLCJQYXJlbnRTdHlsZSI6bnVsbH0sIlZlcnRpY2FsQ29ubmVjdG9yU3R5bGUiOnsiJGlkIjoiMzIxIiwiTGluZUNvbG9yIjp7IiRyZWYiOiIxMzUifSwiTGluZVdlaWdodCI6MC4wLCJMaW5lVHlwZSI6MCwiUGFyZW50U3R5bGUiOm51bGx9LCJNYXJnaW4iOm51bGwsIlN0YXJ0RGF0ZVBvc2l0aW9uIjo0LCJFbmREYXRlUG9zaXRpb24iOjQsIkRhdGVJc1Zpc2libGUiOnRydWUsIlRpdGxlUG9zaXRpb24iOjMsIkR1cmF0aW9uUG9zaXRpb24iOjIsIlBlcmNlbnRhZ2VDb21wbGV0ZWRQb3NpdGlvbiI6NiwiU3BhY2luZyI6NSwiSXNCZWxvd1RpbWViYW5kIjpmYWxzZSwiUGVyY2VudGFnZUNvbXBsZXRlU2hhcGVPcGFjaXR5IjozNSwiU2hhcGVTdHlsZSI6eyIkaWQiOiIzMjIiLCJNYXJnaW4iOnsiJHJlZiI6IjEzOCJ9LCJQYWRkaW5nIjp7IiRyZWYiOiIxMzkifSwiQmFja2dyb3VuZCI6eyIkaWQiOiIzMjMiLCJDb2xvciI6eyIkaWQiOiIzMjQiLCJBIjoyNTUsIlIiOjE5MiwiRyI6MTU4LCJCIjoyMjZ9fSwiSXNWaXNpYmxlIjp0cnVlLCJXaWR0aCI6MC4wLCJIZWlnaHQiOjE2LjAsIkJvcmRlclN0eWxlIjp7IiRpZCI6IjMyNSIsIkxpbmVDb2xvciI6eyIkcmVmIjoiMjQ5In0sIkxpbmVXZWlnaHQiOjAuMCwiTGluZVR5cGUiOjAsIlBhcmVudFN0eWxlIjpudWxsfSwiUGFyZW50U3R5bGUiOm51bGx9LCJUaXRsZVN0eWxlIjp7IiRpZCI6IjMyNiIsIkZvbnRTZXR0aW5ncyI6eyIkaWQiOiIzMjciLCJGb250U2l6ZSI6MTIsIkZvbnROYW1lIjoiQ2FsaWJyaSIsIklzQm9sZCI6dHJ1ZSwiSXNJdGFsaWMiOmZhbHNlLCJJc1VuZGVybGluZWQiOmZhbHNlLCJQYXJlbnRTdHlsZSI6bnVsbH0sIkF1dG9TaXplIjowLCJGb3JlZ3JvdW5kIjp7IiRpZCI6IjMyOCIsIkNvbG9yIjp7IiRpZCI6IjMyOSIsIkEiOjI1NSwiUiI6MCwiRyI6MCwiQiI6MH19LCJNYXhXaWR0aCI6NzIwLjAsIk1heEhlaWdodCI6IkluZmluaXR5IiwiU21hcnRGb3JlZ3JvdW5kSXNBY3RpdmUiOmZhbHNlLCJIb3Jpem9udGFsQWxpZ25tZW50IjoyLCJWZXJ0aWNhbEFsaWdubWVudCI6MCwiU21hcnRGb3JlZ3JvdW5kIjpudWxsLCJCYWNrZ3JvdW5kRmlsbFR5cGUiOjAsIk1hcmdpbiI6eyIkcmVmIjoiMTQ5In0sIlBhZGRpbmciOnsiJHJlZiI6IjE1MCJ9LCJCYWNrZ3JvdW5kIjp7IiRpZCI6IjMzMCIsIkNvbG9yIjp7IiRpZCI6IjMzMSIsIkEiOjAsIlIiOjI1NSwiRyI6MjU1LCJCIjoyNTV9fSwiSXNWaXNpYmxlIjp0cnVlLCJXaWR0aCI6MC4wLCJIZWlnaHQiOjAuMCwiQm9yZGVyU3R5bGUiOnsiJGlkIjoiMzMyIiwiTGluZUNvbG9yIjpudWxsLCJMaW5lV2VpZ2h0IjowLjAsIkxpbmVUeXBlIjowLCJQYXJlbnRTdHlsZSI6bnVsbH0sIlBhcmVudFN0eWxlIjpudWxsfSwiRGF0ZVN0eWxlIjp7IiRpZCI6IjMzMyIsIkZvbnRTZXR0aW5ncyI6eyIkaWQiOiIzMzQiLCJGb250U2l6ZSI6MTAsIkZvbnROYW1lIjoiQ2FsaWJyaSIsIklzQm9sZCI6ZmFsc2UsIklzSXRhbGljIjpmYWxzZSwiSXNVbmRlcmxpbmVkIjpmYWxzZSwiUGFyZW50U3R5bGUiOm51bGx9LCJBdXRvU2l6ZSI6MCwiRm9yZWdyb3VuZCI6eyIkaWQiOiIzMzUiLCJDb2xvciI6eyIkaWQiOiIzMzYiLCJBIjoyNTUsIlIiOjY4LCJHIjo4NCwiQiI6MTA2fX0sIk1heFdpZHRoIjoyMDAuMCwiTWF4SGVpZ2h0IjoiSW5maW5pdHkiLCJTbWFydEZvcmVncm91bmRJc0FjdGl2ZSI6ZmFsc2UsIkhvcml6b250YWxBbGlnbm1lbnQiOjAsIlZlcnRpY2FsQWxpZ25tZW50IjowLCJTbWFydEZvcmVncm91bmQiOm51bGwsIkJhY2tncm91bmRGaWxsVHlwZSI6MCwiTWFyZ2luIjp7IiRyZWYiOiIxNTYifSwiUGFkZGluZyI6eyIkcmVmIjoiMTU3In0sIkJhY2tncm91bmQiOnsiJGlkIjoiMzM3IiwiQ29sb3IiOnsiJGlkIjoiMzM4IiwiQSI6MCwiUiI6MjU1LCJHIjoyNTUsIkIiOjI1NX19LCJJc1Zpc2libGUiOnRydWUsIldpZHRoIjowLjAsIkhlaWdodCI6MC4wLCJCb3JkZXJTdHlsZSI6eyIkaWQiOiIzMzkiLCJMaW5lQ29sb3IiOm51bGwsIkxpbmVXZWlnaHQiOjAuMCwiTGluZVR5cGUiOjAsIlBhcmVudFN0eWxlIjpudWxsfSwiUGFyZW50U3R5bGUiOm51bGx9LCJEYXRlRm9ybWF0Ijp7IiRyZWYiOiIyNjUifSwiV2Vla051bWJlcmluZyI6eyIkaWQiOiIzNDAiLCJGb3JtYXQiOjAsIklzVmlzaWJsZSI6ZmFsc2UsIkxhc3RLbm93blZpc2liaWxpdHlTdGF0ZSI6ZmFsc2V9LCJJc1Zpc2libGUiOnRydWUsIlBhcmVudFN0eWxlIjpudWxsfSwiSW5kZXgiOjMsIlNtYXJ0RHVyYXRpb25BY3RpdmF0ZWQiOmZhbHNlLCJEYXRlRm9ybWF0Ijp7IiRyZWYiOiIyNjUifSwiV2Vla051bWJlcmluZyI6eyIkaWQiOiIzNDEiLCJGb3JtYXQiOjAsIklzVmlzaWJsZSI6ZmFsc2UsIkxhc3RLbm93blZpc2liaWxpdHlTdGF0ZSI6ZmFsc2V9LCJJZCI6IjkzZWUxNTBjLTlkN2ItNGVlMC1iODFkLTc3MmQ4MjFiZjgwYiIsIkltcG9ydElkIjpudWxsLCJUaXRsZSI6IkZpbmQgZXhhbXBsZSBSUkJTIGRhdGEgc2V0IiwiTm90ZSI6bnVsbCwiSHlwZXJsaW5rIjp7IiRpZCI6IjM0MiIsIkFkZHJlc3MiOiIiLCJTdWJBZGRyZXNzIjoiIn0sIklzQ2hhbmdlZCI6ZmFsc2UsIklzTmV3IjpmYWxzZX0seyIkaWQiOiIzNDMiLCJHcm91cE5hbWUiOm51bGwsIlN0YXJ0RGF0ZSI6IjIwMjItMDQtMTFUMDA6MDA6MDBaIiwiRW5kRGF0ZSI6IjIwMjItMDQtMTRUMjM6NTk6MDBaIiwiUGVyY2VudGFnZUNvbXBsZXRlIjpudWxsLCJTdHlsZSI6eyIkaWQiOiIzNDQiLCJTaGFwZSI6MSwiU2hhcGVUaGlja25lc3MiOjEsIkR1cmF0aW9uRm9ybWF0IjowLCJJbmNsdWRlTm9uV29ya2luZ0RheXNJbkR1cmF0aW9uIjpmYWxzZSwiUGVyY2VudGFnZUNvbXBsZXRlU3R5bGUiOnsiJGlkIjoiMzQ1IiwiRm9udFNldHRpbmdzIjp7IiRpZCI6IjM0NiIsIkZvbnRTaXplIjoxMCwiRm9udE5hbWUiOiJDYWxpYnJpIiwiSXNCb2xkIjpmYWxzZSwiSXNJdGFsaWMiOmZhbHNlLCJJc1VuZGVybGluZWQiOmZhbHNlLCJQYXJlbnRTdHlsZSI6bnVsbH0sIkF1dG9TaXplIjowLCJGb3JlZ3JvdW5kIjp7IiRpZCI6IjM0NyIsIkNvbG9yIjp7IiRpZCI6IjM0OCIsIkEiOjI1NSwiUiI6MTkyLCJHIjo4MCwiQiI6Nzd9fSwiTWF4V2lkdGgiOjIwMC4wLCJNYXhIZWlnaHQiOiJJbmZpbml0eSIsIlNtYXJ0Rm9yZWdyb3VuZElzQWN0aXZlIjpmYWxzZSwiSG9yaXpvbnRhbEFsaWdubWVudCI6MCwiVmVydGljYWxBbGlnbm1lbnQiOjAsIlNtYXJ0Rm9yZWdyb3VuZCI6bnVsbCwiQmFja2dyb3VuZEZpbGxUeXBlIjowLCJNYXJnaW4iOnsiJHJlZiI6IjEyMSJ9LCJQYWRkaW5nIjp7IiRyZWYiOiIxMjIifSwiQmFja2dyb3VuZCI6eyIkcmVmIjoiMTIzIn0sIklzVmlzaWJsZSI6dHJ1ZSwiV2lkdGgiOjAuMCwiSGVpZ2h0IjowLjAsIkJvcmRlclN0eWxlIjp7IiRpZCI6IjM0OSIsIkxpbmVDb2xvciI6bnVsbCwiTGluZVdlaWdodCI6MC4wLCJMaW5lVHlwZSI6MCwiUGFyZW50U3R5bGUiOm51bGx9LCJQYXJlbnRTdHlsZSI6bnVsbH0sIkR1cmF0aW9uU3R5bGUiOnsiJGlkIjoiMzUwIiwiRm9udFNldHRpbmdzIjp7IiRpZCI6IjM1MSIsIkZvbnRTaXplIjoxMCwiRm9udE5hbWUiOiJDYWxpYnJpIiwiSXNCb2xkIjpmYWxzZSwiSXNJdGFsaWMiOmZhbHNlLCJJc1VuZGVybGluZWQiOmZhbHNlLCJQYXJlbnRTdHlsZSI6bnVsbH0sIkF1dG9TaXplIjowLCJGb3JlZ3JvdW5kIjp7IiRpZCI6IjM1MiIsIkNvbG9yIjp7IiRpZCI6IjM1MyIsIkEiOjI1NSwiUiI6MCwiRyI6MCwiQiI6MH19LCJNYXhXaWR0aCI6MjAwLjAsIk1heEhlaWdodCI6IkluZmluaXR5IiwiU21hcnRGb3JlZ3JvdW5kSXNBY3RpdmUiOmZhbHNlLCJIb3Jpem9udGFsQWxpZ25tZW50IjoxLCJWZXJ0aWNhbEFsaWdubWVudCI6MCwiU21hcnRGb3JlZ3JvdW5kIjpudWxsLCJCYWNrZ3JvdW5kRmlsbFR5cGUiOjAsIk1hcmdpbiI6eyIkcmVmIjoiMTI4In0sIlBhZGRpbmciOnsiJHJlZiI6IjEyOSJ9LCJCYWNrZ3JvdW5kIjp7IiRpZCI6IjM1NCIsIkNvbG9yIjp7IiRpZCI6IjM1NSIsIkEiOjAsIlIiOjI1NSwiRyI6MjU1LCJCIjoyNTV9fSwiSXNWaXNpYmxlIjp0cnVlLCJXaWR0aCI6MC4wLCJIZWlnaHQiOjAuMCwiQm9yZGVyU3R5bGUiOnsiJGlkIjoiMzU2IiwiTGluZUNvbG9yIjpudWxsLCJMaW5lV2VpZ2h0IjowLjAsIkxpbmVUeXBlIjowLCJQYXJlbnRTdHlsZSI6bnVsbH0sIlBhcmVudFN0eWxlIjpudWxsfSwiSG9yaXpvbnRhbENvbm5lY3RvclN0eWxlIjp7IiRpZCI6IjM1NyIsIkxpbmVDb2xvciI6eyIkcmVmIjoiMTMyIn0sIkxpbmVXZWlnaHQiOjEuMCwiTGluZVR5cGUiOjAsIlBhcmVudFN0eWxlIjpudWxsfSwiVmVydGljYWxDb25uZWN0b3JTdHlsZSI6eyIkaWQiOiIzNTgiLCJMaW5lQ29sb3IiOnsiJHJlZiI6IjEzNSJ9LCJMaW5lV2VpZ2h0IjowLjAsIkxpbmVUeXBlIjowLCJQYXJlbnRTdHlsZSI6bnVsbH0sIk1hcmdpbiI6bnVsbCwiU3RhcnREYXRlUG9zaXRpb24iOjQsIkVuZERhdGVQb3NpdGlvbiI6NCwiRGF0ZUlzVmlzaWJsZSI6dHJ1ZSwiVGl0bGVQb3NpdGlvbiI6MywiRHVyYXRpb25Qb3NpdGlvbiI6MiwiUGVyY2VudGFnZUNvbXBsZXRlZFBvc2l0aW9uIjo2LCJTcGFjaW5nIjo1LCJJc0JlbG93VGltZWJhbmQiOmZhbHNlLCJQZXJjZW50YWdlQ29tcGxldGVTaGFwZU9wYWNpdHkiOjM1LCJTaGFwZVN0eWxlIjp7IiRpZCI6IjM1OSIsIk1hcmdpbiI6eyIkcmVmIjoiMTM4In0sIlBhZGRpbmciOnsiJHJlZiI6IjEzOSJ9LCJCYWNrZ3JvdW5kIjp7IiRpZCI6IjM2MCIsIkNvbG9yIjp7IiRpZCI6IjM2MSIsIkEiOjI1NSwiUiI6MTkyLCJHIjoxNTgsIkIiOjIyNn19LCJJc1Zpc2libGUiOnRydWUsIldpZHRoIjowLjAsIkhlaWdodCI6MTYuMCwiQm9yZGVyU3R5bGUiOnsiJGlkIjoiMzYyIiwiTGluZUNvbG9yIjp7IiRyZWYiOiIyNDkifSwiTGluZVdlaWdodCI6MC4wLCJMaW5lVHlwZSI6MCwiUGFyZW50U3R5bGUiOm51bGx9LCJQYXJlbnRTdHlsZSI6bnVsbH0sIlRpdGxlU3R5bGUiOnsiJGlkIjoiMzYzIiwiRm9udFNldHRpbmdzIjp7IiRpZCI6IjM2NCIsIkZvbnRTaXplIjoxMiwiRm9udE5hbWUiOiJDYWxpYnJpIiwiSXNCb2xkIjp0cnVlLCJJc0l0YWxpYyI6ZmFsc2UsIklzVW5kZXJsaW5lZCI6ZmFsc2UsIlBhcmVudFN0eWxlIjpudWxsfSwiQXV0b1NpemUiOjAsIkZvcmVncm91bmQiOnsiJGlkIjoiMzY1IiwiQ29sb3IiOnsiJGlkIjoiMzY2IiwiQSI6MjU1LCJSIjowLCJHIjowLCJCIjowfX0sIk1heFdpZHRoIjo3MjAuMCwiTWF4SGVpZ2h0IjoiSW5maW5pdHkiLCJTbWFydEZvcmVncm91bmRJc0FjdGl2ZSI6ZmFsc2UsIkhvcml6b250YWxBbGlnbm1lbnQiOjIsIlZlcnRpY2FsQWxpZ25tZW50IjowLCJTbWFydEZvcmVncm91bmQiOm51bGwsIkJhY2tncm91bmRGaWxsVHlwZSI6MCwiTWFyZ2luIjp7IiRyZWYiOiIxNDkifSwiUGFkZGluZyI6eyIkcmVmIjoiMTUwIn0sIkJhY2tncm91bmQiOnsiJGlkIjoiMzY3IiwiQ29sb3IiOnsiJGlkIjoiMzY4IiwiQSI6MCwiUiI6MjU1LCJHIjoyNTUsIkIiOjI1NX19LCJJc1Zpc2libGUiOnRydWUsIldpZHRoIjowLjAsIkhlaWdodCI6MC4wLCJCb3JkZXJTdHlsZSI6eyIkaWQiOiIzNjkiLCJMaW5lQ29sb3IiOm51bGwsIkxpbmVXZWlnaHQiOjAuMCwiTGluZVR5cGUiOjAsIlBhcmVudFN0eWxlIjpudWxsfSwiUGFyZW50U3R5bGUiOm51bGx9LCJEYXRlU3R5bGUiOnsiJGlkIjoiMzcwIiwiRm9udFNldHRpbmdzIjp7IiRpZCI6IjM3MSIsIkZvbnRTaXplIjoxMCwiRm9udE5hbWUiOiJDYWxpYnJpIiwiSXNCb2xkIjpmYWxzZSwiSXNJdGFsaWMiOmZhbHNlLCJJc1VuZGVybGluZWQiOmZhbHNlLCJQYXJlbnRTdHlsZSI6bnVsbH0sIkF1dG9TaXplIjowLCJGb3JlZ3JvdW5kIjp7IiRpZCI6IjM3MiIsIkNvbG9yIjp7IiRpZCI6IjM3MyIsIkEiOjI1NSwiUiI6NjgsIkciOjg0LCJCIjoxMDZ9fSwiTWF4V2lkdGgiOjIwMC4wLCJNYXhIZWlnaHQiOiJJbmZpbml0eSIsIlNtYXJ0Rm9yZWdyb3VuZElzQWN0aXZlIjpmYWxzZSwiSG9yaXpvbnRhbEFsaWdubWVudCI6MCwiVmVydGljYWxBbGlnbm1lbnQiOjAsIlNtYXJ0Rm9yZWdyb3VuZCI6bnVsbCwiQmFja2dyb3VuZEZpbGxUeXBlIjowLCJNYXJnaW4iOnsiJHJlZiI6IjE1NiJ9LCJQYWRkaW5nIjp7IiRyZWYiOiIxNTcifSwiQmFja2dyb3VuZCI6eyIkaWQiOiIzNzQiLCJDb2xvciI6eyIkaWQiOiIzNzUiLCJBIjowLCJSIjoyNTUsIkciOjI1NSwiQiI6MjU1fX0sIklzVmlzaWJsZSI6dHJ1ZSwiV2lkdGgiOjAuMCwiSGVpZ2h0IjowLjAsIkJvcmRlclN0eWxlIjp7IiRpZCI6IjM3NiIsIkxpbmVDb2xvciI6bnVsbCwiTGluZVdlaWdodCI6MC4wLCJMaW5lVHlwZSI6MCwiUGFyZW50U3R5bGUiOm51bGx9LCJQYXJlbnRTdHlsZSI6bnVsbH0sIkRhdGVGb3JtYXQiOnsiJHJlZiI6IjI2NSJ9LCJXZWVrTnVtYmVyaW5nIjp7IiRpZCI6IjM3NyIsIkZvcm1hdCI6MCwiSXNWaXNpYmxlIjpmYWxzZSwiTGFzdEtub3duVmlzaWJpbGl0eVN0YXRlIjpmYWxzZX0sIklzVmlzaWJsZSI6dHJ1ZSwiUGFyZW50U3R5bGUiOm51bGx9LCJJbmRleCI6NCwiU21hcnREdXJhdGlvbkFjdGl2YXRlZCI6ZmFsc2UsIkRhdGVGb3JtYXQiOnsiJHJlZiI6IjI2NSJ9LCJXZWVrTnVtYmVyaW5nIjp7IiRpZCI6IjM3OCIsIkZvcm1hdCI6MCwiSXNWaXNpYmxlIjpmYWxzZSwiTGFzdEtub3duVmlzaWJpbGl0eVN0YXRlIjpmYWxzZX0sIklkIjoiNTU1NjMyZjQtZDg3OC00ZThjLWI4YjQtZmM5ZGFkY2NhYjhlIiwiSW1wb3J0SWQiOm51bGwsIlRpdGxlIjoiSW1wbGVtZW50IGRpZmZlcmVudCBjbGFzc2lmaWVycyBhbmQgdGVzdCBvbiBkYXRhIiwiTm90ZSI6bnVsbCwiSHlwZXJsaW5rIjp7IiRpZCI6IjM3OSIsIkFkZHJlc3MiOiIiLCJTdWJBZGRyZXNzIjoiIn0sIklzQ2hhbmdlZCI6ZmFsc2UsIklzTmV3IjpmYWxzZX0seyIkaWQiOiIzODAiLCJHcm91cE5hbWUiOm51bGwsIlN0YXJ0RGF0ZSI6IjIwMjItMDQtMTNUMDA6MDA6MDBaIiwiRW5kRGF0ZSI6IjIwMjItMDQtMTlUMjM6NTk6MDBaIiwiUGVyY2VudGFnZUNvbXBsZXRlIjpudWxsLCJTdHlsZSI6eyIkaWQiOiIzODEiLCJTaGFwZSI6MSwiU2hhcGVUaGlja25lc3MiOjEsIkR1cmF0aW9uRm9ybWF0IjowLCJJbmNsdWRlTm9uV29ya2luZ0RheXNJbkR1cmF0aW9uIjpmYWxzZSwiUGVyY2VudGFnZUNvbXBsZXRlU3R5bGUiOnsiJGlkIjoiMzgyIiwiRm9udFNldHRpbmdzIjp7IiRpZCI6IjM4MyIsIkZvbnRTaXplIjoxMCwiRm9udE5hbWUiOiJDYWxpYnJpIiwiSXNCb2xkIjpmYWxzZSwiSXNJdGFsaWMiOmZhbHNlLCJJc1VuZGVybGluZWQiOmZhbHNlLCJQYXJlbnRTdHlsZSI6bnVsbH0sIkF1dG9TaXplIjowLCJGb3JlZ3JvdW5kIjp7IiRyZWYiOiIzNDcifSwiTWF4V2lkdGgiOjIwMC4wLCJNYXhIZWlnaHQiOiJJbmZpbml0eSIsIlNtYXJ0Rm9yZWdyb3VuZElzQWN0aXZlIjpmYWxzZSwiSG9yaXpvbnRhbEFsaWdubWVudCI6MCwiVmVydGljYWxBbGlnbm1lbnQiOjAsIlNtYXJ0Rm9yZWdyb3VuZCI6bnVsbCwiQmFja2dyb3VuZEZpbGxUeXBlIjowLCJNYXJnaW4iOnsiJHJlZiI6IjEyMSJ9LCJQYWRkaW5nIjp7IiRyZWYiOiIxMjIifSwiQmFja2dyb3VuZCI6eyIkcmVmIjoiMTIzIn0sIklzVmlzaWJsZSI6dHJ1ZSwiV2lkdGgiOjAuMCwiSGVpZ2h0IjowLjAsIkJvcmRlclN0eWxlIjp7IiRpZCI6IjM4NCIsIkxpbmVDb2xvciI6bnVsbCwiTGluZVdlaWdodCI6MC4wLCJMaW5lVHlwZSI6MCwiUGFyZW50U3R5bGUiOm51bGx9LCJQYXJlbnRTdHlsZSI6bnVsbH0sIkR1cmF0aW9uU3R5bGUiOnsiJGlkIjoiMzg1IiwiRm9udFNldHRpbmdzIjp7IiRpZCI6IjM4NiIsIkZvbnRTaXplIjoxMCwiRm9udE5hbWUiOiJDYWxpYnJpIiwiSXNCb2xkIjpmYWxzZSwiSXNJdGFsaWMiOmZhbHNlLCJJc1VuZGVybGluZWQiOmZhbHNlLCJQYXJlbnRTdHlsZSI6bnVsbH0sIkF1dG9TaXplIjowLCJGb3JlZ3JvdW5kIjp7IiRpZCI6IjM4NyIsIkNvbG9yIjp7IiRpZCI6IjM4OCIsIkEiOjI1NSwiUiI6MCwiRyI6MCwiQiI6MH19LCJNYXhXaWR0aCI6MjAwLjAsIk1heEhlaWdodCI6IkluZmluaXR5IiwiU21hcnRGb3JlZ3JvdW5kSXNBY3RpdmUiOmZhbHNlLCJIb3Jpem9udGFsQWxpZ25tZW50IjoxLCJWZXJ0aWNhbEFsaWdubWVudCI6MCwiU21hcnRGb3JlZ3JvdW5kIjpudWxsLCJCYWNrZ3JvdW5kRmlsbFR5cGUiOjAsIk1hcmdpbiI6eyIkcmVmIjoiMTI4In0sIlBhZGRpbmciOnsiJHJlZiI6IjEyOSJ9LCJCYWNrZ3JvdW5kIjp7IiRpZCI6IjM4OSIsIkNvbG9yIjp7IiRpZCI6IjM5MCIsIkEiOjAsIlIiOjI1NSwiRyI6MjU1LCJCIjoyNTV9fSwiSXNWaXNpYmxlIjp0cnVlLCJXaWR0aCI6MC4wLCJIZWlnaHQiOjAuMCwiQm9yZGVyU3R5bGUiOnsiJGlkIjoiMzkxIiwiTGluZUNvbG9yIjpudWxsLCJMaW5lV2VpZ2h0IjowLjAsIkxpbmVUeXBlIjowLCJQYXJlbnRTdHlsZSI6bnVsbH0sIlBhcmVudFN0eWxlIjpudWxsfSwiSG9yaXpvbnRhbENvbm5lY3RvclN0eWxlIjp7IiRpZCI6IjM5MiIsIkxpbmVDb2xvciI6eyIkcmVmIjoiMTMyIn0sIkxpbmVXZWlnaHQiOjEuMCwiTGluZVR5cGUiOjAsIlBhcmVudFN0eWxlIjpudWxsfSwiVmVydGljYWxDb25uZWN0b3JTdHlsZSI6eyIkaWQiOiIzOTMiLCJMaW5lQ29sb3IiOnsiJHJlZiI6IjEzNSJ9LCJMaW5lV2VpZ2h0IjowLjAsIkxpbmVUeXBlIjowLCJQYXJlbnRTdHlsZSI6bnVsbH0sIk1hcmdpbiI6bnVsbCwiU3RhcnREYXRlUG9zaXRpb24iOjQsIkVuZERhdGVQb3NpdGlvbiI6NCwiRGF0ZUlzVmlzaWJsZSI6dHJ1ZSwiVGl0bGVQb3NpdGlvbiI6MywiRHVyYXRpb25Qb3NpdGlvbiI6MiwiUGVyY2VudGFnZUNvbXBsZXRlZFBvc2l0aW9uIjo2LCJTcGFjaW5nIjo1LCJJc0JlbG93VGltZWJhbmQiOmZhbHNlLCJQZXJjZW50YWdlQ29tcGxldGVTaGFwZU9wYWNpdHkiOjM1LCJTaGFwZVN0eWxlIjp7IiRpZCI6IjM5NCIsIk1hcmdpbiI6eyIkcmVmIjoiMTM4In0sIlBhZGRpbmciOnsiJHJlZiI6IjEzOSJ9LCJCYWNrZ3JvdW5kIjp7IiRpZCI6IjM5NSIsIkNvbG9yIjp7IiRpZCI6IjM5NiIsIkEiOjI1NSwiUiI6MTM5LCJHIjoyMTgsIkIiOjIzM319LCJJc1Zpc2libGUiOnRydWUsIldpZHRoIjowLjAsIkhlaWdodCI6MTYuMCwiQm9yZGVyU3R5bGUiOnsiJGlkIjoiMzk3IiwiTGluZUNvbG9yIjp7IiRpZCI6IjM5OCIsIiR0eXBlIjoiTkxSRS5Db21tb24uRG9tLlNvbGlkQ29sb3JCcnVzaCwgTkxSRS5Db21tb24iLCJDb2xvciI6eyIkaWQiOiIzOTkiLCJBIjoyNTUsIlIiOjI1NSwiRyI6MCwiQiI6MH19LCJMaW5lV2VpZ2h0IjowLjAsIkxpbmVUeXBlIjowLCJQYXJlbnRTdHlsZSI6bnVsbH0sIlBhcmVudFN0eWxlIjpudWxsfSwiVGl0bGVTdHlsZSI6eyIkaWQiOiI0MDAiLCJGb250U2V0dGluZ3MiOnsiJGlkIjoiNDAxIiwiRm9udFNpemUiOjEyLCJGb250TmFtZSI6IkNhbGlicmkiLCJJc0JvbGQiOnRydWUsIklzSXRhbGljIjpmYWxzZSwiSXNVbmRlcmxpbmVkIjpmYWxzZSwiUGFyZW50U3R5bGUiOm51bGx9LCJBdXRvU2l6ZSI6MCwiRm9yZWdyb3VuZCI6eyIkaWQiOiI0MDIiLCJDb2xvciI6eyIkaWQiOiI0MDMiLCJBIjoyNTUsIlIiOjAsIkciOjAsIkIiOjB9fSwiTWF4V2lkdGgiOjcyMC4wLCJNYXhIZWlnaHQiOiJJbmZpbml0eSIsIlNtYXJ0Rm9yZWdyb3VuZElzQWN0aXZlIjpmYWxzZSwiSG9yaXpvbnRhbEFsaWdubWVudCI6MiwiVmVydGljYWxBbGlnbm1lbnQiOjAsIlNtYXJ0Rm9yZWdyb3VuZCI6bnVsbCwiQmFja2dyb3VuZEZpbGxUeXBlIjowLCJNYXJnaW4iOnsiJHJlZiI6IjE0OSJ9LCJQYWRkaW5nIjp7IiRyZWYiOiIxNTAifSwiQmFja2dyb3VuZCI6eyIkaWQiOiI0MDQiLCJDb2xvciI6eyIkaWQiOiI0MDUiLCJBIjowLCJSIjoyNTUsIkciOjI1NSwiQiI6MjU1fX0sIklzVmlzaWJsZSI6dHJ1ZSwiV2lkdGgiOjAuMCwiSGVpZ2h0IjowLjAsIkJvcmRlclN0eWxlIjp7IiRpZCI6IjQwNiIsIkxpbmVDb2xvciI6bnVsbCwiTGluZVdlaWdodCI6MC4wLCJMaW5lVHlwZSI6MCwiUGFyZW50U3R5bGUiOm51bGx9LCJQYXJlbnRTdHlsZSI6bnVsbH0sIkRhdGVTdHlsZSI6eyIkaWQiOiI0MDciLCJGb250U2V0dGluZ3MiOnsiJGlkIjoiNDA4IiwiRm9udFNpemUiOjEwLCJGb250TmFtZSI6IkNhbGlicmkiLCJJc0JvbGQiOmZhbHNlLCJJc0l0YWxpYyI6ZmFsc2UsIklzVW5kZXJsaW5lZCI6ZmFsc2UsIlBhcmVudFN0eWxlIjpudWxsfSwiQXV0b1NpemUiOjAsIkZvcmVncm91bmQiOnsiJGlkIjoiNDA5IiwiQ29sb3IiOnsiJGlkIjoiNDEwIiwiQSI6MjU1LCJSIjo2OCwiRyI6ODQsIkIiOjEwNn19LCJNYXhXaWR0aCI6MjAwLjAsIk1heEhlaWdodCI6IkluZmluaXR5IiwiU21hcnRGb3JlZ3JvdW5kSXNBY3RpdmUiOmZhbHNlLCJIb3Jpem9udGFsQWxpZ25tZW50IjowLCJWZXJ0aWNhbEFsaWdubWVudCI6MCwiU21hcnRGb3JlZ3JvdW5kIjpudWxsLCJCYWNrZ3JvdW5kRmlsbFR5cGUiOjAsIk1hcmdpbiI6eyIkcmVmIjoiMTU2In0sIlBhZGRpbmciOnsiJHJlZiI6IjE1NyJ9LCJCYWNrZ3JvdW5kIjp7IiRpZCI6IjQxMSIsIkNvbG9yIjp7IiRpZCI6IjQxMiIsIkEiOjAsIlIiOjI1NSwiRyI6MjU1LCJCIjoyNTV9fSwiSXNWaXNpYmxlIjp0cnVlLCJXaWR0aCI6MC4wLCJIZWlnaHQiOjAuMCwiQm9yZGVyU3R5bGUiOnsiJGlkIjoiNDEzIiwiTGluZUNvbG9yIjpudWxsLCJMaW5lV2VpZ2h0IjowLjAsIkxpbmVUeXBlIjowLCJQYXJlbnRTdHlsZSI6bnVsbH0sIlBhcmVudFN0eWxlIjpudWxsfSwiRGF0ZUZvcm1hdCI6eyIkaWQiOiI0MTQiLCJGb3JtYXRTdHJpbmciOiJNTU0gZCIsIlNlcGFyYXRvciI6Ii8iLCJVc2VJbnRlcm5hdGlvbmFsRGF0ZUZvcm1hdCI6ZmFsc2UsIkRhdGVJc1Zpc2libGUiOnRydWUsIlRpbWVJc1Zpc2libGUiOmZhbHNlLCJIb3VyRGlnaXRzIjoxLCJBbVBtRGVzaWduYXRvciI6MiwiVHJpbTAwTWludXRlcyI6ZmFsc2UsIkxhc3RLbm93blZpc2liaWxpdHlTdGF0ZSI6bnVsbH0sIldlZWtOdW1iZXJpbmciOnsiJGlkIjoiNDE1IiwiRm9ybWF0IjowLCJJc1Zpc2libGUiOmZhbHNlLCJMYXN0S25vd25WaXNpYmlsaXR5U3RhdGUiOmZhbHNlfSwiSXNWaXNpYmxlIjp0cnVlLCJQYXJlbnRTdHlsZSI6bnVsbH0sIkluZGV4Ijo1LCJTbWFydER1cmF0aW9uQWN0aXZhdGVkIjpmYWxzZSwiRGF0ZUZvcm1hdCI6eyIkcmVmIjoiNDE0In0sIldlZWtOdW1iZXJpbmciOnsiJGlkIjoiNDE2IiwiRm9ybWF0IjowLCJJc1Zpc2libGUiOmZhbHNlLCJMYXN0S25vd25WaXNpYmlsaXR5U3RhdGUiOmZhbHNlfSwiSWQiOiJjMjFmOGM4MC0xZGQ0LTQ3NDktOTY0Mi0xZWJkZmFhOGUxN2IiLCJJbXBvcnRJZCI6bnVsbCwiVGl0bGUiOiJUcmFuZm9ybSBsaXQuIHJldmlldyB0byBpbnRybyBmb3IgZGlzc2VydGF0aW9uIiwiTm90ZSI6bnVsbCwiSHlwZXJsaW5rIjp7IiRpZCI6IjQxNyIsIkFkZHJlc3MiOiIiLCJTdWJBZGRyZXNzIjoiIn0sIklzQ2hhbmdlZCI6ZmFsc2UsIklzTmV3IjpmYWxzZX0seyIkaWQiOiI0MTgiLCJHcm91cE5hbWUiOm51bGwsIlN0YXJ0RGF0ZSI6IjIwMjItMDQtMTlUMDA6MDA6MDBaIiwiRW5kRGF0ZSI6IjIwMjItMDQtMjdUMjM6NTk6MDBaIiwiUGVyY2VudGFnZUNvbXBsZXRlIjpudWxsLCJTdHlsZSI6eyIkaWQiOiI0MTkiLCJTaGFwZSI6MSwiU2hhcGVUaGlja25lc3MiOjEsIkR1cmF0aW9uRm9ybWF0IjowLCJJbmNsdWRlTm9uV29ya2luZ0RheXNJbkR1cmF0aW9uIjpmYWxzZSwiUGVyY2VudGFnZUNvbXBsZXRlU3R5bGUiOnsiJGlkIjoiNDIwIiwiRm9udFNldHRpbmdzIjp7IiRpZCI6IjQyMSIsIkZvbnRTaXplIjoxMCwiRm9udE5hbWUiOiJDYWxpYnJpIiwiSXNCb2xkIjpmYWxzZSwiSXNJdGFsaWMiOmZhbHNlLCJJc1VuZGVybGluZWQiOmZhbHNlLCJQYXJlbnRTdHlsZSI6bnVsbH0sIkF1dG9TaXplIjowLCJGb3JlZ3JvdW5kIjp7IiRyZWYiOiIzNDcifSwiTWF4V2lkdGgiOjIwMC4wLCJNYXhIZWlnaHQiOiJJbmZpbml0eSIsIlNtYXJ0Rm9yZWdyb3VuZElzQWN0aXZlIjpmYWxzZSwiSG9yaXpvbnRhbEFsaWdubWVudCI6MCwiVmVydGljYWxBbGlnbm1lbnQiOjAsIlNtYXJ0Rm9yZWdyb3VuZCI6bnVsbCwiQmFja2dyb3VuZEZpbGxUeXBlIjowLCJNYXJnaW4iOnsiJHJlZiI6IjEyMSJ9LCJQYWRkaW5nIjp7IiRyZWYiOiIxMjIifSwiQmFja2dyb3VuZCI6eyIkcmVmIjoiMTIzIn0sIklzVmlzaWJsZSI6dHJ1ZSwiV2lkdGgiOjAuMCwiSGVpZ2h0IjowLjAsIkJvcmRlclN0eWxlIjp7IiRpZCI6IjQyMiIsIkxpbmVDb2xvciI6bnVsbCwiTGluZVdlaWdodCI6MC4wLCJMaW5lVHlwZSI6MCwiUGFyZW50U3R5bGUiOm51bGx9LCJQYXJlbnRTdHlsZSI6bnVsbH0sIkR1cmF0aW9uU3R5bGUiOnsiJGlkIjoiNDIzIiwiRm9udFNldHRpbmdzIjp7IiRpZCI6IjQyNCIsIkZvbnRTaXplIjoxMCwiRm9udE5hbWUiOiJDYWxpYnJpIiwiSXNCb2xkIjpmYWxzZSwiSXNJdGFsaWMiOmZhbHNlLCJJc1VuZGVybGluZWQiOmZhbHNlLCJQYXJlbnRTdHlsZSI6bnVsbH0sIkF1dG9TaXplIjowLCJGb3JlZ3JvdW5kIjp7IiRyZWYiOiIxMjYifSwiTWF4V2lkdGgiOjIwMC4wLCJNYXhIZWlnaHQiOiJJbmZpbml0eSIsIlNtYXJ0Rm9yZWdyb3VuZElzQWN0aXZlIjpmYWxzZSwiSG9yaXpvbnRhbEFsaWdubWVudCI6MSwiVmVydGljYWxBbGlnbm1lbnQiOjAsIlNtYXJ0Rm9yZWdyb3VuZCI6bnVsbCwiQmFja2dyb3VuZEZpbGxUeXBlIjowLCJNYXJnaW4iOnsiJHJlZiI6IjEyOCJ9LCJQYWRkaW5nIjp7IiRyZWYiOiIxMjkifSwiQmFja2dyb3VuZCI6eyIkcmVmIjoiMTMwIn0sIklzVmlzaWJsZSI6dHJ1ZSwiV2lkdGgiOjAuMCwiSGVpZ2h0IjowLjAsIkJvcmRlclN0eWxlIjp7IiRpZCI6IjQyNSIsIkxpbmVDb2xvciI6bnVsbCwiTGluZVdlaWdodCI6MC4wLCJMaW5lVHlwZSI6MCwiUGFyZW50U3R5bGUiOm51bGx9LCJQYXJlbnRTdHlsZSI6bnVsbH0sIkhvcml6b250YWxDb25uZWN0b3JTdHlsZSI6eyIkaWQiOiI0MjYiLCJMaW5lQ29sb3IiOnsiJHJlZiI6IjEzMiJ9LCJMaW5lV2VpZ2h0IjoxLjAsIkxpbmVUeXBlIjowLCJQYXJlbnRTdHlsZSI6bnVsbH0sIlZlcnRpY2FsQ29ubmVjdG9yU3R5bGUiOnsiJGlkIjoiNDI3IiwiTGluZUNvbG9yIjp7IiRyZWYiOiIxMzUifSwiTGluZVdlaWdodCI6MC4wLCJMaW5lVHlwZSI6MCwiUGFyZW50U3R5bGUiOm51bGx9LCJNYXJnaW4iOm51bGwsIlN0YXJ0RGF0ZVBvc2l0aW9uIjo0LCJFbmREYXRlUG9zaXRpb24iOjQsIkRhdGVJc1Zpc2libGUiOnRydWUsIlRpdGxlUG9zaXRpb24iOjMsIkR1cmF0aW9uUG9zaXRpb24iOjIsIlBlcmNlbnRhZ2VDb21wbGV0ZWRQb3NpdGlvbiI6NiwiU3BhY2luZyI6NSwiSXNCZWxvd1RpbWViYW5kIjpmYWxzZSwiUGVyY2VudGFnZUNvbXBsZXRlU2hhcGVPcGFjaXR5IjozNSwiU2hhcGVTdHlsZSI6eyIkaWQiOiI0MjgiLCJNYXJnaW4iOnsiJHJlZiI6IjEzOCJ9LCJQYWRkaW5nIjp7IiRyZWYiOiIxMzkifSwiQmFja2dyb3VuZCI6eyIkaWQiOiI0MjkiLCJDb2xvciI6eyIkaWQiOiI0MzAiLCJBIjoyNTUsIlIiOjE5MiwiRyI6MTU4LCJCIjoyMjZ9fSwiSXNWaXNpYmxlIjp0cnVlLCJXaWR0aCI6MC4wLCJIZWlnaHQiOjE2LjAsIkJvcmRlclN0eWxlIjp7IiRpZCI6IjQzMSIsIkxpbmVDb2xvciI6eyIkcmVmIjoiMTQzIn0sIkxpbmVXZWlnaHQiOjAuMCwiTGluZVR5cGUiOjAsIlBhcmVudFN0eWxlIjpudWxsfSwiUGFyZW50U3R5bGUiOm51bGx9LCJUaXRsZVN0eWxlIjp7IiRpZCI6IjQzMiIsIkZvbnRTZXR0aW5ncyI6eyIkaWQiOiI0MzMiLCJGb250U2l6ZSI6MTIsIkZvbnROYW1lIjoiQ2FsaWJyaSIsIklzQm9sZCI6dHJ1ZSwiSXNJdGFsaWMiOmZhbHNlLCJJc1VuZGVybGluZWQiOmZhbHNlLCJQYXJlbnRTdHlsZSI6bnVsbH0sIkF1dG9TaXplIjowLCJGb3JlZ3JvdW5kIjp7IiRyZWYiOiIxNDcifSwiTWF4V2lkdGgiOjcyMC4wLCJNYXhIZWlnaHQiOiJJbmZpbml0eSIsIlNtYXJ0Rm9yZWdyb3VuZElzQWN0aXZlIjpmYWxzZSwiSG9yaXpvbnRhbEFsaWdubWVudCI6MiwiVmVydGljYWxBbGlnbm1lbnQiOjAsIlNtYXJ0Rm9yZWdyb3VuZCI6bnVsbCwiQmFja2dyb3VuZEZpbGxUeXBlIjowLCJNYXJnaW4iOnsiJHJlZiI6IjE0OSJ9LCJQYWRkaW5nIjp7IiRyZWYiOiIxNTAifSwiQmFja2dyb3VuZCI6eyIkcmVmIjoiMTUxIn0sIklzVmlzaWJsZSI6dHJ1ZSwiV2lkdGgiOjAuMCwiSGVpZ2h0IjowLjAsIkJvcmRlclN0eWxlIjp7IiRpZCI6IjQzNCIsIkxpbmVDb2xvciI6bnVsbCwiTGluZVdlaWdodCI6MC4wLCJMaW5lVHlwZSI6MCwiUGFyZW50U3R5bGUiOm51bGx9LCJQYXJlbnRTdHlsZSI6bnVsbH0sIkRhdGVTdHlsZSI6eyIkaWQiOiI0MzUiLCJGb250U2V0dGluZ3MiOnsiJGlkIjoiNDM2IiwiRm9udFNpemUiOjEwLCJGb250TmFtZSI6IkNhbGlicmkiLCJJc0JvbGQiOmZhbHNlLCJJc0l0YWxpYyI6ZmFsc2UsIklzVW5kZXJsaW5lZCI6ZmFsc2UsIlBhcmVudFN0eWxlIjpudWxsfSwiQXV0b1NpemUiOjAsIkZvcmVncm91bmQiOnsiJHJlZiI6IjE1NCJ9LCJNYXhXaWR0aCI6MjAwLjAsIk1heEhlaWdodCI6IkluZmluaXR5IiwiU21hcnRGb3JlZ3JvdW5kSXNBY3RpdmUiOmZhbHNlLCJIb3Jpem9udGFsQWxpZ25tZW50IjowLCJWZXJ0aWNhbEFsaWdubWVudCI6MCwiU21hcnRGb3JlZ3JvdW5kIjpudWxsLCJCYWNrZ3JvdW5kRmlsbFR5cGUiOjAsIk1hcmdpbiI6eyIkcmVmIjoiMTU2In0sIlBhZGRpbmciOnsiJHJlZiI6IjE1NyJ9LCJCYWNrZ3JvdW5kIjp7IiRyZWYiOiIxNTgifSwiSXNWaXNpYmxlIjp0cnVlLCJXaWR0aCI6MC4wLCJIZWlnaHQiOjAuMCwiQm9yZGVyU3R5bGUiOnsiJGlkIjoiNDM3IiwiTGluZUNvbG9yIjpudWxsLCJMaW5lV2VpZ2h0IjowLjAsIkxpbmVUeXBlIjowLCJQYXJlbnRTdHlsZSI6bnVsbH0sIlBhcmVudFN0eWxlIjpudWxsfSwiRGF0ZUZvcm1hdCI6eyIkcmVmIjoiMTU5In0sIldlZWtOdW1iZXJpbmciOnsiJGlkIjoiNDM4IiwiRm9ybWF0IjowLCJJc1Zpc2libGUiOmZhbHNlLCJMYXN0S25vd25WaXNpYmlsaXR5U3RhdGUiOmZhbHNlfSwiSXNWaXNpYmxlIjp0cnVlLCJQYXJlbnRTdHlsZSI6bnVsbH0sIkluZGV4Ijo2LCJTbWFydER1cmF0aW9uQWN0aXZhdGVkIjpmYWxzZSwiRGF0ZUZvcm1hdCI6eyIkcmVmIjoiMTU5In0sIldlZWtOdW1iZXJpbmciOnsiJGlkIjoiNDM5IiwiRm9ybWF0IjowLCJJc1Zpc2libGUiOmZhbHNlLCJMYXN0S25vd25WaXNpYmlsaXR5U3RhdGUiOmZhbHNlfSwiSWQiOiJhOWU3NTIxMS1iZjRkLTQxNWYtYTQxNS00ODIzZGYxZTk1OGQiLCJJbXBvcnRJZCI6bnVsbCwiVGl0bGUiOiJPcHRpbWlzYXRpb24gb2YgY2xhc3NpZmllcnMiLCJOb3RlIjpudWxsLCJIeXBlcmxpbmsiOnsiJGlkIjoiNDQwIiwiQWRkcmVzcyI6IiIsIlN1YkFkZHJlc3MiOiIifSwiSXNDaGFuZ2VkIjpmYWxzZSwiSXNOZXciOmZhbHNlfV0sIlN3aW1sYW5lcyI6W10sIk1zUHJvamVjdEl0ZW1zVHJlZSI6eyIkaWQiOiI0NDEiLCJSb290Ijp7IkltcG9ydElkIjpudWxsLCJJc0ltcG9ydGVkIjpmYWxzZSwiQ2hpbGRyZW4iOltdfX0sIk1ldGFkYXRhIjp7IiRpZCI6IjQ0MiIsIlJlY2VudENvbG9yc0NvbGxlY3Rpb24iOiJbXCIjRkYwMDcyQkNcIixcIiNGRjFBQUE0MlwiLFwiI0ZGRkVCQTBBXCJdIiwiU291cmNlVGVtcGxhdGUiOiJ7XCIkaWRcIjpcIjFcIixcIklkXCI6XCJjYzI2Zjg2My0yN2NlLTQ4MGUtYTU4OS1iM2YxMmYyZDZlYjBcIixcIkN1bHR1cmVJbmZvTmFtZVwiOlwiZW4tVVNcIixcIlZlcnNpb25cIjp7XCIkaWRcIjpcIjJcIixcIlRlbXBsYXRlRG9tVmVyc2lvblwiOlwiMS4yLjBcIn0sXCJFZmZlY3RcIjoxLFwiU3R5bGVcIjp7XCIkaWRcIjpcIjNcIixcIlRpbWViYW5kU3R5bGVcIjp7XCIkaWRcIjpcIjRcIixcIlNjYWxlTWFya2luZ1wiOjEsXCJTaGFwZVwiOjEwLFwiU2hhcGVTdHlsZVwiOntcIiRpZFwiOlwiNVwiLFwiTWFyZ2luXCI6e1wiJGlkXCI6XCI2XCIsXCJUb3BcIjowLjAsXCJMZWZ0XCI6MTAuMCxcIlJpZ2h0XCI6MTAuMCxcIkJvdHRvbVwiOjAuMH0sXCJQYWRkaW5nXCI6e1wiJGlkXCI6XCI3XCIsXCJUb3BcIjozLjAsXCJMZWZ0XCI6MC4wLFwiUmlnaHRcIjowLjAsXCJCb3R0b21cIjozLjB9LFwiQmFja2dyb3VuZFwiOntcIiRpZFwiOlwiOFwiLFwiQ29sb3JcIjp7XCIkaWRcIjpcIjlcIixcIkFcIjoyNTUsXCJSXCI6NjgsXCJHXCI6ODQsXCJCXCI6MTA2fX0sXCJJc1Zpc2libGVcIjp0cnVlLFwiV2lkdGhcIjo4NTguMCxcIkhlaWdodFwiOjIwLjAsXCJCb3JkZXJTdHlsZVwiOntcIiRpZFwiOlwiMTBcIixcIkxpbmVDb2xvclwiOntcIiRpZFwiOlwiMTFcIixcIiR0eXBlXCI6XCJOTFJFLkNvbW1vbi5Eb20uU29saWRDb2xvckJydXNoLCBOTFJFLkNvbW1vblwiLFwiQ29sb3JcIjp7XCIkaWRcIjpcIjEyXCIsXCJBXCI6MjU1LFwiUlwiOjI1NSxcIkdcIjowLFwiQlwiOjB9fSxcIkxpbmVXZWlnaHRcIjowLjAsXCJMaW5lVHlwZVwiOjB9fSxcIk1pZGRsZVRpZXJTaGFwZVN0eWxlXCI6e1wiJGlkXCI6XCIxM1wiLFwiTWFyZ2luXCI6e1wiJGlkXCI6XCIxNFwiLFwiVG9wXCI6MC4wLFwiTGVmdFwiOjEwLjAsXCJSaWdodFwiOjEwLjAsXCJCb3R0b21cIjowLjB9LFwiUGFkZGluZ1wiOntcIiRpZFwiOlwiMTVcIixcIlRvcFwiOjMuMCxcIkxlZnRcIjowLjAsXCJSaWdodFwiOjAuMCxcIkJvdHRvbVwiOjMuMH0sXCJCYWNrZ3JvdW5kXCI6e1wiJGlkXCI6XCIxNlwiLFwiQ29sb3JcIjp7XCIkaWRcIjpcIjE3XCIsXCJBXCI6MjU1LFwiUlwiOjY4LFwiR1wiOjg0LFwiQlwiOjEwNn19LFwiSXNWaXNpYmxlXCI6dHJ1ZSxcIldpZHRoXCI6ODU4LjAsXCJIZWlnaHRcIjoyMC4wLFwiQm9yZGVyU3R5bGVcIjp7XCIkaWRcIjpcIjE4XCIsXCJMaW5lQ29sb3JcIjp7XCIkaWRcIjpcIjE5XCIsXCIkdHlwZVwiOlwiTkxSRS5Db21tb24uRG9tLlNvbGlkQ29sb3JCcnVzaCwgTkxSRS5Db21tb25cIixcIkNvbG9yXCI6e1wiJGlkXCI6XCIyMFwiLFwiQVwiOjI1NSxcIlJcIjoyNTUsXCJHXCI6MCxcIkJcIjowfX0sXCJMaW5lV2VpZ2h0XCI6MC4wLFwiTGluZVR5cGVcIjowfX0sXCJCb3R0b21UaWVyU2hhcGVTdHlsZVwiOntcIiRpZFwiOlwiMjFcIixcIk1hcmdpblwiOntcIiRpZFwiOlwiMjJcIixcIlRvcFwiOjAuMCxcIkxlZnRcIjoxMC4wLFwiUmlnaHRcIjoxMC4wLFwiQm90dG9tXCI6MC4wfSxcIlBhZGRpbmdcIjp7XCIkaWRcIjpcIjIzXCIsXCJUb3BcIjozLjAsXCJMZWZ0XCI6MC4wLFwiUmlnaHRcIjowLjAsXCJCb3R0b21cIjozLjB9LFwiQmFja2dyb3VuZFwiOntcIiRpZFwiOlwiMjRcIixcIkNvbG9yXCI6e1wiJGlkXCI6XCIyNVwiLFwiQVwiOjI1NSxcIlJcIjo2OCxcIkdcIjo4NCxcIkJcIjoxMDZ9fSxcIklzVmlzaWJsZVwiOnRydWUsXCJXaWR0aFwiOjg1OC4wLFwiSGVpZ2h0XCI6MjAuMCxcIkJvcmRlclN0eWxlXCI6e1wiJGlkXCI6XCIyNlwiLFwiTGluZUNvbG9yXCI6e1wiJGlkXCI6XCIyN1wiLFwiJHR5cGVcIjpcIk5MUkUuQ29tbW9uLkRvbS5Tb2xpZENvbG9yQnJ1c2gsIE5MUkUuQ29tbW9uXCIsXCJDb2xvclwiOntcIiRpZFwiOlwiMjhcIixcIkFcIjoyNTUsXCJSXCI6MjU1LFwiR1wiOjAsXCJCXCI6MH19LFwiTGluZVdlaWdodFwiOjAuMCxcIkxpbmVUeXBlXCI6MH19LFwiUmlnaHRFbmRDYXBzU3R5bGVcIjp7XCIkaWRcIjpcIjI5XCIsXCJGb250U2V0dGluZ3NcIjp7XCIkaWRcIjpcIjMwXCIsXCJGb250U2l6ZVwiOjE4LFwiRm9udE5hbWVcIjpcIkNhbGlicmlcIixcIklzQm9sZFwiOnRydWUsXCJJc0l0YWxpY1wiOmZhbHNlLFwiSXNVbmRlcmxpbmVkXCI6ZmFsc2V9LFwiQXV0b1NpemVcIjowLFwiRm9yZWdyb3VuZFwiOntcIiRpZFwiOlwiMzFcIixcIkNvbG9yXCI6e1wiJGlkXCI6XCIzMlwiLFwiQVwiOjI1NSxcIlJcIjoyMzcsXCJHXCI6MTI1LFwiQlwiOjQ5fX0sXCJCYWNrZ3JvdW5kRmlsbFR5cGVcIjowLFwiTWF4V2lkdGhcIjpcIkluZmluaXR5XCIsXCJNYXhIZWlnaHRcIjpcIkluZmluaXR5XCIsXCJTbWFydEZvcmVncm91bmRJc0FjdGl2ZVwiOmZhbHNlLFwiSG9yaXpvbnRhbEFsaWdubWVudFwiOjAsXCJWZXJ0aWNhbEFsaWdubWVudFwiOjAsXCJTbWFydEZvcmVncm91bmRcIjpudWxsLFwiTWFyZ2luXCI6e1wiJGlkXCI6XCIzM1wiLFwiVG9wXCI6MC4wLFwiTGVmdFwiOjAuMCxcIlJpZ2h0XCI6MjAuMCxcIkJvdHRvbVwiOjAuMH0sXCJQYWRkaW5nXCI6e1wiJGlkXCI6XCIzNFwiLFwiVG9wXCI6MC4wLFwiTGVmdFwiOjAuMCxcIlJpZ2h0XCI6MC4wLFwiQm90dG9tXCI6MC4wfSxcIkJhY2tncm91bmRcIjp7XCIkaWRcIjpcIjM1XCIsXCJDb2xvclwiOntcIiRpZFwiOlwiMzZcIixcIkFcIjowLFwiUlwiOjAsXCJHXCI6MCxcIkJcIjowfX0sXCJJc1Zpc2libGVcIjp0cnVlLFwiV2lkdGhcIjowLjAsXCJIZWlnaHRcIjowLjAsXCJCb3JkZXJTdHlsZVwiOm51bGx9LFwiTGVmdEVuZENhcHNTdHlsZVwiOntcIiRpZFwiOlwiMzdcIixcIkZvbnRTZXR0aW5nc1wiOntcIiRpZFwiOlwiMzhcIixcIkZvbnRTaXplXCI6MTgsXCJGb250TmFtZVwiOlwiQ2FsaWJyaVwiLFwiSXNCb2xkXCI6dHJ1ZSxcIklzSXRhbGljXCI6ZmFsc2UsXCJJc1VuZGVybGluZWRcIjpmYWxzZX0sXCJBdXRvU2l6ZVwiOjAsXCJGb3JlZ3JvdW5kXCI6e1wiJGlkXCI6XCIzOVwiLFwiQ29sb3JcIjp7XCIkaWRcIjpcIjQwXCIsXCJBXCI6MjU1LFwiUlwiOjIzNyxcIkdcIjoxMjUsXCJCXCI6NDl9fSxcIkJhY2tncm91bmRGaWxsVHlwZVwiOjAsXCJNYXhXaWR0aFwiOlwiSW5maW5pdHlcIixcIk1heEhlaWdodFwiOlwiSW5maW5pdHlcIixcIlNtYXJ0Rm9yZWdyb3VuZElzQWN0aXZlXCI6ZmFsc2UsXCJIb3Jpem9udGFsQWxpZ25tZW50XCI6MCxcIlZlcnRpY2FsQWxpZ25tZW50XCI6MCxcIlNtYXJ0Rm9yZWdyb3VuZFwiOm51bGwsXCJNYXJnaW5cIjp7XCIkaWRcIjpcIjQxXCIsXCJUb3BcIjowLjAsXCJMZWZ0XCI6MjAuMCxcIlJpZ2h0XCI6MC4wLFwiQm90dG9tXCI6MC4wfSxcIlBhZGRpbmdcIjp7XCIkaWRcIjpcIjQyXCIsXCJUb3BcIjowLjAsXCJMZWZ0XCI6MC4wLFwiUmlnaHRcIjowLjAsXCJCb3R0b21cIjowLjB9LFwiQmFja2dyb3VuZFwiOntcIiRpZFwiOlwiNDNcIixcIkNvbG9yXCI6e1wiJHJlZlwiOlwiMzZcIn19LFwiSXNWaXNpYmxlXCI6ZmFsc2UsXCJXaWR0aFwiOjAuMCxcIkhlaWdodFwiOjAuMCxcIkJvcmRlclN0eWxlXCI6bnVsbH0sXCJUb2RheVRleHRTdHlsZVwiOntcIiRpZFwiOlwiNDRcIixcIkZvbnRTZXR0aW5nc1wiOntcIiRpZFwiOlwiNDVcIixcIkZvbnRTaXplXCI6MTIsXCJGb250TmFtZVwiOlwiQ2FsaWJyaVwiLFwiSXNCb2xkXCI6ZmFsc2UsXCJJc0l0YWxpY1wiOmZhbHNlLFwiSXNVbmRlcmxpbmVkXCI6ZmFsc2V9LFwiQXV0b1NpemVcIjowLFwiRm9yZWdyb3VuZFwiOntcIiRpZFwiOlwiNDZcIixcIkNvbG9yXCI6e1wiJGlkXCI6XCI0N1wiLFwiQVwiOjI1NSxcIlJcIjowLFwiR1wiOjAsXCJCXCI6MH19LFwiQmFja2dyb3VuZEZpbGxUeXBlXCI6MCxcIk1heFdpZHRoXCI6MjAwLjAsXCJNYXhIZWlnaHRcIjpcIkluZmluaXR5XCIsXCJTbWFydEZvcmVncm91bmRJc0FjdGl2ZVwiOmZhbHNlLFwiSG9yaXpvbnRhbEFsaWdubWVudFwiOjAsXCJWZXJ0aWNhbEFsaWdubWVudFwiOjAsXCJTbWFydEZvcmVncm91bmRcIjpudWxsLFwiTWFyZ2luXCI6e1wiJGlkXCI6XCI0OFwiLFwiVG9wXCI6MC4wLFwiTGVmdFwiOjAuMCxcIlJpZ2h0XCI6MC4wLFwiQm90dG9tXCI6MC4wfSxcIlBhZGRpbmdcIjp7XCIkaWRcIjpcIjQ5XCIsXCJUb3BcIjowLjAsXCJMZWZ0XCI6MC4wLFwiUmlnaHRcIjowLjAsXCJCb3R0b21cIjowLjB9LFwiQmFja2dyb3VuZFwiOntcIiRpZFwiOlwiNTBcIixcIkNvbG9yXCI6e1wiJHJlZlwiOlwiMzZcIn19LFwiSXNWaXNpYmxlXCI6dHJ1ZSxcIldpZHRoXCI6MC4wLFwiSGVpZ2h0XCI6MC4wLFwiQm9yZGVyU3R5bGVcIjpudWxsfSxcIlRvZGF5TWFya2VyU3R5bGVcIjp7XCIkaWRcIjpcIjUxXCIsXCJNYXJnaW5cIjp7XCIkaWRcIjpcIjUyXCIsXCJUb3BcIjowLjAsXCJMZWZ0XCI6MC4wLFwiUmlnaHRcIjowLjAsXCJCb3R0b21cIjowLjB9LFwiUGFkZGluZ1wiOntcIiRpZFwiOlwiNTNcIixcIlRvcFwiOjAuMCxcIkxlZnRcIjowLjAsXCJSaWdodFwiOjAuMCxcIkJvdHRvbVwiOjAuMH0sXCJCYWNrZ3JvdW5kXCI6e1wiJGlkXCI6XCI1NFwiLFwiQ29sb3JcIjp7XCIkaWRcIjpcIjU1XCIsXCJBXCI6MjU1LFwiUlwiOjI1NSxcIkdcIjowLFwiQlwiOjB9fSxcIklzVmlzaWJsZVwiOnRydWUsXCJXaWR0aFwiOjAuMCxcIkhlaWdodFwiOjAuMCxcIkJvcmRlclN0eWxlXCI6bnVsbH0sXCJTY2FsZVN0eWxlXCI6e1wiJGlkXCI6XCI1NlwiLFwiU2hvd1NlZ21lbnRTZXBhcmF0b3JzXCI6ZmFsc2UsXCJTZWdtZW50U2VwYXJhdG9yT3BhY2l0eVwiOjMwLFwiU2hhcGVcIjozLFwiSGFzQmVlblZpc2libGVCZWZvcmVcIjp0cnVlLFwiRm9udFNldHRpbmdzXCI6e1wiJGlkXCI6XCI1N1wiLFwiRm9udFNpemVcIjoxMixcIkZvbnROYW1lXCI6XCJDYWxpYnJpXCIsXCJJc0JvbGRcIjpmYWxzZSxcIklzSXRhbGljXCI6ZmFsc2UsXCJJc1VuZGVybGluZWRcIjpmYWxzZX0sXCJBdXRvU2l6ZVwiOjAsXCJGb3JlZ3JvdW5kXCI6e1wiJGlkXCI6XCI1OFwiLFwiQ29sb3JcIjp7XCIkaWRcIjpcIjU5XCIsXCJBXCI6MjU1LFwiUlwiOjI1NSxcIkdcIjoyNTUsXCJCXCI6MjU1fX0sXCJCYWNrZ3JvdW5kRmlsbFR5cGVcIjowLFwiTWF4V2lkdGhcIjoyMDAuMCxcIk1heEhlaWdodFwiOlwiSW5maW5pdHlcIixcIlNtYXJ0Rm9yZWdyb3VuZElzQWN0aXZlXCI6ZmFsc2UsXCJIb3Jpem9udGFsQWxpZ25tZW50XCI6MCxcIlZlcnRpY2FsQWxpZ25tZW50XCI6MSxcIlNtYXJ0Rm9yZWdyb3VuZFwiOm51bGwsXCJNYXJnaW5cIjp7XCIkaWRcIjpcIjYwXCIsXCJUb3BcIjowLjAsXCJMZWZ0XCI6NS4wLFwiUmlnaHRcIjowLjAsXCJCb3R0b21cIjowLjB9LFwiUGFkZGluZ1wiOntcIiRpZFwiOlwiNjFcIixcIlRvcFwiOjAuMCxcIkxlZnRcIjowLjAsXCJSaWdodFwiOjAuMCxcIkJvdHRvbVwiOjAuMH0sXCJCYWNrZ3JvdW5kXCI6e1wiJGlkXCI6XCI2MlwiLFwiQ29sb3JcIjp7XCIkcmVmXCI6XCIzNlwifX0sXCJJc1Zpc2libGVcIjp0cnVlLFwiV2lkdGhcIjowLjAsXCJIZWlnaHRcIjowLjAsXCJCb3JkZXJTdHlsZVwiOm51bGx9LFwiTWlkZGxlVGllclNjYWxlU3R5bGVcIjp7XCIkaWRcIjpcIjYzXCIsXCJTaG93U2VnbWVudFNlcGFyYXRvcnNcIjpmYWxzZSxcIlNlZ21lbnRTZXBhcmF0b3JPcGFjaXR5XCI6MzAsXCJTaGFwZVwiOjMsXCJIYXNCZWVuVmlzaWJsZUJlZm9yZVwiOmZhbHNlLFwiRm9udFNldHRpbmdzXCI6e1wiJGlkXCI6XCI2NFwiLFwiRm9udFNpemVcIjoxMixcIkZvbnROYW1lXCI6XCJDYWxpYnJpXCIsXCJJc0JvbGRcIjpmYWxzZSxcIklzSXRhbGljXCI6ZmFsc2UsXCJJc1VuZGVybGluZWRcIjpmYWxzZX0sXCJBdXRvU2l6ZVwiOjAsXCJGb3JlZ3JvdW5kXCI6e1wiJGlkXCI6XCI2NVwiLFwiQ29sb3JcIjp7XCIkaWRcIjpcIjY2XCIsXCJBXCI6MjU1LFwiUlwiOjI1NSxcIkdcIjoyNTUsXCJCXCI6MjU1fX0sXCJCYWNrZ3JvdW5kRmlsbFR5cGVcIjowLFwiTWF4V2lkdGhcIjoyMDAuMCxcIk1heEhlaWdodFwiOlwiSW5maW5pdHlcIixcIlNtYXJ0Rm9yZWdyb3VuZElzQWN0aXZlXCI6ZmFsc2UsXCJIb3Jpem9udGFsQWxpZ25tZW50XCI6MCxcIlZlcnRpY2FsQWxpZ25tZW50XCI6MSxcIlNtYXJ0Rm9yZWdyb3VuZFwiOm51bGwsXCJNYXJnaW5cIjp7XCIkaWRcIjpcIjY3XCIsXCJUb3BcIjowLjAsXCJMZWZ0XCI6NS4wLFwiUmlnaHRcIjowLjAsXCJCb3R0b21cIjowLjB9LFwiUGFkZGluZ1wiOntcIiRpZFwiOlwiNjhcIixcIlRvcFwiOjAuMCxcIkxlZnRcIjowLjAsXCJSaWdodFwiOjAuMCxcIkJvdHRvbVwiOjAuMH0sXCJCYWNrZ3JvdW5kXCI6e1wiJGlkXCI6XCI2OVwiLFwiQ29sb3JcIjp7XCIkaWRcIjpcIjcwXCIsXCJBXCI6MCxcIlJcIjowLFwiR1wiOjAsXCJCXCI6MH19LFwiSXNWaXNpYmxlXCI6ZmFsc2UsXCJXaWR0aFwiOjAuMCxcIkhlaWdodFwiOjAuMCxcIkJvcmRlclN0eWxlXCI6bnVsbH0sXCJCb3R0b21UaWVyU2NhbGVTdHlsZVwiOntcIiRpZFwiOlwiNzFcIixcIlNob3dTZWdtZW50U2VwYXJhdG9yc1wiOmZhbHNlLFwiU2VnbWVudFNlcGFyYXRvck9wYWNpdHlcIjozMCxcIlNoYXBlXCI6MyxcIkhhc0JlZW5WaXNpYmxlQmVmb3JlXCI6ZmFsc2UsXCJGb250U2V0dGluZ3NcIjp7XCIkaWRcIjpcIjcyXCIsXCJGb250U2l6ZVwiOjEyLFwiRm9udE5hbWVcIjpcIkNhbGlicmlcIixcIklzQm9sZFwiOmZhbHNlLFwiSXNJdGFsaWNcIjpmYWxzZSxcIklzVW5kZXJsaW5lZFwiOmZhbHNlfSxcIkF1dG9TaXplXCI6MCxcIkZvcmVncm91bmRcIjp7XCIkaWRcIjpcIjczXCIsXCJDb2xvclwiOntcIiRpZFwiOlwiNzRcIixcIkFcIjoyNTUsXCJSXCI6MjU1LFwiR1wiOjI1NSxcIkJcIjoyNTV9fSxcIkJhY2tncm91bmRGaWxsVHlwZVwiOjAsXCJNYXhXaWR0aFwiOjIwMC4wLFwiTWF4SGVpZ2h0XCI6XCJJbmZpbml0eVwiLFwiU21hcnRGb3JlZ3JvdW5kSXNBY3RpdmVcIjpmYWxzZSxcIkhvcml6b250YWxBbGlnbm1lbnRcIjowLFwiVmVydGljYWxBbGlnbm1lbnRcIjoxLFwiU21hcnRGb3JlZ3JvdW5kXCI6bnVsbCxcIk1hcmdpblwiOntcIiRpZFwiOlwiNzVcIixcIlRvcFwiOjAuMCxcIkxlZnRcIjo1LjAsXCJSaWdodFwiOjAuMCxcIkJvdHRvbVwiOjAuMH0sXCJQYWRkaW5nXCI6e1wiJGlkXCI6XCI3NlwiLFwiVG9wXCI6MC4wLFwiTGVmdFwiOjAuMCxcIlJpZ2h0XCI6MC4wLFwiQm90dG9tXCI6MC4wfSxcIkJhY2tncm91bmRcIjp7XCIkaWRcIjpcIjc3XCIsXCJDb2xvclwiOntcIiRpZFwiOlwiNzhcIixcIkFcIjowLFwiUlwiOjAsXCJHXCI6MCxcIkJcIjowfX0sXCJJc1Zpc2libGVcIjpmYWxzZSxcIldpZHRoXCI6MC4wLFwiSGVpZ2h0XCI6MC4wLFwiQm9yZGVyU3R5bGVcIjpudWxsfSxcIlNpbmdsZVNjYWxlU2hhcGVTdHlsZVwiOm51bGwsXCJFbGFwc2VkVGltZUJhY2tncm91bmRcIjp7XCIkaWRcIjpcIjc5XCIsXCJDb2xvclwiOntcIiRpZFwiOlwiODBcIixcIkFcIjoxOTEsXCJSXCI6MjU1LFwiR1wiOjAsXCJCXCI6MH19LFwiQXBwZW5kWWVhck9uWWVhckNoYW5nZVwiOmZhbHNlLFwiRWxhcHNlZFRpbWVGb3JtYXRcIjoyLFwiVG9kYXlNYXJrZXJQb3NpdGlvblwiOjMsXCJRdWlja1Bvc2l0aW9uXCI6MixcIkFic29sdXRlUG9zaXRpb25cIjo0MDUuMCxcIk1hcmdpblwiOntcIiRpZFwiOlwiODFcIixcIlRvcFwiOjAuMCxcIkxlZnRcIjoxMC4wLFwiUmlnaHRcIjoxMC4wLFwiQm90dG9tXCI6MC4wfSxcIlBhZGRpbmdcIjp7XCIkaWRcIjpcIjgyXCIsXCJUb3BcIjowLjAsXCJMZWZ0XCI6MC4wLFwiUmlnaHRcIjowLjAsXCJCb3R0b21cIjowLjB9LFwiQmFja2dyb3VuZFwiOntcIiRpZFwiOlwiODNcIixcIkNvbG9yXCI6e1wiJGlkXCI6XCI4NFwiLFwiQVwiOjI1NSxcIlJcIjo0NyxcIkdcIjo1NCxcIkJcIjoxNTN9fSxcIklzVmlzaWJsZVwiOnRydWUsXCJXaWR0aFwiOjAuMCxcIkhlaWdodFwiOjAuMCxcIkJvcmRlclN0eWxlXCI6bnVsbH0sXCJEZWZhdWx0TWlsZXN0b25lU3R5bGVcIjp7XCIkaWRcIjpcIjg1XCIsXCJTaGFwZVwiOjIsXCJDb25uZWN0b3JNYXJnaW5cIjp7XCIkaWRcIjpcIjg2XCIsXCJUb3BcIjowLjAsXCJMZWZ0XCI6Mi4wLFwiUmlnaHRcIjoyLjAsXCJCb3R0b21cIjowLjB9LFwiQ29ubmVjdG9yU3R5bGVcIjp7XCIkaWRcIjpcIjg3XCIsXCJMaW5lQ29sb3JcIjp7XCIkaWRcIjpcIjg4XCIsXCIkdHlwZVwiOlwiTkxSRS5Db21tb24uRG9tLlNvbGlkQ29sb3JCcnVzaCwgTkxSRS5Db21tb25cIixcIkNvbG9yXCI6e1wiJGlkXCI6XCI4OVwiLFwiQVwiOjEyNyxcIlJcIjo3OSxcIkdcIjoxMjksXCJCXCI6MTg5fX0sXCJMaW5lV2VpZ2h0XCI6MS4wLFwiTGluZVR5cGVcIjowfSxcIklzQmVsb3dUaW1lYmFuZFwiOmZhbHNlLFwiSGlkZURhdGVcIjpmYWxzZSxcIlNoYXBlU2l6ZVwiOjEsXCJTcGFjaW5nXCI6Mi4wLFwiUGFkZGluZ1wiOntcIiRpZFwiOlwiOTBcIixcIlRvcFwiOjcuMCxcIkxlZnRcIjozLjAsXCJSaWdodFwiOjAuMCxcIkJvdHRvbVwiOjIuMH0sXCJQb3NpdGlvblwiOm51bGwsXCJQb3NpdGlvbk9uVGFza1wiOjAsXCJTaGFwZVN0eWxlXCI6e1wiJGlkXCI6XCI5MVwiLFwiTWFyZ2luXCI6e1wiJGlkXCI6XCI5MlwiLFwiVG9wXCI6MC4wLFwiTGVmdFwiOjAuMCxcIlJpZ2h0XCI6MC4wLFwiQm90dG9tXCI6MC4wfSxcIlBhZGRpbmdcIjp7XCIkaWRcIjpcIjkzXCIsXCJUb3BcIjowLjAsXCJMZWZ0XCI6MC4wLFwiUmlnaHRcIjowLjAsXCJCb3R0b21cIjowLjB9LFwiQmFja2dyb3VuZFwiOntcIiRpZFwiOlwiOTRcIixcIkNvbG9yXCI6e1wiJGlkXCI6XCI5NVwiLFwiQVwiOjI1NSxcIlJcIjowLFwiR1wiOjExNCxcIkJcIjoxODh9fSxcIklzVmlzaWJsZVwiOnRydWUsXCJXaWR0aFwiOjEzLjAsXCJIZWlnaHRcIjoxMy4wLFwiQm9yZGVyU3R5bGVcIjp7XCIkaWRcIjpcIjk2XCIsXCJMaW5lQ29sb3JcIjp7XCIkaWRcIjpcIjk3XCIsXCIkdHlwZVwiOlwiTkxSRS5Db21tb24uRG9tLlNvbGlkQ29sb3JCcnVzaCwgTkxSRS5Db21tb25cIixcIkNvbG9yXCI6e1wiJGlkXCI6XCI5OFwiLFwiQVwiOjI1NSxcIlJcIjoyNTUsXCJHXCI6MCxcIkJcIjowfX0sXCJMaW5lV2VpZ2h0XCI6MC4wLFwiTGluZVR5cGVcIjowfX0sXCJUaXRsZVN0eWxlXCI6e1wiJGlkXCI6XCI5OVwiLFwiRm9udFNldHRpbmdzXCI6e1wiJGlkXCI6XCIxMDBcIixcIkZvbnRTaXplXCI6MTEsXCJGb250TmFtZVwiOlwiQ2FsaWJyaVwiLFwiSXNCb2xkXCI6dHJ1ZSxcIklzSXRhbGljXCI6ZmFsc2UsXCJJc1VuZGVybGluZWRcIjpmYWxzZX0sXCJBdXRvU2l6ZVwiOjAsXCJGb3JlZ3JvdW5kXCI6e1wiJGlkXCI6XCIxMDFcIixcIkNvbG9yXCI6e1wiJGlkXCI6XCIxMDJcIixcIkFcIjoyNTUsXCJSXCI6MCxcIkdcIjowLFwiQlwiOjB9fSxcIkJhY2tncm91bmRGaWxsVHlwZVwiOjAsXCJNYXhXaWR0aFwiOjIwMC4wLFwiTWF4SGVpZ2h0XCI6XCJJbmZpbml0eVwiLFwiU21hcnRGb3JlZ3JvdW5kSXNBY3RpdmVcIjpmYWxzZSxcIkhvcml6b250YWxBbGlnbm1lbnRcIjowLFwiVmVydGljYWxBbGlnbm1lbnRcIjowLFwiU21hcnRGb3JlZ3JvdW5kXCI6bnVsbCxcIk1hcmdpblwiOntcIiRpZFwiOlwiMTAzXCIsXCJUb3BcIjowLjAsXCJMZWZ0XCI6MC4wLFwiUmlnaHRcIjowLjAsXCJCb3R0b21cIjowLjB9LFwiUGFkZGluZ1wiOntcIiRpZFwiOlwiMTA0XCIsXCJUb3BcIjowLjAsXCJMZWZ0XCI6MC4wLFwiUmlnaHRcIjowLjAsXCJCb3R0b21cIjowLjB9LFwiQmFja2dyb3VuZFwiOntcIiRpZFwiOlwiMTA1XCIsXCJDb2xvclwiOntcIiRyZWZcIjpcIjM2XCJ9fSxcIklzVmlzaWJsZVwiOnRydWUsXCJXaWR0aFwiOjAuMCxcIkhlaWdodFwiOjAuMCxcIkJvcmRlclN0eWxlXCI6bnVsbH0sXCJEYXRlU3R5bGVcIjp7XCIkaWRcIjpcIjEwNlwiLFwiRm9udFNldHRpbmdzXCI6e1wiJGlkXCI6XCIxMDdcIixcIkZvbnRTaXplXCI6MTAsXCJGb250TmFtZVwiOlwiQ2FsaWJyaVwiLFwiSXNCb2xkXCI6ZmFsc2UsXCJJc0l0YWxpY1wiOmZhbHNlLFwiSXNVbmRlcmxpbmVkXCI6ZmFsc2V9LFwiQXV0b1NpemVcIjowLFwiRm9yZWdyb3VuZFwiOntcIiRpZFwiOlwiMTA4XCIsXCJDb2xvclwiOntcIiRpZFwiOlwiMTA5XCIsXCJBXCI6MjU1LFwiUlwiOjY4LFwiR1wiOjg0LFwiQlwiOjEwNn19LFwiQmFja2dyb3VuZEZpbGxUeXBlXCI6MCxcIk1heFdpZHRoXCI6MjAwLjAsXCJNYXhIZWlnaHRcIjpcIkluZmluaXR5XCIsXCJTbWFydEZvcmVncm91bmRJc0FjdGl2ZVwiOmZhbHNlLFwiSG9yaXpvbnRhbEFsaWdubWVudFwiOjAsXCJWZXJ0aWNhbEFsaWdubWVudFwiOjAsXCJTbWFydEZvcmVncm91bmRcIjpudWxsLFwiTWFyZ2luXCI6e1wiJGlkXCI6XCIxMTBcIixcIlRvcFwiOjAuMCxcIkxlZnRcIjowLjAsXCJSaWdodFwiOjAuMCxcIkJvdHRvbVwiOjAuMH0sXCJQYWRkaW5nXCI6e1wiJGlkXCI6XCIxMTFcIixcIlRvcFwiOjAuMCxcIkxlZnRcIjowLjAsXCJSaWdodFwiOjAuMCxcIkJvdHRvbVwiOjAuMH0sXCJCYWNrZ3JvdW5kXCI6e1wiJGlkXCI6XCIxMTJcIixcIkNvbG9yXCI6e1wiJHJlZlwiOlwiMzZcIn19LFwiSXNWaXNpYmxlXCI6dHJ1ZSxcIldpZHRoXCI6MC4wLFwiSGVpZ2h0XCI6MC4wLFwiQm9yZGVyU3R5bGVcIjpudWxsfSxcIkRhdGVGb3JtYXRcIjp7XCIkaWRcIjpcIjExM1wiLFwiRm9ybWF0U3RyaW5nXCI6XCJNTU0gZFwiLFwiU2VwYXJhdG9yXCI6XCIvXCIsXCJVc2VJbnRlcm5hdGlvbmFsRGF0ZUZvcm1hdFwiOmZhbHNlLFwiRGF0ZUlzVmlzaWJsZVwiOnRydWUsXCJUaW1lSXNWaXNpYmxlXCI6ZmFsc2UsXCJIb3VyRGlnaXRzXCI6MSxcIkFtUG1EZXNpZ25hdG9yXCI6MixcIlRyaW0wME1pbnV0ZXNcIjpmYWxzZSxcIkxhc3RLbm93blZpc2liaWxpdHlTdGF0ZVwiOm51bGx9LFwiSXNWaXNpYmxlXCI6dHJ1ZX0sXCJEZWZhdWx0VGFza1N0eWxlXCI6e1wiJGlkXCI6XCIxMTRcIixcIlNoYXBlXCI6MSxcIlNoYXBlVGhpY2tuZXNzXCI6MCxcIkR1cmF0aW9uRm9ybWF0XCI6MCxcIlBlcmNlbnRhZ2VDb21wbGV0ZVN0eWxlXCI6e1wiJGlkXCI6XCIxMTVcIixcIkZvbnRTZXR0aW5nc1wiOntcIiRpZFwiOlwiMTE2XCIsXCJGb250U2l6ZVwiOjEwLFwiRm9udE5hbWVcIjpcIkNhbGlicmlcIixcIklzQm9sZFwiOmZhbHNlLFwiSXNJdGFsaWNcIjpmYWxzZSxcIklzVW5kZXJsaW5lZFwiOmZhbHNlfSxcIkF1dG9TaXplXCI6MCxcIkZvcmVncm91bmRcIjp7XCIkaWRcIjpcIjExN1wiLFwiQ29sb3JcIjp7XCIkaWRcIjpcIjExOFwiLFwiQVwiOjI1NSxcIlJcIjoyMzcsXCJHXCI6MTI1LFwiQlwiOjQ5fX0sXCJCYWNrZ3JvdW5kRmlsbFR5cGVcIjowLFwiTWF4V2lkdGhcIjoyMDAuMCxcIk1heEhlaWdodFwiOlwiSW5maW5pdHlcIixcIlNtYXJ0Rm9yZWdyb3VuZElzQWN0aXZlXCI6ZmFsc2UsXCJIb3Jpem9udGFsQWxpZ25tZW50XCI6MCxcIlZlcnRpY2FsQWxpZ25tZW50XCI6MCxcIlNtYXJ0Rm9yZWdyb3VuZFwiOm51bGwsXCJNYXJnaW5cIjp7XCIkaWRcIjpcIjExOVwiLFwiVG9wXCI6MC4wLFwiTGVmdFwiOjAuMCxcIlJpZ2h0XCI6MC4wLFwiQm90dG9tXCI6MC4wfSxcIlBhZGRpbmdcIjp7XCIkaWRcIjpcIjEyMFwiLFwiVG9wXCI6MC4wLFwiTGVmdFwiOjAuMCxcIlJpZ2h0XCI6MC4wLFwiQm90dG9tXCI6MC4wfSxcIkJhY2tncm91bmRcIjp7XCIkaWRcIjpcIjEyMVwiLFwiQ29sb3JcIjp7XCIkcmVmXCI6XCIzNlwifX0sXCJJc1Zpc2libGVcIjp0cnVlLFwiV2lkdGhcIjowLjAsXCJIZWlnaHRcIjowLjAsXCJCb3JkZXJTdHlsZVwiOm51bGx9LFwiRHVyYXRpb25TdHlsZVwiOntcIiRpZFwiOlwiMTIyXCIsXCJGb250U2V0dGluZ3NcIjp7XCIkaWRcIjpcIjEyM1wiLFwiRm9udFNpemVcIjoxMCxcIkZvbnROYW1lXCI6XCJDYWxpYnJpXCIsXCJJc0JvbGRcIjpmYWxzZSxcIklzSXRhbGljXCI6ZmFsc2UsXCJJc1VuZGVybGluZWRcIjpmYWxzZX0sXCJBdXRvU2l6ZVwiOjAsXCJGb3JlZ3JvdW5kXCI6e1wiJGlkXCI6XCIxMjRcIixcIkNvbG9yXCI6e1wiJGlkXCI6XCIxMjVcIixcIkFcIjoyNTUsXCJSXCI6MjM3LFwiR1wiOjEyNSxcIkJcIjo0OX19LFwiQmFja2dyb3VuZEZpbGxUeXBlXCI6MCxcIk1heFdpZHRoXCI6MjAwLjAsXCJNYXhIZWlnaHRcIjpcIkluZmluaXR5XCIsXCJTbWFydEZvcmVncm91bmRJc0FjdGl2ZVwiOmZhbHNlLFwiSG9yaXpvbnRhbEFsaWdubWVudFwiOjAsXCJWZXJ0aWNhbEFsaWdubWVudFwiOjAsXCJTbWFydEZvcmVncm91bmRcIjpudWxsLFwiTWFyZ2luXCI6e1wiJGlkXCI6XCIxMjZcIixcIlRvcFwiOjAuMCxcIkxlZnRcIjowLjAsXCJSaWdodFwiOjAuMCxcIkJvdHRvbVwiOjAuMH0sXCJQYWRkaW5nXCI6e1wiJGlkXCI6XCIxMjdcIixcIlRvcFwiOjAuMCxcIkxlZnRcIjowLjAsXCJSaWdodFwiOjAuMCxcIkJvdHRvbVwiOjAuMH0sXCJCYWNrZ3JvdW5kXCI6e1wiJGlkXCI6XCIxMjhcIixcIkNvbG9yXCI6e1wiJHJlZlwiOlwiMzZcIn19LFwiSXNWaXNpYmxlXCI6dHJ1ZSxcIldpZHRoXCI6MC4wLFwiSGVpZ2h0XCI6MC4wLFwiQm9yZGVyU3R5bGVcIjpudWxsfSxcIkhvcml6b250YWxDb25uZWN0b3JTdHlsZVwiOntcIiRpZFwiOlwiMTI5XCIsXCJMaW5lQ29sb3JcIjp7XCIkaWRcIjpcIjEzMFwiLFwiJHR5cGVcIjpcIk5MUkUuQ29tbW9uLkRvbS5Tb2xpZENvbG9yQnJ1c2gsIE5MUkUuQ29tbW9uXCIsXCJDb2xvclwiOntcIiRpZFwiOlwiMTMxXCIsXCJBXCI6MjU1LFwiUlwiOjIwNCxcIkdcIjoyMDQsXCJCXCI6MjA0fX0sXCJMaW5lV2VpZ2h0XCI6MS4wLFwiTGluZVR5cGVcIjowfSxcIlZlcnRpY2FsQ29ubmVjdG9yU3R5bGVcIjp7XCIkaWRcIjpcIjEzMlwiLFwiTGluZUNvbG9yXCI6e1wiJGlkXCI6XCIxMzNcIixcIiR0eXBlXCI6XCJOTFJFLkNvbW1vbi5Eb20uU29saWRDb2xvckJydXNoLCBOTFJFLkNvbW1vblwiLFwiQ29sb3JcIjp7XCIkaWRcIjpcIjEzNFwiLFwiQVwiOjI1NSxcIlJcIjoyMDQsXCJHXCI6MjA0LFwiQlwiOjIwNH19LFwiTGluZVdlaWdodFwiOjAuMCxcIkxpbmVUeXBlXCI6MH0sXCJNYXJnaW5cIjpudWxsLFwiU3RhcnREYXRlUG9zaXRpb25cIjozLFwiRW5kRGF0ZVBvc2l0aW9uXCI6MyxcIlRpdGxlUG9zaXRpb25cIjo0LFwiRHVyYXRpb25Qb3NpdGlvblwiOjYsXCJQZXJjZW50YWdlQ29tcGxldGVkUG9zaXRpb25cIjo2LFwiU3BhY2luZ1wiOjUsXCJJc0JlbG93VGltZWJhbmRcIjpmYWxzZSxcIlBlcmNlbnRhZ2VDb21wbGV0ZVNoYXBlT3BhY2l0eVwiOjM1LFwiR3JvdXBOYW1lXCI6bnVsbCxcIkF0dGFjaGVkTWlsZXN0b25lc1N0eWxlc1wiOm51bGwsXCJTaGFwZVN0eWxlXCI6e1wiJGlkXCI6XCIxMzVcIixcIk1hcmdpblwiOntcIiRpZFwiOlwiMTM2XCIsXCJUb3BcIjowLjAsXCJMZWZ0XCI6NC4wLFwiUmlnaHRcIjo0LjAsXCJCb3R0b21cIjowLjB9LFwiUGFkZGluZ1wiOntcIiRpZFwiOlwiMTM3XCIsXCJUb3BcIjowLjAsXCJMZWZ0XCI6MC4wLFwiUmlnaHRcIjowLjAsXCJCb3R0b21cIjowLjB9LFwiQmFja2dyb3VuZFwiOntcIiRpZFwiOlwiMTM4XCIsXCJDb2xvclwiOntcIiRpZFwiOlwiMTM5XCIsXCJBXCI6MjU1LFwiUlwiOjAsXCJHXCI6MTE0LFwiQlwiOjE4OH19LFwiSXNWaXNpYmxlXCI6dHJ1ZSxcIldpZHRoXCI6MC4wLFwiSGVpZ2h0XCI6MTAuMCxcIkJvcmRlclN0eWxlXCI6e1wiJGlkXCI6XCIxNDBcIixcIkxpbmVDb2xvclwiOntcIiRpZFwiOlwiMTQxXCIsXCIkdHlwZVwiOlwiTkxSRS5Db21tb24uRG9tLlNvbGlkQ29sb3JCcnVzaCwgTkxSRS5Db21tb25cIixcIkNvbG9yXCI6e1wiJGlkXCI6XCIxNDJcIixcIkFcIjoyNTUsXCJSXCI6MjU1LFwiR1wiOjAsXCJCXCI6MH19LFwiTGluZVdlaWdodFwiOjAuMCxcIkxpbmVUeXBlXCI6MH19LFwiVGl0bGVTdHlsZVwiOntcIiRpZFwiOlwiMTQzXCIsXCJGb250U2V0dGluZ3NcIjp7XCIkaWRcIjpcIjE0NFwiLFwiRm9udFNpemVcIjoxMSxcIkZvbnROYW1lXCI6XCJDYWxpYnJpXCIsXCJJc0JvbGRcIjp0cnVlLFwiSXNJdGFsaWNcIjpmYWxzZSxcIklzVW5kZXJsaW5lZFwiOmZhbHNlfSxcIkF1dG9TaXplXCI6MCxcIkZvcmVncm91bmRcIjp7XCIkaWRcIjpcIjE0NVwiLFwiQ29sb3JcIjp7XCIkaWRcIjpcIjE0NlwiLFwiQVwiOjI1NSxcIlJcIjowLFwiR1wiOjAsXCJCXCI6MH19LFwiQmFja2dyb3VuZEZpbGxUeXBlXCI6MCxcIk1heFdpZHRoXCI6OTYwLjAsXCJNYXhIZWlnaHRcIjpcIkluZmluaXR5XCIsXCJTbWFydEZvcmVncm91bmRJc0FjdGl2ZVwiOmZhbHNlLFwiSG9yaXpvbnRhbEFsaWdubWVudFwiOjAsXCJWZXJ0aWNhbEFsaWdubWVudFwiOjAsXCJTbWFydEZvcmVncm91bmRcIjpudWxsLFwiTWFyZ2luXCI6e1wiJGlkXCI6XCIxNDdcIixcIlRvcFwiOjAuMCxcIkxlZnRcIjowLjAsXCJSaWdodFwiOjAuMCxcIkJvdHRvbVwiOjAuMH0sXCJQYWRkaW5nXCI6e1wiJGlkXCI6XCIxNDhcIixcIlRvcFwiOjAuMCxcIkxlZnRcIjowLjAsXCJSaWdodFwiOjAuMCxcIkJvdHRvbVwiOjAuMH0sXCJCYWNrZ3JvdW5kXCI6e1wiJGlkXCI6XCIxNDlcIixcIkNvbG9yXCI6e1wiJHJlZlwiOlwiMzZcIn19LFwiSXNWaXNpYmxlXCI6dHJ1ZSxcIldpZHRoXCI6MC4wLFwiSGVpZ2h0XCI6MC4wLFwiQm9yZGVyU3R5bGVcIjpudWxsfSxcIkRhdGVTdHlsZVwiOntcIiRpZFwiOlwiMTUwXCIsXCJGb250U2V0dGluZ3NcIjp7XCIkaWRcIjpcIjE1MVwiLFwiRm9udFNpemVcIjoxMCxcIkZvbnROYW1lXCI6XCJDYWxpYnJpXCIsXCJJc0JvbGRcIjpmYWxzZSxcIklzSXRhbGljXCI6ZmFsc2UsXCJJc1VuZGVybGluZWRcIjpmYWxzZX0sXCJBdXRvU2l6ZVwiOjAsXCJGb3JlZ3JvdW5kXCI6e1wiJGlkXCI6XCIxNTJcIixcIkNvbG9yXCI6e1wiJGlkXCI6XCIxNTNcIixcIkFcIjoyNTUsXCJSXCI6NjgsXCJHXCI6ODQsXCJCXCI6MTA2fX0sXCJCYWNrZ3JvdW5kRmlsbFR5cGVcIjowLFwiTWF4V2lkdGhcIjoyMDAuMCxcIk1heEhlaWdodFwiOlwiSW5maW5pdHlcIixcIlNtYXJ0Rm9yZWdyb3VuZElzQWN0aXZlXCI6ZmFsc2UsXCJIb3Jpem9udGFsQWxpZ25tZW50XCI6MixcIlZlcnRpY2FsQWxpZ25tZW50XCI6MCxcIlNtYXJ0Rm9yZWdyb3VuZFwiOm51bGwsXCJNYXJnaW5cIjp7XCIkaWRcIjpcIjE1NFwiLFwiVG9wXCI6MC4wLFwiTGVmdFwiOjAuMCxcIlJpZ2h0XCI6MC4wLFwiQm90dG9tXCI6MC4wfSxcIlBhZGRpbmdcIjp7XCIkaWRcIjpcIjE1NVwiLFwiVG9wXCI6MC4wLFwiTGVmdFwiOjAuMCxcIlJpZ2h0XCI6MC4wLFwiQm90dG9tXCI6MC4wfSxcIkJhY2tncm91bmRcIjp7XCIkaWRcIjpcIjE1NlwiLFwiQ29sb3JcIjp7XCIkcmVmXCI6XCIzNlwifX0sXCJJc1Zpc2libGVcIjp0cnVlLFwiV2lkdGhcIjowLjAsXCJIZWlnaHRcIjowLjAsXCJCb3JkZXJTdHlsZVwiOm51bGx9LFwiRGF0ZUZvcm1hdFwiOntcIiRpZFwiOlwiMTU3XCIsXCJGb3JtYXRTdHJpbmdcIjpcIk1NTSBkXCIsXCJTZXBhcmF0b3JcIjpcIi9cIixcIlVzZUludGVybmF0aW9uYWxEYXRlRm9ybWF0XCI6ZmFsc2UsXCJEYXRlSXNWaXNpYmxlXCI6dHJ1ZSxcIlRpbWVJc1Zpc2libGVcIjpmYWxzZSxcIkhvdXJEaWdpdHNcIjoxLFwiQW1QbURlc2lnbmF0b3JcIjoyLFwiVHJpbTAwTWludXRlc1wiOmZhbHNlLFwiTGFzdEtub3duVmlzaWJpbGl0eVN0YXRlXCI6bnVsbH0sXCJJc1Zpc2libGVcIjp0cnVlfSxcIlNob3dFbGFwc2VkVGltZUdyYWRpZW50U3R5bGVcIjpmYWxzZSxcIlRpbWViYW5kUmVzZXJ2ZWRMZWZ0QXJlYVN0eWxlXCI6bnVsbCxcIkRlZmF1bHRTd2ltbGFuZVN0eWxlXCI6e1wiJGlkXCI6XCIxNThcIixcIkhlYWRlclN0eWxlXCI6e1wiJGlkXCI6XCIxNTlcIixcIlRleHRTdHlsZVwiOntcIiRpZFwiOlwiMTYwXCIsXCJGb250U2V0dGluZ3NcIjp7XCIkaWRcIjpcIjE2MVwiLFwiRm9udFNpemVcIjoxMixcIkZvbnROYW1lXCI6XCJDYWxpYnJpXCIsXCJJc0JvbGRcIjpmYWxzZSxcIklzSXRhbGljXCI6ZmFsc2UsXCJJc1VuZGVybGluZWRcIjpmYWxzZX0sXCJBdXRvU2l6ZVwiOjAsXCJGb3JlZ3JvdW5kXCI6e1wiJGlkXCI6XCIxNjJcIixcIkNvbG9yXCI6e1wiJGlkXCI6XCIxNjNcIixcIkFcIjoyNTUsXCJSXCI6MzIsXCJHXCI6NTYsXCJCXCI6MTAwfX0sXCJCYWNrZ3JvdW5kRmlsbFR5cGVcIjowLFwiTWF4V2lkdGhcIjowLjAsXCJNYXhIZWlnaHRcIjowLjAsXCJTbWFydEZvcmVncm91bmRJc0FjdGl2ZVwiOmZhbHNlLFwiSG9yaXpvbnRhbEFsaWdubWVudFwiOjAsXCJWZXJ0aWNhbEFsaWdubWVudFwiOjAsXCJTbWFydEZvcmVncm91bmRcIjpudWxsLFwiTWFyZ2luXCI6e1wiJGlkXCI6XCIxNjRcIixcIlRvcFwiOjAuMCxcIkxlZnRcIjowLjAsXCJSaWdodFwiOjAuMCxcIkJvdHRvbVwiOjAuMH0sXCJQYWRkaW5nXCI6e1wiJGlkXCI6XCIxNjVcIixcIlRvcFwiOjAuMCxcIkxlZnRcIjowLjAsXCJSaWdodFwiOjAuMCxcIkJvdHRvbVwiOjAuMH0sXCJCYWNrZ3JvdW5kXCI6bnVsbCxcIklzVmlzaWJsZVwiOmZhbHNlLFwiV2lkdGhcIjowLjAsXCJIZWlnaHRcIjowLjAsXCJCb3JkZXJTdHlsZVwiOm51bGx9LFwiUmVjdGFuZ2xlU3R5bGVcIjp7XCIkaWRcIjpcIjE2NlwiLFwiTWFyZ2luXCI6e1wiJGlkXCI6XCIxNjdcIixcIlRvcFwiOjAuMCxcIkxlZnRcIjowLjAsXCJSaWdodFwiOjAuMCxcIkJvdHRvbVwiOjAuMH0sXCJQYWRkaW5nXCI6e1wiJGlkXCI6XCIxNjhcIixcIlRvcFwiOjAuMCxcIkxlZnRcIjowLjAsXCJSaWdodFwiOjAuMCxcIkJvdHRvbVwiOjAuMH0sXCJCYWNrZ3JvdW5kXCI6e1wiJGlkXCI6XCIxNjlcIixcIkNvbG9yXCI6e1wiJGlkXCI6XCIxNzBcIixcIkFcIjoxMjcsXCJSXCI6OTEsXCJHXCI6MTU1LFwiQlwiOjIxM319LFwiSXNWaXNpYmxlXCI6ZmFsc2UsXCJXaWR0aFwiOjAuMCxcIkhlaWdodFwiOjAuMCxcIkJvcmRlclN0eWxlXCI6e1wiJGlkXCI6XCIxNzFcIixcIkxpbmVDb2xvclwiOntcIiRpZFwiOlwiMTcyXCIsXCIkdHlwZVwiOlwiTkxSRS5Db21tb24uRG9tLlNvbGlkQ29sb3JCcnVzaCwgTkxSRS5Db21tb25cIixcIkNvbG9yXCI6e1wiJGlkXCI6XCIxNzNcIixcIkFcIjoyNTUsXCJSXCI6MjU1LFwiR1wiOjAsXCJCXCI6MH19LFwiTGluZVdlaWdodFwiOjAuMCxcIkxpbmVUeXBlXCI6MH19LFwiVGV4dElzVmVydGljYWxcIjpmYWxzZX0sXCJCYWNrZ3JvdW5kU3R5bGVcIjp7XCIkaWRcIjpcIjE3NFwiLFwiTWFyZ2luXCI6e1wiJGlkXCI6XCIxNzVcIixcIlRvcFwiOjAuMCxcIkxlZnRcIjowLjAsXCJSaWdodFwiOjAuMCxcIkJvdHRvbVwiOjAuMH0sXCJQYWRkaW5nXCI6e1wiJGlkXCI6XCIxNzZcIixcIlRvcFwiOjAuMCxcIkxlZnRcIjowLjAsXCJSaWdodFwiOjAuMCxcIkJvdHRvbVwiOjAuMH0sXCJCYWNrZ3JvdW5kXCI6e1wiJGlkXCI6XCIxNzdcIixcIkNvbG9yXCI6e1wiJGlkXCI6XCIxNzhcIixcIkFcIjozOCxcIlJcIjo5MSxcIkdcIjoxNTUsXCJCXCI6MjEzfX0sXCJJc1Zpc2libGVcIjp0cnVlLFwiV2lkdGhcIjowLjAsXCJIZWlnaHRcIjowLjAsXCJCb3JkZXJTdHlsZVwiOntcIiRpZFwiOlwiMTc5XCIsXCJMaW5lQ29sb3JcIjp7XCIkaWRcIjpcIjE4MFwiLFwiJHR5cGVcIjpcIk5MUkUuQ29tbW9uLkRvbS5Tb2xpZENvbG9yQnJ1c2gsIE5MUkUuQ29tbW9uXCIsXCJDb2xvclwiOntcIiRpZFwiOlwiMTgxXCIsXCJBXCI6MjU1LFwiUlwiOjI1NSxcIkdcIjowLFwiQlwiOjB9fSxcIkxpbmVXZWlnaHRcIjowLjAsXCJMaW5lVHlwZVwiOjB9fSxcIklzQWJvdmVUaW1lYmFuZFwiOmZhbHNlfSxcIkN1c3RvbU1pbGVzdG9uZVN0eWxlTGlzdFwiOltdLFwiQ3VzdG9tVGFza1N0eWxlTGlzdFwiOltdLFwiQ3VzdG9tU3dpbWxhbmVEZWZpbml0aW9uU3R5bGVMaXN0XCI6W10sXCJDdXN0b21Td2ltbGFuZVYyU3R5bGVMaXN0XCI6W10sXCJHcmlkbGluZVBhbmVsU3R5bGVcIjp7XCIkaWRcIjpcIjE4MlwiLFwiR3JpZGxpbmVTdHlsZVwiOntcIiRpZFwiOlwiMTgzXCIsXCJMaW5lQ29sb3JcIjp7XCIkaWRcIjpcIjE4NFwiLFwiJHR5cGVcIjpcIk5MUkUuQ29tbW9uLkRvbS5Tb2xpZENvbG9yQnJ1c2gsIE5MUkUuQ29tbW9uXCIsXCJDb2xvclwiOntcIiRpZFwiOlwiMTg1XCIsXCJBXCI6MzgsXCJSXCI6OTEsXCJHXCI6MTU1LFwiQlwiOjIxM319LFwiTGluZVdlaWdodFwiOjEuMCxcIkxpbmVUeXBlXCI6MH0sXCJJc1Zpc2libGVcIjp0cnVlfSxcIkFjdGl2aXR5TGluZVBhbmVsU3R5bGVcIjp7XCIkaWRcIjpcIjE4NlwiLFwiQWN0aXZpdHlMaW5lU3R5bGVcIjp7XCIkaWRcIjpcIjE4N1wiLFwiTGluZUNvbG9yXCI6e1wiJGlkXCI6XCIxODhcIixcIiR0eXBlXCI6XCJOTFJFLkNvbW1vbi5Eb20uU29saWRDb2xvckJydXNoLCBOTFJFLkNvbW1vblwiLFwiQ29sb3JcIjp7XCIkaWRcIjpcIjE4OVwiLFwiQVwiOjM4LFwiUlwiOjY4LFwiR1wiOjExNCxcIkJcIjoxOTZ9fSxcIkxpbmVXZWlnaHRcIjoxLjAsXCJMaW5lVHlwZVwiOjB9LFwiSXNWaXNpYmxlXCI6dHJ1ZX19LFwiU2NhbGVcIjp7XCIkaWRcIjpcIjE5MFwiLFwiU3RhcnREYXRlXCI6XCIwMDAxLTAxLTAxVDAwOjAwOjAwXCIsXCJFbmREYXRlXCI6XCIwMDAxLTAxLTAxVDAwOjAwOjAwXCIsXCJGb3JtYXRcIjpcIndcIixcIlR5cGVcIjoxLFwiQXV0b0RhdGVSYW5nZVwiOnRydWUsXCJXb3JraW5nRGF5c1wiOjMxLFwiVG9kYXlNYXJrZXJUZXh0XCI6XCJUb2RheVwiLFwiQXV0b1NjYWxlVHlwZVwiOnRydWV9LFwiU2NhbGVWMlwiOntcIiRpZFwiOlwiMTkxXCIsXCJTdGFydERhdGVcIjpcIjAwMDEtMDEtMDFUMDA6MDA6MDBcIixcIkVuZERhdGVcIjpcIjAwMDEtMDEtMDFUMDA6MDA6MDBcIixcIkF1dG9EYXRlUmFuZ2VcIjp0cnVlLFwiV29ya2luZ0RheXNcIjozMSxcIlRvZGF5TWFya2VyVGV4dFwiOlwiVG9kYXlcIixcIkF1dG9TY2FsZVR5cGVcIjp0cnVlLFwiVGltZWJhbmRTY2FsZXNcIjp7XCIkaWRcIjpcIjE5MlwiLFwiVG9wU2NhbGVMYXllclwiOntcIiRpZFwiOlwiMTkzXCIsXCJGb3JtYXRcIjpcIndcIixcIlR5cGVcIjoxfSxcIk1pZGRsZVNjYWxlTGF5ZXJcIjp7XCIkaWRcIjpcIjE5NFwiLFwiRm9ybWF0XCI6bnVsbCxcIlR5cGVcIjowfSxcIkJvdHRvbVNjYWxlTGF5ZXJcIjp7XCIkaWRcIjpcIjE5NVwiLFwiRm9ybWF0XCI6bnVsbCxcIlR5cGVcIjowfX19LFwiTWlsZXN0b25lc1wiOltdLFwiVGFza3NcIjpbXSxcIlN3aW1sYW5lc1wiOltdLFwiU3dpbWxhbmVzVjJcIjpbXSxcIlNldHRpbmdzXCI6e1wiJGlkXCI6XCIxOTZcIixcIkltcGFPcHRpb25zXCI6e1wiJGlkXCI6XCIxOTdcIixcIkxlZnRUb1JpZ2h0XCI6ZmFsc2UsXCJQYXlsb2FkT3B0aW9uc1wiOjJ9fSxcIlRpbWVDb25maWd1cmF0aW9uXCI6e1wiJGlkXCI6XCIxOThcIixcIlVzZVRpbWVcIjpmYWxzZSxcIldvcmtEYXlTdGFydFwiOlwiMDA6MDA6MDBcIixcIldvcmtEYXlFbmRcIjpcIjIzOjU5OjAwXCJ9fSJ9LCJTZXR0aW5ncyI6eyIkaWQiOiI0NDMiLCJJbXBhT3B0aW9ucyI6eyIkaWQiOiI0NDQiLCJMZWZ0VG9SaWdodCI6ZmFsc2UsIlBheWxvYWRPcHRpb25zIjoyfSwiVXNlQ29tcHJlc3Npb24iOmZhbHNlLCJDb21wcmVzaW9uUGVyY2VudGFnZSI6NTAuMCwiSW5hY3RpdmVJbnRlcnZhbFdpZHRoVGhyZXNob2xkIjozMC4wLCJJbmFjdGl2ZUludGVydmFsV2lkdGgiOjEuMCwiU3BsaXRUYXNrcyI6ZmFsc2UsIlVzZUNsdXN0ZXIiOmZhbHNlLCJFcHNpbG9uIjo1LjAsIk1pblBvaW50c1RvRm9ybUFDbHVzdGVyIjoyLCJHZW5lcmF0ZUludmlzaWJsZVNoYXBlcyI6ZmFsc2UsIlNtYXJ0VGltZWxpbmVUYXNrUGVyY2VudGFnZUZpdCI6ZmFsc2V9LCJJc05ldyI6ZmFsc2UsIkltcG9ydFR5cGUiOjAsIkZpbGVQYXRoIjpudWxsLCJUaW1lQ29uZmlndXJhdGlvbiI6eyIkaWQiOiI0NDUiLCJVc2VUaW1lIjpmYWxzZSwiV29ya0RheVN0YXJ0IjoiMDA6MDA6MDAiLCJXb3JrRGF5RW5kIjoiMjM6NTk6MDAifSwiTGFzdFVzZWRUZW1wbGF0ZUlkIjoiY2MyNmY4NjMtMjdjZS00ODBlLWE1ODktYjNmMTJmMmQ2ZWIwIiwiRmlyc3RXZWVrT2ZZZWFyIjowLCJQbGFjZU1pbGVzdG9uZUF0VGhlQmVnaW5uaW5nT2ZUaGVEYXkiOmZhbHNlfQ=="/>
+  <p:tag name="__PART_0" val="eyIkaWQiOiIxIiwiX3N3aW1sYW5lc1YyIjpbXSwiQ3VsdHVyZUluZm9OYW1lIjoiZW4tVVMiLCJTdHlsZU5hbWUiOm51bGwsIlZlcnNpb24iOnsiJGlkIjoiMiIsIlZlcnNpb24iOiIzLjYuMSIsIk9yaWdpbmFsQXNzZW1ibHlWZXJzaW9uIjoiNi4wNC4wMS4wMCIsIkVkaXRpb24iOm51bGwsIkxhc3RTYXZlZEVkaXRpb24iOjAsIklzUGx1c0VkaXRpb24iOmZhbHNlLCJJc1Byb0VkaXRpb24iOmZhbHNlfSwiRWZmZWN0IjoxLCJTdHlsZSI6eyIkaWQiOiIzIiwiVGltZWJhbmRTdHlsZSI6eyIkaWQiOiI0IiwiU2NhbGVNYXJraW5nIjoxLCJTaGFwZSI6MCwiU2hhcGVTdHlsZSI6eyIkaWQiOiI1IiwiTWFyZ2luIjp7IiRpZCI6IjYiLCJUb3AiOjAuMCwiTGVmdCI6MTIuMCwiUmlnaHQiOjEyLjAsIkJvdHRvbSI6MC4wfSwiUGFkZGluZyI6eyIkaWQiOiI3IiwiVG9wIjo3LjAsIkxlZnQiOjAuMCwiUmlnaHQiOjAuMCwiQm90dG9tIjo3LjB9LCJCYWNrZ3JvdW5kIjp7IiRpZCI6IjgiLCJDb2xvciI6eyIkaWQiOiI5IiwiQSI6MjU1LCJSIjo2OCwiRyI6ODQsIkIiOjEwNn19LCJJc1Zpc2libGUiOnRydWUsIldpZHRoIjo4NTguMCwiSGVpZ2h0IjoyMC4wLCJCb3JkZXJTdHlsZSI6eyIkaWQiOiIxMCIsIkxpbmVDb2xvciI6eyIkaWQiOiIxMSIsIiR0eXBlIjoiTkxSRS5Db21tb24uRG9tLlNvbGlkQ29sb3JCcnVzaCwgTkxSRS5Db21tb24iLCJDb2xvciI6eyIkaWQiOiIxMiIsIkEiOjI1NSwiUiI6MjU1LCJHIjowLCJCIjowfX0sIkxpbmVXZWlnaHQiOjAuMCwiTGluZVR5cGUiOjAsIlBhcmVudFN0eWxlIjpudWxsfSwiUGFyZW50U3R5bGUiOm51bGx9LCJNaWRkbGVUaWVyU2hhcGVTdHlsZSI6eyIkaWQiOiIxMyIsIk1hcmdpbiI6eyIkaWQiOiIxNCIsIlRvcCI6MC4wLCJMZWZ0IjoxMi4wLCJSaWdodCI6MTIuMCwiQm90dG9tIjowLjB9LCJQYWRkaW5nIjp7IiRpZCI6IjE1IiwiVG9wIjo3LjAsIkxlZnQiOjAuMCwiUmlnaHQiOjAuMCwiQm90dG9tIjo3LjB9LCJCYWNrZ3JvdW5kIjp7IiRpZCI6IjE2IiwiQ29sb3IiOnsiJGlkIjoiMTciLCJBIjoyNTUsIlIiOjY4LCJHIjo4NCwiQiI6MTA2fX0sIklzVmlzaWJsZSI6dHJ1ZSwiV2lkdGgiOjg1OC4wLCJIZWlnaHQiOjIwLjAsIkJvcmRlclN0eWxlIjp7IiRpZCI6IjE4IiwiTGluZUNvbG9yIjp7IiRpZCI6IjE5IiwiJHR5cGUiOiJOTFJFLkNvbW1vbi5Eb20uU29saWRDb2xvckJydXNoLCBOTFJFLkNvbW1vbiIsIkNvbG9yIjp7IiRpZCI6IjIwIiwiQSI6MjU1LCJSIjoyNTUsIkciOjAsIkIiOjB9fSwiTGluZVdlaWdodCI6MC4wLCJMaW5lVHlwZSI6MCwiUGFyZW50U3R5bGUiOm51bGx9LCJQYXJlbnRTdHlsZSI6bnVsbH0sIkJvdHRvbVRpZXJTaGFwZVN0eWxlIjp7IiRpZCI6IjIxIiwiTWFyZ2luIjp7IiRpZCI6IjIyIiwiVG9wIjowLjAsIkxlZnQiOjEyLjAsIlJpZ2h0IjoxMi4wLCJCb3R0b20iOjAuMH0sIlBhZGRpbmciOnsiJGlkIjoiMjMiLCJUb3AiOjcuMCwiTGVmdCI6MC4wLCJSaWdodCI6MC4wLCJCb3R0b20iOjcuMH0sIkJhY2tncm91bmQiOnsiJGlkIjoiMjQiLCJDb2xvciI6eyIkaWQiOiIyNSIsIkEiOjI1NSwiUiI6NjgsIkciOjg0LCJCIjoxMDZ9fSwiSXNWaXNpYmxlIjp0cnVlLCJXaWR0aCI6ODU4LjAsIkhlaWdodCI6MjAuMCwiQm9yZGVyU3R5bGUiOnsiJGlkIjoiMjYiLCJMaW5lQ29sb3IiOnsiJGlkIjoiMjciLCIkdHlwZSI6Ik5MUkUuQ29tbW9uLkRvbS5Tb2xpZENvbG9yQnJ1c2gsIE5MUkUuQ29tbW9uIiwiQ29sb3IiOnsiJGlkIjoiMjgiLCJBIjoyNTUsIlIiOjI1NSwiRyI6MCwiQiI6MH19LCJMaW5lV2VpZ2h0IjowLjAsIkxpbmVUeXBlIjowLCJQYXJlbnRTdHlsZSI6bnVsbH0sIlBhcmVudFN0eWxlIjpudWxsfSwiUmlnaHRFbmRDYXBzU3R5bGUiOnsiJGlkIjoiMjkiLCJGb250U2V0dGluZ3MiOnsiJGlkIjoiMzAiLCJGb250U2l6ZSI6MTgsIkZvbnROYW1lIjoiQ2FsaWJyaSIsIklzQm9sZCI6dHJ1ZSwiSXNJdGFsaWMiOmZhbHNlLCJJc1VuZGVybGluZWQiOmZhbHNlLCJQYXJlbnRTdHlsZSI6bnVsbH0sIkF1dG9TaXplIjowLCJGb3JlZ3JvdW5kIjp7IiRpZCI6IjMxIiwiQ29sb3IiOnsiJGlkIjoiMzIiLCJBIjoyNTUsIlIiOjIzNywiRyI6MTI1LCJCIjo0OX19LCJNYXhXaWR0aCI6IkluZmluaXR5IiwiTWF4SGVpZ2h0IjoiSW5maW5pdHkiLCJTbWFydEZvcmVncm91bmRJc0FjdGl2ZSI6ZmFsc2UsIkhvcml6b250YWxBbGlnbm1lbnQiOjAsIlZlcnRpY2FsQWxpZ25tZW50IjowLCJTbWFydEZvcmVncm91bmQiOm51bGwsIkJhY2tncm91bmRGaWxsVHlwZSI6MCwiTWFyZ2luIjp7IiRpZCI6IjMzIiwiVG9wIjowLjAsIkxlZnQiOjAuMCwiUmlnaHQiOjIwLjAsIkJvdHRvbSI6MC4wfSwiUGFkZGluZyI6eyIkaWQiOiIzNCIsIlRvcCI6MC4wLCJMZWZ0IjowLjAsIlJpZ2h0IjowLjAsIkJvdHRvbSI6MC4wfSwiQmFja2dyb3VuZCI6eyIkaWQiOiIzNSIsIkNvbG9yIjp7IiRpZCI6IjM2IiwiQSI6ODksIlIiOjAsIkciOjAsIkIiOjB9fSwiSXNWaXNpYmxlIjp0cnVlLCJXaWR0aCI6MC4wLCJIZWlnaHQiOjAuMCwiQm9yZGVyU3R5bGUiOm51bGwsIlBhcmVudFN0eWxlIjpudWxsfSwiTGVmdEVuZENhcHNTdHlsZSI6eyIkaWQiOiIzNyIsIkZvbnRTZXR0aW5ncyI6eyIkaWQiOiIzOCIsIkZvbnRTaXplIjoxOCwiRm9udE5hbWUiOiJDYWxpYnJpIiwiSXNCb2xkIjp0cnVlLCJJc0l0YWxpYyI6ZmFsc2UsIklzVW5kZXJsaW5lZCI6ZmFsc2UsIlBhcmVudFN0eWxlIjpudWxsfSwiQXV0b1NpemUiOjAsIkZvcmVncm91bmQiOnsiJGlkIjoiMzkiLCJDb2xvciI6eyIkaWQiOiI0MCIsIkEiOjI1NSwiUiI6MjM3LCJHIjoxMjUsIkIiOjQ5fX0sIk1heFdpZHRoIjoiSW5maW5pdHkiLCJNYXhIZWlnaHQiOiJJbmZpbml0eSIsIlNtYXJ0Rm9yZWdyb3VuZElzQWN0aXZlIjpmYWxzZSwiSG9yaXpvbnRhbEFsaWdubWVudCI6MCwiVmVydGljYWxBbGlnbm1lbnQiOjAsIlNtYXJ0Rm9yZWdyb3VuZCI6bnVsbCwiQmFja2dyb3VuZEZpbGxUeXBlIjowLCJNYXJnaW4iOnsiJGlkIjoiNDEiLCJUb3AiOjAuMCwiTGVmdCI6NDIuNTA2NjY2NjY2NjY2NjYxLCJSaWdodCI6MC4wLCJCb3R0b20iOjAuMH0sIlBhZGRpbmciOnsiJGlkIjoiNDIiLCJUb3AiOjAuMCwiTGVmdCI6MC4wLCJSaWdodCI6MC4wLCJCb3R0b20iOjAuMH0sIkJhY2tncm91bmQiOnsiJGlkIjoiNDMiLCJDb2xvciI6eyIkcmVmIjoiMzYifX0sIklzVmlzaWJsZSI6ZmFsc2UsIldpZHRoIjowLjAsIkhlaWdodCI6MC4wLCJCb3JkZXJTdHlsZSI6bnVsbCwiUGFyZW50U3R5bGUiOm51bGx9LCJUb2RheVRleHRTdHlsZSI6eyIkaWQiOiI0NCIsIkZvbnRTZXR0aW5ncyI6eyIkaWQiOiI0NSIsIkZvbnRTaXplIjoxMiwiRm9udE5hbWUiOiJDYWxpYnJpIiwiSXNCb2xkIjpmYWxzZSwiSXNJdGFsaWMiOmZhbHNlLCJJc1VuZGVybGluZWQiOmZhbHNlLCJQYXJlbnRTdHlsZSI6bnVsbH0sIkF1dG9TaXplIjowLCJGb3JlZ3JvdW5kIjp7IiRpZCI6IjQ2IiwiQ29sb3IiOnsiJGlkIjoiNDciLCJBIjoyNTUsIlIiOjAsIkciOjAsIkIiOjB9fSwiTWF4V2lkdGgiOjIwMC4wLCJNYXhIZWlnaHQiOiJJbmZpbml0eSIsIlNtYXJ0Rm9yZWdyb3VuZElzQWN0aXZlIjpmYWxzZSwiSG9yaXpvbnRhbEFsaWdubWVudCI6MCwiVmVydGljYWxBbGlnbm1lbnQiOjAsIlNtYXJ0Rm9yZWdyb3VuZCI6bnVsbCwiQmFja2dyb3VuZEZpbGxUeXBlIjowLCJNYXJnaW4iOnsiJGlkIjoiNDgiLCJUb3AiOjAuMCwiTGVmdCI6MC4wLCJSaWdodCI6MC4wLCJCb3R0b20iOjAuMH0sIlBhZGRpbmciOnsiJGlkIjoiNDkiLCJUb3AiOjAuMCwiTGVmdCI6MC4wLCJSaWdodCI6MC4wLCJCb3R0b20iOjAuMH0sIkJhY2tncm91bmQiOnsiJGlkIjoiNTAiLCJDb2xvciI6eyIkcmVmIjoiMzYifX0sIklzVmlzaWJsZSI6dHJ1ZSwiV2lkdGgiOjAuMCwiSGVpZ2h0IjowLjAsIkJvcmRlclN0eWxlIjpudWxsLCJQYXJlbnRTdHlsZSI6bnVsbH0sIlRvZGF5TWFya2VyU3R5bGUiOnsiJGlkIjoiNTEiLCJNYXJnaW4iOnsiJGlkIjoiNTIiLCJUb3AiOjAuMCwiTGVmdCI6MC4wLCJSaWdodCI6MC4wLCJCb3R0b20iOjAuMH0sIlBhZGRpbmciOnsiJGlkIjoiNTMiLCJUb3AiOjAuMCwiTGVmdCI6MC4wLCJSaWdodCI6MC4wLCJCb3R0b20iOjAuMH0sIkJhY2tncm91bmQiOnsiJGlkIjoiNTQiLCJDb2xvciI6eyIkaWQiOiI1NSIsIkEiOjI1NSwiUiI6MjU1LCJHIjowLCJCIjowfX0sIklzVmlzaWJsZSI6dHJ1ZSwiV2lkdGgiOjAuMCwiSGVpZ2h0IjowLjAsIkJvcmRlclN0eWxlIjpudWxsLCJQYXJlbnRTdHlsZSI6bnVsbH0sIlNjYWxlU3R5bGUiOnsiJGlkIjoiNTYiLCJTaGFwZSI6MywiU2hvd1NlZ21lbnRTZXBhcmF0b3JzIjp0cnVlLCJTZWdtZW50U2VwYXJhdG9yT3BhY2l0eSI6MzAsIkhhc0JlZW5WaXNpYmxlQmVmb3JlIjp0cnVlLCJGb250U2V0dGluZ3MiOnsiJGlkIjoiNTciLCJGb250U2l6ZSI6MTIsIkZvbnROYW1lIjoiQ2FsaWJyaSIsIklzQm9sZCI6ZmFsc2UsIklzSXRhbGljIjpmYWxzZSwiSXNVbmRlcmxpbmVkIjpmYWxzZSwiUGFyZW50U3R5bGUiOm51bGx9LCJBdXRvU2l6ZSI6MCwiRm9yZWdyb3VuZCI6eyIkaWQiOiI1OCIsIkNvbG9yIjp7IiRpZCI6IjU5IiwiQSI6MjU1LCJSIjoyNTUsIkciOjI1NSwiQiI6MjU1fX0sIk1heFdpZHRoIjoyMDAuMCwiTWF4SGVpZ2h0IjoiSW5maW5pdHkiLCJTbWFydEZvcmVncm91bmRJc0FjdGl2ZSI6ZmFsc2UsIkhvcml6b250YWxBbGlnbm1lbnQiOjAsIlZlcnRpY2FsQWxpZ25tZW50IjoxLCJTbWFydEZvcmVncm91bmQiOm51bGwsIkJhY2tncm91bmRGaWxsVHlwZSI6MCwiTWFyZ2luIjp7IiRpZCI6IjYwIiwiVG9wIjowLjAsIkxlZnQiOjUuMCwiUmlnaHQiOjAuMCwiQm90dG9tIjowLjB9LCJQYWRkaW5nIjp7IiRpZCI6IjYxIiwiVG9wIjowLjAsIkxlZnQiOjAuMCwiUmlnaHQiOjAuMCwiQm90dG9tIjowLjB9LCJCYWNrZ3JvdW5kIjp7IiRpZCI6IjYyIiwiQ29sb3IiOnsiJHJlZiI6IjM2In19LCJJc1Zpc2libGUiOnRydWUsIldpZHRoIjowLjAsIkhlaWdodCI6MC4wLCJCb3JkZXJTdHlsZSI6bnVsbCwiUGFyZW50U3R5bGUiOm51bGx9LCJTaW5nbGVTY2FsZVNoYXBlU3R5bGUiOnsiJGlkIjoiNjMiLCJTaGFwZSI6MCwiSGVpZ2h0IjowLjB9LCJNaWRkbGVUaWVyU2NhbGVTdHlsZSI6eyIkaWQiOiI2NCIsIlNoYXBlIjozLCJTaG93U2VnbWVudFNlcGFyYXRvcnMiOnRydWUsIlNlZ21lbnRTZXBhcmF0b3JPcGFjaXR5IjozMCwiSGFzQmVlblZpc2libGVCZWZvcmUiOmZhbHNlLCJGb250U2V0dGluZ3MiOnsiJGlkIjoiNjUiLCJGb250U2l6ZSI6MTIsIkZvbnROYW1lIjoiQ2FsaWJyaSIsIklzQm9sZCI6ZmFsc2UsIklzSXRhbGljIjpmYWxzZSwiSXNVbmRlcmxpbmVkIjpmYWxzZSwiUGFyZW50U3R5bGUiOm51bGx9LCJBdXRvU2l6ZSI6MCwiRm9yZWdyb3VuZCI6eyIkaWQiOiI2NiIsIkNvbG9yIjp7IiRpZCI6IjY3IiwiQSI6MjU1LCJSIjoyNTUsIkciOjI1NSwiQiI6MjU1fX0sIk1heFdpZHRoIjoyMDAuMCwiTWF4SGVpZ2h0IjoiSW5maW5pdHkiLCJTbWFydEZvcmVncm91bmRJc0FjdGl2ZSI6ZmFsc2UsIkhvcml6b250YWxBbGlnbm1lbnQiOjAsIlZlcnRpY2FsQWxpZ25tZW50IjoxLCJTbWFydEZvcmVncm91bmQiOm51bGwsIkJhY2tncm91bmRGaWxsVHlwZSI6MCwiTWFyZ2luIjp7IiRpZCI6IjY4IiwiVG9wIjowLjAsIkxlZnQiOjUuMCwiUmlnaHQiOjAuMCwiQm90dG9tIjowLjB9LCJQYWRkaW5nIjp7IiRpZCI6IjY5IiwiVG9wIjowLjAsIkxlZnQiOjAuMCwiUmlnaHQiOjAuMCwiQm90dG9tIjowLjB9LCJCYWNrZ3JvdW5kIjp7IiRpZCI6IjcwIiwiQ29sb3IiOnsiJGlkIjoiNzEiLCJBIjowLCJSIjowLCJHIjowLCJCIjowfX0sIklzVmlzaWJsZSI6ZmFsc2UsIldpZHRoIjowLjAsIkhlaWdodCI6MC4wLCJCb3JkZXJTdHlsZSI6bnVsbCwiUGFyZW50U3R5bGUiOm51bGx9LCJCb3R0b21UaWVyU2NhbGVTdHlsZSI6eyIkaWQiOiI3MiIsIlNoYXBlIjozLCJTaG93U2VnbWVudFNlcGFyYXRvcnMiOnRydWUsIlNlZ21lbnRTZXBhcmF0b3JPcGFjaXR5IjozMCwiSGFzQmVlblZpc2libGVCZWZvcmUiOmZhbHNlLCJGb250U2V0dGluZ3MiOnsiJGlkIjoiNzMiLCJGb250U2l6ZSI6MTIsIkZvbnROYW1lIjoiQ2FsaWJyaSIsIklzQm9sZCI6ZmFsc2UsIklzSXRhbGljIjpmYWxzZSwiSXNVbmRlcmxpbmVkIjpmYWxzZSwiUGFyZW50U3R5bGUiOm51bGx9LCJBdXRvU2l6ZSI6MCwiRm9yZWdyb3VuZCI6eyIkaWQiOiI3NCIsIkNvbG9yIjp7IiRpZCI6Ijc1IiwiQSI6MjU1LCJSIjoyNTUsIkciOjI1NSwiQiI6MjU1fX0sIk1heFdpZHRoIjoyMDAuMCwiTWF4SGVpZ2h0IjoiSW5maW5pdHkiLCJTbWFydEZvcmVncm91bmRJc0FjdGl2ZSI6ZmFsc2UsIkhvcml6b250YWxBbGlnbm1lbnQiOjAsIlZlcnRpY2FsQWxpZ25tZW50IjoxLCJTbWFydEZvcmVncm91bmQiOm51bGwsIkJhY2tncm91bmRGaWxsVHlwZSI6MCwiTWFyZ2luIjp7IiRpZCI6Ijc2IiwiVG9wIjowLjAsIkxlZnQiOjUuMCwiUmlnaHQiOjAuMCwiQm90dG9tIjowLjB9LCJQYWRkaW5nIjp7IiRpZCI6Ijc3IiwiVG9wIjowLjAsIkxlZnQiOjAuMCwiUmlnaHQiOjAuMCwiQm90dG9tIjowLjB9LCJCYWNrZ3JvdW5kIjp7IiRpZCI6Ijc4IiwiQ29sb3IiOnsiJGlkIjoiNzkiLCJBIjowLCJSIjowLCJHIjowLCJCIjowfX0sIklzVmlzaWJsZSI6ZmFsc2UsIldpZHRoIjowLjAsIkhlaWdodCI6MC4wLCJCb3JkZXJTdHlsZSI6bnVsbCwiUGFyZW50U3R5bGUiOm51bGx9LCJFbGFwc2VkVGltZUJhY2tncm91bmQiOnsiJGlkIjoiODAiLCJDb2xvciI6eyIkaWQiOiI4MSIsIkEiOjE5MSwiUiI6MjU1LCJHIjowLCJCIjowfX0sIkFwcGVuZFllYXJPblllYXJDaGFuZ2UiOmZhbHNlLCJFbGFwc2VkVGltZUZvcm1hdCI6MiwiVG9kYXlNYXJrZXJQb3NpdGlvbiI6MiwiUXVpY2tQb3NpdGlvbiI6MiwiQWJzb2x1dGVQb3NpdGlvbiI6NDA1LjAsIk1hcmdpbiI6eyIkaWQiOiI4MiIsIlRvcCI6MC4wLCJMZWZ0IjoxMC4wLCJSaWdodCI6MTAuMCwiQm90dG9tIjowLjB9LCJQYWRkaW5nIjp7IiRpZCI6IjgzIiwiVG9wIjowLjAsIkxlZnQiOjAuMCwiUmlnaHQiOjAuMCwiQm90dG9tIjowLjB9LCJCYWNrZ3JvdW5kIjp7IiRpZCI6Ijg0IiwiQ29sb3IiOnsiJGlkIjoiODUiLCJBIjoyNTUsIlIiOjQ3LCJHIjo1NCwiQiI6MTUzfX0sIklzVmlzaWJsZSI6dHJ1ZSwiV2lkdGgiOjAuMCwiSGVpZ2h0IjowLjAsIkJvcmRlclN0eWxlIjpudWxsLCJQYXJlbnRTdHlsZSI6bnVsbH0sIkRlZmF1bHRNaWxlc3RvbmVTdHlsZSI6eyIkaWQiOiI4NiIsIlNoYXBlIjowLCJDb25uZWN0b3JNYXJnaW4iOnsiJGlkIjoiODciLCJUb3AiOjAuMCwiTGVmdCI6Mi4wLCJSaWdodCI6Mi4wLCJCb3R0b20iOjAuMH0sIkNvbm5lY3RvclN0eWxlIjp7IiRpZCI6Ijg4IiwiTGluZUNvbG9yIjp7IiRpZCI6Ijg5IiwiJHR5cGUiOiJOTFJFLkNvbW1vbi5Eb20uU29saWRDb2xvckJydXNoLCBOTFJFLkNvbW1vbiIsIkNvbG9yIjp7IiRpZCI6IjkwIiwiQSI6MTI3LCJSIjo3OSwiRyI6MTI5LCJCIjoxODl9fSwiTGluZVdlaWdodCI6MS4wLCJMaW5lVHlwZSI6MCwiUGFyZW50U3R5bGUiOm51bGx9LCJJc0JlbG93VGltZWJhbmQiOmZhbHNlLCJQb3NpdGlvbk9uVGFzayI6MCwiSGlkZURhdGUiOmZhbHNlLCJTaGFwZVNpemUiOjEsIlNwYWNpbmciOjEuMCwiUGFkZGluZyI6eyIkaWQiOiI5MSIsIlRvcCI6Ny4wLCJMZWZ0IjozLjAsIlJpZ2h0IjowLjAsIkJvdHRvbSI6Mi4wfSwiU2hhcGVTdHlsZSI6eyIkaWQiOiI5MiIsIk1hcmdpbiI6eyIkaWQiOiI5MyIsIlRvcCI6MC4wLCJMZWZ0IjowLjAsIlJpZ2h0IjowLjAsIkJvdHRvbSI6MC4wfSwiUGFkZGluZyI6eyIkaWQiOiI5NCIsIlRvcCI6MC4wLCJMZWZ0IjowLjAsIlJpZ2h0IjowLjAsIkJvdHRvbSI6MC4wfSwiQmFja2dyb3VuZCI6eyIkaWQiOiI5NSIsIkNvbG9yIjp7IiRpZCI6Ijk2IiwiQSI6MjU1LCJSIjowLCJHIjoxMTQsIkIiOjE4OH19LCJJc1Zpc2libGUiOnRydWUsIldpZHRoIjoxOC4wLCJIZWlnaHQiOjIwLjAsIkJvcmRlclN0eWxlIjp7IiRpZCI6Ijk3IiwiTGluZUNvbG9yIjp7IiRpZCI6Ijk4IiwiJHR5cGUiOiJOTFJFLkNvbW1vbi5Eb20uU29saWRDb2xvckJydXNoLCBOTFJFLkNvbW1vbiIsIkNvbG9yIjp7IiRpZCI6Ijk5IiwiQSI6MjU1LCJSIjoyNTUsIkciOjAsIkIiOjB9fSwiTGluZVdlaWdodCI6MC4wLCJMaW5lVHlwZSI6MCwiUGFyZW50U3R5bGUiOm51bGx9LCJQYXJlbnRTdHlsZSI6bnVsbH0sIlRpdGxlU3R5bGUiOnsiJGlkIjoiMTAwIiwiRm9udFNldHRpbmdzIjp7IiRpZCI6IjEwMSIsIkZvbnRTaXplIjoxMSwiRm9udE5hbWUiOiJDYWxpYnJpIiwiSXNCb2xkIjp0cnVlLCJJc0l0YWxpYyI6ZmFsc2UsIklzVW5kZXJsaW5lZCI6ZmFsc2UsIlBhcmVudFN0eWxlIjpudWxsfSwiQXV0b1NpemUiOjAsIkZvcmVncm91bmQiOnsiJGlkIjoiMTAyIiwiQ29sb3IiOnsiJGlkIjoiMTAzIiwiQSI6MjU1LCJSIjowLCJHIjowLCJCIjowfX0sIk1heFdpZHRoIjoyMDAuMCwiTWF4SGVpZ2h0IjoiSW5maW5pdHkiLCJTbWFydEZvcmVncm91bmRJc0FjdGl2ZSI6ZmFsc2UsIkhvcml6b250YWxBbGlnbm1lbnQiOjEsIlZlcnRpY2FsQWxpZ25tZW50IjowLCJTbWFydEZvcmVncm91bmQiOm51bGwsIkJhY2tncm91bmRGaWxsVHlwZSI6MCwiTWFyZ2luIjp7IiRpZCI6IjEwNCIsIlRvcCI6MC4wLCJMZWZ0IjowLjAsIlJpZ2h0IjowLjAsIkJvdHRvbSI6MC4wfSwiUGFkZGluZyI6eyIkaWQiOiIxMDUiLCJUb3AiOjAuMCwiTGVmdCI6MC4wLCJSaWdodCI6MC4wLCJCb3R0b20iOjAuMH0sIkJhY2tncm91bmQiOnsiJGlkIjoiMTA2IiwiQ29sb3IiOnsiJHJlZiI6IjM2In19LCJJc1Zpc2libGUiOnRydWUsIldpZHRoIjowLjAsIkhlaWdodCI6MC4wLCJCb3JkZXJTdHlsZSI6bnVsbCwiUGFyZW50U3R5bGUiOm51bGx9LCJEYXRlU3R5bGUiOnsiJGlkIjoiMTA3IiwiRm9udFNldHRpbmdzIjp7IiRpZCI6IjEwOCIsIkZvbnRTaXplIjoxMCwiRm9udE5hbWUiOiJDYWxpYnJpIiwiSXNCb2xkIjpmYWxzZSwiSXNJdGFsaWMiOmZhbHNlLCJJc1VuZGVybGluZWQiOmZhbHNlLCJQYXJlbnRTdHlsZSI6bnVsbH0sIkF1dG9TaXplIjowLCJGb3JlZ3JvdW5kIjp7IiRpZCI6IjEwOSIsIkNvbG9yIjp7IiRpZCI6IjExMCIsIkEiOjI1NSwiUiI6NjgsIkciOjg0LCJCIjoxMDZ9fSwiTWF4V2lkdGgiOjIwMC4wLCJNYXhIZWlnaHQiOiJJbmZpbml0eSIsIlNtYXJ0Rm9yZWdyb3VuZElzQWN0aXZlIjpmYWxzZSwiSG9yaXpvbnRhbEFsaWdubWVudCI6MCwiVmVydGljYWxBbGlnbm1lbnQiOjAsIlNtYXJ0Rm9yZWdyb3VuZCI6bnVsbCwiQmFja2dyb3VuZEZpbGxUeXBlIjowLCJNYXJnaW4iOnsiJGlkIjoiMTExIiwiVG9wIjowLjAsIkxlZnQiOjAuMCwiUmlnaHQiOjAuMCwiQm90dG9tIjowLjB9LCJQYWRkaW5nIjp7IiRpZCI6IjExMiIsIlRvcCI6MC4wLCJMZWZ0IjowLjAsIlJpZ2h0IjowLjAsIkJvdHRvbSI6MC4wfSwiQmFja2dyb3VuZCI6eyIkaWQiOiIxMTMiLCJDb2xvciI6eyIkcmVmIjoiMzYifX0sIklzVmlzaWJsZSI6dHJ1ZSwiV2lkdGgiOjAuMCwiSGVpZ2h0IjowLjAsIkJvcmRlclN0eWxlIjpudWxsLCJQYXJlbnRTdHlsZSI6bnVsbH0sIkRhdGVGb3JtYXQiOnsiJGlkIjoiMTE0IiwiRm9ybWF0U3RyaW5nIjoiTU1NIGQiLCJTZXBhcmF0b3IiOiIvIiwiVXNlSW50ZXJuYXRpb25hbERhdGVGb3JtYXQiOmZhbHNlLCJEYXRlSXNWaXNpYmxlIjp0cnVlLCJUaW1lSXNWaXNpYmxlIjpmYWxzZSwiSG91ckRpZ2l0cyI6MSwiQW1QbURlc2lnbmF0b3IiOjIsIlRyaW0wME1pbnV0ZXMiOmZhbHNlLCJMYXN0S25vd25WaXNpYmlsaXR5U3RhdGUiOm51bGx9LCJXZWVrTnVtYmVyaW5nIjp7IiRpZCI6IjExNSIsIkZvcm1hdCI6MCwiSXNWaXNpYmxlIjpmYWxzZSwiTGFzdEtub3duVmlzaWJpbGl0eVN0YXRlIjpmYWxzZX0sIklzVmlzaWJsZSI6dHJ1ZSwiUGFyZW50U3R5bGUiOm51bGx9LCJEZWZhdWx0VGFza1N0eWxlIjp7IiRpZCI6IjExNiIsIlNoYXBlIjowLCJTaGFwZVRoaWNrbmVzcyI6MSwiRHVyYXRpb25Gb3JtYXQiOjAsIkluY2x1ZGVOb25Xb3JraW5nRGF5c0luRHVyYXRpb24iOmZhbHNlLCJQZXJjZW50YWdlQ29tcGxldGVTdHlsZSI6eyIkaWQiOiIxMTciLCJGb250U2V0dGluZ3MiOnsiJGlkIjoiMTE4IiwiRm9udFNpemUiOjEwLCJGb250TmFtZSI6IkNhbGlicmkiLCJJc0JvbGQiOmZhbHNlLCJJc0l0YWxpYyI6ZmFsc2UsIklzVW5kZXJsaW5lZCI6ZmFsc2UsIlBhcmVudFN0eWxlIjpudWxsfSwiQXV0b1NpemUiOjAsIkZvcmVncm91bmQiOnsiJGlkIjoiMTE5IiwiQ29sb3IiOnsiJGlkIjoiMTIwIiwiQSI6MjU1LCJSIjoxOTIsIkciOjgwLCJCIjo3N319LCJNYXhXaWR0aCI6MjAwLjAsIk1heEhlaWdodCI6IkluZmluaXR5IiwiU21hcnRGb3JlZ3JvdW5kSXNBY3RpdmUiOmZhbHNlLCJIb3Jpem9udGFsQWxpZ25tZW50IjowLCJWZXJ0aWNhbEFsaWdubWVudCI6MCwiU21hcnRGb3JlZ3JvdW5kIjpudWxsLCJCYWNrZ3JvdW5kRmlsbFR5cGUiOjAsIk1hcmdpbiI6eyIkaWQiOiIxMjEiLCJUb3AiOjAuMCwiTGVmdCI6MC4wLCJSaWdodCI6MC4wLCJCb3R0b20iOjAuMH0sIlBhZGRpbmciOnsiJGlkIjoiMTIyIiwiVG9wIjowLjAsIkxlZnQiOjAuMCwiUmlnaHQiOjAuMCwiQm90dG9tIjowLjB9LCJCYWNrZ3JvdW5kIjp7IiRpZCI6IjEyMyIsIkNvbG9yIjp7IiRyZWYiOiIzNiJ9fSwiSXNWaXNpYmxlIjp0cnVlLCJXaWR0aCI6MC4wLCJIZWlnaHQiOjAuMCwiQm9yZGVyU3R5bGUiOm51bGwsIlBhcmVudFN0eWxlIjpudWxsfSwiRHVyYXRpb25TdHlsZSI6eyIkaWQiOiIxMjQiLCJGb250U2V0dGluZ3MiOnsiJGlkIjoiMTI1IiwiRm9udFNpemUiOjEwLCJGb250TmFtZSI6IkNhbGlicmkiLCJJc0JvbGQiOmZhbHNlLCJJc0l0YWxpYyI6ZmFsc2UsIklzVW5kZXJsaW5lZCI6ZmFsc2UsIlBhcmVudFN0eWxlIjpudWxsfSwiQXV0b1NpemUiOjAsIkZvcmVncm91bmQiOnsiJGlkIjoiMTI2IiwiQ29sb3IiOnsiJGlkIjoiMTI3IiwiQSI6MjU1LCJSIjowLCJHIjowLCJCIjowfX0sIk1heFdpZHRoIjoyMDAuMCwiTWF4SGVpZ2h0IjoiSW5maW5pdHkiLCJTbWFydEZvcmVncm91bmRJc0FjdGl2ZSI6ZmFsc2UsIkhvcml6b250YWxBbGlnbm1lbnQiOjEsIlZlcnRpY2FsQWxpZ25tZW50IjowLCJTbWFydEZvcmVncm91bmQiOm51bGwsIkJhY2tncm91bmRGaWxsVHlwZSI6MCwiTWFyZ2luIjp7IiRpZCI6IjEyOCIsIlRvcCI6MC4wLCJMZWZ0IjowLjAsIlJpZ2h0IjowLjAsIkJvdHRvbSI6MC4wfSwiUGFkZGluZyI6eyIkaWQiOiIxMjkiLCJUb3AiOjAuMCwiTGVmdCI6MC4wLCJSaWdodCI6MC4wLCJCb3R0b20iOjAuMH0sIkJhY2tncm91bmQiOnsiJGlkIjoiMTMwIiwiQ29sb3IiOnsiJHJlZiI6IjM2In19LCJJc1Zpc2libGUiOnRydWUsIldpZHRoIjowLjAsIkhlaWdodCI6MC4wLCJCb3JkZXJTdHlsZSI6bnVsbCwiUGFyZW50U3R5bGUiOm51bGx9LCJIb3Jpem9udGFsQ29ubmVjdG9yU3R5bGUiOnsiJGlkIjoiMTMxIiwiTGluZUNvbG9yIjp7IiRpZCI6IjEzMiIsIiR0eXBlIjoiTkxSRS5Db21tb24uRG9tLlNvbGlkQ29sb3JCcnVzaCwgTkxSRS5Db21tb24iLCJDb2xvciI6eyIkaWQiOiIxMzMiLCJBIjoyNTUsIlIiOjIwNCwiRyI6MjA0LCJCIjoyMDR9fSwiTGluZVdlaWdodCI6MS4wLCJMaW5lVHlwZSI6MCwiUGFyZW50U3R5bGUiOm51bGx9LCJWZXJ0aWNhbENvbm5lY3RvclN0eWxlIjp7IiRpZCI6IjEzNCIsIkxpbmVDb2xvciI6eyIkaWQiOiIxMzUiLCIkdHlwZSI6Ik5MUkUuQ29tbW9uLkRvbS5Tb2xpZENvbG9yQnJ1c2gsIE5MUkUuQ29tbW9uIiwiQ29sb3IiOnsiJGlkIjoiMTM2IiwiQSI6MjU1LCJSIjoyMDQsIkciOjIwNCwiQiI6MjA0fX0sIkxpbmVXZWlnaHQiOjAuMCwiTGluZVR5cGUiOjAsIlBhcmVudFN0eWxlIjpudWxsfSwiTWFyZ2luIjpudWxsLCJTdGFydERhdGVQb3NpdGlvbiI6NCwiRW5kRGF0ZVBvc2l0aW9uIjo0LCJEYXRlSXNWaXNpYmxlIjp0cnVlLCJUaXRsZVBvc2l0aW9uIjozLCJEdXJhdGlvblBvc2l0aW9uIjoyLCJQZXJjZW50YWdlQ29tcGxldGVkUG9zaXRpb24iOjYsIlNwYWNpbmciOjUsIklzQmVsb3dUaW1lYmFuZCI6ZmFsc2UsIlBlcmNlbnRhZ2VDb21wbGV0ZVNoYXBlT3BhY2l0eSI6MzUsIlNoYXBlU3R5bGUiOnsiJGlkIjoiMTM3IiwiTWFyZ2luIjp7IiRpZCI6IjEzOCIsIlRvcCI6MC4wLCJMZWZ0Ijo0LjAsIlJpZ2h0Ijo0LjAsIkJvdHRvbSI6MC4wfSwiUGFkZGluZyI6eyIkaWQiOiIxMzkiLCJUb3AiOjAuMCwiTGVmdCI6MC4wLCJSaWdodCI6MC4wLCJCb3R0b20iOjAuMH0sIkJhY2tncm91bmQiOnsiJGlkIjoiMTQwIiwiQ29sb3IiOnsiJGlkIjoiMTQxIiwiQSI6MjU1LCJSIjowLCJHIjoxMTQsIkIiOjE4OH19LCJJc1Zpc2libGUiOnRydWUsIldpZHRoIjowLjAsIkhlaWdodCI6MTYuMCwiQm9yZGVyU3R5bGUiOnsiJGlkIjoiMTQyIiwiTGluZUNvbG9yIjp7IiRpZCI6IjE0MyIsIiR0eXBlIjoiTkxSRS5Db21tb24uRG9tLlNvbGlkQ29sb3JCcnVzaCwgTkxSRS5Db21tb24iLCJDb2xvciI6eyIkaWQiOiIxNDQiLCJBIjoyNTUsIlIiOjI1NSwiRyI6MCwiQiI6MH19LCJMaW5lV2VpZ2h0IjowLjAsIkxpbmVUeXBlIjowLCJQYXJlbnRTdHlsZSI6bnVsbH0sIlBhcmVudFN0eWxlIjpudWxsfSwiVGl0bGVTdHlsZSI6eyIkaWQiOiIxNDUiLCJGb250U2V0dGluZ3MiOnsiJGlkIjoiMTQ2IiwiRm9udFNpemUiOjEyLCJGb250TmFtZSI6IkNhbGlicmkiLCJJc0JvbGQiOnRydWUsIklzSXRhbGljIjpmYWxzZSwiSXNVbmRlcmxpbmVkIjpmYWxzZSwiUGFyZW50U3R5bGUiOm51bGx9LCJBdXRvU2l6ZSI6MCwiRm9yZWdyb3VuZCI6eyIkaWQiOiIxNDciLCJDb2xvciI6eyIkaWQiOiIxNDgiLCJBIjoyNTUsIlIiOjAsIkciOjAsIkIiOjB9fSwiTWF4V2lkdGgiOjk2MC4wLCJNYXhIZWlnaHQiOiJJbmZpbml0eSIsIlNtYXJ0Rm9yZWdyb3VuZElzQWN0aXZlIjpmYWxzZSwiSG9yaXpvbnRhbEFsaWdubWVudCI6MiwiVmVydGljYWxBbGlnbm1lbnQiOjAsIlNtYXJ0Rm9yZWdyb3VuZCI6bnVsbCwiQmFja2dyb3VuZEZpbGxUeXBlIjowLCJNYXJnaW4iOnsiJGlkIjoiMTQ5IiwiVG9wIjowLjAsIkxlZnQiOjAuMCwiUmlnaHQiOjAuMCwiQm90dG9tIjowLjB9LCJQYWRkaW5nIjp7IiRpZCI6IjE1MCIsIlRvcCI6MC4wLCJMZWZ0IjowLjAsIlJpZ2h0IjowLjAsIkJvdHRvbSI6MC4wfSwiQmFja2dyb3VuZCI6eyIkaWQiOiIxNTEiLCJDb2xvciI6eyIkcmVmIjoiMzYifX0sIklzVmlzaWJsZSI6dHJ1ZSwiV2lkdGgiOjAuMCwiSGVpZ2h0IjowLjAsIkJvcmRlclN0eWxlIjpudWxsLCJQYXJlbnRTdHlsZSI6bnVsbH0sIkRhdGVTdHlsZSI6eyIkaWQiOiIxNTIiLCJGb250U2V0dGluZ3MiOnsiJGlkIjoiMTUzIiwiRm9udFNpemUiOjEwLCJGb250TmFtZSI6IkNhbGlicmkiLCJJc0JvbGQiOmZhbHNlLCJJc0l0YWxpYyI6ZmFsc2UsIklzVW5kZXJsaW5lZCI6ZmFsc2UsIlBhcmVudFN0eWxlIjpudWxsfSwiQXV0b1NpemUiOjAsIkZvcmVncm91bmQiOnsiJGlkIjoiMTU0IiwiQ29sb3IiOnsiJGlkIjoiMTU1IiwiQSI6MjU1LCJSIjo2OCwiRyI6ODQsIkIiOjEwNn19LCJNYXhXaWR0aCI6MjAwLjAsIk1heEhlaWdodCI6IkluZmluaXR5IiwiU21hcnRGb3JlZ3JvdW5kSXNBY3RpdmUiOmZhbHNlLCJIb3Jpem9udGFsQWxpZ25tZW50IjowLCJWZXJ0aWNhbEFsaWdubWVudCI6MCwiU21hcnRGb3JlZ3JvdW5kIjpudWxsLCJCYWNrZ3JvdW5kRmlsbFR5cGUiOjAsIk1hcmdpbiI6eyIkaWQiOiIxNTYiLCJUb3AiOjAuMCwiTGVmdCI6MC4wLCJSaWdodCI6MC4wLCJCb3R0b20iOjAuMH0sIlBhZGRpbmciOnsiJGlkIjoiMTU3IiwiVG9wIjowLjAsIkxlZnQiOjAuMCwiUmlnaHQiOjAuMCwiQm90dG9tIjowLjB9LCJCYWNrZ3JvdW5kIjp7IiRpZCI6IjE1OCIsIkNvbG9yIjp7IiRyZWYiOiIzNiJ9fSwiSXNWaXNpYmxlIjp0cnVlLCJXaWR0aCI6MC4wLCJIZWlnaHQiOjAuMCwiQm9yZGVyU3R5bGUiOm51bGwsIlBhcmVudFN0eWxlIjpudWxsfSwiRGF0ZUZvcm1hdCI6eyIkaWQiOiIxNTkiLCJGb3JtYXRTdHJpbmciOiJNTU0gZCIsIlNlcGFyYXRvciI6Ii8iLCJVc2VJbnRlcm5hdGlvbmFsRGF0ZUZvcm1hdCI6ZmFsc2UsIkRhdGVJc1Zpc2libGUiOnRydWUsIlRpbWVJc1Zpc2libGUiOmZhbHNlLCJIb3VyRGlnaXRzIjoxLCJBbVBtRGVzaWduYXRvciI6MiwiVHJpbTAwTWludXRlcyI6ZmFsc2UsIkxhc3RLbm93blZpc2liaWxpdHlTdGF0ZSI6bnVsbH0sIldlZWtOdW1iZXJpbmciOnsiJGlkIjoiMTYwIiwiRm9ybWF0IjowLCJJc1Zpc2libGUiOmZhbHNlLCJMYXN0S25vd25WaXNpYmlsaXR5U3RhdGUiOmZhbHNlfSwiSXNWaXNpYmxlIjp0cnVlLCJQYXJlbnRTdHlsZSI6bnVsbCwiX2V4cGxpY2l0bHlTZXQiOnsiJGlkIjoiMTYxIiwiU2hhcGVTdHlsZSI6ZmFsc2UsIlRpdGxlU3R5bGUiOmZhbHNlLCJEYXRlU3R5bGUiOmZhbHNlLCJIb3Jpem9udGFsQ29ubmVjdG9yU3R5bGUiOmZhbHNlLCJWZXJ0aWNhbENvbm5lY3RvclN0eWxlIjpmYWxzZSwiUGVyY2VudGFnZUNvbXBsZXRlU2hhcGVPcGFjaXR5IjpmYWxzZSwiU2hhcGUiOmZhbHNlLCJTaGFwZVRoaWNrbmVzcyI6ZmFsc2UsIkR1cmF0aW9uRm9ybWF0IjpmYWxzZSwiSW5jbHVkZU5vbldvcmtpbmdEYXlzSW5EdXJhdGlvbiI6ZmFsc2UsIk1hcmdpbiI6ZmFsc2UsIlN0YXJ0RGF0ZVBvc2l0aW9uIjpmYWxzZSwiRW5kRGF0ZVBvc2l0aW9uIjpmYWxzZSwiVGl0bGVQb3NpdGlvbiI6ZmFsc2UsIkR1cmF0aW9uUG9zaXRpb24iOmZhbHNlLCJQZXJjZW50YWdlQ29tcGxldGVkUG9zaXRpb24iOmZhbHNlLCJTcGFjaW5nIjpmYWxzZSwiSXNCZWxvd1RpbWViYW5kIjpmYWxzZSwiRGF0ZUZvcm1hdCI6ZmFsc2UsIldlZWtOdW1iZXJpbmciOmZhbHNlLCJJc1Zpc2libGUiOmZhbHNlfX0sIkdyaWRsaW5lUGFuZWxTdHlsZSI6eyIkaWQiOiIxNjIiLCJHcmlkbGluZVN0eWxlIjp7IiRpZCI6IjE2MyIsIkxpbmVDb2xvciI6eyIkaWQiOiIxNjQiLCIkdHlwZSI6Ik5MUkUuQ29tbW9uLkRvbS5Tb2xpZENvbG9yQnJ1c2gsIE5MUkUuQ29tbW9uIiwiQ29sb3IiOnsiJGlkIjoiMTY1IiwiQSI6MzgsIlIiOjkxLCJHIjoxNTUsIkIiOjIxM319LCJMaW5lV2VpZ2h0IjoxLjAsIkxpbmVUeXBlIjowLCJQYXJlbnRTdHlsZSI6bnVsbH0sIk1hcmdpbiI6eyIkaWQiOiIxNjYiLCJUb3AiOjAuMCwiTGVmdCI6MC4wLCJSaWdodCI6MC4wLCJCb3R0b20iOjAuMH0sIlBhZGRpbmciOnsiJGlkIjoiMTY3IiwiVG9wIjowLjAsIkxlZnQiOjAuMCwiUmlnaHQiOjAuMCwiQm90dG9tIjowLjB9LCJCYWNrZ3JvdW5kIjpudWxsLCJJc1Zpc2libGUiOnRydWUsIldpZHRoIjowLjAsIkhlaWdodCI6MC4wLCJCb3JkZXJTdHlsZSI6eyIkaWQiOiIxNjgiLCJMaW5lQ29sb3IiOm51bGwsIkxpbmVXZWlnaHQiOjAuMCwiTGluZVR5cGUiOjAsIlBhcmVudFN0eWxlIjpudWxsfSwiUGFyZW50U3R5bGUiOm51bGx9LCJBY3Rpdml0eUxpbmVQYW5lbFN0eWxlIjp7IiRpZCI6IjE2OSIsIkFjdGl2aXR5TGluZVN0eWxlIjp7IiRpZCI6IjE3MCIsIkxpbmVDb2xvciI6eyIkaWQiOiIxNzEiLCIkdHlwZSI6Ik5MUkUuQ29tbW9uLkRvbS5Tb2xpZENvbG9yQnJ1c2gsIE5MUkUuQ29tbW9uIiwiQ29sb3IiOnsiJGlkIjoiMTcyIiwiQSI6MzgsIlIiOjY4LCJHIjoxMTQsIkIiOjE5Nn19LCJMaW5lV2VpZ2h0IjoxLjAsIkxpbmVUeXBlIjowLCJQYXJlbnRTdHlsZSI6bnVsbH0sIk1hcmdpbiI6eyIkaWQiOiIxNzMiLCJUb3AiOjAuMCwiTGVmdCI6MC4wLCJSaWdodCI6MC4wLCJCb3R0b20iOjAuMH0sIlBhZGRpbmciOnsiJGlkIjoiMTc0IiwiVG9wIjowLjAsIkxlZnQiOjAuMCwiUmlnaHQiOjAuMCwiQm90dG9tIjowLjB9LCJCYWNrZ3JvdW5kIjpudWxsLCJJc1Zpc2libGUiOnRydWUsIldpZHRoIjowLjAsIkhlaWdodCI6MC4wLCJCb3JkZXJTdHlsZSI6eyIkaWQiOiIxNzUiLCJMaW5lQ29sb3IiOm51bGwsIkxpbmVXZWlnaHQiOjAuMCwiTGluZVR5cGUiOjAsIlBhcmVudFN0eWxlIjpudWxsfSwiUGFyZW50U3R5bGUiOm51bGx9LCJTaG93RWxhcHNlZFRpbWVHcmFkaWVudFN0eWxlIjpmYWxzZSwiVGltZWJhbmRSZXNlcnZlZExlZnRBcmVhU3R5bGUiOnsiJGlkIjoiMTc2IiwiQWN0aXZpdHlIZWFkZXJXaWR0aCI6MC4wLCJJc1NldCI6ZmFsc2V9LCJEZWZhdWx0U3dpbWxhbmVTdHlsZSI6bnVsbH0sIlNjYWxlIjpudWxsLCJTY2FsZVYyIjp7IiRpZCI6IjE3NyIsIlN0YXJ0RGF0ZSI6IjAwMDEtMDEtMDFUMDA6MDA6MDAiLCJFbmREYXRlIjoiMjAyMi0wOC0yNlQyMzo1OTowMCIsIkF1dG9EYXRlUmFuZ2UiOnRydWUsIldvcmtpbmdEYXlzIjozMSwiRmlzY2FsWWVhciI6eyIkaWQiOiIxNzgiLCJTdGFydE1vbnRoIjoxLCJVc2VTdGFydGluZ1llYXJGb3JOdW1iZXJpbmciOnRydWUsIlNob3dGaXNjYWxZZWFyTGFiZWwiOnRydWV9LCJUb2RheU1hcmtlclRleHQiOiJUb2RheSIsIkF1dG9TY2FsZVR5cGUiOnRydWUsIlRpbWViYW5kU2NhbGVzIjp7IiRpZCI6IjE3OSIsIlRvcFNjYWxlTGF5ZXIiOnsiJGlkIjoiMTgwIiwiRm9ybWF0IjoiTU1NIiwiVHlwZSI6Mn0sIk1pZGRsZVNjYWxlTGF5ZXIiOnsiJGlkIjoiMTgxIiwiRm9ybWF0IjpudWxsLCJUeXBlIjowfSwiQm90dG9tU2NhbGVMYXllciI6eyIkaWQiOiIxODIiLCJGb3JtYXQiOm51bGwsIlR5cGUiOjB9fX0sIk1pbGVzdG9uZXMiOltdLCJUYXNrcyI6W3siJGlkIjoiMTgzIiwiR3JvdXBOYW1lIjpudWxsLCJTdGFydERhdGUiOiIyMDIyLTAzLTE0VDAwOjAwOjAwWiIsIkVuZERhdGUiOiIyMDIyLTAzLTE4VDIzOjU5OjAwWiIsIlBlcmNlbnRhZ2VDb21wbGV0ZSI6bnVsbCwiU3R5bGUiOnsiJGlkIjoiMTg0IiwiU2hhcGUiOjEsIlNoYXBlVGhpY2tuZXNzIjowLCJEdXJhdGlvbkZvcm1hdCI6MCwiSW5jbHVkZU5vbldvcmtpbmdEYXlzSW5EdXJhdGlvbiI6ZmFsc2UsIlBlcmNlbnRhZ2VDb21wbGV0ZVN0eWxlIjp7IiRpZCI6IjE4NSIsIkZvbnRTZXR0aW5ncyI6eyIkaWQiOiIxODYiLCJGb250U2l6ZSI6MTAsIkZvbnROYW1lIjoiQ2FsaWJyaSIsIklzQm9sZCI6ZmFsc2UsIklzSXRhbGljIjpmYWxzZSwiSXNVbmRlcmxpbmVkIjpmYWxzZSwiUGFyZW50U3R5bGUiOm51bGx9LCJBdXRvU2l6ZSI6MCwiRm9yZWdyb3VuZCI6eyIkaWQiOiIxODciLCJDb2xvciI6eyIkaWQiOiIxODgiLCJBIjoyNTUsIlIiOjE5MiwiRyI6ODAsIkIiOjc3fX0sIk1heFdpZHRoIjoyMDAuMCwiTWF4SGVpZ2h0IjoiSW5maW5pdHkiLCJTbWFydEZvcmVncm91bmRJc0FjdGl2ZSI6ZmFsc2UsIkhvcml6b250YWxBbGlnbm1lbnQiOjAsIlZlcnRpY2FsQWxpZ25tZW50IjowLCJTbWFydEZvcmVncm91bmQiOm51bGwsIkJhY2tncm91bmRGaWxsVHlwZSI6MCwiTWFyZ2luIjp7IiRyZWYiOiIxMjEifSwiUGFkZGluZyI6eyIkcmVmIjoiMTIyIn0sIkJhY2tncm91bmQiOnsiJGlkIjoiMTg5IiwiQ29sb3IiOnsiJGlkIjoiMTkwIiwiQSI6ODksIlIiOjAsIkciOjAsIkIiOjB9fSwiSXNWaXNpYmxlIjp0cnVlLCJXaWR0aCI6MC4wLCJIZWlnaHQiOjAuMCwiQm9yZGVyU3R5bGUiOnsiJGlkIjoiMTkxIiwiTGluZUNvbG9yIjpudWxsLCJMaW5lV2VpZ2h0IjowLjAsIkxpbmVUeXBlIjowLCJQYXJlbnRTdHlsZSI6bnVsbH0sIlBhcmVudFN0eWxlIjpudWxsfSwiRHVyYXRpb25TdHlsZSI6eyIkaWQiOiIxOTIiLCJGb250U2V0dGluZ3MiOnsiJGlkIjoiMTkzIiwiRm9udFNpemUiOjEwLCJGb250TmFtZSI6IkNhbGlicmkiLCJJc0JvbGQiOmZhbHNlLCJJc0l0YWxpYyI6ZmFsc2UsIklzVW5kZXJsaW5lZCI6ZmFsc2UsIlBhcmVudFN0eWxlIjpudWxsfSwiQXV0b1NpemUiOjAsIkZvcmVncm91bmQiOnsiJGlkIjoiMTk0IiwiQ29sb3IiOnsiJGlkIjoiMTk1IiwiQSI6MjU1LCJSIjowLCJHIjowLCJCIjowfX0sIk1heFdpZHRoIjoyMDAuMCwiTWF4SGVpZ2h0IjoiSW5maW5pdHkiLCJTbWFydEZvcmVncm91bmRJc0FjdGl2ZSI6ZmFsc2UsIkhvcml6b250YWxBbGlnbm1lbnQiOjEsIlZlcnRpY2FsQWxpZ25tZW50IjowLCJTbWFydEZvcmVncm91bmQiOm51bGwsIkJhY2tncm91bmRGaWxsVHlwZSI6MCwiTWFyZ2luIjp7IiRyZWYiOiIxMjgifSwiUGFkZGluZyI6eyIkcmVmIjoiMTI5In0sIkJhY2tncm91bmQiOnsiJGlkIjoiMTk2IiwiQ29sb3IiOnsiJGlkIjoiMTk3IiwiQSI6MCwiUiI6MjU1LCJHIjoyNTUsIkIiOjI1NX19LCJJc1Zpc2libGUiOnRydWUsIldpZHRoIjowLjAsIkhlaWdodCI6MC4wLCJCb3JkZXJTdHlsZSI6eyIkaWQiOiIxOTgiLCJMaW5lQ29sb3IiOm51bGwsIkxpbmVXZWlnaHQiOjAuMCwiTGluZVR5cGUiOjAsIlBhcmVudFN0eWxlIjpudWxsfSwiUGFyZW50U3R5bGUiOm51bGx9LCJIb3Jpem9udGFsQ29ubmVjdG9yU3R5bGUiOnsiJGlkIjoiMTk5IiwiTGluZUNvbG9yIjp7IiRpZCI6IjIwMCIsIiR0eXBlIjoiTkxSRS5Db21tb24uRG9tLlNvbGlkQ29sb3JCcnVzaCwgTkxSRS5Db21tb24iLCJDb2xvciI6eyIkaWQiOiIyMDEiLCJBIjoyNTUsIlIiOjIwNCwiRyI6MjA0LCJCIjoyMDR9fSwiTGluZVdlaWdodCI6MC4wLCJMaW5lVHlwZSI6MCwiUGFyZW50U3R5bGUiOm51bGx9LCJWZXJ0aWNhbENvbm5lY3RvclN0eWxlIjp7IiRpZCI6IjIwMiIsIkxpbmVDb2xvciI6eyIkaWQiOiIyMDMiLCIkdHlwZSI6Ik5MUkUuQ29tbW9uLkRvbS5Tb2xpZENvbG9yQnJ1c2gsIE5MUkUuQ29tbW9uIiwiQ29sb3IiOnsiJGlkIjoiMjA0IiwiQSI6MjU1LCJSIjoyMDQsIkciOjIwNCwiQiI6MjA0fX0sIkxpbmVXZWlnaHQiOjAuMCwiTGluZVR5cGUiOjAsIlBhcmVudFN0eWxlIjpudWxsfSwiTWFyZ2luIjpudWxsLCJTdGFydERhdGVQb3NpdGlvbiI6NCwiRW5kRGF0ZVBvc2l0aW9uIjo0LCJEYXRlSXNWaXNpYmxlIjp0cnVlLCJUaXRsZVBvc2l0aW9uIjozLCJEdXJhdGlvblBvc2l0aW9uIjoyLCJQZXJjZW50YWdlQ29tcGxldGVkUG9zaXRpb24iOjYsIlNwYWNpbmciOjUsIklzQmVsb3dUaW1lYmFuZCI6ZmFsc2UsIlBlcmNlbnRhZ2VDb21wbGV0ZVNoYXBlT3BhY2l0eSI6MzUsIlNoYXBlU3R5bGUiOnsiJGlkIjoiMjA1IiwiTWFyZ2luIjp7IiRyZWYiOiIxMzgifSwiUGFkZGluZyI6eyIkcmVmIjoiMTM5In0sIkJhY2tncm91bmQiOnsiJGlkIjoiMjA2IiwiQ29sb3IiOnsiJGlkIjoiMjA3IiwiQSI6MjU1LCJSIjoxMzksIkciOjIxOCwiQiI6MjMzfX0sIklzVmlzaWJsZSI6dHJ1ZSwiV2lkdGgiOjE2Ni4wLCJIZWlnaHQiOjEwLjAsIkJvcmRlclN0eWxlIjp7IiRpZCI6IjIwOCIsIkxpbmVDb2xvciI6eyIkaWQiOiIyMDkiLCIkdHlwZSI6Ik5MUkUuQ29tbW9uLkRvbS5Tb2xpZENvbG9yQnJ1c2gsIE5MUkUuQ29tbW9uIiwiQ29sb3IiOnsiJGlkIjoiMjEwIiwiQSI6MjU1LCJSIjoyNTUsIkciOjAsIkIiOjB9fSwiTGluZVdlaWdodCI6MC4wLCJMaW5lVHlwZSI6MCwiUGFyZW50U3R5bGUiOm51bGx9LCJQYXJlbnRTdHlsZSI6bnVsbH0sIlRpdGxlU3R5bGUiOnsiJGlkIjoiMjExIiwiRm9udFNldHRpbmdzIjp7IiRpZCI6IjIxMiIsIkZvbnRTaXplIjoxMiwiRm9udE5hbWUiOiJDYWxpYnJpIiwiSXNCb2xkIjp0cnVlLCJJc0l0YWxpYyI6ZmFsc2UsIklzVW5kZXJsaW5lZCI6ZmFsc2UsIlBhcmVudFN0eWxlIjpudWxsfSwiQXV0b1NpemUiOjAsIkZvcmVncm91bmQiOnsiJGlkIjoiMjEzIiwiQ29sb3IiOnsiJGlkIjoiMjE0IiwiQSI6MjU1LCJSIjowLCJHIjowLCJCIjowfX0sIk1heFdpZHRoIjo3MjAuMCwiTWF4SGVpZ2h0IjoiSW5maW5pdHkiLCJTbWFydEZvcmVncm91bmRJc0FjdGl2ZSI6ZmFsc2UsIkhvcml6b250YWxBbGlnbm1lbnQiOjIsIlZlcnRpY2FsQWxpZ25tZW50IjowLCJTbWFydEZvcmVncm91bmQiOm51bGwsIkJhY2tncm91bmRGaWxsVHlwZSI6MCwiTWFyZ2luIjp7IiRyZWYiOiIxNDkifSwiUGFkZGluZyI6eyIkcmVmIjoiMTUwIn0sIkJhY2tncm91bmQiOnsiJGlkIjoiMjE1IiwiQ29sb3IiOnsiJGlkIjoiMjE2IiwiQSI6MCwiUiI6MjU1LCJHIjoyNTUsIkIiOjI1NX19LCJJc1Zpc2libGUiOnRydWUsIldpZHRoIjowLjAsIkhlaWdodCI6MC4wLCJCb3JkZXJTdHlsZSI6eyIkaWQiOiIyMTciLCJMaW5lQ29sb3IiOm51bGwsIkxpbmVXZWlnaHQiOjAuMCwiTGluZVR5cGUiOjAsIlBhcmVudFN0eWxlIjpudWxsfSwiUGFyZW50U3R5bGUiOm51bGx9LCJEYXRlU3R5bGUiOnsiJGlkIjoiMjE4IiwiRm9udFNldHRpbmdzIjp7IiRpZCI6IjIxOSIsIkZvbnRTaXplIjoxMCwiRm9udE5hbWUiOiJDYWxpYnJpIiwiSXNCb2xkIjpmYWxzZSwiSXNJdGFsaWMiOmZhbHNlLCJJc1VuZGVybGluZWQiOmZhbHNlLCJQYXJlbnRTdHlsZSI6bnVsbH0sIkF1dG9TaXplIjowLCJGb3JlZ3JvdW5kIjp7IiRpZCI6IjIyMCIsIkNvbG9yIjp7IiRpZCI6IjIyMSIsIkEiOjI1NSwiUiI6NjgsIkciOjg0LCJCIjoxMDZ9fSwiTWF4V2lkdGgiOjIwMC4wLCJNYXhIZWlnaHQiOiJJbmZpbml0eSIsIlNtYXJ0Rm9yZWdyb3VuZElzQWN0aXZlIjpmYWxzZSwiSG9yaXpvbnRhbEFsaWdubWVudCI6MCwiVmVydGljYWxBbGlnbm1lbnQiOjAsIlNtYXJ0Rm9yZWdyb3VuZCI6bnVsbCwiQmFja2dyb3VuZEZpbGxUeXBlIjowLCJNYXJnaW4iOnsiJHJlZiI6IjE1NiJ9LCJQYWRkaW5nIjp7IiRyZWYiOiIxNTcifSwiQmFja2dyb3VuZCI6eyIkaWQiOiIyMjIiLCJDb2xvciI6eyIkaWQiOiIyMjMiLCJBIjowLCJSIjoyNTUsIkciOjI1NSwiQiI6MjU1fX0sIklzVmlzaWJsZSI6dHJ1ZSwiV2lkdGgiOjAuMCwiSGVpZ2h0IjowLjAsIkJvcmRlclN0eWxlIjp7IiRpZCI6IjIyNCIsIkxpbmVDb2xvciI6bnVsbCwiTGluZVdlaWdodCI6MC4wLCJMaW5lVHlwZSI6MCwiUGFyZW50U3R5bGUiOm51bGx9LCJQYXJlbnRTdHlsZSI6bnVsbH0sIkRhdGVGb3JtYXQiOnsiJGlkIjoiMjI1IiwiRm9ybWF0U3RyaW5nIjoiTU1NIGQiLCJTZXBhcmF0b3IiOiIvIiwiVXNlSW50ZXJuYXRpb25hbERhdGVGb3JtYXQiOmZhbHNlLCJEYXRlSXNWaXNpYmxlIjp0cnVlLCJUaW1lSXNWaXNpYmxlIjpmYWxzZSwiSG91ckRpZ2l0cyI6MSwiQW1QbURlc2lnbmF0b3IiOjIsIlRyaW0wME1pbnV0ZXMiOmZhbHNlLCJMYXN0S25vd25WaXNpYmlsaXR5U3RhdGUiOm51bGx9LCJXZWVrTnVtYmVyaW5nIjp7IiRpZCI6IjIyNiIsIkZvcm1hdCI6MCwiSXNWaXNpYmxlIjpmYWxzZSwiTGFzdEtub3duVmlzaWJpbGl0eVN0YXRlIjpmYWxzZX0sIklzVmlzaWJsZSI6dHJ1ZSwiUGFyZW50U3R5bGUiOm51bGx9LCJJbmRleCI6MCwiU21hcnREdXJhdGlvbkFjdGl2YXRlZCI6ZmFsc2UsIkRhdGVGb3JtYXQiOnsiJHJlZiI6IjIyNSJ9LCJXZWVrTnVtYmVyaW5nIjp7IiRpZCI6IjIyNyIsIkZvcm1hdCI6MCwiSXNWaXNpYmxlIjpmYWxzZSwiTGFzdEtub3duVmlzaWJpbGl0eVN0YXRlIjpmYWxzZX0sIklkIjoiZWJjZTFjNTYtYzc2Mi00ZmY2LThkYWEtMDQ0ODM5NjAyMjY1IiwiSW1wb3J0SWQiOm51bGwsIlRpdGxlIjoiTGl0ZXJhdHVyZSByZXNlYXJjaCAmIGxpdC4gcmV2aWV3IHNrZWxldG9uIiwiTm90ZSI6bnVsbCwiSHlwZXJsaW5rIjp7IiRpZCI6IjIyOCIsIkFkZHJlc3MiOm51bGwsIlN1YkFkZHJlc3MiOm51bGx9LCJJc0NoYW5nZWQiOmZhbHNlLCJJc05ldyI6ZmFsc2V9LHsiJGlkIjoiMjI5IiwiR3JvdXBOYW1lIjpudWxsLCJTdGFydERhdGUiOiIyMDIyLTAzLTE4VDAwOjAwOjAwWiIsIkVuZERhdGUiOiIyMDIyLTAzLTI1VDIzOjU5OjAwWiIsIlBlcmNlbnRhZ2VDb21wbGV0ZSI6bnVsbCwiU3R5bGUiOnsiJGlkIjoiMjMwIiwiU2hhcGUiOjEsIlNoYXBlVGhpY2tuZXNzIjoxLCJEdXJhdGlvbkZvcm1hdCI6MCwiSW5jbHVkZU5vbldvcmtpbmdEYXlzSW5EdXJhdGlvbiI6ZmFsc2UsIlBlcmNlbnRhZ2VDb21wbGV0ZVN0eWxlIjp7IiRpZCI6IjIzMSIsIkZvbnRTZXR0aW5ncyI6eyIkaWQiOiIyMzIiLCJGb250U2l6ZSI6MTAsIkZvbnROYW1lIjoiQ2FsaWJyaSIsIklzQm9sZCI6ZmFsc2UsIklzSXRhbGljIjpmYWxzZSwiSXNVbmRlcmxpbmVkIjpmYWxzZSwiUGFyZW50U3R5bGUiOm51bGx9LCJBdXRvU2l6ZSI6MCwiRm9yZWdyb3VuZCI6eyIkaWQiOiIyMzMiLCJDb2xvciI6eyIkaWQiOiIyMzQiLCJBIjoyNTUsIlIiOjE5MiwiRyI6ODAsIkIiOjc3fX0sIk1heFdpZHRoIjoyMDAuMCwiTWF4SGVpZ2h0IjoiSW5maW5pdHkiLCJTbWFydEZvcmVncm91bmRJc0FjdGl2ZSI6ZmFsc2UsIkhvcml6b250YWxBbGlnbm1lbnQiOjAsIlZlcnRpY2FsQWxpZ25tZW50IjowLCJTbWFydEZvcmVncm91bmQiOm51bGwsIkJhY2tncm91bmRGaWxsVHlwZSI6MCwiTWFyZ2luIjp7IiRyZWYiOiIxMjEifSwiUGFkZGluZyI6eyIkcmVmIjoiMTIyIn0sIkJhY2tncm91bmQiOnsiJHJlZiI6IjEyMyJ9LCJJc1Zpc2libGUiOnRydWUsIldpZHRoIjowLjAsIkhlaWdodCI6MC4wLCJCb3JkZXJTdHlsZSI6eyIkaWQiOiIyMzUiLCJMaW5lQ29sb3IiOm51bGwsIkxpbmVXZWlnaHQiOjAuMCwiTGluZVR5cGUiOjAsIlBhcmVudFN0eWxlIjpudWxsfSwiUGFyZW50U3R5bGUiOm51bGx9LCJEdXJhdGlvblN0eWxlIjp7IiRpZCI6IjIzNiIsIkZvbnRTZXR0aW5ncyI6eyIkaWQiOiIyMzciLCJGb250U2l6ZSI6MTAsIkZvbnROYW1lIjoiQ2FsaWJyaSIsIklzQm9sZCI6ZmFsc2UsIklzSXRhbGljIjpmYWxzZSwiSXNVbmRlcmxpbmVkIjpmYWxzZSwiUGFyZW50U3R5bGUiOm51bGx9LCJBdXRvU2l6ZSI6MCwiRm9yZWdyb3VuZCI6eyIkaWQiOiIyMzgiLCJDb2xvciI6eyIkaWQiOiIyMzkiLCJBIjoyNTUsIlIiOjAsIkciOjAsIkIiOjB9fSwiTWF4V2lkdGgiOjIwMC4wLCJNYXhIZWlnaHQiOiJJbmZpbml0eSIsIlNtYXJ0Rm9yZWdyb3VuZElzQWN0aXZlIjpmYWxzZSwiSG9yaXpvbnRhbEFsaWdubWVudCI6MSwiVmVydGljYWxBbGlnbm1lbnQiOjAsIlNtYXJ0Rm9yZWdyb3VuZCI6bnVsbCwiQmFja2dyb3VuZEZpbGxUeXBlIjowLCJNYXJnaW4iOnsiJHJlZiI6IjEyOCJ9LCJQYWRkaW5nIjp7IiRyZWYiOiIxMjkifSwiQmFja2dyb3VuZCI6eyIkaWQiOiIyNDAiLCJDb2xvciI6eyIkaWQiOiIyNDEiLCJBIjowLCJSIjoyNTUsIkciOjI1NSwiQiI6MjU1fX0sIklzVmlzaWJsZSI6dHJ1ZSwiV2lkdGgiOjAuMCwiSGVpZ2h0IjowLjAsIkJvcmRlclN0eWxlIjp7IiRpZCI6IjI0MiIsIkxpbmVDb2xvciI6bnVsbCwiTGluZVdlaWdodCI6MC4wLCJMaW5lVHlwZSI6MCwiUGFyZW50U3R5bGUiOm51bGx9LCJQYXJlbnRTdHlsZSI6bnVsbH0sIkhvcml6b250YWxDb25uZWN0b3JTdHlsZSI6eyIkaWQiOiIyNDMiLCJMaW5lQ29sb3IiOnsiJHJlZiI6IjEzMiJ9LCJMaW5lV2VpZ2h0IjoxLjAsIkxpbmVUeXBlIjowLCJQYXJlbnRTdHlsZSI6bnVsbH0sIlZlcnRpY2FsQ29ubmVjdG9yU3R5bGUiOnsiJGlkIjoiMjQ0IiwiTGluZUNvbG9yIjp7IiRyZWYiOiIxMzUifSwiTGluZVdlaWdodCI6MC4wLCJMaW5lVHlwZSI6MCwiUGFyZW50U3R5bGUiOm51bGx9LCJNYXJnaW4iOm51bGwsIlN0YXJ0RGF0ZVBvc2l0aW9uIjo0LCJFbmREYXRlUG9zaXRpb24iOjQsIkRhdGVJc1Zpc2libGUiOnRydWUsIlRpdGxlUG9zaXRpb24iOjMsIkR1cmF0aW9uUG9zaXRpb24iOjIsIlBlcmNlbnRhZ2VDb21wbGV0ZWRQb3NpdGlvbiI6NiwiU3BhY2luZyI6NSwiSXNCZWxvd1RpbWViYW5kIjpmYWxzZSwiUGVyY2VudGFnZUNvbXBsZXRlU2hhcGVPcGFjaXR5IjozNSwiU2hhcGVTdHlsZSI6eyIkaWQiOiIyNDUiLCJNYXJnaW4iOnsiJHJlZiI6IjEzOCJ9LCJQYWRkaW5nIjp7IiRyZWYiOiIxMzkifSwiQmFja2dyb3VuZCI6eyIkaWQiOiIyNDYiLCJDb2xvciI6eyIkaWQiOiIyNDciLCJBIjoyNTUsIlIiOjEzOSwiRyI6MjE4LCJCIjoyMzN9fSwiSXNWaXNpYmxlIjp0cnVlLCJXaWR0aCI6MC4wLCJIZWlnaHQiOjE2LjAsIkJvcmRlclN0eWxlIjp7IiRpZCI6IjI0OCIsIkxpbmVDb2xvciI6eyIkaWQiOiIyNDkiLCIkdHlwZSI6Ik5MUkUuQ29tbW9uLkRvbS5Tb2xpZENvbG9yQnJ1c2gsIE5MUkUuQ29tbW9uIiwiQ29sb3IiOnsiJGlkIjoiMjUwIiwiQSI6MjU1LCJSIjoyNTUsIkciOjAsIkIiOjB9fSwiTGluZVdlaWdodCI6MC4wLCJMaW5lVHlwZSI6MCwiUGFyZW50U3R5bGUiOm51bGx9LCJQYXJlbnRTdHlsZSI6bnVsbH0sIlRpdGxlU3R5bGUiOnsiJGlkIjoiMjUxIiwiRm9udFNldHRpbmdzIjp7IiRpZCI6IjI1MiIsIkZvbnRTaXplIjoxMiwiRm9udE5hbWUiOiJDYWxpYnJpIiwiSXNCb2xkIjp0cnVlLCJJc0l0YWxpYyI6ZmFsc2UsIklzVW5kZXJsaW5lZCI6ZmFsc2UsIlBhcmVudFN0eWxlIjpudWxsfSwiQXV0b1NpemUiOjAsIkZvcmVncm91bmQiOnsiJGlkIjoiMjUzIiwiQ29sb3IiOnsiJGlkIjoiMjU0IiwiQSI6MjU1LCJSIjowLCJHIjowLCJCIjowfX0sIk1heFdpZHRoIjo3MjAuMCwiTWF4SGVpZ2h0IjoiSW5maW5pdHkiLCJTbWFydEZvcmVncm91bmRJc0FjdGl2ZSI6ZmFsc2UsIkhvcml6b250YWxBbGlnbm1lbnQiOjIsIlZlcnRpY2FsQWxpZ25tZW50IjowLCJTbWFydEZvcmVncm91bmQiOm51bGwsIkJhY2tncm91bmRGaWxsVHlwZSI6MCwiTWFyZ2luIjp7IiRyZWYiOiIxNDkifSwiUGFkZGluZyI6eyIkcmVmIjoiMTUwIn0sIkJhY2tncm91bmQiOnsiJGlkIjoiMjU1IiwiQ29sb3IiOnsiJGlkIjoiMjU2IiwiQSI6MCwiUiI6MjU1LCJHIjoyNTUsIkIiOjI1NX19LCJJc1Zpc2libGUiOnRydWUsIldpZHRoIjowLjAsIkhlaWdodCI6MC4wLCJCb3JkZXJTdHlsZSI6eyIkaWQiOiIyNTciLCJMaW5lQ29sb3IiOm51bGwsIkxpbmVXZWlnaHQiOjAuMCwiTGluZVR5cGUiOjAsIlBhcmVudFN0eWxlIjpudWxsfSwiUGFyZW50U3R5bGUiOm51bGx9LCJEYXRlU3R5bGUiOnsiJGlkIjoiMjU4IiwiRm9udFNldHRpbmdzIjp7IiRpZCI6IjI1OSIsIkZvbnRTaXplIjoxMCwiRm9udE5hbWUiOiJDYWxpYnJpIiwiSXNCb2xkIjpmYWxzZSwiSXNJdGFsaWMiOmZhbHNlLCJJc1VuZGVybGluZWQiOmZhbHNlLCJQYXJlbnRTdHlsZSI6bnVsbH0sIkF1dG9TaXplIjowLCJGb3JlZ3JvdW5kIjp7IiRpZCI6IjI2MCIsIkNvbG9yIjp7IiRpZCI6IjI2MSIsIkEiOjI1NSwiUiI6NjgsIkciOjg0LCJCIjoxMDZ9fSwiTWF4V2lkdGgiOjIwMC4wLCJNYXhIZWlnaHQiOiJJbmZpbml0eSIsIlNtYXJ0Rm9yZWdyb3VuZElzQWN0aXZlIjpmYWxzZSwiSG9yaXpvbnRhbEFsaWdubWVudCI6MCwiVmVydGljYWxBbGlnbm1lbnQiOjAsIlNtYXJ0Rm9yZWdyb3VuZCI6bnVsbCwiQmFja2dyb3VuZEZpbGxUeXBlIjowLCJNYXJnaW4iOnsiJHJlZiI6IjE1NiJ9LCJQYWRkaW5nIjp7IiRyZWYiOiIxNTcifSwiQmFja2dyb3VuZCI6eyIkaWQiOiIyNjIiLCJDb2xvciI6eyIkaWQiOiIyNjMiLCJBIjowLCJSIjoyNTUsIkciOjI1NSwiQiI6MjU1fX0sIklzVmlzaWJsZSI6dHJ1ZSwiV2lkdGgiOjAuMCwiSGVpZ2h0IjowLjAsIkJvcmRlclN0eWxlIjp7IiRpZCI6IjI2NCIsIkxpbmVDb2xvciI6bnVsbCwiTGluZVdlaWdodCI6MC4wLCJMaW5lVHlwZSI6MCwiUGFyZW50U3R5bGUiOm51bGx9LCJQYXJlbnRTdHlsZSI6bnVsbH0sIkRhdGVGb3JtYXQiOnsiJGlkIjoiMjY1IiwiRm9ybWF0U3RyaW5nIjoiTU1NIGQiLCJTZXBhcmF0b3IiOiIvIiwiVXNlSW50ZXJuYXRpb25hbERhdGVGb3JtYXQiOmZhbHNlLCJEYXRlSXNWaXNpYmxlIjp0cnVlLCJUaW1lSXNWaXNpYmxlIjpmYWxzZSwiSG91ckRpZ2l0cyI6MSwiQW1QbURlc2lnbmF0b3IiOjIsIlRyaW0wME1pbnV0ZXMiOmZhbHNlLCJMYXN0S25vd25WaXNpYmlsaXR5U3RhdGUiOm51bGx9LCJXZWVrTnVtYmVyaW5nIjp7IiRpZCI6IjI2NiIsIkZvcm1hdCI6MCwiSXNWaXNpYmxlIjpmYWxzZSwiTGFzdEtub3duVmlzaWJpbGl0eVN0YXRlIjpmYWxzZX0sIklzVmlzaWJsZSI6dHJ1ZSwiUGFyZW50U3R5bGUiOm51bGx9LCJJbmRleCI6MSwiU21hcnREdXJhdGlvbkFjdGl2YXRlZCI6ZmFsc2UsIkRhdGVGb3JtYXQiOnsiJHJlZiI6IjI2NSJ9LCJXZWVrTnVtYmVyaW5nIjp7IiRpZCI6IjI2NyIsIkZvcm1hdCI6MCwiSXNWaXNpYmxlIjpmYWxzZSwiTGFzdEtub3duVmlzaWJpbGl0eVN0YXRlIjpmYWxzZX0sIklkIjoiOTg5NzUzNGEtMGVhMi00NGViLWJlYWYtNDE0ZGJhZDk1NzkyIiwiSW1wb3J0SWQiOm51bGwsIlRpdGxlIjoiTGl0ZXJhdHVyZSByZXZpZXcgZHJhZnQiLCJOb3RlIjpudWxsLCJIeXBlcmxpbmsiOnsiJGlkIjoiMjY4IiwiQWRkcmVzcyI6IiIsIlN1YkFkZHJlc3MiOiIifSwiSXNDaGFuZ2VkIjpmYWxzZSwiSXNOZXciOmZhbHNlfSx7IiRpZCI6IjI2OSIsIkdyb3VwTmFtZSI6bnVsbCwiU3RhcnREYXRlIjoiMjAyMi0wMy0yOFQwMDowMDowMFoiLCJFbmREYXRlIjoiMjAyMi0wNC0wMVQyMzo1OTowMFoiLCJQZXJjZW50YWdlQ29tcGxldGUiOm51bGwsIlN0eWxlIjp7IiRpZCI6IjI3MCIsIlNoYXBlIjoxLCJTaGFwZVRoaWNrbmVzcyI6MSwiRHVyYXRpb25Gb3JtYXQiOjAsIkluY2x1ZGVOb25Xb3JraW5nRGF5c0luRHVyYXRpb24iOmZhbHNlLCJQZXJjZW50YWdlQ29tcGxldGVTdHlsZSI6eyIkaWQiOiIyNzEiLCJGb250U2V0dGluZ3MiOnsiJGlkIjoiMjcyIiwiRm9udFNpemUiOjEwLCJGb250TmFtZSI6IkNhbGlicmkiLCJJc0JvbGQiOmZhbHNlLCJJc0l0YWxpYyI6ZmFsc2UsIklzVW5kZXJsaW5lZCI6ZmFsc2UsIlBhcmVudFN0eWxlIjpudWxsfSwiQXV0b1NpemUiOjAsIkZvcmVncm91bmQiOnsiJGlkIjoiMjczIiwiQ29sb3IiOnsiJGlkIjoiMjc0IiwiQSI6MjU1LCJSIjoxOTIsIkciOjgwLCJCIjo3N319LCJNYXhXaWR0aCI6MjAwLjAsIk1heEhlaWdodCI6IkluZmluaXR5IiwiU21hcnRGb3JlZ3JvdW5kSXNBY3RpdmUiOmZhbHNlLCJIb3Jpem9udGFsQWxpZ25tZW50IjowLCJWZXJ0aWNhbEFsaWdubWVudCI6MCwiU21hcnRGb3JlZ3JvdW5kIjpudWxsLCJCYWNrZ3JvdW5kRmlsbFR5cGUiOjAsIk1hcmdpbiI6eyIkcmVmIjoiMTIxIn0sIlBhZGRpbmciOnsiJHJlZiI6IjEyMiJ9LCJCYWNrZ3JvdW5kIjp7IiRyZWYiOiIxMjMifSwiSXNWaXNpYmxlIjp0cnVlLCJXaWR0aCI6MC4wLCJIZWlnaHQiOjAuMCwiQm9yZGVyU3R5bGUiOnsiJGlkIjoiMjc1IiwiTGluZUNvbG9yIjpudWxsLCJMaW5lV2VpZ2h0IjowLjAsIkxpbmVUeXBlIjowLCJQYXJlbnRTdHlsZSI6bnVsbH0sIlBhcmVudFN0eWxlIjpudWxsfSwiRHVyYXRpb25TdHlsZSI6eyIkaWQiOiIyNzYiLCJGb250U2V0dGluZ3MiOnsiJGlkIjoiMjc3IiwiRm9udFNpemUiOjEwLCJGb250TmFtZSI6IkNhbGlicmkiLCJJc0JvbGQiOmZhbHNlLCJJc0l0YWxpYyI6ZmFsc2UsIklzVW5kZXJsaW5lZCI6ZmFsc2UsIlBhcmVudFN0eWxlIjpudWxsfSwiQXV0b1NpemUiOjAsIkZvcmVncm91bmQiOnsiJGlkIjoiMjc4IiwiQ29sb3IiOnsiJGlkIjoiMjc5IiwiQSI6MjU1LCJSIjowLCJHIjowLCJCIjowfX0sIk1heFdpZHRoIjoyMDAuMCwiTWF4SGVpZ2h0IjoiSW5maW5pdHkiLCJTbWFydEZvcmVncm91bmRJc0FjdGl2ZSI6ZmFsc2UsIkhvcml6b250YWxBbGlnbm1lbnQiOjEsIlZlcnRpY2FsQWxpZ25tZW50IjowLCJTbWFydEZvcmVncm91bmQiOm51bGwsIkJhY2tncm91bmRGaWxsVHlwZSI6MCwiTWFyZ2luIjp7IiRyZWYiOiIxMjgifSwiUGFkZGluZyI6eyIkcmVmIjoiMTI5In0sIkJhY2tncm91bmQiOnsiJGlkIjoiMjgwIiwiQ29sb3IiOnsiJGlkIjoiMjgxIiwiQSI6MCwiUiI6MjU1LCJHIjoyNTUsIkIiOjI1NX19LCJJc1Zpc2libGUiOnRydWUsIldpZHRoIjowLjAsIkhlaWdodCI6MC4wLCJCb3JkZXJTdHlsZSI6eyIkaWQiOiIyODIiLCJMaW5lQ29sb3IiOm51bGwsIkxpbmVXZWlnaHQiOjAuMCwiTGluZVR5cGUiOjAsIlBhcmVudFN0eWxlIjpudWxsfSwiUGFyZW50U3R5bGUiOm51bGx9LCJIb3Jpem9udGFsQ29ubmVjdG9yU3R5bGUiOnsiJGlkIjoiMjgzIiwiTGluZUNvbG9yIjp7IiRyZWYiOiIxMzIifSwiTGluZVdlaWdodCI6MS4wLCJMaW5lVHlwZSI6MCwiUGFyZW50U3R5bGUiOm51bGx9LCJWZXJ0aWNhbENvbm5lY3RvclN0eWxlIjp7IiRpZCI6IjI4NCIsIkxpbmVDb2xvciI6eyIkcmVmIjoiMTM1In0sIkxpbmVXZWlnaHQiOjAuMCwiTGluZVR5cGUiOjAsIlBhcmVudFN0eWxlIjpudWxsfSwiTWFyZ2luIjpudWxsLCJTdGFydERhdGVQb3NpdGlvbiI6NCwiRW5kRGF0ZVBvc2l0aW9uIjo0LCJEYXRlSXNWaXNpYmxlIjp0cnVlLCJUaXRsZVBvc2l0aW9uIjozLCJEdXJhdGlvblBvc2l0aW9uIjoyLCJQZXJjZW50YWdlQ29tcGxldGVkUG9zaXRpb24iOjYsIlNwYWNpbmciOjUsIklzQmVsb3dUaW1lYmFuZCI6ZmFsc2UsIlBlcmNlbnRhZ2VDb21wbGV0ZVNoYXBlT3BhY2l0eSI6MzUsIlNoYXBlU3R5bGUiOnsiJGlkIjoiMjg1IiwiTWFyZ2luIjp7IiRyZWYiOiIxMzgifSwiUGFkZGluZyI6eyIkcmVmIjoiMTM5In0sIkJhY2tncm91bmQiOnsiJGlkIjoiMjg2IiwiQ29sb3IiOnsiJGlkIjoiMjg3IiwiQSI6MjU1LCJSIjoxMzksIkciOjIxOCwiQiI6MjMzfX0sIklzVmlzaWJsZSI6dHJ1ZSwiV2lkdGgiOjAuMCwiSGVpZ2h0IjoxNi4wLCJCb3JkZXJTdHlsZSI6eyIkaWQiOiIyODgiLCJMaW5lQ29sb3IiOnsiJHJlZiI6IjI0OSJ9LCJMaW5lV2VpZ2h0IjowLjAsIkxpbmVUeXBlIjowLCJQYXJlbnRTdHlsZSI6bnVsbH0sIlBhcmVudFN0eWxlIjpudWxsfSwiVGl0bGVTdHlsZSI6eyIkaWQiOiIyODkiLCJGb250U2V0dGluZ3MiOnsiJGlkIjoiMjkwIiwiRm9udFNpemUiOjEyLCJGb250TmFtZSI6IkNhbGlicmkiLCJJc0JvbGQiOnRydWUsIklzSXRhbGljIjpmYWxzZSwiSXNVbmRlcmxpbmVkIjpmYWxzZSwiUGFyZW50U3R5bGUiOm51bGx9LCJBdXRvU2l6ZSI6MCwiRm9yZWdyb3VuZCI6eyIkaWQiOiIyOTEiLCJDb2xvciI6eyIkaWQiOiIyOTIiLCJBIjoyNTUsIlIiOjAsIkciOjAsIkIiOjB9fSwiTWF4V2lkdGgiOjcyMC4wLCJNYXhIZWlnaHQiOiJJbmZpbml0eSIsIlNtYXJ0Rm9yZWdyb3VuZElzQWN0aXZlIjpmYWxzZSwiSG9yaXpvbnRhbEFsaWdubWVudCI6MiwiVmVydGljYWxBbGlnbm1lbnQiOjAsIlNtYXJ0Rm9yZWdyb3VuZCI6bnVsbCwiQmFja2dyb3VuZEZpbGxUeXBlIjowLCJNYXJnaW4iOnsiJHJlZiI6IjE0OSJ9LCJQYWRkaW5nIjp7IiRyZWYiOiIxNTAifSwiQmFja2dyb3VuZCI6eyIkaWQiOiIyOTMiLCJDb2xvciI6eyIkaWQiOiIyOTQiLCJBIjowLCJSIjoyNTUsIkciOjI1NSwiQiI6MjU1fX0sIklzVmlzaWJsZSI6dHJ1ZSwiV2lkdGgiOjAuMCwiSGVpZ2h0IjowLjAsIkJvcmRlclN0eWxlIjp7IiRpZCI6IjI5NSIsIkxpbmVDb2xvciI6bnVsbCwiTGluZVdlaWdodCI6MC4wLCJMaW5lVHlwZSI6MCwiUGFyZW50U3R5bGUiOm51bGx9LCJQYXJlbnRTdHlsZSI6bnVsbH0sIkRhdGVTdHlsZSI6eyIkaWQiOiIyOTYiLCJGb250U2V0dGluZ3MiOnsiJGlkIjoiMjk3IiwiRm9udFNpemUiOjEwLCJGb250TmFtZSI6IkNhbGlicmkiLCJJc0JvbGQiOmZhbHNlLCJJc0l0YWxpYyI6ZmFsc2UsIklzVW5kZXJsaW5lZCI6ZmFsc2UsIlBhcmVudFN0eWxlIjpudWxsfSwiQXV0b1NpemUiOjAsIkZvcmVncm91bmQiOnsiJGlkIjoiMjk4IiwiQ29sb3IiOnsiJGlkIjoiMjk5IiwiQSI6MjU1LCJSIjo2OCwiRyI6ODQsIkIiOjEwNn19LCJNYXhXaWR0aCI6MjAwLjAsIk1heEhlaWdodCI6IkluZmluaXR5IiwiU21hcnRGb3JlZ3JvdW5kSXNBY3RpdmUiOmZhbHNlLCJIb3Jpem9udGFsQWxpZ25tZW50IjowLCJWZXJ0aWNhbEFsaWdubWVudCI6MCwiU21hcnRGb3JlZ3JvdW5kIjpudWxsLCJCYWNrZ3JvdW5kRmlsbFR5cGUiOjAsIk1hcmdpbiI6eyIkcmVmIjoiMTU2In0sIlBhZGRpbmciOnsiJHJlZiI6IjE1NyJ9LCJCYWNrZ3JvdW5kIjp7IiRpZCI6IjMwMCIsIkNvbG9yIjp7IiRpZCI6IjMwMSIsIkEiOjAsIlIiOjI1NSwiRyI6MjU1LCJCIjoyNTV9fSwiSXNWaXNpYmxlIjp0cnVlLCJXaWR0aCI6MC4wLCJIZWlnaHQiOjAuMCwiQm9yZGVyU3R5bGUiOnsiJGlkIjoiMzAyIiwiTGluZUNvbG9yIjpudWxsLCJMaW5lV2VpZ2h0IjowLjAsIkxpbmVUeXBlIjowLCJQYXJlbnRTdHlsZSI6bnVsbH0sIlBhcmVudFN0eWxlIjpudWxsfSwiRGF0ZUZvcm1hdCI6eyIkcmVmIjoiMjY1In0sIldlZWtOdW1iZXJpbmciOnsiJGlkIjoiMzAzIiwiRm9ybWF0IjowLCJJc1Zpc2libGUiOmZhbHNlLCJMYXN0S25vd25WaXNpYmlsaXR5U3RhdGUiOmZhbHNlfSwiSXNWaXNpYmxlIjp0cnVlLCJQYXJlbnRTdHlsZSI6bnVsbH0sIkluZGV4IjoyLCJTbWFydER1cmF0aW9uQWN0aXZhdGVkIjpmYWxzZSwiRGF0ZUZvcm1hdCI6eyIkcmVmIjoiMjY1In0sIldlZWtOdW1iZXJpbmciOnsiJGlkIjoiMzA0IiwiRm9ybWF0IjowLCJJc1Zpc2libGUiOmZhbHNlLCJMYXN0S25vd25WaXNpYmlsaXR5U3RhdGUiOmZhbHNlfSwiSWQiOiJkMTAwN2IzNC0wNDdjLTQ5NDctOGFhZC1iZGE2NGMzMTBhNmUiLCJJbXBvcnRJZCI6bnVsbCwiVGl0bGUiOiJGaW5hbCBsaXRlcmF0dXJlIHJldmlldyIsIk5vdGUiOm51bGwsIkh5cGVybGluayI6eyIkaWQiOiIzMDUiLCJBZGRyZXNzIjoiIiwiU3ViQWRkcmVzcyI6IiJ9LCJJc0NoYW5nZWQiOmZhbHNlLCJJc05ldyI6ZmFsc2V9LHsiJGlkIjoiMzA2IiwiR3JvdXBOYW1lIjpudWxsLCJTdGFydERhdGUiOiIyMDIyLTA0LTA0VDAwOjAwOjAwWiIsIkVuZERhdGUiOiIyMDIyLTA0LTEwVDIzOjU5OjAwWiIsIlBlcmNlbnRhZ2VDb21wbGV0ZSI6bnVsbCwiU3R5bGUiOnsiJGlkIjoiMzA3IiwiU2hhcGUiOjEsIlNoYXBlVGhpY2tuZXNzIjoxLCJEdXJhdGlvbkZvcm1hdCI6MCwiSW5jbHVkZU5vbldvcmtpbmdEYXlzSW5EdXJhdGlvbiI6ZmFsc2UsIlBlcmNlbnRhZ2VDb21wbGV0ZVN0eWxlIjp7IiRpZCI6IjMwOCIsIkZvbnRTZXR0aW5ncyI6eyIkaWQiOiIzMDkiLCJGb250U2l6ZSI6MTAsIkZvbnROYW1lIjoiQ2FsaWJyaSIsIklzQm9sZCI6ZmFsc2UsIklzSXRhbGljIjpmYWxzZSwiSXNVbmRlcmxpbmVkIjpmYWxzZSwiUGFyZW50U3R5bGUiOm51bGx9LCJBdXRvU2l6ZSI6MCwiRm9yZWdyb3VuZCI6eyIkcmVmIjoiMTE5In0sIk1heFdpZHRoIjoyMDAuMCwiTWF4SGVpZ2h0IjoiSW5maW5pdHkiLCJTbWFydEZvcmVncm91bmRJc0FjdGl2ZSI6ZmFsc2UsIkhvcml6b250YWxBbGlnbm1lbnQiOjAsIlZlcnRpY2FsQWxpZ25tZW50IjowLCJTbWFydEZvcmVncm91bmQiOm51bGwsIkJhY2tncm91bmRGaWxsVHlwZSI6MCwiTWFyZ2luIjp7IiRyZWYiOiIxMjEifSwiUGFkZGluZyI6eyIkcmVmIjoiMTIyIn0sIkJhY2tncm91bmQiOnsiJHJlZiI6IjEyMyJ9LCJJc1Zpc2libGUiOnRydWUsIldpZHRoIjowLjAsIkhlaWdodCI6MC4wLCJCb3JkZXJTdHlsZSI6eyIkaWQiOiIzMTAiLCJMaW5lQ29sb3IiOm51bGwsIkxpbmVXZWlnaHQiOjAuMCwiTGluZVR5cGUiOjAsIlBhcmVudFN0eWxlIjpudWxsfSwiUGFyZW50U3R5bGUiOm51bGx9LCJEdXJhdGlvblN0eWxlIjp7IiRpZCI6IjMxMSIsIkZvbnRTZXR0aW5ncyI6eyIkaWQiOiIzMTIiLCJGb250U2l6ZSI6MTAsIkZvbnROYW1lIjoiQ2FsaWJyaSIsIklzQm9sZCI6ZmFsc2UsIklzSXRhbGljIjpmYWxzZSwiSXNVbmRlcmxpbmVkIjpmYWxzZSwiUGFyZW50U3R5bGUiOm51bGx9LCJBdXRvU2l6ZSI6MCwiRm9yZWdyb3VuZCI6eyIkaWQiOiIzMTMiLCJDb2xvciI6eyIkaWQiOiIzMTQiLCJBIjoyNTUsIlIiOjI1NSwiRyI6MjU1LCJCIjoyNTV9fSwiTWF4V2lkdGgiOjIwMC4wLCJNYXhIZWlnaHQiOiJJbmZpbml0eSIsIlNtYXJ0Rm9yZWdyb3VuZElzQWN0aXZlIjpmYWxzZSwiSG9yaXpvbnRhbEFsaWdubWVudCI6MSwiVmVydGljYWxBbGlnbm1lbnQiOjAsIlNtYXJ0Rm9yZWdyb3VuZCI6bnVsbCwiQmFja2dyb3VuZEZpbGxUeXBlIjowLCJNYXJnaW4iOnsiJHJlZiI6IjEyOCJ9LCJQYWRkaW5nIjp7IiRyZWYiOiIxMjkifSwiQmFja2dyb3VuZCI6eyIkcmVmIjoiMTMwIn0sIklzVmlzaWJsZSI6dHJ1ZSwiV2lkdGgiOjAuMCwiSGVpZ2h0IjowLjAsIkJvcmRlclN0eWxlIjp7IiRpZCI6IjMxNSIsIkxpbmVDb2xvciI6bnVsbCwiTGluZVdlaWdodCI6MC4wLCJMaW5lVHlwZSI6MCwiUGFyZW50U3R5bGUiOm51bGx9LCJQYXJlbnRTdHlsZSI6bnVsbH0sIkhvcml6b250YWxDb25uZWN0b3JTdHlsZSI6eyIkaWQiOiIzMTYiLCJMaW5lQ29sb3IiOnsiJHJlZiI6IjEzMiJ9LCJMaW5lV2VpZ2h0IjoxLjAsIkxpbmVUeXBlIjowLCJQYXJlbnRTdHlsZSI6bnVsbH0sIlZlcnRpY2FsQ29ubmVjdG9yU3R5bGUiOnsiJGlkIjoiMzE3IiwiTGluZUNvbG9yIjp7IiRyZWYiOiIxMzUifSwiTGluZVdlaWdodCI6MC4wLCJMaW5lVHlwZSI6MCwiUGFyZW50U3R5bGUiOm51bGx9LCJNYXJnaW4iOm51bGwsIlN0YXJ0RGF0ZVBvc2l0aW9uIjo0LCJFbmREYXRlUG9zaXRpb24iOjQsIkRhdGVJc1Zpc2libGUiOnRydWUsIlRpdGxlUG9zaXRpb24iOjMsIkR1cmF0aW9uUG9zaXRpb24iOjIsIlBlcmNlbnRhZ2VDb21wbGV0ZWRQb3NpdGlvbiI6NiwiU3BhY2luZyI6NSwiSXNCZWxvd1RpbWViYW5kIjpmYWxzZSwiUGVyY2VudGFnZUNvbXBsZXRlU2hhcGVPcGFjaXR5IjozNSwiU2hhcGVTdHlsZSI6eyIkaWQiOiIzMTgiLCJNYXJnaW4iOnsiJHJlZiI6IjEzOCJ9LCJQYWRkaW5nIjp7IiRyZWYiOiIxMzkifSwiQmFja2dyb3VuZCI6eyIkaWQiOiIzMTkiLCJDb2xvciI6eyIkaWQiOiIzMjAiLCJBIjoyNTUsIlIiOjE3OCwiRyI6MTQsIkIiOjE4fX0sIklzVmlzaWJsZSI6dHJ1ZSwiV2lkdGgiOjAuMCwiSGVpZ2h0IjoxNi4wLCJCb3JkZXJTdHlsZSI6eyIkaWQiOiIzMjEiLCJMaW5lQ29sb3IiOnsiJHJlZiI6IjE0MyJ9LCJMaW5lV2VpZ2h0IjowLjAsIkxpbmVUeXBlIjowLCJQYXJlbnRTdHlsZSI6bnVsbH0sIlBhcmVudFN0eWxlIjpudWxsfSwiVGl0bGVTdHlsZSI6eyIkaWQiOiIzMjIiLCJGb250U2V0dGluZ3MiOnsiJGlkIjoiMzIzIiwiRm9udFNpemUiOjEyLCJGb250TmFtZSI6IkNhbGlicmkiLCJJc0JvbGQiOnRydWUsIklzSXRhbGljIjpmYWxzZSwiSXNVbmRlcmxpbmVkIjpmYWxzZSwiUGFyZW50U3R5bGUiOm51bGx9LCJBdXRvU2l6ZSI6MCwiRm9yZWdyb3VuZCI6eyIkaWQiOiIzMjQiLCJDb2xvciI6eyIkaWQiOiIzMjUiLCJBIjoyNTUsIlIiOjAsIkciOjAsIkIiOjB9fSwiTWF4V2lkdGgiOjcyMC4wLCJNYXhIZWlnaHQiOiJJbmZpbml0eSIsIlNtYXJ0Rm9yZWdyb3VuZElzQWN0aXZlIjpmYWxzZSwiSG9yaXpvbnRhbEFsaWdubWVudCI6MiwiVmVydGljYWxBbGlnbm1lbnQiOjAsIlNtYXJ0Rm9yZWdyb3VuZCI6bnVsbCwiQmFja2dyb3VuZEZpbGxUeXBlIjowLCJNYXJnaW4iOnsiJHJlZiI6IjE0OSJ9LCJQYWRkaW5nIjp7IiRyZWYiOiIxNTAifSwiQmFja2dyb3VuZCI6eyIkcmVmIjoiMTUxIn0sIklzVmlzaWJsZSI6dHJ1ZSwiV2lkdGgiOjAuMCwiSGVpZ2h0IjowLjAsIkJvcmRlclN0eWxlIjp7IiRpZCI6IjMyNiIsIkxpbmVDb2xvciI6bnVsbCwiTGluZVdlaWdodCI6MC4wLCJMaW5lVHlwZSI6MCwiUGFyZW50U3R5bGUiOm51bGx9LCJQYXJlbnRTdHlsZSI6bnVsbH0sIkRhdGVTdHlsZSI6eyIkaWQiOiIzMjciLCJGb250U2V0dGluZ3MiOnsiJGlkIjoiMzI4IiwiRm9udFNpemUiOjEwLCJGb250TmFtZSI6IkNhbGlicmkiLCJJc0JvbGQiOmZhbHNlLCJJc0l0YWxpYyI6ZmFsc2UsIklzVW5kZXJsaW5lZCI6ZmFsc2UsIlBhcmVudFN0eWxlIjpudWxsfSwiQXV0b1NpemUiOjAsIkZvcmVncm91bmQiOnsiJHJlZiI6IjE1NCJ9LCJNYXhXaWR0aCI6MjAwLjAsIk1heEhlaWdodCI6IkluZmluaXR5IiwiU21hcnRGb3JlZ3JvdW5kSXNBY3RpdmUiOmZhbHNlLCJIb3Jpem9udGFsQWxpZ25tZW50IjowLCJWZXJ0aWNhbEFsaWdubWVudCI6MCwiU21hcnRGb3JlZ3JvdW5kIjpudWxsLCJCYWNrZ3JvdW5kRmlsbFR5cGUiOjAsIk1hcmdpbiI6eyIkcmVmIjoiMTU2In0sIlBhZGRpbmciOnsiJHJlZiI6IjE1NyJ9LCJCYWNrZ3JvdW5kIjp7IiRyZWYiOiIxNTgifSwiSXNWaXNpYmxlIjp0cnVlLCJXaWR0aCI6MC4wLCJIZWlnaHQiOjAuMCwiQm9yZGVyU3R5bGUiOnsiJGlkIjoiMzI5IiwiTGluZUNvbG9yIjpudWxsLCJMaW5lV2VpZ2h0IjowLjAsIkxpbmVUeXBlIjowLCJQYXJlbnRTdHlsZSI6bnVsbH0sIlBhcmVudFN0eWxlIjpudWxsfSwiRGF0ZUZvcm1hdCI6eyIkcmVmIjoiMTU5In0sIldlZWtOdW1iZXJpbmciOnsiJGlkIjoiMzMwIiwiRm9ybWF0IjowLCJJc1Zpc2libGUiOmZhbHNlLCJMYXN0S25vd25WaXNpYmlsaXR5U3RhdGUiOmZhbHNlfSwiSXNWaXNpYmxlIjp0cnVlLCJQYXJlbnRTdHlsZSI6bnVsbH0sIkluZGV4IjozLCJTbWFydER1cmF0aW9uQWN0aXZhdGVkIjpmYWxzZSwiRGF0ZUZvcm1hdCI6eyIkcmVmIjoiMTU5In0sIldlZWtOdW1iZXJpbmciOnsiJGlkIjoiMzMxIiwiRm9ybWF0IjowLCJJc1Zpc2libGUiOmZhbHNlLCJMYXN0S25vd25WaXNpYmlsaXR5U3RhdGUiOmZhbHNlfSwiSWQiOiI2MTFmZjAzNy1mZmU2LTQxY2MtODQxZC03OGUyMWZkNzUwOTMiLCJJbXBvcnRJZCI6bnVsbCwiVGl0bGUiOiJTSUNLICIsIk5vdGUiOm51bGwsIkh5cGVybGluayI6eyIkaWQiOiIzMzIiLCJBZGRyZXNzIjoiIiwiU3ViQWRkcmVzcyI6IiJ9LCJJc0NoYW5nZWQiOmZhbHNlLCJJc05ldyI6ZmFsc2V9LHsiJGlkIjoiMzMzIiwiR3JvdXBOYW1lIjpudWxsLCJTdGFydERhdGUiOiIyMDIyLTA0LTA0VDAwOjAwOjAwWiIsIkVuZERhdGUiOiIyMDIyLTA0LTE0VDIzOjU5OjAwWiIsIlBlcmNlbnRhZ2VDb21wbGV0ZSI6bnVsbCwiU3R5bGUiOnsiJGlkIjoiMzM0IiwiU2hhcGUiOjEsIlNoYXBlVGhpY2tuZXNzIjoxLCJEdXJhdGlvbkZvcm1hdCI6MCwiSW5jbHVkZU5vbldvcmtpbmdEYXlzSW5EdXJhdGlvbiI6ZmFsc2UsIlBlcmNlbnRhZ2VDb21wbGV0ZVN0eWxlIjp7IiRpZCI6IjMzNSIsIkZvbnRTZXR0aW5ncyI6eyIkaWQiOiIzMzYiLCJGb250U2l6ZSI6MTAsIkZvbnROYW1lIjoiQ2FsaWJyaSIsIklzQm9sZCI6ZmFsc2UsIklzSXRhbGljIjpmYWxzZSwiSXNVbmRlcmxpbmVkIjpmYWxzZSwiUGFyZW50U3R5bGUiOm51bGx9LCJBdXRvU2l6ZSI6MCwiRm9yZWdyb3VuZCI6eyIkaWQiOiIzMzciLCJDb2xvciI6eyIkaWQiOiIzMzgiLCJBIjoyNTUsIlIiOjE5MiwiRyI6ODAsIkIiOjc3fX0sIk1heFdpZHRoIjoyMDAuMCwiTWF4SGVpZ2h0IjoiSW5maW5pdHkiLCJTbWFydEZvcmVncm91bmRJc0FjdGl2ZSI6ZmFsc2UsIkhvcml6b250YWxBbGlnbm1lbnQiOjAsIlZlcnRpY2FsQWxpZ25tZW50IjowLCJTbWFydEZvcmVncm91bmQiOm51bGwsIkJhY2tncm91bmRGaWxsVHlwZSI6MCwiTWFyZ2luIjp7IiRyZWYiOiIxMjEifSwiUGFkZGluZyI6eyIkcmVmIjoiMTIyIn0sIkJhY2tncm91bmQiOnsiJHJlZiI6IjEyMyJ9LCJJc1Zpc2libGUiOnRydWUsIldpZHRoIjowLjAsIkhlaWdodCI6MC4wLCJCb3JkZXJTdHlsZSI6eyIkaWQiOiIzMzkiLCJMaW5lQ29sb3IiOm51bGwsIkxpbmVXZWlnaHQiOjAuMCwiTGluZVR5cGUiOjAsIlBhcmVudFN0eWxlIjpudWxsfSwiUGFyZW50U3R5bGUiOm51bGx9LCJEdXJhdGlvblN0eWxlIjp7IiRpZCI6IjM0MCIsIkZvbnRTZXR0aW5ncyI6eyIkaWQiOiIzNDEiLCJGb250U2l6ZSI6MTAsIkZvbnROYW1lIjoiQ2FsaWJyaSIsIklzQm9sZCI6ZmFsc2UsIklzSXRhbGljIjpmYWxzZSwiSXNVbmRlcmxpbmVkIjpmYWxzZSwiUGFyZW50U3R5bGUiOm51bGx9LCJBdXRvU2l6ZSI6MCwiRm9yZWdyb3VuZCI6eyIkaWQiOiIzNDIiLCJDb2xvciI6eyIkaWQiOiIzNDMiLCJBIjoyNTUsIlIiOjAsIkciOjAsIkIiOjB9fSwiTWF4V2lkdGgiOjIwMC4wLCJNYXhIZWlnaHQiOiJJbmZpbml0eSIsIlNtYXJ0Rm9yZWdyb3VuZElzQWN0aXZlIjpmYWxzZSwiSG9yaXpvbnRhbEFsaWdubWVudCI6MSwiVmVydGljYWxBbGlnbm1lbnQiOjAsIlNtYXJ0Rm9yZWdyb3VuZCI6bnVsbCwiQmFja2dyb3VuZEZpbGxUeXBlIjowLCJNYXJnaW4iOnsiJHJlZiI6IjEyOCJ9LCJQYWRkaW5nIjp7IiRyZWYiOiIxMjkifSwiQmFja2dyb3VuZCI6eyIkaWQiOiIzNDQiLCJDb2xvciI6eyIkaWQiOiIzNDUiLCJBIjowLCJSIjoyNTUsIkciOjI1NSwiQiI6MjU1fX0sIklzVmlzaWJsZSI6dHJ1ZSwiV2lkdGgiOjAuMCwiSGVpZ2h0IjowLjAsIkJvcmRlclN0eWxlIjp7IiRpZCI6IjM0NiIsIkxpbmVDb2xvciI6bnVsbCwiTGluZVdlaWdodCI6MC4wLCJMaW5lVHlwZSI6MCwiUGFyZW50U3R5bGUiOm51bGx9LCJQYXJlbnRTdHlsZSI6bnVsbH0sIkhvcml6b250YWxDb25uZWN0b3JTdHlsZSI6eyIkaWQiOiIzNDciLCJMaW5lQ29sb3IiOnsiJHJlZiI6IjEzMiJ9LCJMaW5lV2VpZ2h0IjoxLjAsIkxpbmVUeXBlIjowLCJQYXJlbnRTdHlsZSI6bnVsbH0sIlZlcnRpY2FsQ29ubmVjdG9yU3R5bGUiOnsiJGlkIjoiMzQ4IiwiTGluZUNvbG9yIjp7IiRyZWYiOiIxMzUifSwiTGluZVdlaWdodCI6MC4wLCJMaW5lVHlwZSI6MCwiUGFyZW50U3R5bGUiOm51bGx9LCJNYXJnaW4iOm51bGwsIlN0YXJ0RGF0ZVBvc2l0aW9uIjo0LCJFbmREYXRlUG9zaXRpb24iOjQsIkRhdGVJc1Zpc2libGUiOnRydWUsIlRpdGxlUG9zaXRpb24iOjMsIkR1cmF0aW9uUG9zaXRpb24iOjIsIlBlcmNlbnRhZ2VDb21wbGV0ZWRQb3NpdGlvbiI6NiwiU3BhY2luZyI6NSwiSXNCZWxvd1RpbWViYW5kIjpmYWxzZSwiUGVyY2VudGFnZUNvbXBsZXRlU2hhcGVPcGFjaXR5IjozNSwiU2hhcGVTdHlsZSI6eyIkaWQiOiIzNDkiLCJNYXJnaW4iOnsiJHJlZiI6IjEzOCJ9LCJQYWRkaW5nIjp7IiRyZWYiOiIxMzkifSwiQmFja2dyb3VuZCI6eyIkaWQiOiIzNTAiLCJDb2xvciI6eyIkaWQiOiIzNTEiLCJBIjoyNTUsIlIiOjE5MiwiRyI6MTU4LCJCIjoyMjZ9fSwiSXNWaXNpYmxlIjp0cnVlLCJXaWR0aCI6MC4wLCJIZWlnaHQiOjE2LjAsIkJvcmRlclN0eWxlIjp7IiRpZCI6IjM1MiIsIkxpbmVDb2xvciI6eyIkcmVmIjoiMjQ5In0sIkxpbmVXZWlnaHQiOjAuMCwiTGluZVR5cGUiOjAsIlBhcmVudFN0eWxlIjpudWxsfSwiUGFyZW50U3R5bGUiOm51bGx9LCJUaXRsZVN0eWxlIjp7IiRpZCI6IjM1MyIsIkZvbnRTZXR0aW5ncyI6eyIkaWQiOiIzNTQiLCJGb250U2l6ZSI6MTIsIkZvbnROYW1lIjoiQ2FsaWJyaSIsIklzQm9sZCI6dHJ1ZSwiSXNJdGFsaWMiOmZhbHNlLCJJc1VuZGVybGluZWQiOmZhbHNlLCJQYXJlbnRTdHlsZSI6bnVsbH0sIkF1dG9TaXplIjowLCJGb3JlZ3JvdW5kIjp7IiRpZCI6IjM1NSIsIkNvbG9yIjp7IiRpZCI6IjM1NiIsIkEiOjI1NSwiUiI6MCwiRyI6MCwiQiI6MH19LCJNYXhXaWR0aCI6NzIwLjAsIk1heEhlaWdodCI6IkluZmluaXR5IiwiU21hcnRGb3JlZ3JvdW5kSXNBY3RpdmUiOmZhbHNlLCJIb3Jpem9udGFsQWxpZ25tZW50IjoyLCJWZXJ0aWNhbEFsaWdubWVudCI6MCwiU21hcnRGb3JlZ3JvdW5kIjpudWxsLCJCYWNrZ3JvdW5kRmlsbFR5cGUiOjAsIk1hcmdpbiI6eyIkcmVmIjoiMTQ5In0sIlBhZGRpbmciOnsiJHJlZiI6IjE1MCJ9LCJCYWNrZ3JvdW5kIjp7IiRpZCI6IjM1NyIsIkNvbG9yIjp7IiRpZCI6IjM1OCIsIkEiOjAsIlIiOjI1NSwiRyI6MjU1LCJCIjoyNTV9fSwiSXNWaXNpYmxlIjp0cnVlLCJXaWR0aCI6MC4wLCJIZWlnaHQiOjAuMCwiQm9yZGVyU3R5bGUiOnsiJGlkIjoiMzU5IiwiTGluZUNvbG9yIjpudWxsLCJMaW5lV2VpZ2h0IjowLjAsIkxpbmVUeXBlIjowLCJQYXJlbnRTdHlsZSI6bnVsbH0sIlBhcmVudFN0eWxlIjpudWxsfSwiRGF0ZVN0eWxlIjp7IiRpZCI6IjM2MCIsIkZvbnRTZXR0aW5ncyI6eyIkaWQiOiIzNjEiLCJGb250U2l6ZSI6MTAsIkZvbnROYW1lIjoiQ2FsaWJyaSIsIklzQm9sZCI6ZmFsc2UsIklzSXRhbGljIjpmYWxzZSwiSXNVbmRlcmxpbmVkIjpmYWxzZSwiUGFyZW50U3R5bGUiOm51bGx9LCJBdXRvU2l6ZSI6MCwiRm9yZWdyb3VuZCI6eyIkaWQiOiIzNjIiLCJDb2xvciI6eyIkaWQiOiIzNjMiLCJBIjoyNTUsIlIiOjY4LCJHIjo4NCwiQiI6MTA2fX0sIk1heFdpZHRoIjoyMDAuMCwiTWF4SGVpZ2h0IjoiSW5maW5pdHkiLCJTbWFydEZvcmVncm91bmRJc0FjdGl2ZSI6ZmFsc2UsIkhvcml6b250YWxBbGlnbm1lbnQiOjAsIlZlcnRpY2FsQWxpZ25tZW50IjowLCJTbWFydEZvcmVncm91bmQiOm51bGwsIkJhY2tncm91bmRGaWxsVHlwZSI6MCwiTWFyZ2luIjp7IiRyZWYiOiIxNTYifSwiUGFkZGluZyI6eyIkcmVmIjoiMTU3In0sIkJhY2tncm91bmQiOnsiJGlkIjoiMzY0IiwiQ29sb3IiOnsiJGlkIjoiMzY1IiwiQSI6MCwiUiI6MjU1LCJHIjoyNTUsIkIiOjI1NX19LCJJc1Zpc2libGUiOnRydWUsIldpZHRoIjowLjAsIkhlaWdodCI6MC4wLCJCb3JkZXJTdHlsZSI6eyIkaWQiOiIzNjYiLCJMaW5lQ29sb3IiOm51bGwsIkxpbmVXZWlnaHQiOjAuMCwiTGluZVR5cGUiOjAsIlBhcmVudFN0eWxlIjpudWxsfSwiUGFyZW50U3R5bGUiOm51bGx9LCJEYXRlRm9ybWF0Ijp7IiRyZWYiOiIyNjUifSwiV2Vla051bWJlcmluZyI6eyIkaWQiOiIzNjciLCJGb3JtYXQiOjAsIklzVmlzaWJsZSI6ZmFsc2UsIkxhc3RLbm93blZpc2liaWxpdHlTdGF0ZSI6ZmFsc2V9LCJJc1Zpc2libGUiOnRydWUsIlBhcmVudFN0eWxlIjpudWxsfSwiSW5kZXgiOjQsIlNtYXJ0RHVyYXRpb25BY3RpdmF0ZWQiOmZhbHNlLCJEYXRlRm9ybWF0Ijp7IiRyZWYiOiIyNjUifSwiV2Vla051bWJlcmluZyI6eyIkaWQiOiIzNjgiLCJGb3JtYXQiOjAsIklzVmlzaWJsZSI6ZmFsc2UsIkxhc3RLbm93blZpc2liaWxpdHlTdGF0ZSI6ZmFsc2V9LCJJZCI6IjkzZWUxNTBjLTlkN2ItNGVlMC1iODFkLTc3MmQ4MjFiZjgwYiIsIkltcG9ydElkIjpudWxsLCJUaXRsZSI6IkZpbmQgc21hbGwgZXhhbXBsZSBSUkJTIGRhdGEgc2V0IiwiTm90ZSI6bnVsbCwiSHlwZXJsaW5rIjp7IiRpZCI6IjM2OSIsIkFkZHJlc3MiOiIiLCJTdWJBZGRyZXNzIjoiIn0sIklzQ2hhbmdlZCI6ZmFsc2UsIklzTmV3IjpmYWxzZX0seyIkaWQiOiIzNzAiLCJHcm91cE5hbWUiOm51bGwsIlN0YXJ0RGF0ZSI6IjIwMjItMDQtMTlUMDA6MDA6MDBaIiwiRW5kRGF0ZSI6IjIwMjItMDQtMjJUMjM6NTk6MDBaIiwiUGVyY2VudGFnZUNvbXBsZXRlIjpudWxsLCJTdHlsZSI6eyIkaWQiOiIzNzEiLCJTaGFwZSI6MSwiU2hhcGVUaGlja25lc3MiOjEsIkR1cmF0aW9uRm9ybWF0IjowLCJJbmNsdWRlTm9uV29ya2luZ0RheXNJbkR1cmF0aW9uIjpmYWxzZSwiUGVyY2VudGFnZUNvbXBsZXRlU3R5bGUiOnsiJGlkIjoiMzcyIiwiRm9udFNldHRpbmdzIjp7IiRpZCI6IjM3MyIsIkZvbnRTaXplIjoxMCwiRm9udE5hbWUiOiJDYWxpYnJpIiwiSXNCb2xkIjpmYWxzZSwiSXNJdGFsaWMiOmZhbHNlLCJJc1VuZGVybGluZWQiOmZhbHNlLCJQYXJlbnRTdHlsZSI6bnVsbH0sIkF1dG9TaXplIjowLCJGb3JlZ3JvdW5kIjp7IiRpZCI6IjM3NCIsIkNvbG9yIjp7IiRpZCI6IjM3NSIsIkEiOjI1NSwiUiI6MTkyLCJHIjo4MCwiQiI6Nzd9fSwiTWF4V2lkdGgiOjIwMC4wLCJNYXhIZWlnaHQiOiJJbmZpbml0eSIsIlNtYXJ0Rm9yZWdyb3VuZElzQWN0aXZlIjpmYWxzZSwiSG9yaXpvbnRhbEFsaWdubWVudCI6MCwiVmVydGljYWxBbGlnbm1lbnQiOjAsIlNtYXJ0Rm9yZWdyb3VuZCI6bnVsbCwiQmFja2dyb3VuZEZpbGxUeXBlIjowLCJNYXJnaW4iOnsiJHJlZiI6IjEyMSJ9LCJQYWRkaW5nIjp7IiRyZWYiOiIxMjIifSwiQmFja2dyb3VuZCI6eyIkcmVmIjoiMTIzIn0sIklzVmlzaWJsZSI6dHJ1ZSwiV2lkdGgiOjAuMCwiSGVpZ2h0IjowLjAsIkJvcmRlclN0eWxlIjp7IiRpZCI6IjM3NiIsIkxpbmVDb2xvciI6bnVsbCwiTGluZVdlaWdodCI6MC4wLCJMaW5lVHlwZSI6MCwiUGFyZW50U3R5bGUiOm51bGx9LCJQYXJlbnRTdHlsZSI6bnVsbH0sIkR1cmF0aW9uU3R5bGUiOnsiJGlkIjoiMzc3IiwiRm9udFNldHRpbmdzIjp7IiRpZCI6IjM3OCIsIkZvbnRTaXplIjoxMCwiRm9udE5hbWUiOiJDYWxpYnJpIiwiSXNCb2xkIjpmYWxzZSwiSXNJdGFsaWMiOmZhbHNlLCJJc1VuZGVybGluZWQiOmZhbHNlLCJQYXJlbnRTdHlsZSI6bnVsbH0sIkF1dG9TaXplIjowLCJGb3JlZ3JvdW5kIjp7IiRpZCI6IjM3OSIsIkNvbG9yIjp7IiRpZCI6IjM4MCIsIkEiOjI1NSwiUiI6MCwiRyI6MCwiQiI6MH19LCJNYXhXaWR0aCI6MjAwLjAsIk1heEhlaWdodCI6IkluZmluaXR5IiwiU21hcnRGb3JlZ3JvdW5kSXNBY3RpdmUiOmZhbHNlLCJIb3Jpem9udGFsQWxpZ25tZW50IjoxLCJWZXJ0aWNhbEFsaWdubWVudCI6MCwiU21hcnRGb3JlZ3JvdW5kIjpudWxsLCJCYWNrZ3JvdW5kRmlsbFR5cGUiOjAsIk1hcmdpbiI6eyIkcmVmIjoiMTI4In0sIlBhZGRpbmciOnsiJHJlZiI6IjEyOSJ9LCJCYWNrZ3JvdW5kIjp7IiRpZCI6IjM4MSIsIkNvbG9yIjp7IiRpZCI6IjM4MiIsIkEiOjAsIlIiOjI1NSwiRyI6MjU1LCJCIjoyNTV9fSwiSXNWaXNpYmxlIjp0cnVlLCJXaWR0aCI6MC4wLCJIZWlnaHQiOjAuMCwiQm9yZGVyU3R5bGUiOnsiJGlkIjoiMzgzIiwiTGluZUNvbG9yIjpudWxsLCJMaW5lV2VpZ2h0IjowLjAsIkxpbmVUeXBlIjowLCJQYXJlbnRTdHlsZSI6bnVsbH0sIlBhcmVudFN0eWxlIjpudWxsfSwiSG9yaXpvbnRhbENvbm5lY3RvclN0eWxlIjp7IiRpZCI6IjM4NCIsIkxpbmVDb2xvciI6eyIkcmVmIjoiMTMyIn0sIkxpbmVXZWlnaHQiOjEuMCwiTGluZVR5cGUiOjAsIlBhcmVudFN0eWxlIjpudWxsfSwiVmVydGljYWxDb25uZWN0b3JTdHlsZSI6eyIkaWQiOiIzODUiLCJMaW5lQ29sb3IiOnsiJHJlZiI6IjEzNSJ9LCJMaW5lV2VpZ2h0IjowLjAsIkxpbmVUeXBlIjowLCJQYXJlbnRTdHlsZSI6bnVsbH0sIk1hcmdpbiI6bnVsbCwiU3RhcnREYXRlUG9zaXRpb24iOjQsIkVuZERhdGVQb3NpdGlvbiI6NCwiRGF0ZUlzVmlzaWJsZSI6dHJ1ZSwiVGl0bGVQb3NpdGlvbiI6MywiRHVyYXRpb25Qb3NpdGlvbiI6MiwiUGVyY2VudGFnZUNvbXBsZXRlZFBvc2l0aW9uIjo2LCJTcGFjaW5nIjo1LCJJc0JlbG93VGltZWJhbmQiOmZhbHNlLCJQZXJjZW50YWdlQ29tcGxldGVTaGFwZU9wYWNpdHkiOjM1LCJTaGFwZVN0eWxlIjp7IiRpZCI6IjM4NiIsIk1hcmdpbiI6eyIkcmVmIjoiMTM4In0sIlBhZGRpbmciOnsiJHJlZiI6IjEzOSJ9LCJCYWNrZ3JvdW5kIjp7IiRpZCI6IjM4NyIsIkNvbG9yIjp7IiRpZCI6IjM4OCIsIkEiOjI1NSwiUiI6MTkyLCJHIjoxNTgsIkIiOjIyNn19LCJJc1Zpc2libGUiOnRydWUsIldpZHRoIjowLjAsIkhlaWdodCI6MTYuMCwiQm9yZGVyU3R5bGUiOnsiJGlkIjoiMzg5IiwiTGluZUNvbG9yIjp7IiRyZWYiOiIyNDkifSwiTGluZVdlaWdodCI6MC4wLCJMaW5lVHlwZSI6MCwiUGFyZW50U3R5bGUiOm51bGx9LCJQYXJlbnRTdHlsZSI6bnVsbH0sIlRpdGxlU3R5bGUiOnsiJGlkIjoiMzkwIiwiRm9udFNldHRpbmdzIjp7IiRpZCI6IjM5MSIsIkZvbnRTaXplIjoxMiwiRm9udE5hbWUiOiJDYWxpYnJpIiwiSXNCb2xkIjp0cnVlLCJJc0l0YWxpYyI6ZmFsc2UsIklzVW5kZXJsaW5lZCI6ZmFsc2UsIlBhcmVudFN0eWxlIjpudWxsfSwiQXV0b1NpemUiOjAsIkZvcmVncm91bmQiOnsiJGlkIjoiMzkyIiwiQ29sb3IiOnsiJGlkIjoiMzkzIiwiQSI6MjU1LCJSIjowLCJHIjowLCJCIjowfX0sIk1heFdpZHRoIjo3MjAuMCwiTWF4SGVpZ2h0IjoiSW5maW5pdHkiLCJTbWFydEZvcmVncm91bmRJc0FjdGl2ZSI6ZmFsc2UsIkhvcml6b250YWxBbGlnbm1lbnQiOjIsIlZlcnRpY2FsQWxpZ25tZW50IjowLCJTbWFydEZvcmVncm91bmQiOm51bGwsIkJhY2tncm91bmRGaWxsVHlwZSI6MCwiTWFyZ2luIjp7IiRyZWYiOiIxNDkifSwiUGFkZGluZyI6eyIkcmVmIjoiMTUwIn0sIkJhY2tncm91bmQiOnsiJGlkIjoiMzk0IiwiQ29sb3IiOnsiJGlkIjoiMzk1IiwiQSI6MCwiUiI6MjU1LCJHIjoyNTUsIkIiOjI1NX19LCJJc1Zpc2libGUiOnRydWUsIldpZHRoIjowLjAsIkhlaWdodCI6MC4wLCJCb3JkZXJTdHlsZSI6eyIkaWQiOiIzOTYiLCJMaW5lQ29sb3IiOm51bGwsIkxpbmVXZWlnaHQiOjAuMCwiTGluZVR5cGUiOjAsIlBhcmVudFN0eWxlIjpudWxsfSwiUGFyZW50U3R5bGUiOm51bGx9LCJEYXRlU3R5bGUiOnsiJGlkIjoiMzk3IiwiRm9udFNldHRpbmdzIjp7IiRpZCI6IjM5OCIsIkZvbnRTaXplIjoxMCwiRm9udE5hbWUiOiJDYWxpYnJpIiwiSXNCb2xkIjpmYWxzZSwiSXNJdGFsaWMiOmZhbHNlLCJJc1VuZGVybGluZWQiOmZhbHNlLCJQYXJlbnRTdHlsZSI6bnVsbH0sIkF1dG9TaXplIjowLCJGb3JlZ3JvdW5kIjp7IiRpZCI6IjM5OSIsIkNvbG9yIjp7IiRpZCI6IjQwMCIsIkEiOjI1NSwiUiI6NjgsIkciOjg0LCJCIjoxMDZ9fSwiTWF4V2lkdGgiOjIwMC4wLCJNYXhIZWlnaHQiOiJJbmZpbml0eSIsIlNtYXJ0Rm9yZWdyb3VuZElzQWN0aXZlIjpmYWxzZSwiSG9yaXpvbnRhbEFsaWdubWVudCI6MCwiVmVydGljYWxBbGlnbm1lbnQiOjAsIlNtYXJ0Rm9yZWdyb3VuZCI6bnVsbCwiQmFja2dyb3VuZEZpbGxUeXBlIjowLCJNYXJnaW4iOnsiJHJlZiI6IjE1NiJ9LCJQYWRkaW5nIjp7IiRyZWYiOiIxNTcifSwiQmFja2dyb3VuZCI6eyIkaWQiOiI0MDEiLCJDb2xvciI6eyIkaWQiOiI0MDIiLCJBIjowLCJSIjoyNTUsIkciOjI1NSwiQiI6MjU1fX0sIklzVmlzaWJsZSI6dHJ1ZSwiV2lkdGgiOjAuMCwiSGVpZ2h0IjowLjAsIkJvcmRlclN0eWxlIjp7IiRpZCI6IjQwMyIsIkxpbmVDb2xvciI6bnVsbCwiTGluZVdlaWdodCI6MC4wLCJMaW5lVHlwZSI6MCwiUGFyZW50U3R5bGUiOm51bGx9LCJQYXJlbnRTdHlsZSI6bnVsbH0sIkRhdGVGb3JtYXQiOnsiJHJlZiI6IjI2NSJ9LCJXZWVrTnVtYmVyaW5nIjp7IiRpZCI6IjQwNCIsIkZvcm1hdCI6MCwiSXNWaXNpYmxlIjpmYWxzZSwiTGFzdEtub3duVmlzaWJpbGl0eVN0YXRlIjpmYWxzZX0sIklzVmlzaWJsZSI6dHJ1ZSwiUGFyZW50U3R5bGUiOm51bGx9LCJJbmRleCI6NSwiU21hcnREdXJhdGlvbkFjdGl2YXRlZCI6ZmFsc2UsIkRhdGVGb3JtYXQiOnsiJHJlZiI6IjI2NSJ9LCJXZWVrTnVtYmVyaW5nIjp7IiRpZCI6IjQwNSIsIkZvcm1hdCI6MCwiSXNWaXNpYmxlIjpmYWxzZSwiTGFzdEtub3duVmlzaWJpbGl0eVN0YXRlIjpmYWxzZX0sIklkIjoiNTU1NjMyZjQtZDg3OC00ZThjLWI4YjQtZmM5ZGFkY2NhYjhlIiwiSW1wb3J0SWQiOm51bGwsIlRpdGxlIjoiSW1wbGVtZW50IGRpZmZlcmVudCBjbGFzc2lmaWVycyBhbmQgdGVzdCBvbiBkYXRhIiwiTm90ZSI6bnVsbCwiSHlwZXJsaW5rIjp7IiRpZCI6IjQwNiIsIkFkZHJlc3MiOiIiLCJTdWJBZGRyZXNzIjoiIn0sIklzQ2hhbmdlZCI6ZmFsc2UsIklzTmV3IjpmYWxzZX0seyIkaWQiOiI0MDciLCJHcm91cE5hbWUiOm51bGwsIlN0YXJ0RGF0ZSI6IjIwMjItMDQtMjVUMDA6MDA6MDBaIiwiRW5kRGF0ZSI6IjIwMjItMDQtMjlUMjM6NTk6MDBaIiwiUGVyY2VudGFnZUNvbXBsZXRlIjpudWxsLCJTdHlsZSI6eyIkaWQiOiI0MDgiLCJTaGFwZSI6MSwiU2hhcGVUaGlja25lc3MiOjEsIkR1cmF0aW9uRm9ybWF0IjowLCJJbmNsdWRlTm9uV29ya2luZ0RheXNJbkR1cmF0aW9uIjpmYWxzZSwiUGVyY2VudGFnZUNvbXBsZXRlU3R5bGUiOnsiJGlkIjoiNDA5IiwiRm9udFNldHRpbmdzIjp7IiRpZCI6IjQxMCIsIkZvbnRTaXplIjoxMCwiRm9udE5hbWUiOiJDYWxpYnJpIiwiSXNCb2xkIjpmYWxzZSwiSXNJdGFsaWMiOmZhbHNlLCJJc1VuZGVybGluZWQiOmZhbHNlLCJQYXJlbnRTdHlsZSI6bnVsbH0sIkF1dG9TaXplIjowLCJGb3JlZ3JvdW5kIjp7IiRyZWYiOiIzNzQifSwiTWF4V2lkdGgiOjIwMC4wLCJNYXhIZWlnaHQiOiJJbmZpbml0eSIsIlNtYXJ0Rm9yZWdyb3VuZElzQWN0aXZlIjpmYWxzZSwiSG9yaXpvbnRhbEFsaWdubWVudCI6MCwiVmVydGljYWxBbGlnbm1lbnQiOjAsIlNtYXJ0Rm9yZWdyb3VuZCI6bnVsbCwiQmFja2dyb3VuZEZpbGxUeXBlIjowLCJNYXJnaW4iOnsiJHJlZiI6IjEyMSJ9LCJQYWRkaW5nIjp7IiRyZWYiOiIxMjIifSwiQmFja2dyb3VuZCI6eyIkcmVmIjoiMTIzIn0sIklzVmlzaWJsZSI6dHJ1ZSwiV2lkdGgiOjAuMCwiSGVpZ2h0IjowLjAsIkJvcmRlclN0eWxlIjp7IiRpZCI6IjQxMSIsIkxpbmVDb2xvciI6bnVsbCwiTGluZVdlaWdodCI6MC4wLCJMaW5lVHlwZSI6MCwiUGFyZW50U3R5bGUiOm51bGx9LCJQYXJlbnRTdHlsZSI6bnVsbH0sIkR1cmF0aW9uU3R5bGUiOnsiJGlkIjoiNDEyIiwiRm9udFNldHRpbmdzIjp7IiRpZCI6IjQxMyIsIkZvbnRTaXplIjoxMCwiRm9udE5hbWUiOiJDYWxpYnJpIiwiSXNCb2xkIjpmYWxzZSwiSXNJdGFsaWMiOmZhbHNlLCJJc1VuZGVybGluZWQiOmZhbHNlLCJQYXJlbnRTdHlsZSI6bnVsbH0sIkF1dG9TaXplIjowLCJGb3JlZ3JvdW5kIjp7IiRpZCI6IjQxNCIsIkNvbG9yIjp7IiRpZCI6IjQxNSIsIkEiOjI1NSwiUiI6MCwiRyI6MCwiQiI6MH19LCJNYXhXaWR0aCI6MjAwLjAsIk1heEhlaWdodCI6IkluZmluaXR5IiwiU21hcnRGb3JlZ3JvdW5kSXNBY3RpdmUiOmZhbHNlLCJIb3Jpem9udGFsQWxpZ25tZW50IjoxLCJWZXJ0aWNhbEFsaWdubWVudCI6MCwiU21hcnRGb3JlZ3JvdW5kIjpudWxsLCJCYWNrZ3JvdW5kRmlsbFR5cGUiOjAsIk1hcmdpbiI6eyIkcmVmIjoiMTI4In0sIlBhZGRpbmciOnsiJHJlZiI6IjEyOSJ9LCJCYWNrZ3JvdW5kIjp7IiRpZCI6IjQxNiIsIkNvbG9yIjp7IiRpZCI6IjQxNyIsIkEiOjAsIlIiOjI1NSwiRyI6MjU1LCJCIjoyNTV9fSwiSXNWaXNpYmxlIjp0cnVlLCJXaWR0aCI6MC4wLCJIZWlnaHQiOjAuMCwiQm9yZGVyU3R5bGUiOnsiJGlkIjoiNDE4IiwiTGluZUNvbG9yIjpudWxsLCJMaW5lV2VpZ2h0IjowLjAsIkxpbmVUeXBlIjowLCJQYXJlbnRTdHlsZSI6bnVsbH0sIlBhcmVudFN0eWxlIjpudWxsfSwiSG9yaXpvbnRhbENvbm5lY3RvclN0eWxlIjp7IiRpZCI6IjQxOSIsIkxpbmVDb2xvciI6eyIkcmVmIjoiMTMyIn0sIkxpbmVXZWlnaHQiOjEuMCwiTGluZVR5cGUiOjAsIlBhcmVudFN0eWxlIjpudWxsfSwiVmVydGljYWxDb25uZWN0b3JTdHlsZSI6eyIkaWQiOiI0MjAiLCJMaW5lQ29sb3IiOnsiJHJlZiI6IjEzNSJ9LCJMaW5lV2VpZ2h0IjowLjAsIkxpbmVUeXBlIjowLCJQYXJlbnRTdHlsZSI6bnVsbH0sIk1hcmdpbiI6bnVsbCwiU3RhcnREYXRlUG9zaXRpb24iOjQsIkVuZERhdGVQb3NpdGlvbiI6NCwiRGF0ZUlzVmlzaWJsZSI6dHJ1ZSwiVGl0bGVQb3NpdGlvbiI6MywiRHVyYXRpb25Qb3NpdGlvbiI6MiwiUGVyY2VudGFnZUNvbXBsZXRlZFBvc2l0aW9uIjo2LCJTcGFjaW5nIjo1LCJJc0JlbG93VGltZWJhbmQiOmZhbHNlLCJQZXJjZW50YWdlQ29tcGxldGVTaGFwZU9wYWNpdHkiOjM1LCJTaGFwZVN0eWxlIjp7IiRpZCI6IjQyMSIsIk1hcmdpbiI6eyIkcmVmIjoiMTM4In0sIlBhZGRpbmciOnsiJHJlZiI6IjEzOSJ9LCJCYWNrZ3JvdW5kIjp7IiRpZCI6IjQyMiIsIkNvbG9yIjp7IiRpZCI6IjQyMyIsIkEiOjI1NSwiUiI6MTM5LCJHIjoyMTgsIkIiOjIzM319LCJJc1Zpc2libGUiOnRydWUsIldpZHRoIjowLjAsIkhlaWdodCI6MTYuMCwiQm9yZGVyU3R5bGUiOnsiJGlkIjoiNDI0IiwiTGluZUNvbG9yIjp7IiRpZCI6IjQyNSIsIiR0eXBlIjoiTkxSRS5Db21tb24uRG9tLlNvbGlkQ29sb3JCcnVzaCwgTkxSRS5Db21tb24iLCJDb2xvciI6eyIkaWQiOiI0MjYiLCJBIjoyNTUsIlIiOjI1NSwiRyI6MCwiQiI6MH19LCJMaW5lV2VpZ2h0IjowLjAsIkxpbmVUeXBlIjowLCJQYXJlbnRTdHlsZSI6bnVsbH0sIlBhcmVudFN0eWxlIjpudWxsfSwiVGl0bGVTdHlsZSI6eyIkaWQiOiI0MjciLCJGb250U2V0dGluZ3MiOnsiJGlkIjoiNDI4IiwiRm9udFNpemUiOjEyLCJGb250TmFtZSI6IkNhbGlicmkiLCJJc0JvbGQiOnRydWUsIklzSXRhbGljIjpmYWxzZSwiSXNVbmRlcmxpbmVkIjpmYWxzZSwiUGFyZW50U3R5bGUiOm51bGx9LCJBdXRvU2l6ZSI6MCwiRm9yZWdyb3VuZCI6eyIkaWQiOiI0MjkiLCJDb2xvciI6eyIkaWQiOiI0MzAiLCJBIjoyNTUsIlIiOjAsIkciOjAsIkIiOjB9fSwiTWF4V2lkdGgiOjcyMC4wLCJNYXhIZWlnaHQiOiJJbmZpbml0eSIsIlNtYXJ0Rm9yZWdyb3VuZElzQWN0aXZlIjpmYWxzZSwiSG9yaXpvbnRhbEFsaWdubWVudCI6MiwiVmVydGljYWxBbGlnbm1lbnQiOjAsIlNtYXJ0Rm9yZWdyb3VuZCI6bnVsbCwiQmFja2dyb3VuZEZpbGxUeXBlIjowLCJNYXJnaW4iOnsiJHJlZiI6IjE0OSJ9LCJQYWRkaW5nIjp7IiRyZWYiOiIxNTAifSwiQmFja2dyb3VuZCI6eyIkaWQiOiI0MzEiLCJDb2xvciI6eyIkaWQiOiI0MzIiLCJBIjowLCJSIjoyNTUsIkciOjI1NSwiQiI6MjU1fX0sIklzVmlzaWJsZSI6dHJ1ZSwiV2lkdGgiOjAuMCwiSGVpZ2h0IjowLjAsIkJvcmRlclN0eWxlIjp7IiRpZCI6IjQzMyIsIkxpbmVDb2xvciI6bnVsbCwiTGluZVdlaWdodCI6MC4wLCJMaW5lVHlwZSI6MCwiUGFyZW50U3R5bGUiOm51bGx9LCJQYXJlbnRTdHlsZSI6bnVsbH0sIkRhdGVTdHlsZSI6eyIkaWQiOiI0MzQiLCJGb250U2V0dGluZ3MiOnsiJGlkIjoiNDM1IiwiRm9udFNpemUiOjEwLCJGb250TmFtZSI6IkNhbGlicmkiLCJJc0JvbGQiOmZhbHNlLCJJc0l0YWxpYyI6ZmFsc2UsIklzVW5kZXJsaW5lZCI6ZmFsc2UsIlBhcmVudFN0eWxlIjpudWxsfSwiQXV0b1NpemUiOjAsIkZvcmVncm91bmQiOnsiJGlkIjoiNDM2IiwiQ29sb3IiOnsiJGlkIjoiNDM3IiwiQSI6MjU1LCJSIjo2OCwiRyI6ODQsIkIiOjEwNn19LCJNYXhXaWR0aCI6MjAwLjAsIk1heEhlaWdodCI6IkluZmluaXR5IiwiU21hcnRGb3JlZ3JvdW5kSXNBY3RpdmUiOmZhbHNlLCJIb3Jpem9udGFsQWxpZ25tZW50IjowLCJWZXJ0aWNhbEFsaWdubWVudCI6MCwiU21hcnRGb3JlZ3JvdW5kIjpudWxsLCJCYWNrZ3JvdW5kRmlsbFR5cGUiOjAsIk1hcmdpbiI6eyIkcmVmIjoiMTU2In0sIlBhZGRpbmciOnsiJHJlZiI6IjE1NyJ9LCJCYWNrZ3JvdW5kIjp7IiRpZCI6IjQzOCIsIkNvbG9yIjp7IiRpZCI6IjQzOSIsIkEiOjAsIlIiOjI1NSwiRyI6MjU1LCJCIjoyNTV9fSwiSXNWaXNpYmxlIjp0cnVlLCJXaWR0aCI6MC4wLCJIZWlnaHQiOjAuMCwiQm9yZGVyU3R5bGUiOnsiJGlkIjoiNDQwIiwiTGluZUNvbG9yIjpudWxsLCJMaW5lV2VpZ2h0IjowLjAsIkxpbmVUeXBlIjowLCJQYXJlbnRTdHlsZSI6bnVsbH0sIlBhcmVudFN0eWxlIjpudWxsfSwiRGF0ZUZvcm1hdCI6eyIkaWQiOiI0NDEiLCJGb3JtYXRTdHJpbmciOiJNTU0gZCIsIlNlcGFyYXRvciI6Ii8iLCJVc2VJbnRlcm5hdGlvbmFsRGF0ZUZvcm1hdCI6ZmFsc2UsIkRhdGVJc1Zpc2libGUiOnRydWUsIlRpbWVJc1Zpc2libGUiOmZhbHNlLCJIb3VyRGlnaXRzIjoxLCJBbVBtRGVzaWduYXRvciI6MiwiVHJpbTAwTWludXRlcyI6ZmFsc2UsIkxhc3RLbm93blZpc2liaWxpdHlTdGF0ZSI6bnVsbH0sIldlZWtOdW1iZXJpbmciOnsiJGlkIjoiNDQyIiwiRm9ybWF0IjowLCJJc1Zpc2libGUiOmZhbHNlLCJMYXN0S25vd25WaXNpYmlsaXR5U3RhdGUiOmZhbHNlfSwiSXNWaXNpYmxlIjp0cnVlLCJQYXJlbnRTdHlsZSI6bnVsbH0sIkluZGV4Ijo2LCJTbWFydER1cmF0aW9uQWN0aXZhdGVkIjpmYWxzZSwiRGF0ZUZvcm1hdCI6eyIkcmVmIjoiNDQxIn0sIldlZWtOdW1iZXJpbmciOnsiJGlkIjoiNDQzIiwiRm9ybWF0IjowLCJJc1Zpc2libGUiOmZhbHNlLCJMYXN0S25vd25WaXNpYmlsaXR5U3RhdGUiOmZhbHNlfSwiSWQiOiJjMjFmOGM4MC0xZGQ0LTQ3NDktOTY0Mi0xZWJkZmFhOGUxN2IiLCJJbXBvcnRJZCI6bnVsbCwiVGl0bGUiOiJUcmFuZm9ybSBsaXQuIHJldmlldyB0byBpbnRybyBmb3IgZGlzc2VydGF0aW9uIiwiTm90ZSI6bnVsbCwiSHlwZXJsaW5rIjp7IiRpZCI6IjQ0NCIsIkFkZHJlc3MiOiIiLCJTdWJBZGRyZXNzIjoiIn0sIklzQ2hhbmdlZCI6ZmFsc2UsIklzTmV3IjpmYWxzZX1dLCJTd2ltbGFuZXMiOltdLCJNc1Byb2plY3RJdGVtc1RyZWUiOnsiJGlkIjoiNDQ1IiwiUm9vdCI6eyJJbXBvcnRJZCI6bnVsbCwiSXNJbXBvcnRlZCI6ZmFsc2UsIkNoaWxkcmVuIjpbXX19LCJNZXRhZGF0YSI6eyIkaWQiOiI0NDYiLCJSZWNlbnRDb2xvcnNDb2xsZWN0aW9uIjoiW1wiI0ZGMDA3MkJDXCIsXCIjRkYxQUFBNDJcIixcIiNGRkZFQkEwQVwiXSIsIlNvdXJjZVRlbXBsYXRlIjoie1wiJGlkXCI6XCIxXCIsXCJJZFwiOlwiY2MyNmY4NjMtMjdjZS00ODBlLWE1ODktYjNmMTJmMmQ2ZWIwXCIsXCJDdWx0dXJlSW5mb05hbWVcIjpcImVuLVVTXCIsXCJWZXJzaW9uXCI6e1wiJGlkXCI6XCIyXCIsXCJUZW1wbGF0ZURvbVZlcnNpb25cIjpcIjEuMi4wXCJ9LFwiRWZmZWN0XCI6MSxcIlN0eWxlXCI6e1wiJGlkXCI6XCIzXCIsXCJUaW1lYmFuZFN0eWxlXCI6e1wiJGlkXCI6XCI0XCIsXCJTY2FsZU1hcmtpbmdcIjoxLFwiU2hhcGVcIjoxMCxcIlNoYXBlU3R5bGVcIjp7XCIkaWRcIjpcIjVcIixcIk1hcmdpblwiOntcIiRpZFwiOlwiNlwiLFwiVG9wXCI6MC4wLFwiTGVmdFwiOjEwLjAsXCJSaWdodFwiOjEwLjAsXCJCb3R0b21cIjowLjB9LFwiUGFkZGluZ1wiOntcIiRpZFwiOlwiN1wiLFwiVG9wXCI6My4wLFwiTGVmdFwiOjAuMCxcIlJpZ2h0XCI6MC4wLFwiQm90dG9tXCI6My4wfSxcIkJhY2tncm91bmRcIjp7XCIkaWRcIjpcIjhcIixcIkNvbG9yXCI6e1wiJGlkXCI6XCI5XCIsXCJBXCI6MjU1LFwiUlwiOjY4LFwiR1wiOjg0LFwiQlwiOjEwNn19LFwiSXNWaXNpYmxlXCI6dHJ1ZSxcIldpZHRoXCI6ODU4LjAsXCJIZWlnaHRcIjoyMC4wLFwiQm9yZGVyU3R5bGVcIjp7XCIkaWRcIjpcIjEwXCIsXCJMaW5lQ29sb3JcIjp7XCIkaWRcIjpcIjExXCIsXCIkdHlwZVwiOlwiTkxSRS5Db21tb24uRG9tLlNvbGlkQ29sb3JCcnVzaCwgTkxSRS5Db21tb25cIixcIkNvbG9yXCI6e1wiJGlkXCI6XCIxMlwiLFwiQVwiOjI1NSxcIlJcIjoyNTUsXCJHXCI6MCxcIkJcIjowfX0sXCJMaW5lV2VpZ2h0XCI6MC4wLFwiTGluZVR5cGVcIjowfX0sXCJNaWRkbGVUaWVyU2hhcGVTdHlsZVwiOntcIiRpZFwiOlwiMTNcIixcIk1hcmdpblwiOntcIiRpZFwiOlwiMTRcIixcIlRvcFwiOjAuMCxcIkxlZnRcIjoxMC4wLFwiUmlnaHRcIjoxMC4wLFwiQm90dG9tXCI6MC4wfSxcIlBhZGRpbmdcIjp7XCIkaWRcIjpcIjE1XCIsXCJUb3BcIjozLjAsXCJMZWZ0XCI6MC4wLFwiUmlnaHRcIjowLjAsXCJCb3R0b21cIjozLjB9LFwiQmFja2dyb3VuZFwiOntcIiRpZFwiOlwiMTZcIixcIkNvbG9yXCI6e1wiJGlkXCI6XCIxN1wiLFwiQVwiOjI1NSxcIlJcIjo2OCxcIkdcIjo4NCxcIkJcIjoxMDZ9fSxcIklzVmlzaWJsZVwiOnRydWUsXCJXaWR0aFwiOjg1OC4wLFwiSGVpZ2h0XCI6MjAuMCxcIkJvcmRlclN0eWxlXCI6e1wiJGlkXCI6XCIxOFwiLFwiTGluZUNvbG9yXCI6e1wiJGlkXCI6XCIxOVwiLFwiJHR5cGVcIjpcIk5MUkUuQ29tbW9uLkRvbS5Tb2xpZENvbG9yQnJ1c2gsIE5MUkUuQ29tbW9uXCIsXCJDb2xvclwiOntcIiRpZFwiOlwiMjBcIixcIkFcIjoyNTUsXCJSXCI6MjU1LFwiR1wiOjAsXCJCXCI6MH19LFwiTGluZVdlaWdodFwiOjAuMCxcIkxpbmVUeXBlXCI6MH19LFwiQm90dG9tVGllclNoYXBlU3R5bGVcIjp7XCIkaWRcIjpcIjIxXCIsXCJNYXJnaW5cIjp7XCIkaWRcIjpcIjIyXCIsXCJUb3BcIjowLjAsXCJMZWZ0XCI6MTAuMCxcIlJpZ2h0XCI6MTAuMCxcIkJvdHRvbVwiOjAuMH0sXCJQYWRkaW5nXCI6e1wiJGlkXCI6XCIyM1wiLFwiVG9wXCI6My4wLFwiTGVmdFwiOjAuMCxcIlJpZ2h0XCI6MC4wLFwiQm90dG9tXCI6My4wfSxcIkJhY2tncm91bmRcIjp7XCIkaWRcIjpcIjI0XCIsXCJDb2xvclwiOntcIiRpZFwiOlwiMjVcIixcIkFcIjoyNTUsXCJSXCI6NjgsXCJHXCI6ODQsXCJCXCI6MTA2fX0sXCJJc1Zpc2libGVcIjp0cnVlLFwiV2lkdGhcIjo4NTguMCxcIkhlaWdodFwiOjIwLjAsXCJCb3JkZXJTdHlsZVwiOntcIiRpZFwiOlwiMjZcIixcIkxpbmVDb2xvclwiOntcIiRpZFwiOlwiMjdcIixcIiR0eXBlXCI6XCJOTFJFLkNvbW1vbi5Eb20uU29saWRDb2xvckJydXNoLCBOTFJFLkNvbW1vblwiLFwiQ29sb3JcIjp7XCIkaWRcIjpcIjI4XCIsXCJBXCI6MjU1LFwiUlwiOjI1NSxcIkdcIjowLFwiQlwiOjB9fSxcIkxpbmVXZWlnaHRcIjowLjAsXCJMaW5lVHlwZVwiOjB9fSxcIlJpZ2h0RW5kQ2Fwc1N0eWxlXCI6e1wiJGlkXCI6XCIyOVwiLFwiRm9udFNldHRpbmdzXCI6e1wiJGlkXCI6XCIzMFwiLFwiRm9udFNpemVcIjoxOCxcIkZvbnROYW1lXCI6XCJDYWxpYnJpXCIsXCJJc0JvbGRcIjp0cnVlLFwiSXNJdGFsaWNcIjpmYWxzZSxcIklzVW5kZXJsaW5lZFwiOmZhbHNlfSxcIkF1dG9TaXplXCI6MCxcIkZvcmVncm91bmRcIjp7XCIkaWRcIjpcIjMxXCIsXCJDb2xvclwiOntcIiRpZFwiOlwiMzJcIixcIkFcIjoyNTUsXCJSXCI6MjM3LFwiR1wiOjEyNSxcIkJcIjo0OX19LFwiQmFja2dyb3VuZEZpbGxUeXBlXCI6MCxcIk1heFdpZHRoXCI6XCJJbmZpbml0eVwiLFwiTWF4SGVpZ2h0XCI6XCJJbmZpbml0eVwiLFwiU21hcnRGb3JlZ3JvdW5kSXNBY3RpdmVcIjpmYWxzZSxcIkhvcml6b250YWxBbGlnbm1lbnRcIjowLFwiVmVydGljYWxBbGlnbm1lbnRcIjowLFwiU21hcnRGb3JlZ3JvdW5kXCI6bnVsbCxcIk1hcmdpblwiOntcIiRpZFwiOlwiMzNcIixcIlRvcFwiOjAuMCxcIkxlZnRcIjowLjAsXCJSaWdodFwiOjIwLjAsXCJCb3R0b21cIjowLjB9LFwiUGFkZGluZ1wiOntcIiRpZFwiOlwiMzRcIixcIlRvcFwiOjAuMCxcIkxlZnRcIjowLjAsXCJSaWdodFwiOjAuMCxcIkJvdHRvbVwiOjAuMH0sXCJCYWNrZ3JvdW5kXCI6e1wiJGlkXCI6XCIzNVwiLFwiQ29sb3JcIjp7XCIkaWRcIjpcIjM2XCIsXCJBXCI6MCxcIlJcIjowLFwiR1wiOjAsXCJCXCI6MH19LFwiSXNWaXNpYmxlXCI6dHJ1ZSxcIldpZHRoXCI6MC4wLFwiSGVpZ2h0XCI6MC4wLFwiQm9yZGVyU3R5bGVcIjpudWxsfSxcIkxlZnRFbmRDYXBzU3R5bGVcIjp7XCIkaWRcIjpcIjM3XCIsXCJGb250U2V0dGluZ3NcIjp7XCIkaWRcIjpcIjM4XCIsXCJGb250U2l6ZVwiOjE4LFwiRm9udE5hbWVcIjpcIkNhbGlicmlcIixcIklzQm9sZFwiOnRydWUsXCJJc0l0YWxpY1wiOmZhbHNlLFwiSXNVbmRlcmxpbmVkXCI6ZmFsc2V9LFwiQXV0b1NpemVcIjowLFwiRm9yZWdyb3VuZFwiOntcIiRpZFwiOlwiMzlcIixcIkNvbG9yXCI6e1wiJGlkXCI6XCI0MFwiLFwiQVwiOjI1NSxcIlJcIjoyMzcsXCJHXCI6MTI1LFwiQlwiOjQ5fX0sXCJCYWNrZ3JvdW5kRmlsbFR5cGVcIjowLFwiTWF4V2lkdGhcIjpcIkluZmluaXR5XCIsXCJNYXhIZWlnaHRcIjpcIkluZmluaXR5XCIsXCJTbWFydEZvcmVncm91bmRJc0FjdGl2ZVwiOmZhbHNlLFwiSG9yaXpvbnRhbEFsaWdubWVudFwiOjAsXCJWZXJ0aWNhbEFsaWdubWVudFwiOjAsXCJTbWFydEZvcmVncm91bmRcIjpudWxsLFwiTWFyZ2luXCI6e1wiJGlkXCI6XCI0MVwiLFwiVG9wXCI6MC4wLFwiTGVmdFwiOjIwLjAsXCJSaWdodFwiOjAuMCxcIkJvdHRvbVwiOjAuMH0sXCJQYWRkaW5nXCI6e1wiJGlkXCI6XCI0MlwiLFwiVG9wXCI6MC4wLFwiTGVmdFwiOjAuMCxcIlJpZ2h0XCI6MC4wLFwiQm90dG9tXCI6MC4wfSxcIkJhY2tncm91bmRcIjp7XCIkaWRcIjpcIjQzXCIsXCJDb2xvclwiOntcIiRyZWZcIjpcIjM2XCJ9fSxcIklzVmlzaWJsZVwiOmZhbHNlLFwiV2lkdGhcIjowLjAsXCJIZWlnaHRcIjowLjAsXCJCb3JkZXJTdHlsZVwiOm51bGx9LFwiVG9kYXlUZXh0U3R5bGVcIjp7XCIkaWRcIjpcIjQ0XCIsXCJGb250U2V0dGluZ3NcIjp7XCIkaWRcIjpcIjQ1XCIsXCJGb250U2l6ZVwiOjEyLFwiRm9udE5hbWVcIjpcIkNhbGlicmlcIixcIklzQm9sZFwiOmZhbHNlLFwiSXNJdGFsaWNcIjpmYWxzZSxcIklzVW5kZXJsaW5lZFwiOmZhbHNlfSxcIkF1dG9TaXplXCI6MCxcIkZvcmVncm91bmRcIjp7XCIkaWRcIjpcIjQ2XCIsXCJDb2xvclwiOntcIiRpZFwiOlwiNDdcIixcIkFcIjoyNTUsXCJSXCI6MCxcIkdcIjowLFwiQlwiOjB9fSxcIkJhY2tncm91bmRGaWxsVHlwZVwiOjAsXCJNYXhXaWR0aFwiOjIwMC4wLFwiTWF4SGVpZ2h0XCI6XCJJbmZpbml0eVwiLFwiU21hcnRGb3JlZ3JvdW5kSXNBY3RpdmVcIjpmYWxzZSxcIkhvcml6b250YWxBbGlnbm1lbnRcIjowLFwiVmVydGljYWxBbGlnbm1lbnRcIjowLFwiU21hcnRGb3JlZ3JvdW5kXCI6bnVsbCxcIk1hcmdpblwiOntcIiRpZFwiOlwiNDhcIixcIlRvcFwiOjAuMCxcIkxlZnRcIjowLjAsXCJSaWdodFwiOjAuMCxcIkJvdHRvbVwiOjAuMH0sXCJQYWRkaW5nXCI6e1wiJGlkXCI6XCI0OVwiLFwiVG9wXCI6MC4wLFwiTGVmdFwiOjAuMCxcIlJpZ2h0XCI6MC4wLFwiQm90dG9tXCI6MC4wfSxcIkJhY2tncm91bmRcIjp7XCIkaWRcIjpcIjUwXCIsXCJDb2xvclwiOntcIiRyZWZcIjpcIjM2XCJ9fSxcIklzVmlzaWJsZVwiOnRydWUsXCJXaWR0aFwiOjAuMCxcIkhlaWdodFwiOjAuMCxcIkJvcmRlclN0eWxlXCI6bnVsbH0sXCJUb2RheU1hcmtlclN0eWxlXCI6e1wiJGlkXCI6XCI1MVwiLFwiTWFyZ2luXCI6e1wiJGlkXCI6XCI1MlwiLFwiVG9wXCI6MC4wLFwiTGVmdFwiOjAuMCxcIlJpZ2h0XCI6MC4wLFwiQm90dG9tXCI6MC4wfSxcIlBhZGRpbmdcIjp7XCIkaWRcIjpcIjUzXCIsXCJUb3BcIjowLjAsXCJMZWZ0XCI6MC4wLFwiUmlnaHRcIjowLjAsXCJCb3R0b21cIjowLjB9LFwiQmFja2dyb3VuZFwiOntcIiRpZFwiOlwiNTRcIixcIkNvbG9yXCI6e1wiJGlkXCI6XCI1NVwiLFwiQVwiOjI1NSxcIlJcIjoyNTUsXCJHXCI6MCxcIkJcIjowfX0sXCJJc1Zpc2libGVcIjp0cnVlLFwiV2lkdGhcIjowLjAsXCJIZWlnaHRcIjowLjAsXCJCb3JkZXJTdHlsZVwiOm51bGx9LFwiU2NhbGVTdHlsZVwiOntcIiRpZFwiOlwiNTZcIixcIlNob3dTZWdtZW50U2VwYXJhdG9yc1wiOmZhbHNlLFwiU2VnbWVudFNlcGFyYXRvck9wYWNpdHlcIjozMCxcIlNoYXBlXCI6MyxcIkhhc0JlZW5WaXNpYmxlQmVmb3JlXCI6dHJ1ZSxcIkZvbnRTZXR0aW5nc1wiOntcIiRpZFwiOlwiNTdcIixcIkZvbnRTaXplXCI6MTIsXCJGb250TmFtZVwiOlwiQ2FsaWJyaVwiLFwiSXNCb2xkXCI6ZmFsc2UsXCJJc0l0YWxpY1wiOmZhbHNlLFwiSXNVbmRlcmxpbmVkXCI6ZmFsc2V9LFwiQXV0b1NpemVcIjowLFwiRm9yZWdyb3VuZFwiOntcIiRpZFwiOlwiNThcIixcIkNvbG9yXCI6e1wiJGlkXCI6XCI1OVwiLFwiQVwiOjI1NSxcIlJcIjoyNTUsXCJHXCI6MjU1LFwiQlwiOjI1NX19LFwiQmFja2dyb3VuZEZpbGxUeXBlXCI6MCxcIk1heFdpZHRoXCI6MjAwLjAsXCJNYXhIZWlnaHRcIjpcIkluZmluaXR5XCIsXCJTbWFydEZvcmVncm91bmRJc0FjdGl2ZVwiOmZhbHNlLFwiSG9yaXpvbnRhbEFsaWdubWVudFwiOjAsXCJWZXJ0aWNhbEFsaWdubWVudFwiOjEsXCJTbWFydEZvcmVncm91bmRcIjpudWxsLFwiTWFyZ2luXCI6e1wiJGlkXCI6XCI2MFwiLFwiVG9wXCI6MC4wLFwiTGVmdFwiOjUuMCxcIlJpZ2h0XCI6MC4wLFwiQm90dG9tXCI6MC4wfSxcIlBhZGRpbmdcIjp7XCIkaWRcIjpcIjYxXCIsXCJUb3BcIjowLjAsXCJMZWZ0XCI6MC4wLFwiUmlnaHRcIjowLjAsXCJCb3R0b21cIjowLjB9LFwiQmFja2dyb3VuZFwiOntcIiRpZFwiOlwiNjJcIixcIkNvbG9yXCI6e1wiJHJlZlwiOlwiMzZcIn19LFwiSXNWaXNpYmxlXCI6dHJ1ZSxcIldpZHRoXCI6MC4wLFwiSGVpZ2h0XCI6MC4wLFwiQm9yZGVyU3R5bGVcIjpudWxsfSxcIk1pZGRsZVRpZXJTY2FsZVN0eWxlXCI6e1wiJGlkXCI6XCI2M1wiLFwiU2hvd1NlZ21lbnRTZXBhcmF0b3JzXCI6ZmFsc2UsXCJTZWdtZW50U2VwYXJhdG9yT3BhY2l0eVwiOjMwLFwiU2hhcGVcIjozLFwiSGFzQmVlblZpc2libGVCZWZvcmVcIjpmYWxzZSxcIkZvbnRTZXR0aW5nc1wiOntcIiRpZFwiOlwiNjRcIixcIkZvbnRTaXplXCI6MTIsXCJGb250TmFtZVwiOlwiQ2FsaWJyaVwiLFwiSXNCb2xkXCI6ZmFsc2UsXCJJc0l0YWxpY1wiOmZhbHNlLFwiSXNVbmRlcmxpbmVkXCI6ZmFsc2V9LFwiQXV0b1NpemVcIjowLFwiRm9yZWdyb3VuZFwiOntcIiRpZFwiOlwiNjVcIixcIkNvbG9yXCI6e1wiJGlkXCI6XCI2NlwiLFwiQVwiOjI1NSxcIlJcIjoyNTUsXCJHXCI6MjU1LFwiQlwiOjI1NX19LFwiQmFja2dyb3VuZEZpbGxUeXBlXCI6MCxcIk1heFdpZHRoXCI6MjAwLjAsXCJNYXhIZWlnaHRcIjpcIkluZmluaXR5XCIsXCJTbWFydEZvcmVncm91bmRJc0FjdGl2ZVwiOmZhbHNlLFwiSG9yaXpvbnRhbEFsaWdubWVudFwiOjAsXCJWZXJ0aWNhbEFsaWdubWVudFwiOjEsXCJTbWFydEZvcmVncm91bmRcIjpudWxsLFwiTWFyZ2luXCI6e1wiJGlkXCI6XCI2N1wiLFwiVG9wXCI6MC4wLFwiTGVmdFwiOjUuMCxcIlJpZ2h0XCI6MC4wLFwiQm90dG9tXCI6MC4wfSxcIlBhZGRpbmdcIjp7XCIkaWRcIjpcIjY4XCIsXCJUb3BcIjowLjAsXCJMZWZ0XCI6MC4wLFwiUmlnaHRcIjowLjAsXCJCb3R0b21cIjowLjB9LFwiQmFja2dyb3VuZFwiOntcIiRpZFwiOlwiNjlcIixcIkNvbG9yXCI6e1wiJGlkXCI6XCI3MFwiLFwiQVwiOjAsXCJSXCI6MCxcIkdcIjowLFwiQlwiOjB9fSxcIklzVmlzaWJsZVwiOmZhbHNlLFwiV2lkdGhcIjowLjAsXCJIZWlnaHRcIjowLjAsXCJCb3JkZXJTdHlsZVwiOm51bGx9LFwiQm90dG9tVGllclNjYWxlU3R5bGVcIjp7XCIkaWRcIjpcIjcxXCIsXCJTaG93U2VnbWVudFNlcGFyYXRvcnNcIjpmYWxzZSxcIlNlZ21lbnRTZXBhcmF0b3JPcGFjaXR5XCI6MzAsXCJTaGFwZVwiOjMsXCJIYXNCZWVuVmlzaWJsZUJlZm9yZVwiOmZhbHNlLFwiRm9udFNldHRpbmdzXCI6e1wiJGlkXCI6XCI3MlwiLFwiRm9udFNpemVcIjoxMixcIkZvbnROYW1lXCI6XCJDYWxpYnJpXCIsXCJJc0JvbGRcIjpmYWxzZSxcIklzSXRhbGljXCI6ZmFsc2UsXCJJc1VuZGVybGluZWRcIjpmYWxzZX0sXCJBdXRvU2l6ZVwiOjAsXCJGb3JlZ3JvdW5kXCI6e1wiJGlkXCI6XCI3M1wiLFwiQ29sb3JcIjp7XCIkaWRcIjpcIjc0XCIsXCJBXCI6MjU1LFwiUlwiOjI1NSxcIkdcIjoyNTUsXCJCXCI6MjU1fX0sXCJCYWNrZ3JvdW5kRmlsbFR5cGVcIjowLFwiTWF4V2lkdGhcIjoyMDAuMCxcIk1heEhlaWdodFwiOlwiSW5maW5pdHlcIixcIlNtYXJ0Rm9yZWdyb3VuZElzQWN0aXZlXCI6ZmFsc2UsXCJIb3Jpem9udGFsQWxpZ25tZW50XCI6MCxcIlZlcnRpY2FsQWxpZ25tZW50XCI6MSxcIlNtYXJ0Rm9yZWdyb3VuZFwiOm51bGwsXCJNYXJnaW5cIjp7XCIkaWRcIjpcIjc1XCIsXCJUb3BcIjowLjAsXCJMZWZ0XCI6NS4wLFwiUmlnaHRcIjowLjAsXCJCb3R0b21cIjowLjB9LFwiUGFkZGluZ1wiOntcIiRpZFwiOlwiNzZcIixcIlRvcFwiOjAuMCxcIkxlZnRcIjowLjAsXCJSaWdodFwiOjAuMCxcIkJvdHRvbVwiOjAuMH0sXCJCYWNrZ3JvdW5kXCI6e1wiJGlkXCI6XCI3N1wiLFwiQ29sb3JcIjp7XCIkaWRcIjpcIjc4XCIsXCJBXCI6MCxcIlJcIjowLFwiR1wiOjAsXCJCXCI6MH19LFwiSXNWaXNpYmxlXCI6ZmFsc2UsXCJXaWR0aFwiOjAuMCxcIkhlaWdodFwiOjAuMCxcIkJvcmRlclN0eWxlXCI6bnVsbH0sXCJTaW5nbGVTY2FsZVNoYXBlU3R5bGVcIjpudWxsLFwiRWxhcHNlZFRpbWVCYWNrZ3JvdW5kXCI6e1wiJGlkXCI6XCI3OVwiLFwiQ29sb3JcIjp7XCIkaWRcIjpcIjgwXCIsXCJBXCI6MTkxLFwiUlwiOjI1NSxcIkdcIjowLFwiQlwiOjB9fSxcIkFwcGVuZFllYXJPblllYXJDaGFuZ2VcIjpmYWxzZSxcIkVsYXBzZWRUaW1lRm9ybWF0XCI6MixcIlRvZGF5TWFya2VyUG9zaXRpb25cIjozLFwiUXVpY2tQb3NpdGlvblwiOjIsXCJBYnNvbHV0ZVBvc2l0aW9uXCI6NDA1LjAsXCJNYXJnaW5cIjp7XCIkaWRcIjpcIjgxXCIsXCJUb3BcIjowLjAsXCJMZWZ0XCI6MTAuMCxcIlJpZ2h0XCI6MTAuMCxcIkJvdHRvbVwiOjAuMH0sXCJQYWRkaW5nXCI6e1wiJGlkXCI6XCI4MlwiLFwiVG9wXCI6MC4wLFwiTGVmdFwiOjAuMCxcIlJpZ2h0XCI6MC4wLFwiQm90dG9tXCI6MC4wfSxcIkJhY2tncm91bmRcIjp7XCIkaWRcIjpcIjgzXCIsXCJDb2xvclwiOntcIiRpZFwiOlwiODRcIixcIkFcIjoyNTUsXCJSXCI6NDcsXCJHXCI6NTQsXCJCXCI6MTUzfX0sXCJJc1Zpc2libGVcIjp0cnVlLFwiV2lkdGhcIjowLjAsXCJIZWlnaHRcIjowLjAsXCJCb3JkZXJTdHlsZVwiOm51bGx9LFwiRGVmYXVsdE1pbGVzdG9uZVN0eWxlXCI6e1wiJGlkXCI6XCI4NVwiLFwiU2hhcGVcIjoyLFwiQ29ubmVjdG9yTWFyZ2luXCI6e1wiJGlkXCI6XCI4NlwiLFwiVG9wXCI6MC4wLFwiTGVmdFwiOjIuMCxcIlJpZ2h0XCI6Mi4wLFwiQm90dG9tXCI6MC4wfSxcIkNvbm5lY3RvclN0eWxlXCI6e1wiJGlkXCI6XCI4N1wiLFwiTGluZUNvbG9yXCI6e1wiJGlkXCI6XCI4OFwiLFwiJHR5cGVcIjpcIk5MUkUuQ29tbW9uLkRvbS5Tb2xpZENvbG9yQnJ1c2gsIE5MUkUuQ29tbW9uXCIsXCJDb2xvclwiOntcIiRpZFwiOlwiODlcIixcIkFcIjoxMjcsXCJSXCI6NzksXCJHXCI6MTI5LFwiQlwiOjE4OX19LFwiTGluZVdlaWdodFwiOjEuMCxcIkxpbmVUeXBlXCI6MH0sXCJJc0JlbG93VGltZWJhbmRcIjpmYWxzZSxcIkhpZGVEYXRlXCI6ZmFsc2UsXCJTaGFwZVNpemVcIjoxLFwiU3BhY2luZ1wiOjIuMCxcIlBhZGRpbmdcIjp7XCIkaWRcIjpcIjkwXCIsXCJUb3BcIjo3LjAsXCJMZWZ0XCI6My4wLFwiUmlnaHRcIjowLjAsXCJCb3R0b21cIjoyLjB9LFwiUG9zaXRpb25cIjpudWxsLFwiUG9zaXRpb25PblRhc2tcIjowLFwiU2hhcGVTdHlsZVwiOntcIiRpZFwiOlwiOTFcIixcIk1hcmdpblwiOntcIiRpZFwiOlwiOTJcIixcIlRvcFwiOjAuMCxcIkxlZnRcIjowLjAsXCJSaWdodFwiOjAuMCxcIkJvdHRvbVwiOjAuMH0sXCJQYWRkaW5nXCI6e1wiJGlkXCI6XCI5M1wiLFwiVG9wXCI6MC4wLFwiTGVmdFwiOjAuMCxcIlJpZ2h0XCI6MC4wLFwiQm90dG9tXCI6MC4wfSxcIkJhY2tncm91bmRcIjp7XCIkaWRcIjpcIjk0XCIsXCJDb2xvclwiOntcIiRpZFwiOlwiOTVcIixcIkFcIjoyNTUsXCJSXCI6MCxcIkdcIjoxMTQsXCJCXCI6MTg4fX0sXCJJc1Zpc2libGVcIjp0cnVlLFwiV2lkdGhcIjoxMy4wLFwiSGVpZ2h0XCI6MTMuMCxcIkJvcmRlclN0eWxlXCI6e1wiJGlkXCI6XCI5NlwiLFwiTGluZUNvbG9yXCI6e1wiJGlkXCI6XCI5N1wiLFwiJHR5cGVcIjpcIk5MUkUuQ29tbW9uLkRvbS5Tb2xpZENvbG9yQnJ1c2gsIE5MUkUuQ29tbW9uXCIsXCJDb2xvclwiOntcIiRpZFwiOlwiOThcIixcIkFcIjoyNTUsXCJSXCI6MjU1LFwiR1wiOjAsXCJCXCI6MH19LFwiTGluZVdlaWdodFwiOjAuMCxcIkxpbmVUeXBlXCI6MH19LFwiVGl0bGVTdHlsZVwiOntcIiRpZFwiOlwiOTlcIixcIkZvbnRTZXR0aW5nc1wiOntcIiRpZFwiOlwiMTAwXCIsXCJGb250U2l6ZVwiOjExLFwiRm9udE5hbWVcIjpcIkNhbGlicmlcIixcIklzQm9sZFwiOnRydWUsXCJJc0l0YWxpY1wiOmZhbHNlLFwiSXNVbmRlcmxpbmVkXCI6ZmFsc2V9LFwiQXV0b1NpemVcIjowLFwiRm9yZWdyb3VuZFwiOntcIiRpZFwiOlwiMTAxXCIsXCJDb2xvclwiOntcIiRpZFwiOlwiMTAyXCIsXCJBXCI6MjU1LFwiUlwiOjAsXCJHXCI6MCxcIkJcIjowfX0sXCJCYWNrZ3JvdW5kRmlsbFR5cGVcIjowLFwiTWF4V2lkdGhcIjoyMDAuMCxcIk1heEhlaWdodFwiOlwiSW5maW5pdHlcIixcIlNtYXJ0Rm9yZWdyb3VuZElzQWN0aXZlXCI6ZmFsc2UsXCJIb3Jpem9udGFsQWxpZ25tZW50XCI6MCxcIlZlcnRpY2FsQWxpZ25tZW50XCI6MCxcIlNtYXJ0Rm9yZWdyb3VuZFwiOm51bGwsXCJNYXJnaW5cIjp7XCIkaWRcIjpcIjEwM1wiLFwiVG9wXCI6MC4wLFwiTGVmdFwiOjAuMCxcIlJpZ2h0XCI6MC4wLFwiQm90dG9tXCI6MC4wfSxcIlBhZGRpbmdcIjp7XCIkaWRcIjpcIjEwNFwiLFwiVG9wXCI6MC4wLFwiTGVmdFwiOjAuMCxcIlJpZ2h0XCI6MC4wLFwiQm90dG9tXCI6MC4wfSxcIkJhY2tncm91bmRcIjp7XCIkaWRcIjpcIjEwNVwiLFwiQ29sb3JcIjp7XCIkcmVmXCI6XCIzNlwifX0sXCJJc1Zpc2libGVcIjp0cnVlLFwiV2lkdGhcIjowLjAsXCJIZWlnaHRcIjowLjAsXCJCb3JkZXJTdHlsZVwiOm51bGx9LFwiRGF0ZVN0eWxlXCI6e1wiJGlkXCI6XCIxMDZcIixcIkZvbnRTZXR0aW5nc1wiOntcIiRpZFwiOlwiMTA3XCIsXCJGb250U2l6ZVwiOjEwLFwiRm9udE5hbWVcIjpcIkNhbGlicmlcIixcIklzQm9sZFwiOmZhbHNlLFwiSXNJdGFsaWNcIjpmYWxzZSxcIklzVW5kZXJsaW5lZFwiOmZhbHNlfSxcIkF1dG9TaXplXCI6MCxcIkZvcmVncm91bmRcIjp7XCIkaWRcIjpcIjEwOFwiLFwiQ29sb3JcIjp7XCIkaWRcIjpcIjEwOVwiLFwiQVwiOjI1NSxcIlJcIjo2OCxcIkdcIjo4NCxcIkJcIjoxMDZ9fSxcIkJhY2tncm91bmRGaWxsVHlwZVwiOjAsXCJNYXhXaWR0aFwiOjIwMC4wLFwiTWF4SGVpZ2h0XCI6XCJJbmZpbml0eVwiLFwiU21hcnRGb3JlZ3JvdW5kSXNBY3RpdmVcIjpmYWxzZSxcIkhvcml6b250YWxBbGlnbm1lbnRcIjowLFwiVmVydGljYWxBbGlnbm1lbnRcIjowLFwiU21hcnRGb3JlZ3JvdW5kXCI6bnVsbCxcIk1hcmdpblwiOntcIiRpZFwiOlwiMTEwXCIsXCJUb3BcIjowLjAsXCJMZWZ0XCI6MC4wLFwiUmlnaHRcIjowLjAsXCJCb3R0b21cIjowLjB9LFwiUGFkZGluZ1wiOntcIiRpZFwiOlwiMTExXCIsXCJUb3BcIjowLjAsXCJMZWZ0XCI6MC4wLFwiUmlnaHRcIjowLjAsXCJCb3R0b21cIjowLjB9LFwiQmFja2dyb3VuZFwiOntcIiRpZFwiOlwiMTEyXCIsXCJDb2xvclwiOntcIiRyZWZcIjpcIjM2XCJ9fSxcIklzVmlzaWJsZVwiOnRydWUsXCJXaWR0aFwiOjAuMCxcIkhlaWdodFwiOjAuMCxcIkJvcmRlclN0eWxlXCI6bnVsbH0sXCJEYXRlRm9ybWF0XCI6e1wiJGlkXCI6XCIxMTNcIixcIkZvcm1hdFN0cmluZ1wiOlwiTU1NIGRcIixcIlNlcGFyYXRvclwiOlwiL1wiLFwiVXNlSW50ZXJuYXRpb25hbERhdGVGb3JtYXRcIjpmYWxzZSxcIkRhdGVJc1Zpc2libGVcIjp0cnVlLFwiVGltZUlzVmlzaWJsZVwiOmZhbHNlLFwiSG91ckRpZ2l0c1wiOjEsXCJBbVBtRGVzaWduYXRvclwiOjIsXCJUcmltMDBNaW51dGVzXCI6ZmFsc2UsXCJMYXN0S25vd25WaXNpYmlsaXR5U3RhdGVcIjpudWxsfSxcIklzVmlzaWJsZVwiOnRydWV9LFwiRGVmYXVsdFRhc2tTdHlsZVwiOntcIiRpZFwiOlwiMTE0XCIsXCJTaGFwZVwiOjEsXCJTaGFwZVRoaWNrbmVzc1wiOjAsXCJEdXJhdGlvbkZvcm1hdFwiOjAsXCJQZXJjZW50YWdlQ29tcGxldGVTdHlsZVwiOntcIiRpZFwiOlwiMTE1XCIsXCJGb250U2V0dGluZ3NcIjp7XCIkaWRcIjpcIjExNlwiLFwiRm9udFNpemVcIjoxMCxcIkZvbnROYW1lXCI6XCJDYWxpYnJpXCIsXCJJc0JvbGRcIjpmYWxzZSxcIklzSXRhbGljXCI6ZmFsc2UsXCJJc1VuZGVybGluZWRcIjpmYWxzZX0sXCJBdXRvU2l6ZVwiOjAsXCJGb3JlZ3JvdW5kXCI6e1wiJGlkXCI6XCIxMTdcIixcIkNvbG9yXCI6e1wiJGlkXCI6XCIxMThcIixcIkFcIjoyNTUsXCJSXCI6MjM3LFwiR1wiOjEyNSxcIkJcIjo0OX19LFwiQmFja2dyb3VuZEZpbGxUeXBlXCI6MCxcIk1heFdpZHRoXCI6MjAwLjAsXCJNYXhIZWlnaHRcIjpcIkluZmluaXR5XCIsXCJTbWFydEZvcmVncm91bmRJc0FjdGl2ZVwiOmZhbHNlLFwiSG9yaXpvbnRhbEFsaWdubWVudFwiOjAsXCJWZXJ0aWNhbEFsaWdubWVudFwiOjAsXCJTbWFydEZvcmVncm91bmRcIjpudWxsLFwiTWFyZ2luXCI6e1wiJGlkXCI6XCIxMTlcIixcIlRvcFwiOjAuMCxcIkxlZnRcIjowLjAsXCJSaWdodFwiOjAuMCxcIkJvdHRvbVwiOjAuMH0sXCJQYWRkaW5nXCI6e1wiJGlkXCI6XCIxMjBcIixcIlRvcFwiOjAuMCxcIkxlZnRcIjowLjAsXCJSaWdodFwiOjAuMCxcIkJvdHRvbVwiOjAuMH0sXCJCYWNrZ3JvdW5kXCI6e1wiJGlkXCI6XCIxMjFcIixcIkNvbG9yXCI6e1wiJHJlZlwiOlwiMzZcIn19LFwiSXNWaXNpYmxlXCI6dHJ1ZSxcIldpZHRoXCI6MC4wLFwiSGVpZ2h0XCI6MC4wLFwiQm9yZGVyU3R5bGVcIjpudWxsfSxcIkR1cmF0aW9uU3R5bGVcIjp7XCIkaWRcIjpcIjEyMlwiLFwiRm9udFNldHRpbmdzXCI6e1wiJGlkXCI6XCIxMjNcIixcIkZvbnRTaXplXCI6MTAsXCJGb250TmFtZVwiOlwiQ2FsaWJyaVwiLFwiSXNCb2xkXCI6ZmFsc2UsXCJJc0l0YWxpY1wiOmZhbHNlLFwiSXNVbmRlcmxpbmVkXCI6ZmFsc2V9LFwiQXV0b1NpemVcIjowLFwiRm9yZWdyb3VuZFwiOntcIiRpZFwiOlwiMTI0XCIsXCJDb2xvclwiOntcIiRpZFwiOlwiMTI1XCIsXCJBXCI6MjU1LFwiUlwiOjIzNyxcIkdcIjoxMjUsXCJCXCI6NDl9fSxcIkJhY2tncm91bmRGaWxsVHlwZVwiOjAsXCJNYXhXaWR0aFwiOjIwMC4wLFwiTWF4SGVpZ2h0XCI6XCJJbmZpbml0eVwiLFwiU21hcnRGb3JlZ3JvdW5kSXNBY3RpdmVcIjpmYWxzZSxcIkhvcml6b250YWxBbGlnbm1lbnRcIjowLFwiVmVydGljYWxBbGlnbm1lbnRcIjowLFwiU21hcnRGb3JlZ3JvdW5kXCI6bnVsbCxcIk1hcmdpblwiOntcIiRpZFwiOlwiMTI2XCIsXCJUb3BcIjowLjAsXCJMZWZ0XCI6MC4wLFwiUmlnaHRcIjowLjAsXCJCb3R0b21cIjowLjB9LFwiUGFkZGluZ1wiOntcIiRpZFwiOlwiMTI3XCIsXCJUb3BcIjowLjAsXCJMZWZ0XCI6MC4wLFwiUmlnaHRcIjowLjAsXCJCb3R0b21cIjowLjB9LFwiQmFja2dyb3VuZFwiOntcIiRpZFwiOlwiMTI4XCIsXCJDb2xvclwiOntcIiRyZWZcIjpcIjM2XCJ9fSxcIklzVmlzaWJsZVwiOnRydWUsXCJXaWR0aFwiOjAuMCxcIkhlaWdodFwiOjAuMCxcIkJvcmRlclN0eWxlXCI6bnVsbH0sXCJIb3Jpem9udGFsQ29ubmVjdG9yU3R5bGVcIjp7XCIkaWRcIjpcIjEyOVwiLFwiTGluZUNvbG9yXCI6e1wiJGlkXCI6XCIxMzBcIixcIiR0eXBlXCI6XCJOTFJFLkNvbW1vbi5Eb20uU29saWRDb2xvckJydXNoLCBOTFJFLkNvbW1vblwiLFwiQ29sb3JcIjp7XCIkaWRcIjpcIjEzMVwiLFwiQVwiOjI1NSxcIlJcIjoyMDQsXCJHXCI6MjA0LFwiQlwiOjIwNH19LFwiTGluZVdlaWdodFwiOjEuMCxcIkxpbmVUeXBlXCI6MH0sXCJWZXJ0aWNhbENvbm5lY3RvclN0eWxlXCI6e1wiJGlkXCI6XCIxMzJcIixcIkxpbmVDb2xvclwiOntcIiRpZFwiOlwiMTMzXCIsXCIkdHlwZVwiOlwiTkxSRS5Db21tb24uRG9tLlNvbGlkQ29sb3JCcnVzaCwgTkxSRS5Db21tb25cIixcIkNvbG9yXCI6e1wiJGlkXCI6XCIxMzRcIixcIkFcIjoyNTUsXCJSXCI6MjA0LFwiR1wiOjIwNCxcIkJcIjoyMDR9fSxcIkxpbmVXZWlnaHRcIjowLjAsXCJMaW5lVHlwZVwiOjB9LFwiTWFyZ2luXCI6bnVsbCxcIlN0YXJ0RGF0ZVBvc2l0aW9uXCI6MyxcIkVuZERhdGVQb3NpdGlvblwiOjMsXCJUaXRsZVBvc2l0aW9uXCI6NCxcIkR1cmF0aW9uUG9zaXRpb25cIjo2LFwiUGVyY2VudGFnZUNvbXBsZXRlZFBvc2l0aW9uXCI6NixcIlNwYWNpbmdcIjo1LFwiSXNCZWxvd1RpbWViYW5kXCI6ZmFsc2UsXCJQZXJjZW50YWdlQ29tcGxldGVTaGFwZU9wYWNpdHlcIjozNSxcIkdyb3VwTmFtZVwiOm51bGwsXCJBdHRhY2hlZE1pbGVzdG9uZXNTdHlsZXNcIjpudWxsLFwiU2hhcGVTdHlsZVwiOntcIiRpZFwiOlwiMTM1XCIsXCJNYXJnaW5cIjp7XCIkaWRcIjpcIjEzNlwiLFwiVG9wXCI6MC4wLFwiTGVmdFwiOjQuMCxcIlJpZ2h0XCI6NC4wLFwiQm90dG9tXCI6MC4wfSxcIlBhZGRpbmdcIjp7XCIkaWRcIjpcIjEzN1wiLFwiVG9wXCI6MC4wLFwiTGVmdFwiOjAuMCxcIlJpZ2h0XCI6MC4wLFwiQm90dG9tXCI6MC4wfSxcIkJhY2tncm91bmRcIjp7XCIkaWRcIjpcIjEzOFwiLFwiQ29sb3JcIjp7XCIkaWRcIjpcIjEzOVwiLFwiQVwiOjI1NSxcIlJcIjowLFwiR1wiOjExNCxcIkJcIjoxODh9fSxcIklzVmlzaWJsZVwiOnRydWUsXCJXaWR0aFwiOjAuMCxcIkhlaWdodFwiOjEwLjAsXCJCb3JkZXJTdHlsZVwiOntcIiRpZFwiOlwiMTQwXCIsXCJMaW5lQ29sb3JcIjp7XCIkaWRcIjpcIjE0MVwiLFwiJHR5cGVcIjpcIk5MUkUuQ29tbW9uLkRvbS5Tb2xpZENvbG9yQnJ1c2gsIE5MUkUuQ29tbW9uXCIsXCJDb2xvclwiOntcIiRpZFwiOlwiMTQyXCIsXCJBXCI6MjU1LFwiUlwiOjI1NSxcIkdcIjowLFwiQlwiOjB9fSxcIkxpbmVXZWlnaHRcIjowLjAsXCJMaW5lVHlwZVwiOjB9fSxcIlRpdGxlU3R5bGVcIjp7XCIkaWRcIjpcIjE0M1wiLFwiRm9udFNldHRpbmdzXCI6e1wiJGlkXCI6XCIxNDRcIixcIkZvbnRTaXplXCI6MTEsXCJGb250TmFtZVwiOlwiQ2FsaWJyaVwiLFwiSXNCb2xkXCI6dHJ1ZSxcIklzSXRhbGljXCI6ZmFsc2UsXCJJc1VuZGVybGluZWRcIjpmYWxzZX0sXCJBdXRvU2l6ZVwiOjAsXCJGb3JlZ3JvdW5kXCI6e1wiJGlkXCI6XCIxNDVcIixcIkNvbG9yXCI6e1wiJGlkXCI6XCIxNDZcIixcIkFcIjoyNTUsXCJSXCI6MCxcIkdcIjowLFwiQlwiOjB9fSxcIkJhY2tncm91bmRGaWxsVHlwZVwiOjAsXCJNYXhXaWR0aFwiOjk2MC4wLFwiTWF4SGVpZ2h0XCI6XCJJbmZpbml0eVwiLFwiU21hcnRGb3JlZ3JvdW5kSXNBY3RpdmVcIjpmYWxzZSxcIkhvcml6b250YWxBbGlnbm1lbnRcIjowLFwiVmVydGljYWxBbGlnbm1lbnRcIjowLFwiU21hcnRGb3JlZ3JvdW5kXCI6bnVsbCxcIk1hcmdpblwiOntcIiRpZFwiOlwiMTQ3XCIsXCJUb3BcIjowLjAsXCJMZWZ0XCI6MC4wLFwiUmlnaHRcIjowLjAsXCJCb3R0b21cIjowLjB9LFwiUGFkZGluZ1wiOntcIiRpZFwiOlwiMTQ4XCIsXCJUb3BcIjowLjAsXCJMZWZ0XCI6MC4wLFwiUmlnaHRcIjowLjAsXCJCb3R0b21cIjowLjB9LFwiQmFja2dyb3VuZFwiOntcIiRpZFwiOlwiMTQ5XCIsXCJDb2xvclwiOntcIiRyZWZcIjpcIjM2XCJ9fSxcIklzVmlzaWJsZVwiOnRydWUsXCJXaWR0aFwiOjAuMCxcIkhlaWdodFwiOjAuMCxcIkJvcmRlclN0eWxlXCI6bnVsbH0sXCJEYXRlU3R5bGVcIjp7XCIkaWRcIjpcIjE1MFwiLFwiRm9udFNldHRpbmdzXCI6e1wiJGlkXCI6XCIxNTFcIixcIkZvbnRTaXplXCI6MTAsXCJGb250TmFtZVwiOlwiQ2FsaWJyaVwiLFwiSXNCb2xkXCI6ZmFsc2UsXCJJc0l0YWxpY1wiOmZhbHNlLFwiSXNVbmRlcmxpbmVkXCI6ZmFsc2V9LFwiQXV0b1NpemVcIjowLFwiRm9yZWdyb3VuZFwiOntcIiRpZFwiOlwiMTUyXCIsXCJDb2xvclwiOntcIiRpZFwiOlwiMTUzXCIsXCJBXCI6MjU1LFwiUlwiOjY4LFwiR1wiOjg0LFwiQlwiOjEwNn19LFwiQmFja2dyb3VuZEZpbGxUeXBlXCI6MCxcIk1heFdpZHRoXCI6MjAwLjAsXCJNYXhIZWlnaHRcIjpcIkluZmluaXR5XCIsXCJTbWFydEZvcmVncm91bmRJc0FjdGl2ZVwiOmZhbHNlLFwiSG9yaXpvbnRhbEFsaWdubWVudFwiOjIsXCJWZXJ0aWNhbEFsaWdubWVudFwiOjAsXCJTbWFydEZvcmVncm91bmRcIjpudWxsLFwiTWFyZ2luXCI6e1wiJGlkXCI6XCIxNTRcIixcIlRvcFwiOjAuMCxcIkxlZnRcIjowLjAsXCJSaWdodFwiOjAuMCxcIkJvdHRvbVwiOjAuMH0sXCJQYWRkaW5nXCI6e1wiJGlkXCI6XCIxNTVcIixcIlRvcFwiOjAuMCxcIkxlZnRcIjowLjAsXCJSaWdodFwiOjAuMCxcIkJvdHRvbVwiOjAuMH0sXCJCYWNrZ3JvdW5kXCI6e1wiJGlkXCI6XCIxNTZcIixcIkNvbG9yXCI6e1wiJHJlZlwiOlwiMzZcIn19LFwiSXNWaXNpYmxlXCI6dHJ1ZSxcIldpZHRoXCI6MC4wLFwiSGVpZ2h0XCI6MC4wLFwiQm9yZGVyU3R5bGVcIjpudWxsfSxcIkRhdGVGb3JtYXRcIjp7XCIkaWRcIjpcIjE1N1wiLFwiRm9ybWF0U3RyaW5nXCI6XCJNTU0gZFwiLFwiU2VwYXJhdG9yXCI6XCIvXCIsXCJVc2VJbnRlcm5hdGlvbmFsRGF0ZUZvcm1hdFwiOmZhbHNlLFwiRGF0ZUlzVmlzaWJsZVwiOnRydWUsXCJUaW1lSXNWaXNpYmxlXCI6ZmFsc2UsXCJIb3VyRGlnaXRzXCI6MSxcIkFtUG1EZXNpZ25hdG9yXCI6MixcIlRyaW0wME1pbnV0ZXNcIjpmYWxzZSxcIkxhc3RLbm93blZpc2liaWxpdHlTdGF0ZVwiOm51bGx9LFwiSXNWaXNpYmxlXCI6dHJ1ZX0sXCJTaG93RWxhcHNlZFRpbWVHcmFkaWVudFN0eWxlXCI6ZmFsc2UsXCJUaW1lYmFuZFJlc2VydmVkTGVmdEFyZWFTdHlsZVwiOm51bGwsXCJEZWZhdWx0U3dpbWxhbmVTdHlsZVwiOntcIiRpZFwiOlwiMTU4XCIsXCJIZWFkZXJTdHlsZVwiOntcIiRpZFwiOlwiMTU5XCIsXCJUZXh0U3R5bGVcIjp7XCIkaWRcIjpcIjE2MFwiLFwiRm9udFNldHRpbmdzXCI6e1wiJGlkXCI6XCIxNjFcIixcIkZvbnRTaXplXCI6MTIsXCJGb250TmFtZVwiOlwiQ2FsaWJyaVwiLFwiSXNCb2xkXCI6ZmFsc2UsXCJJc0l0YWxpY1wiOmZhbHNlLFwiSXNVbmRlcmxpbmVkXCI6ZmFsc2V9LFwiQXV0b1NpemVcIjowLFwiRm9yZWdyb3VuZFwiOntcIiRpZFwiOlwiMTYyXCIsXCJDb2xvclwiOntcIiRpZFwiOlwiMTYzXCIsXCJBXCI6MjU1LFwiUlwiOjMyLFwiR1wiOjU2LFwiQlwiOjEwMH19LFwiQmFja2dyb3VuZEZpbGxUeXBlXCI6MCxcIk1heFdpZHRoXCI6MC4wLFwiTWF4SGVpZ2h0XCI6MC4wLFwiU21hcnRGb3JlZ3JvdW5kSXNBY3RpdmVcIjpmYWxzZSxcIkhvcml6b250YWxBbGlnbm1lbnRcIjowLFwiVmVydGljYWxBbGlnbm1lbnRcIjowLFwiU21hcnRGb3JlZ3JvdW5kXCI6bnVsbCxcIk1hcmdpblwiOntcIiRpZFwiOlwiMTY0XCIsXCJUb3BcIjowLjAsXCJMZWZ0XCI6MC4wLFwiUmlnaHRcIjowLjAsXCJCb3R0b21cIjowLjB9LFwiUGFkZGluZ1wiOntcIiRpZFwiOlwiMTY1XCIsXCJUb3BcIjowLjAsXCJMZWZ0XCI6MC4wLFwiUmlnaHRcIjowLjAsXCJCb3R0b21cIjowLjB9LFwiQmFja2dyb3VuZFwiOm51bGwsXCJJc1Zpc2libGVcIjpmYWxzZSxcIldpZHRoXCI6MC4wLFwiSGVpZ2h0XCI6MC4wLFwiQm9yZGVyU3R5bGVcIjpudWxsfSxcIlJlY3RhbmdsZVN0eWxlXCI6e1wiJGlkXCI6XCIxNjZcIixcIk1hcmdpblwiOntcIiRpZFwiOlwiMTY3XCIsXCJUb3BcIjowLjAsXCJMZWZ0XCI6MC4wLFwiUmlnaHRcIjowLjAsXCJCb3R0b21cIjowLjB9LFwiUGFkZGluZ1wiOntcIiRpZFwiOlwiMTY4XCIsXCJUb3BcIjowLjAsXCJMZWZ0XCI6MC4wLFwiUmlnaHRcIjowLjAsXCJCb3R0b21cIjowLjB9LFwiQmFja2dyb3VuZFwiOntcIiRpZFwiOlwiMTY5XCIsXCJDb2xvclwiOntcIiRpZFwiOlwiMTcwXCIsXCJBXCI6MTI3LFwiUlwiOjkxLFwiR1wiOjE1NSxcIkJcIjoyMTN9fSxcIklzVmlzaWJsZVwiOmZhbHNlLFwiV2lkdGhcIjowLjAsXCJIZWlnaHRcIjowLjAsXCJCb3JkZXJTdHlsZVwiOntcIiRpZFwiOlwiMTcxXCIsXCJMaW5lQ29sb3JcIjp7XCIkaWRcIjpcIjE3MlwiLFwiJHR5cGVcIjpcIk5MUkUuQ29tbW9uLkRvbS5Tb2xpZENvbG9yQnJ1c2gsIE5MUkUuQ29tbW9uXCIsXCJDb2xvclwiOntcIiRpZFwiOlwiMTczXCIsXCJBXCI6MjU1LFwiUlwiOjI1NSxcIkdcIjowLFwiQlwiOjB9fSxcIkxpbmVXZWlnaHRcIjowLjAsXCJMaW5lVHlwZVwiOjB9fSxcIlRleHRJc1ZlcnRpY2FsXCI6ZmFsc2V9LFwiQmFja2dyb3VuZFN0eWxlXCI6e1wiJGlkXCI6XCIxNzRcIixcIk1hcmdpblwiOntcIiRpZFwiOlwiMTc1XCIsXCJUb3BcIjowLjAsXCJMZWZ0XCI6MC4wLFwiUmlnaHRcIjowLjAsXCJCb3R0b21cIjowLjB9LFwiUGFkZGluZ1wiOntcIiRpZFwiOlwiMTc2XCIsXCJUb3BcIjowLjAsXCJMZWZ0XCI6MC4wLFwiUmlnaHRcIjowLjAsXCJCb3R0b21cIjowLjB9LFwiQmFja2dyb3VuZFwiOntcIiRpZFwiOlwiMTc3XCIsXCJDb2xvclwiOntcIiRpZFwiOlwiMTc4XCIsXCJBXCI6MzgsXCJSXCI6OTEsXCJHXCI6MTU1LFwiQlwiOjIxM319LFwiSXNWaXNpYmxlXCI6dHJ1ZSxcIldpZHRoXCI6MC4wLFwiSGVpZ2h0XCI6MC4wLFwiQm9yZGVyU3R5bGVcIjp7XCIkaWRcIjpcIjE3OVwiLFwiTGluZUNvbG9yXCI6e1wiJGlkXCI6XCIxODBcIixcIiR0eXBlXCI6XCJOTFJFLkNvbW1vbi5Eb20uU29saWRDb2xvckJydXNoLCBOTFJFLkNvbW1vblwiLFwiQ29sb3JcIjp7XCIkaWRcIjpcIjE4MVwiLFwiQVwiOjI1NSxcIlJcIjoyNTUsXCJHXCI6MCxcIkJcIjowfX0sXCJMaW5lV2VpZ2h0XCI6MC4wLFwiTGluZVR5cGVcIjowfX0sXCJJc0Fib3ZlVGltZWJhbmRcIjpmYWxzZX0sXCJDdXN0b21NaWxlc3RvbmVTdHlsZUxpc3RcIjpbXSxcIkN1c3RvbVRhc2tTdHlsZUxpc3RcIjpbXSxcIkN1c3RvbVN3aW1sYW5lRGVmaW5pdGlvblN0eWxlTGlzdFwiOltdLFwiQ3VzdG9tU3dpbWxhbmVWMlN0eWxlTGlzdFwiOltdLFwiR3JpZGxpbmVQYW5lbFN0eWxlXCI6e1wiJGlkXCI6XCIxODJcIixcIkdyaWRsaW5lU3R5bGVcIjp7XCIkaWRcIjpcIjE4M1wiLFwiTGluZUNvbG9yXCI6e1wiJGlkXCI6XCIxODRcIixcIiR0eXBlXCI6XCJOTFJFLkNvbW1vbi5Eb20uU29saWRDb2xvckJydXNoLCBOTFJFLkNvbW1vblwiLFwiQ29sb3JcIjp7XCIkaWRcIjpcIjE4NVwiLFwiQVwiOjM4LFwiUlwiOjkxLFwiR1wiOjE1NSxcIkJcIjoyMTN9fSxcIkxpbmVXZWlnaHRcIjoxLjAsXCJMaW5lVHlwZVwiOjB9LFwiSXNWaXNpYmxlXCI6dHJ1ZX0sXCJBY3Rpdml0eUxpbmVQYW5lbFN0eWxlXCI6e1wiJGlkXCI6XCIxODZcIixcIkFjdGl2aXR5TGluZVN0eWxlXCI6e1wiJGlkXCI6XCIxODdcIixcIkxpbmVDb2xvclwiOntcIiRpZFwiOlwiMTg4XCIsXCIkdHlwZVwiOlwiTkxSRS5Db21tb24uRG9tLlNvbGlkQ29sb3JCcnVzaCwgTkxSRS5Db21tb25cIixcIkNvbG9yXCI6e1wiJGlkXCI6XCIxODlcIixcIkFcIjozOCxcIlJcIjo2OCxcIkdcIjoxMTQsXCJCXCI6MTk2fX0sXCJMaW5lV2VpZ2h0XCI6MS4wLFwiTGluZVR5cGVcIjowfSxcIklzVmlzaWJsZVwiOnRydWV9fSxcIlNjYWxlXCI6e1wiJGlkXCI6XCIxOTBcIixcIlN0YXJ0RGF0ZVwiOlwiMDAwMS0wMS0wMVQwMDowMDowMFwiLFwiRW5kRGF0ZVwiOlwiMDAwMS0wMS0wMVQwMDowMDowMFwiLFwiRm9ybWF0XCI6XCJ3XCIsXCJUeXBlXCI6MSxcIkF1dG9EYXRlUmFuZ2VcIjp0cnVlLFwiV29ya2luZ0RheXNcIjozMSxcIlRvZGF5TWFya2VyVGV4dFwiOlwiVG9kYXlcIixcIkF1dG9TY2FsZVR5cGVcIjp0cnVlfSxcIlNjYWxlVjJcIjp7XCIkaWRcIjpcIjE5MVwiLFwiU3RhcnREYXRlXCI6XCIwMDAxLTAxLTAxVDAwOjAwOjAwXCIsXCJFbmREYXRlXCI6XCIwMDAxLTAxLTAxVDAwOjAwOjAwXCIsXCJBdXRvRGF0ZVJhbmdlXCI6dHJ1ZSxcIldvcmtpbmdEYXlzXCI6MzEsXCJUb2RheU1hcmtlclRleHRcIjpcIlRvZGF5XCIsXCJBdXRvU2NhbGVUeXBlXCI6dHJ1ZSxcIlRpbWViYW5kU2NhbGVzXCI6e1wiJGlkXCI6XCIxOTJcIixcIlRvcFNjYWxlTGF5ZXJcIjp7XCIkaWRcIjpcIjE5M1wiLFwiRm9ybWF0XCI6XCJ3XCIsXCJUeXBlXCI6MX0sXCJNaWRkbGVTY2FsZUxheWVyXCI6e1wiJGlkXCI6XCIxOTRcIixcIkZvcm1hdFwiOm51bGwsXCJUeXBlXCI6MH0sXCJCb3R0b21TY2FsZUxheWVyXCI6e1wiJGlkXCI6XCIxOTVcIixcIkZvcm1hdFwiOm51bGwsXCJUeXBlXCI6MH19fSxcIk1pbGVzdG9uZXNcIjpbXSxcIlRhc2tzXCI6W10sXCJTd2ltbGFuZXNcIjpbXSxcIlN3aW1sYW5lc1YyXCI6W10sXCJTZXR0aW5nc1wiOntcIiRpZFwiOlwiMTk2XCIsXCJJbXBhT3B0aW9uc1wiOntcIiRpZFwiOlwiMTk3XCIsXCJMZWZ0VG9SaWdodFwiOmZhbHNlLFwiUGF5bG9hZE9wdGlvbnNcIjoyfX0sXCJUaW1lQ29uZmlndXJhdGlvblwiOntcIiRpZFwiOlwiMTk4XCIsXCJVc2VUaW1lXCI6ZmFsc2UsXCJXb3JrRGF5U3RhcnRcIjpcIjAwOjAwOjAwXCIsXCJXb3JrRGF5RW5kXCI6XCIyMzo1OTowMFwifX0ifSwiU2V0dGluZ3MiOnsiJGlkIjoiNDQ3IiwiSW1wYU9wdGlvbnMiOnsiJGlkIjoiNDQ4IiwiTGVmdFRvUmlnaHQiOmZhbHNlLCJQYXlsb2FkT3B0aW9ucyI6Mn0sIlVzZUNvbXByZXNzaW9uIjpmYWxzZSwiQ29tcHJlc2lvblBlcmNlbnRhZ2UiOjUwLjAsIkluYWN0aXZlSW50ZXJ2YWxXaWR0aFRocmVzaG9sZCI6MzAuMCwiSW5hY3RpdmVJbnRlcnZhbFdpZHRoIjoxLjAsIlNwbGl0VGFza3MiOmZhbHNlLCJVc2VDbHVzdGVyIjpmYWxzZSwiRXBzaWxvbiI6NS4wLCJNaW5Qb2ludHNUb0Zvcm1BQ2x1c3RlciI6MiwiR2VuZXJhdGVJbnZpc2libGVTaGFwZXMiOmZhbHNlLCJTbWFydFRpbWVsaW5lVGFza1BlcmNlbnRhZ2VGaXQiOmZhbHNlfSwiSXNOZXciOmZhbHNlLCJJbXBvcnRUeXBlIjowLCJGaWxlUGF0aCI6bnVsbCwiVGltZUNvbmZpZ3VyYXRpb24iOnsiJGlkIjoiNDQ5IiwiVXNlVGltZSI6ZmFsc2UsIldvcmtEYXlTdGFydCI6IjAwOjAwOjAwIiwiV29ya0RheUVuZCI6IjIzOjU5OjAwIn0sIkxhc3RVc2VkVGVtcGxhdGVJZCI6ImNjMjZmODYzLTI3Y2UtNDgwZS1hNTg5LWIzZjEyZjJkNmViMCIsIkZpcnN0V2Vla09mWWVhciI6MCwiUGxhY2VNaWxlc3RvbmVBdFRoZUJlZ2lubmluZ09mVGhlRGF5IjpmYWxzZX0="/>
   <p:tag name="__MASTER" val="__part_0"/>
 </p:tagLst>
 </file>
@@ -8413,7 +9609,97 @@
 </p:tagLst>
 </file>
 
+<file path=ppt/tags/tag105.xml><?xml version="1.0" encoding="utf-8"?>
+<p:tagLst xmlns:a="http://schemas.openxmlformats.org/drawingml/2006/main" xmlns:r="http://schemas.openxmlformats.org/officeDocument/2006/relationships" xmlns:p="http://schemas.openxmlformats.org/presentationml/2006/main">
+  <p:tag name="OTLMARKERSHAPE" val="OTL"/>
+</p:tagLst>
+</file>
+
+<file path=ppt/tags/tag106.xml><?xml version="1.0" encoding="utf-8"?>
+<p:tagLst xmlns:a="http://schemas.openxmlformats.org/drawingml/2006/main" xmlns:r="http://schemas.openxmlformats.org/officeDocument/2006/relationships" xmlns:p="http://schemas.openxmlformats.org/presentationml/2006/main">
+  <p:tag name="OTLMARKERSHAPE" val="OTL"/>
+</p:tagLst>
+</file>
+
+<file path=ppt/tags/tag107.xml><?xml version="1.0" encoding="utf-8"?>
+<p:tagLst xmlns:a="http://schemas.openxmlformats.org/drawingml/2006/main" xmlns:r="http://schemas.openxmlformats.org/officeDocument/2006/relationships" xmlns:p="http://schemas.openxmlformats.org/presentationml/2006/main">
+  <p:tag name="OTLMARKERSHAPE" val="OTL"/>
+</p:tagLst>
+</file>
+
+<file path=ppt/tags/tag108.xml><?xml version="1.0" encoding="utf-8"?>
+<p:tagLst xmlns:a="http://schemas.openxmlformats.org/drawingml/2006/main" xmlns:r="http://schemas.openxmlformats.org/officeDocument/2006/relationships" xmlns:p="http://schemas.openxmlformats.org/presentationml/2006/main">
+  <p:tag name="OTLMARKERSHAPE" val="OTL"/>
+</p:tagLst>
+</file>
+
+<file path=ppt/tags/tag109.xml><?xml version="1.0" encoding="utf-8"?>
+<p:tagLst xmlns:a="http://schemas.openxmlformats.org/drawingml/2006/main" xmlns:r="http://schemas.openxmlformats.org/officeDocument/2006/relationships" xmlns:p="http://schemas.openxmlformats.org/presentationml/2006/main">
+  <p:tag name="OTLMARKERSHAPE" val="OTL"/>
+</p:tagLst>
+</file>
+
 <file path=ppt/tags/tag11.xml><?xml version="1.0" encoding="utf-8"?>
+<p:tagLst xmlns:a="http://schemas.openxmlformats.org/drawingml/2006/main" xmlns:r="http://schemas.openxmlformats.org/officeDocument/2006/relationships" xmlns:p="http://schemas.openxmlformats.org/presentationml/2006/main">
+  <p:tag name="OTLMARKERSHAPE" val="OTL"/>
+</p:tagLst>
+</file>
+
+<file path=ppt/tags/tag110.xml><?xml version="1.0" encoding="utf-8"?>
+<p:tagLst xmlns:a="http://schemas.openxmlformats.org/drawingml/2006/main" xmlns:r="http://schemas.openxmlformats.org/officeDocument/2006/relationships" xmlns:p="http://schemas.openxmlformats.org/presentationml/2006/main">
+  <p:tag name="OTLMARKERSHAPE" val="OTL"/>
+</p:tagLst>
+</file>
+
+<file path=ppt/tags/tag111.xml><?xml version="1.0" encoding="utf-8"?>
+<p:tagLst xmlns:a="http://schemas.openxmlformats.org/drawingml/2006/main" xmlns:r="http://schemas.openxmlformats.org/officeDocument/2006/relationships" xmlns:p="http://schemas.openxmlformats.org/presentationml/2006/main">
+  <p:tag name="OTLMARKERSHAPE" val="OTL"/>
+</p:tagLst>
+</file>
+
+<file path=ppt/tags/tag112.xml><?xml version="1.0" encoding="utf-8"?>
+<p:tagLst xmlns:a="http://schemas.openxmlformats.org/drawingml/2006/main" xmlns:r="http://schemas.openxmlformats.org/officeDocument/2006/relationships" xmlns:p="http://schemas.openxmlformats.org/presentationml/2006/main">
+  <p:tag name="OTLMARKERSHAPE" val="OTL"/>
+</p:tagLst>
+</file>
+
+<file path=ppt/tags/tag113.xml><?xml version="1.0" encoding="utf-8"?>
+<p:tagLst xmlns:a="http://schemas.openxmlformats.org/drawingml/2006/main" xmlns:r="http://schemas.openxmlformats.org/officeDocument/2006/relationships" xmlns:p="http://schemas.openxmlformats.org/presentationml/2006/main">
+  <p:tag name="OTLMARKERSHAPE" val="OTL"/>
+</p:tagLst>
+</file>
+
+<file path=ppt/tags/tag114.xml><?xml version="1.0" encoding="utf-8"?>
+<p:tagLst xmlns:a="http://schemas.openxmlformats.org/drawingml/2006/main" xmlns:r="http://schemas.openxmlformats.org/officeDocument/2006/relationships" xmlns:p="http://schemas.openxmlformats.org/presentationml/2006/main">
+  <p:tag name="OTLMARKERSHAPE" val="OTL"/>
+</p:tagLst>
+</file>
+
+<file path=ppt/tags/tag115.xml><?xml version="1.0" encoding="utf-8"?>
+<p:tagLst xmlns:a="http://schemas.openxmlformats.org/drawingml/2006/main" xmlns:r="http://schemas.openxmlformats.org/officeDocument/2006/relationships" xmlns:p="http://schemas.openxmlformats.org/presentationml/2006/main">
+  <p:tag name="OTLMARKERSHAPE" val="OTL"/>
+</p:tagLst>
+</file>
+
+<file path=ppt/tags/tag116.xml><?xml version="1.0" encoding="utf-8"?>
+<p:tagLst xmlns:a="http://schemas.openxmlformats.org/drawingml/2006/main" xmlns:r="http://schemas.openxmlformats.org/officeDocument/2006/relationships" xmlns:p="http://schemas.openxmlformats.org/presentationml/2006/main">
+  <p:tag name="OTLMARKERSHAPE" val="OTL"/>
+</p:tagLst>
+</file>
+
+<file path=ppt/tags/tag117.xml><?xml version="1.0" encoding="utf-8"?>
+<p:tagLst xmlns:a="http://schemas.openxmlformats.org/drawingml/2006/main" xmlns:r="http://schemas.openxmlformats.org/officeDocument/2006/relationships" xmlns:p="http://schemas.openxmlformats.org/presentationml/2006/main">
+  <p:tag name="OTLMARKERSHAPE" val="OTL"/>
+</p:tagLst>
+</file>
+
+<file path=ppt/tags/tag118.xml><?xml version="1.0" encoding="utf-8"?>
+<p:tagLst xmlns:a="http://schemas.openxmlformats.org/drawingml/2006/main" xmlns:r="http://schemas.openxmlformats.org/officeDocument/2006/relationships" xmlns:p="http://schemas.openxmlformats.org/presentationml/2006/main">
+  <p:tag name="OTLMARKERSHAPE" val="OTL"/>
+</p:tagLst>
+</file>
+
+<file path=ppt/tags/tag119.xml><?xml version="1.0" encoding="utf-8"?>
 <p:tagLst xmlns:a="http://schemas.openxmlformats.org/drawingml/2006/main" xmlns:r="http://schemas.openxmlformats.org/officeDocument/2006/relationships" xmlns:p="http://schemas.openxmlformats.org/presentationml/2006/main">
   <p:tag name="OTLMARKERSHAPE" val="OTL"/>
 </p:tagLst>
@@ -8440,6 +9726,60 @@
 </p:tagLst>
 </file>
 
+<file path=ppt/tags/tag120.xml><?xml version="1.0" encoding="utf-8"?>
+<p:tagLst xmlns:a="http://schemas.openxmlformats.org/drawingml/2006/main" xmlns:r="http://schemas.openxmlformats.org/officeDocument/2006/relationships" xmlns:p="http://schemas.openxmlformats.org/presentationml/2006/main">
+  <p:tag name="OTLMARKERSHAPE" val="OTL"/>
+</p:tagLst>
+</file>
+
+<file path=ppt/tags/tag121.xml><?xml version="1.0" encoding="utf-8"?>
+<p:tagLst xmlns:a="http://schemas.openxmlformats.org/drawingml/2006/main" xmlns:r="http://schemas.openxmlformats.org/officeDocument/2006/relationships" xmlns:p="http://schemas.openxmlformats.org/presentationml/2006/main">
+  <p:tag name="OTLMARKERSHAPE" val="OTL"/>
+</p:tagLst>
+</file>
+
+<file path=ppt/tags/tag122.xml><?xml version="1.0" encoding="utf-8"?>
+<p:tagLst xmlns:a="http://schemas.openxmlformats.org/drawingml/2006/main" xmlns:r="http://schemas.openxmlformats.org/officeDocument/2006/relationships" xmlns:p="http://schemas.openxmlformats.org/presentationml/2006/main">
+  <p:tag name="OTLMARKERSHAPE" val="OTL"/>
+</p:tagLst>
+</file>
+
+<file path=ppt/tags/tag123.xml><?xml version="1.0" encoding="utf-8"?>
+<p:tagLst xmlns:a="http://schemas.openxmlformats.org/drawingml/2006/main" xmlns:r="http://schemas.openxmlformats.org/officeDocument/2006/relationships" xmlns:p="http://schemas.openxmlformats.org/presentationml/2006/main">
+  <p:tag name="OTLMARKERSHAPE" val="OTL"/>
+</p:tagLst>
+</file>
+
+<file path=ppt/tags/tag124.xml><?xml version="1.0" encoding="utf-8"?>
+<p:tagLst xmlns:a="http://schemas.openxmlformats.org/drawingml/2006/main" xmlns:r="http://schemas.openxmlformats.org/officeDocument/2006/relationships" xmlns:p="http://schemas.openxmlformats.org/presentationml/2006/main">
+  <p:tag name="OTLMARKERSHAPE" val="OTL"/>
+</p:tagLst>
+</file>
+
+<file path=ppt/tags/tag125.xml><?xml version="1.0" encoding="utf-8"?>
+<p:tagLst xmlns:a="http://schemas.openxmlformats.org/drawingml/2006/main" xmlns:r="http://schemas.openxmlformats.org/officeDocument/2006/relationships" xmlns:p="http://schemas.openxmlformats.org/presentationml/2006/main">
+  <p:tag name="OTLMARKERSHAPE" val="OTL"/>
+</p:tagLst>
+</file>
+
+<file path=ppt/tags/tag126.xml><?xml version="1.0" encoding="utf-8"?>
+<p:tagLst xmlns:a="http://schemas.openxmlformats.org/drawingml/2006/main" xmlns:r="http://schemas.openxmlformats.org/officeDocument/2006/relationships" xmlns:p="http://schemas.openxmlformats.org/presentationml/2006/main">
+  <p:tag name="OTLMARKERSHAPE" val="OTL"/>
+</p:tagLst>
+</file>
+
+<file path=ppt/tags/tag127.xml><?xml version="1.0" encoding="utf-8"?>
+<p:tagLst xmlns:a="http://schemas.openxmlformats.org/drawingml/2006/main" xmlns:r="http://schemas.openxmlformats.org/officeDocument/2006/relationships" xmlns:p="http://schemas.openxmlformats.org/presentationml/2006/main">
+  <p:tag name="OTLMARKERSHAPE" val="OTL"/>
+</p:tagLst>
+</file>
+
+<file path=ppt/tags/tag128.xml><?xml version="1.0" encoding="utf-8"?>
+<p:tagLst xmlns:a="http://schemas.openxmlformats.org/drawingml/2006/main" xmlns:r="http://schemas.openxmlformats.org/officeDocument/2006/relationships" xmlns:p="http://schemas.openxmlformats.org/presentationml/2006/main">
+  <p:tag name="OTLMARKERSHAPE" val="OTL"/>
+</p:tagLst>
+</file>
+
 <file path=ppt/tags/tag13.xml><?xml version="1.0" encoding="utf-8"?>
 <p:tagLst xmlns:a="http://schemas.openxmlformats.org/drawingml/2006/main" xmlns:r="http://schemas.openxmlformats.org/officeDocument/2006/relationships" xmlns:p="http://schemas.openxmlformats.org/presentationml/2006/main">
   <p:tag name="OTLDATEFORMATSTRING" val="MMM d"/>
@@ -8498,8 +9838,8 @@
   <p:tag name="OTLSPACING" val="5"/>
   <p:tag name="OTLSHAPETHICKNESSTYPE" val="Regular"/>
   <p:tag name="OTLSTARTDATE" val="2022-04-04T00:00:00.0000000Z"/>
-  <p:tag name="OTLENDDATE" val="2022-04-12T23:59:00.0000000Z"/>
-  <p:tag name="OTLMARKERSHAPE" val="OTL"/>
+  <p:tag name="OTLMARKERSHAPE" val="OTL"/>
+  <p:tag name="OTLENDDATE" val="2022-04-14T23:59:00.0000000Z"/>
 </p:tagLst>
 </file>
 
@@ -8518,9 +9858,9 @@
   <p:tag name="OTLDURATIONFORMAT" val="day"/>
   <p:tag name="OTLSPACING" val="5"/>
   <p:tag name="OTLSHAPETHICKNESSTYPE" val="Regular"/>
-  <p:tag name="OTLSTARTDATE" val="2022-04-11T00:00:00.0000000Z"/>
-  <p:tag name="OTLENDDATE" val="2022-04-14T23:59:00.0000000Z"/>
-  <p:tag name="OTLMARKERSHAPE" val="OTL"/>
+  <p:tag name="OTLMARKERSHAPE" val="OTL"/>
+  <p:tag name="OTLSTARTDATE" val="2022-04-19T00:00:00.0000000Z"/>
+  <p:tag name="OTLENDDATE" val="2022-04-22T23:59:00.0000000Z"/>
 </p:tagLst>
 </file>
 
@@ -8536,17 +9876,18 @@
   <p:tag name="OTLDATEFORMATTRIM00MINUTES" val="False"/>
   <p:tag name="OTLWEEKNUMBERINGFORMAT" val="WNFormat1"/>
   <p:tag name="OTLWEEKNUMBERINGISVISIBLE" val="False"/>
-  <p:tag name="OTLSTARTDATE" val="2022-04-13T00:00:00.0000000Z"/>
   <p:tag name="OTLDURATIONFORMAT" val="day"/>
   <p:tag name="OTLSPACING" val="5"/>
   <p:tag name="OTLSHAPETHICKNESSTYPE" val="Regular"/>
-  <p:tag name="OTLENDDATE" val="2022-04-19T23:59:00.0000000Z"/>
-  <p:tag name="OTLMARKERSHAPE" val="OTL"/>
+  <p:tag name="OTLMARKERSHAPE" val="OTL"/>
+  <p:tag name="OTLSTARTDATE" val="2022-04-25T00:00:00.0000000Z"/>
+  <p:tag name="OTLENDDATE" val="2022-04-29T23:59:00.0000000Z"/>
 </p:tagLst>
 </file>
 
 <file path=ppt/tags/tag18.xml><?xml version="1.0" encoding="utf-8"?>
 <p:tagLst xmlns:a="http://schemas.openxmlformats.org/drawingml/2006/main" xmlns:r="http://schemas.openxmlformats.org/officeDocument/2006/relationships" xmlns:p="http://schemas.openxmlformats.org/presentationml/2006/main">
+  <p:tag name="OTLMARKERSHAPE" val="OTL"/>
   <p:tag name="OTLDATEFORMATSTRING" val="MMM d"/>
   <p:tag name="OTLDATEFORMATSEPARATOR" val="/"/>
   <p:tag name="OTLDATEFORMATUSEUS" val="True"/>
@@ -8557,12 +9898,11 @@
   <p:tag name="OTLDATEFORMATTRIM00MINUTES" val="False"/>
   <p:tag name="OTLWEEKNUMBERINGFORMAT" val="WNFormat1"/>
   <p:tag name="OTLWEEKNUMBERINGISVISIBLE" val="False"/>
-  <p:tag name="OTLENDDATE" val="2022-04-27T23:59:00.0000000Z"/>
   <p:tag name="OTLDURATIONFORMAT" val="day"/>
   <p:tag name="OTLSPACING" val="5"/>
   <p:tag name="OTLSHAPETHICKNESSTYPE" val="Regular"/>
-  <p:tag name="OTLSTARTDATE" val="2022-04-19T00:00:00.0000000Z"/>
-  <p:tag name="OTLMARKERSHAPE" val="OTL"/>
+  <p:tag name="OTLSTARTDATE" val="2022-04-04T00:00:00.0000000Z"/>
+  <p:tag name="OTLENDDATE" val="2022-04-10T23:59:00.0000000Z"/>
 </p:tagLst>
 </file>
 
@@ -8919,7 +10259,7 @@
 
 <file path=ppt/tags/tag68.xml><?xml version="1.0" encoding="utf-8"?>
 <p:tagLst xmlns:a="http://schemas.openxmlformats.org/drawingml/2006/main" xmlns:r="http://schemas.openxmlformats.org/officeDocument/2006/relationships" xmlns:p="http://schemas.openxmlformats.org/presentationml/2006/main">
-  <p:tag name="__PART_0" val="eyIkaWQiOiIxIiwiX3N3aW1sYW5lc1YyIjpbXSwiQ3VsdHVyZUluZm9OYW1lIjoiZW4tVVMiLCJTdHlsZU5hbWUiOm51bGwsIlZlcnNpb24iOnsiJGlkIjoiMiIsIlZlcnNpb24iOiIzLjYuMSIsIk9yaWdpbmFsQXNzZW1ibHlWZXJzaW9uIjoiNi4wNC4wMS4wMCIsIkVkaXRpb24iOm51bGwsIkxhc3RTYXZlZEVkaXRpb24iOjAsIklzUGx1c0VkaXRpb24iOmZhbHNlLCJJc1Byb0VkaXRpb24iOmZhbHNlfSwiRWZmZWN0IjoxLCJTdHlsZSI6eyIkaWQiOiIzIiwiVGltZWJhbmRTdHlsZSI6eyIkaWQiOiI0IiwiU2NhbGVNYXJraW5nIjoxLCJTaGFwZSI6MCwiU2hhcGVTdHlsZSI6eyIkaWQiOiI1IiwiTWFyZ2luIjp7IiRpZCI6IjYiLCJUb3AiOjAuMCwiTGVmdCI6MTIuMCwiUmlnaHQiOjEyLjAsIkJvdHRvbSI6MC4wfSwiUGFkZGluZyI6eyIkaWQiOiI3IiwiVG9wIjo3LjAsIkxlZnQiOjAuMCwiUmlnaHQiOjAuMCwiQm90dG9tIjo3LjB9LCJCYWNrZ3JvdW5kIjp7IiRpZCI6IjgiLCJDb2xvciI6eyIkaWQiOiI5IiwiQSI6MjU1LCJSIjo2OCwiRyI6ODQsIkIiOjEwNn19LCJJc1Zpc2libGUiOnRydWUsIldpZHRoIjo4NTguMCwiSGVpZ2h0IjoyMC4wLCJCb3JkZXJTdHlsZSI6eyIkaWQiOiIxMCIsIkxpbmVDb2xvciI6eyIkaWQiOiIxMSIsIiR0eXBlIjoiTkxSRS5Db21tb24uRG9tLlNvbGlkQ29sb3JCcnVzaCwgTkxSRS5Db21tb24iLCJDb2xvciI6eyIkaWQiOiIxMiIsIkEiOjI1NSwiUiI6MjU1LCJHIjowLCJCIjowfX0sIkxpbmVXZWlnaHQiOjAuMCwiTGluZVR5cGUiOjAsIlBhcmVudFN0eWxlIjpudWxsfSwiUGFyZW50U3R5bGUiOm51bGx9LCJNaWRkbGVUaWVyU2hhcGVTdHlsZSI6eyIkaWQiOiIxMyIsIk1hcmdpbiI6eyIkaWQiOiIxNCIsIlRvcCI6MC4wLCJMZWZ0IjoxMi4wLCJSaWdodCI6MTIuMCwiQm90dG9tIjowLjB9LCJQYWRkaW5nIjp7IiRpZCI6IjE1IiwiVG9wIjo3LjAsIkxlZnQiOjAuMCwiUmlnaHQiOjAuMCwiQm90dG9tIjo3LjB9LCJCYWNrZ3JvdW5kIjp7IiRpZCI6IjE2IiwiQ29sb3IiOnsiJGlkIjoiMTciLCJBIjoyNTUsIlIiOjY4LCJHIjo4NCwiQiI6MTA2fX0sIklzVmlzaWJsZSI6dHJ1ZSwiV2lkdGgiOjg1OC4wLCJIZWlnaHQiOjIwLjAsIkJvcmRlclN0eWxlIjp7IiRpZCI6IjE4IiwiTGluZUNvbG9yIjp7IiRpZCI6IjE5IiwiJHR5cGUiOiJOTFJFLkNvbW1vbi5Eb20uU29saWRDb2xvckJydXNoLCBOTFJFLkNvbW1vbiIsIkNvbG9yIjp7IiRpZCI6IjIwIiwiQSI6MjU1LCJSIjoyNTUsIkciOjAsIkIiOjB9fSwiTGluZVdlaWdodCI6MC4wLCJMaW5lVHlwZSI6MCwiUGFyZW50U3R5bGUiOm51bGx9LCJQYXJlbnRTdHlsZSI6bnVsbH0sIkJvdHRvbVRpZXJTaGFwZVN0eWxlIjp7IiRpZCI6IjIxIiwiTWFyZ2luIjp7IiRpZCI6IjIyIiwiVG9wIjowLjAsIkxlZnQiOjEyLjAsIlJpZ2h0IjoxMi4wLCJCb3R0b20iOjAuMH0sIlBhZGRpbmciOnsiJGlkIjoiMjMiLCJUb3AiOjcuMCwiTGVmdCI6MC4wLCJSaWdodCI6MC4wLCJCb3R0b20iOjcuMH0sIkJhY2tncm91bmQiOnsiJGlkIjoiMjQiLCJDb2xvciI6eyIkaWQiOiIyNSIsIkEiOjI1NSwiUiI6NjgsIkciOjg0LCJCIjoxMDZ9fSwiSXNWaXNpYmxlIjp0cnVlLCJXaWR0aCI6ODU4LjAsIkhlaWdodCI6MjAuMCwiQm9yZGVyU3R5bGUiOnsiJGlkIjoiMjYiLCJMaW5lQ29sb3IiOnsiJGlkIjoiMjciLCIkdHlwZSI6Ik5MUkUuQ29tbW9uLkRvbS5Tb2xpZENvbG9yQnJ1c2gsIE5MUkUuQ29tbW9uIiwiQ29sb3IiOnsiJGlkIjoiMjgiLCJBIjoyNTUsIlIiOjI1NSwiRyI6MCwiQiI6MH19LCJMaW5lV2VpZ2h0IjowLjAsIkxpbmVUeXBlIjowLCJQYXJlbnRTdHlsZSI6bnVsbH0sIlBhcmVudFN0eWxlIjpudWxsfSwiUmlnaHRFbmRDYXBzU3R5bGUiOnsiJGlkIjoiMjkiLCJGb250U2V0dGluZ3MiOnsiJGlkIjoiMzAiLCJGb250U2l6ZSI6MTgsIkZvbnROYW1lIjoiQ2FsaWJyaSIsIklzQm9sZCI6dHJ1ZSwiSXNJdGFsaWMiOmZhbHNlLCJJc1VuZGVybGluZWQiOmZhbHNlLCJQYXJlbnRTdHlsZSI6bnVsbH0sIkF1dG9TaXplIjowLCJGb3JlZ3JvdW5kIjp7IiRpZCI6IjMxIiwiQ29sb3IiOnsiJGlkIjoiMzIiLCJBIjoyNTUsIlIiOjIzNywiRyI6MTI1LCJCIjo0OX19LCJNYXhXaWR0aCI6IkluZmluaXR5IiwiTWF4SGVpZ2h0IjoiSW5maW5pdHkiLCJTbWFydEZvcmVncm91bmRJc0FjdGl2ZSI6ZmFsc2UsIkhvcml6b250YWxBbGlnbm1lbnQiOjAsIlZlcnRpY2FsQWxpZ25tZW50IjowLCJTbWFydEZvcmVncm91bmQiOm51bGwsIkJhY2tncm91bmRGaWxsVHlwZSI6MCwiTWFyZ2luIjp7IiRpZCI6IjMzIiwiVG9wIjowLjAsIkxlZnQiOjAuMCwiUmlnaHQiOjIwLjAsIkJvdHRvbSI6MC4wfSwiUGFkZGluZyI6eyIkaWQiOiIzNCIsIlRvcCI6MC4wLCJMZWZ0IjowLjAsIlJpZ2h0IjowLjAsIkJvdHRvbSI6MC4wfSwiQmFja2dyb3VuZCI6eyIkaWQiOiIzNSIsIkNvbG9yIjp7IiRpZCI6IjM2IiwiQSI6ODksIlIiOjAsIkciOjAsIkIiOjB9fSwiSXNWaXNpYmxlIjp0cnVlLCJXaWR0aCI6MC4wLCJIZWlnaHQiOjAuMCwiQm9yZGVyU3R5bGUiOm51bGwsIlBhcmVudFN0eWxlIjpudWxsfSwiTGVmdEVuZENhcHNTdHlsZSI6eyIkaWQiOiIzNyIsIkZvbnRTZXR0aW5ncyI6eyIkaWQiOiIzOCIsIkZvbnRTaXplIjoxOCwiRm9udE5hbWUiOiJDYWxpYnJpIiwiSXNCb2xkIjp0cnVlLCJJc0l0YWxpYyI6ZmFsc2UsIklzVW5kZXJsaW5lZCI6ZmFsc2UsIlBhcmVudFN0eWxlIjpudWxsfSwiQXV0b1NpemUiOjAsIkZvcmVncm91bmQiOnsiJGlkIjoiMzkiLCJDb2xvciI6eyIkaWQiOiI0MCIsIkEiOjI1NSwiUiI6MjM3LCJHIjoxMjUsIkIiOjQ5fX0sIk1heFdpZHRoIjoiSW5maW5pdHkiLCJNYXhIZWlnaHQiOiJJbmZpbml0eSIsIlNtYXJ0Rm9yZWdyb3VuZElzQWN0aXZlIjpmYWxzZSwiSG9yaXpvbnRhbEFsaWdubWVudCI6MCwiVmVydGljYWxBbGlnbm1lbnQiOjAsIlNtYXJ0Rm9yZWdyb3VuZCI6bnVsbCwiQmFja2dyb3VuZEZpbGxUeXBlIjowLCJNYXJnaW4iOnsiJGlkIjoiNDEiLCJUb3AiOjAuMCwiTGVmdCI6NDIuNTA2NjY2NjY2NjY2NjYxLCJSaWdodCI6MC4wLCJCb3R0b20iOjAuMH0sIlBhZGRpbmciOnsiJGlkIjoiNDIiLCJUb3AiOjAuMCwiTGVmdCI6MC4wLCJSaWdodCI6MC4wLCJCb3R0b20iOjAuMH0sIkJhY2tncm91bmQiOnsiJGlkIjoiNDMiLCJDb2xvciI6eyIkcmVmIjoiMzYifX0sIklzVmlzaWJsZSI6ZmFsc2UsIldpZHRoIjowLjAsIkhlaWdodCI6MC4wLCJCb3JkZXJTdHlsZSI6bnVsbCwiUGFyZW50U3R5bGUiOm51bGx9LCJUb2RheVRleHRTdHlsZSI6eyIkaWQiOiI0NCIsIkZvbnRTZXR0aW5ncyI6eyIkaWQiOiI0NSIsIkZvbnRTaXplIjoxMiwiRm9udE5hbWUiOiJDYWxpYnJpIiwiSXNCb2xkIjpmYWxzZSwiSXNJdGFsaWMiOmZhbHNlLCJJc1VuZGVybGluZWQiOmZhbHNlLCJQYXJlbnRTdHlsZSI6bnVsbH0sIkF1dG9TaXplIjowLCJGb3JlZ3JvdW5kIjp7IiRpZCI6IjQ2IiwiQ29sb3IiOnsiJGlkIjoiNDciLCJBIjoyNTUsIlIiOjAsIkciOjAsIkIiOjB9fSwiTWF4V2lkdGgiOjIwMC4wLCJNYXhIZWlnaHQiOiJJbmZpbml0eSIsIlNtYXJ0Rm9yZWdyb3VuZElzQWN0aXZlIjpmYWxzZSwiSG9yaXpvbnRhbEFsaWdubWVudCI6MCwiVmVydGljYWxBbGlnbm1lbnQiOjAsIlNtYXJ0Rm9yZWdyb3VuZCI6bnVsbCwiQmFja2dyb3VuZEZpbGxUeXBlIjowLCJNYXJnaW4iOnsiJGlkIjoiNDgiLCJUb3AiOjAuMCwiTGVmdCI6MC4wLCJSaWdodCI6MC4wLCJCb3R0b20iOjAuMH0sIlBhZGRpbmciOnsiJGlkIjoiNDkiLCJUb3AiOjAuMCwiTGVmdCI6MC4wLCJSaWdodCI6MC4wLCJCb3R0b20iOjAuMH0sIkJhY2tncm91bmQiOnsiJGlkIjoiNTAiLCJDb2xvciI6eyIkcmVmIjoiMzYifX0sIklzVmlzaWJsZSI6dHJ1ZSwiV2lkdGgiOjAuMCwiSGVpZ2h0IjowLjAsIkJvcmRlclN0eWxlIjpudWxsLCJQYXJlbnRTdHlsZSI6bnVsbH0sIlRvZGF5TWFya2VyU3R5bGUiOnsiJGlkIjoiNTEiLCJNYXJnaW4iOnsiJGlkIjoiNTIiLCJUb3AiOjAuMCwiTGVmdCI6MC4wLCJSaWdodCI6MC4wLCJCb3R0b20iOjAuMH0sIlBhZGRpbmciOnsiJGlkIjoiNTMiLCJUb3AiOjAuMCwiTGVmdCI6MC4wLCJSaWdodCI6MC4wLCJCb3R0b20iOjAuMH0sIkJhY2tncm91bmQiOnsiJGlkIjoiNTQiLCJDb2xvciI6eyIkaWQiOiI1NSIsIkEiOjI1NSwiUiI6MjU1LCJHIjowLCJCIjowfX0sIklzVmlzaWJsZSI6dHJ1ZSwiV2lkdGgiOjAuMCwiSGVpZ2h0IjowLjAsIkJvcmRlclN0eWxlIjpudWxsLCJQYXJlbnRTdHlsZSI6bnVsbH0sIlNjYWxlU3R5bGUiOnsiJGlkIjoiNTYiLCJTaGFwZSI6MywiU2hvd1NlZ21lbnRTZXBhcmF0b3JzIjp0cnVlLCJTZWdtZW50U2VwYXJhdG9yT3BhY2l0eSI6MzAsIkhhc0JlZW5WaXNpYmxlQmVmb3JlIjp0cnVlLCJGb250U2V0dGluZ3MiOnsiJGlkIjoiNTciLCJGb250U2l6ZSI6MTIsIkZvbnROYW1lIjoiQ2FsaWJyaSIsIklzQm9sZCI6ZmFsc2UsIklzSXRhbGljIjpmYWxzZSwiSXNVbmRlcmxpbmVkIjpmYWxzZSwiUGFyZW50U3R5bGUiOm51bGx9LCJBdXRvU2l6ZSI6MCwiRm9yZWdyb3VuZCI6eyIkaWQiOiI1OCIsIkNvbG9yIjp7IiRpZCI6IjU5IiwiQSI6MjU1LCJSIjoyNTUsIkciOjI1NSwiQiI6MjU1fX0sIk1heFdpZHRoIjoyMDAuMCwiTWF4SGVpZ2h0IjoiSW5maW5pdHkiLCJTbWFydEZvcmVncm91bmRJc0FjdGl2ZSI6ZmFsc2UsIkhvcml6b250YWxBbGlnbm1lbnQiOjAsIlZlcnRpY2FsQWxpZ25tZW50IjoxLCJTbWFydEZvcmVncm91bmQiOm51bGwsIkJhY2tncm91bmRGaWxsVHlwZSI6MCwiTWFyZ2luIjp7IiRpZCI6IjYwIiwiVG9wIjowLjAsIkxlZnQiOjUuMCwiUmlnaHQiOjAuMCwiQm90dG9tIjowLjB9LCJQYWRkaW5nIjp7IiRpZCI6IjYxIiwiVG9wIjowLjAsIkxlZnQiOjAuMCwiUmlnaHQiOjAuMCwiQm90dG9tIjowLjB9LCJCYWNrZ3JvdW5kIjp7IiRpZCI6IjYyIiwiQ29sb3IiOnsiJHJlZiI6IjM2In19LCJJc1Zpc2libGUiOnRydWUsIldpZHRoIjowLjAsIkhlaWdodCI6MC4wLCJCb3JkZXJTdHlsZSI6bnVsbCwiUGFyZW50U3R5bGUiOm51bGx9LCJTaW5nbGVTY2FsZVNoYXBlU3R5bGUiOnsiJGlkIjoiNjMiLCJTaGFwZSI6MCwiSGVpZ2h0IjowLjB9LCJNaWRkbGVUaWVyU2NhbGVTdHlsZSI6eyIkaWQiOiI2NCIsIlNoYXBlIjozLCJTaG93U2VnbWVudFNlcGFyYXRvcnMiOnRydWUsIlNlZ21lbnRTZXBhcmF0b3JPcGFjaXR5IjozMCwiSGFzQmVlblZpc2libGVCZWZvcmUiOmZhbHNlLCJGb250U2V0dGluZ3MiOnsiJGlkIjoiNjUiLCJGb250U2l6ZSI6MTIsIkZvbnROYW1lIjoiQ2FsaWJyaSIsIklzQm9sZCI6ZmFsc2UsIklzSXRhbGljIjpmYWxzZSwiSXNVbmRlcmxpbmVkIjpmYWxzZSwiUGFyZW50U3R5bGUiOm51bGx9LCJBdXRvU2l6ZSI6MCwiRm9yZWdyb3VuZCI6eyIkaWQiOiI2NiIsIkNvbG9yIjp7IiRpZCI6IjY3IiwiQSI6MjU1LCJSIjoyNTUsIkciOjI1NSwiQiI6MjU1fX0sIk1heFdpZHRoIjoyMDAuMCwiTWF4SGVpZ2h0IjoiSW5maW5pdHkiLCJTbWFydEZvcmVncm91bmRJc0FjdGl2ZSI6ZmFsc2UsIkhvcml6b250YWxBbGlnbm1lbnQiOjAsIlZlcnRpY2FsQWxpZ25tZW50IjoxLCJTbWFydEZvcmVncm91bmQiOm51bGwsIkJhY2tncm91bmRGaWxsVHlwZSI6MCwiTWFyZ2luIjp7IiRpZCI6IjY4IiwiVG9wIjowLjAsIkxlZnQiOjUuMCwiUmlnaHQiOjAuMCwiQm90dG9tIjowLjB9LCJQYWRkaW5nIjp7IiRpZCI6IjY5IiwiVG9wIjowLjAsIkxlZnQiOjAuMCwiUmlnaHQiOjAuMCwiQm90dG9tIjowLjB9LCJCYWNrZ3JvdW5kIjp7IiRpZCI6IjcwIiwiQ29sb3IiOnsiJGlkIjoiNzEiLCJBIjowLCJSIjowLCJHIjowLCJCIjowfX0sIklzVmlzaWJsZSI6ZmFsc2UsIldpZHRoIjowLjAsIkhlaWdodCI6MC4wLCJCb3JkZXJTdHlsZSI6bnVsbCwiUGFyZW50U3R5bGUiOm51bGx9LCJCb3R0b21UaWVyU2NhbGVTdHlsZSI6eyIkaWQiOiI3MiIsIlNoYXBlIjozLCJTaG93U2VnbWVudFNlcGFyYXRvcnMiOnRydWUsIlNlZ21lbnRTZXBhcmF0b3JPcGFjaXR5IjozMCwiSGFzQmVlblZpc2libGVCZWZvcmUiOmZhbHNlLCJGb250U2V0dGluZ3MiOnsiJGlkIjoiNzMiLCJGb250U2l6ZSI6MTIsIkZvbnROYW1lIjoiQ2FsaWJyaSIsIklzQm9sZCI6ZmFsc2UsIklzSXRhbGljIjpmYWxzZSwiSXNVbmRlcmxpbmVkIjpmYWxzZSwiUGFyZW50U3R5bGUiOm51bGx9LCJBdXRvU2l6ZSI6MCwiRm9yZWdyb3VuZCI6eyIkaWQiOiI3NCIsIkNvbG9yIjp7IiRpZCI6Ijc1IiwiQSI6MjU1LCJSIjoyNTUsIkciOjI1NSwiQiI6MjU1fX0sIk1heFdpZHRoIjoyMDAuMCwiTWF4SGVpZ2h0IjoiSW5maW5pdHkiLCJTbWFydEZvcmVncm91bmRJc0FjdGl2ZSI6ZmFsc2UsIkhvcml6b250YWxBbGlnbm1lbnQiOjAsIlZlcnRpY2FsQWxpZ25tZW50IjoxLCJTbWFydEZvcmVncm91bmQiOm51bGwsIkJhY2tncm91bmRGaWxsVHlwZSI6MCwiTWFyZ2luIjp7IiRpZCI6Ijc2IiwiVG9wIjowLjAsIkxlZnQiOjUuMCwiUmlnaHQiOjAuMCwiQm90dG9tIjowLjB9LCJQYWRkaW5nIjp7IiRpZCI6Ijc3IiwiVG9wIjowLjAsIkxlZnQiOjAuMCwiUmlnaHQiOjAuMCwiQm90dG9tIjowLjB9LCJCYWNrZ3JvdW5kIjp7IiRpZCI6Ijc4IiwiQ29sb3IiOnsiJGlkIjoiNzkiLCJBIjowLCJSIjowLCJHIjowLCJCIjowfX0sIklzVmlzaWJsZSI6ZmFsc2UsIldpZHRoIjowLjAsIkhlaWdodCI6MC4wLCJCb3JkZXJTdHlsZSI6bnVsbCwiUGFyZW50U3R5bGUiOm51bGx9LCJFbGFwc2VkVGltZUJhY2tncm91bmQiOnsiJGlkIjoiODAiLCJDb2xvciI6eyIkaWQiOiI4MSIsIkEiOjE5MSwiUiI6MjU1LCJHIjowLCJCIjowfX0sIkFwcGVuZFllYXJPblllYXJDaGFuZ2UiOmZhbHNlLCJFbGFwc2VkVGltZUZvcm1hdCI6MiwiVG9kYXlNYXJrZXJQb3NpdGlvbiI6MiwiUXVpY2tQb3NpdGlvbiI6MiwiQWJzb2x1dGVQb3NpdGlvbiI6NDA1LjAsIk1hcmdpbiI6eyIkaWQiOiI4MiIsIlRvcCI6MC4wLCJMZWZ0IjoxMC4wLCJSaWdodCI6MTAuMCwiQm90dG9tIjowLjB9LCJQYWRkaW5nIjp7IiRpZCI6IjgzIiwiVG9wIjowLjAsIkxlZnQiOjAuMCwiUmlnaHQiOjAuMCwiQm90dG9tIjowLjB9LCJCYWNrZ3JvdW5kIjp7IiRpZCI6Ijg0IiwiQ29sb3IiOnsiJGlkIjoiODUiLCJBIjoyNTUsIlIiOjQ3LCJHIjo1NCwiQiI6MTUzfX0sIklzVmlzaWJsZSI6dHJ1ZSwiV2lkdGgiOjAuMCwiSGVpZ2h0IjowLjAsIkJvcmRlclN0eWxlIjpudWxsLCJQYXJlbnRTdHlsZSI6bnVsbH0sIkRlZmF1bHRNaWxlc3RvbmVTdHlsZSI6eyIkaWQiOiI4NiIsIlNoYXBlIjowLCJDb25uZWN0b3JNYXJnaW4iOnsiJGlkIjoiODciLCJUb3AiOjAuMCwiTGVmdCI6Mi4wLCJSaWdodCI6Mi4wLCJCb3R0b20iOjAuMH0sIkNvbm5lY3RvclN0eWxlIjp7IiRpZCI6Ijg4IiwiTGluZUNvbG9yIjp7IiRpZCI6Ijg5IiwiJHR5cGUiOiJOTFJFLkNvbW1vbi5Eb20uU29saWRDb2xvckJydXNoLCBOTFJFLkNvbW1vbiIsIkNvbG9yIjp7IiRpZCI6IjkwIiwiQSI6MTI3LCJSIjo3OSwiRyI6MTI5LCJCIjoxODl9fSwiTGluZVdlaWdodCI6MS4wLCJMaW5lVHlwZSI6MCwiUGFyZW50U3R5bGUiOm51bGx9LCJJc0JlbG93VGltZWJhbmQiOmZhbHNlLCJQb3NpdGlvbk9uVGFzayI6MCwiSGlkZURhdGUiOmZhbHNlLCJTaGFwZVNpemUiOjEsIlNwYWNpbmciOjEuMCwiUGFkZGluZyI6eyIkaWQiOiI5MSIsIlRvcCI6Ny4wLCJMZWZ0IjozLjAsIlJpZ2h0IjowLjAsIkJvdHRvbSI6Mi4wfSwiU2hhcGVTdHlsZSI6eyIkaWQiOiI5MiIsIk1hcmdpbiI6eyIkaWQiOiI5MyIsIlRvcCI6MC4wLCJMZWZ0IjowLjAsIlJpZ2h0IjowLjAsIkJvdHRvbSI6MC4wfSwiUGFkZGluZyI6eyIkaWQiOiI5NCIsIlRvcCI6MC4wLCJMZWZ0IjowLjAsIlJpZ2h0IjowLjAsIkJvdHRvbSI6MC4wfSwiQmFja2dyb3VuZCI6eyIkaWQiOiI5NSIsIkNvbG9yIjp7IiRpZCI6Ijk2IiwiQSI6MjU1LCJSIjowLCJHIjoxMTQsIkIiOjE4OH19LCJJc1Zpc2libGUiOnRydWUsIldpZHRoIjoxOC4wLCJIZWlnaHQiOjIwLjAsIkJvcmRlclN0eWxlIjp7IiRpZCI6Ijk3IiwiTGluZUNvbG9yIjp7IiRpZCI6Ijk4IiwiJHR5cGUiOiJOTFJFLkNvbW1vbi5Eb20uU29saWRDb2xvckJydXNoLCBOTFJFLkNvbW1vbiIsIkNvbG9yIjp7IiRpZCI6Ijk5IiwiQSI6MjU1LCJSIjoyNTUsIkciOjAsIkIiOjB9fSwiTGluZVdlaWdodCI6MC4wLCJMaW5lVHlwZSI6MCwiUGFyZW50U3R5bGUiOm51bGx9LCJQYXJlbnRTdHlsZSI6bnVsbH0sIlRpdGxlU3R5bGUiOnsiJGlkIjoiMTAwIiwiRm9udFNldHRpbmdzIjp7IiRpZCI6IjEwMSIsIkZvbnRTaXplIjoxMSwiRm9udE5hbWUiOiJDYWxpYnJpIiwiSXNCb2xkIjp0cnVlLCJJc0l0YWxpYyI6ZmFsc2UsIklzVW5kZXJsaW5lZCI6ZmFsc2UsIlBhcmVudFN0eWxlIjpudWxsfSwiQXV0b1NpemUiOjAsIkZvcmVncm91bmQiOnsiJGlkIjoiMTAyIiwiQ29sb3IiOnsiJGlkIjoiMTAzIiwiQSI6MjU1LCJSIjowLCJHIjowLCJCIjowfX0sIk1heFdpZHRoIjoyMDAuMCwiTWF4SGVpZ2h0IjoiSW5maW5pdHkiLCJTbWFydEZvcmVncm91bmRJc0FjdGl2ZSI6ZmFsc2UsIkhvcml6b250YWxBbGlnbm1lbnQiOjEsIlZlcnRpY2FsQWxpZ25tZW50IjowLCJTbWFydEZvcmVncm91bmQiOm51bGwsIkJhY2tncm91bmRGaWxsVHlwZSI6MCwiTWFyZ2luIjp7IiRpZCI6IjEwNCIsIlRvcCI6MC4wLCJMZWZ0IjowLjAsIlJpZ2h0IjowLjAsIkJvdHRvbSI6MC4wfSwiUGFkZGluZyI6eyIkaWQiOiIxMDUiLCJUb3AiOjAuMCwiTGVmdCI6MC4wLCJSaWdodCI6MC4wLCJCb3R0b20iOjAuMH0sIkJhY2tncm91bmQiOnsiJGlkIjoiMTA2IiwiQ29sb3IiOnsiJHJlZiI6IjM2In19LCJJc1Zpc2libGUiOnRydWUsIldpZHRoIjowLjAsIkhlaWdodCI6MC4wLCJCb3JkZXJTdHlsZSI6bnVsbCwiUGFyZW50U3R5bGUiOm51bGx9LCJEYXRlU3R5bGUiOnsiJGlkIjoiMTA3IiwiRm9udFNldHRpbmdzIjp7IiRpZCI6IjEwOCIsIkZvbnRTaXplIjoxMCwiRm9udE5hbWUiOiJDYWxpYnJpIiwiSXNCb2xkIjpmYWxzZSwiSXNJdGFsaWMiOmZhbHNlLCJJc1VuZGVybGluZWQiOmZhbHNlLCJQYXJlbnRTdHlsZSI6bnVsbH0sIkF1dG9TaXplIjowLCJGb3JlZ3JvdW5kIjp7IiRpZCI6IjEwOSIsIkNvbG9yIjp7IiRpZCI6IjExMCIsIkEiOjI1NSwiUiI6NjgsIkciOjg0LCJCIjoxMDZ9fSwiTWF4V2lkdGgiOjIwMC4wLCJNYXhIZWlnaHQiOiJJbmZpbml0eSIsIlNtYXJ0Rm9yZWdyb3VuZElzQWN0aXZlIjpmYWxzZSwiSG9yaXpvbnRhbEFsaWdubWVudCI6MCwiVmVydGljYWxBbGlnbm1lbnQiOjAsIlNtYXJ0Rm9yZWdyb3VuZCI6bnVsbCwiQmFja2dyb3VuZEZpbGxUeXBlIjowLCJNYXJnaW4iOnsiJGlkIjoiMTExIiwiVG9wIjowLjAsIkxlZnQiOjAuMCwiUmlnaHQiOjAuMCwiQm90dG9tIjowLjB9LCJQYWRkaW5nIjp7IiRpZCI6IjExMiIsIlRvcCI6MC4wLCJMZWZ0IjowLjAsIlJpZ2h0IjowLjAsIkJvdHRvbSI6MC4wfSwiQmFja2dyb3VuZCI6eyIkaWQiOiIxMTMiLCJDb2xvciI6eyIkcmVmIjoiMzYifX0sIklzVmlzaWJsZSI6dHJ1ZSwiV2lkdGgiOjAuMCwiSGVpZ2h0IjowLjAsIkJvcmRlclN0eWxlIjpudWxsLCJQYXJlbnRTdHlsZSI6bnVsbH0sIkRhdGVGb3JtYXQiOnsiJGlkIjoiMTE0IiwiRm9ybWF0U3RyaW5nIjoiTU1NIGQiLCJTZXBhcmF0b3IiOiIvIiwiVXNlSW50ZXJuYXRpb25hbERhdGVGb3JtYXQiOmZhbHNlLCJEYXRlSXNWaXNpYmxlIjp0cnVlLCJUaW1lSXNWaXNpYmxlIjpmYWxzZSwiSG91ckRpZ2l0cyI6MSwiQW1QbURlc2lnbmF0b3IiOjIsIlRyaW0wME1pbnV0ZXMiOmZhbHNlLCJMYXN0S25vd25WaXNpYmlsaXR5U3RhdGUiOm51bGx9LCJXZWVrTnVtYmVyaW5nIjp7IiRpZCI6IjExNSIsIkZvcm1hdCI6MCwiSXNWaXNpYmxlIjpmYWxzZSwiTGFzdEtub3duVmlzaWJpbGl0eVN0YXRlIjpmYWxzZX0sIklzVmlzaWJsZSI6dHJ1ZSwiUGFyZW50U3R5bGUiOm51bGx9LCJEZWZhdWx0VGFza1N0eWxlIjp7IiRpZCI6IjExNiIsIlNoYXBlIjowLCJTaGFwZVRoaWNrbmVzcyI6MSwiRHVyYXRpb25Gb3JtYXQiOjAsIkluY2x1ZGVOb25Xb3JraW5nRGF5c0luRHVyYXRpb24iOmZhbHNlLCJQZXJjZW50YWdlQ29tcGxldGVTdHlsZSI6eyIkaWQiOiIxMTciLCJGb250U2V0dGluZ3MiOnsiJGlkIjoiMTE4IiwiRm9udFNpemUiOjEwLCJGb250TmFtZSI6IkNhbGlicmkiLCJJc0JvbGQiOmZhbHNlLCJJc0l0YWxpYyI6ZmFsc2UsIklzVW5kZXJsaW5lZCI6ZmFsc2UsIlBhcmVudFN0eWxlIjpudWxsfSwiQXV0b1NpemUiOjAsIkZvcmVncm91bmQiOnsiJGlkIjoiMTE5IiwiQ29sb3IiOnsiJGlkIjoiMTIwIiwiQSI6MjU1LCJSIjoxOTIsIkciOjgwLCJCIjo3N319LCJNYXhXaWR0aCI6MjAwLjAsIk1heEhlaWdodCI6IkluZmluaXR5IiwiU21hcnRGb3JlZ3JvdW5kSXNBY3RpdmUiOmZhbHNlLCJIb3Jpem9udGFsQWxpZ25tZW50IjowLCJWZXJ0aWNhbEFsaWdubWVudCI6MCwiU21hcnRGb3JlZ3JvdW5kIjpudWxsLCJCYWNrZ3JvdW5kRmlsbFR5cGUiOjAsIk1hcmdpbiI6eyIkaWQiOiIxMjEiLCJUb3AiOjAuMCwiTGVmdCI6MC4wLCJSaWdodCI6MC4wLCJCb3R0b20iOjAuMH0sIlBhZGRpbmciOnsiJGlkIjoiMTIyIiwiVG9wIjowLjAsIkxlZnQiOjAuMCwiUmlnaHQiOjAuMCwiQm90dG9tIjowLjB9LCJCYWNrZ3JvdW5kIjp7IiRpZCI6IjEyMyIsIkNvbG9yIjp7IiRyZWYiOiIzNiJ9fSwiSXNWaXNpYmxlIjp0cnVlLCJXaWR0aCI6MC4wLCJIZWlnaHQiOjAuMCwiQm9yZGVyU3R5bGUiOm51bGwsIlBhcmVudFN0eWxlIjpudWxsfSwiRHVyYXRpb25TdHlsZSI6eyIkaWQiOiIxMjQiLCJGb250U2V0dGluZ3MiOnsiJGlkIjoiMTI1IiwiRm9udFNpemUiOjEwLCJGb250TmFtZSI6IkNhbGlicmkiLCJJc0JvbGQiOmZhbHNlLCJJc0l0YWxpYyI6ZmFsc2UsIklzVW5kZXJsaW5lZCI6ZmFsc2UsIlBhcmVudFN0eWxlIjpudWxsfSwiQXV0b1NpemUiOjAsIkZvcmVncm91bmQiOnsiJGlkIjoiMTI2IiwiQ29sb3IiOnsiJGlkIjoiMTI3IiwiQSI6MjU1LCJSIjowLCJHIjowLCJCIjowfX0sIk1heFdpZHRoIjoyMDAuMCwiTWF4SGVpZ2h0IjoiSW5maW5pdHkiLCJTbWFydEZvcmVncm91bmRJc0FjdGl2ZSI6ZmFsc2UsIkhvcml6b250YWxBbGlnbm1lbnQiOjEsIlZlcnRpY2FsQWxpZ25tZW50IjowLCJTbWFydEZvcmVncm91bmQiOm51bGwsIkJhY2tncm91bmRGaWxsVHlwZSI6MCwiTWFyZ2luIjp7IiRpZCI6IjEyOCIsIlRvcCI6MC4wLCJMZWZ0IjowLjAsIlJpZ2h0IjowLjAsIkJvdHRvbSI6MC4wfSwiUGFkZGluZyI6eyIkaWQiOiIxMjkiLCJUb3AiOjAuMCwiTGVmdCI6MC4wLCJSaWdodCI6MC4wLCJCb3R0b20iOjAuMH0sIkJhY2tncm91bmQiOnsiJGlkIjoiMTMwIiwiQ29sb3IiOnsiJHJlZiI6IjM2In19LCJJc1Zpc2libGUiOnRydWUsIldpZHRoIjowLjAsIkhlaWdodCI6MC4wLCJCb3JkZXJTdHlsZSI6bnVsbCwiUGFyZW50U3R5bGUiOm51bGx9LCJIb3Jpem9udGFsQ29ubmVjdG9yU3R5bGUiOnsiJGlkIjoiMTMxIiwiTGluZUNvbG9yIjp7IiRpZCI6IjEzMiIsIiR0eXBlIjoiTkxSRS5Db21tb24uRG9tLlNvbGlkQ29sb3JCcnVzaCwgTkxSRS5Db21tb24iLCJDb2xvciI6eyIkaWQiOiIxMzMiLCJBIjoyNTUsIlIiOjIwNCwiRyI6MjA0LCJCIjoyMDR9fSwiTGluZVdlaWdodCI6MS4wLCJMaW5lVHlwZSI6MCwiUGFyZW50U3R5bGUiOm51bGx9LCJWZXJ0aWNhbENvbm5lY3RvclN0eWxlIjp7IiRpZCI6IjEzNCIsIkxpbmVDb2xvciI6eyIkaWQiOiIxMzUiLCIkdHlwZSI6Ik5MUkUuQ29tbW9uLkRvbS5Tb2xpZENvbG9yQnJ1c2gsIE5MUkUuQ29tbW9uIiwiQ29sb3IiOnsiJGlkIjoiMTM2IiwiQSI6MjU1LCJSIjoyMDQsIkciOjIwNCwiQiI6MjA0fX0sIkxpbmVXZWlnaHQiOjAuMCwiTGluZVR5cGUiOjAsIlBhcmVudFN0eWxlIjpudWxsfSwiTWFyZ2luIjpudWxsLCJTdGFydERhdGVQb3NpdGlvbiI6MywiRW5kRGF0ZVBvc2l0aW9uIjozLCJEYXRlSXNWaXNpYmxlIjp0cnVlLCJUaXRsZVBvc2l0aW9uIjo0LCJEdXJhdGlvblBvc2l0aW9uIjoyLCJQZXJjZW50YWdlQ29tcGxldGVkUG9zaXRpb24iOjYsIlNwYWNpbmciOjUsIklzQmVsb3dUaW1lYmFuZCI6ZmFsc2UsIlBlcmNlbnRhZ2VDb21wbGV0ZVNoYXBlT3BhY2l0eSI6MzUsIlNoYXBlU3R5bGUiOnsiJGlkIjoiMTM3IiwiTWFyZ2luIjp7IiRpZCI6IjEzOCIsIlRvcCI6MC4wLCJMZWZ0Ijo0LjAsIlJpZ2h0Ijo0LjAsIkJvdHRvbSI6MC4wfSwiUGFkZGluZyI6eyIkaWQiOiIxMzkiLCJUb3AiOjAuMCwiTGVmdCI6MC4wLCJSaWdodCI6MC4wLCJCb3R0b20iOjAuMH0sIkJhY2tncm91bmQiOnsiJGlkIjoiMTQwIiwiQ29sb3IiOnsiJGlkIjoiMTQxIiwiQSI6MjU1LCJSIjowLCJHIjoxMTQsIkIiOjE4OH19LCJJc1Zpc2libGUiOnRydWUsIldpZHRoIjowLjAsIkhlaWdodCI6MTYuMCwiQm9yZGVyU3R5bGUiOnsiJGlkIjoiMTQyIiwiTGluZUNvbG9yIjp7IiRpZCI6IjE0MyIsIiR0eXBlIjoiTkxSRS5Db21tb24uRG9tLlNvbGlkQ29sb3JCcnVzaCwgTkxSRS5Db21tb24iLCJDb2xvciI6eyIkaWQiOiIxNDQiLCJBIjoyNTUsIlIiOjI1NSwiRyI6MCwiQiI6MH19LCJMaW5lV2VpZ2h0IjowLjAsIkxpbmVUeXBlIjowLCJQYXJlbnRTdHlsZSI6bnVsbH0sIlBhcmVudFN0eWxlIjpudWxsfSwiVGl0bGVTdHlsZSI6eyIkaWQiOiIxNDUiLCJGb250U2V0dGluZ3MiOnsiJGlkIjoiMTQ2IiwiRm9udFNpemUiOjEyLCJGb250TmFtZSI6IkNhbGlicmkiLCJJc0JvbGQiOnRydWUsIklzSXRhbGljIjpmYWxzZSwiSXNVbmRlcmxpbmVkIjpmYWxzZSwiUGFyZW50U3R5bGUiOm51bGx9LCJBdXRvU2l6ZSI6MCwiRm9yZWdyb3VuZCI6eyIkaWQiOiIxNDciLCJDb2xvciI6eyIkaWQiOiIxNDgiLCJBIjoyNTUsIlIiOjAsIkciOjAsIkIiOjB9fSwiTWF4V2lkdGgiOjk2MC4wLCJNYXhIZWlnaHQiOiJJbmZpbml0eSIsIlNtYXJ0Rm9yZWdyb3VuZElzQWN0aXZlIjpmYWxzZSwiSG9yaXpvbnRhbEFsaWdubWVudCI6MCwiVmVydGljYWxBbGlnbm1lbnQiOjAsIlNtYXJ0Rm9yZWdyb3VuZCI6bnVsbCwiQmFja2dyb3VuZEZpbGxUeXBlIjowLCJNYXJnaW4iOnsiJGlkIjoiMTQ5IiwiVG9wIjowLjAsIkxlZnQiOjAuMCwiUmlnaHQiOjAuMCwiQm90dG9tIjowLjB9LCJQYWRkaW5nIjp7IiRpZCI6IjE1MCIsIlRvcCI6MC4wLCJMZWZ0IjowLjAsIlJpZ2h0IjowLjAsIkJvdHRvbSI6MC4wfSwiQmFja2dyb3VuZCI6eyIkaWQiOiIxNTEiLCJDb2xvciI6eyIkcmVmIjoiMzYifX0sIklzVmlzaWJsZSI6dHJ1ZSwiV2lkdGgiOjAuMCwiSGVpZ2h0IjowLjAsIkJvcmRlclN0eWxlIjpudWxsLCJQYXJlbnRTdHlsZSI6bnVsbH0sIkRhdGVTdHlsZSI6eyIkaWQiOiIxNTIiLCJGb250U2V0dGluZ3MiOnsiJGlkIjoiMTUzIiwiRm9udFNpemUiOjEwLCJGb250TmFtZSI6IkNhbGlicmkiLCJJc0JvbGQiOmZhbHNlLCJJc0l0YWxpYyI6ZmFsc2UsIklzVW5kZXJsaW5lZCI6ZmFsc2UsIlBhcmVudFN0eWxlIjpudWxsfSwiQXV0b1NpemUiOjAsIkZvcmVncm91bmQiOnsiJGlkIjoiMTU0IiwiQ29sb3IiOnsiJGlkIjoiMTU1IiwiQSI6MjU1LCJSIjo2OCwiRyI6ODQsIkIiOjEwNn19LCJNYXhXaWR0aCI6MjAwLjAsIk1heEhlaWdodCI6IkluZmluaXR5IiwiU21hcnRGb3JlZ3JvdW5kSXNBY3RpdmUiOmZhbHNlLCJIb3Jpem9udGFsQWxpZ25tZW50IjoyLCJWZXJ0aWNhbEFsaWdubWVudCI6MCwiU21hcnRGb3JlZ3JvdW5kIjpudWxsLCJCYWNrZ3JvdW5kRmlsbFR5cGUiOjAsIk1hcmdpbiI6eyIkaWQiOiIxNTYiLCJUb3AiOjAuMCwiTGVmdCI6MC4wLCJSaWdodCI6MC4wLCJCb3R0b20iOjAuMH0sIlBhZGRpbmciOnsiJGlkIjoiMTU3IiwiVG9wIjowLjAsIkxlZnQiOjAuMCwiUmlnaHQiOjAuMCwiQm90dG9tIjowLjB9LCJCYWNrZ3JvdW5kIjp7IiRpZCI6IjE1OCIsIkNvbG9yIjp7IiRyZWYiOiIzNiJ9fSwiSXNWaXNpYmxlIjp0cnVlLCJXaWR0aCI6MC4wLCJIZWlnaHQiOjAuMCwiQm9yZGVyU3R5bGUiOm51bGwsIlBhcmVudFN0eWxlIjpudWxsfSwiRGF0ZUZvcm1hdCI6eyIkaWQiOiIxNTkiLCJGb3JtYXRTdHJpbmciOiJNTU0gZCIsIlNlcGFyYXRvciI6Ii8iLCJVc2VJbnRlcm5hdGlvbmFsRGF0ZUZvcm1hdCI6ZmFsc2UsIkRhdGVJc1Zpc2libGUiOnRydWUsIlRpbWVJc1Zpc2libGUiOmZhbHNlLCJIb3VyRGlnaXRzIjoxLCJBbVBtRGVzaWduYXRvciI6MiwiVHJpbTAwTWludXRlcyI6ZmFsc2UsIkxhc3RLbm93blZpc2liaWxpdHlTdGF0ZSI6bnVsbH0sIldlZWtOdW1iZXJpbmciOnsiJGlkIjoiMTYwIiwiRm9ybWF0IjowLCJJc1Zpc2libGUiOmZhbHNlLCJMYXN0S25vd25WaXNpYmlsaXR5U3RhdGUiOmZhbHNlfSwiSXNWaXNpYmxlIjp0cnVlLCJQYXJlbnRTdHlsZSI6bnVsbCwiX2V4cGxpY2l0bHlTZXQiOnsiJGlkIjoiMTYxIiwiU2hhcGVTdHlsZSI6ZmFsc2UsIlRpdGxlU3R5bGUiOmZhbHNlLCJEYXRlU3R5bGUiOmZhbHNlLCJIb3Jpem9udGFsQ29ubmVjdG9yU3R5bGUiOmZhbHNlLCJWZXJ0aWNhbENvbm5lY3RvclN0eWxlIjpmYWxzZSwiUGVyY2VudGFnZUNvbXBsZXRlU2hhcGVPcGFjaXR5IjpmYWxzZSwiU2hhcGUiOmZhbHNlLCJTaGFwZVRoaWNrbmVzcyI6ZmFsc2UsIkR1cmF0aW9uRm9ybWF0IjpmYWxzZSwiSW5jbHVkZU5vbldvcmtpbmdEYXlzSW5EdXJhdGlvbiI6ZmFsc2UsIk1hcmdpbiI6ZmFsc2UsIlN0YXJ0RGF0ZVBvc2l0aW9uIjpmYWxzZSwiRW5kRGF0ZVBvc2l0aW9uIjpmYWxzZSwiVGl0bGVQb3NpdGlvbiI6ZmFsc2UsIkR1cmF0aW9uUG9zaXRpb24iOmZhbHNlLCJQZXJjZW50YWdlQ29tcGxldGVkUG9zaXRpb24iOmZhbHNlLCJTcGFjaW5nIjpmYWxzZSwiSXNCZWxvd1RpbWViYW5kIjpmYWxzZSwiRGF0ZUZvcm1hdCI6ZmFsc2UsIldlZWtOdW1iZXJpbmciOmZhbHNlLCJJc1Zpc2libGUiOmZhbHNlfX0sIkdyaWRsaW5lUGFuZWxTdHlsZSI6eyIkaWQiOiIxNjIiLCJHcmlkbGluZVN0eWxlIjp7IiRpZCI6IjE2MyIsIkxpbmVDb2xvciI6eyIkaWQiOiIxNjQiLCIkdHlwZSI6Ik5MUkUuQ29tbW9uLkRvbS5Tb2xpZENvbG9yQnJ1c2gsIE5MUkUuQ29tbW9uIiwiQ29sb3IiOnsiJGlkIjoiMTY1IiwiQSI6MzgsIlIiOjkxLCJHIjoxNTUsIkIiOjIxM319LCJMaW5lV2VpZ2h0IjoxLjAsIkxpbmVUeXBlIjowLCJQYXJlbnRTdHlsZSI6bnVsbH0sIk1hcmdpbiI6eyIkaWQiOiIxNjYiLCJUb3AiOjAuMCwiTGVmdCI6MC4wLCJSaWdodCI6MC4wLCJCb3R0b20iOjAuMH0sIlBhZGRpbmciOnsiJGlkIjoiMTY3IiwiVG9wIjowLjAsIkxlZnQiOjAuMCwiUmlnaHQiOjAuMCwiQm90dG9tIjowLjB9LCJCYWNrZ3JvdW5kIjpudWxsLCJJc1Zpc2libGUiOnRydWUsIldpZHRoIjowLjAsIkhlaWdodCI6MC4wLCJCb3JkZXJTdHlsZSI6eyIkaWQiOiIxNjgiLCJMaW5lQ29sb3IiOm51bGwsIkxpbmVXZWlnaHQiOjAuMCwiTGluZVR5cGUiOjAsIlBhcmVudFN0eWxlIjpudWxsfSwiUGFyZW50U3R5bGUiOm51bGx9LCJBY3Rpdml0eUxpbmVQYW5lbFN0eWxlIjp7IiRpZCI6IjE2OSIsIkFjdGl2aXR5TGluZVN0eWxlIjp7IiRpZCI6IjE3MCIsIkxpbmVDb2xvciI6eyIkaWQiOiIxNzEiLCIkdHlwZSI6Ik5MUkUuQ29tbW9uLkRvbS5Tb2xpZENvbG9yQnJ1c2gsIE5MUkUuQ29tbW9uIiwiQ29sb3IiOnsiJGlkIjoiMTcyIiwiQSI6MzgsIlIiOjY4LCJHIjoxMTQsIkIiOjE5Nn19LCJMaW5lV2VpZ2h0IjoxLjAsIkxpbmVUeXBlIjowLCJQYXJlbnRTdHlsZSI6bnVsbH0sIk1hcmdpbiI6eyIkaWQiOiIxNzMiLCJUb3AiOjAuMCwiTGVmdCI6MC4wLCJSaWdodCI6MC4wLCJCb3R0b20iOjAuMH0sIlBhZGRpbmciOnsiJGlkIjoiMTc0IiwiVG9wIjowLjAsIkxlZnQiOjAuMCwiUmlnaHQiOjAuMCwiQm90dG9tIjowLjB9LCJCYWNrZ3JvdW5kIjpudWxsLCJJc1Zpc2libGUiOnRydWUsIldpZHRoIjowLjAsIkhlaWdodCI6MC4wLCJCb3JkZXJTdHlsZSI6eyIkaWQiOiIxNzUiLCJMaW5lQ29sb3IiOm51bGwsIkxpbmVXZWlnaHQiOjAuMCwiTGluZVR5cGUiOjAsIlBhcmVudFN0eWxlIjpudWxsfSwiUGFyZW50U3R5bGUiOm51bGx9LCJTaG93RWxhcHNlZFRpbWVHcmFkaWVudFN0eWxlIjpmYWxzZSwiVGltZWJhbmRSZXNlcnZlZExlZnRBcmVhU3R5bGUiOnsiJGlkIjoiMTc2IiwiQWN0aXZpdHlIZWFkZXJXaWR0aCI6MC4wLCJJc1NldCI6ZmFsc2V9LCJEZWZhdWx0U3dpbWxhbmVTdHlsZSI6bnVsbH0sIlNjYWxlIjpudWxsLCJTY2FsZVYyIjp7IiRpZCI6IjE3NyIsIlN0YXJ0RGF0ZSI6IjAwMDEtMDEtMDFUMDA6MDA6MDAiLCJFbmREYXRlIjoiMjAyMi0wOC0yNlQyMzo1OTowMCIsIkF1dG9EYXRlUmFuZ2UiOnRydWUsIldvcmtpbmdEYXlzIjozMSwiRmlzY2FsWWVhciI6eyIkaWQiOiIxNzgiLCJTdGFydE1vbnRoIjoxLCJVc2VTdGFydGluZ1llYXJGb3JOdW1iZXJpbmciOnRydWUsIlNob3dGaXNjYWxZZWFyTGFiZWwiOnRydWV9LCJUb2RheU1hcmtlclRleHQiOiJUb2RheSIsIkF1dG9TY2FsZVR5cGUiOnRydWUsIlRpbWViYW5kU2NhbGVzIjp7IiRpZCI6IjE3OSIsIlRvcFNjYWxlTGF5ZXIiOnsiJGlkIjoiMTgwIiwiRm9ybWF0IjoidyIsIlR5cGUiOjF9LCJNaWRkbGVTY2FsZUxheWVyIjp7IiRpZCI6IjE4MSIsIkZvcm1hdCI6bnVsbCwiVHlwZSI6MH0sIkJvdHRvbVNjYWxlTGF5ZXIiOnsiJGlkIjoiMTgyIiwiRm9ybWF0IjpudWxsLCJUeXBlIjowfX19LCJNaWxlc3RvbmVzIjpbXSwiVGFza3MiOlt7IiRpZCI6IjE4MyIsIkdyb3VwTmFtZSI6bnVsbCwiU3RhcnREYXRlIjoiMjAyMi0wNS0wM1QwMDowMDowMFoiLCJFbmREYXRlIjoiMjAyMi0wNS0wNlQyMzo1OTowMFoiLCJQZXJjZW50YWdlQ29tcGxldGUiOm51bGwsIlN0eWxlIjp7IiRpZCI6IjE4NCIsIlNoYXBlIjoxLCJTaGFwZVRoaWNrbmVzcyI6MSwiRHVyYXRpb25Gb3JtYXQiOjAsIkluY2x1ZGVOb25Xb3JraW5nRGF5c0luRHVyYXRpb24iOmZhbHNlLCJQZXJjZW50YWdlQ29tcGxldGVTdHlsZSI6eyIkaWQiOiIxODUiLCJGb250U2V0dGluZ3MiOnsiJGlkIjoiMTg2IiwiRm9udFNpemUiOjEwLCJGb250TmFtZSI6IkNhbGlicmkiLCJJc0JvbGQiOmZhbHNlLCJJc0l0YWxpYyI6ZmFsc2UsIklzVW5kZXJsaW5lZCI6ZmFsc2UsIlBhcmVudFN0eWxlIjpudWxsfSwiQXV0b1NpemUiOjAsIkZvcmVncm91bmQiOnsiJHJlZiI6IjExOSJ9LCJNYXhXaWR0aCI6MjAwLjAsIk1heEhlaWdodCI6IkluZmluaXR5IiwiU21hcnRGb3JlZ3JvdW5kSXNBY3RpdmUiOmZhbHNlLCJIb3Jpem9udGFsQWxpZ25tZW50IjowLCJWZXJ0aWNhbEFsaWdubWVudCI6MCwiU21hcnRGb3JlZ3JvdW5kIjpudWxsLCJCYWNrZ3JvdW5kRmlsbFR5cGUiOjAsIk1hcmdpbiI6eyIkcmVmIjoiMTIxIn0sIlBhZGRpbmciOnsiJHJlZiI6IjEyMiJ9LCJCYWNrZ3JvdW5kIjp7IiRyZWYiOiIxMjMifSwiSXNWaXNpYmxlIjp0cnVlLCJXaWR0aCI6MC4wLCJIZWlnaHQiOjAuMCwiQm9yZGVyU3R5bGUiOnsiJGlkIjoiMTg3IiwiTGluZUNvbG9yIjpudWxsLCJMaW5lV2VpZ2h0IjowLjAsIkxpbmVUeXBlIjowLCJQYXJlbnRTdHlsZSI6bnVsbH0sIlBhcmVudFN0eWxlIjpudWxsfSwiRHVyYXRpb25TdHlsZSI6eyIkaWQiOiIxODgiLCJGb250U2V0dGluZ3MiOnsiJGlkIjoiMTg5IiwiRm9udFNpemUiOjEwLCJGb250TmFtZSI6IkNhbGlicmkiLCJJc0JvbGQiOmZhbHNlLCJJc0l0YWxpYyI6ZmFsc2UsIklzVW5kZXJsaW5lZCI6ZmFsc2UsIlBhcmVudFN0eWxlIjpudWxsfSwiQXV0b1NpemUiOjAsIkZvcmVncm91bmQiOnsiJHJlZiI6IjEyNiJ9LCJNYXhXaWR0aCI6MjAwLjAsIk1heEhlaWdodCI6IkluZmluaXR5IiwiU21hcnRGb3JlZ3JvdW5kSXNBY3RpdmUiOmZhbHNlLCJIb3Jpem9udGFsQWxpZ25tZW50IjoxLCJWZXJ0aWNhbEFsaWdubWVudCI6MCwiU21hcnRGb3JlZ3JvdW5kIjpudWxsLCJCYWNrZ3JvdW5kRmlsbFR5cGUiOjAsIk1hcmdpbiI6eyIkcmVmIjoiMTI4In0sIlBhZGRpbmciOnsiJHJlZiI6IjEyOSJ9LCJCYWNrZ3JvdW5kIjp7IiRyZWYiOiIxMzAifSwiSXNWaXNpYmxlIjp0cnVlLCJXaWR0aCI6MC4wLCJIZWlnaHQiOjAuMCwiQm9yZGVyU3R5bGUiOnsiJGlkIjoiMTkwIiwiTGluZUNvbG9yIjpudWxsLCJMaW5lV2VpZ2h0IjowLjAsIkxpbmVUeXBlIjowLCJQYXJlbnRTdHlsZSI6bnVsbH0sIlBhcmVudFN0eWxlIjpudWxsfSwiSG9yaXpvbnRhbENvbm5lY3RvclN0eWxlIjp7IiRpZCI6IjE5MSIsIkxpbmVDb2xvciI6eyIkcmVmIjoiMTMyIn0sIkxpbmVXZWlnaHQiOjEuMCwiTGluZVR5cGUiOjAsIlBhcmVudFN0eWxlIjpudWxsfSwiVmVydGljYWxDb25uZWN0b3JTdHlsZSI6eyIkaWQiOiIxOTIiLCJMaW5lQ29sb3IiOnsiJHJlZiI6IjEzNSJ9LCJMaW5lV2VpZ2h0IjowLjAsIkxpbmVUeXBlIjowLCJQYXJlbnRTdHlsZSI6bnVsbH0sIk1hcmdpbiI6bnVsbCwiU3RhcnREYXRlUG9zaXRpb24iOjMsIkVuZERhdGVQb3NpdGlvbiI6MywiRGF0ZUlzVmlzaWJsZSI6dHJ1ZSwiVGl0bGVQb3NpdGlvbiI6NCwiRHVyYXRpb25Qb3NpdGlvbiI6MiwiUGVyY2VudGFnZUNvbXBsZXRlZFBvc2l0aW9uIjo2LCJTcGFjaW5nIjo1LCJJc0JlbG93VGltZWJhbmQiOmZhbHNlLCJQZXJjZW50YWdlQ29tcGxldGVTaGFwZU9wYWNpdHkiOjM1LCJTaGFwZVN0eWxlIjp7IiRpZCI6IjE5MyIsIk1hcmdpbiI6eyIkcmVmIjoiMTM4In0sIlBhZGRpbmciOnsiJHJlZiI6IjEzOSJ9LCJCYWNrZ3JvdW5kIjp7IiRpZCI6IjE5NCIsIkNvbG9yIjp7IiRpZCI6IjE5NSIsIkEiOjI1NSwiUiI6MTM5LCJHIjoyMTgsIkIiOjIzM319LCJJc1Zpc2libGUiOnRydWUsIldpZHRoIjoyMjkuMCwiSGVpZ2h0IjoxNi4wLCJCb3JkZXJTdHlsZSI6eyIkaWQiOiIxOTYiLCJMaW5lQ29sb3IiOnsiJHJlZiI6IjE0MyJ9LCJMaW5lV2VpZ2h0IjowLjAsIkxpbmVUeXBlIjowLCJQYXJlbnRTdHlsZSI6bnVsbH0sIlBhcmVudFN0eWxlIjpudWxsfSwiVGl0bGVTdHlsZSI6eyIkaWQiOiIxOTciLCJGb250U2V0dGluZ3MiOnsiJGlkIjoiMTk4IiwiRm9udFNpemUiOjEyLCJGb250TmFtZSI6IkNhbGlicmkiLCJJc0JvbGQiOnRydWUsIklzSXRhbGljIjpmYWxzZSwiSXNVbmRlcmxpbmVkIjpmYWxzZSwiUGFyZW50U3R5bGUiOm51bGx9LCJBdXRvU2l6ZSI6MCwiRm9yZWdyb3VuZCI6eyIkcmVmIjoiMTQ3In0sIk1heFdpZHRoIjo3MjAuMCwiTWF4SGVpZ2h0IjoiSW5maW5pdHkiLCJTbWFydEZvcmVncm91bmRJc0FjdGl2ZSI6ZmFsc2UsIkhvcml6b250YWxBbGlnbm1lbnQiOjAsIlZlcnRpY2FsQWxpZ25tZW50IjowLCJTbWFydEZvcmVncm91bmQiOm51bGwsIkJhY2tncm91bmRGaWxsVHlwZSI6MCwiTWFyZ2luIjp7IiRyZWYiOiIxNDkifSwiUGFkZGluZyI6eyIkcmVmIjoiMTUwIn0sIkJhY2tncm91bmQiOnsiJHJlZiI6IjE1MSJ9LCJJc1Zpc2libGUiOnRydWUsIldpZHRoIjowLjAsIkhlaWdodCI6MC4wLCJCb3JkZXJTdHlsZSI6eyIkaWQiOiIxOTkiLCJMaW5lQ29sb3IiOm51bGwsIkxpbmVXZWlnaHQiOjAuMCwiTGluZVR5cGUiOjAsIlBhcmVudFN0eWxlIjpudWxsfSwiUGFyZW50U3R5bGUiOm51bGx9LCJEYXRlU3R5bGUiOnsiJGlkIjoiMjAwIiwiRm9udFNldHRpbmdzIjp7IiRpZCI6IjIwMSIsIkZvbnRTaXplIjoxMCwiRm9udE5hbWUiOiJDYWxpYnJpIiwiSXNCb2xkIjpmYWxzZSwiSXNJdGFsaWMiOmZhbHNlLCJJc1VuZGVybGluZWQiOmZhbHNlLCJQYXJlbnRTdHlsZSI6bnVsbH0sIkF1dG9TaXplIjowLCJGb3JlZ3JvdW5kIjp7IiRyZWYiOiIxNTQifSwiTWF4V2lkdGgiOjIwMC4wLCJNYXhIZWlnaHQiOiJJbmZpbml0eSIsIlNtYXJ0Rm9yZWdyb3VuZElzQWN0aXZlIjpmYWxzZSwiSG9yaXpvbnRhbEFsaWdubWVudCI6MiwiVmVydGljYWxBbGlnbm1lbnQiOjAsIlNtYXJ0Rm9yZWdyb3VuZCI6bnVsbCwiQmFja2dyb3VuZEZpbGxUeXBlIjowLCJNYXJnaW4iOnsiJHJlZiI6IjE1NiJ9LCJQYWRkaW5nIjp7IiRyZWYiOiIxNTcifSwiQmFja2dyb3VuZCI6eyIkcmVmIjoiMTU4In0sIklzVmlzaWJsZSI6dHJ1ZSwiV2lkdGgiOjAuMCwiSGVpZ2h0IjowLjAsIkJvcmRlclN0eWxlIjp7IiRpZCI6IjIwMiIsIkxpbmVDb2xvciI6bnVsbCwiTGluZVdlaWdodCI6MC4wLCJMaW5lVHlwZSI6MCwiUGFyZW50U3R5bGUiOm51bGx9LCJQYXJlbnRTdHlsZSI6bnVsbH0sIkRhdGVGb3JtYXQiOnsiJHJlZiI6IjE1OSJ9LCJXZWVrTnVtYmVyaW5nIjp7IiRpZCI6IjIwMyIsIkZvcm1hdCI6MCwiSXNWaXNpYmxlIjpmYWxzZSwiTGFzdEtub3duVmlzaWJpbGl0eVN0YXRlIjpmYWxzZX0sIklzVmlzaWJsZSI6dHJ1ZSwiUGFyZW50U3R5bGUiOm51bGx9LCJJbmRleCI6MCwiU21hcnREdXJhdGlvbkFjdGl2YXRlZCI6ZmFsc2UsIkRhdGVGb3JtYXQiOnsiJHJlZiI6IjE1OSJ9LCJXZWVrTnVtYmVyaW5nIjp7IiRpZCI6IjIwNCIsIkZvcm1hdCI6MCwiSXNWaXNpYmxlIjpmYWxzZSwiTGFzdEtub3duVmlzaWJpbGl0eVN0YXRlIjpmYWxzZX0sIklkIjoiYzIxZjhjODAtMWRkNC00NzQ5LTk2NDItMWViZGZhYThlMTdiIiwiSW1wb3J0SWQiOm51bGwsIlRpdGxlIjoiUG9saXNoIGludHJvIHNlY3Rpb24iLCJOb3RlIjpudWxsLCJIeXBlcmxpbmsiOnsiJGlkIjoiMjA1IiwiQWRkcmVzcyI6bnVsbCwiU3ViQWRkcmVzcyI6bnVsbH0sIklzQ2hhbmdlZCI6ZmFsc2UsIklzTmV3IjpmYWxzZX0seyIkaWQiOiIyMDYiLCJHcm91cE5hbWUiOm51bGwsIlN0YXJ0RGF0ZSI6IjIwMjItMDUtMDNUMDA6MDA6MDBaIiwiRW5kRGF0ZSI6IjIwMjItMDUtMTFUMjM6NTk6MDBaIiwiUGVyY2VudGFnZUNvbXBsZXRlIjpudWxsLCJTdHlsZSI6eyIkaWQiOiIyMDciLCJTaGFwZSI6MSwiU2hhcGVUaGlja25lc3MiOjEsIkR1cmF0aW9uRm9ybWF0IjowLCJJbmNsdWRlTm9uV29ya2luZ0RheXNJbkR1cmF0aW9uIjpmYWxzZSwiUGVyY2VudGFnZUNvbXBsZXRlU3R5bGUiOnsiJGlkIjoiMjA4IiwiRm9udFNldHRpbmdzIjp7IiRpZCI6IjIwOSIsIkZvbnRTaXplIjoxMCwiRm9udE5hbWUiOiJDYWxpYnJpIiwiSXNCb2xkIjpmYWxzZSwiSXNJdGFsaWMiOmZhbHNlLCJJc1VuZGVybGluZWQiOmZhbHNlLCJQYXJlbnRTdHlsZSI6bnVsbH0sIkF1dG9TaXplIjowLCJGb3JlZ3JvdW5kIjp7IiRpZCI6IjIxMCIsIkNvbG9yIjp7IiRpZCI6IjIxMSIsIkEiOjI1NSwiUiI6MTkyLCJHIjo4MCwiQiI6Nzd9fSwiTWF4V2lkdGgiOjIwMC4wLCJNYXhIZWlnaHQiOiJJbmZpbml0eSIsIlNtYXJ0Rm9yZWdyb3VuZElzQWN0aXZlIjpmYWxzZSwiSG9yaXpvbnRhbEFsaWdubWVudCI6MCwiVmVydGljYWxBbGlnbm1lbnQiOjAsIlNtYXJ0Rm9yZWdyb3VuZCI6bnVsbCwiQmFja2dyb3VuZEZpbGxUeXBlIjowLCJNYXJnaW4iOnsiJHJlZiI6IjEyMSJ9LCJQYWRkaW5nIjp7IiRyZWYiOiIxMjIifSwiQmFja2dyb3VuZCI6eyIkcmVmIjoiMTIzIn0sIklzVmlzaWJsZSI6dHJ1ZSwiV2lkdGgiOjAuMCwiSGVpZ2h0IjowLjAsIkJvcmRlclN0eWxlIjp7IiRpZCI6IjIxMiIsIkxpbmVDb2xvciI6bnVsbCwiTGluZVdlaWdodCI6MC4wLCJMaW5lVHlwZSI6MCwiUGFyZW50U3R5bGUiOm51bGx9LCJQYXJlbnRTdHlsZSI6bnVsbH0sIkR1cmF0aW9uU3R5bGUiOnsiJGlkIjoiMjEzIiwiRm9udFNldHRpbmdzIjp7IiRpZCI6IjIxNCIsIkZvbnRTaXplIjoxMCwiRm9udE5hbWUiOiJDYWxpYnJpIiwiSXNCb2xkIjpmYWxzZSwiSXNJdGFsaWMiOmZhbHNlLCJJc1VuZGVybGluZWQiOmZhbHNlLCJQYXJlbnRTdHlsZSI6bnVsbH0sIkF1dG9TaXplIjowLCJGb3JlZ3JvdW5kIjp7IiRpZCI6IjIxNSIsIkNvbG9yIjp7IiRpZCI6IjIxNiIsIkEiOjI1NSwiUiI6MCwiRyI6MCwiQiI6MH19LCJNYXhXaWR0aCI6MjAwLjAsIk1heEhlaWdodCI6IkluZmluaXR5IiwiU21hcnRGb3JlZ3JvdW5kSXNBY3RpdmUiOmZhbHNlLCJIb3Jpem9udGFsQWxpZ25tZW50IjoxLCJWZXJ0aWNhbEFsaWdubWVudCI6MCwiU21hcnRGb3JlZ3JvdW5kIjpudWxsLCJCYWNrZ3JvdW5kRmlsbFR5cGUiOjAsIk1hcmdpbiI6eyIkcmVmIjoiMTI4In0sIlBhZGRpbmciOnsiJHJlZiI6IjEyOSJ9LCJCYWNrZ3JvdW5kIjp7IiRyZWYiOiIxMzAifSwiSXNWaXNpYmxlIjp0cnVlLCJXaWR0aCI6MC4wLCJIZWlnaHQiOjAuMCwiQm9yZGVyU3R5bGUiOnsiJGlkIjoiMjE3IiwiTGluZUNvbG9yIjpudWxsLCJMaW5lV2VpZ2h0IjowLjAsIkxpbmVUeXBlIjowLCJQYXJlbnRTdHlsZSI6bnVsbH0sIlBhcmVudFN0eWxlIjpudWxsfSwiSG9yaXpvbnRhbENvbm5lY3RvclN0eWxlIjp7IiRpZCI6IjIxOCIsIkxpbmVDb2xvciI6eyIkcmVmIjoiMTMyIn0sIkxpbmVXZWlnaHQiOjEuMCwiTGluZVR5cGUiOjAsIlBhcmVudFN0eWxlIjpudWxsfSwiVmVydGljYWxDb25uZWN0b3JTdHlsZSI6eyIkaWQiOiIyMTkiLCJMaW5lQ29sb3IiOnsiJHJlZiI6IjEzNSJ9LCJMaW5lV2VpZ2h0IjowLjAsIkxpbmVUeXBlIjowLCJQYXJlbnRTdHlsZSI6bnVsbH0sIk1hcmdpbiI6bnVsbCwiU3RhcnREYXRlUG9zaXRpb24iOjMsIkVuZERhdGVQb3NpdGlvbiI6MywiRGF0ZUlzVmlzaWJsZSI6dHJ1ZSwiVGl0bGVQb3NpdGlvbiI6NCwiRHVyYXRpb25Qb3NpdGlvbiI6MiwiUGVyY2VudGFnZUNvbXBsZXRlZFBvc2l0aW9uIjo2LCJTcGFjaW5nIjo1LCJJc0JlbG93VGltZWJhbmQiOmZhbHNlLCJQZXJjZW50YWdlQ29tcGxldGVTaGFwZU9wYWNpdHkiOjM1LCJTaGFwZVN0eWxlIjp7IiRpZCI6IjIyMCIsIk1hcmdpbiI6eyIkcmVmIjoiMTM4In0sIlBhZGRpbmciOnsiJHJlZiI6IjEzOSJ9LCJCYWNrZ3JvdW5kIjp7IiRpZCI6IjIyMSIsIkNvbG9yIjp7IiRpZCI6IjIyMiIsIkEiOjI1NSwiUiI6MTM5LCJHIjoyMTgsIkIiOjIzM319LCJJc1Zpc2libGUiOnRydWUsIldpZHRoIjoyNTguMCwiSGVpZ2h0IjoxNi4wLCJCb3JkZXJTdHlsZSI6eyIkaWQiOiIyMjMiLCJMaW5lQ29sb3IiOnsiJGlkIjoiMjI0IiwiJHR5cGUiOiJOTFJFLkNvbW1vbi5Eb20uU29saWRDb2xvckJydXNoLCBOTFJFLkNvbW1vbiIsIkNvbG9yIjp7IiRpZCI6IjIyNSIsIkEiOjI1NSwiUiI6NjUsIkciOjExMywiQiI6MTU2fX0sIkxpbmVXZWlnaHQiOjAuMCwiTGluZVR5cGUiOjAsIlBhcmVudFN0eWxlIjpudWxsfSwiUGFyZW50U3R5bGUiOm51bGx9LCJUaXRsZVN0eWxlIjp7IiRpZCI6IjIyNiIsIkZvbnRTZXR0aW5ncyI6eyIkaWQiOiIyMjciLCJGb250U2l6ZSI6MTIsIkZvbnROYW1lIjoiQ2FsaWJyaSIsIklzQm9sZCI6dHJ1ZSwiSXNJdGFsaWMiOmZhbHNlLCJJc1VuZGVybGluZWQiOmZhbHNlLCJQYXJlbnRTdHlsZSI6bnVsbH0sIkF1dG9TaXplIjoyLCJGb3JlZ3JvdW5kIjp7IiRpZCI6IjIyOCIsIkNvbG9yIjp7IiRpZCI6IjIyOSIsIkEiOjI1NSwiUiI6MCwiRyI6MCwiQiI6MH19LCJNYXhXaWR0aCI6MTE0LjAsIk1heEhlaWdodCI6IkluZmluaXR5IiwiU21hcnRGb3JlZ3JvdW5kSXNBY3RpdmUiOmZhbHNlLCJIb3Jpem9udGFsQWxpZ25tZW50IjowLCJWZXJ0aWNhbEFsaWdubWVudCI6MCwiU21hcnRGb3JlZ3JvdW5kIjpudWxsLCJCYWNrZ3JvdW5kRmlsbFR5cGUiOjAsIk1hcmdpbiI6eyIkcmVmIjoiMTQ5In0sIlBhZGRpbmciOnsiJHJlZiI6IjE1MCJ9LCJCYWNrZ3JvdW5kIjp7IiRyZWYiOiIxNTEifSwiSXNWaXNpYmxlIjp0cnVlLCJXaWR0aCI6MC4wLCJIZWlnaHQiOjAuMCwiQm9yZGVyU3R5bGUiOnsiJGlkIjoiMjMwIiwiTGluZUNvbG9yIjpudWxsLCJMaW5lV2VpZ2h0IjowLjAsIkxpbmVUeXBlIjowLCJQYXJlbnRTdHlsZSI6bnVsbH0sIlBhcmVudFN0eWxlIjpudWxsfSwiRGF0ZVN0eWxlIjp7IiRpZCI6IjIzMSIsIkZvbnRTZXR0aW5ncyI6eyIkaWQiOiIyMzIiLCJGb250U2l6ZSI6MTAsIkZvbnROYW1lIjoiQ2FsaWJyaSIsIklzQm9sZCI6ZmFsc2UsIklzSXRhbGljIjpmYWxzZSwiSXNVbmRlcmxpbmVkIjpmYWxzZSwiUGFyZW50U3R5bGUiOm51bGx9LCJBdXRvU2l6ZSI6MiwiRm9yZWdyb3VuZCI6eyIkaWQiOiIyMzMiLCJDb2xvciI6eyIkaWQiOiIyMzQiLCJBIjoyNTUsIlIiOjY4LCJHIjo4NCwiQiI6MTA2fX0sIk1heFdpZHRoIjo2MC4wLCJNYXhIZWlnaHQiOiJJbmZpbml0eSIsIlNtYXJ0Rm9yZWdyb3VuZElzQWN0aXZlIjpmYWxzZSwiSG9yaXpvbnRhbEFsaWdubWVudCI6MiwiVmVydGljYWxBbGlnbm1lbnQiOjAsIlNtYXJ0Rm9yZWdyb3VuZCI6bnVsbCwiQmFja2dyb3VuZEZpbGxUeXBlIjowLCJNYXJnaW4iOnsiJHJlZiI6IjE1NiJ9LCJQYWRkaW5nIjp7IiRyZWYiOiIxNTcifSwiQmFja2dyb3VuZCI6eyIkcmVmIjoiMTU4In0sIklzVmlzaWJsZSI6dHJ1ZSwiV2lkdGgiOjAuMCwiSGVpZ2h0IjowLjAsIkJvcmRlclN0eWxlIjp7IiRpZCI6IjIzNSIsIkxpbmVDb2xvciI6bnVsbCwiTGluZVdlaWdodCI6MC4wLCJMaW5lVHlwZSI6MCwiUGFyZW50U3R5bGUiOm51bGx9LCJQYXJlbnRTdHlsZSI6bnVsbH0sIkRhdGVGb3JtYXQiOnsiJHJlZiI6IjE1OSJ9LCJXZWVrTnVtYmVyaW5nIjp7IiRpZCI6IjIzNiIsIkZvcm1hdCI6MCwiSXNWaXNpYmxlIjpmYWxzZSwiTGFzdEtub3duVmlzaWJpbGl0eVN0YXRlIjpmYWxzZX0sIklzVmlzaWJsZSI6dHJ1ZSwiUGFyZW50U3R5bGUiOm51bGx9LCJJbmRleCI6MSwiU21hcnREdXJhdGlvbkFjdGl2YXRlZCI6ZmFsc2UsIkRhdGVGb3JtYXQiOnsiJHJlZiI6IjE1OSJ9LCJXZWVrTnVtYmVyaW5nIjp7IiRpZCI6IjIzNyIsIkZvcm1hdCI6MCwiSXNWaXNpYmxlIjpmYWxzZSwiTGFzdEtub3duVmlzaWJpbGl0eVN0YXRlIjpmYWxzZX0sIklkIjoiM2MwMmJlMmEtYWYzZC00NmU5LWIxMTItODc3NGNmM2NhODQ5IiwiSW1wb3J0SWQiOm51bGwsIlRpdGxlIjoiV3JpdGUgbWV0aG9kcyBzZWN0aW9uIiwiTm90ZSI6bnVsbCwiSHlwZXJsaW5rIjp7IiRpZCI6IjIzOCIsIkFkZHJlc3MiOiIiLCJTdWJBZGRyZXNzIjoiIn0sIklzQ2hhbmdlZCI6ZmFsc2UsIklzTmV3IjpmYWxzZX0seyIkaWQiOiIyMzkiLCJHcm91cE5hbWUiOm51bGwsIlN0YXJ0RGF0ZSI6IjIwMjItMDUtMDNUMDA6MDA6MDBaIiwiRW5kRGF0ZSI6IjIwMjItMDUtMThUMjM6NTk6MDBaIiwiUGVyY2VudGFnZUNvbXBsZXRlIjpudWxsLCJTdHlsZSI6eyIkaWQiOiIyNDAiLCJTaGFwZSI6MSwiU2hhcGVUaGlja25lc3MiOjEsIkR1cmF0aW9uRm9ybWF0IjowLCJJbmNsdWRlTm9uV29ya2luZ0RheXNJbkR1cmF0aW9uIjpmYWxzZSwiUGVyY2VudGFnZUNvbXBsZXRlU3R5bGUiOnsiJGlkIjoiMjQxIiwiRm9udFNldHRpbmdzIjp7IiRpZCI6IjI0MiIsIkZvbnRTaXplIjoxMCwiRm9udE5hbWUiOiJDYWxpYnJpIiwiSXNCb2xkIjpmYWxzZSwiSXNJdGFsaWMiOmZhbHNlLCJJc1VuZGVybGluZWQiOmZhbHNlLCJQYXJlbnRTdHlsZSI6bnVsbH0sIkF1dG9TaXplIjowLCJGb3JlZ3JvdW5kIjp7IiRyZWYiOiIxMTkifSwiTWF4V2lkdGgiOjIwMC4wLCJNYXhIZWlnaHQiOiJJbmZpbml0eSIsIlNtYXJ0Rm9yZWdyb3VuZElzQWN0aXZlIjpmYWxzZSwiSG9yaXpvbnRhbEFsaWdubWVudCI6MCwiVmVydGljYWxBbGlnbm1lbnQiOjAsIlNtYXJ0Rm9yZWdyb3VuZCI6bnVsbCwiQmFja2dyb3VuZEZpbGxUeXBlIjowLCJNYXJnaW4iOnsiJHJlZiI6IjEyMSJ9LCJQYWRkaW5nIjp7IiRyZWYiOiIxMjIifSwiQmFja2dyb3VuZCI6eyIkcmVmIjoiMTIzIn0sIklzVmlzaWJsZSI6dHJ1ZSwiV2lkdGgiOjAuMCwiSGVpZ2h0IjowLjAsIkJvcmRlclN0eWxlIjp7IiRpZCI6IjI0MyIsIkxpbmVDb2xvciI6bnVsbCwiTGluZVdlaWdodCI6MC4wLCJMaW5lVHlwZSI6MCwiUGFyZW50U3R5bGUiOm51bGx9LCJQYXJlbnRTdHlsZSI6bnVsbH0sIkR1cmF0aW9uU3R5bGUiOnsiJGlkIjoiMjQ0IiwiRm9udFNldHRpbmdzIjp7IiRpZCI6IjI0NSIsIkZvbnRTaXplIjoxMCwiRm9udE5hbWUiOiJDYWxpYnJpIiwiSXNCb2xkIjpmYWxzZSwiSXNJdGFsaWMiOmZhbHNlLCJJc1VuZGVybGluZWQiOmZhbHNlLCJQYXJlbnRTdHlsZSI6bnVsbH0sIkF1dG9TaXplIjowLCJGb3JlZ3JvdW5kIjp7IiRyZWYiOiIxMjYifSwiTWF4V2lkdGgiOjIwMC4wLCJNYXhIZWlnaHQiOiJJbmZpbml0eSIsIlNtYXJ0Rm9yZWdyb3VuZElzQWN0aXZlIjpmYWxzZSwiSG9yaXpvbnRhbEFsaWdubWVudCI6MSwiVmVydGljYWxBbGlnbm1lbnQiOjAsIlNtYXJ0Rm9yZWdyb3VuZCI6bnVsbCwiQmFja2dyb3VuZEZpbGxUeXBlIjowLCJNYXJnaW4iOnsiJHJlZiI6IjEyOCJ9LCJQYWRkaW5nIjp7IiRyZWYiOiIxMjkifSwiQmFja2dyb3VuZCI6eyIkcmVmIjoiMTMwIn0sIklzVmlzaWJsZSI6dHJ1ZSwiV2lkdGgiOjAuMCwiSGVpZ2h0IjowLjAsIkJvcmRlclN0eWxlIjp7IiRpZCI6IjI0NiIsIkxpbmVDb2xvciI6bnVsbCwiTGluZVdlaWdodCI6MC4wLCJMaW5lVHlwZSI6MCwiUGFyZW50U3R5bGUiOm51bGx9LCJQYXJlbnRTdHlsZSI6bnVsbH0sIkhvcml6b250YWxDb25uZWN0b3JTdHlsZSI6eyIkaWQiOiIyNDciLCJMaW5lQ29sb3IiOnsiJHJlZiI6IjEzMiJ9LCJMaW5lV2VpZ2h0IjoxLjAsIkxpbmVUeXBlIjowLCJQYXJlbnRTdHlsZSI6bnVsbH0sIlZlcnRpY2FsQ29ubmVjdG9yU3R5bGUiOnsiJGlkIjoiMjQ4IiwiTGluZUNvbG9yIjp7IiRyZWYiOiIxMzUifSwiTGluZVdlaWdodCI6MC4wLCJMaW5lVHlwZSI6MCwiUGFyZW50U3R5bGUiOm51bGx9LCJNYXJnaW4iOm51bGwsIlN0YXJ0RGF0ZVBvc2l0aW9uIjozLCJFbmREYXRlUG9zaXRpb24iOjMsIkRhdGVJc1Zpc2libGUiOnRydWUsIlRpdGxlUG9zaXRpb24iOjQsIkR1cmF0aW9uUG9zaXRpb24iOjIsIlBlcmNlbnRhZ2VDb21wbGV0ZWRQb3NpdGlvbiI6NiwiU3BhY2luZyI6NSwiSXNCZWxvd1RpbWViYW5kIjpmYWxzZSwiUGVyY2VudGFnZUNvbXBsZXRlU2hhcGVPcGFjaXR5IjozNSwiU2hhcGVTdHlsZSI6eyIkaWQiOiIyNDkiLCJNYXJnaW4iOnsiJHJlZiI6IjEzOCJ9LCJQYWRkaW5nIjp7IiRyZWYiOiIxMzkifSwiQmFja2dyb3VuZCI6eyIkaWQiOiIyNTAiLCJDb2xvciI6eyIkaWQiOiIyNTEiLCJBIjoyNTUsIlIiOjE5MiwiRyI6MTU4LCJCIjoyMjZ9fSwiSXNWaXNpYmxlIjp0cnVlLCJXaWR0aCI6MC4wLCJIZWlnaHQiOjE2LjAsIkJvcmRlclN0eWxlIjp7IiRpZCI6IjI1MiIsIkxpbmVDb2xvciI6eyIkcmVmIjoiMTQzIn0sIkxpbmVXZWlnaHQiOjAuMCwiTGluZVR5cGUiOjAsIlBhcmVudFN0eWxlIjpudWxsfSwiUGFyZW50U3R5bGUiOm51bGx9LCJUaXRsZVN0eWxlIjp7IiRpZCI6IjI1MyIsIkZvbnRTZXR0aW5ncyI6eyIkaWQiOiIyNTQiLCJGb250U2l6ZSI6MTIsIkZvbnROYW1lIjoiQ2FsaWJyaSIsIklzQm9sZCI6dHJ1ZSwiSXNJdGFsaWMiOmZhbHNlLCJJc1VuZGVybGluZWQiOmZhbHNlLCJQYXJlbnRTdHlsZSI6bnVsbH0sIkF1dG9TaXplIjowLCJGb3JlZ3JvdW5kIjp7IiRyZWYiOiIxNDcifSwiTWF4V2lkdGgiOjcyMC4wLCJNYXhIZWlnaHQiOiJJbmZpbml0eSIsIlNtYXJ0Rm9yZWdyb3VuZElzQWN0aXZlIjpmYWxzZSwiSG9yaXpvbnRhbEFsaWdubWVudCI6MCwiVmVydGljYWxBbGlnbm1lbnQiOjAsIlNtYXJ0Rm9yZWdyb3VuZCI6bnVsbCwiQmFja2dyb3VuZEZpbGxUeXBlIjowLCJNYXJnaW4iOnsiJHJlZiI6IjE0OSJ9LCJQYWRkaW5nIjp7IiRyZWYiOiIxNTAifSwiQmFja2dyb3VuZCI6eyIkcmVmIjoiMTUxIn0sIklzVmlzaWJsZSI6dHJ1ZSwiV2lkdGgiOjAuMCwiSGVpZ2h0IjowLjAsIkJvcmRlclN0eWxlIjp7IiRpZCI6IjI1NSIsIkxpbmVDb2xvciI6bnVsbCwiTGluZVdlaWdodCI6MC4wLCJMaW5lVHlwZSI6MCwiUGFyZW50U3R5bGUiOm51bGx9LCJQYXJlbnRTdHlsZSI6bnVsbH0sIkRhdGVTdHlsZSI6eyIkaWQiOiIyNTYiLCJGb250U2V0dGluZ3MiOnsiJGlkIjoiMjU3IiwiRm9udFNpemUiOjEwLCJGb250TmFtZSI6IkNhbGlicmkiLCJJc0JvbGQiOmZhbHNlLCJJc0l0YWxpYyI6ZmFsc2UsIklzVW5kZXJsaW5lZCI6ZmFsc2UsIlBhcmVudFN0eWxlIjpudWxsfSwiQXV0b1NpemUiOjAsIkZvcmVncm91bmQiOnsiJHJlZiI6IjE1NCJ9LCJNYXhXaWR0aCI6MjAwLjAsIk1heEhlaWdodCI6IkluZmluaXR5IiwiU21hcnRGb3JlZ3JvdW5kSXNBY3RpdmUiOmZhbHNlLCJIb3Jpem9udGFsQWxpZ25tZW50IjoyLCJWZXJ0aWNhbEFsaWdubWVudCI6MCwiU21hcnRGb3JlZ3JvdW5kIjpudWxsLCJCYWNrZ3JvdW5kRmlsbFR5cGUiOjAsIk1hcmdpbiI6eyIkcmVmIjoiMTU2In0sIlBhZGRpbmciOnsiJHJlZiI6IjE1NyJ9LCJCYWNrZ3JvdW5kIjp7IiRyZWYiOiIxNTgifSwiSXNWaXNpYmxlIjp0cnVlLCJXaWR0aCI6MC4wLCJIZWlnaHQiOjAuMCwiQm9yZGVyU3R5bGUiOnsiJGlkIjoiMjU4IiwiTGluZUNvbG9yIjpudWxsLCJMaW5lV2VpZ2h0IjowLjAsIkxpbmVUeXBlIjowLCJQYXJlbnRTdHlsZSI6bnVsbH0sIlBhcmVudFN0eWxlIjpudWxsfSwiRGF0ZUZvcm1hdCI6eyIkcmVmIjoiMTU5In0sIldlZWtOdW1iZXJpbmciOnsiJGlkIjoiMjU5IiwiRm9ybWF0IjowLCJJc1Zpc2libGUiOmZhbHNlLCJMYXN0S25vd25WaXNpYmlsaXR5U3RhdGUiOmZhbHNlfSwiSXNWaXNpYmxlIjp0cnVlLCJQYXJlbnRTdHlsZSI6bnVsbH0sIkluZGV4IjoyLCJTbWFydER1cmF0aW9uQWN0aXZhdGVkIjpmYWxzZSwiRGF0ZUZvcm1hdCI6eyIkcmVmIjoiMTU5In0sIldlZWtOdW1iZXJpbmciOnsiJGlkIjoiMjYwIiwiRm9ybWF0IjowLCJJc1Zpc2libGUiOmZhbHNlLCJMYXN0S25vd25WaXNpYmlsaXR5U3RhdGUiOmZhbHNlfSwiSWQiOiI4NjQ5OGViNS1kZTJjLTQ4OTYtYTc4Zi01NDhhYmM2NjE2YmUiLCJJbXBvcnRJZCI6bnVsbCwiVGl0bGUiOiJJbXBsZW1lbnQgW25leHQgc3RlcHNdIiwiTm90ZSI6bnVsbCwiSHlwZXJsaW5rIjp7IiRpZCI6IjI2MSIsIkFkZHJlc3MiOm51bGwsIlN1YkFkZHJlc3MiOm51bGx9LCJJc0NoYW5nZWQiOmZhbHNlLCJJc05ldyI6ZmFsc2V9XSwiU3dpbWxhbmVzIjpbXSwiTXNQcm9qZWN0SXRlbXNUcmVlIjp7IiRpZCI6IjI2MiIsIlJvb3QiOnsiSW1wb3J0SWQiOm51bGwsIklzSW1wb3J0ZWQiOmZhbHNlLCJDaGlsZHJlbiI6W119fSwiTWV0YWRhdGEiOnsiJGlkIjoiMjYzIiwiUmVjZW50Q29sb3JzQ29sbGVjdGlvbiI6IltcIiNGRjAwNzJCQ1wiLFwiI0ZGMUFBQTQyXCIsXCIjRkZGRUJBMEFcIl0iLCJTb3VyY2VUZW1wbGF0ZSI6IntcIiRpZFwiOlwiMVwiLFwiSWRcIjpcImNjMjZmODYzLTI3Y2UtNDgwZS1hNTg5LWIzZjEyZjJkNmViMFwiLFwiQ3VsdHVyZUluZm9OYW1lXCI6XCJlbi1VU1wiLFwiVmVyc2lvblwiOntcIiRpZFwiOlwiMlwiLFwiVGVtcGxhdGVEb21WZXJzaW9uXCI6XCIxLjIuMFwifSxcIkVmZmVjdFwiOjEsXCJTdHlsZVwiOntcIiRpZFwiOlwiM1wiLFwiVGltZWJhbmRTdHlsZVwiOntcIiRpZFwiOlwiNFwiLFwiU2NhbGVNYXJraW5nXCI6MSxcIlNoYXBlXCI6MTAsXCJTaGFwZVN0eWxlXCI6e1wiJGlkXCI6XCI1XCIsXCJNYXJnaW5cIjp7XCIkaWRcIjpcIjZcIixcIlRvcFwiOjAuMCxcIkxlZnRcIjoxMC4wLFwiUmlnaHRcIjoxMC4wLFwiQm90dG9tXCI6MC4wfSxcIlBhZGRpbmdcIjp7XCIkaWRcIjpcIjdcIixcIlRvcFwiOjMuMCxcIkxlZnRcIjowLjAsXCJSaWdodFwiOjAuMCxcIkJvdHRvbVwiOjMuMH0sXCJCYWNrZ3JvdW5kXCI6e1wiJGlkXCI6XCI4XCIsXCJDb2xvclwiOntcIiRpZFwiOlwiOVwiLFwiQVwiOjI1NSxcIlJcIjo2OCxcIkdcIjo4NCxcIkJcIjoxMDZ9fSxcIklzVmlzaWJsZVwiOnRydWUsXCJXaWR0aFwiOjg1OC4wLFwiSGVpZ2h0XCI6MjAuMCxcIkJvcmRlclN0eWxlXCI6e1wiJGlkXCI6XCIxMFwiLFwiTGluZUNvbG9yXCI6e1wiJGlkXCI6XCIxMVwiLFwiJHR5cGVcIjpcIk5MUkUuQ29tbW9uLkRvbS5Tb2xpZENvbG9yQnJ1c2gsIE5MUkUuQ29tbW9uXCIsXCJDb2xvclwiOntcIiRpZFwiOlwiMTJcIixcIkFcIjoyNTUsXCJSXCI6MjU1LFwiR1wiOjAsXCJCXCI6MH19LFwiTGluZVdlaWdodFwiOjAuMCxcIkxpbmVUeXBlXCI6MH19LFwiTWlkZGxlVGllclNoYXBlU3R5bGVcIjp7XCIkaWRcIjpcIjEzXCIsXCJNYXJnaW5cIjp7XCIkaWRcIjpcIjE0XCIsXCJUb3BcIjowLjAsXCJMZWZ0XCI6MTAuMCxcIlJpZ2h0XCI6MTAuMCxcIkJvdHRvbVwiOjAuMH0sXCJQYWRkaW5nXCI6e1wiJGlkXCI6XCIxNVwiLFwiVG9wXCI6My4wLFwiTGVmdFwiOjAuMCxcIlJpZ2h0XCI6MC4wLFwiQm90dG9tXCI6My4wfSxcIkJhY2tncm91bmRcIjp7XCIkaWRcIjpcIjE2XCIsXCJDb2xvclwiOntcIiRpZFwiOlwiMTdcIixcIkFcIjoyNTUsXCJSXCI6NjgsXCJHXCI6ODQsXCJCXCI6MTA2fX0sXCJJc1Zpc2libGVcIjp0cnVlLFwiV2lkdGhcIjo4NTguMCxcIkhlaWdodFwiOjIwLjAsXCJCb3JkZXJTdHlsZVwiOntcIiRpZFwiOlwiMThcIixcIkxpbmVDb2xvclwiOntcIiRpZFwiOlwiMTlcIixcIiR0eXBlXCI6XCJOTFJFLkNvbW1vbi5Eb20uU29saWRDb2xvckJydXNoLCBOTFJFLkNvbW1vblwiLFwiQ29sb3JcIjp7XCIkaWRcIjpcIjIwXCIsXCJBXCI6MjU1LFwiUlwiOjI1NSxcIkdcIjowLFwiQlwiOjB9fSxcIkxpbmVXZWlnaHRcIjowLjAsXCJMaW5lVHlwZVwiOjB9fSxcIkJvdHRvbVRpZXJTaGFwZVN0eWxlXCI6e1wiJGlkXCI6XCIyMVwiLFwiTWFyZ2luXCI6e1wiJGlkXCI6XCIyMlwiLFwiVG9wXCI6MC4wLFwiTGVmdFwiOjEwLjAsXCJSaWdodFwiOjEwLjAsXCJCb3R0b21cIjowLjB9LFwiUGFkZGluZ1wiOntcIiRpZFwiOlwiMjNcIixcIlRvcFwiOjMuMCxcIkxlZnRcIjowLjAsXCJSaWdodFwiOjAuMCxcIkJvdHRvbVwiOjMuMH0sXCJCYWNrZ3JvdW5kXCI6e1wiJGlkXCI6XCIyNFwiLFwiQ29sb3JcIjp7XCIkaWRcIjpcIjI1XCIsXCJBXCI6MjU1LFwiUlwiOjY4LFwiR1wiOjg0LFwiQlwiOjEwNn19LFwiSXNWaXNpYmxlXCI6dHJ1ZSxcIldpZHRoXCI6ODU4LjAsXCJIZWlnaHRcIjoyMC4wLFwiQm9yZGVyU3R5bGVcIjp7XCIkaWRcIjpcIjI2XCIsXCJMaW5lQ29sb3JcIjp7XCIkaWRcIjpcIjI3XCIsXCIkdHlwZVwiOlwiTkxSRS5Db21tb24uRG9tLlNvbGlkQ29sb3JCcnVzaCwgTkxSRS5Db21tb25cIixcIkNvbG9yXCI6e1wiJGlkXCI6XCIyOFwiLFwiQVwiOjI1NSxcIlJcIjoyNTUsXCJHXCI6MCxcIkJcIjowfX0sXCJMaW5lV2VpZ2h0XCI6MC4wLFwiTGluZVR5cGVcIjowfX0sXCJSaWdodEVuZENhcHNTdHlsZVwiOntcIiRpZFwiOlwiMjlcIixcIkZvbnRTZXR0aW5nc1wiOntcIiRpZFwiOlwiMzBcIixcIkZvbnRTaXplXCI6MTgsXCJGb250TmFtZVwiOlwiQ2FsaWJyaVwiLFwiSXNCb2xkXCI6dHJ1ZSxcIklzSXRhbGljXCI6ZmFsc2UsXCJJc1VuZGVybGluZWRcIjpmYWxzZX0sXCJBdXRvU2l6ZVwiOjAsXCJGb3JlZ3JvdW5kXCI6e1wiJGlkXCI6XCIzMVwiLFwiQ29sb3JcIjp7XCIkaWRcIjpcIjMyXCIsXCJBXCI6MjU1LFwiUlwiOjIzNyxcIkdcIjoxMjUsXCJCXCI6NDl9fSxcIkJhY2tncm91bmRGaWxsVHlwZVwiOjAsXCJNYXhXaWR0aFwiOlwiSW5maW5pdHlcIixcIk1heEhlaWdodFwiOlwiSW5maW5pdHlcIixcIlNtYXJ0Rm9yZWdyb3VuZElzQWN0aXZlXCI6ZmFsc2UsXCJIb3Jpem9udGFsQWxpZ25tZW50XCI6MCxcIlZlcnRpY2FsQWxpZ25tZW50XCI6MCxcIlNtYXJ0Rm9yZWdyb3VuZFwiOm51bGwsXCJNYXJnaW5cIjp7XCIkaWRcIjpcIjMzXCIsXCJUb3BcIjowLjAsXCJMZWZ0XCI6MC4wLFwiUmlnaHRcIjoyMC4wLFwiQm90dG9tXCI6MC4wfSxcIlBhZGRpbmdcIjp7XCIkaWRcIjpcIjM0XCIsXCJUb3BcIjowLjAsXCJMZWZ0XCI6MC4wLFwiUmlnaHRcIjowLjAsXCJCb3R0b21cIjowLjB9LFwiQmFja2dyb3VuZFwiOntcIiRpZFwiOlwiMzVcIixcIkNvbG9yXCI6e1wiJGlkXCI6XCIzNlwiLFwiQVwiOjAsXCJSXCI6MCxcIkdcIjowLFwiQlwiOjB9fSxcIklzVmlzaWJsZVwiOnRydWUsXCJXaWR0aFwiOjAuMCxcIkhlaWdodFwiOjAuMCxcIkJvcmRlclN0eWxlXCI6bnVsbH0sXCJMZWZ0RW5kQ2Fwc1N0eWxlXCI6e1wiJGlkXCI6XCIzN1wiLFwiRm9udFNldHRpbmdzXCI6e1wiJGlkXCI6XCIzOFwiLFwiRm9udFNpemVcIjoxOCxcIkZvbnROYW1lXCI6XCJDYWxpYnJpXCIsXCJJc0JvbGRcIjp0cnVlLFwiSXNJdGFsaWNcIjpmYWxzZSxcIklzVW5kZXJsaW5lZFwiOmZhbHNlfSxcIkF1dG9TaXplXCI6MCxcIkZvcmVncm91bmRcIjp7XCIkaWRcIjpcIjM5XCIsXCJDb2xvclwiOntcIiRpZFwiOlwiNDBcIixcIkFcIjoyNTUsXCJSXCI6MjM3LFwiR1wiOjEyNSxcIkJcIjo0OX19LFwiQmFja2dyb3VuZEZpbGxUeXBlXCI6MCxcIk1heFdpZHRoXCI6XCJJbmZpbml0eVwiLFwiTWF4SGVpZ2h0XCI6XCJJbmZpbml0eVwiLFwiU21hcnRGb3JlZ3JvdW5kSXNBY3RpdmVcIjpmYWxzZSxcIkhvcml6b250YWxBbGlnbm1lbnRcIjowLFwiVmVydGljYWxBbGlnbm1lbnRcIjowLFwiU21hcnRGb3JlZ3JvdW5kXCI6bnVsbCxcIk1hcmdpblwiOntcIiRpZFwiOlwiNDFcIixcIlRvcFwiOjAuMCxcIkxlZnRcIjoyMC4wLFwiUmlnaHRcIjowLjAsXCJCb3R0b21cIjowLjB9LFwiUGFkZGluZ1wiOntcIiRpZFwiOlwiNDJcIixcIlRvcFwiOjAuMCxcIkxlZnRcIjowLjAsXCJSaWdodFwiOjAuMCxcIkJvdHRvbVwiOjAuMH0sXCJCYWNrZ3JvdW5kXCI6e1wiJGlkXCI6XCI0M1wiLFwiQ29sb3JcIjp7XCIkcmVmXCI6XCIzNlwifX0sXCJJc1Zpc2libGVcIjpmYWxzZSxcIldpZHRoXCI6MC4wLFwiSGVpZ2h0XCI6MC4wLFwiQm9yZGVyU3R5bGVcIjpudWxsfSxcIlRvZGF5VGV4dFN0eWxlXCI6e1wiJGlkXCI6XCI0NFwiLFwiRm9udFNldHRpbmdzXCI6e1wiJGlkXCI6XCI0NVwiLFwiRm9udFNpemVcIjoxMixcIkZvbnROYW1lXCI6XCJDYWxpYnJpXCIsXCJJc0JvbGRcIjpmYWxzZSxcIklzSXRhbGljXCI6ZmFsc2UsXCJJc1VuZGVybGluZWRcIjpmYWxzZX0sXCJBdXRvU2l6ZVwiOjAsXCJGb3JlZ3JvdW5kXCI6e1wiJGlkXCI6XCI0NlwiLFwiQ29sb3JcIjp7XCIkaWRcIjpcIjQ3XCIsXCJBXCI6MjU1LFwiUlwiOjAsXCJHXCI6MCxcIkJcIjowfX0sXCJCYWNrZ3JvdW5kRmlsbFR5cGVcIjowLFwiTWF4V2lkdGhcIjoyMDAuMCxcIk1heEhlaWdodFwiOlwiSW5maW5pdHlcIixcIlNtYXJ0Rm9yZWdyb3VuZElzQWN0aXZlXCI6ZmFsc2UsXCJIb3Jpem9udGFsQWxpZ25tZW50XCI6MCxcIlZlcnRpY2FsQWxpZ25tZW50XCI6MCxcIlNtYXJ0Rm9yZWdyb3VuZFwiOm51bGwsXCJNYXJnaW5cIjp7XCIkaWRcIjpcIjQ4XCIsXCJUb3BcIjowLjAsXCJMZWZ0XCI6MC4wLFwiUmlnaHRcIjowLjAsXCJCb3R0b21cIjowLjB9LFwiUGFkZGluZ1wiOntcIiRpZFwiOlwiNDlcIixcIlRvcFwiOjAuMCxcIkxlZnRcIjowLjAsXCJSaWdodFwiOjAuMCxcIkJvdHRvbVwiOjAuMH0sXCJCYWNrZ3JvdW5kXCI6e1wiJGlkXCI6XCI1MFwiLFwiQ29sb3JcIjp7XCIkcmVmXCI6XCIzNlwifX0sXCJJc1Zpc2libGVcIjp0cnVlLFwiV2lkdGhcIjowLjAsXCJIZWlnaHRcIjowLjAsXCJCb3JkZXJTdHlsZVwiOm51bGx9LFwiVG9kYXlNYXJrZXJTdHlsZVwiOntcIiRpZFwiOlwiNTFcIixcIk1hcmdpblwiOntcIiRpZFwiOlwiNTJcIixcIlRvcFwiOjAuMCxcIkxlZnRcIjowLjAsXCJSaWdodFwiOjAuMCxcIkJvdHRvbVwiOjAuMH0sXCJQYWRkaW5nXCI6e1wiJGlkXCI6XCI1M1wiLFwiVG9wXCI6MC4wLFwiTGVmdFwiOjAuMCxcIlJpZ2h0XCI6MC4wLFwiQm90dG9tXCI6MC4wfSxcIkJhY2tncm91bmRcIjp7XCIkaWRcIjpcIjU0XCIsXCJDb2xvclwiOntcIiRpZFwiOlwiNTVcIixcIkFcIjoyNTUsXCJSXCI6MjU1LFwiR1wiOjAsXCJCXCI6MH19LFwiSXNWaXNpYmxlXCI6dHJ1ZSxcIldpZHRoXCI6MC4wLFwiSGVpZ2h0XCI6MC4wLFwiQm9yZGVyU3R5bGVcIjpudWxsfSxcIlNjYWxlU3R5bGVcIjp7XCIkaWRcIjpcIjU2XCIsXCJTaG93U2VnbWVudFNlcGFyYXRvcnNcIjpmYWxzZSxcIlNlZ21lbnRTZXBhcmF0b3JPcGFjaXR5XCI6MzAsXCJTaGFwZVwiOjMsXCJIYXNCZWVuVmlzaWJsZUJlZm9yZVwiOnRydWUsXCJGb250U2V0dGluZ3NcIjp7XCIkaWRcIjpcIjU3XCIsXCJGb250U2l6ZVwiOjEyLFwiRm9udE5hbWVcIjpcIkNhbGlicmlcIixcIklzQm9sZFwiOmZhbHNlLFwiSXNJdGFsaWNcIjpmYWxzZSxcIklzVW5kZXJsaW5lZFwiOmZhbHNlfSxcIkF1dG9TaXplXCI6MCxcIkZvcmVncm91bmRcIjp7XCIkaWRcIjpcIjU4XCIsXCJDb2xvclwiOntcIiRpZFwiOlwiNTlcIixcIkFcIjoyNTUsXCJSXCI6MjU1LFwiR1wiOjI1NSxcIkJcIjoyNTV9fSxcIkJhY2tncm91bmRGaWxsVHlwZVwiOjAsXCJNYXhXaWR0aFwiOjIwMC4wLFwiTWF4SGVpZ2h0XCI6XCJJbmZpbml0eVwiLFwiU21hcnRGb3JlZ3JvdW5kSXNBY3RpdmVcIjpmYWxzZSxcIkhvcml6b250YWxBbGlnbm1lbnRcIjowLFwiVmVydGljYWxBbGlnbm1lbnRcIjoxLFwiU21hcnRGb3JlZ3JvdW5kXCI6bnVsbCxcIk1hcmdpblwiOntcIiRpZFwiOlwiNjBcIixcIlRvcFwiOjAuMCxcIkxlZnRcIjo1LjAsXCJSaWdodFwiOjAuMCxcIkJvdHRvbVwiOjAuMH0sXCJQYWRkaW5nXCI6e1wiJGlkXCI6XCI2MVwiLFwiVG9wXCI6MC4wLFwiTGVmdFwiOjAuMCxcIlJpZ2h0XCI6MC4wLFwiQm90dG9tXCI6MC4wfSxcIkJhY2tncm91bmRcIjp7XCIkaWRcIjpcIjYyXCIsXCJDb2xvclwiOntcIiRyZWZcIjpcIjM2XCJ9fSxcIklzVmlzaWJsZVwiOnRydWUsXCJXaWR0aFwiOjAuMCxcIkhlaWdodFwiOjAuMCxcIkJvcmRlclN0eWxlXCI6bnVsbH0sXCJNaWRkbGVUaWVyU2NhbGVTdHlsZVwiOntcIiRpZFwiOlwiNjNcIixcIlNob3dTZWdtZW50U2VwYXJhdG9yc1wiOmZhbHNlLFwiU2VnbWVudFNlcGFyYXRvck9wYWNpdHlcIjozMCxcIlNoYXBlXCI6MyxcIkhhc0JlZW5WaXNpYmxlQmVmb3JlXCI6ZmFsc2UsXCJGb250U2V0dGluZ3NcIjp7XCIkaWRcIjpcIjY0XCIsXCJGb250U2l6ZVwiOjEyLFwiRm9udE5hbWVcIjpcIkNhbGlicmlcIixcIklzQm9sZFwiOmZhbHNlLFwiSXNJdGFsaWNcIjpmYWxzZSxcIklzVW5kZXJsaW5lZFwiOmZhbHNlfSxcIkF1dG9TaXplXCI6MCxcIkZvcmVncm91bmRcIjp7XCIkaWRcIjpcIjY1XCIsXCJDb2xvclwiOntcIiRpZFwiOlwiNjZcIixcIkFcIjoyNTUsXCJSXCI6MjU1LFwiR1wiOjI1NSxcIkJcIjoyNTV9fSxcIkJhY2tncm91bmRGaWxsVHlwZVwiOjAsXCJNYXhXaWR0aFwiOjIwMC4wLFwiTWF4SGVpZ2h0XCI6XCJJbmZpbml0eVwiLFwiU21hcnRGb3JlZ3JvdW5kSXNBY3RpdmVcIjpmYWxzZSxcIkhvcml6b250YWxBbGlnbm1lbnRcIjowLFwiVmVydGljYWxBbGlnbm1lbnRcIjoxLFwiU21hcnRGb3JlZ3JvdW5kXCI6bnVsbCxcIk1hcmdpblwiOntcIiRpZFwiOlwiNjdcIixcIlRvcFwiOjAuMCxcIkxlZnRcIjo1LjAsXCJSaWdodFwiOjAuMCxcIkJvdHRvbVwiOjAuMH0sXCJQYWRkaW5nXCI6e1wiJGlkXCI6XCI2OFwiLFwiVG9wXCI6MC4wLFwiTGVmdFwiOjAuMCxcIlJpZ2h0XCI6MC4wLFwiQm90dG9tXCI6MC4wfSxcIkJhY2tncm91bmRcIjp7XCIkaWRcIjpcIjY5XCIsXCJDb2xvclwiOntcIiRpZFwiOlwiNzBcIixcIkFcIjowLFwiUlwiOjAsXCJHXCI6MCxcIkJcIjowfX0sXCJJc1Zpc2libGVcIjpmYWxzZSxcIldpZHRoXCI6MC4wLFwiSGVpZ2h0XCI6MC4wLFwiQm9yZGVyU3R5bGVcIjpudWxsfSxcIkJvdHRvbVRpZXJTY2FsZVN0eWxlXCI6e1wiJGlkXCI6XCI3MVwiLFwiU2hvd1NlZ21lbnRTZXBhcmF0b3JzXCI6ZmFsc2UsXCJTZWdtZW50U2VwYXJhdG9yT3BhY2l0eVwiOjMwLFwiU2hhcGVcIjozLFwiSGFzQmVlblZpc2libGVCZWZvcmVcIjpmYWxzZSxcIkZvbnRTZXR0aW5nc1wiOntcIiRpZFwiOlwiNzJcIixcIkZvbnRTaXplXCI6MTIsXCJGb250TmFtZVwiOlwiQ2FsaWJyaVwiLFwiSXNCb2xkXCI6ZmFsc2UsXCJJc0l0YWxpY1wiOmZhbHNlLFwiSXNVbmRlcmxpbmVkXCI6ZmFsc2V9LFwiQXV0b1NpemVcIjowLFwiRm9yZWdyb3VuZFwiOntcIiRpZFwiOlwiNzNcIixcIkNvbG9yXCI6e1wiJGlkXCI6XCI3NFwiLFwiQVwiOjI1NSxcIlJcIjoyNTUsXCJHXCI6MjU1LFwiQlwiOjI1NX19LFwiQmFja2dyb3VuZEZpbGxUeXBlXCI6MCxcIk1heFdpZHRoXCI6MjAwLjAsXCJNYXhIZWlnaHRcIjpcIkluZmluaXR5XCIsXCJTbWFydEZvcmVncm91bmRJc0FjdGl2ZVwiOmZhbHNlLFwiSG9yaXpvbnRhbEFsaWdubWVudFwiOjAsXCJWZXJ0aWNhbEFsaWdubWVudFwiOjEsXCJTbWFydEZvcmVncm91bmRcIjpudWxsLFwiTWFyZ2luXCI6e1wiJGlkXCI6XCI3NVwiLFwiVG9wXCI6MC4wLFwiTGVmdFwiOjUuMCxcIlJpZ2h0XCI6MC4wLFwiQm90dG9tXCI6MC4wfSxcIlBhZGRpbmdcIjp7XCIkaWRcIjpcIjc2XCIsXCJUb3BcIjowLjAsXCJMZWZ0XCI6MC4wLFwiUmlnaHRcIjowLjAsXCJCb3R0b21cIjowLjB9LFwiQmFja2dyb3VuZFwiOntcIiRpZFwiOlwiNzdcIixcIkNvbG9yXCI6e1wiJGlkXCI6XCI3OFwiLFwiQVwiOjAsXCJSXCI6MCxcIkdcIjowLFwiQlwiOjB9fSxcIklzVmlzaWJsZVwiOmZhbHNlLFwiV2lkdGhcIjowLjAsXCJIZWlnaHRcIjowLjAsXCJCb3JkZXJTdHlsZVwiOm51bGx9LFwiU2luZ2xlU2NhbGVTaGFwZVN0eWxlXCI6bnVsbCxcIkVsYXBzZWRUaW1lQmFja2dyb3VuZFwiOntcIiRpZFwiOlwiNzlcIixcIkNvbG9yXCI6e1wiJGlkXCI6XCI4MFwiLFwiQVwiOjE5MSxcIlJcIjoyNTUsXCJHXCI6MCxcIkJcIjowfX0sXCJBcHBlbmRZZWFyT25ZZWFyQ2hhbmdlXCI6ZmFsc2UsXCJFbGFwc2VkVGltZUZvcm1hdFwiOjIsXCJUb2RheU1hcmtlclBvc2l0aW9uXCI6MyxcIlF1aWNrUG9zaXRpb25cIjoyLFwiQWJzb2x1dGVQb3NpdGlvblwiOjQwNS4wLFwiTWFyZ2luXCI6e1wiJGlkXCI6XCI4MVwiLFwiVG9wXCI6MC4wLFwiTGVmdFwiOjEwLjAsXCJSaWdodFwiOjEwLjAsXCJCb3R0b21cIjowLjB9LFwiUGFkZGluZ1wiOntcIiRpZFwiOlwiODJcIixcIlRvcFwiOjAuMCxcIkxlZnRcIjowLjAsXCJSaWdodFwiOjAuMCxcIkJvdHRvbVwiOjAuMH0sXCJCYWNrZ3JvdW5kXCI6e1wiJGlkXCI6XCI4M1wiLFwiQ29sb3JcIjp7XCIkaWRcIjpcIjg0XCIsXCJBXCI6MjU1LFwiUlwiOjQ3LFwiR1wiOjU0LFwiQlwiOjE1M319LFwiSXNWaXNpYmxlXCI6dHJ1ZSxcIldpZHRoXCI6MC4wLFwiSGVpZ2h0XCI6MC4wLFwiQm9yZGVyU3R5bGVcIjpudWxsfSxcIkRlZmF1bHRNaWxlc3RvbmVTdHlsZVwiOntcIiRpZFwiOlwiODVcIixcIlNoYXBlXCI6MixcIkNvbm5lY3Rvck1hcmdpblwiOntcIiRpZFwiOlwiODZcIixcIlRvcFwiOjAuMCxcIkxlZnRcIjoyLjAsXCJSaWdodFwiOjIuMCxcIkJvdHRvbVwiOjAuMH0sXCJDb25uZWN0b3JTdHlsZVwiOntcIiRpZFwiOlwiODdcIixcIkxpbmVDb2xvclwiOntcIiRpZFwiOlwiODhcIixcIiR0eXBlXCI6XCJOTFJFLkNvbW1vbi5Eb20uU29saWRDb2xvckJydXNoLCBOTFJFLkNvbW1vblwiLFwiQ29sb3JcIjp7XCIkaWRcIjpcIjg5XCIsXCJBXCI6MTI3LFwiUlwiOjc5LFwiR1wiOjEyOSxcIkJcIjoxODl9fSxcIkxpbmVXZWlnaHRcIjoxLjAsXCJMaW5lVHlwZVwiOjB9LFwiSXNCZWxvd1RpbWViYW5kXCI6ZmFsc2UsXCJIaWRlRGF0ZVwiOmZhbHNlLFwiU2hhcGVTaXplXCI6MSxcIlNwYWNpbmdcIjoyLjAsXCJQYWRkaW5nXCI6e1wiJGlkXCI6XCI5MFwiLFwiVG9wXCI6Ny4wLFwiTGVmdFwiOjMuMCxcIlJpZ2h0XCI6MC4wLFwiQm90dG9tXCI6Mi4wfSxcIlBvc2l0aW9uXCI6bnVsbCxcIlBvc2l0aW9uT25UYXNrXCI6MCxcIlNoYXBlU3R5bGVcIjp7XCIkaWRcIjpcIjkxXCIsXCJNYXJnaW5cIjp7XCIkaWRcIjpcIjkyXCIsXCJUb3BcIjowLjAsXCJMZWZ0XCI6MC4wLFwiUmlnaHRcIjowLjAsXCJCb3R0b21cIjowLjB9LFwiUGFkZGluZ1wiOntcIiRpZFwiOlwiOTNcIixcIlRvcFwiOjAuMCxcIkxlZnRcIjowLjAsXCJSaWdodFwiOjAuMCxcIkJvdHRvbVwiOjAuMH0sXCJCYWNrZ3JvdW5kXCI6e1wiJGlkXCI6XCI5NFwiLFwiQ29sb3JcIjp7XCIkaWRcIjpcIjk1XCIsXCJBXCI6MjU1LFwiUlwiOjAsXCJHXCI6MTE0LFwiQlwiOjE4OH19LFwiSXNWaXNpYmxlXCI6dHJ1ZSxcIldpZHRoXCI6MTMuMCxcIkhlaWdodFwiOjEzLjAsXCJCb3JkZXJTdHlsZVwiOntcIiRpZFwiOlwiOTZcIixcIkxpbmVDb2xvclwiOntcIiRpZFwiOlwiOTdcIixcIiR0eXBlXCI6XCJOTFJFLkNvbW1vbi5Eb20uU29saWRDb2xvckJydXNoLCBOTFJFLkNvbW1vblwiLFwiQ29sb3JcIjp7XCIkaWRcIjpcIjk4XCIsXCJBXCI6MjU1LFwiUlwiOjI1NSxcIkdcIjowLFwiQlwiOjB9fSxcIkxpbmVXZWlnaHRcIjowLjAsXCJMaW5lVHlwZVwiOjB9fSxcIlRpdGxlU3R5bGVcIjp7XCIkaWRcIjpcIjk5XCIsXCJGb250U2V0dGluZ3NcIjp7XCIkaWRcIjpcIjEwMFwiLFwiRm9udFNpemVcIjoxMSxcIkZvbnROYW1lXCI6XCJDYWxpYnJpXCIsXCJJc0JvbGRcIjp0cnVlLFwiSXNJdGFsaWNcIjpmYWxzZSxcIklzVW5kZXJsaW5lZFwiOmZhbHNlfSxcIkF1dG9TaXplXCI6MCxcIkZvcmVncm91bmRcIjp7XCIkaWRcIjpcIjEwMVwiLFwiQ29sb3JcIjp7XCIkaWRcIjpcIjEwMlwiLFwiQVwiOjI1NSxcIlJcIjowLFwiR1wiOjAsXCJCXCI6MH19LFwiQmFja2dyb3VuZEZpbGxUeXBlXCI6MCxcIk1heFdpZHRoXCI6MjAwLjAsXCJNYXhIZWlnaHRcIjpcIkluZmluaXR5XCIsXCJTbWFydEZvcmVncm91bmRJc0FjdGl2ZVwiOmZhbHNlLFwiSG9yaXpvbnRhbEFsaWdubWVudFwiOjAsXCJWZXJ0aWNhbEFsaWdubWVudFwiOjAsXCJTbWFydEZvcmVncm91bmRcIjpudWxsLFwiTWFyZ2luXCI6e1wiJGlkXCI6XCIxMDNcIixcIlRvcFwiOjAuMCxcIkxlZnRcIjowLjAsXCJSaWdodFwiOjAuMCxcIkJvdHRvbVwiOjAuMH0sXCJQYWRkaW5nXCI6e1wiJGlkXCI6XCIxMDRcIixcIlRvcFwiOjAuMCxcIkxlZnRcIjowLjAsXCJSaWdodFwiOjAuMCxcIkJvdHRvbVwiOjAuMH0sXCJCYWNrZ3JvdW5kXCI6e1wiJGlkXCI6XCIxMDVcIixcIkNvbG9yXCI6e1wiJHJlZlwiOlwiMzZcIn19LFwiSXNWaXNpYmxlXCI6dHJ1ZSxcIldpZHRoXCI6MC4wLFwiSGVpZ2h0XCI6MC4wLFwiQm9yZGVyU3R5bGVcIjpudWxsfSxcIkRhdGVTdHlsZVwiOntcIiRpZFwiOlwiMTA2XCIsXCJGb250U2V0dGluZ3NcIjp7XCIkaWRcIjpcIjEwN1wiLFwiRm9udFNpemVcIjoxMCxcIkZvbnROYW1lXCI6XCJDYWxpYnJpXCIsXCJJc0JvbGRcIjpmYWxzZSxcIklzSXRhbGljXCI6ZmFsc2UsXCJJc1VuZGVybGluZWRcIjpmYWxzZX0sXCJBdXRvU2l6ZVwiOjAsXCJGb3JlZ3JvdW5kXCI6e1wiJGlkXCI6XCIxMDhcIixcIkNvbG9yXCI6e1wiJGlkXCI6XCIxMDlcIixcIkFcIjoyNTUsXCJSXCI6NjgsXCJHXCI6ODQsXCJCXCI6MTA2fX0sXCJCYWNrZ3JvdW5kRmlsbFR5cGVcIjowLFwiTWF4V2lkdGhcIjoyMDAuMCxcIk1heEhlaWdodFwiOlwiSW5maW5pdHlcIixcIlNtYXJ0Rm9yZWdyb3VuZElzQWN0aXZlXCI6ZmFsc2UsXCJIb3Jpem9udGFsQWxpZ25tZW50XCI6MCxcIlZlcnRpY2FsQWxpZ25tZW50XCI6MCxcIlNtYXJ0Rm9yZWdyb3VuZFwiOm51bGwsXCJNYXJnaW5cIjp7XCIkaWRcIjpcIjExMFwiLFwiVG9wXCI6MC4wLFwiTGVmdFwiOjAuMCxcIlJpZ2h0XCI6MC4wLFwiQm90dG9tXCI6MC4wfSxcIlBhZGRpbmdcIjp7XCIkaWRcIjpcIjExMVwiLFwiVG9wXCI6MC4wLFwiTGVmdFwiOjAuMCxcIlJpZ2h0XCI6MC4wLFwiQm90dG9tXCI6MC4wfSxcIkJhY2tncm91bmRcIjp7XCIkaWRcIjpcIjExMlwiLFwiQ29sb3JcIjp7XCIkcmVmXCI6XCIzNlwifX0sXCJJc1Zpc2libGVcIjp0cnVlLFwiV2lkdGhcIjowLjAsXCJIZWlnaHRcIjowLjAsXCJCb3JkZXJTdHlsZVwiOm51bGx9LFwiRGF0ZUZvcm1hdFwiOntcIiRpZFwiOlwiMTEzXCIsXCJGb3JtYXRTdHJpbmdcIjpcIk1NTSBkXCIsXCJTZXBhcmF0b3JcIjpcIi9cIixcIlVzZUludGVybmF0aW9uYWxEYXRlRm9ybWF0XCI6ZmFsc2UsXCJEYXRlSXNWaXNpYmxlXCI6dHJ1ZSxcIlRpbWVJc1Zpc2libGVcIjpmYWxzZSxcIkhvdXJEaWdpdHNcIjoxLFwiQW1QbURlc2lnbmF0b3JcIjoyLFwiVHJpbTAwTWludXRlc1wiOmZhbHNlLFwiTGFzdEtub3duVmlzaWJpbGl0eVN0YXRlXCI6bnVsbH0sXCJJc1Zpc2libGVcIjp0cnVlfSxcIkRlZmF1bHRUYXNrU3R5bGVcIjp7XCIkaWRcIjpcIjExNFwiLFwiU2hhcGVcIjoxLFwiU2hhcGVUaGlja25lc3NcIjowLFwiRHVyYXRpb25Gb3JtYXRcIjowLFwiUGVyY2VudGFnZUNvbXBsZXRlU3R5bGVcIjp7XCIkaWRcIjpcIjExNVwiLFwiRm9udFNldHRpbmdzXCI6e1wiJGlkXCI6XCIxMTZcIixcIkZvbnRTaXplXCI6MTAsXCJGb250TmFtZVwiOlwiQ2FsaWJyaVwiLFwiSXNCb2xkXCI6ZmFsc2UsXCJJc0l0YWxpY1wiOmZhbHNlLFwiSXNVbmRlcmxpbmVkXCI6ZmFsc2V9LFwiQXV0b1NpemVcIjowLFwiRm9yZWdyb3VuZFwiOntcIiRpZFwiOlwiMTE3XCIsXCJDb2xvclwiOntcIiRpZFwiOlwiMTE4XCIsXCJBXCI6MjU1LFwiUlwiOjIzNyxcIkdcIjoxMjUsXCJCXCI6NDl9fSxcIkJhY2tncm91bmRGaWxsVHlwZVwiOjAsXCJNYXhXaWR0aFwiOjIwMC4wLFwiTWF4SGVpZ2h0XCI6XCJJbmZpbml0eVwiLFwiU21hcnRGb3JlZ3JvdW5kSXNBY3RpdmVcIjpmYWxzZSxcIkhvcml6b250YWxBbGlnbm1lbnRcIjowLFwiVmVydGljYWxBbGlnbm1lbnRcIjowLFwiU21hcnRGb3JlZ3JvdW5kXCI6bnVsbCxcIk1hcmdpblwiOntcIiRpZFwiOlwiMTE5XCIsXCJUb3BcIjowLjAsXCJMZWZ0XCI6MC4wLFwiUmlnaHRcIjowLjAsXCJCb3R0b21cIjowLjB9LFwiUGFkZGluZ1wiOntcIiRpZFwiOlwiMTIwXCIsXCJUb3BcIjowLjAsXCJMZWZ0XCI6MC4wLFwiUmlnaHRcIjowLjAsXCJCb3R0b21cIjowLjB9LFwiQmFja2dyb3VuZFwiOntcIiRpZFwiOlwiMTIxXCIsXCJDb2xvclwiOntcIiRyZWZcIjpcIjM2XCJ9fSxcIklzVmlzaWJsZVwiOnRydWUsXCJXaWR0aFwiOjAuMCxcIkhlaWdodFwiOjAuMCxcIkJvcmRlclN0eWxlXCI6bnVsbH0sXCJEdXJhdGlvblN0eWxlXCI6e1wiJGlkXCI6XCIxMjJcIixcIkZvbnRTZXR0aW5nc1wiOntcIiRpZFwiOlwiMTIzXCIsXCJGb250U2l6ZVwiOjEwLFwiRm9udE5hbWVcIjpcIkNhbGlicmlcIixcIklzQm9sZFwiOmZhbHNlLFwiSXNJdGFsaWNcIjpmYWxzZSxcIklzVW5kZXJsaW5lZFwiOmZhbHNlfSxcIkF1dG9TaXplXCI6MCxcIkZvcmVncm91bmRcIjp7XCIkaWRcIjpcIjEyNFwiLFwiQ29sb3JcIjp7XCIkaWRcIjpcIjEyNVwiLFwiQVwiOjI1NSxcIlJcIjoyMzcsXCJHXCI6MTI1LFwiQlwiOjQ5fX0sXCJCYWNrZ3JvdW5kRmlsbFR5cGVcIjowLFwiTWF4V2lkdGhcIjoyMDAuMCxcIk1heEhlaWdodFwiOlwiSW5maW5pdHlcIixcIlNtYXJ0Rm9yZWdyb3VuZElzQWN0aXZlXCI6ZmFsc2UsXCJIb3Jpem9udGFsQWxpZ25tZW50XCI6MCxcIlZlcnRpY2FsQWxpZ25tZW50XCI6MCxcIlNtYXJ0Rm9yZWdyb3VuZFwiOm51bGwsXCJNYXJnaW5cIjp7XCIkaWRcIjpcIjEyNlwiLFwiVG9wXCI6MC4wLFwiTGVmdFwiOjAuMCxcIlJpZ2h0XCI6MC4wLFwiQm90dG9tXCI6MC4wfSxcIlBhZGRpbmdcIjp7XCIkaWRcIjpcIjEyN1wiLFwiVG9wXCI6MC4wLFwiTGVmdFwiOjAuMCxcIlJpZ2h0XCI6MC4wLFwiQm90dG9tXCI6MC4wfSxcIkJhY2tncm91bmRcIjp7XCIkaWRcIjpcIjEyOFwiLFwiQ29sb3JcIjp7XCIkcmVmXCI6XCIzNlwifX0sXCJJc1Zpc2libGVcIjp0cnVlLFwiV2lkdGhcIjowLjAsXCJIZWlnaHRcIjowLjAsXCJCb3JkZXJTdHlsZVwiOm51bGx9LFwiSG9yaXpvbnRhbENvbm5lY3RvclN0eWxlXCI6e1wiJGlkXCI6XCIxMjlcIixcIkxpbmVDb2xvclwiOntcIiRpZFwiOlwiMTMwXCIsXCIkdHlwZVwiOlwiTkxSRS5Db21tb24uRG9tLlNvbGlkQ29sb3JCcnVzaCwgTkxSRS5Db21tb25cIixcIkNvbG9yXCI6e1wiJGlkXCI6XCIxMzFcIixcIkFcIjoyNTUsXCJSXCI6MjA0LFwiR1wiOjIwNCxcIkJcIjoyMDR9fSxcIkxpbmVXZWlnaHRcIjoxLjAsXCJMaW5lVHlwZVwiOjB9LFwiVmVydGljYWxDb25uZWN0b3JTdHlsZVwiOntcIiRpZFwiOlwiMTMyXCIsXCJMaW5lQ29sb3JcIjp7XCIkaWRcIjpcIjEzM1wiLFwiJHR5cGVcIjpcIk5MUkUuQ29tbW9uLkRvbS5Tb2xpZENvbG9yQnJ1c2gsIE5MUkUuQ29tbW9uXCIsXCJDb2xvclwiOntcIiRpZFwiOlwiMTM0XCIsXCJBXCI6MjU1LFwiUlwiOjIwNCxcIkdcIjoyMDQsXCJCXCI6MjA0fX0sXCJMaW5lV2VpZ2h0XCI6MC4wLFwiTGluZVR5cGVcIjowfSxcIk1hcmdpblwiOm51bGwsXCJTdGFydERhdGVQb3NpdGlvblwiOjMsXCJFbmREYXRlUG9zaXRpb25cIjozLFwiVGl0bGVQb3NpdGlvblwiOjQsXCJEdXJhdGlvblBvc2l0aW9uXCI6NixcIlBlcmNlbnRhZ2VDb21wbGV0ZWRQb3NpdGlvblwiOjYsXCJTcGFjaW5nXCI6NSxcIklzQmVsb3dUaW1lYmFuZFwiOmZhbHNlLFwiUGVyY2VudGFnZUNvbXBsZXRlU2hhcGVPcGFjaXR5XCI6MzUsXCJHcm91cE5hbWVcIjpudWxsLFwiQXR0YWNoZWRNaWxlc3RvbmVzU3R5bGVzXCI6bnVsbCxcIlNoYXBlU3R5bGVcIjp7XCIkaWRcIjpcIjEzNVwiLFwiTWFyZ2luXCI6e1wiJGlkXCI6XCIxMzZcIixcIlRvcFwiOjAuMCxcIkxlZnRcIjo0LjAsXCJSaWdodFwiOjQuMCxcIkJvdHRvbVwiOjAuMH0sXCJQYWRkaW5nXCI6e1wiJGlkXCI6XCIxMzdcIixcIlRvcFwiOjAuMCxcIkxlZnRcIjowLjAsXCJSaWdodFwiOjAuMCxcIkJvdHRvbVwiOjAuMH0sXCJCYWNrZ3JvdW5kXCI6e1wiJGlkXCI6XCIxMzhcIixcIkNvbG9yXCI6e1wiJGlkXCI6XCIxMzlcIixcIkFcIjoyNTUsXCJSXCI6MCxcIkdcIjoxMTQsXCJCXCI6MTg4fX0sXCJJc1Zpc2libGVcIjp0cnVlLFwiV2lkdGhcIjowLjAsXCJIZWlnaHRcIjoxMC4wLFwiQm9yZGVyU3R5bGVcIjp7XCIkaWRcIjpcIjE0MFwiLFwiTGluZUNvbG9yXCI6e1wiJGlkXCI6XCIxNDFcIixcIiR0eXBlXCI6XCJOTFJFLkNvbW1vbi5Eb20uU29saWRDb2xvckJydXNoLCBOTFJFLkNvbW1vblwiLFwiQ29sb3JcIjp7XCIkaWRcIjpcIjE0MlwiLFwiQVwiOjI1NSxcIlJcIjoyNTUsXCJHXCI6MCxcIkJcIjowfX0sXCJMaW5lV2VpZ2h0XCI6MC4wLFwiTGluZVR5cGVcIjowfX0sXCJUaXRsZVN0eWxlXCI6e1wiJGlkXCI6XCIxNDNcIixcIkZvbnRTZXR0aW5nc1wiOntcIiRpZFwiOlwiMTQ0XCIsXCJGb250U2l6ZVwiOjExLFwiRm9udE5hbWVcIjpcIkNhbGlicmlcIixcIklzQm9sZFwiOnRydWUsXCJJc0l0YWxpY1wiOmZhbHNlLFwiSXNVbmRlcmxpbmVkXCI6ZmFsc2V9LFwiQXV0b1NpemVcIjowLFwiRm9yZWdyb3VuZFwiOntcIiRpZFwiOlwiMTQ1XCIsXCJDb2xvclwiOntcIiRpZFwiOlwiMTQ2XCIsXCJBXCI6MjU1LFwiUlwiOjAsXCJHXCI6MCxcIkJcIjowfX0sXCJCYWNrZ3JvdW5kRmlsbFR5cGVcIjowLFwiTWF4V2lkdGhcIjo5NjAuMCxcIk1heEhlaWdodFwiOlwiSW5maW5pdHlcIixcIlNtYXJ0Rm9yZWdyb3VuZElzQWN0aXZlXCI6ZmFsc2UsXCJIb3Jpem9udGFsQWxpZ25tZW50XCI6MCxcIlZlcnRpY2FsQWxpZ25tZW50XCI6MCxcIlNtYXJ0Rm9yZWdyb3VuZFwiOm51bGwsXCJNYXJnaW5cIjp7XCIkaWRcIjpcIjE0N1wiLFwiVG9wXCI6MC4wLFwiTGVmdFwiOjAuMCxcIlJpZ2h0XCI6MC4wLFwiQm90dG9tXCI6MC4wfSxcIlBhZGRpbmdcIjp7XCIkaWRcIjpcIjE0OFwiLFwiVG9wXCI6MC4wLFwiTGVmdFwiOjAuMCxcIlJpZ2h0XCI6MC4wLFwiQm90dG9tXCI6MC4wfSxcIkJhY2tncm91bmRcIjp7XCIkaWRcIjpcIjE0OVwiLFwiQ29sb3JcIjp7XCIkcmVmXCI6XCIzNlwifX0sXCJJc1Zpc2libGVcIjp0cnVlLFwiV2lkdGhcIjowLjAsXCJIZWlnaHRcIjowLjAsXCJCb3JkZXJTdHlsZVwiOm51bGx9LFwiRGF0ZVN0eWxlXCI6e1wiJGlkXCI6XCIxNTBcIixcIkZvbnRTZXR0aW5nc1wiOntcIiRpZFwiOlwiMTUxXCIsXCJGb250U2l6ZVwiOjEwLFwiRm9udE5hbWVcIjpcIkNhbGlicmlcIixcIklzQm9sZFwiOmZhbHNlLFwiSXNJdGFsaWNcIjpmYWxzZSxcIklzVW5kZXJsaW5lZFwiOmZhbHNlfSxcIkF1dG9TaXplXCI6MCxcIkZvcmVncm91bmRcIjp7XCIkaWRcIjpcIjE1MlwiLFwiQ29sb3JcIjp7XCIkaWRcIjpcIjE1M1wiLFwiQVwiOjI1NSxcIlJcIjo2OCxcIkdcIjo4NCxcIkJcIjoxMDZ9fSxcIkJhY2tncm91bmRGaWxsVHlwZVwiOjAsXCJNYXhXaWR0aFwiOjIwMC4wLFwiTWF4SGVpZ2h0XCI6XCJJbmZpbml0eVwiLFwiU21hcnRGb3JlZ3JvdW5kSXNBY3RpdmVcIjpmYWxzZSxcIkhvcml6b250YWxBbGlnbm1lbnRcIjoyLFwiVmVydGljYWxBbGlnbm1lbnRcIjowLFwiU21hcnRGb3JlZ3JvdW5kXCI6bnVsbCxcIk1hcmdpblwiOntcIiRpZFwiOlwiMTU0XCIsXCJUb3BcIjowLjAsXCJMZWZ0XCI6MC4wLFwiUmlnaHRcIjowLjAsXCJCb3R0b21cIjowLjB9LFwiUGFkZGluZ1wiOntcIiRpZFwiOlwiMTU1XCIsXCJUb3BcIjowLjAsXCJMZWZ0XCI6MC4wLFwiUmlnaHRcIjowLjAsXCJCb3R0b21cIjowLjB9LFwiQmFja2dyb3VuZFwiOntcIiRpZFwiOlwiMTU2XCIsXCJDb2xvclwiOntcIiRyZWZcIjpcIjM2XCJ9fSxcIklzVmlzaWJsZVwiOnRydWUsXCJXaWR0aFwiOjAuMCxcIkhlaWdodFwiOjAuMCxcIkJvcmRlclN0eWxlXCI6bnVsbH0sXCJEYXRlRm9ybWF0XCI6e1wiJGlkXCI6XCIxNTdcIixcIkZvcm1hdFN0cmluZ1wiOlwiTU1NIGRcIixcIlNlcGFyYXRvclwiOlwiL1wiLFwiVXNlSW50ZXJuYXRpb25hbERhdGVGb3JtYXRcIjpmYWxzZSxcIkRhdGVJc1Zpc2libGVcIjp0cnVlLFwiVGltZUlzVmlzaWJsZVwiOmZhbHNlLFwiSG91ckRpZ2l0c1wiOjEsXCJBbVBtRGVzaWduYXRvclwiOjIsXCJUcmltMDBNaW51dGVzXCI6ZmFsc2UsXCJMYXN0S25vd25WaXNpYmlsaXR5U3RhdGVcIjpudWxsfSxcIklzVmlzaWJsZVwiOnRydWV9LFwiU2hvd0VsYXBzZWRUaW1lR3JhZGllbnRTdHlsZVwiOmZhbHNlLFwiVGltZWJhbmRSZXNlcnZlZExlZnRBcmVhU3R5bGVcIjpudWxsLFwiRGVmYXVsdFN3aW1sYW5lU3R5bGVcIjp7XCIkaWRcIjpcIjE1OFwiLFwiSGVhZGVyU3R5bGVcIjp7XCIkaWRcIjpcIjE1OVwiLFwiVGV4dFN0eWxlXCI6e1wiJGlkXCI6XCIxNjBcIixcIkZvbnRTZXR0aW5nc1wiOntcIiRpZFwiOlwiMTYxXCIsXCJGb250U2l6ZVwiOjEyLFwiRm9udE5hbWVcIjpcIkNhbGlicmlcIixcIklzQm9sZFwiOmZhbHNlLFwiSXNJdGFsaWNcIjpmYWxzZSxcIklzVW5kZXJsaW5lZFwiOmZhbHNlfSxcIkF1dG9TaXplXCI6MCxcIkZvcmVncm91bmRcIjp7XCIkaWRcIjpcIjE2MlwiLFwiQ29sb3JcIjp7XCIkaWRcIjpcIjE2M1wiLFwiQVwiOjI1NSxcIlJcIjozMixcIkdcIjo1NixcIkJcIjoxMDB9fSxcIkJhY2tncm91bmRGaWxsVHlwZVwiOjAsXCJNYXhXaWR0aFwiOjAuMCxcIk1heEhlaWdodFwiOjAuMCxcIlNtYXJ0Rm9yZWdyb3VuZElzQWN0aXZlXCI6ZmFsc2UsXCJIb3Jpem9udGFsQWxpZ25tZW50XCI6MCxcIlZlcnRpY2FsQWxpZ25tZW50XCI6MCxcIlNtYXJ0Rm9yZWdyb3VuZFwiOm51bGwsXCJNYXJnaW5cIjp7XCIkaWRcIjpcIjE2NFwiLFwiVG9wXCI6MC4wLFwiTGVmdFwiOjAuMCxcIlJpZ2h0XCI6MC4wLFwiQm90dG9tXCI6MC4wfSxcIlBhZGRpbmdcIjp7XCIkaWRcIjpcIjE2NVwiLFwiVG9wXCI6MC4wLFwiTGVmdFwiOjAuMCxcIlJpZ2h0XCI6MC4wLFwiQm90dG9tXCI6MC4wfSxcIkJhY2tncm91bmRcIjpudWxsLFwiSXNWaXNpYmxlXCI6ZmFsc2UsXCJXaWR0aFwiOjAuMCxcIkhlaWdodFwiOjAuMCxcIkJvcmRlclN0eWxlXCI6bnVsbH0sXCJSZWN0YW5nbGVTdHlsZVwiOntcIiRpZFwiOlwiMTY2XCIsXCJNYXJnaW5cIjp7XCIkaWRcIjpcIjE2N1wiLFwiVG9wXCI6MC4wLFwiTGVmdFwiOjAuMCxcIlJpZ2h0XCI6MC4wLFwiQm90dG9tXCI6MC4wfSxcIlBhZGRpbmdcIjp7XCIkaWRcIjpcIjE2OFwiLFwiVG9wXCI6MC4wLFwiTGVmdFwiOjAuMCxcIlJpZ2h0XCI6MC4wLFwiQm90dG9tXCI6MC4wfSxcIkJhY2tncm91bmRcIjp7XCIkaWRcIjpcIjE2OVwiLFwiQ29sb3JcIjp7XCIkaWRcIjpcIjE3MFwiLFwiQVwiOjEyNyxcIlJcIjo5MSxcIkdcIjoxNTUsXCJCXCI6MjEzfX0sXCJJc1Zpc2libGVcIjpmYWxzZSxcIldpZHRoXCI6MC4wLFwiSGVpZ2h0XCI6MC4wLFwiQm9yZGVyU3R5bGVcIjp7XCIkaWRcIjpcIjE3MVwiLFwiTGluZUNvbG9yXCI6e1wiJGlkXCI6XCIxNzJcIixcIiR0eXBlXCI6XCJOTFJFLkNvbW1vbi5Eb20uU29saWRDb2xvckJydXNoLCBOTFJFLkNvbW1vblwiLFwiQ29sb3JcIjp7XCIkaWRcIjpcIjE3M1wiLFwiQVwiOjI1NSxcIlJcIjoyNTUsXCJHXCI6MCxcIkJcIjowfX0sXCJMaW5lV2VpZ2h0XCI6MC4wLFwiTGluZVR5cGVcIjowfX0sXCJUZXh0SXNWZXJ0aWNhbFwiOmZhbHNlfSxcIkJhY2tncm91bmRTdHlsZVwiOntcIiRpZFwiOlwiMTc0XCIsXCJNYXJnaW5cIjp7XCIkaWRcIjpcIjE3NVwiLFwiVG9wXCI6MC4wLFwiTGVmdFwiOjAuMCxcIlJpZ2h0XCI6MC4wLFwiQm90dG9tXCI6MC4wfSxcIlBhZGRpbmdcIjp7XCIkaWRcIjpcIjE3NlwiLFwiVG9wXCI6MC4wLFwiTGVmdFwiOjAuMCxcIlJpZ2h0XCI6MC4wLFwiQm90dG9tXCI6MC4wfSxcIkJhY2tncm91bmRcIjp7XCIkaWRcIjpcIjE3N1wiLFwiQ29sb3JcIjp7XCIkaWRcIjpcIjE3OFwiLFwiQVwiOjM4LFwiUlwiOjkxLFwiR1wiOjE1NSxcIkJcIjoyMTN9fSxcIklzVmlzaWJsZVwiOnRydWUsXCJXaWR0aFwiOjAuMCxcIkhlaWdodFwiOjAuMCxcIkJvcmRlclN0eWxlXCI6e1wiJGlkXCI6XCIxNzlcIixcIkxpbmVDb2xvclwiOntcIiRpZFwiOlwiMTgwXCIsXCIkdHlwZVwiOlwiTkxSRS5Db21tb24uRG9tLlNvbGlkQ29sb3JCcnVzaCwgTkxSRS5Db21tb25cIixcIkNvbG9yXCI6e1wiJGlkXCI6XCIxODFcIixcIkFcIjoyNTUsXCJSXCI6MjU1LFwiR1wiOjAsXCJCXCI6MH19LFwiTGluZVdlaWdodFwiOjAuMCxcIkxpbmVUeXBlXCI6MH19LFwiSXNBYm92ZVRpbWViYW5kXCI6ZmFsc2V9LFwiQ3VzdG9tTWlsZXN0b25lU3R5bGVMaXN0XCI6W10sXCJDdXN0b21UYXNrU3R5bGVMaXN0XCI6W10sXCJDdXN0b21Td2ltbGFuZURlZmluaXRpb25TdHlsZUxpc3RcIjpbXSxcIkN1c3RvbVN3aW1sYW5lVjJTdHlsZUxpc3RcIjpbXSxcIkdyaWRsaW5lUGFuZWxTdHlsZVwiOntcIiRpZFwiOlwiMTgyXCIsXCJHcmlkbGluZVN0eWxlXCI6e1wiJGlkXCI6XCIxODNcIixcIkxpbmVDb2xvclwiOntcIiRpZFwiOlwiMTg0XCIsXCIkdHlwZVwiOlwiTkxSRS5Db21tb24uRG9tLlNvbGlkQ29sb3JCcnVzaCwgTkxSRS5Db21tb25cIixcIkNvbG9yXCI6e1wiJGlkXCI6XCIxODVcIixcIkFcIjozOCxcIlJcIjo5MSxcIkdcIjoxNTUsXCJCXCI6MjEzfX0sXCJMaW5lV2VpZ2h0XCI6MS4wLFwiTGluZVR5cGVcIjowfSxcIklzVmlzaWJsZVwiOnRydWV9LFwiQWN0aXZpdHlMaW5lUGFuZWxTdHlsZVwiOntcIiRpZFwiOlwiMTg2XCIsXCJBY3Rpdml0eUxpbmVTdHlsZVwiOntcIiRpZFwiOlwiMTg3XCIsXCJMaW5lQ29sb3JcIjp7XCIkaWRcIjpcIjE4OFwiLFwiJHR5cGVcIjpcIk5MUkUuQ29tbW9uLkRvbS5Tb2xpZENvbG9yQnJ1c2gsIE5MUkUuQ29tbW9uXCIsXCJDb2xvclwiOntcIiRpZFwiOlwiMTg5XCIsXCJBXCI6MzgsXCJSXCI6NjgsXCJHXCI6MTE0LFwiQlwiOjE5Nn19LFwiTGluZVdlaWdodFwiOjEuMCxcIkxpbmVUeXBlXCI6MH0sXCJJc1Zpc2libGVcIjp0cnVlfX0sXCJTY2FsZVwiOntcIiRpZFwiOlwiMTkwXCIsXCJTdGFydERhdGVcIjpcIjAwMDEtMDEtMDFUMDA6MDA6MDBcIixcIkVuZERhdGVcIjpcIjAwMDEtMDEtMDFUMDA6MDA6MDBcIixcIkZvcm1hdFwiOlwid1wiLFwiVHlwZVwiOjEsXCJBdXRvRGF0ZVJhbmdlXCI6dHJ1ZSxcIldvcmtpbmdEYXlzXCI6MzEsXCJUb2RheU1hcmtlclRleHRcIjpcIlRvZGF5XCIsXCJBdXRvU2NhbGVUeXBlXCI6dHJ1ZX0sXCJTY2FsZVYyXCI6e1wiJGlkXCI6XCIxOTFcIixcIlN0YXJ0RGF0ZVwiOlwiMDAwMS0wMS0wMVQwMDowMDowMFwiLFwiRW5kRGF0ZVwiOlwiMDAwMS0wMS0wMVQwMDowMDowMFwiLFwiQXV0b0RhdGVSYW5nZVwiOnRydWUsXCJXb3JraW5nRGF5c1wiOjMxLFwiVG9kYXlNYXJrZXJUZXh0XCI6XCJUb2RheVwiLFwiQXV0b1NjYWxlVHlwZVwiOnRydWUsXCJUaW1lYmFuZFNjYWxlc1wiOntcIiRpZFwiOlwiMTkyXCIsXCJUb3BTY2FsZUxheWVyXCI6e1wiJGlkXCI6XCIxOTNcIixcIkZvcm1hdFwiOlwid1wiLFwiVHlwZVwiOjF9LFwiTWlkZGxlU2NhbGVMYXllclwiOntcIiRpZFwiOlwiMTk0XCIsXCJGb3JtYXRcIjpudWxsLFwiVHlwZVwiOjB9LFwiQm90dG9tU2NhbGVMYXllclwiOntcIiRpZFwiOlwiMTk1XCIsXCJGb3JtYXRcIjpudWxsLFwiVHlwZVwiOjB9fX0sXCJNaWxlc3RvbmVzXCI6W10sXCJUYXNrc1wiOltdLFwiU3dpbWxhbmVzXCI6W10sXCJTd2ltbGFuZXNWMlwiOltdLFwiU2V0dGluZ3NcIjp7XCIkaWRcIjpcIjE5NlwiLFwiSW1wYU9wdGlvbnNcIjp7XCIkaWRcIjpcIjE5N1wiLFwiTGVmdFRvUmlnaHRcIjpmYWxzZSxcIlBheWxvYWRPcHRpb25zXCI6Mn19LFwiVGltZUNvbmZpZ3VyYXRpb25cIjp7XCIkaWRcIjpcIjE5OFwiLFwiVXNlVGltZVwiOmZhbHNlLFwiV29ya0RheVN0YXJ0XCI6XCIwMDowMDowMFwiLFwiV29ya0RheUVuZFwiOlwiMjM6NTk6MDBcIn19In0sIlNldHRpbmdzIjp7IiRpZCI6IjI2NCIsIkltcGFPcHRpb25zIjp7IiRpZCI6IjI2NSIsIkxlZnRUb1JpZ2h0IjpmYWxzZSwiUGF5bG9hZE9wdGlvbnMiOjJ9LCJVc2VDb21wcmVzc2lvbiI6ZmFsc2UsIkNvbXByZXNpb25QZXJjZW50YWdlIjo1MC4wLCJJbmFjdGl2ZUludGVydmFsV2lkdGhUaHJlc2hvbGQiOjMwLjAsIkluYWN0aXZlSW50ZXJ2YWxXaWR0aCI6MS4wLCJTcGxpdFRhc2tzIjpmYWxzZSwiVXNlQ2x1c3RlciI6ZmFsc2UsIkVwc2lsb24iOjUuMCwiTWluUG9pbnRzVG9Gb3JtQUNsdXN0ZXIiOjIsIkdlbmVyYXRlSW52aXNpYmxlU2hhcGVzIjpmYWxzZSwiU21hcnRUaW1lbGluZVRhc2tQZXJjZW50YWdlRml0IjpmYWxzZX0sIklzTmV3IjpmYWxzZSwiSW1wb3J0VHlwZSI6MCwiRmlsZVBhdGgiOm51bGwsIlRpbWVDb25maWd1cmF0aW9uIjp7IiRpZCI6IjI2NiIsIlVzZVRpbWUiOmZhbHNlLCJXb3JrRGF5U3RhcnQiOiIwMDowMDowMCIsIldvcmtEYXlFbmQiOiIyMzo1OTowMCJ9LCJMYXN0VXNlZFRlbXBsYXRlSWQiOiJjYzI2Zjg2My0yN2NlLTQ4MGUtYTU4OS1iM2YxMmYyZDZlYjAiLCJGaXJzdFdlZWtPZlllYXIiOjAsIlBsYWNlTWlsZXN0b25lQXRUaGVCZWdpbm5pbmdPZlRoZURheSI6ZmFsc2V9"/>
+  <p:tag name="__PART_0" val="eyIkaWQiOiIxIiwiX3N3aW1sYW5lc1YyIjpbXSwiQ3VsdHVyZUluZm9OYW1lIjoiZW4tVVMiLCJTdHlsZU5hbWUiOm51bGwsIlZlcnNpb24iOnsiJGlkIjoiMiIsIlZlcnNpb24iOiIzLjYuMSIsIk9yaWdpbmFsQXNzZW1ibHlWZXJzaW9uIjoiNi4wNC4wMS4wMCIsIkVkaXRpb24iOm51bGwsIkxhc3RTYXZlZEVkaXRpb24iOjAsIklzUGx1c0VkaXRpb24iOmZhbHNlLCJJc1Byb0VkaXRpb24iOmZhbHNlfSwiRWZmZWN0IjoxLCJTdHlsZSI6eyIkaWQiOiIzIiwiVGltZWJhbmRTdHlsZSI6eyIkaWQiOiI0IiwiU2NhbGVNYXJraW5nIjoxLCJTaGFwZSI6MCwiU2hhcGVTdHlsZSI6eyIkaWQiOiI1IiwiTWFyZ2luIjp7IiRpZCI6IjYiLCJUb3AiOjAuMCwiTGVmdCI6MTIuMCwiUmlnaHQiOjEyLjAsIkJvdHRvbSI6MC4wfSwiUGFkZGluZyI6eyIkaWQiOiI3IiwiVG9wIjo3LjAsIkxlZnQiOjAuMCwiUmlnaHQiOjAuMCwiQm90dG9tIjo3LjB9LCJCYWNrZ3JvdW5kIjp7IiRpZCI6IjgiLCJDb2xvciI6eyIkaWQiOiI5IiwiQSI6MjU1LCJSIjo2OCwiRyI6ODQsIkIiOjEwNn19LCJJc1Zpc2libGUiOnRydWUsIldpZHRoIjo4NTguMCwiSGVpZ2h0IjoyMC4wLCJCb3JkZXJTdHlsZSI6eyIkaWQiOiIxMCIsIkxpbmVDb2xvciI6eyIkaWQiOiIxMSIsIiR0eXBlIjoiTkxSRS5Db21tb24uRG9tLlNvbGlkQ29sb3JCcnVzaCwgTkxSRS5Db21tb24iLCJDb2xvciI6eyIkaWQiOiIxMiIsIkEiOjI1NSwiUiI6MjU1LCJHIjowLCJCIjowfX0sIkxpbmVXZWlnaHQiOjAuMCwiTGluZVR5cGUiOjAsIlBhcmVudFN0eWxlIjpudWxsfSwiUGFyZW50U3R5bGUiOm51bGx9LCJNaWRkbGVUaWVyU2hhcGVTdHlsZSI6eyIkaWQiOiIxMyIsIk1hcmdpbiI6eyIkaWQiOiIxNCIsIlRvcCI6MC4wLCJMZWZ0IjoxMi4wLCJSaWdodCI6MTIuMCwiQm90dG9tIjowLjB9LCJQYWRkaW5nIjp7IiRpZCI6IjE1IiwiVG9wIjo3LjAsIkxlZnQiOjAuMCwiUmlnaHQiOjAuMCwiQm90dG9tIjo3LjB9LCJCYWNrZ3JvdW5kIjp7IiRpZCI6IjE2IiwiQ29sb3IiOnsiJGlkIjoiMTciLCJBIjoyNTUsIlIiOjY4LCJHIjo4NCwiQiI6MTA2fX0sIklzVmlzaWJsZSI6dHJ1ZSwiV2lkdGgiOjg1OC4wLCJIZWlnaHQiOjIwLjAsIkJvcmRlclN0eWxlIjp7IiRpZCI6IjE4IiwiTGluZUNvbG9yIjp7IiRpZCI6IjE5IiwiJHR5cGUiOiJOTFJFLkNvbW1vbi5Eb20uU29saWRDb2xvckJydXNoLCBOTFJFLkNvbW1vbiIsIkNvbG9yIjp7IiRpZCI6IjIwIiwiQSI6MjU1LCJSIjoyNTUsIkciOjAsIkIiOjB9fSwiTGluZVdlaWdodCI6MC4wLCJMaW5lVHlwZSI6MCwiUGFyZW50U3R5bGUiOm51bGx9LCJQYXJlbnRTdHlsZSI6bnVsbH0sIkJvdHRvbVRpZXJTaGFwZVN0eWxlIjp7IiRpZCI6IjIxIiwiTWFyZ2luIjp7IiRpZCI6IjIyIiwiVG9wIjowLjAsIkxlZnQiOjEyLjAsIlJpZ2h0IjoxMi4wLCJCb3R0b20iOjAuMH0sIlBhZGRpbmciOnsiJGlkIjoiMjMiLCJUb3AiOjcuMCwiTGVmdCI6MC4wLCJSaWdodCI6MC4wLCJCb3R0b20iOjcuMH0sIkJhY2tncm91bmQiOnsiJGlkIjoiMjQiLCJDb2xvciI6eyIkaWQiOiIyNSIsIkEiOjI1NSwiUiI6NjgsIkciOjg0LCJCIjoxMDZ9fSwiSXNWaXNpYmxlIjp0cnVlLCJXaWR0aCI6ODU4LjAsIkhlaWdodCI6MjAuMCwiQm9yZGVyU3R5bGUiOnsiJGlkIjoiMjYiLCJMaW5lQ29sb3IiOnsiJGlkIjoiMjciLCIkdHlwZSI6Ik5MUkUuQ29tbW9uLkRvbS5Tb2xpZENvbG9yQnJ1c2gsIE5MUkUuQ29tbW9uIiwiQ29sb3IiOnsiJGlkIjoiMjgiLCJBIjoyNTUsIlIiOjI1NSwiRyI6MCwiQiI6MH19LCJMaW5lV2VpZ2h0IjowLjAsIkxpbmVUeXBlIjowLCJQYXJlbnRTdHlsZSI6bnVsbH0sIlBhcmVudFN0eWxlIjpudWxsfSwiUmlnaHRFbmRDYXBzU3R5bGUiOnsiJGlkIjoiMjkiLCJGb250U2V0dGluZ3MiOnsiJGlkIjoiMzAiLCJGb250U2l6ZSI6MTgsIkZvbnROYW1lIjoiQ2FsaWJyaSIsIklzQm9sZCI6dHJ1ZSwiSXNJdGFsaWMiOmZhbHNlLCJJc1VuZGVybGluZWQiOmZhbHNlLCJQYXJlbnRTdHlsZSI6bnVsbH0sIkF1dG9TaXplIjowLCJGb3JlZ3JvdW5kIjp7IiRpZCI6IjMxIiwiQ29sb3IiOnsiJGlkIjoiMzIiLCJBIjoyNTUsIlIiOjIzNywiRyI6MTI1LCJCIjo0OX19LCJNYXhXaWR0aCI6IkluZmluaXR5IiwiTWF4SGVpZ2h0IjoiSW5maW5pdHkiLCJTbWFydEZvcmVncm91bmRJc0FjdGl2ZSI6ZmFsc2UsIkhvcml6b250YWxBbGlnbm1lbnQiOjAsIlZlcnRpY2FsQWxpZ25tZW50IjowLCJTbWFydEZvcmVncm91bmQiOm51bGwsIkJhY2tncm91bmRGaWxsVHlwZSI6MCwiTWFyZ2luIjp7IiRpZCI6IjMzIiwiVG9wIjowLjAsIkxlZnQiOjAuMCwiUmlnaHQiOjIwLjAsIkJvdHRvbSI6MC4wfSwiUGFkZGluZyI6eyIkaWQiOiIzNCIsIlRvcCI6MC4wLCJMZWZ0IjowLjAsIlJpZ2h0IjowLjAsIkJvdHRvbSI6MC4wfSwiQmFja2dyb3VuZCI6eyIkaWQiOiIzNSIsIkNvbG9yIjp7IiRpZCI6IjM2IiwiQSI6ODksIlIiOjAsIkciOjAsIkIiOjB9fSwiSXNWaXNpYmxlIjp0cnVlLCJXaWR0aCI6MC4wLCJIZWlnaHQiOjAuMCwiQm9yZGVyU3R5bGUiOm51bGwsIlBhcmVudFN0eWxlIjpudWxsfSwiTGVmdEVuZENhcHNTdHlsZSI6eyIkaWQiOiIzNyIsIkZvbnRTZXR0aW5ncyI6eyIkaWQiOiIzOCIsIkZvbnRTaXplIjoxOCwiRm9udE5hbWUiOiJDYWxpYnJpIiwiSXNCb2xkIjp0cnVlLCJJc0l0YWxpYyI6ZmFsc2UsIklzVW5kZXJsaW5lZCI6ZmFsc2UsIlBhcmVudFN0eWxlIjpudWxsfSwiQXV0b1NpemUiOjAsIkZvcmVncm91bmQiOnsiJGlkIjoiMzkiLCJDb2xvciI6eyIkaWQiOiI0MCIsIkEiOjI1NSwiUiI6MjM3LCJHIjoxMjUsIkIiOjQ5fX0sIk1heFdpZHRoIjoiSW5maW5pdHkiLCJNYXhIZWlnaHQiOiJJbmZpbml0eSIsIlNtYXJ0Rm9yZWdyb3VuZElzQWN0aXZlIjpmYWxzZSwiSG9yaXpvbnRhbEFsaWdubWVudCI6MCwiVmVydGljYWxBbGlnbm1lbnQiOjAsIlNtYXJ0Rm9yZWdyb3VuZCI6bnVsbCwiQmFja2dyb3VuZEZpbGxUeXBlIjowLCJNYXJnaW4iOnsiJGlkIjoiNDEiLCJUb3AiOjAuMCwiTGVmdCI6NDIuNTA2NjY2NjY2NjY2NjYxLCJSaWdodCI6MC4wLCJCb3R0b20iOjAuMH0sIlBhZGRpbmciOnsiJGlkIjoiNDIiLCJUb3AiOjAuMCwiTGVmdCI6MC4wLCJSaWdodCI6MC4wLCJCb3R0b20iOjAuMH0sIkJhY2tncm91bmQiOnsiJGlkIjoiNDMiLCJDb2xvciI6eyIkcmVmIjoiMzYifX0sIklzVmlzaWJsZSI6ZmFsc2UsIldpZHRoIjowLjAsIkhlaWdodCI6MC4wLCJCb3JkZXJTdHlsZSI6bnVsbCwiUGFyZW50U3R5bGUiOm51bGx9LCJUb2RheVRleHRTdHlsZSI6eyIkaWQiOiI0NCIsIkZvbnRTZXR0aW5ncyI6eyIkaWQiOiI0NSIsIkZvbnRTaXplIjoxMiwiRm9udE5hbWUiOiJDYWxpYnJpIiwiSXNCb2xkIjpmYWxzZSwiSXNJdGFsaWMiOmZhbHNlLCJJc1VuZGVybGluZWQiOmZhbHNlLCJQYXJlbnRTdHlsZSI6bnVsbH0sIkF1dG9TaXplIjowLCJGb3JlZ3JvdW5kIjp7IiRpZCI6IjQ2IiwiQ29sb3IiOnsiJGlkIjoiNDciLCJBIjoyNTUsIlIiOjAsIkciOjAsIkIiOjB9fSwiTWF4V2lkdGgiOjIwMC4wLCJNYXhIZWlnaHQiOiJJbmZpbml0eSIsIlNtYXJ0Rm9yZWdyb3VuZElzQWN0aXZlIjpmYWxzZSwiSG9yaXpvbnRhbEFsaWdubWVudCI6MCwiVmVydGljYWxBbGlnbm1lbnQiOjAsIlNtYXJ0Rm9yZWdyb3VuZCI6bnVsbCwiQmFja2dyb3VuZEZpbGxUeXBlIjowLCJNYXJnaW4iOnsiJGlkIjoiNDgiLCJUb3AiOjAuMCwiTGVmdCI6MC4wLCJSaWdodCI6MC4wLCJCb3R0b20iOjAuMH0sIlBhZGRpbmciOnsiJGlkIjoiNDkiLCJUb3AiOjAuMCwiTGVmdCI6MC4wLCJSaWdodCI6MC4wLCJCb3R0b20iOjAuMH0sIkJhY2tncm91bmQiOnsiJGlkIjoiNTAiLCJDb2xvciI6eyIkcmVmIjoiMzYifX0sIklzVmlzaWJsZSI6dHJ1ZSwiV2lkdGgiOjAuMCwiSGVpZ2h0IjowLjAsIkJvcmRlclN0eWxlIjpudWxsLCJQYXJlbnRTdHlsZSI6bnVsbH0sIlRvZGF5TWFya2VyU3R5bGUiOnsiJGlkIjoiNTEiLCJNYXJnaW4iOnsiJGlkIjoiNTIiLCJUb3AiOjAuMCwiTGVmdCI6MC4wLCJSaWdodCI6MC4wLCJCb3R0b20iOjAuMH0sIlBhZGRpbmciOnsiJGlkIjoiNTMiLCJUb3AiOjAuMCwiTGVmdCI6MC4wLCJSaWdodCI6MC4wLCJCb3R0b20iOjAuMH0sIkJhY2tncm91bmQiOnsiJGlkIjoiNTQiLCJDb2xvciI6eyIkaWQiOiI1NSIsIkEiOjI1NSwiUiI6MjU1LCJHIjowLCJCIjowfX0sIklzVmlzaWJsZSI6dHJ1ZSwiV2lkdGgiOjAuMCwiSGVpZ2h0IjowLjAsIkJvcmRlclN0eWxlIjpudWxsLCJQYXJlbnRTdHlsZSI6bnVsbH0sIlNjYWxlU3R5bGUiOnsiJGlkIjoiNTYiLCJTaGFwZSI6MywiU2hvd1NlZ21lbnRTZXBhcmF0b3JzIjp0cnVlLCJTZWdtZW50U2VwYXJhdG9yT3BhY2l0eSI6MzAsIkhhc0JlZW5WaXNpYmxlQmVmb3JlIjp0cnVlLCJGb250U2V0dGluZ3MiOnsiJGlkIjoiNTciLCJGb250U2l6ZSI6MTIsIkZvbnROYW1lIjoiQ2FsaWJyaSIsIklzQm9sZCI6ZmFsc2UsIklzSXRhbGljIjpmYWxzZSwiSXNVbmRlcmxpbmVkIjpmYWxzZSwiUGFyZW50U3R5bGUiOm51bGx9LCJBdXRvU2l6ZSI6MCwiRm9yZWdyb3VuZCI6eyIkaWQiOiI1OCIsIkNvbG9yIjp7IiRpZCI6IjU5IiwiQSI6MjU1LCJSIjoyNTUsIkciOjI1NSwiQiI6MjU1fX0sIk1heFdpZHRoIjoyMDAuMCwiTWF4SGVpZ2h0IjoiSW5maW5pdHkiLCJTbWFydEZvcmVncm91bmRJc0FjdGl2ZSI6ZmFsc2UsIkhvcml6b250YWxBbGlnbm1lbnQiOjAsIlZlcnRpY2FsQWxpZ25tZW50IjoxLCJTbWFydEZvcmVncm91bmQiOm51bGwsIkJhY2tncm91bmRGaWxsVHlwZSI6MCwiTWFyZ2luIjp7IiRpZCI6IjYwIiwiVG9wIjowLjAsIkxlZnQiOjUuMCwiUmlnaHQiOjAuMCwiQm90dG9tIjowLjB9LCJQYWRkaW5nIjp7IiRpZCI6IjYxIiwiVG9wIjowLjAsIkxlZnQiOjAuMCwiUmlnaHQiOjAuMCwiQm90dG9tIjowLjB9LCJCYWNrZ3JvdW5kIjp7IiRpZCI6IjYyIiwiQ29sb3IiOnsiJHJlZiI6IjM2In19LCJJc1Zpc2libGUiOnRydWUsIldpZHRoIjowLjAsIkhlaWdodCI6MC4wLCJCb3JkZXJTdHlsZSI6bnVsbCwiUGFyZW50U3R5bGUiOm51bGx9LCJTaW5nbGVTY2FsZVNoYXBlU3R5bGUiOnsiJGlkIjoiNjMiLCJTaGFwZSI6MCwiSGVpZ2h0IjowLjB9LCJNaWRkbGVUaWVyU2NhbGVTdHlsZSI6eyIkaWQiOiI2NCIsIlNoYXBlIjozLCJTaG93U2VnbWVudFNlcGFyYXRvcnMiOnRydWUsIlNlZ21lbnRTZXBhcmF0b3JPcGFjaXR5IjozMCwiSGFzQmVlblZpc2libGVCZWZvcmUiOmZhbHNlLCJGb250U2V0dGluZ3MiOnsiJGlkIjoiNjUiLCJGb250U2l6ZSI6MTIsIkZvbnROYW1lIjoiQ2FsaWJyaSIsIklzQm9sZCI6ZmFsc2UsIklzSXRhbGljIjpmYWxzZSwiSXNVbmRlcmxpbmVkIjpmYWxzZSwiUGFyZW50U3R5bGUiOm51bGx9LCJBdXRvU2l6ZSI6MCwiRm9yZWdyb3VuZCI6eyIkaWQiOiI2NiIsIkNvbG9yIjp7IiRpZCI6IjY3IiwiQSI6MjU1LCJSIjoyNTUsIkciOjI1NSwiQiI6MjU1fX0sIk1heFdpZHRoIjoyMDAuMCwiTWF4SGVpZ2h0IjoiSW5maW5pdHkiLCJTbWFydEZvcmVncm91bmRJc0FjdGl2ZSI6ZmFsc2UsIkhvcml6b250YWxBbGlnbm1lbnQiOjAsIlZlcnRpY2FsQWxpZ25tZW50IjoxLCJTbWFydEZvcmVncm91bmQiOm51bGwsIkJhY2tncm91bmRGaWxsVHlwZSI6MCwiTWFyZ2luIjp7IiRpZCI6IjY4IiwiVG9wIjowLjAsIkxlZnQiOjUuMCwiUmlnaHQiOjAuMCwiQm90dG9tIjowLjB9LCJQYWRkaW5nIjp7IiRpZCI6IjY5IiwiVG9wIjowLjAsIkxlZnQiOjAuMCwiUmlnaHQiOjAuMCwiQm90dG9tIjowLjB9LCJCYWNrZ3JvdW5kIjp7IiRpZCI6IjcwIiwiQ29sb3IiOnsiJGlkIjoiNzEiLCJBIjowLCJSIjowLCJHIjowLCJCIjowfX0sIklzVmlzaWJsZSI6ZmFsc2UsIldpZHRoIjowLjAsIkhlaWdodCI6MC4wLCJCb3JkZXJTdHlsZSI6bnVsbCwiUGFyZW50U3R5bGUiOm51bGx9LCJCb3R0b21UaWVyU2NhbGVTdHlsZSI6eyIkaWQiOiI3MiIsIlNoYXBlIjozLCJTaG93U2VnbWVudFNlcGFyYXRvcnMiOnRydWUsIlNlZ21lbnRTZXBhcmF0b3JPcGFjaXR5IjozMCwiSGFzQmVlblZpc2libGVCZWZvcmUiOmZhbHNlLCJGb250U2V0dGluZ3MiOnsiJGlkIjoiNzMiLCJGb250U2l6ZSI6MTIsIkZvbnROYW1lIjoiQ2FsaWJyaSIsIklzQm9sZCI6ZmFsc2UsIklzSXRhbGljIjpmYWxzZSwiSXNVbmRlcmxpbmVkIjpmYWxzZSwiUGFyZW50U3R5bGUiOm51bGx9LCJBdXRvU2l6ZSI6MCwiRm9yZWdyb3VuZCI6eyIkaWQiOiI3NCIsIkNvbG9yIjp7IiRpZCI6Ijc1IiwiQSI6MjU1LCJSIjoyNTUsIkciOjI1NSwiQiI6MjU1fX0sIk1heFdpZHRoIjoyMDAuMCwiTWF4SGVpZ2h0IjoiSW5maW5pdHkiLCJTbWFydEZvcmVncm91bmRJc0FjdGl2ZSI6ZmFsc2UsIkhvcml6b250YWxBbGlnbm1lbnQiOjAsIlZlcnRpY2FsQWxpZ25tZW50IjoxLCJTbWFydEZvcmVncm91bmQiOm51bGwsIkJhY2tncm91bmRGaWxsVHlwZSI6MCwiTWFyZ2luIjp7IiRpZCI6Ijc2IiwiVG9wIjowLjAsIkxlZnQiOjUuMCwiUmlnaHQiOjAuMCwiQm90dG9tIjowLjB9LCJQYWRkaW5nIjp7IiRpZCI6Ijc3IiwiVG9wIjowLjAsIkxlZnQiOjAuMCwiUmlnaHQiOjAuMCwiQm90dG9tIjowLjB9LCJCYWNrZ3JvdW5kIjp7IiRpZCI6Ijc4IiwiQ29sb3IiOnsiJGlkIjoiNzkiLCJBIjowLCJSIjowLCJHIjowLCJCIjowfX0sIklzVmlzaWJsZSI6ZmFsc2UsIldpZHRoIjowLjAsIkhlaWdodCI6MC4wLCJCb3JkZXJTdHlsZSI6bnVsbCwiUGFyZW50U3R5bGUiOm51bGx9LCJFbGFwc2VkVGltZUJhY2tncm91bmQiOnsiJGlkIjoiODAiLCJDb2xvciI6eyIkaWQiOiI4MSIsIkEiOjE5MSwiUiI6MjU1LCJHIjowLCJCIjowfX0sIkFwcGVuZFllYXJPblllYXJDaGFuZ2UiOmZhbHNlLCJFbGFwc2VkVGltZUZvcm1hdCI6MiwiVG9kYXlNYXJrZXJQb3NpdGlvbiI6MiwiUXVpY2tQb3NpdGlvbiI6MiwiQWJzb2x1dGVQb3NpdGlvbiI6NDA1LjAsIk1hcmdpbiI6eyIkaWQiOiI4MiIsIlRvcCI6MC4wLCJMZWZ0IjoxMC4wLCJSaWdodCI6MTAuMCwiQm90dG9tIjowLjB9LCJQYWRkaW5nIjp7IiRpZCI6IjgzIiwiVG9wIjowLjAsIkxlZnQiOjAuMCwiUmlnaHQiOjAuMCwiQm90dG9tIjowLjB9LCJCYWNrZ3JvdW5kIjp7IiRpZCI6Ijg0IiwiQ29sb3IiOnsiJGlkIjoiODUiLCJBIjoyNTUsIlIiOjQ3LCJHIjo1NCwiQiI6MTUzfX0sIklzVmlzaWJsZSI6dHJ1ZSwiV2lkdGgiOjAuMCwiSGVpZ2h0IjowLjAsIkJvcmRlclN0eWxlIjpudWxsLCJQYXJlbnRTdHlsZSI6bnVsbH0sIkRlZmF1bHRNaWxlc3RvbmVTdHlsZSI6eyIkaWQiOiI4NiIsIlNoYXBlIjowLCJDb25uZWN0b3JNYXJnaW4iOnsiJGlkIjoiODciLCJUb3AiOjAuMCwiTGVmdCI6Mi4wLCJSaWdodCI6Mi4wLCJCb3R0b20iOjAuMH0sIkNvbm5lY3RvclN0eWxlIjp7IiRpZCI6Ijg4IiwiTGluZUNvbG9yIjp7IiRpZCI6Ijg5IiwiJHR5cGUiOiJOTFJFLkNvbW1vbi5Eb20uU29saWRDb2xvckJydXNoLCBOTFJFLkNvbW1vbiIsIkNvbG9yIjp7IiRpZCI6IjkwIiwiQSI6MTI3LCJSIjo3OSwiRyI6MTI5LCJCIjoxODl9fSwiTGluZVdlaWdodCI6MS4wLCJMaW5lVHlwZSI6MCwiUGFyZW50U3R5bGUiOm51bGx9LCJJc0JlbG93VGltZWJhbmQiOmZhbHNlLCJQb3NpdGlvbk9uVGFzayI6MCwiSGlkZURhdGUiOmZhbHNlLCJTaGFwZVNpemUiOjEsIlNwYWNpbmciOjEuMCwiUGFkZGluZyI6eyIkaWQiOiI5MSIsIlRvcCI6Ny4wLCJMZWZ0IjozLjAsIlJpZ2h0IjowLjAsIkJvdHRvbSI6Mi4wfSwiU2hhcGVTdHlsZSI6eyIkaWQiOiI5MiIsIk1hcmdpbiI6eyIkaWQiOiI5MyIsIlRvcCI6MC4wLCJMZWZ0IjowLjAsIlJpZ2h0IjowLjAsIkJvdHRvbSI6MC4wfSwiUGFkZGluZyI6eyIkaWQiOiI5NCIsIlRvcCI6MC4wLCJMZWZ0IjowLjAsIlJpZ2h0IjowLjAsIkJvdHRvbSI6MC4wfSwiQmFja2dyb3VuZCI6eyIkaWQiOiI5NSIsIkNvbG9yIjp7IiRpZCI6Ijk2IiwiQSI6MjU1LCJSIjowLCJHIjoxMTQsIkIiOjE4OH19LCJJc1Zpc2libGUiOnRydWUsIldpZHRoIjoxOC4wLCJIZWlnaHQiOjIwLjAsIkJvcmRlclN0eWxlIjp7IiRpZCI6Ijk3IiwiTGluZUNvbG9yIjp7IiRpZCI6Ijk4IiwiJHR5cGUiOiJOTFJFLkNvbW1vbi5Eb20uU29saWRDb2xvckJydXNoLCBOTFJFLkNvbW1vbiIsIkNvbG9yIjp7IiRpZCI6Ijk5IiwiQSI6MjU1LCJSIjoyNTUsIkciOjAsIkIiOjB9fSwiTGluZVdlaWdodCI6MC4wLCJMaW5lVHlwZSI6MCwiUGFyZW50U3R5bGUiOm51bGx9LCJQYXJlbnRTdHlsZSI6bnVsbH0sIlRpdGxlU3R5bGUiOnsiJGlkIjoiMTAwIiwiRm9udFNldHRpbmdzIjp7IiRpZCI6IjEwMSIsIkZvbnRTaXplIjoxMSwiRm9udE5hbWUiOiJDYWxpYnJpIiwiSXNCb2xkIjp0cnVlLCJJc0l0YWxpYyI6ZmFsc2UsIklzVW5kZXJsaW5lZCI6ZmFsc2UsIlBhcmVudFN0eWxlIjpudWxsfSwiQXV0b1NpemUiOjAsIkZvcmVncm91bmQiOnsiJGlkIjoiMTAyIiwiQ29sb3IiOnsiJGlkIjoiMTAzIiwiQSI6MjU1LCJSIjowLCJHIjowLCJCIjowfX0sIk1heFdpZHRoIjoyMDAuMCwiTWF4SGVpZ2h0IjoiSW5maW5pdHkiLCJTbWFydEZvcmVncm91bmRJc0FjdGl2ZSI6ZmFsc2UsIkhvcml6b250YWxBbGlnbm1lbnQiOjEsIlZlcnRpY2FsQWxpZ25tZW50IjowLCJTbWFydEZvcmVncm91bmQiOm51bGwsIkJhY2tncm91bmRGaWxsVHlwZSI6MCwiTWFyZ2luIjp7IiRpZCI6IjEwNCIsIlRvcCI6MC4wLCJMZWZ0IjowLjAsIlJpZ2h0IjowLjAsIkJvdHRvbSI6MC4wfSwiUGFkZGluZyI6eyIkaWQiOiIxMDUiLCJUb3AiOjAuMCwiTGVmdCI6MC4wLCJSaWdodCI6MC4wLCJCb3R0b20iOjAuMH0sIkJhY2tncm91bmQiOnsiJGlkIjoiMTA2IiwiQ29sb3IiOnsiJHJlZiI6IjM2In19LCJJc1Zpc2libGUiOnRydWUsIldpZHRoIjowLjAsIkhlaWdodCI6MC4wLCJCb3JkZXJTdHlsZSI6bnVsbCwiUGFyZW50U3R5bGUiOm51bGx9LCJEYXRlU3R5bGUiOnsiJGlkIjoiMTA3IiwiRm9udFNldHRpbmdzIjp7IiRpZCI6IjEwOCIsIkZvbnRTaXplIjoxMCwiRm9udE5hbWUiOiJDYWxpYnJpIiwiSXNCb2xkIjpmYWxzZSwiSXNJdGFsaWMiOmZhbHNlLCJJc1VuZGVybGluZWQiOmZhbHNlLCJQYXJlbnRTdHlsZSI6bnVsbH0sIkF1dG9TaXplIjowLCJGb3JlZ3JvdW5kIjp7IiRpZCI6IjEwOSIsIkNvbG9yIjp7IiRpZCI6IjExMCIsIkEiOjI1NSwiUiI6NjgsIkciOjg0LCJCIjoxMDZ9fSwiTWF4V2lkdGgiOjIwMC4wLCJNYXhIZWlnaHQiOiJJbmZpbml0eSIsIlNtYXJ0Rm9yZWdyb3VuZElzQWN0aXZlIjpmYWxzZSwiSG9yaXpvbnRhbEFsaWdubWVudCI6MCwiVmVydGljYWxBbGlnbm1lbnQiOjAsIlNtYXJ0Rm9yZWdyb3VuZCI6bnVsbCwiQmFja2dyb3VuZEZpbGxUeXBlIjowLCJNYXJnaW4iOnsiJGlkIjoiMTExIiwiVG9wIjowLjAsIkxlZnQiOjAuMCwiUmlnaHQiOjAuMCwiQm90dG9tIjowLjB9LCJQYWRkaW5nIjp7IiRpZCI6IjExMiIsIlRvcCI6MC4wLCJMZWZ0IjowLjAsIlJpZ2h0IjowLjAsIkJvdHRvbSI6MC4wfSwiQmFja2dyb3VuZCI6eyIkaWQiOiIxMTMiLCJDb2xvciI6eyIkcmVmIjoiMzYifX0sIklzVmlzaWJsZSI6dHJ1ZSwiV2lkdGgiOjAuMCwiSGVpZ2h0IjowLjAsIkJvcmRlclN0eWxlIjpudWxsLCJQYXJlbnRTdHlsZSI6bnVsbH0sIkRhdGVGb3JtYXQiOnsiJGlkIjoiMTE0IiwiRm9ybWF0U3RyaW5nIjoiTU1NIGQiLCJTZXBhcmF0b3IiOiIvIiwiVXNlSW50ZXJuYXRpb25hbERhdGVGb3JtYXQiOmZhbHNlLCJEYXRlSXNWaXNpYmxlIjp0cnVlLCJUaW1lSXNWaXNpYmxlIjpmYWxzZSwiSG91ckRpZ2l0cyI6MSwiQW1QbURlc2lnbmF0b3IiOjIsIlRyaW0wME1pbnV0ZXMiOmZhbHNlLCJMYXN0S25vd25WaXNpYmlsaXR5U3RhdGUiOm51bGx9LCJXZWVrTnVtYmVyaW5nIjp7IiRpZCI6IjExNSIsIkZvcm1hdCI6MCwiSXNWaXNpYmxlIjpmYWxzZSwiTGFzdEtub3duVmlzaWJpbGl0eVN0YXRlIjpmYWxzZX0sIklzVmlzaWJsZSI6dHJ1ZSwiUGFyZW50U3R5bGUiOm51bGx9LCJEZWZhdWx0VGFza1N0eWxlIjp7IiRpZCI6IjExNiIsIlNoYXBlIjowLCJTaGFwZVRoaWNrbmVzcyI6MSwiRHVyYXRpb25Gb3JtYXQiOjAsIkluY2x1ZGVOb25Xb3JraW5nRGF5c0luRHVyYXRpb24iOmZhbHNlLCJQZXJjZW50YWdlQ29tcGxldGVTdHlsZSI6eyIkaWQiOiIxMTciLCJGb250U2V0dGluZ3MiOnsiJGlkIjoiMTE4IiwiRm9udFNpemUiOjEwLCJGb250TmFtZSI6IkNhbGlicmkiLCJJc0JvbGQiOmZhbHNlLCJJc0l0YWxpYyI6ZmFsc2UsIklzVW5kZXJsaW5lZCI6ZmFsc2UsIlBhcmVudFN0eWxlIjpudWxsfSwiQXV0b1NpemUiOjAsIkZvcmVncm91bmQiOnsiJGlkIjoiMTE5IiwiQ29sb3IiOnsiJGlkIjoiMTIwIiwiQSI6MjU1LCJSIjoxOTIsIkciOjgwLCJCIjo3N319LCJNYXhXaWR0aCI6MjAwLjAsIk1heEhlaWdodCI6IkluZmluaXR5IiwiU21hcnRGb3JlZ3JvdW5kSXNBY3RpdmUiOmZhbHNlLCJIb3Jpem9udGFsQWxpZ25tZW50IjowLCJWZXJ0aWNhbEFsaWdubWVudCI6MCwiU21hcnRGb3JlZ3JvdW5kIjpudWxsLCJCYWNrZ3JvdW5kRmlsbFR5cGUiOjAsIk1hcmdpbiI6eyIkaWQiOiIxMjEiLCJUb3AiOjAuMCwiTGVmdCI6MC4wLCJSaWdodCI6MC4wLCJCb3R0b20iOjAuMH0sIlBhZGRpbmciOnsiJGlkIjoiMTIyIiwiVG9wIjowLjAsIkxlZnQiOjAuMCwiUmlnaHQiOjAuMCwiQm90dG9tIjowLjB9LCJCYWNrZ3JvdW5kIjp7IiRpZCI6IjEyMyIsIkNvbG9yIjp7IiRyZWYiOiIzNiJ9fSwiSXNWaXNpYmxlIjp0cnVlLCJXaWR0aCI6MC4wLCJIZWlnaHQiOjAuMCwiQm9yZGVyU3R5bGUiOm51bGwsIlBhcmVudFN0eWxlIjpudWxsfSwiRHVyYXRpb25TdHlsZSI6eyIkaWQiOiIxMjQiLCJGb250U2V0dGluZ3MiOnsiJGlkIjoiMTI1IiwiRm9udFNpemUiOjEwLCJGb250TmFtZSI6IkNhbGlicmkiLCJJc0JvbGQiOmZhbHNlLCJJc0l0YWxpYyI6ZmFsc2UsIklzVW5kZXJsaW5lZCI6ZmFsc2UsIlBhcmVudFN0eWxlIjpudWxsfSwiQXV0b1NpemUiOjAsIkZvcmVncm91bmQiOnsiJGlkIjoiMTI2IiwiQ29sb3IiOnsiJGlkIjoiMTI3IiwiQSI6MjU1LCJSIjowLCJHIjowLCJCIjowfX0sIk1heFdpZHRoIjoyMDAuMCwiTWF4SGVpZ2h0IjoiSW5maW5pdHkiLCJTbWFydEZvcmVncm91bmRJc0FjdGl2ZSI6ZmFsc2UsIkhvcml6b250YWxBbGlnbm1lbnQiOjEsIlZlcnRpY2FsQWxpZ25tZW50IjowLCJTbWFydEZvcmVncm91bmQiOm51bGwsIkJhY2tncm91bmRGaWxsVHlwZSI6MCwiTWFyZ2luIjp7IiRpZCI6IjEyOCIsIlRvcCI6MC4wLCJMZWZ0IjowLjAsIlJpZ2h0IjowLjAsIkJvdHRvbSI6MC4wfSwiUGFkZGluZyI6eyIkaWQiOiIxMjkiLCJUb3AiOjAuMCwiTGVmdCI6MC4wLCJSaWdodCI6MC4wLCJCb3R0b20iOjAuMH0sIkJhY2tncm91bmQiOnsiJGlkIjoiMTMwIiwiQ29sb3IiOnsiJHJlZiI6IjM2In19LCJJc1Zpc2libGUiOnRydWUsIldpZHRoIjowLjAsIkhlaWdodCI6MC4wLCJCb3JkZXJTdHlsZSI6bnVsbCwiUGFyZW50U3R5bGUiOm51bGx9LCJIb3Jpem9udGFsQ29ubmVjdG9yU3R5bGUiOnsiJGlkIjoiMTMxIiwiTGluZUNvbG9yIjp7IiRpZCI6IjEzMiIsIiR0eXBlIjoiTkxSRS5Db21tb24uRG9tLlNvbGlkQ29sb3JCcnVzaCwgTkxSRS5Db21tb24iLCJDb2xvciI6eyIkaWQiOiIxMzMiLCJBIjoyNTUsIlIiOjIwNCwiRyI6MjA0LCJCIjoyMDR9fSwiTGluZVdlaWdodCI6MS4wLCJMaW5lVHlwZSI6MCwiUGFyZW50U3R5bGUiOm51bGx9LCJWZXJ0aWNhbENvbm5lY3RvclN0eWxlIjp7IiRpZCI6IjEzNCIsIkxpbmVDb2xvciI6eyIkaWQiOiIxMzUiLCIkdHlwZSI6Ik5MUkUuQ29tbW9uLkRvbS5Tb2xpZENvbG9yQnJ1c2gsIE5MUkUuQ29tbW9uIiwiQ29sb3IiOnsiJGlkIjoiMTM2IiwiQSI6MjU1LCJSIjoyMDQsIkciOjIwNCwiQiI6MjA0fX0sIkxpbmVXZWlnaHQiOjAuMCwiTGluZVR5cGUiOjAsIlBhcmVudFN0eWxlIjpudWxsfSwiTWFyZ2luIjpudWxsLCJTdGFydERhdGVQb3NpdGlvbiI6MywiRW5kRGF0ZVBvc2l0aW9uIjozLCJEYXRlSXNWaXNpYmxlIjp0cnVlLCJUaXRsZVBvc2l0aW9uIjo0LCJEdXJhdGlvblBvc2l0aW9uIjoyLCJQZXJjZW50YWdlQ29tcGxldGVkUG9zaXRpb24iOjYsIlNwYWNpbmciOjUsIklzQmVsb3dUaW1lYmFuZCI6ZmFsc2UsIlBlcmNlbnRhZ2VDb21wbGV0ZVNoYXBlT3BhY2l0eSI6MzUsIlNoYXBlU3R5bGUiOnsiJGlkIjoiMTM3IiwiTWFyZ2luIjp7IiRpZCI6IjEzOCIsIlRvcCI6MC4wLCJMZWZ0Ijo0LjAsIlJpZ2h0Ijo0LjAsIkJvdHRvbSI6MC4wfSwiUGFkZGluZyI6eyIkaWQiOiIxMzkiLCJUb3AiOjAuMCwiTGVmdCI6MC4wLCJSaWdodCI6MC4wLCJCb3R0b20iOjAuMH0sIkJhY2tncm91bmQiOnsiJGlkIjoiMTQwIiwiQ29sb3IiOnsiJGlkIjoiMTQxIiwiQSI6MjU1LCJSIjowLCJHIjoxMTQsIkIiOjE4OH19LCJJc1Zpc2libGUiOnRydWUsIldpZHRoIjowLjAsIkhlaWdodCI6MTYuMCwiQm9yZGVyU3R5bGUiOnsiJGlkIjoiMTQyIiwiTGluZUNvbG9yIjp7IiRpZCI6IjE0MyIsIiR0eXBlIjoiTkxSRS5Db21tb24uRG9tLlNvbGlkQ29sb3JCcnVzaCwgTkxSRS5Db21tb24iLCJDb2xvciI6eyIkaWQiOiIxNDQiLCJBIjoyNTUsIlIiOjI1NSwiRyI6MCwiQiI6MH19LCJMaW5lV2VpZ2h0IjowLjAsIkxpbmVUeXBlIjowLCJQYXJlbnRTdHlsZSI6bnVsbH0sIlBhcmVudFN0eWxlIjpudWxsfSwiVGl0bGVTdHlsZSI6eyIkaWQiOiIxNDUiLCJGb250U2V0dGluZ3MiOnsiJGlkIjoiMTQ2IiwiRm9udFNpemUiOjEyLCJGb250TmFtZSI6IkNhbGlicmkiLCJJc0JvbGQiOnRydWUsIklzSXRhbGljIjpmYWxzZSwiSXNVbmRlcmxpbmVkIjpmYWxzZSwiUGFyZW50U3R5bGUiOm51bGx9LCJBdXRvU2l6ZSI6MCwiRm9yZWdyb3VuZCI6eyIkaWQiOiIxNDciLCJDb2xvciI6eyIkaWQiOiIxNDgiLCJBIjoyNTUsIlIiOjAsIkciOjAsIkIiOjB9fSwiTWF4V2lkdGgiOjk2MC4wLCJNYXhIZWlnaHQiOiJJbmZpbml0eSIsIlNtYXJ0Rm9yZWdyb3VuZElzQWN0aXZlIjpmYWxzZSwiSG9yaXpvbnRhbEFsaWdubWVudCI6MCwiVmVydGljYWxBbGlnbm1lbnQiOjAsIlNtYXJ0Rm9yZWdyb3VuZCI6bnVsbCwiQmFja2dyb3VuZEZpbGxUeXBlIjowLCJNYXJnaW4iOnsiJGlkIjoiMTQ5IiwiVG9wIjowLjAsIkxlZnQiOjAuMCwiUmlnaHQiOjAuMCwiQm90dG9tIjowLjB9LCJQYWRkaW5nIjp7IiRpZCI6IjE1MCIsIlRvcCI6MC4wLCJMZWZ0IjowLjAsIlJpZ2h0IjowLjAsIkJvdHRvbSI6MC4wfSwiQmFja2dyb3VuZCI6eyIkaWQiOiIxNTEiLCJDb2xvciI6eyIkcmVmIjoiMzYifX0sIklzVmlzaWJsZSI6dHJ1ZSwiV2lkdGgiOjAuMCwiSGVpZ2h0IjowLjAsIkJvcmRlclN0eWxlIjpudWxsLCJQYXJlbnRTdHlsZSI6bnVsbH0sIkRhdGVTdHlsZSI6eyIkaWQiOiIxNTIiLCJGb250U2V0dGluZ3MiOnsiJGlkIjoiMTUzIiwiRm9udFNpemUiOjEwLCJGb250TmFtZSI6IkNhbGlicmkiLCJJc0JvbGQiOmZhbHNlLCJJc0l0YWxpYyI6ZmFsc2UsIklzVW5kZXJsaW5lZCI6ZmFsc2UsIlBhcmVudFN0eWxlIjpudWxsfSwiQXV0b1NpemUiOjAsIkZvcmVncm91bmQiOnsiJGlkIjoiMTU0IiwiQ29sb3IiOnsiJGlkIjoiMTU1IiwiQSI6MjU1LCJSIjo2OCwiRyI6ODQsIkIiOjEwNn19LCJNYXhXaWR0aCI6MjAwLjAsIk1heEhlaWdodCI6IkluZmluaXR5IiwiU21hcnRGb3JlZ3JvdW5kSXNBY3RpdmUiOmZhbHNlLCJIb3Jpem9udGFsQWxpZ25tZW50IjoyLCJWZXJ0aWNhbEFsaWdubWVudCI6MCwiU21hcnRGb3JlZ3JvdW5kIjpudWxsLCJCYWNrZ3JvdW5kRmlsbFR5cGUiOjAsIk1hcmdpbiI6eyIkaWQiOiIxNTYiLCJUb3AiOjAuMCwiTGVmdCI6MC4wLCJSaWdodCI6MC4wLCJCb3R0b20iOjAuMH0sIlBhZGRpbmciOnsiJGlkIjoiMTU3IiwiVG9wIjowLjAsIkxlZnQiOjAuMCwiUmlnaHQiOjAuMCwiQm90dG9tIjowLjB9LCJCYWNrZ3JvdW5kIjp7IiRpZCI6IjE1OCIsIkNvbG9yIjp7IiRyZWYiOiIzNiJ9fSwiSXNWaXNpYmxlIjp0cnVlLCJXaWR0aCI6MC4wLCJIZWlnaHQiOjAuMCwiQm9yZGVyU3R5bGUiOm51bGwsIlBhcmVudFN0eWxlIjpudWxsfSwiRGF0ZUZvcm1hdCI6eyIkaWQiOiIxNTkiLCJGb3JtYXRTdHJpbmciOiJNTU0gZCIsIlNlcGFyYXRvciI6Ii8iLCJVc2VJbnRlcm5hdGlvbmFsRGF0ZUZvcm1hdCI6ZmFsc2UsIkRhdGVJc1Zpc2libGUiOnRydWUsIlRpbWVJc1Zpc2libGUiOmZhbHNlLCJIb3VyRGlnaXRzIjoxLCJBbVBtRGVzaWduYXRvciI6MiwiVHJpbTAwTWludXRlcyI6ZmFsc2UsIkxhc3RLbm93blZpc2liaWxpdHlTdGF0ZSI6bnVsbH0sIldlZWtOdW1iZXJpbmciOnsiJGlkIjoiMTYwIiwiRm9ybWF0IjowLCJJc1Zpc2libGUiOmZhbHNlLCJMYXN0S25vd25WaXNpYmlsaXR5U3RhdGUiOmZhbHNlfSwiSXNWaXNpYmxlIjp0cnVlLCJQYXJlbnRTdHlsZSI6bnVsbCwiX2V4cGxpY2l0bHlTZXQiOnsiJGlkIjoiMTYxIiwiU2hhcGVTdHlsZSI6ZmFsc2UsIlRpdGxlU3R5bGUiOmZhbHNlLCJEYXRlU3R5bGUiOmZhbHNlLCJIb3Jpem9udGFsQ29ubmVjdG9yU3R5bGUiOmZhbHNlLCJWZXJ0aWNhbENvbm5lY3RvclN0eWxlIjpmYWxzZSwiUGVyY2VudGFnZUNvbXBsZXRlU2hhcGVPcGFjaXR5IjpmYWxzZSwiU2hhcGUiOmZhbHNlLCJTaGFwZVRoaWNrbmVzcyI6ZmFsc2UsIkR1cmF0aW9uRm9ybWF0IjpmYWxzZSwiSW5jbHVkZU5vbldvcmtpbmdEYXlzSW5EdXJhdGlvbiI6ZmFsc2UsIk1hcmdpbiI6ZmFsc2UsIlN0YXJ0RGF0ZVBvc2l0aW9uIjpmYWxzZSwiRW5kRGF0ZVBvc2l0aW9uIjpmYWxzZSwiVGl0bGVQb3NpdGlvbiI6ZmFsc2UsIkR1cmF0aW9uUG9zaXRpb24iOmZhbHNlLCJQZXJjZW50YWdlQ29tcGxldGVkUG9zaXRpb24iOmZhbHNlLCJTcGFjaW5nIjpmYWxzZSwiSXNCZWxvd1RpbWViYW5kIjpmYWxzZSwiRGF0ZUZvcm1hdCI6ZmFsc2UsIldlZWtOdW1iZXJpbmciOmZhbHNlLCJJc1Zpc2libGUiOmZhbHNlfX0sIkdyaWRsaW5lUGFuZWxTdHlsZSI6eyIkaWQiOiIxNjIiLCJHcmlkbGluZVN0eWxlIjp7IiRpZCI6IjE2MyIsIkxpbmVDb2xvciI6eyIkaWQiOiIxNjQiLCIkdHlwZSI6Ik5MUkUuQ29tbW9uLkRvbS5Tb2xpZENvbG9yQnJ1c2gsIE5MUkUuQ29tbW9uIiwiQ29sb3IiOnsiJGlkIjoiMTY1IiwiQSI6MzgsIlIiOjkxLCJHIjoxNTUsIkIiOjIxM319LCJMaW5lV2VpZ2h0IjoxLjAsIkxpbmVUeXBlIjowLCJQYXJlbnRTdHlsZSI6bnVsbH0sIk1hcmdpbiI6eyIkaWQiOiIxNjYiLCJUb3AiOjAuMCwiTGVmdCI6MC4wLCJSaWdodCI6MC4wLCJCb3R0b20iOjAuMH0sIlBhZGRpbmciOnsiJGlkIjoiMTY3IiwiVG9wIjowLjAsIkxlZnQiOjAuMCwiUmlnaHQiOjAuMCwiQm90dG9tIjowLjB9LCJCYWNrZ3JvdW5kIjpudWxsLCJJc1Zpc2libGUiOnRydWUsIldpZHRoIjowLjAsIkhlaWdodCI6MC4wLCJCb3JkZXJTdHlsZSI6eyIkaWQiOiIxNjgiLCJMaW5lQ29sb3IiOm51bGwsIkxpbmVXZWlnaHQiOjAuMCwiTGluZVR5cGUiOjAsIlBhcmVudFN0eWxlIjpudWxsfSwiUGFyZW50U3R5bGUiOm51bGx9LCJBY3Rpdml0eUxpbmVQYW5lbFN0eWxlIjp7IiRpZCI6IjE2OSIsIkFjdGl2aXR5TGluZVN0eWxlIjp7IiRpZCI6IjE3MCIsIkxpbmVDb2xvciI6eyIkaWQiOiIxNzEiLCIkdHlwZSI6Ik5MUkUuQ29tbW9uLkRvbS5Tb2xpZENvbG9yQnJ1c2gsIE5MUkUuQ29tbW9uIiwiQ29sb3IiOnsiJGlkIjoiMTcyIiwiQSI6MzgsIlIiOjY4LCJHIjoxMTQsIkIiOjE5Nn19LCJMaW5lV2VpZ2h0IjoxLjAsIkxpbmVUeXBlIjowLCJQYXJlbnRTdHlsZSI6bnVsbH0sIk1hcmdpbiI6eyIkaWQiOiIxNzMiLCJUb3AiOjAuMCwiTGVmdCI6MC4wLCJSaWdodCI6MC4wLCJCb3R0b20iOjAuMH0sIlBhZGRpbmciOnsiJGlkIjoiMTc0IiwiVG9wIjowLjAsIkxlZnQiOjAuMCwiUmlnaHQiOjAuMCwiQm90dG9tIjowLjB9LCJCYWNrZ3JvdW5kIjpudWxsLCJJc1Zpc2libGUiOnRydWUsIldpZHRoIjowLjAsIkhlaWdodCI6MC4wLCJCb3JkZXJTdHlsZSI6eyIkaWQiOiIxNzUiLCJMaW5lQ29sb3IiOm51bGwsIkxpbmVXZWlnaHQiOjAuMCwiTGluZVR5cGUiOjAsIlBhcmVudFN0eWxlIjpudWxsfSwiUGFyZW50U3R5bGUiOm51bGx9LCJTaG93RWxhcHNlZFRpbWVHcmFkaWVudFN0eWxlIjpmYWxzZSwiVGltZWJhbmRSZXNlcnZlZExlZnRBcmVhU3R5bGUiOnsiJGlkIjoiMTc2IiwiQWN0aXZpdHlIZWFkZXJXaWR0aCI6MC4wLCJJc1NldCI6ZmFsc2V9LCJEZWZhdWx0U3dpbWxhbmVTdHlsZSI6bnVsbH0sIlNjYWxlIjpudWxsLCJTY2FsZVYyIjp7IiRpZCI6IjE3NyIsIlN0YXJ0RGF0ZSI6IjAwMDEtMDEtMDFUMDA6MDA6MDAiLCJFbmREYXRlIjoiMjAyMi0wOC0yNlQyMzo1OTowMCIsIkF1dG9EYXRlUmFuZ2UiOnRydWUsIldvcmtpbmdEYXlzIjozMSwiRmlzY2FsWWVhciI6eyIkaWQiOiIxNzgiLCJTdGFydE1vbnRoIjoxLCJVc2VTdGFydGluZ1llYXJGb3JOdW1iZXJpbmciOnRydWUsIlNob3dGaXNjYWxZZWFyTGFiZWwiOnRydWV9LCJUb2RheU1hcmtlclRleHQiOiJUb2RheSIsIkF1dG9TY2FsZVR5cGUiOnRydWUsIlRpbWViYW5kU2NhbGVzIjp7IiRpZCI6IjE3OSIsIlRvcFNjYWxlTGF5ZXIiOnsiJGlkIjoiMTgwIiwiRm9ybWF0IjoidyIsIlR5cGUiOjF9LCJNaWRkbGVTY2FsZUxheWVyIjp7IiRpZCI6IjE4MSIsIkZvcm1hdCI6bnVsbCwiVHlwZSI6MH0sIkJvdHRvbVNjYWxlTGF5ZXIiOnsiJGlkIjoiMTgyIiwiRm9ybWF0IjpudWxsLCJUeXBlIjowfX19LCJNaWxlc3RvbmVzIjpbXSwiVGFza3MiOlt7IiRpZCI6IjE4MyIsIkdyb3VwTmFtZSI6bnVsbCwiU3RhcnREYXRlIjoiMjAyMi0wNS0wMlQwMDowMDowMFoiLCJFbmREYXRlIjoiMjAyMi0wNS0wNFQyMzo1OTowMFoiLCJQZXJjZW50YWdlQ29tcGxldGUiOm51bGwsIlN0eWxlIjp7IiRpZCI6IjE4NCIsIlNoYXBlIjoxLCJTaGFwZVRoaWNrbmVzcyI6MSwiRHVyYXRpb25Gb3JtYXQiOjAsIkluY2x1ZGVOb25Xb3JraW5nRGF5c0luRHVyYXRpb24iOmZhbHNlLCJQZXJjZW50YWdlQ29tcGxldGVTdHlsZSI6eyIkaWQiOiIxODUiLCJGb250U2V0dGluZ3MiOnsiJGlkIjoiMTg2IiwiRm9udFNpemUiOjEwLCJGb250TmFtZSI6IkNhbGlicmkiLCJJc0JvbGQiOmZhbHNlLCJJc0l0YWxpYyI6ZmFsc2UsIklzVW5kZXJsaW5lZCI6ZmFsc2UsIlBhcmVudFN0eWxlIjpudWxsfSwiQXV0b1NpemUiOjAsIkZvcmVncm91bmQiOnsiJGlkIjoiMTg3IiwiQ29sb3IiOnsiJGlkIjoiMTg4IiwiQSI6MjU1LCJSIjoxOTIsIkciOjgwLCJCIjo3N319LCJNYXhXaWR0aCI6MjAwLjAsIk1heEhlaWdodCI6IkluZmluaXR5IiwiU21hcnRGb3JlZ3JvdW5kSXNBY3RpdmUiOmZhbHNlLCJIb3Jpem9udGFsQWxpZ25tZW50IjowLCJWZXJ0aWNhbEFsaWdubWVudCI6MCwiU21hcnRGb3JlZ3JvdW5kIjpudWxsLCJCYWNrZ3JvdW5kRmlsbFR5cGUiOjAsIk1hcmdpbiI6eyIkcmVmIjoiMTIxIn0sIlBhZGRpbmciOnsiJHJlZiI6IjEyMiJ9LCJCYWNrZ3JvdW5kIjp7IiRyZWYiOiIxMjMifSwiSXNWaXNpYmxlIjp0cnVlLCJXaWR0aCI6MC4wLCJIZWlnaHQiOjAuMCwiQm9yZGVyU3R5bGUiOnsiJGlkIjoiMTg5IiwiTGluZUNvbG9yIjpudWxsLCJMaW5lV2VpZ2h0IjowLjAsIkxpbmVUeXBlIjowLCJQYXJlbnRTdHlsZSI6bnVsbH0sIlBhcmVudFN0eWxlIjpudWxsfSwiRHVyYXRpb25TdHlsZSI6eyIkaWQiOiIxOTAiLCJGb250U2V0dGluZ3MiOnsiJGlkIjoiMTkxIiwiRm9udFNpemUiOjEwLCJGb250TmFtZSI6IkNhbGlicmkiLCJJc0JvbGQiOmZhbHNlLCJJc0l0YWxpYyI6ZmFsc2UsIklzVW5kZXJsaW5lZCI6ZmFsc2UsIlBhcmVudFN0eWxlIjpudWxsfSwiQXV0b1NpemUiOjAsIkZvcmVncm91bmQiOnsiJGlkIjoiMTkyIiwiQ29sb3IiOnsiJGlkIjoiMTkzIiwiQSI6MjU1LCJSIjowLCJHIjowLCJCIjowfX0sIk1heFdpZHRoIjoyMDAuMCwiTWF4SGVpZ2h0IjoiSW5maW5pdHkiLCJTbWFydEZvcmVncm91bmRJc0FjdGl2ZSI6ZmFsc2UsIkhvcml6b250YWxBbGlnbm1lbnQiOjIsIlZlcnRpY2FsQWxpZ25tZW50IjowLCJTbWFydEZvcmVncm91bmQiOm51bGwsIkJhY2tncm91bmRGaWxsVHlwZSI6MCwiTWFyZ2luIjp7IiRyZWYiOiIxMjgifSwiUGFkZGluZyI6eyIkcmVmIjoiMTI5In0sIkJhY2tncm91bmQiOnsiJGlkIjoiMTk0IiwiQ29sb3IiOnsiJGlkIjoiMTk1IiwiQSI6MCwiUiI6MjU1LCJHIjoyNTUsIkIiOjI1NX19LCJJc1Zpc2libGUiOnRydWUsIldpZHRoIjowLjAsIkhlaWdodCI6MC4wLCJCb3JkZXJTdHlsZSI6eyIkaWQiOiIxOTYiLCJMaW5lQ29sb3IiOm51bGwsIkxpbmVXZWlnaHQiOjAuMCwiTGluZVR5cGUiOjAsIlBhcmVudFN0eWxlIjpudWxsfSwiUGFyZW50U3R5bGUiOm51bGx9LCJIb3Jpem9udGFsQ29ubmVjdG9yU3R5bGUiOnsiJGlkIjoiMTk3IiwiTGluZUNvbG9yIjp7IiRyZWYiOiIxMzIifSwiTGluZVdlaWdodCI6MS4wLCJMaW5lVHlwZSI6MCwiUGFyZW50U3R5bGUiOm51bGx9LCJWZXJ0aWNhbENvbm5lY3RvclN0eWxlIjp7IiRpZCI6IjE5OCIsIkxpbmVDb2xvciI6eyIkcmVmIjoiMTM1In0sIkxpbmVXZWlnaHQiOjAuMCwiTGluZVR5cGUiOjAsIlBhcmVudFN0eWxlIjpudWxsfSwiTWFyZ2luIjpudWxsLCJTdGFydERhdGVQb3NpdGlvbiI6MiwiRW5kRGF0ZVBvc2l0aW9uIjoyLCJEYXRlSXNWaXNpYmxlIjp0cnVlLCJUaXRsZVBvc2l0aW9uIjo0LCJEdXJhdGlvblBvc2l0aW9uIjozLCJQZXJjZW50YWdlQ29tcGxldGVkUG9zaXRpb24iOjYsIlNwYWNpbmciOjUsIklzQmVsb3dUaW1lYmFuZCI6ZmFsc2UsIlBlcmNlbnRhZ2VDb21wbGV0ZVNoYXBlT3BhY2l0eSI6MzUsIlNoYXBlU3R5bGUiOnsiJGlkIjoiMTk5IiwiTWFyZ2luIjp7IiRyZWYiOiIxMzgifSwiUGFkZGluZyI6eyIkcmVmIjoiMTM5In0sIkJhY2tncm91bmQiOnsiJGlkIjoiMjAwIiwiQ29sb3IiOnsiJGlkIjoiMjAxIiwiQSI6MjU1LCJSIjoxOTIsIkciOjE1OCwiQiI6MjI2fX0sIklzVmlzaWJsZSI6dHJ1ZSwiV2lkdGgiOjAuMCwiSGVpZ2h0IjoxNi4wLCJCb3JkZXJTdHlsZSI6eyIkaWQiOiIyMDIiLCJMaW5lQ29sb3IiOnsiJGlkIjoiMjAzIiwiJHR5cGUiOiJOTFJFLkNvbW1vbi5Eb20uU29saWRDb2xvckJydXNoLCBOTFJFLkNvbW1vbiIsIkNvbG9yIjp7IiRpZCI6IjIwNCIsIkEiOjI1NSwiUiI6MjU1LCJHIjowLCJCIjowfX0sIkxpbmVXZWlnaHQiOjAuMCwiTGluZVR5cGUiOjAsIlBhcmVudFN0eWxlIjpudWxsfSwiUGFyZW50U3R5bGUiOm51bGx9LCJUaXRsZVN0eWxlIjp7IiRpZCI6IjIwNSIsIkZvbnRTZXR0aW5ncyI6eyIkaWQiOiIyMDYiLCJGb250U2l6ZSI6MTIsIkZvbnROYW1lIjoiQ2FsaWJyaSIsIklzQm9sZCI6dHJ1ZSwiSXNJdGFsaWMiOmZhbHNlLCJJc1VuZGVybGluZWQiOmZhbHNlLCJQYXJlbnRTdHlsZSI6bnVsbH0sIkF1dG9TaXplIjowLCJGb3JlZ3JvdW5kIjp7IiRpZCI6IjIwNyIsIkNvbG9yIjp7IiRpZCI6IjIwOCIsIkEiOjI1NSwiUiI6MCwiRyI6MCwiQiI6MH19LCJNYXhXaWR0aCI6NzIwLjAsIk1heEhlaWdodCI6IkluZmluaXR5IiwiU21hcnRGb3JlZ3JvdW5kSXNBY3RpdmUiOmZhbHNlLCJIb3Jpem9udGFsQWxpZ25tZW50IjowLCJWZXJ0aWNhbEFsaWdubWVudCI6MCwiU21hcnRGb3JlZ3JvdW5kIjpudWxsLCJCYWNrZ3JvdW5kRmlsbFR5cGUiOjAsIk1hcmdpbiI6eyIkcmVmIjoiMTQ5In0sIlBhZGRpbmciOnsiJHJlZiI6IjE1MCJ9LCJCYWNrZ3JvdW5kIjp7IiRpZCI6IjIwOSIsIkNvbG9yIjp7IiRpZCI6IjIxMCIsIkEiOjAsIlIiOjI1NSwiRyI6MjU1LCJCIjoyNTV9fSwiSXNWaXNpYmxlIjp0cnVlLCJXaWR0aCI6MC4wLCJIZWlnaHQiOjAuMCwiQm9yZGVyU3R5bGUiOnsiJGlkIjoiMjExIiwiTGluZUNvbG9yIjpudWxsLCJMaW5lV2VpZ2h0IjowLjAsIkxpbmVUeXBlIjowLCJQYXJlbnRTdHlsZSI6bnVsbH0sIlBhcmVudFN0eWxlIjpudWxsfSwiRGF0ZVN0eWxlIjp7IiRpZCI6IjIxMiIsIkZvbnRTZXR0aW5ncyI6eyIkaWQiOiIyMTMiLCJGb250U2l6ZSI6MTAsIkZvbnROYW1lIjoiQ2FsaWJyaSIsIklzQm9sZCI6ZmFsc2UsIklzSXRhbGljIjpmYWxzZSwiSXNVbmRlcmxpbmVkIjpmYWxzZSwiUGFyZW50U3R5bGUiOm51bGx9LCJBdXRvU2l6ZSI6MCwiRm9yZWdyb3VuZCI6eyIkaWQiOiIyMTQiLCJDb2xvciI6eyIkaWQiOiIyMTUiLCJBIjoyNTUsIlIiOjY4LCJHIjo4NCwiQiI6MTA2fX0sIk1heFdpZHRoIjoyMDAuMCwiTWF4SGVpZ2h0IjoiSW5maW5pdHkiLCJTbWFydEZvcmVncm91bmRJc0FjdGl2ZSI6ZmFsc2UsIkhvcml6b250YWxBbGlnbm1lbnQiOjEsIlZlcnRpY2FsQWxpZ25tZW50IjowLCJTbWFydEZvcmVncm91bmQiOm51bGwsIkJhY2tncm91bmRGaWxsVHlwZSI6MCwiTWFyZ2luIjp7IiRyZWYiOiIxNTYifSwiUGFkZGluZyI6eyIkcmVmIjoiMTU3In0sIkJhY2tncm91bmQiOnsiJGlkIjoiMjE2IiwiQ29sb3IiOnsiJGlkIjoiMjE3IiwiQSI6MCwiUiI6MjU1LCJHIjoyNTUsIkIiOjI1NX19LCJJc1Zpc2libGUiOnRydWUsIldpZHRoIjowLjAsIkhlaWdodCI6MC4wLCJCb3JkZXJTdHlsZSI6eyIkaWQiOiIyMTgiLCJMaW5lQ29sb3IiOm51bGwsIkxpbmVXZWlnaHQiOjAuMCwiTGluZVR5cGUiOjAsIlBhcmVudFN0eWxlIjpudWxsfSwiUGFyZW50U3R5bGUiOm51bGx9LCJEYXRlRm9ybWF0Ijp7IiRpZCI6IjIxOSIsIkZvcm1hdFN0cmluZyI6Ik1NTSBkIiwiU2VwYXJhdG9yIjoiLyIsIlVzZUludGVybmF0aW9uYWxEYXRlRm9ybWF0IjpmYWxzZSwiRGF0ZUlzVmlzaWJsZSI6dHJ1ZSwiVGltZUlzVmlzaWJsZSI6ZmFsc2UsIkhvdXJEaWdpdHMiOjEsIkFtUG1EZXNpZ25hdG9yIjoyLCJUcmltMDBNaW51dGVzIjpmYWxzZSwiTGFzdEtub3duVmlzaWJpbGl0eVN0YXRlIjpudWxsfSwiV2Vla051bWJlcmluZyI6eyIkaWQiOiIyMjAiLCJGb3JtYXQiOjAsIklzVmlzaWJsZSI6ZmFsc2UsIkxhc3RLbm93blZpc2liaWxpdHlTdGF0ZSI6ZmFsc2V9LCJJc1Zpc2libGUiOnRydWUsIlBhcmVudFN0eWxlIjpudWxsfSwiSW5kZXgiOjAsIlNtYXJ0RHVyYXRpb25BY3RpdmF0ZWQiOmZhbHNlLCJEYXRlRm9ybWF0Ijp7IiRyZWYiOiIyMTkifSwiV2Vla051bWJlcmluZyI6eyIkaWQiOiIyMjEiLCJGb3JtYXQiOjAsIklzVmlzaWJsZSI6ZmFsc2UsIkxhc3RLbm93blZpc2liaWxpdHlTdGF0ZSI6ZmFsc2V9LCJJZCI6IjkzZWUxNTBjLTlkN2ItNGVlMC1iODFkLTc3MmQ4MjFiZjgwYiIsIkltcG9ydElkIjpudWxsLCJUaXRsZSI6IkZpbmQgbGFyZ2VyIGV4YW1wbGUgUlJCUyBkYXRhIHNldCIsIk5vdGUiOm51bGwsIkh5cGVybGluayI6eyIkaWQiOiIyMjIiLCJBZGRyZXNzIjpudWxsLCJTdWJBZGRyZXNzIjpudWxsfSwiSXNDaGFuZ2VkIjpmYWxzZSwiSXNOZXciOmZhbHNlfSx7IiRpZCI6IjIyMyIsIkdyb3VwTmFtZSI6bnVsbCwiU3RhcnREYXRlIjoiMjAyMi0wNS0wMlQwMDowMDowMFoiLCJFbmREYXRlIjoiMjAyMi0wNS0wNlQyMzo1OTowMFoiLCJQZXJjZW50YWdlQ29tcGxldGUiOm51bGwsIlN0eWxlIjp7IiRpZCI6IjIyNCIsIlNoYXBlIjoxLCJTaGFwZVRoaWNrbmVzcyI6MSwiRHVyYXRpb25Gb3JtYXQiOjAsIkluY2x1ZGVOb25Xb3JraW5nRGF5c0luRHVyYXRpb24iOmZhbHNlLCJQZXJjZW50YWdlQ29tcGxldGVTdHlsZSI6eyIkaWQiOiIyMjUiLCJGb250U2V0dGluZ3MiOnsiJGlkIjoiMjI2IiwiRm9udFNpemUiOjEwLCJGb250TmFtZSI6IkNhbGlicmkiLCJJc0JvbGQiOmZhbHNlLCJJc0l0YWxpYyI6ZmFsc2UsIklzVW5kZXJsaW5lZCI6ZmFsc2UsIlBhcmVudFN0eWxlIjpudWxsfSwiQXV0b1NpemUiOjAsIkZvcmVncm91bmQiOnsiJGlkIjoiMjI3IiwiQ29sb3IiOnsiJGlkIjoiMjI4IiwiQSI6MjU1LCJSIjoxOTIsIkciOjgwLCJCIjo3N319LCJNYXhXaWR0aCI6MjAwLjAsIk1heEhlaWdodCI6IkluZmluaXR5IiwiU21hcnRGb3JlZ3JvdW5kSXNBY3RpdmUiOmZhbHNlLCJIb3Jpem9udGFsQWxpZ25tZW50IjowLCJWZXJ0aWNhbEFsaWdubWVudCI6MCwiU21hcnRGb3JlZ3JvdW5kIjpudWxsLCJCYWNrZ3JvdW5kRmlsbFR5cGUiOjAsIk1hcmdpbiI6eyIkcmVmIjoiMTIxIn0sIlBhZGRpbmciOnsiJHJlZiI6IjEyMiJ9LCJCYWNrZ3JvdW5kIjp7IiRyZWYiOiIxMjMifSwiSXNWaXNpYmxlIjp0cnVlLCJXaWR0aCI6MC4wLCJIZWlnaHQiOjAuMCwiQm9yZGVyU3R5bGUiOnsiJGlkIjoiMjI5IiwiTGluZUNvbG9yIjpudWxsLCJMaW5lV2VpZ2h0IjowLjAsIkxpbmVUeXBlIjowLCJQYXJlbnRTdHlsZSI6bnVsbH0sIlBhcmVudFN0eWxlIjpudWxsfSwiRHVyYXRpb25TdHlsZSI6eyIkaWQiOiIyMzAiLCJGb250U2V0dGluZ3MiOnsiJGlkIjoiMjMxIiwiRm9udFNpemUiOjEwLCJGb250TmFtZSI6IkNhbGlicmkiLCJJc0JvbGQiOmZhbHNlLCJJc0l0YWxpYyI6ZmFsc2UsIklzVW5kZXJsaW5lZCI6ZmFsc2UsIlBhcmVudFN0eWxlIjpudWxsfSwiQXV0b1NpemUiOjAsIkZvcmVncm91bmQiOnsiJHJlZiI6IjEyNiJ9LCJNYXhXaWR0aCI6MjAwLjAsIk1heEhlaWdodCI6IkluZmluaXR5IiwiU21hcnRGb3JlZ3JvdW5kSXNBY3RpdmUiOmZhbHNlLCJIb3Jpem9udGFsQWxpZ25tZW50IjoxLCJWZXJ0aWNhbEFsaWdubWVudCI6MCwiU21hcnRGb3JlZ3JvdW5kIjpudWxsLCJCYWNrZ3JvdW5kRmlsbFR5cGUiOjAsIk1hcmdpbiI6eyIkcmVmIjoiMTI4In0sIlBhZGRpbmciOnsiJHJlZiI6IjEyOSJ9LCJCYWNrZ3JvdW5kIjp7IiRyZWYiOiIxMzAifSwiSXNWaXNpYmxlIjp0cnVlLCJXaWR0aCI6MC4wLCJIZWlnaHQiOjAuMCwiQm9yZGVyU3R5bGUiOnsiJGlkIjoiMjMyIiwiTGluZUNvbG9yIjpudWxsLCJMaW5lV2VpZ2h0IjowLjAsIkxpbmVUeXBlIjowLCJQYXJlbnRTdHlsZSI6bnVsbH0sIlBhcmVudFN0eWxlIjpudWxsfSwiSG9yaXpvbnRhbENvbm5lY3RvclN0eWxlIjp7IiRpZCI6IjIzMyIsIkxpbmVDb2xvciI6eyIkcmVmIjoiMTMyIn0sIkxpbmVXZWlnaHQiOjEuMCwiTGluZVR5cGUiOjAsIlBhcmVudFN0eWxlIjpudWxsfSwiVmVydGljYWxDb25uZWN0b3JTdHlsZSI6eyIkaWQiOiIyMzQiLCJMaW5lQ29sb3IiOnsiJHJlZiI6IjEzNSJ9LCJMaW5lV2VpZ2h0IjowLjAsIkxpbmVUeXBlIjowLCJQYXJlbnRTdHlsZSI6bnVsbH0sIk1hcmdpbiI6bnVsbCwiU3RhcnREYXRlUG9zaXRpb24iOjMsIkVuZERhdGVQb3NpdGlvbiI6MywiRGF0ZUlzVmlzaWJsZSI6dHJ1ZSwiVGl0bGVQb3NpdGlvbiI6NCwiRHVyYXRpb25Qb3NpdGlvbiI6MiwiUGVyY2VudGFnZUNvbXBsZXRlZFBvc2l0aW9uIjo2LCJTcGFjaW5nIjo1LCJJc0JlbG93VGltZWJhbmQiOmZhbHNlLCJQZXJjZW50YWdlQ29tcGxldGVTaGFwZU9wYWNpdHkiOjM1LCJTaGFwZVN0eWxlIjp7IiRpZCI6IjIzNSIsIk1hcmdpbiI6eyIkcmVmIjoiMTM4In0sIlBhZGRpbmciOnsiJHJlZiI6IjEzOSJ9LCJCYWNrZ3JvdW5kIjp7IiRpZCI6IjIzNiIsIkNvbG9yIjp7IiRpZCI6IjIzNyIsIkEiOjI1NSwiUiI6MTM5LCJHIjoyMTgsIkIiOjIzM319LCJJc1Zpc2libGUiOnRydWUsIldpZHRoIjowLjAsIkhlaWdodCI6MTYuMCwiQm9yZGVyU3R5bGUiOnsiJGlkIjoiMjM4IiwiTGluZUNvbG9yIjp7IiRyZWYiOiIxNDMifSwiTGluZVdlaWdodCI6MC4wLCJMaW5lVHlwZSI6MCwiUGFyZW50U3R5bGUiOm51bGx9LCJQYXJlbnRTdHlsZSI6bnVsbH0sIlRpdGxlU3R5bGUiOnsiJGlkIjoiMjM5IiwiRm9udFNldHRpbmdzIjp7IiRpZCI6IjI0MCIsIkZvbnRTaXplIjoxMiwiRm9udE5hbWUiOiJDYWxpYnJpIiwiSXNCb2xkIjp0cnVlLCJJc0l0YWxpYyI6ZmFsc2UsIklzVW5kZXJsaW5lZCI6ZmFsc2UsIlBhcmVudFN0eWxlIjpudWxsfSwiQXV0b1NpemUiOjAsIkZvcmVncm91bmQiOnsiJHJlZiI6IjE0NyJ9LCJNYXhXaWR0aCI6NzIwLjAsIk1heEhlaWdodCI6IkluZmluaXR5IiwiU21hcnRGb3JlZ3JvdW5kSXNBY3RpdmUiOmZhbHNlLCJIb3Jpem9udGFsQWxpZ25tZW50IjowLCJWZXJ0aWNhbEFsaWdubWVudCI6MCwiU21hcnRGb3JlZ3JvdW5kIjpudWxsLCJCYWNrZ3JvdW5kRmlsbFR5cGUiOjAsIk1hcmdpbiI6eyIkcmVmIjoiMTQ5In0sIlBhZGRpbmciOnsiJHJlZiI6IjE1MCJ9LCJCYWNrZ3JvdW5kIjp7IiRyZWYiOiIxNTEifSwiSXNWaXNpYmxlIjp0cnVlLCJXaWR0aCI6MC4wLCJIZWlnaHQiOjAuMCwiQm9yZGVyU3R5bGUiOnsiJGlkIjoiMjQxIiwiTGluZUNvbG9yIjpudWxsLCJMaW5lV2VpZ2h0IjowLjAsIkxpbmVUeXBlIjowLCJQYXJlbnRTdHlsZSI6bnVsbH0sIlBhcmVudFN0eWxlIjpudWxsfSwiRGF0ZVN0eWxlIjp7IiRpZCI6IjI0MiIsIkZvbnRTZXR0aW5ncyI6eyIkaWQiOiIyNDMiLCJGb250U2l6ZSI6MTAsIkZvbnROYW1lIjoiQ2FsaWJyaSIsIklzQm9sZCI6ZmFsc2UsIklzSXRhbGljIjpmYWxzZSwiSXNVbmRlcmxpbmVkIjpmYWxzZSwiUGFyZW50U3R5bGUiOm51bGx9LCJBdXRvU2l6ZSI6MCwiRm9yZWdyb3VuZCI6eyIkcmVmIjoiMTU0In0sIk1heFdpZHRoIjoyMDAuMCwiTWF4SGVpZ2h0IjoiSW5maW5pdHkiLCJTbWFydEZvcmVncm91bmRJc0FjdGl2ZSI6ZmFsc2UsIkhvcml6b250YWxBbGlnbm1lbnQiOjIsIlZlcnRpY2FsQWxpZ25tZW50IjowLCJTbWFydEZvcmVncm91bmQiOm51bGwsIkJhY2tncm91bmRGaWxsVHlwZSI6MCwiTWFyZ2luIjp7IiRyZWYiOiIxNTYifSwiUGFkZGluZyI6eyIkcmVmIjoiMTU3In0sIkJhY2tncm91bmQiOnsiJHJlZiI6IjE1OCJ9LCJJc1Zpc2libGUiOnRydWUsIldpZHRoIjowLjAsIkhlaWdodCI6MC4wLCJCb3JkZXJTdHlsZSI6eyIkaWQiOiIyNDQiLCJMaW5lQ29sb3IiOm51bGwsIkxpbmVXZWlnaHQiOjAuMCwiTGluZVR5cGUiOjAsIlBhcmVudFN0eWxlIjpudWxsfSwiUGFyZW50U3R5bGUiOm51bGx9LCJEYXRlRm9ybWF0Ijp7IiRyZWYiOiIxNTkifSwiV2Vla051bWJlcmluZyI6eyIkaWQiOiIyNDUiLCJGb3JtYXQiOjAsIklzVmlzaWJsZSI6ZmFsc2UsIkxhc3RLbm93blZpc2liaWxpdHlTdGF0ZSI6ZmFsc2V9LCJJc1Zpc2libGUiOnRydWUsIlBhcmVudFN0eWxlIjpudWxsfSwiSW5kZXgiOjEsIlNtYXJ0RHVyYXRpb25BY3RpdmF0ZWQiOmZhbHNlLCJEYXRlRm9ybWF0Ijp7IiRyZWYiOiIxNTkifSwiV2Vla051bWJlcmluZyI6eyIkaWQiOiIyNDYiLCJGb3JtYXQiOjAsIklzVmlzaWJsZSI6ZmFsc2UsIkxhc3RLbm93blZpc2liaWxpdHlTdGF0ZSI6ZmFsc2V9LCJJZCI6IjAxZGNkYmVmLTY4YTktNGRlZC05MTE5LTE4MTk4ZDBlMTVmZCIsIkltcG9ydElkIjpudWxsLCJUaXRsZSI6IlBvbGlzaCBpbnRybyBzZWN0aW9uIiwiTm90ZSI6bnVsbCwiSHlwZXJsaW5rIjp7IiRpZCI6IjI0NyIsIkFkZHJlc3MiOm51bGwsIlN1YkFkZHJlc3MiOm51bGx9LCJJc0NoYW5nZWQiOmZhbHNlLCJJc05ldyI6ZmFsc2V9LHsiJGlkIjoiMjQ4IiwiR3JvdXBOYW1lIjpudWxsLCJTdGFydERhdGUiOiIyMDIyLTA1LTA5VDAwOjAwOjAwWiIsIkVuZERhdGUiOiIyMDIyLTA1LTE2VDIzOjU5OjAwWiIsIlBlcmNlbnRhZ2VDb21wbGV0ZSI6bnVsbCwiU3R5bGUiOnsiJGlkIjoiMjQ5IiwiU2hhcGUiOjEsIlNoYXBlVGhpY2tuZXNzIjoxLCJEdXJhdGlvbkZvcm1hdCI6MCwiSW5jbHVkZU5vbldvcmtpbmdEYXlzSW5EdXJhdGlvbiI6ZmFsc2UsIlBlcmNlbnRhZ2VDb21wbGV0ZVN0eWxlIjp7IiRpZCI6IjI1MCIsIkZvbnRTZXR0aW5ncyI6eyIkaWQiOiIyNTEiLCJGb250U2l6ZSI6MTAsIkZvbnROYW1lIjoiQ2FsaWJyaSIsIklzQm9sZCI6ZmFsc2UsIklzSXRhbGljIjpmYWxzZSwiSXNVbmRlcmxpbmVkIjpmYWxzZSwiUGFyZW50U3R5bGUiOm51bGx9LCJBdXRvU2l6ZSI6MCwiRm9yZWdyb3VuZCI6eyIkcmVmIjoiMjI3In0sIk1heFdpZHRoIjoyMDAuMCwiTWF4SGVpZ2h0IjoiSW5maW5pdHkiLCJTbWFydEZvcmVncm91bmRJc0FjdGl2ZSI6ZmFsc2UsIkhvcml6b250YWxBbGlnbm1lbnQiOjAsIlZlcnRpY2FsQWxpZ25tZW50IjowLCJTbWFydEZvcmVncm91bmQiOm51bGwsIkJhY2tncm91bmRGaWxsVHlwZSI6MCwiTWFyZ2luIjp7IiRyZWYiOiIxMjEifSwiUGFkZGluZyI6eyIkcmVmIjoiMTIyIn0sIkJhY2tncm91bmQiOnsiJHJlZiI6IjEyMyJ9LCJJc1Zpc2libGUiOnRydWUsIldpZHRoIjowLjAsIkhlaWdodCI6MC4wLCJCb3JkZXJTdHlsZSI6eyIkaWQiOiIyNTIiLCJMaW5lQ29sb3IiOm51bGwsIkxpbmVXZWlnaHQiOjAuMCwiTGluZVR5cGUiOjAsIlBhcmVudFN0eWxlIjpudWxsfSwiUGFyZW50U3R5bGUiOm51bGx9LCJEdXJhdGlvblN0eWxlIjp7IiRpZCI6IjI1MyIsIkZvbnRTZXR0aW5ncyI6eyIkaWQiOiIyNTQiLCJGb250U2l6ZSI6MTAsIkZvbnROYW1lIjoiQ2FsaWJyaSIsIklzQm9sZCI6ZmFsc2UsIklzSXRhbGljIjpmYWxzZSwiSXNVbmRlcmxpbmVkIjpmYWxzZSwiUGFyZW50U3R5bGUiOm51bGx9LCJBdXRvU2l6ZSI6MCwiRm9yZWdyb3VuZCI6eyIkcmVmIjoiMTI2In0sIk1heFdpZHRoIjoyMDAuMCwiTWF4SGVpZ2h0IjoiSW5maW5pdHkiLCJTbWFydEZvcmVncm91bmRJc0FjdGl2ZSI6ZmFsc2UsIkhvcml6b250YWxBbGlnbm1lbnQiOjEsIlZlcnRpY2FsQWxpZ25tZW50IjowLCJTbWFydEZvcmVncm91bmQiOm51bGwsIkJhY2tncm91bmRGaWxsVHlwZSI6MCwiTWFyZ2luIjp7IiRyZWYiOiIxMjgifSwiUGFkZGluZyI6eyIkcmVmIjoiMTI5In0sIkJhY2tncm91bmQiOnsiJHJlZiI6IjEzMCJ9LCJJc1Zpc2libGUiOnRydWUsIldpZHRoIjowLjAsIkhlaWdodCI6MC4wLCJCb3JkZXJTdHlsZSI6eyIkaWQiOiIyNTUiLCJMaW5lQ29sb3IiOm51bGwsIkxpbmVXZWlnaHQiOjAuMCwiTGluZVR5cGUiOjAsIlBhcmVudFN0eWxlIjpudWxsfSwiUGFyZW50U3R5bGUiOm51bGx9LCJIb3Jpem9udGFsQ29ubmVjdG9yU3R5bGUiOnsiJGlkIjoiMjU2IiwiTGluZUNvbG9yIjp7IiRyZWYiOiIxMzIifSwiTGluZVdlaWdodCI6MS4wLCJMaW5lVHlwZSI6MCwiUGFyZW50U3R5bGUiOm51bGx9LCJWZXJ0aWNhbENvbm5lY3RvclN0eWxlIjp7IiRpZCI6IjI1NyIsIkxpbmVDb2xvciI6eyIkcmVmIjoiMTM1In0sIkxpbmVXZWlnaHQiOjAuMCwiTGluZVR5cGUiOjAsIlBhcmVudFN0eWxlIjpudWxsfSwiTWFyZ2luIjpudWxsLCJTdGFydERhdGVQb3NpdGlvbiI6MywiRW5kRGF0ZVBvc2l0aW9uIjozLCJEYXRlSXNWaXNpYmxlIjp0cnVlLCJUaXRsZVBvc2l0aW9uIjo0LCJEdXJhdGlvblBvc2l0aW9uIjoyLCJQZXJjZW50YWdlQ29tcGxldGVkUG9zaXRpb24iOjYsIlNwYWNpbmciOjUsIklzQmVsb3dUaW1lYmFuZCI6ZmFsc2UsIlBlcmNlbnRhZ2VDb21wbGV0ZVNoYXBlT3BhY2l0eSI6MzUsIlNoYXBlU3R5bGUiOnsiJGlkIjoiMjU4IiwiTWFyZ2luIjp7IiRyZWYiOiIxMzgifSwiUGFkZGluZyI6eyIkcmVmIjoiMTM5In0sIkJhY2tncm91bmQiOnsiJGlkIjoiMjU5IiwiQ29sb3IiOnsiJGlkIjoiMjYwIiwiQSI6MjU1LCJSIjoxOTIsIkciOjE1OCwiQiI6MjI2fX0sIklzVmlzaWJsZSI6dHJ1ZSwiV2lkdGgiOjAuMCwiSGVpZ2h0IjoxNi4wLCJCb3JkZXJTdHlsZSI6eyIkaWQiOiIyNjEiLCJMaW5lQ29sb3IiOnsiJHJlZiI6IjE0MyJ9LCJMaW5lV2VpZ2h0IjowLjAsIkxpbmVUeXBlIjowLCJQYXJlbnRTdHlsZSI6bnVsbH0sIlBhcmVudFN0eWxlIjpudWxsfSwiVGl0bGVTdHlsZSI6eyIkaWQiOiIyNjIiLCJGb250U2V0dGluZ3MiOnsiJGlkIjoiMjYzIiwiRm9udFNpemUiOjEyLCJGb250TmFtZSI6IkNhbGlicmkiLCJJc0JvbGQiOnRydWUsIklzSXRhbGljIjpmYWxzZSwiSXNVbmRlcmxpbmVkIjpmYWxzZSwiUGFyZW50U3R5bGUiOm51bGx9LCJBdXRvU2l6ZSI6MCwiRm9yZWdyb3VuZCI6eyIkcmVmIjoiMTQ3In0sIk1heFdpZHRoIjo3MjAuMCwiTWF4SGVpZ2h0IjoiSW5maW5pdHkiLCJTbWFydEZvcmVncm91bmRJc0FjdGl2ZSI6ZmFsc2UsIkhvcml6b250YWxBbGlnbm1lbnQiOjAsIlZlcnRpY2FsQWxpZ25tZW50IjowLCJTbWFydEZvcmVncm91bmQiOm51bGwsIkJhY2tncm91bmRGaWxsVHlwZSI6MCwiTWFyZ2luIjp7IiRyZWYiOiIxNDkifSwiUGFkZGluZyI6eyIkcmVmIjoiMTUwIn0sIkJhY2tncm91bmQiOnsiJHJlZiI6IjE1MSJ9LCJJc1Zpc2libGUiOnRydWUsIldpZHRoIjowLjAsIkhlaWdodCI6MC4wLCJCb3JkZXJTdHlsZSI6eyIkaWQiOiIyNjQiLCJMaW5lQ29sb3IiOm51bGwsIkxpbmVXZWlnaHQiOjAuMCwiTGluZVR5cGUiOjAsIlBhcmVudFN0eWxlIjpudWxsfSwiUGFyZW50U3R5bGUiOm51bGx9LCJEYXRlU3R5bGUiOnsiJGlkIjoiMjY1IiwiRm9udFNldHRpbmdzIjp7IiRpZCI6IjI2NiIsIkZvbnRTaXplIjoxMCwiRm9udE5hbWUiOiJDYWxpYnJpIiwiSXNCb2xkIjpmYWxzZSwiSXNJdGFsaWMiOmZhbHNlLCJJc1VuZGVybGluZWQiOmZhbHNlLCJQYXJlbnRTdHlsZSI6bnVsbH0sIkF1dG9TaXplIjowLCJGb3JlZ3JvdW5kIjp7IiRyZWYiOiIxNTQifSwiTWF4V2lkdGgiOjIwMC4wLCJNYXhIZWlnaHQiOiJJbmZpbml0eSIsIlNtYXJ0Rm9yZWdyb3VuZElzQWN0aXZlIjpmYWxzZSwiSG9yaXpvbnRhbEFsaWdubWVudCI6MiwiVmVydGljYWxBbGlnbm1lbnQiOjAsIlNtYXJ0Rm9yZWdyb3VuZCI6bnVsbCwiQmFja2dyb3VuZEZpbGxUeXBlIjowLCJNYXJnaW4iOnsiJHJlZiI6IjE1NiJ9LCJQYWRkaW5nIjp7IiRyZWYiOiIxNTcifSwiQmFja2dyb3VuZCI6eyIkcmVmIjoiMTU4In0sIklzVmlzaWJsZSI6dHJ1ZSwiV2lkdGgiOjAuMCwiSGVpZ2h0IjowLjAsIkJvcmRlclN0eWxlIjp7IiRpZCI6IjI2NyIsIkxpbmVDb2xvciI6bnVsbCwiTGluZVdlaWdodCI6MC4wLCJMaW5lVHlwZSI6MCwiUGFyZW50U3R5bGUiOm51bGx9LCJQYXJlbnRTdHlsZSI6bnVsbH0sIkRhdGVGb3JtYXQiOnsiJHJlZiI6IjE1OSJ9LCJXZWVrTnVtYmVyaW5nIjp7IiRpZCI6IjI2OCIsIkZvcm1hdCI6MCwiSXNWaXNpYmxlIjpmYWxzZSwiTGFzdEtub3duVmlzaWJpbGl0eVN0YXRlIjpmYWxzZX0sIklzVmlzaWJsZSI6dHJ1ZSwiUGFyZW50U3R5bGUiOm51bGx9LCJJbmRleCI6MiwiU21hcnREdXJhdGlvbkFjdGl2YXRlZCI6ZmFsc2UsIkRhdGVGb3JtYXQiOnsiJHJlZiI6IjE1OSJ9LCJXZWVrTnVtYmVyaW5nIjp7IiRpZCI6IjI2OSIsIkZvcm1hdCI6MCwiSXNWaXNpYmxlIjpmYWxzZSwiTGFzdEtub3duVmlzaWJpbGl0eVN0YXRlIjpmYWxzZX0sIklkIjoiNmFjZjk0MTUtMjljYy00YTc2LThhZjctMTc4YTVjZTQ1YzdjIiwiSW1wb3J0SWQiOm51bGwsIlRpdGxlIjoiUnVuIGFuYWx5c2lzIG9uIGxhcmdlIG1vY2sgZGF0YSAiLCJOb3RlIjpudWxsLCJIeXBlcmxpbmsiOnsiJGlkIjoiMjcwIiwiQWRkcmVzcyI6IiIsIlN1YkFkZHJlc3MiOiIifSwiSXNDaGFuZ2VkIjpmYWxzZSwiSXNOZXciOmZhbHNlfSx7IiRpZCI6IjI3MSIsIkdyb3VwTmFtZSI6bnVsbCwiU3RhcnREYXRlIjoiMjAyMi0wNS0wOVQwMDowMDowMFoiLCJFbmREYXRlIjoiMjAyMi0wNS0xM1QyMzo1OTowMFoiLCJQZXJjZW50YWdlQ29tcGxldGUiOm51bGwsIlN0eWxlIjp7IiRpZCI6IjI3MiIsIlNoYXBlIjoxLCJTaGFwZVRoaWNrbmVzcyI6MSwiRHVyYXRpb25Gb3JtYXQiOjAsIkluY2x1ZGVOb25Xb3JraW5nRGF5c0luRHVyYXRpb24iOmZhbHNlLCJQZXJjZW50YWdlQ29tcGxldGVTdHlsZSI6eyIkaWQiOiIyNzMiLCJGb250U2V0dGluZ3MiOnsiJGlkIjoiMjc0IiwiRm9udFNpemUiOjEwLCJGb250TmFtZSI6IkNhbGlicmkiLCJJc0JvbGQiOmZhbHNlLCJJc0l0YWxpYyI6ZmFsc2UsIklzVW5kZXJsaW5lZCI6ZmFsc2UsIlBhcmVudFN0eWxlIjpudWxsfSwiQXV0b1NpemUiOjAsIkZvcmVncm91bmQiOnsiJGlkIjoiMjc1IiwiQ29sb3IiOnsiJGlkIjoiMjc2IiwiQSI6MjU1LCJSIjoxOTIsIkciOjgwLCJCIjo3N319LCJNYXhXaWR0aCI6MjAwLjAsIk1heEhlaWdodCI6IkluZmluaXR5IiwiU21hcnRGb3JlZ3JvdW5kSXNBY3RpdmUiOmZhbHNlLCJIb3Jpem9udGFsQWxpZ25tZW50IjowLCJWZXJ0aWNhbEFsaWdubWVudCI6MCwiU21hcnRGb3JlZ3JvdW5kIjpudWxsLCJCYWNrZ3JvdW5kRmlsbFR5cGUiOjAsIk1hcmdpbiI6eyIkcmVmIjoiMTIxIn0sIlBhZGRpbmciOnsiJHJlZiI6IjEyMiJ9LCJCYWNrZ3JvdW5kIjp7IiRyZWYiOiIxMjMifSwiSXNWaXNpYmxlIjp0cnVlLCJXaWR0aCI6MC4wLCJIZWlnaHQiOjAuMCwiQm9yZGVyU3R5bGUiOnsiJGlkIjoiMjc3IiwiTGluZUNvbG9yIjpudWxsLCJMaW5lV2VpZ2h0IjowLjAsIkxpbmVUeXBlIjowLCJQYXJlbnRTdHlsZSI6bnVsbH0sIlBhcmVudFN0eWxlIjpudWxsfSwiRHVyYXRpb25TdHlsZSI6eyIkaWQiOiIyNzgiLCJGb250U2V0dGluZ3MiOnsiJGlkIjoiMjc5IiwiRm9udFNpemUiOjEwLCJGb250TmFtZSI6IkNhbGlicmkiLCJJc0JvbGQiOmZhbHNlLCJJc0l0YWxpYyI6ZmFsc2UsIklzVW5kZXJsaW5lZCI6ZmFsc2UsIlBhcmVudFN0eWxlIjpudWxsfSwiQXV0b1NpemUiOjAsIkZvcmVncm91bmQiOnsiJGlkIjoiMjgwIiwiQ29sb3IiOnsiJGlkIjoiMjgxIiwiQSI6MjU1LCJSIjowLCJHIjowLCJCIjowfX0sIk1heFdpZHRoIjoyMDAuMCwiTWF4SGVpZ2h0IjoiSW5maW5pdHkiLCJTbWFydEZvcmVncm91bmRJc0FjdGl2ZSI6ZmFsc2UsIkhvcml6b250YWxBbGlnbm1lbnQiOjEsIlZlcnRpY2FsQWxpZ25tZW50IjowLCJTbWFydEZvcmVncm91bmQiOm51bGwsIkJhY2tncm91bmRGaWxsVHlwZSI6MCwiTWFyZ2luIjp7IiRyZWYiOiIxMjgifSwiUGFkZGluZyI6eyIkcmVmIjoiMTI5In0sIkJhY2tncm91bmQiOnsiJGlkIjoiMjgyIiwiQ29sb3IiOnsiJGlkIjoiMjgzIiwiQSI6MCwiUiI6MjU1LCJHIjoyNTUsIkIiOjI1NX19LCJJc1Zpc2libGUiOnRydWUsIldpZHRoIjowLjAsIkhlaWdodCI6MC4wLCJCb3JkZXJTdHlsZSI6eyIkaWQiOiIyODQiLCJMaW5lQ29sb3IiOm51bGwsIkxpbmVXZWlnaHQiOjAuMCwiTGluZVR5cGUiOjAsIlBhcmVudFN0eWxlIjpudWxsfSwiUGFyZW50U3R5bGUiOm51bGx9LCJIb3Jpem9udGFsQ29ubmVjdG9yU3R5bGUiOnsiJGlkIjoiMjg1IiwiTGluZUNvbG9yIjp7IiRyZWYiOiIxMzIifSwiTGluZVdlaWdodCI6MS4wLCJMaW5lVHlwZSI6MCwiUGFyZW50U3R5bGUiOm51bGx9LCJWZXJ0aWNhbENvbm5lY3RvclN0eWxlIjp7IiRpZCI6IjI4NiIsIkxpbmVDb2xvciI6eyIkcmVmIjoiMTM1In0sIkxpbmVXZWlnaHQiOjAuMCwiTGluZVR5cGUiOjAsIlBhcmVudFN0eWxlIjpudWxsfSwiTWFyZ2luIjpudWxsLCJTdGFydERhdGVQb3NpdGlvbiI6MywiRW5kRGF0ZVBvc2l0aW9uIjozLCJEYXRlSXNWaXNpYmxlIjp0cnVlLCJUaXRsZVBvc2l0aW9uIjo0LCJEdXJhdGlvblBvc2l0aW9uIjoyLCJQZXJjZW50YWdlQ29tcGxldGVkUG9zaXRpb24iOjYsIlNwYWNpbmciOjUsIklzQmVsb3dUaW1lYmFuZCI6ZmFsc2UsIlBlcmNlbnRhZ2VDb21wbGV0ZVNoYXBlT3BhY2l0eSI6MzUsIlNoYXBlU3R5bGUiOnsiJGlkIjoiMjg3IiwiTWFyZ2luIjp7IiRyZWYiOiIxMzgifSwiUGFkZGluZyI6eyIkcmVmIjoiMTM5In0sIkJhY2tncm91bmQiOnsiJGlkIjoiMjg4IiwiQ29sb3IiOnsiJGlkIjoiMjg5IiwiQSI6MjU1LCJSIjoxOTIsIkciOjE1OCwiQiI6MjI2fX0sIklzVmlzaWJsZSI6dHJ1ZSwiV2lkdGgiOjAuMCwiSGVpZ2h0IjoxNi4wLCJCb3JkZXJTdHlsZSI6eyIkaWQiOiIyOTAiLCJMaW5lQ29sb3IiOnsiJHJlZiI6IjIwMyJ9LCJMaW5lV2VpZ2h0IjowLjAsIkxpbmVUeXBlIjowLCJQYXJlbnRTdHlsZSI6bnVsbH0sIlBhcmVudFN0eWxlIjpudWxsfSwiVGl0bGVTdHlsZSI6eyIkaWQiOiIyOTEiLCJGb250U2V0dGluZ3MiOnsiJGlkIjoiMjkyIiwiRm9udFNpemUiOjEyLCJGb250TmFtZSI6IkNhbGlicmkiLCJJc0JvbGQiOnRydWUsIklzSXRhbGljIjpmYWxzZSwiSXNVbmRlcmxpbmVkIjpmYWxzZSwiUGFyZW50U3R5bGUiOm51bGx9LCJBdXRvU2l6ZSI6MCwiRm9yZWdyb3VuZCI6eyIkaWQiOiIyOTMiLCJDb2xvciI6eyIkaWQiOiIyOTQiLCJBIjoyNTUsIlIiOjAsIkciOjAsIkIiOjB9fSwiTWF4V2lkdGgiOjcyMC4wLCJNYXhIZWlnaHQiOiJJbmZpbml0eSIsIlNtYXJ0Rm9yZWdyb3VuZElzQWN0aXZlIjpmYWxzZSwiSG9yaXpvbnRhbEFsaWdubWVudCI6MCwiVmVydGljYWxBbGlnbm1lbnQiOjAsIlNtYXJ0Rm9yZWdyb3VuZCI6bnVsbCwiQmFja2dyb3VuZEZpbGxUeXBlIjowLCJNYXJnaW4iOnsiJHJlZiI6IjE0OSJ9LCJQYWRkaW5nIjp7IiRyZWYiOiIxNTAifSwiQmFja2dyb3VuZCI6eyIkaWQiOiIyOTUiLCJDb2xvciI6eyIkaWQiOiIyOTYiLCJBIjowLCJSIjoyNTUsIkciOjI1NSwiQiI6MjU1fX0sIklzVmlzaWJsZSI6dHJ1ZSwiV2lkdGgiOjAuMCwiSGVpZ2h0IjowLjAsIkJvcmRlclN0eWxlIjp7IiRpZCI6IjI5NyIsIkxpbmVDb2xvciI6bnVsbCwiTGluZVdlaWdodCI6MC4wLCJMaW5lVHlwZSI6MCwiUGFyZW50U3R5bGUiOm51bGx9LCJQYXJlbnRTdHlsZSI6bnVsbH0sIkRhdGVTdHlsZSI6eyIkaWQiOiIyOTgiLCJGb250U2V0dGluZ3MiOnsiJGlkIjoiMjk5IiwiRm9udFNpemUiOjEwLCJGb250TmFtZSI6IkNhbGlicmkiLCJJc0JvbGQiOmZhbHNlLCJJc0l0YWxpYyI6ZmFsc2UsIklzVW5kZXJsaW5lZCI6ZmFsc2UsIlBhcmVudFN0eWxlIjpudWxsfSwiQXV0b1NpemUiOjAsIkZvcmVncm91bmQiOnsiJGlkIjoiMzAwIiwiQ29sb3IiOnsiJGlkIjoiMzAxIiwiQSI6MjU1LCJSIjo2OCwiRyI6ODQsIkIiOjEwNn19LCJNYXhXaWR0aCI6MjAwLjAsIk1heEhlaWdodCI6IkluZmluaXR5IiwiU21hcnRGb3JlZ3JvdW5kSXNBY3RpdmUiOmZhbHNlLCJIb3Jpem9udGFsQWxpZ25tZW50IjoyLCJWZXJ0aWNhbEFsaWdubWVudCI6MCwiU21hcnRGb3JlZ3JvdW5kIjpudWxsLCJCYWNrZ3JvdW5kRmlsbFR5cGUiOjAsIk1hcmdpbiI6eyIkcmVmIjoiMTU2In0sIlBhZGRpbmciOnsiJHJlZiI6IjE1NyJ9LCJCYWNrZ3JvdW5kIjp7IiRpZCI6IjMwMiIsIkNvbG9yIjp7IiRpZCI6IjMwMyIsIkEiOjAsIlIiOjI1NSwiRyI6MjU1LCJCIjoyNTV9fSwiSXNWaXNpYmxlIjp0cnVlLCJXaWR0aCI6MC4wLCJIZWlnaHQiOjAuMCwiQm9yZGVyU3R5bGUiOnsiJGlkIjoiMzA0IiwiTGluZUNvbG9yIjpudWxsLCJMaW5lV2VpZ2h0IjowLjAsIkxpbmVUeXBlIjowLCJQYXJlbnRTdHlsZSI6bnVsbH0sIlBhcmVudFN0eWxlIjpudWxsfSwiRGF0ZUZvcm1hdCI6eyIkcmVmIjoiMjE5In0sIldlZWtOdW1iZXJpbmciOnsiJGlkIjoiMzA1IiwiRm9ybWF0IjowLCJJc1Zpc2libGUiOmZhbHNlLCJMYXN0S25vd25WaXNpYmlsaXR5U3RhdGUiOmZhbHNlfSwiSXNWaXNpYmxlIjp0cnVlLCJQYXJlbnRTdHlsZSI6bnVsbH0sIkluZGV4IjozLCJTbWFydER1cmF0aW9uQWN0aXZhdGVkIjpmYWxzZSwiRGF0ZUZvcm1hdCI6eyIkcmVmIjoiMjE5In0sIldlZWtOdW1iZXJpbmciOnsiJGlkIjoiMzA2IiwiRm9ybWF0IjowLCJJc1Zpc2libGUiOmZhbHNlLCJMYXN0S25vd25WaXNpYmlsaXR5U3RhdGUiOmZhbHNlfSwiSWQiOiI1NTU2MzJmNC1kODc4LTRlOGMtYjhiNC1mYzlkYWRjY2FiOGUiLCJJbXBvcnRJZCI6bnVsbCwiVGl0bGUiOiJUcmFpbiBkaWZmZXJlbnQgY2xhc3NpZmllcnMgb24gbW9jayBkYXRhIiwiTm90ZSI6bnVsbCwiSHlwZXJsaW5rIjp7IiRpZCI6IjMwNyIsIkFkZHJlc3MiOm51bGwsIlN1YkFkZHJlc3MiOm51bGx9LCJJc0NoYW5nZWQiOmZhbHNlLCJJc05ldyI6ZmFsc2V9LHsiJGlkIjoiMzA4IiwiR3JvdXBOYW1lIjpudWxsLCJTdGFydERhdGUiOiIyMDIyLTA1LTAyVDAwOjAwOjAwWiIsIkVuZERhdGUiOiIyMDIyLTA1LTE4VDIzOjU5OjAwWiIsIlBlcmNlbnRhZ2VDb21wbGV0ZSI6bnVsbCwiU3R5bGUiOnsiJGlkIjoiMzA5IiwiU2hhcGUiOjEsIlNoYXBlVGhpY2tuZXNzIjoxLCJEdXJhdGlvbkZvcm1hdCI6MCwiSW5jbHVkZU5vbldvcmtpbmdEYXlzSW5EdXJhdGlvbiI6ZmFsc2UsIlBlcmNlbnRhZ2VDb21wbGV0ZVN0eWxlIjp7IiRpZCI6IjMxMCIsIkZvbnRTZXR0aW5ncyI6eyIkaWQiOiIzMTEiLCJGb250U2l6ZSI6MTAsIkZvbnROYW1lIjoiQ2FsaWJyaSIsIklzQm9sZCI6ZmFsc2UsIklzSXRhbGljIjpmYWxzZSwiSXNVbmRlcmxpbmVkIjpmYWxzZSwiUGFyZW50U3R5bGUiOm51bGx9LCJBdXRvU2l6ZSI6MCwiRm9yZWdyb3VuZCI6eyIkcmVmIjoiMjc1In0sIk1heFdpZHRoIjoyMDAuMCwiTWF4SGVpZ2h0IjoiSW5maW5pdHkiLCJTbWFydEZvcmVncm91bmRJc0FjdGl2ZSI6ZmFsc2UsIkhvcml6b250YWxBbGlnbm1lbnQiOjAsIlZlcnRpY2FsQWxpZ25tZW50IjowLCJTbWFydEZvcmVncm91bmQiOm51bGwsIkJhY2tncm91bmRGaWxsVHlwZSI6MCwiTWFyZ2luIjp7IiRyZWYiOiIxMjEifSwiUGFkZGluZyI6eyIkcmVmIjoiMTIyIn0sIkJhY2tncm91bmQiOnsiJHJlZiI6IjEyMyJ9LCJJc1Zpc2libGUiOnRydWUsIldpZHRoIjowLjAsIkhlaWdodCI6MC4wLCJCb3JkZXJTdHlsZSI6eyIkaWQiOiIzMTIiLCJMaW5lQ29sb3IiOm51bGwsIkxpbmVXZWlnaHQiOjAuMCwiTGluZVR5cGUiOjAsIlBhcmVudFN0eWxlIjpudWxsfSwiUGFyZW50U3R5bGUiOm51bGx9LCJEdXJhdGlvblN0eWxlIjp7IiRpZCI6IjMxMyIsIkZvbnRTZXR0aW5ncyI6eyIkaWQiOiIzMTQiLCJGb250U2l6ZSI6MTAsIkZvbnROYW1lIjoiQ2FsaWJyaSIsIklzQm9sZCI6ZmFsc2UsIklzSXRhbGljIjpmYWxzZSwiSXNVbmRlcmxpbmVkIjpmYWxzZSwiUGFyZW50U3R5bGUiOm51bGx9LCJBdXRvU2l6ZSI6MCwiRm9yZWdyb3VuZCI6eyIkcmVmIjoiMTI2In0sIk1heFdpZHRoIjoyMDAuMCwiTWF4SGVpZ2h0IjoiSW5maW5pdHkiLCJTbWFydEZvcmVncm91bmRJc0FjdGl2ZSI6ZmFsc2UsIkhvcml6b250YWxBbGlnbm1lbnQiOjEsIlZlcnRpY2FsQWxpZ25tZW50IjowLCJTbWFydEZvcmVncm91bmQiOm51bGwsIkJhY2tncm91bmRGaWxsVHlwZSI6MCwiTWFyZ2luIjp7IiRyZWYiOiIxMjgifSwiUGFkZGluZyI6eyIkcmVmIjoiMTI5In0sIkJhY2tncm91bmQiOnsiJHJlZiI6IjEzMCJ9LCJJc1Zpc2libGUiOnRydWUsIldpZHRoIjowLjAsIkhlaWdodCI6MC4wLCJCb3JkZXJTdHlsZSI6eyIkaWQiOiIzMTUiLCJMaW5lQ29sb3IiOm51bGwsIkxpbmVXZWlnaHQiOjAuMCwiTGluZVR5cGUiOjAsIlBhcmVudFN0eWxlIjpudWxsfSwiUGFyZW50U3R5bGUiOm51bGx9LCJIb3Jpem9udGFsQ29ubmVjdG9yU3R5bGUiOnsiJGlkIjoiMzE2IiwiTGluZUNvbG9yIjp7IiRyZWYiOiIxMzIifSwiTGluZVdlaWdodCI6MS4wLCJMaW5lVHlwZSI6MCwiUGFyZW50U3R5bGUiOm51bGx9LCJWZXJ0aWNhbENvbm5lY3RvclN0eWxlIjp7IiRpZCI6IjMxNyIsIkxpbmVDb2xvciI6eyIkcmVmIjoiMTM1In0sIkxpbmVXZWlnaHQiOjAuMCwiTGluZVR5cGUiOjAsIlBhcmVudFN0eWxlIjpudWxsfSwiTWFyZ2luIjpudWxsLCJTdGFydERhdGVQb3NpdGlvbiI6MywiRW5kRGF0ZVBvc2l0aW9uIjozLCJEYXRlSXNWaXNpYmxlIjp0cnVlLCJUaXRsZVBvc2l0aW9uIjo0LCJEdXJhdGlvblBvc2l0aW9uIjoyLCJQZXJjZW50YWdlQ29tcGxldGVkUG9zaXRpb24iOjYsIlNwYWNpbmciOjUsIklzQmVsb3dUaW1lYmFuZCI6ZmFsc2UsIlBlcmNlbnRhZ2VDb21wbGV0ZVNoYXBlT3BhY2l0eSI6MzUsIlNoYXBlU3R5bGUiOnsiJGlkIjoiMzE4IiwiTWFyZ2luIjp7IiRyZWYiOiIxMzgifSwiUGFkZGluZyI6eyIkcmVmIjoiMTM5In0sIkJhY2tncm91bmQiOnsiJGlkIjoiMzE5IiwiQ29sb3IiOnsiJGlkIjoiMzIwIiwiQSI6MjU1LCJSIjoxOTIsIkciOjE1OCwiQiI6MjI2fX0sIklzVmlzaWJsZSI6dHJ1ZSwiV2lkdGgiOjAuMCwiSGVpZ2h0IjoxNi4wLCJCb3JkZXJTdHlsZSI6eyIkaWQiOiIzMjEiLCJMaW5lQ29sb3IiOnsiJHJlZiI6IjE0MyJ9LCJMaW5lV2VpZ2h0IjowLjAsIkxpbmVUeXBlIjowLCJQYXJlbnRTdHlsZSI6bnVsbH0sIlBhcmVudFN0eWxlIjpudWxsfSwiVGl0bGVTdHlsZSI6eyIkaWQiOiIzMjIiLCJGb250U2V0dGluZ3MiOnsiJGlkIjoiMzIzIiwiRm9udFNpemUiOjEyLCJGb250TmFtZSI6IkNhbGlicmkiLCJJc0JvbGQiOnRydWUsIklzSXRhbGljIjpmYWxzZSwiSXNVbmRlcmxpbmVkIjpmYWxzZSwiUGFyZW50U3R5bGUiOm51bGx9LCJBdXRvU2l6ZSI6MCwiRm9yZWdyb3VuZCI6eyIkcmVmIjoiMTQ3In0sIk1heFdpZHRoIjo3MjAuMCwiTWF4SGVpZ2h0IjoiSW5maW5pdHkiLCJTbWFydEZvcmVncm91bmRJc0FjdGl2ZSI6ZmFsc2UsIkhvcml6b250YWxBbGlnbm1lbnQiOjAsIlZlcnRpY2FsQWxpZ25tZW50IjowLCJTbWFydEZvcmVncm91bmQiOm51bGwsIkJhY2tncm91bmRGaWxsVHlwZSI6MCwiTWFyZ2luIjp7IiRyZWYiOiIxNDkifSwiUGFkZGluZyI6eyIkcmVmIjoiMTUwIn0sIkJhY2tncm91bmQiOnsiJHJlZiI6IjE1MSJ9LCJJc1Zpc2libGUiOnRydWUsIldpZHRoIjowLjAsIkhlaWdodCI6MC4wLCJCb3JkZXJTdHlsZSI6eyIkaWQiOiIzMjQiLCJMaW5lQ29sb3IiOm51bGwsIkxpbmVXZWlnaHQiOjAuMCwiTGluZVR5cGUiOjAsIlBhcmVudFN0eWxlIjpudWxsfSwiUGFyZW50U3R5bGUiOm51bGx9LCJEYXRlU3R5bGUiOnsiJGlkIjoiMzI1IiwiRm9udFNldHRpbmdzIjp7IiRpZCI6IjMyNiIsIkZvbnRTaXplIjoxMCwiRm9udE5hbWUiOiJDYWxpYnJpIiwiSXNCb2xkIjpmYWxzZSwiSXNJdGFsaWMiOmZhbHNlLCJJc1VuZGVybGluZWQiOmZhbHNlLCJQYXJlbnRTdHlsZSI6bnVsbH0sIkF1dG9TaXplIjowLCJGb3JlZ3JvdW5kIjp7IiRyZWYiOiIxNTQifSwiTWF4V2lkdGgiOjIwMC4wLCJNYXhIZWlnaHQiOiJJbmZpbml0eSIsIlNtYXJ0Rm9yZWdyb3VuZElzQWN0aXZlIjpmYWxzZSwiSG9yaXpvbnRhbEFsaWdubWVudCI6MiwiVmVydGljYWxBbGlnbm1lbnQiOjAsIlNtYXJ0Rm9yZWdyb3VuZCI6bnVsbCwiQmFja2dyb3VuZEZpbGxUeXBlIjowLCJNYXJnaW4iOnsiJHJlZiI6IjE1NiJ9LCJQYWRkaW5nIjp7IiRyZWYiOiIxNTcifSwiQmFja2dyb3VuZCI6eyIkcmVmIjoiMTU4In0sIklzVmlzaWJsZSI6dHJ1ZSwiV2lkdGgiOjAuMCwiSGVpZ2h0IjowLjAsIkJvcmRlclN0eWxlIjp7IiRpZCI6IjMyNyIsIkxpbmVDb2xvciI6bnVsbCwiTGluZVdlaWdodCI6MC4wLCJMaW5lVHlwZSI6MCwiUGFyZW50U3R5bGUiOm51bGx9LCJQYXJlbnRTdHlsZSI6bnVsbH0sIkRhdGVGb3JtYXQiOnsiJHJlZiI6IjE1OSJ9LCJXZWVrTnVtYmVyaW5nIjp7IiRpZCI6IjMyOCIsIkZvcm1hdCI6MCwiSXNWaXNpYmxlIjpmYWxzZSwiTGFzdEtub3duVmlzaWJpbGl0eVN0YXRlIjpmYWxzZX0sIklzVmlzaWJsZSI6dHJ1ZSwiUGFyZW50U3R5bGUiOm51bGx9LCJJbmRleCI6NCwiU21hcnREdXJhdGlvbkFjdGl2YXRlZCI6ZmFsc2UsIkRhdGVGb3JtYXQiOnsiJHJlZiI6IjE1OSJ9LCJXZWVrTnVtYmVyaW5nIjp7IiRpZCI6IjMyOSIsIkZvcm1hdCI6MCwiSXNWaXNpYmxlIjpmYWxzZSwiTGFzdEtub3duVmlzaWJpbGl0eVN0YXRlIjpmYWxzZX0sIklkIjoiYTllNzUyMTEtYmY0ZC00MTVmLWE0MTUtNDgyM2RmMWU5NThkIiwiSW1wb3J0SWQiOm51bGwsIlRpdGxlIjoiT3B0aW1pc2F0aW9uIG9mIGNsYXNzaWZpZXJzIiwiTm90ZSI6bnVsbCwiSHlwZXJsaW5rIjp7IiRpZCI6IjMzMCIsIkFkZHJlc3MiOm51bGwsIlN1YkFkZHJlc3MiOm51bGx9LCJJc0NoYW5nZWQiOmZhbHNlLCJJc05ldyI6ZmFsc2V9LHsiJGlkIjoiMzMxIiwiR3JvdXBOYW1lIjpudWxsLCJTdGFydERhdGUiOiIyMDIyLTA1LTEwVDAwOjAwOjAwWiIsIkVuZERhdGUiOiIyMDIyLTA1LTIwVDIzOjU5OjAwWiIsIlBlcmNlbnRhZ2VDb21wbGV0ZSI6bnVsbCwiU3R5bGUiOnsiJGlkIjoiMzMyIiwiU2hhcGUiOjEsIlNoYXBlVGhpY2tuZXNzIjoxLCJEdXJhdGlvbkZvcm1hdCI6MCwiSW5jbHVkZU5vbldvcmtpbmdEYXlzSW5EdXJhdGlvbiI6ZmFsc2UsIlBlcmNlbnRhZ2VDb21wbGV0ZVN0eWxlIjp7IiRpZCI6IjMzMyIsIkZvbnRTZXR0aW5ncyI6eyIkaWQiOiIzMzQiLCJGb250U2l6ZSI6MTAsIkZvbnROYW1lIjoiQ2FsaWJyaSIsIklzQm9sZCI6ZmFsc2UsIklzSXRhbGljIjpmYWxzZSwiSXNVbmRlcmxpbmVkIjpmYWxzZSwiUGFyZW50U3R5bGUiOm51bGx9LCJBdXRvU2l6ZSI6MCwiRm9yZWdyb3VuZCI6eyIkcmVmIjoiMjI3In0sIk1heFdpZHRoIjoyMDAuMCwiTWF4SGVpZ2h0IjoiSW5maW5pdHkiLCJTbWFydEZvcmVncm91bmRJc0FjdGl2ZSI6ZmFsc2UsIkhvcml6b250YWxBbGlnbm1lbnQiOjAsIlZlcnRpY2FsQWxpZ25tZW50IjowLCJTbWFydEZvcmVncm91bmQiOm51bGwsIkJhY2tncm91bmRGaWxsVHlwZSI6MCwiTWFyZ2luIjp7IiRyZWYiOiIxMjEifSwiUGFkZGluZyI6eyIkcmVmIjoiMTIyIn0sIkJhY2tncm91bmQiOnsiJHJlZiI6IjEyMyJ9LCJJc1Zpc2libGUiOnRydWUsIldpZHRoIjowLjAsIkhlaWdodCI6MC4wLCJCb3JkZXJTdHlsZSI6eyIkaWQiOiIzMzUiLCJMaW5lQ29sb3IiOm51bGwsIkxpbmVXZWlnaHQiOjAuMCwiTGluZVR5cGUiOjAsIlBhcmVudFN0eWxlIjpudWxsfSwiUGFyZW50U3R5bGUiOm51bGx9LCJEdXJhdGlvblN0eWxlIjp7IiRpZCI6IjMzNiIsIkZvbnRTZXR0aW5ncyI6eyIkaWQiOiIzMzciLCJGb250U2l6ZSI6MTAsIkZvbnROYW1lIjoiQ2FsaWJyaSIsIklzQm9sZCI6ZmFsc2UsIklzSXRhbGljIjpmYWxzZSwiSXNVbmRlcmxpbmVkIjpmYWxzZSwiUGFyZW50U3R5bGUiOm51bGx9LCJBdXRvU2l6ZSI6MCwiRm9yZWdyb3VuZCI6eyIkcmVmIjoiMTI2In0sIk1heFdpZHRoIjoyMDAuMCwiTWF4SGVpZ2h0IjoiSW5maW5pdHkiLCJTbWFydEZvcmVncm91bmRJc0FjdGl2ZSI6ZmFsc2UsIkhvcml6b250YWxBbGlnbm1lbnQiOjEsIlZlcnRpY2FsQWxpZ25tZW50IjowLCJTbWFydEZvcmVncm91bmQiOm51bGwsIkJhY2tncm91bmRGaWxsVHlwZSI6MCwiTWFyZ2luIjp7IiRyZWYiOiIxMjgifSwiUGFkZGluZyI6eyIkcmVmIjoiMTI5In0sIkJhY2tncm91bmQiOnsiJHJlZiI6IjEzMCJ9LCJJc1Zpc2libGUiOnRydWUsIldpZHRoIjowLjAsIkhlaWdodCI6MC4wLCJCb3JkZXJTdHlsZSI6eyIkaWQiOiIzMzgiLCJMaW5lQ29sb3IiOm51bGwsIkxpbmVXZWlnaHQiOjAuMCwiTGluZVR5cGUiOjAsIlBhcmVudFN0eWxlIjpudWxsfSwiUGFyZW50U3R5bGUiOm51bGx9LCJIb3Jpem9udGFsQ29ubmVjdG9yU3R5bGUiOnsiJGlkIjoiMzM5IiwiTGluZUNvbG9yIjp7IiRyZWYiOiIxMzIifSwiTGluZVdlaWdodCI6MS4wLCJMaW5lVHlwZSI6MCwiUGFyZW50U3R5bGUiOm51bGx9LCJWZXJ0aWNhbENvbm5lY3RvclN0eWxlIjp7IiRpZCI6IjM0MCIsIkxpbmVDb2xvciI6eyIkcmVmIjoiMTM1In0sIkxpbmVXZWlnaHQiOjAuMCwiTGluZVR5cGUiOjAsIlBhcmVudFN0eWxlIjpudWxsfSwiTWFyZ2luIjpudWxsLCJTdGFydERhdGVQb3NpdGlvbiI6MywiRW5kRGF0ZVBvc2l0aW9uIjozLCJEYXRlSXNWaXNpYmxlIjp0cnVlLCJUaXRsZVBvc2l0aW9uIjo0LCJEdXJhdGlvblBvc2l0aW9uIjoyLCJQZXJjZW50YWdlQ29tcGxldGVkUG9zaXRpb24iOjYsIlNwYWNpbmciOjUsIklzQmVsb3dUaW1lYmFuZCI6ZmFsc2UsIlBlcmNlbnRhZ2VDb21wbGV0ZVNoYXBlT3BhY2l0eSI6MzUsIlNoYXBlU3R5bGUiOnsiJGlkIjoiMzQxIiwiTWFyZ2luIjp7IiRyZWYiOiIxMzgifSwiUGFkZGluZyI6eyIkcmVmIjoiMTM5In0sIkJhY2tncm91bmQiOnsiJGlkIjoiMzQyIiwiQ29sb3IiOnsiJGlkIjoiMzQzIiwiQSI6MjU1LCJSIjoxMzksIkciOjIxOCwiQiI6MjMzfX0sIklzVmlzaWJsZSI6dHJ1ZSwiV2lkdGgiOjAuMCwiSGVpZ2h0IjoxNi4wLCJCb3JkZXJTdHlsZSI6eyIkaWQiOiIzNDQiLCJMaW5lQ29sb3IiOnsiJHJlZiI6IjE0MyJ9LCJMaW5lV2VpZ2h0IjowLjAsIkxpbmVUeXBlIjowLCJQYXJlbnRTdHlsZSI6bnVsbH0sIlBhcmVudFN0eWxlIjpudWxsfSwiVGl0bGVTdHlsZSI6eyIkaWQiOiIzNDUiLCJGb250U2V0dGluZ3MiOnsiJGlkIjoiMzQ2IiwiRm9udFNpemUiOjEyLCJGb250TmFtZSI6IkNhbGlicmkiLCJJc0JvbGQiOnRydWUsIklzSXRhbGljIjpmYWxzZSwiSXNVbmRlcmxpbmVkIjpmYWxzZSwiUGFyZW50U3R5bGUiOm51bGx9LCJBdXRvU2l6ZSI6MCwiRm9yZWdyb3VuZCI6eyIkcmVmIjoiMTQ3In0sIk1heFdpZHRoIjo3MjAuMCwiTWF4SGVpZ2h0IjoiSW5maW5pdHkiLCJTbWFydEZvcmVncm91bmRJc0FjdGl2ZSI6ZmFsc2UsIkhvcml6b250YWxBbGlnbm1lbnQiOjAsIlZlcnRpY2FsQWxpZ25tZW50IjowLCJTbWFydEZvcmVncm91bmQiOm51bGwsIkJhY2tncm91bmRGaWxsVHlwZSI6MCwiTWFyZ2luIjp7IiRyZWYiOiIxNDkifSwiUGFkZGluZyI6eyIkcmVmIjoiMTUwIn0sIkJhY2tncm91bmQiOnsiJHJlZiI6IjE1MSJ9LCJJc1Zpc2libGUiOnRydWUsIldpZHRoIjowLjAsIkhlaWdodCI6MC4wLCJCb3JkZXJTdHlsZSI6eyIkaWQiOiIzNDciLCJMaW5lQ29sb3IiOm51bGwsIkxpbmVXZWlnaHQiOjAuMCwiTGluZVR5cGUiOjAsIlBhcmVudFN0eWxlIjpudWxsfSwiUGFyZW50U3R5bGUiOm51bGx9LCJEYXRlU3R5bGUiOnsiJGlkIjoiMzQ4IiwiRm9udFNldHRpbmdzIjp7IiRpZCI6IjM0OSIsIkZvbnRTaXplIjoxMCwiRm9udE5hbWUiOiJDYWxpYnJpIiwiSXNCb2xkIjpmYWxzZSwiSXNJdGFsaWMiOmZhbHNlLCJJc1VuZGVybGluZWQiOmZhbHNlLCJQYXJlbnRTdHlsZSI6bnVsbH0sIkF1dG9TaXplIjowLCJGb3JlZ3JvdW5kIjp7IiRyZWYiOiIxNTQifSwiTWF4V2lkdGgiOjIwMC4wLCJNYXhIZWlnaHQiOiJJbmZpbml0eSIsIlNtYXJ0Rm9yZWdyb3VuZElzQWN0aXZlIjpmYWxzZSwiSG9yaXpvbnRhbEFsaWdubWVudCI6MiwiVmVydGljYWxBbGlnbm1lbnQiOjAsIlNtYXJ0Rm9yZWdyb3VuZCI6bnVsbCwiQmFja2dyb3VuZEZpbGxUeXBlIjowLCJNYXJnaW4iOnsiJHJlZiI6IjE1NiJ9LCJQYWRkaW5nIjp7IiRyZWYiOiIxNTcifSwiQmFja2dyb3VuZCI6eyIkcmVmIjoiMTU4In0sIklzVmlzaWJsZSI6dHJ1ZSwiV2lkdGgiOjAuMCwiSGVpZ2h0IjowLjAsIkJvcmRlclN0eWxlIjp7IiRpZCI6IjM1MCIsIkxpbmVDb2xvciI6bnVsbCwiTGluZVdlaWdodCI6MC4wLCJMaW5lVHlwZSI6MCwiUGFyZW50U3R5bGUiOm51bGx9LCJQYXJlbnRTdHlsZSI6bnVsbH0sIkRhdGVGb3JtYXQiOnsiJHJlZiI6IjE1OSJ9LCJXZWVrTnVtYmVyaW5nIjp7IiRpZCI6IjM1MSIsIkZvcm1hdCI6MCwiSXNWaXNpYmxlIjpmYWxzZSwiTGFzdEtub3duVmlzaWJpbGl0eVN0YXRlIjpmYWxzZX0sIklzVmlzaWJsZSI6dHJ1ZSwiUGFyZW50U3R5bGUiOm51bGx9LCJJbmRleCI6NSwiU21hcnREdXJhdGlvbkFjdGl2YXRlZCI6ZmFsc2UsIkRhdGVGb3JtYXQiOnsiJHJlZiI6IjE1OSJ9LCJXZWVrTnVtYmVyaW5nIjp7IiRpZCI6IjM1MiIsIkZvcm1hdCI6MCwiSXNWaXNpYmxlIjpmYWxzZSwiTGFzdEtub3duVmlzaWJpbGl0eVN0YXRlIjpmYWxzZX0sIklkIjoiZjQ1YTE1OWEtY2RlNC00N2VkLTkxYjQtMDdjMmJjYWU5NmY0IiwiSW1wb3J0SWQiOm51bGwsIlRpdGxlIjoiV3JpdGUgbWV0aG9kcyBzZWN0aW9uIiwiTm90ZSI6bnVsbCwiSHlwZXJsaW5rIjp7IiRpZCI6IjM1MyIsIkFkZHJlc3MiOiIiLCJTdWJBZGRyZXNzIjoiIn0sIklzQ2hhbmdlZCI6ZmFsc2UsIklzTmV3IjpmYWxzZX1dLCJTd2ltbGFuZXMiOltdLCJNc1Byb2plY3RJdGVtc1RyZWUiOnsiJGlkIjoiMzU0IiwiUm9vdCI6eyJJbXBvcnRJZCI6bnVsbCwiSXNJbXBvcnRlZCI6ZmFsc2UsIkNoaWxkcmVuIjpbXX19LCJNZXRhZGF0YSI6eyIkaWQiOiIzNTUiLCJSZWNlbnRDb2xvcnNDb2xsZWN0aW9uIjoiW1wiI0ZGMDA3MkJDXCIsXCIjRkYxQUFBNDJcIixcIiNGRkZFQkEwQVwiXSIsIlNvdXJjZVRlbXBsYXRlIjoie1wiJGlkXCI6XCIxXCIsXCJJZFwiOlwiY2MyNmY4NjMtMjdjZS00ODBlLWE1ODktYjNmMTJmMmQ2ZWIwXCIsXCJDdWx0dXJlSW5mb05hbWVcIjpcImVuLVVTXCIsXCJWZXJzaW9uXCI6e1wiJGlkXCI6XCIyXCIsXCJUZW1wbGF0ZURvbVZlcnNpb25cIjpcIjEuMi4wXCJ9LFwiRWZmZWN0XCI6MSxcIlN0eWxlXCI6e1wiJGlkXCI6XCIzXCIsXCJUaW1lYmFuZFN0eWxlXCI6e1wiJGlkXCI6XCI0XCIsXCJTY2FsZU1hcmtpbmdcIjoxLFwiU2hhcGVcIjoxMCxcIlNoYXBlU3R5bGVcIjp7XCIkaWRcIjpcIjVcIixcIk1hcmdpblwiOntcIiRpZFwiOlwiNlwiLFwiVG9wXCI6MC4wLFwiTGVmdFwiOjEwLjAsXCJSaWdodFwiOjEwLjAsXCJCb3R0b21cIjowLjB9LFwiUGFkZGluZ1wiOntcIiRpZFwiOlwiN1wiLFwiVG9wXCI6My4wLFwiTGVmdFwiOjAuMCxcIlJpZ2h0XCI6MC4wLFwiQm90dG9tXCI6My4wfSxcIkJhY2tncm91bmRcIjp7XCIkaWRcIjpcIjhcIixcIkNvbG9yXCI6e1wiJGlkXCI6XCI5XCIsXCJBXCI6MjU1LFwiUlwiOjY4LFwiR1wiOjg0LFwiQlwiOjEwNn19LFwiSXNWaXNpYmxlXCI6dHJ1ZSxcIldpZHRoXCI6ODU4LjAsXCJIZWlnaHRcIjoyMC4wLFwiQm9yZGVyU3R5bGVcIjp7XCIkaWRcIjpcIjEwXCIsXCJMaW5lQ29sb3JcIjp7XCIkaWRcIjpcIjExXCIsXCIkdHlwZVwiOlwiTkxSRS5Db21tb24uRG9tLlNvbGlkQ29sb3JCcnVzaCwgTkxSRS5Db21tb25cIixcIkNvbG9yXCI6e1wiJGlkXCI6XCIxMlwiLFwiQVwiOjI1NSxcIlJcIjoyNTUsXCJHXCI6MCxcIkJcIjowfX0sXCJMaW5lV2VpZ2h0XCI6MC4wLFwiTGluZVR5cGVcIjowfX0sXCJNaWRkbGVUaWVyU2hhcGVTdHlsZVwiOntcIiRpZFwiOlwiMTNcIixcIk1hcmdpblwiOntcIiRpZFwiOlwiMTRcIixcIlRvcFwiOjAuMCxcIkxlZnRcIjoxMC4wLFwiUmlnaHRcIjoxMC4wLFwiQm90dG9tXCI6MC4wfSxcIlBhZGRpbmdcIjp7XCIkaWRcIjpcIjE1XCIsXCJUb3BcIjozLjAsXCJMZWZ0XCI6MC4wLFwiUmlnaHRcIjowLjAsXCJCb3R0b21cIjozLjB9LFwiQmFja2dyb3VuZFwiOntcIiRpZFwiOlwiMTZcIixcIkNvbG9yXCI6e1wiJGlkXCI6XCIxN1wiLFwiQVwiOjI1NSxcIlJcIjo2OCxcIkdcIjo4NCxcIkJcIjoxMDZ9fSxcIklzVmlzaWJsZVwiOnRydWUsXCJXaWR0aFwiOjg1OC4wLFwiSGVpZ2h0XCI6MjAuMCxcIkJvcmRlclN0eWxlXCI6e1wiJGlkXCI6XCIxOFwiLFwiTGluZUNvbG9yXCI6e1wiJGlkXCI6XCIxOVwiLFwiJHR5cGVcIjpcIk5MUkUuQ29tbW9uLkRvbS5Tb2xpZENvbG9yQnJ1c2gsIE5MUkUuQ29tbW9uXCIsXCJDb2xvclwiOntcIiRpZFwiOlwiMjBcIixcIkFcIjoyNTUsXCJSXCI6MjU1LFwiR1wiOjAsXCJCXCI6MH19LFwiTGluZVdlaWdodFwiOjAuMCxcIkxpbmVUeXBlXCI6MH19LFwiQm90dG9tVGllclNoYXBlU3R5bGVcIjp7XCIkaWRcIjpcIjIxXCIsXCJNYXJnaW5cIjp7XCIkaWRcIjpcIjIyXCIsXCJUb3BcIjowLjAsXCJMZWZ0XCI6MTAuMCxcIlJpZ2h0XCI6MTAuMCxcIkJvdHRvbVwiOjAuMH0sXCJQYWRkaW5nXCI6e1wiJGlkXCI6XCIyM1wiLFwiVG9wXCI6My4wLFwiTGVmdFwiOjAuMCxcIlJpZ2h0XCI6MC4wLFwiQm90dG9tXCI6My4wfSxcIkJhY2tncm91bmRcIjp7XCIkaWRcIjpcIjI0XCIsXCJDb2xvclwiOntcIiRpZFwiOlwiMjVcIixcIkFcIjoyNTUsXCJSXCI6NjgsXCJHXCI6ODQsXCJCXCI6MTA2fX0sXCJJc1Zpc2libGVcIjp0cnVlLFwiV2lkdGhcIjo4NTguMCxcIkhlaWdodFwiOjIwLjAsXCJCb3JkZXJTdHlsZVwiOntcIiRpZFwiOlwiMjZcIixcIkxpbmVDb2xvclwiOntcIiRpZFwiOlwiMjdcIixcIiR0eXBlXCI6XCJOTFJFLkNvbW1vbi5Eb20uU29saWRDb2xvckJydXNoLCBOTFJFLkNvbW1vblwiLFwiQ29sb3JcIjp7XCIkaWRcIjpcIjI4XCIsXCJBXCI6MjU1LFwiUlwiOjI1NSxcIkdcIjowLFwiQlwiOjB9fSxcIkxpbmVXZWlnaHRcIjowLjAsXCJMaW5lVHlwZVwiOjB9fSxcIlJpZ2h0RW5kQ2Fwc1N0eWxlXCI6e1wiJGlkXCI6XCIyOVwiLFwiRm9udFNldHRpbmdzXCI6e1wiJGlkXCI6XCIzMFwiLFwiRm9udFNpemVcIjoxOCxcIkZvbnROYW1lXCI6XCJDYWxpYnJpXCIsXCJJc0JvbGRcIjp0cnVlLFwiSXNJdGFsaWNcIjpmYWxzZSxcIklzVW5kZXJsaW5lZFwiOmZhbHNlfSxcIkF1dG9TaXplXCI6MCxcIkZvcmVncm91bmRcIjp7XCIkaWRcIjpcIjMxXCIsXCJDb2xvclwiOntcIiRpZFwiOlwiMzJcIixcIkFcIjoyNTUsXCJSXCI6MjM3LFwiR1wiOjEyNSxcIkJcIjo0OX19LFwiQmFja2dyb3VuZEZpbGxUeXBlXCI6MCxcIk1heFdpZHRoXCI6XCJJbmZpbml0eVwiLFwiTWF4SGVpZ2h0XCI6XCJJbmZpbml0eVwiLFwiU21hcnRGb3JlZ3JvdW5kSXNBY3RpdmVcIjpmYWxzZSxcIkhvcml6b250YWxBbGlnbm1lbnRcIjowLFwiVmVydGljYWxBbGlnbm1lbnRcIjowLFwiU21hcnRGb3JlZ3JvdW5kXCI6bnVsbCxcIk1hcmdpblwiOntcIiRpZFwiOlwiMzNcIixcIlRvcFwiOjAuMCxcIkxlZnRcIjowLjAsXCJSaWdodFwiOjIwLjAsXCJCb3R0b21cIjowLjB9LFwiUGFkZGluZ1wiOntcIiRpZFwiOlwiMzRcIixcIlRvcFwiOjAuMCxcIkxlZnRcIjowLjAsXCJSaWdodFwiOjAuMCxcIkJvdHRvbVwiOjAuMH0sXCJCYWNrZ3JvdW5kXCI6e1wiJGlkXCI6XCIzNVwiLFwiQ29sb3JcIjp7XCIkaWRcIjpcIjM2XCIsXCJBXCI6MCxcIlJcIjowLFwiR1wiOjAsXCJCXCI6MH19LFwiSXNWaXNpYmxlXCI6dHJ1ZSxcIldpZHRoXCI6MC4wLFwiSGVpZ2h0XCI6MC4wLFwiQm9yZGVyU3R5bGVcIjpudWxsfSxcIkxlZnRFbmRDYXBzU3R5bGVcIjp7XCIkaWRcIjpcIjM3XCIsXCJGb250U2V0dGluZ3NcIjp7XCIkaWRcIjpcIjM4XCIsXCJGb250U2l6ZVwiOjE4LFwiRm9udE5hbWVcIjpcIkNhbGlicmlcIixcIklzQm9sZFwiOnRydWUsXCJJc0l0YWxpY1wiOmZhbHNlLFwiSXNVbmRlcmxpbmVkXCI6ZmFsc2V9LFwiQXV0b1NpemVcIjowLFwiRm9yZWdyb3VuZFwiOntcIiRpZFwiOlwiMzlcIixcIkNvbG9yXCI6e1wiJGlkXCI6XCI0MFwiLFwiQVwiOjI1NSxcIlJcIjoyMzcsXCJHXCI6MTI1LFwiQlwiOjQ5fX0sXCJCYWNrZ3JvdW5kRmlsbFR5cGVcIjowLFwiTWF4V2lkdGhcIjpcIkluZmluaXR5XCIsXCJNYXhIZWlnaHRcIjpcIkluZmluaXR5XCIsXCJTbWFydEZvcmVncm91bmRJc0FjdGl2ZVwiOmZhbHNlLFwiSG9yaXpvbnRhbEFsaWdubWVudFwiOjAsXCJWZXJ0aWNhbEFsaWdubWVudFwiOjAsXCJTbWFydEZvcmVncm91bmRcIjpudWxsLFwiTWFyZ2luXCI6e1wiJGlkXCI6XCI0MVwiLFwiVG9wXCI6MC4wLFwiTGVmdFwiOjIwLjAsXCJSaWdodFwiOjAuMCxcIkJvdHRvbVwiOjAuMH0sXCJQYWRkaW5nXCI6e1wiJGlkXCI6XCI0MlwiLFwiVG9wXCI6MC4wLFwiTGVmdFwiOjAuMCxcIlJpZ2h0XCI6MC4wLFwiQm90dG9tXCI6MC4wfSxcIkJhY2tncm91bmRcIjp7XCIkaWRcIjpcIjQzXCIsXCJDb2xvclwiOntcIiRyZWZcIjpcIjM2XCJ9fSxcIklzVmlzaWJsZVwiOmZhbHNlLFwiV2lkdGhcIjowLjAsXCJIZWlnaHRcIjowLjAsXCJCb3JkZXJTdHlsZVwiOm51bGx9LFwiVG9kYXlUZXh0U3R5bGVcIjp7XCIkaWRcIjpcIjQ0XCIsXCJGb250U2V0dGluZ3NcIjp7XCIkaWRcIjpcIjQ1XCIsXCJGb250U2l6ZVwiOjEyLFwiRm9udE5hbWVcIjpcIkNhbGlicmlcIixcIklzQm9sZFwiOmZhbHNlLFwiSXNJdGFsaWNcIjpmYWxzZSxcIklzVW5kZXJsaW5lZFwiOmZhbHNlfSxcIkF1dG9TaXplXCI6MCxcIkZvcmVncm91bmRcIjp7XCIkaWRcIjpcIjQ2XCIsXCJDb2xvclwiOntcIiRpZFwiOlwiNDdcIixcIkFcIjoyNTUsXCJSXCI6MCxcIkdcIjowLFwiQlwiOjB9fSxcIkJhY2tncm91bmRGaWxsVHlwZVwiOjAsXCJNYXhXaWR0aFwiOjIwMC4wLFwiTWF4SGVpZ2h0XCI6XCJJbmZpbml0eVwiLFwiU21hcnRGb3JlZ3JvdW5kSXNBY3RpdmVcIjpmYWxzZSxcIkhvcml6b250YWxBbGlnbm1lbnRcIjowLFwiVmVydGljYWxBbGlnbm1lbnRcIjowLFwiU21hcnRGb3JlZ3JvdW5kXCI6bnVsbCxcIk1hcmdpblwiOntcIiRpZFwiOlwiNDhcIixcIlRvcFwiOjAuMCxcIkxlZnRcIjowLjAsXCJSaWdodFwiOjAuMCxcIkJvdHRvbVwiOjAuMH0sXCJQYWRkaW5nXCI6e1wiJGlkXCI6XCI0OVwiLFwiVG9wXCI6MC4wLFwiTGVmdFwiOjAuMCxcIlJpZ2h0XCI6MC4wLFwiQm90dG9tXCI6MC4wfSxcIkJhY2tncm91bmRcIjp7XCIkaWRcIjpcIjUwXCIsXCJDb2xvclwiOntcIiRyZWZcIjpcIjM2XCJ9fSxcIklzVmlzaWJsZVwiOnRydWUsXCJXaWR0aFwiOjAuMCxcIkhlaWdodFwiOjAuMCxcIkJvcmRlclN0eWxlXCI6bnVsbH0sXCJUb2RheU1hcmtlclN0eWxlXCI6e1wiJGlkXCI6XCI1MVwiLFwiTWFyZ2luXCI6e1wiJGlkXCI6XCI1MlwiLFwiVG9wXCI6MC4wLFwiTGVmdFwiOjAuMCxcIlJpZ2h0XCI6MC4wLFwiQm90dG9tXCI6MC4wfSxcIlBhZGRpbmdcIjp7XCIkaWRcIjpcIjUzXCIsXCJUb3BcIjowLjAsXCJMZWZ0XCI6MC4wLFwiUmlnaHRcIjowLjAsXCJCb3R0b21cIjowLjB9LFwiQmFja2dyb3VuZFwiOntcIiRpZFwiOlwiNTRcIixcIkNvbG9yXCI6e1wiJGlkXCI6XCI1NVwiLFwiQVwiOjI1NSxcIlJcIjoyNTUsXCJHXCI6MCxcIkJcIjowfX0sXCJJc1Zpc2libGVcIjp0cnVlLFwiV2lkdGhcIjowLjAsXCJIZWlnaHRcIjowLjAsXCJCb3JkZXJTdHlsZVwiOm51bGx9LFwiU2NhbGVTdHlsZVwiOntcIiRpZFwiOlwiNTZcIixcIlNob3dTZWdtZW50U2VwYXJhdG9yc1wiOmZhbHNlLFwiU2VnbWVudFNlcGFyYXRvck9wYWNpdHlcIjozMCxcIlNoYXBlXCI6MyxcIkhhc0JlZW5WaXNpYmxlQmVmb3JlXCI6dHJ1ZSxcIkZvbnRTZXR0aW5nc1wiOntcIiRpZFwiOlwiNTdcIixcIkZvbnRTaXplXCI6MTIsXCJGb250TmFtZVwiOlwiQ2FsaWJyaVwiLFwiSXNCb2xkXCI6ZmFsc2UsXCJJc0l0YWxpY1wiOmZhbHNlLFwiSXNVbmRlcmxpbmVkXCI6ZmFsc2V9LFwiQXV0b1NpemVcIjowLFwiRm9yZWdyb3VuZFwiOntcIiRpZFwiOlwiNThcIixcIkNvbG9yXCI6e1wiJGlkXCI6XCI1OVwiLFwiQVwiOjI1NSxcIlJcIjoyNTUsXCJHXCI6MjU1LFwiQlwiOjI1NX19LFwiQmFja2dyb3VuZEZpbGxUeXBlXCI6MCxcIk1heFdpZHRoXCI6MjAwLjAsXCJNYXhIZWlnaHRcIjpcIkluZmluaXR5XCIsXCJTbWFydEZvcmVncm91bmRJc0FjdGl2ZVwiOmZhbHNlLFwiSG9yaXpvbnRhbEFsaWdubWVudFwiOjAsXCJWZXJ0aWNhbEFsaWdubWVudFwiOjEsXCJTbWFydEZvcmVncm91bmRcIjpudWxsLFwiTWFyZ2luXCI6e1wiJGlkXCI6XCI2MFwiLFwiVG9wXCI6MC4wLFwiTGVmdFwiOjUuMCxcIlJpZ2h0XCI6MC4wLFwiQm90dG9tXCI6MC4wfSxcIlBhZGRpbmdcIjp7XCIkaWRcIjpcIjYxXCIsXCJUb3BcIjowLjAsXCJMZWZ0XCI6MC4wLFwiUmlnaHRcIjowLjAsXCJCb3R0b21cIjowLjB9LFwiQmFja2dyb3VuZFwiOntcIiRpZFwiOlwiNjJcIixcIkNvbG9yXCI6e1wiJHJlZlwiOlwiMzZcIn19LFwiSXNWaXNpYmxlXCI6dHJ1ZSxcIldpZHRoXCI6MC4wLFwiSGVpZ2h0XCI6MC4wLFwiQm9yZGVyU3R5bGVcIjpudWxsfSxcIk1pZGRsZVRpZXJTY2FsZVN0eWxlXCI6e1wiJGlkXCI6XCI2M1wiLFwiU2hvd1NlZ21lbnRTZXBhcmF0b3JzXCI6ZmFsc2UsXCJTZWdtZW50U2VwYXJhdG9yT3BhY2l0eVwiOjMwLFwiU2hhcGVcIjozLFwiSGFzQmVlblZpc2libGVCZWZvcmVcIjpmYWxzZSxcIkZvbnRTZXR0aW5nc1wiOntcIiRpZFwiOlwiNjRcIixcIkZvbnRTaXplXCI6MTIsXCJGb250TmFtZVwiOlwiQ2FsaWJyaVwiLFwiSXNCb2xkXCI6ZmFsc2UsXCJJc0l0YWxpY1wiOmZhbHNlLFwiSXNVbmRlcmxpbmVkXCI6ZmFsc2V9LFwiQXV0b1NpemVcIjowLFwiRm9yZWdyb3VuZFwiOntcIiRpZFwiOlwiNjVcIixcIkNvbG9yXCI6e1wiJGlkXCI6XCI2NlwiLFwiQVwiOjI1NSxcIlJcIjoyNTUsXCJHXCI6MjU1LFwiQlwiOjI1NX19LFwiQmFja2dyb3VuZEZpbGxUeXBlXCI6MCxcIk1heFdpZHRoXCI6MjAwLjAsXCJNYXhIZWlnaHRcIjpcIkluZmluaXR5XCIsXCJTbWFydEZvcmVncm91bmRJc0FjdGl2ZVwiOmZhbHNlLFwiSG9yaXpvbnRhbEFsaWdubWVudFwiOjAsXCJWZXJ0aWNhbEFsaWdubWVudFwiOjEsXCJTbWFydEZvcmVncm91bmRcIjpudWxsLFwiTWFyZ2luXCI6e1wiJGlkXCI6XCI2N1wiLFwiVG9wXCI6MC4wLFwiTGVmdFwiOjUuMCxcIlJpZ2h0XCI6MC4wLFwiQm90dG9tXCI6MC4wfSxcIlBhZGRpbmdcIjp7XCIkaWRcIjpcIjY4XCIsXCJUb3BcIjowLjAsXCJMZWZ0XCI6MC4wLFwiUmlnaHRcIjowLjAsXCJCb3R0b21cIjowLjB9LFwiQmFja2dyb3VuZFwiOntcIiRpZFwiOlwiNjlcIixcIkNvbG9yXCI6e1wiJGlkXCI6XCI3MFwiLFwiQVwiOjAsXCJSXCI6MCxcIkdcIjowLFwiQlwiOjB9fSxcIklzVmlzaWJsZVwiOmZhbHNlLFwiV2lkdGhcIjowLjAsXCJIZWlnaHRcIjowLjAsXCJCb3JkZXJTdHlsZVwiOm51bGx9LFwiQm90dG9tVGllclNjYWxlU3R5bGVcIjp7XCIkaWRcIjpcIjcxXCIsXCJTaG93U2VnbWVudFNlcGFyYXRvcnNcIjpmYWxzZSxcIlNlZ21lbnRTZXBhcmF0b3JPcGFjaXR5XCI6MzAsXCJTaGFwZVwiOjMsXCJIYXNCZWVuVmlzaWJsZUJlZm9yZVwiOmZhbHNlLFwiRm9udFNldHRpbmdzXCI6e1wiJGlkXCI6XCI3MlwiLFwiRm9udFNpemVcIjoxMixcIkZvbnROYW1lXCI6XCJDYWxpYnJpXCIsXCJJc0JvbGRcIjpmYWxzZSxcIklzSXRhbGljXCI6ZmFsc2UsXCJJc1VuZGVybGluZWRcIjpmYWxzZX0sXCJBdXRvU2l6ZVwiOjAsXCJGb3JlZ3JvdW5kXCI6e1wiJGlkXCI6XCI3M1wiLFwiQ29sb3JcIjp7XCIkaWRcIjpcIjc0XCIsXCJBXCI6MjU1LFwiUlwiOjI1NSxcIkdcIjoyNTUsXCJCXCI6MjU1fX0sXCJCYWNrZ3JvdW5kRmlsbFR5cGVcIjowLFwiTWF4V2lkdGhcIjoyMDAuMCxcIk1heEhlaWdodFwiOlwiSW5maW5pdHlcIixcIlNtYXJ0Rm9yZWdyb3VuZElzQWN0aXZlXCI6ZmFsc2UsXCJIb3Jpem9udGFsQWxpZ25tZW50XCI6MCxcIlZlcnRpY2FsQWxpZ25tZW50XCI6MSxcIlNtYXJ0Rm9yZWdyb3VuZFwiOm51bGwsXCJNYXJnaW5cIjp7XCIkaWRcIjpcIjc1XCIsXCJUb3BcIjowLjAsXCJMZWZ0XCI6NS4wLFwiUmlnaHRcIjowLjAsXCJCb3R0b21cIjowLjB9LFwiUGFkZGluZ1wiOntcIiRpZFwiOlwiNzZcIixcIlRvcFwiOjAuMCxcIkxlZnRcIjowLjAsXCJSaWdodFwiOjAuMCxcIkJvdHRvbVwiOjAuMH0sXCJCYWNrZ3JvdW5kXCI6e1wiJGlkXCI6XCI3N1wiLFwiQ29sb3JcIjp7XCIkaWRcIjpcIjc4XCIsXCJBXCI6MCxcIlJcIjowLFwiR1wiOjAsXCJCXCI6MH19LFwiSXNWaXNpYmxlXCI6ZmFsc2UsXCJXaWR0aFwiOjAuMCxcIkhlaWdodFwiOjAuMCxcIkJvcmRlclN0eWxlXCI6bnVsbH0sXCJTaW5nbGVTY2FsZVNoYXBlU3R5bGVcIjpudWxsLFwiRWxhcHNlZFRpbWVCYWNrZ3JvdW5kXCI6e1wiJGlkXCI6XCI3OVwiLFwiQ29sb3JcIjp7XCIkaWRcIjpcIjgwXCIsXCJBXCI6MTkxLFwiUlwiOjI1NSxcIkdcIjowLFwiQlwiOjB9fSxcIkFwcGVuZFllYXJPblllYXJDaGFuZ2VcIjpmYWxzZSxcIkVsYXBzZWRUaW1lRm9ybWF0XCI6MixcIlRvZGF5TWFya2VyUG9zaXRpb25cIjozLFwiUXVpY2tQb3NpdGlvblwiOjIsXCJBYnNvbHV0ZVBvc2l0aW9uXCI6NDA1LjAsXCJNYXJnaW5cIjp7XCIkaWRcIjpcIjgxXCIsXCJUb3BcIjowLjAsXCJMZWZ0XCI6MTAuMCxcIlJpZ2h0XCI6MTAuMCxcIkJvdHRvbVwiOjAuMH0sXCJQYWRkaW5nXCI6e1wiJGlkXCI6XCI4MlwiLFwiVG9wXCI6MC4wLFwiTGVmdFwiOjAuMCxcIlJpZ2h0XCI6MC4wLFwiQm90dG9tXCI6MC4wfSxcIkJhY2tncm91bmRcIjp7XCIkaWRcIjpcIjgzXCIsXCJDb2xvclwiOntcIiRpZFwiOlwiODRcIixcIkFcIjoyNTUsXCJSXCI6NDcsXCJHXCI6NTQsXCJCXCI6MTUzfX0sXCJJc1Zpc2libGVcIjp0cnVlLFwiV2lkdGhcIjowLjAsXCJIZWlnaHRcIjowLjAsXCJCb3JkZXJTdHlsZVwiOm51bGx9LFwiRGVmYXVsdE1pbGVzdG9uZVN0eWxlXCI6e1wiJGlkXCI6XCI4NVwiLFwiU2hhcGVcIjoyLFwiQ29ubmVjdG9yTWFyZ2luXCI6e1wiJGlkXCI6XCI4NlwiLFwiVG9wXCI6MC4wLFwiTGVmdFwiOjIuMCxcIlJpZ2h0XCI6Mi4wLFwiQm90dG9tXCI6MC4wfSxcIkNvbm5lY3RvclN0eWxlXCI6e1wiJGlkXCI6XCI4N1wiLFwiTGluZUNvbG9yXCI6e1wiJGlkXCI6XCI4OFwiLFwiJHR5cGVcIjpcIk5MUkUuQ29tbW9uLkRvbS5Tb2xpZENvbG9yQnJ1c2gsIE5MUkUuQ29tbW9uXCIsXCJDb2xvclwiOntcIiRpZFwiOlwiODlcIixcIkFcIjoxMjcsXCJSXCI6NzksXCJHXCI6MTI5LFwiQlwiOjE4OX19LFwiTGluZVdlaWdodFwiOjEuMCxcIkxpbmVUeXBlXCI6MH0sXCJJc0JlbG93VGltZWJhbmRcIjpmYWxzZSxcIkhpZGVEYXRlXCI6ZmFsc2UsXCJTaGFwZVNpemVcIjoxLFwiU3BhY2luZ1wiOjIuMCxcIlBhZGRpbmdcIjp7XCIkaWRcIjpcIjkwXCIsXCJUb3BcIjo3LjAsXCJMZWZ0XCI6My4wLFwiUmlnaHRcIjowLjAsXCJCb3R0b21cIjoyLjB9LFwiUG9zaXRpb25cIjpudWxsLFwiUG9zaXRpb25PblRhc2tcIjowLFwiU2hhcGVTdHlsZVwiOntcIiRpZFwiOlwiOTFcIixcIk1hcmdpblwiOntcIiRpZFwiOlwiOTJcIixcIlRvcFwiOjAuMCxcIkxlZnRcIjowLjAsXCJSaWdodFwiOjAuMCxcIkJvdHRvbVwiOjAuMH0sXCJQYWRkaW5nXCI6e1wiJGlkXCI6XCI5M1wiLFwiVG9wXCI6MC4wLFwiTGVmdFwiOjAuMCxcIlJpZ2h0XCI6MC4wLFwiQm90dG9tXCI6MC4wfSxcIkJhY2tncm91bmRcIjp7XCIkaWRcIjpcIjk0XCIsXCJDb2xvclwiOntcIiRpZFwiOlwiOTVcIixcIkFcIjoyNTUsXCJSXCI6MCxcIkdcIjoxMTQsXCJCXCI6MTg4fX0sXCJJc1Zpc2libGVcIjp0cnVlLFwiV2lkdGhcIjoxMy4wLFwiSGVpZ2h0XCI6MTMuMCxcIkJvcmRlclN0eWxlXCI6e1wiJGlkXCI6XCI5NlwiLFwiTGluZUNvbG9yXCI6e1wiJGlkXCI6XCI5N1wiLFwiJHR5cGVcIjpcIk5MUkUuQ29tbW9uLkRvbS5Tb2xpZENvbG9yQnJ1c2gsIE5MUkUuQ29tbW9uXCIsXCJDb2xvclwiOntcIiRpZFwiOlwiOThcIixcIkFcIjoyNTUsXCJSXCI6MjU1LFwiR1wiOjAsXCJCXCI6MH19LFwiTGluZVdlaWdodFwiOjAuMCxcIkxpbmVUeXBlXCI6MH19LFwiVGl0bGVTdHlsZVwiOntcIiRpZFwiOlwiOTlcIixcIkZvbnRTZXR0aW5nc1wiOntcIiRpZFwiOlwiMTAwXCIsXCJGb250U2l6ZVwiOjExLFwiRm9udE5hbWVcIjpcIkNhbGlicmlcIixcIklzQm9sZFwiOnRydWUsXCJJc0l0YWxpY1wiOmZhbHNlLFwiSXNVbmRlcmxpbmVkXCI6ZmFsc2V9LFwiQXV0b1NpemVcIjowLFwiRm9yZWdyb3VuZFwiOntcIiRpZFwiOlwiMTAxXCIsXCJDb2xvclwiOntcIiRpZFwiOlwiMTAyXCIsXCJBXCI6MjU1LFwiUlwiOjAsXCJHXCI6MCxcIkJcIjowfX0sXCJCYWNrZ3JvdW5kRmlsbFR5cGVcIjowLFwiTWF4V2lkdGhcIjoyMDAuMCxcIk1heEhlaWdodFwiOlwiSW5maW5pdHlcIixcIlNtYXJ0Rm9yZWdyb3VuZElzQWN0aXZlXCI6ZmFsc2UsXCJIb3Jpem9udGFsQWxpZ25tZW50XCI6MCxcIlZlcnRpY2FsQWxpZ25tZW50XCI6MCxcIlNtYXJ0Rm9yZWdyb3VuZFwiOm51bGwsXCJNYXJnaW5cIjp7XCIkaWRcIjpcIjEwM1wiLFwiVG9wXCI6MC4wLFwiTGVmdFwiOjAuMCxcIlJpZ2h0XCI6MC4wLFwiQm90dG9tXCI6MC4wfSxcIlBhZGRpbmdcIjp7XCIkaWRcIjpcIjEwNFwiLFwiVG9wXCI6MC4wLFwiTGVmdFwiOjAuMCxcIlJpZ2h0XCI6MC4wLFwiQm90dG9tXCI6MC4wfSxcIkJhY2tncm91bmRcIjp7XCIkaWRcIjpcIjEwNVwiLFwiQ29sb3JcIjp7XCIkcmVmXCI6XCIzNlwifX0sXCJJc1Zpc2libGVcIjp0cnVlLFwiV2lkdGhcIjowLjAsXCJIZWlnaHRcIjowLjAsXCJCb3JkZXJTdHlsZVwiOm51bGx9LFwiRGF0ZVN0eWxlXCI6e1wiJGlkXCI6XCIxMDZcIixcIkZvbnRTZXR0aW5nc1wiOntcIiRpZFwiOlwiMTA3XCIsXCJGb250U2l6ZVwiOjEwLFwiRm9udE5hbWVcIjpcIkNhbGlicmlcIixcIklzQm9sZFwiOmZhbHNlLFwiSXNJdGFsaWNcIjpmYWxzZSxcIklzVW5kZXJsaW5lZFwiOmZhbHNlfSxcIkF1dG9TaXplXCI6MCxcIkZvcmVncm91bmRcIjp7XCIkaWRcIjpcIjEwOFwiLFwiQ29sb3JcIjp7XCIkaWRcIjpcIjEwOVwiLFwiQVwiOjI1NSxcIlJcIjo2OCxcIkdcIjo4NCxcIkJcIjoxMDZ9fSxcIkJhY2tncm91bmRGaWxsVHlwZVwiOjAsXCJNYXhXaWR0aFwiOjIwMC4wLFwiTWF4SGVpZ2h0XCI6XCJJbmZpbml0eVwiLFwiU21hcnRGb3JlZ3JvdW5kSXNBY3RpdmVcIjpmYWxzZSxcIkhvcml6b250YWxBbGlnbm1lbnRcIjowLFwiVmVydGljYWxBbGlnbm1lbnRcIjowLFwiU21hcnRGb3JlZ3JvdW5kXCI6bnVsbCxcIk1hcmdpblwiOntcIiRpZFwiOlwiMTEwXCIsXCJUb3BcIjowLjAsXCJMZWZ0XCI6MC4wLFwiUmlnaHRcIjowLjAsXCJCb3R0b21cIjowLjB9LFwiUGFkZGluZ1wiOntcIiRpZFwiOlwiMTExXCIsXCJUb3BcIjowLjAsXCJMZWZ0XCI6MC4wLFwiUmlnaHRcIjowLjAsXCJCb3R0b21cIjowLjB9LFwiQmFja2dyb3VuZFwiOntcIiRpZFwiOlwiMTEyXCIsXCJDb2xvclwiOntcIiRyZWZcIjpcIjM2XCJ9fSxcIklzVmlzaWJsZVwiOnRydWUsXCJXaWR0aFwiOjAuMCxcIkhlaWdodFwiOjAuMCxcIkJvcmRlclN0eWxlXCI6bnVsbH0sXCJEYXRlRm9ybWF0XCI6e1wiJGlkXCI6XCIxMTNcIixcIkZvcm1hdFN0cmluZ1wiOlwiTU1NIGRcIixcIlNlcGFyYXRvclwiOlwiL1wiLFwiVXNlSW50ZXJuYXRpb25hbERhdGVGb3JtYXRcIjpmYWxzZSxcIkRhdGVJc1Zpc2libGVcIjp0cnVlLFwiVGltZUlzVmlzaWJsZVwiOmZhbHNlLFwiSG91ckRpZ2l0c1wiOjEsXCJBbVBtRGVzaWduYXRvclwiOjIsXCJUcmltMDBNaW51dGVzXCI6ZmFsc2UsXCJMYXN0S25vd25WaXNpYmlsaXR5U3RhdGVcIjpudWxsfSxcIklzVmlzaWJsZVwiOnRydWV9LFwiRGVmYXVsdFRhc2tTdHlsZVwiOntcIiRpZFwiOlwiMTE0XCIsXCJTaGFwZVwiOjEsXCJTaGFwZVRoaWNrbmVzc1wiOjAsXCJEdXJhdGlvbkZvcm1hdFwiOjAsXCJQZXJjZW50YWdlQ29tcGxldGVTdHlsZVwiOntcIiRpZFwiOlwiMTE1XCIsXCJGb250U2V0dGluZ3NcIjp7XCIkaWRcIjpcIjExNlwiLFwiRm9udFNpemVcIjoxMCxcIkZvbnROYW1lXCI6XCJDYWxpYnJpXCIsXCJJc0JvbGRcIjpmYWxzZSxcIklzSXRhbGljXCI6ZmFsc2UsXCJJc1VuZGVybGluZWRcIjpmYWxzZX0sXCJBdXRvU2l6ZVwiOjAsXCJGb3JlZ3JvdW5kXCI6e1wiJGlkXCI6XCIxMTdcIixcIkNvbG9yXCI6e1wiJGlkXCI6XCIxMThcIixcIkFcIjoyNTUsXCJSXCI6MjM3LFwiR1wiOjEyNSxcIkJcIjo0OX19LFwiQmFja2dyb3VuZEZpbGxUeXBlXCI6MCxcIk1heFdpZHRoXCI6MjAwLjAsXCJNYXhIZWlnaHRcIjpcIkluZmluaXR5XCIsXCJTbWFydEZvcmVncm91bmRJc0FjdGl2ZVwiOmZhbHNlLFwiSG9yaXpvbnRhbEFsaWdubWVudFwiOjAsXCJWZXJ0aWNhbEFsaWdubWVudFwiOjAsXCJTbWFydEZvcmVncm91bmRcIjpudWxsLFwiTWFyZ2luXCI6e1wiJGlkXCI6XCIxMTlcIixcIlRvcFwiOjAuMCxcIkxlZnRcIjowLjAsXCJSaWdodFwiOjAuMCxcIkJvdHRvbVwiOjAuMH0sXCJQYWRkaW5nXCI6e1wiJGlkXCI6XCIxMjBcIixcIlRvcFwiOjAuMCxcIkxlZnRcIjowLjAsXCJSaWdodFwiOjAuMCxcIkJvdHRvbVwiOjAuMH0sXCJCYWNrZ3JvdW5kXCI6e1wiJGlkXCI6XCIxMjFcIixcIkNvbG9yXCI6e1wiJHJlZlwiOlwiMzZcIn19LFwiSXNWaXNpYmxlXCI6dHJ1ZSxcIldpZHRoXCI6MC4wLFwiSGVpZ2h0XCI6MC4wLFwiQm9yZGVyU3R5bGVcIjpudWxsfSxcIkR1cmF0aW9uU3R5bGVcIjp7XCIkaWRcIjpcIjEyMlwiLFwiRm9udFNldHRpbmdzXCI6e1wiJGlkXCI6XCIxMjNcIixcIkZvbnRTaXplXCI6MTAsXCJGb250TmFtZVwiOlwiQ2FsaWJyaVwiLFwiSXNCb2xkXCI6ZmFsc2UsXCJJc0l0YWxpY1wiOmZhbHNlLFwiSXNVbmRlcmxpbmVkXCI6ZmFsc2V9LFwiQXV0b1NpemVcIjowLFwiRm9yZWdyb3VuZFwiOntcIiRpZFwiOlwiMTI0XCIsXCJDb2xvclwiOntcIiRpZFwiOlwiMTI1XCIsXCJBXCI6MjU1LFwiUlwiOjIzNyxcIkdcIjoxMjUsXCJCXCI6NDl9fSxcIkJhY2tncm91bmRGaWxsVHlwZVwiOjAsXCJNYXhXaWR0aFwiOjIwMC4wLFwiTWF4SGVpZ2h0XCI6XCJJbmZpbml0eVwiLFwiU21hcnRGb3JlZ3JvdW5kSXNBY3RpdmVcIjpmYWxzZSxcIkhvcml6b250YWxBbGlnbm1lbnRcIjowLFwiVmVydGljYWxBbGlnbm1lbnRcIjowLFwiU21hcnRGb3JlZ3JvdW5kXCI6bnVsbCxcIk1hcmdpblwiOntcIiRpZFwiOlwiMTI2XCIsXCJUb3BcIjowLjAsXCJMZWZ0XCI6MC4wLFwiUmlnaHRcIjowLjAsXCJCb3R0b21cIjowLjB9LFwiUGFkZGluZ1wiOntcIiRpZFwiOlwiMTI3XCIsXCJUb3BcIjowLjAsXCJMZWZ0XCI6MC4wLFwiUmlnaHRcIjowLjAsXCJCb3R0b21cIjowLjB9LFwiQmFja2dyb3VuZFwiOntcIiRpZFwiOlwiMTI4XCIsXCJDb2xvclwiOntcIiRyZWZcIjpcIjM2XCJ9fSxcIklzVmlzaWJsZVwiOnRydWUsXCJXaWR0aFwiOjAuMCxcIkhlaWdodFwiOjAuMCxcIkJvcmRlclN0eWxlXCI6bnVsbH0sXCJIb3Jpem9udGFsQ29ubmVjdG9yU3R5bGVcIjp7XCIkaWRcIjpcIjEyOVwiLFwiTGluZUNvbG9yXCI6e1wiJGlkXCI6XCIxMzBcIixcIiR0eXBlXCI6XCJOTFJFLkNvbW1vbi5Eb20uU29saWRDb2xvckJydXNoLCBOTFJFLkNvbW1vblwiLFwiQ29sb3JcIjp7XCIkaWRcIjpcIjEzMVwiLFwiQVwiOjI1NSxcIlJcIjoyMDQsXCJHXCI6MjA0LFwiQlwiOjIwNH19LFwiTGluZVdlaWdodFwiOjEuMCxcIkxpbmVUeXBlXCI6MH0sXCJWZXJ0aWNhbENvbm5lY3RvclN0eWxlXCI6e1wiJGlkXCI6XCIxMzJcIixcIkxpbmVDb2xvclwiOntcIiRpZFwiOlwiMTMzXCIsXCIkdHlwZVwiOlwiTkxSRS5Db21tb24uRG9tLlNvbGlkQ29sb3JCcnVzaCwgTkxSRS5Db21tb25cIixcIkNvbG9yXCI6e1wiJGlkXCI6XCIxMzRcIixcIkFcIjoyNTUsXCJSXCI6MjA0LFwiR1wiOjIwNCxcIkJcIjoyMDR9fSxcIkxpbmVXZWlnaHRcIjowLjAsXCJMaW5lVHlwZVwiOjB9LFwiTWFyZ2luXCI6bnVsbCxcIlN0YXJ0RGF0ZVBvc2l0aW9uXCI6MyxcIkVuZERhdGVQb3NpdGlvblwiOjMsXCJUaXRsZVBvc2l0aW9uXCI6NCxcIkR1cmF0aW9uUG9zaXRpb25cIjo2LFwiUGVyY2VudGFnZUNvbXBsZXRlZFBvc2l0aW9uXCI6NixcIlNwYWNpbmdcIjo1LFwiSXNCZWxvd1RpbWViYW5kXCI6ZmFsc2UsXCJQZXJjZW50YWdlQ29tcGxldGVTaGFwZU9wYWNpdHlcIjozNSxcIkdyb3VwTmFtZVwiOm51bGwsXCJBdHRhY2hlZE1pbGVzdG9uZXNTdHlsZXNcIjpudWxsLFwiU2hhcGVTdHlsZVwiOntcIiRpZFwiOlwiMTM1XCIsXCJNYXJnaW5cIjp7XCIkaWRcIjpcIjEzNlwiLFwiVG9wXCI6MC4wLFwiTGVmdFwiOjQuMCxcIlJpZ2h0XCI6NC4wLFwiQm90dG9tXCI6MC4wfSxcIlBhZGRpbmdcIjp7XCIkaWRcIjpcIjEzN1wiLFwiVG9wXCI6MC4wLFwiTGVmdFwiOjAuMCxcIlJpZ2h0XCI6MC4wLFwiQm90dG9tXCI6MC4wfSxcIkJhY2tncm91bmRcIjp7XCIkaWRcIjpcIjEzOFwiLFwiQ29sb3JcIjp7XCIkaWRcIjpcIjEzOVwiLFwiQVwiOjI1NSxcIlJcIjowLFwiR1wiOjExNCxcIkJcIjoxODh9fSxcIklzVmlzaWJsZVwiOnRydWUsXCJXaWR0aFwiOjAuMCxcIkhlaWdodFwiOjEwLjAsXCJCb3JkZXJTdHlsZVwiOntcIiRpZFwiOlwiMTQwXCIsXCJMaW5lQ29sb3JcIjp7XCIkaWRcIjpcIjE0MVwiLFwiJHR5cGVcIjpcIk5MUkUuQ29tbW9uLkRvbS5Tb2xpZENvbG9yQnJ1c2gsIE5MUkUuQ29tbW9uXCIsXCJDb2xvclwiOntcIiRpZFwiOlwiMTQyXCIsXCJBXCI6MjU1LFwiUlwiOjI1NSxcIkdcIjowLFwiQlwiOjB9fSxcIkxpbmVXZWlnaHRcIjowLjAsXCJMaW5lVHlwZVwiOjB9fSxcIlRpdGxlU3R5bGVcIjp7XCIkaWRcIjpcIjE0M1wiLFwiRm9udFNldHRpbmdzXCI6e1wiJGlkXCI6XCIxNDRcIixcIkZvbnRTaXplXCI6MTEsXCJGb250TmFtZVwiOlwiQ2FsaWJyaVwiLFwiSXNCb2xkXCI6dHJ1ZSxcIklzSXRhbGljXCI6ZmFsc2UsXCJJc1VuZGVybGluZWRcIjpmYWxzZX0sXCJBdXRvU2l6ZVwiOjAsXCJGb3JlZ3JvdW5kXCI6e1wiJGlkXCI6XCIxNDVcIixcIkNvbG9yXCI6e1wiJGlkXCI6XCIxNDZcIixcIkFcIjoyNTUsXCJSXCI6MCxcIkdcIjowLFwiQlwiOjB9fSxcIkJhY2tncm91bmRGaWxsVHlwZVwiOjAsXCJNYXhXaWR0aFwiOjk2MC4wLFwiTWF4SGVpZ2h0XCI6XCJJbmZpbml0eVwiLFwiU21hcnRGb3JlZ3JvdW5kSXNBY3RpdmVcIjpmYWxzZSxcIkhvcml6b250YWxBbGlnbm1lbnRcIjowLFwiVmVydGljYWxBbGlnbm1lbnRcIjowLFwiU21hcnRGb3JlZ3JvdW5kXCI6bnVsbCxcIk1hcmdpblwiOntcIiRpZFwiOlwiMTQ3XCIsXCJUb3BcIjowLjAsXCJMZWZ0XCI6MC4wLFwiUmlnaHRcIjowLjAsXCJCb3R0b21cIjowLjB9LFwiUGFkZGluZ1wiOntcIiRpZFwiOlwiMTQ4XCIsXCJUb3BcIjowLjAsXCJMZWZ0XCI6MC4wLFwiUmlnaHRcIjowLjAsXCJCb3R0b21cIjowLjB9LFwiQmFja2dyb3VuZFwiOntcIiRpZFwiOlwiMTQ5XCIsXCJDb2xvclwiOntcIiRyZWZcIjpcIjM2XCJ9fSxcIklzVmlzaWJsZVwiOnRydWUsXCJXaWR0aFwiOjAuMCxcIkhlaWdodFwiOjAuMCxcIkJvcmRlclN0eWxlXCI6bnVsbH0sXCJEYXRlU3R5bGVcIjp7XCIkaWRcIjpcIjE1MFwiLFwiRm9udFNldHRpbmdzXCI6e1wiJGlkXCI6XCIxNTFcIixcIkZvbnRTaXplXCI6MTAsXCJGb250TmFtZVwiOlwiQ2FsaWJyaVwiLFwiSXNCb2xkXCI6ZmFsc2UsXCJJc0l0YWxpY1wiOmZhbHNlLFwiSXNVbmRlcmxpbmVkXCI6ZmFsc2V9LFwiQXV0b1NpemVcIjowLFwiRm9yZWdyb3VuZFwiOntcIiRpZFwiOlwiMTUyXCIsXCJDb2xvclwiOntcIiRpZFwiOlwiMTUzXCIsXCJBXCI6MjU1LFwiUlwiOjY4LFwiR1wiOjg0LFwiQlwiOjEwNn19LFwiQmFja2dyb3VuZEZpbGxUeXBlXCI6MCxcIk1heFdpZHRoXCI6MjAwLjAsXCJNYXhIZWlnaHRcIjpcIkluZmluaXR5XCIsXCJTbWFydEZvcmVncm91bmRJc0FjdGl2ZVwiOmZhbHNlLFwiSG9yaXpvbnRhbEFsaWdubWVudFwiOjIsXCJWZXJ0aWNhbEFsaWdubWVudFwiOjAsXCJTbWFydEZvcmVncm91bmRcIjpudWxsLFwiTWFyZ2luXCI6e1wiJGlkXCI6XCIxNTRcIixcIlRvcFwiOjAuMCxcIkxlZnRcIjowLjAsXCJSaWdodFwiOjAuMCxcIkJvdHRvbVwiOjAuMH0sXCJQYWRkaW5nXCI6e1wiJGlkXCI6XCIxNTVcIixcIlRvcFwiOjAuMCxcIkxlZnRcIjowLjAsXCJSaWdodFwiOjAuMCxcIkJvdHRvbVwiOjAuMH0sXCJCYWNrZ3JvdW5kXCI6e1wiJGlkXCI6XCIxNTZcIixcIkNvbG9yXCI6e1wiJHJlZlwiOlwiMzZcIn19LFwiSXNWaXNpYmxlXCI6dHJ1ZSxcIldpZHRoXCI6MC4wLFwiSGVpZ2h0XCI6MC4wLFwiQm9yZGVyU3R5bGVcIjpudWxsfSxcIkRhdGVGb3JtYXRcIjp7XCIkaWRcIjpcIjE1N1wiLFwiRm9ybWF0U3RyaW5nXCI6XCJNTU0gZFwiLFwiU2VwYXJhdG9yXCI6XCIvXCIsXCJVc2VJbnRlcm5hdGlvbmFsRGF0ZUZvcm1hdFwiOmZhbHNlLFwiRGF0ZUlzVmlzaWJsZVwiOnRydWUsXCJUaW1lSXNWaXNpYmxlXCI6ZmFsc2UsXCJIb3VyRGlnaXRzXCI6MSxcIkFtUG1EZXNpZ25hdG9yXCI6MixcIlRyaW0wME1pbnV0ZXNcIjpmYWxzZSxcIkxhc3RLbm93blZpc2liaWxpdHlTdGF0ZVwiOm51bGx9LFwiSXNWaXNpYmxlXCI6dHJ1ZX0sXCJTaG93RWxhcHNlZFRpbWVHcmFkaWVudFN0eWxlXCI6ZmFsc2UsXCJUaW1lYmFuZFJlc2VydmVkTGVmdEFyZWFTdHlsZVwiOm51bGwsXCJEZWZhdWx0U3dpbWxhbmVTdHlsZVwiOntcIiRpZFwiOlwiMTU4XCIsXCJIZWFkZXJTdHlsZVwiOntcIiRpZFwiOlwiMTU5XCIsXCJUZXh0U3R5bGVcIjp7XCIkaWRcIjpcIjE2MFwiLFwiRm9udFNldHRpbmdzXCI6e1wiJGlkXCI6XCIxNjFcIixcIkZvbnRTaXplXCI6MTIsXCJGb250TmFtZVwiOlwiQ2FsaWJyaVwiLFwiSXNCb2xkXCI6ZmFsc2UsXCJJc0l0YWxpY1wiOmZhbHNlLFwiSXNVbmRlcmxpbmVkXCI6ZmFsc2V9LFwiQXV0b1NpemVcIjowLFwiRm9yZWdyb3VuZFwiOntcIiRpZFwiOlwiMTYyXCIsXCJDb2xvclwiOntcIiRpZFwiOlwiMTYzXCIsXCJBXCI6MjU1LFwiUlwiOjMyLFwiR1wiOjU2LFwiQlwiOjEwMH19LFwiQmFja2dyb3VuZEZpbGxUeXBlXCI6MCxcIk1heFdpZHRoXCI6MC4wLFwiTWF4SGVpZ2h0XCI6MC4wLFwiU21hcnRGb3JlZ3JvdW5kSXNBY3RpdmVcIjpmYWxzZSxcIkhvcml6b250YWxBbGlnbm1lbnRcIjowLFwiVmVydGljYWxBbGlnbm1lbnRcIjowLFwiU21hcnRGb3JlZ3JvdW5kXCI6bnVsbCxcIk1hcmdpblwiOntcIiRpZFwiOlwiMTY0XCIsXCJUb3BcIjowLjAsXCJMZWZ0XCI6MC4wLFwiUmlnaHRcIjowLjAsXCJCb3R0b21cIjowLjB9LFwiUGFkZGluZ1wiOntcIiRpZFwiOlwiMTY1XCIsXCJUb3BcIjowLjAsXCJMZWZ0XCI6MC4wLFwiUmlnaHRcIjowLjAsXCJCb3R0b21cIjowLjB9LFwiQmFja2dyb3VuZFwiOm51bGwsXCJJc1Zpc2libGVcIjpmYWxzZSxcIldpZHRoXCI6MC4wLFwiSGVpZ2h0XCI6MC4wLFwiQm9yZGVyU3R5bGVcIjpudWxsfSxcIlJlY3RhbmdsZVN0eWxlXCI6e1wiJGlkXCI6XCIxNjZcIixcIk1hcmdpblwiOntcIiRpZFwiOlwiMTY3XCIsXCJUb3BcIjowLjAsXCJMZWZ0XCI6MC4wLFwiUmlnaHRcIjowLjAsXCJCb3R0b21cIjowLjB9LFwiUGFkZGluZ1wiOntcIiRpZFwiOlwiMTY4XCIsXCJUb3BcIjowLjAsXCJMZWZ0XCI6MC4wLFwiUmlnaHRcIjowLjAsXCJCb3R0b21cIjowLjB9LFwiQmFja2dyb3VuZFwiOntcIiRpZFwiOlwiMTY5XCIsXCJDb2xvclwiOntcIiRpZFwiOlwiMTcwXCIsXCJBXCI6MTI3LFwiUlwiOjkxLFwiR1wiOjE1NSxcIkJcIjoyMTN9fSxcIklzVmlzaWJsZVwiOmZhbHNlLFwiV2lkdGhcIjowLjAsXCJIZWlnaHRcIjowLjAsXCJCb3JkZXJTdHlsZVwiOntcIiRpZFwiOlwiMTcxXCIsXCJMaW5lQ29sb3JcIjp7XCIkaWRcIjpcIjE3MlwiLFwiJHR5cGVcIjpcIk5MUkUuQ29tbW9uLkRvbS5Tb2xpZENvbG9yQnJ1c2gsIE5MUkUuQ29tbW9uXCIsXCJDb2xvclwiOntcIiRpZFwiOlwiMTczXCIsXCJBXCI6MjU1LFwiUlwiOjI1NSxcIkdcIjowLFwiQlwiOjB9fSxcIkxpbmVXZWlnaHRcIjowLjAsXCJMaW5lVHlwZVwiOjB9fSxcIlRleHRJc1ZlcnRpY2FsXCI6ZmFsc2V9LFwiQmFja2dyb3VuZFN0eWxlXCI6e1wiJGlkXCI6XCIxNzRcIixcIk1hcmdpblwiOntcIiRpZFwiOlwiMTc1XCIsXCJUb3BcIjowLjAsXCJMZWZ0XCI6MC4wLFwiUmlnaHRcIjowLjAsXCJCb3R0b21cIjowLjB9LFwiUGFkZGluZ1wiOntcIiRpZFwiOlwiMTc2XCIsXCJUb3BcIjowLjAsXCJMZWZ0XCI6MC4wLFwiUmlnaHRcIjowLjAsXCJCb3R0b21cIjowLjB9LFwiQmFja2dyb3VuZFwiOntcIiRpZFwiOlwiMTc3XCIsXCJDb2xvclwiOntcIiRpZFwiOlwiMTc4XCIsXCJBXCI6MzgsXCJSXCI6OTEsXCJHXCI6MTU1LFwiQlwiOjIxM319LFwiSXNWaXNpYmxlXCI6dHJ1ZSxcIldpZHRoXCI6MC4wLFwiSGVpZ2h0XCI6MC4wLFwiQm9yZGVyU3R5bGVcIjp7XCIkaWRcIjpcIjE3OVwiLFwiTGluZUNvbG9yXCI6e1wiJGlkXCI6XCIxODBcIixcIiR0eXBlXCI6XCJOTFJFLkNvbW1vbi5Eb20uU29saWRDb2xvckJydXNoLCBOTFJFLkNvbW1vblwiLFwiQ29sb3JcIjp7XCIkaWRcIjpcIjE4MVwiLFwiQVwiOjI1NSxcIlJcIjoyNTUsXCJHXCI6MCxcIkJcIjowfX0sXCJMaW5lV2VpZ2h0XCI6MC4wLFwiTGluZVR5cGVcIjowfX0sXCJJc0Fib3ZlVGltZWJhbmRcIjpmYWxzZX0sXCJDdXN0b21NaWxlc3RvbmVTdHlsZUxpc3RcIjpbXSxcIkN1c3RvbVRhc2tTdHlsZUxpc3RcIjpbXSxcIkN1c3RvbVN3aW1sYW5lRGVmaW5pdGlvblN0eWxlTGlzdFwiOltdLFwiQ3VzdG9tU3dpbWxhbmVWMlN0eWxlTGlzdFwiOltdLFwiR3JpZGxpbmVQYW5lbFN0eWxlXCI6e1wiJGlkXCI6XCIxODJcIixcIkdyaWRsaW5lU3R5bGVcIjp7XCIkaWRcIjpcIjE4M1wiLFwiTGluZUNvbG9yXCI6e1wiJGlkXCI6XCIxODRcIixcIiR0eXBlXCI6XCJOTFJFLkNvbW1vbi5Eb20uU29saWRDb2xvckJydXNoLCBOTFJFLkNvbW1vblwiLFwiQ29sb3JcIjp7XCIkaWRcIjpcIjE4NVwiLFwiQVwiOjM4LFwiUlwiOjkxLFwiR1wiOjE1NSxcIkJcIjoyMTN9fSxcIkxpbmVXZWlnaHRcIjoxLjAsXCJMaW5lVHlwZVwiOjB9LFwiSXNWaXNpYmxlXCI6dHJ1ZX0sXCJBY3Rpdml0eUxpbmVQYW5lbFN0eWxlXCI6e1wiJGlkXCI6XCIxODZcIixcIkFjdGl2aXR5TGluZVN0eWxlXCI6e1wiJGlkXCI6XCIxODdcIixcIkxpbmVDb2xvclwiOntcIiRpZFwiOlwiMTg4XCIsXCIkdHlwZVwiOlwiTkxSRS5Db21tb24uRG9tLlNvbGlkQ29sb3JCcnVzaCwgTkxSRS5Db21tb25cIixcIkNvbG9yXCI6e1wiJGlkXCI6XCIxODlcIixcIkFcIjozOCxcIlJcIjo2OCxcIkdcIjoxMTQsXCJCXCI6MTk2fX0sXCJMaW5lV2VpZ2h0XCI6MS4wLFwiTGluZVR5cGVcIjowfSxcIklzVmlzaWJsZVwiOnRydWV9fSxcIlNjYWxlXCI6e1wiJGlkXCI6XCIxOTBcIixcIlN0YXJ0RGF0ZVwiOlwiMDAwMS0wMS0wMVQwMDowMDowMFwiLFwiRW5kRGF0ZVwiOlwiMDAwMS0wMS0wMVQwMDowMDowMFwiLFwiRm9ybWF0XCI6XCJ3XCIsXCJUeXBlXCI6MSxcIkF1dG9EYXRlUmFuZ2VcIjp0cnVlLFwiV29ya2luZ0RheXNcIjozMSxcIlRvZGF5TWFya2VyVGV4dFwiOlwiVG9kYXlcIixcIkF1dG9TY2FsZVR5cGVcIjp0cnVlfSxcIlNjYWxlVjJcIjp7XCIkaWRcIjpcIjE5MVwiLFwiU3RhcnREYXRlXCI6XCIwMDAxLTAxLTAxVDAwOjAwOjAwXCIsXCJFbmREYXRlXCI6XCIwMDAxLTAxLTAxVDAwOjAwOjAwXCIsXCJBdXRvRGF0ZVJhbmdlXCI6dHJ1ZSxcIldvcmtpbmdEYXlzXCI6MzEsXCJUb2RheU1hcmtlclRleHRcIjpcIlRvZGF5XCIsXCJBdXRvU2NhbGVUeXBlXCI6dHJ1ZSxcIlRpbWViYW5kU2NhbGVzXCI6e1wiJGlkXCI6XCIxOTJcIixcIlRvcFNjYWxlTGF5ZXJcIjp7XCIkaWRcIjpcIjE5M1wiLFwiRm9ybWF0XCI6XCJ3XCIsXCJUeXBlXCI6MX0sXCJNaWRkbGVTY2FsZUxheWVyXCI6e1wiJGlkXCI6XCIxOTRcIixcIkZvcm1hdFwiOm51bGwsXCJUeXBlXCI6MH0sXCJCb3R0b21TY2FsZUxheWVyXCI6e1wiJGlkXCI6XCIxOTVcIixcIkZvcm1hdFwiOm51bGwsXCJUeXBlXCI6MH19fSxcIk1pbGVzdG9uZXNcIjpbXSxcIlRhc2tzXCI6W10sXCJTd2ltbGFuZXNcIjpbXSxcIlN3aW1sYW5lc1YyXCI6W10sXCJTZXR0aW5nc1wiOntcIiRpZFwiOlwiMTk2XCIsXCJJbXBhT3B0aW9uc1wiOntcIiRpZFwiOlwiMTk3XCIsXCJMZWZ0VG9SaWdodFwiOmZhbHNlLFwiUGF5bG9hZE9wdGlvbnNcIjoyfX0sXCJUaW1lQ29uZmlndXJhdGlvblwiOntcIiRpZFwiOlwiMTk4XCIsXCJVc2VUaW1lXCI6ZmFsc2UsXCJXb3JrRGF5U3RhcnRcIjpcIjAwOjAwOjAwXCIsXCJXb3JrRGF5RW5kXCI6XCIyMzo1OTowMFwifX0ifSwiU2V0dGluZ3MiOnsiJGlkIjoiMzU2IiwiSW1wYU9wdGlvbnMiOnsiJGlkIjoiMzU3IiwiTGVmdFRvUmlnaHQiOmZhbHNlLCJQYXlsb2FkT3B0aW9ucyI6Mn0sIlVzZUNvbXByZXNzaW9uIjpmYWxzZSwiQ29tcHJlc2lvblBlcmNlbnRhZ2UiOjUwLjAsIkluYWN0aXZlSW50ZXJ2YWxXaWR0aFRocmVzaG9sZCI6MzAuMCwiSW5hY3RpdmVJbnRlcnZhbFdpZHRoIjoxLjAsIlNwbGl0VGFza3MiOmZhbHNlLCJVc2VDbHVzdGVyIjpmYWxzZSwiRXBzaWxvbiI6NS4wLCJNaW5Qb2ludHNUb0Zvcm1BQ2x1c3RlciI6MiwiR2VuZXJhdGVJbnZpc2libGVTaGFwZXMiOmZhbHNlLCJTbWFydFRpbWVsaW5lVGFza1BlcmNlbnRhZ2VGaXQiOmZhbHNlfSwiSXNOZXciOmZhbHNlLCJJbXBvcnRUeXBlIjowLCJGaWxlUGF0aCI6bnVsbCwiVGltZUNvbmZpZ3VyYXRpb24iOnsiJGlkIjoiMzU4IiwiVXNlVGltZSI6ZmFsc2UsIldvcmtEYXlTdGFydCI6IjAwOjAwOjAwIiwiV29ya0RheUVuZCI6IjIzOjU5OjAwIn0sIkxhc3RVc2VkVGVtcGxhdGVJZCI6ImNjMjZmODYzLTI3Y2UtNDgwZS1hNTg5LWIzZjEyZjJkNmViMCIsIkZpcnN0V2Vla09mWWVhciI6MCwiUGxhY2VNaWxlc3RvbmVBdFRoZUJlZ2lubmluZ09mVGhlRGF5IjpmYWxzZX0="/>
   <p:tag name="__MASTER" val="__part_0"/>
 </p:tagLst>
 </file>
@@ -8967,9 +10307,9 @@
   <p:tag name="OTLTIMEBANDQUICKPOSITION" val="Bottom"/>
   <p:tag name="OTLTIMEBANDENDDATE" val="2022-08-26T23:59:00.0000000"/>
   <p:tag name="OTLLEFTENDCAPSMARGINLEFT" val="42.5066666666667"/>
+  <p:tag name="OTLMARKERSHAPE" val="OTL"/>
   <p:tag name="OTLTIMEBANDSCALETYPE" val="Weeks"/>
   <p:tag name="OTLTIMEBANDSCALEFORMAT" val="w"/>
-  <p:tag name="OTLMARKERSHAPE" val="OTL"/>
 </p:tagLst>
 </file>
 
@@ -9051,8 +10391,8 @@
   <p:tag name="OTLSPACING" val="5"/>
   <p:tag name="OTLSHAPETHICKNESSTYPE" val="Regular"/>
   <p:tag name="OTLMARKERSHAPE" val="OTL"/>
-  <p:tag name="OTLSTARTDATE" val="2022-05-03T00:00:00.0000000Z"/>
-  <p:tag name="OTLENDDATE" val="2022-05-06T23:59:00.0000000Z"/>
+  <p:tag name="OTLSTARTDATE" val="2022-05-02T00:00:00.0000000Z"/>
+  <p:tag name="OTLENDDATE" val="2022-05-04T23:59:00.0000000Z"/>
 </p:tagLst>
 </file>
 
@@ -9072,8 +10412,8 @@
   <p:tag name="OTLSPACING" val="5"/>
   <p:tag name="OTLSHAPETHICKNESSTYPE" val="Regular"/>
   <p:tag name="OTLMARKERSHAPE" val="OTL"/>
-  <p:tag name="OTLSTARTDATE" val="2022-05-03T00:00:00.0000000Z"/>
-  <p:tag name="OTLENDDATE" val="2022-05-11T23:59:00.0000000Z"/>
+  <p:tag name="OTLSTARTDATE" val="2022-05-09T00:00:00.0000000Z"/>
+  <p:tag name="OTLENDDATE" val="2022-05-13T23:59:00.0000000Z"/>
 </p:tagLst>
 </file>
 
@@ -9093,7 +10433,7 @@
   <p:tag name="OTLSPACING" val="5"/>
   <p:tag name="OTLSHAPETHICKNESSTYPE" val="Regular"/>
   <p:tag name="OTLMARKERSHAPE" val="OTL"/>
-  <p:tag name="OTLSTARTDATE" val="2022-05-03T00:00:00.0000000Z"/>
+  <p:tag name="OTLSTARTDATE" val="2022-05-02T00:00:00.0000000Z"/>
   <p:tag name="OTLENDDATE" val="2022-05-18T23:59:00.0000000Z"/>
 </p:tagLst>
 </file>
@@ -9101,18 +10441,63 @@
 <file path=ppt/tags/tag84.xml><?xml version="1.0" encoding="utf-8"?>
 <p:tagLst xmlns:a="http://schemas.openxmlformats.org/drawingml/2006/main" xmlns:r="http://schemas.openxmlformats.org/officeDocument/2006/relationships" xmlns:p="http://schemas.openxmlformats.org/presentationml/2006/main">
   <p:tag name="OTLMARKERSHAPE" val="OTL"/>
+  <p:tag name="OTLDATEFORMATSTRING" val="MMM d"/>
+  <p:tag name="OTLDATEFORMATSEPARATOR" val="/"/>
+  <p:tag name="OTLDATEFORMATUSEUS" val="True"/>
+  <p:tag name="OTLDATEFORMATDATEISVISIBLE" val="True"/>
+  <p:tag name="OTLDATEFORMATTIMEISVISIBLE" val="False"/>
+  <p:tag name="OTLDATEFORMATAMPMDESIGNATOR" val="AmPmLowerCase"/>
+  <p:tag name="OTLDATEFORMATHOURDIGITS" val="H"/>
+  <p:tag name="OTLDATEFORMATTRIM00MINUTES" val="False"/>
+  <p:tag name="OTLWEEKNUMBERINGFORMAT" val="WNFormat1"/>
+  <p:tag name="OTLWEEKNUMBERINGISVISIBLE" val="False"/>
+  <p:tag name="OTLDURATIONFORMAT" val="day"/>
+  <p:tag name="OTLSPACING" val="5"/>
+  <p:tag name="OTLSHAPETHICKNESSTYPE" val="Regular"/>
+  <p:tag name="OTLSTARTDATE" val="2022-05-02T00:00:00.0000000Z"/>
+  <p:tag name="OTLENDDATE" val="2022-05-06T23:59:00.0000000Z"/>
 </p:tagLst>
 </file>
 
 <file path=ppt/tags/tag85.xml><?xml version="1.0" encoding="utf-8"?>
 <p:tagLst xmlns:a="http://schemas.openxmlformats.org/drawingml/2006/main" xmlns:r="http://schemas.openxmlformats.org/officeDocument/2006/relationships" xmlns:p="http://schemas.openxmlformats.org/presentationml/2006/main">
   <p:tag name="OTLMARKERSHAPE" val="OTL"/>
+  <p:tag name="OTLDATEFORMATSTRING" val="MMM d"/>
+  <p:tag name="OTLDATEFORMATSEPARATOR" val="/"/>
+  <p:tag name="OTLDATEFORMATUSEUS" val="True"/>
+  <p:tag name="OTLDATEFORMATDATEISVISIBLE" val="True"/>
+  <p:tag name="OTLDATEFORMATTIMEISVISIBLE" val="False"/>
+  <p:tag name="OTLDATEFORMATAMPMDESIGNATOR" val="AmPmLowerCase"/>
+  <p:tag name="OTLDATEFORMATHOURDIGITS" val="H"/>
+  <p:tag name="OTLDATEFORMATTRIM00MINUTES" val="False"/>
+  <p:tag name="OTLWEEKNUMBERINGFORMAT" val="WNFormat1"/>
+  <p:tag name="OTLWEEKNUMBERINGISVISIBLE" val="False"/>
+  <p:tag name="OTLSTARTDATE" val="2022-05-10T00:00:00.0000000Z"/>
+  <p:tag name="OTLDURATIONFORMAT" val="day"/>
+  <p:tag name="OTLSPACING" val="5"/>
+  <p:tag name="OTLSHAPETHICKNESSTYPE" val="Regular"/>
+  <p:tag name="OTLENDDATE" val="2022-05-20T23:59:00.0000000Z"/>
 </p:tagLst>
 </file>
 
 <file path=ppt/tags/tag86.xml><?xml version="1.0" encoding="utf-8"?>
 <p:tagLst xmlns:a="http://schemas.openxmlformats.org/drawingml/2006/main" xmlns:r="http://schemas.openxmlformats.org/officeDocument/2006/relationships" xmlns:p="http://schemas.openxmlformats.org/presentationml/2006/main">
   <p:tag name="OTLMARKERSHAPE" val="OTL"/>
+  <p:tag name="OTLDATEFORMATSTRING" val="MMM d"/>
+  <p:tag name="OTLDATEFORMATSEPARATOR" val="/"/>
+  <p:tag name="OTLDATEFORMATUSEUS" val="True"/>
+  <p:tag name="OTLDATEFORMATDATEISVISIBLE" val="True"/>
+  <p:tag name="OTLDATEFORMATTIMEISVISIBLE" val="False"/>
+  <p:tag name="OTLDATEFORMATAMPMDESIGNATOR" val="AmPmLowerCase"/>
+  <p:tag name="OTLDATEFORMATHOURDIGITS" val="H"/>
+  <p:tag name="OTLDATEFORMATTRIM00MINUTES" val="False"/>
+  <p:tag name="OTLWEEKNUMBERINGFORMAT" val="WNFormat1"/>
+  <p:tag name="OTLWEEKNUMBERINGISVISIBLE" val="False"/>
+  <p:tag name="OTLSTARTDATE" val="2022-05-09T00:00:00.0000000Z"/>
+  <p:tag name="OTLENDDATE" val="2022-05-16T23:59:00.0000000Z"/>
+  <p:tag name="OTLDURATIONFORMAT" val="day"/>
+  <p:tag name="OTLSPACING" val="5"/>
+  <p:tag name="OTLSHAPETHICKNESSTYPE" val="Regular"/>
 </p:tagLst>
 </file>
 
@@ -9462,18 +10847,18 @@
 </file>
 
 <file path=customXml/item1.xml><?xml version="1.0" encoding="utf-8"?>
+<p:properties xmlns:p="http://schemas.microsoft.com/office/2006/metadata/properties" xmlns:xsi="http://www.w3.org/2001/XMLSchema-instance" xmlns:pc="http://schemas.microsoft.com/office/infopath/2007/PartnerControls">
+  <documentManagement/>
+</p:properties>
+</file>
+
+<file path=customXml/item2.xml><?xml version="1.0" encoding="utf-8"?>
 <?mso-contentType ?>
 <FormTemplates xmlns="http://schemas.microsoft.com/sharepoint/v3/contenttype/forms">
   <Display>DocumentLibraryForm</Display>
   <Edit>DocumentLibraryForm</Edit>
   <New>DocumentLibraryForm</New>
 </FormTemplates>
-</file>
-
-<file path=customXml/item2.xml><?xml version="1.0" encoding="utf-8"?>
-<p:properties xmlns:p="http://schemas.microsoft.com/office/2006/metadata/properties" xmlns:xsi="http://www.w3.org/2001/XMLSchema-instance" xmlns:pc="http://schemas.microsoft.com/office/infopath/2007/PartnerControls">
-  <documentManagement/>
-</p:properties>
 </file>
 
 <file path=customXml/item3.xml><?xml version="1.0" encoding="utf-8"?>
@@ -9694,14 +11079,6 @@
 </file>
 
 <file path=customXml/itemProps1.xml><?xml version="1.0" encoding="utf-8"?>
-<ds:datastoreItem xmlns:ds="http://schemas.openxmlformats.org/officeDocument/2006/customXml" ds:itemID="{B9505F6C-6655-4394-A390-5D0FFB49AEA6}">
-  <ds:schemaRefs>
-    <ds:schemaRef ds:uri="http://schemas.microsoft.com/sharepoint/v3/contenttype/forms"/>
-  </ds:schemaRefs>
-</ds:datastoreItem>
-</file>
-
-<file path=customXml/itemProps2.xml><?xml version="1.0" encoding="utf-8"?>
 <ds:datastoreItem xmlns:ds="http://schemas.openxmlformats.org/officeDocument/2006/customXml" ds:itemID="{A75EC8C0-5113-4EFD-AE80-6BEE7563151B}">
   <ds:schemaRefs>
     <ds:schemaRef ds:uri="7a019f6c-b0e0-4e4c-a8bf-0404b70041b7"/>
@@ -9714,6 +11091,14 @@
     <ds:schemaRef ds:uri="http://schemas.microsoft.com/office/2006/documentManagement/types"/>
     <ds:schemaRef ds:uri="http://purl.org/dc/dcmitype/"/>
     <ds:schemaRef ds:uri="http://purl.org/dc/elements/1.1/"/>
+  </ds:schemaRefs>
+</ds:datastoreItem>
+</file>
+
+<file path=customXml/itemProps2.xml><?xml version="1.0" encoding="utf-8"?>
+<ds:datastoreItem xmlns:ds="http://schemas.openxmlformats.org/officeDocument/2006/customXml" ds:itemID="{B9505F6C-6655-4394-A390-5D0FFB49AEA6}">
+  <ds:schemaRefs>
+    <ds:schemaRef ds:uri="http://schemas.microsoft.com/sharepoint/v3/contenttype/forms"/>
   </ds:schemaRefs>
 </ds:datastoreItem>
 </file>

--- a/Gantt_chart_Msc_Bioinf.pptx
+++ b/Gantt_chart_Msc_Bioinf.pptx
@@ -253,7 +253,7 @@
           <a:p>
             <a:fld id="{FE109C0C-FC66-4590-BD55-29E450DD3C9E}" type="datetimeFigureOut">
               <a:rPr lang="en-US" smtClean="0"/>
-              <a:t>5/9/2022</a:t>
+              <a:t>5/16/2022</a:t>
             </a:fld>
             <a:endParaRPr lang="en-US" dirty="0"/>
           </a:p>
@@ -421,7 +421,7 @@
           <a:p>
             <a:fld id="{FE109C0C-FC66-4590-BD55-29E450DD3C9E}" type="datetimeFigureOut">
               <a:rPr lang="en-US" smtClean="0"/>
-              <a:t>5/9/2022</a:t>
+              <a:t>5/16/2022</a:t>
             </a:fld>
             <a:endParaRPr lang="en-US" dirty="0"/>
           </a:p>
@@ -599,7 +599,7 @@
           <a:p>
             <a:fld id="{FE109C0C-FC66-4590-BD55-29E450DD3C9E}" type="datetimeFigureOut">
               <a:rPr lang="en-US" smtClean="0"/>
-              <a:t>5/9/2022</a:t>
+              <a:t>5/16/2022</a:t>
             </a:fld>
             <a:endParaRPr lang="en-US" dirty="0"/>
           </a:p>
@@ -767,7 +767,7 @@
           <a:p>
             <a:fld id="{FE109C0C-FC66-4590-BD55-29E450DD3C9E}" type="datetimeFigureOut">
               <a:rPr lang="en-US" smtClean="0"/>
-              <a:t>5/9/2022</a:t>
+              <a:t>5/16/2022</a:t>
             </a:fld>
             <a:endParaRPr lang="en-US" dirty="0"/>
           </a:p>
@@ -1012,7 +1012,7 @@
           <a:p>
             <a:fld id="{FE109C0C-FC66-4590-BD55-29E450DD3C9E}" type="datetimeFigureOut">
               <a:rPr lang="en-US" smtClean="0"/>
-              <a:t>5/9/2022</a:t>
+              <a:t>5/16/2022</a:t>
             </a:fld>
             <a:endParaRPr lang="en-US" dirty="0"/>
           </a:p>
@@ -1241,7 +1241,7 @@
           <a:p>
             <a:fld id="{FE109C0C-FC66-4590-BD55-29E450DD3C9E}" type="datetimeFigureOut">
               <a:rPr lang="en-US" smtClean="0"/>
-              <a:t>5/9/2022</a:t>
+              <a:t>5/16/2022</a:t>
             </a:fld>
             <a:endParaRPr lang="en-US" dirty="0"/>
           </a:p>
@@ -1605,7 +1605,7 @@
           <a:p>
             <a:fld id="{FE109C0C-FC66-4590-BD55-29E450DD3C9E}" type="datetimeFigureOut">
               <a:rPr lang="en-US" smtClean="0"/>
-              <a:t>5/9/2022</a:t>
+              <a:t>5/16/2022</a:t>
             </a:fld>
             <a:endParaRPr lang="en-US" dirty="0"/>
           </a:p>
@@ -1722,7 +1722,7 @@
           <a:p>
             <a:fld id="{FE109C0C-FC66-4590-BD55-29E450DD3C9E}" type="datetimeFigureOut">
               <a:rPr lang="en-US" smtClean="0"/>
-              <a:t>5/9/2022</a:t>
+              <a:t>5/16/2022</a:t>
             </a:fld>
             <a:endParaRPr lang="en-US" dirty="0"/>
           </a:p>
@@ -1817,7 +1817,7 @@
           <a:p>
             <a:fld id="{FE109C0C-FC66-4590-BD55-29E450DD3C9E}" type="datetimeFigureOut">
               <a:rPr lang="en-US" smtClean="0"/>
-              <a:t>5/9/2022</a:t>
+              <a:t>5/16/2022</a:t>
             </a:fld>
             <a:endParaRPr lang="en-US" dirty="0"/>
           </a:p>
@@ -2092,7 +2092,7 @@
           <a:p>
             <a:fld id="{FE109C0C-FC66-4590-BD55-29E450DD3C9E}" type="datetimeFigureOut">
               <a:rPr lang="en-US" smtClean="0"/>
-              <a:t>5/9/2022</a:t>
+              <a:t>5/16/2022</a:t>
             </a:fld>
             <a:endParaRPr lang="en-US" dirty="0"/>
           </a:p>
@@ -2344,7 +2344,7 @@
           <a:p>
             <a:fld id="{FE109C0C-FC66-4590-BD55-29E450DD3C9E}" type="datetimeFigureOut">
               <a:rPr lang="en-US" smtClean="0"/>
-              <a:t>5/9/2022</a:t>
+              <a:t>5/16/2022</a:t>
             </a:fld>
             <a:endParaRPr lang="en-US" dirty="0"/>
           </a:p>
@@ -2555,7 +2555,7 @@
           <a:p>
             <a:fld id="{FE109C0C-FC66-4590-BD55-29E450DD3C9E}" type="datetimeFigureOut">
               <a:rPr lang="en-US" smtClean="0"/>
-              <a:t>5/9/2022</a:t>
+              <a:t>5/16/2022</a:t>
             </a:fld>
             <a:endParaRPr lang="en-US" dirty="0"/>
           </a:p>
@@ -6617,7 +6617,7 @@
         <p:spPr>
           <a:xfrm>
             <a:off x="1155700" y="5346700"/>
-            <a:ext cx="3733800" cy="50800"/>
+            <a:ext cx="4241800" cy="50800"/>
           </a:xfrm>
           <a:prstGeom prst="roundRect">
             <a:avLst/>
@@ -6697,7 +6697,7 @@
         </p:nvSpPr>
         <p:spPr>
           <a:xfrm>
-            <a:off x="4843371" y="5397500"/>
+            <a:off x="5352570" y="5397500"/>
             <a:ext cx="76200" cy="84667"/>
           </a:xfrm>
           <a:prstGeom prst="triangle">
@@ -6769,7 +6769,7 @@
         </p:nvSpPr>
         <p:spPr>
           <a:xfrm>
-            <a:off x="4699528" y="5482167"/>
+            <a:off x="5208727" y="5482167"/>
             <a:ext cx="368300" cy="186055"/>
           </a:xfrm>
           <a:prstGeom prst="rect">
@@ -6858,7 +6858,7 @@
         </p:nvSpPr>
         <p:spPr>
           <a:xfrm>
-            <a:off x="4608013" y="5177472"/>
+            <a:off x="3252488" y="5177472"/>
             <a:ext cx="75470" cy="186055"/>
           </a:xfrm>
           <a:prstGeom prst="rect">
@@ -6946,7 +6946,7 @@
         </p:nvSpPr>
         <p:spPr>
           <a:xfrm>
-            <a:off x="7996827" y="5177472"/>
+            <a:off x="5285775" y="5177472"/>
             <a:ext cx="75470" cy="186055"/>
           </a:xfrm>
           <a:prstGeom prst="rect">
@@ -6972,6 +6972,94 @@
           </a:p>
         </p:txBody>
       </p:sp>
+      <p:sp>
+        <p:nvSpPr>
+          <p:cNvPr id="15" name="OTLSHAPE_TB_00000000000000000000000000000000_TimescaleInterval4">
+            <a:extLst>
+              <a:ext uri="{FF2B5EF4-FFF2-40B4-BE49-F238E27FC236}">
+                <a16:creationId xmlns:a16="http://schemas.microsoft.com/office/drawing/2014/main" id="{3DD2C945-9D42-7ABF-855A-66C511D81C0D}"/>
+              </a:ext>
+            </a:extLst>
+          </p:cNvPr>
+          <p:cNvSpPr txBox="1"/>
+          <p:nvPr>
+            <p:custDataLst>
+              <p:tags r:id="rId12"/>
+            </p:custDataLst>
+          </p:nvPr>
+        </p:nvSpPr>
+        <p:spPr>
+          <a:xfrm>
+            <a:off x="7319063" y="5177472"/>
+            <a:ext cx="75470" cy="186055"/>
+          </a:xfrm>
+          <a:prstGeom prst="rect">
+            <a:avLst/>
+          </a:prstGeom>
+          <a:noFill/>
+        </p:spPr>
+        <p:txBody>
+          <a:bodyPr vert="horz" wrap="none" lIns="0" tIns="0" rIns="0" bIns="0" rtlCol="0" anchor="ctr" anchorCtr="0">
+            <a:noAutofit/>
+          </a:bodyPr>
+          <a:lstStyle/>
+          <a:p>
+            <a:r>
+              <a:rPr lang="en-US" sz="1200" spc="-40">
+                <a:solidFill>
+                  <a:schemeClr val="lt1"/>
+                </a:solidFill>
+                <a:latin typeface="Calibri" panose="020F0502020204030204" pitchFamily="34" charset="0"/>
+              </a:rPr>
+              <a:t>4</a:t>
+            </a:r>
+          </a:p>
+        </p:txBody>
+      </p:sp>
+      <p:sp>
+        <p:nvSpPr>
+          <p:cNvPr id="17" name="OTLSHAPE_TB_00000000000000000000000000000000_TimescaleInterval5">
+            <a:extLst>
+              <a:ext uri="{FF2B5EF4-FFF2-40B4-BE49-F238E27FC236}">
+                <a16:creationId xmlns:a16="http://schemas.microsoft.com/office/drawing/2014/main" id="{815CC34E-37FC-71AE-3E91-446016A1E6C2}"/>
+              </a:ext>
+            </a:extLst>
+          </p:cNvPr>
+          <p:cNvSpPr txBox="1"/>
+          <p:nvPr>
+            <p:custDataLst>
+              <p:tags r:id="rId13"/>
+            </p:custDataLst>
+          </p:nvPr>
+        </p:nvSpPr>
+        <p:spPr>
+          <a:xfrm>
+            <a:off x="9352350" y="5177472"/>
+            <a:ext cx="75470" cy="186055"/>
+          </a:xfrm>
+          <a:prstGeom prst="rect">
+            <a:avLst/>
+          </a:prstGeom>
+          <a:noFill/>
+        </p:spPr>
+        <p:txBody>
+          <a:bodyPr vert="horz" wrap="none" lIns="0" tIns="0" rIns="0" bIns="0" rtlCol="0" anchor="ctr" anchorCtr="0">
+            <a:noAutofit/>
+          </a:bodyPr>
+          <a:lstStyle/>
+          <a:p>
+            <a:r>
+              <a:rPr lang="en-US" sz="1200" spc="-40">
+                <a:solidFill>
+                  <a:schemeClr val="lt1"/>
+                </a:solidFill>
+                <a:latin typeface="Calibri" panose="020F0502020204030204" pitchFamily="34" charset="0"/>
+              </a:rPr>
+              <a:t>5</a:t>
+            </a:r>
+          </a:p>
+        </p:txBody>
+      </p:sp>
       <p:cxnSp>
         <p:nvCxnSpPr>
           <p:cNvPr id="119" name="OTLSHAPE_TB_00000000000000000000000000000000_Separator1">
@@ -6984,19 +7072,19 @@
           <p:cNvCxnSpPr/>
           <p:nvPr>
             <p:custDataLst>
-              <p:tags r:id="rId12"/>
+              <p:tags r:id="rId14"/>
             </p:custDataLst>
           </p:nvPr>
         </p:nvCxnSpPr>
         <p:spPr>
           <a:xfrm>
-            <a:off x="4544508" y="5232400"/>
+            <a:off x="3188984" y="5232400"/>
             <a:ext cx="0" cy="76200"/>
           </a:xfrm>
           <a:prstGeom prst="line">
             <a:avLst/>
           </a:prstGeom>
-          <a:ln w="9525" cap="flat" cmpd="sng" algn="ctr">
+          <a:ln w="6350" cap="flat" cmpd="sng" algn="ctr">
             <a:solidFill>
               <a:schemeClr val="lt1">
                 <a:alpha val="29804"/>
@@ -7035,19 +7123,19 @@
           <p:cNvCxnSpPr/>
           <p:nvPr>
             <p:custDataLst>
-              <p:tags r:id="rId13"/>
+              <p:tags r:id="rId15"/>
             </p:custDataLst>
           </p:nvPr>
         </p:nvCxnSpPr>
         <p:spPr>
           <a:xfrm>
-            <a:off x="7933321" y="5232400"/>
+            <a:off x="5222272" y="5232400"/>
             <a:ext cx="0" cy="76200"/>
           </a:xfrm>
           <a:prstGeom prst="line">
             <a:avLst/>
           </a:prstGeom>
-          <a:ln w="9525" cap="flat" cmpd="sng" algn="ctr">
+          <a:ln w="6350" cap="flat" cmpd="sng" algn="ctr">
             <a:solidFill>
               <a:schemeClr val="lt1">
                 <a:alpha val="29804"/>
@@ -7074,6 +7162,108 @@
           </a:fontRef>
         </p:style>
       </p:cxnSp>
+      <p:cxnSp>
+        <p:nvCxnSpPr>
+          <p:cNvPr id="13" name="OTLSHAPE_TB_00000000000000000000000000000000_Separator3">
+            <a:extLst>
+              <a:ext uri="{FF2B5EF4-FFF2-40B4-BE49-F238E27FC236}">
+                <a16:creationId xmlns:a16="http://schemas.microsoft.com/office/drawing/2014/main" id="{9D08D504-5255-FB6E-023D-95FBDC22170C}"/>
+              </a:ext>
+            </a:extLst>
+          </p:cNvPr>
+          <p:cNvCxnSpPr/>
+          <p:nvPr>
+            <p:custDataLst>
+              <p:tags r:id="rId16"/>
+            </p:custDataLst>
+          </p:nvPr>
+        </p:nvCxnSpPr>
+        <p:spPr>
+          <a:xfrm>
+            <a:off x="7255559" y="5232400"/>
+            <a:ext cx="0" cy="76200"/>
+          </a:xfrm>
+          <a:prstGeom prst="line">
+            <a:avLst/>
+          </a:prstGeom>
+          <a:ln w="6350" cap="flat" cmpd="sng" algn="ctr">
+            <a:solidFill>
+              <a:schemeClr val="lt1">
+                <a:alpha val="29804"/>
+              </a:schemeClr>
+            </a:solidFill>
+            <a:prstDash val="solid"/>
+            <a:miter lim="800000"/>
+            <a:headEnd type="none" w="med" len="med"/>
+            <a:tailEnd type="none" w="med" len="med"/>
+          </a:ln>
+        </p:spPr>
+        <p:style>
+          <a:lnRef idx="1">
+            <a:schemeClr val="accent1"/>
+          </a:lnRef>
+          <a:fillRef idx="0">
+            <a:schemeClr val="accent1"/>
+          </a:fillRef>
+          <a:effectRef idx="0">
+            <a:schemeClr val="accent1"/>
+          </a:effectRef>
+          <a:fontRef idx="minor">
+            <a:schemeClr val="tx1"/>
+          </a:fontRef>
+        </p:style>
+      </p:cxnSp>
+      <p:cxnSp>
+        <p:nvCxnSpPr>
+          <p:cNvPr id="16" name="OTLSHAPE_TB_00000000000000000000000000000000_Separator4">
+            <a:extLst>
+              <a:ext uri="{FF2B5EF4-FFF2-40B4-BE49-F238E27FC236}">
+                <a16:creationId xmlns:a16="http://schemas.microsoft.com/office/drawing/2014/main" id="{052DFCBD-911E-D6B9-BF29-C990F88CAE6A}"/>
+              </a:ext>
+            </a:extLst>
+          </p:cNvPr>
+          <p:cNvCxnSpPr/>
+          <p:nvPr>
+            <p:custDataLst>
+              <p:tags r:id="rId17"/>
+            </p:custDataLst>
+          </p:nvPr>
+        </p:nvCxnSpPr>
+        <p:spPr>
+          <a:xfrm>
+            <a:off x="9288847" y="5232400"/>
+            <a:ext cx="0" cy="76200"/>
+          </a:xfrm>
+          <a:prstGeom prst="line">
+            <a:avLst/>
+          </a:prstGeom>
+          <a:ln w="6350" cap="flat" cmpd="sng" algn="ctr">
+            <a:solidFill>
+              <a:schemeClr val="lt1">
+                <a:alpha val="29804"/>
+              </a:schemeClr>
+            </a:solidFill>
+            <a:prstDash val="solid"/>
+            <a:miter lim="800000"/>
+            <a:headEnd type="none" w="med" len="med"/>
+            <a:tailEnd type="none" w="med" len="med"/>
+          </a:ln>
+        </p:spPr>
+        <p:style>
+          <a:lnRef idx="1">
+            <a:schemeClr val="accent1"/>
+          </a:lnRef>
+          <a:fillRef idx="0">
+            <a:schemeClr val="accent1"/>
+          </a:fillRef>
+          <a:effectRef idx="0">
+            <a:schemeClr val="accent1"/>
+          </a:effectRef>
+          <a:fontRef idx="minor">
+            <a:schemeClr val="tx1"/>
+          </a:fontRef>
+        </p:style>
+      </p:cxnSp>
       <p:sp>
         <p:nvSpPr>
           <p:cNvPr id="106" name="OTLSHAPE_T_93ee150c9d7b4ee0b81d772d821bf80b_Shape">
@@ -7086,14 +7276,14 @@
           <p:cNvSpPr/>
           <p:nvPr>
             <p:custDataLst>
-              <p:tags r:id="rId14"/>
-            </p:custDataLst>
-          </p:nvPr>
-        </p:nvSpPr>
-        <p:spPr>
-          <a:xfrm>
-            <a:off x="1155700" y="3403600"/>
-            <a:ext cx="1460500" cy="203200"/>
+              <p:tags r:id="rId18"/>
+            </p:custDataLst>
+          </p:nvPr>
+        </p:nvSpPr>
+        <p:spPr>
+          <a:xfrm>
+            <a:off x="1155700" y="3136900"/>
+            <a:ext cx="876300" cy="203200"/>
           </a:xfrm>
           <a:prstGeom prst="roundRect">
             <a:avLst/>
@@ -7154,14 +7344,14 @@
           <p:cNvSpPr/>
           <p:nvPr>
             <p:custDataLst>
-              <p:tags r:id="rId15"/>
-            </p:custDataLst>
-          </p:nvPr>
-        </p:nvSpPr>
-        <p:spPr>
-          <a:xfrm>
-            <a:off x="4544513" y="4203700"/>
-            <a:ext cx="2425700" cy="203200"/>
+              <p:tags r:id="rId19"/>
+            </p:custDataLst>
+          </p:nvPr>
+        </p:nvSpPr>
+        <p:spPr>
+          <a:xfrm>
+            <a:off x="3188988" y="3937000"/>
+            <a:ext cx="1460500" cy="203200"/>
           </a:xfrm>
           <a:prstGeom prst="roundRect">
             <a:avLst/>
@@ -7222,14 +7412,14 @@
           <p:cNvSpPr/>
           <p:nvPr>
             <p:custDataLst>
-              <p:tags r:id="rId16"/>
-            </p:custDataLst>
-          </p:nvPr>
-        </p:nvSpPr>
-        <p:spPr>
-          <a:xfrm>
-            <a:off x="1155700" y="4470400"/>
-            <a:ext cx="8242300" cy="203200"/>
+              <p:tags r:id="rId20"/>
+            </p:custDataLst>
+          </p:nvPr>
+        </p:nvSpPr>
+        <p:spPr>
+          <a:xfrm>
+            <a:off x="3188988" y="4203700"/>
+            <a:ext cx="3492500" cy="203200"/>
           </a:xfrm>
           <a:prstGeom prst="roundRect">
             <a:avLst/>
@@ -7290,14 +7480,14 @@
           <p:cNvSpPr/>
           <p:nvPr>
             <p:custDataLst>
-              <p:tags r:id="rId17"/>
-            </p:custDataLst>
-          </p:nvPr>
-        </p:nvSpPr>
-        <p:spPr>
-          <a:xfrm>
-            <a:off x="1155700" y="3670300"/>
-            <a:ext cx="2425700" cy="203200"/>
+              <p:tags r:id="rId21"/>
+            </p:custDataLst>
+          </p:nvPr>
+        </p:nvSpPr>
+        <p:spPr>
+          <a:xfrm>
+            <a:off x="1155700" y="3403600"/>
+            <a:ext cx="1460500" cy="203200"/>
           </a:xfrm>
           <a:prstGeom prst="roundRect">
             <a:avLst/>
@@ -7358,14 +7548,14 @@
           <p:cNvSpPr/>
           <p:nvPr>
             <p:custDataLst>
-              <p:tags r:id="rId18"/>
-            </p:custDataLst>
-          </p:nvPr>
-        </p:nvSpPr>
-        <p:spPr>
-          <a:xfrm>
-            <a:off x="5028629" y="4737100"/>
-            <a:ext cx="5334000" cy="203200"/>
+              <p:tags r:id="rId22"/>
+            </p:custDataLst>
+          </p:nvPr>
+        </p:nvSpPr>
+        <p:spPr>
+          <a:xfrm>
+            <a:off x="3479457" y="4470400"/>
+            <a:ext cx="3200400" cy="203200"/>
           </a:xfrm>
           <a:prstGeom prst="roundRect">
             <a:avLst/>
@@ -7426,14 +7616,14 @@
           <p:cNvSpPr/>
           <p:nvPr>
             <p:custDataLst>
-              <p:tags r:id="rId19"/>
-            </p:custDataLst>
-          </p:nvPr>
-        </p:nvSpPr>
-        <p:spPr>
-          <a:xfrm>
-            <a:off x="4544513" y="3937000"/>
-            <a:ext cx="3873500" cy="203200"/>
+              <p:tags r:id="rId23"/>
+            </p:custDataLst>
+          </p:nvPr>
+        </p:nvSpPr>
+        <p:spPr>
+          <a:xfrm>
+            <a:off x="3188988" y="3670300"/>
+            <a:ext cx="2324100" cy="203200"/>
           </a:xfrm>
           <a:prstGeom prst="roundRect">
             <a:avLst/>
@@ -7484,6 +7674,74 @@
       </p:sp>
       <p:sp>
         <p:nvSpPr>
+          <p:cNvPr id="18" name="OTLSHAPE_T_314e05db593b4eb8898cb38b3a4c2585_Shape">
+            <a:extLst>
+              <a:ext uri="{FF2B5EF4-FFF2-40B4-BE49-F238E27FC236}">
+                <a16:creationId xmlns:a16="http://schemas.microsoft.com/office/drawing/2014/main" id="{D4686A14-F897-1F04-DAA3-545E64F8D6A8}"/>
+              </a:ext>
+            </a:extLst>
+          </p:cNvPr>
+          <p:cNvSpPr/>
+          <p:nvPr>
+            <p:custDataLst>
+              <p:tags r:id="rId24"/>
+            </p:custDataLst>
+          </p:nvPr>
+        </p:nvSpPr>
+        <p:spPr>
+          <a:xfrm>
+            <a:off x="7255563" y="4737100"/>
+            <a:ext cx="2616200" cy="203200"/>
+          </a:xfrm>
+          <a:prstGeom prst="roundRect">
+            <a:avLst/>
+          </a:prstGeom>
+          <a:solidFill>
+            <a:srgbClr val="C09EE2"/>
+          </a:solidFill>
+          <a:ln w="12700" cap="flat" cmpd="sng" algn="ctr">
+            <a:noFill/>
+            <a:prstDash val="solid"/>
+            <a:miter lim="800000"/>
+          </a:ln>
+          <a:effectLst/>
+          <a:scene3d>
+            <a:camera prst="orthographicFront"/>
+            <a:lightRig rig="balanced" dir="t">
+              <a:rot lat="0" lon="0" rev="8700000"/>
+            </a:lightRig>
+          </a:scene3d>
+          <a:sp3d>
+            <a:bevelT w="165100" h="12700"/>
+          </a:sp3d>
+        </p:spPr>
+        <p:style>
+          <a:lnRef idx="2">
+            <a:schemeClr val="accent1">
+              <a:shade val="50000"/>
+            </a:schemeClr>
+          </a:lnRef>
+          <a:fillRef idx="1">
+            <a:schemeClr val="accent1"/>
+          </a:fillRef>
+          <a:effectRef idx="0">
+            <a:schemeClr val="accent1"/>
+          </a:effectRef>
+          <a:fontRef idx="minor">
+            <a:schemeClr val="lt1"/>
+          </a:fontRef>
+        </p:style>
+        <p:txBody>
+          <a:bodyPr rtlCol="0" anchor="ctr"/>
+          <a:lstStyle/>
+          <a:p>
+            <a:pPr algn="ctr"/>
+            <a:endParaRPr lang="en-US"/>
+          </a:p>
+        </p:txBody>
+      </p:sp>
+      <p:sp>
+        <p:nvSpPr>
           <p:cNvPr id="107" name="OTLSHAPE_T_93ee150c9d7b4ee0b81d772d821bf80b_ShapePercentage" hidden="1">
             <a:extLst>
               <a:ext uri="{FF2B5EF4-FFF2-40B4-BE49-F238E27FC236}">
@@ -7494,13 +7752,13 @@
           <p:cNvSpPr/>
           <p:nvPr>
             <p:custDataLst>
-              <p:tags r:id="rId20"/>
-            </p:custDataLst>
-          </p:nvPr>
-        </p:nvSpPr>
-        <p:spPr>
-          <a:xfrm>
-            <a:off x="1155700" y="3403600"/>
+              <p:tags r:id="rId25"/>
+            </p:custDataLst>
+          </p:nvPr>
+        </p:nvSpPr>
+        <p:spPr>
+          <a:xfrm>
+            <a:off x="1155700" y="3136900"/>
             <a:ext cx="0" cy="0"/>
           </a:xfrm>
           <a:prstGeom prst="roundRect">
@@ -7568,13 +7826,13 @@
           <p:cNvSpPr/>
           <p:nvPr>
             <p:custDataLst>
-              <p:tags r:id="rId21"/>
-            </p:custDataLst>
-          </p:nvPr>
-        </p:nvSpPr>
-        <p:spPr>
-          <a:xfrm>
-            <a:off x="4544513" y="4203700"/>
+              <p:tags r:id="rId26"/>
+            </p:custDataLst>
+          </p:nvPr>
+        </p:nvSpPr>
+        <p:spPr>
+          <a:xfrm>
+            <a:off x="3188988" y="3937000"/>
             <a:ext cx="0" cy="0"/>
           </a:xfrm>
           <a:prstGeom prst="roundRect">
@@ -7642,13 +7900,13 @@
           <p:cNvSpPr/>
           <p:nvPr>
             <p:custDataLst>
-              <p:tags r:id="rId22"/>
-            </p:custDataLst>
-          </p:nvPr>
-        </p:nvSpPr>
-        <p:spPr>
-          <a:xfrm>
-            <a:off x="1155700" y="4470400"/>
+              <p:tags r:id="rId27"/>
+            </p:custDataLst>
+          </p:nvPr>
+        </p:nvSpPr>
+        <p:spPr>
+          <a:xfrm>
+            <a:off x="3188988" y="4203700"/>
             <a:ext cx="0" cy="0"/>
           </a:xfrm>
           <a:prstGeom prst="roundRect">
@@ -7716,13 +7974,13 @@
           <p:cNvSpPr/>
           <p:nvPr>
             <p:custDataLst>
-              <p:tags r:id="rId23"/>
-            </p:custDataLst>
-          </p:nvPr>
-        </p:nvSpPr>
-        <p:spPr>
-          <a:xfrm>
-            <a:off x="1155700" y="3670300"/>
+              <p:tags r:id="rId28"/>
+            </p:custDataLst>
+          </p:nvPr>
+        </p:nvSpPr>
+        <p:spPr>
+          <a:xfrm>
+            <a:off x="1155700" y="3403600"/>
             <a:ext cx="0" cy="0"/>
           </a:xfrm>
           <a:prstGeom prst="roundRect">
@@ -7790,13 +8048,13 @@
           <p:cNvSpPr/>
           <p:nvPr>
             <p:custDataLst>
-              <p:tags r:id="rId24"/>
-            </p:custDataLst>
-          </p:nvPr>
-        </p:nvSpPr>
-        <p:spPr>
-          <a:xfrm>
-            <a:off x="5028629" y="4737100"/>
+              <p:tags r:id="rId29"/>
+            </p:custDataLst>
+          </p:nvPr>
+        </p:nvSpPr>
+        <p:spPr>
+          <a:xfrm>
+            <a:off x="3479457" y="4470400"/>
             <a:ext cx="0" cy="0"/>
           </a:xfrm>
           <a:prstGeom prst="roundRect">
@@ -7864,13 +8122,13 @@
           <p:cNvSpPr/>
           <p:nvPr>
             <p:custDataLst>
-              <p:tags r:id="rId25"/>
-            </p:custDataLst>
-          </p:nvPr>
-        </p:nvSpPr>
-        <p:spPr>
-          <a:xfrm>
-            <a:off x="4544513" y="3937000"/>
+              <p:tags r:id="rId30"/>
+            </p:custDataLst>
+          </p:nvPr>
+        </p:nvSpPr>
+        <p:spPr>
+          <a:xfrm>
+            <a:off x="3188988" y="3670300"/>
             <a:ext cx="0" cy="0"/>
           </a:xfrm>
           <a:prstGeom prst="roundRect">
@@ -7928,6 +8186,80 @@
       </p:sp>
       <p:sp>
         <p:nvSpPr>
+          <p:cNvPr id="19" name="OTLSHAPE_T_314e05db593b4eb8898cb38b3a4c2585_ShapePercentage" hidden="1">
+            <a:extLst>
+              <a:ext uri="{FF2B5EF4-FFF2-40B4-BE49-F238E27FC236}">
+                <a16:creationId xmlns:a16="http://schemas.microsoft.com/office/drawing/2014/main" id="{07B48526-82FE-C92B-0BD6-8CCD9376CED4}"/>
+              </a:ext>
+            </a:extLst>
+          </p:cNvPr>
+          <p:cNvSpPr/>
+          <p:nvPr>
+            <p:custDataLst>
+              <p:tags r:id="rId31"/>
+            </p:custDataLst>
+          </p:nvPr>
+        </p:nvSpPr>
+        <p:spPr>
+          <a:xfrm>
+            <a:off x="7255563" y="4737100"/>
+            <a:ext cx="0" cy="0"/>
+          </a:xfrm>
+          <a:prstGeom prst="roundRect">
+            <a:avLst/>
+          </a:prstGeom>
+          <a:solidFill>
+            <a:schemeClr val="dk1">
+              <a:alpha val="34902"/>
+            </a:schemeClr>
+          </a:solidFill>
+          <a:ln w="12700" cap="flat" cmpd="sng" algn="ctr">
+            <a:noFill/>
+            <a:prstDash val="solid"/>
+            <a:miter lim="800000"/>
+          </a:ln>
+          <a:effectLst/>
+          <a:extLst>
+            <a:ext uri="{91240B29-F687-4F45-9708-019B960494DF}">
+              <a14:hiddenLine xmlns:a14="http://schemas.microsoft.com/office/drawing/2010/main" w="12700" cap="flat" cmpd="sng" algn="ctr">
+                <a:solidFill>
+                  <a:schemeClr val="accent1">
+                    <a:shade val="50000"/>
+                  </a:schemeClr>
+                </a:solidFill>
+                <a:prstDash val="solid"/>
+                <a:miter lim="800000"/>
+              </a14:hiddenLine>
+            </a:ext>
+          </a:extLst>
+        </p:spPr>
+        <p:style>
+          <a:lnRef idx="2">
+            <a:schemeClr val="accent1">
+              <a:shade val="50000"/>
+            </a:schemeClr>
+          </a:lnRef>
+          <a:fillRef idx="1">
+            <a:schemeClr val="accent1"/>
+          </a:fillRef>
+          <a:effectRef idx="0">
+            <a:schemeClr val="accent1"/>
+          </a:effectRef>
+          <a:fontRef idx="minor">
+            <a:schemeClr val="lt1"/>
+          </a:fontRef>
+        </p:style>
+        <p:txBody>
+          <a:bodyPr rtlCol="0" anchor="ctr"/>
+          <a:lstStyle/>
+          <a:p>
+            <a:pPr algn="ctr"/>
+            <a:endParaRPr lang="en-US"/>
+          </a:p>
+        </p:txBody>
+      </p:sp>
+      <p:sp>
+        <p:nvSpPr>
           <p:cNvPr id="116" name="OTLSHAPE_T_93ee150c9d7b4ee0b81d772d821bf80b_TextPercentage" hidden="1">
             <a:extLst>
               <a:ext uri="{FF2B5EF4-FFF2-40B4-BE49-F238E27FC236}">
@@ -7938,7 +8270,7 @@
           <p:cNvSpPr txBox="1"/>
           <p:nvPr>
             <p:custDataLst>
-              <p:tags r:id="rId26"/>
+              <p:tags r:id="rId32"/>
             </p:custDataLst>
           </p:nvPr>
         </p:nvSpPr>
@@ -7979,7 +8311,7 @@
           <p:cNvSpPr txBox="1"/>
           <p:nvPr>
             <p:custDataLst>
-              <p:tags r:id="rId27"/>
+              <p:tags r:id="rId33"/>
             </p:custDataLst>
           </p:nvPr>
         </p:nvSpPr>
@@ -8021,7 +8353,7 @@
           <p:cNvSpPr txBox="1"/>
           <p:nvPr>
             <p:custDataLst>
-              <p:tags r:id="rId28"/>
+              <p:tags r:id="rId34"/>
             </p:custDataLst>
           </p:nvPr>
         </p:nvSpPr>
@@ -8063,13 +8395,13 @@
           <p:cNvSpPr txBox="1"/>
           <p:nvPr>
             <p:custDataLst>
-              <p:tags r:id="rId29"/>
-            </p:custDataLst>
-          </p:nvPr>
-        </p:nvSpPr>
-        <p:spPr>
-          <a:xfrm>
-            <a:off x="1515946" y="3427688"/>
+              <p:tags r:id="rId35"/>
+            </p:custDataLst>
+          </p:nvPr>
+        </p:nvSpPr>
+        <p:spPr>
+          <a:xfrm>
+            <a:off x="1225544" y="3160988"/>
             <a:ext cx="723900" cy="155025"/>
           </a:xfrm>
           <a:prstGeom prst="rect">
@@ -8108,13 +8440,13 @@
           <p:cNvSpPr txBox="1"/>
           <p:nvPr>
             <p:custDataLst>
-              <p:tags r:id="rId30"/>
-            </p:custDataLst>
-          </p:nvPr>
-        </p:nvSpPr>
-        <p:spPr>
-          <a:xfrm>
-            <a:off x="780669" y="3427688"/>
+              <p:tags r:id="rId36"/>
+            </p:custDataLst>
+          </p:nvPr>
+        </p:nvSpPr>
+        <p:spPr>
+          <a:xfrm>
+            <a:off x="780669" y="3160988"/>
             <a:ext cx="330200" cy="155025"/>
           </a:xfrm>
           <a:prstGeom prst="rect">
@@ -8153,13 +8485,13 @@
           <p:cNvSpPr txBox="1"/>
           <p:nvPr>
             <p:custDataLst>
-              <p:tags r:id="rId31"/>
-            </p:custDataLst>
-          </p:nvPr>
-        </p:nvSpPr>
-        <p:spPr>
-          <a:xfrm>
-            <a:off x="2658512" y="3412172"/>
+              <p:tags r:id="rId37"/>
+            </p:custDataLst>
+          </p:nvPr>
+        </p:nvSpPr>
+        <p:spPr>
+          <a:xfrm>
+            <a:off x="2077707" y="3145473"/>
             <a:ext cx="2159000" cy="186055"/>
           </a:xfrm>
           <a:prstGeom prst="rect">
@@ -8197,7 +8529,7 @@
           <p:cNvSpPr txBox="1"/>
           <p:nvPr>
             <p:custDataLst>
-              <p:tags r:id="rId32"/>
+              <p:tags r:id="rId38"/>
             </p:custDataLst>
           </p:nvPr>
         </p:nvSpPr>
@@ -8238,7 +8570,7 @@
           <p:cNvSpPr txBox="1"/>
           <p:nvPr>
             <p:custDataLst>
-              <p:tags r:id="rId33"/>
+              <p:tags r:id="rId39"/>
             </p:custDataLst>
           </p:nvPr>
         </p:nvSpPr>
@@ -8280,7 +8612,7 @@
           <p:cNvSpPr txBox="1"/>
           <p:nvPr>
             <p:custDataLst>
-              <p:tags r:id="rId34"/>
+              <p:tags r:id="rId40"/>
             </p:custDataLst>
           </p:nvPr>
         </p:nvSpPr>
@@ -8322,13 +8654,13 @@
           <p:cNvSpPr txBox="1"/>
           <p:nvPr>
             <p:custDataLst>
-              <p:tags r:id="rId35"/>
-            </p:custDataLst>
-          </p:nvPr>
-        </p:nvSpPr>
-        <p:spPr>
-          <a:xfrm>
-            <a:off x="3697805" y="4227788"/>
+              <p:tags r:id="rId41"/>
+            </p:custDataLst>
+          </p:nvPr>
+        </p:nvSpPr>
+        <p:spPr>
+          <a:xfrm>
+            <a:off x="2342279" y="3961088"/>
             <a:ext cx="787400" cy="155025"/>
           </a:xfrm>
           <a:prstGeom prst="rect">
@@ -8367,13 +8699,13 @@
           <p:cNvSpPr txBox="1"/>
           <p:nvPr>
             <p:custDataLst>
-              <p:tags r:id="rId36"/>
-            </p:custDataLst>
-          </p:nvPr>
-        </p:nvSpPr>
-        <p:spPr>
-          <a:xfrm>
-            <a:off x="7015559" y="4212272"/>
+              <p:tags r:id="rId42"/>
+            </p:custDataLst>
+          </p:nvPr>
+        </p:nvSpPr>
+        <p:spPr>
+          <a:xfrm>
+            <a:off x="4691934" y="3945572"/>
             <a:ext cx="2438400" cy="186055"/>
           </a:xfrm>
           <a:prstGeom prst="rect">
@@ -8417,13 +8749,13 @@
           <p:cNvSpPr txBox="1"/>
           <p:nvPr>
             <p:custDataLst>
-              <p:tags r:id="rId37"/>
-            </p:custDataLst>
-          </p:nvPr>
-        </p:nvSpPr>
-        <p:spPr>
-          <a:xfrm>
-            <a:off x="5592520" y="4227788"/>
+              <p:tags r:id="rId43"/>
+            </p:custDataLst>
+          </p:nvPr>
+        </p:nvSpPr>
+        <p:spPr>
+          <a:xfrm>
+            <a:off x="3752945" y="3961088"/>
             <a:ext cx="330200" cy="155025"/>
           </a:xfrm>
           <a:prstGeom prst="rect">
@@ -8468,7 +8800,7 @@
           <p:cNvSpPr txBox="1"/>
           <p:nvPr>
             <p:custDataLst>
-              <p:tags r:id="rId38"/>
+              <p:tags r:id="rId44"/>
             </p:custDataLst>
           </p:nvPr>
         </p:nvSpPr>
@@ -8509,7 +8841,7 @@
           <p:cNvSpPr txBox="1"/>
           <p:nvPr>
             <p:custDataLst>
-              <p:tags r:id="rId39"/>
+              <p:tags r:id="rId45"/>
             </p:custDataLst>
           </p:nvPr>
         </p:nvSpPr>
@@ -8551,7 +8883,7 @@
           <p:cNvSpPr txBox="1"/>
           <p:nvPr>
             <p:custDataLst>
-              <p:tags r:id="rId40"/>
+              <p:tags r:id="rId46"/>
             </p:custDataLst>
           </p:nvPr>
         </p:nvSpPr>
@@ -8593,13 +8925,13 @@
           <p:cNvSpPr txBox="1"/>
           <p:nvPr>
             <p:custDataLst>
-              <p:tags r:id="rId41"/>
-            </p:custDataLst>
-          </p:nvPr>
-        </p:nvSpPr>
-        <p:spPr>
-          <a:xfrm>
-            <a:off x="308991" y="4494488"/>
+              <p:tags r:id="rId47"/>
+            </p:custDataLst>
+          </p:nvPr>
+        </p:nvSpPr>
+        <p:spPr>
+          <a:xfrm>
+            <a:off x="2342279" y="4227788"/>
             <a:ext cx="800100" cy="155025"/>
           </a:xfrm>
           <a:prstGeom prst="rect">
@@ -8621,7 +8953,7 @@
                 </a:solidFill>
                 <a:latin typeface="Calibri" panose="020F0502020204030204" pitchFamily="34" charset="0"/>
               </a:rPr>
-              <a:t>May 2 - May 18</a:t>
+              <a:t>May 9 - May 20</a:t>
             </a:r>
           </a:p>
         </p:txBody>
@@ -8638,13 +8970,13 @@
           <p:cNvSpPr txBox="1"/>
           <p:nvPr>
             <p:custDataLst>
-              <p:tags r:id="rId42"/>
-            </p:custDataLst>
-          </p:nvPr>
-        </p:nvSpPr>
-        <p:spPr>
-          <a:xfrm>
-            <a:off x="9436140" y="4478972"/>
+              <p:tags r:id="rId48"/>
+            </p:custDataLst>
+          </p:nvPr>
+        </p:nvSpPr>
+        <p:spPr>
+          <a:xfrm>
+            <a:off x="6725222" y="4212272"/>
             <a:ext cx="1638300" cy="186055"/>
           </a:xfrm>
           <a:prstGeom prst="rect">
@@ -8691,13 +9023,13 @@
           <p:cNvSpPr txBox="1"/>
           <p:nvPr>
             <p:custDataLst>
-              <p:tags r:id="rId43"/>
-            </p:custDataLst>
-          </p:nvPr>
-        </p:nvSpPr>
-        <p:spPr>
-          <a:xfrm>
-            <a:off x="5076210" y="4494488"/>
+              <p:tags r:id="rId49"/>
+            </p:custDataLst>
+          </p:nvPr>
+        </p:nvSpPr>
+        <p:spPr>
+          <a:xfrm>
+            <a:off x="4737395" y="4227788"/>
             <a:ext cx="393700" cy="155025"/>
           </a:xfrm>
           <a:prstGeom prst="rect">
@@ -8719,7 +9051,7 @@
                 </a:solidFill>
                 <a:latin typeface="Calibri" panose="020F0502020204030204" pitchFamily="34" charset="0"/>
               </a:rPr>
-              <a:t>13 days</a:t>
+              <a:t>10 days</a:t>
             </a:r>
           </a:p>
         </p:txBody>
@@ -8736,7 +9068,7 @@
           <p:cNvSpPr txBox="1"/>
           <p:nvPr>
             <p:custDataLst>
-              <p:tags r:id="rId44"/>
+              <p:tags r:id="rId50"/>
             </p:custDataLst>
           </p:nvPr>
         </p:nvSpPr>
@@ -8777,7 +9109,7 @@
           <p:cNvSpPr txBox="1"/>
           <p:nvPr>
             <p:custDataLst>
-              <p:tags r:id="rId45"/>
+              <p:tags r:id="rId51"/>
             </p:custDataLst>
           </p:nvPr>
         </p:nvSpPr>
@@ -8819,7 +9151,7 @@
           <p:cNvSpPr txBox="1"/>
           <p:nvPr>
             <p:custDataLst>
-              <p:tags r:id="rId46"/>
+              <p:tags r:id="rId52"/>
             </p:custDataLst>
           </p:nvPr>
         </p:nvSpPr>
@@ -8861,13 +9193,13 @@
           <p:cNvSpPr txBox="1"/>
           <p:nvPr>
             <p:custDataLst>
-              <p:tags r:id="rId47"/>
-            </p:custDataLst>
-          </p:nvPr>
-        </p:nvSpPr>
-        <p:spPr>
-          <a:xfrm>
-            <a:off x="3626745" y="3678872"/>
+              <p:tags r:id="rId53"/>
+            </p:custDataLst>
+          </p:nvPr>
+        </p:nvSpPr>
+        <p:spPr>
+          <a:xfrm>
+            <a:off x="2658647" y="3412172"/>
             <a:ext cx="1206500" cy="186055"/>
           </a:xfrm>
           <a:prstGeom prst="rect">
@@ -8905,13 +9237,13 @@
           <p:cNvSpPr txBox="1"/>
           <p:nvPr>
             <p:custDataLst>
-              <p:tags r:id="rId48"/>
-            </p:custDataLst>
-          </p:nvPr>
-        </p:nvSpPr>
-        <p:spPr>
-          <a:xfrm>
-            <a:off x="373380" y="3694388"/>
+              <p:tags r:id="rId54"/>
+            </p:custDataLst>
+          </p:nvPr>
+        </p:nvSpPr>
+        <p:spPr>
+          <a:xfrm>
+            <a:off x="373380" y="3427688"/>
             <a:ext cx="736600" cy="155025"/>
           </a:xfrm>
           <a:prstGeom prst="rect">
@@ -8950,13 +9282,13 @@
           <p:cNvSpPr txBox="1"/>
           <p:nvPr>
             <p:custDataLst>
-              <p:tags r:id="rId49"/>
-            </p:custDataLst>
-          </p:nvPr>
-        </p:nvSpPr>
-        <p:spPr>
-          <a:xfrm>
-            <a:off x="2203707" y="3694388"/>
+              <p:tags r:id="rId55"/>
+            </p:custDataLst>
+          </p:nvPr>
+        </p:nvSpPr>
+        <p:spPr>
+          <a:xfrm>
+            <a:off x="1719658" y="3427688"/>
             <a:ext cx="330200" cy="155025"/>
           </a:xfrm>
           <a:prstGeom prst="rect">
@@ -8995,7 +9327,7 @@
           <p:cNvSpPr txBox="1"/>
           <p:nvPr>
             <p:custDataLst>
-              <p:tags r:id="rId50"/>
+              <p:tags r:id="rId56"/>
             </p:custDataLst>
           </p:nvPr>
         </p:nvSpPr>
@@ -9036,7 +9368,7 @@
           <p:cNvSpPr txBox="1"/>
           <p:nvPr>
             <p:custDataLst>
-              <p:tags r:id="rId51"/>
+              <p:tags r:id="rId57"/>
             </p:custDataLst>
           </p:nvPr>
         </p:nvSpPr>
@@ -9078,7 +9410,7 @@
           <p:cNvSpPr txBox="1"/>
           <p:nvPr>
             <p:custDataLst>
-              <p:tags r:id="rId52"/>
+              <p:tags r:id="rId58"/>
             </p:custDataLst>
           </p:nvPr>
         </p:nvSpPr>
@@ -9120,13 +9452,13 @@
           <p:cNvSpPr txBox="1"/>
           <p:nvPr>
             <p:custDataLst>
-              <p:tags r:id="rId53"/>
-            </p:custDataLst>
-          </p:nvPr>
-        </p:nvSpPr>
-        <p:spPr>
-          <a:xfrm>
-            <a:off x="10404372" y="4745672"/>
+              <p:tags r:id="rId59"/>
+            </p:custDataLst>
+          </p:nvPr>
+        </p:nvSpPr>
+        <p:spPr>
+          <a:xfrm>
+            <a:off x="6725222" y="4478972"/>
             <a:ext cx="1447800" cy="186055"/>
           </a:xfrm>
           <a:prstGeom prst="rect">
@@ -9141,7 +9473,7 @@
           <a:lstStyle/>
           <a:p>
             <a:r>
-              <a:rPr lang="en-US" sz="1200" b="1" spc="-6">
+              <a:rPr lang="en-US" sz="1200" b="1" spc="-6" dirty="0">
                 <a:solidFill>
                   <a:schemeClr val="dk1"/>
                 </a:solidFill>
@@ -9164,13 +9496,13 @@
           <p:cNvSpPr txBox="1"/>
           <p:nvPr>
             <p:custDataLst>
-              <p:tags r:id="rId54"/>
-            </p:custDataLst>
-          </p:nvPr>
-        </p:nvSpPr>
-        <p:spPr>
-          <a:xfrm>
-            <a:off x="4117532" y="4761188"/>
+              <p:tags r:id="rId60"/>
+            </p:custDataLst>
+          </p:nvPr>
+        </p:nvSpPr>
+        <p:spPr>
+          <a:xfrm>
+            <a:off x="2568359" y="4494488"/>
             <a:ext cx="863600" cy="155025"/>
           </a:xfrm>
           <a:prstGeom prst="rect">
@@ -9209,13 +9541,13 @@
           <p:cNvSpPr txBox="1"/>
           <p:nvPr>
             <p:custDataLst>
-              <p:tags r:id="rId55"/>
-            </p:custDataLst>
-          </p:nvPr>
-        </p:nvSpPr>
-        <p:spPr>
-          <a:xfrm>
-            <a:off x="7528985" y="4761188"/>
+              <p:tags r:id="rId61"/>
+            </p:custDataLst>
+          </p:nvPr>
+        </p:nvSpPr>
+        <p:spPr>
+          <a:xfrm>
+            <a:off x="4914824" y="4494488"/>
             <a:ext cx="330200" cy="155025"/>
           </a:xfrm>
           <a:prstGeom prst="rect">
@@ -9254,7 +9586,7 @@
           <p:cNvSpPr txBox="1"/>
           <p:nvPr>
             <p:custDataLst>
-              <p:tags r:id="rId56"/>
+              <p:tags r:id="rId62"/>
             </p:custDataLst>
           </p:nvPr>
         </p:nvSpPr>
@@ -9295,7 +9627,7 @@
           <p:cNvSpPr txBox="1"/>
           <p:nvPr>
             <p:custDataLst>
-              <p:tags r:id="rId57"/>
+              <p:tags r:id="rId63"/>
             </p:custDataLst>
           </p:nvPr>
         </p:nvSpPr>
@@ -9337,7 +9669,7 @@
           <p:cNvSpPr txBox="1"/>
           <p:nvPr>
             <p:custDataLst>
-              <p:tags r:id="rId58"/>
+              <p:tags r:id="rId64"/>
             </p:custDataLst>
           </p:nvPr>
         </p:nvSpPr>
@@ -9379,13 +9711,13 @@
           <p:cNvSpPr txBox="1"/>
           <p:nvPr>
             <p:custDataLst>
-              <p:tags r:id="rId59"/>
-            </p:custDataLst>
-          </p:nvPr>
-        </p:nvSpPr>
-        <p:spPr>
-          <a:xfrm>
-            <a:off x="8467907" y="3945572"/>
+              <p:tags r:id="rId65"/>
+            </p:custDataLst>
+          </p:nvPr>
+        </p:nvSpPr>
+        <p:spPr>
+          <a:xfrm>
+            <a:off x="5563343" y="3678872"/>
             <a:ext cx="2057400" cy="186055"/>
           </a:xfrm>
           <a:prstGeom prst="rect">
@@ -9423,13 +9755,13 @@
           <p:cNvSpPr txBox="1"/>
           <p:nvPr>
             <p:custDataLst>
-              <p:tags r:id="rId60"/>
-            </p:custDataLst>
-          </p:nvPr>
-        </p:nvSpPr>
-        <p:spPr>
-          <a:xfrm>
-            <a:off x="3697805" y="3961088"/>
+              <p:tags r:id="rId66"/>
+            </p:custDataLst>
+          </p:nvPr>
+        </p:nvSpPr>
+        <p:spPr>
+          <a:xfrm>
+            <a:off x="2342279" y="3694388"/>
             <a:ext cx="800100" cy="155025"/>
           </a:xfrm>
           <a:prstGeom prst="rect">
@@ -9468,13 +9800,13 @@
           <p:cNvSpPr txBox="1"/>
           <p:nvPr>
             <p:custDataLst>
-              <p:tags r:id="rId61"/>
-            </p:custDataLst>
-          </p:nvPr>
-        </p:nvSpPr>
-        <p:spPr>
-          <a:xfrm>
-            <a:off x="6318695" y="3961088"/>
+              <p:tags r:id="rId67"/>
+            </p:custDataLst>
+          </p:nvPr>
+        </p:nvSpPr>
+        <p:spPr>
+          <a:xfrm>
+            <a:off x="4188650" y="3694388"/>
             <a:ext cx="330200" cy="155025"/>
           </a:xfrm>
           <a:prstGeom prst="rect">
@@ -9497,6 +9829,263 @@
                 <a:latin typeface="Calibri" panose="020F0502020204030204" pitchFamily="34" charset="0"/>
               </a:rPr>
               <a:t>6 days</a:t>
+            </a:r>
+          </a:p>
+        </p:txBody>
+      </p:sp>
+      <p:sp>
+        <p:nvSpPr>
+          <p:cNvPr id="20" name="OTLSHAPE_T_314e05db593b4eb8898cb38b3a4c2585_TextPercentage" hidden="1">
+            <a:extLst>
+              <a:ext uri="{FF2B5EF4-FFF2-40B4-BE49-F238E27FC236}">
+                <a16:creationId xmlns:a16="http://schemas.microsoft.com/office/drawing/2014/main" id="{E43C3BC2-8C0A-8781-157A-9094897D06E5}"/>
+              </a:ext>
+            </a:extLst>
+          </p:cNvPr>
+          <p:cNvSpPr txBox="1"/>
+          <p:nvPr>
+            <p:custDataLst>
+              <p:tags r:id="rId68"/>
+            </p:custDataLst>
+          </p:nvPr>
+        </p:nvSpPr>
+        <p:spPr>
+          <a:xfrm>
+            <a:off x="12700" y="74255"/>
+            <a:ext cx="0" cy="0"/>
+          </a:xfrm>
+          <a:prstGeom prst="rect">
+            <a:avLst/>
+          </a:prstGeom>
+          <a:noFill/>
+        </p:spPr>
+        <p:txBody>
+          <a:bodyPr vert="horz" wrap="square" lIns="0" tIns="0" rIns="0" bIns="0" rtlCol="0" anchor="ctr" anchorCtr="0">
+            <a:spAutoFit/>
+          </a:bodyPr>
+          <a:lstStyle/>
+          <a:p>
+            <a:endParaRPr lang="en-US" sz="1000">
+              <a:solidFill>
+                <a:srgbClr val="C0504D"/>
+              </a:solidFill>
+              <a:latin typeface="Calibri" panose="020F0502020204030204" pitchFamily="34" charset="0"/>
+            </a:endParaRPr>
+          </a:p>
+        </p:txBody>
+      </p:sp>
+      <p:sp>
+        <p:nvSpPr>
+          <p:cNvPr id="21" name="OTLSHAPE_T_314e05db593b4eb8898cb38b3a4c2585_StartDate" hidden="1">
+            <a:extLst>
+              <a:ext uri="{FF2B5EF4-FFF2-40B4-BE49-F238E27FC236}">
+                <a16:creationId xmlns:a16="http://schemas.microsoft.com/office/drawing/2014/main" id="{B636746A-F0F6-D917-2F38-EFC4B7FCD6C5}"/>
+              </a:ext>
+            </a:extLst>
+          </p:cNvPr>
+          <p:cNvSpPr txBox="1"/>
+          <p:nvPr>
+            <p:custDataLst>
+              <p:tags r:id="rId69"/>
+            </p:custDataLst>
+          </p:nvPr>
+        </p:nvSpPr>
+        <p:spPr>
+          <a:xfrm>
+            <a:off x="12700" y="-2689"/>
+            <a:ext cx="0" cy="0"/>
+          </a:xfrm>
+          <a:prstGeom prst="rect">
+            <a:avLst/>
+          </a:prstGeom>
+          <a:noFill/>
+        </p:spPr>
+        <p:txBody>
+          <a:bodyPr vert="horz" wrap="square" lIns="0" tIns="0" rIns="0" bIns="0" rtlCol="0" anchor="ctr" anchorCtr="0">
+            <a:spAutoFit/>
+          </a:bodyPr>
+          <a:lstStyle/>
+          <a:p>
+            <a:endParaRPr lang="en-US" sz="1000">
+              <a:solidFill>
+                <a:schemeClr val="dk2"/>
+              </a:solidFill>
+              <a:latin typeface="Calibri" panose="020F0502020204030204" pitchFamily="34" charset="0"/>
+            </a:endParaRPr>
+          </a:p>
+        </p:txBody>
+      </p:sp>
+      <p:sp>
+        <p:nvSpPr>
+          <p:cNvPr id="22" name="OTLSHAPE_T_314e05db593b4eb8898cb38b3a4c2585_EndDate" hidden="1">
+            <a:extLst>
+              <a:ext uri="{FF2B5EF4-FFF2-40B4-BE49-F238E27FC236}">
+                <a16:creationId xmlns:a16="http://schemas.microsoft.com/office/drawing/2014/main" id="{1B98EEA4-CBFF-DEA7-069F-C23A40457ECB}"/>
+              </a:ext>
+            </a:extLst>
+          </p:cNvPr>
+          <p:cNvSpPr txBox="1"/>
+          <p:nvPr>
+            <p:custDataLst>
+              <p:tags r:id="rId70"/>
+            </p:custDataLst>
+          </p:nvPr>
+        </p:nvSpPr>
+        <p:spPr>
+          <a:xfrm>
+            <a:off x="12700" y="-2689"/>
+            <a:ext cx="0" cy="0"/>
+          </a:xfrm>
+          <a:prstGeom prst="rect">
+            <a:avLst/>
+          </a:prstGeom>
+          <a:noFill/>
+        </p:spPr>
+        <p:txBody>
+          <a:bodyPr vert="horz" wrap="square" lIns="0" tIns="0" rIns="0" bIns="0" rtlCol="0" anchor="ctr" anchorCtr="0">
+            <a:spAutoFit/>
+          </a:bodyPr>
+          <a:lstStyle/>
+          <a:p>
+            <a:endParaRPr lang="en-US" sz="1000">
+              <a:solidFill>
+                <a:schemeClr val="dk2"/>
+              </a:solidFill>
+              <a:latin typeface="Calibri" panose="020F0502020204030204" pitchFamily="34" charset="0"/>
+            </a:endParaRPr>
+          </a:p>
+        </p:txBody>
+      </p:sp>
+      <p:sp>
+        <p:nvSpPr>
+          <p:cNvPr id="23" name="OTLSHAPE_T_314e05db593b4eb8898cb38b3a4c2585_JoinedDate">
+            <a:extLst>
+              <a:ext uri="{FF2B5EF4-FFF2-40B4-BE49-F238E27FC236}">
+                <a16:creationId xmlns:a16="http://schemas.microsoft.com/office/drawing/2014/main" id="{0541411C-1E02-EBC4-456F-1E9239698C42}"/>
+              </a:ext>
+            </a:extLst>
+          </p:cNvPr>
+          <p:cNvSpPr txBox="1"/>
+          <p:nvPr>
+            <p:custDataLst>
+              <p:tags r:id="rId71"/>
+            </p:custDataLst>
+          </p:nvPr>
+        </p:nvSpPr>
+        <p:spPr>
+          <a:xfrm>
+            <a:off x="9920388" y="4761188"/>
+            <a:ext cx="863600" cy="155025"/>
+          </a:xfrm>
+          <a:prstGeom prst="rect">
+            <a:avLst/>
+          </a:prstGeom>
+          <a:noFill/>
+        </p:spPr>
+        <p:txBody>
+          <a:bodyPr vert="horz" wrap="square" lIns="0" tIns="0" rIns="0" bIns="0" rtlCol="0" anchor="ctr" anchorCtr="0">
+            <a:spAutoFit/>
+          </a:bodyPr>
+          <a:lstStyle/>
+          <a:p>
+            <a:r>
+              <a:rPr lang="en-US" sz="1000" spc="-4">
+                <a:solidFill>
+                  <a:schemeClr val="dk2"/>
+                </a:solidFill>
+                <a:latin typeface="Calibri" panose="020F0502020204030204" pitchFamily="34" charset="0"/>
+              </a:rPr>
+              <a:t>May 23 - May 31</a:t>
+            </a:r>
+          </a:p>
+        </p:txBody>
+      </p:sp>
+      <p:sp>
+        <p:nvSpPr>
+          <p:cNvPr id="24" name="OTLSHAPE_T_314e05db593b4eb8898cb38b3a4c2585_Title">
+            <a:extLst>
+              <a:ext uri="{FF2B5EF4-FFF2-40B4-BE49-F238E27FC236}">
+                <a16:creationId xmlns:a16="http://schemas.microsoft.com/office/drawing/2014/main" id="{248C1164-9F79-D95D-03C7-DA48BEB762B1}"/>
+              </a:ext>
+            </a:extLst>
+          </p:cNvPr>
+          <p:cNvSpPr txBox="1"/>
+          <p:nvPr>
+            <p:custDataLst>
+              <p:tags r:id="rId72"/>
+            </p:custDataLst>
+          </p:nvPr>
+        </p:nvSpPr>
+        <p:spPr>
+          <a:xfrm>
+            <a:off x="4835578" y="4745672"/>
+            <a:ext cx="2374900" cy="186055"/>
+          </a:xfrm>
+          <a:prstGeom prst="rect">
+            <a:avLst/>
+          </a:prstGeom>
+          <a:noFill/>
+        </p:spPr>
+        <p:txBody>
+          <a:bodyPr vert="horz" wrap="square" lIns="0" tIns="0" rIns="0" bIns="0" rtlCol="0" anchor="ctr" anchorCtr="0">
+            <a:spAutoFit/>
+          </a:bodyPr>
+          <a:lstStyle/>
+          <a:p>
+            <a:pPr algn="r"/>
+            <a:r>
+              <a:rPr lang="en-US" sz="1200" b="1" spc="-2">
+                <a:solidFill>
+                  <a:schemeClr val="dk1"/>
+                </a:solidFill>
+                <a:latin typeface="Calibri" panose="020F0502020204030204" pitchFamily="34" charset="0"/>
+              </a:rPr>
+              <a:t>Investigate &amp; preprocess real data set</a:t>
+            </a:r>
+          </a:p>
+        </p:txBody>
+      </p:sp>
+      <p:sp>
+        <p:nvSpPr>
+          <p:cNvPr id="25" name="OTLSHAPE_T_314e05db593b4eb8898cb38b3a4c2585_Duration">
+            <a:extLst>
+              <a:ext uri="{FF2B5EF4-FFF2-40B4-BE49-F238E27FC236}">
+                <a16:creationId xmlns:a16="http://schemas.microsoft.com/office/drawing/2014/main" id="{178E50F1-A09B-BE7A-2A48-FB0A8909FF0E}"/>
+              </a:ext>
+            </a:extLst>
+          </p:cNvPr>
+          <p:cNvSpPr txBox="1"/>
+          <p:nvPr>
+            <p:custDataLst>
+              <p:tags r:id="rId73"/>
+            </p:custDataLst>
+          </p:nvPr>
+        </p:nvSpPr>
+        <p:spPr>
+          <a:xfrm>
+            <a:off x="8400460" y="4761188"/>
+            <a:ext cx="330200" cy="155025"/>
+          </a:xfrm>
+          <a:prstGeom prst="rect">
+            <a:avLst/>
+          </a:prstGeom>
+          <a:noFill/>
+        </p:spPr>
+        <p:txBody>
+          <a:bodyPr vert="horz" wrap="square" lIns="0" tIns="0" rIns="0" bIns="0" rtlCol="0" anchor="ctr" anchorCtr="0">
+            <a:spAutoFit/>
+          </a:bodyPr>
+          <a:lstStyle/>
+          <a:p>
+            <a:pPr algn="ctr"/>
+            <a:r>
+              <a:rPr lang="en-US" sz="1000" spc="-8">
+                <a:solidFill>
+                  <a:schemeClr val="dk1"/>
+                </a:solidFill>
+                <a:latin typeface="Calibri" panose="020F0502020204030204" pitchFamily="34" charset="0"/>
+              </a:rPr>
+              <a:t>7 days</a:t>
             </a:r>
           </a:p>
         </p:txBody>
@@ -9780,6 +10369,12 @@
 </p:tagLst>
 </file>
 
+<file path=ppt/tags/tag129.xml><?xml version="1.0" encoding="utf-8"?>
+<p:tagLst xmlns:a="http://schemas.openxmlformats.org/drawingml/2006/main" xmlns:r="http://schemas.openxmlformats.org/officeDocument/2006/relationships" xmlns:p="http://schemas.openxmlformats.org/presentationml/2006/main">
+  <p:tag name="OTLMARKERSHAPE" val="OTL"/>
+</p:tagLst>
+</file>
+
 <file path=ppt/tags/tag13.xml><?xml version="1.0" encoding="utf-8"?>
 <p:tagLst xmlns:a="http://schemas.openxmlformats.org/drawingml/2006/main" xmlns:r="http://schemas.openxmlformats.org/officeDocument/2006/relationships" xmlns:p="http://schemas.openxmlformats.org/presentationml/2006/main">
   <p:tag name="OTLDATEFORMATSTRING" val="MMM d"/>
@@ -9801,6 +10396,66 @@
 </p:tagLst>
 </file>
 
+<file path=ppt/tags/tag130.xml><?xml version="1.0" encoding="utf-8"?>
+<p:tagLst xmlns:a="http://schemas.openxmlformats.org/drawingml/2006/main" xmlns:r="http://schemas.openxmlformats.org/officeDocument/2006/relationships" xmlns:p="http://schemas.openxmlformats.org/presentationml/2006/main">
+  <p:tag name="OTLMARKERSHAPE" val="OTL"/>
+</p:tagLst>
+</file>
+
+<file path=ppt/tags/tag131.xml><?xml version="1.0" encoding="utf-8"?>
+<p:tagLst xmlns:a="http://schemas.openxmlformats.org/drawingml/2006/main" xmlns:r="http://schemas.openxmlformats.org/officeDocument/2006/relationships" xmlns:p="http://schemas.openxmlformats.org/presentationml/2006/main">
+  <p:tag name="OTLMARKERSHAPE" val="OTL"/>
+</p:tagLst>
+</file>
+
+<file path=ppt/tags/tag132.xml><?xml version="1.0" encoding="utf-8"?>
+<p:tagLst xmlns:a="http://schemas.openxmlformats.org/drawingml/2006/main" xmlns:r="http://schemas.openxmlformats.org/officeDocument/2006/relationships" xmlns:p="http://schemas.openxmlformats.org/presentationml/2006/main">
+  <p:tag name="OTLMARKERSHAPE" val="OTL"/>
+</p:tagLst>
+</file>
+
+<file path=ppt/tags/tag133.xml><?xml version="1.0" encoding="utf-8"?>
+<p:tagLst xmlns:a="http://schemas.openxmlformats.org/drawingml/2006/main" xmlns:r="http://schemas.openxmlformats.org/officeDocument/2006/relationships" xmlns:p="http://schemas.openxmlformats.org/presentationml/2006/main">
+  <p:tag name="OTLMARKERSHAPE" val="OTL"/>
+</p:tagLst>
+</file>
+
+<file path=ppt/tags/tag134.xml><?xml version="1.0" encoding="utf-8"?>
+<p:tagLst xmlns:a="http://schemas.openxmlformats.org/drawingml/2006/main" xmlns:r="http://schemas.openxmlformats.org/officeDocument/2006/relationships" xmlns:p="http://schemas.openxmlformats.org/presentationml/2006/main">
+  <p:tag name="OTLMARKERSHAPE" val="OTL"/>
+</p:tagLst>
+</file>
+
+<file path=ppt/tags/tag135.xml><?xml version="1.0" encoding="utf-8"?>
+<p:tagLst xmlns:a="http://schemas.openxmlformats.org/drawingml/2006/main" xmlns:r="http://schemas.openxmlformats.org/officeDocument/2006/relationships" xmlns:p="http://schemas.openxmlformats.org/presentationml/2006/main">
+  <p:tag name="OTLMARKERSHAPE" val="OTL"/>
+</p:tagLst>
+</file>
+
+<file path=ppt/tags/tag136.xml><?xml version="1.0" encoding="utf-8"?>
+<p:tagLst xmlns:a="http://schemas.openxmlformats.org/drawingml/2006/main" xmlns:r="http://schemas.openxmlformats.org/officeDocument/2006/relationships" xmlns:p="http://schemas.openxmlformats.org/presentationml/2006/main">
+  <p:tag name="OTLMARKERSHAPE" val="OTL"/>
+</p:tagLst>
+</file>
+
+<file path=ppt/tags/tag137.xml><?xml version="1.0" encoding="utf-8"?>
+<p:tagLst xmlns:a="http://schemas.openxmlformats.org/drawingml/2006/main" xmlns:r="http://schemas.openxmlformats.org/officeDocument/2006/relationships" xmlns:p="http://schemas.openxmlformats.org/presentationml/2006/main">
+  <p:tag name="OTLMARKERSHAPE" val="OTL"/>
+</p:tagLst>
+</file>
+
+<file path=ppt/tags/tag138.xml><?xml version="1.0" encoding="utf-8"?>
+<p:tagLst xmlns:a="http://schemas.openxmlformats.org/drawingml/2006/main" xmlns:r="http://schemas.openxmlformats.org/officeDocument/2006/relationships" xmlns:p="http://schemas.openxmlformats.org/presentationml/2006/main">
+  <p:tag name="OTLMARKERSHAPE" val="OTL"/>
+</p:tagLst>
+</file>
+
+<file path=ppt/tags/tag139.xml><?xml version="1.0" encoding="utf-8"?>
+<p:tagLst xmlns:a="http://schemas.openxmlformats.org/drawingml/2006/main" xmlns:r="http://schemas.openxmlformats.org/officeDocument/2006/relationships" xmlns:p="http://schemas.openxmlformats.org/presentationml/2006/main">
+  <p:tag name="OTLMARKERSHAPE" val="OTL"/>
+</p:tagLst>
+</file>
+
 <file path=ppt/tags/tag14.xml><?xml version="1.0" encoding="utf-8"?>
 <p:tagLst xmlns:a="http://schemas.openxmlformats.org/drawingml/2006/main" xmlns:r="http://schemas.openxmlformats.org/officeDocument/2006/relationships" xmlns:p="http://schemas.openxmlformats.org/presentationml/2006/main">
   <p:tag name="OTLDATEFORMATSTRING" val="MMM d"/>
@@ -9818,6 +10473,12 @@
   <p:tag name="OTLDURATIONFORMAT" val="day"/>
   <p:tag name="OTLSPACING" val="5"/>
   <p:tag name="OTLSHAPETHICKNESSTYPE" val="Regular"/>
+  <p:tag name="OTLMARKERSHAPE" val="OTL"/>
+</p:tagLst>
+</file>
+
+<file path=ppt/tags/tag140.xml><?xml version="1.0" encoding="utf-8"?>
+<p:tagLst xmlns:a="http://schemas.openxmlformats.org/drawingml/2006/main" xmlns:r="http://schemas.openxmlformats.org/officeDocument/2006/relationships" xmlns:p="http://schemas.openxmlformats.org/presentationml/2006/main">
   <p:tag name="OTLMARKERSHAPE" val="OTL"/>
 </p:tagLst>
 </file>
@@ -10259,7 +10920,7 @@
 
 <file path=ppt/tags/tag68.xml><?xml version="1.0" encoding="utf-8"?>
 <p:tagLst xmlns:a="http://schemas.openxmlformats.org/drawingml/2006/main" xmlns:r="http://schemas.openxmlformats.org/officeDocument/2006/relationships" xmlns:p="http://schemas.openxmlformats.org/presentationml/2006/main">
-  <p:tag name="__PART_0" val="eyIkaWQiOiIxIiwiX3N3aW1sYW5lc1YyIjpbXSwiQ3VsdHVyZUluZm9OYW1lIjoiZW4tVVMiLCJTdHlsZU5hbWUiOm51bGwsIlZlcnNpb24iOnsiJGlkIjoiMiIsIlZlcnNpb24iOiIzLjYuMSIsIk9yaWdpbmFsQXNzZW1ibHlWZXJzaW9uIjoiNi4wNC4wMS4wMCIsIkVkaXRpb24iOm51bGwsIkxhc3RTYXZlZEVkaXRpb24iOjAsIklzUGx1c0VkaXRpb24iOmZhbHNlLCJJc1Byb0VkaXRpb24iOmZhbHNlfSwiRWZmZWN0IjoxLCJTdHlsZSI6eyIkaWQiOiIzIiwiVGltZWJhbmRTdHlsZSI6eyIkaWQiOiI0IiwiU2NhbGVNYXJraW5nIjoxLCJTaGFwZSI6MCwiU2hhcGVTdHlsZSI6eyIkaWQiOiI1IiwiTWFyZ2luIjp7IiRpZCI6IjYiLCJUb3AiOjAuMCwiTGVmdCI6MTIuMCwiUmlnaHQiOjEyLjAsIkJvdHRvbSI6MC4wfSwiUGFkZGluZyI6eyIkaWQiOiI3IiwiVG9wIjo3LjAsIkxlZnQiOjAuMCwiUmlnaHQiOjAuMCwiQm90dG9tIjo3LjB9LCJCYWNrZ3JvdW5kIjp7IiRpZCI6IjgiLCJDb2xvciI6eyIkaWQiOiI5IiwiQSI6MjU1LCJSIjo2OCwiRyI6ODQsIkIiOjEwNn19LCJJc1Zpc2libGUiOnRydWUsIldpZHRoIjo4NTguMCwiSGVpZ2h0IjoyMC4wLCJCb3JkZXJTdHlsZSI6eyIkaWQiOiIxMCIsIkxpbmVDb2xvciI6eyIkaWQiOiIxMSIsIiR0eXBlIjoiTkxSRS5Db21tb24uRG9tLlNvbGlkQ29sb3JCcnVzaCwgTkxSRS5Db21tb24iLCJDb2xvciI6eyIkaWQiOiIxMiIsIkEiOjI1NSwiUiI6MjU1LCJHIjowLCJCIjowfX0sIkxpbmVXZWlnaHQiOjAuMCwiTGluZVR5cGUiOjAsIlBhcmVudFN0eWxlIjpudWxsfSwiUGFyZW50U3R5bGUiOm51bGx9LCJNaWRkbGVUaWVyU2hhcGVTdHlsZSI6eyIkaWQiOiIxMyIsIk1hcmdpbiI6eyIkaWQiOiIxNCIsIlRvcCI6MC4wLCJMZWZ0IjoxMi4wLCJSaWdodCI6MTIuMCwiQm90dG9tIjowLjB9LCJQYWRkaW5nIjp7IiRpZCI6IjE1IiwiVG9wIjo3LjAsIkxlZnQiOjAuMCwiUmlnaHQiOjAuMCwiQm90dG9tIjo3LjB9LCJCYWNrZ3JvdW5kIjp7IiRpZCI6IjE2IiwiQ29sb3IiOnsiJGlkIjoiMTciLCJBIjoyNTUsIlIiOjY4LCJHIjo4NCwiQiI6MTA2fX0sIklzVmlzaWJsZSI6dHJ1ZSwiV2lkdGgiOjg1OC4wLCJIZWlnaHQiOjIwLjAsIkJvcmRlclN0eWxlIjp7IiRpZCI6IjE4IiwiTGluZUNvbG9yIjp7IiRpZCI6IjE5IiwiJHR5cGUiOiJOTFJFLkNvbW1vbi5Eb20uU29saWRDb2xvckJydXNoLCBOTFJFLkNvbW1vbiIsIkNvbG9yIjp7IiRpZCI6IjIwIiwiQSI6MjU1LCJSIjoyNTUsIkciOjAsIkIiOjB9fSwiTGluZVdlaWdodCI6MC4wLCJMaW5lVHlwZSI6MCwiUGFyZW50U3R5bGUiOm51bGx9LCJQYXJlbnRTdHlsZSI6bnVsbH0sIkJvdHRvbVRpZXJTaGFwZVN0eWxlIjp7IiRpZCI6IjIxIiwiTWFyZ2luIjp7IiRpZCI6IjIyIiwiVG9wIjowLjAsIkxlZnQiOjEyLjAsIlJpZ2h0IjoxMi4wLCJCb3R0b20iOjAuMH0sIlBhZGRpbmciOnsiJGlkIjoiMjMiLCJUb3AiOjcuMCwiTGVmdCI6MC4wLCJSaWdodCI6MC4wLCJCb3R0b20iOjcuMH0sIkJhY2tncm91bmQiOnsiJGlkIjoiMjQiLCJDb2xvciI6eyIkaWQiOiIyNSIsIkEiOjI1NSwiUiI6NjgsIkciOjg0LCJCIjoxMDZ9fSwiSXNWaXNpYmxlIjp0cnVlLCJXaWR0aCI6ODU4LjAsIkhlaWdodCI6MjAuMCwiQm9yZGVyU3R5bGUiOnsiJGlkIjoiMjYiLCJMaW5lQ29sb3IiOnsiJGlkIjoiMjciLCIkdHlwZSI6Ik5MUkUuQ29tbW9uLkRvbS5Tb2xpZENvbG9yQnJ1c2gsIE5MUkUuQ29tbW9uIiwiQ29sb3IiOnsiJGlkIjoiMjgiLCJBIjoyNTUsIlIiOjI1NSwiRyI6MCwiQiI6MH19LCJMaW5lV2VpZ2h0IjowLjAsIkxpbmVUeXBlIjowLCJQYXJlbnRTdHlsZSI6bnVsbH0sIlBhcmVudFN0eWxlIjpudWxsfSwiUmlnaHRFbmRDYXBzU3R5bGUiOnsiJGlkIjoiMjkiLCJGb250U2V0dGluZ3MiOnsiJGlkIjoiMzAiLCJGb250U2l6ZSI6MTgsIkZvbnROYW1lIjoiQ2FsaWJyaSIsIklzQm9sZCI6dHJ1ZSwiSXNJdGFsaWMiOmZhbHNlLCJJc1VuZGVybGluZWQiOmZhbHNlLCJQYXJlbnRTdHlsZSI6bnVsbH0sIkF1dG9TaXplIjowLCJGb3JlZ3JvdW5kIjp7IiRpZCI6IjMxIiwiQ29sb3IiOnsiJGlkIjoiMzIiLCJBIjoyNTUsIlIiOjIzNywiRyI6MTI1LCJCIjo0OX19LCJNYXhXaWR0aCI6IkluZmluaXR5IiwiTWF4SGVpZ2h0IjoiSW5maW5pdHkiLCJTbWFydEZvcmVncm91bmRJc0FjdGl2ZSI6ZmFsc2UsIkhvcml6b250YWxBbGlnbm1lbnQiOjAsIlZlcnRpY2FsQWxpZ25tZW50IjowLCJTbWFydEZvcmVncm91bmQiOm51bGwsIkJhY2tncm91bmRGaWxsVHlwZSI6MCwiTWFyZ2luIjp7IiRpZCI6IjMzIiwiVG9wIjowLjAsIkxlZnQiOjAuMCwiUmlnaHQiOjIwLjAsIkJvdHRvbSI6MC4wfSwiUGFkZGluZyI6eyIkaWQiOiIzNCIsIlRvcCI6MC4wLCJMZWZ0IjowLjAsIlJpZ2h0IjowLjAsIkJvdHRvbSI6MC4wfSwiQmFja2dyb3VuZCI6eyIkaWQiOiIzNSIsIkNvbG9yIjp7IiRpZCI6IjM2IiwiQSI6ODksIlIiOjAsIkciOjAsIkIiOjB9fSwiSXNWaXNpYmxlIjp0cnVlLCJXaWR0aCI6MC4wLCJIZWlnaHQiOjAuMCwiQm9yZGVyU3R5bGUiOm51bGwsIlBhcmVudFN0eWxlIjpudWxsfSwiTGVmdEVuZENhcHNTdHlsZSI6eyIkaWQiOiIzNyIsIkZvbnRTZXR0aW5ncyI6eyIkaWQiOiIzOCIsIkZvbnRTaXplIjoxOCwiRm9udE5hbWUiOiJDYWxpYnJpIiwiSXNCb2xkIjp0cnVlLCJJc0l0YWxpYyI6ZmFsc2UsIklzVW5kZXJsaW5lZCI6ZmFsc2UsIlBhcmVudFN0eWxlIjpudWxsfSwiQXV0b1NpemUiOjAsIkZvcmVncm91bmQiOnsiJGlkIjoiMzkiLCJDb2xvciI6eyIkaWQiOiI0MCIsIkEiOjI1NSwiUiI6MjM3LCJHIjoxMjUsIkIiOjQ5fX0sIk1heFdpZHRoIjoiSW5maW5pdHkiLCJNYXhIZWlnaHQiOiJJbmZpbml0eSIsIlNtYXJ0Rm9yZWdyb3VuZElzQWN0aXZlIjpmYWxzZSwiSG9yaXpvbnRhbEFsaWdubWVudCI6MCwiVmVydGljYWxBbGlnbm1lbnQiOjAsIlNtYXJ0Rm9yZWdyb3VuZCI6bnVsbCwiQmFja2dyb3VuZEZpbGxUeXBlIjowLCJNYXJnaW4iOnsiJGlkIjoiNDEiLCJUb3AiOjAuMCwiTGVmdCI6NDIuNTA2NjY2NjY2NjY2NjYxLCJSaWdodCI6MC4wLCJCb3R0b20iOjAuMH0sIlBhZGRpbmciOnsiJGlkIjoiNDIiLCJUb3AiOjAuMCwiTGVmdCI6MC4wLCJSaWdodCI6MC4wLCJCb3R0b20iOjAuMH0sIkJhY2tncm91bmQiOnsiJGlkIjoiNDMiLCJDb2xvciI6eyIkcmVmIjoiMzYifX0sIklzVmlzaWJsZSI6ZmFsc2UsIldpZHRoIjowLjAsIkhlaWdodCI6MC4wLCJCb3JkZXJTdHlsZSI6bnVsbCwiUGFyZW50U3R5bGUiOm51bGx9LCJUb2RheVRleHRTdHlsZSI6eyIkaWQiOiI0NCIsIkZvbnRTZXR0aW5ncyI6eyIkaWQiOiI0NSIsIkZvbnRTaXplIjoxMiwiRm9udE5hbWUiOiJDYWxpYnJpIiwiSXNCb2xkIjpmYWxzZSwiSXNJdGFsaWMiOmZhbHNlLCJJc1VuZGVybGluZWQiOmZhbHNlLCJQYXJlbnRTdHlsZSI6bnVsbH0sIkF1dG9TaXplIjowLCJGb3JlZ3JvdW5kIjp7IiRpZCI6IjQ2IiwiQ29sb3IiOnsiJGlkIjoiNDciLCJBIjoyNTUsIlIiOjAsIkciOjAsIkIiOjB9fSwiTWF4V2lkdGgiOjIwMC4wLCJNYXhIZWlnaHQiOiJJbmZpbml0eSIsIlNtYXJ0Rm9yZWdyb3VuZElzQWN0aXZlIjpmYWxzZSwiSG9yaXpvbnRhbEFsaWdubWVudCI6MCwiVmVydGljYWxBbGlnbm1lbnQiOjAsIlNtYXJ0Rm9yZWdyb3VuZCI6bnVsbCwiQmFja2dyb3VuZEZpbGxUeXBlIjowLCJNYXJnaW4iOnsiJGlkIjoiNDgiLCJUb3AiOjAuMCwiTGVmdCI6MC4wLCJSaWdodCI6MC4wLCJCb3R0b20iOjAuMH0sIlBhZGRpbmciOnsiJGlkIjoiNDkiLCJUb3AiOjAuMCwiTGVmdCI6MC4wLCJSaWdodCI6MC4wLCJCb3R0b20iOjAuMH0sIkJhY2tncm91bmQiOnsiJGlkIjoiNTAiLCJDb2xvciI6eyIkcmVmIjoiMzYifX0sIklzVmlzaWJsZSI6dHJ1ZSwiV2lkdGgiOjAuMCwiSGVpZ2h0IjowLjAsIkJvcmRlclN0eWxlIjpudWxsLCJQYXJlbnRTdHlsZSI6bnVsbH0sIlRvZGF5TWFya2VyU3R5bGUiOnsiJGlkIjoiNTEiLCJNYXJnaW4iOnsiJGlkIjoiNTIiLCJUb3AiOjAuMCwiTGVmdCI6MC4wLCJSaWdodCI6MC4wLCJCb3R0b20iOjAuMH0sIlBhZGRpbmciOnsiJGlkIjoiNTMiLCJUb3AiOjAuMCwiTGVmdCI6MC4wLCJSaWdodCI6MC4wLCJCb3R0b20iOjAuMH0sIkJhY2tncm91bmQiOnsiJGlkIjoiNTQiLCJDb2xvciI6eyIkaWQiOiI1NSIsIkEiOjI1NSwiUiI6MjU1LCJHIjowLCJCIjowfX0sIklzVmlzaWJsZSI6dHJ1ZSwiV2lkdGgiOjAuMCwiSGVpZ2h0IjowLjAsIkJvcmRlclN0eWxlIjpudWxsLCJQYXJlbnRTdHlsZSI6bnVsbH0sIlNjYWxlU3R5bGUiOnsiJGlkIjoiNTYiLCJTaGFwZSI6MywiU2hvd1NlZ21lbnRTZXBhcmF0b3JzIjp0cnVlLCJTZWdtZW50U2VwYXJhdG9yT3BhY2l0eSI6MzAsIkhhc0JlZW5WaXNpYmxlQmVmb3JlIjp0cnVlLCJGb250U2V0dGluZ3MiOnsiJGlkIjoiNTciLCJGb250U2l6ZSI6MTIsIkZvbnROYW1lIjoiQ2FsaWJyaSIsIklzQm9sZCI6ZmFsc2UsIklzSXRhbGljIjpmYWxzZSwiSXNVbmRlcmxpbmVkIjpmYWxzZSwiUGFyZW50U3R5bGUiOm51bGx9LCJBdXRvU2l6ZSI6MCwiRm9yZWdyb3VuZCI6eyIkaWQiOiI1OCIsIkNvbG9yIjp7IiRpZCI6IjU5IiwiQSI6MjU1LCJSIjoyNTUsIkciOjI1NSwiQiI6MjU1fX0sIk1heFdpZHRoIjoyMDAuMCwiTWF4SGVpZ2h0IjoiSW5maW5pdHkiLCJTbWFydEZvcmVncm91bmRJc0FjdGl2ZSI6ZmFsc2UsIkhvcml6b250YWxBbGlnbm1lbnQiOjAsIlZlcnRpY2FsQWxpZ25tZW50IjoxLCJTbWFydEZvcmVncm91bmQiOm51bGwsIkJhY2tncm91bmRGaWxsVHlwZSI6MCwiTWFyZ2luIjp7IiRpZCI6IjYwIiwiVG9wIjowLjAsIkxlZnQiOjUuMCwiUmlnaHQiOjAuMCwiQm90dG9tIjowLjB9LCJQYWRkaW5nIjp7IiRpZCI6IjYxIiwiVG9wIjowLjAsIkxlZnQiOjAuMCwiUmlnaHQiOjAuMCwiQm90dG9tIjowLjB9LCJCYWNrZ3JvdW5kIjp7IiRpZCI6IjYyIiwiQ29sb3IiOnsiJHJlZiI6IjM2In19LCJJc1Zpc2libGUiOnRydWUsIldpZHRoIjowLjAsIkhlaWdodCI6MC4wLCJCb3JkZXJTdHlsZSI6bnVsbCwiUGFyZW50U3R5bGUiOm51bGx9LCJTaW5nbGVTY2FsZVNoYXBlU3R5bGUiOnsiJGlkIjoiNjMiLCJTaGFwZSI6MCwiSGVpZ2h0IjowLjB9LCJNaWRkbGVUaWVyU2NhbGVTdHlsZSI6eyIkaWQiOiI2NCIsIlNoYXBlIjozLCJTaG93U2VnbWVudFNlcGFyYXRvcnMiOnRydWUsIlNlZ21lbnRTZXBhcmF0b3JPcGFjaXR5IjozMCwiSGFzQmVlblZpc2libGVCZWZvcmUiOmZhbHNlLCJGb250U2V0dGluZ3MiOnsiJGlkIjoiNjUiLCJGb250U2l6ZSI6MTIsIkZvbnROYW1lIjoiQ2FsaWJyaSIsIklzQm9sZCI6ZmFsc2UsIklzSXRhbGljIjpmYWxzZSwiSXNVbmRlcmxpbmVkIjpmYWxzZSwiUGFyZW50U3R5bGUiOm51bGx9LCJBdXRvU2l6ZSI6MCwiRm9yZWdyb3VuZCI6eyIkaWQiOiI2NiIsIkNvbG9yIjp7IiRpZCI6IjY3IiwiQSI6MjU1LCJSIjoyNTUsIkciOjI1NSwiQiI6MjU1fX0sIk1heFdpZHRoIjoyMDAuMCwiTWF4SGVpZ2h0IjoiSW5maW5pdHkiLCJTbWFydEZvcmVncm91bmRJc0FjdGl2ZSI6ZmFsc2UsIkhvcml6b250YWxBbGlnbm1lbnQiOjAsIlZlcnRpY2FsQWxpZ25tZW50IjoxLCJTbWFydEZvcmVncm91bmQiOm51bGwsIkJhY2tncm91bmRGaWxsVHlwZSI6MCwiTWFyZ2luIjp7IiRpZCI6IjY4IiwiVG9wIjowLjAsIkxlZnQiOjUuMCwiUmlnaHQiOjAuMCwiQm90dG9tIjowLjB9LCJQYWRkaW5nIjp7IiRpZCI6IjY5IiwiVG9wIjowLjAsIkxlZnQiOjAuMCwiUmlnaHQiOjAuMCwiQm90dG9tIjowLjB9LCJCYWNrZ3JvdW5kIjp7IiRpZCI6IjcwIiwiQ29sb3IiOnsiJGlkIjoiNzEiLCJBIjowLCJSIjowLCJHIjowLCJCIjowfX0sIklzVmlzaWJsZSI6ZmFsc2UsIldpZHRoIjowLjAsIkhlaWdodCI6MC4wLCJCb3JkZXJTdHlsZSI6bnVsbCwiUGFyZW50U3R5bGUiOm51bGx9LCJCb3R0b21UaWVyU2NhbGVTdHlsZSI6eyIkaWQiOiI3MiIsIlNoYXBlIjozLCJTaG93U2VnbWVudFNlcGFyYXRvcnMiOnRydWUsIlNlZ21lbnRTZXBhcmF0b3JPcGFjaXR5IjozMCwiSGFzQmVlblZpc2libGVCZWZvcmUiOmZhbHNlLCJGb250U2V0dGluZ3MiOnsiJGlkIjoiNzMiLCJGb250U2l6ZSI6MTIsIkZvbnROYW1lIjoiQ2FsaWJyaSIsIklzQm9sZCI6ZmFsc2UsIklzSXRhbGljIjpmYWxzZSwiSXNVbmRlcmxpbmVkIjpmYWxzZSwiUGFyZW50U3R5bGUiOm51bGx9LCJBdXRvU2l6ZSI6MCwiRm9yZWdyb3VuZCI6eyIkaWQiOiI3NCIsIkNvbG9yIjp7IiRpZCI6Ijc1IiwiQSI6MjU1LCJSIjoyNTUsIkciOjI1NSwiQiI6MjU1fX0sIk1heFdpZHRoIjoyMDAuMCwiTWF4SGVpZ2h0IjoiSW5maW5pdHkiLCJTbWFydEZvcmVncm91bmRJc0FjdGl2ZSI6ZmFsc2UsIkhvcml6b250YWxBbGlnbm1lbnQiOjAsIlZlcnRpY2FsQWxpZ25tZW50IjoxLCJTbWFydEZvcmVncm91bmQiOm51bGwsIkJhY2tncm91bmRGaWxsVHlwZSI6MCwiTWFyZ2luIjp7IiRpZCI6Ijc2IiwiVG9wIjowLjAsIkxlZnQiOjUuMCwiUmlnaHQiOjAuMCwiQm90dG9tIjowLjB9LCJQYWRkaW5nIjp7IiRpZCI6Ijc3IiwiVG9wIjowLjAsIkxlZnQiOjAuMCwiUmlnaHQiOjAuMCwiQm90dG9tIjowLjB9LCJCYWNrZ3JvdW5kIjp7IiRpZCI6Ijc4IiwiQ29sb3IiOnsiJGlkIjoiNzkiLCJBIjowLCJSIjowLCJHIjowLCJCIjowfX0sIklzVmlzaWJsZSI6ZmFsc2UsIldpZHRoIjowLjAsIkhlaWdodCI6MC4wLCJCb3JkZXJTdHlsZSI6bnVsbCwiUGFyZW50U3R5bGUiOm51bGx9LCJFbGFwc2VkVGltZUJhY2tncm91bmQiOnsiJGlkIjoiODAiLCJDb2xvciI6eyIkaWQiOiI4MSIsIkEiOjE5MSwiUiI6MjU1LCJHIjowLCJCIjowfX0sIkFwcGVuZFllYXJPblllYXJDaGFuZ2UiOmZhbHNlLCJFbGFwc2VkVGltZUZvcm1hdCI6MiwiVG9kYXlNYXJrZXJQb3NpdGlvbiI6MiwiUXVpY2tQb3NpdGlvbiI6MiwiQWJzb2x1dGVQb3NpdGlvbiI6NDA1LjAsIk1hcmdpbiI6eyIkaWQiOiI4MiIsIlRvcCI6MC4wLCJMZWZ0IjoxMC4wLCJSaWdodCI6MTAuMCwiQm90dG9tIjowLjB9LCJQYWRkaW5nIjp7IiRpZCI6IjgzIiwiVG9wIjowLjAsIkxlZnQiOjAuMCwiUmlnaHQiOjAuMCwiQm90dG9tIjowLjB9LCJCYWNrZ3JvdW5kIjp7IiRpZCI6Ijg0IiwiQ29sb3IiOnsiJGlkIjoiODUiLCJBIjoyNTUsIlIiOjQ3LCJHIjo1NCwiQiI6MTUzfX0sIklzVmlzaWJsZSI6dHJ1ZSwiV2lkdGgiOjAuMCwiSGVpZ2h0IjowLjAsIkJvcmRlclN0eWxlIjpudWxsLCJQYXJlbnRTdHlsZSI6bnVsbH0sIkRlZmF1bHRNaWxlc3RvbmVTdHlsZSI6eyIkaWQiOiI4NiIsIlNoYXBlIjowLCJDb25uZWN0b3JNYXJnaW4iOnsiJGlkIjoiODciLCJUb3AiOjAuMCwiTGVmdCI6Mi4wLCJSaWdodCI6Mi4wLCJCb3R0b20iOjAuMH0sIkNvbm5lY3RvclN0eWxlIjp7IiRpZCI6Ijg4IiwiTGluZUNvbG9yIjp7IiRpZCI6Ijg5IiwiJHR5cGUiOiJOTFJFLkNvbW1vbi5Eb20uU29saWRDb2xvckJydXNoLCBOTFJFLkNvbW1vbiIsIkNvbG9yIjp7IiRpZCI6IjkwIiwiQSI6MTI3LCJSIjo3OSwiRyI6MTI5LCJCIjoxODl9fSwiTGluZVdlaWdodCI6MS4wLCJMaW5lVHlwZSI6MCwiUGFyZW50U3R5bGUiOm51bGx9LCJJc0JlbG93VGltZWJhbmQiOmZhbHNlLCJQb3NpdGlvbk9uVGFzayI6MCwiSGlkZURhdGUiOmZhbHNlLCJTaGFwZVNpemUiOjEsIlNwYWNpbmciOjEuMCwiUGFkZGluZyI6eyIkaWQiOiI5MSIsIlRvcCI6Ny4wLCJMZWZ0IjozLjAsIlJpZ2h0IjowLjAsIkJvdHRvbSI6Mi4wfSwiU2hhcGVTdHlsZSI6eyIkaWQiOiI5MiIsIk1hcmdpbiI6eyIkaWQiOiI5MyIsIlRvcCI6MC4wLCJMZWZ0IjowLjAsIlJpZ2h0IjowLjAsIkJvdHRvbSI6MC4wfSwiUGFkZGluZyI6eyIkaWQiOiI5NCIsIlRvcCI6MC4wLCJMZWZ0IjowLjAsIlJpZ2h0IjowLjAsIkJvdHRvbSI6MC4wfSwiQmFja2dyb3VuZCI6eyIkaWQiOiI5NSIsIkNvbG9yIjp7IiRpZCI6Ijk2IiwiQSI6MjU1LCJSIjowLCJHIjoxMTQsIkIiOjE4OH19LCJJc1Zpc2libGUiOnRydWUsIldpZHRoIjoxOC4wLCJIZWlnaHQiOjIwLjAsIkJvcmRlclN0eWxlIjp7IiRpZCI6Ijk3IiwiTGluZUNvbG9yIjp7IiRpZCI6Ijk4IiwiJHR5cGUiOiJOTFJFLkNvbW1vbi5Eb20uU29saWRDb2xvckJydXNoLCBOTFJFLkNvbW1vbiIsIkNvbG9yIjp7IiRpZCI6Ijk5IiwiQSI6MjU1LCJSIjoyNTUsIkciOjAsIkIiOjB9fSwiTGluZVdlaWdodCI6MC4wLCJMaW5lVHlwZSI6MCwiUGFyZW50U3R5bGUiOm51bGx9LCJQYXJlbnRTdHlsZSI6bnVsbH0sIlRpdGxlU3R5bGUiOnsiJGlkIjoiMTAwIiwiRm9udFNldHRpbmdzIjp7IiRpZCI6IjEwMSIsIkZvbnRTaXplIjoxMSwiRm9udE5hbWUiOiJDYWxpYnJpIiwiSXNCb2xkIjp0cnVlLCJJc0l0YWxpYyI6ZmFsc2UsIklzVW5kZXJsaW5lZCI6ZmFsc2UsIlBhcmVudFN0eWxlIjpudWxsfSwiQXV0b1NpemUiOjAsIkZvcmVncm91bmQiOnsiJGlkIjoiMTAyIiwiQ29sb3IiOnsiJGlkIjoiMTAzIiwiQSI6MjU1LCJSIjowLCJHIjowLCJCIjowfX0sIk1heFdpZHRoIjoyMDAuMCwiTWF4SGVpZ2h0IjoiSW5maW5pdHkiLCJTbWFydEZvcmVncm91bmRJc0FjdGl2ZSI6ZmFsc2UsIkhvcml6b250YWxBbGlnbm1lbnQiOjEsIlZlcnRpY2FsQWxpZ25tZW50IjowLCJTbWFydEZvcmVncm91bmQiOm51bGwsIkJhY2tncm91bmRGaWxsVHlwZSI6MCwiTWFyZ2luIjp7IiRpZCI6IjEwNCIsIlRvcCI6MC4wLCJMZWZ0IjowLjAsIlJpZ2h0IjowLjAsIkJvdHRvbSI6MC4wfSwiUGFkZGluZyI6eyIkaWQiOiIxMDUiLCJUb3AiOjAuMCwiTGVmdCI6MC4wLCJSaWdodCI6MC4wLCJCb3R0b20iOjAuMH0sIkJhY2tncm91bmQiOnsiJGlkIjoiMTA2IiwiQ29sb3IiOnsiJHJlZiI6IjM2In19LCJJc1Zpc2libGUiOnRydWUsIldpZHRoIjowLjAsIkhlaWdodCI6MC4wLCJCb3JkZXJTdHlsZSI6bnVsbCwiUGFyZW50U3R5bGUiOm51bGx9LCJEYXRlU3R5bGUiOnsiJGlkIjoiMTA3IiwiRm9udFNldHRpbmdzIjp7IiRpZCI6IjEwOCIsIkZvbnRTaXplIjoxMCwiRm9udE5hbWUiOiJDYWxpYnJpIiwiSXNCb2xkIjpmYWxzZSwiSXNJdGFsaWMiOmZhbHNlLCJJc1VuZGVybGluZWQiOmZhbHNlLCJQYXJlbnRTdHlsZSI6bnVsbH0sIkF1dG9TaXplIjowLCJGb3JlZ3JvdW5kIjp7IiRpZCI6IjEwOSIsIkNvbG9yIjp7IiRpZCI6IjExMCIsIkEiOjI1NSwiUiI6NjgsIkciOjg0LCJCIjoxMDZ9fSwiTWF4V2lkdGgiOjIwMC4wLCJNYXhIZWlnaHQiOiJJbmZpbml0eSIsIlNtYXJ0Rm9yZWdyb3VuZElzQWN0aXZlIjpmYWxzZSwiSG9yaXpvbnRhbEFsaWdubWVudCI6MCwiVmVydGljYWxBbGlnbm1lbnQiOjAsIlNtYXJ0Rm9yZWdyb3VuZCI6bnVsbCwiQmFja2dyb3VuZEZpbGxUeXBlIjowLCJNYXJnaW4iOnsiJGlkIjoiMTExIiwiVG9wIjowLjAsIkxlZnQiOjAuMCwiUmlnaHQiOjAuMCwiQm90dG9tIjowLjB9LCJQYWRkaW5nIjp7IiRpZCI6IjExMiIsIlRvcCI6MC4wLCJMZWZ0IjowLjAsIlJpZ2h0IjowLjAsIkJvdHRvbSI6MC4wfSwiQmFja2dyb3VuZCI6eyIkaWQiOiIxMTMiLCJDb2xvciI6eyIkcmVmIjoiMzYifX0sIklzVmlzaWJsZSI6dHJ1ZSwiV2lkdGgiOjAuMCwiSGVpZ2h0IjowLjAsIkJvcmRlclN0eWxlIjpudWxsLCJQYXJlbnRTdHlsZSI6bnVsbH0sIkRhdGVGb3JtYXQiOnsiJGlkIjoiMTE0IiwiRm9ybWF0U3RyaW5nIjoiTU1NIGQiLCJTZXBhcmF0b3IiOiIvIiwiVXNlSW50ZXJuYXRpb25hbERhdGVGb3JtYXQiOmZhbHNlLCJEYXRlSXNWaXNpYmxlIjp0cnVlLCJUaW1lSXNWaXNpYmxlIjpmYWxzZSwiSG91ckRpZ2l0cyI6MSwiQW1QbURlc2lnbmF0b3IiOjIsIlRyaW0wME1pbnV0ZXMiOmZhbHNlLCJMYXN0S25vd25WaXNpYmlsaXR5U3RhdGUiOm51bGx9LCJXZWVrTnVtYmVyaW5nIjp7IiRpZCI6IjExNSIsIkZvcm1hdCI6MCwiSXNWaXNpYmxlIjpmYWxzZSwiTGFzdEtub3duVmlzaWJpbGl0eVN0YXRlIjpmYWxzZX0sIklzVmlzaWJsZSI6dHJ1ZSwiUGFyZW50U3R5bGUiOm51bGx9LCJEZWZhdWx0VGFza1N0eWxlIjp7IiRpZCI6IjExNiIsIlNoYXBlIjowLCJTaGFwZVRoaWNrbmVzcyI6MSwiRHVyYXRpb25Gb3JtYXQiOjAsIkluY2x1ZGVOb25Xb3JraW5nRGF5c0luRHVyYXRpb24iOmZhbHNlLCJQZXJjZW50YWdlQ29tcGxldGVTdHlsZSI6eyIkaWQiOiIxMTciLCJGb250U2V0dGluZ3MiOnsiJGlkIjoiMTE4IiwiRm9udFNpemUiOjEwLCJGb250TmFtZSI6IkNhbGlicmkiLCJJc0JvbGQiOmZhbHNlLCJJc0l0YWxpYyI6ZmFsc2UsIklzVW5kZXJsaW5lZCI6ZmFsc2UsIlBhcmVudFN0eWxlIjpudWxsfSwiQXV0b1NpemUiOjAsIkZvcmVncm91bmQiOnsiJGlkIjoiMTE5IiwiQ29sb3IiOnsiJGlkIjoiMTIwIiwiQSI6MjU1LCJSIjoxOTIsIkciOjgwLCJCIjo3N319LCJNYXhXaWR0aCI6MjAwLjAsIk1heEhlaWdodCI6IkluZmluaXR5IiwiU21hcnRGb3JlZ3JvdW5kSXNBY3RpdmUiOmZhbHNlLCJIb3Jpem9udGFsQWxpZ25tZW50IjowLCJWZXJ0aWNhbEFsaWdubWVudCI6MCwiU21hcnRGb3JlZ3JvdW5kIjpudWxsLCJCYWNrZ3JvdW5kRmlsbFR5cGUiOjAsIk1hcmdpbiI6eyIkaWQiOiIxMjEiLCJUb3AiOjAuMCwiTGVmdCI6MC4wLCJSaWdodCI6MC4wLCJCb3R0b20iOjAuMH0sIlBhZGRpbmciOnsiJGlkIjoiMTIyIiwiVG9wIjowLjAsIkxlZnQiOjAuMCwiUmlnaHQiOjAuMCwiQm90dG9tIjowLjB9LCJCYWNrZ3JvdW5kIjp7IiRpZCI6IjEyMyIsIkNvbG9yIjp7IiRyZWYiOiIzNiJ9fSwiSXNWaXNpYmxlIjp0cnVlLCJXaWR0aCI6MC4wLCJIZWlnaHQiOjAuMCwiQm9yZGVyU3R5bGUiOm51bGwsIlBhcmVudFN0eWxlIjpudWxsfSwiRHVyYXRpb25TdHlsZSI6eyIkaWQiOiIxMjQiLCJGb250U2V0dGluZ3MiOnsiJGlkIjoiMTI1IiwiRm9udFNpemUiOjEwLCJGb250TmFtZSI6IkNhbGlicmkiLCJJc0JvbGQiOmZhbHNlLCJJc0l0YWxpYyI6ZmFsc2UsIklzVW5kZXJsaW5lZCI6ZmFsc2UsIlBhcmVudFN0eWxlIjpudWxsfSwiQXV0b1NpemUiOjAsIkZvcmVncm91bmQiOnsiJGlkIjoiMTI2IiwiQ29sb3IiOnsiJGlkIjoiMTI3IiwiQSI6MjU1LCJSIjowLCJHIjowLCJCIjowfX0sIk1heFdpZHRoIjoyMDAuMCwiTWF4SGVpZ2h0IjoiSW5maW5pdHkiLCJTbWFydEZvcmVncm91bmRJc0FjdGl2ZSI6ZmFsc2UsIkhvcml6b250YWxBbGlnbm1lbnQiOjEsIlZlcnRpY2FsQWxpZ25tZW50IjowLCJTbWFydEZvcmVncm91bmQiOm51bGwsIkJhY2tncm91bmRGaWxsVHlwZSI6MCwiTWFyZ2luIjp7IiRpZCI6IjEyOCIsIlRvcCI6MC4wLCJMZWZ0IjowLjAsIlJpZ2h0IjowLjAsIkJvdHRvbSI6MC4wfSwiUGFkZGluZyI6eyIkaWQiOiIxMjkiLCJUb3AiOjAuMCwiTGVmdCI6MC4wLCJSaWdodCI6MC4wLCJCb3R0b20iOjAuMH0sIkJhY2tncm91bmQiOnsiJGlkIjoiMTMwIiwiQ29sb3IiOnsiJHJlZiI6IjM2In19LCJJc1Zpc2libGUiOnRydWUsIldpZHRoIjowLjAsIkhlaWdodCI6MC4wLCJCb3JkZXJTdHlsZSI6bnVsbCwiUGFyZW50U3R5bGUiOm51bGx9LCJIb3Jpem9udGFsQ29ubmVjdG9yU3R5bGUiOnsiJGlkIjoiMTMxIiwiTGluZUNvbG9yIjp7IiRpZCI6IjEzMiIsIiR0eXBlIjoiTkxSRS5Db21tb24uRG9tLlNvbGlkQ29sb3JCcnVzaCwgTkxSRS5Db21tb24iLCJDb2xvciI6eyIkaWQiOiIxMzMiLCJBIjoyNTUsIlIiOjIwNCwiRyI6MjA0LCJCIjoyMDR9fSwiTGluZVdlaWdodCI6MS4wLCJMaW5lVHlwZSI6MCwiUGFyZW50U3R5bGUiOm51bGx9LCJWZXJ0aWNhbENvbm5lY3RvclN0eWxlIjp7IiRpZCI6IjEzNCIsIkxpbmVDb2xvciI6eyIkaWQiOiIxMzUiLCIkdHlwZSI6Ik5MUkUuQ29tbW9uLkRvbS5Tb2xpZENvbG9yQnJ1c2gsIE5MUkUuQ29tbW9uIiwiQ29sb3IiOnsiJGlkIjoiMTM2IiwiQSI6MjU1LCJSIjoyMDQsIkciOjIwNCwiQiI6MjA0fX0sIkxpbmVXZWlnaHQiOjAuMCwiTGluZVR5cGUiOjAsIlBhcmVudFN0eWxlIjpudWxsfSwiTWFyZ2luIjpudWxsLCJTdGFydERhdGVQb3NpdGlvbiI6MywiRW5kRGF0ZVBvc2l0aW9uIjozLCJEYXRlSXNWaXNpYmxlIjp0cnVlLCJUaXRsZVBvc2l0aW9uIjo0LCJEdXJhdGlvblBvc2l0aW9uIjoyLCJQZXJjZW50YWdlQ29tcGxldGVkUG9zaXRpb24iOjYsIlNwYWNpbmciOjUsIklzQmVsb3dUaW1lYmFuZCI6ZmFsc2UsIlBlcmNlbnRhZ2VDb21wbGV0ZVNoYXBlT3BhY2l0eSI6MzUsIlNoYXBlU3R5bGUiOnsiJGlkIjoiMTM3IiwiTWFyZ2luIjp7IiRpZCI6IjEzOCIsIlRvcCI6MC4wLCJMZWZ0Ijo0LjAsIlJpZ2h0Ijo0LjAsIkJvdHRvbSI6MC4wfSwiUGFkZGluZyI6eyIkaWQiOiIxMzkiLCJUb3AiOjAuMCwiTGVmdCI6MC4wLCJSaWdodCI6MC4wLCJCb3R0b20iOjAuMH0sIkJhY2tncm91bmQiOnsiJGlkIjoiMTQwIiwiQ29sb3IiOnsiJGlkIjoiMTQxIiwiQSI6MjU1LCJSIjowLCJHIjoxMTQsIkIiOjE4OH19LCJJc1Zpc2libGUiOnRydWUsIldpZHRoIjowLjAsIkhlaWdodCI6MTYuMCwiQm9yZGVyU3R5bGUiOnsiJGlkIjoiMTQyIiwiTGluZUNvbG9yIjp7IiRpZCI6IjE0MyIsIiR0eXBlIjoiTkxSRS5Db21tb24uRG9tLlNvbGlkQ29sb3JCcnVzaCwgTkxSRS5Db21tb24iLCJDb2xvciI6eyIkaWQiOiIxNDQiLCJBIjoyNTUsIlIiOjI1NSwiRyI6MCwiQiI6MH19LCJMaW5lV2VpZ2h0IjowLjAsIkxpbmVUeXBlIjowLCJQYXJlbnRTdHlsZSI6bnVsbH0sIlBhcmVudFN0eWxlIjpudWxsfSwiVGl0bGVTdHlsZSI6eyIkaWQiOiIxNDUiLCJGb250U2V0dGluZ3MiOnsiJGlkIjoiMTQ2IiwiRm9udFNpemUiOjEyLCJGb250TmFtZSI6IkNhbGlicmkiLCJJc0JvbGQiOnRydWUsIklzSXRhbGljIjpmYWxzZSwiSXNVbmRlcmxpbmVkIjpmYWxzZSwiUGFyZW50U3R5bGUiOm51bGx9LCJBdXRvU2l6ZSI6MCwiRm9yZWdyb3VuZCI6eyIkaWQiOiIxNDciLCJDb2xvciI6eyIkaWQiOiIxNDgiLCJBIjoyNTUsIlIiOjAsIkciOjAsIkIiOjB9fSwiTWF4V2lkdGgiOjk2MC4wLCJNYXhIZWlnaHQiOiJJbmZpbml0eSIsIlNtYXJ0Rm9yZWdyb3VuZElzQWN0aXZlIjpmYWxzZSwiSG9yaXpvbnRhbEFsaWdubWVudCI6MCwiVmVydGljYWxBbGlnbm1lbnQiOjAsIlNtYXJ0Rm9yZWdyb3VuZCI6bnVsbCwiQmFja2dyb3VuZEZpbGxUeXBlIjowLCJNYXJnaW4iOnsiJGlkIjoiMTQ5IiwiVG9wIjowLjAsIkxlZnQiOjAuMCwiUmlnaHQiOjAuMCwiQm90dG9tIjowLjB9LCJQYWRkaW5nIjp7IiRpZCI6IjE1MCIsIlRvcCI6MC4wLCJMZWZ0IjowLjAsIlJpZ2h0IjowLjAsIkJvdHRvbSI6MC4wfSwiQmFja2dyb3VuZCI6eyIkaWQiOiIxNTEiLCJDb2xvciI6eyIkcmVmIjoiMzYifX0sIklzVmlzaWJsZSI6dHJ1ZSwiV2lkdGgiOjAuMCwiSGVpZ2h0IjowLjAsIkJvcmRlclN0eWxlIjpudWxsLCJQYXJlbnRTdHlsZSI6bnVsbH0sIkRhdGVTdHlsZSI6eyIkaWQiOiIxNTIiLCJGb250U2V0dGluZ3MiOnsiJGlkIjoiMTUzIiwiRm9udFNpemUiOjEwLCJGb250TmFtZSI6IkNhbGlicmkiLCJJc0JvbGQiOmZhbHNlLCJJc0l0YWxpYyI6ZmFsc2UsIklzVW5kZXJsaW5lZCI6ZmFsc2UsIlBhcmVudFN0eWxlIjpudWxsfSwiQXV0b1NpemUiOjAsIkZvcmVncm91bmQiOnsiJGlkIjoiMTU0IiwiQ29sb3IiOnsiJGlkIjoiMTU1IiwiQSI6MjU1LCJSIjo2OCwiRyI6ODQsIkIiOjEwNn19LCJNYXhXaWR0aCI6MjAwLjAsIk1heEhlaWdodCI6IkluZmluaXR5IiwiU21hcnRGb3JlZ3JvdW5kSXNBY3RpdmUiOmZhbHNlLCJIb3Jpem9udGFsQWxpZ25tZW50IjoyLCJWZXJ0aWNhbEFsaWdubWVudCI6MCwiU21hcnRGb3JlZ3JvdW5kIjpudWxsLCJCYWNrZ3JvdW5kRmlsbFR5cGUiOjAsIk1hcmdpbiI6eyIkaWQiOiIxNTYiLCJUb3AiOjAuMCwiTGVmdCI6MC4wLCJSaWdodCI6MC4wLCJCb3R0b20iOjAuMH0sIlBhZGRpbmciOnsiJGlkIjoiMTU3IiwiVG9wIjowLjAsIkxlZnQiOjAuMCwiUmlnaHQiOjAuMCwiQm90dG9tIjowLjB9LCJCYWNrZ3JvdW5kIjp7IiRpZCI6IjE1OCIsIkNvbG9yIjp7IiRyZWYiOiIzNiJ9fSwiSXNWaXNpYmxlIjp0cnVlLCJXaWR0aCI6MC4wLCJIZWlnaHQiOjAuMCwiQm9yZGVyU3R5bGUiOm51bGwsIlBhcmVudFN0eWxlIjpudWxsfSwiRGF0ZUZvcm1hdCI6eyIkaWQiOiIxNTkiLCJGb3JtYXRTdHJpbmciOiJNTU0gZCIsIlNlcGFyYXRvciI6Ii8iLCJVc2VJbnRlcm5hdGlvbmFsRGF0ZUZvcm1hdCI6ZmFsc2UsIkRhdGVJc1Zpc2libGUiOnRydWUsIlRpbWVJc1Zpc2libGUiOmZhbHNlLCJIb3VyRGlnaXRzIjoxLCJBbVBtRGVzaWduYXRvciI6MiwiVHJpbTAwTWludXRlcyI6ZmFsc2UsIkxhc3RLbm93blZpc2liaWxpdHlTdGF0ZSI6bnVsbH0sIldlZWtOdW1iZXJpbmciOnsiJGlkIjoiMTYwIiwiRm9ybWF0IjowLCJJc1Zpc2libGUiOmZhbHNlLCJMYXN0S25vd25WaXNpYmlsaXR5U3RhdGUiOmZhbHNlfSwiSXNWaXNpYmxlIjp0cnVlLCJQYXJlbnRTdHlsZSI6bnVsbCwiX2V4cGxpY2l0bHlTZXQiOnsiJGlkIjoiMTYxIiwiU2hhcGVTdHlsZSI6ZmFsc2UsIlRpdGxlU3R5bGUiOmZhbHNlLCJEYXRlU3R5bGUiOmZhbHNlLCJIb3Jpem9udGFsQ29ubmVjdG9yU3R5bGUiOmZhbHNlLCJWZXJ0aWNhbENvbm5lY3RvclN0eWxlIjpmYWxzZSwiUGVyY2VudGFnZUNvbXBsZXRlU2hhcGVPcGFjaXR5IjpmYWxzZSwiU2hhcGUiOmZhbHNlLCJTaGFwZVRoaWNrbmVzcyI6ZmFsc2UsIkR1cmF0aW9uRm9ybWF0IjpmYWxzZSwiSW5jbHVkZU5vbldvcmtpbmdEYXlzSW5EdXJhdGlvbiI6ZmFsc2UsIk1hcmdpbiI6ZmFsc2UsIlN0YXJ0RGF0ZVBvc2l0aW9uIjpmYWxzZSwiRW5kRGF0ZVBvc2l0aW9uIjpmYWxzZSwiVGl0bGVQb3NpdGlvbiI6ZmFsc2UsIkR1cmF0aW9uUG9zaXRpb24iOmZhbHNlLCJQZXJjZW50YWdlQ29tcGxldGVkUG9zaXRpb24iOmZhbHNlLCJTcGFjaW5nIjpmYWxzZSwiSXNCZWxvd1RpbWViYW5kIjpmYWxzZSwiRGF0ZUZvcm1hdCI6ZmFsc2UsIldlZWtOdW1iZXJpbmciOmZhbHNlLCJJc1Zpc2libGUiOmZhbHNlfX0sIkdyaWRsaW5lUGFuZWxTdHlsZSI6eyIkaWQiOiIxNjIiLCJHcmlkbGluZVN0eWxlIjp7IiRpZCI6IjE2MyIsIkxpbmVDb2xvciI6eyIkaWQiOiIxNjQiLCIkdHlwZSI6Ik5MUkUuQ29tbW9uLkRvbS5Tb2xpZENvbG9yQnJ1c2gsIE5MUkUuQ29tbW9uIiwiQ29sb3IiOnsiJGlkIjoiMTY1IiwiQSI6MzgsIlIiOjkxLCJHIjoxNTUsIkIiOjIxM319LCJMaW5lV2VpZ2h0IjoxLjAsIkxpbmVUeXBlIjowLCJQYXJlbnRTdHlsZSI6bnVsbH0sIk1hcmdpbiI6eyIkaWQiOiIxNjYiLCJUb3AiOjAuMCwiTGVmdCI6MC4wLCJSaWdodCI6MC4wLCJCb3R0b20iOjAuMH0sIlBhZGRpbmciOnsiJGlkIjoiMTY3IiwiVG9wIjowLjAsIkxlZnQiOjAuMCwiUmlnaHQiOjAuMCwiQm90dG9tIjowLjB9LCJCYWNrZ3JvdW5kIjpudWxsLCJJc1Zpc2libGUiOnRydWUsIldpZHRoIjowLjAsIkhlaWdodCI6MC4wLCJCb3JkZXJTdHlsZSI6eyIkaWQiOiIxNjgiLCJMaW5lQ29sb3IiOm51bGwsIkxpbmVXZWlnaHQiOjAuMCwiTGluZVR5cGUiOjAsIlBhcmVudFN0eWxlIjpudWxsfSwiUGFyZW50U3R5bGUiOm51bGx9LCJBY3Rpdml0eUxpbmVQYW5lbFN0eWxlIjp7IiRpZCI6IjE2OSIsIkFjdGl2aXR5TGluZVN0eWxlIjp7IiRpZCI6IjE3MCIsIkxpbmVDb2xvciI6eyIkaWQiOiIxNzEiLCIkdHlwZSI6Ik5MUkUuQ29tbW9uLkRvbS5Tb2xpZENvbG9yQnJ1c2gsIE5MUkUuQ29tbW9uIiwiQ29sb3IiOnsiJGlkIjoiMTcyIiwiQSI6MzgsIlIiOjY4LCJHIjoxMTQsIkIiOjE5Nn19LCJMaW5lV2VpZ2h0IjoxLjAsIkxpbmVUeXBlIjowLCJQYXJlbnRTdHlsZSI6bnVsbH0sIk1hcmdpbiI6eyIkaWQiOiIxNzMiLCJUb3AiOjAuMCwiTGVmdCI6MC4wLCJSaWdodCI6MC4wLCJCb3R0b20iOjAuMH0sIlBhZGRpbmciOnsiJGlkIjoiMTc0IiwiVG9wIjowLjAsIkxlZnQiOjAuMCwiUmlnaHQiOjAuMCwiQm90dG9tIjowLjB9LCJCYWNrZ3JvdW5kIjpudWxsLCJJc1Zpc2libGUiOnRydWUsIldpZHRoIjowLjAsIkhlaWdodCI6MC4wLCJCb3JkZXJTdHlsZSI6eyIkaWQiOiIxNzUiLCJMaW5lQ29sb3IiOm51bGwsIkxpbmVXZWlnaHQiOjAuMCwiTGluZVR5cGUiOjAsIlBhcmVudFN0eWxlIjpudWxsfSwiUGFyZW50U3R5bGUiOm51bGx9LCJTaG93RWxhcHNlZFRpbWVHcmFkaWVudFN0eWxlIjpmYWxzZSwiVGltZWJhbmRSZXNlcnZlZExlZnRBcmVhU3R5bGUiOnsiJGlkIjoiMTc2IiwiQWN0aXZpdHlIZWFkZXJXaWR0aCI6MC4wLCJJc1NldCI6ZmFsc2V9LCJEZWZhdWx0U3dpbWxhbmVTdHlsZSI6bnVsbH0sIlNjYWxlIjpudWxsLCJTY2FsZVYyIjp7IiRpZCI6IjE3NyIsIlN0YXJ0RGF0ZSI6IjAwMDEtMDEtMDFUMDA6MDA6MDAiLCJFbmREYXRlIjoiMjAyMi0wOC0yNlQyMzo1OTowMCIsIkF1dG9EYXRlUmFuZ2UiOnRydWUsIldvcmtpbmdEYXlzIjozMSwiRmlzY2FsWWVhciI6eyIkaWQiOiIxNzgiLCJTdGFydE1vbnRoIjoxLCJVc2VTdGFydGluZ1llYXJGb3JOdW1iZXJpbmciOnRydWUsIlNob3dGaXNjYWxZZWFyTGFiZWwiOnRydWV9LCJUb2RheU1hcmtlclRleHQiOiJUb2RheSIsIkF1dG9TY2FsZVR5cGUiOnRydWUsIlRpbWViYW5kU2NhbGVzIjp7IiRpZCI6IjE3OSIsIlRvcFNjYWxlTGF5ZXIiOnsiJGlkIjoiMTgwIiwiRm9ybWF0IjoidyIsIlR5cGUiOjF9LCJNaWRkbGVTY2FsZUxheWVyIjp7IiRpZCI6IjE4MSIsIkZvcm1hdCI6bnVsbCwiVHlwZSI6MH0sIkJvdHRvbVNjYWxlTGF5ZXIiOnsiJGlkIjoiMTgyIiwiRm9ybWF0IjpudWxsLCJUeXBlIjowfX19LCJNaWxlc3RvbmVzIjpbXSwiVGFza3MiOlt7IiRpZCI6IjE4MyIsIkdyb3VwTmFtZSI6bnVsbCwiU3RhcnREYXRlIjoiMjAyMi0wNS0wMlQwMDowMDowMFoiLCJFbmREYXRlIjoiMjAyMi0wNS0wNFQyMzo1OTowMFoiLCJQZXJjZW50YWdlQ29tcGxldGUiOm51bGwsIlN0eWxlIjp7IiRpZCI6IjE4NCIsIlNoYXBlIjoxLCJTaGFwZVRoaWNrbmVzcyI6MSwiRHVyYXRpb25Gb3JtYXQiOjAsIkluY2x1ZGVOb25Xb3JraW5nRGF5c0luRHVyYXRpb24iOmZhbHNlLCJQZXJjZW50YWdlQ29tcGxldGVTdHlsZSI6eyIkaWQiOiIxODUiLCJGb250U2V0dGluZ3MiOnsiJGlkIjoiMTg2IiwiRm9udFNpemUiOjEwLCJGb250TmFtZSI6IkNhbGlicmkiLCJJc0JvbGQiOmZhbHNlLCJJc0l0YWxpYyI6ZmFsc2UsIklzVW5kZXJsaW5lZCI6ZmFsc2UsIlBhcmVudFN0eWxlIjpudWxsfSwiQXV0b1NpemUiOjAsIkZvcmVncm91bmQiOnsiJGlkIjoiMTg3IiwiQ29sb3IiOnsiJGlkIjoiMTg4IiwiQSI6MjU1LCJSIjoxOTIsIkciOjgwLCJCIjo3N319LCJNYXhXaWR0aCI6MjAwLjAsIk1heEhlaWdodCI6IkluZmluaXR5IiwiU21hcnRGb3JlZ3JvdW5kSXNBY3RpdmUiOmZhbHNlLCJIb3Jpem9udGFsQWxpZ25tZW50IjowLCJWZXJ0aWNhbEFsaWdubWVudCI6MCwiU21hcnRGb3JlZ3JvdW5kIjpudWxsLCJCYWNrZ3JvdW5kRmlsbFR5cGUiOjAsIk1hcmdpbiI6eyIkcmVmIjoiMTIxIn0sIlBhZGRpbmciOnsiJHJlZiI6IjEyMiJ9LCJCYWNrZ3JvdW5kIjp7IiRyZWYiOiIxMjMifSwiSXNWaXNpYmxlIjp0cnVlLCJXaWR0aCI6MC4wLCJIZWlnaHQiOjAuMCwiQm9yZGVyU3R5bGUiOnsiJGlkIjoiMTg5IiwiTGluZUNvbG9yIjpudWxsLCJMaW5lV2VpZ2h0IjowLjAsIkxpbmVUeXBlIjowLCJQYXJlbnRTdHlsZSI6bnVsbH0sIlBhcmVudFN0eWxlIjpudWxsfSwiRHVyYXRpb25TdHlsZSI6eyIkaWQiOiIxOTAiLCJGb250U2V0dGluZ3MiOnsiJGlkIjoiMTkxIiwiRm9udFNpemUiOjEwLCJGb250TmFtZSI6IkNhbGlicmkiLCJJc0JvbGQiOmZhbHNlLCJJc0l0YWxpYyI6ZmFsc2UsIklzVW5kZXJsaW5lZCI6ZmFsc2UsIlBhcmVudFN0eWxlIjpudWxsfSwiQXV0b1NpemUiOjAsIkZvcmVncm91bmQiOnsiJGlkIjoiMTkyIiwiQ29sb3IiOnsiJGlkIjoiMTkzIiwiQSI6MjU1LCJSIjowLCJHIjowLCJCIjowfX0sIk1heFdpZHRoIjoyMDAuMCwiTWF4SGVpZ2h0IjoiSW5maW5pdHkiLCJTbWFydEZvcmVncm91bmRJc0FjdGl2ZSI6ZmFsc2UsIkhvcml6b250YWxBbGlnbm1lbnQiOjIsIlZlcnRpY2FsQWxpZ25tZW50IjowLCJTbWFydEZvcmVncm91bmQiOm51bGwsIkJhY2tncm91bmRGaWxsVHlwZSI6MCwiTWFyZ2luIjp7IiRyZWYiOiIxMjgifSwiUGFkZGluZyI6eyIkcmVmIjoiMTI5In0sIkJhY2tncm91bmQiOnsiJGlkIjoiMTk0IiwiQ29sb3IiOnsiJGlkIjoiMTk1IiwiQSI6MCwiUiI6MjU1LCJHIjoyNTUsIkIiOjI1NX19LCJJc1Zpc2libGUiOnRydWUsIldpZHRoIjowLjAsIkhlaWdodCI6MC4wLCJCb3JkZXJTdHlsZSI6eyIkaWQiOiIxOTYiLCJMaW5lQ29sb3IiOm51bGwsIkxpbmVXZWlnaHQiOjAuMCwiTGluZVR5cGUiOjAsIlBhcmVudFN0eWxlIjpudWxsfSwiUGFyZW50U3R5bGUiOm51bGx9LCJIb3Jpem9udGFsQ29ubmVjdG9yU3R5bGUiOnsiJGlkIjoiMTk3IiwiTGluZUNvbG9yIjp7IiRyZWYiOiIxMzIifSwiTGluZVdlaWdodCI6MS4wLCJMaW5lVHlwZSI6MCwiUGFyZW50U3R5bGUiOm51bGx9LCJWZXJ0aWNhbENvbm5lY3RvclN0eWxlIjp7IiRpZCI6IjE5OCIsIkxpbmVDb2xvciI6eyIkcmVmIjoiMTM1In0sIkxpbmVXZWlnaHQiOjAuMCwiTGluZVR5cGUiOjAsIlBhcmVudFN0eWxlIjpudWxsfSwiTWFyZ2luIjpudWxsLCJTdGFydERhdGVQb3NpdGlvbiI6MiwiRW5kRGF0ZVBvc2l0aW9uIjoyLCJEYXRlSXNWaXNpYmxlIjp0cnVlLCJUaXRsZVBvc2l0aW9uIjo0LCJEdXJhdGlvblBvc2l0aW9uIjozLCJQZXJjZW50YWdlQ29tcGxldGVkUG9zaXRpb24iOjYsIlNwYWNpbmciOjUsIklzQmVsb3dUaW1lYmFuZCI6ZmFsc2UsIlBlcmNlbnRhZ2VDb21wbGV0ZVNoYXBlT3BhY2l0eSI6MzUsIlNoYXBlU3R5bGUiOnsiJGlkIjoiMTk5IiwiTWFyZ2luIjp7IiRyZWYiOiIxMzgifSwiUGFkZGluZyI6eyIkcmVmIjoiMTM5In0sIkJhY2tncm91bmQiOnsiJGlkIjoiMjAwIiwiQ29sb3IiOnsiJGlkIjoiMjAxIiwiQSI6MjU1LCJSIjoxOTIsIkciOjE1OCwiQiI6MjI2fX0sIklzVmlzaWJsZSI6dHJ1ZSwiV2lkdGgiOjAuMCwiSGVpZ2h0IjoxNi4wLCJCb3JkZXJTdHlsZSI6eyIkaWQiOiIyMDIiLCJMaW5lQ29sb3IiOnsiJGlkIjoiMjAzIiwiJHR5cGUiOiJOTFJFLkNvbW1vbi5Eb20uU29saWRDb2xvckJydXNoLCBOTFJFLkNvbW1vbiIsIkNvbG9yIjp7IiRpZCI6IjIwNCIsIkEiOjI1NSwiUiI6MjU1LCJHIjowLCJCIjowfX0sIkxpbmVXZWlnaHQiOjAuMCwiTGluZVR5cGUiOjAsIlBhcmVudFN0eWxlIjpudWxsfSwiUGFyZW50U3R5bGUiOm51bGx9LCJUaXRsZVN0eWxlIjp7IiRpZCI6IjIwNSIsIkZvbnRTZXR0aW5ncyI6eyIkaWQiOiIyMDYiLCJGb250U2l6ZSI6MTIsIkZvbnROYW1lIjoiQ2FsaWJyaSIsIklzQm9sZCI6dHJ1ZSwiSXNJdGFsaWMiOmZhbHNlLCJJc1VuZGVybGluZWQiOmZhbHNlLCJQYXJlbnRTdHlsZSI6bnVsbH0sIkF1dG9TaXplIjowLCJGb3JlZ3JvdW5kIjp7IiRpZCI6IjIwNyIsIkNvbG9yIjp7IiRpZCI6IjIwOCIsIkEiOjI1NSwiUiI6MCwiRyI6MCwiQiI6MH19LCJNYXhXaWR0aCI6NzIwLjAsIk1heEhlaWdodCI6IkluZmluaXR5IiwiU21hcnRGb3JlZ3JvdW5kSXNBY3RpdmUiOmZhbHNlLCJIb3Jpem9udGFsQWxpZ25tZW50IjowLCJWZXJ0aWNhbEFsaWdubWVudCI6MCwiU21hcnRGb3JlZ3JvdW5kIjpudWxsLCJCYWNrZ3JvdW5kRmlsbFR5cGUiOjAsIk1hcmdpbiI6eyIkcmVmIjoiMTQ5In0sIlBhZGRpbmciOnsiJHJlZiI6IjE1MCJ9LCJCYWNrZ3JvdW5kIjp7IiRpZCI6IjIwOSIsIkNvbG9yIjp7IiRpZCI6IjIxMCIsIkEiOjAsIlIiOjI1NSwiRyI6MjU1LCJCIjoyNTV9fSwiSXNWaXNpYmxlIjp0cnVlLCJXaWR0aCI6MC4wLCJIZWlnaHQiOjAuMCwiQm9yZGVyU3R5bGUiOnsiJGlkIjoiMjExIiwiTGluZUNvbG9yIjpudWxsLCJMaW5lV2VpZ2h0IjowLjAsIkxpbmVUeXBlIjowLCJQYXJlbnRTdHlsZSI6bnVsbH0sIlBhcmVudFN0eWxlIjpudWxsfSwiRGF0ZVN0eWxlIjp7IiRpZCI6IjIxMiIsIkZvbnRTZXR0aW5ncyI6eyIkaWQiOiIyMTMiLCJGb250U2l6ZSI6MTAsIkZvbnROYW1lIjoiQ2FsaWJyaSIsIklzQm9sZCI6ZmFsc2UsIklzSXRhbGljIjpmYWxzZSwiSXNVbmRlcmxpbmVkIjpmYWxzZSwiUGFyZW50U3R5bGUiOm51bGx9LCJBdXRvU2l6ZSI6MCwiRm9yZWdyb3VuZCI6eyIkaWQiOiIyMTQiLCJDb2xvciI6eyIkaWQiOiIyMTUiLCJBIjoyNTUsIlIiOjY4LCJHIjo4NCwiQiI6MTA2fX0sIk1heFdpZHRoIjoyMDAuMCwiTWF4SGVpZ2h0IjoiSW5maW5pdHkiLCJTbWFydEZvcmVncm91bmRJc0FjdGl2ZSI6ZmFsc2UsIkhvcml6b250YWxBbGlnbm1lbnQiOjEsIlZlcnRpY2FsQWxpZ25tZW50IjowLCJTbWFydEZvcmVncm91bmQiOm51bGwsIkJhY2tncm91bmRGaWxsVHlwZSI6MCwiTWFyZ2luIjp7IiRyZWYiOiIxNTYifSwiUGFkZGluZyI6eyIkcmVmIjoiMTU3In0sIkJhY2tncm91bmQiOnsiJGlkIjoiMjE2IiwiQ29sb3IiOnsiJGlkIjoiMjE3IiwiQSI6MCwiUiI6MjU1LCJHIjoyNTUsIkIiOjI1NX19LCJJc1Zpc2libGUiOnRydWUsIldpZHRoIjowLjAsIkhlaWdodCI6MC4wLCJCb3JkZXJTdHlsZSI6eyIkaWQiOiIyMTgiLCJMaW5lQ29sb3IiOm51bGwsIkxpbmVXZWlnaHQiOjAuMCwiTGluZVR5cGUiOjAsIlBhcmVudFN0eWxlIjpudWxsfSwiUGFyZW50U3R5bGUiOm51bGx9LCJEYXRlRm9ybWF0Ijp7IiRpZCI6IjIxOSIsIkZvcm1hdFN0cmluZyI6Ik1NTSBkIiwiU2VwYXJhdG9yIjoiLyIsIlVzZUludGVybmF0aW9uYWxEYXRlRm9ybWF0IjpmYWxzZSwiRGF0ZUlzVmlzaWJsZSI6dHJ1ZSwiVGltZUlzVmlzaWJsZSI6ZmFsc2UsIkhvdXJEaWdpdHMiOjEsIkFtUG1EZXNpZ25hdG9yIjoyLCJUcmltMDBNaW51dGVzIjpmYWxzZSwiTGFzdEtub3duVmlzaWJpbGl0eVN0YXRlIjpudWxsfSwiV2Vla051bWJlcmluZyI6eyIkaWQiOiIyMjAiLCJGb3JtYXQiOjAsIklzVmlzaWJsZSI6ZmFsc2UsIkxhc3RLbm93blZpc2liaWxpdHlTdGF0ZSI6ZmFsc2V9LCJJc1Zpc2libGUiOnRydWUsIlBhcmVudFN0eWxlIjpudWxsfSwiSW5kZXgiOjAsIlNtYXJ0RHVyYXRpb25BY3RpdmF0ZWQiOmZhbHNlLCJEYXRlRm9ybWF0Ijp7IiRyZWYiOiIyMTkifSwiV2Vla051bWJlcmluZyI6eyIkaWQiOiIyMjEiLCJGb3JtYXQiOjAsIklzVmlzaWJsZSI6ZmFsc2UsIkxhc3RLbm93blZpc2liaWxpdHlTdGF0ZSI6ZmFsc2V9LCJJZCI6IjkzZWUxNTBjLTlkN2ItNGVlMC1iODFkLTc3MmQ4MjFiZjgwYiIsIkltcG9ydElkIjpudWxsLCJUaXRsZSI6IkZpbmQgbGFyZ2VyIGV4YW1wbGUgUlJCUyBkYXRhIHNldCIsIk5vdGUiOm51bGwsIkh5cGVybGluayI6eyIkaWQiOiIyMjIiLCJBZGRyZXNzIjpudWxsLCJTdWJBZGRyZXNzIjpudWxsfSwiSXNDaGFuZ2VkIjpmYWxzZSwiSXNOZXciOmZhbHNlfSx7IiRpZCI6IjIyMyIsIkdyb3VwTmFtZSI6bnVsbCwiU3RhcnREYXRlIjoiMjAyMi0wNS0wMlQwMDowMDowMFoiLCJFbmREYXRlIjoiMjAyMi0wNS0wNlQyMzo1OTowMFoiLCJQZXJjZW50YWdlQ29tcGxldGUiOm51bGwsIlN0eWxlIjp7IiRpZCI6IjIyNCIsIlNoYXBlIjoxLCJTaGFwZVRoaWNrbmVzcyI6MSwiRHVyYXRpb25Gb3JtYXQiOjAsIkluY2x1ZGVOb25Xb3JraW5nRGF5c0luRHVyYXRpb24iOmZhbHNlLCJQZXJjZW50YWdlQ29tcGxldGVTdHlsZSI6eyIkaWQiOiIyMjUiLCJGb250U2V0dGluZ3MiOnsiJGlkIjoiMjI2IiwiRm9udFNpemUiOjEwLCJGb250TmFtZSI6IkNhbGlicmkiLCJJc0JvbGQiOmZhbHNlLCJJc0l0YWxpYyI6ZmFsc2UsIklzVW5kZXJsaW5lZCI6ZmFsc2UsIlBhcmVudFN0eWxlIjpudWxsfSwiQXV0b1NpemUiOjAsIkZvcmVncm91bmQiOnsiJGlkIjoiMjI3IiwiQ29sb3IiOnsiJGlkIjoiMjI4IiwiQSI6MjU1LCJSIjoxOTIsIkciOjgwLCJCIjo3N319LCJNYXhXaWR0aCI6MjAwLjAsIk1heEhlaWdodCI6IkluZmluaXR5IiwiU21hcnRGb3JlZ3JvdW5kSXNBY3RpdmUiOmZhbHNlLCJIb3Jpem9udGFsQWxpZ25tZW50IjowLCJWZXJ0aWNhbEFsaWdubWVudCI6MCwiU21hcnRGb3JlZ3JvdW5kIjpudWxsLCJCYWNrZ3JvdW5kRmlsbFR5cGUiOjAsIk1hcmdpbiI6eyIkcmVmIjoiMTIxIn0sIlBhZGRpbmciOnsiJHJlZiI6IjEyMiJ9LCJCYWNrZ3JvdW5kIjp7IiRyZWYiOiIxMjMifSwiSXNWaXNpYmxlIjp0cnVlLCJXaWR0aCI6MC4wLCJIZWlnaHQiOjAuMCwiQm9yZGVyU3R5bGUiOnsiJGlkIjoiMjI5IiwiTGluZUNvbG9yIjpudWxsLCJMaW5lV2VpZ2h0IjowLjAsIkxpbmVUeXBlIjowLCJQYXJlbnRTdHlsZSI6bnVsbH0sIlBhcmVudFN0eWxlIjpudWxsfSwiRHVyYXRpb25TdHlsZSI6eyIkaWQiOiIyMzAiLCJGb250U2V0dGluZ3MiOnsiJGlkIjoiMjMxIiwiRm9udFNpemUiOjEwLCJGb250TmFtZSI6IkNhbGlicmkiLCJJc0JvbGQiOmZhbHNlLCJJc0l0YWxpYyI6ZmFsc2UsIklzVW5kZXJsaW5lZCI6ZmFsc2UsIlBhcmVudFN0eWxlIjpudWxsfSwiQXV0b1NpemUiOjAsIkZvcmVncm91bmQiOnsiJHJlZiI6IjEyNiJ9LCJNYXhXaWR0aCI6MjAwLjAsIk1heEhlaWdodCI6IkluZmluaXR5IiwiU21hcnRGb3JlZ3JvdW5kSXNBY3RpdmUiOmZhbHNlLCJIb3Jpem9udGFsQWxpZ25tZW50IjoxLCJWZXJ0aWNhbEFsaWdubWVudCI6MCwiU21hcnRGb3JlZ3JvdW5kIjpudWxsLCJCYWNrZ3JvdW5kRmlsbFR5cGUiOjAsIk1hcmdpbiI6eyIkcmVmIjoiMTI4In0sIlBhZGRpbmciOnsiJHJlZiI6IjEyOSJ9LCJCYWNrZ3JvdW5kIjp7IiRyZWYiOiIxMzAifSwiSXNWaXNpYmxlIjp0cnVlLCJXaWR0aCI6MC4wLCJIZWlnaHQiOjAuMCwiQm9yZGVyU3R5bGUiOnsiJGlkIjoiMjMyIiwiTGluZUNvbG9yIjpudWxsLCJMaW5lV2VpZ2h0IjowLjAsIkxpbmVUeXBlIjowLCJQYXJlbnRTdHlsZSI6bnVsbH0sIlBhcmVudFN0eWxlIjpudWxsfSwiSG9yaXpvbnRhbENvbm5lY3RvclN0eWxlIjp7IiRpZCI6IjIzMyIsIkxpbmVDb2xvciI6eyIkcmVmIjoiMTMyIn0sIkxpbmVXZWlnaHQiOjEuMCwiTGluZVR5cGUiOjAsIlBhcmVudFN0eWxlIjpudWxsfSwiVmVydGljYWxDb25uZWN0b3JTdHlsZSI6eyIkaWQiOiIyMzQiLCJMaW5lQ29sb3IiOnsiJHJlZiI6IjEzNSJ9LCJMaW5lV2VpZ2h0IjowLjAsIkxpbmVUeXBlIjowLCJQYXJlbnRTdHlsZSI6bnVsbH0sIk1hcmdpbiI6bnVsbCwiU3RhcnREYXRlUG9zaXRpb24iOjMsIkVuZERhdGVQb3NpdGlvbiI6MywiRGF0ZUlzVmlzaWJsZSI6dHJ1ZSwiVGl0bGVQb3NpdGlvbiI6NCwiRHVyYXRpb25Qb3NpdGlvbiI6MiwiUGVyY2VudGFnZUNvbXBsZXRlZFBvc2l0aW9uIjo2LCJTcGFjaW5nIjo1LCJJc0JlbG93VGltZWJhbmQiOmZhbHNlLCJQZXJjZW50YWdlQ29tcGxldGVTaGFwZU9wYWNpdHkiOjM1LCJTaGFwZVN0eWxlIjp7IiRpZCI6IjIzNSIsIk1hcmdpbiI6eyIkcmVmIjoiMTM4In0sIlBhZGRpbmciOnsiJHJlZiI6IjEzOSJ9LCJCYWNrZ3JvdW5kIjp7IiRpZCI6IjIzNiIsIkNvbG9yIjp7IiRpZCI6IjIzNyIsIkEiOjI1NSwiUiI6MTM5LCJHIjoyMTgsIkIiOjIzM319LCJJc1Zpc2libGUiOnRydWUsIldpZHRoIjowLjAsIkhlaWdodCI6MTYuMCwiQm9yZGVyU3R5bGUiOnsiJGlkIjoiMjM4IiwiTGluZUNvbG9yIjp7IiRyZWYiOiIxNDMifSwiTGluZVdlaWdodCI6MC4wLCJMaW5lVHlwZSI6MCwiUGFyZW50U3R5bGUiOm51bGx9LCJQYXJlbnRTdHlsZSI6bnVsbH0sIlRpdGxlU3R5bGUiOnsiJGlkIjoiMjM5IiwiRm9udFNldHRpbmdzIjp7IiRpZCI6IjI0MCIsIkZvbnRTaXplIjoxMiwiRm9udE5hbWUiOiJDYWxpYnJpIiwiSXNCb2xkIjp0cnVlLCJJc0l0YWxpYyI6ZmFsc2UsIklzVW5kZXJsaW5lZCI6ZmFsc2UsIlBhcmVudFN0eWxlIjpudWxsfSwiQXV0b1NpemUiOjAsIkZvcmVncm91bmQiOnsiJHJlZiI6IjE0NyJ9LCJNYXhXaWR0aCI6NzIwLjAsIk1heEhlaWdodCI6IkluZmluaXR5IiwiU21hcnRGb3JlZ3JvdW5kSXNBY3RpdmUiOmZhbHNlLCJIb3Jpem9udGFsQWxpZ25tZW50IjowLCJWZXJ0aWNhbEFsaWdubWVudCI6MCwiU21hcnRGb3JlZ3JvdW5kIjpudWxsLCJCYWNrZ3JvdW5kRmlsbFR5cGUiOjAsIk1hcmdpbiI6eyIkcmVmIjoiMTQ5In0sIlBhZGRpbmciOnsiJHJlZiI6IjE1MCJ9LCJCYWNrZ3JvdW5kIjp7IiRyZWYiOiIxNTEifSwiSXNWaXNpYmxlIjp0cnVlLCJXaWR0aCI6MC4wLCJIZWlnaHQiOjAuMCwiQm9yZGVyU3R5bGUiOnsiJGlkIjoiMjQxIiwiTGluZUNvbG9yIjpudWxsLCJMaW5lV2VpZ2h0IjowLjAsIkxpbmVUeXBlIjowLCJQYXJlbnRTdHlsZSI6bnVsbH0sIlBhcmVudFN0eWxlIjpudWxsfSwiRGF0ZVN0eWxlIjp7IiRpZCI6IjI0MiIsIkZvbnRTZXR0aW5ncyI6eyIkaWQiOiIyNDMiLCJGb250U2l6ZSI6MTAsIkZvbnROYW1lIjoiQ2FsaWJyaSIsIklzQm9sZCI6ZmFsc2UsIklzSXRhbGljIjpmYWxzZSwiSXNVbmRlcmxpbmVkIjpmYWxzZSwiUGFyZW50U3R5bGUiOm51bGx9LCJBdXRvU2l6ZSI6MCwiRm9yZWdyb3VuZCI6eyIkcmVmIjoiMTU0In0sIk1heFdpZHRoIjoyMDAuMCwiTWF4SGVpZ2h0IjoiSW5maW5pdHkiLCJTbWFydEZvcmVncm91bmRJc0FjdGl2ZSI6ZmFsc2UsIkhvcml6b250YWxBbGlnbm1lbnQiOjIsIlZlcnRpY2FsQWxpZ25tZW50IjowLCJTbWFydEZvcmVncm91bmQiOm51bGwsIkJhY2tncm91bmRGaWxsVHlwZSI6MCwiTWFyZ2luIjp7IiRyZWYiOiIxNTYifSwiUGFkZGluZyI6eyIkcmVmIjoiMTU3In0sIkJhY2tncm91bmQiOnsiJHJlZiI6IjE1OCJ9LCJJc1Zpc2libGUiOnRydWUsIldpZHRoIjowLjAsIkhlaWdodCI6MC4wLCJCb3JkZXJTdHlsZSI6eyIkaWQiOiIyNDQiLCJMaW5lQ29sb3IiOm51bGwsIkxpbmVXZWlnaHQiOjAuMCwiTGluZVR5cGUiOjAsIlBhcmVudFN0eWxlIjpudWxsfSwiUGFyZW50U3R5bGUiOm51bGx9LCJEYXRlRm9ybWF0Ijp7IiRyZWYiOiIxNTkifSwiV2Vla051bWJlcmluZyI6eyIkaWQiOiIyNDUiLCJGb3JtYXQiOjAsIklzVmlzaWJsZSI6ZmFsc2UsIkxhc3RLbm93blZpc2liaWxpdHlTdGF0ZSI6ZmFsc2V9LCJJc1Zpc2libGUiOnRydWUsIlBhcmVudFN0eWxlIjpudWxsfSwiSW5kZXgiOjEsIlNtYXJ0RHVyYXRpb25BY3RpdmF0ZWQiOmZhbHNlLCJEYXRlRm9ybWF0Ijp7IiRyZWYiOiIxNTkifSwiV2Vla051bWJlcmluZyI6eyIkaWQiOiIyNDYiLCJGb3JtYXQiOjAsIklzVmlzaWJsZSI6ZmFsc2UsIkxhc3RLbm93blZpc2liaWxpdHlTdGF0ZSI6ZmFsc2V9LCJJZCI6IjAxZGNkYmVmLTY4YTktNGRlZC05MTE5LTE4MTk4ZDBlMTVmZCIsIkltcG9ydElkIjpudWxsLCJUaXRsZSI6IlBvbGlzaCBpbnRybyBzZWN0aW9uIiwiTm90ZSI6bnVsbCwiSHlwZXJsaW5rIjp7IiRpZCI6IjI0NyIsIkFkZHJlc3MiOm51bGwsIlN1YkFkZHJlc3MiOm51bGx9LCJJc0NoYW5nZWQiOmZhbHNlLCJJc05ldyI6ZmFsc2V9LHsiJGlkIjoiMjQ4IiwiR3JvdXBOYW1lIjpudWxsLCJTdGFydERhdGUiOiIyMDIyLTA1LTA5VDAwOjAwOjAwWiIsIkVuZERhdGUiOiIyMDIyLTA1LTE2VDIzOjU5OjAwWiIsIlBlcmNlbnRhZ2VDb21wbGV0ZSI6bnVsbCwiU3R5bGUiOnsiJGlkIjoiMjQ5IiwiU2hhcGUiOjEsIlNoYXBlVGhpY2tuZXNzIjoxLCJEdXJhdGlvbkZvcm1hdCI6MCwiSW5jbHVkZU5vbldvcmtpbmdEYXlzSW5EdXJhdGlvbiI6ZmFsc2UsIlBlcmNlbnRhZ2VDb21wbGV0ZVN0eWxlIjp7IiRpZCI6IjI1MCIsIkZvbnRTZXR0aW5ncyI6eyIkaWQiOiIyNTEiLCJGb250U2l6ZSI6MTAsIkZvbnROYW1lIjoiQ2FsaWJyaSIsIklzQm9sZCI6ZmFsc2UsIklzSXRhbGljIjpmYWxzZSwiSXNVbmRlcmxpbmVkIjpmYWxzZSwiUGFyZW50U3R5bGUiOm51bGx9LCJBdXRvU2l6ZSI6MCwiRm9yZWdyb3VuZCI6eyIkcmVmIjoiMjI3In0sIk1heFdpZHRoIjoyMDAuMCwiTWF4SGVpZ2h0IjoiSW5maW5pdHkiLCJTbWFydEZvcmVncm91bmRJc0FjdGl2ZSI6ZmFsc2UsIkhvcml6b250YWxBbGlnbm1lbnQiOjAsIlZlcnRpY2FsQWxpZ25tZW50IjowLCJTbWFydEZvcmVncm91bmQiOm51bGwsIkJhY2tncm91bmRGaWxsVHlwZSI6MCwiTWFyZ2luIjp7IiRyZWYiOiIxMjEifSwiUGFkZGluZyI6eyIkcmVmIjoiMTIyIn0sIkJhY2tncm91bmQiOnsiJHJlZiI6IjEyMyJ9LCJJc1Zpc2libGUiOnRydWUsIldpZHRoIjowLjAsIkhlaWdodCI6MC4wLCJCb3JkZXJTdHlsZSI6eyIkaWQiOiIyNTIiLCJMaW5lQ29sb3IiOm51bGwsIkxpbmVXZWlnaHQiOjAuMCwiTGluZVR5cGUiOjAsIlBhcmVudFN0eWxlIjpudWxsfSwiUGFyZW50U3R5bGUiOm51bGx9LCJEdXJhdGlvblN0eWxlIjp7IiRpZCI6IjI1MyIsIkZvbnRTZXR0aW5ncyI6eyIkaWQiOiIyNTQiLCJGb250U2l6ZSI6MTAsIkZvbnROYW1lIjoiQ2FsaWJyaSIsIklzQm9sZCI6ZmFsc2UsIklzSXRhbGljIjpmYWxzZSwiSXNVbmRlcmxpbmVkIjpmYWxzZSwiUGFyZW50U3R5bGUiOm51bGx9LCJBdXRvU2l6ZSI6MCwiRm9yZWdyb3VuZCI6eyIkcmVmIjoiMTI2In0sIk1heFdpZHRoIjoyMDAuMCwiTWF4SGVpZ2h0IjoiSW5maW5pdHkiLCJTbWFydEZvcmVncm91bmRJc0FjdGl2ZSI6ZmFsc2UsIkhvcml6b250YWxBbGlnbm1lbnQiOjEsIlZlcnRpY2FsQWxpZ25tZW50IjowLCJTbWFydEZvcmVncm91bmQiOm51bGwsIkJhY2tncm91bmRGaWxsVHlwZSI6MCwiTWFyZ2luIjp7IiRyZWYiOiIxMjgifSwiUGFkZGluZyI6eyIkcmVmIjoiMTI5In0sIkJhY2tncm91bmQiOnsiJHJlZiI6IjEzMCJ9LCJJc1Zpc2libGUiOnRydWUsIldpZHRoIjowLjAsIkhlaWdodCI6MC4wLCJCb3JkZXJTdHlsZSI6eyIkaWQiOiIyNTUiLCJMaW5lQ29sb3IiOm51bGwsIkxpbmVXZWlnaHQiOjAuMCwiTGluZVR5cGUiOjAsIlBhcmVudFN0eWxlIjpudWxsfSwiUGFyZW50U3R5bGUiOm51bGx9LCJIb3Jpem9udGFsQ29ubmVjdG9yU3R5bGUiOnsiJGlkIjoiMjU2IiwiTGluZUNvbG9yIjp7IiRyZWYiOiIxMzIifSwiTGluZVdlaWdodCI6MS4wLCJMaW5lVHlwZSI6MCwiUGFyZW50U3R5bGUiOm51bGx9LCJWZXJ0aWNhbENvbm5lY3RvclN0eWxlIjp7IiRpZCI6IjI1NyIsIkxpbmVDb2xvciI6eyIkcmVmIjoiMTM1In0sIkxpbmVXZWlnaHQiOjAuMCwiTGluZVR5cGUiOjAsIlBhcmVudFN0eWxlIjpudWxsfSwiTWFyZ2luIjpudWxsLCJTdGFydERhdGVQb3NpdGlvbiI6MywiRW5kRGF0ZVBvc2l0aW9uIjozLCJEYXRlSXNWaXNpYmxlIjp0cnVlLCJUaXRsZVBvc2l0aW9uIjo0LCJEdXJhdGlvblBvc2l0aW9uIjoyLCJQZXJjZW50YWdlQ29tcGxldGVkUG9zaXRpb24iOjYsIlNwYWNpbmciOjUsIklzQmVsb3dUaW1lYmFuZCI6ZmFsc2UsIlBlcmNlbnRhZ2VDb21wbGV0ZVNoYXBlT3BhY2l0eSI6MzUsIlNoYXBlU3R5bGUiOnsiJGlkIjoiMjU4IiwiTWFyZ2luIjp7IiRyZWYiOiIxMzgifSwiUGFkZGluZyI6eyIkcmVmIjoiMTM5In0sIkJhY2tncm91bmQiOnsiJGlkIjoiMjU5IiwiQ29sb3IiOnsiJGlkIjoiMjYwIiwiQSI6MjU1LCJSIjoxOTIsIkciOjE1OCwiQiI6MjI2fX0sIklzVmlzaWJsZSI6dHJ1ZSwiV2lkdGgiOjAuMCwiSGVpZ2h0IjoxNi4wLCJCb3JkZXJTdHlsZSI6eyIkaWQiOiIyNjEiLCJMaW5lQ29sb3IiOnsiJHJlZiI6IjE0MyJ9LCJMaW5lV2VpZ2h0IjowLjAsIkxpbmVUeXBlIjowLCJQYXJlbnRTdHlsZSI6bnVsbH0sIlBhcmVudFN0eWxlIjpudWxsfSwiVGl0bGVTdHlsZSI6eyIkaWQiOiIyNjIiLCJGb250U2V0dGluZ3MiOnsiJGlkIjoiMjYzIiwiRm9udFNpemUiOjEyLCJGb250TmFtZSI6IkNhbGlicmkiLCJJc0JvbGQiOnRydWUsIklzSXRhbGljIjpmYWxzZSwiSXNVbmRlcmxpbmVkIjpmYWxzZSwiUGFyZW50U3R5bGUiOm51bGx9LCJBdXRvU2l6ZSI6MCwiRm9yZWdyb3VuZCI6eyIkcmVmIjoiMTQ3In0sIk1heFdpZHRoIjo3MjAuMCwiTWF4SGVpZ2h0IjoiSW5maW5pdHkiLCJTbWFydEZvcmVncm91bmRJc0FjdGl2ZSI6ZmFsc2UsIkhvcml6b250YWxBbGlnbm1lbnQiOjAsIlZlcnRpY2FsQWxpZ25tZW50IjowLCJTbWFydEZvcmVncm91bmQiOm51bGwsIkJhY2tncm91bmRGaWxsVHlwZSI6MCwiTWFyZ2luIjp7IiRyZWYiOiIxNDkifSwiUGFkZGluZyI6eyIkcmVmIjoiMTUwIn0sIkJhY2tncm91bmQiOnsiJHJlZiI6IjE1MSJ9LCJJc1Zpc2libGUiOnRydWUsIldpZHRoIjowLjAsIkhlaWdodCI6MC4wLCJCb3JkZXJTdHlsZSI6eyIkaWQiOiIyNjQiLCJMaW5lQ29sb3IiOm51bGwsIkxpbmVXZWlnaHQiOjAuMCwiTGluZVR5cGUiOjAsIlBhcmVudFN0eWxlIjpudWxsfSwiUGFyZW50U3R5bGUiOm51bGx9LCJEYXRlU3R5bGUiOnsiJGlkIjoiMjY1IiwiRm9udFNldHRpbmdzIjp7IiRpZCI6IjI2NiIsIkZvbnRTaXplIjoxMCwiRm9udE5hbWUiOiJDYWxpYnJpIiwiSXNCb2xkIjpmYWxzZSwiSXNJdGFsaWMiOmZhbHNlLCJJc1VuZGVybGluZWQiOmZhbHNlLCJQYXJlbnRTdHlsZSI6bnVsbH0sIkF1dG9TaXplIjowLCJGb3JlZ3JvdW5kIjp7IiRyZWYiOiIxNTQifSwiTWF4V2lkdGgiOjIwMC4wLCJNYXhIZWlnaHQiOiJJbmZpbml0eSIsIlNtYXJ0Rm9yZWdyb3VuZElzQWN0aXZlIjpmYWxzZSwiSG9yaXpvbnRhbEFsaWdubWVudCI6MiwiVmVydGljYWxBbGlnbm1lbnQiOjAsIlNtYXJ0Rm9yZWdyb3VuZCI6bnVsbCwiQmFja2dyb3VuZEZpbGxUeXBlIjowLCJNYXJnaW4iOnsiJHJlZiI6IjE1NiJ9LCJQYWRkaW5nIjp7IiRyZWYiOiIxNTcifSwiQmFja2dyb3VuZCI6eyIkcmVmIjoiMTU4In0sIklzVmlzaWJsZSI6dHJ1ZSwiV2lkdGgiOjAuMCwiSGVpZ2h0IjowLjAsIkJvcmRlclN0eWxlIjp7IiRpZCI6IjI2NyIsIkxpbmVDb2xvciI6bnVsbCwiTGluZVdlaWdodCI6MC4wLCJMaW5lVHlwZSI6MCwiUGFyZW50U3R5bGUiOm51bGx9LCJQYXJlbnRTdHlsZSI6bnVsbH0sIkRhdGVGb3JtYXQiOnsiJHJlZiI6IjE1OSJ9LCJXZWVrTnVtYmVyaW5nIjp7IiRpZCI6IjI2OCIsIkZvcm1hdCI6MCwiSXNWaXNpYmxlIjpmYWxzZSwiTGFzdEtub3duVmlzaWJpbGl0eVN0YXRlIjpmYWxzZX0sIklzVmlzaWJsZSI6dHJ1ZSwiUGFyZW50U3R5bGUiOm51bGx9LCJJbmRleCI6MiwiU21hcnREdXJhdGlvbkFjdGl2YXRlZCI6ZmFsc2UsIkRhdGVGb3JtYXQiOnsiJHJlZiI6IjE1OSJ9LCJXZWVrTnVtYmVyaW5nIjp7IiRpZCI6IjI2OSIsIkZvcm1hdCI6MCwiSXNWaXNpYmxlIjpmYWxzZSwiTGFzdEtub3duVmlzaWJpbGl0eVN0YXRlIjpmYWxzZX0sIklkIjoiNmFjZjk0MTUtMjljYy00YTc2LThhZjctMTc4YTVjZTQ1YzdjIiwiSW1wb3J0SWQiOm51bGwsIlRpdGxlIjoiUnVuIGFuYWx5c2lzIG9uIGxhcmdlIG1vY2sgZGF0YSAiLCJOb3RlIjpudWxsLCJIeXBlcmxpbmsiOnsiJGlkIjoiMjcwIiwiQWRkcmVzcyI6IiIsIlN1YkFkZHJlc3MiOiIifSwiSXNDaGFuZ2VkIjpmYWxzZSwiSXNOZXciOmZhbHNlfSx7IiRpZCI6IjI3MSIsIkdyb3VwTmFtZSI6bnVsbCwiU3RhcnREYXRlIjoiMjAyMi0wNS0wOVQwMDowMDowMFoiLCJFbmREYXRlIjoiMjAyMi0wNS0xM1QyMzo1OTowMFoiLCJQZXJjZW50YWdlQ29tcGxldGUiOm51bGwsIlN0eWxlIjp7IiRpZCI6IjI3MiIsIlNoYXBlIjoxLCJTaGFwZVRoaWNrbmVzcyI6MSwiRHVyYXRpb25Gb3JtYXQiOjAsIkluY2x1ZGVOb25Xb3JraW5nRGF5c0luRHVyYXRpb24iOmZhbHNlLCJQZXJjZW50YWdlQ29tcGxldGVTdHlsZSI6eyIkaWQiOiIyNzMiLCJGb250U2V0dGluZ3MiOnsiJGlkIjoiMjc0IiwiRm9udFNpemUiOjEwLCJGb250TmFtZSI6IkNhbGlicmkiLCJJc0JvbGQiOmZhbHNlLCJJc0l0YWxpYyI6ZmFsc2UsIklzVW5kZXJsaW5lZCI6ZmFsc2UsIlBhcmVudFN0eWxlIjpudWxsfSwiQXV0b1NpemUiOjAsIkZvcmVncm91bmQiOnsiJGlkIjoiMjc1IiwiQ29sb3IiOnsiJGlkIjoiMjc2IiwiQSI6MjU1LCJSIjoxOTIsIkciOjgwLCJCIjo3N319LCJNYXhXaWR0aCI6MjAwLjAsIk1heEhlaWdodCI6IkluZmluaXR5IiwiU21hcnRGb3JlZ3JvdW5kSXNBY3RpdmUiOmZhbHNlLCJIb3Jpem9udGFsQWxpZ25tZW50IjowLCJWZXJ0aWNhbEFsaWdubWVudCI6MCwiU21hcnRGb3JlZ3JvdW5kIjpudWxsLCJCYWNrZ3JvdW5kRmlsbFR5cGUiOjAsIk1hcmdpbiI6eyIkcmVmIjoiMTIxIn0sIlBhZGRpbmciOnsiJHJlZiI6IjEyMiJ9LCJCYWNrZ3JvdW5kIjp7IiRyZWYiOiIxMjMifSwiSXNWaXNpYmxlIjp0cnVlLCJXaWR0aCI6MC4wLCJIZWlnaHQiOjAuMCwiQm9yZGVyU3R5bGUiOnsiJGlkIjoiMjc3IiwiTGluZUNvbG9yIjpudWxsLCJMaW5lV2VpZ2h0IjowLjAsIkxpbmVUeXBlIjowLCJQYXJlbnRTdHlsZSI6bnVsbH0sIlBhcmVudFN0eWxlIjpudWxsfSwiRHVyYXRpb25TdHlsZSI6eyIkaWQiOiIyNzgiLCJGb250U2V0dGluZ3MiOnsiJGlkIjoiMjc5IiwiRm9udFNpemUiOjEwLCJGb250TmFtZSI6IkNhbGlicmkiLCJJc0JvbGQiOmZhbHNlLCJJc0l0YWxpYyI6ZmFsc2UsIklzVW5kZXJsaW5lZCI6ZmFsc2UsIlBhcmVudFN0eWxlIjpudWxsfSwiQXV0b1NpemUiOjAsIkZvcmVncm91bmQiOnsiJGlkIjoiMjgwIiwiQ29sb3IiOnsiJGlkIjoiMjgxIiwiQSI6MjU1LCJSIjowLCJHIjowLCJCIjowfX0sIk1heFdpZHRoIjoyMDAuMCwiTWF4SGVpZ2h0IjoiSW5maW5pdHkiLCJTbWFydEZvcmVncm91bmRJc0FjdGl2ZSI6ZmFsc2UsIkhvcml6b250YWxBbGlnbm1lbnQiOjEsIlZlcnRpY2FsQWxpZ25tZW50IjowLCJTbWFydEZvcmVncm91bmQiOm51bGwsIkJhY2tncm91bmRGaWxsVHlwZSI6MCwiTWFyZ2luIjp7IiRyZWYiOiIxMjgifSwiUGFkZGluZyI6eyIkcmVmIjoiMTI5In0sIkJhY2tncm91bmQiOnsiJGlkIjoiMjgyIiwiQ29sb3IiOnsiJGlkIjoiMjgzIiwiQSI6MCwiUiI6MjU1LCJHIjoyNTUsIkIiOjI1NX19LCJJc1Zpc2libGUiOnRydWUsIldpZHRoIjowLjAsIkhlaWdodCI6MC4wLCJCb3JkZXJTdHlsZSI6eyIkaWQiOiIyODQiLCJMaW5lQ29sb3IiOm51bGwsIkxpbmVXZWlnaHQiOjAuMCwiTGluZVR5cGUiOjAsIlBhcmVudFN0eWxlIjpudWxsfSwiUGFyZW50U3R5bGUiOm51bGx9LCJIb3Jpem9udGFsQ29ubmVjdG9yU3R5bGUiOnsiJGlkIjoiMjg1IiwiTGluZUNvbG9yIjp7IiRyZWYiOiIxMzIifSwiTGluZVdlaWdodCI6MS4wLCJMaW5lVHlwZSI6MCwiUGFyZW50U3R5bGUiOm51bGx9LCJWZXJ0aWNhbENvbm5lY3RvclN0eWxlIjp7IiRpZCI6IjI4NiIsIkxpbmVDb2xvciI6eyIkcmVmIjoiMTM1In0sIkxpbmVXZWlnaHQiOjAuMCwiTGluZVR5cGUiOjAsIlBhcmVudFN0eWxlIjpudWxsfSwiTWFyZ2luIjpudWxsLCJTdGFydERhdGVQb3NpdGlvbiI6MywiRW5kRGF0ZVBvc2l0aW9uIjozLCJEYXRlSXNWaXNpYmxlIjp0cnVlLCJUaXRsZVBvc2l0aW9uIjo0LCJEdXJhdGlvblBvc2l0aW9uIjoyLCJQZXJjZW50YWdlQ29tcGxldGVkUG9zaXRpb24iOjYsIlNwYWNpbmciOjUsIklzQmVsb3dUaW1lYmFuZCI6ZmFsc2UsIlBlcmNlbnRhZ2VDb21wbGV0ZVNoYXBlT3BhY2l0eSI6MzUsIlNoYXBlU3R5bGUiOnsiJGlkIjoiMjg3IiwiTWFyZ2luIjp7IiRyZWYiOiIxMzgifSwiUGFkZGluZyI6eyIkcmVmIjoiMTM5In0sIkJhY2tncm91bmQiOnsiJGlkIjoiMjg4IiwiQ29sb3IiOnsiJGlkIjoiMjg5IiwiQSI6MjU1LCJSIjoxOTIsIkciOjE1OCwiQiI6MjI2fX0sIklzVmlzaWJsZSI6dHJ1ZSwiV2lkdGgiOjAuMCwiSGVpZ2h0IjoxNi4wLCJCb3JkZXJTdHlsZSI6eyIkaWQiOiIyOTAiLCJMaW5lQ29sb3IiOnsiJHJlZiI6IjIwMyJ9LCJMaW5lV2VpZ2h0IjowLjAsIkxpbmVUeXBlIjowLCJQYXJlbnRTdHlsZSI6bnVsbH0sIlBhcmVudFN0eWxlIjpudWxsfSwiVGl0bGVTdHlsZSI6eyIkaWQiOiIyOTEiLCJGb250U2V0dGluZ3MiOnsiJGlkIjoiMjkyIiwiRm9udFNpemUiOjEyLCJGb250TmFtZSI6IkNhbGlicmkiLCJJc0JvbGQiOnRydWUsIklzSXRhbGljIjpmYWxzZSwiSXNVbmRlcmxpbmVkIjpmYWxzZSwiUGFyZW50U3R5bGUiOm51bGx9LCJBdXRvU2l6ZSI6MCwiRm9yZWdyb3VuZCI6eyIkaWQiOiIyOTMiLCJDb2xvciI6eyIkaWQiOiIyOTQiLCJBIjoyNTUsIlIiOjAsIkciOjAsIkIiOjB9fSwiTWF4V2lkdGgiOjcyMC4wLCJNYXhIZWlnaHQiOiJJbmZpbml0eSIsIlNtYXJ0Rm9yZWdyb3VuZElzQWN0aXZlIjpmYWxzZSwiSG9yaXpvbnRhbEFsaWdubWVudCI6MCwiVmVydGljYWxBbGlnbm1lbnQiOjAsIlNtYXJ0Rm9yZWdyb3VuZCI6bnVsbCwiQmFja2dyb3VuZEZpbGxUeXBlIjowLCJNYXJnaW4iOnsiJHJlZiI6IjE0OSJ9LCJQYWRkaW5nIjp7IiRyZWYiOiIxNTAifSwiQmFja2dyb3VuZCI6eyIkaWQiOiIyOTUiLCJDb2xvciI6eyIkaWQiOiIyOTYiLCJBIjowLCJSIjoyNTUsIkciOjI1NSwiQiI6MjU1fX0sIklzVmlzaWJsZSI6dHJ1ZSwiV2lkdGgiOjAuMCwiSGVpZ2h0IjowLjAsIkJvcmRlclN0eWxlIjp7IiRpZCI6IjI5NyIsIkxpbmVDb2xvciI6bnVsbCwiTGluZVdlaWdodCI6MC4wLCJMaW5lVHlwZSI6MCwiUGFyZW50U3R5bGUiOm51bGx9LCJQYXJlbnRTdHlsZSI6bnVsbH0sIkRhdGVTdHlsZSI6eyIkaWQiOiIyOTgiLCJGb250U2V0dGluZ3MiOnsiJGlkIjoiMjk5IiwiRm9udFNpemUiOjEwLCJGb250TmFtZSI6IkNhbGlicmkiLCJJc0JvbGQiOmZhbHNlLCJJc0l0YWxpYyI6ZmFsc2UsIklzVW5kZXJsaW5lZCI6ZmFsc2UsIlBhcmVudFN0eWxlIjpudWxsfSwiQXV0b1NpemUiOjAsIkZvcmVncm91bmQiOnsiJGlkIjoiMzAwIiwiQ29sb3IiOnsiJGlkIjoiMzAxIiwiQSI6MjU1LCJSIjo2OCwiRyI6ODQsIkIiOjEwNn19LCJNYXhXaWR0aCI6MjAwLjAsIk1heEhlaWdodCI6IkluZmluaXR5IiwiU21hcnRGb3JlZ3JvdW5kSXNBY3RpdmUiOmZhbHNlLCJIb3Jpem9udGFsQWxpZ25tZW50IjoyLCJWZXJ0aWNhbEFsaWdubWVudCI6MCwiU21hcnRGb3JlZ3JvdW5kIjpudWxsLCJCYWNrZ3JvdW5kRmlsbFR5cGUiOjAsIk1hcmdpbiI6eyIkcmVmIjoiMTU2In0sIlBhZGRpbmciOnsiJHJlZiI6IjE1NyJ9LCJCYWNrZ3JvdW5kIjp7IiRpZCI6IjMwMiIsIkNvbG9yIjp7IiRpZCI6IjMwMyIsIkEiOjAsIlIiOjI1NSwiRyI6MjU1LCJCIjoyNTV9fSwiSXNWaXNpYmxlIjp0cnVlLCJXaWR0aCI6MC4wLCJIZWlnaHQiOjAuMCwiQm9yZGVyU3R5bGUiOnsiJGlkIjoiMzA0IiwiTGluZUNvbG9yIjpudWxsLCJMaW5lV2VpZ2h0IjowLjAsIkxpbmVUeXBlIjowLCJQYXJlbnRTdHlsZSI6bnVsbH0sIlBhcmVudFN0eWxlIjpudWxsfSwiRGF0ZUZvcm1hdCI6eyIkcmVmIjoiMjE5In0sIldlZWtOdW1iZXJpbmciOnsiJGlkIjoiMzA1IiwiRm9ybWF0IjowLCJJc1Zpc2libGUiOmZhbHNlLCJMYXN0S25vd25WaXNpYmlsaXR5U3RhdGUiOmZhbHNlfSwiSXNWaXNpYmxlIjp0cnVlLCJQYXJlbnRTdHlsZSI6bnVsbH0sIkluZGV4IjozLCJTbWFydER1cmF0aW9uQWN0aXZhdGVkIjpmYWxzZSwiRGF0ZUZvcm1hdCI6eyIkcmVmIjoiMjE5In0sIldlZWtOdW1iZXJpbmciOnsiJGlkIjoiMzA2IiwiRm9ybWF0IjowLCJJc1Zpc2libGUiOmZhbHNlLCJMYXN0S25vd25WaXNpYmlsaXR5U3RhdGUiOmZhbHNlfSwiSWQiOiI1NTU2MzJmNC1kODc4LTRlOGMtYjhiNC1mYzlkYWRjY2FiOGUiLCJJbXBvcnRJZCI6bnVsbCwiVGl0bGUiOiJUcmFpbiBkaWZmZXJlbnQgY2xhc3NpZmllcnMgb24gbW9jayBkYXRhIiwiTm90ZSI6bnVsbCwiSHlwZXJsaW5rIjp7IiRpZCI6IjMwNyIsIkFkZHJlc3MiOm51bGwsIlN1YkFkZHJlc3MiOm51bGx9LCJJc0NoYW5nZWQiOmZhbHNlLCJJc05ldyI6ZmFsc2V9LHsiJGlkIjoiMzA4IiwiR3JvdXBOYW1lIjpudWxsLCJTdGFydERhdGUiOiIyMDIyLTA1LTAyVDAwOjAwOjAwWiIsIkVuZERhdGUiOiIyMDIyLTA1LTE4VDIzOjU5OjAwWiIsIlBlcmNlbnRhZ2VDb21wbGV0ZSI6bnVsbCwiU3R5bGUiOnsiJGlkIjoiMzA5IiwiU2hhcGUiOjEsIlNoYXBlVGhpY2tuZXNzIjoxLCJEdXJhdGlvbkZvcm1hdCI6MCwiSW5jbHVkZU5vbldvcmtpbmdEYXlzSW5EdXJhdGlvbiI6ZmFsc2UsIlBlcmNlbnRhZ2VDb21wbGV0ZVN0eWxlIjp7IiRpZCI6IjMxMCIsIkZvbnRTZXR0aW5ncyI6eyIkaWQiOiIzMTEiLCJGb250U2l6ZSI6MTAsIkZvbnROYW1lIjoiQ2FsaWJyaSIsIklzQm9sZCI6ZmFsc2UsIklzSXRhbGljIjpmYWxzZSwiSXNVbmRlcmxpbmVkIjpmYWxzZSwiUGFyZW50U3R5bGUiOm51bGx9LCJBdXRvU2l6ZSI6MCwiRm9yZWdyb3VuZCI6eyIkcmVmIjoiMjc1In0sIk1heFdpZHRoIjoyMDAuMCwiTWF4SGVpZ2h0IjoiSW5maW5pdHkiLCJTbWFydEZvcmVncm91bmRJc0FjdGl2ZSI6ZmFsc2UsIkhvcml6b250YWxBbGlnbm1lbnQiOjAsIlZlcnRpY2FsQWxpZ25tZW50IjowLCJTbWFydEZvcmVncm91bmQiOm51bGwsIkJhY2tncm91bmRGaWxsVHlwZSI6MCwiTWFyZ2luIjp7IiRyZWYiOiIxMjEifSwiUGFkZGluZyI6eyIkcmVmIjoiMTIyIn0sIkJhY2tncm91bmQiOnsiJHJlZiI6IjEyMyJ9LCJJc1Zpc2libGUiOnRydWUsIldpZHRoIjowLjAsIkhlaWdodCI6MC4wLCJCb3JkZXJTdHlsZSI6eyIkaWQiOiIzMTIiLCJMaW5lQ29sb3IiOm51bGwsIkxpbmVXZWlnaHQiOjAuMCwiTGluZVR5cGUiOjAsIlBhcmVudFN0eWxlIjpudWxsfSwiUGFyZW50U3R5bGUiOm51bGx9LCJEdXJhdGlvblN0eWxlIjp7IiRpZCI6IjMxMyIsIkZvbnRTZXR0aW5ncyI6eyIkaWQiOiIzMTQiLCJGb250U2l6ZSI6MTAsIkZvbnROYW1lIjoiQ2FsaWJyaSIsIklzQm9sZCI6ZmFsc2UsIklzSXRhbGljIjpmYWxzZSwiSXNVbmRlcmxpbmVkIjpmYWxzZSwiUGFyZW50U3R5bGUiOm51bGx9LCJBdXRvU2l6ZSI6MCwiRm9yZWdyb3VuZCI6eyIkcmVmIjoiMTI2In0sIk1heFdpZHRoIjoyMDAuMCwiTWF4SGVpZ2h0IjoiSW5maW5pdHkiLCJTbWFydEZvcmVncm91bmRJc0FjdGl2ZSI6ZmFsc2UsIkhvcml6b250YWxBbGlnbm1lbnQiOjEsIlZlcnRpY2FsQWxpZ25tZW50IjowLCJTbWFydEZvcmVncm91bmQiOm51bGwsIkJhY2tncm91bmRGaWxsVHlwZSI6MCwiTWFyZ2luIjp7IiRyZWYiOiIxMjgifSwiUGFkZGluZyI6eyIkcmVmIjoiMTI5In0sIkJhY2tncm91bmQiOnsiJHJlZiI6IjEzMCJ9LCJJc1Zpc2libGUiOnRydWUsIldpZHRoIjowLjAsIkhlaWdodCI6MC4wLCJCb3JkZXJTdHlsZSI6eyIkaWQiOiIzMTUiLCJMaW5lQ29sb3IiOm51bGwsIkxpbmVXZWlnaHQiOjAuMCwiTGluZVR5cGUiOjAsIlBhcmVudFN0eWxlIjpudWxsfSwiUGFyZW50U3R5bGUiOm51bGx9LCJIb3Jpem9udGFsQ29ubmVjdG9yU3R5bGUiOnsiJGlkIjoiMzE2IiwiTGluZUNvbG9yIjp7IiRyZWYiOiIxMzIifSwiTGluZVdlaWdodCI6MS4wLCJMaW5lVHlwZSI6MCwiUGFyZW50U3R5bGUiOm51bGx9LCJWZXJ0aWNhbENvbm5lY3RvclN0eWxlIjp7IiRpZCI6IjMxNyIsIkxpbmVDb2xvciI6eyIkcmVmIjoiMTM1In0sIkxpbmVXZWlnaHQiOjAuMCwiTGluZVR5cGUiOjAsIlBhcmVudFN0eWxlIjpudWxsfSwiTWFyZ2luIjpudWxsLCJTdGFydERhdGVQb3NpdGlvbiI6MywiRW5kRGF0ZVBvc2l0aW9uIjozLCJEYXRlSXNWaXNpYmxlIjp0cnVlLCJUaXRsZVBvc2l0aW9uIjo0LCJEdXJhdGlvblBvc2l0aW9uIjoyLCJQZXJjZW50YWdlQ29tcGxldGVkUG9zaXRpb24iOjYsIlNwYWNpbmciOjUsIklzQmVsb3dUaW1lYmFuZCI6ZmFsc2UsIlBlcmNlbnRhZ2VDb21wbGV0ZVNoYXBlT3BhY2l0eSI6MzUsIlNoYXBlU3R5bGUiOnsiJGlkIjoiMzE4IiwiTWFyZ2luIjp7IiRyZWYiOiIxMzgifSwiUGFkZGluZyI6eyIkcmVmIjoiMTM5In0sIkJhY2tncm91bmQiOnsiJGlkIjoiMzE5IiwiQ29sb3IiOnsiJGlkIjoiMzIwIiwiQSI6MjU1LCJSIjoxOTIsIkciOjE1OCwiQiI6MjI2fX0sIklzVmlzaWJsZSI6dHJ1ZSwiV2lkdGgiOjAuMCwiSGVpZ2h0IjoxNi4wLCJCb3JkZXJTdHlsZSI6eyIkaWQiOiIzMjEiLCJMaW5lQ29sb3IiOnsiJHJlZiI6IjE0MyJ9LCJMaW5lV2VpZ2h0IjowLjAsIkxpbmVUeXBlIjowLCJQYXJlbnRTdHlsZSI6bnVsbH0sIlBhcmVudFN0eWxlIjpudWxsfSwiVGl0bGVTdHlsZSI6eyIkaWQiOiIzMjIiLCJGb250U2V0dGluZ3MiOnsiJGlkIjoiMzIzIiwiRm9udFNpemUiOjEyLCJGb250TmFtZSI6IkNhbGlicmkiLCJJc0JvbGQiOnRydWUsIklzSXRhbGljIjpmYWxzZSwiSXNVbmRlcmxpbmVkIjpmYWxzZSwiUGFyZW50U3R5bGUiOm51bGx9LCJBdXRvU2l6ZSI6MCwiRm9yZWdyb3VuZCI6eyIkcmVmIjoiMTQ3In0sIk1heFdpZHRoIjo3MjAuMCwiTWF4SGVpZ2h0IjoiSW5maW5pdHkiLCJTbWFydEZvcmVncm91bmRJc0FjdGl2ZSI6ZmFsc2UsIkhvcml6b250YWxBbGlnbm1lbnQiOjAsIlZlcnRpY2FsQWxpZ25tZW50IjowLCJTbWFydEZvcmVncm91bmQiOm51bGwsIkJhY2tncm91bmRGaWxsVHlwZSI6MCwiTWFyZ2luIjp7IiRyZWYiOiIxNDkifSwiUGFkZGluZyI6eyIkcmVmIjoiMTUwIn0sIkJhY2tncm91bmQiOnsiJHJlZiI6IjE1MSJ9LCJJc1Zpc2libGUiOnRydWUsIldpZHRoIjowLjAsIkhlaWdodCI6MC4wLCJCb3JkZXJTdHlsZSI6eyIkaWQiOiIzMjQiLCJMaW5lQ29sb3IiOm51bGwsIkxpbmVXZWlnaHQiOjAuMCwiTGluZVR5cGUiOjAsIlBhcmVudFN0eWxlIjpudWxsfSwiUGFyZW50U3R5bGUiOm51bGx9LCJEYXRlU3R5bGUiOnsiJGlkIjoiMzI1IiwiRm9udFNldHRpbmdzIjp7IiRpZCI6IjMyNiIsIkZvbnRTaXplIjoxMCwiRm9udE5hbWUiOiJDYWxpYnJpIiwiSXNCb2xkIjpmYWxzZSwiSXNJdGFsaWMiOmZhbHNlLCJJc1VuZGVybGluZWQiOmZhbHNlLCJQYXJlbnRTdHlsZSI6bnVsbH0sIkF1dG9TaXplIjowLCJGb3JlZ3JvdW5kIjp7IiRyZWYiOiIxNTQifSwiTWF4V2lkdGgiOjIwMC4wLCJNYXhIZWlnaHQiOiJJbmZpbml0eSIsIlNtYXJ0Rm9yZWdyb3VuZElzQWN0aXZlIjpmYWxzZSwiSG9yaXpvbnRhbEFsaWdubWVudCI6MiwiVmVydGljYWxBbGlnbm1lbnQiOjAsIlNtYXJ0Rm9yZWdyb3VuZCI6bnVsbCwiQmFja2dyb3VuZEZpbGxUeXBlIjowLCJNYXJnaW4iOnsiJHJlZiI6IjE1NiJ9LCJQYWRkaW5nIjp7IiRyZWYiOiIxNTcifSwiQmFja2dyb3VuZCI6eyIkcmVmIjoiMTU4In0sIklzVmlzaWJsZSI6dHJ1ZSwiV2lkdGgiOjAuMCwiSGVpZ2h0IjowLjAsIkJvcmRlclN0eWxlIjp7IiRpZCI6IjMyNyIsIkxpbmVDb2xvciI6bnVsbCwiTGluZVdlaWdodCI6MC4wLCJMaW5lVHlwZSI6MCwiUGFyZW50U3R5bGUiOm51bGx9LCJQYXJlbnRTdHlsZSI6bnVsbH0sIkRhdGVGb3JtYXQiOnsiJHJlZiI6IjE1OSJ9LCJXZWVrTnVtYmVyaW5nIjp7IiRpZCI6IjMyOCIsIkZvcm1hdCI6MCwiSXNWaXNpYmxlIjpmYWxzZSwiTGFzdEtub3duVmlzaWJpbGl0eVN0YXRlIjpmYWxzZX0sIklzVmlzaWJsZSI6dHJ1ZSwiUGFyZW50U3R5bGUiOm51bGx9LCJJbmRleCI6NCwiU21hcnREdXJhdGlvbkFjdGl2YXRlZCI6ZmFsc2UsIkRhdGVGb3JtYXQiOnsiJHJlZiI6IjE1OSJ9LCJXZWVrTnVtYmVyaW5nIjp7IiRpZCI6IjMyOSIsIkZvcm1hdCI6MCwiSXNWaXNpYmxlIjpmYWxzZSwiTGFzdEtub3duVmlzaWJpbGl0eVN0YXRlIjpmYWxzZX0sIklkIjoiYTllNzUyMTEtYmY0ZC00MTVmLWE0MTUtNDgyM2RmMWU5NThkIiwiSW1wb3J0SWQiOm51bGwsIlRpdGxlIjoiT3B0aW1pc2F0aW9uIG9mIGNsYXNzaWZpZXJzIiwiTm90ZSI6bnVsbCwiSHlwZXJsaW5rIjp7IiRpZCI6IjMzMCIsIkFkZHJlc3MiOm51bGwsIlN1YkFkZHJlc3MiOm51bGx9LCJJc0NoYW5nZWQiOmZhbHNlLCJJc05ldyI6ZmFsc2V9LHsiJGlkIjoiMzMxIiwiR3JvdXBOYW1lIjpudWxsLCJTdGFydERhdGUiOiIyMDIyLTA1LTEwVDAwOjAwOjAwWiIsIkVuZERhdGUiOiIyMDIyLTA1LTIwVDIzOjU5OjAwWiIsIlBlcmNlbnRhZ2VDb21wbGV0ZSI6bnVsbCwiU3R5bGUiOnsiJGlkIjoiMzMyIiwiU2hhcGUiOjEsIlNoYXBlVGhpY2tuZXNzIjoxLCJEdXJhdGlvbkZvcm1hdCI6MCwiSW5jbHVkZU5vbldvcmtpbmdEYXlzSW5EdXJhdGlvbiI6ZmFsc2UsIlBlcmNlbnRhZ2VDb21wbGV0ZVN0eWxlIjp7IiRpZCI6IjMzMyIsIkZvbnRTZXR0aW5ncyI6eyIkaWQiOiIzMzQiLCJGb250U2l6ZSI6MTAsIkZvbnROYW1lIjoiQ2FsaWJyaSIsIklzQm9sZCI6ZmFsc2UsIklzSXRhbGljIjpmYWxzZSwiSXNVbmRlcmxpbmVkIjpmYWxzZSwiUGFyZW50U3R5bGUiOm51bGx9LCJBdXRvU2l6ZSI6MCwiRm9yZWdyb3VuZCI6eyIkcmVmIjoiMjI3In0sIk1heFdpZHRoIjoyMDAuMCwiTWF4SGVpZ2h0IjoiSW5maW5pdHkiLCJTbWFydEZvcmVncm91bmRJc0FjdGl2ZSI6ZmFsc2UsIkhvcml6b250YWxBbGlnbm1lbnQiOjAsIlZlcnRpY2FsQWxpZ25tZW50IjowLCJTbWFydEZvcmVncm91bmQiOm51bGwsIkJhY2tncm91bmRGaWxsVHlwZSI6MCwiTWFyZ2luIjp7IiRyZWYiOiIxMjEifSwiUGFkZGluZyI6eyIkcmVmIjoiMTIyIn0sIkJhY2tncm91bmQiOnsiJHJlZiI6IjEyMyJ9LCJJc1Zpc2libGUiOnRydWUsIldpZHRoIjowLjAsIkhlaWdodCI6MC4wLCJCb3JkZXJTdHlsZSI6eyIkaWQiOiIzMzUiLCJMaW5lQ29sb3IiOm51bGwsIkxpbmVXZWlnaHQiOjAuMCwiTGluZVR5cGUiOjAsIlBhcmVudFN0eWxlIjpudWxsfSwiUGFyZW50U3R5bGUiOm51bGx9LCJEdXJhdGlvblN0eWxlIjp7IiRpZCI6IjMzNiIsIkZvbnRTZXR0aW5ncyI6eyIkaWQiOiIzMzciLCJGb250U2l6ZSI6MTAsIkZvbnROYW1lIjoiQ2FsaWJyaSIsIklzQm9sZCI6ZmFsc2UsIklzSXRhbGljIjpmYWxzZSwiSXNVbmRlcmxpbmVkIjpmYWxzZSwiUGFyZW50U3R5bGUiOm51bGx9LCJBdXRvU2l6ZSI6MCwiRm9yZWdyb3VuZCI6eyIkcmVmIjoiMTI2In0sIk1heFdpZHRoIjoyMDAuMCwiTWF4SGVpZ2h0IjoiSW5maW5pdHkiLCJTbWFydEZvcmVncm91bmRJc0FjdGl2ZSI6ZmFsc2UsIkhvcml6b250YWxBbGlnbm1lbnQiOjEsIlZlcnRpY2FsQWxpZ25tZW50IjowLCJTbWFydEZvcmVncm91bmQiOm51bGwsIkJhY2tncm91bmRGaWxsVHlwZSI6MCwiTWFyZ2luIjp7IiRyZWYiOiIxMjgifSwiUGFkZGluZyI6eyIkcmVmIjoiMTI5In0sIkJhY2tncm91bmQiOnsiJHJlZiI6IjEzMCJ9LCJJc1Zpc2libGUiOnRydWUsIldpZHRoIjowLjAsIkhlaWdodCI6MC4wLCJCb3JkZXJTdHlsZSI6eyIkaWQiOiIzMzgiLCJMaW5lQ29sb3IiOm51bGwsIkxpbmVXZWlnaHQiOjAuMCwiTGluZVR5cGUiOjAsIlBhcmVudFN0eWxlIjpudWxsfSwiUGFyZW50U3R5bGUiOm51bGx9LCJIb3Jpem9udGFsQ29ubmVjdG9yU3R5bGUiOnsiJGlkIjoiMzM5IiwiTGluZUNvbG9yIjp7IiRyZWYiOiIxMzIifSwiTGluZVdlaWdodCI6MS4wLCJMaW5lVHlwZSI6MCwiUGFyZW50U3R5bGUiOm51bGx9LCJWZXJ0aWNhbENvbm5lY3RvclN0eWxlIjp7IiRpZCI6IjM0MCIsIkxpbmVDb2xvciI6eyIkcmVmIjoiMTM1In0sIkxpbmVXZWlnaHQiOjAuMCwiTGluZVR5cGUiOjAsIlBhcmVudFN0eWxlIjpudWxsfSwiTWFyZ2luIjpudWxsLCJTdGFydERhdGVQb3NpdGlvbiI6MywiRW5kRGF0ZVBvc2l0aW9uIjozLCJEYXRlSXNWaXNpYmxlIjp0cnVlLCJUaXRsZVBvc2l0aW9uIjo0LCJEdXJhdGlvblBvc2l0aW9uIjoyLCJQZXJjZW50YWdlQ29tcGxldGVkUG9zaXRpb24iOjYsIlNwYWNpbmciOjUsIklzQmVsb3dUaW1lYmFuZCI6ZmFsc2UsIlBlcmNlbnRhZ2VDb21wbGV0ZVNoYXBlT3BhY2l0eSI6MzUsIlNoYXBlU3R5bGUiOnsiJGlkIjoiMzQxIiwiTWFyZ2luIjp7IiRyZWYiOiIxMzgifSwiUGFkZGluZyI6eyIkcmVmIjoiMTM5In0sIkJhY2tncm91bmQiOnsiJGlkIjoiMzQyIiwiQ29sb3IiOnsiJGlkIjoiMzQzIiwiQSI6MjU1LCJSIjoxMzksIkciOjIxOCwiQiI6MjMzfX0sIklzVmlzaWJsZSI6dHJ1ZSwiV2lkdGgiOjAuMCwiSGVpZ2h0IjoxNi4wLCJCb3JkZXJTdHlsZSI6eyIkaWQiOiIzNDQiLCJMaW5lQ29sb3IiOnsiJHJlZiI6IjE0MyJ9LCJMaW5lV2VpZ2h0IjowLjAsIkxpbmVUeXBlIjowLCJQYXJlbnRTdHlsZSI6bnVsbH0sIlBhcmVudFN0eWxlIjpudWxsfSwiVGl0bGVTdHlsZSI6eyIkaWQiOiIzNDUiLCJGb250U2V0dGluZ3MiOnsiJGlkIjoiMzQ2IiwiRm9udFNpemUiOjEyLCJGb250TmFtZSI6IkNhbGlicmkiLCJJc0JvbGQiOnRydWUsIklzSXRhbGljIjpmYWxzZSwiSXNVbmRlcmxpbmVkIjpmYWxzZSwiUGFyZW50U3R5bGUiOm51bGx9LCJBdXRvU2l6ZSI6MCwiRm9yZWdyb3VuZCI6eyIkcmVmIjoiMTQ3In0sIk1heFdpZHRoIjo3MjAuMCwiTWF4SGVpZ2h0IjoiSW5maW5pdHkiLCJTbWFydEZvcmVncm91bmRJc0FjdGl2ZSI6ZmFsc2UsIkhvcml6b250YWxBbGlnbm1lbnQiOjAsIlZlcnRpY2FsQWxpZ25tZW50IjowLCJTbWFydEZvcmVncm91bmQiOm51bGwsIkJhY2tncm91bmRGaWxsVHlwZSI6MCwiTWFyZ2luIjp7IiRyZWYiOiIxNDkifSwiUGFkZGluZyI6eyIkcmVmIjoiMTUwIn0sIkJhY2tncm91bmQiOnsiJHJlZiI6IjE1MSJ9LCJJc1Zpc2libGUiOnRydWUsIldpZHRoIjowLjAsIkhlaWdodCI6MC4wLCJCb3JkZXJTdHlsZSI6eyIkaWQiOiIzNDciLCJMaW5lQ29sb3IiOm51bGwsIkxpbmVXZWlnaHQiOjAuMCwiTGluZVR5cGUiOjAsIlBhcmVudFN0eWxlIjpudWxsfSwiUGFyZW50U3R5bGUiOm51bGx9LCJEYXRlU3R5bGUiOnsiJGlkIjoiMzQ4IiwiRm9udFNldHRpbmdzIjp7IiRpZCI6IjM0OSIsIkZvbnRTaXplIjoxMCwiRm9udE5hbWUiOiJDYWxpYnJpIiwiSXNCb2xkIjpmYWxzZSwiSXNJdGFsaWMiOmZhbHNlLCJJc1VuZGVybGluZWQiOmZhbHNlLCJQYXJlbnRTdHlsZSI6bnVsbH0sIkF1dG9TaXplIjowLCJGb3JlZ3JvdW5kIjp7IiRyZWYiOiIxNTQifSwiTWF4V2lkdGgiOjIwMC4wLCJNYXhIZWlnaHQiOiJJbmZpbml0eSIsIlNtYXJ0Rm9yZWdyb3VuZElzQWN0aXZlIjpmYWxzZSwiSG9yaXpvbnRhbEFsaWdubWVudCI6MiwiVmVydGljYWxBbGlnbm1lbnQiOjAsIlNtYXJ0Rm9yZWdyb3VuZCI6bnVsbCwiQmFja2dyb3VuZEZpbGxUeXBlIjowLCJNYXJnaW4iOnsiJHJlZiI6IjE1NiJ9LCJQYWRkaW5nIjp7IiRyZWYiOiIxNTcifSwiQmFja2dyb3VuZCI6eyIkcmVmIjoiMTU4In0sIklzVmlzaWJsZSI6dHJ1ZSwiV2lkdGgiOjAuMCwiSGVpZ2h0IjowLjAsIkJvcmRlclN0eWxlIjp7IiRpZCI6IjM1MCIsIkxpbmVDb2xvciI6bnVsbCwiTGluZVdlaWdodCI6MC4wLCJMaW5lVHlwZSI6MCwiUGFyZW50U3R5bGUiOm51bGx9LCJQYXJlbnRTdHlsZSI6bnVsbH0sIkRhdGVGb3JtYXQiOnsiJHJlZiI6IjE1OSJ9LCJXZWVrTnVtYmVyaW5nIjp7IiRpZCI6IjM1MSIsIkZvcm1hdCI6MCwiSXNWaXNpYmxlIjpmYWxzZSwiTGFzdEtub3duVmlzaWJpbGl0eVN0YXRlIjpmYWxzZX0sIklzVmlzaWJsZSI6dHJ1ZSwiUGFyZW50U3R5bGUiOm51bGx9LCJJbmRleCI6NSwiU21hcnREdXJhdGlvbkFjdGl2YXRlZCI6ZmFsc2UsIkRhdGVGb3JtYXQiOnsiJHJlZiI6IjE1OSJ9LCJXZWVrTnVtYmVyaW5nIjp7IiRpZCI6IjM1MiIsIkZvcm1hdCI6MCwiSXNWaXNpYmxlIjpmYWxzZSwiTGFzdEtub3duVmlzaWJpbGl0eVN0YXRlIjpmYWxzZX0sIklkIjoiZjQ1YTE1OWEtY2RlNC00N2VkLTkxYjQtMDdjMmJjYWU5NmY0IiwiSW1wb3J0SWQiOm51bGwsIlRpdGxlIjoiV3JpdGUgbWV0aG9kcyBzZWN0aW9uIiwiTm90ZSI6bnVsbCwiSHlwZXJsaW5rIjp7IiRpZCI6IjM1MyIsIkFkZHJlc3MiOiIiLCJTdWJBZGRyZXNzIjoiIn0sIklzQ2hhbmdlZCI6ZmFsc2UsIklzTmV3IjpmYWxzZX1dLCJTd2ltbGFuZXMiOltdLCJNc1Byb2plY3RJdGVtc1RyZWUiOnsiJGlkIjoiMzU0IiwiUm9vdCI6eyJJbXBvcnRJZCI6bnVsbCwiSXNJbXBvcnRlZCI6ZmFsc2UsIkNoaWxkcmVuIjpbXX19LCJNZXRhZGF0YSI6eyIkaWQiOiIzNTUiLCJSZWNlbnRDb2xvcnNDb2xsZWN0aW9uIjoiW1wiI0ZGMDA3MkJDXCIsXCIjRkYxQUFBNDJcIixcIiNGRkZFQkEwQVwiXSIsIlNvdXJjZVRlbXBsYXRlIjoie1wiJGlkXCI6XCIxXCIsXCJJZFwiOlwiY2MyNmY4NjMtMjdjZS00ODBlLWE1ODktYjNmMTJmMmQ2ZWIwXCIsXCJDdWx0dXJlSW5mb05hbWVcIjpcImVuLVVTXCIsXCJWZXJzaW9uXCI6e1wiJGlkXCI6XCIyXCIsXCJUZW1wbGF0ZURvbVZlcnNpb25cIjpcIjEuMi4wXCJ9LFwiRWZmZWN0XCI6MSxcIlN0eWxlXCI6e1wiJGlkXCI6XCIzXCIsXCJUaW1lYmFuZFN0eWxlXCI6e1wiJGlkXCI6XCI0XCIsXCJTY2FsZU1hcmtpbmdcIjoxLFwiU2hhcGVcIjoxMCxcIlNoYXBlU3R5bGVcIjp7XCIkaWRcIjpcIjVcIixcIk1hcmdpblwiOntcIiRpZFwiOlwiNlwiLFwiVG9wXCI6MC4wLFwiTGVmdFwiOjEwLjAsXCJSaWdodFwiOjEwLjAsXCJCb3R0b21cIjowLjB9LFwiUGFkZGluZ1wiOntcIiRpZFwiOlwiN1wiLFwiVG9wXCI6My4wLFwiTGVmdFwiOjAuMCxcIlJpZ2h0XCI6MC4wLFwiQm90dG9tXCI6My4wfSxcIkJhY2tncm91bmRcIjp7XCIkaWRcIjpcIjhcIixcIkNvbG9yXCI6e1wiJGlkXCI6XCI5XCIsXCJBXCI6MjU1LFwiUlwiOjY4LFwiR1wiOjg0LFwiQlwiOjEwNn19LFwiSXNWaXNpYmxlXCI6dHJ1ZSxcIldpZHRoXCI6ODU4LjAsXCJIZWlnaHRcIjoyMC4wLFwiQm9yZGVyU3R5bGVcIjp7XCIkaWRcIjpcIjEwXCIsXCJMaW5lQ29sb3JcIjp7XCIkaWRcIjpcIjExXCIsXCIkdHlwZVwiOlwiTkxSRS5Db21tb24uRG9tLlNvbGlkQ29sb3JCcnVzaCwgTkxSRS5Db21tb25cIixcIkNvbG9yXCI6e1wiJGlkXCI6XCIxMlwiLFwiQVwiOjI1NSxcIlJcIjoyNTUsXCJHXCI6MCxcIkJcIjowfX0sXCJMaW5lV2VpZ2h0XCI6MC4wLFwiTGluZVR5cGVcIjowfX0sXCJNaWRkbGVUaWVyU2hhcGVTdHlsZVwiOntcIiRpZFwiOlwiMTNcIixcIk1hcmdpblwiOntcIiRpZFwiOlwiMTRcIixcIlRvcFwiOjAuMCxcIkxlZnRcIjoxMC4wLFwiUmlnaHRcIjoxMC4wLFwiQm90dG9tXCI6MC4wfSxcIlBhZGRpbmdcIjp7XCIkaWRcIjpcIjE1XCIsXCJUb3BcIjozLjAsXCJMZWZ0XCI6MC4wLFwiUmlnaHRcIjowLjAsXCJCb3R0b21cIjozLjB9LFwiQmFja2dyb3VuZFwiOntcIiRpZFwiOlwiMTZcIixcIkNvbG9yXCI6e1wiJGlkXCI6XCIxN1wiLFwiQVwiOjI1NSxcIlJcIjo2OCxcIkdcIjo4NCxcIkJcIjoxMDZ9fSxcIklzVmlzaWJsZVwiOnRydWUsXCJXaWR0aFwiOjg1OC4wLFwiSGVpZ2h0XCI6MjAuMCxcIkJvcmRlclN0eWxlXCI6e1wiJGlkXCI6XCIxOFwiLFwiTGluZUNvbG9yXCI6e1wiJGlkXCI6XCIxOVwiLFwiJHR5cGVcIjpcIk5MUkUuQ29tbW9uLkRvbS5Tb2xpZENvbG9yQnJ1c2gsIE5MUkUuQ29tbW9uXCIsXCJDb2xvclwiOntcIiRpZFwiOlwiMjBcIixcIkFcIjoyNTUsXCJSXCI6MjU1LFwiR1wiOjAsXCJCXCI6MH19LFwiTGluZVdlaWdodFwiOjAuMCxcIkxpbmVUeXBlXCI6MH19LFwiQm90dG9tVGllclNoYXBlU3R5bGVcIjp7XCIkaWRcIjpcIjIxXCIsXCJNYXJnaW5cIjp7XCIkaWRcIjpcIjIyXCIsXCJUb3BcIjowLjAsXCJMZWZ0XCI6MTAuMCxcIlJpZ2h0XCI6MTAuMCxcIkJvdHRvbVwiOjAuMH0sXCJQYWRkaW5nXCI6e1wiJGlkXCI6XCIyM1wiLFwiVG9wXCI6My4wLFwiTGVmdFwiOjAuMCxcIlJpZ2h0XCI6MC4wLFwiQm90dG9tXCI6My4wfSxcIkJhY2tncm91bmRcIjp7XCIkaWRcIjpcIjI0XCIsXCJDb2xvclwiOntcIiRpZFwiOlwiMjVcIixcIkFcIjoyNTUsXCJSXCI6NjgsXCJHXCI6ODQsXCJCXCI6MTA2fX0sXCJJc1Zpc2libGVcIjp0cnVlLFwiV2lkdGhcIjo4NTguMCxcIkhlaWdodFwiOjIwLjAsXCJCb3JkZXJTdHlsZVwiOntcIiRpZFwiOlwiMjZcIixcIkxpbmVDb2xvclwiOntcIiRpZFwiOlwiMjdcIixcIiR0eXBlXCI6XCJOTFJFLkNvbW1vbi5Eb20uU29saWRDb2xvckJydXNoLCBOTFJFLkNvbW1vblwiLFwiQ29sb3JcIjp7XCIkaWRcIjpcIjI4XCIsXCJBXCI6MjU1LFwiUlwiOjI1NSxcIkdcIjowLFwiQlwiOjB9fSxcIkxpbmVXZWlnaHRcIjowLjAsXCJMaW5lVHlwZVwiOjB9fSxcIlJpZ2h0RW5kQ2Fwc1N0eWxlXCI6e1wiJGlkXCI6XCIyOVwiLFwiRm9udFNldHRpbmdzXCI6e1wiJGlkXCI6XCIzMFwiLFwiRm9udFNpemVcIjoxOCxcIkZvbnROYW1lXCI6XCJDYWxpYnJpXCIsXCJJc0JvbGRcIjp0cnVlLFwiSXNJdGFsaWNcIjpmYWxzZSxcIklzVW5kZXJsaW5lZFwiOmZhbHNlfSxcIkF1dG9TaXplXCI6MCxcIkZvcmVncm91bmRcIjp7XCIkaWRcIjpcIjMxXCIsXCJDb2xvclwiOntcIiRpZFwiOlwiMzJcIixcIkFcIjoyNTUsXCJSXCI6MjM3LFwiR1wiOjEyNSxcIkJcIjo0OX19LFwiQmFja2dyb3VuZEZpbGxUeXBlXCI6MCxcIk1heFdpZHRoXCI6XCJJbmZpbml0eVwiLFwiTWF4SGVpZ2h0XCI6XCJJbmZpbml0eVwiLFwiU21hcnRGb3JlZ3JvdW5kSXNBY3RpdmVcIjpmYWxzZSxcIkhvcml6b250YWxBbGlnbm1lbnRcIjowLFwiVmVydGljYWxBbGlnbm1lbnRcIjowLFwiU21hcnRGb3JlZ3JvdW5kXCI6bnVsbCxcIk1hcmdpblwiOntcIiRpZFwiOlwiMzNcIixcIlRvcFwiOjAuMCxcIkxlZnRcIjowLjAsXCJSaWdodFwiOjIwLjAsXCJCb3R0b21cIjowLjB9LFwiUGFkZGluZ1wiOntcIiRpZFwiOlwiMzRcIixcIlRvcFwiOjAuMCxcIkxlZnRcIjowLjAsXCJSaWdodFwiOjAuMCxcIkJvdHRvbVwiOjAuMH0sXCJCYWNrZ3JvdW5kXCI6e1wiJGlkXCI6XCIzNVwiLFwiQ29sb3JcIjp7XCIkaWRcIjpcIjM2XCIsXCJBXCI6MCxcIlJcIjowLFwiR1wiOjAsXCJCXCI6MH19LFwiSXNWaXNpYmxlXCI6dHJ1ZSxcIldpZHRoXCI6MC4wLFwiSGVpZ2h0XCI6MC4wLFwiQm9yZGVyU3R5bGVcIjpudWxsfSxcIkxlZnRFbmRDYXBzU3R5bGVcIjp7XCIkaWRcIjpcIjM3XCIsXCJGb250U2V0dGluZ3NcIjp7XCIkaWRcIjpcIjM4XCIsXCJGb250U2l6ZVwiOjE4LFwiRm9udE5hbWVcIjpcIkNhbGlicmlcIixcIklzQm9sZFwiOnRydWUsXCJJc0l0YWxpY1wiOmZhbHNlLFwiSXNVbmRlcmxpbmVkXCI6ZmFsc2V9LFwiQXV0b1NpemVcIjowLFwiRm9yZWdyb3VuZFwiOntcIiRpZFwiOlwiMzlcIixcIkNvbG9yXCI6e1wiJGlkXCI6XCI0MFwiLFwiQVwiOjI1NSxcIlJcIjoyMzcsXCJHXCI6MTI1LFwiQlwiOjQ5fX0sXCJCYWNrZ3JvdW5kRmlsbFR5cGVcIjowLFwiTWF4V2lkdGhcIjpcIkluZmluaXR5XCIsXCJNYXhIZWlnaHRcIjpcIkluZmluaXR5XCIsXCJTbWFydEZvcmVncm91bmRJc0FjdGl2ZVwiOmZhbHNlLFwiSG9yaXpvbnRhbEFsaWdubWVudFwiOjAsXCJWZXJ0aWNhbEFsaWdubWVudFwiOjAsXCJTbWFydEZvcmVncm91bmRcIjpudWxsLFwiTWFyZ2luXCI6e1wiJGlkXCI6XCI0MVwiLFwiVG9wXCI6MC4wLFwiTGVmdFwiOjIwLjAsXCJSaWdodFwiOjAuMCxcIkJvdHRvbVwiOjAuMH0sXCJQYWRkaW5nXCI6e1wiJGlkXCI6XCI0MlwiLFwiVG9wXCI6MC4wLFwiTGVmdFwiOjAuMCxcIlJpZ2h0XCI6MC4wLFwiQm90dG9tXCI6MC4wfSxcIkJhY2tncm91bmRcIjp7XCIkaWRcIjpcIjQzXCIsXCJDb2xvclwiOntcIiRyZWZcIjpcIjM2XCJ9fSxcIklzVmlzaWJsZVwiOmZhbHNlLFwiV2lkdGhcIjowLjAsXCJIZWlnaHRcIjowLjAsXCJCb3JkZXJTdHlsZVwiOm51bGx9LFwiVG9kYXlUZXh0U3R5bGVcIjp7XCIkaWRcIjpcIjQ0XCIsXCJGb250U2V0dGluZ3NcIjp7XCIkaWRcIjpcIjQ1XCIsXCJGb250U2l6ZVwiOjEyLFwiRm9udE5hbWVcIjpcIkNhbGlicmlcIixcIklzQm9sZFwiOmZhbHNlLFwiSXNJdGFsaWNcIjpmYWxzZSxcIklzVW5kZXJsaW5lZFwiOmZhbHNlfSxcIkF1dG9TaXplXCI6MCxcIkZvcmVncm91bmRcIjp7XCIkaWRcIjpcIjQ2XCIsXCJDb2xvclwiOntcIiRpZFwiOlwiNDdcIixcIkFcIjoyNTUsXCJSXCI6MCxcIkdcIjowLFwiQlwiOjB9fSxcIkJhY2tncm91bmRGaWxsVHlwZVwiOjAsXCJNYXhXaWR0aFwiOjIwMC4wLFwiTWF4SGVpZ2h0XCI6XCJJbmZpbml0eVwiLFwiU21hcnRGb3JlZ3JvdW5kSXNBY3RpdmVcIjpmYWxzZSxcIkhvcml6b250YWxBbGlnbm1lbnRcIjowLFwiVmVydGljYWxBbGlnbm1lbnRcIjowLFwiU21hcnRGb3JlZ3JvdW5kXCI6bnVsbCxcIk1hcmdpblwiOntcIiRpZFwiOlwiNDhcIixcIlRvcFwiOjAuMCxcIkxlZnRcIjowLjAsXCJSaWdodFwiOjAuMCxcIkJvdHRvbVwiOjAuMH0sXCJQYWRkaW5nXCI6e1wiJGlkXCI6XCI0OVwiLFwiVG9wXCI6MC4wLFwiTGVmdFwiOjAuMCxcIlJpZ2h0XCI6MC4wLFwiQm90dG9tXCI6MC4wfSxcIkJhY2tncm91bmRcIjp7XCIkaWRcIjpcIjUwXCIsXCJDb2xvclwiOntcIiRyZWZcIjpcIjM2XCJ9fSxcIklzVmlzaWJsZVwiOnRydWUsXCJXaWR0aFwiOjAuMCxcIkhlaWdodFwiOjAuMCxcIkJvcmRlclN0eWxlXCI6bnVsbH0sXCJUb2RheU1hcmtlclN0eWxlXCI6e1wiJGlkXCI6XCI1MVwiLFwiTWFyZ2luXCI6e1wiJGlkXCI6XCI1MlwiLFwiVG9wXCI6MC4wLFwiTGVmdFwiOjAuMCxcIlJpZ2h0XCI6MC4wLFwiQm90dG9tXCI6MC4wfSxcIlBhZGRpbmdcIjp7XCIkaWRcIjpcIjUzXCIsXCJUb3BcIjowLjAsXCJMZWZ0XCI6MC4wLFwiUmlnaHRcIjowLjAsXCJCb3R0b21cIjowLjB9LFwiQmFja2dyb3VuZFwiOntcIiRpZFwiOlwiNTRcIixcIkNvbG9yXCI6e1wiJGlkXCI6XCI1NVwiLFwiQVwiOjI1NSxcIlJcIjoyNTUsXCJHXCI6MCxcIkJcIjowfX0sXCJJc1Zpc2libGVcIjp0cnVlLFwiV2lkdGhcIjowLjAsXCJIZWlnaHRcIjowLjAsXCJCb3JkZXJTdHlsZVwiOm51bGx9LFwiU2NhbGVTdHlsZVwiOntcIiRpZFwiOlwiNTZcIixcIlNob3dTZWdtZW50U2VwYXJhdG9yc1wiOmZhbHNlLFwiU2VnbWVudFNlcGFyYXRvck9wYWNpdHlcIjozMCxcIlNoYXBlXCI6MyxcIkhhc0JlZW5WaXNpYmxlQmVmb3JlXCI6dHJ1ZSxcIkZvbnRTZXR0aW5nc1wiOntcIiRpZFwiOlwiNTdcIixcIkZvbnRTaXplXCI6MTIsXCJGb250TmFtZVwiOlwiQ2FsaWJyaVwiLFwiSXNCb2xkXCI6ZmFsc2UsXCJJc0l0YWxpY1wiOmZhbHNlLFwiSXNVbmRlcmxpbmVkXCI6ZmFsc2V9LFwiQXV0b1NpemVcIjowLFwiRm9yZWdyb3VuZFwiOntcIiRpZFwiOlwiNThcIixcIkNvbG9yXCI6e1wiJGlkXCI6XCI1OVwiLFwiQVwiOjI1NSxcIlJcIjoyNTUsXCJHXCI6MjU1LFwiQlwiOjI1NX19LFwiQmFja2dyb3VuZEZpbGxUeXBlXCI6MCxcIk1heFdpZHRoXCI6MjAwLjAsXCJNYXhIZWlnaHRcIjpcIkluZmluaXR5XCIsXCJTbWFydEZvcmVncm91bmRJc0FjdGl2ZVwiOmZhbHNlLFwiSG9yaXpvbnRhbEFsaWdubWVudFwiOjAsXCJWZXJ0aWNhbEFsaWdubWVudFwiOjEsXCJTbWFydEZvcmVncm91bmRcIjpudWxsLFwiTWFyZ2luXCI6e1wiJGlkXCI6XCI2MFwiLFwiVG9wXCI6MC4wLFwiTGVmdFwiOjUuMCxcIlJpZ2h0XCI6MC4wLFwiQm90dG9tXCI6MC4wfSxcIlBhZGRpbmdcIjp7XCIkaWRcIjpcIjYxXCIsXCJUb3BcIjowLjAsXCJMZWZ0XCI6MC4wLFwiUmlnaHRcIjowLjAsXCJCb3R0b21cIjowLjB9LFwiQmFja2dyb3VuZFwiOntcIiRpZFwiOlwiNjJcIixcIkNvbG9yXCI6e1wiJHJlZlwiOlwiMzZcIn19LFwiSXNWaXNpYmxlXCI6dHJ1ZSxcIldpZHRoXCI6MC4wLFwiSGVpZ2h0XCI6MC4wLFwiQm9yZGVyU3R5bGVcIjpudWxsfSxcIk1pZGRsZVRpZXJTY2FsZVN0eWxlXCI6e1wiJGlkXCI6XCI2M1wiLFwiU2hvd1NlZ21lbnRTZXBhcmF0b3JzXCI6ZmFsc2UsXCJTZWdtZW50U2VwYXJhdG9yT3BhY2l0eVwiOjMwLFwiU2hhcGVcIjozLFwiSGFzQmVlblZpc2libGVCZWZvcmVcIjpmYWxzZSxcIkZvbnRTZXR0aW5nc1wiOntcIiRpZFwiOlwiNjRcIixcIkZvbnRTaXplXCI6MTIsXCJGb250TmFtZVwiOlwiQ2FsaWJyaVwiLFwiSXNCb2xkXCI6ZmFsc2UsXCJJc0l0YWxpY1wiOmZhbHNlLFwiSXNVbmRlcmxpbmVkXCI6ZmFsc2V9LFwiQXV0b1NpemVcIjowLFwiRm9yZWdyb3VuZFwiOntcIiRpZFwiOlwiNjVcIixcIkNvbG9yXCI6e1wiJGlkXCI6XCI2NlwiLFwiQVwiOjI1NSxcIlJcIjoyNTUsXCJHXCI6MjU1LFwiQlwiOjI1NX19LFwiQmFja2dyb3VuZEZpbGxUeXBlXCI6MCxcIk1heFdpZHRoXCI6MjAwLjAsXCJNYXhIZWlnaHRcIjpcIkluZmluaXR5XCIsXCJTbWFydEZvcmVncm91bmRJc0FjdGl2ZVwiOmZhbHNlLFwiSG9yaXpvbnRhbEFsaWdubWVudFwiOjAsXCJWZXJ0aWNhbEFsaWdubWVudFwiOjEsXCJTbWFydEZvcmVncm91bmRcIjpudWxsLFwiTWFyZ2luXCI6e1wiJGlkXCI6XCI2N1wiLFwiVG9wXCI6MC4wLFwiTGVmdFwiOjUuMCxcIlJpZ2h0XCI6MC4wLFwiQm90dG9tXCI6MC4wfSxcIlBhZGRpbmdcIjp7XCIkaWRcIjpcIjY4XCIsXCJUb3BcIjowLjAsXCJMZWZ0XCI6MC4wLFwiUmlnaHRcIjowLjAsXCJCb3R0b21cIjowLjB9LFwiQmFja2dyb3VuZFwiOntcIiRpZFwiOlwiNjlcIixcIkNvbG9yXCI6e1wiJGlkXCI6XCI3MFwiLFwiQVwiOjAsXCJSXCI6MCxcIkdcIjowLFwiQlwiOjB9fSxcIklzVmlzaWJsZVwiOmZhbHNlLFwiV2lkdGhcIjowLjAsXCJIZWlnaHRcIjowLjAsXCJCb3JkZXJTdHlsZVwiOm51bGx9LFwiQm90dG9tVGllclNjYWxlU3R5bGVcIjp7XCIkaWRcIjpcIjcxXCIsXCJTaG93U2VnbWVudFNlcGFyYXRvcnNcIjpmYWxzZSxcIlNlZ21lbnRTZXBhcmF0b3JPcGFjaXR5XCI6MzAsXCJTaGFwZVwiOjMsXCJIYXNCZWVuVmlzaWJsZUJlZm9yZVwiOmZhbHNlLFwiRm9udFNldHRpbmdzXCI6e1wiJGlkXCI6XCI3MlwiLFwiRm9udFNpemVcIjoxMixcIkZvbnROYW1lXCI6XCJDYWxpYnJpXCIsXCJJc0JvbGRcIjpmYWxzZSxcIklzSXRhbGljXCI6ZmFsc2UsXCJJc1VuZGVybGluZWRcIjpmYWxzZX0sXCJBdXRvU2l6ZVwiOjAsXCJGb3JlZ3JvdW5kXCI6e1wiJGlkXCI6XCI3M1wiLFwiQ29sb3JcIjp7XCIkaWRcIjpcIjc0XCIsXCJBXCI6MjU1LFwiUlwiOjI1NSxcIkdcIjoyNTUsXCJCXCI6MjU1fX0sXCJCYWNrZ3JvdW5kRmlsbFR5cGVcIjowLFwiTWF4V2lkdGhcIjoyMDAuMCxcIk1heEhlaWdodFwiOlwiSW5maW5pdHlcIixcIlNtYXJ0Rm9yZWdyb3VuZElzQWN0aXZlXCI6ZmFsc2UsXCJIb3Jpem9udGFsQWxpZ25tZW50XCI6MCxcIlZlcnRpY2FsQWxpZ25tZW50XCI6MSxcIlNtYXJ0Rm9yZWdyb3VuZFwiOm51bGwsXCJNYXJnaW5cIjp7XCIkaWRcIjpcIjc1XCIsXCJUb3BcIjowLjAsXCJMZWZ0XCI6NS4wLFwiUmlnaHRcIjowLjAsXCJCb3R0b21cIjowLjB9LFwiUGFkZGluZ1wiOntcIiRpZFwiOlwiNzZcIixcIlRvcFwiOjAuMCxcIkxlZnRcIjowLjAsXCJSaWdodFwiOjAuMCxcIkJvdHRvbVwiOjAuMH0sXCJCYWNrZ3JvdW5kXCI6e1wiJGlkXCI6XCI3N1wiLFwiQ29sb3JcIjp7XCIkaWRcIjpcIjc4XCIsXCJBXCI6MCxcIlJcIjowLFwiR1wiOjAsXCJCXCI6MH19LFwiSXNWaXNpYmxlXCI6ZmFsc2UsXCJXaWR0aFwiOjAuMCxcIkhlaWdodFwiOjAuMCxcIkJvcmRlclN0eWxlXCI6bnVsbH0sXCJTaW5nbGVTY2FsZVNoYXBlU3R5bGVcIjpudWxsLFwiRWxhcHNlZFRpbWVCYWNrZ3JvdW5kXCI6e1wiJGlkXCI6XCI3OVwiLFwiQ29sb3JcIjp7XCIkaWRcIjpcIjgwXCIsXCJBXCI6MTkxLFwiUlwiOjI1NSxcIkdcIjowLFwiQlwiOjB9fSxcIkFwcGVuZFllYXJPblllYXJDaGFuZ2VcIjpmYWxzZSxcIkVsYXBzZWRUaW1lRm9ybWF0XCI6MixcIlRvZGF5TWFya2VyUG9zaXRpb25cIjozLFwiUXVpY2tQb3NpdGlvblwiOjIsXCJBYnNvbHV0ZVBvc2l0aW9uXCI6NDA1LjAsXCJNYXJnaW5cIjp7XCIkaWRcIjpcIjgxXCIsXCJUb3BcIjowLjAsXCJMZWZ0XCI6MTAuMCxcIlJpZ2h0XCI6MTAuMCxcIkJvdHRvbVwiOjAuMH0sXCJQYWRkaW5nXCI6e1wiJGlkXCI6XCI4MlwiLFwiVG9wXCI6MC4wLFwiTGVmdFwiOjAuMCxcIlJpZ2h0XCI6MC4wLFwiQm90dG9tXCI6MC4wfSxcIkJhY2tncm91bmRcIjp7XCIkaWRcIjpcIjgzXCIsXCJDb2xvclwiOntcIiRpZFwiOlwiODRcIixcIkFcIjoyNTUsXCJSXCI6NDcsXCJHXCI6NTQsXCJCXCI6MTUzfX0sXCJJc1Zpc2libGVcIjp0cnVlLFwiV2lkdGhcIjowLjAsXCJIZWlnaHRcIjowLjAsXCJCb3JkZXJTdHlsZVwiOm51bGx9LFwiRGVmYXVsdE1pbGVzdG9uZVN0eWxlXCI6e1wiJGlkXCI6XCI4NVwiLFwiU2hhcGVcIjoyLFwiQ29ubmVjdG9yTWFyZ2luXCI6e1wiJGlkXCI6XCI4NlwiLFwiVG9wXCI6MC4wLFwiTGVmdFwiOjIuMCxcIlJpZ2h0XCI6Mi4wLFwiQm90dG9tXCI6MC4wfSxcIkNvbm5lY3RvclN0eWxlXCI6e1wiJGlkXCI6XCI4N1wiLFwiTGluZUNvbG9yXCI6e1wiJGlkXCI6XCI4OFwiLFwiJHR5cGVcIjpcIk5MUkUuQ29tbW9uLkRvbS5Tb2xpZENvbG9yQnJ1c2gsIE5MUkUuQ29tbW9uXCIsXCJDb2xvclwiOntcIiRpZFwiOlwiODlcIixcIkFcIjoxMjcsXCJSXCI6NzksXCJHXCI6MTI5LFwiQlwiOjE4OX19LFwiTGluZVdlaWdodFwiOjEuMCxcIkxpbmVUeXBlXCI6MH0sXCJJc0JlbG93VGltZWJhbmRcIjpmYWxzZSxcIkhpZGVEYXRlXCI6ZmFsc2UsXCJTaGFwZVNpemVcIjoxLFwiU3BhY2luZ1wiOjIuMCxcIlBhZGRpbmdcIjp7XCIkaWRcIjpcIjkwXCIsXCJUb3BcIjo3LjAsXCJMZWZ0XCI6My4wLFwiUmlnaHRcIjowLjAsXCJCb3R0b21cIjoyLjB9LFwiUG9zaXRpb25cIjpudWxsLFwiUG9zaXRpb25PblRhc2tcIjowLFwiU2hhcGVTdHlsZVwiOntcIiRpZFwiOlwiOTFcIixcIk1hcmdpblwiOntcIiRpZFwiOlwiOTJcIixcIlRvcFwiOjAuMCxcIkxlZnRcIjowLjAsXCJSaWdodFwiOjAuMCxcIkJvdHRvbVwiOjAuMH0sXCJQYWRkaW5nXCI6e1wiJGlkXCI6XCI5M1wiLFwiVG9wXCI6MC4wLFwiTGVmdFwiOjAuMCxcIlJpZ2h0XCI6MC4wLFwiQm90dG9tXCI6MC4wfSxcIkJhY2tncm91bmRcIjp7XCIkaWRcIjpcIjk0XCIsXCJDb2xvclwiOntcIiRpZFwiOlwiOTVcIixcIkFcIjoyNTUsXCJSXCI6MCxcIkdcIjoxMTQsXCJCXCI6MTg4fX0sXCJJc1Zpc2libGVcIjp0cnVlLFwiV2lkdGhcIjoxMy4wLFwiSGVpZ2h0XCI6MTMuMCxcIkJvcmRlclN0eWxlXCI6e1wiJGlkXCI6XCI5NlwiLFwiTGluZUNvbG9yXCI6e1wiJGlkXCI6XCI5N1wiLFwiJHR5cGVcIjpcIk5MUkUuQ29tbW9uLkRvbS5Tb2xpZENvbG9yQnJ1c2gsIE5MUkUuQ29tbW9uXCIsXCJDb2xvclwiOntcIiRpZFwiOlwiOThcIixcIkFcIjoyNTUsXCJSXCI6MjU1LFwiR1wiOjAsXCJCXCI6MH19LFwiTGluZVdlaWdodFwiOjAuMCxcIkxpbmVUeXBlXCI6MH19LFwiVGl0bGVTdHlsZVwiOntcIiRpZFwiOlwiOTlcIixcIkZvbnRTZXR0aW5nc1wiOntcIiRpZFwiOlwiMTAwXCIsXCJGb250U2l6ZVwiOjExLFwiRm9udE5hbWVcIjpcIkNhbGlicmlcIixcIklzQm9sZFwiOnRydWUsXCJJc0l0YWxpY1wiOmZhbHNlLFwiSXNVbmRlcmxpbmVkXCI6ZmFsc2V9LFwiQXV0b1NpemVcIjowLFwiRm9yZWdyb3VuZFwiOntcIiRpZFwiOlwiMTAxXCIsXCJDb2xvclwiOntcIiRpZFwiOlwiMTAyXCIsXCJBXCI6MjU1LFwiUlwiOjAsXCJHXCI6MCxcIkJcIjowfX0sXCJCYWNrZ3JvdW5kRmlsbFR5cGVcIjowLFwiTWF4V2lkdGhcIjoyMDAuMCxcIk1heEhlaWdodFwiOlwiSW5maW5pdHlcIixcIlNtYXJ0Rm9yZWdyb3VuZElzQWN0aXZlXCI6ZmFsc2UsXCJIb3Jpem9udGFsQWxpZ25tZW50XCI6MCxcIlZlcnRpY2FsQWxpZ25tZW50XCI6MCxcIlNtYXJ0Rm9yZWdyb3VuZFwiOm51bGwsXCJNYXJnaW5cIjp7XCIkaWRcIjpcIjEwM1wiLFwiVG9wXCI6MC4wLFwiTGVmdFwiOjAuMCxcIlJpZ2h0XCI6MC4wLFwiQm90dG9tXCI6MC4wfSxcIlBhZGRpbmdcIjp7XCIkaWRcIjpcIjEwNFwiLFwiVG9wXCI6MC4wLFwiTGVmdFwiOjAuMCxcIlJpZ2h0XCI6MC4wLFwiQm90dG9tXCI6MC4wfSxcIkJhY2tncm91bmRcIjp7XCIkaWRcIjpcIjEwNVwiLFwiQ29sb3JcIjp7XCIkcmVmXCI6XCIzNlwifX0sXCJJc1Zpc2libGVcIjp0cnVlLFwiV2lkdGhcIjowLjAsXCJIZWlnaHRcIjowLjAsXCJCb3JkZXJTdHlsZVwiOm51bGx9LFwiRGF0ZVN0eWxlXCI6e1wiJGlkXCI6XCIxMDZcIixcIkZvbnRTZXR0aW5nc1wiOntcIiRpZFwiOlwiMTA3XCIsXCJGb250U2l6ZVwiOjEwLFwiRm9udE5hbWVcIjpcIkNhbGlicmlcIixcIklzQm9sZFwiOmZhbHNlLFwiSXNJdGFsaWNcIjpmYWxzZSxcIklzVW5kZXJsaW5lZFwiOmZhbHNlfSxcIkF1dG9TaXplXCI6MCxcIkZvcmVncm91bmRcIjp7XCIkaWRcIjpcIjEwOFwiLFwiQ29sb3JcIjp7XCIkaWRcIjpcIjEwOVwiLFwiQVwiOjI1NSxcIlJcIjo2OCxcIkdcIjo4NCxcIkJcIjoxMDZ9fSxcIkJhY2tncm91bmRGaWxsVHlwZVwiOjAsXCJNYXhXaWR0aFwiOjIwMC4wLFwiTWF4SGVpZ2h0XCI6XCJJbmZpbml0eVwiLFwiU21hcnRGb3JlZ3JvdW5kSXNBY3RpdmVcIjpmYWxzZSxcIkhvcml6b250YWxBbGlnbm1lbnRcIjowLFwiVmVydGljYWxBbGlnbm1lbnRcIjowLFwiU21hcnRGb3JlZ3JvdW5kXCI6bnVsbCxcIk1hcmdpblwiOntcIiRpZFwiOlwiMTEwXCIsXCJUb3BcIjowLjAsXCJMZWZ0XCI6MC4wLFwiUmlnaHRcIjowLjAsXCJCb3R0b21cIjowLjB9LFwiUGFkZGluZ1wiOntcIiRpZFwiOlwiMTExXCIsXCJUb3BcIjowLjAsXCJMZWZ0XCI6MC4wLFwiUmlnaHRcIjowLjAsXCJCb3R0b21cIjowLjB9LFwiQmFja2dyb3VuZFwiOntcIiRpZFwiOlwiMTEyXCIsXCJDb2xvclwiOntcIiRyZWZcIjpcIjM2XCJ9fSxcIklzVmlzaWJsZVwiOnRydWUsXCJXaWR0aFwiOjAuMCxcIkhlaWdodFwiOjAuMCxcIkJvcmRlclN0eWxlXCI6bnVsbH0sXCJEYXRlRm9ybWF0XCI6e1wiJGlkXCI6XCIxMTNcIixcIkZvcm1hdFN0cmluZ1wiOlwiTU1NIGRcIixcIlNlcGFyYXRvclwiOlwiL1wiLFwiVXNlSW50ZXJuYXRpb25hbERhdGVGb3JtYXRcIjpmYWxzZSxcIkRhdGVJc1Zpc2libGVcIjp0cnVlLFwiVGltZUlzVmlzaWJsZVwiOmZhbHNlLFwiSG91ckRpZ2l0c1wiOjEsXCJBbVBtRGVzaWduYXRvclwiOjIsXCJUcmltMDBNaW51dGVzXCI6ZmFsc2UsXCJMYXN0S25vd25WaXNpYmlsaXR5U3RhdGVcIjpudWxsfSxcIklzVmlzaWJsZVwiOnRydWV9LFwiRGVmYXVsdFRhc2tTdHlsZVwiOntcIiRpZFwiOlwiMTE0XCIsXCJTaGFwZVwiOjEsXCJTaGFwZVRoaWNrbmVzc1wiOjAsXCJEdXJhdGlvbkZvcm1hdFwiOjAsXCJQZXJjZW50YWdlQ29tcGxldGVTdHlsZVwiOntcIiRpZFwiOlwiMTE1XCIsXCJGb250U2V0dGluZ3NcIjp7XCIkaWRcIjpcIjExNlwiLFwiRm9udFNpemVcIjoxMCxcIkZvbnROYW1lXCI6XCJDYWxpYnJpXCIsXCJJc0JvbGRcIjpmYWxzZSxcIklzSXRhbGljXCI6ZmFsc2UsXCJJc1VuZGVybGluZWRcIjpmYWxzZX0sXCJBdXRvU2l6ZVwiOjAsXCJGb3JlZ3JvdW5kXCI6e1wiJGlkXCI6XCIxMTdcIixcIkNvbG9yXCI6e1wiJGlkXCI6XCIxMThcIixcIkFcIjoyNTUsXCJSXCI6MjM3LFwiR1wiOjEyNSxcIkJcIjo0OX19LFwiQmFja2dyb3VuZEZpbGxUeXBlXCI6MCxcIk1heFdpZHRoXCI6MjAwLjAsXCJNYXhIZWlnaHRcIjpcIkluZmluaXR5XCIsXCJTbWFydEZvcmVncm91bmRJc0FjdGl2ZVwiOmZhbHNlLFwiSG9yaXpvbnRhbEFsaWdubWVudFwiOjAsXCJWZXJ0aWNhbEFsaWdubWVudFwiOjAsXCJTbWFydEZvcmVncm91bmRcIjpudWxsLFwiTWFyZ2luXCI6e1wiJGlkXCI6XCIxMTlcIixcIlRvcFwiOjAuMCxcIkxlZnRcIjowLjAsXCJSaWdodFwiOjAuMCxcIkJvdHRvbVwiOjAuMH0sXCJQYWRkaW5nXCI6e1wiJGlkXCI6XCIxMjBcIixcIlRvcFwiOjAuMCxcIkxlZnRcIjowLjAsXCJSaWdodFwiOjAuMCxcIkJvdHRvbVwiOjAuMH0sXCJCYWNrZ3JvdW5kXCI6e1wiJGlkXCI6XCIxMjFcIixcIkNvbG9yXCI6e1wiJHJlZlwiOlwiMzZcIn19LFwiSXNWaXNpYmxlXCI6dHJ1ZSxcIldpZHRoXCI6MC4wLFwiSGVpZ2h0XCI6MC4wLFwiQm9yZGVyU3R5bGVcIjpudWxsfSxcIkR1cmF0aW9uU3R5bGVcIjp7XCIkaWRcIjpcIjEyMlwiLFwiRm9udFNldHRpbmdzXCI6e1wiJGlkXCI6XCIxMjNcIixcIkZvbnRTaXplXCI6MTAsXCJGb250TmFtZVwiOlwiQ2FsaWJyaVwiLFwiSXNCb2xkXCI6ZmFsc2UsXCJJc0l0YWxpY1wiOmZhbHNlLFwiSXNVbmRlcmxpbmVkXCI6ZmFsc2V9LFwiQXV0b1NpemVcIjowLFwiRm9yZWdyb3VuZFwiOntcIiRpZFwiOlwiMTI0XCIsXCJDb2xvclwiOntcIiRpZFwiOlwiMTI1XCIsXCJBXCI6MjU1LFwiUlwiOjIzNyxcIkdcIjoxMjUsXCJCXCI6NDl9fSxcIkJhY2tncm91bmRGaWxsVHlwZVwiOjAsXCJNYXhXaWR0aFwiOjIwMC4wLFwiTWF4SGVpZ2h0XCI6XCJJbmZpbml0eVwiLFwiU21hcnRGb3JlZ3JvdW5kSXNBY3RpdmVcIjpmYWxzZSxcIkhvcml6b250YWxBbGlnbm1lbnRcIjowLFwiVmVydGljYWxBbGlnbm1lbnRcIjowLFwiU21hcnRGb3JlZ3JvdW5kXCI6bnVsbCxcIk1hcmdpblwiOntcIiRpZFwiOlwiMTI2XCIsXCJUb3BcIjowLjAsXCJMZWZ0XCI6MC4wLFwiUmlnaHRcIjowLjAsXCJCb3R0b21cIjowLjB9LFwiUGFkZGluZ1wiOntcIiRpZFwiOlwiMTI3XCIsXCJUb3BcIjowLjAsXCJMZWZ0XCI6MC4wLFwiUmlnaHRcIjowLjAsXCJCb3R0b21cIjowLjB9LFwiQmFja2dyb3VuZFwiOntcIiRpZFwiOlwiMTI4XCIsXCJDb2xvclwiOntcIiRyZWZcIjpcIjM2XCJ9fSxcIklzVmlzaWJsZVwiOnRydWUsXCJXaWR0aFwiOjAuMCxcIkhlaWdodFwiOjAuMCxcIkJvcmRlclN0eWxlXCI6bnVsbH0sXCJIb3Jpem9udGFsQ29ubmVjdG9yU3R5bGVcIjp7XCIkaWRcIjpcIjEyOVwiLFwiTGluZUNvbG9yXCI6e1wiJGlkXCI6XCIxMzBcIixcIiR0eXBlXCI6XCJOTFJFLkNvbW1vbi5Eb20uU29saWRDb2xvckJydXNoLCBOTFJFLkNvbW1vblwiLFwiQ29sb3JcIjp7XCIkaWRcIjpcIjEzMVwiLFwiQVwiOjI1NSxcIlJcIjoyMDQsXCJHXCI6MjA0LFwiQlwiOjIwNH19LFwiTGluZVdlaWdodFwiOjEuMCxcIkxpbmVUeXBlXCI6MH0sXCJWZXJ0aWNhbENvbm5lY3RvclN0eWxlXCI6e1wiJGlkXCI6XCIxMzJcIixcIkxpbmVDb2xvclwiOntcIiRpZFwiOlwiMTMzXCIsXCIkdHlwZVwiOlwiTkxSRS5Db21tb24uRG9tLlNvbGlkQ29sb3JCcnVzaCwgTkxSRS5Db21tb25cIixcIkNvbG9yXCI6e1wiJGlkXCI6XCIxMzRcIixcIkFcIjoyNTUsXCJSXCI6MjA0LFwiR1wiOjIwNCxcIkJcIjoyMDR9fSxcIkxpbmVXZWlnaHRcIjowLjAsXCJMaW5lVHlwZVwiOjB9LFwiTWFyZ2luXCI6bnVsbCxcIlN0YXJ0RGF0ZVBvc2l0aW9uXCI6MyxcIkVuZERhdGVQb3NpdGlvblwiOjMsXCJUaXRsZVBvc2l0aW9uXCI6NCxcIkR1cmF0aW9uUG9zaXRpb25cIjo2LFwiUGVyY2VudGFnZUNvbXBsZXRlZFBvc2l0aW9uXCI6NixcIlNwYWNpbmdcIjo1LFwiSXNCZWxvd1RpbWViYW5kXCI6ZmFsc2UsXCJQZXJjZW50YWdlQ29tcGxldGVTaGFwZU9wYWNpdHlcIjozNSxcIkdyb3VwTmFtZVwiOm51bGwsXCJBdHRhY2hlZE1pbGVzdG9uZXNTdHlsZXNcIjpudWxsLFwiU2hhcGVTdHlsZVwiOntcIiRpZFwiOlwiMTM1XCIsXCJNYXJnaW5cIjp7XCIkaWRcIjpcIjEzNlwiLFwiVG9wXCI6MC4wLFwiTGVmdFwiOjQuMCxcIlJpZ2h0XCI6NC4wLFwiQm90dG9tXCI6MC4wfSxcIlBhZGRpbmdcIjp7XCIkaWRcIjpcIjEzN1wiLFwiVG9wXCI6MC4wLFwiTGVmdFwiOjAuMCxcIlJpZ2h0XCI6MC4wLFwiQm90dG9tXCI6MC4wfSxcIkJhY2tncm91bmRcIjp7XCIkaWRcIjpcIjEzOFwiLFwiQ29sb3JcIjp7XCIkaWRcIjpcIjEzOVwiLFwiQVwiOjI1NSxcIlJcIjowLFwiR1wiOjExNCxcIkJcIjoxODh9fSxcIklzVmlzaWJsZVwiOnRydWUsXCJXaWR0aFwiOjAuMCxcIkhlaWdodFwiOjEwLjAsXCJCb3JkZXJTdHlsZVwiOntcIiRpZFwiOlwiMTQwXCIsXCJMaW5lQ29sb3JcIjp7XCIkaWRcIjpcIjE0MVwiLFwiJHR5cGVcIjpcIk5MUkUuQ29tbW9uLkRvbS5Tb2xpZENvbG9yQnJ1c2gsIE5MUkUuQ29tbW9uXCIsXCJDb2xvclwiOntcIiRpZFwiOlwiMTQyXCIsXCJBXCI6MjU1LFwiUlwiOjI1NSxcIkdcIjowLFwiQlwiOjB9fSxcIkxpbmVXZWlnaHRcIjowLjAsXCJMaW5lVHlwZVwiOjB9fSxcIlRpdGxlU3R5bGVcIjp7XCIkaWRcIjpcIjE0M1wiLFwiRm9udFNldHRpbmdzXCI6e1wiJGlkXCI6XCIxNDRcIixcIkZvbnRTaXplXCI6MTEsXCJGb250TmFtZVwiOlwiQ2FsaWJyaVwiLFwiSXNCb2xkXCI6dHJ1ZSxcIklzSXRhbGljXCI6ZmFsc2UsXCJJc1VuZGVybGluZWRcIjpmYWxzZX0sXCJBdXRvU2l6ZVwiOjAsXCJGb3JlZ3JvdW5kXCI6e1wiJGlkXCI6XCIxNDVcIixcIkNvbG9yXCI6e1wiJGlkXCI6XCIxNDZcIixcIkFcIjoyNTUsXCJSXCI6MCxcIkdcIjowLFwiQlwiOjB9fSxcIkJhY2tncm91bmRGaWxsVHlwZVwiOjAsXCJNYXhXaWR0aFwiOjk2MC4wLFwiTWF4SGVpZ2h0XCI6XCJJbmZpbml0eVwiLFwiU21hcnRGb3JlZ3JvdW5kSXNBY3RpdmVcIjpmYWxzZSxcIkhvcml6b250YWxBbGlnbm1lbnRcIjowLFwiVmVydGljYWxBbGlnbm1lbnRcIjowLFwiU21hcnRGb3JlZ3JvdW5kXCI6bnVsbCxcIk1hcmdpblwiOntcIiRpZFwiOlwiMTQ3XCIsXCJUb3BcIjowLjAsXCJMZWZ0XCI6MC4wLFwiUmlnaHRcIjowLjAsXCJCb3R0b21cIjowLjB9LFwiUGFkZGluZ1wiOntcIiRpZFwiOlwiMTQ4XCIsXCJUb3BcIjowLjAsXCJMZWZ0XCI6MC4wLFwiUmlnaHRcIjowLjAsXCJCb3R0b21cIjowLjB9LFwiQmFja2dyb3VuZFwiOntcIiRpZFwiOlwiMTQ5XCIsXCJDb2xvclwiOntcIiRyZWZcIjpcIjM2XCJ9fSxcIklzVmlzaWJsZVwiOnRydWUsXCJXaWR0aFwiOjAuMCxcIkhlaWdodFwiOjAuMCxcIkJvcmRlclN0eWxlXCI6bnVsbH0sXCJEYXRlU3R5bGVcIjp7XCIkaWRcIjpcIjE1MFwiLFwiRm9udFNldHRpbmdzXCI6e1wiJGlkXCI6XCIxNTFcIixcIkZvbnRTaXplXCI6MTAsXCJGb250TmFtZVwiOlwiQ2FsaWJyaVwiLFwiSXNCb2xkXCI6ZmFsc2UsXCJJc0l0YWxpY1wiOmZhbHNlLFwiSXNVbmRlcmxpbmVkXCI6ZmFsc2V9LFwiQXV0b1NpemVcIjowLFwiRm9yZWdyb3VuZFwiOntcIiRpZFwiOlwiMTUyXCIsXCJDb2xvclwiOntcIiRpZFwiOlwiMTUzXCIsXCJBXCI6MjU1LFwiUlwiOjY4LFwiR1wiOjg0LFwiQlwiOjEwNn19LFwiQmFja2dyb3VuZEZpbGxUeXBlXCI6MCxcIk1heFdpZHRoXCI6MjAwLjAsXCJNYXhIZWlnaHRcIjpcIkluZmluaXR5XCIsXCJTbWFydEZvcmVncm91bmRJc0FjdGl2ZVwiOmZhbHNlLFwiSG9yaXpvbnRhbEFsaWdubWVudFwiOjIsXCJWZXJ0aWNhbEFsaWdubWVudFwiOjAsXCJTbWFydEZvcmVncm91bmRcIjpudWxsLFwiTWFyZ2luXCI6e1wiJGlkXCI6XCIxNTRcIixcIlRvcFwiOjAuMCxcIkxlZnRcIjowLjAsXCJSaWdodFwiOjAuMCxcIkJvdHRvbVwiOjAuMH0sXCJQYWRkaW5nXCI6e1wiJGlkXCI6XCIxNTVcIixcIlRvcFwiOjAuMCxcIkxlZnRcIjowLjAsXCJSaWdodFwiOjAuMCxcIkJvdHRvbVwiOjAuMH0sXCJCYWNrZ3JvdW5kXCI6e1wiJGlkXCI6XCIxNTZcIixcIkNvbG9yXCI6e1wiJHJlZlwiOlwiMzZcIn19LFwiSXNWaXNpYmxlXCI6dHJ1ZSxcIldpZHRoXCI6MC4wLFwiSGVpZ2h0XCI6MC4wLFwiQm9yZGVyU3R5bGVcIjpudWxsfSxcIkRhdGVGb3JtYXRcIjp7XCIkaWRcIjpcIjE1N1wiLFwiRm9ybWF0U3RyaW5nXCI6XCJNTU0gZFwiLFwiU2VwYXJhdG9yXCI6XCIvXCIsXCJVc2VJbnRlcm5hdGlvbmFsRGF0ZUZvcm1hdFwiOmZhbHNlLFwiRGF0ZUlzVmlzaWJsZVwiOnRydWUsXCJUaW1lSXNWaXNpYmxlXCI6ZmFsc2UsXCJIb3VyRGlnaXRzXCI6MSxcIkFtUG1EZXNpZ25hdG9yXCI6MixcIlRyaW0wME1pbnV0ZXNcIjpmYWxzZSxcIkxhc3RLbm93blZpc2liaWxpdHlTdGF0ZVwiOm51bGx9LFwiSXNWaXNpYmxlXCI6dHJ1ZX0sXCJTaG93RWxhcHNlZFRpbWVHcmFkaWVudFN0eWxlXCI6ZmFsc2UsXCJUaW1lYmFuZFJlc2VydmVkTGVmdEFyZWFTdHlsZVwiOm51bGwsXCJEZWZhdWx0U3dpbWxhbmVTdHlsZVwiOntcIiRpZFwiOlwiMTU4XCIsXCJIZWFkZXJTdHlsZVwiOntcIiRpZFwiOlwiMTU5XCIsXCJUZXh0U3R5bGVcIjp7XCIkaWRcIjpcIjE2MFwiLFwiRm9udFNldHRpbmdzXCI6e1wiJGlkXCI6XCIxNjFcIixcIkZvbnRTaXplXCI6MTIsXCJGb250TmFtZVwiOlwiQ2FsaWJyaVwiLFwiSXNCb2xkXCI6ZmFsc2UsXCJJc0l0YWxpY1wiOmZhbHNlLFwiSXNVbmRlcmxpbmVkXCI6ZmFsc2V9LFwiQXV0b1NpemVcIjowLFwiRm9yZWdyb3VuZFwiOntcIiRpZFwiOlwiMTYyXCIsXCJDb2xvclwiOntcIiRpZFwiOlwiMTYzXCIsXCJBXCI6MjU1LFwiUlwiOjMyLFwiR1wiOjU2LFwiQlwiOjEwMH19LFwiQmFja2dyb3VuZEZpbGxUeXBlXCI6MCxcIk1heFdpZHRoXCI6MC4wLFwiTWF4SGVpZ2h0XCI6MC4wLFwiU21hcnRGb3JlZ3JvdW5kSXNBY3RpdmVcIjpmYWxzZSxcIkhvcml6b250YWxBbGlnbm1lbnRcIjowLFwiVmVydGljYWxBbGlnbm1lbnRcIjowLFwiU21hcnRGb3JlZ3JvdW5kXCI6bnVsbCxcIk1hcmdpblwiOntcIiRpZFwiOlwiMTY0XCIsXCJUb3BcIjowLjAsXCJMZWZ0XCI6MC4wLFwiUmlnaHRcIjowLjAsXCJCb3R0b21cIjowLjB9LFwiUGFkZGluZ1wiOntcIiRpZFwiOlwiMTY1XCIsXCJUb3BcIjowLjAsXCJMZWZ0XCI6MC4wLFwiUmlnaHRcIjowLjAsXCJCb3R0b21cIjowLjB9LFwiQmFja2dyb3VuZFwiOm51bGwsXCJJc1Zpc2libGVcIjpmYWxzZSxcIldpZHRoXCI6MC4wLFwiSGVpZ2h0XCI6MC4wLFwiQm9yZGVyU3R5bGVcIjpudWxsfSxcIlJlY3RhbmdsZVN0eWxlXCI6e1wiJGlkXCI6XCIxNjZcIixcIk1hcmdpblwiOntcIiRpZFwiOlwiMTY3XCIsXCJUb3BcIjowLjAsXCJMZWZ0XCI6MC4wLFwiUmlnaHRcIjowLjAsXCJCb3R0b21cIjowLjB9LFwiUGFkZGluZ1wiOntcIiRpZFwiOlwiMTY4XCIsXCJUb3BcIjowLjAsXCJMZWZ0XCI6MC4wLFwiUmlnaHRcIjowLjAsXCJCb3R0b21cIjowLjB9LFwiQmFja2dyb3VuZFwiOntcIiRpZFwiOlwiMTY5XCIsXCJDb2xvclwiOntcIiRpZFwiOlwiMTcwXCIsXCJBXCI6MTI3LFwiUlwiOjkxLFwiR1wiOjE1NSxcIkJcIjoyMTN9fSxcIklzVmlzaWJsZVwiOmZhbHNlLFwiV2lkdGhcIjowLjAsXCJIZWlnaHRcIjowLjAsXCJCb3JkZXJTdHlsZVwiOntcIiRpZFwiOlwiMTcxXCIsXCJMaW5lQ29sb3JcIjp7XCIkaWRcIjpcIjE3MlwiLFwiJHR5cGVcIjpcIk5MUkUuQ29tbW9uLkRvbS5Tb2xpZENvbG9yQnJ1c2gsIE5MUkUuQ29tbW9uXCIsXCJDb2xvclwiOntcIiRpZFwiOlwiMTczXCIsXCJBXCI6MjU1LFwiUlwiOjI1NSxcIkdcIjowLFwiQlwiOjB9fSxcIkxpbmVXZWlnaHRcIjowLjAsXCJMaW5lVHlwZVwiOjB9fSxcIlRleHRJc1ZlcnRpY2FsXCI6ZmFsc2V9LFwiQmFja2dyb3VuZFN0eWxlXCI6e1wiJGlkXCI6XCIxNzRcIixcIk1hcmdpblwiOntcIiRpZFwiOlwiMTc1XCIsXCJUb3BcIjowLjAsXCJMZWZ0XCI6MC4wLFwiUmlnaHRcIjowLjAsXCJCb3R0b21cIjowLjB9LFwiUGFkZGluZ1wiOntcIiRpZFwiOlwiMTc2XCIsXCJUb3BcIjowLjAsXCJMZWZ0XCI6MC4wLFwiUmlnaHRcIjowLjAsXCJCb3R0b21cIjowLjB9LFwiQmFja2dyb3VuZFwiOntcIiRpZFwiOlwiMTc3XCIsXCJDb2xvclwiOntcIiRpZFwiOlwiMTc4XCIsXCJBXCI6MzgsXCJSXCI6OTEsXCJHXCI6MTU1LFwiQlwiOjIxM319LFwiSXNWaXNpYmxlXCI6dHJ1ZSxcIldpZHRoXCI6MC4wLFwiSGVpZ2h0XCI6MC4wLFwiQm9yZGVyU3R5bGVcIjp7XCIkaWRcIjpcIjE3OVwiLFwiTGluZUNvbG9yXCI6e1wiJGlkXCI6XCIxODBcIixcIiR0eXBlXCI6XCJOTFJFLkNvbW1vbi5Eb20uU29saWRDb2xvckJydXNoLCBOTFJFLkNvbW1vblwiLFwiQ29sb3JcIjp7XCIkaWRcIjpcIjE4MVwiLFwiQVwiOjI1NSxcIlJcIjoyNTUsXCJHXCI6MCxcIkJcIjowfX0sXCJMaW5lV2VpZ2h0XCI6MC4wLFwiTGluZVR5cGVcIjowfX0sXCJJc0Fib3ZlVGltZWJhbmRcIjpmYWxzZX0sXCJDdXN0b21NaWxlc3RvbmVTdHlsZUxpc3RcIjpbXSxcIkN1c3RvbVRhc2tTdHlsZUxpc3RcIjpbXSxcIkN1c3RvbVN3aW1sYW5lRGVmaW5pdGlvblN0eWxlTGlzdFwiOltdLFwiQ3VzdG9tU3dpbWxhbmVWMlN0eWxlTGlzdFwiOltdLFwiR3JpZGxpbmVQYW5lbFN0eWxlXCI6e1wiJGlkXCI6XCIxODJcIixcIkdyaWRsaW5lU3R5bGVcIjp7XCIkaWRcIjpcIjE4M1wiLFwiTGluZUNvbG9yXCI6e1wiJGlkXCI6XCIxODRcIixcIiR0eXBlXCI6XCJOTFJFLkNvbW1vbi5Eb20uU29saWRDb2xvckJydXNoLCBOTFJFLkNvbW1vblwiLFwiQ29sb3JcIjp7XCIkaWRcIjpcIjE4NVwiLFwiQVwiOjM4LFwiUlwiOjkxLFwiR1wiOjE1NSxcIkJcIjoyMTN9fSxcIkxpbmVXZWlnaHRcIjoxLjAsXCJMaW5lVHlwZVwiOjB9LFwiSXNWaXNpYmxlXCI6dHJ1ZX0sXCJBY3Rpdml0eUxpbmVQYW5lbFN0eWxlXCI6e1wiJGlkXCI6XCIxODZcIixcIkFjdGl2aXR5TGluZVN0eWxlXCI6e1wiJGlkXCI6XCIxODdcIixcIkxpbmVDb2xvclwiOntcIiRpZFwiOlwiMTg4XCIsXCIkdHlwZVwiOlwiTkxSRS5Db21tb24uRG9tLlNvbGlkQ29sb3JCcnVzaCwgTkxSRS5Db21tb25cIixcIkNvbG9yXCI6e1wiJGlkXCI6XCIxODlcIixcIkFcIjozOCxcIlJcIjo2OCxcIkdcIjoxMTQsXCJCXCI6MTk2fX0sXCJMaW5lV2VpZ2h0XCI6MS4wLFwiTGluZVR5cGVcIjowfSxcIklzVmlzaWJsZVwiOnRydWV9fSxcIlNjYWxlXCI6e1wiJGlkXCI6XCIxOTBcIixcIlN0YXJ0RGF0ZVwiOlwiMDAwMS0wMS0wMVQwMDowMDowMFwiLFwiRW5kRGF0ZVwiOlwiMDAwMS0wMS0wMVQwMDowMDowMFwiLFwiRm9ybWF0XCI6XCJ3XCIsXCJUeXBlXCI6MSxcIkF1dG9EYXRlUmFuZ2VcIjp0cnVlLFwiV29ya2luZ0RheXNcIjozMSxcIlRvZGF5TWFya2VyVGV4dFwiOlwiVG9kYXlcIixcIkF1dG9TY2FsZVR5cGVcIjp0cnVlfSxcIlNjYWxlVjJcIjp7XCIkaWRcIjpcIjE5MVwiLFwiU3RhcnREYXRlXCI6XCIwMDAxLTAxLTAxVDAwOjAwOjAwXCIsXCJFbmREYXRlXCI6XCIwMDAxLTAxLTAxVDAwOjAwOjAwXCIsXCJBdXRvRGF0ZVJhbmdlXCI6dHJ1ZSxcIldvcmtpbmdEYXlzXCI6MzEsXCJUb2RheU1hcmtlclRleHRcIjpcIlRvZGF5XCIsXCJBdXRvU2NhbGVUeXBlXCI6dHJ1ZSxcIlRpbWViYW5kU2NhbGVzXCI6e1wiJGlkXCI6XCIxOTJcIixcIlRvcFNjYWxlTGF5ZXJcIjp7XCIkaWRcIjpcIjE5M1wiLFwiRm9ybWF0XCI6XCJ3XCIsXCJUeXBlXCI6MX0sXCJNaWRkbGVTY2FsZUxheWVyXCI6e1wiJGlkXCI6XCIxOTRcIixcIkZvcm1hdFwiOm51bGwsXCJUeXBlXCI6MH0sXCJCb3R0b21TY2FsZUxheWVyXCI6e1wiJGlkXCI6XCIxOTVcIixcIkZvcm1hdFwiOm51bGwsXCJUeXBlXCI6MH19fSxcIk1pbGVzdG9uZXNcIjpbXSxcIlRhc2tzXCI6W10sXCJTd2ltbGFuZXNcIjpbXSxcIlN3aW1sYW5lc1YyXCI6W10sXCJTZXR0aW5nc1wiOntcIiRpZFwiOlwiMTk2XCIsXCJJbXBhT3B0aW9uc1wiOntcIiRpZFwiOlwiMTk3XCIsXCJMZWZ0VG9SaWdodFwiOmZhbHNlLFwiUGF5bG9hZE9wdGlvbnNcIjoyfX0sXCJUaW1lQ29uZmlndXJhdGlvblwiOntcIiRpZFwiOlwiMTk4XCIsXCJVc2VUaW1lXCI6ZmFsc2UsXCJXb3JrRGF5U3RhcnRcIjpcIjAwOjAwOjAwXCIsXCJXb3JrRGF5RW5kXCI6XCIyMzo1OTowMFwifX0ifSwiU2V0dGluZ3MiOnsiJGlkIjoiMzU2IiwiSW1wYU9wdGlvbnMiOnsiJGlkIjoiMzU3IiwiTGVmdFRvUmlnaHQiOmZhbHNlLCJQYXlsb2FkT3B0aW9ucyI6Mn0sIlVzZUNvbXByZXNzaW9uIjpmYWxzZSwiQ29tcHJlc2lvblBlcmNlbnRhZ2UiOjUwLjAsIkluYWN0aXZlSW50ZXJ2YWxXaWR0aFRocmVzaG9sZCI6MzAuMCwiSW5hY3RpdmVJbnRlcnZhbFdpZHRoIjoxLjAsIlNwbGl0VGFza3MiOmZhbHNlLCJVc2VDbHVzdGVyIjpmYWxzZSwiRXBzaWxvbiI6NS4wLCJNaW5Qb2ludHNUb0Zvcm1BQ2x1c3RlciI6MiwiR2VuZXJhdGVJbnZpc2libGVTaGFwZXMiOmZhbHNlLCJTbWFydFRpbWVsaW5lVGFza1BlcmNlbnRhZ2VGaXQiOmZhbHNlfSwiSXNOZXciOmZhbHNlLCJJbXBvcnRUeXBlIjowLCJGaWxlUGF0aCI6bnVsbCwiVGltZUNvbmZpZ3VyYXRpb24iOnsiJGlkIjoiMzU4IiwiVXNlVGltZSI6ZmFsc2UsIldvcmtEYXlTdGFydCI6IjAwOjAwOjAwIiwiV29ya0RheUVuZCI6IjIzOjU5OjAwIn0sIkxhc3RVc2VkVGVtcGxhdGVJZCI6ImNjMjZmODYzLTI3Y2UtNDgwZS1hNTg5LWIzZjEyZjJkNmViMCIsIkZpcnN0V2Vla09mWWVhciI6MCwiUGxhY2VNaWxlc3RvbmVBdFRoZUJlZ2lubmluZ09mVGhlRGF5IjpmYWxzZX0="/>
+  <p:tag name="__PART_0" val="eyIkaWQiOiIxIiwiX3N3aW1sYW5lc1YyIjpbXSwiQ3VsdHVyZUluZm9OYW1lIjoiZW4tVVMiLCJTdHlsZU5hbWUiOm51bGwsIlZlcnNpb24iOnsiJGlkIjoiMiIsIlZlcnNpb24iOiIzLjYuMSIsIk9yaWdpbmFsQXNzZW1ibHlWZXJzaW9uIjoiNi4wNC4wMS4wMCIsIkVkaXRpb24iOm51bGwsIkxhc3RTYXZlZEVkaXRpb24iOjAsIklzUGx1c0VkaXRpb24iOmZhbHNlLCJJc1Byb0VkaXRpb24iOmZhbHNlfSwiRWZmZWN0IjoxLCJTdHlsZSI6eyIkaWQiOiIzIiwiVGltZWJhbmRTdHlsZSI6eyIkaWQiOiI0IiwiU2NhbGVNYXJraW5nIjoxLCJTaGFwZSI6MCwiU2hhcGVTdHlsZSI6eyIkaWQiOiI1IiwiTWFyZ2luIjp7IiRpZCI6IjYiLCJUb3AiOjAuMCwiTGVmdCI6MTIuMCwiUmlnaHQiOjEyLjAsIkJvdHRvbSI6MC4wfSwiUGFkZGluZyI6eyIkaWQiOiI3IiwiVG9wIjo3LjAsIkxlZnQiOjAuMCwiUmlnaHQiOjAuMCwiQm90dG9tIjo3LjB9LCJCYWNrZ3JvdW5kIjp7IiRpZCI6IjgiLCJDb2xvciI6eyIkaWQiOiI5IiwiQSI6MjU1LCJSIjo2OCwiRyI6ODQsIkIiOjEwNn19LCJJc1Zpc2libGUiOnRydWUsIldpZHRoIjo4NTguMCwiSGVpZ2h0IjoyMC4wLCJCb3JkZXJTdHlsZSI6eyIkaWQiOiIxMCIsIkxpbmVDb2xvciI6eyIkaWQiOiIxMSIsIiR0eXBlIjoiTkxSRS5Db21tb24uRG9tLlNvbGlkQ29sb3JCcnVzaCwgTkxSRS5Db21tb24iLCJDb2xvciI6eyIkaWQiOiIxMiIsIkEiOjI1NSwiUiI6MjU1LCJHIjowLCJCIjowfX0sIkxpbmVXZWlnaHQiOjAuMCwiTGluZVR5cGUiOjAsIlBhcmVudFN0eWxlIjpudWxsfSwiUGFyZW50U3R5bGUiOm51bGx9LCJNaWRkbGVUaWVyU2hhcGVTdHlsZSI6eyIkaWQiOiIxMyIsIk1hcmdpbiI6eyIkaWQiOiIxNCIsIlRvcCI6MC4wLCJMZWZ0IjoxMi4wLCJSaWdodCI6MTIuMCwiQm90dG9tIjowLjB9LCJQYWRkaW5nIjp7IiRpZCI6IjE1IiwiVG9wIjo3LjAsIkxlZnQiOjAuMCwiUmlnaHQiOjAuMCwiQm90dG9tIjo3LjB9LCJCYWNrZ3JvdW5kIjp7IiRpZCI6IjE2IiwiQ29sb3IiOnsiJGlkIjoiMTciLCJBIjoyNTUsIlIiOjY4LCJHIjo4NCwiQiI6MTA2fX0sIklzVmlzaWJsZSI6dHJ1ZSwiV2lkdGgiOjg1OC4wLCJIZWlnaHQiOjIwLjAsIkJvcmRlclN0eWxlIjp7IiRpZCI6IjE4IiwiTGluZUNvbG9yIjp7IiRpZCI6IjE5IiwiJHR5cGUiOiJOTFJFLkNvbW1vbi5Eb20uU29saWRDb2xvckJydXNoLCBOTFJFLkNvbW1vbiIsIkNvbG9yIjp7IiRpZCI6IjIwIiwiQSI6MjU1LCJSIjoyNTUsIkciOjAsIkIiOjB9fSwiTGluZVdlaWdodCI6MC4wLCJMaW5lVHlwZSI6MCwiUGFyZW50U3R5bGUiOm51bGx9LCJQYXJlbnRTdHlsZSI6bnVsbH0sIkJvdHRvbVRpZXJTaGFwZVN0eWxlIjp7IiRpZCI6IjIxIiwiTWFyZ2luIjp7IiRpZCI6IjIyIiwiVG9wIjowLjAsIkxlZnQiOjEyLjAsIlJpZ2h0IjoxMi4wLCJCb3R0b20iOjAuMH0sIlBhZGRpbmciOnsiJGlkIjoiMjMiLCJUb3AiOjcuMCwiTGVmdCI6MC4wLCJSaWdodCI6MC4wLCJCb3R0b20iOjcuMH0sIkJhY2tncm91bmQiOnsiJGlkIjoiMjQiLCJDb2xvciI6eyIkaWQiOiIyNSIsIkEiOjI1NSwiUiI6NjgsIkciOjg0LCJCIjoxMDZ9fSwiSXNWaXNpYmxlIjp0cnVlLCJXaWR0aCI6ODU4LjAsIkhlaWdodCI6MjAuMCwiQm9yZGVyU3R5bGUiOnsiJGlkIjoiMjYiLCJMaW5lQ29sb3IiOnsiJGlkIjoiMjciLCIkdHlwZSI6Ik5MUkUuQ29tbW9uLkRvbS5Tb2xpZENvbG9yQnJ1c2gsIE5MUkUuQ29tbW9uIiwiQ29sb3IiOnsiJGlkIjoiMjgiLCJBIjoyNTUsIlIiOjI1NSwiRyI6MCwiQiI6MH19LCJMaW5lV2VpZ2h0IjowLjAsIkxpbmVUeXBlIjowLCJQYXJlbnRTdHlsZSI6bnVsbH0sIlBhcmVudFN0eWxlIjpudWxsfSwiUmlnaHRFbmRDYXBzU3R5bGUiOnsiJGlkIjoiMjkiLCJGb250U2V0dGluZ3MiOnsiJGlkIjoiMzAiLCJGb250U2l6ZSI6MTgsIkZvbnROYW1lIjoiQ2FsaWJyaSIsIklzQm9sZCI6dHJ1ZSwiSXNJdGFsaWMiOmZhbHNlLCJJc1VuZGVybGluZWQiOmZhbHNlLCJQYXJlbnRTdHlsZSI6bnVsbH0sIkF1dG9TaXplIjowLCJGb3JlZ3JvdW5kIjp7IiRpZCI6IjMxIiwiQ29sb3IiOnsiJGlkIjoiMzIiLCJBIjoyNTUsIlIiOjIzNywiRyI6MTI1LCJCIjo0OX19LCJNYXhXaWR0aCI6IkluZmluaXR5IiwiTWF4SGVpZ2h0IjoiSW5maW5pdHkiLCJTbWFydEZvcmVncm91bmRJc0FjdGl2ZSI6ZmFsc2UsIkhvcml6b250YWxBbGlnbm1lbnQiOjAsIlZlcnRpY2FsQWxpZ25tZW50IjowLCJTbWFydEZvcmVncm91bmQiOm51bGwsIkJhY2tncm91bmRGaWxsVHlwZSI6MCwiTWFyZ2luIjp7IiRpZCI6IjMzIiwiVG9wIjowLjAsIkxlZnQiOjAuMCwiUmlnaHQiOjIwLjAsIkJvdHRvbSI6MC4wfSwiUGFkZGluZyI6eyIkaWQiOiIzNCIsIlRvcCI6MC4wLCJMZWZ0IjowLjAsIlJpZ2h0IjowLjAsIkJvdHRvbSI6MC4wfSwiQmFja2dyb3VuZCI6eyIkaWQiOiIzNSIsIkNvbG9yIjp7IiRpZCI6IjM2IiwiQSI6ODksIlIiOjAsIkciOjAsIkIiOjB9fSwiSXNWaXNpYmxlIjp0cnVlLCJXaWR0aCI6MC4wLCJIZWlnaHQiOjAuMCwiQm9yZGVyU3R5bGUiOm51bGwsIlBhcmVudFN0eWxlIjpudWxsfSwiTGVmdEVuZENhcHNTdHlsZSI6eyIkaWQiOiIzNyIsIkZvbnRTZXR0aW5ncyI6eyIkaWQiOiIzOCIsIkZvbnRTaXplIjoxOCwiRm9udE5hbWUiOiJDYWxpYnJpIiwiSXNCb2xkIjp0cnVlLCJJc0l0YWxpYyI6ZmFsc2UsIklzVW5kZXJsaW5lZCI6ZmFsc2UsIlBhcmVudFN0eWxlIjpudWxsfSwiQXV0b1NpemUiOjAsIkZvcmVncm91bmQiOnsiJGlkIjoiMzkiLCJDb2xvciI6eyIkaWQiOiI0MCIsIkEiOjI1NSwiUiI6MjM3LCJHIjoxMjUsIkIiOjQ5fX0sIk1heFdpZHRoIjoiSW5maW5pdHkiLCJNYXhIZWlnaHQiOiJJbmZpbml0eSIsIlNtYXJ0Rm9yZWdyb3VuZElzQWN0aXZlIjpmYWxzZSwiSG9yaXpvbnRhbEFsaWdubWVudCI6MCwiVmVydGljYWxBbGlnbm1lbnQiOjAsIlNtYXJ0Rm9yZWdyb3VuZCI6bnVsbCwiQmFja2dyb3VuZEZpbGxUeXBlIjowLCJNYXJnaW4iOnsiJGlkIjoiNDEiLCJUb3AiOjAuMCwiTGVmdCI6NDIuNTA2NjY2NjY2NjY2NjYxLCJSaWdodCI6MC4wLCJCb3R0b20iOjAuMH0sIlBhZGRpbmciOnsiJGlkIjoiNDIiLCJUb3AiOjAuMCwiTGVmdCI6MC4wLCJSaWdodCI6MC4wLCJCb3R0b20iOjAuMH0sIkJhY2tncm91bmQiOnsiJGlkIjoiNDMiLCJDb2xvciI6eyIkcmVmIjoiMzYifX0sIklzVmlzaWJsZSI6ZmFsc2UsIldpZHRoIjowLjAsIkhlaWdodCI6MC4wLCJCb3JkZXJTdHlsZSI6bnVsbCwiUGFyZW50U3R5bGUiOm51bGx9LCJUb2RheVRleHRTdHlsZSI6eyIkaWQiOiI0NCIsIkZvbnRTZXR0aW5ncyI6eyIkaWQiOiI0NSIsIkZvbnRTaXplIjoxMiwiRm9udE5hbWUiOiJDYWxpYnJpIiwiSXNCb2xkIjpmYWxzZSwiSXNJdGFsaWMiOmZhbHNlLCJJc1VuZGVybGluZWQiOmZhbHNlLCJQYXJlbnRTdHlsZSI6bnVsbH0sIkF1dG9TaXplIjowLCJGb3JlZ3JvdW5kIjp7IiRpZCI6IjQ2IiwiQ29sb3IiOnsiJGlkIjoiNDciLCJBIjoyNTUsIlIiOjAsIkciOjAsIkIiOjB9fSwiTWF4V2lkdGgiOjIwMC4wLCJNYXhIZWlnaHQiOiJJbmZpbml0eSIsIlNtYXJ0Rm9yZWdyb3VuZElzQWN0aXZlIjpmYWxzZSwiSG9yaXpvbnRhbEFsaWdubWVudCI6MCwiVmVydGljYWxBbGlnbm1lbnQiOjAsIlNtYXJ0Rm9yZWdyb3VuZCI6bnVsbCwiQmFja2dyb3VuZEZpbGxUeXBlIjowLCJNYXJnaW4iOnsiJGlkIjoiNDgiLCJUb3AiOjAuMCwiTGVmdCI6MC4wLCJSaWdodCI6MC4wLCJCb3R0b20iOjAuMH0sIlBhZGRpbmciOnsiJGlkIjoiNDkiLCJUb3AiOjAuMCwiTGVmdCI6MC4wLCJSaWdodCI6MC4wLCJCb3R0b20iOjAuMH0sIkJhY2tncm91bmQiOnsiJGlkIjoiNTAiLCJDb2xvciI6eyIkcmVmIjoiMzYifX0sIklzVmlzaWJsZSI6dHJ1ZSwiV2lkdGgiOjAuMCwiSGVpZ2h0IjowLjAsIkJvcmRlclN0eWxlIjpudWxsLCJQYXJlbnRTdHlsZSI6bnVsbH0sIlRvZGF5TWFya2VyU3R5bGUiOnsiJGlkIjoiNTEiLCJNYXJnaW4iOnsiJGlkIjoiNTIiLCJUb3AiOjAuMCwiTGVmdCI6MC4wLCJSaWdodCI6MC4wLCJCb3R0b20iOjAuMH0sIlBhZGRpbmciOnsiJGlkIjoiNTMiLCJUb3AiOjAuMCwiTGVmdCI6MC4wLCJSaWdodCI6MC4wLCJCb3R0b20iOjAuMH0sIkJhY2tncm91bmQiOnsiJGlkIjoiNTQiLCJDb2xvciI6eyIkaWQiOiI1NSIsIkEiOjI1NSwiUiI6MjU1LCJHIjowLCJCIjowfX0sIklzVmlzaWJsZSI6dHJ1ZSwiV2lkdGgiOjAuMCwiSGVpZ2h0IjowLjAsIkJvcmRlclN0eWxlIjpudWxsLCJQYXJlbnRTdHlsZSI6bnVsbH0sIlNjYWxlU3R5bGUiOnsiJGlkIjoiNTYiLCJTaGFwZSI6MywiU2hvd1NlZ21lbnRTZXBhcmF0b3JzIjp0cnVlLCJTZWdtZW50U2VwYXJhdG9yT3BhY2l0eSI6MzAsIkhhc0JlZW5WaXNpYmxlQmVmb3JlIjp0cnVlLCJGb250U2V0dGluZ3MiOnsiJGlkIjoiNTciLCJGb250U2l6ZSI6MTIsIkZvbnROYW1lIjoiQ2FsaWJyaSIsIklzQm9sZCI6ZmFsc2UsIklzSXRhbGljIjpmYWxzZSwiSXNVbmRlcmxpbmVkIjpmYWxzZSwiUGFyZW50U3R5bGUiOm51bGx9LCJBdXRvU2l6ZSI6MCwiRm9yZWdyb3VuZCI6eyIkaWQiOiI1OCIsIkNvbG9yIjp7IiRpZCI6IjU5IiwiQSI6MjU1LCJSIjoyNTUsIkciOjI1NSwiQiI6MjU1fX0sIk1heFdpZHRoIjoyMDAuMCwiTWF4SGVpZ2h0IjoiSW5maW5pdHkiLCJTbWFydEZvcmVncm91bmRJc0FjdGl2ZSI6ZmFsc2UsIkhvcml6b250YWxBbGlnbm1lbnQiOjAsIlZlcnRpY2FsQWxpZ25tZW50IjoxLCJTbWFydEZvcmVncm91bmQiOm51bGwsIkJhY2tncm91bmRGaWxsVHlwZSI6MCwiTWFyZ2luIjp7IiRpZCI6IjYwIiwiVG9wIjowLjAsIkxlZnQiOjUuMCwiUmlnaHQiOjAuMCwiQm90dG9tIjowLjB9LCJQYWRkaW5nIjp7IiRpZCI6IjYxIiwiVG9wIjowLjAsIkxlZnQiOjAuMCwiUmlnaHQiOjAuMCwiQm90dG9tIjowLjB9LCJCYWNrZ3JvdW5kIjp7IiRpZCI6IjYyIiwiQ29sb3IiOnsiJHJlZiI6IjM2In19LCJJc1Zpc2libGUiOnRydWUsIldpZHRoIjowLjAsIkhlaWdodCI6MC4wLCJCb3JkZXJTdHlsZSI6bnVsbCwiUGFyZW50U3R5bGUiOm51bGx9LCJTaW5nbGVTY2FsZVNoYXBlU3R5bGUiOnsiJGlkIjoiNjMiLCJTaGFwZSI6MCwiSGVpZ2h0IjowLjB9LCJNaWRkbGVUaWVyU2NhbGVTdHlsZSI6eyIkaWQiOiI2NCIsIlNoYXBlIjozLCJTaG93U2VnbWVudFNlcGFyYXRvcnMiOnRydWUsIlNlZ21lbnRTZXBhcmF0b3JPcGFjaXR5IjozMCwiSGFzQmVlblZpc2libGVCZWZvcmUiOmZhbHNlLCJGb250U2V0dGluZ3MiOnsiJGlkIjoiNjUiLCJGb250U2l6ZSI6MTIsIkZvbnROYW1lIjoiQ2FsaWJyaSIsIklzQm9sZCI6ZmFsc2UsIklzSXRhbGljIjpmYWxzZSwiSXNVbmRlcmxpbmVkIjpmYWxzZSwiUGFyZW50U3R5bGUiOm51bGx9LCJBdXRvU2l6ZSI6MCwiRm9yZWdyb3VuZCI6eyIkaWQiOiI2NiIsIkNvbG9yIjp7IiRpZCI6IjY3IiwiQSI6MjU1LCJSIjoyNTUsIkciOjI1NSwiQiI6MjU1fX0sIk1heFdpZHRoIjoyMDAuMCwiTWF4SGVpZ2h0IjoiSW5maW5pdHkiLCJTbWFydEZvcmVncm91bmRJc0FjdGl2ZSI6ZmFsc2UsIkhvcml6b250YWxBbGlnbm1lbnQiOjAsIlZlcnRpY2FsQWxpZ25tZW50IjoxLCJTbWFydEZvcmVncm91bmQiOm51bGwsIkJhY2tncm91bmRGaWxsVHlwZSI6MCwiTWFyZ2luIjp7IiRpZCI6IjY4IiwiVG9wIjowLjAsIkxlZnQiOjUuMCwiUmlnaHQiOjAuMCwiQm90dG9tIjowLjB9LCJQYWRkaW5nIjp7IiRpZCI6IjY5IiwiVG9wIjowLjAsIkxlZnQiOjAuMCwiUmlnaHQiOjAuMCwiQm90dG9tIjowLjB9LCJCYWNrZ3JvdW5kIjp7IiRpZCI6IjcwIiwiQ29sb3IiOnsiJGlkIjoiNzEiLCJBIjowLCJSIjowLCJHIjowLCJCIjowfX0sIklzVmlzaWJsZSI6ZmFsc2UsIldpZHRoIjowLjAsIkhlaWdodCI6MC4wLCJCb3JkZXJTdHlsZSI6bnVsbCwiUGFyZW50U3R5bGUiOm51bGx9LCJCb3R0b21UaWVyU2NhbGVTdHlsZSI6eyIkaWQiOiI3MiIsIlNoYXBlIjozLCJTaG93U2VnbWVudFNlcGFyYXRvcnMiOnRydWUsIlNlZ21lbnRTZXBhcmF0b3JPcGFjaXR5IjozMCwiSGFzQmVlblZpc2libGVCZWZvcmUiOmZhbHNlLCJGb250U2V0dGluZ3MiOnsiJGlkIjoiNzMiLCJGb250U2l6ZSI6MTIsIkZvbnROYW1lIjoiQ2FsaWJyaSIsIklzQm9sZCI6ZmFsc2UsIklzSXRhbGljIjpmYWxzZSwiSXNVbmRlcmxpbmVkIjpmYWxzZSwiUGFyZW50U3R5bGUiOm51bGx9LCJBdXRvU2l6ZSI6MCwiRm9yZWdyb3VuZCI6eyIkaWQiOiI3NCIsIkNvbG9yIjp7IiRpZCI6Ijc1IiwiQSI6MjU1LCJSIjoyNTUsIkciOjI1NSwiQiI6MjU1fX0sIk1heFdpZHRoIjoyMDAuMCwiTWF4SGVpZ2h0IjoiSW5maW5pdHkiLCJTbWFydEZvcmVncm91bmRJc0FjdGl2ZSI6ZmFsc2UsIkhvcml6b250YWxBbGlnbm1lbnQiOjAsIlZlcnRpY2FsQWxpZ25tZW50IjoxLCJTbWFydEZvcmVncm91bmQiOm51bGwsIkJhY2tncm91bmRGaWxsVHlwZSI6MCwiTWFyZ2luIjp7IiRpZCI6Ijc2IiwiVG9wIjowLjAsIkxlZnQiOjUuMCwiUmlnaHQiOjAuMCwiQm90dG9tIjowLjB9LCJQYWRkaW5nIjp7IiRpZCI6Ijc3IiwiVG9wIjowLjAsIkxlZnQiOjAuMCwiUmlnaHQiOjAuMCwiQm90dG9tIjowLjB9LCJCYWNrZ3JvdW5kIjp7IiRpZCI6Ijc4IiwiQ29sb3IiOnsiJGlkIjoiNzkiLCJBIjowLCJSIjowLCJHIjowLCJCIjowfX0sIklzVmlzaWJsZSI6ZmFsc2UsIldpZHRoIjowLjAsIkhlaWdodCI6MC4wLCJCb3JkZXJTdHlsZSI6bnVsbCwiUGFyZW50U3R5bGUiOm51bGx9LCJFbGFwc2VkVGltZUJhY2tncm91bmQiOnsiJGlkIjoiODAiLCJDb2xvciI6eyIkaWQiOiI4MSIsIkEiOjE5MSwiUiI6MjU1LCJHIjowLCJCIjowfX0sIkFwcGVuZFllYXJPblllYXJDaGFuZ2UiOmZhbHNlLCJFbGFwc2VkVGltZUZvcm1hdCI6MiwiVG9kYXlNYXJrZXJQb3NpdGlvbiI6MiwiUXVpY2tQb3NpdGlvbiI6MiwiQWJzb2x1dGVQb3NpdGlvbiI6NDA1LjAsIk1hcmdpbiI6eyIkaWQiOiI4MiIsIlRvcCI6MC4wLCJMZWZ0IjoxMC4wLCJSaWdodCI6MTAuMCwiQm90dG9tIjowLjB9LCJQYWRkaW5nIjp7IiRpZCI6IjgzIiwiVG9wIjowLjAsIkxlZnQiOjAuMCwiUmlnaHQiOjAuMCwiQm90dG9tIjowLjB9LCJCYWNrZ3JvdW5kIjp7IiRpZCI6Ijg0IiwiQ29sb3IiOnsiJGlkIjoiODUiLCJBIjoyNTUsIlIiOjQ3LCJHIjo1NCwiQiI6MTUzfX0sIklzVmlzaWJsZSI6dHJ1ZSwiV2lkdGgiOjAuMCwiSGVpZ2h0IjowLjAsIkJvcmRlclN0eWxlIjpudWxsLCJQYXJlbnRTdHlsZSI6bnVsbH0sIkRlZmF1bHRNaWxlc3RvbmVTdHlsZSI6eyIkaWQiOiI4NiIsIlNoYXBlIjowLCJDb25uZWN0b3JNYXJnaW4iOnsiJGlkIjoiODciLCJUb3AiOjAuMCwiTGVmdCI6Mi4wLCJSaWdodCI6Mi4wLCJCb3R0b20iOjAuMH0sIkNvbm5lY3RvclN0eWxlIjp7IiRpZCI6Ijg4IiwiTGluZUNvbG9yIjp7IiRpZCI6Ijg5IiwiJHR5cGUiOiJOTFJFLkNvbW1vbi5Eb20uU29saWRDb2xvckJydXNoLCBOTFJFLkNvbW1vbiIsIkNvbG9yIjp7IiRpZCI6IjkwIiwiQSI6MTI3LCJSIjo3OSwiRyI6MTI5LCJCIjoxODl9fSwiTGluZVdlaWdodCI6MS4wLCJMaW5lVHlwZSI6MCwiUGFyZW50U3R5bGUiOm51bGx9LCJJc0JlbG93VGltZWJhbmQiOmZhbHNlLCJQb3NpdGlvbk9uVGFzayI6MCwiSGlkZURhdGUiOmZhbHNlLCJTaGFwZVNpemUiOjEsIlNwYWNpbmciOjEuMCwiUGFkZGluZyI6eyIkaWQiOiI5MSIsIlRvcCI6Ny4wLCJMZWZ0IjozLjAsIlJpZ2h0IjowLjAsIkJvdHRvbSI6Mi4wfSwiU2hhcGVTdHlsZSI6eyIkaWQiOiI5MiIsIk1hcmdpbiI6eyIkaWQiOiI5MyIsIlRvcCI6MC4wLCJMZWZ0IjowLjAsIlJpZ2h0IjowLjAsIkJvdHRvbSI6MC4wfSwiUGFkZGluZyI6eyIkaWQiOiI5NCIsIlRvcCI6MC4wLCJMZWZ0IjowLjAsIlJpZ2h0IjowLjAsIkJvdHRvbSI6MC4wfSwiQmFja2dyb3VuZCI6eyIkaWQiOiI5NSIsIkNvbG9yIjp7IiRpZCI6Ijk2IiwiQSI6MjU1LCJSIjowLCJHIjoxMTQsIkIiOjE4OH19LCJJc1Zpc2libGUiOnRydWUsIldpZHRoIjoxOC4wLCJIZWlnaHQiOjIwLjAsIkJvcmRlclN0eWxlIjp7IiRpZCI6Ijk3IiwiTGluZUNvbG9yIjp7IiRpZCI6Ijk4IiwiJHR5cGUiOiJOTFJFLkNvbW1vbi5Eb20uU29saWRDb2xvckJydXNoLCBOTFJFLkNvbW1vbiIsIkNvbG9yIjp7IiRpZCI6Ijk5IiwiQSI6MjU1LCJSIjoyNTUsIkciOjAsIkIiOjB9fSwiTGluZVdlaWdodCI6MC4wLCJMaW5lVHlwZSI6MCwiUGFyZW50U3R5bGUiOm51bGx9LCJQYXJlbnRTdHlsZSI6bnVsbH0sIlRpdGxlU3R5bGUiOnsiJGlkIjoiMTAwIiwiRm9udFNldHRpbmdzIjp7IiRpZCI6IjEwMSIsIkZvbnRTaXplIjoxMSwiRm9udE5hbWUiOiJDYWxpYnJpIiwiSXNCb2xkIjp0cnVlLCJJc0l0YWxpYyI6ZmFsc2UsIklzVW5kZXJsaW5lZCI6ZmFsc2UsIlBhcmVudFN0eWxlIjpudWxsfSwiQXV0b1NpemUiOjAsIkZvcmVncm91bmQiOnsiJGlkIjoiMTAyIiwiQ29sb3IiOnsiJGlkIjoiMTAzIiwiQSI6MjU1LCJSIjowLCJHIjowLCJCIjowfX0sIk1heFdpZHRoIjoyMDAuMCwiTWF4SGVpZ2h0IjoiSW5maW5pdHkiLCJTbWFydEZvcmVncm91bmRJc0FjdGl2ZSI6ZmFsc2UsIkhvcml6b250YWxBbGlnbm1lbnQiOjEsIlZlcnRpY2FsQWxpZ25tZW50IjowLCJTbWFydEZvcmVncm91bmQiOm51bGwsIkJhY2tncm91bmRGaWxsVHlwZSI6MCwiTWFyZ2luIjp7IiRpZCI6IjEwNCIsIlRvcCI6MC4wLCJMZWZ0IjowLjAsIlJpZ2h0IjowLjAsIkJvdHRvbSI6MC4wfSwiUGFkZGluZyI6eyIkaWQiOiIxMDUiLCJUb3AiOjAuMCwiTGVmdCI6MC4wLCJSaWdodCI6MC4wLCJCb3R0b20iOjAuMH0sIkJhY2tncm91bmQiOnsiJGlkIjoiMTA2IiwiQ29sb3IiOnsiJHJlZiI6IjM2In19LCJJc1Zpc2libGUiOnRydWUsIldpZHRoIjowLjAsIkhlaWdodCI6MC4wLCJCb3JkZXJTdHlsZSI6bnVsbCwiUGFyZW50U3R5bGUiOm51bGx9LCJEYXRlU3R5bGUiOnsiJGlkIjoiMTA3IiwiRm9udFNldHRpbmdzIjp7IiRpZCI6IjEwOCIsIkZvbnRTaXplIjoxMCwiRm9udE5hbWUiOiJDYWxpYnJpIiwiSXNCb2xkIjpmYWxzZSwiSXNJdGFsaWMiOmZhbHNlLCJJc1VuZGVybGluZWQiOmZhbHNlLCJQYXJlbnRTdHlsZSI6bnVsbH0sIkF1dG9TaXplIjowLCJGb3JlZ3JvdW5kIjp7IiRpZCI6IjEwOSIsIkNvbG9yIjp7IiRpZCI6IjExMCIsIkEiOjI1NSwiUiI6NjgsIkciOjg0LCJCIjoxMDZ9fSwiTWF4V2lkdGgiOjIwMC4wLCJNYXhIZWlnaHQiOiJJbmZpbml0eSIsIlNtYXJ0Rm9yZWdyb3VuZElzQWN0aXZlIjpmYWxzZSwiSG9yaXpvbnRhbEFsaWdubWVudCI6MCwiVmVydGljYWxBbGlnbm1lbnQiOjAsIlNtYXJ0Rm9yZWdyb3VuZCI6bnVsbCwiQmFja2dyb3VuZEZpbGxUeXBlIjowLCJNYXJnaW4iOnsiJGlkIjoiMTExIiwiVG9wIjowLjAsIkxlZnQiOjAuMCwiUmlnaHQiOjAuMCwiQm90dG9tIjowLjB9LCJQYWRkaW5nIjp7IiRpZCI6IjExMiIsIlRvcCI6MC4wLCJMZWZ0IjowLjAsIlJpZ2h0IjowLjAsIkJvdHRvbSI6MC4wfSwiQmFja2dyb3VuZCI6eyIkaWQiOiIxMTMiLCJDb2xvciI6eyIkcmVmIjoiMzYifX0sIklzVmlzaWJsZSI6dHJ1ZSwiV2lkdGgiOjAuMCwiSGVpZ2h0IjowLjAsIkJvcmRlclN0eWxlIjpudWxsLCJQYXJlbnRTdHlsZSI6bnVsbH0sIkRhdGVGb3JtYXQiOnsiJGlkIjoiMTE0IiwiRm9ybWF0U3RyaW5nIjoiTU1NIGQiLCJTZXBhcmF0b3IiOiIvIiwiVXNlSW50ZXJuYXRpb25hbERhdGVGb3JtYXQiOmZhbHNlLCJEYXRlSXNWaXNpYmxlIjp0cnVlLCJUaW1lSXNWaXNpYmxlIjpmYWxzZSwiSG91ckRpZ2l0cyI6MSwiQW1QbURlc2lnbmF0b3IiOjIsIlRyaW0wME1pbnV0ZXMiOmZhbHNlLCJMYXN0S25vd25WaXNpYmlsaXR5U3RhdGUiOm51bGx9LCJXZWVrTnVtYmVyaW5nIjp7IiRpZCI6IjExNSIsIkZvcm1hdCI6MCwiSXNWaXNpYmxlIjpmYWxzZSwiTGFzdEtub3duVmlzaWJpbGl0eVN0YXRlIjpmYWxzZX0sIklzVmlzaWJsZSI6dHJ1ZSwiUGFyZW50U3R5bGUiOm51bGx9LCJEZWZhdWx0VGFza1N0eWxlIjp7IiRpZCI6IjExNiIsIlNoYXBlIjowLCJTaGFwZVRoaWNrbmVzcyI6MSwiRHVyYXRpb25Gb3JtYXQiOjAsIkluY2x1ZGVOb25Xb3JraW5nRGF5c0luRHVyYXRpb24iOmZhbHNlLCJQZXJjZW50YWdlQ29tcGxldGVTdHlsZSI6eyIkaWQiOiIxMTciLCJGb250U2V0dGluZ3MiOnsiJGlkIjoiMTE4IiwiRm9udFNpemUiOjEwLCJGb250TmFtZSI6IkNhbGlicmkiLCJJc0JvbGQiOmZhbHNlLCJJc0l0YWxpYyI6ZmFsc2UsIklzVW5kZXJsaW5lZCI6ZmFsc2UsIlBhcmVudFN0eWxlIjpudWxsfSwiQXV0b1NpemUiOjAsIkZvcmVncm91bmQiOnsiJGlkIjoiMTE5IiwiQ29sb3IiOnsiJGlkIjoiMTIwIiwiQSI6MjU1LCJSIjoxOTIsIkciOjgwLCJCIjo3N319LCJNYXhXaWR0aCI6MjAwLjAsIk1heEhlaWdodCI6IkluZmluaXR5IiwiU21hcnRGb3JlZ3JvdW5kSXNBY3RpdmUiOmZhbHNlLCJIb3Jpem9udGFsQWxpZ25tZW50IjowLCJWZXJ0aWNhbEFsaWdubWVudCI6MCwiU21hcnRGb3JlZ3JvdW5kIjpudWxsLCJCYWNrZ3JvdW5kRmlsbFR5cGUiOjAsIk1hcmdpbiI6eyIkaWQiOiIxMjEiLCJUb3AiOjAuMCwiTGVmdCI6MC4wLCJSaWdodCI6MC4wLCJCb3R0b20iOjAuMH0sIlBhZGRpbmciOnsiJGlkIjoiMTIyIiwiVG9wIjowLjAsIkxlZnQiOjAuMCwiUmlnaHQiOjAuMCwiQm90dG9tIjowLjB9LCJCYWNrZ3JvdW5kIjp7IiRpZCI6IjEyMyIsIkNvbG9yIjp7IiRyZWYiOiIzNiJ9fSwiSXNWaXNpYmxlIjp0cnVlLCJXaWR0aCI6MC4wLCJIZWlnaHQiOjAuMCwiQm9yZGVyU3R5bGUiOm51bGwsIlBhcmVudFN0eWxlIjpudWxsfSwiRHVyYXRpb25TdHlsZSI6eyIkaWQiOiIxMjQiLCJGb250U2V0dGluZ3MiOnsiJGlkIjoiMTI1IiwiRm9udFNpemUiOjEwLCJGb250TmFtZSI6IkNhbGlicmkiLCJJc0JvbGQiOmZhbHNlLCJJc0l0YWxpYyI6ZmFsc2UsIklzVW5kZXJsaW5lZCI6ZmFsc2UsIlBhcmVudFN0eWxlIjpudWxsfSwiQXV0b1NpemUiOjAsIkZvcmVncm91bmQiOnsiJGlkIjoiMTI2IiwiQ29sb3IiOnsiJGlkIjoiMTI3IiwiQSI6MjU1LCJSIjowLCJHIjowLCJCIjowfX0sIk1heFdpZHRoIjoyMDAuMCwiTWF4SGVpZ2h0IjoiSW5maW5pdHkiLCJTbWFydEZvcmVncm91bmRJc0FjdGl2ZSI6ZmFsc2UsIkhvcml6b250YWxBbGlnbm1lbnQiOjEsIlZlcnRpY2FsQWxpZ25tZW50IjowLCJTbWFydEZvcmVncm91bmQiOm51bGwsIkJhY2tncm91bmRGaWxsVHlwZSI6MCwiTWFyZ2luIjp7IiRpZCI6IjEyOCIsIlRvcCI6MC4wLCJMZWZ0IjowLjAsIlJpZ2h0IjowLjAsIkJvdHRvbSI6MC4wfSwiUGFkZGluZyI6eyIkaWQiOiIxMjkiLCJUb3AiOjAuMCwiTGVmdCI6MC4wLCJSaWdodCI6MC4wLCJCb3R0b20iOjAuMH0sIkJhY2tncm91bmQiOnsiJGlkIjoiMTMwIiwiQ29sb3IiOnsiJHJlZiI6IjM2In19LCJJc1Zpc2libGUiOnRydWUsIldpZHRoIjowLjAsIkhlaWdodCI6MC4wLCJCb3JkZXJTdHlsZSI6bnVsbCwiUGFyZW50U3R5bGUiOm51bGx9LCJIb3Jpem9udGFsQ29ubmVjdG9yU3R5bGUiOnsiJGlkIjoiMTMxIiwiTGluZUNvbG9yIjp7IiRpZCI6IjEzMiIsIiR0eXBlIjoiTkxSRS5Db21tb24uRG9tLlNvbGlkQ29sb3JCcnVzaCwgTkxSRS5Db21tb24iLCJDb2xvciI6eyIkaWQiOiIxMzMiLCJBIjoyNTUsIlIiOjIwNCwiRyI6MjA0LCJCIjoyMDR9fSwiTGluZVdlaWdodCI6MS4wLCJMaW5lVHlwZSI6MCwiUGFyZW50U3R5bGUiOm51bGx9LCJWZXJ0aWNhbENvbm5lY3RvclN0eWxlIjp7IiRpZCI6IjEzNCIsIkxpbmVDb2xvciI6eyIkaWQiOiIxMzUiLCIkdHlwZSI6Ik5MUkUuQ29tbW9uLkRvbS5Tb2xpZENvbG9yQnJ1c2gsIE5MUkUuQ29tbW9uIiwiQ29sb3IiOnsiJGlkIjoiMTM2IiwiQSI6MjU1LCJSIjoyMDQsIkciOjIwNCwiQiI6MjA0fX0sIkxpbmVXZWlnaHQiOjAuMCwiTGluZVR5cGUiOjAsIlBhcmVudFN0eWxlIjpudWxsfSwiTWFyZ2luIjpudWxsLCJTdGFydERhdGVQb3NpdGlvbiI6MywiRW5kRGF0ZVBvc2l0aW9uIjozLCJEYXRlSXNWaXNpYmxlIjp0cnVlLCJUaXRsZVBvc2l0aW9uIjo0LCJEdXJhdGlvblBvc2l0aW9uIjoyLCJQZXJjZW50YWdlQ29tcGxldGVkUG9zaXRpb24iOjYsIlNwYWNpbmciOjUsIklzQmVsb3dUaW1lYmFuZCI6ZmFsc2UsIlBlcmNlbnRhZ2VDb21wbGV0ZVNoYXBlT3BhY2l0eSI6MzUsIlNoYXBlU3R5bGUiOnsiJGlkIjoiMTM3IiwiTWFyZ2luIjp7IiRpZCI6IjEzOCIsIlRvcCI6MC4wLCJMZWZ0Ijo0LjAsIlJpZ2h0Ijo0LjAsIkJvdHRvbSI6MC4wfSwiUGFkZGluZyI6eyIkaWQiOiIxMzkiLCJUb3AiOjAuMCwiTGVmdCI6MC4wLCJSaWdodCI6MC4wLCJCb3R0b20iOjAuMH0sIkJhY2tncm91bmQiOnsiJGlkIjoiMTQwIiwiQ29sb3IiOnsiJGlkIjoiMTQxIiwiQSI6MjU1LCJSIjowLCJHIjoxMTQsIkIiOjE4OH19LCJJc1Zpc2libGUiOnRydWUsIldpZHRoIjowLjAsIkhlaWdodCI6MTYuMCwiQm9yZGVyU3R5bGUiOnsiJGlkIjoiMTQyIiwiTGluZUNvbG9yIjp7IiRpZCI6IjE0MyIsIiR0eXBlIjoiTkxSRS5Db21tb24uRG9tLlNvbGlkQ29sb3JCcnVzaCwgTkxSRS5Db21tb24iLCJDb2xvciI6eyIkaWQiOiIxNDQiLCJBIjoyNTUsIlIiOjI1NSwiRyI6MCwiQiI6MH19LCJMaW5lV2VpZ2h0IjowLjAsIkxpbmVUeXBlIjowLCJQYXJlbnRTdHlsZSI6bnVsbH0sIlBhcmVudFN0eWxlIjpudWxsfSwiVGl0bGVTdHlsZSI6eyIkaWQiOiIxNDUiLCJGb250U2V0dGluZ3MiOnsiJGlkIjoiMTQ2IiwiRm9udFNpemUiOjEyLCJGb250TmFtZSI6IkNhbGlicmkiLCJJc0JvbGQiOnRydWUsIklzSXRhbGljIjpmYWxzZSwiSXNVbmRlcmxpbmVkIjpmYWxzZSwiUGFyZW50U3R5bGUiOm51bGx9LCJBdXRvU2l6ZSI6MCwiRm9yZWdyb3VuZCI6eyIkaWQiOiIxNDciLCJDb2xvciI6eyIkaWQiOiIxNDgiLCJBIjoyNTUsIlIiOjAsIkciOjAsIkIiOjB9fSwiTWF4V2lkdGgiOjk2MC4wLCJNYXhIZWlnaHQiOiJJbmZpbml0eSIsIlNtYXJ0Rm9yZWdyb3VuZElzQWN0aXZlIjpmYWxzZSwiSG9yaXpvbnRhbEFsaWdubWVudCI6MCwiVmVydGljYWxBbGlnbm1lbnQiOjAsIlNtYXJ0Rm9yZWdyb3VuZCI6bnVsbCwiQmFja2dyb3VuZEZpbGxUeXBlIjowLCJNYXJnaW4iOnsiJGlkIjoiMTQ5IiwiVG9wIjowLjAsIkxlZnQiOjAuMCwiUmlnaHQiOjAuMCwiQm90dG9tIjowLjB9LCJQYWRkaW5nIjp7IiRpZCI6IjE1MCIsIlRvcCI6MC4wLCJMZWZ0IjowLjAsIlJpZ2h0IjowLjAsIkJvdHRvbSI6MC4wfSwiQmFja2dyb3VuZCI6eyIkaWQiOiIxNTEiLCJDb2xvciI6eyIkcmVmIjoiMzYifX0sIklzVmlzaWJsZSI6dHJ1ZSwiV2lkdGgiOjAuMCwiSGVpZ2h0IjowLjAsIkJvcmRlclN0eWxlIjpudWxsLCJQYXJlbnRTdHlsZSI6bnVsbH0sIkRhdGVTdHlsZSI6eyIkaWQiOiIxNTIiLCJGb250U2V0dGluZ3MiOnsiJGlkIjoiMTUzIiwiRm9udFNpemUiOjEwLCJGb250TmFtZSI6IkNhbGlicmkiLCJJc0JvbGQiOmZhbHNlLCJJc0l0YWxpYyI6ZmFsc2UsIklzVW5kZXJsaW5lZCI6ZmFsc2UsIlBhcmVudFN0eWxlIjpudWxsfSwiQXV0b1NpemUiOjAsIkZvcmVncm91bmQiOnsiJGlkIjoiMTU0IiwiQ29sb3IiOnsiJGlkIjoiMTU1IiwiQSI6MjU1LCJSIjo2OCwiRyI6ODQsIkIiOjEwNn19LCJNYXhXaWR0aCI6MjAwLjAsIk1heEhlaWdodCI6IkluZmluaXR5IiwiU21hcnRGb3JlZ3JvdW5kSXNBY3RpdmUiOmZhbHNlLCJIb3Jpem9udGFsQWxpZ25tZW50IjoyLCJWZXJ0aWNhbEFsaWdubWVudCI6MCwiU21hcnRGb3JlZ3JvdW5kIjpudWxsLCJCYWNrZ3JvdW5kRmlsbFR5cGUiOjAsIk1hcmdpbiI6eyIkaWQiOiIxNTYiLCJUb3AiOjAuMCwiTGVmdCI6MC4wLCJSaWdodCI6MC4wLCJCb3R0b20iOjAuMH0sIlBhZGRpbmciOnsiJGlkIjoiMTU3IiwiVG9wIjowLjAsIkxlZnQiOjAuMCwiUmlnaHQiOjAuMCwiQm90dG9tIjowLjB9LCJCYWNrZ3JvdW5kIjp7IiRpZCI6IjE1OCIsIkNvbG9yIjp7IiRyZWYiOiIzNiJ9fSwiSXNWaXNpYmxlIjp0cnVlLCJXaWR0aCI6MC4wLCJIZWlnaHQiOjAuMCwiQm9yZGVyU3R5bGUiOm51bGwsIlBhcmVudFN0eWxlIjpudWxsfSwiRGF0ZUZvcm1hdCI6eyIkaWQiOiIxNTkiLCJGb3JtYXRTdHJpbmciOiJNTU0gZCIsIlNlcGFyYXRvciI6Ii8iLCJVc2VJbnRlcm5hdGlvbmFsRGF0ZUZvcm1hdCI6ZmFsc2UsIkRhdGVJc1Zpc2libGUiOnRydWUsIlRpbWVJc1Zpc2libGUiOmZhbHNlLCJIb3VyRGlnaXRzIjoxLCJBbVBtRGVzaWduYXRvciI6MiwiVHJpbTAwTWludXRlcyI6ZmFsc2UsIkxhc3RLbm93blZpc2liaWxpdHlTdGF0ZSI6bnVsbH0sIldlZWtOdW1iZXJpbmciOnsiJGlkIjoiMTYwIiwiRm9ybWF0IjowLCJJc1Zpc2libGUiOmZhbHNlLCJMYXN0S25vd25WaXNpYmlsaXR5U3RhdGUiOmZhbHNlfSwiSXNWaXNpYmxlIjp0cnVlLCJQYXJlbnRTdHlsZSI6bnVsbCwiX2V4cGxpY2l0bHlTZXQiOnsiJGlkIjoiMTYxIiwiU2hhcGVTdHlsZSI6ZmFsc2UsIlRpdGxlU3R5bGUiOmZhbHNlLCJEYXRlU3R5bGUiOmZhbHNlLCJIb3Jpem9udGFsQ29ubmVjdG9yU3R5bGUiOmZhbHNlLCJWZXJ0aWNhbENvbm5lY3RvclN0eWxlIjpmYWxzZSwiUGVyY2VudGFnZUNvbXBsZXRlU2hhcGVPcGFjaXR5IjpmYWxzZSwiU2hhcGUiOmZhbHNlLCJTaGFwZVRoaWNrbmVzcyI6ZmFsc2UsIkR1cmF0aW9uRm9ybWF0IjpmYWxzZSwiSW5jbHVkZU5vbldvcmtpbmdEYXlzSW5EdXJhdGlvbiI6ZmFsc2UsIk1hcmdpbiI6ZmFsc2UsIlN0YXJ0RGF0ZVBvc2l0aW9uIjpmYWxzZSwiRW5kRGF0ZVBvc2l0aW9uIjpmYWxzZSwiVGl0bGVQb3NpdGlvbiI6ZmFsc2UsIkR1cmF0aW9uUG9zaXRpb24iOmZhbHNlLCJQZXJjZW50YWdlQ29tcGxldGVkUG9zaXRpb24iOmZhbHNlLCJTcGFjaW5nIjpmYWxzZSwiSXNCZWxvd1RpbWViYW5kIjpmYWxzZSwiRGF0ZUZvcm1hdCI6ZmFsc2UsIldlZWtOdW1iZXJpbmciOmZhbHNlLCJJc1Zpc2libGUiOmZhbHNlfX0sIkdyaWRsaW5lUGFuZWxTdHlsZSI6eyIkaWQiOiIxNjIiLCJHcmlkbGluZVN0eWxlIjp7IiRpZCI6IjE2MyIsIkxpbmVDb2xvciI6eyIkaWQiOiIxNjQiLCIkdHlwZSI6Ik5MUkUuQ29tbW9uLkRvbS5Tb2xpZENvbG9yQnJ1c2gsIE5MUkUuQ29tbW9uIiwiQ29sb3IiOnsiJGlkIjoiMTY1IiwiQSI6MzgsIlIiOjkxLCJHIjoxNTUsIkIiOjIxM319LCJMaW5lV2VpZ2h0IjoxLjAsIkxpbmVUeXBlIjowLCJQYXJlbnRTdHlsZSI6bnVsbH0sIk1hcmdpbiI6eyIkaWQiOiIxNjYiLCJUb3AiOjAuMCwiTGVmdCI6MC4wLCJSaWdodCI6MC4wLCJCb3R0b20iOjAuMH0sIlBhZGRpbmciOnsiJGlkIjoiMTY3IiwiVG9wIjowLjAsIkxlZnQiOjAuMCwiUmlnaHQiOjAuMCwiQm90dG9tIjowLjB9LCJCYWNrZ3JvdW5kIjpudWxsLCJJc1Zpc2libGUiOnRydWUsIldpZHRoIjowLjAsIkhlaWdodCI6MC4wLCJCb3JkZXJTdHlsZSI6eyIkaWQiOiIxNjgiLCJMaW5lQ29sb3IiOm51bGwsIkxpbmVXZWlnaHQiOjAuMCwiTGluZVR5cGUiOjAsIlBhcmVudFN0eWxlIjpudWxsfSwiUGFyZW50U3R5bGUiOm51bGx9LCJBY3Rpdml0eUxpbmVQYW5lbFN0eWxlIjp7IiRpZCI6IjE2OSIsIkFjdGl2aXR5TGluZVN0eWxlIjp7IiRpZCI6IjE3MCIsIkxpbmVDb2xvciI6eyIkaWQiOiIxNzEiLCIkdHlwZSI6Ik5MUkUuQ29tbW9uLkRvbS5Tb2xpZENvbG9yQnJ1c2gsIE5MUkUuQ29tbW9uIiwiQ29sb3IiOnsiJGlkIjoiMTcyIiwiQSI6MzgsIlIiOjY4LCJHIjoxMTQsIkIiOjE5Nn19LCJMaW5lV2VpZ2h0IjoxLjAsIkxpbmVUeXBlIjowLCJQYXJlbnRTdHlsZSI6bnVsbH0sIk1hcmdpbiI6eyIkaWQiOiIxNzMiLCJUb3AiOjAuMCwiTGVmdCI6MC4wLCJSaWdodCI6MC4wLCJCb3R0b20iOjAuMH0sIlBhZGRpbmciOnsiJGlkIjoiMTc0IiwiVG9wIjowLjAsIkxlZnQiOjAuMCwiUmlnaHQiOjAuMCwiQm90dG9tIjowLjB9LCJCYWNrZ3JvdW5kIjpudWxsLCJJc1Zpc2libGUiOnRydWUsIldpZHRoIjowLjAsIkhlaWdodCI6MC4wLCJCb3JkZXJTdHlsZSI6eyIkaWQiOiIxNzUiLCJMaW5lQ29sb3IiOm51bGwsIkxpbmVXZWlnaHQiOjAuMCwiTGluZVR5cGUiOjAsIlBhcmVudFN0eWxlIjpudWxsfSwiUGFyZW50U3R5bGUiOm51bGx9LCJTaG93RWxhcHNlZFRpbWVHcmFkaWVudFN0eWxlIjpmYWxzZSwiVGltZWJhbmRSZXNlcnZlZExlZnRBcmVhU3R5bGUiOnsiJGlkIjoiMTc2IiwiQWN0aXZpdHlIZWFkZXJXaWR0aCI6MC4wLCJJc1NldCI6ZmFsc2V9LCJEZWZhdWx0U3dpbWxhbmVTdHlsZSI6bnVsbH0sIlNjYWxlIjpudWxsLCJTY2FsZVYyIjp7IiRpZCI6IjE3NyIsIlN0YXJ0RGF0ZSI6IjAwMDEtMDEtMDFUMDA6MDA6MDAiLCJFbmREYXRlIjoiMjAyMi0wOC0yNlQyMzo1OTowMCIsIkF1dG9EYXRlUmFuZ2UiOnRydWUsIldvcmtpbmdEYXlzIjozMSwiRmlzY2FsWWVhciI6eyIkaWQiOiIxNzgiLCJTdGFydE1vbnRoIjoxLCJVc2VTdGFydGluZ1llYXJGb3JOdW1iZXJpbmciOnRydWUsIlNob3dGaXNjYWxZZWFyTGFiZWwiOnRydWV9LCJUb2RheU1hcmtlclRleHQiOiJUb2RheSIsIkF1dG9TY2FsZVR5cGUiOnRydWUsIlRpbWViYW5kU2NhbGVzIjp7IiRpZCI6IjE3OSIsIlRvcFNjYWxlTGF5ZXIiOnsiJGlkIjoiMTgwIiwiRm9ybWF0IjoidyIsIlR5cGUiOjF9LCJNaWRkbGVTY2FsZUxheWVyIjp7IiRpZCI6IjE4MSIsIkZvcm1hdCI6bnVsbCwiVHlwZSI6MH0sIkJvdHRvbVNjYWxlTGF5ZXIiOnsiJGlkIjoiMTgyIiwiRm9ybWF0IjpudWxsLCJUeXBlIjowfX19LCJNaWxlc3RvbmVzIjpbXSwiVGFza3MiOlt7IiRpZCI6IjE4MyIsIkdyb3VwTmFtZSI6bnVsbCwiU3RhcnREYXRlIjoiMjAyMi0wNS0wMlQwMDowMDowMFoiLCJFbmREYXRlIjoiMjAyMi0wNS0wNFQyMzo1OTowMFoiLCJQZXJjZW50YWdlQ29tcGxldGUiOm51bGwsIlN0eWxlIjp7IiRpZCI6IjE4NCIsIlNoYXBlIjoxLCJTaGFwZVRoaWNrbmVzcyI6MSwiRHVyYXRpb25Gb3JtYXQiOjAsIkluY2x1ZGVOb25Xb3JraW5nRGF5c0luRHVyYXRpb24iOmZhbHNlLCJQZXJjZW50YWdlQ29tcGxldGVTdHlsZSI6eyIkaWQiOiIxODUiLCJGb250U2V0dGluZ3MiOnsiJGlkIjoiMTg2IiwiRm9udFNpemUiOjEwLCJGb250TmFtZSI6IkNhbGlicmkiLCJJc0JvbGQiOmZhbHNlLCJJc0l0YWxpYyI6ZmFsc2UsIklzVW5kZXJsaW5lZCI6ZmFsc2UsIlBhcmVudFN0eWxlIjpudWxsfSwiQXV0b1NpemUiOjAsIkZvcmVncm91bmQiOnsiJGlkIjoiMTg3IiwiQ29sb3IiOnsiJGlkIjoiMTg4IiwiQSI6MjU1LCJSIjoxOTIsIkciOjgwLCJCIjo3N319LCJNYXhXaWR0aCI6MjAwLjAsIk1heEhlaWdodCI6IkluZmluaXR5IiwiU21hcnRGb3JlZ3JvdW5kSXNBY3RpdmUiOmZhbHNlLCJIb3Jpem9udGFsQWxpZ25tZW50IjowLCJWZXJ0aWNhbEFsaWdubWVudCI6MCwiU21hcnRGb3JlZ3JvdW5kIjpudWxsLCJCYWNrZ3JvdW5kRmlsbFR5cGUiOjAsIk1hcmdpbiI6eyIkcmVmIjoiMTIxIn0sIlBhZGRpbmciOnsiJHJlZiI6IjEyMiJ9LCJCYWNrZ3JvdW5kIjp7IiRyZWYiOiIxMjMifSwiSXNWaXNpYmxlIjp0cnVlLCJXaWR0aCI6MC4wLCJIZWlnaHQiOjAuMCwiQm9yZGVyU3R5bGUiOnsiJGlkIjoiMTg5IiwiTGluZUNvbG9yIjpudWxsLCJMaW5lV2VpZ2h0IjowLjAsIkxpbmVUeXBlIjowLCJQYXJlbnRTdHlsZSI6bnVsbH0sIlBhcmVudFN0eWxlIjpudWxsfSwiRHVyYXRpb25TdHlsZSI6eyIkaWQiOiIxOTAiLCJGb250U2V0dGluZ3MiOnsiJGlkIjoiMTkxIiwiRm9udFNpemUiOjEwLCJGb250TmFtZSI6IkNhbGlicmkiLCJJc0JvbGQiOmZhbHNlLCJJc0l0YWxpYyI6ZmFsc2UsIklzVW5kZXJsaW5lZCI6ZmFsc2UsIlBhcmVudFN0eWxlIjpudWxsfSwiQXV0b1NpemUiOjAsIkZvcmVncm91bmQiOnsiJGlkIjoiMTkyIiwiQ29sb3IiOnsiJGlkIjoiMTkzIiwiQSI6MjU1LCJSIjowLCJHIjowLCJCIjowfX0sIk1heFdpZHRoIjoyMDAuMCwiTWF4SGVpZ2h0IjoiSW5maW5pdHkiLCJTbWFydEZvcmVncm91bmRJc0FjdGl2ZSI6ZmFsc2UsIkhvcml6b250YWxBbGlnbm1lbnQiOjIsIlZlcnRpY2FsQWxpZ25tZW50IjowLCJTbWFydEZvcmVncm91bmQiOm51bGwsIkJhY2tncm91bmRGaWxsVHlwZSI6MCwiTWFyZ2luIjp7IiRyZWYiOiIxMjgifSwiUGFkZGluZyI6eyIkcmVmIjoiMTI5In0sIkJhY2tncm91bmQiOnsiJGlkIjoiMTk0IiwiQ29sb3IiOnsiJGlkIjoiMTk1IiwiQSI6MCwiUiI6MjU1LCJHIjoyNTUsIkIiOjI1NX19LCJJc1Zpc2libGUiOnRydWUsIldpZHRoIjowLjAsIkhlaWdodCI6MC4wLCJCb3JkZXJTdHlsZSI6eyIkaWQiOiIxOTYiLCJMaW5lQ29sb3IiOm51bGwsIkxpbmVXZWlnaHQiOjAuMCwiTGluZVR5cGUiOjAsIlBhcmVudFN0eWxlIjpudWxsfSwiUGFyZW50U3R5bGUiOm51bGx9LCJIb3Jpem9udGFsQ29ubmVjdG9yU3R5bGUiOnsiJGlkIjoiMTk3IiwiTGluZUNvbG9yIjp7IiRyZWYiOiIxMzIifSwiTGluZVdlaWdodCI6MS4wLCJMaW5lVHlwZSI6MCwiUGFyZW50U3R5bGUiOm51bGx9LCJWZXJ0aWNhbENvbm5lY3RvclN0eWxlIjp7IiRpZCI6IjE5OCIsIkxpbmVDb2xvciI6eyIkcmVmIjoiMTM1In0sIkxpbmVXZWlnaHQiOjAuMCwiTGluZVR5cGUiOjAsIlBhcmVudFN0eWxlIjpudWxsfSwiTWFyZ2luIjpudWxsLCJTdGFydERhdGVQb3NpdGlvbiI6MiwiRW5kRGF0ZVBvc2l0aW9uIjoyLCJEYXRlSXNWaXNpYmxlIjp0cnVlLCJUaXRsZVBvc2l0aW9uIjo0LCJEdXJhdGlvblBvc2l0aW9uIjozLCJQZXJjZW50YWdlQ29tcGxldGVkUG9zaXRpb24iOjYsIlNwYWNpbmciOjUsIklzQmVsb3dUaW1lYmFuZCI6ZmFsc2UsIlBlcmNlbnRhZ2VDb21wbGV0ZVNoYXBlT3BhY2l0eSI6MzUsIlNoYXBlU3R5bGUiOnsiJGlkIjoiMTk5IiwiTWFyZ2luIjp7IiRyZWYiOiIxMzgifSwiUGFkZGluZyI6eyIkcmVmIjoiMTM5In0sIkJhY2tncm91bmQiOnsiJGlkIjoiMjAwIiwiQ29sb3IiOnsiJGlkIjoiMjAxIiwiQSI6MjU1LCJSIjoxOTIsIkciOjE1OCwiQiI6MjI2fX0sIklzVmlzaWJsZSI6dHJ1ZSwiV2lkdGgiOjAuMCwiSGVpZ2h0IjoxNi4wLCJCb3JkZXJTdHlsZSI6eyIkaWQiOiIyMDIiLCJMaW5lQ29sb3IiOnsiJGlkIjoiMjAzIiwiJHR5cGUiOiJOTFJFLkNvbW1vbi5Eb20uU29saWRDb2xvckJydXNoLCBOTFJFLkNvbW1vbiIsIkNvbG9yIjp7IiRpZCI6IjIwNCIsIkEiOjI1NSwiUiI6MjU1LCJHIjowLCJCIjowfX0sIkxpbmVXZWlnaHQiOjAuMCwiTGluZVR5cGUiOjAsIlBhcmVudFN0eWxlIjpudWxsfSwiUGFyZW50U3R5bGUiOm51bGx9LCJUaXRsZVN0eWxlIjp7IiRpZCI6IjIwNSIsIkZvbnRTZXR0aW5ncyI6eyIkaWQiOiIyMDYiLCJGb250U2l6ZSI6MTIsIkZvbnROYW1lIjoiQ2FsaWJyaSIsIklzQm9sZCI6dHJ1ZSwiSXNJdGFsaWMiOmZhbHNlLCJJc1VuZGVybGluZWQiOmZhbHNlLCJQYXJlbnRTdHlsZSI6bnVsbH0sIkF1dG9TaXplIjowLCJGb3JlZ3JvdW5kIjp7IiRpZCI6IjIwNyIsIkNvbG9yIjp7IiRpZCI6IjIwOCIsIkEiOjI1NSwiUiI6MCwiRyI6MCwiQiI6MH19LCJNYXhXaWR0aCI6NzIwLjAsIk1heEhlaWdodCI6IkluZmluaXR5IiwiU21hcnRGb3JlZ3JvdW5kSXNBY3RpdmUiOmZhbHNlLCJIb3Jpem9udGFsQWxpZ25tZW50IjowLCJWZXJ0aWNhbEFsaWdubWVudCI6MCwiU21hcnRGb3JlZ3JvdW5kIjpudWxsLCJCYWNrZ3JvdW5kRmlsbFR5cGUiOjAsIk1hcmdpbiI6eyIkcmVmIjoiMTQ5In0sIlBhZGRpbmciOnsiJHJlZiI6IjE1MCJ9LCJCYWNrZ3JvdW5kIjp7IiRpZCI6IjIwOSIsIkNvbG9yIjp7IiRpZCI6IjIxMCIsIkEiOjAsIlIiOjI1NSwiRyI6MjU1LCJCIjoyNTV9fSwiSXNWaXNpYmxlIjp0cnVlLCJXaWR0aCI6MC4wLCJIZWlnaHQiOjAuMCwiQm9yZGVyU3R5bGUiOnsiJGlkIjoiMjExIiwiTGluZUNvbG9yIjpudWxsLCJMaW5lV2VpZ2h0IjowLjAsIkxpbmVUeXBlIjowLCJQYXJlbnRTdHlsZSI6bnVsbH0sIlBhcmVudFN0eWxlIjpudWxsfSwiRGF0ZVN0eWxlIjp7IiRpZCI6IjIxMiIsIkZvbnRTZXR0aW5ncyI6eyIkaWQiOiIyMTMiLCJGb250U2l6ZSI6MTAsIkZvbnROYW1lIjoiQ2FsaWJyaSIsIklzQm9sZCI6ZmFsc2UsIklzSXRhbGljIjpmYWxzZSwiSXNVbmRlcmxpbmVkIjpmYWxzZSwiUGFyZW50U3R5bGUiOm51bGx9LCJBdXRvU2l6ZSI6MCwiRm9yZWdyb3VuZCI6eyIkaWQiOiIyMTQiLCJDb2xvciI6eyIkaWQiOiIyMTUiLCJBIjoyNTUsIlIiOjY4LCJHIjo4NCwiQiI6MTA2fX0sIk1heFdpZHRoIjoyMDAuMCwiTWF4SGVpZ2h0IjoiSW5maW5pdHkiLCJTbWFydEZvcmVncm91bmRJc0FjdGl2ZSI6ZmFsc2UsIkhvcml6b250YWxBbGlnbm1lbnQiOjEsIlZlcnRpY2FsQWxpZ25tZW50IjowLCJTbWFydEZvcmVncm91bmQiOm51bGwsIkJhY2tncm91bmRGaWxsVHlwZSI6MCwiTWFyZ2luIjp7IiRyZWYiOiIxNTYifSwiUGFkZGluZyI6eyIkcmVmIjoiMTU3In0sIkJhY2tncm91bmQiOnsiJGlkIjoiMjE2IiwiQ29sb3IiOnsiJGlkIjoiMjE3IiwiQSI6MCwiUiI6MjU1LCJHIjoyNTUsIkIiOjI1NX19LCJJc1Zpc2libGUiOnRydWUsIldpZHRoIjowLjAsIkhlaWdodCI6MC4wLCJCb3JkZXJTdHlsZSI6eyIkaWQiOiIyMTgiLCJMaW5lQ29sb3IiOm51bGwsIkxpbmVXZWlnaHQiOjAuMCwiTGluZVR5cGUiOjAsIlBhcmVudFN0eWxlIjpudWxsfSwiUGFyZW50U3R5bGUiOm51bGx9LCJEYXRlRm9ybWF0Ijp7IiRpZCI6IjIxOSIsIkZvcm1hdFN0cmluZyI6Ik1NTSBkIiwiU2VwYXJhdG9yIjoiLyIsIlVzZUludGVybmF0aW9uYWxEYXRlRm9ybWF0IjpmYWxzZSwiRGF0ZUlzVmlzaWJsZSI6dHJ1ZSwiVGltZUlzVmlzaWJsZSI6ZmFsc2UsIkhvdXJEaWdpdHMiOjEsIkFtUG1EZXNpZ25hdG9yIjoyLCJUcmltMDBNaW51dGVzIjpmYWxzZSwiTGFzdEtub3duVmlzaWJpbGl0eVN0YXRlIjpudWxsfSwiV2Vla051bWJlcmluZyI6eyIkaWQiOiIyMjAiLCJGb3JtYXQiOjAsIklzVmlzaWJsZSI6ZmFsc2UsIkxhc3RLbm93blZpc2liaWxpdHlTdGF0ZSI6ZmFsc2V9LCJJc1Zpc2libGUiOnRydWUsIlBhcmVudFN0eWxlIjpudWxsfSwiSW5kZXgiOjAsIlNtYXJ0RHVyYXRpb25BY3RpdmF0ZWQiOmZhbHNlLCJEYXRlRm9ybWF0Ijp7IiRyZWYiOiIyMTkifSwiV2Vla051bWJlcmluZyI6eyIkaWQiOiIyMjEiLCJGb3JtYXQiOjAsIklzVmlzaWJsZSI6ZmFsc2UsIkxhc3RLbm93blZpc2liaWxpdHlTdGF0ZSI6ZmFsc2V9LCJJZCI6IjkzZWUxNTBjLTlkN2ItNGVlMC1iODFkLTc3MmQ4MjFiZjgwYiIsIkltcG9ydElkIjpudWxsLCJUaXRsZSI6IkZpbmQgbGFyZ2VyIGV4YW1wbGUgUlJCUyBkYXRhIHNldCIsIk5vdGUiOm51bGwsIkh5cGVybGluayI6eyIkaWQiOiIyMjIiLCJBZGRyZXNzIjpudWxsLCJTdWJBZGRyZXNzIjpudWxsfSwiSXNDaGFuZ2VkIjpmYWxzZSwiSXNOZXciOmZhbHNlfSx7IiRpZCI6IjIyMyIsIkdyb3VwTmFtZSI6bnVsbCwiU3RhcnREYXRlIjoiMjAyMi0wNS0wMlQwMDowMDowMFoiLCJFbmREYXRlIjoiMjAyMi0wNS0wNlQyMzo1OTowMFoiLCJQZXJjZW50YWdlQ29tcGxldGUiOm51bGwsIlN0eWxlIjp7IiRpZCI6IjIyNCIsIlNoYXBlIjoxLCJTaGFwZVRoaWNrbmVzcyI6MSwiRHVyYXRpb25Gb3JtYXQiOjAsIkluY2x1ZGVOb25Xb3JraW5nRGF5c0luRHVyYXRpb24iOmZhbHNlLCJQZXJjZW50YWdlQ29tcGxldGVTdHlsZSI6eyIkaWQiOiIyMjUiLCJGb250U2V0dGluZ3MiOnsiJGlkIjoiMjI2IiwiRm9udFNpemUiOjEwLCJGb250TmFtZSI6IkNhbGlicmkiLCJJc0JvbGQiOmZhbHNlLCJJc0l0YWxpYyI6ZmFsc2UsIklzVW5kZXJsaW5lZCI6ZmFsc2UsIlBhcmVudFN0eWxlIjpudWxsfSwiQXV0b1NpemUiOjAsIkZvcmVncm91bmQiOnsiJGlkIjoiMjI3IiwiQ29sb3IiOnsiJGlkIjoiMjI4IiwiQSI6MjU1LCJSIjoxOTIsIkciOjgwLCJCIjo3N319LCJNYXhXaWR0aCI6MjAwLjAsIk1heEhlaWdodCI6IkluZmluaXR5IiwiU21hcnRGb3JlZ3JvdW5kSXNBY3RpdmUiOmZhbHNlLCJIb3Jpem9udGFsQWxpZ25tZW50IjowLCJWZXJ0aWNhbEFsaWdubWVudCI6MCwiU21hcnRGb3JlZ3JvdW5kIjpudWxsLCJCYWNrZ3JvdW5kRmlsbFR5cGUiOjAsIk1hcmdpbiI6eyIkcmVmIjoiMTIxIn0sIlBhZGRpbmciOnsiJHJlZiI6IjEyMiJ9LCJCYWNrZ3JvdW5kIjp7IiRyZWYiOiIxMjMifSwiSXNWaXNpYmxlIjp0cnVlLCJXaWR0aCI6MC4wLCJIZWlnaHQiOjAuMCwiQm9yZGVyU3R5bGUiOnsiJGlkIjoiMjI5IiwiTGluZUNvbG9yIjpudWxsLCJMaW5lV2VpZ2h0IjowLjAsIkxpbmVUeXBlIjowLCJQYXJlbnRTdHlsZSI6bnVsbH0sIlBhcmVudFN0eWxlIjpudWxsfSwiRHVyYXRpb25TdHlsZSI6eyIkaWQiOiIyMzAiLCJGb250U2V0dGluZ3MiOnsiJGlkIjoiMjMxIiwiRm9udFNpemUiOjEwLCJGb250TmFtZSI6IkNhbGlicmkiLCJJc0JvbGQiOmZhbHNlLCJJc0l0YWxpYyI6ZmFsc2UsIklzVW5kZXJsaW5lZCI6ZmFsc2UsIlBhcmVudFN0eWxlIjpudWxsfSwiQXV0b1NpemUiOjAsIkZvcmVncm91bmQiOnsiJHJlZiI6IjEyNiJ9LCJNYXhXaWR0aCI6MjAwLjAsIk1heEhlaWdodCI6IkluZmluaXR5IiwiU21hcnRGb3JlZ3JvdW5kSXNBY3RpdmUiOmZhbHNlLCJIb3Jpem9udGFsQWxpZ25tZW50IjoxLCJWZXJ0aWNhbEFsaWdubWVudCI6MCwiU21hcnRGb3JlZ3JvdW5kIjpudWxsLCJCYWNrZ3JvdW5kRmlsbFR5cGUiOjAsIk1hcmdpbiI6eyIkcmVmIjoiMTI4In0sIlBhZGRpbmciOnsiJHJlZiI6IjEyOSJ9LCJCYWNrZ3JvdW5kIjp7IiRyZWYiOiIxMzAifSwiSXNWaXNpYmxlIjp0cnVlLCJXaWR0aCI6MC4wLCJIZWlnaHQiOjAuMCwiQm9yZGVyU3R5bGUiOnsiJGlkIjoiMjMyIiwiTGluZUNvbG9yIjpudWxsLCJMaW5lV2VpZ2h0IjowLjAsIkxpbmVUeXBlIjowLCJQYXJlbnRTdHlsZSI6bnVsbH0sIlBhcmVudFN0eWxlIjpudWxsfSwiSG9yaXpvbnRhbENvbm5lY3RvclN0eWxlIjp7IiRpZCI6IjIzMyIsIkxpbmVDb2xvciI6eyIkcmVmIjoiMTMyIn0sIkxpbmVXZWlnaHQiOjEuMCwiTGluZVR5cGUiOjAsIlBhcmVudFN0eWxlIjpudWxsfSwiVmVydGljYWxDb25uZWN0b3JTdHlsZSI6eyIkaWQiOiIyMzQiLCJMaW5lQ29sb3IiOnsiJHJlZiI6IjEzNSJ9LCJMaW5lV2VpZ2h0IjowLjAsIkxpbmVUeXBlIjowLCJQYXJlbnRTdHlsZSI6bnVsbH0sIk1hcmdpbiI6bnVsbCwiU3RhcnREYXRlUG9zaXRpb24iOjMsIkVuZERhdGVQb3NpdGlvbiI6MywiRGF0ZUlzVmlzaWJsZSI6dHJ1ZSwiVGl0bGVQb3NpdGlvbiI6NCwiRHVyYXRpb25Qb3NpdGlvbiI6MiwiUGVyY2VudGFnZUNvbXBsZXRlZFBvc2l0aW9uIjo2LCJTcGFjaW5nIjo1LCJJc0JlbG93VGltZWJhbmQiOmZhbHNlLCJQZXJjZW50YWdlQ29tcGxldGVTaGFwZU9wYWNpdHkiOjM1LCJTaGFwZVN0eWxlIjp7IiRpZCI6IjIzNSIsIk1hcmdpbiI6eyIkcmVmIjoiMTM4In0sIlBhZGRpbmciOnsiJHJlZiI6IjEzOSJ9LCJCYWNrZ3JvdW5kIjp7IiRpZCI6IjIzNiIsIkNvbG9yIjp7IiRpZCI6IjIzNyIsIkEiOjI1NSwiUiI6MTM5LCJHIjoyMTgsIkIiOjIzM319LCJJc1Zpc2libGUiOnRydWUsIldpZHRoIjowLjAsIkhlaWdodCI6MTYuMCwiQm9yZGVyU3R5bGUiOnsiJGlkIjoiMjM4IiwiTGluZUNvbG9yIjp7IiRyZWYiOiIxNDMifSwiTGluZVdlaWdodCI6MC4wLCJMaW5lVHlwZSI6MCwiUGFyZW50U3R5bGUiOm51bGx9LCJQYXJlbnRTdHlsZSI6bnVsbH0sIlRpdGxlU3R5bGUiOnsiJGlkIjoiMjM5IiwiRm9udFNldHRpbmdzIjp7IiRpZCI6IjI0MCIsIkZvbnRTaXplIjoxMiwiRm9udE5hbWUiOiJDYWxpYnJpIiwiSXNCb2xkIjp0cnVlLCJJc0l0YWxpYyI6ZmFsc2UsIklzVW5kZXJsaW5lZCI6ZmFsc2UsIlBhcmVudFN0eWxlIjpudWxsfSwiQXV0b1NpemUiOjAsIkZvcmVncm91bmQiOnsiJHJlZiI6IjE0NyJ9LCJNYXhXaWR0aCI6NzIwLjAsIk1heEhlaWdodCI6IkluZmluaXR5IiwiU21hcnRGb3JlZ3JvdW5kSXNBY3RpdmUiOmZhbHNlLCJIb3Jpem9udGFsQWxpZ25tZW50IjowLCJWZXJ0aWNhbEFsaWdubWVudCI6MCwiU21hcnRGb3JlZ3JvdW5kIjpudWxsLCJCYWNrZ3JvdW5kRmlsbFR5cGUiOjAsIk1hcmdpbiI6eyIkcmVmIjoiMTQ5In0sIlBhZGRpbmciOnsiJHJlZiI6IjE1MCJ9LCJCYWNrZ3JvdW5kIjp7IiRyZWYiOiIxNTEifSwiSXNWaXNpYmxlIjp0cnVlLCJXaWR0aCI6MC4wLCJIZWlnaHQiOjAuMCwiQm9yZGVyU3R5bGUiOnsiJGlkIjoiMjQxIiwiTGluZUNvbG9yIjpudWxsLCJMaW5lV2VpZ2h0IjowLjAsIkxpbmVUeXBlIjowLCJQYXJlbnRTdHlsZSI6bnVsbH0sIlBhcmVudFN0eWxlIjpudWxsfSwiRGF0ZVN0eWxlIjp7IiRpZCI6IjI0MiIsIkZvbnRTZXR0aW5ncyI6eyIkaWQiOiIyNDMiLCJGb250U2l6ZSI6MTAsIkZvbnROYW1lIjoiQ2FsaWJyaSIsIklzQm9sZCI6ZmFsc2UsIklzSXRhbGljIjpmYWxzZSwiSXNVbmRlcmxpbmVkIjpmYWxzZSwiUGFyZW50U3R5bGUiOm51bGx9LCJBdXRvU2l6ZSI6MCwiRm9yZWdyb3VuZCI6eyIkcmVmIjoiMTU0In0sIk1heFdpZHRoIjoyMDAuMCwiTWF4SGVpZ2h0IjoiSW5maW5pdHkiLCJTbWFydEZvcmVncm91bmRJc0FjdGl2ZSI6ZmFsc2UsIkhvcml6b250YWxBbGlnbm1lbnQiOjIsIlZlcnRpY2FsQWxpZ25tZW50IjowLCJTbWFydEZvcmVncm91bmQiOm51bGwsIkJhY2tncm91bmRGaWxsVHlwZSI6MCwiTWFyZ2luIjp7IiRyZWYiOiIxNTYifSwiUGFkZGluZyI6eyIkcmVmIjoiMTU3In0sIkJhY2tncm91bmQiOnsiJHJlZiI6IjE1OCJ9LCJJc1Zpc2libGUiOnRydWUsIldpZHRoIjowLjAsIkhlaWdodCI6MC4wLCJCb3JkZXJTdHlsZSI6eyIkaWQiOiIyNDQiLCJMaW5lQ29sb3IiOm51bGwsIkxpbmVXZWlnaHQiOjAuMCwiTGluZVR5cGUiOjAsIlBhcmVudFN0eWxlIjpudWxsfSwiUGFyZW50U3R5bGUiOm51bGx9LCJEYXRlRm9ybWF0Ijp7IiRyZWYiOiIxNTkifSwiV2Vla051bWJlcmluZyI6eyIkaWQiOiIyNDUiLCJGb3JtYXQiOjAsIklzVmlzaWJsZSI6ZmFsc2UsIkxhc3RLbm93blZpc2liaWxpdHlTdGF0ZSI6ZmFsc2V9LCJJc1Zpc2libGUiOnRydWUsIlBhcmVudFN0eWxlIjpudWxsfSwiSW5kZXgiOjEsIlNtYXJ0RHVyYXRpb25BY3RpdmF0ZWQiOmZhbHNlLCJEYXRlRm9ybWF0Ijp7IiRyZWYiOiIxNTkifSwiV2Vla051bWJlcmluZyI6eyIkaWQiOiIyNDYiLCJGb3JtYXQiOjAsIklzVmlzaWJsZSI6ZmFsc2UsIkxhc3RLbm93blZpc2liaWxpdHlTdGF0ZSI6ZmFsc2V9LCJJZCI6IjAxZGNkYmVmLTY4YTktNGRlZC05MTE5LTE4MTk4ZDBlMTVmZCIsIkltcG9ydElkIjpudWxsLCJUaXRsZSI6IlBvbGlzaCBpbnRybyBzZWN0aW9uIiwiTm90ZSI6bnVsbCwiSHlwZXJsaW5rIjp7IiRpZCI6IjI0NyIsIkFkZHJlc3MiOm51bGwsIlN1YkFkZHJlc3MiOm51bGx9LCJJc0NoYW5nZWQiOmZhbHNlLCJJc05ldyI6ZmFsc2V9LHsiJGlkIjoiMjQ4IiwiR3JvdXBOYW1lIjpudWxsLCJTdGFydERhdGUiOiIyMDIyLTA1LTA5VDAwOjAwOjAwWiIsIkVuZERhdGUiOiIyMDIyLTA1LTE2VDIzOjU5OjAwWiIsIlBlcmNlbnRhZ2VDb21wbGV0ZSI6bnVsbCwiU3R5bGUiOnsiJGlkIjoiMjQ5IiwiU2hhcGUiOjEsIlNoYXBlVGhpY2tuZXNzIjoxLCJEdXJhdGlvbkZvcm1hdCI6MCwiSW5jbHVkZU5vbldvcmtpbmdEYXlzSW5EdXJhdGlvbiI6ZmFsc2UsIlBlcmNlbnRhZ2VDb21wbGV0ZVN0eWxlIjp7IiRpZCI6IjI1MCIsIkZvbnRTZXR0aW5ncyI6eyIkaWQiOiIyNTEiLCJGb250U2l6ZSI6MTAsIkZvbnROYW1lIjoiQ2FsaWJyaSIsIklzQm9sZCI6ZmFsc2UsIklzSXRhbGljIjpmYWxzZSwiSXNVbmRlcmxpbmVkIjpmYWxzZSwiUGFyZW50U3R5bGUiOm51bGx9LCJBdXRvU2l6ZSI6MCwiRm9yZWdyb3VuZCI6eyIkcmVmIjoiMjI3In0sIk1heFdpZHRoIjoyMDAuMCwiTWF4SGVpZ2h0IjoiSW5maW5pdHkiLCJTbWFydEZvcmVncm91bmRJc0FjdGl2ZSI6ZmFsc2UsIkhvcml6b250YWxBbGlnbm1lbnQiOjAsIlZlcnRpY2FsQWxpZ25tZW50IjowLCJTbWFydEZvcmVncm91bmQiOm51bGwsIkJhY2tncm91bmRGaWxsVHlwZSI6MCwiTWFyZ2luIjp7IiRyZWYiOiIxMjEifSwiUGFkZGluZyI6eyIkcmVmIjoiMTIyIn0sIkJhY2tncm91bmQiOnsiJHJlZiI6IjEyMyJ9LCJJc1Zpc2libGUiOnRydWUsIldpZHRoIjowLjAsIkhlaWdodCI6MC4wLCJCb3JkZXJTdHlsZSI6eyIkaWQiOiIyNTIiLCJMaW5lQ29sb3IiOm51bGwsIkxpbmVXZWlnaHQiOjAuMCwiTGluZVR5cGUiOjAsIlBhcmVudFN0eWxlIjpudWxsfSwiUGFyZW50U3R5bGUiOm51bGx9LCJEdXJhdGlvblN0eWxlIjp7IiRpZCI6IjI1MyIsIkZvbnRTZXR0aW5ncyI6eyIkaWQiOiIyNTQiLCJGb250U2l6ZSI6MTAsIkZvbnROYW1lIjoiQ2FsaWJyaSIsIklzQm9sZCI6ZmFsc2UsIklzSXRhbGljIjpmYWxzZSwiSXNVbmRlcmxpbmVkIjpmYWxzZSwiUGFyZW50U3R5bGUiOm51bGx9LCJBdXRvU2l6ZSI6MCwiRm9yZWdyb3VuZCI6eyIkcmVmIjoiMTI2In0sIk1heFdpZHRoIjoyMDAuMCwiTWF4SGVpZ2h0IjoiSW5maW5pdHkiLCJTbWFydEZvcmVncm91bmRJc0FjdGl2ZSI6ZmFsc2UsIkhvcml6b250YWxBbGlnbm1lbnQiOjEsIlZlcnRpY2FsQWxpZ25tZW50IjowLCJTbWFydEZvcmVncm91bmQiOm51bGwsIkJhY2tncm91bmRGaWxsVHlwZSI6MCwiTWFyZ2luIjp7IiRyZWYiOiIxMjgifSwiUGFkZGluZyI6eyIkcmVmIjoiMTI5In0sIkJhY2tncm91bmQiOnsiJHJlZiI6IjEzMCJ9LCJJc1Zpc2libGUiOnRydWUsIldpZHRoIjowLjAsIkhlaWdodCI6MC4wLCJCb3JkZXJTdHlsZSI6eyIkaWQiOiIyNTUiLCJMaW5lQ29sb3IiOm51bGwsIkxpbmVXZWlnaHQiOjAuMCwiTGluZVR5cGUiOjAsIlBhcmVudFN0eWxlIjpudWxsfSwiUGFyZW50U3R5bGUiOm51bGx9LCJIb3Jpem9udGFsQ29ubmVjdG9yU3R5bGUiOnsiJGlkIjoiMjU2IiwiTGluZUNvbG9yIjp7IiRyZWYiOiIxMzIifSwiTGluZVdlaWdodCI6MS4wLCJMaW5lVHlwZSI6MCwiUGFyZW50U3R5bGUiOm51bGx9LCJWZXJ0aWNhbENvbm5lY3RvclN0eWxlIjp7IiRpZCI6IjI1NyIsIkxpbmVDb2xvciI6eyIkcmVmIjoiMTM1In0sIkxpbmVXZWlnaHQiOjAuMCwiTGluZVR5cGUiOjAsIlBhcmVudFN0eWxlIjpudWxsfSwiTWFyZ2luIjpudWxsLCJTdGFydERhdGVQb3NpdGlvbiI6MywiRW5kRGF0ZVBvc2l0aW9uIjozLCJEYXRlSXNWaXNpYmxlIjp0cnVlLCJUaXRsZVBvc2l0aW9uIjo0LCJEdXJhdGlvblBvc2l0aW9uIjoyLCJQZXJjZW50YWdlQ29tcGxldGVkUG9zaXRpb24iOjYsIlNwYWNpbmciOjUsIklzQmVsb3dUaW1lYmFuZCI6ZmFsc2UsIlBlcmNlbnRhZ2VDb21wbGV0ZVNoYXBlT3BhY2l0eSI6MzUsIlNoYXBlU3R5bGUiOnsiJGlkIjoiMjU4IiwiTWFyZ2luIjp7IiRyZWYiOiIxMzgifSwiUGFkZGluZyI6eyIkcmVmIjoiMTM5In0sIkJhY2tncm91bmQiOnsiJGlkIjoiMjU5IiwiQ29sb3IiOnsiJGlkIjoiMjYwIiwiQSI6MjU1LCJSIjoxOTIsIkciOjE1OCwiQiI6MjI2fX0sIklzVmlzaWJsZSI6dHJ1ZSwiV2lkdGgiOjAuMCwiSGVpZ2h0IjoxNi4wLCJCb3JkZXJTdHlsZSI6eyIkaWQiOiIyNjEiLCJMaW5lQ29sb3IiOnsiJHJlZiI6IjE0MyJ9LCJMaW5lV2VpZ2h0IjowLjAsIkxpbmVUeXBlIjowLCJQYXJlbnRTdHlsZSI6bnVsbH0sIlBhcmVudFN0eWxlIjpudWxsfSwiVGl0bGVTdHlsZSI6eyIkaWQiOiIyNjIiLCJGb250U2V0dGluZ3MiOnsiJGlkIjoiMjYzIiwiRm9udFNpemUiOjEyLCJGb250TmFtZSI6IkNhbGlicmkiLCJJc0JvbGQiOnRydWUsIklzSXRhbGljIjpmYWxzZSwiSXNVbmRlcmxpbmVkIjpmYWxzZSwiUGFyZW50U3R5bGUiOm51bGx9LCJBdXRvU2l6ZSI6MCwiRm9yZWdyb3VuZCI6eyIkcmVmIjoiMTQ3In0sIk1heFdpZHRoIjo3MjAuMCwiTWF4SGVpZ2h0IjoiSW5maW5pdHkiLCJTbWFydEZvcmVncm91bmRJc0FjdGl2ZSI6ZmFsc2UsIkhvcml6b250YWxBbGlnbm1lbnQiOjAsIlZlcnRpY2FsQWxpZ25tZW50IjowLCJTbWFydEZvcmVncm91bmQiOm51bGwsIkJhY2tncm91bmRGaWxsVHlwZSI6MCwiTWFyZ2luIjp7IiRyZWYiOiIxNDkifSwiUGFkZGluZyI6eyIkcmVmIjoiMTUwIn0sIkJhY2tncm91bmQiOnsiJHJlZiI6IjE1MSJ9LCJJc1Zpc2libGUiOnRydWUsIldpZHRoIjowLjAsIkhlaWdodCI6MC4wLCJCb3JkZXJTdHlsZSI6eyIkaWQiOiIyNjQiLCJMaW5lQ29sb3IiOm51bGwsIkxpbmVXZWlnaHQiOjAuMCwiTGluZVR5cGUiOjAsIlBhcmVudFN0eWxlIjpudWxsfSwiUGFyZW50U3R5bGUiOm51bGx9LCJEYXRlU3R5bGUiOnsiJGlkIjoiMjY1IiwiRm9udFNldHRpbmdzIjp7IiRpZCI6IjI2NiIsIkZvbnRTaXplIjoxMCwiRm9udE5hbWUiOiJDYWxpYnJpIiwiSXNCb2xkIjpmYWxzZSwiSXNJdGFsaWMiOmZhbHNlLCJJc1VuZGVybGluZWQiOmZhbHNlLCJQYXJlbnRTdHlsZSI6bnVsbH0sIkF1dG9TaXplIjowLCJGb3JlZ3JvdW5kIjp7IiRyZWYiOiIxNTQifSwiTWF4V2lkdGgiOjIwMC4wLCJNYXhIZWlnaHQiOiJJbmZpbml0eSIsIlNtYXJ0Rm9yZWdyb3VuZElzQWN0aXZlIjpmYWxzZSwiSG9yaXpvbnRhbEFsaWdubWVudCI6MiwiVmVydGljYWxBbGlnbm1lbnQiOjAsIlNtYXJ0Rm9yZWdyb3VuZCI6bnVsbCwiQmFja2dyb3VuZEZpbGxUeXBlIjowLCJNYXJnaW4iOnsiJHJlZiI6IjE1NiJ9LCJQYWRkaW5nIjp7IiRyZWYiOiIxNTcifSwiQmFja2dyb3VuZCI6eyIkcmVmIjoiMTU4In0sIklzVmlzaWJsZSI6dHJ1ZSwiV2lkdGgiOjAuMCwiSGVpZ2h0IjowLjAsIkJvcmRlclN0eWxlIjp7IiRpZCI6IjI2NyIsIkxpbmVDb2xvciI6bnVsbCwiTGluZVdlaWdodCI6MC4wLCJMaW5lVHlwZSI6MCwiUGFyZW50U3R5bGUiOm51bGx9LCJQYXJlbnRTdHlsZSI6bnVsbH0sIkRhdGVGb3JtYXQiOnsiJHJlZiI6IjE1OSJ9LCJXZWVrTnVtYmVyaW5nIjp7IiRpZCI6IjI2OCIsIkZvcm1hdCI6MCwiSXNWaXNpYmxlIjpmYWxzZSwiTGFzdEtub3duVmlzaWJpbGl0eVN0YXRlIjpmYWxzZX0sIklzVmlzaWJsZSI6dHJ1ZSwiUGFyZW50U3R5bGUiOm51bGx9LCJJbmRleCI6MiwiU21hcnREdXJhdGlvbkFjdGl2YXRlZCI6ZmFsc2UsIkRhdGVGb3JtYXQiOnsiJHJlZiI6IjE1OSJ9LCJXZWVrTnVtYmVyaW5nIjp7IiRpZCI6IjI2OSIsIkZvcm1hdCI6MCwiSXNWaXNpYmxlIjpmYWxzZSwiTGFzdEtub3duVmlzaWJpbGl0eVN0YXRlIjpmYWxzZX0sIklkIjoiNmFjZjk0MTUtMjljYy00YTc2LThhZjctMTc4YTVjZTQ1YzdjIiwiSW1wb3J0SWQiOm51bGwsIlRpdGxlIjoiUnVuIGFuYWx5c2lzIG9uIGxhcmdlIG1vY2sgZGF0YSAiLCJOb3RlIjpudWxsLCJIeXBlcmxpbmsiOnsiJGlkIjoiMjcwIiwiQWRkcmVzcyI6IiIsIlN1YkFkZHJlc3MiOiIifSwiSXNDaGFuZ2VkIjpmYWxzZSwiSXNOZXciOmZhbHNlfSx7IiRpZCI6IjI3MSIsIkdyb3VwTmFtZSI6bnVsbCwiU3RhcnREYXRlIjoiMjAyMi0wNS0wOVQwMDowMDowMFoiLCJFbmREYXRlIjoiMjAyMi0wNS0xM1QyMzo1OTowMFoiLCJQZXJjZW50YWdlQ29tcGxldGUiOm51bGwsIlN0eWxlIjp7IiRpZCI6IjI3MiIsIlNoYXBlIjoxLCJTaGFwZVRoaWNrbmVzcyI6MSwiRHVyYXRpb25Gb3JtYXQiOjAsIkluY2x1ZGVOb25Xb3JraW5nRGF5c0luRHVyYXRpb24iOmZhbHNlLCJQZXJjZW50YWdlQ29tcGxldGVTdHlsZSI6eyIkaWQiOiIyNzMiLCJGb250U2V0dGluZ3MiOnsiJGlkIjoiMjc0IiwiRm9udFNpemUiOjEwLCJGb250TmFtZSI6IkNhbGlicmkiLCJJc0JvbGQiOmZhbHNlLCJJc0l0YWxpYyI6ZmFsc2UsIklzVW5kZXJsaW5lZCI6ZmFsc2UsIlBhcmVudFN0eWxlIjpudWxsfSwiQXV0b1NpemUiOjAsIkZvcmVncm91bmQiOnsiJGlkIjoiMjc1IiwiQ29sb3IiOnsiJGlkIjoiMjc2IiwiQSI6MjU1LCJSIjoxOTIsIkciOjgwLCJCIjo3N319LCJNYXhXaWR0aCI6MjAwLjAsIk1heEhlaWdodCI6IkluZmluaXR5IiwiU21hcnRGb3JlZ3JvdW5kSXNBY3RpdmUiOmZhbHNlLCJIb3Jpem9udGFsQWxpZ25tZW50IjowLCJWZXJ0aWNhbEFsaWdubWVudCI6MCwiU21hcnRGb3JlZ3JvdW5kIjpudWxsLCJCYWNrZ3JvdW5kRmlsbFR5cGUiOjAsIk1hcmdpbiI6eyIkcmVmIjoiMTIxIn0sIlBhZGRpbmciOnsiJHJlZiI6IjEyMiJ9LCJCYWNrZ3JvdW5kIjp7IiRyZWYiOiIxMjMifSwiSXNWaXNpYmxlIjp0cnVlLCJXaWR0aCI6MC4wLCJIZWlnaHQiOjAuMCwiQm9yZGVyU3R5bGUiOnsiJGlkIjoiMjc3IiwiTGluZUNvbG9yIjpudWxsLCJMaW5lV2VpZ2h0IjowLjAsIkxpbmVUeXBlIjowLCJQYXJlbnRTdHlsZSI6bnVsbH0sIlBhcmVudFN0eWxlIjpudWxsfSwiRHVyYXRpb25TdHlsZSI6eyIkaWQiOiIyNzgiLCJGb250U2V0dGluZ3MiOnsiJGlkIjoiMjc5IiwiRm9udFNpemUiOjEwLCJGb250TmFtZSI6IkNhbGlicmkiLCJJc0JvbGQiOmZhbHNlLCJJc0l0YWxpYyI6ZmFsc2UsIklzVW5kZXJsaW5lZCI6ZmFsc2UsIlBhcmVudFN0eWxlIjpudWxsfSwiQXV0b1NpemUiOjAsIkZvcmVncm91bmQiOnsiJGlkIjoiMjgwIiwiQ29sb3IiOnsiJGlkIjoiMjgxIiwiQSI6MjU1LCJSIjowLCJHIjowLCJCIjowfX0sIk1heFdpZHRoIjoyMDAuMCwiTWF4SGVpZ2h0IjoiSW5maW5pdHkiLCJTbWFydEZvcmVncm91bmRJc0FjdGl2ZSI6ZmFsc2UsIkhvcml6b250YWxBbGlnbm1lbnQiOjEsIlZlcnRpY2FsQWxpZ25tZW50IjowLCJTbWFydEZvcmVncm91bmQiOm51bGwsIkJhY2tncm91bmRGaWxsVHlwZSI6MCwiTWFyZ2luIjp7IiRyZWYiOiIxMjgifSwiUGFkZGluZyI6eyIkcmVmIjoiMTI5In0sIkJhY2tncm91bmQiOnsiJGlkIjoiMjgyIiwiQ29sb3IiOnsiJGlkIjoiMjgzIiwiQSI6MCwiUiI6MjU1LCJHIjoyNTUsIkIiOjI1NX19LCJJc1Zpc2libGUiOnRydWUsIldpZHRoIjowLjAsIkhlaWdodCI6MC4wLCJCb3JkZXJTdHlsZSI6eyIkaWQiOiIyODQiLCJMaW5lQ29sb3IiOm51bGwsIkxpbmVXZWlnaHQiOjAuMCwiTGluZVR5cGUiOjAsIlBhcmVudFN0eWxlIjpudWxsfSwiUGFyZW50U3R5bGUiOm51bGx9LCJIb3Jpem9udGFsQ29ubmVjdG9yU3R5bGUiOnsiJGlkIjoiMjg1IiwiTGluZUNvbG9yIjp7IiRyZWYiOiIxMzIifSwiTGluZVdlaWdodCI6MS4wLCJMaW5lVHlwZSI6MCwiUGFyZW50U3R5bGUiOm51bGx9LCJWZXJ0aWNhbENvbm5lY3RvclN0eWxlIjp7IiRpZCI6IjI4NiIsIkxpbmVDb2xvciI6eyIkcmVmIjoiMTM1In0sIkxpbmVXZWlnaHQiOjAuMCwiTGluZVR5cGUiOjAsIlBhcmVudFN0eWxlIjpudWxsfSwiTWFyZ2luIjpudWxsLCJTdGFydERhdGVQb3NpdGlvbiI6MywiRW5kRGF0ZVBvc2l0aW9uIjozLCJEYXRlSXNWaXNpYmxlIjp0cnVlLCJUaXRsZVBvc2l0aW9uIjo0LCJEdXJhdGlvblBvc2l0aW9uIjoyLCJQZXJjZW50YWdlQ29tcGxldGVkUG9zaXRpb24iOjYsIlNwYWNpbmciOjUsIklzQmVsb3dUaW1lYmFuZCI6ZmFsc2UsIlBlcmNlbnRhZ2VDb21wbGV0ZVNoYXBlT3BhY2l0eSI6MzUsIlNoYXBlU3R5bGUiOnsiJGlkIjoiMjg3IiwiTWFyZ2luIjp7IiRyZWYiOiIxMzgifSwiUGFkZGluZyI6eyIkcmVmIjoiMTM5In0sIkJhY2tncm91bmQiOnsiJGlkIjoiMjg4IiwiQ29sb3IiOnsiJGlkIjoiMjg5IiwiQSI6MjU1LCJSIjoxOTIsIkciOjE1OCwiQiI6MjI2fX0sIklzVmlzaWJsZSI6dHJ1ZSwiV2lkdGgiOjAuMCwiSGVpZ2h0IjoxNi4wLCJCb3JkZXJTdHlsZSI6eyIkaWQiOiIyOTAiLCJMaW5lQ29sb3IiOnsiJHJlZiI6IjIwMyJ9LCJMaW5lV2VpZ2h0IjowLjAsIkxpbmVUeXBlIjowLCJQYXJlbnRTdHlsZSI6bnVsbH0sIlBhcmVudFN0eWxlIjpudWxsfSwiVGl0bGVTdHlsZSI6eyIkaWQiOiIyOTEiLCJGb250U2V0dGluZ3MiOnsiJGlkIjoiMjkyIiwiRm9udFNpemUiOjEyLCJGb250TmFtZSI6IkNhbGlicmkiLCJJc0JvbGQiOnRydWUsIklzSXRhbGljIjpmYWxzZSwiSXNVbmRlcmxpbmVkIjpmYWxzZSwiUGFyZW50U3R5bGUiOm51bGx9LCJBdXRvU2l6ZSI6MCwiRm9yZWdyb3VuZCI6eyIkaWQiOiIyOTMiLCJDb2xvciI6eyIkaWQiOiIyOTQiLCJBIjoyNTUsIlIiOjAsIkciOjAsIkIiOjB9fSwiTWF4V2lkdGgiOjcyMC4wLCJNYXhIZWlnaHQiOiJJbmZpbml0eSIsIlNtYXJ0Rm9yZWdyb3VuZElzQWN0aXZlIjpmYWxzZSwiSG9yaXpvbnRhbEFsaWdubWVudCI6MCwiVmVydGljYWxBbGlnbm1lbnQiOjAsIlNtYXJ0Rm9yZWdyb3VuZCI6bnVsbCwiQmFja2dyb3VuZEZpbGxUeXBlIjowLCJNYXJnaW4iOnsiJHJlZiI6IjE0OSJ9LCJQYWRkaW5nIjp7IiRyZWYiOiIxNTAifSwiQmFja2dyb3VuZCI6eyIkaWQiOiIyOTUiLCJDb2xvciI6eyIkaWQiOiIyOTYiLCJBIjowLCJSIjoyNTUsIkciOjI1NSwiQiI6MjU1fX0sIklzVmlzaWJsZSI6dHJ1ZSwiV2lkdGgiOjAuMCwiSGVpZ2h0IjowLjAsIkJvcmRlclN0eWxlIjp7IiRpZCI6IjI5NyIsIkxpbmVDb2xvciI6bnVsbCwiTGluZVdlaWdodCI6MC4wLCJMaW5lVHlwZSI6MCwiUGFyZW50U3R5bGUiOm51bGx9LCJQYXJlbnRTdHlsZSI6bnVsbH0sIkRhdGVTdHlsZSI6eyIkaWQiOiIyOTgiLCJGb250U2V0dGluZ3MiOnsiJGlkIjoiMjk5IiwiRm9udFNpemUiOjEwLCJGb250TmFtZSI6IkNhbGlicmkiLCJJc0JvbGQiOmZhbHNlLCJJc0l0YWxpYyI6ZmFsc2UsIklzVW5kZXJsaW5lZCI6ZmFsc2UsIlBhcmVudFN0eWxlIjpudWxsfSwiQXV0b1NpemUiOjAsIkZvcmVncm91bmQiOnsiJGlkIjoiMzAwIiwiQ29sb3IiOnsiJGlkIjoiMzAxIiwiQSI6MjU1LCJSIjo2OCwiRyI6ODQsIkIiOjEwNn19LCJNYXhXaWR0aCI6MjAwLjAsIk1heEhlaWdodCI6IkluZmluaXR5IiwiU21hcnRGb3JlZ3JvdW5kSXNBY3RpdmUiOmZhbHNlLCJIb3Jpem9udGFsQWxpZ25tZW50IjoyLCJWZXJ0aWNhbEFsaWdubWVudCI6MCwiU21hcnRGb3JlZ3JvdW5kIjpudWxsLCJCYWNrZ3JvdW5kRmlsbFR5cGUiOjAsIk1hcmdpbiI6eyIkcmVmIjoiMTU2In0sIlBhZGRpbmciOnsiJHJlZiI6IjE1NyJ9LCJCYWNrZ3JvdW5kIjp7IiRpZCI6IjMwMiIsIkNvbG9yIjp7IiRpZCI6IjMwMyIsIkEiOjAsIlIiOjI1NSwiRyI6MjU1LCJCIjoyNTV9fSwiSXNWaXNpYmxlIjp0cnVlLCJXaWR0aCI6MC4wLCJIZWlnaHQiOjAuMCwiQm9yZGVyU3R5bGUiOnsiJGlkIjoiMzA0IiwiTGluZUNvbG9yIjpudWxsLCJMaW5lV2VpZ2h0IjowLjAsIkxpbmVUeXBlIjowLCJQYXJlbnRTdHlsZSI6bnVsbH0sIlBhcmVudFN0eWxlIjpudWxsfSwiRGF0ZUZvcm1hdCI6eyIkcmVmIjoiMjE5In0sIldlZWtOdW1iZXJpbmciOnsiJGlkIjoiMzA1IiwiRm9ybWF0IjowLCJJc1Zpc2libGUiOmZhbHNlLCJMYXN0S25vd25WaXNpYmlsaXR5U3RhdGUiOmZhbHNlfSwiSXNWaXNpYmxlIjp0cnVlLCJQYXJlbnRTdHlsZSI6bnVsbH0sIkluZGV4IjozLCJTbWFydER1cmF0aW9uQWN0aXZhdGVkIjpmYWxzZSwiRGF0ZUZvcm1hdCI6eyIkcmVmIjoiMjE5In0sIldlZWtOdW1iZXJpbmciOnsiJGlkIjoiMzA2IiwiRm9ybWF0IjowLCJJc1Zpc2libGUiOmZhbHNlLCJMYXN0S25vd25WaXNpYmlsaXR5U3RhdGUiOmZhbHNlfSwiSWQiOiI1NTU2MzJmNC1kODc4LTRlOGMtYjhiNC1mYzlkYWRjY2FiOGUiLCJJbXBvcnRJZCI6bnVsbCwiVGl0bGUiOiJUcmFpbiBkaWZmZXJlbnQgY2xhc3NpZmllcnMgb24gbW9jayBkYXRhIiwiTm90ZSI6bnVsbCwiSHlwZXJsaW5rIjp7IiRpZCI6IjMwNyIsIkFkZHJlc3MiOm51bGwsIlN1YkFkZHJlc3MiOm51bGx9LCJJc0NoYW5nZWQiOmZhbHNlLCJJc05ldyI6ZmFsc2V9LHsiJGlkIjoiMzA4IiwiR3JvdXBOYW1lIjpudWxsLCJTdGFydERhdGUiOiIyMDIyLTA1LTA5VDAwOjAwOjAwWiIsIkVuZERhdGUiOiIyMDIyLTA1LTIwVDIzOjU5OjAwWiIsIlBlcmNlbnRhZ2VDb21wbGV0ZSI6bnVsbCwiU3R5bGUiOnsiJGlkIjoiMzA5IiwiU2hhcGUiOjEsIlNoYXBlVGhpY2tuZXNzIjoxLCJEdXJhdGlvbkZvcm1hdCI6MCwiSW5jbHVkZU5vbldvcmtpbmdEYXlzSW5EdXJhdGlvbiI6ZmFsc2UsIlBlcmNlbnRhZ2VDb21wbGV0ZVN0eWxlIjp7IiRpZCI6IjMxMCIsIkZvbnRTZXR0aW5ncyI6eyIkaWQiOiIzMTEiLCJGb250U2l6ZSI6MTAsIkZvbnROYW1lIjoiQ2FsaWJyaSIsIklzQm9sZCI6ZmFsc2UsIklzSXRhbGljIjpmYWxzZSwiSXNVbmRlcmxpbmVkIjpmYWxzZSwiUGFyZW50U3R5bGUiOm51bGx9LCJBdXRvU2l6ZSI6MCwiRm9yZWdyb3VuZCI6eyIkcmVmIjoiMjc1In0sIk1heFdpZHRoIjoyMDAuMCwiTWF4SGVpZ2h0IjoiSW5maW5pdHkiLCJTbWFydEZvcmVncm91bmRJc0FjdGl2ZSI6ZmFsc2UsIkhvcml6b250YWxBbGlnbm1lbnQiOjAsIlZlcnRpY2FsQWxpZ25tZW50IjowLCJTbWFydEZvcmVncm91bmQiOm51bGwsIkJhY2tncm91bmRGaWxsVHlwZSI6MCwiTWFyZ2luIjp7IiRyZWYiOiIxMjEifSwiUGFkZGluZyI6eyIkcmVmIjoiMTIyIn0sIkJhY2tncm91bmQiOnsiJHJlZiI6IjEyMyJ9LCJJc1Zpc2libGUiOnRydWUsIldpZHRoIjowLjAsIkhlaWdodCI6MC4wLCJCb3JkZXJTdHlsZSI6eyIkaWQiOiIzMTIiLCJMaW5lQ29sb3IiOm51bGwsIkxpbmVXZWlnaHQiOjAuMCwiTGluZVR5cGUiOjAsIlBhcmVudFN0eWxlIjpudWxsfSwiUGFyZW50U3R5bGUiOm51bGx9LCJEdXJhdGlvblN0eWxlIjp7IiRpZCI6IjMxMyIsIkZvbnRTZXR0aW5ncyI6eyIkaWQiOiIzMTQiLCJGb250U2l6ZSI6MTAsIkZvbnROYW1lIjoiQ2FsaWJyaSIsIklzQm9sZCI6ZmFsc2UsIklzSXRhbGljIjpmYWxzZSwiSXNVbmRlcmxpbmVkIjpmYWxzZSwiUGFyZW50U3R5bGUiOm51bGx9LCJBdXRvU2l6ZSI6MCwiRm9yZWdyb3VuZCI6eyIkcmVmIjoiMTI2In0sIk1heFdpZHRoIjoyMDAuMCwiTWF4SGVpZ2h0IjoiSW5maW5pdHkiLCJTbWFydEZvcmVncm91bmRJc0FjdGl2ZSI6ZmFsc2UsIkhvcml6b250YWxBbGlnbm1lbnQiOjEsIlZlcnRpY2FsQWxpZ25tZW50IjowLCJTbWFydEZvcmVncm91bmQiOm51bGwsIkJhY2tncm91bmRGaWxsVHlwZSI6MCwiTWFyZ2luIjp7IiRyZWYiOiIxMjgifSwiUGFkZGluZyI6eyIkcmVmIjoiMTI5In0sIkJhY2tncm91bmQiOnsiJHJlZiI6IjEzMCJ9LCJJc1Zpc2libGUiOnRydWUsIldpZHRoIjowLjAsIkhlaWdodCI6MC4wLCJCb3JkZXJTdHlsZSI6eyIkaWQiOiIzMTUiLCJMaW5lQ29sb3IiOm51bGwsIkxpbmVXZWlnaHQiOjAuMCwiTGluZVR5cGUiOjAsIlBhcmVudFN0eWxlIjpudWxsfSwiUGFyZW50U3R5bGUiOm51bGx9LCJIb3Jpem9udGFsQ29ubmVjdG9yU3R5bGUiOnsiJGlkIjoiMzE2IiwiTGluZUNvbG9yIjp7IiRyZWYiOiIxMzIifSwiTGluZVdlaWdodCI6MS4wLCJMaW5lVHlwZSI6MCwiUGFyZW50U3R5bGUiOm51bGx9LCJWZXJ0aWNhbENvbm5lY3RvclN0eWxlIjp7IiRpZCI6IjMxNyIsIkxpbmVDb2xvciI6eyIkcmVmIjoiMTM1In0sIkxpbmVXZWlnaHQiOjAuMCwiTGluZVR5cGUiOjAsIlBhcmVudFN0eWxlIjpudWxsfSwiTWFyZ2luIjpudWxsLCJTdGFydERhdGVQb3NpdGlvbiI6MywiRW5kRGF0ZVBvc2l0aW9uIjozLCJEYXRlSXNWaXNpYmxlIjp0cnVlLCJUaXRsZVBvc2l0aW9uIjo0LCJEdXJhdGlvblBvc2l0aW9uIjoyLCJQZXJjZW50YWdlQ29tcGxldGVkUG9zaXRpb24iOjYsIlNwYWNpbmciOjUsIklzQmVsb3dUaW1lYmFuZCI6ZmFsc2UsIlBlcmNlbnRhZ2VDb21wbGV0ZVNoYXBlT3BhY2l0eSI6MzUsIlNoYXBlU3R5bGUiOnsiJGlkIjoiMzE4IiwiTWFyZ2luIjp7IiRyZWYiOiIxMzgifSwiUGFkZGluZyI6eyIkcmVmIjoiMTM5In0sIkJhY2tncm91bmQiOnsiJGlkIjoiMzE5IiwiQ29sb3IiOnsiJGlkIjoiMzIwIiwiQSI6MjU1LCJSIjoxOTIsIkciOjE1OCwiQiI6MjI2fX0sIklzVmlzaWJsZSI6dHJ1ZSwiV2lkdGgiOjAuMCwiSGVpZ2h0IjoxNi4wLCJCb3JkZXJTdHlsZSI6eyIkaWQiOiIzMjEiLCJMaW5lQ29sb3IiOnsiJHJlZiI6IjE0MyJ9LCJMaW5lV2VpZ2h0IjowLjAsIkxpbmVUeXBlIjowLCJQYXJlbnRTdHlsZSI6bnVsbH0sIlBhcmVudFN0eWxlIjpudWxsfSwiVGl0bGVTdHlsZSI6eyIkaWQiOiIzMjIiLCJGb250U2V0dGluZ3MiOnsiJGlkIjoiMzIzIiwiRm9udFNpemUiOjEyLCJGb250TmFtZSI6IkNhbGlicmkiLCJJc0JvbGQiOnRydWUsIklzSXRhbGljIjpmYWxzZSwiSXNVbmRlcmxpbmVkIjpmYWxzZSwiUGFyZW50U3R5bGUiOm51bGx9LCJBdXRvU2l6ZSI6MCwiRm9yZWdyb3VuZCI6eyIkcmVmIjoiMTQ3In0sIk1heFdpZHRoIjo3MjAuMCwiTWF4SGVpZ2h0IjoiSW5maW5pdHkiLCJTbWFydEZvcmVncm91bmRJc0FjdGl2ZSI6ZmFsc2UsIkhvcml6b250YWxBbGlnbm1lbnQiOjAsIlZlcnRpY2FsQWxpZ25tZW50IjowLCJTbWFydEZvcmVncm91bmQiOm51bGwsIkJhY2tncm91bmRGaWxsVHlwZSI6MCwiTWFyZ2luIjp7IiRyZWYiOiIxNDkifSwiUGFkZGluZyI6eyIkcmVmIjoiMTUwIn0sIkJhY2tncm91bmQiOnsiJHJlZiI6IjE1MSJ9LCJJc1Zpc2libGUiOnRydWUsIldpZHRoIjowLjAsIkhlaWdodCI6MC4wLCJCb3JkZXJTdHlsZSI6eyIkaWQiOiIzMjQiLCJMaW5lQ29sb3IiOm51bGwsIkxpbmVXZWlnaHQiOjAuMCwiTGluZVR5cGUiOjAsIlBhcmVudFN0eWxlIjpudWxsfSwiUGFyZW50U3R5bGUiOm51bGx9LCJEYXRlU3R5bGUiOnsiJGlkIjoiMzI1IiwiRm9udFNldHRpbmdzIjp7IiRpZCI6IjMyNiIsIkZvbnRTaXplIjoxMCwiRm9udE5hbWUiOiJDYWxpYnJpIiwiSXNCb2xkIjpmYWxzZSwiSXNJdGFsaWMiOmZhbHNlLCJJc1VuZGVybGluZWQiOmZhbHNlLCJQYXJlbnRTdHlsZSI6bnVsbH0sIkF1dG9TaXplIjowLCJGb3JlZ3JvdW5kIjp7IiRyZWYiOiIxNTQifSwiTWF4V2lkdGgiOjIwMC4wLCJNYXhIZWlnaHQiOiJJbmZpbml0eSIsIlNtYXJ0Rm9yZWdyb3VuZElzQWN0aXZlIjpmYWxzZSwiSG9yaXpvbnRhbEFsaWdubWVudCI6MiwiVmVydGljYWxBbGlnbm1lbnQiOjAsIlNtYXJ0Rm9yZWdyb3VuZCI6bnVsbCwiQmFja2dyb3VuZEZpbGxUeXBlIjowLCJNYXJnaW4iOnsiJHJlZiI6IjE1NiJ9LCJQYWRkaW5nIjp7IiRyZWYiOiIxNTcifSwiQmFja2dyb3VuZCI6eyIkcmVmIjoiMTU4In0sIklzVmlzaWJsZSI6dHJ1ZSwiV2lkdGgiOjAuMCwiSGVpZ2h0IjowLjAsIkJvcmRlclN0eWxlIjp7IiRpZCI6IjMyNyIsIkxpbmVDb2xvciI6bnVsbCwiTGluZVdlaWdodCI6MC4wLCJMaW5lVHlwZSI6MCwiUGFyZW50U3R5bGUiOm51bGx9LCJQYXJlbnRTdHlsZSI6bnVsbH0sIkRhdGVGb3JtYXQiOnsiJHJlZiI6IjE1OSJ9LCJXZWVrTnVtYmVyaW5nIjp7IiRpZCI6IjMyOCIsIkZvcm1hdCI6MCwiSXNWaXNpYmxlIjpmYWxzZSwiTGFzdEtub3duVmlzaWJpbGl0eVN0YXRlIjpmYWxzZX0sIklzVmlzaWJsZSI6dHJ1ZSwiUGFyZW50U3R5bGUiOm51bGx9LCJJbmRleCI6NCwiU21hcnREdXJhdGlvbkFjdGl2YXRlZCI6ZmFsc2UsIkRhdGVGb3JtYXQiOnsiJHJlZiI6IjE1OSJ9LCJXZWVrTnVtYmVyaW5nIjp7IiRpZCI6IjMyOSIsIkZvcm1hdCI6MCwiSXNWaXNpYmxlIjpmYWxzZSwiTGFzdEtub3duVmlzaWJpbGl0eVN0YXRlIjpmYWxzZX0sIklkIjoiYTllNzUyMTEtYmY0ZC00MTVmLWE0MTUtNDgyM2RmMWU5NThkIiwiSW1wb3J0SWQiOm51bGwsIlRpdGxlIjoiT3B0aW1pc2F0aW9uIG9mIGNsYXNzaWZpZXJzIiwiTm90ZSI6bnVsbCwiSHlwZXJsaW5rIjp7IiRpZCI6IjMzMCIsIkFkZHJlc3MiOm51bGwsIlN1YkFkZHJlc3MiOm51bGx9LCJJc0NoYW5nZWQiOmZhbHNlLCJJc05ldyI6ZmFsc2V9LHsiJGlkIjoiMzMxIiwiR3JvdXBOYW1lIjpudWxsLCJTdGFydERhdGUiOiIyMDIyLTA1LTEwVDAwOjAwOjAwWiIsIkVuZERhdGUiOiIyMDIyLTA1LTIwVDIzOjU5OjAwWiIsIlBlcmNlbnRhZ2VDb21wbGV0ZSI6bnVsbCwiU3R5bGUiOnsiJGlkIjoiMzMyIiwiU2hhcGUiOjEsIlNoYXBlVGhpY2tuZXNzIjoxLCJEdXJhdGlvbkZvcm1hdCI6MCwiSW5jbHVkZU5vbldvcmtpbmdEYXlzSW5EdXJhdGlvbiI6ZmFsc2UsIlBlcmNlbnRhZ2VDb21wbGV0ZVN0eWxlIjp7IiRpZCI6IjMzMyIsIkZvbnRTZXR0aW5ncyI6eyIkaWQiOiIzMzQiLCJGb250U2l6ZSI6MTAsIkZvbnROYW1lIjoiQ2FsaWJyaSIsIklzQm9sZCI6ZmFsc2UsIklzSXRhbGljIjpmYWxzZSwiSXNVbmRlcmxpbmVkIjpmYWxzZSwiUGFyZW50U3R5bGUiOm51bGx9LCJBdXRvU2l6ZSI6MCwiRm9yZWdyb3VuZCI6eyIkcmVmIjoiMjI3In0sIk1heFdpZHRoIjoyMDAuMCwiTWF4SGVpZ2h0IjoiSW5maW5pdHkiLCJTbWFydEZvcmVncm91bmRJc0FjdGl2ZSI6ZmFsc2UsIkhvcml6b250YWxBbGlnbm1lbnQiOjAsIlZlcnRpY2FsQWxpZ25tZW50IjowLCJTbWFydEZvcmVncm91bmQiOm51bGwsIkJhY2tncm91bmRGaWxsVHlwZSI6MCwiTWFyZ2luIjp7IiRyZWYiOiIxMjEifSwiUGFkZGluZyI6eyIkcmVmIjoiMTIyIn0sIkJhY2tncm91bmQiOnsiJHJlZiI6IjEyMyJ9LCJJc1Zpc2libGUiOnRydWUsIldpZHRoIjowLjAsIkhlaWdodCI6MC4wLCJCb3JkZXJTdHlsZSI6eyIkaWQiOiIzMzUiLCJMaW5lQ29sb3IiOm51bGwsIkxpbmVXZWlnaHQiOjAuMCwiTGluZVR5cGUiOjAsIlBhcmVudFN0eWxlIjpudWxsfSwiUGFyZW50U3R5bGUiOm51bGx9LCJEdXJhdGlvblN0eWxlIjp7IiRpZCI6IjMzNiIsIkZvbnRTZXR0aW5ncyI6eyIkaWQiOiIzMzciLCJGb250U2l6ZSI6MTAsIkZvbnROYW1lIjoiQ2FsaWJyaSIsIklzQm9sZCI6ZmFsc2UsIklzSXRhbGljIjpmYWxzZSwiSXNVbmRlcmxpbmVkIjpmYWxzZSwiUGFyZW50U3R5bGUiOm51bGx9LCJBdXRvU2l6ZSI6MCwiRm9yZWdyb3VuZCI6eyIkcmVmIjoiMTI2In0sIk1heFdpZHRoIjoyMDAuMCwiTWF4SGVpZ2h0IjoiSW5maW5pdHkiLCJTbWFydEZvcmVncm91bmRJc0FjdGl2ZSI6ZmFsc2UsIkhvcml6b250YWxBbGlnbm1lbnQiOjEsIlZlcnRpY2FsQWxpZ25tZW50IjowLCJTbWFydEZvcmVncm91bmQiOm51bGwsIkJhY2tncm91bmRGaWxsVHlwZSI6MCwiTWFyZ2luIjp7IiRyZWYiOiIxMjgifSwiUGFkZGluZyI6eyIkcmVmIjoiMTI5In0sIkJhY2tncm91bmQiOnsiJHJlZiI6IjEzMCJ9LCJJc1Zpc2libGUiOnRydWUsIldpZHRoIjowLjAsIkhlaWdodCI6MC4wLCJCb3JkZXJTdHlsZSI6eyIkaWQiOiIzMzgiLCJMaW5lQ29sb3IiOm51bGwsIkxpbmVXZWlnaHQiOjAuMCwiTGluZVR5cGUiOjAsIlBhcmVudFN0eWxlIjpudWxsfSwiUGFyZW50U3R5bGUiOm51bGx9LCJIb3Jpem9udGFsQ29ubmVjdG9yU3R5bGUiOnsiJGlkIjoiMzM5IiwiTGluZUNvbG9yIjp7IiRyZWYiOiIxMzIifSwiTGluZVdlaWdodCI6MS4wLCJMaW5lVHlwZSI6MCwiUGFyZW50U3R5bGUiOm51bGx9LCJWZXJ0aWNhbENvbm5lY3RvclN0eWxlIjp7IiRpZCI6IjM0MCIsIkxpbmVDb2xvciI6eyIkcmVmIjoiMTM1In0sIkxpbmVXZWlnaHQiOjAuMCwiTGluZVR5cGUiOjAsIlBhcmVudFN0eWxlIjpudWxsfSwiTWFyZ2luIjpudWxsLCJTdGFydERhdGVQb3NpdGlvbiI6MywiRW5kRGF0ZVBvc2l0aW9uIjozLCJEYXRlSXNWaXNpYmxlIjp0cnVlLCJUaXRsZVBvc2l0aW9uIjo0LCJEdXJhdGlvblBvc2l0aW9uIjoyLCJQZXJjZW50YWdlQ29tcGxldGVkUG9zaXRpb24iOjYsIlNwYWNpbmciOjUsIklzQmVsb3dUaW1lYmFuZCI6ZmFsc2UsIlBlcmNlbnRhZ2VDb21wbGV0ZVNoYXBlT3BhY2l0eSI6MzUsIlNoYXBlU3R5bGUiOnsiJGlkIjoiMzQxIiwiTWFyZ2luIjp7IiRyZWYiOiIxMzgifSwiUGFkZGluZyI6eyIkcmVmIjoiMTM5In0sIkJhY2tncm91bmQiOnsiJGlkIjoiMzQyIiwiQ29sb3IiOnsiJGlkIjoiMzQzIiwiQSI6MjU1LCJSIjoxMzksIkciOjIxOCwiQiI6MjMzfX0sIklzVmlzaWJsZSI6dHJ1ZSwiV2lkdGgiOjAuMCwiSGVpZ2h0IjoxNi4wLCJCb3JkZXJTdHlsZSI6eyIkaWQiOiIzNDQiLCJMaW5lQ29sb3IiOnsiJHJlZiI6IjE0MyJ9LCJMaW5lV2VpZ2h0IjowLjAsIkxpbmVUeXBlIjowLCJQYXJlbnRTdHlsZSI6bnVsbH0sIlBhcmVudFN0eWxlIjpudWxsfSwiVGl0bGVTdHlsZSI6eyIkaWQiOiIzNDUiLCJGb250U2V0dGluZ3MiOnsiJGlkIjoiMzQ2IiwiRm9udFNpemUiOjEyLCJGb250TmFtZSI6IkNhbGlicmkiLCJJc0JvbGQiOnRydWUsIklzSXRhbGljIjpmYWxzZSwiSXNVbmRlcmxpbmVkIjpmYWxzZSwiUGFyZW50U3R5bGUiOm51bGx9LCJBdXRvU2l6ZSI6MCwiRm9yZWdyb3VuZCI6eyIkcmVmIjoiMTQ3In0sIk1heFdpZHRoIjo3MjAuMCwiTWF4SGVpZ2h0IjoiSW5maW5pdHkiLCJTbWFydEZvcmVncm91bmRJc0FjdGl2ZSI6ZmFsc2UsIkhvcml6b250YWxBbGlnbm1lbnQiOjAsIlZlcnRpY2FsQWxpZ25tZW50IjowLCJTbWFydEZvcmVncm91bmQiOm51bGwsIkJhY2tncm91bmRGaWxsVHlwZSI6MCwiTWFyZ2luIjp7IiRyZWYiOiIxNDkifSwiUGFkZGluZyI6eyIkcmVmIjoiMTUwIn0sIkJhY2tncm91bmQiOnsiJHJlZiI6IjE1MSJ9LCJJc1Zpc2libGUiOnRydWUsIldpZHRoIjowLjAsIkhlaWdodCI6MC4wLCJCb3JkZXJTdHlsZSI6eyIkaWQiOiIzNDciLCJMaW5lQ29sb3IiOm51bGwsIkxpbmVXZWlnaHQiOjAuMCwiTGluZVR5cGUiOjAsIlBhcmVudFN0eWxlIjpudWxsfSwiUGFyZW50U3R5bGUiOm51bGx9LCJEYXRlU3R5bGUiOnsiJGlkIjoiMzQ4IiwiRm9udFNldHRpbmdzIjp7IiRpZCI6IjM0OSIsIkZvbnRTaXplIjoxMCwiRm9udE5hbWUiOiJDYWxpYnJpIiwiSXNCb2xkIjpmYWxzZSwiSXNJdGFsaWMiOmZhbHNlLCJJc1VuZGVybGluZWQiOmZhbHNlLCJQYXJlbnRTdHlsZSI6bnVsbH0sIkF1dG9TaXplIjowLCJGb3JlZ3JvdW5kIjp7IiRyZWYiOiIxNTQifSwiTWF4V2lkdGgiOjIwMC4wLCJNYXhIZWlnaHQiOiJJbmZpbml0eSIsIlNtYXJ0Rm9yZWdyb3VuZElzQWN0aXZlIjpmYWxzZSwiSG9yaXpvbnRhbEFsaWdubWVudCI6MiwiVmVydGljYWxBbGlnbm1lbnQiOjAsIlNtYXJ0Rm9yZWdyb3VuZCI6bnVsbCwiQmFja2dyb3VuZEZpbGxUeXBlIjowLCJNYXJnaW4iOnsiJHJlZiI6IjE1NiJ9LCJQYWRkaW5nIjp7IiRyZWYiOiIxNTcifSwiQmFja2dyb3VuZCI6eyIkcmVmIjoiMTU4In0sIklzVmlzaWJsZSI6dHJ1ZSwiV2lkdGgiOjAuMCwiSGVpZ2h0IjowLjAsIkJvcmRlclN0eWxlIjp7IiRpZCI6IjM1MCIsIkxpbmVDb2xvciI6bnVsbCwiTGluZVdlaWdodCI6MC4wLCJMaW5lVHlwZSI6MCwiUGFyZW50U3R5bGUiOm51bGx9LCJQYXJlbnRTdHlsZSI6bnVsbH0sIkRhdGVGb3JtYXQiOnsiJHJlZiI6IjE1OSJ9LCJXZWVrTnVtYmVyaW5nIjp7IiRpZCI6IjM1MSIsIkZvcm1hdCI6MCwiSXNWaXNpYmxlIjpmYWxzZSwiTGFzdEtub3duVmlzaWJpbGl0eVN0YXRlIjpmYWxzZX0sIklzVmlzaWJsZSI6dHJ1ZSwiUGFyZW50U3R5bGUiOm51bGx9LCJJbmRleCI6NSwiU21hcnREdXJhdGlvbkFjdGl2YXRlZCI6ZmFsc2UsIkRhdGVGb3JtYXQiOnsiJHJlZiI6IjE1OSJ9LCJXZWVrTnVtYmVyaW5nIjp7IiRpZCI6IjM1MiIsIkZvcm1hdCI6MCwiSXNWaXNpYmxlIjpmYWxzZSwiTGFzdEtub3duVmlzaWJpbGl0eVN0YXRlIjpmYWxzZX0sIklkIjoiZjQ1YTE1OWEtY2RlNC00N2VkLTkxYjQtMDdjMmJjYWU5NmY0IiwiSW1wb3J0SWQiOm51bGwsIlRpdGxlIjoiV3JpdGUgbWV0aG9kcyBzZWN0aW9uIiwiTm90ZSI6bnVsbCwiSHlwZXJsaW5rIjp7IiRpZCI6IjM1MyIsIkFkZHJlc3MiOiIiLCJTdWJBZGRyZXNzIjoiIn0sIklzQ2hhbmdlZCI6ZmFsc2UsIklzTmV3IjpmYWxzZX0seyIkaWQiOiIzNTQiLCJHcm91cE5hbWUiOm51bGwsIlN0YXJ0RGF0ZSI6IjIwMjItMDUtMjNUMDA6MDA6MDBaIiwiRW5kRGF0ZSI6IjIwMjItMDUtMzFUMjM6NTk6MDBaIiwiUGVyY2VudGFnZUNvbXBsZXRlIjpudWxsLCJTdHlsZSI6eyIkaWQiOiIzNTUiLCJTaGFwZSI6MSwiU2hhcGVUaGlja25lc3MiOjEsIkR1cmF0aW9uRm9ybWF0IjowLCJJbmNsdWRlTm9uV29ya2luZ0RheXNJbkR1cmF0aW9uIjpmYWxzZSwiUGVyY2VudGFnZUNvbXBsZXRlU3R5bGUiOnsiJGlkIjoiMzU2IiwiRm9udFNldHRpbmdzIjp7IiRpZCI6IjM1NyIsIkZvbnRTaXplIjoxMCwiRm9udE5hbWUiOiJDYWxpYnJpIiwiSXNCb2xkIjpmYWxzZSwiSXNJdGFsaWMiOmZhbHNlLCJJc1VuZGVybGluZWQiOmZhbHNlLCJQYXJlbnRTdHlsZSI6bnVsbH0sIkF1dG9TaXplIjowLCJGb3JlZ3JvdW5kIjp7IiRyZWYiOiIxMTkifSwiTWF4V2lkdGgiOjIwMC4wLCJNYXhIZWlnaHQiOiJJbmZpbml0eSIsIlNtYXJ0Rm9yZWdyb3VuZElzQWN0aXZlIjpmYWxzZSwiSG9yaXpvbnRhbEFsaWdubWVudCI6MCwiVmVydGljYWxBbGlnbm1lbnQiOjAsIlNtYXJ0Rm9yZWdyb3VuZCI6bnVsbCwiQmFja2dyb3VuZEZpbGxUeXBlIjowLCJNYXJnaW4iOnsiJHJlZiI6IjEyMSJ9LCJQYWRkaW5nIjp7IiRyZWYiOiIxMjIifSwiQmFja2dyb3VuZCI6eyIkcmVmIjoiMTIzIn0sIklzVmlzaWJsZSI6dHJ1ZSwiV2lkdGgiOjAuMCwiSGVpZ2h0IjowLjAsIkJvcmRlclN0eWxlIjp7IiRpZCI6IjM1OCIsIkxpbmVDb2xvciI6bnVsbCwiTGluZVdlaWdodCI6MC4wLCJMaW5lVHlwZSI6MCwiUGFyZW50U3R5bGUiOm51bGx9LCJQYXJlbnRTdHlsZSI6bnVsbH0sIkR1cmF0aW9uU3R5bGUiOnsiJGlkIjoiMzU5IiwiRm9udFNldHRpbmdzIjp7IiRpZCI6IjM2MCIsIkZvbnRTaXplIjoxMCwiRm9udE5hbWUiOiJDYWxpYnJpIiwiSXNCb2xkIjpmYWxzZSwiSXNJdGFsaWMiOmZhbHNlLCJJc1VuZGVybGluZWQiOmZhbHNlLCJQYXJlbnRTdHlsZSI6bnVsbH0sIkF1dG9TaXplIjowLCJGb3JlZ3JvdW5kIjp7IiRyZWYiOiIxMjYifSwiTWF4V2lkdGgiOjIwMC4wLCJNYXhIZWlnaHQiOiJJbmZpbml0eSIsIlNtYXJ0Rm9yZWdyb3VuZElzQWN0aXZlIjpmYWxzZSwiSG9yaXpvbnRhbEFsaWdubWVudCI6MSwiVmVydGljYWxBbGlnbm1lbnQiOjAsIlNtYXJ0Rm9yZWdyb3VuZCI6bnVsbCwiQmFja2dyb3VuZEZpbGxUeXBlIjowLCJNYXJnaW4iOnsiJHJlZiI6IjEyOCJ9LCJQYWRkaW5nIjp7IiRyZWYiOiIxMjkifSwiQmFja2dyb3VuZCI6eyIkcmVmIjoiMTMwIn0sIklzVmlzaWJsZSI6dHJ1ZSwiV2lkdGgiOjAuMCwiSGVpZ2h0IjowLjAsIkJvcmRlclN0eWxlIjp7IiRpZCI6IjM2MSIsIkxpbmVDb2xvciI6bnVsbCwiTGluZVdlaWdodCI6MC4wLCJMaW5lVHlwZSI6MCwiUGFyZW50U3R5bGUiOm51bGx9LCJQYXJlbnRTdHlsZSI6bnVsbH0sIkhvcml6b250YWxDb25uZWN0b3JTdHlsZSI6eyIkaWQiOiIzNjIiLCJMaW5lQ29sb3IiOnsiJHJlZiI6IjEzMiJ9LCJMaW5lV2VpZ2h0IjoxLjAsIkxpbmVUeXBlIjowLCJQYXJlbnRTdHlsZSI6bnVsbH0sIlZlcnRpY2FsQ29ubmVjdG9yU3R5bGUiOnsiJGlkIjoiMzYzIiwiTGluZUNvbG9yIjp7IiRyZWYiOiIxMzUifSwiTGluZVdlaWdodCI6MC4wLCJMaW5lVHlwZSI6MCwiUGFyZW50U3R5bGUiOm51bGx9LCJNYXJnaW4iOm51bGwsIlN0YXJ0RGF0ZVBvc2l0aW9uIjo0LCJFbmREYXRlUG9zaXRpb24iOjQsIkRhdGVJc1Zpc2libGUiOnRydWUsIlRpdGxlUG9zaXRpb24iOjMsIkR1cmF0aW9uUG9zaXRpb24iOjIsIlBlcmNlbnRhZ2VDb21wbGV0ZWRQb3NpdGlvbiI6NiwiU3BhY2luZyI6NSwiSXNCZWxvd1RpbWViYW5kIjpmYWxzZSwiUGVyY2VudGFnZUNvbXBsZXRlU2hhcGVPcGFjaXR5IjozNSwiU2hhcGVTdHlsZSI6eyIkaWQiOiIzNjQiLCJNYXJnaW4iOnsiJHJlZiI6IjEzOCJ9LCJQYWRkaW5nIjp7IiRyZWYiOiIxMzkifSwiQmFja2dyb3VuZCI6eyIkaWQiOiIzNjUiLCJDb2xvciI6eyIkaWQiOiIzNjYiLCJBIjoyNTUsIlIiOjE5MiwiRyI6MTU4LCJCIjoyMjZ9fSwiSXNWaXNpYmxlIjp0cnVlLCJXaWR0aCI6MC4wLCJIZWlnaHQiOjE2LjAsIkJvcmRlclN0eWxlIjp7IiRpZCI6IjM2NyIsIkxpbmVDb2xvciI6eyIkcmVmIjoiMTQzIn0sIkxpbmVXZWlnaHQiOjAuMCwiTGluZVR5cGUiOjAsIlBhcmVudFN0eWxlIjpudWxsfSwiUGFyZW50U3R5bGUiOm51bGx9LCJUaXRsZVN0eWxlIjp7IiRpZCI6IjM2OCIsIkZvbnRTZXR0aW5ncyI6eyIkaWQiOiIzNjkiLCJGb250U2l6ZSI6MTIsIkZvbnROYW1lIjoiQ2FsaWJyaSIsIklzQm9sZCI6dHJ1ZSwiSXNJdGFsaWMiOmZhbHNlLCJJc1VuZGVybGluZWQiOmZhbHNlLCJQYXJlbnRTdHlsZSI6bnVsbH0sIkF1dG9TaXplIjowLCJGb3JlZ3JvdW5kIjp7IiRyZWYiOiIxNDcifSwiTWF4V2lkdGgiOjcyMC4wLCJNYXhIZWlnaHQiOiJJbmZpbml0eSIsIlNtYXJ0Rm9yZWdyb3VuZElzQWN0aXZlIjpmYWxzZSwiSG9yaXpvbnRhbEFsaWdubWVudCI6MiwiVmVydGljYWxBbGlnbm1lbnQiOjAsIlNtYXJ0Rm9yZWdyb3VuZCI6bnVsbCwiQmFja2dyb3VuZEZpbGxUeXBlIjowLCJNYXJnaW4iOnsiJHJlZiI6IjE0OSJ9LCJQYWRkaW5nIjp7IiRyZWYiOiIxNTAifSwiQmFja2dyb3VuZCI6eyIkcmVmIjoiMTUxIn0sIklzVmlzaWJsZSI6dHJ1ZSwiV2lkdGgiOjAuMCwiSGVpZ2h0IjowLjAsIkJvcmRlclN0eWxlIjp7IiRpZCI6IjM3MCIsIkxpbmVDb2xvciI6bnVsbCwiTGluZVdlaWdodCI6MC4wLCJMaW5lVHlwZSI6MCwiUGFyZW50U3R5bGUiOm51bGx9LCJQYXJlbnRTdHlsZSI6bnVsbH0sIkRhdGVTdHlsZSI6eyIkaWQiOiIzNzEiLCJGb250U2V0dGluZ3MiOnsiJGlkIjoiMzcyIiwiRm9udFNpemUiOjEwLCJGb250TmFtZSI6IkNhbGlicmkiLCJJc0JvbGQiOmZhbHNlLCJJc0l0YWxpYyI6ZmFsc2UsIklzVW5kZXJsaW5lZCI6ZmFsc2UsIlBhcmVudFN0eWxlIjpudWxsfSwiQXV0b1NpemUiOjAsIkZvcmVncm91bmQiOnsiJHJlZiI6IjE1NCJ9LCJNYXhXaWR0aCI6MjAwLjAsIk1heEhlaWdodCI6IkluZmluaXR5IiwiU21hcnRGb3JlZ3JvdW5kSXNBY3RpdmUiOmZhbHNlLCJIb3Jpem9udGFsQWxpZ25tZW50IjowLCJWZXJ0aWNhbEFsaWdubWVudCI6MCwiU21hcnRGb3JlZ3JvdW5kIjpudWxsLCJCYWNrZ3JvdW5kRmlsbFR5cGUiOjAsIk1hcmdpbiI6eyIkcmVmIjoiMTU2In0sIlBhZGRpbmciOnsiJHJlZiI6IjE1NyJ9LCJCYWNrZ3JvdW5kIjp7IiRyZWYiOiIxNTgifSwiSXNWaXNpYmxlIjp0cnVlLCJXaWR0aCI6MC4wLCJIZWlnaHQiOjAuMCwiQm9yZGVyU3R5bGUiOnsiJGlkIjoiMzczIiwiTGluZUNvbG9yIjpudWxsLCJMaW5lV2VpZ2h0IjowLjAsIkxpbmVUeXBlIjowLCJQYXJlbnRTdHlsZSI6bnVsbH0sIlBhcmVudFN0eWxlIjpudWxsfSwiRGF0ZUZvcm1hdCI6eyIkcmVmIjoiMTU5In0sIldlZWtOdW1iZXJpbmciOnsiJGlkIjoiMzc0IiwiRm9ybWF0IjowLCJJc1Zpc2libGUiOmZhbHNlLCJMYXN0S25vd25WaXNpYmlsaXR5U3RhdGUiOmZhbHNlfSwiSXNWaXNpYmxlIjp0cnVlLCJQYXJlbnRTdHlsZSI6bnVsbH0sIkluZGV4Ijo2LCJTbWFydER1cmF0aW9uQWN0aXZhdGVkIjpmYWxzZSwiRGF0ZUZvcm1hdCI6eyIkcmVmIjoiMTU5In0sIldlZWtOdW1iZXJpbmciOnsiJGlkIjoiMzc1IiwiRm9ybWF0IjowLCJJc1Zpc2libGUiOmZhbHNlLCJMYXN0S25vd25WaXNpYmlsaXR5U3RhdGUiOmZhbHNlfSwiSWQiOiIzMTRlMDVkYi01OTNiLTRlYjgtODk4Yy1iMzhiM2E0YzI1ODUiLCJJbXBvcnRJZCI6bnVsbCwiVGl0bGUiOiJJbnZlc3RpZ2F0ZSAmIHByZXByb2Nlc3MgcmVhbCBkYXRhIHNldCIsIk5vdGUiOm51bGwsIkh5cGVybGluayI6eyIkaWQiOiIzNzYiLCJBZGRyZXNzIjoiIiwiU3ViQWRkcmVzcyI6IiJ9LCJJc0NoYW5nZWQiOmZhbHNlLCJJc05ldyI6ZmFsc2V9XSwiU3dpbWxhbmVzIjpbXSwiTXNQcm9qZWN0SXRlbXNUcmVlIjp7IiRpZCI6IjM3NyIsIlJvb3QiOnsiSW1wb3J0SWQiOm51bGwsIklzSW1wb3J0ZWQiOmZhbHNlLCJDaGlsZHJlbiI6W119fSwiTWV0YWRhdGEiOnsiJGlkIjoiMzc4IiwiUmVjZW50Q29sb3JzQ29sbGVjdGlvbiI6IltcIiNGRjAwNzJCQ1wiLFwiI0ZGMUFBQTQyXCIsXCIjRkZGRUJBMEFcIl0iLCJTb3VyY2VUZW1wbGF0ZSI6IntcIiRpZFwiOlwiMVwiLFwiSWRcIjpcImNjMjZmODYzLTI3Y2UtNDgwZS1hNTg5LWIzZjEyZjJkNmViMFwiLFwiQ3VsdHVyZUluZm9OYW1lXCI6XCJlbi1VU1wiLFwiVmVyc2lvblwiOntcIiRpZFwiOlwiMlwiLFwiVGVtcGxhdGVEb21WZXJzaW9uXCI6XCIxLjIuMFwifSxcIkVmZmVjdFwiOjEsXCJTdHlsZVwiOntcIiRpZFwiOlwiM1wiLFwiVGltZWJhbmRTdHlsZVwiOntcIiRpZFwiOlwiNFwiLFwiU2NhbGVNYXJraW5nXCI6MSxcIlNoYXBlXCI6MTAsXCJTaGFwZVN0eWxlXCI6e1wiJGlkXCI6XCI1XCIsXCJNYXJnaW5cIjp7XCIkaWRcIjpcIjZcIixcIlRvcFwiOjAuMCxcIkxlZnRcIjoxMC4wLFwiUmlnaHRcIjoxMC4wLFwiQm90dG9tXCI6MC4wfSxcIlBhZGRpbmdcIjp7XCIkaWRcIjpcIjdcIixcIlRvcFwiOjMuMCxcIkxlZnRcIjowLjAsXCJSaWdodFwiOjAuMCxcIkJvdHRvbVwiOjMuMH0sXCJCYWNrZ3JvdW5kXCI6e1wiJGlkXCI6XCI4XCIsXCJDb2xvclwiOntcIiRpZFwiOlwiOVwiLFwiQVwiOjI1NSxcIlJcIjo2OCxcIkdcIjo4NCxcIkJcIjoxMDZ9fSxcIklzVmlzaWJsZVwiOnRydWUsXCJXaWR0aFwiOjg1OC4wLFwiSGVpZ2h0XCI6MjAuMCxcIkJvcmRlclN0eWxlXCI6e1wiJGlkXCI6XCIxMFwiLFwiTGluZUNvbG9yXCI6e1wiJGlkXCI6XCIxMVwiLFwiJHR5cGVcIjpcIk5MUkUuQ29tbW9uLkRvbS5Tb2xpZENvbG9yQnJ1c2gsIE5MUkUuQ29tbW9uXCIsXCJDb2xvclwiOntcIiRpZFwiOlwiMTJcIixcIkFcIjoyNTUsXCJSXCI6MjU1LFwiR1wiOjAsXCJCXCI6MH19LFwiTGluZVdlaWdodFwiOjAuMCxcIkxpbmVUeXBlXCI6MH19LFwiTWlkZGxlVGllclNoYXBlU3R5bGVcIjp7XCIkaWRcIjpcIjEzXCIsXCJNYXJnaW5cIjp7XCIkaWRcIjpcIjE0XCIsXCJUb3BcIjowLjAsXCJMZWZ0XCI6MTAuMCxcIlJpZ2h0XCI6MTAuMCxcIkJvdHRvbVwiOjAuMH0sXCJQYWRkaW5nXCI6e1wiJGlkXCI6XCIxNVwiLFwiVG9wXCI6My4wLFwiTGVmdFwiOjAuMCxcIlJpZ2h0XCI6MC4wLFwiQm90dG9tXCI6My4wfSxcIkJhY2tncm91bmRcIjp7XCIkaWRcIjpcIjE2XCIsXCJDb2xvclwiOntcIiRpZFwiOlwiMTdcIixcIkFcIjoyNTUsXCJSXCI6NjgsXCJHXCI6ODQsXCJCXCI6MTA2fX0sXCJJc1Zpc2libGVcIjp0cnVlLFwiV2lkdGhcIjo4NTguMCxcIkhlaWdodFwiOjIwLjAsXCJCb3JkZXJTdHlsZVwiOntcIiRpZFwiOlwiMThcIixcIkxpbmVDb2xvclwiOntcIiRpZFwiOlwiMTlcIixcIiR0eXBlXCI6XCJOTFJFLkNvbW1vbi5Eb20uU29saWRDb2xvckJydXNoLCBOTFJFLkNvbW1vblwiLFwiQ29sb3JcIjp7XCIkaWRcIjpcIjIwXCIsXCJBXCI6MjU1LFwiUlwiOjI1NSxcIkdcIjowLFwiQlwiOjB9fSxcIkxpbmVXZWlnaHRcIjowLjAsXCJMaW5lVHlwZVwiOjB9fSxcIkJvdHRvbVRpZXJTaGFwZVN0eWxlXCI6e1wiJGlkXCI6XCIyMVwiLFwiTWFyZ2luXCI6e1wiJGlkXCI6XCIyMlwiLFwiVG9wXCI6MC4wLFwiTGVmdFwiOjEwLjAsXCJSaWdodFwiOjEwLjAsXCJCb3R0b21cIjowLjB9LFwiUGFkZGluZ1wiOntcIiRpZFwiOlwiMjNcIixcIlRvcFwiOjMuMCxcIkxlZnRcIjowLjAsXCJSaWdodFwiOjAuMCxcIkJvdHRvbVwiOjMuMH0sXCJCYWNrZ3JvdW5kXCI6e1wiJGlkXCI6XCIyNFwiLFwiQ29sb3JcIjp7XCIkaWRcIjpcIjI1XCIsXCJBXCI6MjU1LFwiUlwiOjY4LFwiR1wiOjg0LFwiQlwiOjEwNn19LFwiSXNWaXNpYmxlXCI6dHJ1ZSxcIldpZHRoXCI6ODU4LjAsXCJIZWlnaHRcIjoyMC4wLFwiQm9yZGVyU3R5bGVcIjp7XCIkaWRcIjpcIjI2XCIsXCJMaW5lQ29sb3JcIjp7XCIkaWRcIjpcIjI3XCIsXCIkdHlwZVwiOlwiTkxSRS5Db21tb24uRG9tLlNvbGlkQ29sb3JCcnVzaCwgTkxSRS5Db21tb25cIixcIkNvbG9yXCI6e1wiJGlkXCI6XCIyOFwiLFwiQVwiOjI1NSxcIlJcIjoyNTUsXCJHXCI6MCxcIkJcIjowfX0sXCJMaW5lV2VpZ2h0XCI6MC4wLFwiTGluZVR5cGVcIjowfX0sXCJSaWdodEVuZENhcHNTdHlsZVwiOntcIiRpZFwiOlwiMjlcIixcIkZvbnRTZXR0aW5nc1wiOntcIiRpZFwiOlwiMzBcIixcIkZvbnRTaXplXCI6MTgsXCJGb250TmFtZVwiOlwiQ2FsaWJyaVwiLFwiSXNCb2xkXCI6dHJ1ZSxcIklzSXRhbGljXCI6ZmFsc2UsXCJJc1VuZGVybGluZWRcIjpmYWxzZX0sXCJBdXRvU2l6ZVwiOjAsXCJGb3JlZ3JvdW5kXCI6e1wiJGlkXCI6XCIzMVwiLFwiQ29sb3JcIjp7XCIkaWRcIjpcIjMyXCIsXCJBXCI6MjU1LFwiUlwiOjIzNyxcIkdcIjoxMjUsXCJCXCI6NDl9fSxcIkJhY2tncm91bmRGaWxsVHlwZVwiOjAsXCJNYXhXaWR0aFwiOlwiSW5maW5pdHlcIixcIk1heEhlaWdodFwiOlwiSW5maW5pdHlcIixcIlNtYXJ0Rm9yZWdyb3VuZElzQWN0aXZlXCI6ZmFsc2UsXCJIb3Jpem9udGFsQWxpZ25tZW50XCI6MCxcIlZlcnRpY2FsQWxpZ25tZW50XCI6MCxcIlNtYXJ0Rm9yZWdyb3VuZFwiOm51bGwsXCJNYXJnaW5cIjp7XCIkaWRcIjpcIjMzXCIsXCJUb3BcIjowLjAsXCJMZWZ0XCI6MC4wLFwiUmlnaHRcIjoyMC4wLFwiQm90dG9tXCI6MC4wfSxcIlBhZGRpbmdcIjp7XCIkaWRcIjpcIjM0XCIsXCJUb3BcIjowLjAsXCJMZWZ0XCI6MC4wLFwiUmlnaHRcIjowLjAsXCJCb3R0b21cIjowLjB9LFwiQmFja2dyb3VuZFwiOntcIiRpZFwiOlwiMzVcIixcIkNvbG9yXCI6e1wiJGlkXCI6XCIzNlwiLFwiQVwiOjAsXCJSXCI6MCxcIkdcIjowLFwiQlwiOjB9fSxcIklzVmlzaWJsZVwiOnRydWUsXCJXaWR0aFwiOjAuMCxcIkhlaWdodFwiOjAuMCxcIkJvcmRlclN0eWxlXCI6bnVsbH0sXCJMZWZ0RW5kQ2Fwc1N0eWxlXCI6e1wiJGlkXCI6XCIzN1wiLFwiRm9udFNldHRpbmdzXCI6e1wiJGlkXCI6XCIzOFwiLFwiRm9udFNpemVcIjoxOCxcIkZvbnROYW1lXCI6XCJDYWxpYnJpXCIsXCJJc0JvbGRcIjp0cnVlLFwiSXNJdGFsaWNcIjpmYWxzZSxcIklzVW5kZXJsaW5lZFwiOmZhbHNlfSxcIkF1dG9TaXplXCI6MCxcIkZvcmVncm91bmRcIjp7XCIkaWRcIjpcIjM5XCIsXCJDb2xvclwiOntcIiRpZFwiOlwiNDBcIixcIkFcIjoyNTUsXCJSXCI6MjM3LFwiR1wiOjEyNSxcIkJcIjo0OX19LFwiQmFja2dyb3VuZEZpbGxUeXBlXCI6MCxcIk1heFdpZHRoXCI6XCJJbmZpbml0eVwiLFwiTWF4SGVpZ2h0XCI6XCJJbmZpbml0eVwiLFwiU21hcnRGb3JlZ3JvdW5kSXNBY3RpdmVcIjpmYWxzZSxcIkhvcml6b250YWxBbGlnbm1lbnRcIjowLFwiVmVydGljYWxBbGlnbm1lbnRcIjowLFwiU21hcnRGb3JlZ3JvdW5kXCI6bnVsbCxcIk1hcmdpblwiOntcIiRpZFwiOlwiNDFcIixcIlRvcFwiOjAuMCxcIkxlZnRcIjoyMC4wLFwiUmlnaHRcIjowLjAsXCJCb3R0b21cIjowLjB9LFwiUGFkZGluZ1wiOntcIiRpZFwiOlwiNDJcIixcIlRvcFwiOjAuMCxcIkxlZnRcIjowLjAsXCJSaWdodFwiOjAuMCxcIkJvdHRvbVwiOjAuMH0sXCJCYWNrZ3JvdW5kXCI6e1wiJGlkXCI6XCI0M1wiLFwiQ29sb3JcIjp7XCIkcmVmXCI6XCIzNlwifX0sXCJJc1Zpc2libGVcIjpmYWxzZSxcIldpZHRoXCI6MC4wLFwiSGVpZ2h0XCI6MC4wLFwiQm9yZGVyU3R5bGVcIjpudWxsfSxcIlRvZGF5VGV4dFN0eWxlXCI6e1wiJGlkXCI6XCI0NFwiLFwiRm9udFNldHRpbmdzXCI6e1wiJGlkXCI6XCI0NVwiLFwiRm9udFNpemVcIjoxMixcIkZvbnROYW1lXCI6XCJDYWxpYnJpXCIsXCJJc0JvbGRcIjpmYWxzZSxcIklzSXRhbGljXCI6ZmFsc2UsXCJJc1VuZGVybGluZWRcIjpmYWxzZX0sXCJBdXRvU2l6ZVwiOjAsXCJGb3JlZ3JvdW5kXCI6e1wiJGlkXCI6XCI0NlwiLFwiQ29sb3JcIjp7XCIkaWRcIjpcIjQ3XCIsXCJBXCI6MjU1LFwiUlwiOjAsXCJHXCI6MCxcIkJcIjowfX0sXCJCYWNrZ3JvdW5kRmlsbFR5cGVcIjowLFwiTWF4V2lkdGhcIjoyMDAuMCxcIk1heEhlaWdodFwiOlwiSW5maW5pdHlcIixcIlNtYXJ0Rm9yZWdyb3VuZElzQWN0aXZlXCI6ZmFsc2UsXCJIb3Jpem9udGFsQWxpZ25tZW50XCI6MCxcIlZlcnRpY2FsQWxpZ25tZW50XCI6MCxcIlNtYXJ0Rm9yZWdyb3VuZFwiOm51bGwsXCJNYXJnaW5cIjp7XCIkaWRcIjpcIjQ4XCIsXCJUb3BcIjowLjAsXCJMZWZ0XCI6MC4wLFwiUmlnaHRcIjowLjAsXCJCb3R0b21cIjowLjB9LFwiUGFkZGluZ1wiOntcIiRpZFwiOlwiNDlcIixcIlRvcFwiOjAuMCxcIkxlZnRcIjowLjAsXCJSaWdodFwiOjAuMCxcIkJvdHRvbVwiOjAuMH0sXCJCYWNrZ3JvdW5kXCI6e1wiJGlkXCI6XCI1MFwiLFwiQ29sb3JcIjp7XCIkcmVmXCI6XCIzNlwifX0sXCJJc1Zpc2libGVcIjp0cnVlLFwiV2lkdGhcIjowLjAsXCJIZWlnaHRcIjowLjAsXCJCb3JkZXJTdHlsZVwiOm51bGx9LFwiVG9kYXlNYXJrZXJTdHlsZVwiOntcIiRpZFwiOlwiNTFcIixcIk1hcmdpblwiOntcIiRpZFwiOlwiNTJcIixcIlRvcFwiOjAuMCxcIkxlZnRcIjowLjAsXCJSaWdodFwiOjAuMCxcIkJvdHRvbVwiOjAuMH0sXCJQYWRkaW5nXCI6e1wiJGlkXCI6XCI1M1wiLFwiVG9wXCI6MC4wLFwiTGVmdFwiOjAuMCxcIlJpZ2h0XCI6MC4wLFwiQm90dG9tXCI6MC4wfSxcIkJhY2tncm91bmRcIjp7XCIkaWRcIjpcIjU0XCIsXCJDb2xvclwiOntcIiRpZFwiOlwiNTVcIixcIkFcIjoyNTUsXCJSXCI6MjU1LFwiR1wiOjAsXCJCXCI6MH19LFwiSXNWaXNpYmxlXCI6dHJ1ZSxcIldpZHRoXCI6MC4wLFwiSGVpZ2h0XCI6MC4wLFwiQm9yZGVyU3R5bGVcIjpudWxsfSxcIlNjYWxlU3R5bGVcIjp7XCIkaWRcIjpcIjU2XCIsXCJTaG93U2VnbWVudFNlcGFyYXRvcnNcIjpmYWxzZSxcIlNlZ21lbnRTZXBhcmF0b3JPcGFjaXR5XCI6MzAsXCJTaGFwZVwiOjMsXCJIYXNCZWVuVmlzaWJsZUJlZm9yZVwiOnRydWUsXCJGb250U2V0dGluZ3NcIjp7XCIkaWRcIjpcIjU3XCIsXCJGb250U2l6ZVwiOjEyLFwiRm9udE5hbWVcIjpcIkNhbGlicmlcIixcIklzQm9sZFwiOmZhbHNlLFwiSXNJdGFsaWNcIjpmYWxzZSxcIklzVW5kZXJsaW5lZFwiOmZhbHNlfSxcIkF1dG9TaXplXCI6MCxcIkZvcmVncm91bmRcIjp7XCIkaWRcIjpcIjU4XCIsXCJDb2xvclwiOntcIiRpZFwiOlwiNTlcIixcIkFcIjoyNTUsXCJSXCI6MjU1LFwiR1wiOjI1NSxcIkJcIjoyNTV9fSxcIkJhY2tncm91bmRGaWxsVHlwZVwiOjAsXCJNYXhXaWR0aFwiOjIwMC4wLFwiTWF4SGVpZ2h0XCI6XCJJbmZpbml0eVwiLFwiU21hcnRGb3JlZ3JvdW5kSXNBY3RpdmVcIjpmYWxzZSxcIkhvcml6b250YWxBbGlnbm1lbnRcIjowLFwiVmVydGljYWxBbGlnbm1lbnRcIjoxLFwiU21hcnRGb3JlZ3JvdW5kXCI6bnVsbCxcIk1hcmdpblwiOntcIiRpZFwiOlwiNjBcIixcIlRvcFwiOjAuMCxcIkxlZnRcIjo1LjAsXCJSaWdodFwiOjAuMCxcIkJvdHRvbVwiOjAuMH0sXCJQYWRkaW5nXCI6e1wiJGlkXCI6XCI2MVwiLFwiVG9wXCI6MC4wLFwiTGVmdFwiOjAuMCxcIlJpZ2h0XCI6MC4wLFwiQm90dG9tXCI6MC4wfSxcIkJhY2tncm91bmRcIjp7XCIkaWRcIjpcIjYyXCIsXCJDb2xvclwiOntcIiRyZWZcIjpcIjM2XCJ9fSxcIklzVmlzaWJsZVwiOnRydWUsXCJXaWR0aFwiOjAuMCxcIkhlaWdodFwiOjAuMCxcIkJvcmRlclN0eWxlXCI6bnVsbH0sXCJNaWRkbGVUaWVyU2NhbGVTdHlsZVwiOntcIiRpZFwiOlwiNjNcIixcIlNob3dTZWdtZW50U2VwYXJhdG9yc1wiOmZhbHNlLFwiU2VnbWVudFNlcGFyYXRvck9wYWNpdHlcIjozMCxcIlNoYXBlXCI6MyxcIkhhc0JlZW5WaXNpYmxlQmVmb3JlXCI6ZmFsc2UsXCJGb250U2V0dGluZ3NcIjp7XCIkaWRcIjpcIjY0XCIsXCJGb250U2l6ZVwiOjEyLFwiRm9udE5hbWVcIjpcIkNhbGlicmlcIixcIklzQm9sZFwiOmZhbHNlLFwiSXNJdGFsaWNcIjpmYWxzZSxcIklzVW5kZXJsaW5lZFwiOmZhbHNlfSxcIkF1dG9TaXplXCI6MCxcIkZvcmVncm91bmRcIjp7XCIkaWRcIjpcIjY1XCIsXCJDb2xvclwiOntcIiRpZFwiOlwiNjZcIixcIkFcIjoyNTUsXCJSXCI6MjU1LFwiR1wiOjI1NSxcIkJcIjoyNTV9fSxcIkJhY2tncm91bmRGaWxsVHlwZVwiOjAsXCJNYXhXaWR0aFwiOjIwMC4wLFwiTWF4SGVpZ2h0XCI6XCJJbmZpbml0eVwiLFwiU21hcnRGb3JlZ3JvdW5kSXNBY3RpdmVcIjpmYWxzZSxcIkhvcml6b250YWxBbGlnbm1lbnRcIjowLFwiVmVydGljYWxBbGlnbm1lbnRcIjoxLFwiU21hcnRGb3JlZ3JvdW5kXCI6bnVsbCxcIk1hcmdpblwiOntcIiRpZFwiOlwiNjdcIixcIlRvcFwiOjAuMCxcIkxlZnRcIjo1LjAsXCJSaWdodFwiOjAuMCxcIkJvdHRvbVwiOjAuMH0sXCJQYWRkaW5nXCI6e1wiJGlkXCI6XCI2OFwiLFwiVG9wXCI6MC4wLFwiTGVmdFwiOjAuMCxcIlJpZ2h0XCI6MC4wLFwiQm90dG9tXCI6MC4wfSxcIkJhY2tncm91bmRcIjp7XCIkaWRcIjpcIjY5XCIsXCJDb2xvclwiOntcIiRpZFwiOlwiNzBcIixcIkFcIjowLFwiUlwiOjAsXCJHXCI6MCxcIkJcIjowfX0sXCJJc1Zpc2libGVcIjpmYWxzZSxcIldpZHRoXCI6MC4wLFwiSGVpZ2h0XCI6MC4wLFwiQm9yZGVyU3R5bGVcIjpudWxsfSxcIkJvdHRvbVRpZXJTY2FsZVN0eWxlXCI6e1wiJGlkXCI6XCI3MVwiLFwiU2hvd1NlZ21lbnRTZXBhcmF0b3JzXCI6ZmFsc2UsXCJTZWdtZW50U2VwYXJhdG9yT3BhY2l0eVwiOjMwLFwiU2hhcGVcIjozLFwiSGFzQmVlblZpc2libGVCZWZvcmVcIjpmYWxzZSxcIkZvbnRTZXR0aW5nc1wiOntcIiRpZFwiOlwiNzJcIixcIkZvbnRTaXplXCI6MTIsXCJGb250TmFtZVwiOlwiQ2FsaWJyaVwiLFwiSXNCb2xkXCI6ZmFsc2UsXCJJc0l0YWxpY1wiOmZhbHNlLFwiSXNVbmRlcmxpbmVkXCI6ZmFsc2V9LFwiQXV0b1NpemVcIjowLFwiRm9yZWdyb3VuZFwiOntcIiRpZFwiOlwiNzNcIixcIkNvbG9yXCI6e1wiJGlkXCI6XCI3NFwiLFwiQVwiOjI1NSxcIlJcIjoyNTUsXCJHXCI6MjU1LFwiQlwiOjI1NX19LFwiQmFja2dyb3VuZEZpbGxUeXBlXCI6MCxcIk1heFdpZHRoXCI6MjAwLjAsXCJNYXhIZWlnaHRcIjpcIkluZmluaXR5XCIsXCJTbWFydEZvcmVncm91bmRJc0FjdGl2ZVwiOmZhbHNlLFwiSG9yaXpvbnRhbEFsaWdubWVudFwiOjAsXCJWZXJ0aWNhbEFsaWdubWVudFwiOjEsXCJTbWFydEZvcmVncm91bmRcIjpudWxsLFwiTWFyZ2luXCI6e1wiJGlkXCI6XCI3NVwiLFwiVG9wXCI6MC4wLFwiTGVmdFwiOjUuMCxcIlJpZ2h0XCI6MC4wLFwiQm90dG9tXCI6MC4wfSxcIlBhZGRpbmdcIjp7XCIkaWRcIjpcIjc2XCIsXCJUb3BcIjowLjAsXCJMZWZ0XCI6MC4wLFwiUmlnaHRcIjowLjAsXCJCb3R0b21cIjowLjB9LFwiQmFja2dyb3VuZFwiOntcIiRpZFwiOlwiNzdcIixcIkNvbG9yXCI6e1wiJGlkXCI6XCI3OFwiLFwiQVwiOjAsXCJSXCI6MCxcIkdcIjowLFwiQlwiOjB9fSxcIklzVmlzaWJsZVwiOmZhbHNlLFwiV2lkdGhcIjowLjAsXCJIZWlnaHRcIjowLjAsXCJCb3JkZXJTdHlsZVwiOm51bGx9LFwiU2luZ2xlU2NhbGVTaGFwZVN0eWxlXCI6bnVsbCxcIkVsYXBzZWRUaW1lQmFja2dyb3VuZFwiOntcIiRpZFwiOlwiNzlcIixcIkNvbG9yXCI6e1wiJGlkXCI6XCI4MFwiLFwiQVwiOjE5MSxcIlJcIjoyNTUsXCJHXCI6MCxcIkJcIjowfX0sXCJBcHBlbmRZZWFyT25ZZWFyQ2hhbmdlXCI6ZmFsc2UsXCJFbGFwc2VkVGltZUZvcm1hdFwiOjIsXCJUb2RheU1hcmtlclBvc2l0aW9uXCI6MyxcIlF1aWNrUG9zaXRpb25cIjoyLFwiQWJzb2x1dGVQb3NpdGlvblwiOjQwNS4wLFwiTWFyZ2luXCI6e1wiJGlkXCI6XCI4MVwiLFwiVG9wXCI6MC4wLFwiTGVmdFwiOjEwLjAsXCJSaWdodFwiOjEwLjAsXCJCb3R0b21cIjowLjB9LFwiUGFkZGluZ1wiOntcIiRpZFwiOlwiODJcIixcIlRvcFwiOjAuMCxcIkxlZnRcIjowLjAsXCJSaWdodFwiOjAuMCxcIkJvdHRvbVwiOjAuMH0sXCJCYWNrZ3JvdW5kXCI6e1wiJGlkXCI6XCI4M1wiLFwiQ29sb3JcIjp7XCIkaWRcIjpcIjg0XCIsXCJBXCI6MjU1LFwiUlwiOjQ3LFwiR1wiOjU0LFwiQlwiOjE1M319LFwiSXNWaXNpYmxlXCI6dHJ1ZSxcIldpZHRoXCI6MC4wLFwiSGVpZ2h0XCI6MC4wLFwiQm9yZGVyU3R5bGVcIjpudWxsfSxcIkRlZmF1bHRNaWxlc3RvbmVTdHlsZVwiOntcIiRpZFwiOlwiODVcIixcIlNoYXBlXCI6MixcIkNvbm5lY3Rvck1hcmdpblwiOntcIiRpZFwiOlwiODZcIixcIlRvcFwiOjAuMCxcIkxlZnRcIjoyLjAsXCJSaWdodFwiOjIuMCxcIkJvdHRvbVwiOjAuMH0sXCJDb25uZWN0b3JTdHlsZVwiOntcIiRpZFwiOlwiODdcIixcIkxpbmVDb2xvclwiOntcIiRpZFwiOlwiODhcIixcIiR0eXBlXCI6XCJOTFJFLkNvbW1vbi5Eb20uU29saWRDb2xvckJydXNoLCBOTFJFLkNvbW1vblwiLFwiQ29sb3JcIjp7XCIkaWRcIjpcIjg5XCIsXCJBXCI6MTI3LFwiUlwiOjc5LFwiR1wiOjEyOSxcIkJcIjoxODl9fSxcIkxpbmVXZWlnaHRcIjoxLjAsXCJMaW5lVHlwZVwiOjB9LFwiSXNCZWxvd1RpbWViYW5kXCI6ZmFsc2UsXCJIaWRlRGF0ZVwiOmZhbHNlLFwiU2hhcGVTaXplXCI6MSxcIlNwYWNpbmdcIjoyLjAsXCJQYWRkaW5nXCI6e1wiJGlkXCI6XCI5MFwiLFwiVG9wXCI6Ny4wLFwiTGVmdFwiOjMuMCxcIlJpZ2h0XCI6MC4wLFwiQm90dG9tXCI6Mi4wfSxcIlBvc2l0aW9uXCI6bnVsbCxcIlBvc2l0aW9uT25UYXNrXCI6MCxcIlNoYXBlU3R5bGVcIjp7XCIkaWRcIjpcIjkxXCIsXCJNYXJnaW5cIjp7XCIkaWRcIjpcIjkyXCIsXCJUb3BcIjowLjAsXCJMZWZ0XCI6MC4wLFwiUmlnaHRcIjowLjAsXCJCb3R0b21cIjowLjB9LFwiUGFkZGluZ1wiOntcIiRpZFwiOlwiOTNcIixcIlRvcFwiOjAuMCxcIkxlZnRcIjowLjAsXCJSaWdodFwiOjAuMCxcIkJvdHRvbVwiOjAuMH0sXCJCYWNrZ3JvdW5kXCI6e1wiJGlkXCI6XCI5NFwiLFwiQ29sb3JcIjp7XCIkaWRcIjpcIjk1XCIsXCJBXCI6MjU1LFwiUlwiOjAsXCJHXCI6MTE0LFwiQlwiOjE4OH19LFwiSXNWaXNpYmxlXCI6dHJ1ZSxcIldpZHRoXCI6MTMuMCxcIkhlaWdodFwiOjEzLjAsXCJCb3JkZXJTdHlsZVwiOntcIiRpZFwiOlwiOTZcIixcIkxpbmVDb2xvclwiOntcIiRpZFwiOlwiOTdcIixcIiR0eXBlXCI6XCJOTFJFLkNvbW1vbi5Eb20uU29saWRDb2xvckJydXNoLCBOTFJFLkNvbW1vblwiLFwiQ29sb3JcIjp7XCIkaWRcIjpcIjk4XCIsXCJBXCI6MjU1LFwiUlwiOjI1NSxcIkdcIjowLFwiQlwiOjB9fSxcIkxpbmVXZWlnaHRcIjowLjAsXCJMaW5lVHlwZVwiOjB9fSxcIlRpdGxlU3R5bGVcIjp7XCIkaWRcIjpcIjk5XCIsXCJGb250U2V0dGluZ3NcIjp7XCIkaWRcIjpcIjEwMFwiLFwiRm9udFNpemVcIjoxMSxcIkZvbnROYW1lXCI6XCJDYWxpYnJpXCIsXCJJc0JvbGRcIjp0cnVlLFwiSXNJdGFsaWNcIjpmYWxzZSxcIklzVW5kZXJsaW5lZFwiOmZhbHNlfSxcIkF1dG9TaXplXCI6MCxcIkZvcmVncm91bmRcIjp7XCIkaWRcIjpcIjEwMVwiLFwiQ29sb3JcIjp7XCIkaWRcIjpcIjEwMlwiLFwiQVwiOjI1NSxcIlJcIjowLFwiR1wiOjAsXCJCXCI6MH19LFwiQmFja2dyb3VuZEZpbGxUeXBlXCI6MCxcIk1heFdpZHRoXCI6MjAwLjAsXCJNYXhIZWlnaHRcIjpcIkluZmluaXR5XCIsXCJTbWFydEZvcmVncm91bmRJc0FjdGl2ZVwiOmZhbHNlLFwiSG9yaXpvbnRhbEFsaWdubWVudFwiOjAsXCJWZXJ0aWNhbEFsaWdubWVudFwiOjAsXCJTbWFydEZvcmVncm91bmRcIjpudWxsLFwiTWFyZ2luXCI6e1wiJGlkXCI6XCIxMDNcIixcIlRvcFwiOjAuMCxcIkxlZnRcIjowLjAsXCJSaWdodFwiOjAuMCxcIkJvdHRvbVwiOjAuMH0sXCJQYWRkaW5nXCI6e1wiJGlkXCI6XCIxMDRcIixcIlRvcFwiOjAuMCxcIkxlZnRcIjowLjAsXCJSaWdodFwiOjAuMCxcIkJvdHRvbVwiOjAuMH0sXCJCYWNrZ3JvdW5kXCI6e1wiJGlkXCI6XCIxMDVcIixcIkNvbG9yXCI6e1wiJHJlZlwiOlwiMzZcIn19LFwiSXNWaXNpYmxlXCI6dHJ1ZSxcIldpZHRoXCI6MC4wLFwiSGVpZ2h0XCI6MC4wLFwiQm9yZGVyU3R5bGVcIjpudWxsfSxcIkRhdGVTdHlsZVwiOntcIiRpZFwiOlwiMTA2XCIsXCJGb250U2V0dGluZ3NcIjp7XCIkaWRcIjpcIjEwN1wiLFwiRm9udFNpemVcIjoxMCxcIkZvbnROYW1lXCI6XCJDYWxpYnJpXCIsXCJJc0JvbGRcIjpmYWxzZSxcIklzSXRhbGljXCI6ZmFsc2UsXCJJc1VuZGVybGluZWRcIjpmYWxzZX0sXCJBdXRvU2l6ZVwiOjAsXCJGb3JlZ3JvdW5kXCI6e1wiJGlkXCI6XCIxMDhcIixcIkNvbG9yXCI6e1wiJGlkXCI6XCIxMDlcIixcIkFcIjoyNTUsXCJSXCI6NjgsXCJHXCI6ODQsXCJCXCI6MTA2fX0sXCJCYWNrZ3JvdW5kRmlsbFR5cGVcIjowLFwiTWF4V2lkdGhcIjoyMDAuMCxcIk1heEhlaWdodFwiOlwiSW5maW5pdHlcIixcIlNtYXJ0Rm9yZWdyb3VuZElzQWN0aXZlXCI6ZmFsc2UsXCJIb3Jpem9udGFsQWxpZ25tZW50XCI6MCxcIlZlcnRpY2FsQWxpZ25tZW50XCI6MCxcIlNtYXJ0Rm9yZWdyb3VuZFwiOm51bGwsXCJNYXJnaW5cIjp7XCIkaWRcIjpcIjExMFwiLFwiVG9wXCI6MC4wLFwiTGVmdFwiOjAuMCxcIlJpZ2h0XCI6MC4wLFwiQm90dG9tXCI6MC4wfSxcIlBhZGRpbmdcIjp7XCIkaWRcIjpcIjExMVwiLFwiVG9wXCI6MC4wLFwiTGVmdFwiOjAuMCxcIlJpZ2h0XCI6MC4wLFwiQm90dG9tXCI6MC4wfSxcIkJhY2tncm91bmRcIjp7XCIkaWRcIjpcIjExMlwiLFwiQ29sb3JcIjp7XCIkcmVmXCI6XCIzNlwifX0sXCJJc1Zpc2libGVcIjp0cnVlLFwiV2lkdGhcIjowLjAsXCJIZWlnaHRcIjowLjAsXCJCb3JkZXJTdHlsZVwiOm51bGx9LFwiRGF0ZUZvcm1hdFwiOntcIiRpZFwiOlwiMTEzXCIsXCJGb3JtYXRTdHJpbmdcIjpcIk1NTSBkXCIsXCJTZXBhcmF0b3JcIjpcIi9cIixcIlVzZUludGVybmF0aW9uYWxEYXRlRm9ybWF0XCI6ZmFsc2UsXCJEYXRlSXNWaXNpYmxlXCI6dHJ1ZSxcIlRpbWVJc1Zpc2libGVcIjpmYWxzZSxcIkhvdXJEaWdpdHNcIjoxLFwiQW1QbURlc2lnbmF0b3JcIjoyLFwiVHJpbTAwTWludXRlc1wiOmZhbHNlLFwiTGFzdEtub3duVmlzaWJpbGl0eVN0YXRlXCI6bnVsbH0sXCJJc1Zpc2libGVcIjp0cnVlfSxcIkRlZmF1bHRUYXNrU3R5bGVcIjp7XCIkaWRcIjpcIjExNFwiLFwiU2hhcGVcIjoxLFwiU2hhcGVUaGlja25lc3NcIjowLFwiRHVyYXRpb25Gb3JtYXRcIjowLFwiUGVyY2VudGFnZUNvbXBsZXRlU3R5bGVcIjp7XCIkaWRcIjpcIjExNVwiLFwiRm9udFNldHRpbmdzXCI6e1wiJGlkXCI6XCIxMTZcIixcIkZvbnRTaXplXCI6MTAsXCJGb250TmFtZVwiOlwiQ2FsaWJyaVwiLFwiSXNCb2xkXCI6ZmFsc2UsXCJJc0l0YWxpY1wiOmZhbHNlLFwiSXNVbmRlcmxpbmVkXCI6ZmFsc2V9LFwiQXV0b1NpemVcIjowLFwiRm9yZWdyb3VuZFwiOntcIiRpZFwiOlwiMTE3XCIsXCJDb2xvclwiOntcIiRpZFwiOlwiMTE4XCIsXCJBXCI6MjU1LFwiUlwiOjIzNyxcIkdcIjoxMjUsXCJCXCI6NDl9fSxcIkJhY2tncm91bmRGaWxsVHlwZVwiOjAsXCJNYXhXaWR0aFwiOjIwMC4wLFwiTWF4SGVpZ2h0XCI6XCJJbmZpbml0eVwiLFwiU21hcnRGb3JlZ3JvdW5kSXNBY3RpdmVcIjpmYWxzZSxcIkhvcml6b250YWxBbGlnbm1lbnRcIjowLFwiVmVydGljYWxBbGlnbm1lbnRcIjowLFwiU21hcnRGb3JlZ3JvdW5kXCI6bnVsbCxcIk1hcmdpblwiOntcIiRpZFwiOlwiMTE5XCIsXCJUb3BcIjowLjAsXCJMZWZ0XCI6MC4wLFwiUmlnaHRcIjowLjAsXCJCb3R0b21cIjowLjB9LFwiUGFkZGluZ1wiOntcIiRpZFwiOlwiMTIwXCIsXCJUb3BcIjowLjAsXCJMZWZ0XCI6MC4wLFwiUmlnaHRcIjowLjAsXCJCb3R0b21cIjowLjB9LFwiQmFja2dyb3VuZFwiOntcIiRpZFwiOlwiMTIxXCIsXCJDb2xvclwiOntcIiRyZWZcIjpcIjM2XCJ9fSxcIklzVmlzaWJsZVwiOnRydWUsXCJXaWR0aFwiOjAuMCxcIkhlaWdodFwiOjAuMCxcIkJvcmRlclN0eWxlXCI6bnVsbH0sXCJEdXJhdGlvblN0eWxlXCI6e1wiJGlkXCI6XCIxMjJcIixcIkZvbnRTZXR0aW5nc1wiOntcIiRpZFwiOlwiMTIzXCIsXCJGb250U2l6ZVwiOjEwLFwiRm9udE5hbWVcIjpcIkNhbGlicmlcIixcIklzQm9sZFwiOmZhbHNlLFwiSXNJdGFsaWNcIjpmYWxzZSxcIklzVW5kZXJsaW5lZFwiOmZhbHNlfSxcIkF1dG9TaXplXCI6MCxcIkZvcmVncm91bmRcIjp7XCIkaWRcIjpcIjEyNFwiLFwiQ29sb3JcIjp7XCIkaWRcIjpcIjEyNVwiLFwiQVwiOjI1NSxcIlJcIjoyMzcsXCJHXCI6MTI1LFwiQlwiOjQ5fX0sXCJCYWNrZ3JvdW5kRmlsbFR5cGVcIjowLFwiTWF4V2lkdGhcIjoyMDAuMCxcIk1heEhlaWdodFwiOlwiSW5maW5pdHlcIixcIlNtYXJ0Rm9yZWdyb3VuZElzQWN0aXZlXCI6ZmFsc2UsXCJIb3Jpem9udGFsQWxpZ25tZW50XCI6MCxcIlZlcnRpY2FsQWxpZ25tZW50XCI6MCxcIlNtYXJ0Rm9yZWdyb3VuZFwiOm51bGwsXCJNYXJnaW5cIjp7XCIkaWRcIjpcIjEyNlwiLFwiVG9wXCI6MC4wLFwiTGVmdFwiOjAuMCxcIlJpZ2h0XCI6MC4wLFwiQm90dG9tXCI6MC4wfSxcIlBhZGRpbmdcIjp7XCIkaWRcIjpcIjEyN1wiLFwiVG9wXCI6MC4wLFwiTGVmdFwiOjAuMCxcIlJpZ2h0XCI6MC4wLFwiQm90dG9tXCI6MC4wfSxcIkJhY2tncm91bmRcIjp7XCIkaWRcIjpcIjEyOFwiLFwiQ29sb3JcIjp7XCIkcmVmXCI6XCIzNlwifX0sXCJJc1Zpc2libGVcIjp0cnVlLFwiV2lkdGhcIjowLjAsXCJIZWlnaHRcIjowLjAsXCJCb3JkZXJTdHlsZVwiOm51bGx9LFwiSG9yaXpvbnRhbENvbm5lY3RvclN0eWxlXCI6e1wiJGlkXCI6XCIxMjlcIixcIkxpbmVDb2xvclwiOntcIiRpZFwiOlwiMTMwXCIsXCIkdHlwZVwiOlwiTkxSRS5Db21tb24uRG9tLlNvbGlkQ29sb3JCcnVzaCwgTkxSRS5Db21tb25cIixcIkNvbG9yXCI6e1wiJGlkXCI6XCIxMzFcIixcIkFcIjoyNTUsXCJSXCI6MjA0LFwiR1wiOjIwNCxcIkJcIjoyMDR9fSxcIkxpbmVXZWlnaHRcIjoxLjAsXCJMaW5lVHlwZVwiOjB9LFwiVmVydGljYWxDb25uZWN0b3JTdHlsZVwiOntcIiRpZFwiOlwiMTMyXCIsXCJMaW5lQ29sb3JcIjp7XCIkaWRcIjpcIjEzM1wiLFwiJHR5cGVcIjpcIk5MUkUuQ29tbW9uLkRvbS5Tb2xpZENvbG9yQnJ1c2gsIE5MUkUuQ29tbW9uXCIsXCJDb2xvclwiOntcIiRpZFwiOlwiMTM0XCIsXCJBXCI6MjU1LFwiUlwiOjIwNCxcIkdcIjoyMDQsXCJCXCI6MjA0fX0sXCJMaW5lV2VpZ2h0XCI6MC4wLFwiTGluZVR5cGVcIjowfSxcIk1hcmdpblwiOm51bGwsXCJTdGFydERhdGVQb3NpdGlvblwiOjMsXCJFbmREYXRlUG9zaXRpb25cIjozLFwiVGl0bGVQb3NpdGlvblwiOjQsXCJEdXJhdGlvblBvc2l0aW9uXCI6NixcIlBlcmNlbnRhZ2VDb21wbGV0ZWRQb3NpdGlvblwiOjYsXCJTcGFjaW5nXCI6NSxcIklzQmVsb3dUaW1lYmFuZFwiOmZhbHNlLFwiUGVyY2VudGFnZUNvbXBsZXRlU2hhcGVPcGFjaXR5XCI6MzUsXCJHcm91cE5hbWVcIjpudWxsLFwiQXR0YWNoZWRNaWxlc3RvbmVzU3R5bGVzXCI6bnVsbCxcIlNoYXBlU3R5bGVcIjp7XCIkaWRcIjpcIjEzNVwiLFwiTWFyZ2luXCI6e1wiJGlkXCI6XCIxMzZcIixcIlRvcFwiOjAuMCxcIkxlZnRcIjo0LjAsXCJSaWdodFwiOjQuMCxcIkJvdHRvbVwiOjAuMH0sXCJQYWRkaW5nXCI6e1wiJGlkXCI6XCIxMzdcIixcIlRvcFwiOjAuMCxcIkxlZnRcIjowLjAsXCJSaWdodFwiOjAuMCxcIkJvdHRvbVwiOjAuMH0sXCJCYWNrZ3JvdW5kXCI6e1wiJGlkXCI6XCIxMzhcIixcIkNvbG9yXCI6e1wiJGlkXCI6XCIxMzlcIixcIkFcIjoyNTUsXCJSXCI6MCxcIkdcIjoxMTQsXCJCXCI6MTg4fX0sXCJJc1Zpc2libGVcIjp0cnVlLFwiV2lkdGhcIjowLjAsXCJIZWlnaHRcIjoxMC4wLFwiQm9yZGVyU3R5bGVcIjp7XCIkaWRcIjpcIjE0MFwiLFwiTGluZUNvbG9yXCI6e1wiJGlkXCI6XCIxNDFcIixcIiR0eXBlXCI6XCJOTFJFLkNvbW1vbi5Eb20uU29saWRDb2xvckJydXNoLCBOTFJFLkNvbW1vblwiLFwiQ29sb3JcIjp7XCIkaWRcIjpcIjE0MlwiLFwiQVwiOjI1NSxcIlJcIjoyNTUsXCJHXCI6MCxcIkJcIjowfX0sXCJMaW5lV2VpZ2h0XCI6MC4wLFwiTGluZVR5cGVcIjowfX0sXCJUaXRsZVN0eWxlXCI6e1wiJGlkXCI6XCIxNDNcIixcIkZvbnRTZXR0aW5nc1wiOntcIiRpZFwiOlwiMTQ0XCIsXCJGb250U2l6ZVwiOjExLFwiRm9udE5hbWVcIjpcIkNhbGlicmlcIixcIklzQm9sZFwiOnRydWUsXCJJc0l0YWxpY1wiOmZhbHNlLFwiSXNVbmRlcmxpbmVkXCI6ZmFsc2V9LFwiQXV0b1NpemVcIjowLFwiRm9yZWdyb3VuZFwiOntcIiRpZFwiOlwiMTQ1XCIsXCJDb2xvclwiOntcIiRpZFwiOlwiMTQ2XCIsXCJBXCI6MjU1LFwiUlwiOjAsXCJHXCI6MCxcIkJcIjowfX0sXCJCYWNrZ3JvdW5kRmlsbFR5cGVcIjowLFwiTWF4V2lkdGhcIjo5NjAuMCxcIk1heEhlaWdodFwiOlwiSW5maW5pdHlcIixcIlNtYXJ0Rm9yZWdyb3VuZElzQWN0aXZlXCI6ZmFsc2UsXCJIb3Jpem9udGFsQWxpZ25tZW50XCI6MCxcIlZlcnRpY2FsQWxpZ25tZW50XCI6MCxcIlNtYXJ0Rm9yZWdyb3VuZFwiOm51bGwsXCJNYXJnaW5cIjp7XCIkaWRcIjpcIjE0N1wiLFwiVG9wXCI6MC4wLFwiTGVmdFwiOjAuMCxcIlJpZ2h0XCI6MC4wLFwiQm90dG9tXCI6MC4wfSxcIlBhZGRpbmdcIjp7XCIkaWRcIjpcIjE0OFwiLFwiVG9wXCI6MC4wLFwiTGVmdFwiOjAuMCxcIlJpZ2h0XCI6MC4wLFwiQm90dG9tXCI6MC4wfSxcIkJhY2tncm91bmRcIjp7XCIkaWRcIjpcIjE0OVwiLFwiQ29sb3JcIjp7XCIkcmVmXCI6XCIzNlwifX0sXCJJc1Zpc2libGVcIjp0cnVlLFwiV2lkdGhcIjowLjAsXCJIZWlnaHRcIjowLjAsXCJCb3JkZXJTdHlsZVwiOm51bGx9LFwiRGF0ZVN0eWxlXCI6e1wiJGlkXCI6XCIxNTBcIixcIkZvbnRTZXR0aW5nc1wiOntcIiRpZFwiOlwiMTUxXCIsXCJGb250U2l6ZVwiOjEwLFwiRm9udE5hbWVcIjpcIkNhbGlicmlcIixcIklzQm9sZFwiOmZhbHNlLFwiSXNJdGFsaWNcIjpmYWxzZSxcIklzVW5kZXJsaW5lZFwiOmZhbHNlfSxcIkF1dG9TaXplXCI6MCxcIkZvcmVncm91bmRcIjp7XCIkaWRcIjpcIjE1MlwiLFwiQ29sb3JcIjp7XCIkaWRcIjpcIjE1M1wiLFwiQVwiOjI1NSxcIlJcIjo2OCxcIkdcIjo4NCxcIkJcIjoxMDZ9fSxcIkJhY2tncm91bmRGaWxsVHlwZVwiOjAsXCJNYXhXaWR0aFwiOjIwMC4wLFwiTWF4SGVpZ2h0XCI6XCJJbmZpbml0eVwiLFwiU21hcnRGb3JlZ3JvdW5kSXNBY3RpdmVcIjpmYWxzZSxcIkhvcml6b250YWxBbGlnbm1lbnRcIjoyLFwiVmVydGljYWxBbGlnbm1lbnRcIjowLFwiU21hcnRGb3JlZ3JvdW5kXCI6bnVsbCxcIk1hcmdpblwiOntcIiRpZFwiOlwiMTU0XCIsXCJUb3BcIjowLjAsXCJMZWZ0XCI6MC4wLFwiUmlnaHRcIjowLjAsXCJCb3R0b21cIjowLjB9LFwiUGFkZGluZ1wiOntcIiRpZFwiOlwiMTU1XCIsXCJUb3BcIjowLjAsXCJMZWZ0XCI6MC4wLFwiUmlnaHRcIjowLjAsXCJCb3R0b21cIjowLjB9LFwiQmFja2dyb3VuZFwiOntcIiRpZFwiOlwiMTU2XCIsXCJDb2xvclwiOntcIiRyZWZcIjpcIjM2XCJ9fSxcIklzVmlzaWJsZVwiOnRydWUsXCJXaWR0aFwiOjAuMCxcIkhlaWdodFwiOjAuMCxcIkJvcmRlclN0eWxlXCI6bnVsbH0sXCJEYXRlRm9ybWF0XCI6e1wiJGlkXCI6XCIxNTdcIixcIkZvcm1hdFN0cmluZ1wiOlwiTU1NIGRcIixcIlNlcGFyYXRvclwiOlwiL1wiLFwiVXNlSW50ZXJuYXRpb25hbERhdGVGb3JtYXRcIjpmYWxzZSxcIkRhdGVJc1Zpc2libGVcIjp0cnVlLFwiVGltZUlzVmlzaWJsZVwiOmZhbHNlLFwiSG91ckRpZ2l0c1wiOjEsXCJBbVBtRGVzaWduYXRvclwiOjIsXCJUcmltMDBNaW51dGVzXCI6ZmFsc2UsXCJMYXN0S25vd25WaXNpYmlsaXR5U3RhdGVcIjpudWxsfSxcIklzVmlzaWJsZVwiOnRydWV9LFwiU2hvd0VsYXBzZWRUaW1lR3JhZGllbnRTdHlsZVwiOmZhbHNlLFwiVGltZWJhbmRSZXNlcnZlZExlZnRBcmVhU3R5bGVcIjpudWxsLFwiRGVmYXVsdFN3aW1sYW5lU3R5bGVcIjp7XCIkaWRcIjpcIjE1OFwiLFwiSGVhZGVyU3R5bGVcIjp7XCIkaWRcIjpcIjE1OVwiLFwiVGV4dFN0eWxlXCI6e1wiJGlkXCI6XCIxNjBcIixcIkZvbnRTZXR0aW5nc1wiOntcIiRpZFwiOlwiMTYxXCIsXCJGb250U2l6ZVwiOjEyLFwiRm9udE5hbWVcIjpcIkNhbGlicmlcIixcIklzQm9sZFwiOmZhbHNlLFwiSXNJdGFsaWNcIjpmYWxzZSxcIklzVW5kZXJsaW5lZFwiOmZhbHNlfSxcIkF1dG9TaXplXCI6MCxcIkZvcmVncm91bmRcIjp7XCIkaWRcIjpcIjE2MlwiLFwiQ29sb3JcIjp7XCIkaWRcIjpcIjE2M1wiLFwiQVwiOjI1NSxcIlJcIjozMixcIkdcIjo1NixcIkJcIjoxMDB9fSxcIkJhY2tncm91bmRGaWxsVHlwZVwiOjAsXCJNYXhXaWR0aFwiOjAuMCxcIk1heEhlaWdodFwiOjAuMCxcIlNtYXJ0Rm9yZWdyb3VuZElzQWN0aXZlXCI6ZmFsc2UsXCJIb3Jpem9udGFsQWxpZ25tZW50XCI6MCxcIlZlcnRpY2FsQWxpZ25tZW50XCI6MCxcIlNtYXJ0Rm9yZWdyb3VuZFwiOm51bGwsXCJNYXJnaW5cIjp7XCIkaWRcIjpcIjE2NFwiLFwiVG9wXCI6MC4wLFwiTGVmdFwiOjAuMCxcIlJpZ2h0XCI6MC4wLFwiQm90dG9tXCI6MC4wfSxcIlBhZGRpbmdcIjp7XCIkaWRcIjpcIjE2NVwiLFwiVG9wXCI6MC4wLFwiTGVmdFwiOjAuMCxcIlJpZ2h0XCI6MC4wLFwiQm90dG9tXCI6MC4wfSxcIkJhY2tncm91bmRcIjpudWxsLFwiSXNWaXNpYmxlXCI6ZmFsc2UsXCJXaWR0aFwiOjAuMCxcIkhlaWdodFwiOjAuMCxcIkJvcmRlclN0eWxlXCI6bnVsbH0sXCJSZWN0YW5nbGVTdHlsZVwiOntcIiRpZFwiOlwiMTY2XCIsXCJNYXJnaW5cIjp7XCIkaWRcIjpcIjE2N1wiLFwiVG9wXCI6MC4wLFwiTGVmdFwiOjAuMCxcIlJpZ2h0XCI6MC4wLFwiQm90dG9tXCI6MC4wfSxcIlBhZGRpbmdcIjp7XCIkaWRcIjpcIjE2OFwiLFwiVG9wXCI6MC4wLFwiTGVmdFwiOjAuMCxcIlJpZ2h0XCI6MC4wLFwiQm90dG9tXCI6MC4wfSxcIkJhY2tncm91bmRcIjp7XCIkaWRcIjpcIjE2OVwiLFwiQ29sb3JcIjp7XCIkaWRcIjpcIjE3MFwiLFwiQVwiOjEyNyxcIlJcIjo5MSxcIkdcIjoxNTUsXCJCXCI6MjEzfX0sXCJJc1Zpc2libGVcIjpmYWxzZSxcIldpZHRoXCI6MC4wLFwiSGVpZ2h0XCI6MC4wLFwiQm9yZGVyU3R5bGVcIjp7XCIkaWRcIjpcIjE3MVwiLFwiTGluZUNvbG9yXCI6e1wiJGlkXCI6XCIxNzJcIixcIiR0eXBlXCI6XCJOTFJFLkNvbW1vbi5Eb20uU29saWRDb2xvckJydXNoLCBOTFJFLkNvbW1vblwiLFwiQ29sb3JcIjp7XCIkaWRcIjpcIjE3M1wiLFwiQVwiOjI1NSxcIlJcIjoyNTUsXCJHXCI6MCxcIkJcIjowfX0sXCJMaW5lV2VpZ2h0XCI6MC4wLFwiTGluZVR5cGVcIjowfX0sXCJUZXh0SXNWZXJ0aWNhbFwiOmZhbHNlfSxcIkJhY2tncm91bmRTdHlsZVwiOntcIiRpZFwiOlwiMTc0XCIsXCJNYXJnaW5cIjp7XCIkaWRcIjpcIjE3NVwiLFwiVG9wXCI6MC4wLFwiTGVmdFwiOjAuMCxcIlJpZ2h0XCI6MC4wLFwiQm90dG9tXCI6MC4wfSxcIlBhZGRpbmdcIjp7XCIkaWRcIjpcIjE3NlwiLFwiVG9wXCI6MC4wLFwiTGVmdFwiOjAuMCxcIlJpZ2h0XCI6MC4wLFwiQm90dG9tXCI6MC4wfSxcIkJhY2tncm91bmRcIjp7XCIkaWRcIjpcIjE3N1wiLFwiQ29sb3JcIjp7XCIkaWRcIjpcIjE3OFwiLFwiQVwiOjM4LFwiUlwiOjkxLFwiR1wiOjE1NSxcIkJcIjoyMTN9fSxcIklzVmlzaWJsZVwiOnRydWUsXCJXaWR0aFwiOjAuMCxcIkhlaWdodFwiOjAuMCxcIkJvcmRlclN0eWxlXCI6e1wiJGlkXCI6XCIxNzlcIixcIkxpbmVDb2xvclwiOntcIiRpZFwiOlwiMTgwXCIsXCIkdHlwZVwiOlwiTkxSRS5Db21tb24uRG9tLlNvbGlkQ29sb3JCcnVzaCwgTkxSRS5Db21tb25cIixcIkNvbG9yXCI6e1wiJGlkXCI6XCIxODFcIixcIkFcIjoyNTUsXCJSXCI6MjU1LFwiR1wiOjAsXCJCXCI6MH19LFwiTGluZVdlaWdodFwiOjAuMCxcIkxpbmVUeXBlXCI6MH19LFwiSXNBYm92ZVRpbWViYW5kXCI6ZmFsc2V9LFwiQ3VzdG9tTWlsZXN0b25lU3R5bGVMaXN0XCI6W10sXCJDdXN0b21UYXNrU3R5bGVMaXN0XCI6W10sXCJDdXN0b21Td2ltbGFuZURlZmluaXRpb25TdHlsZUxpc3RcIjpbXSxcIkN1c3RvbVN3aW1sYW5lVjJTdHlsZUxpc3RcIjpbXSxcIkdyaWRsaW5lUGFuZWxTdHlsZVwiOntcIiRpZFwiOlwiMTgyXCIsXCJHcmlkbGluZVN0eWxlXCI6e1wiJGlkXCI6XCIxODNcIixcIkxpbmVDb2xvclwiOntcIiRpZFwiOlwiMTg0XCIsXCIkdHlwZVwiOlwiTkxSRS5Db21tb24uRG9tLlNvbGlkQ29sb3JCcnVzaCwgTkxSRS5Db21tb25cIixcIkNvbG9yXCI6e1wiJGlkXCI6XCIxODVcIixcIkFcIjozOCxcIlJcIjo5MSxcIkdcIjoxNTUsXCJCXCI6MjEzfX0sXCJMaW5lV2VpZ2h0XCI6MS4wLFwiTGluZVR5cGVcIjowfSxcIklzVmlzaWJsZVwiOnRydWV9LFwiQWN0aXZpdHlMaW5lUGFuZWxTdHlsZVwiOntcIiRpZFwiOlwiMTg2XCIsXCJBY3Rpdml0eUxpbmVTdHlsZVwiOntcIiRpZFwiOlwiMTg3XCIsXCJMaW5lQ29sb3JcIjp7XCIkaWRcIjpcIjE4OFwiLFwiJHR5cGVcIjpcIk5MUkUuQ29tbW9uLkRvbS5Tb2xpZENvbG9yQnJ1c2gsIE5MUkUuQ29tbW9uXCIsXCJDb2xvclwiOntcIiRpZFwiOlwiMTg5XCIsXCJBXCI6MzgsXCJSXCI6NjgsXCJHXCI6MTE0LFwiQlwiOjE5Nn19LFwiTGluZVdlaWdodFwiOjEuMCxcIkxpbmVUeXBlXCI6MH0sXCJJc1Zpc2libGVcIjp0cnVlfX0sXCJTY2FsZVwiOntcIiRpZFwiOlwiMTkwXCIsXCJTdGFydERhdGVcIjpcIjAwMDEtMDEtMDFUMDA6MDA6MDBcIixcIkVuZERhdGVcIjpcIjAwMDEtMDEtMDFUMDA6MDA6MDBcIixcIkZvcm1hdFwiOlwid1wiLFwiVHlwZVwiOjEsXCJBdXRvRGF0ZVJhbmdlXCI6dHJ1ZSxcIldvcmtpbmdEYXlzXCI6MzEsXCJUb2RheU1hcmtlclRleHRcIjpcIlRvZGF5XCIsXCJBdXRvU2NhbGVUeXBlXCI6dHJ1ZX0sXCJTY2FsZVYyXCI6e1wiJGlkXCI6XCIxOTFcIixcIlN0YXJ0RGF0ZVwiOlwiMDAwMS0wMS0wMVQwMDowMDowMFwiLFwiRW5kRGF0ZVwiOlwiMDAwMS0wMS0wMVQwMDowMDowMFwiLFwiQXV0b0RhdGVSYW5nZVwiOnRydWUsXCJXb3JraW5nRGF5c1wiOjMxLFwiVG9kYXlNYXJrZXJUZXh0XCI6XCJUb2RheVwiLFwiQXV0b1NjYWxlVHlwZVwiOnRydWUsXCJUaW1lYmFuZFNjYWxlc1wiOntcIiRpZFwiOlwiMTkyXCIsXCJUb3BTY2FsZUxheWVyXCI6e1wiJGlkXCI6XCIxOTNcIixcIkZvcm1hdFwiOlwid1wiLFwiVHlwZVwiOjF9LFwiTWlkZGxlU2NhbGVMYXllclwiOntcIiRpZFwiOlwiMTk0XCIsXCJGb3JtYXRcIjpudWxsLFwiVHlwZVwiOjB9LFwiQm90dG9tU2NhbGVMYXllclwiOntcIiRpZFwiOlwiMTk1XCIsXCJGb3JtYXRcIjpudWxsLFwiVHlwZVwiOjB9fX0sXCJNaWxlc3RvbmVzXCI6W10sXCJUYXNrc1wiOltdLFwiU3dpbWxhbmVzXCI6W10sXCJTd2ltbGFuZXNWMlwiOltdLFwiU2V0dGluZ3NcIjp7XCIkaWRcIjpcIjE5NlwiLFwiSW1wYU9wdGlvbnNcIjp7XCIkaWRcIjpcIjE5N1wiLFwiTGVmdFRvUmlnaHRcIjpmYWxzZSxcIlBheWxvYWRPcHRpb25zXCI6Mn19LFwiVGltZUNvbmZpZ3VyYXRpb25cIjp7XCIkaWRcIjpcIjE5OFwiLFwiVXNlVGltZVwiOmZhbHNlLFwiV29ya0RheVN0YXJ0XCI6XCIwMDowMDowMFwiLFwiV29ya0RheUVuZFwiOlwiMjM6NTk6MDBcIn19In0sIlNldHRpbmdzIjp7IiRpZCI6IjM3OSIsIkltcGFPcHRpb25zIjp7IiRpZCI6IjM4MCIsIkxlZnRUb1JpZ2h0IjpmYWxzZSwiUGF5bG9hZE9wdGlvbnMiOjJ9LCJVc2VDb21wcmVzc2lvbiI6ZmFsc2UsIkNvbXByZXNpb25QZXJjZW50YWdlIjo1MC4wLCJJbmFjdGl2ZUludGVydmFsV2lkdGhUaHJlc2hvbGQiOjMwLjAsIkluYWN0aXZlSW50ZXJ2YWxXaWR0aCI6MS4wLCJTcGxpdFRhc2tzIjpmYWxzZSwiVXNlQ2x1c3RlciI6ZmFsc2UsIkVwc2lsb24iOjUuMCwiTWluUG9pbnRzVG9Gb3JtQUNsdXN0ZXIiOjIsIkdlbmVyYXRlSW52aXNpYmxlU2hhcGVzIjpmYWxzZSwiU21hcnRUaW1lbGluZVRhc2tQZXJjZW50YWdlRml0IjpmYWxzZX0sIklzTmV3IjpmYWxzZSwiSW1wb3J0VHlwZSI6MCwiRmlsZVBhdGgiOm51bGwsIlRpbWVDb25maWd1cmF0aW9uIjp7IiRpZCI6IjM4MSIsIlVzZVRpbWUiOmZhbHNlLCJXb3JrRGF5U3RhcnQiOiIwMDowMDowMCIsIldvcmtEYXlFbmQiOiIyMzo1OTowMCJ9LCJMYXN0VXNlZFRlbXBsYXRlSWQiOiJjYzI2Zjg2My0yN2NlLTQ4MGUtYTU4OS1iM2YxMmYyZDZlYjAiLCJGaXJzdFdlZWtPZlllYXIiOjAsIlBsYWNlTWlsZXN0b25lQXRUaGVCZWdpbm5pbmdPZlRoZURheSI6ZmFsc2V9"/>
   <p:tag name="__MASTER" val="__part_0"/>
 </p:tagLst>
 </file>
@@ -10377,6 +11038,30 @@
 
 <file path=ppt/tags/tag81.xml><?xml version="1.0" encoding="utf-8"?>
 <p:tagLst xmlns:a="http://schemas.openxmlformats.org/drawingml/2006/main" xmlns:r="http://schemas.openxmlformats.org/officeDocument/2006/relationships" xmlns:p="http://schemas.openxmlformats.org/presentationml/2006/main">
+  <p:tag name="OTLMARKERSHAPE" val="OTL"/>
+</p:tagLst>
+</file>
+
+<file path=ppt/tags/tag82.xml><?xml version="1.0" encoding="utf-8"?>
+<p:tagLst xmlns:a="http://schemas.openxmlformats.org/drawingml/2006/main" xmlns:r="http://schemas.openxmlformats.org/officeDocument/2006/relationships" xmlns:p="http://schemas.openxmlformats.org/presentationml/2006/main">
+  <p:tag name="OTLMARKERSHAPE" val="OTL"/>
+</p:tagLst>
+</file>
+
+<file path=ppt/tags/tag83.xml><?xml version="1.0" encoding="utf-8"?>
+<p:tagLst xmlns:a="http://schemas.openxmlformats.org/drawingml/2006/main" xmlns:r="http://schemas.openxmlformats.org/officeDocument/2006/relationships" xmlns:p="http://schemas.openxmlformats.org/presentationml/2006/main">
+  <p:tag name="OTLMARKERSHAPE" val="OTL"/>
+</p:tagLst>
+</file>
+
+<file path=ppt/tags/tag84.xml><?xml version="1.0" encoding="utf-8"?>
+<p:tagLst xmlns:a="http://schemas.openxmlformats.org/drawingml/2006/main" xmlns:r="http://schemas.openxmlformats.org/officeDocument/2006/relationships" xmlns:p="http://schemas.openxmlformats.org/presentationml/2006/main">
+  <p:tag name="OTLMARKERSHAPE" val="OTL"/>
+</p:tagLst>
+</file>
+
+<file path=ppt/tags/tag85.xml><?xml version="1.0" encoding="utf-8"?>
+<p:tagLst xmlns:a="http://schemas.openxmlformats.org/drawingml/2006/main" xmlns:r="http://schemas.openxmlformats.org/officeDocument/2006/relationships" xmlns:p="http://schemas.openxmlformats.org/presentationml/2006/main">
   <p:tag name="OTLDATEFORMATSTRING" val="MMM d"/>
   <p:tag name="OTLDATEFORMATSEPARATOR" val="/"/>
   <p:tag name="OTLDATEFORMATUSEUS" val="True"/>
@@ -10396,7 +11081,7 @@
 </p:tagLst>
 </file>
 
-<file path=ppt/tags/tag82.xml><?xml version="1.0" encoding="utf-8"?>
+<file path=ppt/tags/tag86.xml><?xml version="1.0" encoding="utf-8"?>
 <p:tagLst xmlns:a="http://schemas.openxmlformats.org/drawingml/2006/main" xmlns:r="http://schemas.openxmlformats.org/officeDocument/2006/relationships" xmlns:p="http://schemas.openxmlformats.org/presentationml/2006/main">
   <p:tag name="OTLDATEFORMATSTRING" val="MMM d"/>
   <p:tag name="OTLDATEFORMATSEPARATOR" val="/"/>
@@ -10417,7 +11102,7 @@
 </p:tagLst>
 </file>
 
-<file path=ppt/tags/tag83.xml><?xml version="1.0" encoding="utf-8"?>
+<file path=ppt/tags/tag87.xml><?xml version="1.0" encoding="utf-8"?>
 <p:tagLst xmlns:a="http://schemas.openxmlformats.org/drawingml/2006/main" xmlns:r="http://schemas.openxmlformats.org/officeDocument/2006/relationships" xmlns:p="http://schemas.openxmlformats.org/presentationml/2006/main">
   <p:tag name="OTLDATEFORMATSTRING" val="MMM d"/>
   <p:tag name="OTLDATEFORMATSEPARATOR" val="/"/>
@@ -10433,12 +11118,12 @@
   <p:tag name="OTLSPACING" val="5"/>
   <p:tag name="OTLSHAPETHICKNESSTYPE" val="Regular"/>
   <p:tag name="OTLMARKERSHAPE" val="OTL"/>
-  <p:tag name="OTLSTARTDATE" val="2022-05-02T00:00:00.0000000Z"/>
-  <p:tag name="OTLENDDATE" val="2022-05-18T23:59:00.0000000Z"/>
-</p:tagLst>
-</file>
-
-<file path=ppt/tags/tag84.xml><?xml version="1.0" encoding="utf-8"?>
+  <p:tag name="OTLENDDATE" val="2022-05-20T23:59:00.0000000Z"/>
+  <p:tag name="OTLSTARTDATE" val="2022-05-09T00:00:00.0000000Z"/>
+</p:tagLst>
+</file>
+
+<file path=ppt/tags/tag88.xml><?xml version="1.0" encoding="utf-8"?>
 <p:tagLst xmlns:a="http://schemas.openxmlformats.org/drawingml/2006/main" xmlns:r="http://schemas.openxmlformats.org/officeDocument/2006/relationships" xmlns:p="http://schemas.openxmlformats.org/presentationml/2006/main">
   <p:tag name="OTLMARKERSHAPE" val="OTL"/>
   <p:tag name="OTLDATEFORMATSTRING" val="MMM d"/>
@@ -10459,7 +11144,7 @@
 </p:tagLst>
 </file>
 
-<file path=ppt/tags/tag85.xml><?xml version="1.0" encoding="utf-8"?>
+<file path=ppt/tags/tag89.xml><?xml version="1.0" encoding="utf-8"?>
 <p:tagLst xmlns:a="http://schemas.openxmlformats.org/drawingml/2006/main" xmlns:r="http://schemas.openxmlformats.org/officeDocument/2006/relationships" xmlns:p="http://schemas.openxmlformats.org/presentationml/2006/main">
   <p:tag name="OTLMARKERSHAPE" val="OTL"/>
   <p:tag name="OTLDATEFORMATSTRING" val="MMM d"/>
@@ -10480,7 +11165,13 @@
 </p:tagLst>
 </file>
 
-<file path=ppt/tags/tag86.xml><?xml version="1.0" encoding="utf-8"?>
+<file path=ppt/tags/tag9.xml><?xml version="1.0" encoding="utf-8"?>
+<p:tagLst xmlns:a="http://schemas.openxmlformats.org/drawingml/2006/main" xmlns:r="http://schemas.openxmlformats.org/officeDocument/2006/relationships" xmlns:p="http://schemas.openxmlformats.org/presentationml/2006/main">
+  <p:tag name="OTLMARKERSHAPE" val="OTL"/>
+</p:tagLst>
+</file>
+
+<file path=ppt/tags/tag90.xml><?xml version="1.0" encoding="utf-8"?>
 <p:tagLst xmlns:a="http://schemas.openxmlformats.org/drawingml/2006/main" xmlns:r="http://schemas.openxmlformats.org/officeDocument/2006/relationships" xmlns:p="http://schemas.openxmlformats.org/presentationml/2006/main">
   <p:tag name="OTLMARKERSHAPE" val="OTL"/>
   <p:tag name="OTLDATEFORMATSTRING" val="MMM d"/>
@@ -10501,39 +11192,24 @@
 </p:tagLst>
 </file>
 
-<file path=ppt/tags/tag87.xml><?xml version="1.0" encoding="utf-8"?>
-<p:tagLst xmlns:a="http://schemas.openxmlformats.org/drawingml/2006/main" xmlns:r="http://schemas.openxmlformats.org/officeDocument/2006/relationships" xmlns:p="http://schemas.openxmlformats.org/presentationml/2006/main">
-  <p:tag name="OTLMARKERSHAPE" val="OTL"/>
-</p:tagLst>
-</file>
-
-<file path=ppt/tags/tag88.xml><?xml version="1.0" encoding="utf-8"?>
-<p:tagLst xmlns:a="http://schemas.openxmlformats.org/drawingml/2006/main" xmlns:r="http://schemas.openxmlformats.org/officeDocument/2006/relationships" xmlns:p="http://schemas.openxmlformats.org/presentationml/2006/main">
-  <p:tag name="OTLMARKERSHAPE" val="OTL"/>
-</p:tagLst>
-</file>
-
-<file path=ppt/tags/tag89.xml><?xml version="1.0" encoding="utf-8"?>
-<p:tagLst xmlns:a="http://schemas.openxmlformats.org/drawingml/2006/main" xmlns:r="http://schemas.openxmlformats.org/officeDocument/2006/relationships" xmlns:p="http://schemas.openxmlformats.org/presentationml/2006/main">
-  <p:tag name="OTLMARKERSHAPE" val="OTL"/>
-</p:tagLst>
-</file>
-
-<file path=ppt/tags/tag9.xml><?xml version="1.0" encoding="utf-8"?>
-<p:tagLst xmlns:a="http://schemas.openxmlformats.org/drawingml/2006/main" xmlns:r="http://schemas.openxmlformats.org/officeDocument/2006/relationships" xmlns:p="http://schemas.openxmlformats.org/presentationml/2006/main">
-  <p:tag name="OTLMARKERSHAPE" val="OTL"/>
-</p:tagLst>
-</file>
-
-<file path=ppt/tags/tag90.xml><?xml version="1.0" encoding="utf-8"?>
-<p:tagLst xmlns:a="http://schemas.openxmlformats.org/drawingml/2006/main" xmlns:r="http://schemas.openxmlformats.org/officeDocument/2006/relationships" xmlns:p="http://schemas.openxmlformats.org/presentationml/2006/main">
-  <p:tag name="OTLMARKERSHAPE" val="OTL"/>
-</p:tagLst>
-</file>
-
 <file path=ppt/tags/tag91.xml><?xml version="1.0" encoding="utf-8"?>
 <p:tagLst xmlns:a="http://schemas.openxmlformats.org/drawingml/2006/main" xmlns:r="http://schemas.openxmlformats.org/officeDocument/2006/relationships" xmlns:p="http://schemas.openxmlformats.org/presentationml/2006/main">
   <p:tag name="OTLMARKERSHAPE" val="OTL"/>
+  <p:tag name="OTLDATEFORMATSTRING" val="MMM d"/>
+  <p:tag name="OTLDATEFORMATSEPARATOR" val="/"/>
+  <p:tag name="OTLDATEFORMATUSEUS" val="True"/>
+  <p:tag name="OTLDATEFORMATDATEISVISIBLE" val="True"/>
+  <p:tag name="OTLDATEFORMATTIMEISVISIBLE" val="False"/>
+  <p:tag name="OTLDATEFORMATAMPMDESIGNATOR" val="AmPmLowerCase"/>
+  <p:tag name="OTLDATEFORMATHOURDIGITS" val="H"/>
+  <p:tag name="OTLDATEFORMATTRIM00MINUTES" val="False"/>
+  <p:tag name="OTLWEEKNUMBERINGFORMAT" val="WNFormat1"/>
+  <p:tag name="OTLWEEKNUMBERINGISVISIBLE" val="False"/>
+  <p:tag name="OTLSTARTDATE" val="2022-05-23T00:00:00.0000000Z"/>
+  <p:tag name="OTLENDDATE" val="2022-05-31T23:59:00.0000000Z"/>
+  <p:tag name="OTLDURATIONFORMAT" val="day"/>
+  <p:tag name="OTLSPACING" val="5"/>
+  <p:tag name="OTLSHAPETHICKNESSTYPE" val="Regular"/>
 </p:tagLst>
 </file>
 
@@ -10847,18 +11523,18 @@
 </file>
 
 <file path=customXml/item1.xml><?xml version="1.0" encoding="utf-8"?>
-<p:properties xmlns:p="http://schemas.microsoft.com/office/2006/metadata/properties" xmlns:xsi="http://www.w3.org/2001/XMLSchema-instance" xmlns:pc="http://schemas.microsoft.com/office/infopath/2007/PartnerControls">
-  <documentManagement/>
-</p:properties>
-</file>
-
-<file path=customXml/item2.xml><?xml version="1.0" encoding="utf-8"?>
 <?mso-contentType ?>
 <FormTemplates xmlns="http://schemas.microsoft.com/sharepoint/v3/contenttype/forms">
   <Display>DocumentLibraryForm</Display>
   <Edit>DocumentLibraryForm</Edit>
   <New>DocumentLibraryForm</New>
 </FormTemplates>
+</file>
+
+<file path=customXml/item2.xml><?xml version="1.0" encoding="utf-8"?>
+<p:properties xmlns:p="http://schemas.microsoft.com/office/2006/metadata/properties" xmlns:xsi="http://www.w3.org/2001/XMLSchema-instance" xmlns:pc="http://schemas.microsoft.com/office/infopath/2007/PartnerControls">
+  <documentManagement/>
+</p:properties>
 </file>
 
 <file path=customXml/item3.xml><?xml version="1.0" encoding="utf-8"?>
@@ -11079,6 +11755,14 @@
 </file>
 
 <file path=customXml/itemProps1.xml><?xml version="1.0" encoding="utf-8"?>
+<ds:datastoreItem xmlns:ds="http://schemas.openxmlformats.org/officeDocument/2006/customXml" ds:itemID="{B9505F6C-6655-4394-A390-5D0FFB49AEA6}">
+  <ds:schemaRefs>
+    <ds:schemaRef ds:uri="http://schemas.microsoft.com/sharepoint/v3/contenttype/forms"/>
+  </ds:schemaRefs>
+</ds:datastoreItem>
+</file>
+
+<file path=customXml/itemProps2.xml><?xml version="1.0" encoding="utf-8"?>
 <ds:datastoreItem xmlns:ds="http://schemas.openxmlformats.org/officeDocument/2006/customXml" ds:itemID="{A75EC8C0-5113-4EFD-AE80-6BEE7563151B}">
   <ds:schemaRefs>
     <ds:schemaRef ds:uri="7a019f6c-b0e0-4e4c-a8bf-0404b70041b7"/>
@@ -11091,14 +11775,6 @@
     <ds:schemaRef ds:uri="http://schemas.microsoft.com/office/2006/documentManagement/types"/>
     <ds:schemaRef ds:uri="http://purl.org/dc/dcmitype/"/>
     <ds:schemaRef ds:uri="http://purl.org/dc/elements/1.1/"/>
-  </ds:schemaRefs>
-</ds:datastoreItem>
-</file>
-
-<file path=customXml/itemProps2.xml><?xml version="1.0" encoding="utf-8"?>
-<ds:datastoreItem xmlns:ds="http://schemas.openxmlformats.org/officeDocument/2006/customXml" ds:itemID="{B9505F6C-6655-4394-A390-5D0FFB49AEA6}">
-  <ds:schemaRefs>
-    <ds:schemaRef ds:uri="http://schemas.microsoft.com/sharepoint/v3/contenttype/forms"/>
   </ds:schemaRefs>
 </ds:datastoreItem>
 </file>
